--- a/Presentations/Proteasen - week 1.pptx
+++ b/Presentations/Proteasen - week 1.pptx
@@ -9,7 +9,9 @@
     <p:sldId id="262" r:id="rId3"/>
     <p:sldId id="263" r:id="rId4"/>
     <p:sldId id="260" r:id="rId5"/>
-    <p:sldId id="258" r:id="rId6"/>
+    <p:sldId id="266" r:id="rId6"/>
+    <p:sldId id="264" r:id="rId7"/>
+    <p:sldId id="265" r:id="rId8"/>
   </p:sldIdLst>
   <p:sldSz cx="12192000" cy="6858000"/>
   <p:notesSz cx="6858000" cy="9144000"/>
@@ -133,7 +135,7 @@
           <p:cNvPr id="2" name="Titel 1">
             <a:extLst>
               <a:ext uri="{FF2B5EF4-FFF2-40B4-BE49-F238E27FC236}">
-                <a16:creationId xmlns:a16="http://schemas.microsoft.com/office/drawing/2014/main" id="{EFD99023-B551-45B8-A12C-2917446E04BE}"/>
+                <a16:creationId xmlns:a16="http://schemas.microsoft.com/office/drawing/2014/main" xmlns="" id="{EFD99023-B551-45B8-A12C-2917446E04BE}"/>
               </a:ext>
             </a:extLst>
           </p:cNvPr>
@@ -170,7 +172,7 @@
           <p:cNvPr id="3" name="Ondertitel 2">
             <a:extLst>
               <a:ext uri="{FF2B5EF4-FFF2-40B4-BE49-F238E27FC236}">
-                <a16:creationId xmlns:a16="http://schemas.microsoft.com/office/drawing/2014/main" id="{2E009DEA-736C-495D-A0BD-D3CB755CD810}"/>
+                <a16:creationId xmlns:a16="http://schemas.microsoft.com/office/drawing/2014/main" xmlns="" id="{2E009DEA-736C-495D-A0BD-D3CB755CD810}"/>
               </a:ext>
             </a:extLst>
           </p:cNvPr>
@@ -240,7 +242,7 @@
           <p:cNvPr id="4" name="Tijdelijke aanduiding voor datum 3">
             <a:extLst>
               <a:ext uri="{FF2B5EF4-FFF2-40B4-BE49-F238E27FC236}">
-                <a16:creationId xmlns:a16="http://schemas.microsoft.com/office/drawing/2014/main" id="{67209F8F-9D5D-4D9E-AC0A-70E79D66B973}"/>
+                <a16:creationId xmlns:a16="http://schemas.microsoft.com/office/drawing/2014/main" xmlns="" id="{67209F8F-9D5D-4D9E-AC0A-70E79D66B973}"/>
               </a:ext>
             </a:extLst>
           </p:cNvPr>
@@ -258,7 +260,8 @@
           <a:p>
             <a:fld id="{ADE4902F-FBEA-4B35-9D62-082FA2608761}" type="datetimeFigureOut">
               <a:rPr lang="nl-NL" smtClean="0"/>
-              <a:t>6-11-2017</a:t>
+              <a:pPr/>
+              <a:t>13-11-2017</a:t>
             </a:fld>
             <a:endParaRPr lang="nl-NL"/>
           </a:p>
@@ -269,7 +272,7 @@
           <p:cNvPr id="5" name="Tijdelijke aanduiding voor voettekst 4">
             <a:extLst>
               <a:ext uri="{FF2B5EF4-FFF2-40B4-BE49-F238E27FC236}">
-                <a16:creationId xmlns:a16="http://schemas.microsoft.com/office/drawing/2014/main" id="{54E64078-7028-4A61-9D1A-E34F5B16D07A}"/>
+                <a16:creationId xmlns:a16="http://schemas.microsoft.com/office/drawing/2014/main" xmlns="" id="{54E64078-7028-4A61-9D1A-E34F5B16D07A}"/>
               </a:ext>
             </a:extLst>
           </p:cNvPr>
@@ -294,7 +297,7 @@
           <p:cNvPr id="6" name="Tijdelijke aanduiding voor dianummer 5">
             <a:extLst>
               <a:ext uri="{FF2B5EF4-FFF2-40B4-BE49-F238E27FC236}">
-                <a16:creationId xmlns:a16="http://schemas.microsoft.com/office/drawing/2014/main" id="{F94CF3BC-A337-46FC-9ED2-A70F074C57CD}"/>
+                <a16:creationId xmlns:a16="http://schemas.microsoft.com/office/drawing/2014/main" xmlns="" id="{F94CF3BC-A337-46FC-9ED2-A70F074C57CD}"/>
               </a:ext>
             </a:extLst>
           </p:cNvPr>
@@ -312,6 +315,7 @@
           <a:p>
             <a:fld id="{1C1C122E-05CA-4289-A26B-D14C5EAD5EFF}" type="slidenum">
               <a:rPr lang="nl-NL" smtClean="0"/>
+              <a:pPr/>
               <a:t>‹nr.›</a:t>
             </a:fld>
             <a:endParaRPr lang="nl-NL"/>
@@ -321,7 +325,7 @@
     </p:spTree>
     <p:extLst>
       <p:ext uri="{BB962C8B-B14F-4D97-AF65-F5344CB8AC3E}">
-        <p14:creationId xmlns:p14="http://schemas.microsoft.com/office/powerpoint/2010/main" val="3805358241"/>
+        <p14:creationId xmlns:p14="http://schemas.microsoft.com/office/powerpoint/2010/main" xmlns="" val="3805358241"/>
       </p:ext>
     </p:extLst>
   </p:cSld>
@@ -353,7 +357,7 @@
           <p:cNvPr id="2" name="Titel 1">
             <a:extLst>
               <a:ext uri="{FF2B5EF4-FFF2-40B4-BE49-F238E27FC236}">
-                <a16:creationId xmlns:a16="http://schemas.microsoft.com/office/drawing/2014/main" id="{A0360AC8-B78F-4264-BCDD-ACDC27E57432}"/>
+                <a16:creationId xmlns:a16="http://schemas.microsoft.com/office/drawing/2014/main" xmlns="" id="{A0360AC8-B78F-4264-BCDD-ACDC27E57432}"/>
               </a:ext>
             </a:extLst>
           </p:cNvPr>
@@ -381,7 +385,7 @@
           <p:cNvPr id="3" name="Tijdelijke aanduiding voor verticale tekst 2">
             <a:extLst>
               <a:ext uri="{FF2B5EF4-FFF2-40B4-BE49-F238E27FC236}">
-                <a16:creationId xmlns:a16="http://schemas.microsoft.com/office/drawing/2014/main" id="{CBC2C12D-CEBD-47C9-B6B8-76D5A5B9B46B}"/>
+                <a16:creationId xmlns:a16="http://schemas.microsoft.com/office/drawing/2014/main" xmlns="" id="{CBC2C12D-CEBD-47C9-B6B8-76D5A5B9B46B}"/>
               </a:ext>
             </a:extLst>
           </p:cNvPr>
@@ -438,7 +442,7 @@
           <p:cNvPr id="4" name="Tijdelijke aanduiding voor datum 3">
             <a:extLst>
               <a:ext uri="{FF2B5EF4-FFF2-40B4-BE49-F238E27FC236}">
-                <a16:creationId xmlns:a16="http://schemas.microsoft.com/office/drawing/2014/main" id="{99C3A252-6B99-4635-BB91-A7D08534575D}"/>
+                <a16:creationId xmlns:a16="http://schemas.microsoft.com/office/drawing/2014/main" xmlns="" id="{99C3A252-6B99-4635-BB91-A7D08534575D}"/>
               </a:ext>
             </a:extLst>
           </p:cNvPr>
@@ -456,7 +460,8 @@
           <a:p>
             <a:fld id="{ADE4902F-FBEA-4B35-9D62-082FA2608761}" type="datetimeFigureOut">
               <a:rPr lang="nl-NL" smtClean="0"/>
-              <a:t>6-11-2017</a:t>
+              <a:pPr/>
+              <a:t>13-11-2017</a:t>
             </a:fld>
             <a:endParaRPr lang="nl-NL"/>
           </a:p>
@@ -467,7 +472,7 @@
           <p:cNvPr id="5" name="Tijdelijke aanduiding voor voettekst 4">
             <a:extLst>
               <a:ext uri="{FF2B5EF4-FFF2-40B4-BE49-F238E27FC236}">
-                <a16:creationId xmlns:a16="http://schemas.microsoft.com/office/drawing/2014/main" id="{55C44EC4-4316-439A-80F3-5CF8FA8B9E4D}"/>
+                <a16:creationId xmlns:a16="http://schemas.microsoft.com/office/drawing/2014/main" xmlns="" id="{55C44EC4-4316-439A-80F3-5CF8FA8B9E4D}"/>
               </a:ext>
             </a:extLst>
           </p:cNvPr>
@@ -492,7 +497,7 @@
           <p:cNvPr id="6" name="Tijdelijke aanduiding voor dianummer 5">
             <a:extLst>
               <a:ext uri="{FF2B5EF4-FFF2-40B4-BE49-F238E27FC236}">
-                <a16:creationId xmlns:a16="http://schemas.microsoft.com/office/drawing/2014/main" id="{51651B2C-E2E2-469B-9BC0-4F51A8AB8FCF}"/>
+                <a16:creationId xmlns:a16="http://schemas.microsoft.com/office/drawing/2014/main" xmlns="" id="{51651B2C-E2E2-469B-9BC0-4F51A8AB8FCF}"/>
               </a:ext>
             </a:extLst>
           </p:cNvPr>
@@ -510,6 +515,7 @@
           <a:p>
             <a:fld id="{1C1C122E-05CA-4289-A26B-D14C5EAD5EFF}" type="slidenum">
               <a:rPr lang="nl-NL" smtClean="0"/>
+              <a:pPr/>
               <a:t>‹nr.›</a:t>
             </a:fld>
             <a:endParaRPr lang="nl-NL"/>
@@ -519,7 +525,7 @@
     </p:spTree>
     <p:extLst>
       <p:ext uri="{BB962C8B-B14F-4D97-AF65-F5344CB8AC3E}">
-        <p14:creationId xmlns:p14="http://schemas.microsoft.com/office/powerpoint/2010/main" val="3203477417"/>
+        <p14:creationId xmlns:p14="http://schemas.microsoft.com/office/powerpoint/2010/main" xmlns="" val="3203477417"/>
       </p:ext>
     </p:extLst>
   </p:cSld>
@@ -551,7 +557,7 @@
           <p:cNvPr id="2" name="Verticale titel 1">
             <a:extLst>
               <a:ext uri="{FF2B5EF4-FFF2-40B4-BE49-F238E27FC236}">
-                <a16:creationId xmlns:a16="http://schemas.microsoft.com/office/drawing/2014/main" id="{A8495113-02DB-4A72-A690-2DCF724F608D}"/>
+                <a16:creationId xmlns:a16="http://schemas.microsoft.com/office/drawing/2014/main" xmlns="" id="{A8495113-02DB-4A72-A690-2DCF724F608D}"/>
               </a:ext>
             </a:extLst>
           </p:cNvPr>
@@ -584,7 +590,7 @@
           <p:cNvPr id="3" name="Tijdelijke aanduiding voor verticale tekst 2">
             <a:extLst>
               <a:ext uri="{FF2B5EF4-FFF2-40B4-BE49-F238E27FC236}">
-                <a16:creationId xmlns:a16="http://schemas.microsoft.com/office/drawing/2014/main" id="{C31B8AC1-42B5-4119-AC97-D81F532327F3}"/>
+                <a16:creationId xmlns:a16="http://schemas.microsoft.com/office/drawing/2014/main" xmlns="" id="{C31B8AC1-42B5-4119-AC97-D81F532327F3}"/>
               </a:ext>
             </a:extLst>
           </p:cNvPr>
@@ -646,7 +652,7 @@
           <p:cNvPr id="4" name="Tijdelijke aanduiding voor datum 3">
             <a:extLst>
               <a:ext uri="{FF2B5EF4-FFF2-40B4-BE49-F238E27FC236}">
-                <a16:creationId xmlns:a16="http://schemas.microsoft.com/office/drawing/2014/main" id="{C56E96B1-1940-4306-AE29-87A98AD3166A}"/>
+                <a16:creationId xmlns:a16="http://schemas.microsoft.com/office/drawing/2014/main" xmlns="" id="{C56E96B1-1940-4306-AE29-87A98AD3166A}"/>
               </a:ext>
             </a:extLst>
           </p:cNvPr>
@@ -664,7 +670,8 @@
           <a:p>
             <a:fld id="{ADE4902F-FBEA-4B35-9D62-082FA2608761}" type="datetimeFigureOut">
               <a:rPr lang="nl-NL" smtClean="0"/>
-              <a:t>6-11-2017</a:t>
+              <a:pPr/>
+              <a:t>13-11-2017</a:t>
             </a:fld>
             <a:endParaRPr lang="nl-NL"/>
           </a:p>
@@ -675,7 +682,7 @@
           <p:cNvPr id="5" name="Tijdelijke aanduiding voor voettekst 4">
             <a:extLst>
               <a:ext uri="{FF2B5EF4-FFF2-40B4-BE49-F238E27FC236}">
-                <a16:creationId xmlns:a16="http://schemas.microsoft.com/office/drawing/2014/main" id="{A5988C8F-FC0C-4CBE-BA17-CA0DFB99C566}"/>
+                <a16:creationId xmlns:a16="http://schemas.microsoft.com/office/drawing/2014/main" xmlns="" id="{A5988C8F-FC0C-4CBE-BA17-CA0DFB99C566}"/>
               </a:ext>
             </a:extLst>
           </p:cNvPr>
@@ -700,7 +707,7 @@
           <p:cNvPr id="6" name="Tijdelijke aanduiding voor dianummer 5">
             <a:extLst>
               <a:ext uri="{FF2B5EF4-FFF2-40B4-BE49-F238E27FC236}">
-                <a16:creationId xmlns:a16="http://schemas.microsoft.com/office/drawing/2014/main" id="{5965722C-5852-44DE-9F55-897A005A5E6B}"/>
+                <a16:creationId xmlns:a16="http://schemas.microsoft.com/office/drawing/2014/main" xmlns="" id="{5965722C-5852-44DE-9F55-897A005A5E6B}"/>
               </a:ext>
             </a:extLst>
           </p:cNvPr>
@@ -718,6 +725,7 @@
           <a:p>
             <a:fld id="{1C1C122E-05CA-4289-A26B-D14C5EAD5EFF}" type="slidenum">
               <a:rPr lang="nl-NL" smtClean="0"/>
+              <a:pPr/>
               <a:t>‹nr.›</a:t>
             </a:fld>
             <a:endParaRPr lang="nl-NL"/>
@@ -727,7 +735,7 @@
     </p:spTree>
     <p:extLst>
       <p:ext uri="{BB962C8B-B14F-4D97-AF65-F5344CB8AC3E}">
-        <p14:creationId xmlns:p14="http://schemas.microsoft.com/office/powerpoint/2010/main" val="1094053022"/>
+        <p14:creationId xmlns:p14="http://schemas.microsoft.com/office/powerpoint/2010/main" xmlns="" val="1094053022"/>
       </p:ext>
     </p:extLst>
   </p:cSld>
@@ -759,7 +767,7 @@
           <p:cNvPr id="2" name="Titel 1">
             <a:extLst>
               <a:ext uri="{FF2B5EF4-FFF2-40B4-BE49-F238E27FC236}">
-                <a16:creationId xmlns:a16="http://schemas.microsoft.com/office/drawing/2014/main" id="{016A3A2C-E9A1-46E3-B56B-6107511A4824}"/>
+                <a16:creationId xmlns:a16="http://schemas.microsoft.com/office/drawing/2014/main" xmlns="" id="{016A3A2C-E9A1-46E3-B56B-6107511A4824}"/>
               </a:ext>
             </a:extLst>
           </p:cNvPr>
@@ -787,7 +795,7 @@
           <p:cNvPr id="3" name="Tijdelijke aanduiding voor inhoud 2">
             <a:extLst>
               <a:ext uri="{FF2B5EF4-FFF2-40B4-BE49-F238E27FC236}">
-                <a16:creationId xmlns:a16="http://schemas.microsoft.com/office/drawing/2014/main" id="{3767E90F-0F89-4A06-B8E9-1CDE6F03C9ED}"/>
+                <a16:creationId xmlns:a16="http://schemas.microsoft.com/office/drawing/2014/main" xmlns="" id="{3767E90F-0F89-4A06-B8E9-1CDE6F03C9ED}"/>
               </a:ext>
             </a:extLst>
           </p:cNvPr>
@@ -844,7 +852,7 @@
           <p:cNvPr id="4" name="Tijdelijke aanduiding voor datum 3">
             <a:extLst>
               <a:ext uri="{FF2B5EF4-FFF2-40B4-BE49-F238E27FC236}">
-                <a16:creationId xmlns:a16="http://schemas.microsoft.com/office/drawing/2014/main" id="{03A33B9D-72AD-41A2-B2D2-DD46DAD7D7DC}"/>
+                <a16:creationId xmlns:a16="http://schemas.microsoft.com/office/drawing/2014/main" xmlns="" id="{03A33B9D-72AD-41A2-B2D2-DD46DAD7D7DC}"/>
               </a:ext>
             </a:extLst>
           </p:cNvPr>
@@ -862,7 +870,8 @@
           <a:p>
             <a:fld id="{ADE4902F-FBEA-4B35-9D62-082FA2608761}" type="datetimeFigureOut">
               <a:rPr lang="nl-NL" smtClean="0"/>
-              <a:t>6-11-2017</a:t>
+              <a:pPr/>
+              <a:t>13-11-2017</a:t>
             </a:fld>
             <a:endParaRPr lang="nl-NL"/>
           </a:p>
@@ -873,7 +882,7 @@
           <p:cNvPr id="5" name="Tijdelijke aanduiding voor voettekst 4">
             <a:extLst>
               <a:ext uri="{FF2B5EF4-FFF2-40B4-BE49-F238E27FC236}">
-                <a16:creationId xmlns:a16="http://schemas.microsoft.com/office/drawing/2014/main" id="{B66C81FA-DFF3-464A-B628-347A5430C915}"/>
+                <a16:creationId xmlns:a16="http://schemas.microsoft.com/office/drawing/2014/main" xmlns="" id="{B66C81FA-DFF3-464A-B628-347A5430C915}"/>
               </a:ext>
             </a:extLst>
           </p:cNvPr>
@@ -898,7 +907,7 @@
           <p:cNvPr id="6" name="Tijdelijke aanduiding voor dianummer 5">
             <a:extLst>
               <a:ext uri="{FF2B5EF4-FFF2-40B4-BE49-F238E27FC236}">
-                <a16:creationId xmlns:a16="http://schemas.microsoft.com/office/drawing/2014/main" id="{CCA4C3AF-1A2F-4B35-ADA6-C3C3322C3EFE}"/>
+                <a16:creationId xmlns:a16="http://schemas.microsoft.com/office/drawing/2014/main" xmlns="" id="{CCA4C3AF-1A2F-4B35-ADA6-C3C3322C3EFE}"/>
               </a:ext>
             </a:extLst>
           </p:cNvPr>
@@ -916,6 +925,7 @@
           <a:p>
             <a:fld id="{1C1C122E-05CA-4289-A26B-D14C5EAD5EFF}" type="slidenum">
               <a:rPr lang="nl-NL" smtClean="0"/>
+              <a:pPr/>
               <a:t>‹nr.›</a:t>
             </a:fld>
             <a:endParaRPr lang="nl-NL"/>
@@ -925,7 +935,7 @@
     </p:spTree>
     <p:extLst>
       <p:ext uri="{BB962C8B-B14F-4D97-AF65-F5344CB8AC3E}">
-        <p14:creationId xmlns:p14="http://schemas.microsoft.com/office/powerpoint/2010/main" val="1515944853"/>
+        <p14:creationId xmlns:p14="http://schemas.microsoft.com/office/powerpoint/2010/main" xmlns="" val="1515944853"/>
       </p:ext>
     </p:extLst>
   </p:cSld>
@@ -957,7 +967,7 @@
           <p:cNvPr id="2" name="Titel 1">
             <a:extLst>
               <a:ext uri="{FF2B5EF4-FFF2-40B4-BE49-F238E27FC236}">
-                <a16:creationId xmlns:a16="http://schemas.microsoft.com/office/drawing/2014/main" id="{07CEC788-F9AF-4924-B3FC-70812FE0AB92}"/>
+                <a16:creationId xmlns:a16="http://schemas.microsoft.com/office/drawing/2014/main" xmlns="" id="{07CEC788-F9AF-4924-B3FC-70812FE0AB92}"/>
               </a:ext>
             </a:extLst>
           </p:cNvPr>
@@ -994,7 +1004,7 @@
           <p:cNvPr id="3" name="Tijdelijke aanduiding voor tekst 2">
             <a:extLst>
               <a:ext uri="{FF2B5EF4-FFF2-40B4-BE49-F238E27FC236}">
-                <a16:creationId xmlns:a16="http://schemas.microsoft.com/office/drawing/2014/main" id="{259BBFA2-C0C3-4F5C-8BAF-0B57144C20E3}"/>
+                <a16:creationId xmlns:a16="http://schemas.microsoft.com/office/drawing/2014/main" xmlns="" id="{259BBFA2-C0C3-4F5C-8BAF-0B57144C20E3}"/>
               </a:ext>
             </a:extLst>
           </p:cNvPr>
@@ -1119,7 +1129,7 @@
           <p:cNvPr id="4" name="Tijdelijke aanduiding voor datum 3">
             <a:extLst>
               <a:ext uri="{FF2B5EF4-FFF2-40B4-BE49-F238E27FC236}">
-                <a16:creationId xmlns:a16="http://schemas.microsoft.com/office/drawing/2014/main" id="{8631F680-A0FA-4DD5-978B-B3C3DC404E65}"/>
+                <a16:creationId xmlns:a16="http://schemas.microsoft.com/office/drawing/2014/main" xmlns="" id="{8631F680-A0FA-4DD5-978B-B3C3DC404E65}"/>
               </a:ext>
             </a:extLst>
           </p:cNvPr>
@@ -1137,7 +1147,8 @@
           <a:p>
             <a:fld id="{ADE4902F-FBEA-4B35-9D62-082FA2608761}" type="datetimeFigureOut">
               <a:rPr lang="nl-NL" smtClean="0"/>
-              <a:t>6-11-2017</a:t>
+              <a:pPr/>
+              <a:t>13-11-2017</a:t>
             </a:fld>
             <a:endParaRPr lang="nl-NL"/>
           </a:p>
@@ -1148,7 +1159,7 @@
           <p:cNvPr id="5" name="Tijdelijke aanduiding voor voettekst 4">
             <a:extLst>
               <a:ext uri="{FF2B5EF4-FFF2-40B4-BE49-F238E27FC236}">
-                <a16:creationId xmlns:a16="http://schemas.microsoft.com/office/drawing/2014/main" id="{7F1F8561-6E64-42ED-8CB5-A7BBAFAFCF46}"/>
+                <a16:creationId xmlns:a16="http://schemas.microsoft.com/office/drawing/2014/main" xmlns="" id="{7F1F8561-6E64-42ED-8CB5-A7BBAFAFCF46}"/>
               </a:ext>
             </a:extLst>
           </p:cNvPr>
@@ -1173,7 +1184,7 @@
           <p:cNvPr id="6" name="Tijdelijke aanduiding voor dianummer 5">
             <a:extLst>
               <a:ext uri="{FF2B5EF4-FFF2-40B4-BE49-F238E27FC236}">
-                <a16:creationId xmlns:a16="http://schemas.microsoft.com/office/drawing/2014/main" id="{BE90B6D3-0E9B-4F75-9578-944B4C631782}"/>
+                <a16:creationId xmlns:a16="http://schemas.microsoft.com/office/drawing/2014/main" xmlns="" id="{BE90B6D3-0E9B-4F75-9578-944B4C631782}"/>
               </a:ext>
             </a:extLst>
           </p:cNvPr>
@@ -1191,6 +1202,7 @@
           <a:p>
             <a:fld id="{1C1C122E-05CA-4289-A26B-D14C5EAD5EFF}" type="slidenum">
               <a:rPr lang="nl-NL" smtClean="0"/>
+              <a:pPr/>
               <a:t>‹nr.›</a:t>
             </a:fld>
             <a:endParaRPr lang="nl-NL"/>
@@ -1200,7 +1212,7 @@
     </p:spTree>
     <p:extLst>
       <p:ext uri="{BB962C8B-B14F-4D97-AF65-F5344CB8AC3E}">
-        <p14:creationId xmlns:p14="http://schemas.microsoft.com/office/powerpoint/2010/main" val="858119523"/>
+        <p14:creationId xmlns:p14="http://schemas.microsoft.com/office/powerpoint/2010/main" xmlns="" val="858119523"/>
       </p:ext>
     </p:extLst>
   </p:cSld>
@@ -1232,7 +1244,7 @@
           <p:cNvPr id="2" name="Titel 1">
             <a:extLst>
               <a:ext uri="{FF2B5EF4-FFF2-40B4-BE49-F238E27FC236}">
-                <a16:creationId xmlns:a16="http://schemas.microsoft.com/office/drawing/2014/main" id="{77E2AA73-853E-40A1-9A01-2322859C1E57}"/>
+                <a16:creationId xmlns:a16="http://schemas.microsoft.com/office/drawing/2014/main" xmlns="" id="{77E2AA73-853E-40A1-9A01-2322859C1E57}"/>
               </a:ext>
             </a:extLst>
           </p:cNvPr>
@@ -1260,7 +1272,7 @@
           <p:cNvPr id="3" name="Tijdelijke aanduiding voor inhoud 2">
             <a:extLst>
               <a:ext uri="{FF2B5EF4-FFF2-40B4-BE49-F238E27FC236}">
-                <a16:creationId xmlns:a16="http://schemas.microsoft.com/office/drawing/2014/main" id="{D3A30AEC-A453-4488-9ED3-1DB9B54B5E44}"/>
+                <a16:creationId xmlns:a16="http://schemas.microsoft.com/office/drawing/2014/main" xmlns="" id="{D3A30AEC-A453-4488-9ED3-1DB9B54B5E44}"/>
               </a:ext>
             </a:extLst>
           </p:cNvPr>
@@ -1322,7 +1334,7 @@
           <p:cNvPr id="4" name="Tijdelijke aanduiding voor inhoud 3">
             <a:extLst>
               <a:ext uri="{FF2B5EF4-FFF2-40B4-BE49-F238E27FC236}">
-                <a16:creationId xmlns:a16="http://schemas.microsoft.com/office/drawing/2014/main" id="{91D637F4-ACDA-4978-9A41-A140CB08D61A}"/>
+                <a16:creationId xmlns:a16="http://schemas.microsoft.com/office/drawing/2014/main" xmlns="" id="{91D637F4-ACDA-4978-9A41-A140CB08D61A}"/>
               </a:ext>
             </a:extLst>
           </p:cNvPr>
@@ -1384,7 +1396,7 @@
           <p:cNvPr id="5" name="Tijdelijke aanduiding voor datum 4">
             <a:extLst>
               <a:ext uri="{FF2B5EF4-FFF2-40B4-BE49-F238E27FC236}">
-                <a16:creationId xmlns:a16="http://schemas.microsoft.com/office/drawing/2014/main" id="{837E7DD3-15C8-411D-B870-A08B6F78EE10}"/>
+                <a16:creationId xmlns:a16="http://schemas.microsoft.com/office/drawing/2014/main" xmlns="" id="{837E7DD3-15C8-411D-B870-A08B6F78EE10}"/>
               </a:ext>
             </a:extLst>
           </p:cNvPr>
@@ -1402,7 +1414,8 @@
           <a:p>
             <a:fld id="{ADE4902F-FBEA-4B35-9D62-082FA2608761}" type="datetimeFigureOut">
               <a:rPr lang="nl-NL" smtClean="0"/>
-              <a:t>6-11-2017</a:t>
+              <a:pPr/>
+              <a:t>13-11-2017</a:t>
             </a:fld>
             <a:endParaRPr lang="nl-NL"/>
           </a:p>
@@ -1413,7 +1426,7 @@
           <p:cNvPr id="6" name="Tijdelijke aanduiding voor voettekst 5">
             <a:extLst>
               <a:ext uri="{FF2B5EF4-FFF2-40B4-BE49-F238E27FC236}">
-                <a16:creationId xmlns:a16="http://schemas.microsoft.com/office/drawing/2014/main" id="{D36B0671-9A72-41D6-8923-9F431EE758F9}"/>
+                <a16:creationId xmlns:a16="http://schemas.microsoft.com/office/drawing/2014/main" xmlns="" id="{D36B0671-9A72-41D6-8923-9F431EE758F9}"/>
               </a:ext>
             </a:extLst>
           </p:cNvPr>
@@ -1438,7 +1451,7 @@
           <p:cNvPr id="7" name="Tijdelijke aanduiding voor dianummer 6">
             <a:extLst>
               <a:ext uri="{FF2B5EF4-FFF2-40B4-BE49-F238E27FC236}">
-                <a16:creationId xmlns:a16="http://schemas.microsoft.com/office/drawing/2014/main" id="{6E5DC6FE-5C44-4203-861C-9534D89659E0}"/>
+                <a16:creationId xmlns:a16="http://schemas.microsoft.com/office/drawing/2014/main" xmlns="" id="{6E5DC6FE-5C44-4203-861C-9534D89659E0}"/>
               </a:ext>
             </a:extLst>
           </p:cNvPr>
@@ -1456,6 +1469,7 @@
           <a:p>
             <a:fld id="{1C1C122E-05CA-4289-A26B-D14C5EAD5EFF}" type="slidenum">
               <a:rPr lang="nl-NL" smtClean="0"/>
+              <a:pPr/>
               <a:t>‹nr.›</a:t>
             </a:fld>
             <a:endParaRPr lang="nl-NL"/>
@@ -1465,7 +1479,7 @@
     </p:spTree>
     <p:extLst>
       <p:ext uri="{BB962C8B-B14F-4D97-AF65-F5344CB8AC3E}">
-        <p14:creationId xmlns:p14="http://schemas.microsoft.com/office/powerpoint/2010/main" val="816816862"/>
+        <p14:creationId xmlns:p14="http://schemas.microsoft.com/office/powerpoint/2010/main" xmlns="" val="816816862"/>
       </p:ext>
     </p:extLst>
   </p:cSld>
@@ -1497,7 +1511,7 @@
           <p:cNvPr id="2" name="Titel 1">
             <a:extLst>
               <a:ext uri="{FF2B5EF4-FFF2-40B4-BE49-F238E27FC236}">
-                <a16:creationId xmlns:a16="http://schemas.microsoft.com/office/drawing/2014/main" id="{D297AAFE-77DE-432B-BAB4-CD6F190E343C}"/>
+                <a16:creationId xmlns:a16="http://schemas.microsoft.com/office/drawing/2014/main" xmlns="" id="{D297AAFE-77DE-432B-BAB4-CD6F190E343C}"/>
               </a:ext>
             </a:extLst>
           </p:cNvPr>
@@ -1530,7 +1544,7 @@
           <p:cNvPr id="3" name="Tijdelijke aanduiding voor tekst 2">
             <a:extLst>
               <a:ext uri="{FF2B5EF4-FFF2-40B4-BE49-F238E27FC236}">
-                <a16:creationId xmlns:a16="http://schemas.microsoft.com/office/drawing/2014/main" id="{FFEE2ED6-653E-4421-8218-E2C38C76B28B}"/>
+                <a16:creationId xmlns:a16="http://schemas.microsoft.com/office/drawing/2014/main" xmlns="" id="{FFEE2ED6-653E-4421-8218-E2C38C76B28B}"/>
               </a:ext>
             </a:extLst>
           </p:cNvPr>
@@ -1601,7 +1615,7 @@
           <p:cNvPr id="4" name="Tijdelijke aanduiding voor inhoud 3">
             <a:extLst>
               <a:ext uri="{FF2B5EF4-FFF2-40B4-BE49-F238E27FC236}">
-                <a16:creationId xmlns:a16="http://schemas.microsoft.com/office/drawing/2014/main" id="{DC218CE1-911A-4429-A641-56511F94AE34}"/>
+                <a16:creationId xmlns:a16="http://schemas.microsoft.com/office/drawing/2014/main" xmlns="" id="{DC218CE1-911A-4429-A641-56511F94AE34}"/>
               </a:ext>
             </a:extLst>
           </p:cNvPr>
@@ -1663,7 +1677,7 @@
           <p:cNvPr id="5" name="Tijdelijke aanduiding voor tekst 4">
             <a:extLst>
               <a:ext uri="{FF2B5EF4-FFF2-40B4-BE49-F238E27FC236}">
-                <a16:creationId xmlns:a16="http://schemas.microsoft.com/office/drawing/2014/main" id="{719A6713-F0E0-40AB-A59E-49F09878FEB6}"/>
+                <a16:creationId xmlns:a16="http://schemas.microsoft.com/office/drawing/2014/main" xmlns="" id="{719A6713-F0E0-40AB-A59E-49F09878FEB6}"/>
               </a:ext>
             </a:extLst>
           </p:cNvPr>
@@ -1734,7 +1748,7 @@
           <p:cNvPr id="6" name="Tijdelijke aanduiding voor inhoud 5">
             <a:extLst>
               <a:ext uri="{FF2B5EF4-FFF2-40B4-BE49-F238E27FC236}">
-                <a16:creationId xmlns:a16="http://schemas.microsoft.com/office/drawing/2014/main" id="{C920DA29-52C0-41C1-B347-90F2C9400F3E}"/>
+                <a16:creationId xmlns:a16="http://schemas.microsoft.com/office/drawing/2014/main" xmlns="" id="{C920DA29-52C0-41C1-B347-90F2C9400F3E}"/>
               </a:ext>
             </a:extLst>
           </p:cNvPr>
@@ -1796,7 +1810,7 @@
           <p:cNvPr id="7" name="Tijdelijke aanduiding voor datum 6">
             <a:extLst>
               <a:ext uri="{FF2B5EF4-FFF2-40B4-BE49-F238E27FC236}">
-                <a16:creationId xmlns:a16="http://schemas.microsoft.com/office/drawing/2014/main" id="{8C0EFFE8-712A-45F8-8E44-FFE8CF661B83}"/>
+                <a16:creationId xmlns:a16="http://schemas.microsoft.com/office/drawing/2014/main" xmlns="" id="{8C0EFFE8-712A-45F8-8E44-FFE8CF661B83}"/>
               </a:ext>
             </a:extLst>
           </p:cNvPr>
@@ -1814,7 +1828,8 @@
           <a:p>
             <a:fld id="{ADE4902F-FBEA-4B35-9D62-082FA2608761}" type="datetimeFigureOut">
               <a:rPr lang="nl-NL" smtClean="0"/>
-              <a:t>6-11-2017</a:t>
+              <a:pPr/>
+              <a:t>13-11-2017</a:t>
             </a:fld>
             <a:endParaRPr lang="nl-NL"/>
           </a:p>
@@ -1825,7 +1840,7 @@
           <p:cNvPr id="8" name="Tijdelijke aanduiding voor voettekst 7">
             <a:extLst>
               <a:ext uri="{FF2B5EF4-FFF2-40B4-BE49-F238E27FC236}">
-                <a16:creationId xmlns:a16="http://schemas.microsoft.com/office/drawing/2014/main" id="{707393AF-B4A9-4351-A40F-50118C94FFB4}"/>
+                <a16:creationId xmlns:a16="http://schemas.microsoft.com/office/drawing/2014/main" xmlns="" id="{707393AF-B4A9-4351-A40F-50118C94FFB4}"/>
               </a:ext>
             </a:extLst>
           </p:cNvPr>
@@ -1850,7 +1865,7 @@
           <p:cNvPr id="9" name="Tijdelijke aanduiding voor dianummer 8">
             <a:extLst>
               <a:ext uri="{FF2B5EF4-FFF2-40B4-BE49-F238E27FC236}">
-                <a16:creationId xmlns:a16="http://schemas.microsoft.com/office/drawing/2014/main" id="{AD5B9F79-2771-46B0-A531-43CC4F757865}"/>
+                <a16:creationId xmlns:a16="http://schemas.microsoft.com/office/drawing/2014/main" xmlns="" id="{AD5B9F79-2771-46B0-A531-43CC4F757865}"/>
               </a:ext>
             </a:extLst>
           </p:cNvPr>
@@ -1868,6 +1883,7 @@
           <a:p>
             <a:fld id="{1C1C122E-05CA-4289-A26B-D14C5EAD5EFF}" type="slidenum">
               <a:rPr lang="nl-NL" smtClean="0"/>
+              <a:pPr/>
               <a:t>‹nr.›</a:t>
             </a:fld>
             <a:endParaRPr lang="nl-NL"/>
@@ -1877,7 +1893,7 @@
     </p:spTree>
     <p:extLst>
       <p:ext uri="{BB962C8B-B14F-4D97-AF65-F5344CB8AC3E}">
-        <p14:creationId xmlns:p14="http://schemas.microsoft.com/office/powerpoint/2010/main" val="1099906094"/>
+        <p14:creationId xmlns:p14="http://schemas.microsoft.com/office/powerpoint/2010/main" xmlns="" val="1099906094"/>
       </p:ext>
     </p:extLst>
   </p:cSld>
@@ -1909,7 +1925,7 @@
           <p:cNvPr id="2" name="Titel 1">
             <a:extLst>
               <a:ext uri="{FF2B5EF4-FFF2-40B4-BE49-F238E27FC236}">
-                <a16:creationId xmlns:a16="http://schemas.microsoft.com/office/drawing/2014/main" id="{4E7337EC-1907-4F37-99F3-901F3BE41D1F}"/>
+                <a16:creationId xmlns:a16="http://schemas.microsoft.com/office/drawing/2014/main" xmlns="" id="{4E7337EC-1907-4F37-99F3-901F3BE41D1F}"/>
               </a:ext>
             </a:extLst>
           </p:cNvPr>
@@ -1937,7 +1953,7 @@
           <p:cNvPr id="3" name="Tijdelijke aanduiding voor datum 2">
             <a:extLst>
               <a:ext uri="{FF2B5EF4-FFF2-40B4-BE49-F238E27FC236}">
-                <a16:creationId xmlns:a16="http://schemas.microsoft.com/office/drawing/2014/main" id="{0D2E5F80-FF84-4F1C-92AC-EB22C4EFDEB3}"/>
+                <a16:creationId xmlns:a16="http://schemas.microsoft.com/office/drawing/2014/main" xmlns="" id="{0D2E5F80-FF84-4F1C-92AC-EB22C4EFDEB3}"/>
               </a:ext>
             </a:extLst>
           </p:cNvPr>
@@ -1955,7 +1971,8 @@
           <a:p>
             <a:fld id="{ADE4902F-FBEA-4B35-9D62-082FA2608761}" type="datetimeFigureOut">
               <a:rPr lang="nl-NL" smtClean="0"/>
-              <a:t>6-11-2017</a:t>
+              <a:pPr/>
+              <a:t>13-11-2017</a:t>
             </a:fld>
             <a:endParaRPr lang="nl-NL"/>
           </a:p>
@@ -1966,7 +1983,7 @@
           <p:cNvPr id="4" name="Tijdelijke aanduiding voor voettekst 3">
             <a:extLst>
               <a:ext uri="{FF2B5EF4-FFF2-40B4-BE49-F238E27FC236}">
-                <a16:creationId xmlns:a16="http://schemas.microsoft.com/office/drawing/2014/main" id="{2D45D3C0-7BB6-4031-A805-56B2513F42F3}"/>
+                <a16:creationId xmlns:a16="http://schemas.microsoft.com/office/drawing/2014/main" xmlns="" id="{2D45D3C0-7BB6-4031-A805-56B2513F42F3}"/>
               </a:ext>
             </a:extLst>
           </p:cNvPr>
@@ -1991,7 +2008,7 @@
           <p:cNvPr id="5" name="Tijdelijke aanduiding voor dianummer 4">
             <a:extLst>
               <a:ext uri="{FF2B5EF4-FFF2-40B4-BE49-F238E27FC236}">
-                <a16:creationId xmlns:a16="http://schemas.microsoft.com/office/drawing/2014/main" id="{DA2BE903-22BF-4CEF-88FD-933D2CAFCA57}"/>
+                <a16:creationId xmlns:a16="http://schemas.microsoft.com/office/drawing/2014/main" xmlns="" id="{DA2BE903-22BF-4CEF-88FD-933D2CAFCA57}"/>
               </a:ext>
             </a:extLst>
           </p:cNvPr>
@@ -2009,6 +2026,7 @@
           <a:p>
             <a:fld id="{1C1C122E-05CA-4289-A26B-D14C5EAD5EFF}" type="slidenum">
               <a:rPr lang="nl-NL" smtClean="0"/>
+              <a:pPr/>
               <a:t>‹nr.›</a:t>
             </a:fld>
             <a:endParaRPr lang="nl-NL"/>
@@ -2018,7 +2036,7 @@
     </p:spTree>
     <p:extLst>
       <p:ext uri="{BB962C8B-B14F-4D97-AF65-F5344CB8AC3E}">
-        <p14:creationId xmlns:p14="http://schemas.microsoft.com/office/powerpoint/2010/main" val="1053118753"/>
+        <p14:creationId xmlns:p14="http://schemas.microsoft.com/office/powerpoint/2010/main" xmlns="" val="1053118753"/>
       </p:ext>
     </p:extLst>
   </p:cSld>
@@ -2050,7 +2068,7 @@
           <p:cNvPr id="2" name="Tijdelijke aanduiding voor datum 1">
             <a:extLst>
               <a:ext uri="{FF2B5EF4-FFF2-40B4-BE49-F238E27FC236}">
-                <a16:creationId xmlns:a16="http://schemas.microsoft.com/office/drawing/2014/main" id="{6FCDA235-3242-403B-A485-36B7AD8E1C39}"/>
+                <a16:creationId xmlns:a16="http://schemas.microsoft.com/office/drawing/2014/main" xmlns="" id="{6FCDA235-3242-403B-A485-36B7AD8E1C39}"/>
               </a:ext>
             </a:extLst>
           </p:cNvPr>
@@ -2068,7 +2086,8 @@
           <a:p>
             <a:fld id="{ADE4902F-FBEA-4B35-9D62-082FA2608761}" type="datetimeFigureOut">
               <a:rPr lang="nl-NL" smtClean="0"/>
-              <a:t>6-11-2017</a:t>
+              <a:pPr/>
+              <a:t>13-11-2017</a:t>
             </a:fld>
             <a:endParaRPr lang="nl-NL"/>
           </a:p>
@@ -2079,7 +2098,7 @@
           <p:cNvPr id="3" name="Tijdelijke aanduiding voor voettekst 2">
             <a:extLst>
               <a:ext uri="{FF2B5EF4-FFF2-40B4-BE49-F238E27FC236}">
-                <a16:creationId xmlns:a16="http://schemas.microsoft.com/office/drawing/2014/main" id="{A75D1976-1CB9-48E7-9C11-87960D6E632C}"/>
+                <a16:creationId xmlns:a16="http://schemas.microsoft.com/office/drawing/2014/main" xmlns="" id="{A75D1976-1CB9-48E7-9C11-87960D6E632C}"/>
               </a:ext>
             </a:extLst>
           </p:cNvPr>
@@ -2104,7 +2123,7 @@
           <p:cNvPr id="4" name="Tijdelijke aanduiding voor dianummer 3">
             <a:extLst>
               <a:ext uri="{FF2B5EF4-FFF2-40B4-BE49-F238E27FC236}">
-                <a16:creationId xmlns:a16="http://schemas.microsoft.com/office/drawing/2014/main" id="{134A5D73-9591-4C49-92DA-172564BBF62F}"/>
+                <a16:creationId xmlns:a16="http://schemas.microsoft.com/office/drawing/2014/main" xmlns="" id="{134A5D73-9591-4C49-92DA-172564BBF62F}"/>
               </a:ext>
             </a:extLst>
           </p:cNvPr>
@@ -2122,6 +2141,7 @@
           <a:p>
             <a:fld id="{1C1C122E-05CA-4289-A26B-D14C5EAD5EFF}" type="slidenum">
               <a:rPr lang="nl-NL" smtClean="0"/>
+              <a:pPr/>
               <a:t>‹nr.›</a:t>
             </a:fld>
             <a:endParaRPr lang="nl-NL"/>
@@ -2131,7 +2151,7 @@
     </p:spTree>
     <p:extLst>
       <p:ext uri="{BB962C8B-B14F-4D97-AF65-F5344CB8AC3E}">
-        <p14:creationId xmlns:p14="http://schemas.microsoft.com/office/powerpoint/2010/main" val="593443286"/>
+        <p14:creationId xmlns:p14="http://schemas.microsoft.com/office/powerpoint/2010/main" xmlns="" val="593443286"/>
       </p:ext>
     </p:extLst>
   </p:cSld>
@@ -2163,7 +2183,7 @@
           <p:cNvPr id="2" name="Titel 1">
             <a:extLst>
               <a:ext uri="{FF2B5EF4-FFF2-40B4-BE49-F238E27FC236}">
-                <a16:creationId xmlns:a16="http://schemas.microsoft.com/office/drawing/2014/main" id="{7CF9EBF2-9E8A-476C-BC8A-02CD44989AD9}"/>
+                <a16:creationId xmlns:a16="http://schemas.microsoft.com/office/drawing/2014/main" xmlns="" id="{7CF9EBF2-9E8A-476C-BC8A-02CD44989AD9}"/>
               </a:ext>
             </a:extLst>
           </p:cNvPr>
@@ -2200,7 +2220,7 @@
           <p:cNvPr id="3" name="Tijdelijke aanduiding voor inhoud 2">
             <a:extLst>
               <a:ext uri="{FF2B5EF4-FFF2-40B4-BE49-F238E27FC236}">
-                <a16:creationId xmlns:a16="http://schemas.microsoft.com/office/drawing/2014/main" id="{081F15E5-A94C-4A05-918B-AC99C8EA0CB7}"/>
+                <a16:creationId xmlns:a16="http://schemas.microsoft.com/office/drawing/2014/main" xmlns="" id="{081F15E5-A94C-4A05-918B-AC99C8EA0CB7}"/>
               </a:ext>
             </a:extLst>
           </p:cNvPr>
@@ -2290,7 +2310,7 @@
           <p:cNvPr id="4" name="Tijdelijke aanduiding voor tekst 3">
             <a:extLst>
               <a:ext uri="{FF2B5EF4-FFF2-40B4-BE49-F238E27FC236}">
-                <a16:creationId xmlns:a16="http://schemas.microsoft.com/office/drawing/2014/main" id="{91275F6F-5CE8-40A9-902C-2803463710F2}"/>
+                <a16:creationId xmlns:a16="http://schemas.microsoft.com/office/drawing/2014/main" xmlns="" id="{91275F6F-5CE8-40A9-902C-2803463710F2}"/>
               </a:ext>
             </a:extLst>
           </p:cNvPr>
@@ -2361,7 +2381,7 @@
           <p:cNvPr id="5" name="Tijdelijke aanduiding voor datum 4">
             <a:extLst>
               <a:ext uri="{FF2B5EF4-FFF2-40B4-BE49-F238E27FC236}">
-                <a16:creationId xmlns:a16="http://schemas.microsoft.com/office/drawing/2014/main" id="{68FB0FC5-537D-441B-B077-1EB601C777AE}"/>
+                <a16:creationId xmlns:a16="http://schemas.microsoft.com/office/drawing/2014/main" xmlns="" id="{68FB0FC5-537D-441B-B077-1EB601C777AE}"/>
               </a:ext>
             </a:extLst>
           </p:cNvPr>
@@ -2379,7 +2399,8 @@
           <a:p>
             <a:fld id="{ADE4902F-FBEA-4B35-9D62-082FA2608761}" type="datetimeFigureOut">
               <a:rPr lang="nl-NL" smtClean="0"/>
-              <a:t>6-11-2017</a:t>
+              <a:pPr/>
+              <a:t>13-11-2017</a:t>
             </a:fld>
             <a:endParaRPr lang="nl-NL"/>
           </a:p>
@@ -2390,7 +2411,7 @@
           <p:cNvPr id="6" name="Tijdelijke aanduiding voor voettekst 5">
             <a:extLst>
               <a:ext uri="{FF2B5EF4-FFF2-40B4-BE49-F238E27FC236}">
-                <a16:creationId xmlns:a16="http://schemas.microsoft.com/office/drawing/2014/main" id="{55AC121A-0493-418F-8DD7-2DA1EEB74DFF}"/>
+                <a16:creationId xmlns:a16="http://schemas.microsoft.com/office/drawing/2014/main" xmlns="" id="{55AC121A-0493-418F-8DD7-2DA1EEB74DFF}"/>
               </a:ext>
             </a:extLst>
           </p:cNvPr>
@@ -2415,7 +2436,7 @@
           <p:cNvPr id="7" name="Tijdelijke aanduiding voor dianummer 6">
             <a:extLst>
               <a:ext uri="{FF2B5EF4-FFF2-40B4-BE49-F238E27FC236}">
-                <a16:creationId xmlns:a16="http://schemas.microsoft.com/office/drawing/2014/main" id="{9E5BD7A4-C96F-485C-A127-6C55CD09868E}"/>
+                <a16:creationId xmlns:a16="http://schemas.microsoft.com/office/drawing/2014/main" xmlns="" id="{9E5BD7A4-C96F-485C-A127-6C55CD09868E}"/>
               </a:ext>
             </a:extLst>
           </p:cNvPr>
@@ -2433,6 +2454,7 @@
           <a:p>
             <a:fld id="{1C1C122E-05CA-4289-A26B-D14C5EAD5EFF}" type="slidenum">
               <a:rPr lang="nl-NL" smtClean="0"/>
+              <a:pPr/>
               <a:t>‹nr.›</a:t>
             </a:fld>
             <a:endParaRPr lang="nl-NL"/>
@@ -2442,7 +2464,7 @@
     </p:spTree>
     <p:extLst>
       <p:ext uri="{BB962C8B-B14F-4D97-AF65-F5344CB8AC3E}">
-        <p14:creationId xmlns:p14="http://schemas.microsoft.com/office/powerpoint/2010/main" val="2276997594"/>
+        <p14:creationId xmlns:p14="http://schemas.microsoft.com/office/powerpoint/2010/main" xmlns="" val="2276997594"/>
       </p:ext>
     </p:extLst>
   </p:cSld>
@@ -2474,7 +2496,7 @@
           <p:cNvPr id="2" name="Titel 1">
             <a:extLst>
               <a:ext uri="{FF2B5EF4-FFF2-40B4-BE49-F238E27FC236}">
-                <a16:creationId xmlns:a16="http://schemas.microsoft.com/office/drawing/2014/main" id="{391195BB-EA6C-4F56-A18C-2951B239D827}"/>
+                <a16:creationId xmlns:a16="http://schemas.microsoft.com/office/drawing/2014/main" xmlns="" id="{391195BB-EA6C-4F56-A18C-2951B239D827}"/>
               </a:ext>
             </a:extLst>
           </p:cNvPr>
@@ -2511,7 +2533,7 @@
           <p:cNvPr id="3" name="Tijdelijke aanduiding voor afbeelding 2">
             <a:extLst>
               <a:ext uri="{FF2B5EF4-FFF2-40B4-BE49-F238E27FC236}">
-                <a16:creationId xmlns:a16="http://schemas.microsoft.com/office/drawing/2014/main" id="{1EE97C47-A53A-4152-848A-0419C12AE634}"/>
+                <a16:creationId xmlns:a16="http://schemas.microsoft.com/office/drawing/2014/main" xmlns="" id="{1EE97C47-A53A-4152-848A-0419C12AE634}"/>
               </a:ext>
             </a:extLst>
           </p:cNvPr>
@@ -2578,7 +2600,7 @@
           <p:cNvPr id="4" name="Tijdelijke aanduiding voor tekst 3">
             <a:extLst>
               <a:ext uri="{FF2B5EF4-FFF2-40B4-BE49-F238E27FC236}">
-                <a16:creationId xmlns:a16="http://schemas.microsoft.com/office/drawing/2014/main" id="{4C380A8A-FCC0-4B2B-BCED-CC719F66356B}"/>
+                <a16:creationId xmlns:a16="http://schemas.microsoft.com/office/drawing/2014/main" xmlns="" id="{4C380A8A-FCC0-4B2B-BCED-CC719F66356B}"/>
               </a:ext>
             </a:extLst>
           </p:cNvPr>
@@ -2649,7 +2671,7 @@
           <p:cNvPr id="5" name="Tijdelijke aanduiding voor datum 4">
             <a:extLst>
               <a:ext uri="{FF2B5EF4-FFF2-40B4-BE49-F238E27FC236}">
-                <a16:creationId xmlns:a16="http://schemas.microsoft.com/office/drawing/2014/main" id="{EAA93FF3-9B86-461A-94CF-C0A759B7033D}"/>
+                <a16:creationId xmlns:a16="http://schemas.microsoft.com/office/drawing/2014/main" xmlns="" id="{EAA93FF3-9B86-461A-94CF-C0A759B7033D}"/>
               </a:ext>
             </a:extLst>
           </p:cNvPr>
@@ -2667,7 +2689,8 @@
           <a:p>
             <a:fld id="{ADE4902F-FBEA-4B35-9D62-082FA2608761}" type="datetimeFigureOut">
               <a:rPr lang="nl-NL" smtClean="0"/>
-              <a:t>6-11-2017</a:t>
+              <a:pPr/>
+              <a:t>13-11-2017</a:t>
             </a:fld>
             <a:endParaRPr lang="nl-NL"/>
           </a:p>
@@ -2678,7 +2701,7 @@
           <p:cNvPr id="6" name="Tijdelijke aanduiding voor voettekst 5">
             <a:extLst>
               <a:ext uri="{FF2B5EF4-FFF2-40B4-BE49-F238E27FC236}">
-                <a16:creationId xmlns:a16="http://schemas.microsoft.com/office/drawing/2014/main" id="{504C81D0-3C70-46A3-A99B-4387DBE74182}"/>
+                <a16:creationId xmlns:a16="http://schemas.microsoft.com/office/drawing/2014/main" xmlns="" id="{504C81D0-3C70-46A3-A99B-4387DBE74182}"/>
               </a:ext>
             </a:extLst>
           </p:cNvPr>
@@ -2703,7 +2726,7 @@
           <p:cNvPr id="7" name="Tijdelijke aanduiding voor dianummer 6">
             <a:extLst>
               <a:ext uri="{FF2B5EF4-FFF2-40B4-BE49-F238E27FC236}">
-                <a16:creationId xmlns:a16="http://schemas.microsoft.com/office/drawing/2014/main" id="{2DAB8061-1297-4604-AA6D-50FA7517CB04}"/>
+                <a16:creationId xmlns:a16="http://schemas.microsoft.com/office/drawing/2014/main" xmlns="" id="{2DAB8061-1297-4604-AA6D-50FA7517CB04}"/>
               </a:ext>
             </a:extLst>
           </p:cNvPr>
@@ -2721,6 +2744,7 @@
           <a:p>
             <a:fld id="{1C1C122E-05CA-4289-A26B-D14C5EAD5EFF}" type="slidenum">
               <a:rPr lang="nl-NL" smtClean="0"/>
+              <a:pPr/>
               <a:t>‹nr.›</a:t>
             </a:fld>
             <a:endParaRPr lang="nl-NL"/>
@@ -2730,7 +2754,7 @@
     </p:spTree>
     <p:extLst>
       <p:ext uri="{BB962C8B-B14F-4D97-AF65-F5344CB8AC3E}">
-        <p14:creationId xmlns:p14="http://schemas.microsoft.com/office/powerpoint/2010/main" val="3080807055"/>
+        <p14:creationId xmlns:p14="http://schemas.microsoft.com/office/powerpoint/2010/main" xmlns="" val="3080807055"/>
       </p:ext>
     </p:extLst>
   </p:cSld>
@@ -2767,7 +2791,7 @@
           <p:cNvPr id="2" name="Tijdelijke aanduiding voor titel 1">
             <a:extLst>
               <a:ext uri="{FF2B5EF4-FFF2-40B4-BE49-F238E27FC236}">
-                <a16:creationId xmlns:a16="http://schemas.microsoft.com/office/drawing/2014/main" id="{D9186CB9-8C46-426D-863D-90A0E0FAEDE7}"/>
+                <a16:creationId xmlns:a16="http://schemas.microsoft.com/office/drawing/2014/main" xmlns="" id="{D9186CB9-8C46-426D-863D-90A0E0FAEDE7}"/>
               </a:ext>
             </a:extLst>
           </p:cNvPr>
@@ -2805,7 +2829,7 @@
           <p:cNvPr id="3" name="Tijdelijke aanduiding voor tekst 2">
             <a:extLst>
               <a:ext uri="{FF2B5EF4-FFF2-40B4-BE49-F238E27FC236}">
-                <a16:creationId xmlns:a16="http://schemas.microsoft.com/office/drawing/2014/main" id="{983F2C53-486F-4745-AD46-503DCDC4D530}"/>
+                <a16:creationId xmlns:a16="http://schemas.microsoft.com/office/drawing/2014/main" xmlns="" id="{983F2C53-486F-4745-AD46-503DCDC4D530}"/>
               </a:ext>
             </a:extLst>
           </p:cNvPr>
@@ -2872,7 +2896,7 @@
           <p:cNvPr id="4" name="Tijdelijke aanduiding voor datum 3">
             <a:extLst>
               <a:ext uri="{FF2B5EF4-FFF2-40B4-BE49-F238E27FC236}">
-                <a16:creationId xmlns:a16="http://schemas.microsoft.com/office/drawing/2014/main" id="{14E5024D-7C9E-4730-908F-8CE183DB279E}"/>
+                <a16:creationId xmlns:a16="http://schemas.microsoft.com/office/drawing/2014/main" xmlns="" id="{14E5024D-7C9E-4730-908F-8CE183DB279E}"/>
               </a:ext>
             </a:extLst>
           </p:cNvPr>
@@ -2908,7 +2932,8 @@
           <a:p>
             <a:fld id="{ADE4902F-FBEA-4B35-9D62-082FA2608761}" type="datetimeFigureOut">
               <a:rPr lang="nl-NL" smtClean="0"/>
-              <a:t>6-11-2017</a:t>
+              <a:pPr/>
+              <a:t>13-11-2017</a:t>
             </a:fld>
             <a:endParaRPr lang="nl-NL"/>
           </a:p>
@@ -2919,7 +2944,7 @@
           <p:cNvPr id="5" name="Tijdelijke aanduiding voor voettekst 4">
             <a:extLst>
               <a:ext uri="{FF2B5EF4-FFF2-40B4-BE49-F238E27FC236}">
-                <a16:creationId xmlns:a16="http://schemas.microsoft.com/office/drawing/2014/main" id="{CB4A9151-4DBA-4A6C-8967-EC70E0126234}"/>
+                <a16:creationId xmlns:a16="http://schemas.microsoft.com/office/drawing/2014/main" xmlns="" id="{CB4A9151-4DBA-4A6C-8967-EC70E0126234}"/>
               </a:ext>
             </a:extLst>
           </p:cNvPr>
@@ -2962,7 +2987,7 @@
           <p:cNvPr id="6" name="Tijdelijke aanduiding voor dianummer 5">
             <a:extLst>
               <a:ext uri="{FF2B5EF4-FFF2-40B4-BE49-F238E27FC236}">
-                <a16:creationId xmlns:a16="http://schemas.microsoft.com/office/drawing/2014/main" id="{E6582372-88AB-47F3-A35B-A8C86B2D9C2A}"/>
+                <a16:creationId xmlns:a16="http://schemas.microsoft.com/office/drawing/2014/main" xmlns="" id="{E6582372-88AB-47F3-A35B-A8C86B2D9C2A}"/>
               </a:ext>
             </a:extLst>
           </p:cNvPr>
@@ -2998,6 +3023,7 @@
           <a:p>
             <a:fld id="{1C1C122E-05CA-4289-A26B-D14C5EAD5EFF}" type="slidenum">
               <a:rPr lang="nl-NL" smtClean="0"/>
+              <a:pPr/>
               <a:t>‹nr.›</a:t>
             </a:fld>
             <a:endParaRPr lang="nl-NL"/>
@@ -3007,7 +3033,7 @@
     </p:spTree>
     <p:extLst>
       <p:ext uri="{BB962C8B-B14F-4D97-AF65-F5344CB8AC3E}">
-        <p14:creationId xmlns:p14="http://schemas.microsoft.com/office/powerpoint/2010/main" val="1831950406"/>
+        <p14:creationId xmlns:p14="http://schemas.microsoft.com/office/powerpoint/2010/main" xmlns="" val="1831950406"/>
       </p:ext>
     </p:extLst>
   </p:cSld>
@@ -3330,7 +3356,7 @@
           <p:cNvPr id="2" name="Titel 1">
             <a:extLst>
               <a:ext uri="{FF2B5EF4-FFF2-40B4-BE49-F238E27FC236}">
-                <a16:creationId xmlns:a16="http://schemas.microsoft.com/office/drawing/2014/main" id="{AE205A44-390E-455B-87E1-6D48C073A474}"/>
+                <a16:creationId xmlns:a16="http://schemas.microsoft.com/office/drawing/2014/main" xmlns="" id="{AE205A44-390E-455B-87E1-6D48C073A474}"/>
               </a:ext>
             </a:extLst>
           </p:cNvPr>
@@ -3370,7 +3396,7 @@
           <p:cNvPr id="3" name="Ondertitel 2">
             <a:extLst>
               <a:ext uri="{FF2B5EF4-FFF2-40B4-BE49-F238E27FC236}">
-                <a16:creationId xmlns:a16="http://schemas.microsoft.com/office/drawing/2014/main" id="{E24A4149-DFE7-4EE0-A98A-18326D7AD35D}"/>
+                <a16:creationId xmlns:a16="http://schemas.microsoft.com/office/drawing/2014/main" xmlns="" id="{E24A4149-DFE7-4EE0-A98A-18326D7AD35D}"/>
               </a:ext>
             </a:extLst>
           </p:cNvPr>
@@ -3396,7 +3422,7 @@
     </p:spTree>
     <p:extLst>
       <p:ext uri="{BB962C8B-B14F-4D97-AF65-F5344CB8AC3E}">
-        <p14:creationId xmlns:p14="http://schemas.microsoft.com/office/powerpoint/2010/main" val="1696353441"/>
+        <p14:creationId xmlns:p14="http://schemas.microsoft.com/office/powerpoint/2010/main" xmlns="" val="1696353441"/>
       </p:ext>
     </p:extLst>
   </p:cSld>
@@ -3428,7 +3454,7 @@
           <p:cNvPr id="2" name="Titel 1">
             <a:extLst>
               <a:ext uri="{FF2B5EF4-FFF2-40B4-BE49-F238E27FC236}">
-                <a16:creationId xmlns:a16="http://schemas.microsoft.com/office/drawing/2014/main" id="{769A96FB-BA26-47C0-85BC-9E5A44D94A65}"/>
+                <a16:creationId xmlns:a16="http://schemas.microsoft.com/office/drawing/2014/main" xmlns="" id="{769A96FB-BA26-47C0-85BC-9E5A44D94A65}"/>
               </a:ext>
             </a:extLst>
           </p:cNvPr>
@@ -3456,7 +3482,7 @@
           <p:cNvPr id="5" name="Tijdelijke aanduiding voor inhoud 4">
             <a:extLst>
               <a:ext uri="{FF2B5EF4-FFF2-40B4-BE49-F238E27FC236}">
-                <a16:creationId xmlns:a16="http://schemas.microsoft.com/office/drawing/2014/main" id="{82F9B9FE-1870-4902-A7DB-4B27D59D2B2B}"/>
+                <a16:creationId xmlns:a16="http://schemas.microsoft.com/office/drawing/2014/main" xmlns="" id="{82F9B9FE-1870-4902-A7DB-4B27D59D2B2B}"/>
               </a:ext>
             </a:extLst>
           </p:cNvPr>
@@ -3468,10 +3494,10 @@
           </p:nvPr>
         </p:nvPicPr>
         <p:blipFill>
-          <a:blip r:embed="rId2">
+          <a:blip r:embed="rId2" cstate="print">
             <a:extLst>
               <a:ext uri="{28A0092B-C50C-407E-A947-70E740481C1C}">
-                <a14:useLocalDpi xmlns:a14="http://schemas.microsoft.com/office/drawing/2010/main" val="0"/>
+                <a14:useLocalDpi xmlns:a14="http://schemas.microsoft.com/office/drawing/2010/main" xmlns="" val="0"/>
               </a:ext>
             </a:extLst>
           </a:blip>
@@ -3491,7 +3517,7 @@
           <p:cNvPr id="6" name="Tekstvak 5">
             <a:extLst>
               <a:ext uri="{FF2B5EF4-FFF2-40B4-BE49-F238E27FC236}">
-                <a16:creationId xmlns:a16="http://schemas.microsoft.com/office/drawing/2014/main" id="{D8F2D3D1-1FE8-4AA0-B6C8-D7E88097CE04}"/>
+                <a16:creationId xmlns:a16="http://schemas.microsoft.com/office/drawing/2014/main" xmlns="" id="{D8F2D3D1-1FE8-4AA0-B6C8-D7E88097CE04}"/>
               </a:ext>
             </a:extLst>
           </p:cNvPr>
@@ -3527,7 +3553,7 @@
           <p:cNvPr id="8" name="Afbeelding 7">
             <a:extLst>
               <a:ext uri="{FF2B5EF4-FFF2-40B4-BE49-F238E27FC236}">
-                <a16:creationId xmlns:a16="http://schemas.microsoft.com/office/drawing/2014/main" id="{819AAC82-0B32-4FA7-B311-90C90A003DAD}"/>
+                <a16:creationId xmlns:a16="http://schemas.microsoft.com/office/drawing/2014/main" xmlns="" id="{819AAC82-0B32-4FA7-B311-90C90A003DAD}"/>
               </a:ext>
             </a:extLst>
           </p:cNvPr>
@@ -3537,10 +3563,10 @@
           <p:nvPr/>
         </p:nvPicPr>
         <p:blipFill rotWithShape="1">
-          <a:blip r:embed="rId3">
+          <a:blip r:embed="rId3" cstate="print">
             <a:extLst>
               <a:ext uri="{28A0092B-C50C-407E-A947-70E740481C1C}">
-                <a14:useLocalDpi xmlns:a14="http://schemas.microsoft.com/office/drawing/2010/main" val="0"/>
+                <a14:useLocalDpi xmlns:a14="http://schemas.microsoft.com/office/drawing/2010/main" xmlns="" val="0"/>
               </a:ext>
             </a:extLst>
           </a:blip>
@@ -3562,7 +3588,7 @@
           <p:cNvPr id="11" name="Pijl: rechts 10">
             <a:extLst>
               <a:ext uri="{FF2B5EF4-FFF2-40B4-BE49-F238E27FC236}">
-                <a16:creationId xmlns:a16="http://schemas.microsoft.com/office/drawing/2014/main" id="{C3B3C454-C61F-4642-AC5E-175E78B46E93}"/>
+                <a16:creationId xmlns:a16="http://schemas.microsoft.com/office/drawing/2014/main" xmlns="" id="{C3B3C454-C61F-4642-AC5E-175E78B46E93}"/>
               </a:ext>
             </a:extLst>
           </p:cNvPr>
@@ -3608,7 +3634,7 @@
           <p:cNvPr id="12" name="Tekstvak 11">
             <a:extLst>
               <a:ext uri="{FF2B5EF4-FFF2-40B4-BE49-F238E27FC236}">
-                <a16:creationId xmlns:a16="http://schemas.microsoft.com/office/drawing/2014/main" id="{1AF95B95-DF37-4511-BC26-2A337B82EADC}"/>
+                <a16:creationId xmlns:a16="http://schemas.microsoft.com/office/drawing/2014/main" xmlns="" id="{1AF95B95-DF37-4511-BC26-2A337B82EADC}"/>
               </a:ext>
             </a:extLst>
           </p:cNvPr>
@@ -3643,7 +3669,7 @@
           <p:cNvPr id="9" name="Afbeelding 8">
             <a:extLst>
               <a:ext uri="{FF2B5EF4-FFF2-40B4-BE49-F238E27FC236}">
-                <a16:creationId xmlns:a16="http://schemas.microsoft.com/office/drawing/2014/main" id="{1B858127-D2F6-4D2B-B5A9-94CF7612B179}"/>
+                <a16:creationId xmlns:a16="http://schemas.microsoft.com/office/drawing/2014/main" xmlns="" id="{1B858127-D2F6-4D2B-B5A9-94CF7612B179}"/>
               </a:ext>
             </a:extLst>
           </p:cNvPr>
@@ -3653,10 +3679,10 @@
           <p:nvPr/>
         </p:nvPicPr>
         <p:blipFill>
-          <a:blip r:embed="rId4">
+          <a:blip r:embed="rId4" cstate="print">
             <a:extLst>
               <a:ext uri="{28A0092B-C50C-407E-A947-70E740481C1C}">
-                <a14:useLocalDpi xmlns:a14="http://schemas.microsoft.com/office/drawing/2010/main" val="0"/>
+                <a14:useLocalDpi xmlns:a14="http://schemas.microsoft.com/office/drawing/2010/main" xmlns="" val="0"/>
               </a:ext>
             </a:extLst>
           </a:blip>
@@ -3679,7 +3705,7 @@
           <p:cNvPr id="10" name="Pijl: rechts 9">
             <a:extLst>
               <a:ext uri="{FF2B5EF4-FFF2-40B4-BE49-F238E27FC236}">
-                <a16:creationId xmlns:a16="http://schemas.microsoft.com/office/drawing/2014/main" id="{13F3850F-71EA-4741-A182-94C4C2F636F5}"/>
+                <a16:creationId xmlns:a16="http://schemas.microsoft.com/office/drawing/2014/main" xmlns="" id="{13F3850F-71EA-4741-A182-94C4C2F636F5}"/>
               </a:ext>
             </a:extLst>
           </p:cNvPr>
@@ -3723,7 +3749,7 @@
     </p:spTree>
     <p:extLst>
       <p:ext uri="{BB962C8B-B14F-4D97-AF65-F5344CB8AC3E}">
-        <p14:creationId xmlns:p14="http://schemas.microsoft.com/office/powerpoint/2010/main" val="2643686151"/>
+        <p14:creationId xmlns:p14="http://schemas.microsoft.com/office/powerpoint/2010/main" xmlns="" val="2643686151"/>
       </p:ext>
     </p:extLst>
   </p:cSld>
@@ -3755,7 +3781,7 @@
           <p:cNvPr id="2" name="Titel 1">
             <a:extLst>
               <a:ext uri="{FF2B5EF4-FFF2-40B4-BE49-F238E27FC236}">
-                <a16:creationId xmlns:a16="http://schemas.microsoft.com/office/drawing/2014/main" id="{769A96FB-BA26-47C0-85BC-9E5A44D94A65}"/>
+                <a16:creationId xmlns:a16="http://schemas.microsoft.com/office/drawing/2014/main" xmlns="" id="{769A96FB-BA26-47C0-85BC-9E5A44D94A65}"/>
               </a:ext>
             </a:extLst>
           </p:cNvPr>
@@ -3783,7 +3809,7 @@
           <p:cNvPr id="5" name="Tijdelijke aanduiding voor inhoud 4">
             <a:extLst>
               <a:ext uri="{FF2B5EF4-FFF2-40B4-BE49-F238E27FC236}">
-                <a16:creationId xmlns:a16="http://schemas.microsoft.com/office/drawing/2014/main" id="{82F9B9FE-1870-4902-A7DB-4B27D59D2B2B}"/>
+                <a16:creationId xmlns:a16="http://schemas.microsoft.com/office/drawing/2014/main" xmlns="" id="{82F9B9FE-1870-4902-A7DB-4B27D59D2B2B}"/>
               </a:ext>
             </a:extLst>
           </p:cNvPr>
@@ -3795,10 +3821,10 @@
           </p:nvPr>
         </p:nvPicPr>
         <p:blipFill>
-          <a:blip r:embed="rId2">
+          <a:blip r:embed="rId2" cstate="print">
             <a:extLst>
               <a:ext uri="{28A0092B-C50C-407E-A947-70E740481C1C}">
-                <a14:useLocalDpi xmlns:a14="http://schemas.microsoft.com/office/drawing/2010/main" val="0"/>
+                <a14:useLocalDpi xmlns:a14="http://schemas.microsoft.com/office/drawing/2010/main" xmlns="" val="0"/>
               </a:ext>
             </a:extLst>
           </a:blip>
@@ -3818,7 +3844,7 @@
           <p:cNvPr id="6" name="Tekstvak 5">
             <a:extLst>
               <a:ext uri="{FF2B5EF4-FFF2-40B4-BE49-F238E27FC236}">
-                <a16:creationId xmlns:a16="http://schemas.microsoft.com/office/drawing/2014/main" id="{D8F2D3D1-1FE8-4AA0-B6C8-D7E88097CE04}"/>
+                <a16:creationId xmlns:a16="http://schemas.microsoft.com/office/drawing/2014/main" xmlns="" id="{D8F2D3D1-1FE8-4AA0-B6C8-D7E88097CE04}"/>
               </a:ext>
             </a:extLst>
           </p:cNvPr>
@@ -3854,7 +3880,7 @@
           <p:cNvPr id="8" name="Afbeelding 7">
             <a:extLst>
               <a:ext uri="{FF2B5EF4-FFF2-40B4-BE49-F238E27FC236}">
-                <a16:creationId xmlns:a16="http://schemas.microsoft.com/office/drawing/2014/main" id="{819AAC82-0B32-4FA7-B311-90C90A003DAD}"/>
+                <a16:creationId xmlns:a16="http://schemas.microsoft.com/office/drawing/2014/main" xmlns="" id="{819AAC82-0B32-4FA7-B311-90C90A003DAD}"/>
               </a:ext>
             </a:extLst>
           </p:cNvPr>
@@ -3864,10 +3890,10 @@
           <p:nvPr/>
         </p:nvPicPr>
         <p:blipFill rotWithShape="1">
-          <a:blip r:embed="rId3">
+          <a:blip r:embed="rId3" cstate="print">
             <a:extLst>
               <a:ext uri="{28A0092B-C50C-407E-A947-70E740481C1C}">
-                <a14:useLocalDpi xmlns:a14="http://schemas.microsoft.com/office/drawing/2010/main" val="0"/>
+                <a14:useLocalDpi xmlns:a14="http://schemas.microsoft.com/office/drawing/2010/main" xmlns="" val="0"/>
               </a:ext>
             </a:extLst>
           </a:blip>
@@ -3889,7 +3915,7 @@
           <p:cNvPr id="11" name="Pijl: rechts 10">
             <a:extLst>
               <a:ext uri="{FF2B5EF4-FFF2-40B4-BE49-F238E27FC236}">
-                <a16:creationId xmlns:a16="http://schemas.microsoft.com/office/drawing/2014/main" id="{C3B3C454-C61F-4642-AC5E-175E78B46E93}"/>
+                <a16:creationId xmlns:a16="http://schemas.microsoft.com/office/drawing/2014/main" xmlns="" id="{C3B3C454-C61F-4642-AC5E-175E78B46E93}"/>
               </a:ext>
             </a:extLst>
           </p:cNvPr>
@@ -3935,7 +3961,7 @@
           <p:cNvPr id="12" name="Tekstvak 11">
             <a:extLst>
               <a:ext uri="{FF2B5EF4-FFF2-40B4-BE49-F238E27FC236}">
-                <a16:creationId xmlns:a16="http://schemas.microsoft.com/office/drawing/2014/main" id="{1AF95B95-DF37-4511-BC26-2A337B82EADC}"/>
+                <a16:creationId xmlns:a16="http://schemas.microsoft.com/office/drawing/2014/main" xmlns="" id="{1AF95B95-DF37-4511-BC26-2A337B82EADC}"/>
               </a:ext>
             </a:extLst>
           </p:cNvPr>
@@ -3970,7 +3996,7 @@
           <p:cNvPr id="9" name="Afbeelding 8">
             <a:extLst>
               <a:ext uri="{FF2B5EF4-FFF2-40B4-BE49-F238E27FC236}">
-                <a16:creationId xmlns:a16="http://schemas.microsoft.com/office/drawing/2014/main" id="{1B858127-D2F6-4D2B-B5A9-94CF7612B179}"/>
+                <a16:creationId xmlns:a16="http://schemas.microsoft.com/office/drawing/2014/main" xmlns="" id="{1B858127-D2F6-4D2B-B5A9-94CF7612B179}"/>
               </a:ext>
             </a:extLst>
           </p:cNvPr>
@@ -3980,10 +4006,10 @@
           <p:nvPr/>
         </p:nvPicPr>
         <p:blipFill>
-          <a:blip r:embed="rId4">
+          <a:blip r:embed="rId4" cstate="print">
             <a:extLst>
               <a:ext uri="{28A0092B-C50C-407E-A947-70E740481C1C}">
-                <a14:useLocalDpi xmlns:a14="http://schemas.microsoft.com/office/drawing/2010/main" val="0"/>
+                <a14:useLocalDpi xmlns:a14="http://schemas.microsoft.com/office/drawing/2010/main" xmlns="" val="0"/>
               </a:ext>
             </a:extLst>
           </a:blip>
@@ -4006,7 +4032,7 @@
           <p:cNvPr id="10" name="Pijl: rechts 9">
             <a:extLst>
               <a:ext uri="{FF2B5EF4-FFF2-40B4-BE49-F238E27FC236}">
-                <a16:creationId xmlns:a16="http://schemas.microsoft.com/office/drawing/2014/main" id="{13F3850F-71EA-4741-A182-94C4C2F636F5}"/>
+                <a16:creationId xmlns:a16="http://schemas.microsoft.com/office/drawing/2014/main" xmlns="" id="{13F3850F-71EA-4741-A182-94C4C2F636F5}"/>
               </a:ext>
             </a:extLst>
           </p:cNvPr>
@@ -4052,7 +4078,7 @@
           <p:cNvPr id="3" name="Ovaal 2">
             <a:extLst>
               <a:ext uri="{FF2B5EF4-FFF2-40B4-BE49-F238E27FC236}">
-                <a16:creationId xmlns:a16="http://schemas.microsoft.com/office/drawing/2014/main" id="{19B9F891-8EF8-44F6-B6ED-BB2422D771A3}"/>
+                <a16:creationId xmlns:a16="http://schemas.microsoft.com/office/drawing/2014/main" xmlns="" id="{19B9F891-8EF8-44F6-B6ED-BB2422D771A3}"/>
               </a:ext>
             </a:extLst>
           </p:cNvPr>
@@ -4101,7 +4127,7 @@
           <p:cNvPr id="13" name="Ovaal 12">
             <a:extLst>
               <a:ext uri="{FF2B5EF4-FFF2-40B4-BE49-F238E27FC236}">
-                <a16:creationId xmlns:a16="http://schemas.microsoft.com/office/drawing/2014/main" id="{24DD1F6E-573A-4E2D-8811-591CE94E629B}"/>
+                <a16:creationId xmlns:a16="http://schemas.microsoft.com/office/drawing/2014/main" xmlns="" id="{24DD1F6E-573A-4E2D-8811-591CE94E629B}"/>
               </a:ext>
             </a:extLst>
           </p:cNvPr>
@@ -4150,7 +4176,7 @@
           <p:cNvPr id="7" name="Rechte verbindingslijn met pijl 6">
             <a:extLst>
               <a:ext uri="{FF2B5EF4-FFF2-40B4-BE49-F238E27FC236}">
-                <a16:creationId xmlns:a16="http://schemas.microsoft.com/office/drawing/2014/main" id="{D5C82334-4E2E-4051-961A-F679B07C4F1F}"/>
+                <a16:creationId xmlns:a16="http://schemas.microsoft.com/office/drawing/2014/main" xmlns="" id="{D5C82334-4E2E-4051-961A-F679B07C4F1F}"/>
               </a:ext>
             </a:extLst>
           </p:cNvPr>
@@ -4192,7 +4218,7 @@
           <p:cNvPr id="16" name="Rechte verbindingslijn met pijl 15">
             <a:extLst>
               <a:ext uri="{FF2B5EF4-FFF2-40B4-BE49-F238E27FC236}">
-                <a16:creationId xmlns:a16="http://schemas.microsoft.com/office/drawing/2014/main" id="{705EA1F6-DA7E-4475-8576-E76A7C126F12}"/>
+                <a16:creationId xmlns:a16="http://schemas.microsoft.com/office/drawing/2014/main" xmlns="" id="{705EA1F6-DA7E-4475-8576-E76A7C126F12}"/>
               </a:ext>
             </a:extLst>
           </p:cNvPr>
@@ -4232,7 +4258,7 @@
     </p:spTree>
     <p:extLst>
       <p:ext uri="{BB962C8B-B14F-4D97-AF65-F5344CB8AC3E}">
-        <p14:creationId xmlns:p14="http://schemas.microsoft.com/office/powerpoint/2010/main" val="845698545"/>
+        <p14:creationId xmlns:p14="http://schemas.microsoft.com/office/powerpoint/2010/main" xmlns="" val="845698545"/>
       </p:ext>
     </p:extLst>
   </p:cSld>
@@ -4264,7 +4290,7 @@
           <p:cNvPr id="2" name="Titel 1">
             <a:extLst>
               <a:ext uri="{FF2B5EF4-FFF2-40B4-BE49-F238E27FC236}">
-                <a16:creationId xmlns:a16="http://schemas.microsoft.com/office/drawing/2014/main" id="{28AC7F7A-EB5E-48A2-A178-02E17BA194BE}"/>
+                <a16:creationId xmlns:a16="http://schemas.microsoft.com/office/drawing/2014/main" xmlns="" id="{28AC7F7A-EB5E-48A2-A178-02E17BA194BE}"/>
               </a:ext>
             </a:extLst>
           </p:cNvPr>
@@ -4309,7 +4335,7 @@
           <p:cNvPr id="4" name="Tijdelijke aanduiding voor inhoud 3">
             <a:extLst>
               <a:ext uri="{FF2B5EF4-FFF2-40B4-BE49-F238E27FC236}">
-                <a16:creationId xmlns:a16="http://schemas.microsoft.com/office/drawing/2014/main" id="{12A0C32B-A310-4B27-B6D9-73509A425B75}"/>
+                <a16:creationId xmlns:a16="http://schemas.microsoft.com/office/drawing/2014/main" xmlns="" id="{12A0C32B-A310-4B27-B6D9-73509A425B75}"/>
               </a:ext>
             </a:extLst>
           </p:cNvPr>
@@ -4321,7 +4347,7 @@
           </p:nvPr>
         </p:nvPicPr>
         <p:blipFill rotWithShape="1">
-          <a:blip r:embed="rId2"/>
+          <a:blip r:embed="rId2" cstate="print"/>
           <a:srcRect l="31407" t="33565" r="20572" b="26158"/>
           <a:stretch/>
         </p:blipFill>
@@ -4338,7 +4364,7 @@
     </p:spTree>
     <p:extLst>
       <p:ext uri="{BB962C8B-B14F-4D97-AF65-F5344CB8AC3E}">
-        <p14:creationId xmlns:p14="http://schemas.microsoft.com/office/powerpoint/2010/main" val="2460963347"/>
+        <p14:creationId xmlns:p14="http://schemas.microsoft.com/office/powerpoint/2010/main" xmlns="" val="2460963347"/>
       </p:ext>
     </p:extLst>
   </p:cSld>
@@ -4367,13 +4393,7 @@
       </p:grpSpPr>
       <p:sp>
         <p:nvSpPr>
-          <p:cNvPr id="2" name="Titel 1">
-            <a:extLst>
-              <a:ext uri="{FF2B5EF4-FFF2-40B4-BE49-F238E27FC236}">
-                <a16:creationId xmlns:a16="http://schemas.microsoft.com/office/drawing/2014/main" id="{B4E765C8-5F6A-4ADA-9CE4-7069CCB84123}"/>
-              </a:ext>
-            </a:extLst>
-          </p:cNvPr>
+          <p:cNvPr id="2" name="Titel 1"/>
           <p:cNvSpPr>
             <a:spLocks noGrp="1"/>
           </p:cNvSpPr>
@@ -4387,21 +4407,28 @@
           <a:lstStyle/>
           <a:p>
             <a:r>
-              <a:rPr lang="nl-NL" dirty="0"/>
-              <a:t>Plan van aanpak</a:t>
-            </a:r>
-          </a:p>
-        </p:txBody>
-      </p:sp>
-      <p:sp>
-        <p:nvSpPr>
-          <p:cNvPr id="3" name="Tijdelijke aanduiding voor inhoud 2">
-            <a:extLst>
-              <a:ext uri="{FF2B5EF4-FFF2-40B4-BE49-F238E27FC236}">
-                <a16:creationId xmlns:a16="http://schemas.microsoft.com/office/drawing/2014/main" id="{E7C93FD5-5A06-4D56-A65E-13824E36D5C2}"/>
-              </a:ext>
-            </a:extLst>
-          </p:cNvPr>
+              <a:rPr lang="en-US" dirty="0" smtClean="0"/>
+              <a:t>Protein </a:t>
+            </a:r>
+            <a:r>
+              <a:rPr lang="en-US" dirty="0" err="1" smtClean="0"/>
+              <a:t>Pow</a:t>
+            </a:r>
+            <a:r>
+              <a:rPr lang="en-US" dirty="0" smtClean="0"/>
+              <a:t>(d)</a:t>
+            </a:r>
+            <a:r>
+              <a:rPr lang="en-US" dirty="0" err="1" smtClean="0"/>
+              <a:t>er</a:t>
+            </a:r>
+            <a:endParaRPr lang="en-US" dirty="0"/>
+          </a:p>
+        </p:txBody>
+      </p:sp>
+      <p:sp>
+        <p:nvSpPr>
+          <p:cNvPr id="3" name="Tijdelijke aanduiding voor inhoud 2"/>
           <p:cNvSpPr>
             <a:spLocks noGrp="1"/>
           </p:cNvSpPr>
@@ -4415,76 +4442,256 @@
           <a:lstStyle/>
           <a:p>
             <a:r>
-              <a:rPr lang="nl-NL" dirty="0"/>
-              <a:t>Object Aminozuur</a:t>
+              <a:rPr lang="en-US" dirty="0" smtClean="0"/>
+              <a:t>Constraints</a:t>
             </a:r>
           </a:p>
           <a:p>
             <a:pPr lvl="1"/>
             <a:r>
-              <a:rPr lang="nl-NL" dirty="0"/>
-              <a:t>Type: hydrofoob / polair</a:t>
-            </a:r>
+              <a:rPr lang="en-US" dirty="0" err="1" smtClean="0"/>
+              <a:t>Geen</a:t>
+            </a:r>
+            <a:r>
+              <a:rPr lang="en-US" dirty="0" smtClean="0"/>
+              <a:t> </a:t>
+            </a:r>
+            <a:r>
+              <a:rPr lang="en-US" dirty="0" err="1" smtClean="0"/>
+              <a:t>aminozuren</a:t>
+            </a:r>
+            <a:r>
+              <a:rPr lang="en-US" dirty="0" smtClean="0"/>
+              <a:t> op </a:t>
+            </a:r>
+            <a:r>
+              <a:rPr lang="en-US" dirty="0" err="1" smtClean="0"/>
+              <a:t>dezelfde</a:t>
+            </a:r>
+            <a:r>
+              <a:rPr lang="en-US" dirty="0" smtClean="0"/>
+              <a:t> </a:t>
+            </a:r>
+            <a:r>
+              <a:rPr lang="en-US" dirty="0" err="1" smtClean="0"/>
+              <a:t>plek</a:t>
+            </a:r>
+            <a:endParaRPr lang="en-US" dirty="0" smtClean="0"/>
           </a:p>
           <a:p>
             <a:pPr lvl="1"/>
             <a:r>
-              <a:rPr lang="nl-NL" dirty="0"/>
-              <a:t>X – coördinaat </a:t>
+              <a:rPr lang="en-US" dirty="0" err="1" smtClean="0"/>
+              <a:t>Hoek</a:t>
+            </a:r>
+            <a:r>
+              <a:rPr lang="en-US" dirty="0" smtClean="0"/>
+              <a:t> van 180 of 90 </a:t>
+            </a:r>
+            <a:r>
+              <a:rPr lang="en-US" dirty="0" err="1" smtClean="0"/>
+              <a:t>graden</a:t>
+            </a:r>
+            <a:endParaRPr lang="en-US" dirty="0"/>
+          </a:p>
+        </p:txBody>
+      </p:sp>
+    </p:spTree>
+  </p:cSld>
+  <p:clrMapOvr>
+    <a:masterClrMapping/>
+  </p:clrMapOvr>
+</p:sld>
+</file>
+
+<file path=ppt/slides/slide6.xml><?xml version="1.0" encoding="utf-8"?>
+<p:sld xmlns:a="http://schemas.openxmlformats.org/drawingml/2006/main" xmlns:r="http://schemas.openxmlformats.org/officeDocument/2006/relationships" xmlns:p="http://schemas.openxmlformats.org/presentationml/2006/main">
+  <p:cSld>
+    <p:spTree>
+      <p:nvGrpSpPr>
+        <p:cNvPr id="1" name=""/>
+        <p:cNvGrpSpPr/>
+        <p:nvPr/>
+      </p:nvGrpSpPr>
+      <p:grpSpPr>
+        <a:xfrm>
+          <a:off x="0" y="0"/>
+          <a:ext cx="0" cy="0"/>
+          <a:chOff x="0" y="0"/>
+          <a:chExt cx="0" cy="0"/>
+        </a:xfrm>
+      </p:grpSpPr>
+      <p:sp>
+        <p:nvSpPr>
+          <p:cNvPr id="2" name="Titel 1"/>
+          <p:cNvSpPr>
+            <a:spLocks noGrp="1"/>
+          </p:cNvSpPr>
+          <p:nvPr>
+            <p:ph type="title"/>
+          </p:nvPr>
+        </p:nvSpPr>
+        <p:spPr/>
+        <p:txBody>
+          <a:bodyPr/>
+          <a:lstStyle/>
+          <a:p>
+            <a:r>
+              <a:rPr lang="en-US" dirty="0" err="1" smtClean="0"/>
+              <a:t>Methode</a:t>
+            </a:r>
+            <a:endParaRPr lang="en-US" dirty="0"/>
+          </a:p>
+        </p:txBody>
+      </p:sp>
+      <p:pic>
+        <p:nvPicPr>
+          <p:cNvPr id="1026" name="Picture 2"/>
+          <p:cNvPicPr>
+            <a:picLocks noChangeAspect="1" noChangeArrowheads="1"/>
+          </p:cNvPicPr>
+          <p:nvPr/>
+        </p:nvPicPr>
+        <p:blipFill>
+          <a:blip r:embed="rId2" cstate="print"/>
+          <a:srcRect/>
+          <a:stretch>
+            <a:fillRect/>
+          </a:stretch>
+        </p:blipFill>
+        <p:spPr bwMode="auto">
+          <a:xfrm>
+            <a:off x="968921" y="1750958"/>
+            <a:ext cx="8206610" cy="3899414"/>
+          </a:xfrm>
+          <a:prstGeom prst="rect">
+            <a:avLst/>
+          </a:prstGeom>
+          <a:noFill/>
+          <a:ln w="9525">
+            <a:noFill/>
+            <a:miter lim="800000"/>
+            <a:headEnd/>
+            <a:tailEnd/>
+          </a:ln>
+        </p:spPr>
+      </p:pic>
+    </p:spTree>
+  </p:cSld>
+  <p:clrMapOvr>
+    <a:masterClrMapping/>
+  </p:clrMapOvr>
+</p:sld>
+</file>
+
+<file path=ppt/slides/slide7.xml><?xml version="1.0" encoding="utf-8"?>
+<p:sld xmlns:a="http://schemas.openxmlformats.org/drawingml/2006/main" xmlns:r="http://schemas.openxmlformats.org/officeDocument/2006/relationships" xmlns:p="http://schemas.openxmlformats.org/presentationml/2006/main">
+  <p:cSld>
+    <p:spTree>
+      <p:nvGrpSpPr>
+        <p:cNvPr id="1" name=""/>
+        <p:cNvGrpSpPr/>
+        <p:nvPr/>
+      </p:nvGrpSpPr>
+      <p:grpSpPr>
+        <a:xfrm>
+          <a:off x="0" y="0"/>
+          <a:ext cx="0" cy="0"/>
+          <a:chOff x="0" y="0"/>
+          <a:chExt cx="0" cy="0"/>
+        </a:xfrm>
+      </p:grpSpPr>
+      <p:sp>
+        <p:nvSpPr>
+          <p:cNvPr id="2" name="Titel 1"/>
+          <p:cNvSpPr>
+            <a:spLocks noGrp="1"/>
+          </p:cNvSpPr>
+          <p:nvPr>
+            <p:ph type="title"/>
+          </p:nvPr>
+        </p:nvSpPr>
+        <p:spPr/>
+        <p:txBody>
+          <a:bodyPr/>
+          <a:lstStyle/>
+          <a:p>
+            <a:r>
+              <a:rPr lang="en-US" dirty="0" err="1" smtClean="0"/>
+              <a:t>Methode</a:t>
+            </a:r>
+            <a:r>
+              <a:rPr lang="en-US" dirty="0" smtClean="0"/>
+              <a:t>	</a:t>
+            </a:r>
+            <a:endParaRPr lang="en-US" dirty="0"/>
+          </a:p>
+        </p:txBody>
+      </p:sp>
+      <p:sp>
+        <p:nvSpPr>
+          <p:cNvPr id="3" name="Tijdelijke aanduiding voor inhoud 2"/>
+          <p:cNvSpPr>
+            <a:spLocks noGrp="1"/>
+          </p:cNvSpPr>
+          <p:nvPr>
+            <p:ph idx="1"/>
+          </p:nvPr>
+        </p:nvSpPr>
+        <p:spPr/>
+        <p:txBody>
+          <a:bodyPr/>
+          <a:lstStyle/>
+          <a:p>
+            <a:r>
+              <a:rPr lang="nl-NL" dirty="0" smtClean="0"/>
+              <a:t>Random vouwen</a:t>
             </a:r>
           </a:p>
           <a:p>
             <a:pPr lvl="1"/>
             <a:r>
-              <a:rPr lang="nl-NL" dirty="0"/>
-              <a:t>Y – coördinaat </a:t>
-            </a:r>
-          </a:p>
-          <a:p>
-            <a:r>
-              <a:rPr lang="nl-NL" dirty="0"/>
+              <a:rPr lang="nl-NL" dirty="0" err="1" smtClean="0"/>
+              <a:t>Constraints</a:t>
+            </a:r>
+            <a:r>
+              <a:rPr lang="nl-NL" dirty="0" smtClean="0"/>
+              <a:t>	 </a:t>
+            </a:r>
+          </a:p>
+          <a:p>
+            <a:r>
+              <a:rPr lang="nl-NL" dirty="0" smtClean="0"/>
               <a:t>Assenstelsel </a:t>
             </a:r>
+            <a:endParaRPr lang="nl-NL" dirty="0" smtClean="0"/>
           </a:p>
           <a:p>
             <a:pPr lvl="1"/>
             <a:r>
-              <a:rPr lang="nl-NL" dirty="0"/>
+              <a:rPr lang="nl-NL" dirty="0" smtClean="0"/>
               <a:t>2D (x, y)</a:t>
             </a:r>
           </a:p>
           <a:p>
             <a:pPr lvl="1"/>
             <a:r>
-              <a:rPr lang="nl-NL" dirty="0"/>
-              <a:t>3D (x, y, </a:t>
-            </a:r>
-            <a:r>
-              <a:rPr lang="nl-NL" dirty="0" err="1"/>
-              <a:t>z</a:t>
-            </a:r>
-            <a:r>
-              <a:rPr lang="nl-NL" dirty="0"/>
-              <a:t>)</a:t>
-            </a:r>
-          </a:p>
-          <a:p>
-            <a:endParaRPr lang="nl-NL" dirty="0"/>
-          </a:p>
-          <a:p>
-            <a:endParaRPr lang="nl-NL" dirty="0"/>
-          </a:p>
-          <a:p>
-            <a:endParaRPr lang="nl-NL" dirty="0"/>
+              <a:rPr lang="nl-NL" dirty="0" smtClean="0"/>
+              <a:t>3D (x, y, z)</a:t>
+            </a:r>
+          </a:p>
+          <a:p>
+            <a:r>
+              <a:rPr lang="nl-NL" dirty="0" smtClean="0"/>
+              <a:t>Plot</a:t>
+            </a:r>
+          </a:p>
+          <a:p>
+            <a:endParaRPr lang="en-US" dirty="0"/>
           </a:p>
         </p:txBody>
       </p:sp>
     </p:spTree>
-    <p:extLst>
-      <p:ext uri="{BB962C8B-B14F-4D97-AF65-F5344CB8AC3E}">
-        <p14:creationId xmlns:p14="http://schemas.microsoft.com/office/powerpoint/2010/main" val="1712406230"/>
-      </p:ext>
-    </p:extLst>
   </p:cSld>
   <p:clrMapOvr>
     <a:masterClrMapping/>
@@ -4535,7 +4742,7 @@
     </a:clrScheme>
     <a:fontScheme name="Office">
       <a:majorFont>
-        <a:latin typeface="Calibri Light" panose="020F0302020204030204"/>
+        <a:latin typeface="Calibri Light"/>
         <a:ea typeface=""/>
         <a:cs typeface=""/>
         <a:font script="Jpan" typeface="游ゴシック Light"/>
@@ -4587,7 +4794,7 @@
         <a:font script="Tfng" typeface="Ebrima"/>
       </a:majorFont>
       <a:minorFont>
-        <a:latin typeface="Calibri" panose="020F0502020204030204"/>
+        <a:latin typeface="Calibri"/>
         <a:ea typeface=""/>
         <a:cs typeface=""/>
         <a:font script="Jpan" typeface="游ゴシック"/>
@@ -4781,7 +4988,7 @@
   <a:extraClrSchemeLst/>
   <a:extLst>
     <a:ext uri="{05A4C25C-085E-4340-85A3-A5531E510DB2}">
-      <thm15:themeFamily xmlns:thm15="http://schemas.microsoft.com/office/thememl/2012/main" name="Office Theme" id="{62F939B6-93AF-4DB8-9C6B-D6C7DFDC589F}" vid="{4A3C46E8-61CC-4603-A589-7422A47A8E4A}"/>
+      <thm15:themeFamily xmlns:thm15="http://schemas.microsoft.com/office/thememl/2012/main" xmlns="" name="Office Theme" id="{62F939B6-93AF-4DB8-9C6B-D6C7DFDC589F}" vid="{4A3C46E8-61CC-4603-A589-7422A47A8E4A}"/>
     </a:ext>
   </a:extLst>
 </a:theme>

--- a/Presentations/Proteasen - week 1.pptx
+++ b/Presentations/Proteasen - week 1.pptx
@@ -12,6 +12,7 @@
     <p:sldId id="266" r:id="rId6"/>
     <p:sldId id="264" r:id="rId7"/>
     <p:sldId id="265" r:id="rId8"/>
+    <p:sldId id="267" r:id="rId9"/>
   </p:sldIdLst>
   <p:sldSz cx="12192000" cy="6858000"/>
   <p:notesSz cx="6858000" cy="9144000"/>
@@ -135,7 +136,7 @@
           <p:cNvPr id="2" name="Titel 1">
             <a:extLst>
               <a:ext uri="{FF2B5EF4-FFF2-40B4-BE49-F238E27FC236}">
-                <a16:creationId xmlns:a16="http://schemas.microsoft.com/office/drawing/2014/main" xmlns="" id="{EFD99023-B551-45B8-A12C-2917446E04BE}"/>
+                <a16:creationId xmlns="" xmlns:a16="http://schemas.microsoft.com/office/drawing/2014/main" id="{EFD99023-B551-45B8-A12C-2917446E04BE}"/>
               </a:ext>
             </a:extLst>
           </p:cNvPr>
@@ -172,7 +173,7 @@
           <p:cNvPr id="3" name="Ondertitel 2">
             <a:extLst>
               <a:ext uri="{FF2B5EF4-FFF2-40B4-BE49-F238E27FC236}">
-                <a16:creationId xmlns:a16="http://schemas.microsoft.com/office/drawing/2014/main" xmlns="" id="{2E009DEA-736C-495D-A0BD-D3CB755CD810}"/>
+                <a16:creationId xmlns="" xmlns:a16="http://schemas.microsoft.com/office/drawing/2014/main" id="{2E009DEA-736C-495D-A0BD-D3CB755CD810}"/>
               </a:ext>
             </a:extLst>
           </p:cNvPr>
@@ -242,7 +243,7 @@
           <p:cNvPr id="4" name="Tijdelijke aanduiding voor datum 3">
             <a:extLst>
               <a:ext uri="{FF2B5EF4-FFF2-40B4-BE49-F238E27FC236}">
-                <a16:creationId xmlns:a16="http://schemas.microsoft.com/office/drawing/2014/main" xmlns="" id="{67209F8F-9D5D-4D9E-AC0A-70E79D66B973}"/>
+                <a16:creationId xmlns="" xmlns:a16="http://schemas.microsoft.com/office/drawing/2014/main" id="{67209F8F-9D5D-4D9E-AC0A-70E79D66B973}"/>
               </a:ext>
             </a:extLst>
           </p:cNvPr>
@@ -261,7 +262,7 @@
             <a:fld id="{ADE4902F-FBEA-4B35-9D62-082FA2608761}" type="datetimeFigureOut">
               <a:rPr lang="nl-NL" smtClean="0"/>
               <a:pPr/>
-              <a:t>13-11-2017</a:t>
+              <a:t>14-11-2017</a:t>
             </a:fld>
             <a:endParaRPr lang="nl-NL"/>
           </a:p>
@@ -272,7 +273,7 @@
           <p:cNvPr id="5" name="Tijdelijke aanduiding voor voettekst 4">
             <a:extLst>
               <a:ext uri="{FF2B5EF4-FFF2-40B4-BE49-F238E27FC236}">
-                <a16:creationId xmlns:a16="http://schemas.microsoft.com/office/drawing/2014/main" xmlns="" id="{54E64078-7028-4A61-9D1A-E34F5B16D07A}"/>
+                <a16:creationId xmlns="" xmlns:a16="http://schemas.microsoft.com/office/drawing/2014/main" id="{54E64078-7028-4A61-9D1A-E34F5B16D07A}"/>
               </a:ext>
             </a:extLst>
           </p:cNvPr>
@@ -297,7 +298,7 @@
           <p:cNvPr id="6" name="Tijdelijke aanduiding voor dianummer 5">
             <a:extLst>
               <a:ext uri="{FF2B5EF4-FFF2-40B4-BE49-F238E27FC236}">
-                <a16:creationId xmlns:a16="http://schemas.microsoft.com/office/drawing/2014/main" xmlns="" id="{F94CF3BC-A337-46FC-9ED2-A70F074C57CD}"/>
+                <a16:creationId xmlns="" xmlns:a16="http://schemas.microsoft.com/office/drawing/2014/main" id="{F94CF3BC-A337-46FC-9ED2-A70F074C57CD}"/>
               </a:ext>
             </a:extLst>
           </p:cNvPr>
@@ -316,7 +317,7 @@
             <a:fld id="{1C1C122E-05CA-4289-A26B-D14C5EAD5EFF}" type="slidenum">
               <a:rPr lang="nl-NL" smtClean="0"/>
               <a:pPr/>
-              <a:t>‹nr.›</a:t>
+              <a:t>‹#›</a:t>
             </a:fld>
             <a:endParaRPr lang="nl-NL"/>
           </a:p>
@@ -325,7 +326,7 @@
     </p:spTree>
     <p:extLst>
       <p:ext uri="{BB962C8B-B14F-4D97-AF65-F5344CB8AC3E}">
-        <p14:creationId xmlns:p14="http://schemas.microsoft.com/office/powerpoint/2010/main" xmlns="" val="3805358241"/>
+        <p14:creationId xmlns:p14="http://schemas.microsoft.com/office/powerpoint/2010/main" val="3805358241"/>
       </p:ext>
     </p:extLst>
   </p:cSld>
@@ -357,7 +358,7 @@
           <p:cNvPr id="2" name="Titel 1">
             <a:extLst>
               <a:ext uri="{FF2B5EF4-FFF2-40B4-BE49-F238E27FC236}">
-                <a16:creationId xmlns:a16="http://schemas.microsoft.com/office/drawing/2014/main" xmlns="" id="{A0360AC8-B78F-4264-BCDD-ACDC27E57432}"/>
+                <a16:creationId xmlns="" xmlns:a16="http://schemas.microsoft.com/office/drawing/2014/main" id="{A0360AC8-B78F-4264-BCDD-ACDC27E57432}"/>
               </a:ext>
             </a:extLst>
           </p:cNvPr>
@@ -385,7 +386,7 @@
           <p:cNvPr id="3" name="Tijdelijke aanduiding voor verticale tekst 2">
             <a:extLst>
               <a:ext uri="{FF2B5EF4-FFF2-40B4-BE49-F238E27FC236}">
-                <a16:creationId xmlns:a16="http://schemas.microsoft.com/office/drawing/2014/main" xmlns="" id="{CBC2C12D-CEBD-47C9-B6B8-76D5A5B9B46B}"/>
+                <a16:creationId xmlns="" xmlns:a16="http://schemas.microsoft.com/office/drawing/2014/main" id="{CBC2C12D-CEBD-47C9-B6B8-76D5A5B9B46B}"/>
               </a:ext>
             </a:extLst>
           </p:cNvPr>
@@ -442,7 +443,7 @@
           <p:cNvPr id="4" name="Tijdelijke aanduiding voor datum 3">
             <a:extLst>
               <a:ext uri="{FF2B5EF4-FFF2-40B4-BE49-F238E27FC236}">
-                <a16:creationId xmlns:a16="http://schemas.microsoft.com/office/drawing/2014/main" xmlns="" id="{99C3A252-6B99-4635-BB91-A7D08534575D}"/>
+                <a16:creationId xmlns="" xmlns:a16="http://schemas.microsoft.com/office/drawing/2014/main" id="{99C3A252-6B99-4635-BB91-A7D08534575D}"/>
               </a:ext>
             </a:extLst>
           </p:cNvPr>
@@ -461,7 +462,7 @@
             <a:fld id="{ADE4902F-FBEA-4B35-9D62-082FA2608761}" type="datetimeFigureOut">
               <a:rPr lang="nl-NL" smtClean="0"/>
               <a:pPr/>
-              <a:t>13-11-2017</a:t>
+              <a:t>14-11-2017</a:t>
             </a:fld>
             <a:endParaRPr lang="nl-NL"/>
           </a:p>
@@ -472,7 +473,7 @@
           <p:cNvPr id="5" name="Tijdelijke aanduiding voor voettekst 4">
             <a:extLst>
               <a:ext uri="{FF2B5EF4-FFF2-40B4-BE49-F238E27FC236}">
-                <a16:creationId xmlns:a16="http://schemas.microsoft.com/office/drawing/2014/main" xmlns="" id="{55C44EC4-4316-439A-80F3-5CF8FA8B9E4D}"/>
+                <a16:creationId xmlns="" xmlns:a16="http://schemas.microsoft.com/office/drawing/2014/main" id="{55C44EC4-4316-439A-80F3-5CF8FA8B9E4D}"/>
               </a:ext>
             </a:extLst>
           </p:cNvPr>
@@ -497,7 +498,7 @@
           <p:cNvPr id="6" name="Tijdelijke aanduiding voor dianummer 5">
             <a:extLst>
               <a:ext uri="{FF2B5EF4-FFF2-40B4-BE49-F238E27FC236}">
-                <a16:creationId xmlns:a16="http://schemas.microsoft.com/office/drawing/2014/main" xmlns="" id="{51651B2C-E2E2-469B-9BC0-4F51A8AB8FCF}"/>
+                <a16:creationId xmlns="" xmlns:a16="http://schemas.microsoft.com/office/drawing/2014/main" id="{51651B2C-E2E2-469B-9BC0-4F51A8AB8FCF}"/>
               </a:ext>
             </a:extLst>
           </p:cNvPr>
@@ -516,7 +517,7 @@
             <a:fld id="{1C1C122E-05CA-4289-A26B-D14C5EAD5EFF}" type="slidenum">
               <a:rPr lang="nl-NL" smtClean="0"/>
               <a:pPr/>
-              <a:t>‹nr.›</a:t>
+              <a:t>‹#›</a:t>
             </a:fld>
             <a:endParaRPr lang="nl-NL"/>
           </a:p>
@@ -525,7 +526,7 @@
     </p:spTree>
     <p:extLst>
       <p:ext uri="{BB962C8B-B14F-4D97-AF65-F5344CB8AC3E}">
-        <p14:creationId xmlns:p14="http://schemas.microsoft.com/office/powerpoint/2010/main" xmlns="" val="3203477417"/>
+        <p14:creationId xmlns:p14="http://schemas.microsoft.com/office/powerpoint/2010/main" val="3203477417"/>
       </p:ext>
     </p:extLst>
   </p:cSld>
@@ -557,7 +558,7 @@
           <p:cNvPr id="2" name="Verticale titel 1">
             <a:extLst>
               <a:ext uri="{FF2B5EF4-FFF2-40B4-BE49-F238E27FC236}">
-                <a16:creationId xmlns:a16="http://schemas.microsoft.com/office/drawing/2014/main" xmlns="" id="{A8495113-02DB-4A72-A690-2DCF724F608D}"/>
+                <a16:creationId xmlns="" xmlns:a16="http://schemas.microsoft.com/office/drawing/2014/main" id="{A8495113-02DB-4A72-A690-2DCF724F608D}"/>
               </a:ext>
             </a:extLst>
           </p:cNvPr>
@@ -590,7 +591,7 @@
           <p:cNvPr id="3" name="Tijdelijke aanduiding voor verticale tekst 2">
             <a:extLst>
               <a:ext uri="{FF2B5EF4-FFF2-40B4-BE49-F238E27FC236}">
-                <a16:creationId xmlns:a16="http://schemas.microsoft.com/office/drawing/2014/main" xmlns="" id="{C31B8AC1-42B5-4119-AC97-D81F532327F3}"/>
+                <a16:creationId xmlns="" xmlns:a16="http://schemas.microsoft.com/office/drawing/2014/main" id="{C31B8AC1-42B5-4119-AC97-D81F532327F3}"/>
               </a:ext>
             </a:extLst>
           </p:cNvPr>
@@ -652,7 +653,7 @@
           <p:cNvPr id="4" name="Tijdelijke aanduiding voor datum 3">
             <a:extLst>
               <a:ext uri="{FF2B5EF4-FFF2-40B4-BE49-F238E27FC236}">
-                <a16:creationId xmlns:a16="http://schemas.microsoft.com/office/drawing/2014/main" xmlns="" id="{C56E96B1-1940-4306-AE29-87A98AD3166A}"/>
+                <a16:creationId xmlns="" xmlns:a16="http://schemas.microsoft.com/office/drawing/2014/main" id="{C56E96B1-1940-4306-AE29-87A98AD3166A}"/>
               </a:ext>
             </a:extLst>
           </p:cNvPr>
@@ -671,7 +672,7 @@
             <a:fld id="{ADE4902F-FBEA-4B35-9D62-082FA2608761}" type="datetimeFigureOut">
               <a:rPr lang="nl-NL" smtClean="0"/>
               <a:pPr/>
-              <a:t>13-11-2017</a:t>
+              <a:t>14-11-2017</a:t>
             </a:fld>
             <a:endParaRPr lang="nl-NL"/>
           </a:p>
@@ -682,7 +683,7 @@
           <p:cNvPr id="5" name="Tijdelijke aanduiding voor voettekst 4">
             <a:extLst>
               <a:ext uri="{FF2B5EF4-FFF2-40B4-BE49-F238E27FC236}">
-                <a16:creationId xmlns:a16="http://schemas.microsoft.com/office/drawing/2014/main" xmlns="" id="{A5988C8F-FC0C-4CBE-BA17-CA0DFB99C566}"/>
+                <a16:creationId xmlns="" xmlns:a16="http://schemas.microsoft.com/office/drawing/2014/main" id="{A5988C8F-FC0C-4CBE-BA17-CA0DFB99C566}"/>
               </a:ext>
             </a:extLst>
           </p:cNvPr>
@@ -707,7 +708,7 @@
           <p:cNvPr id="6" name="Tijdelijke aanduiding voor dianummer 5">
             <a:extLst>
               <a:ext uri="{FF2B5EF4-FFF2-40B4-BE49-F238E27FC236}">
-                <a16:creationId xmlns:a16="http://schemas.microsoft.com/office/drawing/2014/main" xmlns="" id="{5965722C-5852-44DE-9F55-897A005A5E6B}"/>
+                <a16:creationId xmlns="" xmlns:a16="http://schemas.microsoft.com/office/drawing/2014/main" id="{5965722C-5852-44DE-9F55-897A005A5E6B}"/>
               </a:ext>
             </a:extLst>
           </p:cNvPr>
@@ -726,7 +727,7 @@
             <a:fld id="{1C1C122E-05CA-4289-A26B-D14C5EAD5EFF}" type="slidenum">
               <a:rPr lang="nl-NL" smtClean="0"/>
               <a:pPr/>
-              <a:t>‹nr.›</a:t>
+              <a:t>‹#›</a:t>
             </a:fld>
             <a:endParaRPr lang="nl-NL"/>
           </a:p>
@@ -735,7 +736,7 @@
     </p:spTree>
     <p:extLst>
       <p:ext uri="{BB962C8B-B14F-4D97-AF65-F5344CB8AC3E}">
-        <p14:creationId xmlns:p14="http://schemas.microsoft.com/office/powerpoint/2010/main" xmlns="" val="1094053022"/>
+        <p14:creationId xmlns:p14="http://schemas.microsoft.com/office/powerpoint/2010/main" val="1094053022"/>
       </p:ext>
     </p:extLst>
   </p:cSld>
@@ -767,7 +768,7 @@
           <p:cNvPr id="2" name="Titel 1">
             <a:extLst>
               <a:ext uri="{FF2B5EF4-FFF2-40B4-BE49-F238E27FC236}">
-                <a16:creationId xmlns:a16="http://schemas.microsoft.com/office/drawing/2014/main" xmlns="" id="{016A3A2C-E9A1-46E3-B56B-6107511A4824}"/>
+                <a16:creationId xmlns="" xmlns:a16="http://schemas.microsoft.com/office/drawing/2014/main" id="{016A3A2C-E9A1-46E3-B56B-6107511A4824}"/>
               </a:ext>
             </a:extLst>
           </p:cNvPr>
@@ -795,7 +796,7 @@
           <p:cNvPr id="3" name="Tijdelijke aanduiding voor inhoud 2">
             <a:extLst>
               <a:ext uri="{FF2B5EF4-FFF2-40B4-BE49-F238E27FC236}">
-                <a16:creationId xmlns:a16="http://schemas.microsoft.com/office/drawing/2014/main" xmlns="" id="{3767E90F-0F89-4A06-B8E9-1CDE6F03C9ED}"/>
+                <a16:creationId xmlns="" xmlns:a16="http://schemas.microsoft.com/office/drawing/2014/main" id="{3767E90F-0F89-4A06-B8E9-1CDE6F03C9ED}"/>
               </a:ext>
             </a:extLst>
           </p:cNvPr>
@@ -852,7 +853,7 @@
           <p:cNvPr id="4" name="Tijdelijke aanduiding voor datum 3">
             <a:extLst>
               <a:ext uri="{FF2B5EF4-FFF2-40B4-BE49-F238E27FC236}">
-                <a16:creationId xmlns:a16="http://schemas.microsoft.com/office/drawing/2014/main" xmlns="" id="{03A33B9D-72AD-41A2-B2D2-DD46DAD7D7DC}"/>
+                <a16:creationId xmlns="" xmlns:a16="http://schemas.microsoft.com/office/drawing/2014/main" id="{03A33B9D-72AD-41A2-B2D2-DD46DAD7D7DC}"/>
               </a:ext>
             </a:extLst>
           </p:cNvPr>
@@ -871,7 +872,7 @@
             <a:fld id="{ADE4902F-FBEA-4B35-9D62-082FA2608761}" type="datetimeFigureOut">
               <a:rPr lang="nl-NL" smtClean="0"/>
               <a:pPr/>
-              <a:t>13-11-2017</a:t>
+              <a:t>14-11-2017</a:t>
             </a:fld>
             <a:endParaRPr lang="nl-NL"/>
           </a:p>
@@ -882,7 +883,7 @@
           <p:cNvPr id="5" name="Tijdelijke aanduiding voor voettekst 4">
             <a:extLst>
               <a:ext uri="{FF2B5EF4-FFF2-40B4-BE49-F238E27FC236}">
-                <a16:creationId xmlns:a16="http://schemas.microsoft.com/office/drawing/2014/main" xmlns="" id="{B66C81FA-DFF3-464A-B628-347A5430C915}"/>
+                <a16:creationId xmlns="" xmlns:a16="http://schemas.microsoft.com/office/drawing/2014/main" id="{B66C81FA-DFF3-464A-B628-347A5430C915}"/>
               </a:ext>
             </a:extLst>
           </p:cNvPr>
@@ -907,7 +908,7 @@
           <p:cNvPr id="6" name="Tijdelijke aanduiding voor dianummer 5">
             <a:extLst>
               <a:ext uri="{FF2B5EF4-FFF2-40B4-BE49-F238E27FC236}">
-                <a16:creationId xmlns:a16="http://schemas.microsoft.com/office/drawing/2014/main" xmlns="" id="{CCA4C3AF-1A2F-4B35-ADA6-C3C3322C3EFE}"/>
+                <a16:creationId xmlns="" xmlns:a16="http://schemas.microsoft.com/office/drawing/2014/main" id="{CCA4C3AF-1A2F-4B35-ADA6-C3C3322C3EFE}"/>
               </a:ext>
             </a:extLst>
           </p:cNvPr>
@@ -926,7 +927,7 @@
             <a:fld id="{1C1C122E-05CA-4289-A26B-D14C5EAD5EFF}" type="slidenum">
               <a:rPr lang="nl-NL" smtClean="0"/>
               <a:pPr/>
-              <a:t>‹nr.›</a:t>
+              <a:t>‹#›</a:t>
             </a:fld>
             <a:endParaRPr lang="nl-NL"/>
           </a:p>
@@ -935,7 +936,7 @@
     </p:spTree>
     <p:extLst>
       <p:ext uri="{BB962C8B-B14F-4D97-AF65-F5344CB8AC3E}">
-        <p14:creationId xmlns:p14="http://schemas.microsoft.com/office/powerpoint/2010/main" xmlns="" val="1515944853"/>
+        <p14:creationId xmlns:p14="http://schemas.microsoft.com/office/powerpoint/2010/main" val="1515944853"/>
       </p:ext>
     </p:extLst>
   </p:cSld>
@@ -967,7 +968,7 @@
           <p:cNvPr id="2" name="Titel 1">
             <a:extLst>
               <a:ext uri="{FF2B5EF4-FFF2-40B4-BE49-F238E27FC236}">
-                <a16:creationId xmlns:a16="http://schemas.microsoft.com/office/drawing/2014/main" xmlns="" id="{07CEC788-F9AF-4924-B3FC-70812FE0AB92}"/>
+                <a16:creationId xmlns="" xmlns:a16="http://schemas.microsoft.com/office/drawing/2014/main" id="{07CEC788-F9AF-4924-B3FC-70812FE0AB92}"/>
               </a:ext>
             </a:extLst>
           </p:cNvPr>
@@ -1004,7 +1005,7 @@
           <p:cNvPr id="3" name="Tijdelijke aanduiding voor tekst 2">
             <a:extLst>
               <a:ext uri="{FF2B5EF4-FFF2-40B4-BE49-F238E27FC236}">
-                <a16:creationId xmlns:a16="http://schemas.microsoft.com/office/drawing/2014/main" xmlns="" id="{259BBFA2-C0C3-4F5C-8BAF-0B57144C20E3}"/>
+                <a16:creationId xmlns="" xmlns:a16="http://schemas.microsoft.com/office/drawing/2014/main" id="{259BBFA2-C0C3-4F5C-8BAF-0B57144C20E3}"/>
               </a:ext>
             </a:extLst>
           </p:cNvPr>
@@ -1129,7 +1130,7 @@
           <p:cNvPr id="4" name="Tijdelijke aanduiding voor datum 3">
             <a:extLst>
               <a:ext uri="{FF2B5EF4-FFF2-40B4-BE49-F238E27FC236}">
-                <a16:creationId xmlns:a16="http://schemas.microsoft.com/office/drawing/2014/main" xmlns="" id="{8631F680-A0FA-4DD5-978B-B3C3DC404E65}"/>
+                <a16:creationId xmlns="" xmlns:a16="http://schemas.microsoft.com/office/drawing/2014/main" id="{8631F680-A0FA-4DD5-978B-B3C3DC404E65}"/>
               </a:ext>
             </a:extLst>
           </p:cNvPr>
@@ -1148,7 +1149,7 @@
             <a:fld id="{ADE4902F-FBEA-4B35-9D62-082FA2608761}" type="datetimeFigureOut">
               <a:rPr lang="nl-NL" smtClean="0"/>
               <a:pPr/>
-              <a:t>13-11-2017</a:t>
+              <a:t>14-11-2017</a:t>
             </a:fld>
             <a:endParaRPr lang="nl-NL"/>
           </a:p>
@@ -1159,7 +1160,7 @@
           <p:cNvPr id="5" name="Tijdelijke aanduiding voor voettekst 4">
             <a:extLst>
               <a:ext uri="{FF2B5EF4-FFF2-40B4-BE49-F238E27FC236}">
-                <a16:creationId xmlns:a16="http://schemas.microsoft.com/office/drawing/2014/main" xmlns="" id="{7F1F8561-6E64-42ED-8CB5-A7BBAFAFCF46}"/>
+                <a16:creationId xmlns="" xmlns:a16="http://schemas.microsoft.com/office/drawing/2014/main" id="{7F1F8561-6E64-42ED-8CB5-A7BBAFAFCF46}"/>
               </a:ext>
             </a:extLst>
           </p:cNvPr>
@@ -1184,7 +1185,7 @@
           <p:cNvPr id="6" name="Tijdelijke aanduiding voor dianummer 5">
             <a:extLst>
               <a:ext uri="{FF2B5EF4-FFF2-40B4-BE49-F238E27FC236}">
-                <a16:creationId xmlns:a16="http://schemas.microsoft.com/office/drawing/2014/main" xmlns="" id="{BE90B6D3-0E9B-4F75-9578-944B4C631782}"/>
+                <a16:creationId xmlns="" xmlns:a16="http://schemas.microsoft.com/office/drawing/2014/main" id="{BE90B6D3-0E9B-4F75-9578-944B4C631782}"/>
               </a:ext>
             </a:extLst>
           </p:cNvPr>
@@ -1203,7 +1204,7 @@
             <a:fld id="{1C1C122E-05CA-4289-A26B-D14C5EAD5EFF}" type="slidenum">
               <a:rPr lang="nl-NL" smtClean="0"/>
               <a:pPr/>
-              <a:t>‹nr.›</a:t>
+              <a:t>‹#›</a:t>
             </a:fld>
             <a:endParaRPr lang="nl-NL"/>
           </a:p>
@@ -1212,7 +1213,7 @@
     </p:spTree>
     <p:extLst>
       <p:ext uri="{BB962C8B-B14F-4D97-AF65-F5344CB8AC3E}">
-        <p14:creationId xmlns:p14="http://schemas.microsoft.com/office/powerpoint/2010/main" xmlns="" val="858119523"/>
+        <p14:creationId xmlns:p14="http://schemas.microsoft.com/office/powerpoint/2010/main" val="858119523"/>
       </p:ext>
     </p:extLst>
   </p:cSld>
@@ -1244,7 +1245,7 @@
           <p:cNvPr id="2" name="Titel 1">
             <a:extLst>
               <a:ext uri="{FF2B5EF4-FFF2-40B4-BE49-F238E27FC236}">
-                <a16:creationId xmlns:a16="http://schemas.microsoft.com/office/drawing/2014/main" xmlns="" id="{77E2AA73-853E-40A1-9A01-2322859C1E57}"/>
+                <a16:creationId xmlns="" xmlns:a16="http://schemas.microsoft.com/office/drawing/2014/main" id="{77E2AA73-853E-40A1-9A01-2322859C1E57}"/>
               </a:ext>
             </a:extLst>
           </p:cNvPr>
@@ -1272,7 +1273,7 @@
           <p:cNvPr id="3" name="Tijdelijke aanduiding voor inhoud 2">
             <a:extLst>
               <a:ext uri="{FF2B5EF4-FFF2-40B4-BE49-F238E27FC236}">
-                <a16:creationId xmlns:a16="http://schemas.microsoft.com/office/drawing/2014/main" xmlns="" id="{D3A30AEC-A453-4488-9ED3-1DB9B54B5E44}"/>
+                <a16:creationId xmlns="" xmlns:a16="http://schemas.microsoft.com/office/drawing/2014/main" id="{D3A30AEC-A453-4488-9ED3-1DB9B54B5E44}"/>
               </a:ext>
             </a:extLst>
           </p:cNvPr>
@@ -1334,7 +1335,7 @@
           <p:cNvPr id="4" name="Tijdelijke aanduiding voor inhoud 3">
             <a:extLst>
               <a:ext uri="{FF2B5EF4-FFF2-40B4-BE49-F238E27FC236}">
-                <a16:creationId xmlns:a16="http://schemas.microsoft.com/office/drawing/2014/main" xmlns="" id="{91D637F4-ACDA-4978-9A41-A140CB08D61A}"/>
+                <a16:creationId xmlns="" xmlns:a16="http://schemas.microsoft.com/office/drawing/2014/main" id="{91D637F4-ACDA-4978-9A41-A140CB08D61A}"/>
               </a:ext>
             </a:extLst>
           </p:cNvPr>
@@ -1396,7 +1397,7 @@
           <p:cNvPr id="5" name="Tijdelijke aanduiding voor datum 4">
             <a:extLst>
               <a:ext uri="{FF2B5EF4-FFF2-40B4-BE49-F238E27FC236}">
-                <a16:creationId xmlns:a16="http://schemas.microsoft.com/office/drawing/2014/main" xmlns="" id="{837E7DD3-15C8-411D-B870-A08B6F78EE10}"/>
+                <a16:creationId xmlns="" xmlns:a16="http://schemas.microsoft.com/office/drawing/2014/main" id="{837E7DD3-15C8-411D-B870-A08B6F78EE10}"/>
               </a:ext>
             </a:extLst>
           </p:cNvPr>
@@ -1415,7 +1416,7 @@
             <a:fld id="{ADE4902F-FBEA-4B35-9D62-082FA2608761}" type="datetimeFigureOut">
               <a:rPr lang="nl-NL" smtClean="0"/>
               <a:pPr/>
-              <a:t>13-11-2017</a:t>
+              <a:t>14-11-2017</a:t>
             </a:fld>
             <a:endParaRPr lang="nl-NL"/>
           </a:p>
@@ -1426,7 +1427,7 @@
           <p:cNvPr id="6" name="Tijdelijke aanduiding voor voettekst 5">
             <a:extLst>
               <a:ext uri="{FF2B5EF4-FFF2-40B4-BE49-F238E27FC236}">
-                <a16:creationId xmlns:a16="http://schemas.microsoft.com/office/drawing/2014/main" xmlns="" id="{D36B0671-9A72-41D6-8923-9F431EE758F9}"/>
+                <a16:creationId xmlns="" xmlns:a16="http://schemas.microsoft.com/office/drawing/2014/main" id="{D36B0671-9A72-41D6-8923-9F431EE758F9}"/>
               </a:ext>
             </a:extLst>
           </p:cNvPr>
@@ -1451,7 +1452,7 @@
           <p:cNvPr id="7" name="Tijdelijke aanduiding voor dianummer 6">
             <a:extLst>
               <a:ext uri="{FF2B5EF4-FFF2-40B4-BE49-F238E27FC236}">
-                <a16:creationId xmlns:a16="http://schemas.microsoft.com/office/drawing/2014/main" xmlns="" id="{6E5DC6FE-5C44-4203-861C-9534D89659E0}"/>
+                <a16:creationId xmlns="" xmlns:a16="http://schemas.microsoft.com/office/drawing/2014/main" id="{6E5DC6FE-5C44-4203-861C-9534D89659E0}"/>
               </a:ext>
             </a:extLst>
           </p:cNvPr>
@@ -1470,7 +1471,7 @@
             <a:fld id="{1C1C122E-05CA-4289-A26B-D14C5EAD5EFF}" type="slidenum">
               <a:rPr lang="nl-NL" smtClean="0"/>
               <a:pPr/>
-              <a:t>‹nr.›</a:t>
+              <a:t>‹#›</a:t>
             </a:fld>
             <a:endParaRPr lang="nl-NL"/>
           </a:p>
@@ -1479,7 +1480,7 @@
     </p:spTree>
     <p:extLst>
       <p:ext uri="{BB962C8B-B14F-4D97-AF65-F5344CB8AC3E}">
-        <p14:creationId xmlns:p14="http://schemas.microsoft.com/office/powerpoint/2010/main" xmlns="" val="816816862"/>
+        <p14:creationId xmlns:p14="http://schemas.microsoft.com/office/powerpoint/2010/main" val="816816862"/>
       </p:ext>
     </p:extLst>
   </p:cSld>
@@ -1511,7 +1512,7 @@
           <p:cNvPr id="2" name="Titel 1">
             <a:extLst>
               <a:ext uri="{FF2B5EF4-FFF2-40B4-BE49-F238E27FC236}">
-                <a16:creationId xmlns:a16="http://schemas.microsoft.com/office/drawing/2014/main" xmlns="" id="{D297AAFE-77DE-432B-BAB4-CD6F190E343C}"/>
+                <a16:creationId xmlns="" xmlns:a16="http://schemas.microsoft.com/office/drawing/2014/main" id="{D297AAFE-77DE-432B-BAB4-CD6F190E343C}"/>
               </a:ext>
             </a:extLst>
           </p:cNvPr>
@@ -1544,7 +1545,7 @@
           <p:cNvPr id="3" name="Tijdelijke aanduiding voor tekst 2">
             <a:extLst>
               <a:ext uri="{FF2B5EF4-FFF2-40B4-BE49-F238E27FC236}">
-                <a16:creationId xmlns:a16="http://schemas.microsoft.com/office/drawing/2014/main" xmlns="" id="{FFEE2ED6-653E-4421-8218-E2C38C76B28B}"/>
+                <a16:creationId xmlns="" xmlns:a16="http://schemas.microsoft.com/office/drawing/2014/main" id="{FFEE2ED6-653E-4421-8218-E2C38C76B28B}"/>
               </a:ext>
             </a:extLst>
           </p:cNvPr>
@@ -1615,7 +1616,7 @@
           <p:cNvPr id="4" name="Tijdelijke aanduiding voor inhoud 3">
             <a:extLst>
               <a:ext uri="{FF2B5EF4-FFF2-40B4-BE49-F238E27FC236}">
-                <a16:creationId xmlns:a16="http://schemas.microsoft.com/office/drawing/2014/main" xmlns="" id="{DC218CE1-911A-4429-A641-56511F94AE34}"/>
+                <a16:creationId xmlns="" xmlns:a16="http://schemas.microsoft.com/office/drawing/2014/main" id="{DC218CE1-911A-4429-A641-56511F94AE34}"/>
               </a:ext>
             </a:extLst>
           </p:cNvPr>
@@ -1677,7 +1678,7 @@
           <p:cNvPr id="5" name="Tijdelijke aanduiding voor tekst 4">
             <a:extLst>
               <a:ext uri="{FF2B5EF4-FFF2-40B4-BE49-F238E27FC236}">
-                <a16:creationId xmlns:a16="http://schemas.microsoft.com/office/drawing/2014/main" xmlns="" id="{719A6713-F0E0-40AB-A59E-49F09878FEB6}"/>
+                <a16:creationId xmlns="" xmlns:a16="http://schemas.microsoft.com/office/drawing/2014/main" id="{719A6713-F0E0-40AB-A59E-49F09878FEB6}"/>
               </a:ext>
             </a:extLst>
           </p:cNvPr>
@@ -1748,7 +1749,7 @@
           <p:cNvPr id="6" name="Tijdelijke aanduiding voor inhoud 5">
             <a:extLst>
               <a:ext uri="{FF2B5EF4-FFF2-40B4-BE49-F238E27FC236}">
-                <a16:creationId xmlns:a16="http://schemas.microsoft.com/office/drawing/2014/main" xmlns="" id="{C920DA29-52C0-41C1-B347-90F2C9400F3E}"/>
+                <a16:creationId xmlns="" xmlns:a16="http://schemas.microsoft.com/office/drawing/2014/main" id="{C920DA29-52C0-41C1-B347-90F2C9400F3E}"/>
               </a:ext>
             </a:extLst>
           </p:cNvPr>
@@ -1810,7 +1811,7 @@
           <p:cNvPr id="7" name="Tijdelijke aanduiding voor datum 6">
             <a:extLst>
               <a:ext uri="{FF2B5EF4-FFF2-40B4-BE49-F238E27FC236}">
-                <a16:creationId xmlns:a16="http://schemas.microsoft.com/office/drawing/2014/main" xmlns="" id="{8C0EFFE8-712A-45F8-8E44-FFE8CF661B83}"/>
+                <a16:creationId xmlns="" xmlns:a16="http://schemas.microsoft.com/office/drawing/2014/main" id="{8C0EFFE8-712A-45F8-8E44-FFE8CF661B83}"/>
               </a:ext>
             </a:extLst>
           </p:cNvPr>
@@ -1829,7 +1830,7 @@
             <a:fld id="{ADE4902F-FBEA-4B35-9D62-082FA2608761}" type="datetimeFigureOut">
               <a:rPr lang="nl-NL" smtClean="0"/>
               <a:pPr/>
-              <a:t>13-11-2017</a:t>
+              <a:t>14-11-2017</a:t>
             </a:fld>
             <a:endParaRPr lang="nl-NL"/>
           </a:p>
@@ -1840,7 +1841,7 @@
           <p:cNvPr id="8" name="Tijdelijke aanduiding voor voettekst 7">
             <a:extLst>
               <a:ext uri="{FF2B5EF4-FFF2-40B4-BE49-F238E27FC236}">
-                <a16:creationId xmlns:a16="http://schemas.microsoft.com/office/drawing/2014/main" xmlns="" id="{707393AF-B4A9-4351-A40F-50118C94FFB4}"/>
+                <a16:creationId xmlns="" xmlns:a16="http://schemas.microsoft.com/office/drawing/2014/main" id="{707393AF-B4A9-4351-A40F-50118C94FFB4}"/>
               </a:ext>
             </a:extLst>
           </p:cNvPr>
@@ -1865,7 +1866,7 @@
           <p:cNvPr id="9" name="Tijdelijke aanduiding voor dianummer 8">
             <a:extLst>
               <a:ext uri="{FF2B5EF4-FFF2-40B4-BE49-F238E27FC236}">
-                <a16:creationId xmlns:a16="http://schemas.microsoft.com/office/drawing/2014/main" xmlns="" id="{AD5B9F79-2771-46B0-A531-43CC4F757865}"/>
+                <a16:creationId xmlns="" xmlns:a16="http://schemas.microsoft.com/office/drawing/2014/main" id="{AD5B9F79-2771-46B0-A531-43CC4F757865}"/>
               </a:ext>
             </a:extLst>
           </p:cNvPr>
@@ -1884,7 +1885,7 @@
             <a:fld id="{1C1C122E-05CA-4289-A26B-D14C5EAD5EFF}" type="slidenum">
               <a:rPr lang="nl-NL" smtClean="0"/>
               <a:pPr/>
-              <a:t>‹nr.›</a:t>
+              <a:t>‹#›</a:t>
             </a:fld>
             <a:endParaRPr lang="nl-NL"/>
           </a:p>
@@ -1893,7 +1894,7 @@
     </p:spTree>
     <p:extLst>
       <p:ext uri="{BB962C8B-B14F-4D97-AF65-F5344CB8AC3E}">
-        <p14:creationId xmlns:p14="http://schemas.microsoft.com/office/powerpoint/2010/main" xmlns="" val="1099906094"/>
+        <p14:creationId xmlns:p14="http://schemas.microsoft.com/office/powerpoint/2010/main" val="1099906094"/>
       </p:ext>
     </p:extLst>
   </p:cSld>
@@ -1925,7 +1926,7 @@
           <p:cNvPr id="2" name="Titel 1">
             <a:extLst>
               <a:ext uri="{FF2B5EF4-FFF2-40B4-BE49-F238E27FC236}">
-                <a16:creationId xmlns:a16="http://schemas.microsoft.com/office/drawing/2014/main" xmlns="" id="{4E7337EC-1907-4F37-99F3-901F3BE41D1F}"/>
+                <a16:creationId xmlns="" xmlns:a16="http://schemas.microsoft.com/office/drawing/2014/main" id="{4E7337EC-1907-4F37-99F3-901F3BE41D1F}"/>
               </a:ext>
             </a:extLst>
           </p:cNvPr>
@@ -1953,7 +1954,7 @@
           <p:cNvPr id="3" name="Tijdelijke aanduiding voor datum 2">
             <a:extLst>
               <a:ext uri="{FF2B5EF4-FFF2-40B4-BE49-F238E27FC236}">
-                <a16:creationId xmlns:a16="http://schemas.microsoft.com/office/drawing/2014/main" xmlns="" id="{0D2E5F80-FF84-4F1C-92AC-EB22C4EFDEB3}"/>
+                <a16:creationId xmlns="" xmlns:a16="http://schemas.microsoft.com/office/drawing/2014/main" id="{0D2E5F80-FF84-4F1C-92AC-EB22C4EFDEB3}"/>
               </a:ext>
             </a:extLst>
           </p:cNvPr>
@@ -1972,7 +1973,7 @@
             <a:fld id="{ADE4902F-FBEA-4B35-9D62-082FA2608761}" type="datetimeFigureOut">
               <a:rPr lang="nl-NL" smtClean="0"/>
               <a:pPr/>
-              <a:t>13-11-2017</a:t>
+              <a:t>14-11-2017</a:t>
             </a:fld>
             <a:endParaRPr lang="nl-NL"/>
           </a:p>
@@ -1983,7 +1984,7 @@
           <p:cNvPr id="4" name="Tijdelijke aanduiding voor voettekst 3">
             <a:extLst>
               <a:ext uri="{FF2B5EF4-FFF2-40B4-BE49-F238E27FC236}">
-                <a16:creationId xmlns:a16="http://schemas.microsoft.com/office/drawing/2014/main" xmlns="" id="{2D45D3C0-7BB6-4031-A805-56B2513F42F3}"/>
+                <a16:creationId xmlns="" xmlns:a16="http://schemas.microsoft.com/office/drawing/2014/main" id="{2D45D3C0-7BB6-4031-A805-56B2513F42F3}"/>
               </a:ext>
             </a:extLst>
           </p:cNvPr>
@@ -2008,7 +2009,7 @@
           <p:cNvPr id="5" name="Tijdelijke aanduiding voor dianummer 4">
             <a:extLst>
               <a:ext uri="{FF2B5EF4-FFF2-40B4-BE49-F238E27FC236}">
-                <a16:creationId xmlns:a16="http://schemas.microsoft.com/office/drawing/2014/main" xmlns="" id="{DA2BE903-22BF-4CEF-88FD-933D2CAFCA57}"/>
+                <a16:creationId xmlns="" xmlns:a16="http://schemas.microsoft.com/office/drawing/2014/main" id="{DA2BE903-22BF-4CEF-88FD-933D2CAFCA57}"/>
               </a:ext>
             </a:extLst>
           </p:cNvPr>
@@ -2027,7 +2028,7 @@
             <a:fld id="{1C1C122E-05CA-4289-A26B-D14C5EAD5EFF}" type="slidenum">
               <a:rPr lang="nl-NL" smtClean="0"/>
               <a:pPr/>
-              <a:t>‹nr.›</a:t>
+              <a:t>‹#›</a:t>
             </a:fld>
             <a:endParaRPr lang="nl-NL"/>
           </a:p>
@@ -2036,7 +2037,7 @@
     </p:spTree>
     <p:extLst>
       <p:ext uri="{BB962C8B-B14F-4D97-AF65-F5344CB8AC3E}">
-        <p14:creationId xmlns:p14="http://schemas.microsoft.com/office/powerpoint/2010/main" xmlns="" val="1053118753"/>
+        <p14:creationId xmlns:p14="http://schemas.microsoft.com/office/powerpoint/2010/main" val="1053118753"/>
       </p:ext>
     </p:extLst>
   </p:cSld>
@@ -2068,7 +2069,7 @@
           <p:cNvPr id="2" name="Tijdelijke aanduiding voor datum 1">
             <a:extLst>
               <a:ext uri="{FF2B5EF4-FFF2-40B4-BE49-F238E27FC236}">
-                <a16:creationId xmlns:a16="http://schemas.microsoft.com/office/drawing/2014/main" xmlns="" id="{6FCDA235-3242-403B-A485-36B7AD8E1C39}"/>
+                <a16:creationId xmlns="" xmlns:a16="http://schemas.microsoft.com/office/drawing/2014/main" id="{6FCDA235-3242-403B-A485-36B7AD8E1C39}"/>
               </a:ext>
             </a:extLst>
           </p:cNvPr>
@@ -2087,7 +2088,7 @@
             <a:fld id="{ADE4902F-FBEA-4B35-9D62-082FA2608761}" type="datetimeFigureOut">
               <a:rPr lang="nl-NL" smtClean="0"/>
               <a:pPr/>
-              <a:t>13-11-2017</a:t>
+              <a:t>14-11-2017</a:t>
             </a:fld>
             <a:endParaRPr lang="nl-NL"/>
           </a:p>
@@ -2098,7 +2099,7 @@
           <p:cNvPr id="3" name="Tijdelijke aanduiding voor voettekst 2">
             <a:extLst>
               <a:ext uri="{FF2B5EF4-FFF2-40B4-BE49-F238E27FC236}">
-                <a16:creationId xmlns:a16="http://schemas.microsoft.com/office/drawing/2014/main" xmlns="" id="{A75D1976-1CB9-48E7-9C11-87960D6E632C}"/>
+                <a16:creationId xmlns="" xmlns:a16="http://schemas.microsoft.com/office/drawing/2014/main" id="{A75D1976-1CB9-48E7-9C11-87960D6E632C}"/>
               </a:ext>
             </a:extLst>
           </p:cNvPr>
@@ -2123,7 +2124,7 @@
           <p:cNvPr id="4" name="Tijdelijke aanduiding voor dianummer 3">
             <a:extLst>
               <a:ext uri="{FF2B5EF4-FFF2-40B4-BE49-F238E27FC236}">
-                <a16:creationId xmlns:a16="http://schemas.microsoft.com/office/drawing/2014/main" xmlns="" id="{134A5D73-9591-4C49-92DA-172564BBF62F}"/>
+                <a16:creationId xmlns="" xmlns:a16="http://schemas.microsoft.com/office/drawing/2014/main" id="{134A5D73-9591-4C49-92DA-172564BBF62F}"/>
               </a:ext>
             </a:extLst>
           </p:cNvPr>
@@ -2142,7 +2143,7 @@
             <a:fld id="{1C1C122E-05CA-4289-A26B-D14C5EAD5EFF}" type="slidenum">
               <a:rPr lang="nl-NL" smtClean="0"/>
               <a:pPr/>
-              <a:t>‹nr.›</a:t>
+              <a:t>‹#›</a:t>
             </a:fld>
             <a:endParaRPr lang="nl-NL"/>
           </a:p>
@@ -2151,7 +2152,7 @@
     </p:spTree>
     <p:extLst>
       <p:ext uri="{BB962C8B-B14F-4D97-AF65-F5344CB8AC3E}">
-        <p14:creationId xmlns:p14="http://schemas.microsoft.com/office/powerpoint/2010/main" xmlns="" val="593443286"/>
+        <p14:creationId xmlns:p14="http://schemas.microsoft.com/office/powerpoint/2010/main" val="593443286"/>
       </p:ext>
     </p:extLst>
   </p:cSld>
@@ -2183,7 +2184,7 @@
           <p:cNvPr id="2" name="Titel 1">
             <a:extLst>
               <a:ext uri="{FF2B5EF4-FFF2-40B4-BE49-F238E27FC236}">
-                <a16:creationId xmlns:a16="http://schemas.microsoft.com/office/drawing/2014/main" xmlns="" id="{7CF9EBF2-9E8A-476C-BC8A-02CD44989AD9}"/>
+                <a16:creationId xmlns="" xmlns:a16="http://schemas.microsoft.com/office/drawing/2014/main" id="{7CF9EBF2-9E8A-476C-BC8A-02CD44989AD9}"/>
               </a:ext>
             </a:extLst>
           </p:cNvPr>
@@ -2220,7 +2221,7 @@
           <p:cNvPr id="3" name="Tijdelijke aanduiding voor inhoud 2">
             <a:extLst>
               <a:ext uri="{FF2B5EF4-FFF2-40B4-BE49-F238E27FC236}">
-                <a16:creationId xmlns:a16="http://schemas.microsoft.com/office/drawing/2014/main" xmlns="" id="{081F15E5-A94C-4A05-918B-AC99C8EA0CB7}"/>
+                <a16:creationId xmlns="" xmlns:a16="http://schemas.microsoft.com/office/drawing/2014/main" id="{081F15E5-A94C-4A05-918B-AC99C8EA0CB7}"/>
               </a:ext>
             </a:extLst>
           </p:cNvPr>
@@ -2310,7 +2311,7 @@
           <p:cNvPr id="4" name="Tijdelijke aanduiding voor tekst 3">
             <a:extLst>
               <a:ext uri="{FF2B5EF4-FFF2-40B4-BE49-F238E27FC236}">
-                <a16:creationId xmlns:a16="http://schemas.microsoft.com/office/drawing/2014/main" xmlns="" id="{91275F6F-5CE8-40A9-902C-2803463710F2}"/>
+                <a16:creationId xmlns="" xmlns:a16="http://schemas.microsoft.com/office/drawing/2014/main" id="{91275F6F-5CE8-40A9-902C-2803463710F2}"/>
               </a:ext>
             </a:extLst>
           </p:cNvPr>
@@ -2381,7 +2382,7 @@
           <p:cNvPr id="5" name="Tijdelijke aanduiding voor datum 4">
             <a:extLst>
               <a:ext uri="{FF2B5EF4-FFF2-40B4-BE49-F238E27FC236}">
-                <a16:creationId xmlns:a16="http://schemas.microsoft.com/office/drawing/2014/main" xmlns="" id="{68FB0FC5-537D-441B-B077-1EB601C777AE}"/>
+                <a16:creationId xmlns="" xmlns:a16="http://schemas.microsoft.com/office/drawing/2014/main" id="{68FB0FC5-537D-441B-B077-1EB601C777AE}"/>
               </a:ext>
             </a:extLst>
           </p:cNvPr>
@@ -2400,7 +2401,7 @@
             <a:fld id="{ADE4902F-FBEA-4B35-9D62-082FA2608761}" type="datetimeFigureOut">
               <a:rPr lang="nl-NL" smtClean="0"/>
               <a:pPr/>
-              <a:t>13-11-2017</a:t>
+              <a:t>14-11-2017</a:t>
             </a:fld>
             <a:endParaRPr lang="nl-NL"/>
           </a:p>
@@ -2411,7 +2412,7 @@
           <p:cNvPr id="6" name="Tijdelijke aanduiding voor voettekst 5">
             <a:extLst>
               <a:ext uri="{FF2B5EF4-FFF2-40B4-BE49-F238E27FC236}">
-                <a16:creationId xmlns:a16="http://schemas.microsoft.com/office/drawing/2014/main" xmlns="" id="{55AC121A-0493-418F-8DD7-2DA1EEB74DFF}"/>
+                <a16:creationId xmlns="" xmlns:a16="http://schemas.microsoft.com/office/drawing/2014/main" id="{55AC121A-0493-418F-8DD7-2DA1EEB74DFF}"/>
               </a:ext>
             </a:extLst>
           </p:cNvPr>
@@ -2436,7 +2437,7 @@
           <p:cNvPr id="7" name="Tijdelijke aanduiding voor dianummer 6">
             <a:extLst>
               <a:ext uri="{FF2B5EF4-FFF2-40B4-BE49-F238E27FC236}">
-                <a16:creationId xmlns:a16="http://schemas.microsoft.com/office/drawing/2014/main" xmlns="" id="{9E5BD7A4-C96F-485C-A127-6C55CD09868E}"/>
+                <a16:creationId xmlns="" xmlns:a16="http://schemas.microsoft.com/office/drawing/2014/main" id="{9E5BD7A4-C96F-485C-A127-6C55CD09868E}"/>
               </a:ext>
             </a:extLst>
           </p:cNvPr>
@@ -2455,7 +2456,7 @@
             <a:fld id="{1C1C122E-05CA-4289-A26B-D14C5EAD5EFF}" type="slidenum">
               <a:rPr lang="nl-NL" smtClean="0"/>
               <a:pPr/>
-              <a:t>‹nr.›</a:t>
+              <a:t>‹#›</a:t>
             </a:fld>
             <a:endParaRPr lang="nl-NL"/>
           </a:p>
@@ -2464,7 +2465,7 @@
     </p:spTree>
     <p:extLst>
       <p:ext uri="{BB962C8B-B14F-4D97-AF65-F5344CB8AC3E}">
-        <p14:creationId xmlns:p14="http://schemas.microsoft.com/office/powerpoint/2010/main" xmlns="" val="2276997594"/>
+        <p14:creationId xmlns:p14="http://schemas.microsoft.com/office/powerpoint/2010/main" val="2276997594"/>
       </p:ext>
     </p:extLst>
   </p:cSld>
@@ -2496,7 +2497,7 @@
           <p:cNvPr id="2" name="Titel 1">
             <a:extLst>
               <a:ext uri="{FF2B5EF4-FFF2-40B4-BE49-F238E27FC236}">
-                <a16:creationId xmlns:a16="http://schemas.microsoft.com/office/drawing/2014/main" xmlns="" id="{391195BB-EA6C-4F56-A18C-2951B239D827}"/>
+                <a16:creationId xmlns="" xmlns:a16="http://schemas.microsoft.com/office/drawing/2014/main" id="{391195BB-EA6C-4F56-A18C-2951B239D827}"/>
               </a:ext>
             </a:extLst>
           </p:cNvPr>
@@ -2533,7 +2534,7 @@
           <p:cNvPr id="3" name="Tijdelijke aanduiding voor afbeelding 2">
             <a:extLst>
               <a:ext uri="{FF2B5EF4-FFF2-40B4-BE49-F238E27FC236}">
-                <a16:creationId xmlns:a16="http://schemas.microsoft.com/office/drawing/2014/main" xmlns="" id="{1EE97C47-A53A-4152-848A-0419C12AE634}"/>
+                <a16:creationId xmlns="" xmlns:a16="http://schemas.microsoft.com/office/drawing/2014/main" id="{1EE97C47-A53A-4152-848A-0419C12AE634}"/>
               </a:ext>
             </a:extLst>
           </p:cNvPr>
@@ -2600,7 +2601,7 @@
           <p:cNvPr id="4" name="Tijdelijke aanduiding voor tekst 3">
             <a:extLst>
               <a:ext uri="{FF2B5EF4-FFF2-40B4-BE49-F238E27FC236}">
-                <a16:creationId xmlns:a16="http://schemas.microsoft.com/office/drawing/2014/main" xmlns="" id="{4C380A8A-FCC0-4B2B-BCED-CC719F66356B}"/>
+                <a16:creationId xmlns="" xmlns:a16="http://schemas.microsoft.com/office/drawing/2014/main" id="{4C380A8A-FCC0-4B2B-BCED-CC719F66356B}"/>
               </a:ext>
             </a:extLst>
           </p:cNvPr>
@@ -2671,7 +2672,7 @@
           <p:cNvPr id="5" name="Tijdelijke aanduiding voor datum 4">
             <a:extLst>
               <a:ext uri="{FF2B5EF4-FFF2-40B4-BE49-F238E27FC236}">
-                <a16:creationId xmlns:a16="http://schemas.microsoft.com/office/drawing/2014/main" xmlns="" id="{EAA93FF3-9B86-461A-94CF-C0A759B7033D}"/>
+                <a16:creationId xmlns="" xmlns:a16="http://schemas.microsoft.com/office/drawing/2014/main" id="{EAA93FF3-9B86-461A-94CF-C0A759B7033D}"/>
               </a:ext>
             </a:extLst>
           </p:cNvPr>
@@ -2690,7 +2691,7 @@
             <a:fld id="{ADE4902F-FBEA-4B35-9D62-082FA2608761}" type="datetimeFigureOut">
               <a:rPr lang="nl-NL" smtClean="0"/>
               <a:pPr/>
-              <a:t>13-11-2017</a:t>
+              <a:t>14-11-2017</a:t>
             </a:fld>
             <a:endParaRPr lang="nl-NL"/>
           </a:p>
@@ -2701,7 +2702,7 @@
           <p:cNvPr id="6" name="Tijdelijke aanduiding voor voettekst 5">
             <a:extLst>
               <a:ext uri="{FF2B5EF4-FFF2-40B4-BE49-F238E27FC236}">
-                <a16:creationId xmlns:a16="http://schemas.microsoft.com/office/drawing/2014/main" xmlns="" id="{504C81D0-3C70-46A3-A99B-4387DBE74182}"/>
+                <a16:creationId xmlns="" xmlns:a16="http://schemas.microsoft.com/office/drawing/2014/main" id="{504C81D0-3C70-46A3-A99B-4387DBE74182}"/>
               </a:ext>
             </a:extLst>
           </p:cNvPr>
@@ -2726,7 +2727,7 @@
           <p:cNvPr id="7" name="Tijdelijke aanduiding voor dianummer 6">
             <a:extLst>
               <a:ext uri="{FF2B5EF4-FFF2-40B4-BE49-F238E27FC236}">
-                <a16:creationId xmlns:a16="http://schemas.microsoft.com/office/drawing/2014/main" xmlns="" id="{2DAB8061-1297-4604-AA6D-50FA7517CB04}"/>
+                <a16:creationId xmlns="" xmlns:a16="http://schemas.microsoft.com/office/drawing/2014/main" id="{2DAB8061-1297-4604-AA6D-50FA7517CB04}"/>
               </a:ext>
             </a:extLst>
           </p:cNvPr>
@@ -2745,7 +2746,7 @@
             <a:fld id="{1C1C122E-05CA-4289-A26B-D14C5EAD5EFF}" type="slidenum">
               <a:rPr lang="nl-NL" smtClean="0"/>
               <a:pPr/>
-              <a:t>‹nr.›</a:t>
+              <a:t>‹#›</a:t>
             </a:fld>
             <a:endParaRPr lang="nl-NL"/>
           </a:p>
@@ -2754,7 +2755,7 @@
     </p:spTree>
     <p:extLst>
       <p:ext uri="{BB962C8B-B14F-4D97-AF65-F5344CB8AC3E}">
-        <p14:creationId xmlns:p14="http://schemas.microsoft.com/office/powerpoint/2010/main" xmlns="" val="3080807055"/>
+        <p14:creationId xmlns:p14="http://schemas.microsoft.com/office/powerpoint/2010/main" val="3080807055"/>
       </p:ext>
     </p:extLst>
   </p:cSld>
@@ -2791,7 +2792,7 @@
           <p:cNvPr id="2" name="Tijdelijke aanduiding voor titel 1">
             <a:extLst>
               <a:ext uri="{FF2B5EF4-FFF2-40B4-BE49-F238E27FC236}">
-                <a16:creationId xmlns:a16="http://schemas.microsoft.com/office/drawing/2014/main" xmlns="" id="{D9186CB9-8C46-426D-863D-90A0E0FAEDE7}"/>
+                <a16:creationId xmlns="" xmlns:a16="http://schemas.microsoft.com/office/drawing/2014/main" id="{D9186CB9-8C46-426D-863D-90A0E0FAEDE7}"/>
               </a:ext>
             </a:extLst>
           </p:cNvPr>
@@ -2829,7 +2830,7 @@
           <p:cNvPr id="3" name="Tijdelijke aanduiding voor tekst 2">
             <a:extLst>
               <a:ext uri="{FF2B5EF4-FFF2-40B4-BE49-F238E27FC236}">
-                <a16:creationId xmlns:a16="http://schemas.microsoft.com/office/drawing/2014/main" xmlns="" id="{983F2C53-486F-4745-AD46-503DCDC4D530}"/>
+                <a16:creationId xmlns="" xmlns:a16="http://schemas.microsoft.com/office/drawing/2014/main" id="{983F2C53-486F-4745-AD46-503DCDC4D530}"/>
               </a:ext>
             </a:extLst>
           </p:cNvPr>
@@ -2896,7 +2897,7 @@
           <p:cNvPr id="4" name="Tijdelijke aanduiding voor datum 3">
             <a:extLst>
               <a:ext uri="{FF2B5EF4-FFF2-40B4-BE49-F238E27FC236}">
-                <a16:creationId xmlns:a16="http://schemas.microsoft.com/office/drawing/2014/main" xmlns="" id="{14E5024D-7C9E-4730-908F-8CE183DB279E}"/>
+                <a16:creationId xmlns="" xmlns:a16="http://schemas.microsoft.com/office/drawing/2014/main" id="{14E5024D-7C9E-4730-908F-8CE183DB279E}"/>
               </a:ext>
             </a:extLst>
           </p:cNvPr>
@@ -2933,7 +2934,7 @@
             <a:fld id="{ADE4902F-FBEA-4B35-9D62-082FA2608761}" type="datetimeFigureOut">
               <a:rPr lang="nl-NL" smtClean="0"/>
               <a:pPr/>
-              <a:t>13-11-2017</a:t>
+              <a:t>14-11-2017</a:t>
             </a:fld>
             <a:endParaRPr lang="nl-NL"/>
           </a:p>
@@ -2944,7 +2945,7 @@
           <p:cNvPr id="5" name="Tijdelijke aanduiding voor voettekst 4">
             <a:extLst>
               <a:ext uri="{FF2B5EF4-FFF2-40B4-BE49-F238E27FC236}">
-                <a16:creationId xmlns:a16="http://schemas.microsoft.com/office/drawing/2014/main" xmlns="" id="{CB4A9151-4DBA-4A6C-8967-EC70E0126234}"/>
+                <a16:creationId xmlns="" xmlns:a16="http://schemas.microsoft.com/office/drawing/2014/main" id="{CB4A9151-4DBA-4A6C-8967-EC70E0126234}"/>
               </a:ext>
             </a:extLst>
           </p:cNvPr>
@@ -2987,7 +2988,7 @@
           <p:cNvPr id="6" name="Tijdelijke aanduiding voor dianummer 5">
             <a:extLst>
               <a:ext uri="{FF2B5EF4-FFF2-40B4-BE49-F238E27FC236}">
-                <a16:creationId xmlns:a16="http://schemas.microsoft.com/office/drawing/2014/main" xmlns="" id="{E6582372-88AB-47F3-A35B-A8C86B2D9C2A}"/>
+                <a16:creationId xmlns="" xmlns:a16="http://schemas.microsoft.com/office/drawing/2014/main" id="{E6582372-88AB-47F3-A35B-A8C86B2D9C2A}"/>
               </a:ext>
             </a:extLst>
           </p:cNvPr>
@@ -3024,7 +3025,7 @@
             <a:fld id="{1C1C122E-05CA-4289-A26B-D14C5EAD5EFF}" type="slidenum">
               <a:rPr lang="nl-NL" smtClean="0"/>
               <a:pPr/>
-              <a:t>‹nr.›</a:t>
+              <a:t>‹#›</a:t>
             </a:fld>
             <a:endParaRPr lang="nl-NL"/>
           </a:p>
@@ -3033,7 +3034,7 @@
     </p:spTree>
     <p:extLst>
       <p:ext uri="{BB962C8B-B14F-4D97-AF65-F5344CB8AC3E}">
-        <p14:creationId xmlns:p14="http://schemas.microsoft.com/office/powerpoint/2010/main" xmlns="" val="1831950406"/>
+        <p14:creationId xmlns:p14="http://schemas.microsoft.com/office/powerpoint/2010/main" val="1831950406"/>
       </p:ext>
     </p:extLst>
   </p:cSld>
@@ -3356,7 +3357,7 @@
           <p:cNvPr id="2" name="Titel 1">
             <a:extLst>
               <a:ext uri="{FF2B5EF4-FFF2-40B4-BE49-F238E27FC236}">
-                <a16:creationId xmlns:a16="http://schemas.microsoft.com/office/drawing/2014/main" xmlns="" id="{AE205A44-390E-455B-87E1-6D48C073A474}"/>
+                <a16:creationId xmlns="" xmlns:a16="http://schemas.microsoft.com/office/drawing/2014/main" id="{AE205A44-390E-455B-87E1-6D48C073A474}"/>
               </a:ext>
             </a:extLst>
           </p:cNvPr>
@@ -3396,7 +3397,7 @@
           <p:cNvPr id="3" name="Ondertitel 2">
             <a:extLst>
               <a:ext uri="{FF2B5EF4-FFF2-40B4-BE49-F238E27FC236}">
-                <a16:creationId xmlns:a16="http://schemas.microsoft.com/office/drawing/2014/main" xmlns="" id="{E24A4149-DFE7-4EE0-A98A-18326D7AD35D}"/>
+                <a16:creationId xmlns="" xmlns:a16="http://schemas.microsoft.com/office/drawing/2014/main" id="{E24A4149-DFE7-4EE0-A98A-18326D7AD35D}"/>
               </a:ext>
             </a:extLst>
           </p:cNvPr>
@@ -3422,7 +3423,7 @@
     </p:spTree>
     <p:extLst>
       <p:ext uri="{BB962C8B-B14F-4D97-AF65-F5344CB8AC3E}">
-        <p14:creationId xmlns:p14="http://schemas.microsoft.com/office/powerpoint/2010/main" xmlns="" val="1696353441"/>
+        <p14:creationId xmlns:p14="http://schemas.microsoft.com/office/powerpoint/2010/main" val="1696353441"/>
       </p:ext>
     </p:extLst>
   </p:cSld>
@@ -3454,7 +3455,7 @@
           <p:cNvPr id="2" name="Titel 1">
             <a:extLst>
               <a:ext uri="{FF2B5EF4-FFF2-40B4-BE49-F238E27FC236}">
-                <a16:creationId xmlns:a16="http://schemas.microsoft.com/office/drawing/2014/main" xmlns="" id="{769A96FB-BA26-47C0-85BC-9E5A44D94A65}"/>
+                <a16:creationId xmlns="" xmlns:a16="http://schemas.microsoft.com/office/drawing/2014/main" id="{769A96FB-BA26-47C0-85BC-9E5A44D94A65}"/>
               </a:ext>
             </a:extLst>
           </p:cNvPr>
@@ -3482,7 +3483,7 @@
           <p:cNvPr id="5" name="Tijdelijke aanduiding voor inhoud 4">
             <a:extLst>
               <a:ext uri="{FF2B5EF4-FFF2-40B4-BE49-F238E27FC236}">
-                <a16:creationId xmlns:a16="http://schemas.microsoft.com/office/drawing/2014/main" xmlns="" id="{82F9B9FE-1870-4902-A7DB-4B27D59D2B2B}"/>
+                <a16:creationId xmlns="" xmlns:a16="http://schemas.microsoft.com/office/drawing/2014/main" id="{82F9B9FE-1870-4902-A7DB-4B27D59D2B2B}"/>
               </a:ext>
             </a:extLst>
           </p:cNvPr>
@@ -3497,7 +3498,7 @@
           <a:blip r:embed="rId2" cstate="print">
             <a:extLst>
               <a:ext uri="{28A0092B-C50C-407E-A947-70E740481C1C}">
-                <a14:useLocalDpi xmlns:a14="http://schemas.microsoft.com/office/drawing/2010/main" xmlns="" val="0"/>
+                <a14:useLocalDpi xmlns:a14="http://schemas.microsoft.com/office/drawing/2010/main" val="0"/>
               </a:ext>
             </a:extLst>
           </a:blip>
@@ -3517,7 +3518,7 @@
           <p:cNvPr id="6" name="Tekstvak 5">
             <a:extLst>
               <a:ext uri="{FF2B5EF4-FFF2-40B4-BE49-F238E27FC236}">
-                <a16:creationId xmlns:a16="http://schemas.microsoft.com/office/drawing/2014/main" xmlns="" id="{D8F2D3D1-1FE8-4AA0-B6C8-D7E88097CE04}"/>
+                <a16:creationId xmlns="" xmlns:a16="http://schemas.microsoft.com/office/drawing/2014/main" id="{D8F2D3D1-1FE8-4AA0-B6C8-D7E88097CE04}"/>
               </a:ext>
             </a:extLst>
           </p:cNvPr>
@@ -3553,7 +3554,7 @@
           <p:cNvPr id="8" name="Afbeelding 7">
             <a:extLst>
               <a:ext uri="{FF2B5EF4-FFF2-40B4-BE49-F238E27FC236}">
-                <a16:creationId xmlns:a16="http://schemas.microsoft.com/office/drawing/2014/main" xmlns="" id="{819AAC82-0B32-4FA7-B311-90C90A003DAD}"/>
+                <a16:creationId xmlns="" xmlns:a16="http://schemas.microsoft.com/office/drawing/2014/main" id="{819AAC82-0B32-4FA7-B311-90C90A003DAD}"/>
               </a:ext>
             </a:extLst>
           </p:cNvPr>
@@ -3566,7 +3567,7 @@
           <a:blip r:embed="rId3" cstate="print">
             <a:extLst>
               <a:ext uri="{28A0092B-C50C-407E-A947-70E740481C1C}">
-                <a14:useLocalDpi xmlns:a14="http://schemas.microsoft.com/office/drawing/2010/main" xmlns="" val="0"/>
+                <a14:useLocalDpi xmlns:a14="http://schemas.microsoft.com/office/drawing/2010/main" val="0"/>
               </a:ext>
             </a:extLst>
           </a:blip>
@@ -3588,7 +3589,7 @@
           <p:cNvPr id="11" name="Pijl: rechts 10">
             <a:extLst>
               <a:ext uri="{FF2B5EF4-FFF2-40B4-BE49-F238E27FC236}">
-                <a16:creationId xmlns:a16="http://schemas.microsoft.com/office/drawing/2014/main" xmlns="" id="{C3B3C454-C61F-4642-AC5E-175E78B46E93}"/>
+                <a16:creationId xmlns="" xmlns:a16="http://schemas.microsoft.com/office/drawing/2014/main" id="{C3B3C454-C61F-4642-AC5E-175E78B46E93}"/>
               </a:ext>
             </a:extLst>
           </p:cNvPr>
@@ -3634,7 +3635,7 @@
           <p:cNvPr id="12" name="Tekstvak 11">
             <a:extLst>
               <a:ext uri="{FF2B5EF4-FFF2-40B4-BE49-F238E27FC236}">
-                <a16:creationId xmlns:a16="http://schemas.microsoft.com/office/drawing/2014/main" xmlns="" id="{1AF95B95-DF37-4511-BC26-2A337B82EADC}"/>
+                <a16:creationId xmlns="" xmlns:a16="http://schemas.microsoft.com/office/drawing/2014/main" id="{1AF95B95-DF37-4511-BC26-2A337B82EADC}"/>
               </a:ext>
             </a:extLst>
           </p:cNvPr>
@@ -3669,7 +3670,7 @@
           <p:cNvPr id="9" name="Afbeelding 8">
             <a:extLst>
               <a:ext uri="{FF2B5EF4-FFF2-40B4-BE49-F238E27FC236}">
-                <a16:creationId xmlns:a16="http://schemas.microsoft.com/office/drawing/2014/main" xmlns="" id="{1B858127-D2F6-4D2B-B5A9-94CF7612B179}"/>
+                <a16:creationId xmlns="" xmlns:a16="http://schemas.microsoft.com/office/drawing/2014/main" id="{1B858127-D2F6-4D2B-B5A9-94CF7612B179}"/>
               </a:ext>
             </a:extLst>
           </p:cNvPr>
@@ -3682,7 +3683,7 @@
           <a:blip r:embed="rId4" cstate="print">
             <a:extLst>
               <a:ext uri="{28A0092B-C50C-407E-A947-70E740481C1C}">
-                <a14:useLocalDpi xmlns:a14="http://schemas.microsoft.com/office/drawing/2010/main" xmlns="" val="0"/>
+                <a14:useLocalDpi xmlns:a14="http://schemas.microsoft.com/office/drawing/2010/main" val="0"/>
               </a:ext>
             </a:extLst>
           </a:blip>
@@ -3705,7 +3706,7 @@
           <p:cNvPr id="10" name="Pijl: rechts 9">
             <a:extLst>
               <a:ext uri="{FF2B5EF4-FFF2-40B4-BE49-F238E27FC236}">
-                <a16:creationId xmlns:a16="http://schemas.microsoft.com/office/drawing/2014/main" xmlns="" id="{13F3850F-71EA-4741-A182-94C4C2F636F5}"/>
+                <a16:creationId xmlns="" xmlns:a16="http://schemas.microsoft.com/office/drawing/2014/main" id="{13F3850F-71EA-4741-A182-94C4C2F636F5}"/>
               </a:ext>
             </a:extLst>
           </p:cNvPr>
@@ -3749,7 +3750,7 @@
     </p:spTree>
     <p:extLst>
       <p:ext uri="{BB962C8B-B14F-4D97-AF65-F5344CB8AC3E}">
-        <p14:creationId xmlns:p14="http://schemas.microsoft.com/office/powerpoint/2010/main" xmlns="" val="2643686151"/>
+        <p14:creationId xmlns:p14="http://schemas.microsoft.com/office/powerpoint/2010/main" val="2643686151"/>
       </p:ext>
     </p:extLst>
   </p:cSld>
@@ -3781,7 +3782,7 @@
           <p:cNvPr id="2" name="Titel 1">
             <a:extLst>
               <a:ext uri="{FF2B5EF4-FFF2-40B4-BE49-F238E27FC236}">
-                <a16:creationId xmlns:a16="http://schemas.microsoft.com/office/drawing/2014/main" xmlns="" id="{769A96FB-BA26-47C0-85BC-9E5A44D94A65}"/>
+                <a16:creationId xmlns="" xmlns:a16="http://schemas.microsoft.com/office/drawing/2014/main" id="{769A96FB-BA26-47C0-85BC-9E5A44D94A65}"/>
               </a:ext>
             </a:extLst>
           </p:cNvPr>
@@ -3809,7 +3810,7 @@
           <p:cNvPr id="5" name="Tijdelijke aanduiding voor inhoud 4">
             <a:extLst>
               <a:ext uri="{FF2B5EF4-FFF2-40B4-BE49-F238E27FC236}">
-                <a16:creationId xmlns:a16="http://schemas.microsoft.com/office/drawing/2014/main" xmlns="" id="{82F9B9FE-1870-4902-A7DB-4B27D59D2B2B}"/>
+                <a16:creationId xmlns="" xmlns:a16="http://schemas.microsoft.com/office/drawing/2014/main" id="{82F9B9FE-1870-4902-A7DB-4B27D59D2B2B}"/>
               </a:ext>
             </a:extLst>
           </p:cNvPr>
@@ -3824,7 +3825,7 @@
           <a:blip r:embed="rId2" cstate="print">
             <a:extLst>
               <a:ext uri="{28A0092B-C50C-407E-A947-70E740481C1C}">
-                <a14:useLocalDpi xmlns:a14="http://schemas.microsoft.com/office/drawing/2010/main" xmlns="" val="0"/>
+                <a14:useLocalDpi xmlns:a14="http://schemas.microsoft.com/office/drawing/2010/main" val="0"/>
               </a:ext>
             </a:extLst>
           </a:blip>
@@ -3844,7 +3845,7 @@
           <p:cNvPr id="6" name="Tekstvak 5">
             <a:extLst>
               <a:ext uri="{FF2B5EF4-FFF2-40B4-BE49-F238E27FC236}">
-                <a16:creationId xmlns:a16="http://schemas.microsoft.com/office/drawing/2014/main" xmlns="" id="{D8F2D3D1-1FE8-4AA0-B6C8-D7E88097CE04}"/>
+                <a16:creationId xmlns="" xmlns:a16="http://schemas.microsoft.com/office/drawing/2014/main" id="{D8F2D3D1-1FE8-4AA0-B6C8-D7E88097CE04}"/>
               </a:ext>
             </a:extLst>
           </p:cNvPr>
@@ -3880,7 +3881,7 @@
           <p:cNvPr id="8" name="Afbeelding 7">
             <a:extLst>
               <a:ext uri="{FF2B5EF4-FFF2-40B4-BE49-F238E27FC236}">
-                <a16:creationId xmlns:a16="http://schemas.microsoft.com/office/drawing/2014/main" xmlns="" id="{819AAC82-0B32-4FA7-B311-90C90A003DAD}"/>
+                <a16:creationId xmlns="" xmlns:a16="http://schemas.microsoft.com/office/drawing/2014/main" id="{819AAC82-0B32-4FA7-B311-90C90A003DAD}"/>
               </a:ext>
             </a:extLst>
           </p:cNvPr>
@@ -3893,7 +3894,7 @@
           <a:blip r:embed="rId3" cstate="print">
             <a:extLst>
               <a:ext uri="{28A0092B-C50C-407E-A947-70E740481C1C}">
-                <a14:useLocalDpi xmlns:a14="http://schemas.microsoft.com/office/drawing/2010/main" xmlns="" val="0"/>
+                <a14:useLocalDpi xmlns:a14="http://schemas.microsoft.com/office/drawing/2010/main" val="0"/>
               </a:ext>
             </a:extLst>
           </a:blip>
@@ -3915,7 +3916,7 @@
           <p:cNvPr id="11" name="Pijl: rechts 10">
             <a:extLst>
               <a:ext uri="{FF2B5EF4-FFF2-40B4-BE49-F238E27FC236}">
-                <a16:creationId xmlns:a16="http://schemas.microsoft.com/office/drawing/2014/main" xmlns="" id="{C3B3C454-C61F-4642-AC5E-175E78B46E93}"/>
+                <a16:creationId xmlns="" xmlns:a16="http://schemas.microsoft.com/office/drawing/2014/main" id="{C3B3C454-C61F-4642-AC5E-175E78B46E93}"/>
               </a:ext>
             </a:extLst>
           </p:cNvPr>
@@ -3961,7 +3962,7 @@
           <p:cNvPr id="12" name="Tekstvak 11">
             <a:extLst>
               <a:ext uri="{FF2B5EF4-FFF2-40B4-BE49-F238E27FC236}">
-                <a16:creationId xmlns:a16="http://schemas.microsoft.com/office/drawing/2014/main" xmlns="" id="{1AF95B95-DF37-4511-BC26-2A337B82EADC}"/>
+                <a16:creationId xmlns="" xmlns:a16="http://schemas.microsoft.com/office/drawing/2014/main" id="{1AF95B95-DF37-4511-BC26-2A337B82EADC}"/>
               </a:ext>
             </a:extLst>
           </p:cNvPr>
@@ -3996,7 +3997,7 @@
           <p:cNvPr id="9" name="Afbeelding 8">
             <a:extLst>
               <a:ext uri="{FF2B5EF4-FFF2-40B4-BE49-F238E27FC236}">
-                <a16:creationId xmlns:a16="http://schemas.microsoft.com/office/drawing/2014/main" xmlns="" id="{1B858127-D2F6-4D2B-B5A9-94CF7612B179}"/>
+                <a16:creationId xmlns="" xmlns:a16="http://schemas.microsoft.com/office/drawing/2014/main" id="{1B858127-D2F6-4D2B-B5A9-94CF7612B179}"/>
               </a:ext>
             </a:extLst>
           </p:cNvPr>
@@ -4009,7 +4010,7 @@
           <a:blip r:embed="rId4" cstate="print">
             <a:extLst>
               <a:ext uri="{28A0092B-C50C-407E-A947-70E740481C1C}">
-                <a14:useLocalDpi xmlns:a14="http://schemas.microsoft.com/office/drawing/2010/main" xmlns="" val="0"/>
+                <a14:useLocalDpi xmlns:a14="http://schemas.microsoft.com/office/drawing/2010/main" val="0"/>
               </a:ext>
             </a:extLst>
           </a:blip>
@@ -4032,7 +4033,7 @@
           <p:cNvPr id="10" name="Pijl: rechts 9">
             <a:extLst>
               <a:ext uri="{FF2B5EF4-FFF2-40B4-BE49-F238E27FC236}">
-                <a16:creationId xmlns:a16="http://schemas.microsoft.com/office/drawing/2014/main" xmlns="" id="{13F3850F-71EA-4741-A182-94C4C2F636F5}"/>
+                <a16:creationId xmlns="" xmlns:a16="http://schemas.microsoft.com/office/drawing/2014/main" id="{13F3850F-71EA-4741-A182-94C4C2F636F5}"/>
               </a:ext>
             </a:extLst>
           </p:cNvPr>
@@ -4078,7 +4079,7 @@
           <p:cNvPr id="3" name="Ovaal 2">
             <a:extLst>
               <a:ext uri="{FF2B5EF4-FFF2-40B4-BE49-F238E27FC236}">
-                <a16:creationId xmlns:a16="http://schemas.microsoft.com/office/drawing/2014/main" xmlns="" id="{19B9F891-8EF8-44F6-B6ED-BB2422D771A3}"/>
+                <a16:creationId xmlns="" xmlns:a16="http://schemas.microsoft.com/office/drawing/2014/main" id="{19B9F891-8EF8-44F6-B6ED-BB2422D771A3}"/>
               </a:ext>
             </a:extLst>
           </p:cNvPr>
@@ -4127,7 +4128,7 @@
           <p:cNvPr id="13" name="Ovaal 12">
             <a:extLst>
               <a:ext uri="{FF2B5EF4-FFF2-40B4-BE49-F238E27FC236}">
-                <a16:creationId xmlns:a16="http://schemas.microsoft.com/office/drawing/2014/main" xmlns="" id="{24DD1F6E-573A-4E2D-8811-591CE94E629B}"/>
+                <a16:creationId xmlns="" xmlns:a16="http://schemas.microsoft.com/office/drawing/2014/main" id="{24DD1F6E-573A-4E2D-8811-591CE94E629B}"/>
               </a:ext>
             </a:extLst>
           </p:cNvPr>
@@ -4176,7 +4177,7 @@
           <p:cNvPr id="7" name="Rechte verbindingslijn met pijl 6">
             <a:extLst>
               <a:ext uri="{FF2B5EF4-FFF2-40B4-BE49-F238E27FC236}">
-                <a16:creationId xmlns:a16="http://schemas.microsoft.com/office/drawing/2014/main" xmlns="" id="{D5C82334-4E2E-4051-961A-F679B07C4F1F}"/>
+                <a16:creationId xmlns="" xmlns:a16="http://schemas.microsoft.com/office/drawing/2014/main" id="{D5C82334-4E2E-4051-961A-F679B07C4F1F}"/>
               </a:ext>
             </a:extLst>
           </p:cNvPr>
@@ -4218,7 +4219,7 @@
           <p:cNvPr id="16" name="Rechte verbindingslijn met pijl 15">
             <a:extLst>
               <a:ext uri="{FF2B5EF4-FFF2-40B4-BE49-F238E27FC236}">
-                <a16:creationId xmlns:a16="http://schemas.microsoft.com/office/drawing/2014/main" xmlns="" id="{705EA1F6-DA7E-4475-8576-E76A7C126F12}"/>
+                <a16:creationId xmlns="" xmlns:a16="http://schemas.microsoft.com/office/drawing/2014/main" id="{705EA1F6-DA7E-4475-8576-E76A7C126F12}"/>
               </a:ext>
             </a:extLst>
           </p:cNvPr>
@@ -4258,7 +4259,7 @@
     </p:spTree>
     <p:extLst>
       <p:ext uri="{BB962C8B-B14F-4D97-AF65-F5344CB8AC3E}">
-        <p14:creationId xmlns:p14="http://schemas.microsoft.com/office/powerpoint/2010/main" xmlns="" val="845698545"/>
+        <p14:creationId xmlns:p14="http://schemas.microsoft.com/office/powerpoint/2010/main" val="845698545"/>
       </p:ext>
     </p:extLst>
   </p:cSld>
@@ -4290,7 +4291,7 @@
           <p:cNvPr id="2" name="Titel 1">
             <a:extLst>
               <a:ext uri="{FF2B5EF4-FFF2-40B4-BE49-F238E27FC236}">
-                <a16:creationId xmlns:a16="http://schemas.microsoft.com/office/drawing/2014/main" xmlns="" id="{28AC7F7A-EB5E-48A2-A178-02E17BA194BE}"/>
+                <a16:creationId xmlns="" xmlns:a16="http://schemas.microsoft.com/office/drawing/2014/main" id="{28AC7F7A-EB5E-48A2-A178-02E17BA194BE}"/>
               </a:ext>
             </a:extLst>
           </p:cNvPr>
@@ -4335,7 +4336,7 @@
           <p:cNvPr id="4" name="Tijdelijke aanduiding voor inhoud 3">
             <a:extLst>
               <a:ext uri="{FF2B5EF4-FFF2-40B4-BE49-F238E27FC236}">
-                <a16:creationId xmlns:a16="http://schemas.microsoft.com/office/drawing/2014/main" xmlns="" id="{12A0C32B-A310-4B27-B6D9-73509A425B75}"/>
+                <a16:creationId xmlns="" xmlns:a16="http://schemas.microsoft.com/office/drawing/2014/main" id="{12A0C32B-A310-4B27-B6D9-73509A425B75}"/>
               </a:ext>
             </a:extLst>
           </p:cNvPr>
@@ -4364,7 +4365,7 @@
     </p:spTree>
     <p:extLst>
       <p:ext uri="{BB962C8B-B14F-4D97-AF65-F5344CB8AC3E}">
-        <p14:creationId xmlns:p14="http://schemas.microsoft.com/office/powerpoint/2010/main" xmlns="" val="2460963347"/>
+        <p14:creationId xmlns:p14="http://schemas.microsoft.com/office/powerpoint/2010/main" val="2460963347"/>
       </p:ext>
     </p:extLst>
   </p:cSld>
@@ -4664,7 +4665,6 @@
               <a:rPr lang="nl-NL" dirty="0" smtClean="0"/>
               <a:t>Assenstelsel </a:t>
             </a:r>
-            <a:endParaRPr lang="nl-NL" dirty="0" smtClean="0"/>
           </a:p>
           <a:p>
             <a:pPr lvl="1"/>
@@ -4692,6 +4692,77 @@
         </p:txBody>
       </p:sp>
     </p:spTree>
+  </p:cSld>
+  <p:clrMapOvr>
+    <a:masterClrMapping/>
+  </p:clrMapOvr>
+</p:sld>
+</file>
+
+<file path=ppt/slides/slide8.xml><?xml version="1.0" encoding="utf-8"?>
+<p:sld xmlns:a="http://schemas.openxmlformats.org/drawingml/2006/main" xmlns:r="http://schemas.openxmlformats.org/officeDocument/2006/relationships" xmlns:p="http://schemas.openxmlformats.org/presentationml/2006/main">
+  <p:cSld>
+    <p:spTree>
+      <p:nvGrpSpPr>
+        <p:cNvPr id="1" name=""/>
+        <p:cNvGrpSpPr/>
+        <p:nvPr/>
+      </p:nvGrpSpPr>
+      <p:grpSpPr>
+        <a:xfrm>
+          <a:off x="0" y="0"/>
+          <a:ext cx="0" cy="0"/>
+          <a:chOff x="0" y="0"/>
+          <a:chExt cx="0" cy="0"/>
+        </a:xfrm>
+      </p:grpSpPr>
+      <p:pic>
+        <p:nvPicPr>
+          <p:cNvPr id="1026" name="Picture 2" descr="https://puu.sh/ylG7v/c5a04d6359.png"/>
+          <p:cNvPicPr>
+            <a:picLocks noChangeAspect="1" noChangeArrowheads="1"/>
+          </p:cNvPicPr>
+          <p:nvPr/>
+        </p:nvPicPr>
+        <p:blipFill>
+          <a:blip r:embed="rId2">
+            <a:extLst>
+              <a:ext uri="{28A0092B-C50C-407E-A947-70E740481C1C}">
+                <a14:useLocalDpi xmlns:a14="http://schemas.microsoft.com/office/drawing/2010/main" val="0"/>
+              </a:ext>
+            </a:extLst>
+          </a:blip>
+          <a:srcRect/>
+          <a:stretch>
+            <a:fillRect/>
+          </a:stretch>
+        </p:blipFill>
+        <p:spPr bwMode="auto">
+          <a:xfrm>
+            <a:off x="1837425" y="68600"/>
+            <a:ext cx="8394161" cy="6664346"/>
+          </a:xfrm>
+          <a:prstGeom prst="rect">
+            <a:avLst/>
+          </a:prstGeom>
+          <a:noFill/>
+          <a:extLst>
+            <a:ext uri="{909E8E84-426E-40DD-AFC4-6F175D3DCCD1}">
+              <a14:hiddenFill xmlns:a14="http://schemas.microsoft.com/office/drawing/2010/main">
+                <a:solidFill>
+                  <a:srgbClr val="FFFFFF"/>
+                </a:solidFill>
+              </a14:hiddenFill>
+            </a:ext>
+          </a:extLst>
+        </p:spPr>
+      </p:pic>
+    </p:spTree>
+    <p:extLst>
+      <p:ext uri="{BB962C8B-B14F-4D97-AF65-F5344CB8AC3E}">
+        <p14:creationId xmlns:p14="http://schemas.microsoft.com/office/powerpoint/2010/main" val="2282183706"/>
+      </p:ext>
+    </p:extLst>
   </p:cSld>
   <p:clrMapOvr>
     <a:masterClrMapping/>
@@ -4988,7 +5059,7 @@
   <a:extraClrSchemeLst/>
   <a:extLst>
     <a:ext uri="{05A4C25C-085E-4340-85A3-A5531E510DB2}">
-      <thm15:themeFamily xmlns:thm15="http://schemas.microsoft.com/office/thememl/2012/main" xmlns="" name="Office Theme" id="{62F939B6-93AF-4DB8-9C6B-D6C7DFDC589F}" vid="{4A3C46E8-61CC-4603-A589-7422A47A8E4A}"/>
+      <thm15:themeFamily xmlns="" xmlns:thm15="http://schemas.microsoft.com/office/thememl/2012/main" name="Office Theme" id="{62F939B6-93AF-4DB8-9C6B-D6C7DFDC589F}" vid="{4A3C46E8-61CC-4603-A589-7422A47A8E4A}"/>
     </a:ext>
   </a:extLst>
 </a:theme>

--- a/Presentations/Proteasen - week 1.pptx
+++ b/Presentations/Proteasen - week 1.pptx
@@ -12,7 +12,6 @@
     <p:sldId id="266" r:id="rId6"/>
     <p:sldId id="264" r:id="rId7"/>
     <p:sldId id="265" r:id="rId8"/>
-    <p:sldId id="267" r:id="rId9"/>
   </p:sldIdLst>
   <p:sldSz cx="12192000" cy="6858000"/>
   <p:notesSz cx="6858000" cy="9144000"/>
@@ -136,7 +135,7 @@
           <p:cNvPr id="2" name="Titel 1">
             <a:extLst>
               <a:ext uri="{FF2B5EF4-FFF2-40B4-BE49-F238E27FC236}">
-                <a16:creationId xmlns="" xmlns:a16="http://schemas.microsoft.com/office/drawing/2014/main" id="{EFD99023-B551-45B8-A12C-2917446E04BE}"/>
+                <a16:creationId xmlns:a16="http://schemas.microsoft.com/office/drawing/2014/main" xmlns="" id="{EFD99023-B551-45B8-A12C-2917446E04BE}"/>
               </a:ext>
             </a:extLst>
           </p:cNvPr>
@@ -173,7 +172,7 @@
           <p:cNvPr id="3" name="Ondertitel 2">
             <a:extLst>
               <a:ext uri="{FF2B5EF4-FFF2-40B4-BE49-F238E27FC236}">
-                <a16:creationId xmlns="" xmlns:a16="http://schemas.microsoft.com/office/drawing/2014/main" id="{2E009DEA-736C-495D-A0BD-D3CB755CD810}"/>
+                <a16:creationId xmlns:a16="http://schemas.microsoft.com/office/drawing/2014/main" xmlns="" id="{2E009DEA-736C-495D-A0BD-D3CB755CD810}"/>
               </a:ext>
             </a:extLst>
           </p:cNvPr>
@@ -243,7 +242,7 @@
           <p:cNvPr id="4" name="Tijdelijke aanduiding voor datum 3">
             <a:extLst>
               <a:ext uri="{FF2B5EF4-FFF2-40B4-BE49-F238E27FC236}">
-                <a16:creationId xmlns="" xmlns:a16="http://schemas.microsoft.com/office/drawing/2014/main" id="{67209F8F-9D5D-4D9E-AC0A-70E79D66B973}"/>
+                <a16:creationId xmlns:a16="http://schemas.microsoft.com/office/drawing/2014/main" xmlns="" id="{67209F8F-9D5D-4D9E-AC0A-70E79D66B973}"/>
               </a:ext>
             </a:extLst>
           </p:cNvPr>
@@ -273,7 +272,7 @@
           <p:cNvPr id="5" name="Tijdelijke aanduiding voor voettekst 4">
             <a:extLst>
               <a:ext uri="{FF2B5EF4-FFF2-40B4-BE49-F238E27FC236}">
-                <a16:creationId xmlns="" xmlns:a16="http://schemas.microsoft.com/office/drawing/2014/main" id="{54E64078-7028-4A61-9D1A-E34F5B16D07A}"/>
+                <a16:creationId xmlns:a16="http://schemas.microsoft.com/office/drawing/2014/main" xmlns="" id="{54E64078-7028-4A61-9D1A-E34F5B16D07A}"/>
               </a:ext>
             </a:extLst>
           </p:cNvPr>
@@ -298,7 +297,7 @@
           <p:cNvPr id="6" name="Tijdelijke aanduiding voor dianummer 5">
             <a:extLst>
               <a:ext uri="{FF2B5EF4-FFF2-40B4-BE49-F238E27FC236}">
-                <a16:creationId xmlns="" xmlns:a16="http://schemas.microsoft.com/office/drawing/2014/main" id="{F94CF3BC-A337-46FC-9ED2-A70F074C57CD}"/>
+                <a16:creationId xmlns:a16="http://schemas.microsoft.com/office/drawing/2014/main" xmlns="" id="{F94CF3BC-A337-46FC-9ED2-A70F074C57CD}"/>
               </a:ext>
             </a:extLst>
           </p:cNvPr>
@@ -358,7 +357,7 @@
           <p:cNvPr id="2" name="Titel 1">
             <a:extLst>
               <a:ext uri="{FF2B5EF4-FFF2-40B4-BE49-F238E27FC236}">
-                <a16:creationId xmlns="" xmlns:a16="http://schemas.microsoft.com/office/drawing/2014/main" id="{A0360AC8-B78F-4264-BCDD-ACDC27E57432}"/>
+                <a16:creationId xmlns:a16="http://schemas.microsoft.com/office/drawing/2014/main" xmlns="" id="{A0360AC8-B78F-4264-BCDD-ACDC27E57432}"/>
               </a:ext>
             </a:extLst>
           </p:cNvPr>
@@ -386,7 +385,7 @@
           <p:cNvPr id="3" name="Tijdelijke aanduiding voor verticale tekst 2">
             <a:extLst>
               <a:ext uri="{FF2B5EF4-FFF2-40B4-BE49-F238E27FC236}">
-                <a16:creationId xmlns="" xmlns:a16="http://schemas.microsoft.com/office/drawing/2014/main" id="{CBC2C12D-CEBD-47C9-B6B8-76D5A5B9B46B}"/>
+                <a16:creationId xmlns:a16="http://schemas.microsoft.com/office/drawing/2014/main" xmlns="" id="{CBC2C12D-CEBD-47C9-B6B8-76D5A5B9B46B}"/>
               </a:ext>
             </a:extLst>
           </p:cNvPr>
@@ -443,7 +442,7 @@
           <p:cNvPr id="4" name="Tijdelijke aanduiding voor datum 3">
             <a:extLst>
               <a:ext uri="{FF2B5EF4-FFF2-40B4-BE49-F238E27FC236}">
-                <a16:creationId xmlns="" xmlns:a16="http://schemas.microsoft.com/office/drawing/2014/main" id="{99C3A252-6B99-4635-BB91-A7D08534575D}"/>
+                <a16:creationId xmlns:a16="http://schemas.microsoft.com/office/drawing/2014/main" xmlns="" id="{99C3A252-6B99-4635-BB91-A7D08534575D}"/>
               </a:ext>
             </a:extLst>
           </p:cNvPr>
@@ -473,7 +472,7 @@
           <p:cNvPr id="5" name="Tijdelijke aanduiding voor voettekst 4">
             <a:extLst>
               <a:ext uri="{FF2B5EF4-FFF2-40B4-BE49-F238E27FC236}">
-                <a16:creationId xmlns="" xmlns:a16="http://schemas.microsoft.com/office/drawing/2014/main" id="{55C44EC4-4316-439A-80F3-5CF8FA8B9E4D}"/>
+                <a16:creationId xmlns:a16="http://schemas.microsoft.com/office/drawing/2014/main" xmlns="" id="{55C44EC4-4316-439A-80F3-5CF8FA8B9E4D}"/>
               </a:ext>
             </a:extLst>
           </p:cNvPr>
@@ -498,7 +497,7 @@
           <p:cNvPr id="6" name="Tijdelijke aanduiding voor dianummer 5">
             <a:extLst>
               <a:ext uri="{FF2B5EF4-FFF2-40B4-BE49-F238E27FC236}">
-                <a16:creationId xmlns="" xmlns:a16="http://schemas.microsoft.com/office/drawing/2014/main" id="{51651B2C-E2E2-469B-9BC0-4F51A8AB8FCF}"/>
+                <a16:creationId xmlns:a16="http://schemas.microsoft.com/office/drawing/2014/main" xmlns="" id="{51651B2C-E2E2-469B-9BC0-4F51A8AB8FCF}"/>
               </a:ext>
             </a:extLst>
           </p:cNvPr>
@@ -558,7 +557,7 @@
           <p:cNvPr id="2" name="Verticale titel 1">
             <a:extLst>
               <a:ext uri="{FF2B5EF4-FFF2-40B4-BE49-F238E27FC236}">
-                <a16:creationId xmlns="" xmlns:a16="http://schemas.microsoft.com/office/drawing/2014/main" id="{A8495113-02DB-4A72-A690-2DCF724F608D}"/>
+                <a16:creationId xmlns:a16="http://schemas.microsoft.com/office/drawing/2014/main" xmlns="" id="{A8495113-02DB-4A72-A690-2DCF724F608D}"/>
               </a:ext>
             </a:extLst>
           </p:cNvPr>
@@ -591,7 +590,7 @@
           <p:cNvPr id="3" name="Tijdelijke aanduiding voor verticale tekst 2">
             <a:extLst>
               <a:ext uri="{FF2B5EF4-FFF2-40B4-BE49-F238E27FC236}">
-                <a16:creationId xmlns="" xmlns:a16="http://schemas.microsoft.com/office/drawing/2014/main" id="{C31B8AC1-42B5-4119-AC97-D81F532327F3}"/>
+                <a16:creationId xmlns:a16="http://schemas.microsoft.com/office/drawing/2014/main" xmlns="" id="{C31B8AC1-42B5-4119-AC97-D81F532327F3}"/>
               </a:ext>
             </a:extLst>
           </p:cNvPr>
@@ -653,7 +652,7 @@
           <p:cNvPr id="4" name="Tijdelijke aanduiding voor datum 3">
             <a:extLst>
               <a:ext uri="{FF2B5EF4-FFF2-40B4-BE49-F238E27FC236}">
-                <a16:creationId xmlns="" xmlns:a16="http://schemas.microsoft.com/office/drawing/2014/main" id="{C56E96B1-1940-4306-AE29-87A98AD3166A}"/>
+                <a16:creationId xmlns:a16="http://schemas.microsoft.com/office/drawing/2014/main" xmlns="" id="{C56E96B1-1940-4306-AE29-87A98AD3166A}"/>
               </a:ext>
             </a:extLst>
           </p:cNvPr>
@@ -683,7 +682,7 @@
           <p:cNvPr id="5" name="Tijdelijke aanduiding voor voettekst 4">
             <a:extLst>
               <a:ext uri="{FF2B5EF4-FFF2-40B4-BE49-F238E27FC236}">
-                <a16:creationId xmlns="" xmlns:a16="http://schemas.microsoft.com/office/drawing/2014/main" id="{A5988C8F-FC0C-4CBE-BA17-CA0DFB99C566}"/>
+                <a16:creationId xmlns:a16="http://schemas.microsoft.com/office/drawing/2014/main" xmlns="" id="{A5988C8F-FC0C-4CBE-BA17-CA0DFB99C566}"/>
               </a:ext>
             </a:extLst>
           </p:cNvPr>
@@ -708,7 +707,7 @@
           <p:cNvPr id="6" name="Tijdelijke aanduiding voor dianummer 5">
             <a:extLst>
               <a:ext uri="{FF2B5EF4-FFF2-40B4-BE49-F238E27FC236}">
-                <a16:creationId xmlns="" xmlns:a16="http://schemas.microsoft.com/office/drawing/2014/main" id="{5965722C-5852-44DE-9F55-897A005A5E6B}"/>
+                <a16:creationId xmlns:a16="http://schemas.microsoft.com/office/drawing/2014/main" xmlns="" id="{5965722C-5852-44DE-9F55-897A005A5E6B}"/>
               </a:ext>
             </a:extLst>
           </p:cNvPr>
@@ -768,7 +767,7 @@
           <p:cNvPr id="2" name="Titel 1">
             <a:extLst>
               <a:ext uri="{FF2B5EF4-FFF2-40B4-BE49-F238E27FC236}">
-                <a16:creationId xmlns="" xmlns:a16="http://schemas.microsoft.com/office/drawing/2014/main" id="{016A3A2C-E9A1-46E3-B56B-6107511A4824}"/>
+                <a16:creationId xmlns:a16="http://schemas.microsoft.com/office/drawing/2014/main" xmlns="" id="{016A3A2C-E9A1-46E3-B56B-6107511A4824}"/>
               </a:ext>
             </a:extLst>
           </p:cNvPr>
@@ -796,7 +795,7 @@
           <p:cNvPr id="3" name="Tijdelijke aanduiding voor inhoud 2">
             <a:extLst>
               <a:ext uri="{FF2B5EF4-FFF2-40B4-BE49-F238E27FC236}">
-                <a16:creationId xmlns="" xmlns:a16="http://schemas.microsoft.com/office/drawing/2014/main" id="{3767E90F-0F89-4A06-B8E9-1CDE6F03C9ED}"/>
+                <a16:creationId xmlns:a16="http://schemas.microsoft.com/office/drawing/2014/main" xmlns="" id="{3767E90F-0F89-4A06-B8E9-1CDE6F03C9ED}"/>
               </a:ext>
             </a:extLst>
           </p:cNvPr>
@@ -853,7 +852,7 @@
           <p:cNvPr id="4" name="Tijdelijke aanduiding voor datum 3">
             <a:extLst>
               <a:ext uri="{FF2B5EF4-FFF2-40B4-BE49-F238E27FC236}">
-                <a16:creationId xmlns="" xmlns:a16="http://schemas.microsoft.com/office/drawing/2014/main" id="{03A33B9D-72AD-41A2-B2D2-DD46DAD7D7DC}"/>
+                <a16:creationId xmlns:a16="http://schemas.microsoft.com/office/drawing/2014/main" xmlns="" id="{03A33B9D-72AD-41A2-B2D2-DD46DAD7D7DC}"/>
               </a:ext>
             </a:extLst>
           </p:cNvPr>
@@ -883,7 +882,7 @@
           <p:cNvPr id="5" name="Tijdelijke aanduiding voor voettekst 4">
             <a:extLst>
               <a:ext uri="{FF2B5EF4-FFF2-40B4-BE49-F238E27FC236}">
-                <a16:creationId xmlns="" xmlns:a16="http://schemas.microsoft.com/office/drawing/2014/main" id="{B66C81FA-DFF3-464A-B628-347A5430C915}"/>
+                <a16:creationId xmlns:a16="http://schemas.microsoft.com/office/drawing/2014/main" xmlns="" id="{B66C81FA-DFF3-464A-B628-347A5430C915}"/>
               </a:ext>
             </a:extLst>
           </p:cNvPr>
@@ -908,7 +907,7 @@
           <p:cNvPr id="6" name="Tijdelijke aanduiding voor dianummer 5">
             <a:extLst>
               <a:ext uri="{FF2B5EF4-FFF2-40B4-BE49-F238E27FC236}">
-                <a16:creationId xmlns="" xmlns:a16="http://schemas.microsoft.com/office/drawing/2014/main" id="{CCA4C3AF-1A2F-4B35-ADA6-C3C3322C3EFE}"/>
+                <a16:creationId xmlns:a16="http://schemas.microsoft.com/office/drawing/2014/main" xmlns="" id="{CCA4C3AF-1A2F-4B35-ADA6-C3C3322C3EFE}"/>
               </a:ext>
             </a:extLst>
           </p:cNvPr>
@@ -968,7 +967,7 @@
           <p:cNvPr id="2" name="Titel 1">
             <a:extLst>
               <a:ext uri="{FF2B5EF4-FFF2-40B4-BE49-F238E27FC236}">
-                <a16:creationId xmlns="" xmlns:a16="http://schemas.microsoft.com/office/drawing/2014/main" id="{07CEC788-F9AF-4924-B3FC-70812FE0AB92}"/>
+                <a16:creationId xmlns:a16="http://schemas.microsoft.com/office/drawing/2014/main" xmlns="" id="{07CEC788-F9AF-4924-B3FC-70812FE0AB92}"/>
               </a:ext>
             </a:extLst>
           </p:cNvPr>
@@ -1005,7 +1004,7 @@
           <p:cNvPr id="3" name="Tijdelijke aanduiding voor tekst 2">
             <a:extLst>
               <a:ext uri="{FF2B5EF4-FFF2-40B4-BE49-F238E27FC236}">
-                <a16:creationId xmlns="" xmlns:a16="http://schemas.microsoft.com/office/drawing/2014/main" id="{259BBFA2-C0C3-4F5C-8BAF-0B57144C20E3}"/>
+                <a16:creationId xmlns:a16="http://schemas.microsoft.com/office/drawing/2014/main" xmlns="" id="{259BBFA2-C0C3-4F5C-8BAF-0B57144C20E3}"/>
               </a:ext>
             </a:extLst>
           </p:cNvPr>
@@ -1130,7 +1129,7 @@
           <p:cNvPr id="4" name="Tijdelijke aanduiding voor datum 3">
             <a:extLst>
               <a:ext uri="{FF2B5EF4-FFF2-40B4-BE49-F238E27FC236}">
-                <a16:creationId xmlns="" xmlns:a16="http://schemas.microsoft.com/office/drawing/2014/main" id="{8631F680-A0FA-4DD5-978B-B3C3DC404E65}"/>
+                <a16:creationId xmlns:a16="http://schemas.microsoft.com/office/drawing/2014/main" xmlns="" id="{8631F680-A0FA-4DD5-978B-B3C3DC404E65}"/>
               </a:ext>
             </a:extLst>
           </p:cNvPr>
@@ -1160,7 +1159,7 @@
           <p:cNvPr id="5" name="Tijdelijke aanduiding voor voettekst 4">
             <a:extLst>
               <a:ext uri="{FF2B5EF4-FFF2-40B4-BE49-F238E27FC236}">
-                <a16:creationId xmlns="" xmlns:a16="http://schemas.microsoft.com/office/drawing/2014/main" id="{7F1F8561-6E64-42ED-8CB5-A7BBAFAFCF46}"/>
+                <a16:creationId xmlns:a16="http://schemas.microsoft.com/office/drawing/2014/main" xmlns="" id="{7F1F8561-6E64-42ED-8CB5-A7BBAFAFCF46}"/>
               </a:ext>
             </a:extLst>
           </p:cNvPr>
@@ -1185,7 +1184,7 @@
           <p:cNvPr id="6" name="Tijdelijke aanduiding voor dianummer 5">
             <a:extLst>
               <a:ext uri="{FF2B5EF4-FFF2-40B4-BE49-F238E27FC236}">
-                <a16:creationId xmlns="" xmlns:a16="http://schemas.microsoft.com/office/drawing/2014/main" id="{BE90B6D3-0E9B-4F75-9578-944B4C631782}"/>
+                <a16:creationId xmlns:a16="http://schemas.microsoft.com/office/drawing/2014/main" xmlns="" id="{BE90B6D3-0E9B-4F75-9578-944B4C631782}"/>
               </a:ext>
             </a:extLst>
           </p:cNvPr>
@@ -1245,7 +1244,7 @@
           <p:cNvPr id="2" name="Titel 1">
             <a:extLst>
               <a:ext uri="{FF2B5EF4-FFF2-40B4-BE49-F238E27FC236}">
-                <a16:creationId xmlns="" xmlns:a16="http://schemas.microsoft.com/office/drawing/2014/main" id="{77E2AA73-853E-40A1-9A01-2322859C1E57}"/>
+                <a16:creationId xmlns:a16="http://schemas.microsoft.com/office/drawing/2014/main" xmlns="" id="{77E2AA73-853E-40A1-9A01-2322859C1E57}"/>
               </a:ext>
             </a:extLst>
           </p:cNvPr>
@@ -1273,7 +1272,7 @@
           <p:cNvPr id="3" name="Tijdelijke aanduiding voor inhoud 2">
             <a:extLst>
               <a:ext uri="{FF2B5EF4-FFF2-40B4-BE49-F238E27FC236}">
-                <a16:creationId xmlns="" xmlns:a16="http://schemas.microsoft.com/office/drawing/2014/main" id="{D3A30AEC-A453-4488-9ED3-1DB9B54B5E44}"/>
+                <a16:creationId xmlns:a16="http://schemas.microsoft.com/office/drawing/2014/main" xmlns="" id="{D3A30AEC-A453-4488-9ED3-1DB9B54B5E44}"/>
               </a:ext>
             </a:extLst>
           </p:cNvPr>
@@ -1335,7 +1334,7 @@
           <p:cNvPr id="4" name="Tijdelijke aanduiding voor inhoud 3">
             <a:extLst>
               <a:ext uri="{FF2B5EF4-FFF2-40B4-BE49-F238E27FC236}">
-                <a16:creationId xmlns="" xmlns:a16="http://schemas.microsoft.com/office/drawing/2014/main" id="{91D637F4-ACDA-4978-9A41-A140CB08D61A}"/>
+                <a16:creationId xmlns:a16="http://schemas.microsoft.com/office/drawing/2014/main" xmlns="" id="{91D637F4-ACDA-4978-9A41-A140CB08D61A}"/>
               </a:ext>
             </a:extLst>
           </p:cNvPr>
@@ -1397,7 +1396,7 @@
           <p:cNvPr id="5" name="Tijdelijke aanduiding voor datum 4">
             <a:extLst>
               <a:ext uri="{FF2B5EF4-FFF2-40B4-BE49-F238E27FC236}">
-                <a16:creationId xmlns="" xmlns:a16="http://schemas.microsoft.com/office/drawing/2014/main" id="{837E7DD3-15C8-411D-B870-A08B6F78EE10}"/>
+                <a16:creationId xmlns:a16="http://schemas.microsoft.com/office/drawing/2014/main" xmlns="" id="{837E7DD3-15C8-411D-B870-A08B6F78EE10}"/>
               </a:ext>
             </a:extLst>
           </p:cNvPr>
@@ -1427,7 +1426,7 @@
           <p:cNvPr id="6" name="Tijdelijke aanduiding voor voettekst 5">
             <a:extLst>
               <a:ext uri="{FF2B5EF4-FFF2-40B4-BE49-F238E27FC236}">
-                <a16:creationId xmlns="" xmlns:a16="http://schemas.microsoft.com/office/drawing/2014/main" id="{D36B0671-9A72-41D6-8923-9F431EE758F9}"/>
+                <a16:creationId xmlns:a16="http://schemas.microsoft.com/office/drawing/2014/main" xmlns="" id="{D36B0671-9A72-41D6-8923-9F431EE758F9}"/>
               </a:ext>
             </a:extLst>
           </p:cNvPr>
@@ -1452,7 +1451,7 @@
           <p:cNvPr id="7" name="Tijdelijke aanduiding voor dianummer 6">
             <a:extLst>
               <a:ext uri="{FF2B5EF4-FFF2-40B4-BE49-F238E27FC236}">
-                <a16:creationId xmlns="" xmlns:a16="http://schemas.microsoft.com/office/drawing/2014/main" id="{6E5DC6FE-5C44-4203-861C-9534D89659E0}"/>
+                <a16:creationId xmlns:a16="http://schemas.microsoft.com/office/drawing/2014/main" xmlns="" id="{6E5DC6FE-5C44-4203-861C-9534D89659E0}"/>
               </a:ext>
             </a:extLst>
           </p:cNvPr>
@@ -1512,7 +1511,7 @@
           <p:cNvPr id="2" name="Titel 1">
             <a:extLst>
               <a:ext uri="{FF2B5EF4-FFF2-40B4-BE49-F238E27FC236}">
-                <a16:creationId xmlns="" xmlns:a16="http://schemas.microsoft.com/office/drawing/2014/main" id="{D297AAFE-77DE-432B-BAB4-CD6F190E343C}"/>
+                <a16:creationId xmlns:a16="http://schemas.microsoft.com/office/drawing/2014/main" xmlns="" id="{D297AAFE-77DE-432B-BAB4-CD6F190E343C}"/>
               </a:ext>
             </a:extLst>
           </p:cNvPr>
@@ -1545,7 +1544,7 @@
           <p:cNvPr id="3" name="Tijdelijke aanduiding voor tekst 2">
             <a:extLst>
               <a:ext uri="{FF2B5EF4-FFF2-40B4-BE49-F238E27FC236}">
-                <a16:creationId xmlns="" xmlns:a16="http://schemas.microsoft.com/office/drawing/2014/main" id="{FFEE2ED6-653E-4421-8218-E2C38C76B28B}"/>
+                <a16:creationId xmlns:a16="http://schemas.microsoft.com/office/drawing/2014/main" xmlns="" id="{FFEE2ED6-653E-4421-8218-E2C38C76B28B}"/>
               </a:ext>
             </a:extLst>
           </p:cNvPr>
@@ -1616,7 +1615,7 @@
           <p:cNvPr id="4" name="Tijdelijke aanduiding voor inhoud 3">
             <a:extLst>
               <a:ext uri="{FF2B5EF4-FFF2-40B4-BE49-F238E27FC236}">
-                <a16:creationId xmlns="" xmlns:a16="http://schemas.microsoft.com/office/drawing/2014/main" id="{DC218CE1-911A-4429-A641-56511F94AE34}"/>
+                <a16:creationId xmlns:a16="http://schemas.microsoft.com/office/drawing/2014/main" xmlns="" id="{DC218CE1-911A-4429-A641-56511F94AE34}"/>
               </a:ext>
             </a:extLst>
           </p:cNvPr>
@@ -1678,7 +1677,7 @@
           <p:cNvPr id="5" name="Tijdelijke aanduiding voor tekst 4">
             <a:extLst>
               <a:ext uri="{FF2B5EF4-FFF2-40B4-BE49-F238E27FC236}">
-                <a16:creationId xmlns="" xmlns:a16="http://schemas.microsoft.com/office/drawing/2014/main" id="{719A6713-F0E0-40AB-A59E-49F09878FEB6}"/>
+                <a16:creationId xmlns:a16="http://schemas.microsoft.com/office/drawing/2014/main" xmlns="" id="{719A6713-F0E0-40AB-A59E-49F09878FEB6}"/>
               </a:ext>
             </a:extLst>
           </p:cNvPr>
@@ -1749,7 +1748,7 @@
           <p:cNvPr id="6" name="Tijdelijke aanduiding voor inhoud 5">
             <a:extLst>
               <a:ext uri="{FF2B5EF4-FFF2-40B4-BE49-F238E27FC236}">
-                <a16:creationId xmlns="" xmlns:a16="http://schemas.microsoft.com/office/drawing/2014/main" id="{C920DA29-52C0-41C1-B347-90F2C9400F3E}"/>
+                <a16:creationId xmlns:a16="http://schemas.microsoft.com/office/drawing/2014/main" xmlns="" id="{C920DA29-52C0-41C1-B347-90F2C9400F3E}"/>
               </a:ext>
             </a:extLst>
           </p:cNvPr>
@@ -1811,7 +1810,7 @@
           <p:cNvPr id="7" name="Tijdelijke aanduiding voor datum 6">
             <a:extLst>
               <a:ext uri="{FF2B5EF4-FFF2-40B4-BE49-F238E27FC236}">
-                <a16:creationId xmlns="" xmlns:a16="http://schemas.microsoft.com/office/drawing/2014/main" id="{8C0EFFE8-712A-45F8-8E44-FFE8CF661B83}"/>
+                <a16:creationId xmlns:a16="http://schemas.microsoft.com/office/drawing/2014/main" xmlns="" id="{8C0EFFE8-712A-45F8-8E44-FFE8CF661B83}"/>
               </a:ext>
             </a:extLst>
           </p:cNvPr>
@@ -1841,7 +1840,7 @@
           <p:cNvPr id="8" name="Tijdelijke aanduiding voor voettekst 7">
             <a:extLst>
               <a:ext uri="{FF2B5EF4-FFF2-40B4-BE49-F238E27FC236}">
-                <a16:creationId xmlns="" xmlns:a16="http://schemas.microsoft.com/office/drawing/2014/main" id="{707393AF-B4A9-4351-A40F-50118C94FFB4}"/>
+                <a16:creationId xmlns:a16="http://schemas.microsoft.com/office/drawing/2014/main" xmlns="" id="{707393AF-B4A9-4351-A40F-50118C94FFB4}"/>
               </a:ext>
             </a:extLst>
           </p:cNvPr>
@@ -1866,7 +1865,7 @@
           <p:cNvPr id="9" name="Tijdelijke aanduiding voor dianummer 8">
             <a:extLst>
               <a:ext uri="{FF2B5EF4-FFF2-40B4-BE49-F238E27FC236}">
-                <a16:creationId xmlns="" xmlns:a16="http://schemas.microsoft.com/office/drawing/2014/main" id="{AD5B9F79-2771-46B0-A531-43CC4F757865}"/>
+                <a16:creationId xmlns:a16="http://schemas.microsoft.com/office/drawing/2014/main" xmlns="" id="{AD5B9F79-2771-46B0-A531-43CC4F757865}"/>
               </a:ext>
             </a:extLst>
           </p:cNvPr>
@@ -1926,7 +1925,7 @@
           <p:cNvPr id="2" name="Titel 1">
             <a:extLst>
               <a:ext uri="{FF2B5EF4-FFF2-40B4-BE49-F238E27FC236}">
-                <a16:creationId xmlns="" xmlns:a16="http://schemas.microsoft.com/office/drawing/2014/main" id="{4E7337EC-1907-4F37-99F3-901F3BE41D1F}"/>
+                <a16:creationId xmlns:a16="http://schemas.microsoft.com/office/drawing/2014/main" xmlns="" id="{4E7337EC-1907-4F37-99F3-901F3BE41D1F}"/>
               </a:ext>
             </a:extLst>
           </p:cNvPr>
@@ -1954,7 +1953,7 @@
           <p:cNvPr id="3" name="Tijdelijke aanduiding voor datum 2">
             <a:extLst>
               <a:ext uri="{FF2B5EF4-FFF2-40B4-BE49-F238E27FC236}">
-                <a16:creationId xmlns="" xmlns:a16="http://schemas.microsoft.com/office/drawing/2014/main" id="{0D2E5F80-FF84-4F1C-92AC-EB22C4EFDEB3}"/>
+                <a16:creationId xmlns:a16="http://schemas.microsoft.com/office/drawing/2014/main" xmlns="" id="{0D2E5F80-FF84-4F1C-92AC-EB22C4EFDEB3}"/>
               </a:ext>
             </a:extLst>
           </p:cNvPr>
@@ -1984,7 +1983,7 @@
           <p:cNvPr id="4" name="Tijdelijke aanduiding voor voettekst 3">
             <a:extLst>
               <a:ext uri="{FF2B5EF4-FFF2-40B4-BE49-F238E27FC236}">
-                <a16:creationId xmlns="" xmlns:a16="http://schemas.microsoft.com/office/drawing/2014/main" id="{2D45D3C0-7BB6-4031-A805-56B2513F42F3}"/>
+                <a16:creationId xmlns:a16="http://schemas.microsoft.com/office/drawing/2014/main" xmlns="" id="{2D45D3C0-7BB6-4031-A805-56B2513F42F3}"/>
               </a:ext>
             </a:extLst>
           </p:cNvPr>
@@ -2009,7 +2008,7 @@
           <p:cNvPr id="5" name="Tijdelijke aanduiding voor dianummer 4">
             <a:extLst>
               <a:ext uri="{FF2B5EF4-FFF2-40B4-BE49-F238E27FC236}">
-                <a16:creationId xmlns="" xmlns:a16="http://schemas.microsoft.com/office/drawing/2014/main" id="{DA2BE903-22BF-4CEF-88FD-933D2CAFCA57}"/>
+                <a16:creationId xmlns:a16="http://schemas.microsoft.com/office/drawing/2014/main" xmlns="" id="{DA2BE903-22BF-4CEF-88FD-933D2CAFCA57}"/>
               </a:ext>
             </a:extLst>
           </p:cNvPr>
@@ -2069,7 +2068,7 @@
           <p:cNvPr id="2" name="Tijdelijke aanduiding voor datum 1">
             <a:extLst>
               <a:ext uri="{FF2B5EF4-FFF2-40B4-BE49-F238E27FC236}">
-                <a16:creationId xmlns="" xmlns:a16="http://schemas.microsoft.com/office/drawing/2014/main" id="{6FCDA235-3242-403B-A485-36B7AD8E1C39}"/>
+                <a16:creationId xmlns:a16="http://schemas.microsoft.com/office/drawing/2014/main" xmlns="" id="{6FCDA235-3242-403B-A485-36B7AD8E1C39}"/>
               </a:ext>
             </a:extLst>
           </p:cNvPr>
@@ -2099,7 +2098,7 @@
           <p:cNvPr id="3" name="Tijdelijke aanduiding voor voettekst 2">
             <a:extLst>
               <a:ext uri="{FF2B5EF4-FFF2-40B4-BE49-F238E27FC236}">
-                <a16:creationId xmlns="" xmlns:a16="http://schemas.microsoft.com/office/drawing/2014/main" id="{A75D1976-1CB9-48E7-9C11-87960D6E632C}"/>
+                <a16:creationId xmlns:a16="http://schemas.microsoft.com/office/drawing/2014/main" xmlns="" id="{A75D1976-1CB9-48E7-9C11-87960D6E632C}"/>
               </a:ext>
             </a:extLst>
           </p:cNvPr>
@@ -2124,7 +2123,7 @@
           <p:cNvPr id="4" name="Tijdelijke aanduiding voor dianummer 3">
             <a:extLst>
               <a:ext uri="{FF2B5EF4-FFF2-40B4-BE49-F238E27FC236}">
-                <a16:creationId xmlns="" xmlns:a16="http://schemas.microsoft.com/office/drawing/2014/main" id="{134A5D73-9591-4C49-92DA-172564BBF62F}"/>
+                <a16:creationId xmlns:a16="http://schemas.microsoft.com/office/drawing/2014/main" xmlns="" id="{134A5D73-9591-4C49-92DA-172564BBF62F}"/>
               </a:ext>
             </a:extLst>
           </p:cNvPr>
@@ -2184,7 +2183,7 @@
           <p:cNvPr id="2" name="Titel 1">
             <a:extLst>
               <a:ext uri="{FF2B5EF4-FFF2-40B4-BE49-F238E27FC236}">
-                <a16:creationId xmlns="" xmlns:a16="http://schemas.microsoft.com/office/drawing/2014/main" id="{7CF9EBF2-9E8A-476C-BC8A-02CD44989AD9}"/>
+                <a16:creationId xmlns:a16="http://schemas.microsoft.com/office/drawing/2014/main" xmlns="" id="{7CF9EBF2-9E8A-476C-BC8A-02CD44989AD9}"/>
               </a:ext>
             </a:extLst>
           </p:cNvPr>
@@ -2221,7 +2220,7 @@
           <p:cNvPr id="3" name="Tijdelijke aanduiding voor inhoud 2">
             <a:extLst>
               <a:ext uri="{FF2B5EF4-FFF2-40B4-BE49-F238E27FC236}">
-                <a16:creationId xmlns="" xmlns:a16="http://schemas.microsoft.com/office/drawing/2014/main" id="{081F15E5-A94C-4A05-918B-AC99C8EA0CB7}"/>
+                <a16:creationId xmlns:a16="http://schemas.microsoft.com/office/drawing/2014/main" xmlns="" id="{081F15E5-A94C-4A05-918B-AC99C8EA0CB7}"/>
               </a:ext>
             </a:extLst>
           </p:cNvPr>
@@ -2311,7 +2310,7 @@
           <p:cNvPr id="4" name="Tijdelijke aanduiding voor tekst 3">
             <a:extLst>
               <a:ext uri="{FF2B5EF4-FFF2-40B4-BE49-F238E27FC236}">
-                <a16:creationId xmlns="" xmlns:a16="http://schemas.microsoft.com/office/drawing/2014/main" id="{91275F6F-5CE8-40A9-902C-2803463710F2}"/>
+                <a16:creationId xmlns:a16="http://schemas.microsoft.com/office/drawing/2014/main" xmlns="" id="{91275F6F-5CE8-40A9-902C-2803463710F2}"/>
               </a:ext>
             </a:extLst>
           </p:cNvPr>
@@ -2382,7 +2381,7 @@
           <p:cNvPr id="5" name="Tijdelijke aanduiding voor datum 4">
             <a:extLst>
               <a:ext uri="{FF2B5EF4-FFF2-40B4-BE49-F238E27FC236}">
-                <a16:creationId xmlns="" xmlns:a16="http://schemas.microsoft.com/office/drawing/2014/main" id="{68FB0FC5-537D-441B-B077-1EB601C777AE}"/>
+                <a16:creationId xmlns:a16="http://schemas.microsoft.com/office/drawing/2014/main" xmlns="" id="{68FB0FC5-537D-441B-B077-1EB601C777AE}"/>
               </a:ext>
             </a:extLst>
           </p:cNvPr>
@@ -2412,7 +2411,7 @@
           <p:cNvPr id="6" name="Tijdelijke aanduiding voor voettekst 5">
             <a:extLst>
               <a:ext uri="{FF2B5EF4-FFF2-40B4-BE49-F238E27FC236}">
-                <a16:creationId xmlns="" xmlns:a16="http://schemas.microsoft.com/office/drawing/2014/main" id="{55AC121A-0493-418F-8DD7-2DA1EEB74DFF}"/>
+                <a16:creationId xmlns:a16="http://schemas.microsoft.com/office/drawing/2014/main" xmlns="" id="{55AC121A-0493-418F-8DD7-2DA1EEB74DFF}"/>
               </a:ext>
             </a:extLst>
           </p:cNvPr>
@@ -2437,7 +2436,7 @@
           <p:cNvPr id="7" name="Tijdelijke aanduiding voor dianummer 6">
             <a:extLst>
               <a:ext uri="{FF2B5EF4-FFF2-40B4-BE49-F238E27FC236}">
-                <a16:creationId xmlns="" xmlns:a16="http://schemas.microsoft.com/office/drawing/2014/main" id="{9E5BD7A4-C96F-485C-A127-6C55CD09868E}"/>
+                <a16:creationId xmlns:a16="http://schemas.microsoft.com/office/drawing/2014/main" xmlns="" id="{9E5BD7A4-C96F-485C-A127-6C55CD09868E}"/>
               </a:ext>
             </a:extLst>
           </p:cNvPr>
@@ -2497,7 +2496,7 @@
           <p:cNvPr id="2" name="Titel 1">
             <a:extLst>
               <a:ext uri="{FF2B5EF4-FFF2-40B4-BE49-F238E27FC236}">
-                <a16:creationId xmlns="" xmlns:a16="http://schemas.microsoft.com/office/drawing/2014/main" id="{391195BB-EA6C-4F56-A18C-2951B239D827}"/>
+                <a16:creationId xmlns:a16="http://schemas.microsoft.com/office/drawing/2014/main" xmlns="" id="{391195BB-EA6C-4F56-A18C-2951B239D827}"/>
               </a:ext>
             </a:extLst>
           </p:cNvPr>
@@ -2534,7 +2533,7 @@
           <p:cNvPr id="3" name="Tijdelijke aanduiding voor afbeelding 2">
             <a:extLst>
               <a:ext uri="{FF2B5EF4-FFF2-40B4-BE49-F238E27FC236}">
-                <a16:creationId xmlns="" xmlns:a16="http://schemas.microsoft.com/office/drawing/2014/main" id="{1EE97C47-A53A-4152-848A-0419C12AE634}"/>
+                <a16:creationId xmlns:a16="http://schemas.microsoft.com/office/drawing/2014/main" xmlns="" id="{1EE97C47-A53A-4152-848A-0419C12AE634}"/>
               </a:ext>
             </a:extLst>
           </p:cNvPr>
@@ -2601,7 +2600,7 @@
           <p:cNvPr id="4" name="Tijdelijke aanduiding voor tekst 3">
             <a:extLst>
               <a:ext uri="{FF2B5EF4-FFF2-40B4-BE49-F238E27FC236}">
-                <a16:creationId xmlns="" xmlns:a16="http://schemas.microsoft.com/office/drawing/2014/main" id="{4C380A8A-FCC0-4B2B-BCED-CC719F66356B}"/>
+                <a16:creationId xmlns:a16="http://schemas.microsoft.com/office/drawing/2014/main" xmlns="" id="{4C380A8A-FCC0-4B2B-BCED-CC719F66356B}"/>
               </a:ext>
             </a:extLst>
           </p:cNvPr>
@@ -2672,7 +2671,7 @@
           <p:cNvPr id="5" name="Tijdelijke aanduiding voor datum 4">
             <a:extLst>
               <a:ext uri="{FF2B5EF4-FFF2-40B4-BE49-F238E27FC236}">
-                <a16:creationId xmlns="" xmlns:a16="http://schemas.microsoft.com/office/drawing/2014/main" id="{EAA93FF3-9B86-461A-94CF-C0A759B7033D}"/>
+                <a16:creationId xmlns:a16="http://schemas.microsoft.com/office/drawing/2014/main" xmlns="" id="{EAA93FF3-9B86-461A-94CF-C0A759B7033D}"/>
               </a:ext>
             </a:extLst>
           </p:cNvPr>
@@ -2702,7 +2701,7 @@
           <p:cNvPr id="6" name="Tijdelijke aanduiding voor voettekst 5">
             <a:extLst>
               <a:ext uri="{FF2B5EF4-FFF2-40B4-BE49-F238E27FC236}">
-                <a16:creationId xmlns="" xmlns:a16="http://schemas.microsoft.com/office/drawing/2014/main" id="{504C81D0-3C70-46A3-A99B-4387DBE74182}"/>
+                <a16:creationId xmlns:a16="http://schemas.microsoft.com/office/drawing/2014/main" xmlns="" id="{504C81D0-3C70-46A3-A99B-4387DBE74182}"/>
               </a:ext>
             </a:extLst>
           </p:cNvPr>
@@ -2727,7 +2726,7 @@
           <p:cNvPr id="7" name="Tijdelijke aanduiding voor dianummer 6">
             <a:extLst>
               <a:ext uri="{FF2B5EF4-FFF2-40B4-BE49-F238E27FC236}">
-                <a16:creationId xmlns="" xmlns:a16="http://schemas.microsoft.com/office/drawing/2014/main" id="{2DAB8061-1297-4604-AA6D-50FA7517CB04}"/>
+                <a16:creationId xmlns:a16="http://schemas.microsoft.com/office/drawing/2014/main" xmlns="" id="{2DAB8061-1297-4604-AA6D-50FA7517CB04}"/>
               </a:ext>
             </a:extLst>
           </p:cNvPr>
@@ -2792,7 +2791,7 @@
           <p:cNvPr id="2" name="Tijdelijke aanduiding voor titel 1">
             <a:extLst>
               <a:ext uri="{FF2B5EF4-FFF2-40B4-BE49-F238E27FC236}">
-                <a16:creationId xmlns="" xmlns:a16="http://schemas.microsoft.com/office/drawing/2014/main" id="{D9186CB9-8C46-426D-863D-90A0E0FAEDE7}"/>
+                <a16:creationId xmlns:a16="http://schemas.microsoft.com/office/drawing/2014/main" xmlns="" id="{D9186CB9-8C46-426D-863D-90A0E0FAEDE7}"/>
               </a:ext>
             </a:extLst>
           </p:cNvPr>
@@ -2830,7 +2829,7 @@
           <p:cNvPr id="3" name="Tijdelijke aanduiding voor tekst 2">
             <a:extLst>
               <a:ext uri="{FF2B5EF4-FFF2-40B4-BE49-F238E27FC236}">
-                <a16:creationId xmlns="" xmlns:a16="http://schemas.microsoft.com/office/drawing/2014/main" id="{983F2C53-486F-4745-AD46-503DCDC4D530}"/>
+                <a16:creationId xmlns:a16="http://schemas.microsoft.com/office/drawing/2014/main" xmlns="" id="{983F2C53-486F-4745-AD46-503DCDC4D530}"/>
               </a:ext>
             </a:extLst>
           </p:cNvPr>
@@ -2897,7 +2896,7 @@
           <p:cNvPr id="4" name="Tijdelijke aanduiding voor datum 3">
             <a:extLst>
               <a:ext uri="{FF2B5EF4-FFF2-40B4-BE49-F238E27FC236}">
-                <a16:creationId xmlns="" xmlns:a16="http://schemas.microsoft.com/office/drawing/2014/main" id="{14E5024D-7C9E-4730-908F-8CE183DB279E}"/>
+                <a16:creationId xmlns:a16="http://schemas.microsoft.com/office/drawing/2014/main" xmlns="" id="{14E5024D-7C9E-4730-908F-8CE183DB279E}"/>
               </a:ext>
             </a:extLst>
           </p:cNvPr>
@@ -2945,7 +2944,7 @@
           <p:cNvPr id="5" name="Tijdelijke aanduiding voor voettekst 4">
             <a:extLst>
               <a:ext uri="{FF2B5EF4-FFF2-40B4-BE49-F238E27FC236}">
-                <a16:creationId xmlns="" xmlns:a16="http://schemas.microsoft.com/office/drawing/2014/main" id="{CB4A9151-4DBA-4A6C-8967-EC70E0126234}"/>
+                <a16:creationId xmlns:a16="http://schemas.microsoft.com/office/drawing/2014/main" xmlns="" id="{CB4A9151-4DBA-4A6C-8967-EC70E0126234}"/>
               </a:ext>
             </a:extLst>
           </p:cNvPr>
@@ -2988,7 +2987,7 @@
           <p:cNvPr id="6" name="Tijdelijke aanduiding voor dianummer 5">
             <a:extLst>
               <a:ext uri="{FF2B5EF4-FFF2-40B4-BE49-F238E27FC236}">
-                <a16:creationId xmlns="" xmlns:a16="http://schemas.microsoft.com/office/drawing/2014/main" id="{E6582372-88AB-47F3-A35B-A8C86B2D9C2A}"/>
+                <a16:creationId xmlns:a16="http://schemas.microsoft.com/office/drawing/2014/main" xmlns="" id="{E6582372-88AB-47F3-A35B-A8C86B2D9C2A}"/>
               </a:ext>
             </a:extLst>
           </p:cNvPr>
@@ -3357,7 +3356,7 @@
           <p:cNvPr id="2" name="Titel 1">
             <a:extLst>
               <a:ext uri="{FF2B5EF4-FFF2-40B4-BE49-F238E27FC236}">
-                <a16:creationId xmlns="" xmlns:a16="http://schemas.microsoft.com/office/drawing/2014/main" id="{AE205A44-390E-455B-87E1-6D48C073A474}"/>
+                <a16:creationId xmlns:a16="http://schemas.microsoft.com/office/drawing/2014/main" xmlns="" id="{AE205A44-390E-455B-87E1-6D48C073A474}"/>
               </a:ext>
             </a:extLst>
           </p:cNvPr>
@@ -3397,7 +3396,7 @@
           <p:cNvPr id="3" name="Ondertitel 2">
             <a:extLst>
               <a:ext uri="{FF2B5EF4-FFF2-40B4-BE49-F238E27FC236}">
-                <a16:creationId xmlns="" xmlns:a16="http://schemas.microsoft.com/office/drawing/2014/main" id="{E24A4149-DFE7-4EE0-A98A-18326D7AD35D}"/>
+                <a16:creationId xmlns:a16="http://schemas.microsoft.com/office/drawing/2014/main" xmlns="" id="{E24A4149-DFE7-4EE0-A98A-18326D7AD35D}"/>
               </a:ext>
             </a:extLst>
           </p:cNvPr>
@@ -3430,6 +3429,13 @@
   <p:clrMapOvr>
     <a:masterClrMapping/>
   </p:clrMapOvr>
+  <p:timing>
+    <p:tnLst>
+      <p:par>
+        <p:cTn id="1" dur="indefinite" restart="never" nodeType="tmRoot"/>
+      </p:par>
+    </p:tnLst>
+  </p:timing>
 </p:sld>
 </file>
 
@@ -3455,7 +3461,7 @@
           <p:cNvPr id="2" name="Titel 1">
             <a:extLst>
               <a:ext uri="{FF2B5EF4-FFF2-40B4-BE49-F238E27FC236}">
-                <a16:creationId xmlns="" xmlns:a16="http://schemas.microsoft.com/office/drawing/2014/main" id="{769A96FB-BA26-47C0-85BC-9E5A44D94A65}"/>
+                <a16:creationId xmlns:a16="http://schemas.microsoft.com/office/drawing/2014/main" xmlns="" id="{769A96FB-BA26-47C0-85BC-9E5A44D94A65}"/>
               </a:ext>
             </a:extLst>
           </p:cNvPr>
@@ -3483,7 +3489,7 @@
           <p:cNvPr id="5" name="Tijdelijke aanduiding voor inhoud 4">
             <a:extLst>
               <a:ext uri="{FF2B5EF4-FFF2-40B4-BE49-F238E27FC236}">
-                <a16:creationId xmlns="" xmlns:a16="http://schemas.microsoft.com/office/drawing/2014/main" id="{82F9B9FE-1870-4902-A7DB-4B27D59D2B2B}"/>
+                <a16:creationId xmlns:a16="http://schemas.microsoft.com/office/drawing/2014/main" xmlns="" id="{82F9B9FE-1870-4902-A7DB-4B27D59D2B2B}"/>
               </a:ext>
             </a:extLst>
           </p:cNvPr>
@@ -3518,7 +3524,7 @@
           <p:cNvPr id="6" name="Tekstvak 5">
             <a:extLst>
               <a:ext uri="{FF2B5EF4-FFF2-40B4-BE49-F238E27FC236}">
-                <a16:creationId xmlns="" xmlns:a16="http://schemas.microsoft.com/office/drawing/2014/main" id="{D8F2D3D1-1FE8-4AA0-B6C8-D7E88097CE04}"/>
+                <a16:creationId xmlns:a16="http://schemas.microsoft.com/office/drawing/2014/main" xmlns="" id="{D8F2D3D1-1FE8-4AA0-B6C8-D7E88097CE04}"/>
               </a:ext>
             </a:extLst>
           </p:cNvPr>
@@ -3554,7 +3560,7 @@
           <p:cNvPr id="8" name="Afbeelding 7">
             <a:extLst>
               <a:ext uri="{FF2B5EF4-FFF2-40B4-BE49-F238E27FC236}">
-                <a16:creationId xmlns="" xmlns:a16="http://schemas.microsoft.com/office/drawing/2014/main" id="{819AAC82-0B32-4FA7-B311-90C90A003DAD}"/>
+                <a16:creationId xmlns:a16="http://schemas.microsoft.com/office/drawing/2014/main" xmlns="" id="{819AAC82-0B32-4FA7-B311-90C90A003DAD}"/>
               </a:ext>
             </a:extLst>
           </p:cNvPr>
@@ -3589,7 +3595,7 @@
           <p:cNvPr id="11" name="Pijl: rechts 10">
             <a:extLst>
               <a:ext uri="{FF2B5EF4-FFF2-40B4-BE49-F238E27FC236}">
-                <a16:creationId xmlns="" xmlns:a16="http://schemas.microsoft.com/office/drawing/2014/main" id="{C3B3C454-C61F-4642-AC5E-175E78B46E93}"/>
+                <a16:creationId xmlns:a16="http://schemas.microsoft.com/office/drawing/2014/main" xmlns="" id="{C3B3C454-C61F-4642-AC5E-175E78B46E93}"/>
               </a:ext>
             </a:extLst>
           </p:cNvPr>
@@ -3635,7 +3641,7 @@
           <p:cNvPr id="12" name="Tekstvak 11">
             <a:extLst>
               <a:ext uri="{FF2B5EF4-FFF2-40B4-BE49-F238E27FC236}">
-                <a16:creationId xmlns="" xmlns:a16="http://schemas.microsoft.com/office/drawing/2014/main" id="{1AF95B95-DF37-4511-BC26-2A337B82EADC}"/>
+                <a16:creationId xmlns:a16="http://schemas.microsoft.com/office/drawing/2014/main" xmlns="" id="{1AF95B95-DF37-4511-BC26-2A337B82EADC}"/>
               </a:ext>
             </a:extLst>
           </p:cNvPr>
@@ -3670,7 +3676,7 @@
           <p:cNvPr id="9" name="Afbeelding 8">
             <a:extLst>
               <a:ext uri="{FF2B5EF4-FFF2-40B4-BE49-F238E27FC236}">
-                <a16:creationId xmlns="" xmlns:a16="http://schemas.microsoft.com/office/drawing/2014/main" id="{1B858127-D2F6-4D2B-B5A9-94CF7612B179}"/>
+                <a16:creationId xmlns:a16="http://schemas.microsoft.com/office/drawing/2014/main" xmlns="" id="{1B858127-D2F6-4D2B-B5A9-94CF7612B179}"/>
               </a:ext>
             </a:extLst>
           </p:cNvPr>
@@ -3706,7 +3712,7 @@
           <p:cNvPr id="10" name="Pijl: rechts 9">
             <a:extLst>
               <a:ext uri="{FF2B5EF4-FFF2-40B4-BE49-F238E27FC236}">
-                <a16:creationId xmlns="" xmlns:a16="http://schemas.microsoft.com/office/drawing/2014/main" id="{13F3850F-71EA-4741-A182-94C4C2F636F5}"/>
+                <a16:creationId xmlns:a16="http://schemas.microsoft.com/office/drawing/2014/main" xmlns="" id="{13F3850F-71EA-4741-A182-94C4C2F636F5}"/>
               </a:ext>
             </a:extLst>
           </p:cNvPr>
@@ -3757,6 +3763,13 @@
   <p:clrMapOvr>
     <a:masterClrMapping/>
   </p:clrMapOvr>
+  <p:timing>
+    <p:tnLst>
+      <p:par>
+        <p:cTn id="1" dur="indefinite" restart="never" nodeType="tmRoot"/>
+      </p:par>
+    </p:tnLst>
+  </p:timing>
 </p:sld>
 </file>
 
@@ -3782,7 +3795,7 @@
           <p:cNvPr id="2" name="Titel 1">
             <a:extLst>
               <a:ext uri="{FF2B5EF4-FFF2-40B4-BE49-F238E27FC236}">
-                <a16:creationId xmlns="" xmlns:a16="http://schemas.microsoft.com/office/drawing/2014/main" id="{769A96FB-BA26-47C0-85BC-9E5A44D94A65}"/>
+                <a16:creationId xmlns:a16="http://schemas.microsoft.com/office/drawing/2014/main" xmlns="" id="{769A96FB-BA26-47C0-85BC-9E5A44D94A65}"/>
               </a:ext>
             </a:extLst>
           </p:cNvPr>
@@ -3810,7 +3823,7 @@
           <p:cNvPr id="5" name="Tijdelijke aanduiding voor inhoud 4">
             <a:extLst>
               <a:ext uri="{FF2B5EF4-FFF2-40B4-BE49-F238E27FC236}">
-                <a16:creationId xmlns="" xmlns:a16="http://schemas.microsoft.com/office/drawing/2014/main" id="{82F9B9FE-1870-4902-A7DB-4B27D59D2B2B}"/>
+                <a16:creationId xmlns:a16="http://schemas.microsoft.com/office/drawing/2014/main" xmlns="" id="{82F9B9FE-1870-4902-A7DB-4B27D59D2B2B}"/>
               </a:ext>
             </a:extLst>
           </p:cNvPr>
@@ -3845,7 +3858,7 @@
           <p:cNvPr id="6" name="Tekstvak 5">
             <a:extLst>
               <a:ext uri="{FF2B5EF4-FFF2-40B4-BE49-F238E27FC236}">
-                <a16:creationId xmlns="" xmlns:a16="http://schemas.microsoft.com/office/drawing/2014/main" id="{D8F2D3D1-1FE8-4AA0-B6C8-D7E88097CE04}"/>
+                <a16:creationId xmlns:a16="http://schemas.microsoft.com/office/drawing/2014/main" xmlns="" id="{D8F2D3D1-1FE8-4AA0-B6C8-D7E88097CE04}"/>
               </a:ext>
             </a:extLst>
           </p:cNvPr>
@@ -3881,7 +3894,7 @@
           <p:cNvPr id="8" name="Afbeelding 7">
             <a:extLst>
               <a:ext uri="{FF2B5EF4-FFF2-40B4-BE49-F238E27FC236}">
-                <a16:creationId xmlns="" xmlns:a16="http://schemas.microsoft.com/office/drawing/2014/main" id="{819AAC82-0B32-4FA7-B311-90C90A003DAD}"/>
+                <a16:creationId xmlns:a16="http://schemas.microsoft.com/office/drawing/2014/main" xmlns="" id="{819AAC82-0B32-4FA7-B311-90C90A003DAD}"/>
               </a:ext>
             </a:extLst>
           </p:cNvPr>
@@ -3916,7 +3929,7 @@
           <p:cNvPr id="11" name="Pijl: rechts 10">
             <a:extLst>
               <a:ext uri="{FF2B5EF4-FFF2-40B4-BE49-F238E27FC236}">
-                <a16:creationId xmlns="" xmlns:a16="http://schemas.microsoft.com/office/drawing/2014/main" id="{C3B3C454-C61F-4642-AC5E-175E78B46E93}"/>
+                <a16:creationId xmlns:a16="http://schemas.microsoft.com/office/drawing/2014/main" xmlns="" id="{C3B3C454-C61F-4642-AC5E-175E78B46E93}"/>
               </a:ext>
             </a:extLst>
           </p:cNvPr>
@@ -3962,7 +3975,7 @@
           <p:cNvPr id="12" name="Tekstvak 11">
             <a:extLst>
               <a:ext uri="{FF2B5EF4-FFF2-40B4-BE49-F238E27FC236}">
-                <a16:creationId xmlns="" xmlns:a16="http://schemas.microsoft.com/office/drawing/2014/main" id="{1AF95B95-DF37-4511-BC26-2A337B82EADC}"/>
+                <a16:creationId xmlns:a16="http://schemas.microsoft.com/office/drawing/2014/main" xmlns="" id="{1AF95B95-DF37-4511-BC26-2A337B82EADC}"/>
               </a:ext>
             </a:extLst>
           </p:cNvPr>
@@ -3997,7 +4010,7 @@
           <p:cNvPr id="9" name="Afbeelding 8">
             <a:extLst>
               <a:ext uri="{FF2B5EF4-FFF2-40B4-BE49-F238E27FC236}">
-                <a16:creationId xmlns="" xmlns:a16="http://schemas.microsoft.com/office/drawing/2014/main" id="{1B858127-D2F6-4D2B-B5A9-94CF7612B179}"/>
+                <a16:creationId xmlns:a16="http://schemas.microsoft.com/office/drawing/2014/main" xmlns="" id="{1B858127-D2F6-4D2B-B5A9-94CF7612B179}"/>
               </a:ext>
             </a:extLst>
           </p:cNvPr>
@@ -4033,7 +4046,7 @@
           <p:cNvPr id="10" name="Pijl: rechts 9">
             <a:extLst>
               <a:ext uri="{FF2B5EF4-FFF2-40B4-BE49-F238E27FC236}">
-                <a16:creationId xmlns="" xmlns:a16="http://schemas.microsoft.com/office/drawing/2014/main" id="{13F3850F-71EA-4741-A182-94C4C2F636F5}"/>
+                <a16:creationId xmlns:a16="http://schemas.microsoft.com/office/drawing/2014/main" xmlns="" id="{13F3850F-71EA-4741-A182-94C4C2F636F5}"/>
               </a:ext>
             </a:extLst>
           </p:cNvPr>
@@ -4079,7 +4092,7 @@
           <p:cNvPr id="3" name="Ovaal 2">
             <a:extLst>
               <a:ext uri="{FF2B5EF4-FFF2-40B4-BE49-F238E27FC236}">
-                <a16:creationId xmlns="" xmlns:a16="http://schemas.microsoft.com/office/drawing/2014/main" id="{19B9F891-8EF8-44F6-B6ED-BB2422D771A3}"/>
+                <a16:creationId xmlns:a16="http://schemas.microsoft.com/office/drawing/2014/main" xmlns="" id="{19B9F891-8EF8-44F6-B6ED-BB2422D771A3}"/>
               </a:ext>
             </a:extLst>
           </p:cNvPr>
@@ -4128,7 +4141,7 @@
           <p:cNvPr id="13" name="Ovaal 12">
             <a:extLst>
               <a:ext uri="{FF2B5EF4-FFF2-40B4-BE49-F238E27FC236}">
-                <a16:creationId xmlns="" xmlns:a16="http://schemas.microsoft.com/office/drawing/2014/main" id="{24DD1F6E-573A-4E2D-8811-591CE94E629B}"/>
+                <a16:creationId xmlns:a16="http://schemas.microsoft.com/office/drawing/2014/main" xmlns="" id="{24DD1F6E-573A-4E2D-8811-591CE94E629B}"/>
               </a:ext>
             </a:extLst>
           </p:cNvPr>
@@ -4177,7 +4190,7 @@
           <p:cNvPr id="7" name="Rechte verbindingslijn met pijl 6">
             <a:extLst>
               <a:ext uri="{FF2B5EF4-FFF2-40B4-BE49-F238E27FC236}">
-                <a16:creationId xmlns="" xmlns:a16="http://schemas.microsoft.com/office/drawing/2014/main" id="{D5C82334-4E2E-4051-961A-F679B07C4F1F}"/>
+                <a16:creationId xmlns:a16="http://schemas.microsoft.com/office/drawing/2014/main" xmlns="" id="{D5C82334-4E2E-4051-961A-F679B07C4F1F}"/>
               </a:ext>
             </a:extLst>
           </p:cNvPr>
@@ -4219,7 +4232,7 @@
           <p:cNvPr id="16" name="Rechte verbindingslijn met pijl 15">
             <a:extLst>
               <a:ext uri="{FF2B5EF4-FFF2-40B4-BE49-F238E27FC236}">
-                <a16:creationId xmlns="" xmlns:a16="http://schemas.microsoft.com/office/drawing/2014/main" id="{705EA1F6-DA7E-4475-8576-E76A7C126F12}"/>
+                <a16:creationId xmlns:a16="http://schemas.microsoft.com/office/drawing/2014/main" xmlns="" id="{705EA1F6-DA7E-4475-8576-E76A7C126F12}"/>
               </a:ext>
             </a:extLst>
           </p:cNvPr>
@@ -4266,6 +4279,13 @@
   <p:clrMapOvr>
     <a:masterClrMapping/>
   </p:clrMapOvr>
+  <p:timing>
+    <p:tnLst>
+      <p:par>
+        <p:cTn id="1" dur="indefinite" restart="never" nodeType="tmRoot"/>
+      </p:par>
+    </p:tnLst>
+  </p:timing>
 </p:sld>
 </file>
 
@@ -4291,7 +4311,7 @@
           <p:cNvPr id="2" name="Titel 1">
             <a:extLst>
               <a:ext uri="{FF2B5EF4-FFF2-40B4-BE49-F238E27FC236}">
-                <a16:creationId xmlns="" xmlns:a16="http://schemas.microsoft.com/office/drawing/2014/main" id="{28AC7F7A-EB5E-48A2-A178-02E17BA194BE}"/>
+                <a16:creationId xmlns:a16="http://schemas.microsoft.com/office/drawing/2014/main" xmlns="" id="{28AC7F7A-EB5E-48A2-A178-02E17BA194BE}"/>
               </a:ext>
             </a:extLst>
           </p:cNvPr>
@@ -4336,7 +4356,7 @@
           <p:cNvPr id="4" name="Tijdelijke aanduiding voor inhoud 3">
             <a:extLst>
               <a:ext uri="{FF2B5EF4-FFF2-40B4-BE49-F238E27FC236}">
-                <a16:creationId xmlns="" xmlns:a16="http://schemas.microsoft.com/office/drawing/2014/main" id="{12A0C32B-A310-4B27-B6D9-73509A425B75}"/>
+                <a16:creationId xmlns:a16="http://schemas.microsoft.com/office/drawing/2014/main" xmlns="" id="{12A0C32B-A310-4B27-B6D9-73509A425B75}"/>
               </a:ext>
             </a:extLst>
           </p:cNvPr>
@@ -4372,6 +4392,13 @@
   <p:clrMapOvr>
     <a:masterClrMapping/>
   </p:clrMapOvr>
+  <p:timing>
+    <p:tnLst>
+      <p:par>
+        <p:cTn id="1" dur="indefinite" restart="never" nodeType="tmRoot"/>
+      </p:par>
+    </p:tnLst>
+  </p:timing>
 </p:sld>
 </file>
 
@@ -4450,49 +4477,75 @@
           <a:p>
             <a:pPr lvl="1"/>
             <a:r>
-              <a:rPr lang="en-US" dirty="0" err="1" smtClean="0"/>
+              <a:rPr lang="en-US" dirty="0" err="1"/>
               <a:t>Geen</a:t>
             </a:r>
             <a:r>
+              <a:rPr lang="en-US" dirty="0"/>
+              <a:t> </a:t>
+            </a:r>
+            <a:r>
+              <a:rPr lang="en-US" dirty="0" err="1"/>
+              <a:t>aminozuren</a:t>
+            </a:r>
+            <a:r>
+              <a:rPr lang="en-US" dirty="0"/>
+              <a:t> op </a:t>
+            </a:r>
+            <a:r>
+              <a:rPr lang="en-US" dirty="0" err="1"/>
+              <a:t>dezelfde</a:t>
+            </a:r>
+            <a:r>
+              <a:rPr lang="en-US" dirty="0"/>
+              <a:t> </a:t>
+            </a:r>
+            <a:r>
+              <a:rPr lang="en-US" dirty="0" err="1"/>
+              <a:t>plek</a:t>
+            </a:r>
+            <a:endParaRPr lang="en-US" dirty="0"/>
+          </a:p>
+          <a:p>
+            <a:pPr lvl="1"/>
+            <a:r>
+              <a:rPr lang="en-US" dirty="0"/>
+              <a:t>Hoek van 90 </a:t>
+            </a:r>
+            <a:r>
+              <a:rPr lang="en-US" dirty="0" err="1"/>
+              <a:t>graden</a:t>
+            </a:r>
+            <a:r>
+              <a:rPr lang="en-US" dirty="0"/>
+              <a:t> of </a:t>
+            </a:r>
+            <a:r>
+              <a:rPr lang="en-US" dirty="0" err="1"/>
+              <a:t>recht</a:t>
+            </a:r>
+            <a:endParaRPr lang="en-US" dirty="0"/>
+          </a:p>
+          <a:p>
+            <a:endParaRPr lang="en-US" dirty="0" smtClean="0"/>
+          </a:p>
+          <a:p>
+            <a:r>
               <a:rPr lang="en-US" dirty="0" smtClean="0"/>
-              <a:t> </a:t>
-            </a:r>
-            <a:r>
-              <a:rPr lang="en-US" dirty="0" err="1" smtClean="0"/>
-              <a:t>aminozuren</a:t>
-            </a:r>
-            <a:r>
-              <a:rPr lang="en-US" dirty="0" smtClean="0"/>
-              <a:t> op </a:t>
-            </a:r>
-            <a:r>
-              <a:rPr lang="en-US" dirty="0" err="1" smtClean="0"/>
-              <a:t>dezelfde</a:t>
-            </a:r>
-            <a:r>
-              <a:rPr lang="en-US" dirty="0" smtClean="0"/>
-              <a:t> </a:t>
-            </a:r>
-            <a:r>
-              <a:rPr lang="en-US" dirty="0" err="1" smtClean="0"/>
-              <a:t>plek</a:t>
+              <a:t>Upper/Lower Bound</a:t>
             </a:r>
             <a:endParaRPr lang="en-US" dirty="0" smtClean="0"/>
           </a:p>
           <a:p>
-            <a:pPr lvl="1"/>
-            <a:r>
-              <a:rPr lang="en-US" dirty="0" err="1" smtClean="0"/>
-              <a:t>Hoek</a:t>
-            </a:r>
-            <a:r>
-              <a:rPr lang="en-US" dirty="0" smtClean="0"/>
-              <a:t> van 180 of 90 </a:t>
-            </a:r>
-            <a:r>
-              <a:rPr lang="en-US" dirty="0" err="1" smtClean="0"/>
-              <a:t>graden</a:t>
-            </a:r>
+            <a:pPr marL="457200" lvl="1" indent="0">
+              <a:buNone/>
+            </a:pPr>
+            <a:endParaRPr lang="en-US" dirty="0" smtClean="0"/>
+          </a:p>
+          <a:p>
+            <a:pPr marL="457200" lvl="1" indent="0">
+              <a:buNone/>
+            </a:pPr>
             <a:endParaRPr lang="en-US" dirty="0"/>
           </a:p>
         </p:txBody>
@@ -4502,6 +4555,13 @@
   <p:clrMapOvr>
     <a:masterClrMapping/>
   </p:clrMapOvr>
+  <p:timing>
+    <p:tnLst>
+      <p:par>
+        <p:cTn id="1" dur="indefinite" restart="never" nodeType="tmRoot"/>
+      </p:par>
+    </p:tnLst>
+  </p:timing>
 </p:sld>
 </file>
 
@@ -4562,7 +4622,7 @@
         </p:blipFill>
         <p:spPr bwMode="auto">
           <a:xfrm>
-            <a:off x="968921" y="1750958"/>
+            <a:off x="951669" y="1750958"/>
             <a:ext cx="8206610" cy="3899414"/>
           </a:xfrm>
           <a:prstGeom prst="rect">
@@ -4582,6 +4642,13 @@
   <p:clrMapOvr>
     <a:masterClrMapping/>
   </p:clrMapOvr>
+  <p:timing>
+    <p:tnLst>
+      <p:par>
+        <p:cTn id="1" dur="indefinite" restart="never" nodeType="tmRoot"/>
+      </p:par>
+    </p:tnLst>
+  </p:timing>
 </p:sld>
 </file>
 
@@ -4696,77 +4763,13 @@
   <p:clrMapOvr>
     <a:masterClrMapping/>
   </p:clrMapOvr>
-</p:sld>
-</file>
-
-<file path=ppt/slides/slide8.xml><?xml version="1.0" encoding="utf-8"?>
-<p:sld xmlns:a="http://schemas.openxmlformats.org/drawingml/2006/main" xmlns:r="http://schemas.openxmlformats.org/officeDocument/2006/relationships" xmlns:p="http://schemas.openxmlformats.org/presentationml/2006/main">
-  <p:cSld>
-    <p:spTree>
-      <p:nvGrpSpPr>
-        <p:cNvPr id="1" name=""/>
-        <p:cNvGrpSpPr/>
-        <p:nvPr/>
-      </p:nvGrpSpPr>
-      <p:grpSpPr>
-        <a:xfrm>
-          <a:off x="0" y="0"/>
-          <a:ext cx="0" cy="0"/>
-          <a:chOff x="0" y="0"/>
-          <a:chExt cx="0" cy="0"/>
-        </a:xfrm>
-      </p:grpSpPr>
-      <p:pic>
-        <p:nvPicPr>
-          <p:cNvPr id="1026" name="Picture 2" descr="https://puu.sh/ylG7v/c5a04d6359.png"/>
-          <p:cNvPicPr>
-            <a:picLocks noChangeAspect="1" noChangeArrowheads="1"/>
-          </p:cNvPicPr>
-          <p:nvPr/>
-        </p:nvPicPr>
-        <p:blipFill>
-          <a:blip r:embed="rId2">
-            <a:extLst>
-              <a:ext uri="{28A0092B-C50C-407E-A947-70E740481C1C}">
-                <a14:useLocalDpi xmlns:a14="http://schemas.microsoft.com/office/drawing/2010/main" val="0"/>
-              </a:ext>
-            </a:extLst>
-          </a:blip>
-          <a:srcRect/>
-          <a:stretch>
-            <a:fillRect/>
-          </a:stretch>
-        </p:blipFill>
-        <p:spPr bwMode="auto">
-          <a:xfrm>
-            <a:off x="1837425" y="68600"/>
-            <a:ext cx="8394161" cy="6664346"/>
-          </a:xfrm>
-          <a:prstGeom prst="rect">
-            <a:avLst/>
-          </a:prstGeom>
-          <a:noFill/>
-          <a:extLst>
-            <a:ext uri="{909E8E84-426E-40DD-AFC4-6F175D3DCCD1}">
-              <a14:hiddenFill xmlns:a14="http://schemas.microsoft.com/office/drawing/2010/main">
-                <a:solidFill>
-                  <a:srgbClr val="FFFFFF"/>
-                </a:solidFill>
-              </a14:hiddenFill>
-            </a:ext>
-          </a:extLst>
-        </p:spPr>
-      </p:pic>
-    </p:spTree>
-    <p:extLst>
-      <p:ext uri="{BB962C8B-B14F-4D97-AF65-F5344CB8AC3E}">
-        <p14:creationId xmlns:p14="http://schemas.microsoft.com/office/powerpoint/2010/main" val="2282183706"/>
-      </p:ext>
-    </p:extLst>
-  </p:cSld>
-  <p:clrMapOvr>
-    <a:masterClrMapping/>
-  </p:clrMapOvr>
+  <p:timing>
+    <p:tnLst>
+      <p:par>
+        <p:cTn id="1" dur="indefinite" restart="never" nodeType="tmRoot"/>
+      </p:par>
+    </p:tnLst>
+  </p:timing>
 </p:sld>
 </file>
 
@@ -5059,7 +5062,7 @@
   <a:extraClrSchemeLst/>
   <a:extLst>
     <a:ext uri="{05A4C25C-085E-4340-85A3-A5531E510DB2}">
-      <thm15:themeFamily xmlns="" xmlns:thm15="http://schemas.microsoft.com/office/thememl/2012/main" name="Office Theme" id="{62F939B6-93AF-4DB8-9C6B-D6C7DFDC589F}" vid="{4A3C46E8-61CC-4603-A589-7422A47A8E4A}"/>
+      <thm15:themeFamily xmlns:thm15="http://schemas.microsoft.com/office/thememl/2012/main" xmlns="" name="Office Theme" id="{62F939B6-93AF-4DB8-9C6B-D6C7DFDC589F}" vid="{4A3C46E8-61CC-4603-A589-7422A47A8E4A}"/>
     </a:ext>
   </a:extLst>
 </a:theme>

--- a/Presentations/Proteasen - week 1.pptx
+++ b/Presentations/Proteasen - week 1.pptx
@@ -10,8 +10,9 @@
     <p:sldId id="263" r:id="rId4"/>
     <p:sldId id="260" r:id="rId5"/>
     <p:sldId id="266" r:id="rId6"/>
-    <p:sldId id="264" r:id="rId7"/>
-    <p:sldId id="265" r:id="rId8"/>
+    <p:sldId id="265" r:id="rId7"/>
+    <p:sldId id="267" r:id="rId8"/>
+    <p:sldId id="268" r:id="rId9"/>
   </p:sldIdLst>
   <p:sldSz cx="12192000" cy="6858000"/>
   <p:notesSz cx="6858000" cy="9144000"/>
@@ -135,7 +136,7 @@
           <p:cNvPr id="2" name="Titel 1">
             <a:extLst>
               <a:ext uri="{FF2B5EF4-FFF2-40B4-BE49-F238E27FC236}">
-                <a16:creationId xmlns:a16="http://schemas.microsoft.com/office/drawing/2014/main" xmlns="" id="{EFD99023-B551-45B8-A12C-2917446E04BE}"/>
+                <a16:creationId xmlns="" xmlns:a16="http://schemas.microsoft.com/office/drawing/2014/main" id="{EFD99023-B551-45B8-A12C-2917446E04BE}"/>
               </a:ext>
             </a:extLst>
           </p:cNvPr>
@@ -172,7 +173,7 @@
           <p:cNvPr id="3" name="Ondertitel 2">
             <a:extLst>
               <a:ext uri="{FF2B5EF4-FFF2-40B4-BE49-F238E27FC236}">
-                <a16:creationId xmlns:a16="http://schemas.microsoft.com/office/drawing/2014/main" xmlns="" id="{2E009DEA-736C-495D-A0BD-D3CB755CD810}"/>
+                <a16:creationId xmlns="" xmlns:a16="http://schemas.microsoft.com/office/drawing/2014/main" id="{2E009DEA-736C-495D-A0BD-D3CB755CD810}"/>
               </a:ext>
             </a:extLst>
           </p:cNvPr>
@@ -242,7 +243,7 @@
           <p:cNvPr id="4" name="Tijdelijke aanduiding voor datum 3">
             <a:extLst>
               <a:ext uri="{FF2B5EF4-FFF2-40B4-BE49-F238E27FC236}">
-                <a16:creationId xmlns:a16="http://schemas.microsoft.com/office/drawing/2014/main" xmlns="" id="{67209F8F-9D5D-4D9E-AC0A-70E79D66B973}"/>
+                <a16:creationId xmlns="" xmlns:a16="http://schemas.microsoft.com/office/drawing/2014/main" id="{67209F8F-9D5D-4D9E-AC0A-70E79D66B973}"/>
               </a:ext>
             </a:extLst>
           </p:cNvPr>
@@ -261,7 +262,7 @@
             <a:fld id="{ADE4902F-FBEA-4B35-9D62-082FA2608761}" type="datetimeFigureOut">
               <a:rPr lang="nl-NL" smtClean="0"/>
               <a:pPr/>
-              <a:t>14-11-2017</a:t>
+              <a:t>4-12-2017</a:t>
             </a:fld>
             <a:endParaRPr lang="nl-NL"/>
           </a:p>
@@ -272,7 +273,7 @@
           <p:cNvPr id="5" name="Tijdelijke aanduiding voor voettekst 4">
             <a:extLst>
               <a:ext uri="{FF2B5EF4-FFF2-40B4-BE49-F238E27FC236}">
-                <a16:creationId xmlns:a16="http://schemas.microsoft.com/office/drawing/2014/main" xmlns="" id="{54E64078-7028-4A61-9D1A-E34F5B16D07A}"/>
+                <a16:creationId xmlns="" xmlns:a16="http://schemas.microsoft.com/office/drawing/2014/main" id="{54E64078-7028-4A61-9D1A-E34F5B16D07A}"/>
               </a:ext>
             </a:extLst>
           </p:cNvPr>
@@ -297,7 +298,7 @@
           <p:cNvPr id="6" name="Tijdelijke aanduiding voor dianummer 5">
             <a:extLst>
               <a:ext uri="{FF2B5EF4-FFF2-40B4-BE49-F238E27FC236}">
-                <a16:creationId xmlns:a16="http://schemas.microsoft.com/office/drawing/2014/main" xmlns="" id="{F94CF3BC-A337-46FC-9ED2-A70F074C57CD}"/>
+                <a16:creationId xmlns="" xmlns:a16="http://schemas.microsoft.com/office/drawing/2014/main" id="{F94CF3BC-A337-46FC-9ED2-A70F074C57CD}"/>
               </a:ext>
             </a:extLst>
           </p:cNvPr>
@@ -316,7 +317,7 @@
             <a:fld id="{1C1C122E-05CA-4289-A26B-D14C5EAD5EFF}" type="slidenum">
               <a:rPr lang="nl-NL" smtClean="0"/>
               <a:pPr/>
-              <a:t>‹#›</a:t>
+              <a:t>‹nr.›</a:t>
             </a:fld>
             <a:endParaRPr lang="nl-NL"/>
           </a:p>
@@ -325,7 +326,7 @@
     </p:spTree>
     <p:extLst>
       <p:ext uri="{BB962C8B-B14F-4D97-AF65-F5344CB8AC3E}">
-        <p14:creationId xmlns:p14="http://schemas.microsoft.com/office/powerpoint/2010/main" val="3805358241"/>
+        <p14:creationId xmlns:p14="http://schemas.microsoft.com/office/powerpoint/2010/main" xmlns="" val="3805358241"/>
       </p:ext>
     </p:extLst>
   </p:cSld>
@@ -357,7 +358,7 @@
           <p:cNvPr id="2" name="Titel 1">
             <a:extLst>
               <a:ext uri="{FF2B5EF4-FFF2-40B4-BE49-F238E27FC236}">
-                <a16:creationId xmlns:a16="http://schemas.microsoft.com/office/drawing/2014/main" xmlns="" id="{A0360AC8-B78F-4264-BCDD-ACDC27E57432}"/>
+                <a16:creationId xmlns="" xmlns:a16="http://schemas.microsoft.com/office/drawing/2014/main" id="{A0360AC8-B78F-4264-BCDD-ACDC27E57432}"/>
               </a:ext>
             </a:extLst>
           </p:cNvPr>
@@ -385,7 +386,7 @@
           <p:cNvPr id="3" name="Tijdelijke aanduiding voor verticale tekst 2">
             <a:extLst>
               <a:ext uri="{FF2B5EF4-FFF2-40B4-BE49-F238E27FC236}">
-                <a16:creationId xmlns:a16="http://schemas.microsoft.com/office/drawing/2014/main" xmlns="" id="{CBC2C12D-CEBD-47C9-B6B8-76D5A5B9B46B}"/>
+                <a16:creationId xmlns="" xmlns:a16="http://schemas.microsoft.com/office/drawing/2014/main" id="{CBC2C12D-CEBD-47C9-B6B8-76D5A5B9B46B}"/>
               </a:ext>
             </a:extLst>
           </p:cNvPr>
@@ -442,7 +443,7 @@
           <p:cNvPr id="4" name="Tijdelijke aanduiding voor datum 3">
             <a:extLst>
               <a:ext uri="{FF2B5EF4-FFF2-40B4-BE49-F238E27FC236}">
-                <a16:creationId xmlns:a16="http://schemas.microsoft.com/office/drawing/2014/main" xmlns="" id="{99C3A252-6B99-4635-BB91-A7D08534575D}"/>
+                <a16:creationId xmlns="" xmlns:a16="http://schemas.microsoft.com/office/drawing/2014/main" id="{99C3A252-6B99-4635-BB91-A7D08534575D}"/>
               </a:ext>
             </a:extLst>
           </p:cNvPr>
@@ -461,7 +462,7 @@
             <a:fld id="{ADE4902F-FBEA-4B35-9D62-082FA2608761}" type="datetimeFigureOut">
               <a:rPr lang="nl-NL" smtClean="0"/>
               <a:pPr/>
-              <a:t>14-11-2017</a:t>
+              <a:t>4-12-2017</a:t>
             </a:fld>
             <a:endParaRPr lang="nl-NL"/>
           </a:p>
@@ -472,7 +473,7 @@
           <p:cNvPr id="5" name="Tijdelijke aanduiding voor voettekst 4">
             <a:extLst>
               <a:ext uri="{FF2B5EF4-FFF2-40B4-BE49-F238E27FC236}">
-                <a16:creationId xmlns:a16="http://schemas.microsoft.com/office/drawing/2014/main" xmlns="" id="{55C44EC4-4316-439A-80F3-5CF8FA8B9E4D}"/>
+                <a16:creationId xmlns="" xmlns:a16="http://schemas.microsoft.com/office/drawing/2014/main" id="{55C44EC4-4316-439A-80F3-5CF8FA8B9E4D}"/>
               </a:ext>
             </a:extLst>
           </p:cNvPr>
@@ -497,7 +498,7 @@
           <p:cNvPr id="6" name="Tijdelijke aanduiding voor dianummer 5">
             <a:extLst>
               <a:ext uri="{FF2B5EF4-FFF2-40B4-BE49-F238E27FC236}">
-                <a16:creationId xmlns:a16="http://schemas.microsoft.com/office/drawing/2014/main" xmlns="" id="{51651B2C-E2E2-469B-9BC0-4F51A8AB8FCF}"/>
+                <a16:creationId xmlns="" xmlns:a16="http://schemas.microsoft.com/office/drawing/2014/main" id="{51651B2C-E2E2-469B-9BC0-4F51A8AB8FCF}"/>
               </a:ext>
             </a:extLst>
           </p:cNvPr>
@@ -516,7 +517,7 @@
             <a:fld id="{1C1C122E-05CA-4289-A26B-D14C5EAD5EFF}" type="slidenum">
               <a:rPr lang="nl-NL" smtClean="0"/>
               <a:pPr/>
-              <a:t>‹#›</a:t>
+              <a:t>‹nr.›</a:t>
             </a:fld>
             <a:endParaRPr lang="nl-NL"/>
           </a:p>
@@ -525,7 +526,7 @@
     </p:spTree>
     <p:extLst>
       <p:ext uri="{BB962C8B-B14F-4D97-AF65-F5344CB8AC3E}">
-        <p14:creationId xmlns:p14="http://schemas.microsoft.com/office/powerpoint/2010/main" val="3203477417"/>
+        <p14:creationId xmlns:p14="http://schemas.microsoft.com/office/powerpoint/2010/main" xmlns="" val="3203477417"/>
       </p:ext>
     </p:extLst>
   </p:cSld>
@@ -557,7 +558,7 @@
           <p:cNvPr id="2" name="Verticale titel 1">
             <a:extLst>
               <a:ext uri="{FF2B5EF4-FFF2-40B4-BE49-F238E27FC236}">
-                <a16:creationId xmlns:a16="http://schemas.microsoft.com/office/drawing/2014/main" xmlns="" id="{A8495113-02DB-4A72-A690-2DCF724F608D}"/>
+                <a16:creationId xmlns="" xmlns:a16="http://schemas.microsoft.com/office/drawing/2014/main" id="{A8495113-02DB-4A72-A690-2DCF724F608D}"/>
               </a:ext>
             </a:extLst>
           </p:cNvPr>
@@ -590,7 +591,7 @@
           <p:cNvPr id="3" name="Tijdelijke aanduiding voor verticale tekst 2">
             <a:extLst>
               <a:ext uri="{FF2B5EF4-FFF2-40B4-BE49-F238E27FC236}">
-                <a16:creationId xmlns:a16="http://schemas.microsoft.com/office/drawing/2014/main" xmlns="" id="{C31B8AC1-42B5-4119-AC97-D81F532327F3}"/>
+                <a16:creationId xmlns="" xmlns:a16="http://schemas.microsoft.com/office/drawing/2014/main" id="{C31B8AC1-42B5-4119-AC97-D81F532327F3}"/>
               </a:ext>
             </a:extLst>
           </p:cNvPr>
@@ -652,7 +653,7 @@
           <p:cNvPr id="4" name="Tijdelijke aanduiding voor datum 3">
             <a:extLst>
               <a:ext uri="{FF2B5EF4-FFF2-40B4-BE49-F238E27FC236}">
-                <a16:creationId xmlns:a16="http://schemas.microsoft.com/office/drawing/2014/main" xmlns="" id="{C56E96B1-1940-4306-AE29-87A98AD3166A}"/>
+                <a16:creationId xmlns="" xmlns:a16="http://schemas.microsoft.com/office/drawing/2014/main" id="{C56E96B1-1940-4306-AE29-87A98AD3166A}"/>
               </a:ext>
             </a:extLst>
           </p:cNvPr>
@@ -671,7 +672,7 @@
             <a:fld id="{ADE4902F-FBEA-4B35-9D62-082FA2608761}" type="datetimeFigureOut">
               <a:rPr lang="nl-NL" smtClean="0"/>
               <a:pPr/>
-              <a:t>14-11-2017</a:t>
+              <a:t>4-12-2017</a:t>
             </a:fld>
             <a:endParaRPr lang="nl-NL"/>
           </a:p>
@@ -682,7 +683,7 @@
           <p:cNvPr id="5" name="Tijdelijke aanduiding voor voettekst 4">
             <a:extLst>
               <a:ext uri="{FF2B5EF4-FFF2-40B4-BE49-F238E27FC236}">
-                <a16:creationId xmlns:a16="http://schemas.microsoft.com/office/drawing/2014/main" xmlns="" id="{A5988C8F-FC0C-4CBE-BA17-CA0DFB99C566}"/>
+                <a16:creationId xmlns="" xmlns:a16="http://schemas.microsoft.com/office/drawing/2014/main" id="{A5988C8F-FC0C-4CBE-BA17-CA0DFB99C566}"/>
               </a:ext>
             </a:extLst>
           </p:cNvPr>
@@ -707,7 +708,7 @@
           <p:cNvPr id="6" name="Tijdelijke aanduiding voor dianummer 5">
             <a:extLst>
               <a:ext uri="{FF2B5EF4-FFF2-40B4-BE49-F238E27FC236}">
-                <a16:creationId xmlns:a16="http://schemas.microsoft.com/office/drawing/2014/main" xmlns="" id="{5965722C-5852-44DE-9F55-897A005A5E6B}"/>
+                <a16:creationId xmlns="" xmlns:a16="http://schemas.microsoft.com/office/drawing/2014/main" id="{5965722C-5852-44DE-9F55-897A005A5E6B}"/>
               </a:ext>
             </a:extLst>
           </p:cNvPr>
@@ -726,7 +727,7 @@
             <a:fld id="{1C1C122E-05CA-4289-A26B-D14C5EAD5EFF}" type="slidenum">
               <a:rPr lang="nl-NL" smtClean="0"/>
               <a:pPr/>
-              <a:t>‹#›</a:t>
+              <a:t>‹nr.›</a:t>
             </a:fld>
             <a:endParaRPr lang="nl-NL"/>
           </a:p>
@@ -735,7 +736,7 @@
     </p:spTree>
     <p:extLst>
       <p:ext uri="{BB962C8B-B14F-4D97-AF65-F5344CB8AC3E}">
-        <p14:creationId xmlns:p14="http://schemas.microsoft.com/office/powerpoint/2010/main" val="1094053022"/>
+        <p14:creationId xmlns:p14="http://schemas.microsoft.com/office/powerpoint/2010/main" xmlns="" val="1094053022"/>
       </p:ext>
     </p:extLst>
   </p:cSld>
@@ -767,7 +768,7 @@
           <p:cNvPr id="2" name="Titel 1">
             <a:extLst>
               <a:ext uri="{FF2B5EF4-FFF2-40B4-BE49-F238E27FC236}">
-                <a16:creationId xmlns:a16="http://schemas.microsoft.com/office/drawing/2014/main" xmlns="" id="{016A3A2C-E9A1-46E3-B56B-6107511A4824}"/>
+                <a16:creationId xmlns="" xmlns:a16="http://schemas.microsoft.com/office/drawing/2014/main" id="{016A3A2C-E9A1-46E3-B56B-6107511A4824}"/>
               </a:ext>
             </a:extLst>
           </p:cNvPr>
@@ -795,7 +796,7 @@
           <p:cNvPr id="3" name="Tijdelijke aanduiding voor inhoud 2">
             <a:extLst>
               <a:ext uri="{FF2B5EF4-FFF2-40B4-BE49-F238E27FC236}">
-                <a16:creationId xmlns:a16="http://schemas.microsoft.com/office/drawing/2014/main" xmlns="" id="{3767E90F-0F89-4A06-B8E9-1CDE6F03C9ED}"/>
+                <a16:creationId xmlns="" xmlns:a16="http://schemas.microsoft.com/office/drawing/2014/main" id="{3767E90F-0F89-4A06-B8E9-1CDE6F03C9ED}"/>
               </a:ext>
             </a:extLst>
           </p:cNvPr>
@@ -852,7 +853,7 @@
           <p:cNvPr id="4" name="Tijdelijke aanduiding voor datum 3">
             <a:extLst>
               <a:ext uri="{FF2B5EF4-FFF2-40B4-BE49-F238E27FC236}">
-                <a16:creationId xmlns:a16="http://schemas.microsoft.com/office/drawing/2014/main" xmlns="" id="{03A33B9D-72AD-41A2-B2D2-DD46DAD7D7DC}"/>
+                <a16:creationId xmlns="" xmlns:a16="http://schemas.microsoft.com/office/drawing/2014/main" id="{03A33B9D-72AD-41A2-B2D2-DD46DAD7D7DC}"/>
               </a:ext>
             </a:extLst>
           </p:cNvPr>
@@ -871,7 +872,7 @@
             <a:fld id="{ADE4902F-FBEA-4B35-9D62-082FA2608761}" type="datetimeFigureOut">
               <a:rPr lang="nl-NL" smtClean="0"/>
               <a:pPr/>
-              <a:t>14-11-2017</a:t>
+              <a:t>4-12-2017</a:t>
             </a:fld>
             <a:endParaRPr lang="nl-NL"/>
           </a:p>
@@ -882,7 +883,7 @@
           <p:cNvPr id="5" name="Tijdelijke aanduiding voor voettekst 4">
             <a:extLst>
               <a:ext uri="{FF2B5EF4-FFF2-40B4-BE49-F238E27FC236}">
-                <a16:creationId xmlns:a16="http://schemas.microsoft.com/office/drawing/2014/main" xmlns="" id="{B66C81FA-DFF3-464A-B628-347A5430C915}"/>
+                <a16:creationId xmlns="" xmlns:a16="http://schemas.microsoft.com/office/drawing/2014/main" id="{B66C81FA-DFF3-464A-B628-347A5430C915}"/>
               </a:ext>
             </a:extLst>
           </p:cNvPr>
@@ -907,7 +908,7 @@
           <p:cNvPr id="6" name="Tijdelijke aanduiding voor dianummer 5">
             <a:extLst>
               <a:ext uri="{FF2B5EF4-FFF2-40B4-BE49-F238E27FC236}">
-                <a16:creationId xmlns:a16="http://schemas.microsoft.com/office/drawing/2014/main" xmlns="" id="{CCA4C3AF-1A2F-4B35-ADA6-C3C3322C3EFE}"/>
+                <a16:creationId xmlns="" xmlns:a16="http://schemas.microsoft.com/office/drawing/2014/main" id="{CCA4C3AF-1A2F-4B35-ADA6-C3C3322C3EFE}"/>
               </a:ext>
             </a:extLst>
           </p:cNvPr>
@@ -926,7 +927,7 @@
             <a:fld id="{1C1C122E-05CA-4289-A26B-D14C5EAD5EFF}" type="slidenum">
               <a:rPr lang="nl-NL" smtClean="0"/>
               <a:pPr/>
-              <a:t>‹#›</a:t>
+              <a:t>‹nr.›</a:t>
             </a:fld>
             <a:endParaRPr lang="nl-NL"/>
           </a:p>
@@ -935,7 +936,7 @@
     </p:spTree>
     <p:extLst>
       <p:ext uri="{BB962C8B-B14F-4D97-AF65-F5344CB8AC3E}">
-        <p14:creationId xmlns:p14="http://schemas.microsoft.com/office/powerpoint/2010/main" val="1515944853"/>
+        <p14:creationId xmlns:p14="http://schemas.microsoft.com/office/powerpoint/2010/main" xmlns="" val="1515944853"/>
       </p:ext>
     </p:extLst>
   </p:cSld>
@@ -967,7 +968,7 @@
           <p:cNvPr id="2" name="Titel 1">
             <a:extLst>
               <a:ext uri="{FF2B5EF4-FFF2-40B4-BE49-F238E27FC236}">
-                <a16:creationId xmlns:a16="http://schemas.microsoft.com/office/drawing/2014/main" xmlns="" id="{07CEC788-F9AF-4924-B3FC-70812FE0AB92}"/>
+                <a16:creationId xmlns="" xmlns:a16="http://schemas.microsoft.com/office/drawing/2014/main" id="{07CEC788-F9AF-4924-B3FC-70812FE0AB92}"/>
               </a:ext>
             </a:extLst>
           </p:cNvPr>
@@ -1004,7 +1005,7 @@
           <p:cNvPr id="3" name="Tijdelijke aanduiding voor tekst 2">
             <a:extLst>
               <a:ext uri="{FF2B5EF4-FFF2-40B4-BE49-F238E27FC236}">
-                <a16:creationId xmlns:a16="http://schemas.microsoft.com/office/drawing/2014/main" xmlns="" id="{259BBFA2-C0C3-4F5C-8BAF-0B57144C20E3}"/>
+                <a16:creationId xmlns="" xmlns:a16="http://schemas.microsoft.com/office/drawing/2014/main" id="{259BBFA2-C0C3-4F5C-8BAF-0B57144C20E3}"/>
               </a:ext>
             </a:extLst>
           </p:cNvPr>
@@ -1129,7 +1130,7 @@
           <p:cNvPr id="4" name="Tijdelijke aanduiding voor datum 3">
             <a:extLst>
               <a:ext uri="{FF2B5EF4-FFF2-40B4-BE49-F238E27FC236}">
-                <a16:creationId xmlns:a16="http://schemas.microsoft.com/office/drawing/2014/main" xmlns="" id="{8631F680-A0FA-4DD5-978B-B3C3DC404E65}"/>
+                <a16:creationId xmlns="" xmlns:a16="http://schemas.microsoft.com/office/drawing/2014/main" id="{8631F680-A0FA-4DD5-978B-B3C3DC404E65}"/>
               </a:ext>
             </a:extLst>
           </p:cNvPr>
@@ -1148,7 +1149,7 @@
             <a:fld id="{ADE4902F-FBEA-4B35-9D62-082FA2608761}" type="datetimeFigureOut">
               <a:rPr lang="nl-NL" smtClean="0"/>
               <a:pPr/>
-              <a:t>14-11-2017</a:t>
+              <a:t>4-12-2017</a:t>
             </a:fld>
             <a:endParaRPr lang="nl-NL"/>
           </a:p>
@@ -1159,7 +1160,7 @@
           <p:cNvPr id="5" name="Tijdelijke aanduiding voor voettekst 4">
             <a:extLst>
               <a:ext uri="{FF2B5EF4-FFF2-40B4-BE49-F238E27FC236}">
-                <a16:creationId xmlns:a16="http://schemas.microsoft.com/office/drawing/2014/main" xmlns="" id="{7F1F8561-6E64-42ED-8CB5-A7BBAFAFCF46}"/>
+                <a16:creationId xmlns="" xmlns:a16="http://schemas.microsoft.com/office/drawing/2014/main" id="{7F1F8561-6E64-42ED-8CB5-A7BBAFAFCF46}"/>
               </a:ext>
             </a:extLst>
           </p:cNvPr>
@@ -1184,7 +1185,7 @@
           <p:cNvPr id="6" name="Tijdelijke aanduiding voor dianummer 5">
             <a:extLst>
               <a:ext uri="{FF2B5EF4-FFF2-40B4-BE49-F238E27FC236}">
-                <a16:creationId xmlns:a16="http://schemas.microsoft.com/office/drawing/2014/main" xmlns="" id="{BE90B6D3-0E9B-4F75-9578-944B4C631782}"/>
+                <a16:creationId xmlns="" xmlns:a16="http://schemas.microsoft.com/office/drawing/2014/main" id="{BE90B6D3-0E9B-4F75-9578-944B4C631782}"/>
               </a:ext>
             </a:extLst>
           </p:cNvPr>
@@ -1203,7 +1204,7 @@
             <a:fld id="{1C1C122E-05CA-4289-A26B-D14C5EAD5EFF}" type="slidenum">
               <a:rPr lang="nl-NL" smtClean="0"/>
               <a:pPr/>
-              <a:t>‹#›</a:t>
+              <a:t>‹nr.›</a:t>
             </a:fld>
             <a:endParaRPr lang="nl-NL"/>
           </a:p>
@@ -1212,7 +1213,7 @@
     </p:spTree>
     <p:extLst>
       <p:ext uri="{BB962C8B-B14F-4D97-AF65-F5344CB8AC3E}">
-        <p14:creationId xmlns:p14="http://schemas.microsoft.com/office/powerpoint/2010/main" val="858119523"/>
+        <p14:creationId xmlns:p14="http://schemas.microsoft.com/office/powerpoint/2010/main" xmlns="" val="858119523"/>
       </p:ext>
     </p:extLst>
   </p:cSld>
@@ -1244,7 +1245,7 @@
           <p:cNvPr id="2" name="Titel 1">
             <a:extLst>
               <a:ext uri="{FF2B5EF4-FFF2-40B4-BE49-F238E27FC236}">
-                <a16:creationId xmlns:a16="http://schemas.microsoft.com/office/drawing/2014/main" xmlns="" id="{77E2AA73-853E-40A1-9A01-2322859C1E57}"/>
+                <a16:creationId xmlns="" xmlns:a16="http://schemas.microsoft.com/office/drawing/2014/main" id="{77E2AA73-853E-40A1-9A01-2322859C1E57}"/>
               </a:ext>
             </a:extLst>
           </p:cNvPr>
@@ -1272,7 +1273,7 @@
           <p:cNvPr id="3" name="Tijdelijke aanduiding voor inhoud 2">
             <a:extLst>
               <a:ext uri="{FF2B5EF4-FFF2-40B4-BE49-F238E27FC236}">
-                <a16:creationId xmlns:a16="http://schemas.microsoft.com/office/drawing/2014/main" xmlns="" id="{D3A30AEC-A453-4488-9ED3-1DB9B54B5E44}"/>
+                <a16:creationId xmlns="" xmlns:a16="http://schemas.microsoft.com/office/drawing/2014/main" id="{D3A30AEC-A453-4488-9ED3-1DB9B54B5E44}"/>
               </a:ext>
             </a:extLst>
           </p:cNvPr>
@@ -1334,7 +1335,7 @@
           <p:cNvPr id="4" name="Tijdelijke aanduiding voor inhoud 3">
             <a:extLst>
               <a:ext uri="{FF2B5EF4-FFF2-40B4-BE49-F238E27FC236}">
-                <a16:creationId xmlns:a16="http://schemas.microsoft.com/office/drawing/2014/main" xmlns="" id="{91D637F4-ACDA-4978-9A41-A140CB08D61A}"/>
+                <a16:creationId xmlns="" xmlns:a16="http://schemas.microsoft.com/office/drawing/2014/main" id="{91D637F4-ACDA-4978-9A41-A140CB08D61A}"/>
               </a:ext>
             </a:extLst>
           </p:cNvPr>
@@ -1396,7 +1397,7 @@
           <p:cNvPr id="5" name="Tijdelijke aanduiding voor datum 4">
             <a:extLst>
               <a:ext uri="{FF2B5EF4-FFF2-40B4-BE49-F238E27FC236}">
-                <a16:creationId xmlns:a16="http://schemas.microsoft.com/office/drawing/2014/main" xmlns="" id="{837E7DD3-15C8-411D-B870-A08B6F78EE10}"/>
+                <a16:creationId xmlns="" xmlns:a16="http://schemas.microsoft.com/office/drawing/2014/main" id="{837E7DD3-15C8-411D-B870-A08B6F78EE10}"/>
               </a:ext>
             </a:extLst>
           </p:cNvPr>
@@ -1415,7 +1416,7 @@
             <a:fld id="{ADE4902F-FBEA-4B35-9D62-082FA2608761}" type="datetimeFigureOut">
               <a:rPr lang="nl-NL" smtClean="0"/>
               <a:pPr/>
-              <a:t>14-11-2017</a:t>
+              <a:t>4-12-2017</a:t>
             </a:fld>
             <a:endParaRPr lang="nl-NL"/>
           </a:p>
@@ -1426,7 +1427,7 @@
           <p:cNvPr id="6" name="Tijdelijke aanduiding voor voettekst 5">
             <a:extLst>
               <a:ext uri="{FF2B5EF4-FFF2-40B4-BE49-F238E27FC236}">
-                <a16:creationId xmlns:a16="http://schemas.microsoft.com/office/drawing/2014/main" xmlns="" id="{D36B0671-9A72-41D6-8923-9F431EE758F9}"/>
+                <a16:creationId xmlns="" xmlns:a16="http://schemas.microsoft.com/office/drawing/2014/main" id="{D36B0671-9A72-41D6-8923-9F431EE758F9}"/>
               </a:ext>
             </a:extLst>
           </p:cNvPr>
@@ -1451,7 +1452,7 @@
           <p:cNvPr id="7" name="Tijdelijke aanduiding voor dianummer 6">
             <a:extLst>
               <a:ext uri="{FF2B5EF4-FFF2-40B4-BE49-F238E27FC236}">
-                <a16:creationId xmlns:a16="http://schemas.microsoft.com/office/drawing/2014/main" xmlns="" id="{6E5DC6FE-5C44-4203-861C-9534D89659E0}"/>
+                <a16:creationId xmlns="" xmlns:a16="http://schemas.microsoft.com/office/drawing/2014/main" id="{6E5DC6FE-5C44-4203-861C-9534D89659E0}"/>
               </a:ext>
             </a:extLst>
           </p:cNvPr>
@@ -1470,7 +1471,7 @@
             <a:fld id="{1C1C122E-05CA-4289-A26B-D14C5EAD5EFF}" type="slidenum">
               <a:rPr lang="nl-NL" smtClean="0"/>
               <a:pPr/>
-              <a:t>‹#›</a:t>
+              <a:t>‹nr.›</a:t>
             </a:fld>
             <a:endParaRPr lang="nl-NL"/>
           </a:p>
@@ -1479,7 +1480,7 @@
     </p:spTree>
     <p:extLst>
       <p:ext uri="{BB962C8B-B14F-4D97-AF65-F5344CB8AC3E}">
-        <p14:creationId xmlns:p14="http://schemas.microsoft.com/office/powerpoint/2010/main" val="816816862"/>
+        <p14:creationId xmlns:p14="http://schemas.microsoft.com/office/powerpoint/2010/main" xmlns="" val="816816862"/>
       </p:ext>
     </p:extLst>
   </p:cSld>
@@ -1511,7 +1512,7 @@
           <p:cNvPr id="2" name="Titel 1">
             <a:extLst>
               <a:ext uri="{FF2B5EF4-FFF2-40B4-BE49-F238E27FC236}">
-                <a16:creationId xmlns:a16="http://schemas.microsoft.com/office/drawing/2014/main" xmlns="" id="{D297AAFE-77DE-432B-BAB4-CD6F190E343C}"/>
+                <a16:creationId xmlns="" xmlns:a16="http://schemas.microsoft.com/office/drawing/2014/main" id="{D297AAFE-77DE-432B-BAB4-CD6F190E343C}"/>
               </a:ext>
             </a:extLst>
           </p:cNvPr>
@@ -1544,7 +1545,7 @@
           <p:cNvPr id="3" name="Tijdelijke aanduiding voor tekst 2">
             <a:extLst>
               <a:ext uri="{FF2B5EF4-FFF2-40B4-BE49-F238E27FC236}">
-                <a16:creationId xmlns:a16="http://schemas.microsoft.com/office/drawing/2014/main" xmlns="" id="{FFEE2ED6-653E-4421-8218-E2C38C76B28B}"/>
+                <a16:creationId xmlns="" xmlns:a16="http://schemas.microsoft.com/office/drawing/2014/main" id="{FFEE2ED6-653E-4421-8218-E2C38C76B28B}"/>
               </a:ext>
             </a:extLst>
           </p:cNvPr>
@@ -1615,7 +1616,7 @@
           <p:cNvPr id="4" name="Tijdelijke aanduiding voor inhoud 3">
             <a:extLst>
               <a:ext uri="{FF2B5EF4-FFF2-40B4-BE49-F238E27FC236}">
-                <a16:creationId xmlns:a16="http://schemas.microsoft.com/office/drawing/2014/main" xmlns="" id="{DC218CE1-911A-4429-A641-56511F94AE34}"/>
+                <a16:creationId xmlns="" xmlns:a16="http://schemas.microsoft.com/office/drawing/2014/main" id="{DC218CE1-911A-4429-A641-56511F94AE34}"/>
               </a:ext>
             </a:extLst>
           </p:cNvPr>
@@ -1677,7 +1678,7 @@
           <p:cNvPr id="5" name="Tijdelijke aanduiding voor tekst 4">
             <a:extLst>
               <a:ext uri="{FF2B5EF4-FFF2-40B4-BE49-F238E27FC236}">
-                <a16:creationId xmlns:a16="http://schemas.microsoft.com/office/drawing/2014/main" xmlns="" id="{719A6713-F0E0-40AB-A59E-49F09878FEB6}"/>
+                <a16:creationId xmlns="" xmlns:a16="http://schemas.microsoft.com/office/drawing/2014/main" id="{719A6713-F0E0-40AB-A59E-49F09878FEB6}"/>
               </a:ext>
             </a:extLst>
           </p:cNvPr>
@@ -1748,7 +1749,7 @@
           <p:cNvPr id="6" name="Tijdelijke aanduiding voor inhoud 5">
             <a:extLst>
               <a:ext uri="{FF2B5EF4-FFF2-40B4-BE49-F238E27FC236}">
-                <a16:creationId xmlns:a16="http://schemas.microsoft.com/office/drawing/2014/main" xmlns="" id="{C920DA29-52C0-41C1-B347-90F2C9400F3E}"/>
+                <a16:creationId xmlns="" xmlns:a16="http://schemas.microsoft.com/office/drawing/2014/main" id="{C920DA29-52C0-41C1-B347-90F2C9400F3E}"/>
               </a:ext>
             </a:extLst>
           </p:cNvPr>
@@ -1810,7 +1811,7 @@
           <p:cNvPr id="7" name="Tijdelijke aanduiding voor datum 6">
             <a:extLst>
               <a:ext uri="{FF2B5EF4-FFF2-40B4-BE49-F238E27FC236}">
-                <a16:creationId xmlns:a16="http://schemas.microsoft.com/office/drawing/2014/main" xmlns="" id="{8C0EFFE8-712A-45F8-8E44-FFE8CF661B83}"/>
+                <a16:creationId xmlns="" xmlns:a16="http://schemas.microsoft.com/office/drawing/2014/main" id="{8C0EFFE8-712A-45F8-8E44-FFE8CF661B83}"/>
               </a:ext>
             </a:extLst>
           </p:cNvPr>
@@ -1829,7 +1830,7 @@
             <a:fld id="{ADE4902F-FBEA-4B35-9D62-082FA2608761}" type="datetimeFigureOut">
               <a:rPr lang="nl-NL" smtClean="0"/>
               <a:pPr/>
-              <a:t>14-11-2017</a:t>
+              <a:t>4-12-2017</a:t>
             </a:fld>
             <a:endParaRPr lang="nl-NL"/>
           </a:p>
@@ -1840,7 +1841,7 @@
           <p:cNvPr id="8" name="Tijdelijke aanduiding voor voettekst 7">
             <a:extLst>
               <a:ext uri="{FF2B5EF4-FFF2-40B4-BE49-F238E27FC236}">
-                <a16:creationId xmlns:a16="http://schemas.microsoft.com/office/drawing/2014/main" xmlns="" id="{707393AF-B4A9-4351-A40F-50118C94FFB4}"/>
+                <a16:creationId xmlns="" xmlns:a16="http://schemas.microsoft.com/office/drawing/2014/main" id="{707393AF-B4A9-4351-A40F-50118C94FFB4}"/>
               </a:ext>
             </a:extLst>
           </p:cNvPr>
@@ -1865,7 +1866,7 @@
           <p:cNvPr id="9" name="Tijdelijke aanduiding voor dianummer 8">
             <a:extLst>
               <a:ext uri="{FF2B5EF4-FFF2-40B4-BE49-F238E27FC236}">
-                <a16:creationId xmlns:a16="http://schemas.microsoft.com/office/drawing/2014/main" xmlns="" id="{AD5B9F79-2771-46B0-A531-43CC4F757865}"/>
+                <a16:creationId xmlns="" xmlns:a16="http://schemas.microsoft.com/office/drawing/2014/main" id="{AD5B9F79-2771-46B0-A531-43CC4F757865}"/>
               </a:ext>
             </a:extLst>
           </p:cNvPr>
@@ -1884,7 +1885,7 @@
             <a:fld id="{1C1C122E-05CA-4289-A26B-D14C5EAD5EFF}" type="slidenum">
               <a:rPr lang="nl-NL" smtClean="0"/>
               <a:pPr/>
-              <a:t>‹#›</a:t>
+              <a:t>‹nr.›</a:t>
             </a:fld>
             <a:endParaRPr lang="nl-NL"/>
           </a:p>
@@ -1893,7 +1894,7 @@
     </p:spTree>
     <p:extLst>
       <p:ext uri="{BB962C8B-B14F-4D97-AF65-F5344CB8AC3E}">
-        <p14:creationId xmlns:p14="http://schemas.microsoft.com/office/powerpoint/2010/main" val="1099906094"/>
+        <p14:creationId xmlns:p14="http://schemas.microsoft.com/office/powerpoint/2010/main" xmlns="" val="1099906094"/>
       </p:ext>
     </p:extLst>
   </p:cSld>
@@ -1925,7 +1926,7 @@
           <p:cNvPr id="2" name="Titel 1">
             <a:extLst>
               <a:ext uri="{FF2B5EF4-FFF2-40B4-BE49-F238E27FC236}">
-                <a16:creationId xmlns:a16="http://schemas.microsoft.com/office/drawing/2014/main" xmlns="" id="{4E7337EC-1907-4F37-99F3-901F3BE41D1F}"/>
+                <a16:creationId xmlns="" xmlns:a16="http://schemas.microsoft.com/office/drawing/2014/main" id="{4E7337EC-1907-4F37-99F3-901F3BE41D1F}"/>
               </a:ext>
             </a:extLst>
           </p:cNvPr>
@@ -1953,7 +1954,7 @@
           <p:cNvPr id="3" name="Tijdelijke aanduiding voor datum 2">
             <a:extLst>
               <a:ext uri="{FF2B5EF4-FFF2-40B4-BE49-F238E27FC236}">
-                <a16:creationId xmlns:a16="http://schemas.microsoft.com/office/drawing/2014/main" xmlns="" id="{0D2E5F80-FF84-4F1C-92AC-EB22C4EFDEB3}"/>
+                <a16:creationId xmlns="" xmlns:a16="http://schemas.microsoft.com/office/drawing/2014/main" id="{0D2E5F80-FF84-4F1C-92AC-EB22C4EFDEB3}"/>
               </a:ext>
             </a:extLst>
           </p:cNvPr>
@@ -1972,7 +1973,7 @@
             <a:fld id="{ADE4902F-FBEA-4B35-9D62-082FA2608761}" type="datetimeFigureOut">
               <a:rPr lang="nl-NL" smtClean="0"/>
               <a:pPr/>
-              <a:t>14-11-2017</a:t>
+              <a:t>4-12-2017</a:t>
             </a:fld>
             <a:endParaRPr lang="nl-NL"/>
           </a:p>
@@ -1983,7 +1984,7 @@
           <p:cNvPr id="4" name="Tijdelijke aanduiding voor voettekst 3">
             <a:extLst>
               <a:ext uri="{FF2B5EF4-FFF2-40B4-BE49-F238E27FC236}">
-                <a16:creationId xmlns:a16="http://schemas.microsoft.com/office/drawing/2014/main" xmlns="" id="{2D45D3C0-7BB6-4031-A805-56B2513F42F3}"/>
+                <a16:creationId xmlns="" xmlns:a16="http://schemas.microsoft.com/office/drawing/2014/main" id="{2D45D3C0-7BB6-4031-A805-56B2513F42F3}"/>
               </a:ext>
             </a:extLst>
           </p:cNvPr>
@@ -2008,7 +2009,7 @@
           <p:cNvPr id="5" name="Tijdelijke aanduiding voor dianummer 4">
             <a:extLst>
               <a:ext uri="{FF2B5EF4-FFF2-40B4-BE49-F238E27FC236}">
-                <a16:creationId xmlns:a16="http://schemas.microsoft.com/office/drawing/2014/main" xmlns="" id="{DA2BE903-22BF-4CEF-88FD-933D2CAFCA57}"/>
+                <a16:creationId xmlns="" xmlns:a16="http://schemas.microsoft.com/office/drawing/2014/main" id="{DA2BE903-22BF-4CEF-88FD-933D2CAFCA57}"/>
               </a:ext>
             </a:extLst>
           </p:cNvPr>
@@ -2027,7 +2028,7 @@
             <a:fld id="{1C1C122E-05CA-4289-A26B-D14C5EAD5EFF}" type="slidenum">
               <a:rPr lang="nl-NL" smtClean="0"/>
               <a:pPr/>
-              <a:t>‹#›</a:t>
+              <a:t>‹nr.›</a:t>
             </a:fld>
             <a:endParaRPr lang="nl-NL"/>
           </a:p>
@@ -2036,7 +2037,7 @@
     </p:spTree>
     <p:extLst>
       <p:ext uri="{BB962C8B-B14F-4D97-AF65-F5344CB8AC3E}">
-        <p14:creationId xmlns:p14="http://schemas.microsoft.com/office/powerpoint/2010/main" val="1053118753"/>
+        <p14:creationId xmlns:p14="http://schemas.microsoft.com/office/powerpoint/2010/main" xmlns="" val="1053118753"/>
       </p:ext>
     </p:extLst>
   </p:cSld>
@@ -2068,7 +2069,7 @@
           <p:cNvPr id="2" name="Tijdelijke aanduiding voor datum 1">
             <a:extLst>
               <a:ext uri="{FF2B5EF4-FFF2-40B4-BE49-F238E27FC236}">
-                <a16:creationId xmlns:a16="http://schemas.microsoft.com/office/drawing/2014/main" xmlns="" id="{6FCDA235-3242-403B-A485-36B7AD8E1C39}"/>
+                <a16:creationId xmlns="" xmlns:a16="http://schemas.microsoft.com/office/drawing/2014/main" id="{6FCDA235-3242-403B-A485-36B7AD8E1C39}"/>
               </a:ext>
             </a:extLst>
           </p:cNvPr>
@@ -2087,7 +2088,7 @@
             <a:fld id="{ADE4902F-FBEA-4B35-9D62-082FA2608761}" type="datetimeFigureOut">
               <a:rPr lang="nl-NL" smtClean="0"/>
               <a:pPr/>
-              <a:t>14-11-2017</a:t>
+              <a:t>4-12-2017</a:t>
             </a:fld>
             <a:endParaRPr lang="nl-NL"/>
           </a:p>
@@ -2098,7 +2099,7 @@
           <p:cNvPr id="3" name="Tijdelijke aanduiding voor voettekst 2">
             <a:extLst>
               <a:ext uri="{FF2B5EF4-FFF2-40B4-BE49-F238E27FC236}">
-                <a16:creationId xmlns:a16="http://schemas.microsoft.com/office/drawing/2014/main" xmlns="" id="{A75D1976-1CB9-48E7-9C11-87960D6E632C}"/>
+                <a16:creationId xmlns="" xmlns:a16="http://schemas.microsoft.com/office/drawing/2014/main" id="{A75D1976-1CB9-48E7-9C11-87960D6E632C}"/>
               </a:ext>
             </a:extLst>
           </p:cNvPr>
@@ -2123,7 +2124,7 @@
           <p:cNvPr id="4" name="Tijdelijke aanduiding voor dianummer 3">
             <a:extLst>
               <a:ext uri="{FF2B5EF4-FFF2-40B4-BE49-F238E27FC236}">
-                <a16:creationId xmlns:a16="http://schemas.microsoft.com/office/drawing/2014/main" xmlns="" id="{134A5D73-9591-4C49-92DA-172564BBF62F}"/>
+                <a16:creationId xmlns="" xmlns:a16="http://schemas.microsoft.com/office/drawing/2014/main" id="{134A5D73-9591-4C49-92DA-172564BBF62F}"/>
               </a:ext>
             </a:extLst>
           </p:cNvPr>
@@ -2142,7 +2143,7 @@
             <a:fld id="{1C1C122E-05CA-4289-A26B-D14C5EAD5EFF}" type="slidenum">
               <a:rPr lang="nl-NL" smtClean="0"/>
               <a:pPr/>
-              <a:t>‹#›</a:t>
+              <a:t>‹nr.›</a:t>
             </a:fld>
             <a:endParaRPr lang="nl-NL"/>
           </a:p>
@@ -2151,7 +2152,7 @@
     </p:spTree>
     <p:extLst>
       <p:ext uri="{BB962C8B-B14F-4D97-AF65-F5344CB8AC3E}">
-        <p14:creationId xmlns:p14="http://schemas.microsoft.com/office/powerpoint/2010/main" val="593443286"/>
+        <p14:creationId xmlns:p14="http://schemas.microsoft.com/office/powerpoint/2010/main" xmlns="" val="593443286"/>
       </p:ext>
     </p:extLst>
   </p:cSld>
@@ -2183,7 +2184,7 @@
           <p:cNvPr id="2" name="Titel 1">
             <a:extLst>
               <a:ext uri="{FF2B5EF4-FFF2-40B4-BE49-F238E27FC236}">
-                <a16:creationId xmlns:a16="http://schemas.microsoft.com/office/drawing/2014/main" xmlns="" id="{7CF9EBF2-9E8A-476C-BC8A-02CD44989AD9}"/>
+                <a16:creationId xmlns="" xmlns:a16="http://schemas.microsoft.com/office/drawing/2014/main" id="{7CF9EBF2-9E8A-476C-BC8A-02CD44989AD9}"/>
               </a:ext>
             </a:extLst>
           </p:cNvPr>
@@ -2220,7 +2221,7 @@
           <p:cNvPr id="3" name="Tijdelijke aanduiding voor inhoud 2">
             <a:extLst>
               <a:ext uri="{FF2B5EF4-FFF2-40B4-BE49-F238E27FC236}">
-                <a16:creationId xmlns:a16="http://schemas.microsoft.com/office/drawing/2014/main" xmlns="" id="{081F15E5-A94C-4A05-918B-AC99C8EA0CB7}"/>
+                <a16:creationId xmlns="" xmlns:a16="http://schemas.microsoft.com/office/drawing/2014/main" id="{081F15E5-A94C-4A05-918B-AC99C8EA0CB7}"/>
               </a:ext>
             </a:extLst>
           </p:cNvPr>
@@ -2310,7 +2311,7 @@
           <p:cNvPr id="4" name="Tijdelijke aanduiding voor tekst 3">
             <a:extLst>
               <a:ext uri="{FF2B5EF4-FFF2-40B4-BE49-F238E27FC236}">
-                <a16:creationId xmlns:a16="http://schemas.microsoft.com/office/drawing/2014/main" xmlns="" id="{91275F6F-5CE8-40A9-902C-2803463710F2}"/>
+                <a16:creationId xmlns="" xmlns:a16="http://schemas.microsoft.com/office/drawing/2014/main" id="{91275F6F-5CE8-40A9-902C-2803463710F2}"/>
               </a:ext>
             </a:extLst>
           </p:cNvPr>
@@ -2381,7 +2382,7 @@
           <p:cNvPr id="5" name="Tijdelijke aanduiding voor datum 4">
             <a:extLst>
               <a:ext uri="{FF2B5EF4-FFF2-40B4-BE49-F238E27FC236}">
-                <a16:creationId xmlns:a16="http://schemas.microsoft.com/office/drawing/2014/main" xmlns="" id="{68FB0FC5-537D-441B-B077-1EB601C777AE}"/>
+                <a16:creationId xmlns="" xmlns:a16="http://schemas.microsoft.com/office/drawing/2014/main" id="{68FB0FC5-537D-441B-B077-1EB601C777AE}"/>
               </a:ext>
             </a:extLst>
           </p:cNvPr>
@@ -2400,7 +2401,7 @@
             <a:fld id="{ADE4902F-FBEA-4B35-9D62-082FA2608761}" type="datetimeFigureOut">
               <a:rPr lang="nl-NL" smtClean="0"/>
               <a:pPr/>
-              <a:t>14-11-2017</a:t>
+              <a:t>4-12-2017</a:t>
             </a:fld>
             <a:endParaRPr lang="nl-NL"/>
           </a:p>
@@ -2411,7 +2412,7 @@
           <p:cNvPr id="6" name="Tijdelijke aanduiding voor voettekst 5">
             <a:extLst>
               <a:ext uri="{FF2B5EF4-FFF2-40B4-BE49-F238E27FC236}">
-                <a16:creationId xmlns:a16="http://schemas.microsoft.com/office/drawing/2014/main" xmlns="" id="{55AC121A-0493-418F-8DD7-2DA1EEB74DFF}"/>
+                <a16:creationId xmlns="" xmlns:a16="http://schemas.microsoft.com/office/drawing/2014/main" id="{55AC121A-0493-418F-8DD7-2DA1EEB74DFF}"/>
               </a:ext>
             </a:extLst>
           </p:cNvPr>
@@ -2436,7 +2437,7 @@
           <p:cNvPr id="7" name="Tijdelijke aanduiding voor dianummer 6">
             <a:extLst>
               <a:ext uri="{FF2B5EF4-FFF2-40B4-BE49-F238E27FC236}">
-                <a16:creationId xmlns:a16="http://schemas.microsoft.com/office/drawing/2014/main" xmlns="" id="{9E5BD7A4-C96F-485C-A127-6C55CD09868E}"/>
+                <a16:creationId xmlns="" xmlns:a16="http://schemas.microsoft.com/office/drawing/2014/main" id="{9E5BD7A4-C96F-485C-A127-6C55CD09868E}"/>
               </a:ext>
             </a:extLst>
           </p:cNvPr>
@@ -2455,7 +2456,7 @@
             <a:fld id="{1C1C122E-05CA-4289-A26B-D14C5EAD5EFF}" type="slidenum">
               <a:rPr lang="nl-NL" smtClean="0"/>
               <a:pPr/>
-              <a:t>‹#›</a:t>
+              <a:t>‹nr.›</a:t>
             </a:fld>
             <a:endParaRPr lang="nl-NL"/>
           </a:p>
@@ -2464,7 +2465,7 @@
     </p:spTree>
     <p:extLst>
       <p:ext uri="{BB962C8B-B14F-4D97-AF65-F5344CB8AC3E}">
-        <p14:creationId xmlns:p14="http://schemas.microsoft.com/office/powerpoint/2010/main" val="2276997594"/>
+        <p14:creationId xmlns:p14="http://schemas.microsoft.com/office/powerpoint/2010/main" xmlns="" val="2276997594"/>
       </p:ext>
     </p:extLst>
   </p:cSld>
@@ -2496,7 +2497,7 @@
           <p:cNvPr id="2" name="Titel 1">
             <a:extLst>
               <a:ext uri="{FF2B5EF4-FFF2-40B4-BE49-F238E27FC236}">
-                <a16:creationId xmlns:a16="http://schemas.microsoft.com/office/drawing/2014/main" xmlns="" id="{391195BB-EA6C-4F56-A18C-2951B239D827}"/>
+                <a16:creationId xmlns="" xmlns:a16="http://schemas.microsoft.com/office/drawing/2014/main" id="{391195BB-EA6C-4F56-A18C-2951B239D827}"/>
               </a:ext>
             </a:extLst>
           </p:cNvPr>
@@ -2533,7 +2534,7 @@
           <p:cNvPr id="3" name="Tijdelijke aanduiding voor afbeelding 2">
             <a:extLst>
               <a:ext uri="{FF2B5EF4-FFF2-40B4-BE49-F238E27FC236}">
-                <a16:creationId xmlns:a16="http://schemas.microsoft.com/office/drawing/2014/main" xmlns="" id="{1EE97C47-A53A-4152-848A-0419C12AE634}"/>
+                <a16:creationId xmlns="" xmlns:a16="http://schemas.microsoft.com/office/drawing/2014/main" id="{1EE97C47-A53A-4152-848A-0419C12AE634}"/>
               </a:ext>
             </a:extLst>
           </p:cNvPr>
@@ -2600,7 +2601,7 @@
           <p:cNvPr id="4" name="Tijdelijke aanduiding voor tekst 3">
             <a:extLst>
               <a:ext uri="{FF2B5EF4-FFF2-40B4-BE49-F238E27FC236}">
-                <a16:creationId xmlns:a16="http://schemas.microsoft.com/office/drawing/2014/main" xmlns="" id="{4C380A8A-FCC0-4B2B-BCED-CC719F66356B}"/>
+                <a16:creationId xmlns="" xmlns:a16="http://schemas.microsoft.com/office/drawing/2014/main" id="{4C380A8A-FCC0-4B2B-BCED-CC719F66356B}"/>
               </a:ext>
             </a:extLst>
           </p:cNvPr>
@@ -2671,7 +2672,7 @@
           <p:cNvPr id="5" name="Tijdelijke aanduiding voor datum 4">
             <a:extLst>
               <a:ext uri="{FF2B5EF4-FFF2-40B4-BE49-F238E27FC236}">
-                <a16:creationId xmlns:a16="http://schemas.microsoft.com/office/drawing/2014/main" xmlns="" id="{EAA93FF3-9B86-461A-94CF-C0A759B7033D}"/>
+                <a16:creationId xmlns="" xmlns:a16="http://schemas.microsoft.com/office/drawing/2014/main" id="{EAA93FF3-9B86-461A-94CF-C0A759B7033D}"/>
               </a:ext>
             </a:extLst>
           </p:cNvPr>
@@ -2690,7 +2691,7 @@
             <a:fld id="{ADE4902F-FBEA-4B35-9D62-082FA2608761}" type="datetimeFigureOut">
               <a:rPr lang="nl-NL" smtClean="0"/>
               <a:pPr/>
-              <a:t>14-11-2017</a:t>
+              <a:t>4-12-2017</a:t>
             </a:fld>
             <a:endParaRPr lang="nl-NL"/>
           </a:p>
@@ -2701,7 +2702,7 @@
           <p:cNvPr id="6" name="Tijdelijke aanduiding voor voettekst 5">
             <a:extLst>
               <a:ext uri="{FF2B5EF4-FFF2-40B4-BE49-F238E27FC236}">
-                <a16:creationId xmlns:a16="http://schemas.microsoft.com/office/drawing/2014/main" xmlns="" id="{504C81D0-3C70-46A3-A99B-4387DBE74182}"/>
+                <a16:creationId xmlns="" xmlns:a16="http://schemas.microsoft.com/office/drawing/2014/main" id="{504C81D0-3C70-46A3-A99B-4387DBE74182}"/>
               </a:ext>
             </a:extLst>
           </p:cNvPr>
@@ -2726,7 +2727,7 @@
           <p:cNvPr id="7" name="Tijdelijke aanduiding voor dianummer 6">
             <a:extLst>
               <a:ext uri="{FF2B5EF4-FFF2-40B4-BE49-F238E27FC236}">
-                <a16:creationId xmlns:a16="http://schemas.microsoft.com/office/drawing/2014/main" xmlns="" id="{2DAB8061-1297-4604-AA6D-50FA7517CB04}"/>
+                <a16:creationId xmlns="" xmlns:a16="http://schemas.microsoft.com/office/drawing/2014/main" id="{2DAB8061-1297-4604-AA6D-50FA7517CB04}"/>
               </a:ext>
             </a:extLst>
           </p:cNvPr>
@@ -2745,7 +2746,7 @@
             <a:fld id="{1C1C122E-05CA-4289-A26B-D14C5EAD5EFF}" type="slidenum">
               <a:rPr lang="nl-NL" smtClean="0"/>
               <a:pPr/>
-              <a:t>‹#›</a:t>
+              <a:t>‹nr.›</a:t>
             </a:fld>
             <a:endParaRPr lang="nl-NL"/>
           </a:p>
@@ -2754,7 +2755,7 @@
     </p:spTree>
     <p:extLst>
       <p:ext uri="{BB962C8B-B14F-4D97-AF65-F5344CB8AC3E}">
-        <p14:creationId xmlns:p14="http://schemas.microsoft.com/office/powerpoint/2010/main" val="3080807055"/>
+        <p14:creationId xmlns:p14="http://schemas.microsoft.com/office/powerpoint/2010/main" xmlns="" val="3080807055"/>
       </p:ext>
     </p:extLst>
   </p:cSld>
@@ -2791,7 +2792,7 @@
           <p:cNvPr id="2" name="Tijdelijke aanduiding voor titel 1">
             <a:extLst>
               <a:ext uri="{FF2B5EF4-FFF2-40B4-BE49-F238E27FC236}">
-                <a16:creationId xmlns:a16="http://schemas.microsoft.com/office/drawing/2014/main" xmlns="" id="{D9186CB9-8C46-426D-863D-90A0E0FAEDE7}"/>
+                <a16:creationId xmlns="" xmlns:a16="http://schemas.microsoft.com/office/drawing/2014/main" id="{D9186CB9-8C46-426D-863D-90A0E0FAEDE7}"/>
               </a:ext>
             </a:extLst>
           </p:cNvPr>
@@ -2829,7 +2830,7 @@
           <p:cNvPr id="3" name="Tijdelijke aanduiding voor tekst 2">
             <a:extLst>
               <a:ext uri="{FF2B5EF4-FFF2-40B4-BE49-F238E27FC236}">
-                <a16:creationId xmlns:a16="http://schemas.microsoft.com/office/drawing/2014/main" xmlns="" id="{983F2C53-486F-4745-AD46-503DCDC4D530}"/>
+                <a16:creationId xmlns="" xmlns:a16="http://schemas.microsoft.com/office/drawing/2014/main" id="{983F2C53-486F-4745-AD46-503DCDC4D530}"/>
               </a:ext>
             </a:extLst>
           </p:cNvPr>
@@ -2896,7 +2897,7 @@
           <p:cNvPr id="4" name="Tijdelijke aanduiding voor datum 3">
             <a:extLst>
               <a:ext uri="{FF2B5EF4-FFF2-40B4-BE49-F238E27FC236}">
-                <a16:creationId xmlns:a16="http://schemas.microsoft.com/office/drawing/2014/main" xmlns="" id="{14E5024D-7C9E-4730-908F-8CE183DB279E}"/>
+                <a16:creationId xmlns="" xmlns:a16="http://schemas.microsoft.com/office/drawing/2014/main" id="{14E5024D-7C9E-4730-908F-8CE183DB279E}"/>
               </a:ext>
             </a:extLst>
           </p:cNvPr>
@@ -2933,7 +2934,7 @@
             <a:fld id="{ADE4902F-FBEA-4B35-9D62-082FA2608761}" type="datetimeFigureOut">
               <a:rPr lang="nl-NL" smtClean="0"/>
               <a:pPr/>
-              <a:t>14-11-2017</a:t>
+              <a:t>4-12-2017</a:t>
             </a:fld>
             <a:endParaRPr lang="nl-NL"/>
           </a:p>
@@ -2944,7 +2945,7 @@
           <p:cNvPr id="5" name="Tijdelijke aanduiding voor voettekst 4">
             <a:extLst>
               <a:ext uri="{FF2B5EF4-FFF2-40B4-BE49-F238E27FC236}">
-                <a16:creationId xmlns:a16="http://schemas.microsoft.com/office/drawing/2014/main" xmlns="" id="{CB4A9151-4DBA-4A6C-8967-EC70E0126234}"/>
+                <a16:creationId xmlns="" xmlns:a16="http://schemas.microsoft.com/office/drawing/2014/main" id="{CB4A9151-4DBA-4A6C-8967-EC70E0126234}"/>
               </a:ext>
             </a:extLst>
           </p:cNvPr>
@@ -2987,7 +2988,7 @@
           <p:cNvPr id="6" name="Tijdelijke aanduiding voor dianummer 5">
             <a:extLst>
               <a:ext uri="{FF2B5EF4-FFF2-40B4-BE49-F238E27FC236}">
-                <a16:creationId xmlns:a16="http://schemas.microsoft.com/office/drawing/2014/main" xmlns="" id="{E6582372-88AB-47F3-A35B-A8C86B2D9C2A}"/>
+                <a16:creationId xmlns="" xmlns:a16="http://schemas.microsoft.com/office/drawing/2014/main" id="{E6582372-88AB-47F3-A35B-A8C86B2D9C2A}"/>
               </a:ext>
             </a:extLst>
           </p:cNvPr>
@@ -3024,7 +3025,7 @@
             <a:fld id="{1C1C122E-05CA-4289-A26B-D14C5EAD5EFF}" type="slidenum">
               <a:rPr lang="nl-NL" smtClean="0"/>
               <a:pPr/>
-              <a:t>‹#›</a:t>
+              <a:t>‹nr.›</a:t>
             </a:fld>
             <a:endParaRPr lang="nl-NL"/>
           </a:p>
@@ -3033,7 +3034,7 @@
     </p:spTree>
     <p:extLst>
       <p:ext uri="{BB962C8B-B14F-4D97-AF65-F5344CB8AC3E}">
-        <p14:creationId xmlns:p14="http://schemas.microsoft.com/office/powerpoint/2010/main" val="1831950406"/>
+        <p14:creationId xmlns:p14="http://schemas.microsoft.com/office/powerpoint/2010/main" xmlns="" val="1831950406"/>
       </p:ext>
     </p:extLst>
   </p:cSld>
@@ -3356,7 +3357,7 @@
           <p:cNvPr id="2" name="Titel 1">
             <a:extLst>
               <a:ext uri="{FF2B5EF4-FFF2-40B4-BE49-F238E27FC236}">
-                <a16:creationId xmlns:a16="http://schemas.microsoft.com/office/drawing/2014/main" xmlns="" id="{AE205A44-390E-455B-87E1-6D48C073A474}"/>
+                <a16:creationId xmlns="" xmlns:a16="http://schemas.microsoft.com/office/drawing/2014/main" id="{AE205A44-390E-455B-87E1-6D48C073A474}"/>
               </a:ext>
             </a:extLst>
           </p:cNvPr>
@@ -3396,7 +3397,7 @@
           <p:cNvPr id="3" name="Ondertitel 2">
             <a:extLst>
               <a:ext uri="{FF2B5EF4-FFF2-40B4-BE49-F238E27FC236}">
-                <a16:creationId xmlns:a16="http://schemas.microsoft.com/office/drawing/2014/main" xmlns="" id="{E24A4149-DFE7-4EE0-A98A-18326D7AD35D}"/>
+                <a16:creationId xmlns="" xmlns:a16="http://schemas.microsoft.com/office/drawing/2014/main" id="{E24A4149-DFE7-4EE0-A98A-18326D7AD35D}"/>
               </a:ext>
             </a:extLst>
           </p:cNvPr>
@@ -3422,7 +3423,7 @@
     </p:spTree>
     <p:extLst>
       <p:ext uri="{BB962C8B-B14F-4D97-AF65-F5344CB8AC3E}">
-        <p14:creationId xmlns:p14="http://schemas.microsoft.com/office/powerpoint/2010/main" val="1696353441"/>
+        <p14:creationId xmlns:p14="http://schemas.microsoft.com/office/powerpoint/2010/main" xmlns="" val="1696353441"/>
       </p:ext>
     </p:extLst>
   </p:cSld>
@@ -3461,7 +3462,7 @@
           <p:cNvPr id="2" name="Titel 1">
             <a:extLst>
               <a:ext uri="{FF2B5EF4-FFF2-40B4-BE49-F238E27FC236}">
-                <a16:creationId xmlns:a16="http://schemas.microsoft.com/office/drawing/2014/main" xmlns="" id="{769A96FB-BA26-47C0-85BC-9E5A44D94A65}"/>
+                <a16:creationId xmlns="" xmlns:a16="http://schemas.microsoft.com/office/drawing/2014/main" id="{769A96FB-BA26-47C0-85BC-9E5A44D94A65}"/>
               </a:ext>
             </a:extLst>
           </p:cNvPr>
@@ -3489,7 +3490,7 @@
           <p:cNvPr id="5" name="Tijdelijke aanduiding voor inhoud 4">
             <a:extLst>
               <a:ext uri="{FF2B5EF4-FFF2-40B4-BE49-F238E27FC236}">
-                <a16:creationId xmlns:a16="http://schemas.microsoft.com/office/drawing/2014/main" xmlns="" id="{82F9B9FE-1870-4902-A7DB-4B27D59D2B2B}"/>
+                <a16:creationId xmlns="" xmlns:a16="http://schemas.microsoft.com/office/drawing/2014/main" id="{82F9B9FE-1870-4902-A7DB-4B27D59D2B2B}"/>
               </a:ext>
             </a:extLst>
           </p:cNvPr>
@@ -3504,7 +3505,7 @@
           <a:blip r:embed="rId2" cstate="print">
             <a:extLst>
               <a:ext uri="{28A0092B-C50C-407E-A947-70E740481C1C}">
-                <a14:useLocalDpi xmlns:a14="http://schemas.microsoft.com/office/drawing/2010/main" val="0"/>
+                <a14:useLocalDpi xmlns:a14="http://schemas.microsoft.com/office/drawing/2010/main" xmlns="" val="0"/>
               </a:ext>
             </a:extLst>
           </a:blip>
@@ -3524,7 +3525,7 @@
           <p:cNvPr id="6" name="Tekstvak 5">
             <a:extLst>
               <a:ext uri="{FF2B5EF4-FFF2-40B4-BE49-F238E27FC236}">
-                <a16:creationId xmlns:a16="http://schemas.microsoft.com/office/drawing/2014/main" xmlns="" id="{D8F2D3D1-1FE8-4AA0-B6C8-D7E88097CE04}"/>
+                <a16:creationId xmlns="" xmlns:a16="http://schemas.microsoft.com/office/drawing/2014/main" id="{D8F2D3D1-1FE8-4AA0-B6C8-D7E88097CE04}"/>
               </a:ext>
             </a:extLst>
           </p:cNvPr>
@@ -3560,7 +3561,7 @@
           <p:cNvPr id="8" name="Afbeelding 7">
             <a:extLst>
               <a:ext uri="{FF2B5EF4-FFF2-40B4-BE49-F238E27FC236}">
-                <a16:creationId xmlns:a16="http://schemas.microsoft.com/office/drawing/2014/main" xmlns="" id="{819AAC82-0B32-4FA7-B311-90C90A003DAD}"/>
+                <a16:creationId xmlns="" xmlns:a16="http://schemas.microsoft.com/office/drawing/2014/main" id="{819AAC82-0B32-4FA7-B311-90C90A003DAD}"/>
               </a:ext>
             </a:extLst>
           </p:cNvPr>
@@ -3573,7 +3574,7 @@
           <a:blip r:embed="rId3" cstate="print">
             <a:extLst>
               <a:ext uri="{28A0092B-C50C-407E-A947-70E740481C1C}">
-                <a14:useLocalDpi xmlns:a14="http://schemas.microsoft.com/office/drawing/2010/main" val="0"/>
+                <a14:useLocalDpi xmlns:a14="http://schemas.microsoft.com/office/drawing/2010/main" xmlns="" val="0"/>
               </a:ext>
             </a:extLst>
           </a:blip>
@@ -3595,7 +3596,7 @@
           <p:cNvPr id="11" name="Pijl: rechts 10">
             <a:extLst>
               <a:ext uri="{FF2B5EF4-FFF2-40B4-BE49-F238E27FC236}">
-                <a16:creationId xmlns:a16="http://schemas.microsoft.com/office/drawing/2014/main" xmlns="" id="{C3B3C454-C61F-4642-AC5E-175E78B46E93}"/>
+                <a16:creationId xmlns="" xmlns:a16="http://schemas.microsoft.com/office/drawing/2014/main" id="{C3B3C454-C61F-4642-AC5E-175E78B46E93}"/>
               </a:ext>
             </a:extLst>
           </p:cNvPr>
@@ -3641,7 +3642,7 @@
           <p:cNvPr id="12" name="Tekstvak 11">
             <a:extLst>
               <a:ext uri="{FF2B5EF4-FFF2-40B4-BE49-F238E27FC236}">
-                <a16:creationId xmlns:a16="http://schemas.microsoft.com/office/drawing/2014/main" xmlns="" id="{1AF95B95-DF37-4511-BC26-2A337B82EADC}"/>
+                <a16:creationId xmlns="" xmlns:a16="http://schemas.microsoft.com/office/drawing/2014/main" id="{1AF95B95-DF37-4511-BC26-2A337B82EADC}"/>
               </a:ext>
             </a:extLst>
           </p:cNvPr>
@@ -3676,7 +3677,7 @@
           <p:cNvPr id="9" name="Afbeelding 8">
             <a:extLst>
               <a:ext uri="{FF2B5EF4-FFF2-40B4-BE49-F238E27FC236}">
-                <a16:creationId xmlns:a16="http://schemas.microsoft.com/office/drawing/2014/main" xmlns="" id="{1B858127-D2F6-4D2B-B5A9-94CF7612B179}"/>
+                <a16:creationId xmlns="" xmlns:a16="http://schemas.microsoft.com/office/drawing/2014/main" id="{1B858127-D2F6-4D2B-B5A9-94CF7612B179}"/>
               </a:ext>
             </a:extLst>
           </p:cNvPr>
@@ -3689,7 +3690,7 @@
           <a:blip r:embed="rId4" cstate="print">
             <a:extLst>
               <a:ext uri="{28A0092B-C50C-407E-A947-70E740481C1C}">
-                <a14:useLocalDpi xmlns:a14="http://schemas.microsoft.com/office/drawing/2010/main" val="0"/>
+                <a14:useLocalDpi xmlns:a14="http://schemas.microsoft.com/office/drawing/2010/main" xmlns="" val="0"/>
               </a:ext>
             </a:extLst>
           </a:blip>
@@ -3712,7 +3713,7 @@
           <p:cNvPr id="10" name="Pijl: rechts 9">
             <a:extLst>
               <a:ext uri="{FF2B5EF4-FFF2-40B4-BE49-F238E27FC236}">
-                <a16:creationId xmlns:a16="http://schemas.microsoft.com/office/drawing/2014/main" xmlns="" id="{13F3850F-71EA-4741-A182-94C4C2F636F5}"/>
+                <a16:creationId xmlns="" xmlns:a16="http://schemas.microsoft.com/office/drawing/2014/main" id="{13F3850F-71EA-4741-A182-94C4C2F636F5}"/>
               </a:ext>
             </a:extLst>
           </p:cNvPr>
@@ -3756,7 +3757,7 @@
     </p:spTree>
     <p:extLst>
       <p:ext uri="{BB962C8B-B14F-4D97-AF65-F5344CB8AC3E}">
-        <p14:creationId xmlns:p14="http://schemas.microsoft.com/office/powerpoint/2010/main" val="2643686151"/>
+        <p14:creationId xmlns:p14="http://schemas.microsoft.com/office/powerpoint/2010/main" xmlns="" val="2643686151"/>
       </p:ext>
     </p:extLst>
   </p:cSld>
@@ -3795,7 +3796,7 @@
           <p:cNvPr id="2" name="Titel 1">
             <a:extLst>
               <a:ext uri="{FF2B5EF4-FFF2-40B4-BE49-F238E27FC236}">
-                <a16:creationId xmlns:a16="http://schemas.microsoft.com/office/drawing/2014/main" xmlns="" id="{769A96FB-BA26-47C0-85BC-9E5A44D94A65}"/>
+                <a16:creationId xmlns="" xmlns:a16="http://schemas.microsoft.com/office/drawing/2014/main" id="{769A96FB-BA26-47C0-85BC-9E5A44D94A65}"/>
               </a:ext>
             </a:extLst>
           </p:cNvPr>
@@ -3823,7 +3824,7 @@
           <p:cNvPr id="5" name="Tijdelijke aanduiding voor inhoud 4">
             <a:extLst>
               <a:ext uri="{FF2B5EF4-FFF2-40B4-BE49-F238E27FC236}">
-                <a16:creationId xmlns:a16="http://schemas.microsoft.com/office/drawing/2014/main" xmlns="" id="{82F9B9FE-1870-4902-A7DB-4B27D59D2B2B}"/>
+                <a16:creationId xmlns="" xmlns:a16="http://schemas.microsoft.com/office/drawing/2014/main" id="{82F9B9FE-1870-4902-A7DB-4B27D59D2B2B}"/>
               </a:ext>
             </a:extLst>
           </p:cNvPr>
@@ -3838,7 +3839,7 @@
           <a:blip r:embed="rId2" cstate="print">
             <a:extLst>
               <a:ext uri="{28A0092B-C50C-407E-A947-70E740481C1C}">
-                <a14:useLocalDpi xmlns:a14="http://schemas.microsoft.com/office/drawing/2010/main" val="0"/>
+                <a14:useLocalDpi xmlns:a14="http://schemas.microsoft.com/office/drawing/2010/main" xmlns="" val="0"/>
               </a:ext>
             </a:extLst>
           </a:blip>
@@ -3858,7 +3859,7 @@
           <p:cNvPr id="6" name="Tekstvak 5">
             <a:extLst>
               <a:ext uri="{FF2B5EF4-FFF2-40B4-BE49-F238E27FC236}">
-                <a16:creationId xmlns:a16="http://schemas.microsoft.com/office/drawing/2014/main" xmlns="" id="{D8F2D3D1-1FE8-4AA0-B6C8-D7E88097CE04}"/>
+                <a16:creationId xmlns="" xmlns:a16="http://schemas.microsoft.com/office/drawing/2014/main" id="{D8F2D3D1-1FE8-4AA0-B6C8-D7E88097CE04}"/>
               </a:ext>
             </a:extLst>
           </p:cNvPr>
@@ -3894,7 +3895,7 @@
           <p:cNvPr id="8" name="Afbeelding 7">
             <a:extLst>
               <a:ext uri="{FF2B5EF4-FFF2-40B4-BE49-F238E27FC236}">
-                <a16:creationId xmlns:a16="http://schemas.microsoft.com/office/drawing/2014/main" xmlns="" id="{819AAC82-0B32-4FA7-B311-90C90A003DAD}"/>
+                <a16:creationId xmlns="" xmlns:a16="http://schemas.microsoft.com/office/drawing/2014/main" id="{819AAC82-0B32-4FA7-B311-90C90A003DAD}"/>
               </a:ext>
             </a:extLst>
           </p:cNvPr>
@@ -3907,7 +3908,7 @@
           <a:blip r:embed="rId3" cstate="print">
             <a:extLst>
               <a:ext uri="{28A0092B-C50C-407E-A947-70E740481C1C}">
-                <a14:useLocalDpi xmlns:a14="http://schemas.microsoft.com/office/drawing/2010/main" val="0"/>
+                <a14:useLocalDpi xmlns:a14="http://schemas.microsoft.com/office/drawing/2010/main" xmlns="" val="0"/>
               </a:ext>
             </a:extLst>
           </a:blip>
@@ -3929,7 +3930,7 @@
           <p:cNvPr id="11" name="Pijl: rechts 10">
             <a:extLst>
               <a:ext uri="{FF2B5EF4-FFF2-40B4-BE49-F238E27FC236}">
-                <a16:creationId xmlns:a16="http://schemas.microsoft.com/office/drawing/2014/main" xmlns="" id="{C3B3C454-C61F-4642-AC5E-175E78B46E93}"/>
+                <a16:creationId xmlns="" xmlns:a16="http://schemas.microsoft.com/office/drawing/2014/main" id="{C3B3C454-C61F-4642-AC5E-175E78B46E93}"/>
               </a:ext>
             </a:extLst>
           </p:cNvPr>
@@ -3975,7 +3976,7 @@
           <p:cNvPr id="12" name="Tekstvak 11">
             <a:extLst>
               <a:ext uri="{FF2B5EF4-FFF2-40B4-BE49-F238E27FC236}">
-                <a16:creationId xmlns:a16="http://schemas.microsoft.com/office/drawing/2014/main" xmlns="" id="{1AF95B95-DF37-4511-BC26-2A337B82EADC}"/>
+                <a16:creationId xmlns="" xmlns:a16="http://schemas.microsoft.com/office/drawing/2014/main" id="{1AF95B95-DF37-4511-BC26-2A337B82EADC}"/>
               </a:ext>
             </a:extLst>
           </p:cNvPr>
@@ -4010,7 +4011,7 @@
           <p:cNvPr id="9" name="Afbeelding 8">
             <a:extLst>
               <a:ext uri="{FF2B5EF4-FFF2-40B4-BE49-F238E27FC236}">
-                <a16:creationId xmlns:a16="http://schemas.microsoft.com/office/drawing/2014/main" xmlns="" id="{1B858127-D2F6-4D2B-B5A9-94CF7612B179}"/>
+                <a16:creationId xmlns="" xmlns:a16="http://schemas.microsoft.com/office/drawing/2014/main" id="{1B858127-D2F6-4D2B-B5A9-94CF7612B179}"/>
               </a:ext>
             </a:extLst>
           </p:cNvPr>
@@ -4023,7 +4024,7 @@
           <a:blip r:embed="rId4" cstate="print">
             <a:extLst>
               <a:ext uri="{28A0092B-C50C-407E-A947-70E740481C1C}">
-                <a14:useLocalDpi xmlns:a14="http://schemas.microsoft.com/office/drawing/2010/main" val="0"/>
+                <a14:useLocalDpi xmlns:a14="http://schemas.microsoft.com/office/drawing/2010/main" xmlns="" val="0"/>
               </a:ext>
             </a:extLst>
           </a:blip>
@@ -4046,7 +4047,7 @@
           <p:cNvPr id="10" name="Pijl: rechts 9">
             <a:extLst>
               <a:ext uri="{FF2B5EF4-FFF2-40B4-BE49-F238E27FC236}">
-                <a16:creationId xmlns:a16="http://schemas.microsoft.com/office/drawing/2014/main" xmlns="" id="{13F3850F-71EA-4741-A182-94C4C2F636F5}"/>
+                <a16:creationId xmlns="" xmlns:a16="http://schemas.microsoft.com/office/drawing/2014/main" id="{13F3850F-71EA-4741-A182-94C4C2F636F5}"/>
               </a:ext>
             </a:extLst>
           </p:cNvPr>
@@ -4092,7 +4093,7 @@
           <p:cNvPr id="3" name="Ovaal 2">
             <a:extLst>
               <a:ext uri="{FF2B5EF4-FFF2-40B4-BE49-F238E27FC236}">
-                <a16:creationId xmlns:a16="http://schemas.microsoft.com/office/drawing/2014/main" xmlns="" id="{19B9F891-8EF8-44F6-B6ED-BB2422D771A3}"/>
+                <a16:creationId xmlns="" xmlns:a16="http://schemas.microsoft.com/office/drawing/2014/main" id="{19B9F891-8EF8-44F6-B6ED-BB2422D771A3}"/>
               </a:ext>
             </a:extLst>
           </p:cNvPr>
@@ -4141,7 +4142,7 @@
           <p:cNvPr id="13" name="Ovaal 12">
             <a:extLst>
               <a:ext uri="{FF2B5EF4-FFF2-40B4-BE49-F238E27FC236}">
-                <a16:creationId xmlns:a16="http://schemas.microsoft.com/office/drawing/2014/main" xmlns="" id="{24DD1F6E-573A-4E2D-8811-591CE94E629B}"/>
+                <a16:creationId xmlns="" xmlns:a16="http://schemas.microsoft.com/office/drawing/2014/main" id="{24DD1F6E-573A-4E2D-8811-591CE94E629B}"/>
               </a:ext>
             </a:extLst>
           </p:cNvPr>
@@ -4190,7 +4191,7 @@
           <p:cNvPr id="7" name="Rechte verbindingslijn met pijl 6">
             <a:extLst>
               <a:ext uri="{FF2B5EF4-FFF2-40B4-BE49-F238E27FC236}">
-                <a16:creationId xmlns:a16="http://schemas.microsoft.com/office/drawing/2014/main" xmlns="" id="{D5C82334-4E2E-4051-961A-F679B07C4F1F}"/>
+                <a16:creationId xmlns="" xmlns:a16="http://schemas.microsoft.com/office/drawing/2014/main" id="{D5C82334-4E2E-4051-961A-F679B07C4F1F}"/>
               </a:ext>
             </a:extLst>
           </p:cNvPr>
@@ -4232,7 +4233,7 @@
           <p:cNvPr id="16" name="Rechte verbindingslijn met pijl 15">
             <a:extLst>
               <a:ext uri="{FF2B5EF4-FFF2-40B4-BE49-F238E27FC236}">
-                <a16:creationId xmlns:a16="http://schemas.microsoft.com/office/drawing/2014/main" xmlns="" id="{705EA1F6-DA7E-4475-8576-E76A7C126F12}"/>
+                <a16:creationId xmlns="" xmlns:a16="http://schemas.microsoft.com/office/drawing/2014/main" id="{705EA1F6-DA7E-4475-8576-E76A7C126F12}"/>
               </a:ext>
             </a:extLst>
           </p:cNvPr>
@@ -4272,7 +4273,7 @@
     </p:spTree>
     <p:extLst>
       <p:ext uri="{BB962C8B-B14F-4D97-AF65-F5344CB8AC3E}">
-        <p14:creationId xmlns:p14="http://schemas.microsoft.com/office/powerpoint/2010/main" val="845698545"/>
+        <p14:creationId xmlns:p14="http://schemas.microsoft.com/office/powerpoint/2010/main" xmlns="" val="845698545"/>
       </p:ext>
     </p:extLst>
   </p:cSld>
@@ -4311,7 +4312,7 @@
           <p:cNvPr id="2" name="Titel 1">
             <a:extLst>
               <a:ext uri="{FF2B5EF4-FFF2-40B4-BE49-F238E27FC236}">
-                <a16:creationId xmlns:a16="http://schemas.microsoft.com/office/drawing/2014/main" xmlns="" id="{28AC7F7A-EB5E-48A2-A178-02E17BA194BE}"/>
+                <a16:creationId xmlns="" xmlns:a16="http://schemas.microsoft.com/office/drawing/2014/main" id="{28AC7F7A-EB5E-48A2-A178-02E17BA194BE}"/>
               </a:ext>
             </a:extLst>
           </p:cNvPr>
@@ -4356,7 +4357,7 @@
           <p:cNvPr id="4" name="Tijdelijke aanduiding voor inhoud 3">
             <a:extLst>
               <a:ext uri="{FF2B5EF4-FFF2-40B4-BE49-F238E27FC236}">
-                <a16:creationId xmlns:a16="http://schemas.microsoft.com/office/drawing/2014/main" xmlns="" id="{12A0C32B-A310-4B27-B6D9-73509A425B75}"/>
+                <a16:creationId xmlns="" xmlns:a16="http://schemas.microsoft.com/office/drawing/2014/main" id="{12A0C32B-A310-4B27-B6D9-73509A425B75}"/>
               </a:ext>
             </a:extLst>
           </p:cNvPr>
@@ -4385,7 +4386,7 @@
     </p:spTree>
     <p:extLst>
       <p:ext uri="{BB962C8B-B14F-4D97-AF65-F5344CB8AC3E}">
-        <p14:creationId xmlns:p14="http://schemas.microsoft.com/office/powerpoint/2010/main" val="2460963347"/>
+        <p14:creationId xmlns:p14="http://schemas.microsoft.com/office/powerpoint/2010/main" xmlns="" val="2460963347"/>
       </p:ext>
     </p:extLst>
   </p:cSld>
@@ -4534,7 +4535,6 @@
               <a:rPr lang="en-US" dirty="0" smtClean="0"/>
               <a:t>Upper/Lower Bound</a:t>
             </a:r>
-            <a:endParaRPr lang="en-US" dirty="0" smtClean="0"/>
           </a:p>
           <a:p>
             <a:pPr marL="457200" lvl="1" indent="0">
@@ -4601,42 +4601,91 @@
               <a:rPr lang="en-US" dirty="0" err="1" smtClean="0"/>
               <a:t>Methode</a:t>
             </a:r>
+            <a:r>
+              <a:rPr lang="en-US" dirty="0" smtClean="0"/>
+              <a:t>	</a:t>
+            </a:r>
             <a:endParaRPr lang="en-US" dirty="0"/>
           </a:p>
         </p:txBody>
       </p:sp>
-      <p:pic>
-        <p:nvPicPr>
-          <p:cNvPr id="1026" name="Picture 2"/>
-          <p:cNvPicPr>
-            <a:picLocks noChangeAspect="1" noChangeArrowheads="1"/>
-          </p:cNvPicPr>
-          <p:nvPr/>
-        </p:nvPicPr>
-        <p:blipFill>
-          <a:blip r:embed="rId2" cstate="print"/>
-          <a:srcRect/>
-          <a:stretch>
-            <a:fillRect/>
-          </a:stretch>
-        </p:blipFill>
-        <p:spPr bwMode="auto">
-          <a:xfrm>
-            <a:off x="951669" y="1750958"/>
-            <a:ext cx="8206610" cy="3899414"/>
-          </a:xfrm>
-          <a:prstGeom prst="rect">
-            <a:avLst/>
-          </a:prstGeom>
-          <a:noFill/>
-          <a:ln w="9525">
-            <a:noFill/>
-            <a:miter lim="800000"/>
-            <a:headEnd/>
-            <a:tailEnd/>
-          </a:ln>
-        </p:spPr>
-      </p:pic>
+      <p:sp>
+        <p:nvSpPr>
+          <p:cNvPr id="3" name="Tijdelijke aanduiding voor inhoud 2"/>
+          <p:cNvSpPr>
+            <a:spLocks noGrp="1"/>
+          </p:cNvSpPr>
+          <p:nvPr>
+            <p:ph idx="1"/>
+          </p:nvPr>
+        </p:nvSpPr>
+        <p:spPr/>
+        <p:txBody>
+          <a:bodyPr/>
+          <a:lstStyle/>
+          <a:p>
+            <a:r>
+              <a:rPr lang="nl-NL" dirty="0" smtClean="0"/>
+              <a:t>Classes</a:t>
+            </a:r>
+          </a:p>
+          <a:p>
+            <a:pPr lvl="1"/>
+            <a:r>
+              <a:rPr lang="nl-NL" dirty="0" err="1" smtClean="0"/>
+              <a:t>Amino</a:t>
+            </a:r>
+            <a:r>
+              <a:rPr lang="nl-NL" dirty="0" smtClean="0"/>
+              <a:t> Acid</a:t>
+            </a:r>
+          </a:p>
+          <a:p>
+            <a:pPr lvl="1"/>
+            <a:r>
+              <a:rPr lang="nl-NL" dirty="0" err="1" smtClean="0"/>
+              <a:t>Amino</a:t>
+            </a:r>
+            <a:r>
+              <a:rPr lang="nl-NL" dirty="0" smtClean="0"/>
+              <a:t> Acid </a:t>
+            </a:r>
+            <a:r>
+              <a:rPr lang="nl-NL" dirty="0" err="1" smtClean="0"/>
+              <a:t>Chain</a:t>
+            </a:r>
+            <a:endParaRPr lang="nl-NL" dirty="0" smtClean="0"/>
+          </a:p>
+          <a:p>
+            <a:r>
+              <a:rPr lang="nl-NL" dirty="0" smtClean="0"/>
+              <a:t>Assenstelsel </a:t>
+            </a:r>
+            <a:endParaRPr lang="nl-NL" dirty="0" smtClean="0"/>
+          </a:p>
+          <a:p>
+            <a:pPr lvl="1"/>
+            <a:r>
+              <a:rPr lang="nl-NL" dirty="0" smtClean="0"/>
+              <a:t>2D (x, y)</a:t>
+            </a:r>
+          </a:p>
+          <a:p>
+            <a:pPr lvl="1"/>
+            <a:r>
+              <a:rPr lang="nl-NL" dirty="0" smtClean="0"/>
+              <a:t>3D (x, y, z)</a:t>
+            </a:r>
+          </a:p>
+          <a:p>
+            <a:r>
+              <a:rPr lang="nl-NL" dirty="0" smtClean="0"/>
+              <a:t>Plot</a:t>
+            </a:r>
+            <a:endParaRPr lang="en-US" dirty="0"/>
+          </a:p>
+        </p:txBody>
+      </p:sp>
     </p:spTree>
   </p:cSld>
   <p:clrMapOvr>
@@ -4688,73 +4737,55 @@
               <a:rPr lang="en-US" dirty="0" err="1" smtClean="0"/>
               <a:t>Methode</a:t>
             </a:r>
+            <a:endParaRPr lang="en-US" dirty="0"/>
+          </a:p>
+        </p:txBody>
+      </p:sp>
+      <p:sp>
+        <p:nvSpPr>
+          <p:cNvPr id="3" name="Tijdelijke aanduiding voor inhoud 2"/>
+          <p:cNvSpPr>
+            <a:spLocks noGrp="1"/>
+          </p:cNvSpPr>
+          <p:nvPr>
+            <p:ph idx="1"/>
+          </p:nvPr>
+        </p:nvSpPr>
+        <p:spPr/>
+        <p:txBody>
+          <a:bodyPr/>
+          <a:lstStyle/>
+          <a:p>
+            <a:r>
+              <a:rPr lang="en-US" dirty="0" err="1" smtClean="0"/>
+              <a:t>Algoritmes</a:t>
+            </a:r>
             <a:r>
               <a:rPr lang="en-US" dirty="0" smtClean="0"/>
-              <a:t>	</a:t>
-            </a:r>
-            <a:endParaRPr lang="en-US" dirty="0"/>
-          </a:p>
-        </p:txBody>
-      </p:sp>
-      <p:sp>
-        <p:nvSpPr>
-          <p:cNvPr id="3" name="Tijdelijke aanduiding voor inhoud 2"/>
-          <p:cNvSpPr>
-            <a:spLocks noGrp="1"/>
-          </p:cNvSpPr>
-          <p:nvPr>
-            <p:ph idx="1"/>
-          </p:nvPr>
-        </p:nvSpPr>
-        <p:spPr/>
-        <p:txBody>
-          <a:bodyPr/>
-          <a:lstStyle/>
-          <a:p>
-            <a:r>
-              <a:rPr lang="nl-NL" dirty="0" smtClean="0"/>
-              <a:t>Random vouwen</a:t>
+              <a:t>:</a:t>
             </a:r>
           </a:p>
           <a:p>
             <a:pPr lvl="1"/>
             <a:r>
-              <a:rPr lang="nl-NL" dirty="0" err="1" smtClean="0"/>
-              <a:t>Constraints</a:t>
-            </a:r>
-            <a:r>
-              <a:rPr lang="nl-NL" dirty="0" smtClean="0"/>
-              <a:t>	 </a:t>
-            </a:r>
-          </a:p>
-          <a:p>
-            <a:r>
-              <a:rPr lang="nl-NL" dirty="0" smtClean="0"/>
-              <a:t>Assenstelsel </a:t>
+              <a:rPr lang="en-US" dirty="0" smtClean="0"/>
+              <a:t>Random</a:t>
             </a:r>
           </a:p>
           <a:p>
             <a:pPr lvl="1"/>
             <a:r>
-              <a:rPr lang="nl-NL" dirty="0" smtClean="0"/>
-              <a:t>2D (x, y)</a:t>
+              <a:rPr lang="en-US" dirty="0" smtClean="0"/>
+              <a:t>Breadth-first</a:t>
             </a:r>
           </a:p>
           <a:p>
             <a:pPr lvl="1"/>
             <a:r>
-              <a:rPr lang="nl-NL" dirty="0" smtClean="0"/>
-              <a:t>3D (x, y, z)</a:t>
-            </a:r>
-          </a:p>
-          <a:p>
-            <a:r>
-              <a:rPr lang="nl-NL" dirty="0" smtClean="0"/>
-              <a:t>Plot</a:t>
-            </a:r>
-          </a:p>
-          <a:p>
-            <a:endParaRPr lang="en-US" dirty="0"/>
+              <a:rPr lang="en-US" dirty="0" err="1" smtClean="0"/>
+              <a:t>Hillclimber</a:t>
+            </a:r>
+            <a:endParaRPr lang="en-US" dirty="0" smtClean="0"/>
           </a:p>
         </p:txBody>
       </p:sp>
@@ -4763,13 +4794,73 @@
   <p:clrMapOvr>
     <a:masterClrMapping/>
   </p:clrMapOvr>
-  <p:timing>
-    <p:tnLst>
-      <p:par>
-        <p:cTn id="1" dur="indefinite" restart="never" nodeType="tmRoot"/>
-      </p:par>
-    </p:tnLst>
-  </p:timing>
+</p:sld>
+</file>
+
+<file path=ppt/slides/slide8.xml><?xml version="1.0" encoding="utf-8"?>
+<p:sld xmlns:a="http://schemas.openxmlformats.org/drawingml/2006/main" xmlns:r="http://schemas.openxmlformats.org/officeDocument/2006/relationships" xmlns:p="http://schemas.openxmlformats.org/presentationml/2006/main">
+  <p:cSld>
+    <p:spTree>
+      <p:nvGrpSpPr>
+        <p:cNvPr id="1" name=""/>
+        <p:cNvGrpSpPr/>
+        <p:nvPr/>
+      </p:nvGrpSpPr>
+      <p:grpSpPr>
+        <a:xfrm>
+          <a:off x="0" y="0"/>
+          <a:ext cx="0" cy="0"/>
+          <a:chOff x="0" y="0"/>
+          <a:chExt cx="0" cy="0"/>
+        </a:xfrm>
+      </p:grpSpPr>
+      <p:sp>
+        <p:nvSpPr>
+          <p:cNvPr id="2" name="Titel 1"/>
+          <p:cNvSpPr>
+            <a:spLocks noGrp="1"/>
+          </p:cNvSpPr>
+          <p:nvPr>
+            <p:ph type="title"/>
+          </p:nvPr>
+        </p:nvSpPr>
+        <p:spPr/>
+        <p:txBody>
+          <a:bodyPr/>
+          <a:lstStyle/>
+          <a:p>
+            <a:r>
+              <a:rPr lang="en-US" dirty="0" err="1" smtClean="0"/>
+              <a:t>Resultaten</a:t>
+            </a:r>
+            <a:endParaRPr lang="en-US" dirty="0"/>
+          </a:p>
+        </p:txBody>
+      </p:sp>
+      <p:sp>
+        <p:nvSpPr>
+          <p:cNvPr id="3" name="Tijdelijke aanduiding voor inhoud 2"/>
+          <p:cNvSpPr>
+            <a:spLocks noGrp="1"/>
+          </p:cNvSpPr>
+          <p:nvPr>
+            <p:ph idx="1"/>
+          </p:nvPr>
+        </p:nvSpPr>
+        <p:spPr/>
+        <p:txBody>
+          <a:bodyPr/>
+          <a:lstStyle/>
+          <a:p>
+            <a:endParaRPr lang="en-US"/>
+          </a:p>
+        </p:txBody>
+      </p:sp>
+    </p:spTree>
+  </p:cSld>
+  <p:clrMapOvr>
+    <a:masterClrMapping/>
+  </p:clrMapOvr>
 </p:sld>
 </file>
 
@@ -5062,7 +5153,7 @@
   <a:extraClrSchemeLst/>
   <a:extLst>
     <a:ext uri="{05A4C25C-085E-4340-85A3-A5531E510DB2}">
-      <thm15:themeFamily xmlns:thm15="http://schemas.microsoft.com/office/thememl/2012/main" xmlns="" name="Office Theme" id="{62F939B6-93AF-4DB8-9C6B-D6C7DFDC589F}" vid="{4A3C46E8-61CC-4603-A589-7422A47A8E4A}"/>
+      <thm15:themeFamily xmlns="" xmlns:thm15="http://schemas.microsoft.com/office/thememl/2012/main" name="Office Theme" id="{62F939B6-93AF-4DB8-9C6B-D6C7DFDC589F}" vid="{4A3C46E8-61CC-4603-A589-7422A47A8E4A}"/>
     </a:ext>
   </a:extLst>
 </a:theme>

--- a/Presentations/Proteasen - week 1.pptx
+++ b/Presentations/Proteasen - week 1.pptx
@@ -13,6 +13,8 @@
     <p:sldId id="265" r:id="rId7"/>
     <p:sldId id="267" r:id="rId8"/>
     <p:sldId id="268" r:id="rId9"/>
+    <p:sldId id="269" r:id="rId10"/>
+    <p:sldId id="270" r:id="rId11"/>
   </p:sldIdLst>
   <p:sldSz cx="12192000" cy="6858000"/>
   <p:notesSz cx="6858000" cy="9144000"/>
@@ -136,7 +138,7 @@
           <p:cNvPr id="2" name="Titel 1">
             <a:extLst>
               <a:ext uri="{FF2B5EF4-FFF2-40B4-BE49-F238E27FC236}">
-                <a16:creationId xmlns="" xmlns:a16="http://schemas.microsoft.com/office/drawing/2014/main" id="{EFD99023-B551-45B8-A12C-2917446E04BE}"/>
+                <a16:creationId xmlns:a16="http://schemas.microsoft.com/office/drawing/2014/main" xmlns="" id="{EFD99023-B551-45B8-A12C-2917446E04BE}"/>
               </a:ext>
             </a:extLst>
           </p:cNvPr>
@@ -173,7 +175,7 @@
           <p:cNvPr id="3" name="Ondertitel 2">
             <a:extLst>
               <a:ext uri="{FF2B5EF4-FFF2-40B4-BE49-F238E27FC236}">
-                <a16:creationId xmlns="" xmlns:a16="http://schemas.microsoft.com/office/drawing/2014/main" id="{2E009DEA-736C-495D-A0BD-D3CB755CD810}"/>
+                <a16:creationId xmlns:a16="http://schemas.microsoft.com/office/drawing/2014/main" xmlns="" id="{2E009DEA-736C-495D-A0BD-D3CB755CD810}"/>
               </a:ext>
             </a:extLst>
           </p:cNvPr>
@@ -243,7 +245,7 @@
           <p:cNvPr id="4" name="Tijdelijke aanduiding voor datum 3">
             <a:extLst>
               <a:ext uri="{FF2B5EF4-FFF2-40B4-BE49-F238E27FC236}">
-                <a16:creationId xmlns="" xmlns:a16="http://schemas.microsoft.com/office/drawing/2014/main" id="{67209F8F-9D5D-4D9E-AC0A-70E79D66B973}"/>
+                <a16:creationId xmlns:a16="http://schemas.microsoft.com/office/drawing/2014/main" xmlns="" id="{67209F8F-9D5D-4D9E-AC0A-70E79D66B973}"/>
               </a:ext>
             </a:extLst>
           </p:cNvPr>
@@ -273,7 +275,7 @@
           <p:cNvPr id="5" name="Tijdelijke aanduiding voor voettekst 4">
             <a:extLst>
               <a:ext uri="{FF2B5EF4-FFF2-40B4-BE49-F238E27FC236}">
-                <a16:creationId xmlns="" xmlns:a16="http://schemas.microsoft.com/office/drawing/2014/main" id="{54E64078-7028-4A61-9D1A-E34F5B16D07A}"/>
+                <a16:creationId xmlns:a16="http://schemas.microsoft.com/office/drawing/2014/main" xmlns="" id="{54E64078-7028-4A61-9D1A-E34F5B16D07A}"/>
               </a:ext>
             </a:extLst>
           </p:cNvPr>
@@ -298,7 +300,7 @@
           <p:cNvPr id="6" name="Tijdelijke aanduiding voor dianummer 5">
             <a:extLst>
               <a:ext uri="{FF2B5EF4-FFF2-40B4-BE49-F238E27FC236}">
-                <a16:creationId xmlns="" xmlns:a16="http://schemas.microsoft.com/office/drawing/2014/main" id="{F94CF3BC-A337-46FC-9ED2-A70F074C57CD}"/>
+                <a16:creationId xmlns:a16="http://schemas.microsoft.com/office/drawing/2014/main" xmlns="" id="{F94CF3BC-A337-46FC-9ED2-A70F074C57CD}"/>
               </a:ext>
             </a:extLst>
           </p:cNvPr>
@@ -326,7 +328,7 @@
     </p:spTree>
     <p:extLst>
       <p:ext uri="{BB962C8B-B14F-4D97-AF65-F5344CB8AC3E}">
-        <p14:creationId xmlns:p14="http://schemas.microsoft.com/office/powerpoint/2010/main" xmlns="" val="3805358241"/>
+        <p14:creationId xmlns="" xmlns:p14="http://schemas.microsoft.com/office/powerpoint/2010/main" val="3805358241"/>
       </p:ext>
     </p:extLst>
   </p:cSld>
@@ -358,7 +360,7 @@
           <p:cNvPr id="2" name="Titel 1">
             <a:extLst>
               <a:ext uri="{FF2B5EF4-FFF2-40B4-BE49-F238E27FC236}">
-                <a16:creationId xmlns="" xmlns:a16="http://schemas.microsoft.com/office/drawing/2014/main" id="{A0360AC8-B78F-4264-BCDD-ACDC27E57432}"/>
+                <a16:creationId xmlns:a16="http://schemas.microsoft.com/office/drawing/2014/main" xmlns="" id="{A0360AC8-B78F-4264-BCDD-ACDC27E57432}"/>
               </a:ext>
             </a:extLst>
           </p:cNvPr>
@@ -386,7 +388,7 @@
           <p:cNvPr id="3" name="Tijdelijke aanduiding voor verticale tekst 2">
             <a:extLst>
               <a:ext uri="{FF2B5EF4-FFF2-40B4-BE49-F238E27FC236}">
-                <a16:creationId xmlns="" xmlns:a16="http://schemas.microsoft.com/office/drawing/2014/main" id="{CBC2C12D-CEBD-47C9-B6B8-76D5A5B9B46B}"/>
+                <a16:creationId xmlns:a16="http://schemas.microsoft.com/office/drawing/2014/main" xmlns="" id="{CBC2C12D-CEBD-47C9-B6B8-76D5A5B9B46B}"/>
               </a:ext>
             </a:extLst>
           </p:cNvPr>
@@ -443,7 +445,7 @@
           <p:cNvPr id="4" name="Tijdelijke aanduiding voor datum 3">
             <a:extLst>
               <a:ext uri="{FF2B5EF4-FFF2-40B4-BE49-F238E27FC236}">
-                <a16:creationId xmlns="" xmlns:a16="http://schemas.microsoft.com/office/drawing/2014/main" id="{99C3A252-6B99-4635-BB91-A7D08534575D}"/>
+                <a16:creationId xmlns:a16="http://schemas.microsoft.com/office/drawing/2014/main" xmlns="" id="{99C3A252-6B99-4635-BB91-A7D08534575D}"/>
               </a:ext>
             </a:extLst>
           </p:cNvPr>
@@ -473,7 +475,7 @@
           <p:cNvPr id="5" name="Tijdelijke aanduiding voor voettekst 4">
             <a:extLst>
               <a:ext uri="{FF2B5EF4-FFF2-40B4-BE49-F238E27FC236}">
-                <a16:creationId xmlns="" xmlns:a16="http://schemas.microsoft.com/office/drawing/2014/main" id="{55C44EC4-4316-439A-80F3-5CF8FA8B9E4D}"/>
+                <a16:creationId xmlns:a16="http://schemas.microsoft.com/office/drawing/2014/main" xmlns="" id="{55C44EC4-4316-439A-80F3-5CF8FA8B9E4D}"/>
               </a:ext>
             </a:extLst>
           </p:cNvPr>
@@ -498,7 +500,7 @@
           <p:cNvPr id="6" name="Tijdelijke aanduiding voor dianummer 5">
             <a:extLst>
               <a:ext uri="{FF2B5EF4-FFF2-40B4-BE49-F238E27FC236}">
-                <a16:creationId xmlns="" xmlns:a16="http://schemas.microsoft.com/office/drawing/2014/main" id="{51651B2C-E2E2-469B-9BC0-4F51A8AB8FCF}"/>
+                <a16:creationId xmlns:a16="http://schemas.microsoft.com/office/drawing/2014/main" xmlns="" id="{51651B2C-E2E2-469B-9BC0-4F51A8AB8FCF}"/>
               </a:ext>
             </a:extLst>
           </p:cNvPr>
@@ -526,7 +528,7 @@
     </p:spTree>
     <p:extLst>
       <p:ext uri="{BB962C8B-B14F-4D97-AF65-F5344CB8AC3E}">
-        <p14:creationId xmlns:p14="http://schemas.microsoft.com/office/powerpoint/2010/main" xmlns="" val="3203477417"/>
+        <p14:creationId xmlns="" xmlns:p14="http://schemas.microsoft.com/office/powerpoint/2010/main" val="3203477417"/>
       </p:ext>
     </p:extLst>
   </p:cSld>
@@ -558,7 +560,7 @@
           <p:cNvPr id="2" name="Verticale titel 1">
             <a:extLst>
               <a:ext uri="{FF2B5EF4-FFF2-40B4-BE49-F238E27FC236}">
-                <a16:creationId xmlns="" xmlns:a16="http://schemas.microsoft.com/office/drawing/2014/main" id="{A8495113-02DB-4A72-A690-2DCF724F608D}"/>
+                <a16:creationId xmlns:a16="http://schemas.microsoft.com/office/drawing/2014/main" xmlns="" id="{A8495113-02DB-4A72-A690-2DCF724F608D}"/>
               </a:ext>
             </a:extLst>
           </p:cNvPr>
@@ -591,7 +593,7 @@
           <p:cNvPr id="3" name="Tijdelijke aanduiding voor verticale tekst 2">
             <a:extLst>
               <a:ext uri="{FF2B5EF4-FFF2-40B4-BE49-F238E27FC236}">
-                <a16:creationId xmlns="" xmlns:a16="http://schemas.microsoft.com/office/drawing/2014/main" id="{C31B8AC1-42B5-4119-AC97-D81F532327F3}"/>
+                <a16:creationId xmlns:a16="http://schemas.microsoft.com/office/drawing/2014/main" xmlns="" id="{C31B8AC1-42B5-4119-AC97-D81F532327F3}"/>
               </a:ext>
             </a:extLst>
           </p:cNvPr>
@@ -653,7 +655,7 @@
           <p:cNvPr id="4" name="Tijdelijke aanduiding voor datum 3">
             <a:extLst>
               <a:ext uri="{FF2B5EF4-FFF2-40B4-BE49-F238E27FC236}">
-                <a16:creationId xmlns="" xmlns:a16="http://schemas.microsoft.com/office/drawing/2014/main" id="{C56E96B1-1940-4306-AE29-87A98AD3166A}"/>
+                <a16:creationId xmlns:a16="http://schemas.microsoft.com/office/drawing/2014/main" xmlns="" id="{C56E96B1-1940-4306-AE29-87A98AD3166A}"/>
               </a:ext>
             </a:extLst>
           </p:cNvPr>
@@ -683,7 +685,7 @@
           <p:cNvPr id="5" name="Tijdelijke aanduiding voor voettekst 4">
             <a:extLst>
               <a:ext uri="{FF2B5EF4-FFF2-40B4-BE49-F238E27FC236}">
-                <a16:creationId xmlns="" xmlns:a16="http://schemas.microsoft.com/office/drawing/2014/main" id="{A5988C8F-FC0C-4CBE-BA17-CA0DFB99C566}"/>
+                <a16:creationId xmlns:a16="http://schemas.microsoft.com/office/drawing/2014/main" xmlns="" id="{A5988C8F-FC0C-4CBE-BA17-CA0DFB99C566}"/>
               </a:ext>
             </a:extLst>
           </p:cNvPr>
@@ -708,7 +710,7 @@
           <p:cNvPr id="6" name="Tijdelijke aanduiding voor dianummer 5">
             <a:extLst>
               <a:ext uri="{FF2B5EF4-FFF2-40B4-BE49-F238E27FC236}">
-                <a16:creationId xmlns="" xmlns:a16="http://schemas.microsoft.com/office/drawing/2014/main" id="{5965722C-5852-44DE-9F55-897A005A5E6B}"/>
+                <a16:creationId xmlns:a16="http://schemas.microsoft.com/office/drawing/2014/main" xmlns="" id="{5965722C-5852-44DE-9F55-897A005A5E6B}"/>
               </a:ext>
             </a:extLst>
           </p:cNvPr>
@@ -736,7 +738,7 @@
     </p:spTree>
     <p:extLst>
       <p:ext uri="{BB962C8B-B14F-4D97-AF65-F5344CB8AC3E}">
-        <p14:creationId xmlns:p14="http://schemas.microsoft.com/office/powerpoint/2010/main" xmlns="" val="1094053022"/>
+        <p14:creationId xmlns="" xmlns:p14="http://schemas.microsoft.com/office/powerpoint/2010/main" val="1094053022"/>
       </p:ext>
     </p:extLst>
   </p:cSld>
@@ -768,7 +770,7 @@
           <p:cNvPr id="2" name="Titel 1">
             <a:extLst>
               <a:ext uri="{FF2B5EF4-FFF2-40B4-BE49-F238E27FC236}">
-                <a16:creationId xmlns="" xmlns:a16="http://schemas.microsoft.com/office/drawing/2014/main" id="{016A3A2C-E9A1-46E3-B56B-6107511A4824}"/>
+                <a16:creationId xmlns:a16="http://schemas.microsoft.com/office/drawing/2014/main" xmlns="" id="{016A3A2C-E9A1-46E3-B56B-6107511A4824}"/>
               </a:ext>
             </a:extLst>
           </p:cNvPr>
@@ -796,7 +798,7 @@
           <p:cNvPr id="3" name="Tijdelijke aanduiding voor inhoud 2">
             <a:extLst>
               <a:ext uri="{FF2B5EF4-FFF2-40B4-BE49-F238E27FC236}">
-                <a16:creationId xmlns="" xmlns:a16="http://schemas.microsoft.com/office/drawing/2014/main" id="{3767E90F-0F89-4A06-B8E9-1CDE6F03C9ED}"/>
+                <a16:creationId xmlns:a16="http://schemas.microsoft.com/office/drawing/2014/main" xmlns="" id="{3767E90F-0F89-4A06-B8E9-1CDE6F03C9ED}"/>
               </a:ext>
             </a:extLst>
           </p:cNvPr>
@@ -853,7 +855,7 @@
           <p:cNvPr id="4" name="Tijdelijke aanduiding voor datum 3">
             <a:extLst>
               <a:ext uri="{FF2B5EF4-FFF2-40B4-BE49-F238E27FC236}">
-                <a16:creationId xmlns="" xmlns:a16="http://schemas.microsoft.com/office/drawing/2014/main" id="{03A33B9D-72AD-41A2-B2D2-DD46DAD7D7DC}"/>
+                <a16:creationId xmlns:a16="http://schemas.microsoft.com/office/drawing/2014/main" xmlns="" id="{03A33B9D-72AD-41A2-B2D2-DD46DAD7D7DC}"/>
               </a:ext>
             </a:extLst>
           </p:cNvPr>
@@ -883,7 +885,7 @@
           <p:cNvPr id="5" name="Tijdelijke aanduiding voor voettekst 4">
             <a:extLst>
               <a:ext uri="{FF2B5EF4-FFF2-40B4-BE49-F238E27FC236}">
-                <a16:creationId xmlns="" xmlns:a16="http://schemas.microsoft.com/office/drawing/2014/main" id="{B66C81FA-DFF3-464A-B628-347A5430C915}"/>
+                <a16:creationId xmlns:a16="http://schemas.microsoft.com/office/drawing/2014/main" xmlns="" id="{B66C81FA-DFF3-464A-B628-347A5430C915}"/>
               </a:ext>
             </a:extLst>
           </p:cNvPr>
@@ -908,7 +910,7 @@
           <p:cNvPr id="6" name="Tijdelijke aanduiding voor dianummer 5">
             <a:extLst>
               <a:ext uri="{FF2B5EF4-FFF2-40B4-BE49-F238E27FC236}">
-                <a16:creationId xmlns="" xmlns:a16="http://schemas.microsoft.com/office/drawing/2014/main" id="{CCA4C3AF-1A2F-4B35-ADA6-C3C3322C3EFE}"/>
+                <a16:creationId xmlns:a16="http://schemas.microsoft.com/office/drawing/2014/main" xmlns="" id="{CCA4C3AF-1A2F-4B35-ADA6-C3C3322C3EFE}"/>
               </a:ext>
             </a:extLst>
           </p:cNvPr>
@@ -936,7 +938,7 @@
     </p:spTree>
     <p:extLst>
       <p:ext uri="{BB962C8B-B14F-4D97-AF65-F5344CB8AC3E}">
-        <p14:creationId xmlns:p14="http://schemas.microsoft.com/office/powerpoint/2010/main" xmlns="" val="1515944853"/>
+        <p14:creationId xmlns="" xmlns:p14="http://schemas.microsoft.com/office/powerpoint/2010/main" val="1515944853"/>
       </p:ext>
     </p:extLst>
   </p:cSld>
@@ -968,7 +970,7 @@
           <p:cNvPr id="2" name="Titel 1">
             <a:extLst>
               <a:ext uri="{FF2B5EF4-FFF2-40B4-BE49-F238E27FC236}">
-                <a16:creationId xmlns="" xmlns:a16="http://schemas.microsoft.com/office/drawing/2014/main" id="{07CEC788-F9AF-4924-B3FC-70812FE0AB92}"/>
+                <a16:creationId xmlns:a16="http://schemas.microsoft.com/office/drawing/2014/main" xmlns="" id="{07CEC788-F9AF-4924-B3FC-70812FE0AB92}"/>
               </a:ext>
             </a:extLst>
           </p:cNvPr>
@@ -1005,7 +1007,7 @@
           <p:cNvPr id="3" name="Tijdelijke aanduiding voor tekst 2">
             <a:extLst>
               <a:ext uri="{FF2B5EF4-FFF2-40B4-BE49-F238E27FC236}">
-                <a16:creationId xmlns="" xmlns:a16="http://schemas.microsoft.com/office/drawing/2014/main" id="{259BBFA2-C0C3-4F5C-8BAF-0B57144C20E3}"/>
+                <a16:creationId xmlns:a16="http://schemas.microsoft.com/office/drawing/2014/main" xmlns="" id="{259BBFA2-C0C3-4F5C-8BAF-0B57144C20E3}"/>
               </a:ext>
             </a:extLst>
           </p:cNvPr>
@@ -1130,7 +1132,7 @@
           <p:cNvPr id="4" name="Tijdelijke aanduiding voor datum 3">
             <a:extLst>
               <a:ext uri="{FF2B5EF4-FFF2-40B4-BE49-F238E27FC236}">
-                <a16:creationId xmlns="" xmlns:a16="http://schemas.microsoft.com/office/drawing/2014/main" id="{8631F680-A0FA-4DD5-978B-B3C3DC404E65}"/>
+                <a16:creationId xmlns:a16="http://schemas.microsoft.com/office/drawing/2014/main" xmlns="" id="{8631F680-A0FA-4DD5-978B-B3C3DC404E65}"/>
               </a:ext>
             </a:extLst>
           </p:cNvPr>
@@ -1160,7 +1162,7 @@
           <p:cNvPr id="5" name="Tijdelijke aanduiding voor voettekst 4">
             <a:extLst>
               <a:ext uri="{FF2B5EF4-FFF2-40B4-BE49-F238E27FC236}">
-                <a16:creationId xmlns="" xmlns:a16="http://schemas.microsoft.com/office/drawing/2014/main" id="{7F1F8561-6E64-42ED-8CB5-A7BBAFAFCF46}"/>
+                <a16:creationId xmlns:a16="http://schemas.microsoft.com/office/drawing/2014/main" xmlns="" id="{7F1F8561-6E64-42ED-8CB5-A7BBAFAFCF46}"/>
               </a:ext>
             </a:extLst>
           </p:cNvPr>
@@ -1185,7 +1187,7 @@
           <p:cNvPr id="6" name="Tijdelijke aanduiding voor dianummer 5">
             <a:extLst>
               <a:ext uri="{FF2B5EF4-FFF2-40B4-BE49-F238E27FC236}">
-                <a16:creationId xmlns="" xmlns:a16="http://schemas.microsoft.com/office/drawing/2014/main" id="{BE90B6D3-0E9B-4F75-9578-944B4C631782}"/>
+                <a16:creationId xmlns:a16="http://schemas.microsoft.com/office/drawing/2014/main" xmlns="" id="{BE90B6D3-0E9B-4F75-9578-944B4C631782}"/>
               </a:ext>
             </a:extLst>
           </p:cNvPr>
@@ -1213,7 +1215,7 @@
     </p:spTree>
     <p:extLst>
       <p:ext uri="{BB962C8B-B14F-4D97-AF65-F5344CB8AC3E}">
-        <p14:creationId xmlns:p14="http://schemas.microsoft.com/office/powerpoint/2010/main" xmlns="" val="858119523"/>
+        <p14:creationId xmlns="" xmlns:p14="http://schemas.microsoft.com/office/powerpoint/2010/main" val="858119523"/>
       </p:ext>
     </p:extLst>
   </p:cSld>
@@ -1245,7 +1247,7 @@
           <p:cNvPr id="2" name="Titel 1">
             <a:extLst>
               <a:ext uri="{FF2B5EF4-FFF2-40B4-BE49-F238E27FC236}">
-                <a16:creationId xmlns="" xmlns:a16="http://schemas.microsoft.com/office/drawing/2014/main" id="{77E2AA73-853E-40A1-9A01-2322859C1E57}"/>
+                <a16:creationId xmlns:a16="http://schemas.microsoft.com/office/drawing/2014/main" xmlns="" id="{77E2AA73-853E-40A1-9A01-2322859C1E57}"/>
               </a:ext>
             </a:extLst>
           </p:cNvPr>
@@ -1273,7 +1275,7 @@
           <p:cNvPr id="3" name="Tijdelijke aanduiding voor inhoud 2">
             <a:extLst>
               <a:ext uri="{FF2B5EF4-FFF2-40B4-BE49-F238E27FC236}">
-                <a16:creationId xmlns="" xmlns:a16="http://schemas.microsoft.com/office/drawing/2014/main" id="{D3A30AEC-A453-4488-9ED3-1DB9B54B5E44}"/>
+                <a16:creationId xmlns:a16="http://schemas.microsoft.com/office/drawing/2014/main" xmlns="" id="{D3A30AEC-A453-4488-9ED3-1DB9B54B5E44}"/>
               </a:ext>
             </a:extLst>
           </p:cNvPr>
@@ -1335,7 +1337,7 @@
           <p:cNvPr id="4" name="Tijdelijke aanduiding voor inhoud 3">
             <a:extLst>
               <a:ext uri="{FF2B5EF4-FFF2-40B4-BE49-F238E27FC236}">
-                <a16:creationId xmlns="" xmlns:a16="http://schemas.microsoft.com/office/drawing/2014/main" id="{91D637F4-ACDA-4978-9A41-A140CB08D61A}"/>
+                <a16:creationId xmlns:a16="http://schemas.microsoft.com/office/drawing/2014/main" xmlns="" id="{91D637F4-ACDA-4978-9A41-A140CB08D61A}"/>
               </a:ext>
             </a:extLst>
           </p:cNvPr>
@@ -1397,7 +1399,7 @@
           <p:cNvPr id="5" name="Tijdelijke aanduiding voor datum 4">
             <a:extLst>
               <a:ext uri="{FF2B5EF4-FFF2-40B4-BE49-F238E27FC236}">
-                <a16:creationId xmlns="" xmlns:a16="http://schemas.microsoft.com/office/drawing/2014/main" id="{837E7DD3-15C8-411D-B870-A08B6F78EE10}"/>
+                <a16:creationId xmlns:a16="http://schemas.microsoft.com/office/drawing/2014/main" xmlns="" id="{837E7DD3-15C8-411D-B870-A08B6F78EE10}"/>
               </a:ext>
             </a:extLst>
           </p:cNvPr>
@@ -1427,7 +1429,7 @@
           <p:cNvPr id="6" name="Tijdelijke aanduiding voor voettekst 5">
             <a:extLst>
               <a:ext uri="{FF2B5EF4-FFF2-40B4-BE49-F238E27FC236}">
-                <a16:creationId xmlns="" xmlns:a16="http://schemas.microsoft.com/office/drawing/2014/main" id="{D36B0671-9A72-41D6-8923-9F431EE758F9}"/>
+                <a16:creationId xmlns:a16="http://schemas.microsoft.com/office/drawing/2014/main" xmlns="" id="{D36B0671-9A72-41D6-8923-9F431EE758F9}"/>
               </a:ext>
             </a:extLst>
           </p:cNvPr>
@@ -1452,7 +1454,7 @@
           <p:cNvPr id="7" name="Tijdelijke aanduiding voor dianummer 6">
             <a:extLst>
               <a:ext uri="{FF2B5EF4-FFF2-40B4-BE49-F238E27FC236}">
-                <a16:creationId xmlns="" xmlns:a16="http://schemas.microsoft.com/office/drawing/2014/main" id="{6E5DC6FE-5C44-4203-861C-9534D89659E0}"/>
+                <a16:creationId xmlns:a16="http://schemas.microsoft.com/office/drawing/2014/main" xmlns="" id="{6E5DC6FE-5C44-4203-861C-9534D89659E0}"/>
               </a:ext>
             </a:extLst>
           </p:cNvPr>
@@ -1480,7 +1482,7 @@
     </p:spTree>
     <p:extLst>
       <p:ext uri="{BB962C8B-B14F-4D97-AF65-F5344CB8AC3E}">
-        <p14:creationId xmlns:p14="http://schemas.microsoft.com/office/powerpoint/2010/main" xmlns="" val="816816862"/>
+        <p14:creationId xmlns="" xmlns:p14="http://schemas.microsoft.com/office/powerpoint/2010/main" val="816816862"/>
       </p:ext>
     </p:extLst>
   </p:cSld>
@@ -1512,7 +1514,7 @@
           <p:cNvPr id="2" name="Titel 1">
             <a:extLst>
               <a:ext uri="{FF2B5EF4-FFF2-40B4-BE49-F238E27FC236}">
-                <a16:creationId xmlns="" xmlns:a16="http://schemas.microsoft.com/office/drawing/2014/main" id="{D297AAFE-77DE-432B-BAB4-CD6F190E343C}"/>
+                <a16:creationId xmlns:a16="http://schemas.microsoft.com/office/drawing/2014/main" xmlns="" id="{D297AAFE-77DE-432B-BAB4-CD6F190E343C}"/>
               </a:ext>
             </a:extLst>
           </p:cNvPr>
@@ -1545,7 +1547,7 @@
           <p:cNvPr id="3" name="Tijdelijke aanduiding voor tekst 2">
             <a:extLst>
               <a:ext uri="{FF2B5EF4-FFF2-40B4-BE49-F238E27FC236}">
-                <a16:creationId xmlns="" xmlns:a16="http://schemas.microsoft.com/office/drawing/2014/main" id="{FFEE2ED6-653E-4421-8218-E2C38C76B28B}"/>
+                <a16:creationId xmlns:a16="http://schemas.microsoft.com/office/drawing/2014/main" xmlns="" id="{FFEE2ED6-653E-4421-8218-E2C38C76B28B}"/>
               </a:ext>
             </a:extLst>
           </p:cNvPr>
@@ -1616,7 +1618,7 @@
           <p:cNvPr id="4" name="Tijdelijke aanduiding voor inhoud 3">
             <a:extLst>
               <a:ext uri="{FF2B5EF4-FFF2-40B4-BE49-F238E27FC236}">
-                <a16:creationId xmlns="" xmlns:a16="http://schemas.microsoft.com/office/drawing/2014/main" id="{DC218CE1-911A-4429-A641-56511F94AE34}"/>
+                <a16:creationId xmlns:a16="http://schemas.microsoft.com/office/drawing/2014/main" xmlns="" id="{DC218CE1-911A-4429-A641-56511F94AE34}"/>
               </a:ext>
             </a:extLst>
           </p:cNvPr>
@@ -1678,7 +1680,7 @@
           <p:cNvPr id="5" name="Tijdelijke aanduiding voor tekst 4">
             <a:extLst>
               <a:ext uri="{FF2B5EF4-FFF2-40B4-BE49-F238E27FC236}">
-                <a16:creationId xmlns="" xmlns:a16="http://schemas.microsoft.com/office/drawing/2014/main" id="{719A6713-F0E0-40AB-A59E-49F09878FEB6}"/>
+                <a16:creationId xmlns:a16="http://schemas.microsoft.com/office/drawing/2014/main" xmlns="" id="{719A6713-F0E0-40AB-A59E-49F09878FEB6}"/>
               </a:ext>
             </a:extLst>
           </p:cNvPr>
@@ -1749,7 +1751,7 @@
           <p:cNvPr id="6" name="Tijdelijke aanduiding voor inhoud 5">
             <a:extLst>
               <a:ext uri="{FF2B5EF4-FFF2-40B4-BE49-F238E27FC236}">
-                <a16:creationId xmlns="" xmlns:a16="http://schemas.microsoft.com/office/drawing/2014/main" id="{C920DA29-52C0-41C1-B347-90F2C9400F3E}"/>
+                <a16:creationId xmlns:a16="http://schemas.microsoft.com/office/drawing/2014/main" xmlns="" id="{C920DA29-52C0-41C1-B347-90F2C9400F3E}"/>
               </a:ext>
             </a:extLst>
           </p:cNvPr>
@@ -1811,7 +1813,7 @@
           <p:cNvPr id="7" name="Tijdelijke aanduiding voor datum 6">
             <a:extLst>
               <a:ext uri="{FF2B5EF4-FFF2-40B4-BE49-F238E27FC236}">
-                <a16:creationId xmlns="" xmlns:a16="http://schemas.microsoft.com/office/drawing/2014/main" id="{8C0EFFE8-712A-45F8-8E44-FFE8CF661B83}"/>
+                <a16:creationId xmlns:a16="http://schemas.microsoft.com/office/drawing/2014/main" xmlns="" id="{8C0EFFE8-712A-45F8-8E44-FFE8CF661B83}"/>
               </a:ext>
             </a:extLst>
           </p:cNvPr>
@@ -1841,7 +1843,7 @@
           <p:cNvPr id="8" name="Tijdelijke aanduiding voor voettekst 7">
             <a:extLst>
               <a:ext uri="{FF2B5EF4-FFF2-40B4-BE49-F238E27FC236}">
-                <a16:creationId xmlns="" xmlns:a16="http://schemas.microsoft.com/office/drawing/2014/main" id="{707393AF-B4A9-4351-A40F-50118C94FFB4}"/>
+                <a16:creationId xmlns:a16="http://schemas.microsoft.com/office/drawing/2014/main" xmlns="" id="{707393AF-B4A9-4351-A40F-50118C94FFB4}"/>
               </a:ext>
             </a:extLst>
           </p:cNvPr>
@@ -1866,7 +1868,7 @@
           <p:cNvPr id="9" name="Tijdelijke aanduiding voor dianummer 8">
             <a:extLst>
               <a:ext uri="{FF2B5EF4-FFF2-40B4-BE49-F238E27FC236}">
-                <a16:creationId xmlns="" xmlns:a16="http://schemas.microsoft.com/office/drawing/2014/main" id="{AD5B9F79-2771-46B0-A531-43CC4F757865}"/>
+                <a16:creationId xmlns:a16="http://schemas.microsoft.com/office/drawing/2014/main" xmlns="" id="{AD5B9F79-2771-46B0-A531-43CC4F757865}"/>
               </a:ext>
             </a:extLst>
           </p:cNvPr>
@@ -1894,7 +1896,7 @@
     </p:spTree>
     <p:extLst>
       <p:ext uri="{BB962C8B-B14F-4D97-AF65-F5344CB8AC3E}">
-        <p14:creationId xmlns:p14="http://schemas.microsoft.com/office/powerpoint/2010/main" xmlns="" val="1099906094"/>
+        <p14:creationId xmlns="" xmlns:p14="http://schemas.microsoft.com/office/powerpoint/2010/main" val="1099906094"/>
       </p:ext>
     </p:extLst>
   </p:cSld>
@@ -1926,7 +1928,7 @@
           <p:cNvPr id="2" name="Titel 1">
             <a:extLst>
               <a:ext uri="{FF2B5EF4-FFF2-40B4-BE49-F238E27FC236}">
-                <a16:creationId xmlns="" xmlns:a16="http://schemas.microsoft.com/office/drawing/2014/main" id="{4E7337EC-1907-4F37-99F3-901F3BE41D1F}"/>
+                <a16:creationId xmlns:a16="http://schemas.microsoft.com/office/drawing/2014/main" xmlns="" id="{4E7337EC-1907-4F37-99F3-901F3BE41D1F}"/>
               </a:ext>
             </a:extLst>
           </p:cNvPr>
@@ -1954,7 +1956,7 @@
           <p:cNvPr id="3" name="Tijdelijke aanduiding voor datum 2">
             <a:extLst>
               <a:ext uri="{FF2B5EF4-FFF2-40B4-BE49-F238E27FC236}">
-                <a16:creationId xmlns="" xmlns:a16="http://schemas.microsoft.com/office/drawing/2014/main" id="{0D2E5F80-FF84-4F1C-92AC-EB22C4EFDEB3}"/>
+                <a16:creationId xmlns:a16="http://schemas.microsoft.com/office/drawing/2014/main" xmlns="" id="{0D2E5F80-FF84-4F1C-92AC-EB22C4EFDEB3}"/>
               </a:ext>
             </a:extLst>
           </p:cNvPr>
@@ -1984,7 +1986,7 @@
           <p:cNvPr id="4" name="Tijdelijke aanduiding voor voettekst 3">
             <a:extLst>
               <a:ext uri="{FF2B5EF4-FFF2-40B4-BE49-F238E27FC236}">
-                <a16:creationId xmlns="" xmlns:a16="http://schemas.microsoft.com/office/drawing/2014/main" id="{2D45D3C0-7BB6-4031-A805-56B2513F42F3}"/>
+                <a16:creationId xmlns:a16="http://schemas.microsoft.com/office/drawing/2014/main" xmlns="" id="{2D45D3C0-7BB6-4031-A805-56B2513F42F3}"/>
               </a:ext>
             </a:extLst>
           </p:cNvPr>
@@ -2009,7 +2011,7 @@
           <p:cNvPr id="5" name="Tijdelijke aanduiding voor dianummer 4">
             <a:extLst>
               <a:ext uri="{FF2B5EF4-FFF2-40B4-BE49-F238E27FC236}">
-                <a16:creationId xmlns="" xmlns:a16="http://schemas.microsoft.com/office/drawing/2014/main" id="{DA2BE903-22BF-4CEF-88FD-933D2CAFCA57}"/>
+                <a16:creationId xmlns:a16="http://schemas.microsoft.com/office/drawing/2014/main" xmlns="" id="{DA2BE903-22BF-4CEF-88FD-933D2CAFCA57}"/>
               </a:ext>
             </a:extLst>
           </p:cNvPr>
@@ -2037,7 +2039,7 @@
     </p:spTree>
     <p:extLst>
       <p:ext uri="{BB962C8B-B14F-4D97-AF65-F5344CB8AC3E}">
-        <p14:creationId xmlns:p14="http://schemas.microsoft.com/office/powerpoint/2010/main" xmlns="" val="1053118753"/>
+        <p14:creationId xmlns="" xmlns:p14="http://schemas.microsoft.com/office/powerpoint/2010/main" val="1053118753"/>
       </p:ext>
     </p:extLst>
   </p:cSld>
@@ -2069,7 +2071,7 @@
           <p:cNvPr id="2" name="Tijdelijke aanduiding voor datum 1">
             <a:extLst>
               <a:ext uri="{FF2B5EF4-FFF2-40B4-BE49-F238E27FC236}">
-                <a16:creationId xmlns="" xmlns:a16="http://schemas.microsoft.com/office/drawing/2014/main" id="{6FCDA235-3242-403B-A485-36B7AD8E1C39}"/>
+                <a16:creationId xmlns:a16="http://schemas.microsoft.com/office/drawing/2014/main" xmlns="" id="{6FCDA235-3242-403B-A485-36B7AD8E1C39}"/>
               </a:ext>
             </a:extLst>
           </p:cNvPr>
@@ -2099,7 +2101,7 @@
           <p:cNvPr id="3" name="Tijdelijke aanduiding voor voettekst 2">
             <a:extLst>
               <a:ext uri="{FF2B5EF4-FFF2-40B4-BE49-F238E27FC236}">
-                <a16:creationId xmlns="" xmlns:a16="http://schemas.microsoft.com/office/drawing/2014/main" id="{A75D1976-1CB9-48E7-9C11-87960D6E632C}"/>
+                <a16:creationId xmlns:a16="http://schemas.microsoft.com/office/drawing/2014/main" xmlns="" id="{A75D1976-1CB9-48E7-9C11-87960D6E632C}"/>
               </a:ext>
             </a:extLst>
           </p:cNvPr>
@@ -2124,7 +2126,7 @@
           <p:cNvPr id="4" name="Tijdelijke aanduiding voor dianummer 3">
             <a:extLst>
               <a:ext uri="{FF2B5EF4-FFF2-40B4-BE49-F238E27FC236}">
-                <a16:creationId xmlns="" xmlns:a16="http://schemas.microsoft.com/office/drawing/2014/main" id="{134A5D73-9591-4C49-92DA-172564BBF62F}"/>
+                <a16:creationId xmlns:a16="http://schemas.microsoft.com/office/drawing/2014/main" xmlns="" id="{134A5D73-9591-4C49-92DA-172564BBF62F}"/>
               </a:ext>
             </a:extLst>
           </p:cNvPr>
@@ -2152,7 +2154,7 @@
     </p:spTree>
     <p:extLst>
       <p:ext uri="{BB962C8B-B14F-4D97-AF65-F5344CB8AC3E}">
-        <p14:creationId xmlns:p14="http://schemas.microsoft.com/office/powerpoint/2010/main" xmlns="" val="593443286"/>
+        <p14:creationId xmlns="" xmlns:p14="http://schemas.microsoft.com/office/powerpoint/2010/main" val="593443286"/>
       </p:ext>
     </p:extLst>
   </p:cSld>
@@ -2184,7 +2186,7 @@
           <p:cNvPr id="2" name="Titel 1">
             <a:extLst>
               <a:ext uri="{FF2B5EF4-FFF2-40B4-BE49-F238E27FC236}">
-                <a16:creationId xmlns="" xmlns:a16="http://schemas.microsoft.com/office/drawing/2014/main" id="{7CF9EBF2-9E8A-476C-BC8A-02CD44989AD9}"/>
+                <a16:creationId xmlns:a16="http://schemas.microsoft.com/office/drawing/2014/main" xmlns="" id="{7CF9EBF2-9E8A-476C-BC8A-02CD44989AD9}"/>
               </a:ext>
             </a:extLst>
           </p:cNvPr>
@@ -2221,7 +2223,7 @@
           <p:cNvPr id="3" name="Tijdelijke aanduiding voor inhoud 2">
             <a:extLst>
               <a:ext uri="{FF2B5EF4-FFF2-40B4-BE49-F238E27FC236}">
-                <a16:creationId xmlns="" xmlns:a16="http://schemas.microsoft.com/office/drawing/2014/main" id="{081F15E5-A94C-4A05-918B-AC99C8EA0CB7}"/>
+                <a16:creationId xmlns:a16="http://schemas.microsoft.com/office/drawing/2014/main" xmlns="" id="{081F15E5-A94C-4A05-918B-AC99C8EA0CB7}"/>
               </a:ext>
             </a:extLst>
           </p:cNvPr>
@@ -2311,7 +2313,7 @@
           <p:cNvPr id="4" name="Tijdelijke aanduiding voor tekst 3">
             <a:extLst>
               <a:ext uri="{FF2B5EF4-FFF2-40B4-BE49-F238E27FC236}">
-                <a16:creationId xmlns="" xmlns:a16="http://schemas.microsoft.com/office/drawing/2014/main" id="{91275F6F-5CE8-40A9-902C-2803463710F2}"/>
+                <a16:creationId xmlns:a16="http://schemas.microsoft.com/office/drawing/2014/main" xmlns="" id="{91275F6F-5CE8-40A9-902C-2803463710F2}"/>
               </a:ext>
             </a:extLst>
           </p:cNvPr>
@@ -2382,7 +2384,7 @@
           <p:cNvPr id="5" name="Tijdelijke aanduiding voor datum 4">
             <a:extLst>
               <a:ext uri="{FF2B5EF4-FFF2-40B4-BE49-F238E27FC236}">
-                <a16:creationId xmlns="" xmlns:a16="http://schemas.microsoft.com/office/drawing/2014/main" id="{68FB0FC5-537D-441B-B077-1EB601C777AE}"/>
+                <a16:creationId xmlns:a16="http://schemas.microsoft.com/office/drawing/2014/main" xmlns="" id="{68FB0FC5-537D-441B-B077-1EB601C777AE}"/>
               </a:ext>
             </a:extLst>
           </p:cNvPr>
@@ -2412,7 +2414,7 @@
           <p:cNvPr id="6" name="Tijdelijke aanduiding voor voettekst 5">
             <a:extLst>
               <a:ext uri="{FF2B5EF4-FFF2-40B4-BE49-F238E27FC236}">
-                <a16:creationId xmlns="" xmlns:a16="http://schemas.microsoft.com/office/drawing/2014/main" id="{55AC121A-0493-418F-8DD7-2DA1EEB74DFF}"/>
+                <a16:creationId xmlns:a16="http://schemas.microsoft.com/office/drawing/2014/main" xmlns="" id="{55AC121A-0493-418F-8DD7-2DA1EEB74DFF}"/>
               </a:ext>
             </a:extLst>
           </p:cNvPr>
@@ -2437,7 +2439,7 @@
           <p:cNvPr id="7" name="Tijdelijke aanduiding voor dianummer 6">
             <a:extLst>
               <a:ext uri="{FF2B5EF4-FFF2-40B4-BE49-F238E27FC236}">
-                <a16:creationId xmlns="" xmlns:a16="http://schemas.microsoft.com/office/drawing/2014/main" id="{9E5BD7A4-C96F-485C-A127-6C55CD09868E}"/>
+                <a16:creationId xmlns:a16="http://schemas.microsoft.com/office/drawing/2014/main" xmlns="" id="{9E5BD7A4-C96F-485C-A127-6C55CD09868E}"/>
               </a:ext>
             </a:extLst>
           </p:cNvPr>
@@ -2465,7 +2467,7 @@
     </p:spTree>
     <p:extLst>
       <p:ext uri="{BB962C8B-B14F-4D97-AF65-F5344CB8AC3E}">
-        <p14:creationId xmlns:p14="http://schemas.microsoft.com/office/powerpoint/2010/main" xmlns="" val="2276997594"/>
+        <p14:creationId xmlns="" xmlns:p14="http://schemas.microsoft.com/office/powerpoint/2010/main" val="2276997594"/>
       </p:ext>
     </p:extLst>
   </p:cSld>
@@ -2497,7 +2499,7 @@
           <p:cNvPr id="2" name="Titel 1">
             <a:extLst>
               <a:ext uri="{FF2B5EF4-FFF2-40B4-BE49-F238E27FC236}">
-                <a16:creationId xmlns="" xmlns:a16="http://schemas.microsoft.com/office/drawing/2014/main" id="{391195BB-EA6C-4F56-A18C-2951B239D827}"/>
+                <a16:creationId xmlns:a16="http://schemas.microsoft.com/office/drawing/2014/main" xmlns="" id="{391195BB-EA6C-4F56-A18C-2951B239D827}"/>
               </a:ext>
             </a:extLst>
           </p:cNvPr>
@@ -2534,7 +2536,7 @@
           <p:cNvPr id="3" name="Tijdelijke aanduiding voor afbeelding 2">
             <a:extLst>
               <a:ext uri="{FF2B5EF4-FFF2-40B4-BE49-F238E27FC236}">
-                <a16:creationId xmlns="" xmlns:a16="http://schemas.microsoft.com/office/drawing/2014/main" id="{1EE97C47-A53A-4152-848A-0419C12AE634}"/>
+                <a16:creationId xmlns:a16="http://schemas.microsoft.com/office/drawing/2014/main" xmlns="" id="{1EE97C47-A53A-4152-848A-0419C12AE634}"/>
               </a:ext>
             </a:extLst>
           </p:cNvPr>
@@ -2601,7 +2603,7 @@
           <p:cNvPr id="4" name="Tijdelijke aanduiding voor tekst 3">
             <a:extLst>
               <a:ext uri="{FF2B5EF4-FFF2-40B4-BE49-F238E27FC236}">
-                <a16:creationId xmlns="" xmlns:a16="http://schemas.microsoft.com/office/drawing/2014/main" id="{4C380A8A-FCC0-4B2B-BCED-CC719F66356B}"/>
+                <a16:creationId xmlns:a16="http://schemas.microsoft.com/office/drawing/2014/main" xmlns="" id="{4C380A8A-FCC0-4B2B-BCED-CC719F66356B}"/>
               </a:ext>
             </a:extLst>
           </p:cNvPr>
@@ -2672,7 +2674,7 @@
           <p:cNvPr id="5" name="Tijdelijke aanduiding voor datum 4">
             <a:extLst>
               <a:ext uri="{FF2B5EF4-FFF2-40B4-BE49-F238E27FC236}">
-                <a16:creationId xmlns="" xmlns:a16="http://schemas.microsoft.com/office/drawing/2014/main" id="{EAA93FF3-9B86-461A-94CF-C0A759B7033D}"/>
+                <a16:creationId xmlns:a16="http://schemas.microsoft.com/office/drawing/2014/main" xmlns="" id="{EAA93FF3-9B86-461A-94CF-C0A759B7033D}"/>
               </a:ext>
             </a:extLst>
           </p:cNvPr>
@@ -2702,7 +2704,7 @@
           <p:cNvPr id="6" name="Tijdelijke aanduiding voor voettekst 5">
             <a:extLst>
               <a:ext uri="{FF2B5EF4-FFF2-40B4-BE49-F238E27FC236}">
-                <a16:creationId xmlns="" xmlns:a16="http://schemas.microsoft.com/office/drawing/2014/main" id="{504C81D0-3C70-46A3-A99B-4387DBE74182}"/>
+                <a16:creationId xmlns:a16="http://schemas.microsoft.com/office/drawing/2014/main" xmlns="" id="{504C81D0-3C70-46A3-A99B-4387DBE74182}"/>
               </a:ext>
             </a:extLst>
           </p:cNvPr>
@@ -2727,7 +2729,7 @@
           <p:cNvPr id="7" name="Tijdelijke aanduiding voor dianummer 6">
             <a:extLst>
               <a:ext uri="{FF2B5EF4-FFF2-40B4-BE49-F238E27FC236}">
-                <a16:creationId xmlns="" xmlns:a16="http://schemas.microsoft.com/office/drawing/2014/main" id="{2DAB8061-1297-4604-AA6D-50FA7517CB04}"/>
+                <a16:creationId xmlns:a16="http://schemas.microsoft.com/office/drawing/2014/main" xmlns="" id="{2DAB8061-1297-4604-AA6D-50FA7517CB04}"/>
               </a:ext>
             </a:extLst>
           </p:cNvPr>
@@ -2755,7 +2757,7 @@
     </p:spTree>
     <p:extLst>
       <p:ext uri="{BB962C8B-B14F-4D97-AF65-F5344CB8AC3E}">
-        <p14:creationId xmlns:p14="http://schemas.microsoft.com/office/powerpoint/2010/main" xmlns="" val="3080807055"/>
+        <p14:creationId xmlns="" xmlns:p14="http://schemas.microsoft.com/office/powerpoint/2010/main" val="3080807055"/>
       </p:ext>
     </p:extLst>
   </p:cSld>
@@ -2792,7 +2794,7 @@
           <p:cNvPr id="2" name="Tijdelijke aanduiding voor titel 1">
             <a:extLst>
               <a:ext uri="{FF2B5EF4-FFF2-40B4-BE49-F238E27FC236}">
-                <a16:creationId xmlns="" xmlns:a16="http://schemas.microsoft.com/office/drawing/2014/main" id="{D9186CB9-8C46-426D-863D-90A0E0FAEDE7}"/>
+                <a16:creationId xmlns:a16="http://schemas.microsoft.com/office/drawing/2014/main" xmlns="" id="{D9186CB9-8C46-426D-863D-90A0E0FAEDE7}"/>
               </a:ext>
             </a:extLst>
           </p:cNvPr>
@@ -2830,7 +2832,7 @@
           <p:cNvPr id="3" name="Tijdelijke aanduiding voor tekst 2">
             <a:extLst>
               <a:ext uri="{FF2B5EF4-FFF2-40B4-BE49-F238E27FC236}">
-                <a16:creationId xmlns="" xmlns:a16="http://schemas.microsoft.com/office/drawing/2014/main" id="{983F2C53-486F-4745-AD46-503DCDC4D530}"/>
+                <a16:creationId xmlns:a16="http://schemas.microsoft.com/office/drawing/2014/main" xmlns="" id="{983F2C53-486F-4745-AD46-503DCDC4D530}"/>
               </a:ext>
             </a:extLst>
           </p:cNvPr>
@@ -2897,7 +2899,7 @@
           <p:cNvPr id="4" name="Tijdelijke aanduiding voor datum 3">
             <a:extLst>
               <a:ext uri="{FF2B5EF4-FFF2-40B4-BE49-F238E27FC236}">
-                <a16:creationId xmlns="" xmlns:a16="http://schemas.microsoft.com/office/drawing/2014/main" id="{14E5024D-7C9E-4730-908F-8CE183DB279E}"/>
+                <a16:creationId xmlns:a16="http://schemas.microsoft.com/office/drawing/2014/main" xmlns="" id="{14E5024D-7C9E-4730-908F-8CE183DB279E}"/>
               </a:ext>
             </a:extLst>
           </p:cNvPr>
@@ -2945,7 +2947,7 @@
           <p:cNvPr id="5" name="Tijdelijke aanduiding voor voettekst 4">
             <a:extLst>
               <a:ext uri="{FF2B5EF4-FFF2-40B4-BE49-F238E27FC236}">
-                <a16:creationId xmlns="" xmlns:a16="http://schemas.microsoft.com/office/drawing/2014/main" id="{CB4A9151-4DBA-4A6C-8967-EC70E0126234}"/>
+                <a16:creationId xmlns:a16="http://schemas.microsoft.com/office/drawing/2014/main" xmlns="" id="{CB4A9151-4DBA-4A6C-8967-EC70E0126234}"/>
               </a:ext>
             </a:extLst>
           </p:cNvPr>
@@ -2988,7 +2990,7 @@
           <p:cNvPr id="6" name="Tijdelijke aanduiding voor dianummer 5">
             <a:extLst>
               <a:ext uri="{FF2B5EF4-FFF2-40B4-BE49-F238E27FC236}">
-                <a16:creationId xmlns="" xmlns:a16="http://schemas.microsoft.com/office/drawing/2014/main" id="{E6582372-88AB-47F3-A35B-A8C86B2D9C2A}"/>
+                <a16:creationId xmlns:a16="http://schemas.microsoft.com/office/drawing/2014/main" xmlns="" id="{E6582372-88AB-47F3-A35B-A8C86B2D9C2A}"/>
               </a:ext>
             </a:extLst>
           </p:cNvPr>
@@ -3034,7 +3036,7 @@
     </p:spTree>
     <p:extLst>
       <p:ext uri="{BB962C8B-B14F-4D97-AF65-F5344CB8AC3E}">
-        <p14:creationId xmlns:p14="http://schemas.microsoft.com/office/powerpoint/2010/main" xmlns="" val="1831950406"/>
+        <p14:creationId xmlns="" xmlns:p14="http://schemas.microsoft.com/office/powerpoint/2010/main" val="1831950406"/>
       </p:ext>
     </p:extLst>
   </p:cSld>
@@ -3357,7 +3359,7 @@
           <p:cNvPr id="2" name="Titel 1">
             <a:extLst>
               <a:ext uri="{FF2B5EF4-FFF2-40B4-BE49-F238E27FC236}">
-                <a16:creationId xmlns="" xmlns:a16="http://schemas.microsoft.com/office/drawing/2014/main" id="{AE205A44-390E-455B-87E1-6D48C073A474}"/>
+                <a16:creationId xmlns:a16="http://schemas.microsoft.com/office/drawing/2014/main" xmlns="" id="{AE205A44-390E-455B-87E1-6D48C073A474}"/>
               </a:ext>
             </a:extLst>
           </p:cNvPr>
@@ -3397,7 +3399,7 @@
           <p:cNvPr id="3" name="Ondertitel 2">
             <a:extLst>
               <a:ext uri="{FF2B5EF4-FFF2-40B4-BE49-F238E27FC236}">
-                <a16:creationId xmlns="" xmlns:a16="http://schemas.microsoft.com/office/drawing/2014/main" id="{E24A4149-DFE7-4EE0-A98A-18326D7AD35D}"/>
+                <a16:creationId xmlns:a16="http://schemas.microsoft.com/office/drawing/2014/main" xmlns="" id="{E24A4149-DFE7-4EE0-A98A-18326D7AD35D}"/>
               </a:ext>
             </a:extLst>
           </p:cNvPr>
@@ -3423,7 +3425,7 @@
     </p:spTree>
     <p:extLst>
       <p:ext uri="{BB962C8B-B14F-4D97-AF65-F5344CB8AC3E}">
-        <p14:creationId xmlns:p14="http://schemas.microsoft.com/office/powerpoint/2010/main" xmlns="" val="1696353441"/>
+        <p14:creationId xmlns="" xmlns:p14="http://schemas.microsoft.com/office/powerpoint/2010/main" val="1696353441"/>
       </p:ext>
     </p:extLst>
   </p:cSld>
@@ -3437,6 +3439,104 @@
       </p:par>
     </p:tnLst>
   </p:timing>
+</p:sld>
+</file>
+
+<file path=ppt/slides/slide10.xml><?xml version="1.0" encoding="utf-8"?>
+<p:sld xmlns:a="http://schemas.openxmlformats.org/drawingml/2006/main" xmlns:r="http://schemas.openxmlformats.org/officeDocument/2006/relationships" xmlns:p="http://schemas.openxmlformats.org/presentationml/2006/main">
+  <p:cSld>
+    <p:spTree>
+      <p:nvGrpSpPr>
+        <p:cNvPr id="1" name=""/>
+        <p:cNvGrpSpPr/>
+        <p:nvPr/>
+      </p:nvGrpSpPr>
+      <p:grpSpPr>
+        <a:xfrm>
+          <a:off x="0" y="0"/>
+          <a:ext cx="0" cy="0"/>
+          <a:chOff x="0" y="0"/>
+          <a:chExt cx="0" cy="0"/>
+        </a:xfrm>
+      </p:grpSpPr>
+      <p:sp>
+        <p:nvSpPr>
+          <p:cNvPr id="2" name="Titel 1"/>
+          <p:cNvSpPr>
+            <a:spLocks noGrp="1"/>
+          </p:cNvSpPr>
+          <p:nvPr>
+            <p:ph type="title"/>
+          </p:nvPr>
+        </p:nvSpPr>
+        <p:spPr/>
+        <p:txBody>
+          <a:bodyPr/>
+          <a:lstStyle/>
+          <a:p>
+            <a:r>
+              <a:rPr lang="en-US" dirty="0" err="1" smtClean="0"/>
+              <a:t>Hillclimber</a:t>
+            </a:r>
+            <a:endParaRPr lang="en-US" dirty="0"/>
+          </a:p>
+        </p:txBody>
+      </p:sp>
+      <p:sp>
+        <p:nvSpPr>
+          <p:cNvPr id="3" name="Tijdelijke aanduiding voor inhoud 2"/>
+          <p:cNvSpPr>
+            <a:spLocks noGrp="1"/>
+          </p:cNvSpPr>
+          <p:nvPr>
+            <p:ph idx="1"/>
+          </p:nvPr>
+        </p:nvSpPr>
+        <p:spPr/>
+        <p:txBody>
+          <a:bodyPr/>
+          <a:lstStyle/>
+          <a:p>
+            <a:r>
+              <a:rPr lang="en-US" dirty="0" err="1" smtClean="0"/>
+              <a:t>Resultaten</a:t>
+            </a:r>
+            <a:r>
+              <a:rPr lang="en-US" dirty="0" smtClean="0"/>
+              <a:t> peptide van 50 </a:t>
+            </a:r>
+            <a:r>
+              <a:rPr lang="en-US" dirty="0" err="1" smtClean="0"/>
+              <a:t>aminozuren</a:t>
+            </a:r>
+            <a:r>
+              <a:rPr lang="en-US" dirty="0" smtClean="0"/>
+              <a:t>:</a:t>
+            </a:r>
+          </a:p>
+          <a:p>
+            <a:pPr lvl="1"/>
+            <a:r>
+              <a:rPr lang="en-US" smtClean="0"/>
+              <a:t>Score: </a:t>
+            </a:r>
+            <a:endParaRPr lang="en-US" dirty="0" smtClean="0"/>
+          </a:p>
+          <a:p>
+            <a:pPr lvl="1"/>
+            <a:r>
+              <a:rPr lang="en-US" dirty="0" smtClean="0"/>
+              <a:t>Runtime: </a:t>
+            </a:r>
+            <a:endParaRPr lang="en-US" dirty="0"/>
+          </a:p>
+        </p:txBody>
+      </p:sp>
+    </p:spTree>
+  </p:cSld>
+  <p:clrMapOvr>
+    <a:masterClrMapping/>
+  </p:clrMapOvr>
 </p:sld>
 </file>
 
@@ -3462,7 +3562,7 @@
           <p:cNvPr id="2" name="Titel 1">
             <a:extLst>
               <a:ext uri="{FF2B5EF4-FFF2-40B4-BE49-F238E27FC236}">
-                <a16:creationId xmlns="" xmlns:a16="http://schemas.microsoft.com/office/drawing/2014/main" id="{769A96FB-BA26-47C0-85BC-9E5A44D94A65}"/>
+                <a16:creationId xmlns:a16="http://schemas.microsoft.com/office/drawing/2014/main" xmlns="" id="{769A96FB-BA26-47C0-85BC-9E5A44D94A65}"/>
               </a:ext>
             </a:extLst>
           </p:cNvPr>
@@ -3490,7 +3590,7 @@
           <p:cNvPr id="5" name="Tijdelijke aanduiding voor inhoud 4">
             <a:extLst>
               <a:ext uri="{FF2B5EF4-FFF2-40B4-BE49-F238E27FC236}">
-                <a16:creationId xmlns="" xmlns:a16="http://schemas.microsoft.com/office/drawing/2014/main" id="{82F9B9FE-1870-4902-A7DB-4B27D59D2B2B}"/>
+                <a16:creationId xmlns:a16="http://schemas.microsoft.com/office/drawing/2014/main" xmlns="" id="{82F9B9FE-1870-4902-A7DB-4B27D59D2B2B}"/>
               </a:ext>
             </a:extLst>
           </p:cNvPr>
@@ -3505,7 +3605,7 @@
           <a:blip r:embed="rId2" cstate="print">
             <a:extLst>
               <a:ext uri="{28A0092B-C50C-407E-A947-70E740481C1C}">
-                <a14:useLocalDpi xmlns:a14="http://schemas.microsoft.com/office/drawing/2010/main" xmlns="" val="0"/>
+                <a14:useLocalDpi xmlns="" xmlns:a14="http://schemas.microsoft.com/office/drawing/2010/main" val="0"/>
               </a:ext>
             </a:extLst>
           </a:blip>
@@ -3525,7 +3625,7 @@
           <p:cNvPr id="6" name="Tekstvak 5">
             <a:extLst>
               <a:ext uri="{FF2B5EF4-FFF2-40B4-BE49-F238E27FC236}">
-                <a16:creationId xmlns="" xmlns:a16="http://schemas.microsoft.com/office/drawing/2014/main" id="{D8F2D3D1-1FE8-4AA0-B6C8-D7E88097CE04}"/>
+                <a16:creationId xmlns:a16="http://schemas.microsoft.com/office/drawing/2014/main" xmlns="" id="{D8F2D3D1-1FE8-4AA0-B6C8-D7E88097CE04}"/>
               </a:ext>
             </a:extLst>
           </p:cNvPr>
@@ -3561,7 +3661,7 @@
           <p:cNvPr id="8" name="Afbeelding 7">
             <a:extLst>
               <a:ext uri="{FF2B5EF4-FFF2-40B4-BE49-F238E27FC236}">
-                <a16:creationId xmlns="" xmlns:a16="http://schemas.microsoft.com/office/drawing/2014/main" id="{819AAC82-0B32-4FA7-B311-90C90A003DAD}"/>
+                <a16:creationId xmlns:a16="http://schemas.microsoft.com/office/drawing/2014/main" xmlns="" id="{819AAC82-0B32-4FA7-B311-90C90A003DAD}"/>
               </a:ext>
             </a:extLst>
           </p:cNvPr>
@@ -3574,7 +3674,7 @@
           <a:blip r:embed="rId3" cstate="print">
             <a:extLst>
               <a:ext uri="{28A0092B-C50C-407E-A947-70E740481C1C}">
-                <a14:useLocalDpi xmlns:a14="http://schemas.microsoft.com/office/drawing/2010/main" xmlns="" val="0"/>
+                <a14:useLocalDpi xmlns="" xmlns:a14="http://schemas.microsoft.com/office/drawing/2010/main" val="0"/>
               </a:ext>
             </a:extLst>
           </a:blip>
@@ -3596,7 +3696,7 @@
           <p:cNvPr id="11" name="Pijl: rechts 10">
             <a:extLst>
               <a:ext uri="{FF2B5EF4-FFF2-40B4-BE49-F238E27FC236}">
-                <a16:creationId xmlns="" xmlns:a16="http://schemas.microsoft.com/office/drawing/2014/main" id="{C3B3C454-C61F-4642-AC5E-175E78B46E93}"/>
+                <a16:creationId xmlns:a16="http://schemas.microsoft.com/office/drawing/2014/main" xmlns="" id="{C3B3C454-C61F-4642-AC5E-175E78B46E93}"/>
               </a:ext>
             </a:extLst>
           </p:cNvPr>
@@ -3642,7 +3742,7 @@
           <p:cNvPr id="12" name="Tekstvak 11">
             <a:extLst>
               <a:ext uri="{FF2B5EF4-FFF2-40B4-BE49-F238E27FC236}">
-                <a16:creationId xmlns="" xmlns:a16="http://schemas.microsoft.com/office/drawing/2014/main" id="{1AF95B95-DF37-4511-BC26-2A337B82EADC}"/>
+                <a16:creationId xmlns:a16="http://schemas.microsoft.com/office/drawing/2014/main" xmlns="" id="{1AF95B95-DF37-4511-BC26-2A337B82EADC}"/>
               </a:ext>
             </a:extLst>
           </p:cNvPr>
@@ -3677,7 +3777,7 @@
           <p:cNvPr id="9" name="Afbeelding 8">
             <a:extLst>
               <a:ext uri="{FF2B5EF4-FFF2-40B4-BE49-F238E27FC236}">
-                <a16:creationId xmlns="" xmlns:a16="http://schemas.microsoft.com/office/drawing/2014/main" id="{1B858127-D2F6-4D2B-B5A9-94CF7612B179}"/>
+                <a16:creationId xmlns:a16="http://schemas.microsoft.com/office/drawing/2014/main" xmlns="" id="{1B858127-D2F6-4D2B-B5A9-94CF7612B179}"/>
               </a:ext>
             </a:extLst>
           </p:cNvPr>
@@ -3690,7 +3790,7 @@
           <a:blip r:embed="rId4" cstate="print">
             <a:extLst>
               <a:ext uri="{28A0092B-C50C-407E-A947-70E740481C1C}">
-                <a14:useLocalDpi xmlns:a14="http://schemas.microsoft.com/office/drawing/2010/main" xmlns="" val="0"/>
+                <a14:useLocalDpi xmlns="" xmlns:a14="http://schemas.microsoft.com/office/drawing/2010/main" val="0"/>
               </a:ext>
             </a:extLst>
           </a:blip>
@@ -3713,7 +3813,7 @@
           <p:cNvPr id="10" name="Pijl: rechts 9">
             <a:extLst>
               <a:ext uri="{FF2B5EF4-FFF2-40B4-BE49-F238E27FC236}">
-                <a16:creationId xmlns="" xmlns:a16="http://schemas.microsoft.com/office/drawing/2014/main" id="{13F3850F-71EA-4741-A182-94C4C2F636F5}"/>
+                <a16:creationId xmlns:a16="http://schemas.microsoft.com/office/drawing/2014/main" xmlns="" id="{13F3850F-71EA-4741-A182-94C4C2F636F5}"/>
               </a:ext>
             </a:extLst>
           </p:cNvPr>
@@ -3757,7 +3857,7 @@
     </p:spTree>
     <p:extLst>
       <p:ext uri="{BB962C8B-B14F-4D97-AF65-F5344CB8AC3E}">
-        <p14:creationId xmlns:p14="http://schemas.microsoft.com/office/powerpoint/2010/main" xmlns="" val="2643686151"/>
+        <p14:creationId xmlns="" xmlns:p14="http://schemas.microsoft.com/office/powerpoint/2010/main" val="2643686151"/>
       </p:ext>
     </p:extLst>
   </p:cSld>
@@ -3796,7 +3896,7 @@
           <p:cNvPr id="2" name="Titel 1">
             <a:extLst>
               <a:ext uri="{FF2B5EF4-FFF2-40B4-BE49-F238E27FC236}">
-                <a16:creationId xmlns="" xmlns:a16="http://schemas.microsoft.com/office/drawing/2014/main" id="{769A96FB-BA26-47C0-85BC-9E5A44D94A65}"/>
+                <a16:creationId xmlns:a16="http://schemas.microsoft.com/office/drawing/2014/main" xmlns="" id="{769A96FB-BA26-47C0-85BC-9E5A44D94A65}"/>
               </a:ext>
             </a:extLst>
           </p:cNvPr>
@@ -3824,7 +3924,7 @@
           <p:cNvPr id="5" name="Tijdelijke aanduiding voor inhoud 4">
             <a:extLst>
               <a:ext uri="{FF2B5EF4-FFF2-40B4-BE49-F238E27FC236}">
-                <a16:creationId xmlns="" xmlns:a16="http://schemas.microsoft.com/office/drawing/2014/main" id="{82F9B9FE-1870-4902-A7DB-4B27D59D2B2B}"/>
+                <a16:creationId xmlns:a16="http://schemas.microsoft.com/office/drawing/2014/main" xmlns="" id="{82F9B9FE-1870-4902-A7DB-4B27D59D2B2B}"/>
               </a:ext>
             </a:extLst>
           </p:cNvPr>
@@ -3839,7 +3939,7 @@
           <a:blip r:embed="rId2" cstate="print">
             <a:extLst>
               <a:ext uri="{28A0092B-C50C-407E-A947-70E740481C1C}">
-                <a14:useLocalDpi xmlns:a14="http://schemas.microsoft.com/office/drawing/2010/main" xmlns="" val="0"/>
+                <a14:useLocalDpi xmlns="" xmlns:a14="http://schemas.microsoft.com/office/drawing/2010/main" val="0"/>
               </a:ext>
             </a:extLst>
           </a:blip>
@@ -3859,7 +3959,7 @@
           <p:cNvPr id="6" name="Tekstvak 5">
             <a:extLst>
               <a:ext uri="{FF2B5EF4-FFF2-40B4-BE49-F238E27FC236}">
-                <a16:creationId xmlns="" xmlns:a16="http://schemas.microsoft.com/office/drawing/2014/main" id="{D8F2D3D1-1FE8-4AA0-B6C8-D7E88097CE04}"/>
+                <a16:creationId xmlns:a16="http://schemas.microsoft.com/office/drawing/2014/main" xmlns="" id="{D8F2D3D1-1FE8-4AA0-B6C8-D7E88097CE04}"/>
               </a:ext>
             </a:extLst>
           </p:cNvPr>
@@ -3895,7 +3995,7 @@
           <p:cNvPr id="8" name="Afbeelding 7">
             <a:extLst>
               <a:ext uri="{FF2B5EF4-FFF2-40B4-BE49-F238E27FC236}">
-                <a16:creationId xmlns="" xmlns:a16="http://schemas.microsoft.com/office/drawing/2014/main" id="{819AAC82-0B32-4FA7-B311-90C90A003DAD}"/>
+                <a16:creationId xmlns:a16="http://schemas.microsoft.com/office/drawing/2014/main" xmlns="" id="{819AAC82-0B32-4FA7-B311-90C90A003DAD}"/>
               </a:ext>
             </a:extLst>
           </p:cNvPr>
@@ -3908,7 +4008,7 @@
           <a:blip r:embed="rId3" cstate="print">
             <a:extLst>
               <a:ext uri="{28A0092B-C50C-407E-A947-70E740481C1C}">
-                <a14:useLocalDpi xmlns:a14="http://schemas.microsoft.com/office/drawing/2010/main" xmlns="" val="0"/>
+                <a14:useLocalDpi xmlns="" xmlns:a14="http://schemas.microsoft.com/office/drawing/2010/main" val="0"/>
               </a:ext>
             </a:extLst>
           </a:blip>
@@ -3930,7 +4030,7 @@
           <p:cNvPr id="11" name="Pijl: rechts 10">
             <a:extLst>
               <a:ext uri="{FF2B5EF4-FFF2-40B4-BE49-F238E27FC236}">
-                <a16:creationId xmlns="" xmlns:a16="http://schemas.microsoft.com/office/drawing/2014/main" id="{C3B3C454-C61F-4642-AC5E-175E78B46E93}"/>
+                <a16:creationId xmlns:a16="http://schemas.microsoft.com/office/drawing/2014/main" xmlns="" id="{C3B3C454-C61F-4642-AC5E-175E78B46E93}"/>
               </a:ext>
             </a:extLst>
           </p:cNvPr>
@@ -3976,7 +4076,7 @@
           <p:cNvPr id="12" name="Tekstvak 11">
             <a:extLst>
               <a:ext uri="{FF2B5EF4-FFF2-40B4-BE49-F238E27FC236}">
-                <a16:creationId xmlns="" xmlns:a16="http://schemas.microsoft.com/office/drawing/2014/main" id="{1AF95B95-DF37-4511-BC26-2A337B82EADC}"/>
+                <a16:creationId xmlns:a16="http://schemas.microsoft.com/office/drawing/2014/main" xmlns="" id="{1AF95B95-DF37-4511-BC26-2A337B82EADC}"/>
               </a:ext>
             </a:extLst>
           </p:cNvPr>
@@ -4011,7 +4111,7 @@
           <p:cNvPr id="9" name="Afbeelding 8">
             <a:extLst>
               <a:ext uri="{FF2B5EF4-FFF2-40B4-BE49-F238E27FC236}">
-                <a16:creationId xmlns="" xmlns:a16="http://schemas.microsoft.com/office/drawing/2014/main" id="{1B858127-D2F6-4D2B-B5A9-94CF7612B179}"/>
+                <a16:creationId xmlns:a16="http://schemas.microsoft.com/office/drawing/2014/main" xmlns="" id="{1B858127-D2F6-4D2B-B5A9-94CF7612B179}"/>
               </a:ext>
             </a:extLst>
           </p:cNvPr>
@@ -4024,7 +4124,7 @@
           <a:blip r:embed="rId4" cstate="print">
             <a:extLst>
               <a:ext uri="{28A0092B-C50C-407E-A947-70E740481C1C}">
-                <a14:useLocalDpi xmlns:a14="http://schemas.microsoft.com/office/drawing/2010/main" xmlns="" val="0"/>
+                <a14:useLocalDpi xmlns="" xmlns:a14="http://schemas.microsoft.com/office/drawing/2010/main" val="0"/>
               </a:ext>
             </a:extLst>
           </a:blip>
@@ -4047,7 +4147,7 @@
           <p:cNvPr id="10" name="Pijl: rechts 9">
             <a:extLst>
               <a:ext uri="{FF2B5EF4-FFF2-40B4-BE49-F238E27FC236}">
-                <a16:creationId xmlns="" xmlns:a16="http://schemas.microsoft.com/office/drawing/2014/main" id="{13F3850F-71EA-4741-A182-94C4C2F636F5}"/>
+                <a16:creationId xmlns:a16="http://schemas.microsoft.com/office/drawing/2014/main" xmlns="" id="{13F3850F-71EA-4741-A182-94C4C2F636F5}"/>
               </a:ext>
             </a:extLst>
           </p:cNvPr>
@@ -4093,7 +4193,7 @@
           <p:cNvPr id="3" name="Ovaal 2">
             <a:extLst>
               <a:ext uri="{FF2B5EF4-FFF2-40B4-BE49-F238E27FC236}">
-                <a16:creationId xmlns="" xmlns:a16="http://schemas.microsoft.com/office/drawing/2014/main" id="{19B9F891-8EF8-44F6-B6ED-BB2422D771A3}"/>
+                <a16:creationId xmlns:a16="http://schemas.microsoft.com/office/drawing/2014/main" xmlns="" id="{19B9F891-8EF8-44F6-B6ED-BB2422D771A3}"/>
               </a:ext>
             </a:extLst>
           </p:cNvPr>
@@ -4142,7 +4242,7 @@
           <p:cNvPr id="13" name="Ovaal 12">
             <a:extLst>
               <a:ext uri="{FF2B5EF4-FFF2-40B4-BE49-F238E27FC236}">
-                <a16:creationId xmlns="" xmlns:a16="http://schemas.microsoft.com/office/drawing/2014/main" id="{24DD1F6E-573A-4E2D-8811-591CE94E629B}"/>
+                <a16:creationId xmlns:a16="http://schemas.microsoft.com/office/drawing/2014/main" xmlns="" id="{24DD1F6E-573A-4E2D-8811-591CE94E629B}"/>
               </a:ext>
             </a:extLst>
           </p:cNvPr>
@@ -4191,7 +4291,7 @@
           <p:cNvPr id="7" name="Rechte verbindingslijn met pijl 6">
             <a:extLst>
               <a:ext uri="{FF2B5EF4-FFF2-40B4-BE49-F238E27FC236}">
-                <a16:creationId xmlns="" xmlns:a16="http://schemas.microsoft.com/office/drawing/2014/main" id="{D5C82334-4E2E-4051-961A-F679B07C4F1F}"/>
+                <a16:creationId xmlns:a16="http://schemas.microsoft.com/office/drawing/2014/main" xmlns="" id="{D5C82334-4E2E-4051-961A-F679B07C4F1F}"/>
               </a:ext>
             </a:extLst>
           </p:cNvPr>
@@ -4233,7 +4333,7 @@
           <p:cNvPr id="16" name="Rechte verbindingslijn met pijl 15">
             <a:extLst>
               <a:ext uri="{FF2B5EF4-FFF2-40B4-BE49-F238E27FC236}">
-                <a16:creationId xmlns="" xmlns:a16="http://schemas.microsoft.com/office/drawing/2014/main" id="{705EA1F6-DA7E-4475-8576-E76A7C126F12}"/>
+                <a16:creationId xmlns:a16="http://schemas.microsoft.com/office/drawing/2014/main" xmlns="" id="{705EA1F6-DA7E-4475-8576-E76A7C126F12}"/>
               </a:ext>
             </a:extLst>
           </p:cNvPr>
@@ -4273,7 +4373,7 @@
     </p:spTree>
     <p:extLst>
       <p:ext uri="{BB962C8B-B14F-4D97-AF65-F5344CB8AC3E}">
-        <p14:creationId xmlns:p14="http://schemas.microsoft.com/office/powerpoint/2010/main" xmlns="" val="845698545"/>
+        <p14:creationId xmlns="" xmlns:p14="http://schemas.microsoft.com/office/powerpoint/2010/main" val="845698545"/>
       </p:ext>
     </p:extLst>
   </p:cSld>
@@ -4312,7 +4412,7 @@
           <p:cNvPr id="2" name="Titel 1">
             <a:extLst>
               <a:ext uri="{FF2B5EF4-FFF2-40B4-BE49-F238E27FC236}">
-                <a16:creationId xmlns="" xmlns:a16="http://schemas.microsoft.com/office/drawing/2014/main" id="{28AC7F7A-EB5E-48A2-A178-02E17BA194BE}"/>
+                <a16:creationId xmlns:a16="http://schemas.microsoft.com/office/drawing/2014/main" xmlns="" id="{28AC7F7A-EB5E-48A2-A178-02E17BA194BE}"/>
               </a:ext>
             </a:extLst>
           </p:cNvPr>
@@ -4357,7 +4457,7 @@
           <p:cNvPr id="4" name="Tijdelijke aanduiding voor inhoud 3">
             <a:extLst>
               <a:ext uri="{FF2B5EF4-FFF2-40B4-BE49-F238E27FC236}">
-                <a16:creationId xmlns="" xmlns:a16="http://schemas.microsoft.com/office/drawing/2014/main" id="{12A0C32B-A310-4B27-B6D9-73509A425B75}"/>
+                <a16:creationId xmlns:a16="http://schemas.microsoft.com/office/drawing/2014/main" xmlns="" id="{12A0C32B-A310-4B27-B6D9-73509A425B75}"/>
               </a:ext>
             </a:extLst>
           </p:cNvPr>
@@ -4386,7 +4486,7 @@
     </p:spTree>
     <p:extLst>
       <p:ext uri="{BB962C8B-B14F-4D97-AF65-F5344CB8AC3E}">
-        <p14:creationId xmlns:p14="http://schemas.microsoft.com/office/powerpoint/2010/main" xmlns="" val="2460963347"/>
+        <p14:creationId xmlns="" xmlns:p14="http://schemas.microsoft.com/office/powerpoint/2010/main" val="2460963347"/>
       </p:ext>
     </p:extLst>
   </p:cSld>
@@ -4661,7 +4761,6 @@
               <a:rPr lang="nl-NL" dirty="0" smtClean="0"/>
               <a:t>Assenstelsel </a:t>
             </a:r>
-            <a:endParaRPr lang="nl-NL" dirty="0" smtClean="0"/>
           </a:p>
           <a:p>
             <a:pPr lvl="1"/>
@@ -4814,6 +4913,30 @@
           <a:chExt cx="0" cy="0"/>
         </a:xfrm>
       </p:grpSpPr>
+      <p:pic>
+        <p:nvPicPr>
+          <p:cNvPr id="5" name="Afbeelding 4" descr="Template_1_oplossing.png"/>
+          <p:cNvPicPr>
+            <a:picLocks noChangeAspect="1"/>
+          </p:cNvPicPr>
+          <p:nvPr/>
+        </p:nvPicPr>
+        <p:blipFill>
+          <a:blip r:embed="rId2" cstate="print"/>
+          <a:stretch>
+            <a:fillRect/>
+          </a:stretch>
+        </p:blipFill>
+        <p:spPr>
+          <a:xfrm>
+            <a:off x="4890052" y="1444175"/>
+            <a:ext cx="6904383" cy="5135135"/>
+          </a:xfrm>
+          <a:prstGeom prst="rect">
+            <a:avLst/>
+          </a:prstGeom>
+        </p:spPr>
+      </p:pic>
       <p:sp>
         <p:nvSpPr>
           <p:cNvPr id="2" name="Titel 1"/>
@@ -4852,7 +4975,149 @@
           <a:bodyPr/>
           <a:lstStyle/>
           <a:p>
-            <a:endParaRPr lang="en-US"/>
+            <a:r>
+              <a:rPr lang="en-US" dirty="0" smtClean="0"/>
+              <a:t>Peptide van 14 </a:t>
+            </a:r>
+            <a:r>
+              <a:rPr lang="en-US" dirty="0" err="1" smtClean="0"/>
+              <a:t>aminozuren</a:t>
+            </a:r>
+            <a:r>
+              <a:rPr lang="en-US" dirty="0" smtClean="0"/>
+              <a:t>:</a:t>
+            </a:r>
+          </a:p>
+          <a:p>
+            <a:pPr lvl="1"/>
+            <a:r>
+              <a:rPr lang="en-US" dirty="0" smtClean="0"/>
+              <a:t>Score: -6 </a:t>
+            </a:r>
+          </a:p>
+          <a:p>
+            <a:pPr lvl="1"/>
+            <a:r>
+              <a:rPr lang="en-US" dirty="0" smtClean="0"/>
+              <a:t>Runtime: 0.1507</a:t>
+            </a:r>
+          </a:p>
+        </p:txBody>
+      </p:sp>
+    </p:spTree>
+  </p:cSld>
+  <p:clrMapOvr>
+    <a:masterClrMapping/>
+  </p:clrMapOvr>
+</p:sld>
+</file>
+
+<file path=ppt/slides/slide9.xml><?xml version="1.0" encoding="utf-8"?>
+<p:sld xmlns:a="http://schemas.openxmlformats.org/drawingml/2006/main" xmlns:r="http://schemas.openxmlformats.org/officeDocument/2006/relationships" xmlns:p="http://schemas.openxmlformats.org/presentationml/2006/main">
+  <p:cSld>
+    <p:spTree>
+      <p:nvGrpSpPr>
+        <p:cNvPr id="1" name=""/>
+        <p:cNvGrpSpPr/>
+        <p:nvPr/>
+      </p:nvGrpSpPr>
+      <p:grpSpPr>
+        <a:xfrm>
+          <a:off x="0" y="0"/>
+          <a:ext cx="0" cy="0"/>
+          <a:chOff x="0" y="0"/>
+          <a:chExt cx="0" cy="0"/>
+        </a:xfrm>
+      </p:grpSpPr>
+      <p:pic>
+        <p:nvPicPr>
+          <p:cNvPr id="4" name="Afbeelding 3" descr="Template_2_oplossing.png"/>
+          <p:cNvPicPr>
+            <a:picLocks noChangeAspect="1"/>
+          </p:cNvPicPr>
+          <p:nvPr/>
+        </p:nvPicPr>
+        <p:blipFill>
+          <a:blip r:embed="rId2" cstate="print"/>
+          <a:stretch>
+            <a:fillRect/>
+          </a:stretch>
+        </p:blipFill>
+        <p:spPr>
+          <a:xfrm>
+            <a:off x="5049412" y="1545701"/>
+            <a:ext cx="6768408" cy="5034003"/>
+          </a:xfrm>
+          <a:prstGeom prst="rect">
+            <a:avLst/>
+          </a:prstGeom>
+        </p:spPr>
+      </p:pic>
+      <p:sp>
+        <p:nvSpPr>
+          <p:cNvPr id="2" name="Titel 1"/>
+          <p:cNvSpPr>
+            <a:spLocks noGrp="1"/>
+          </p:cNvSpPr>
+          <p:nvPr>
+            <p:ph type="title"/>
+          </p:nvPr>
+        </p:nvSpPr>
+        <p:spPr/>
+        <p:txBody>
+          <a:bodyPr/>
+          <a:lstStyle/>
+          <a:p>
+            <a:r>
+              <a:rPr lang="en-US" dirty="0" err="1" smtClean="0"/>
+              <a:t>Resultaten</a:t>
+            </a:r>
+            <a:endParaRPr lang="en-US" dirty="0"/>
+          </a:p>
+        </p:txBody>
+      </p:sp>
+      <p:sp>
+        <p:nvSpPr>
+          <p:cNvPr id="3" name="Tijdelijke aanduiding voor inhoud 2"/>
+          <p:cNvSpPr>
+            <a:spLocks noGrp="1"/>
+          </p:cNvSpPr>
+          <p:nvPr>
+            <p:ph idx="1"/>
+          </p:nvPr>
+        </p:nvSpPr>
+        <p:spPr/>
+        <p:txBody>
+          <a:bodyPr/>
+          <a:lstStyle/>
+          <a:p>
+            <a:r>
+              <a:rPr lang="en-US" dirty="0" smtClean="0"/>
+              <a:t>Peptide van 20 </a:t>
+            </a:r>
+            <a:r>
+              <a:rPr lang="en-US" dirty="0" err="1" smtClean="0"/>
+              <a:t>aminozuren</a:t>
+            </a:r>
+            <a:r>
+              <a:rPr lang="en-US" dirty="0" smtClean="0"/>
+              <a:t>:</a:t>
+            </a:r>
+          </a:p>
+          <a:p>
+            <a:pPr lvl="1"/>
+            <a:r>
+              <a:rPr lang="en-US" dirty="0" smtClean="0"/>
+              <a:t>Score: -8</a:t>
+            </a:r>
+          </a:p>
+          <a:p>
+            <a:pPr lvl="1"/>
+            <a:r>
+              <a:rPr lang="en-US" dirty="0" smtClean="0"/>
+              <a:t>Runtime: 82.5547</a:t>
+            </a:r>
+            <a:endParaRPr lang="en-US" dirty="0"/>
           </a:p>
         </p:txBody>
       </p:sp>
@@ -5153,7 +5418,7 @@
   <a:extraClrSchemeLst/>
   <a:extLst>
     <a:ext uri="{05A4C25C-085E-4340-85A3-A5531E510DB2}">
-      <thm15:themeFamily xmlns="" xmlns:thm15="http://schemas.microsoft.com/office/thememl/2012/main" name="Office Theme" id="{62F939B6-93AF-4DB8-9C6B-D6C7DFDC589F}" vid="{4A3C46E8-61CC-4603-A589-7422A47A8E4A}"/>
+      <thm15:themeFamily xmlns:thm15="http://schemas.microsoft.com/office/thememl/2012/main" xmlns="" name="Office Theme" id="{62F939B6-93AF-4DB8-9C6B-D6C7DFDC589F}" vid="{4A3C46E8-61CC-4603-A589-7422A47A8E4A}"/>
     </a:ext>
   </a:extLst>
 </a:theme>

--- a/Presentations/Proteasen - week 1.pptx
+++ b/Presentations/Proteasen - week 1.pptx
@@ -138,7 +138,7 @@
           <p:cNvPr id="2" name="Titel 1">
             <a:extLst>
               <a:ext uri="{FF2B5EF4-FFF2-40B4-BE49-F238E27FC236}">
-                <a16:creationId xmlns:a16="http://schemas.microsoft.com/office/drawing/2014/main" xmlns="" id="{EFD99023-B551-45B8-A12C-2917446E04BE}"/>
+                <a16:creationId xmlns="" xmlns:a16="http://schemas.microsoft.com/office/drawing/2014/main" id="{EFD99023-B551-45B8-A12C-2917446E04BE}"/>
               </a:ext>
             </a:extLst>
           </p:cNvPr>
@@ -175,7 +175,7 @@
           <p:cNvPr id="3" name="Ondertitel 2">
             <a:extLst>
               <a:ext uri="{FF2B5EF4-FFF2-40B4-BE49-F238E27FC236}">
-                <a16:creationId xmlns:a16="http://schemas.microsoft.com/office/drawing/2014/main" xmlns="" id="{2E009DEA-736C-495D-A0BD-D3CB755CD810}"/>
+                <a16:creationId xmlns="" xmlns:a16="http://schemas.microsoft.com/office/drawing/2014/main" id="{2E009DEA-736C-495D-A0BD-D3CB755CD810}"/>
               </a:ext>
             </a:extLst>
           </p:cNvPr>
@@ -245,7 +245,7 @@
           <p:cNvPr id="4" name="Tijdelijke aanduiding voor datum 3">
             <a:extLst>
               <a:ext uri="{FF2B5EF4-FFF2-40B4-BE49-F238E27FC236}">
-                <a16:creationId xmlns:a16="http://schemas.microsoft.com/office/drawing/2014/main" xmlns="" id="{67209F8F-9D5D-4D9E-AC0A-70E79D66B973}"/>
+                <a16:creationId xmlns="" xmlns:a16="http://schemas.microsoft.com/office/drawing/2014/main" id="{67209F8F-9D5D-4D9E-AC0A-70E79D66B973}"/>
               </a:ext>
             </a:extLst>
           </p:cNvPr>
@@ -275,7 +275,7 @@
           <p:cNvPr id="5" name="Tijdelijke aanduiding voor voettekst 4">
             <a:extLst>
               <a:ext uri="{FF2B5EF4-FFF2-40B4-BE49-F238E27FC236}">
-                <a16:creationId xmlns:a16="http://schemas.microsoft.com/office/drawing/2014/main" xmlns="" id="{54E64078-7028-4A61-9D1A-E34F5B16D07A}"/>
+                <a16:creationId xmlns="" xmlns:a16="http://schemas.microsoft.com/office/drawing/2014/main" id="{54E64078-7028-4A61-9D1A-E34F5B16D07A}"/>
               </a:ext>
             </a:extLst>
           </p:cNvPr>
@@ -300,7 +300,7 @@
           <p:cNvPr id="6" name="Tijdelijke aanduiding voor dianummer 5">
             <a:extLst>
               <a:ext uri="{FF2B5EF4-FFF2-40B4-BE49-F238E27FC236}">
-                <a16:creationId xmlns:a16="http://schemas.microsoft.com/office/drawing/2014/main" xmlns="" id="{F94CF3BC-A337-46FC-9ED2-A70F074C57CD}"/>
+                <a16:creationId xmlns="" xmlns:a16="http://schemas.microsoft.com/office/drawing/2014/main" id="{F94CF3BC-A337-46FC-9ED2-A70F074C57CD}"/>
               </a:ext>
             </a:extLst>
           </p:cNvPr>
@@ -328,7 +328,7 @@
     </p:spTree>
     <p:extLst>
       <p:ext uri="{BB962C8B-B14F-4D97-AF65-F5344CB8AC3E}">
-        <p14:creationId xmlns="" xmlns:p14="http://schemas.microsoft.com/office/powerpoint/2010/main" val="3805358241"/>
+        <p14:creationId xmlns:p14="http://schemas.microsoft.com/office/powerpoint/2010/main" xmlns="" val="3805358241"/>
       </p:ext>
     </p:extLst>
   </p:cSld>
@@ -360,7 +360,7 @@
           <p:cNvPr id="2" name="Titel 1">
             <a:extLst>
               <a:ext uri="{FF2B5EF4-FFF2-40B4-BE49-F238E27FC236}">
-                <a16:creationId xmlns:a16="http://schemas.microsoft.com/office/drawing/2014/main" xmlns="" id="{A0360AC8-B78F-4264-BCDD-ACDC27E57432}"/>
+                <a16:creationId xmlns="" xmlns:a16="http://schemas.microsoft.com/office/drawing/2014/main" id="{A0360AC8-B78F-4264-BCDD-ACDC27E57432}"/>
               </a:ext>
             </a:extLst>
           </p:cNvPr>
@@ -388,7 +388,7 @@
           <p:cNvPr id="3" name="Tijdelijke aanduiding voor verticale tekst 2">
             <a:extLst>
               <a:ext uri="{FF2B5EF4-FFF2-40B4-BE49-F238E27FC236}">
-                <a16:creationId xmlns:a16="http://schemas.microsoft.com/office/drawing/2014/main" xmlns="" id="{CBC2C12D-CEBD-47C9-B6B8-76D5A5B9B46B}"/>
+                <a16:creationId xmlns="" xmlns:a16="http://schemas.microsoft.com/office/drawing/2014/main" id="{CBC2C12D-CEBD-47C9-B6B8-76D5A5B9B46B}"/>
               </a:ext>
             </a:extLst>
           </p:cNvPr>
@@ -445,7 +445,7 @@
           <p:cNvPr id="4" name="Tijdelijke aanduiding voor datum 3">
             <a:extLst>
               <a:ext uri="{FF2B5EF4-FFF2-40B4-BE49-F238E27FC236}">
-                <a16:creationId xmlns:a16="http://schemas.microsoft.com/office/drawing/2014/main" xmlns="" id="{99C3A252-6B99-4635-BB91-A7D08534575D}"/>
+                <a16:creationId xmlns="" xmlns:a16="http://schemas.microsoft.com/office/drawing/2014/main" id="{99C3A252-6B99-4635-BB91-A7D08534575D}"/>
               </a:ext>
             </a:extLst>
           </p:cNvPr>
@@ -475,7 +475,7 @@
           <p:cNvPr id="5" name="Tijdelijke aanduiding voor voettekst 4">
             <a:extLst>
               <a:ext uri="{FF2B5EF4-FFF2-40B4-BE49-F238E27FC236}">
-                <a16:creationId xmlns:a16="http://schemas.microsoft.com/office/drawing/2014/main" xmlns="" id="{55C44EC4-4316-439A-80F3-5CF8FA8B9E4D}"/>
+                <a16:creationId xmlns="" xmlns:a16="http://schemas.microsoft.com/office/drawing/2014/main" id="{55C44EC4-4316-439A-80F3-5CF8FA8B9E4D}"/>
               </a:ext>
             </a:extLst>
           </p:cNvPr>
@@ -500,7 +500,7 @@
           <p:cNvPr id="6" name="Tijdelijke aanduiding voor dianummer 5">
             <a:extLst>
               <a:ext uri="{FF2B5EF4-FFF2-40B4-BE49-F238E27FC236}">
-                <a16:creationId xmlns:a16="http://schemas.microsoft.com/office/drawing/2014/main" xmlns="" id="{51651B2C-E2E2-469B-9BC0-4F51A8AB8FCF}"/>
+                <a16:creationId xmlns="" xmlns:a16="http://schemas.microsoft.com/office/drawing/2014/main" id="{51651B2C-E2E2-469B-9BC0-4F51A8AB8FCF}"/>
               </a:ext>
             </a:extLst>
           </p:cNvPr>
@@ -528,7 +528,7 @@
     </p:spTree>
     <p:extLst>
       <p:ext uri="{BB962C8B-B14F-4D97-AF65-F5344CB8AC3E}">
-        <p14:creationId xmlns="" xmlns:p14="http://schemas.microsoft.com/office/powerpoint/2010/main" val="3203477417"/>
+        <p14:creationId xmlns:p14="http://schemas.microsoft.com/office/powerpoint/2010/main" xmlns="" val="3203477417"/>
       </p:ext>
     </p:extLst>
   </p:cSld>
@@ -560,7 +560,7 @@
           <p:cNvPr id="2" name="Verticale titel 1">
             <a:extLst>
               <a:ext uri="{FF2B5EF4-FFF2-40B4-BE49-F238E27FC236}">
-                <a16:creationId xmlns:a16="http://schemas.microsoft.com/office/drawing/2014/main" xmlns="" id="{A8495113-02DB-4A72-A690-2DCF724F608D}"/>
+                <a16:creationId xmlns="" xmlns:a16="http://schemas.microsoft.com/office/drawing/2014/main" id="{A8495113-02DB-4A72-A690-2DCF724F608D}"/>
               </a:ext>
             </a:extLst>
           </p:cNvPr>
@@ -593,7 +593,7 @@
           <p:cNvPr id="3" name="Tijdelijke aanduiding voor verticale tekst 2">
             <a:extLst>
               <a:ext uri="{FF2B5EF4-FFF2-40B4-BE49-F238E27FC236}">
-                <a16:creationId xmlns:a16="http://schemas.microsoft.com/office/drawing/2014/main" xmlns="" id="{C31B8AC1-42B5-4119-AC97-D81F532327F3}"/>
+                <a16:creationId xmlns="" xmlns:a16="http://schemas.microsoft.com/office/drawing/2014/main" id="{C31B8AC1-42B5-4119-AC97-D81F532327F3}"/>
               </a:ext>
             </a:extLst>
           </p:cNvPr>
@@ -655,7 +655,7 @@
           <p:cNvPr id="4" name="Tijdelijke aanduiding voor datum 3">
             <a:extLst>
               <a:ext uri="{FF2B5EF4-FFF2-40B4-BE49-F238E27FC236}">
-                <a16:creationId xmlns:a16="http://schemas.microsoft.com/office/drawing/2014/main" xmlns="" id="{C56E96B1-1940-4306-AE29-87A98AD3166A}"/>
+                <a16:creationId xmlns="" xmlns:a16="http://schemas.microsoft.com/office/drawing/2014/main" id="{C56E96B1-1940-4306-AE29-87A98AD3166A}"/>
               </a:ext>
             </a:extLst>
           </p:cNvPr>
@@ -685,7 +685,7 @@
           <p:cNvPr id="5" name="Tijdelijke aanduiding voor voettekst 4">
             <a:extLst>
               <a:ext uri="{FF2B5EF4-FFF2-40B4-BE49-F238E27FC236}">
-                <a16:creationId xmlns:a16="http://schemas.microsoft.com/office/drawing/2014/main" xmlns="" id="{A5988C8F-FC0C-4CBE-BA17-CA0DFB99C566}"/>
+                <a16:creationId xmlns="" xmlns:a16="http://schemas.microsoft.com/office/drawing/2014/main" id="{A5988C8F-FC0C-4CBE-BA17-CA0DFB99C566}"/>
               </a:ext>
             </a:extLst>
           </p:cNvPr>
@@ -710,7 +710,7 @@
           <p:cNvPr id="6" name="Tijdelijke aanduiding voor dianummer 5">
             <a:extLst>
               <a:ext uri="{FF2B5EF4-FFF2-40B4-BE49-F238E27FC236}">
-                <a16:creationId xmlns:a16="http://schemas.microsoft.com/office/drawing/2014/main" xmlns="" id="{5965722C-5852-44DE-9F55-897A005A5E6B}"/>
+                <a16:creationId xmlns="" xmlns:a16="http://schemas.microsoft.com/office/drawing/2014/main" id="{5965722C-5852-44DE-9F55-897A005A5E6B}"/>
               </a:ext>
             </a:extLst>
           </p:cNvPr>
@@ -738,7 +738,7 @@
     </p:spTree>
     <p:extLst>
       <p:ext uri="{BB962C8B-B14F-4D97-AF65-F5344CB8AC3E}">
-        <p14:creationId xmlns="" xmlns:p14="http://schemas.microsoft.com/office/powerpoint/2010/main" val="1094053022"/>
+        <p14:creationId xmlns:p14="http://schemas.microsoft.com/office/powerpoint/2010/main" xmlns="" val="1094053022"/>
       </p:ext>
     </p:extLst>
   </p:cSld>
@@ -770,7 +770,7 @@
           <p:cNvPr id="2" name="Titel 1">
             <a:extLst>
               <a:ext uri="{FF2B5EF4-FFF2-40B4-BE49-F238E27FC236}">
-                <a16:creationId xmlns:a16="http://schemas.microsoft.com/office/drawing/2014/main" xmlns="" id="{016A3A2C-E9A1-46E3-B56B-6107511A4824}"/>
+                <a16:creationId xmlns="" xmlns:a16="http://schemas.microsoft.com/office/drawing/2014/main" id="{016A3A2C-E9A1-46E3-B56B-6107511A4824}"/>
               </a:ext>
             </a:extLst>
           </p:cNvPr>
@@ -798,7 +798,7 @@
           <p:cNvPr id="3" name="Tijdelijke aanduiding voor inhoud 2">
             <a:extLst>
               <a:ext uri="{FF2B5EF4-FFF2-40B4-BE49-F238E27FC236}">
-                <a16:creationId xmlns:a16="http://schemas.microsoft.com/office/drawing/2014/main" xmlns="" id="{3767E90F-0F89-4A06-B8E9-1CDE6F03C9ED}"/>
+                <a16:creationId xmlns="" xmlns:a16="http://schemas.microsoft.com/office/drawing/2014/main" id="{3767E90F-0F89-4A06-B8E9-1CDE6F03C9ED}"/>
               </a:ext>
             </a:extLst>
           </p:cNvPr>
@@ -855,7 +855,7 @@
           <p:cNvPr id="4" name="Tijdelijke aanduiding voor datum 3">
             <a:extLst>
               <a:ext uri="{FF2B5EF4-FFF2-40B4-BE49-F238E27FC236}">
-                <a16:creationId xmlns:a16="http://schemas.microsoft.com/office/drawing/2014/main" xmlns="" id="{03A33B9D-72AD-41A2-B2D2-DD46DAD7D7DC}"/>
+                <a16:creationId xmlns="" xmlns:a16="http://schemas.microsoft.com/office/drawing/2014/main" id="{03A33B9D-72AD-41A2-B2D2-DD46DAD7D7DC}"/>
               </a:ext>
             </a:extLst>
           </p:cNvPr>
@@ -885,7 +885,7 @@
           <p:cNvPr id="5" name="Tijdelijke aanduiding voor voettekst 4">
             <a:extLst>
               <a:ext uri="{FF2B5EF4-FFF2-40B4-BE49-F238E27FC236}">
-                <a16:creationId xmlns:a16="http://schemas.microsoft.com/office/drawing/2014/main" xmlns="" id="{B66C81FA-DFF3-464A-B628-347A5430C915}"/>
+                <a16:creationId xmlns="" xmlns:a16="http://schemas.microsoft.com/office/drawing/2014/main" id="{B66C81FA-DFF3-464A-B628-347A5430C915}"/>
               </a:ext>
             </a:extLst>
           </p:cNvPr>
@@ -910,7 +910,7 @@
           <p:cNvPr id="6" name="Tijdelijke aanduiding voor dianummer 5">
             <a:extLst>
               <a:ext uri="{FF2B5EF4-FFF2-40B4-BE49-F238E27FC236}">
-                <a16:creationId xmlns:a16="http://schemas.microsoft.com/office/drawing/2014/main" xmlns="" id="{CCA4C3AF-1A2F-4B35-ADA6-C3C3322C3EFE}"/>
+                <a16:creationId xmlns="" xmlns:a16="http://schemas.microsoft.com/office/drawing/2014/main" id="{CCA4C3AF-1A2F-4B35-ADA6-C3C3322C3EFE}"/>
               </a:ext>
             </a:extLst>
           </p:cNvPr>
@@ -938,7 +938,7 @@
     </p:spTree>
     <p:extLst>
       <p:ext uri="{BB962C8B-B14F-4D97-AF65-F5344CB8AC3E}">
-        <p14:creationId xmlns="" xmlns:p14="http://schemas.microsoft.com/office/powerpoint/2010/main" val="1515944853"/>
+        <p14:creationId xmlns:p14="http://schemas.microsoft.com/office/powerpoint/2010/main" xmlns="" val="1515944853"/>
       </p:ext>
     </p:extLst>
   </p:cSld>
@@ -970,7 +970,7 @@
           <p:cNvPr id="2" name="Titel 1">
             <a:extLst>
               <a:ext uri="{FF2B5EF4-FFF2-40B4-BE49-F238E27FC236}">
-                <a16:creationId xmlns:a16="http://schemas.microsoft.com/office/drawing/2014/main" xmlns="" id="{07CEC788-F9AF-4924-B3FC-70812FE0AB92}"/>
+                <a16:creationId xmlns="" xmlns:a16="http://schemas.microsoft.com/office/drawing/2014/main" id="{07CEC788-F9AF-4924-B3FC-70812FE0AB92}"/>
               </a:ext>
             </a:extLst>
           </p:cNvPr>
@@ -1007,7 +1007,7 @@
           <p:cNvPr id="3" name="Tijdelijke aanduiding voor tekst 2">
             <a:extLst>
               <a:ext uri="{FF2B5EF4-FFF2-40B4-BE49-F238E27FC236}">
-                <a16:creationId xmlns:a16="http://schemas.microsoft.com/office/drawing/2014/main" xmlns="" id="{259BBFA2-C0C3-4F5C-8BAF-0B57144C20E3}"/>
+                <a16:creationId xmlns="" xmlns:a16="http://schemas.microsoft.com/office/drawing/2014/main" id="{259BBFA2-C0C3-4F5C-8BAF-0B57144C20E3}"/>
               </a:ext>
             </a:extLst>
           </p:cNvPr>
@@ -1132,7 +1132,7 @@
           <p:cNvPr id="4" name="Tijdelijke aanduiding voor datum 3">
             <a:extLst>
               <a:ext uri="{FF2B5EF4-FFF2-40B4-BE49-F238E27FC236}">
-                <a16:creationId xmlns:a16="http://schemas.microsoft.com/office/drawing/2014/main" xmlns="" id="{8631F680-A0FA-4DD5-978B-B3C3DC404E65}"/>
+                <a16:creationId xmlns="" xmlns:a16="http://schemas.microsoft.com/office/drawing/2014/main" id="{8631F680-A0FA-4DD5-978B-B3C3DC404E65}"/>
               </a:ext>
             </a:extLst>
           </p:cNvPr>
@@ -1162,7 +1162,7 @@
           <p:cNvPr id="5" name="Tijdelijke aanduiding voor voettekst 4">
             <a:extLst>
               <a:ext uri="{FF2B5EF4-FFF2-40B4-BE49-F238E27FC236}">
-                <a16:creationId xmlns:a16="http://schemas.microsoft.com/office/drawing/2014/main" xmlns="" id="{7F1F8561-6E64-42ED-8CB5-A7BBAFAFCF46}"/>
+                <a16:creationId xmlns="" xmlns:a16="http://schemas.microsoft.com/office/drawing/2014/main" id="{7F1F8561-6E64-42ED-8CB5-A7BBAFAFCF46}"/>
               </a:ext>
             </a:extLst>
           </p:cNvPr>
@@ -1187,7 +1187,7 @@
           <p:cNvPr id="6" name="Tijdelijke aanduiding voor dianummer 5">
             <a:extLst>
               <a:ext uri="{FF2B5EF4-FFF2-40B4-BE49-F238E27FC236}">
-                <a16:creationId xmlns:a16="http://schemas.microsoft.com/office/drawing/2014/main" xmlns="" id="{BE90B6D3-0E9B-4F75-9578-944B4C631782}"/>
+                <a16:creationId xmlns="" xmlns:a16="http://schemas.microsoft.com/office/drawing/2014/main" id="{BE90B6D3-0E9B-4F75-9578-944B4C631782}"/>
               </a:ext>
             </a:extLst>
           </p:cNvPr>
@@ -1215,7 +1215,7 @@
     </p:spTree>
     <p:extLst>
       <p:ext uri="{BB962C8B-B14F-4D97-AF65-F5344CB8AC3E}">
-        <p14:creationId xmlns="" xmlns:p14="http://schemas.microsoft.com/office/powerpoint/2010/main" val="858119523"/>
+        <p14:creationId xmlns:p14="http://schemas.microsoft.com/office/powerpoint/2010/main" xmlns="" val="858119523"/>
       </p:ext>
     </p:extLst>
   </p:cSld>
@@ -1247,7 +1247,7 @@
           <p:cNvPr id="2" name="Titel 1">
             <a:extLst>
               <a:ext uri="{FF2B5EF4-FFF2-40B4-BE49-F238E27FC236}">
-                <a16:creationId xmlns:a16="http://schemas.microsoft.com/office/drawing/2014/main" xmlns="" id="{77E2AA73-853E-40A1-9A01-2322859C1E57}"/>
+                <a16:creationId xmlns="" xmlns:a16="http://schemas.microsoft.com/office/drawing/2014/main" id="{77E2AA73-853E-40A1-9A01-2322859C1E57}"/>
               </a:ext>
             </a:extLst>
           </p:cNvPr>
@@ -1275,7 +1275,7 @@
           <p:cNvPr id="3" name="Tijdelijke aanduiding voor inhoud 2">
             <a:extLst>
               <a:ext uri="{FF2B5EF4-FFF2-40B4-BE49-F238E27FC236}">
-                <a16:creationId xmlns:a16="http://schemas.microsoft.com/office/drawing/2014/main" xmlns="" id="{D3A30AEC-A453-4488-9ED3-1DB9B54B5E44}"/>
+                <a16:creationId xmlns="" xmlns:a16="http://schemas.microsoft.com/office/drawing/2014/main" id="{D3A30AEC-A453-4488-9ED3-1DB9B54B5E44}"/>
               </a:ext>
             </a:extLst>
           </p:cNvPr>
@@ -1337,7 +1337,7 @@
           <p:cNvPr id="4" name="Tijdelijke aanduiding voor inhoud 3">
             <a:extLst>
               <a:ext uri="{FF2B5EF4-FFF2-40B4-BE49-F238E27FC236}">
-                <a16:creationId xmlns:a16="http://schemas.microsoft.com/office/drawing/2014/main" xmlns="" id="{91D637F4-ACDA-4978-9A41-A140CB08D61A}"/>
+                <a16:creationId xmlns="" xmlns:a16="http://schemas.microsoft.com/office/drawing/2014/main" id="{91D637F4-ACDA-4978-9A41-A140CB08D61A}"/>
               </a:ext>
             </a:extLst>
           </p:cNvPr>
@@ -1399,7 +1399,7 @@
           <p:cNvPr id="5" name="Tijdelijke aanduiding voor datum 4">
             <a:extLst>
               <a:ext uri="{FF2B5EF4-FFF2-40B4-BE49-F238E27FC236}">
-                <a16:creationId xmlns:a16="http://schemas.microsoft.com/office/drawing/2014/main" xmlns="" id="{837E7DD3-15C8-411D-B870-A08B6F78EE10}"/>
+                <a16:creationId xmlns="" xmlns:a16="http://schemas.microsoft.com/office/drawing/2014/main" id="{837E7DD3-15C8-411D-B870-A08B6F78EE10}"/>
               </a:ext>
             </a:extLst>
           </p:cNvPr>
@@ -1429,7 +1429,7 @@
           <p:cNvPr id="6" name="Tijdelijke aanduiding voor voettekst 5">
             <a:extLst>
               <a:ext uri="{FF2B5EF4-FFF2-40B4-BE49-F238E27FC236}">
-                <a16:creationId xmlns:a16="http://schemas.microsoft.com/office/drawing/2014/main" xmlns="" id="{D36B0671-9A72-41D6-8923-9F431EE758F9}"/>
+                <a16:creationId xmlns="" xmlns:a16="http://schemas.microsoft.com/office/drawing/2014/main" id="{D36B0671-9A72-41D6-8923-9F431EE758F9}"/>
               </a:ext>
             </a:extLst>
           </p:cNvPr>
@@ -1454,7 +1454,7 @@
           <p:cNvPr id="7" name="Tijdelijke aanduiding voor dianummer 6">
             <a:extLst>
               <a:ext uri="{FF2B5EF4-FFF2-40B4-BE49-F238E27FC236}">
-                <a16:creationId xmlns:a16="http://schemas.microsoft.com/office/drawing/2014/main" xmlns="" id="{6E5DC6FE-5C44-4203-861C-9534D89659E0}"/>
+                <a16:creationId xmlns="" xmlns:a16="http://schemas.microsoft.com/office/drawing/2014/main" id="{6E5DC6FE-5C44-4203-861C-9534D89659E0}"/>
               </a:ext>
             </a:extLst>
           </p:cNvPr>
@@ -1482,7 +1482,7 @@
     </p:spTree>
     <p:extLst>
       <p:ext uri="{BB962C8B-B14F-4D97-AF65-F5344CB8AC3E}">
-        <p14:creationId xmlns="" xmlns:p14="http://schemas.microsoft.com/office/powerpoint/2010/main" val="816816862"/>
+        <p14:creationId xmlns:p14="http://schemas.microsoft.com/office/powerpoint/2010/main" xmlns="" val="816816862"/>
       </p:ext>
     </p:extLst>
   </p:cSld>
@@ -1514,7 +1514,7 @@
           <p:cNvPr id="2" name="Titel 1">
             <a:extLst>
               <a:ext uri="{FF2B5EF4-FFF2-40B4-BE49-F238E27FC236}">
-                <a16:creationId xmlns:a16="http://schemas.microsoft.com/office/drawing/2014/main" xmlns="" id="{D297AAFE-77DE-432B-BAB4-CD6F190E343C}"/>
+                <a16:creationId xmlns="" xmlns:a16="http://schemas.microsoft.com/office/drawing/2014/main" id="{D297AAFE-77DE-432B-BAB4-CD6F190E343C}"/>
               </a:ext>
             </a:extLst>
           </p:cNvPr>
@@ -1547,7 +1547,7 @@
           <p:cNvPr id="3" name="Tijdelijke aanduiding voor tekst 2">
             <a:extLst>
               <a:ext uri="{FF2B5EF4-FFF2-40B4-BE49-F238E27FC236}">
-                <a16:creationId xmlns:a16="http://schemas.microsoft.com/office/drawing/2014/main" xmlns="" id="{FFEE2ED6-653E-4421-8218-E2C38C76B28B}"/>
+                <a16:creationId xmlns="" xmlns:a16="http://schemas.microsoft.com/office/drawing/2014/main" id="{FFEE2ED6-653E-4421-8218-E2C38C76B28B}"/>
               </a:ext>
             </a:extLst>
           </p:cNvPr>
@@ -1618,7 +1618,7 @@
           <p:cNvPr id="4" name="Tijdelijke aanduiding voor inhoud 3">
             <a:extLst>
               <a:ext uri="{FF2B5EF4-FFF2-40B4-BE49-F238E27FC236}">
-                <a16:creationId xmlns:a16="http://schemas.microsoft.com/office/drawing/2014/main" xmlns="" id="{DC218CE1-911A-4429-A641-56511F94AE34}"/>
+                <a16:creationId xmlns="" xmlns:a16="http://schemas.microsoft.com/office/drawing/2014/main" id="{DC218CE1-911A-4429-A641-56511F94AE34}"/>
               </a:ext>
             </a:extLst>
           </p:cNvPr>
@@ -1680,7 +1680,7 @@
           <p:cNvPr id="5" name="Tijdelijke aanduiding voor tekst 4">
             <a:extLst>
               <a:ext uri="{FF2B5EF4-FFF2-40B4-BE49-F238E27FC236}">
-                <a16:creationId xmlns:a16="http://schemas.microsoft.com/office/drawing/2014/main" xmlns="" id="{719A6713-F0E0-40AB-A59E-49F09878FEB6}"/>
+                <a16:creationId xmlns="" xmlns:a16="http://schemas.microsoft.com/office/drawing/2014/main" id="{719A6713-F0E0-40AB-A59E-49F09878FEB6}"/>
               </a:ext>
             </a:extLst>
           </p:cNvPr>
@@ -1751,7 +1751,7 @@
           <p:cNvPr id="6" name="Tijdelijke aanduiding voor inhoud 5">
             <a:extLst>
               <a:ext uri="{FF2B5EF4-FFF2-40B4-BE49-F238E27FC236}">
-                <a16:creationId xmlns:a16="http://schemas.microsoft.com/office/drawing/2014/main" xmlns="" id="{C920DA29-52C0-41C1-B347-90F2C9400F3E}"/>
+                <a16:creationId xmlns="" xmlns:a16="http://schemas.microsoft.com/office/drawing/2014/main" id="{C920DA29-52C0-41C1-B347-90F2C9400F3E}"/>
               </a:ext>
             </a:extLst>
           </p:cNvPr>
@@ -1813,7 +1813,7 @@
           <p:cNvPr id="7" name="Tijdelijke aanduiding voor datum 6">
             <a:extLst>
               <a:ext uri="{FF2B5EF4-FFF2-40B4-BE49-F238E27FC236}">
-                <a16:creationId xmlns:a16="http://schemas.microsoft.com/office/drawing/2014/main" xmlns="" id="{8C0EFFE8-712A-45F8-8E44-FFE8CF661B83}"/>
+                <a16:creationId xmlns="" xmlns:a16="http://schemas.microsoft.com/office/drawing/2014/main" id="{8C0EFFE8-712A-45F8-8E44-FFE8CF661B83}"/>
               </a:ext>
             </a:extLst>
           </p:cNvPr>
@@ -1843,7 +1843,7 @@
           <p:cNvPr id="8" name="Tijdelijke aanduiding voor voettekst 7">
             <a:extLst>
               <a:ext uri="{FF2B5EF4-FFF2-40B4-BE49-F238E27FC236}">
-                <a16:creationId xmlns:a16="http://schemas.microsoft.com/office/drawing/2014/main" xmlns="" id="{707393AF-B4A9-4351-A40F-50118C94FFB4}"/>
+                <a16:creationId xmlns="" xmlns:a16="http://schemas.microsoft.com/office/drawing/2014/main" id="{707393AF-B4A9-4351-A40F-50118C94FFB4}"/>
               </a:ext>
             </a:extLst>
           </p:cNvPr>
@@ -1868,7 +1868,7 @@
           <p:cNvPr id="9" name="Tijdelijke aanduiding voor dianummer 8">
             <a:extLst>
               <a:ext uri="{FF2B5EF4-FFF2-40B4-BE49-F238E27FC236}">
-                <a16:creationId xmlns:a16="http://schemas.microsoft.com/office/drawing/2014/main" xmlns="" id="{AD5B9F79-2771-46B0-A531-43CC4F757865}"/>
+                <a16:creationId xmlns="" xmlns:a16="http://schemas.microsoft.com/office/drawing/2014/main" id="{AD5B9F79-2771-46B0-A531-43CC4F757865}"/>
               </a:ext>
             </a:extLst>
           </p:cNvPr>
@@ -1896,7 +1896,7 @@
     </p:spTree>
     <p:extLst>
       <p:ext uri="{BB962C8B-B14F-4D97-AF65-F5344CB8AC3E}">
-        <p14:creationId xmlns="" xmlns:p14="http://schemas.microsoft.com/office/powerpoint/2010/main" val="1099906094"/>
+        <p14:creationId xmlns:p14="http://schemas.microsoft.com/office/powerpoint/2010/main" xmlns="" val="1099906094"/>
       </p:ext>
     </p:extLst>
   </p:cSld>
@@ -1928,7 +1928,7 @@
           <p:cNvPr id="2" name="Titel 1">
             <a:extLst>
               <a:ext uri="{FF2B5EF4-FFF2-40B4-BE49-F238E27FC236}">
-                <a16:creationId xmlns:a16="http://schemas.microsoft.com/office/drawing/2014/main" xmlns="" id="{4E7337EC-1907-4F37-99F3-901F3BE41D1F}"/>
+                <a16:creationId xmlns="" xmlns:a16="http://schemas.microsoft.com/office/drawing/2014/main" id="{4E7337EC-1907-4F37-99F3-901F3BE41D1F}"/>
               </a:ext>
             </a:extLst>
           </p:cNvPr>
@@ -1956,7 +1956,7 @@
           <p:cNvPr id="3" name="Tijdelijke aanduiding voor datum 2">
             <a:extLst>
               <a:ext uri="{FF2B5EF4-FFF2-40B4-BE49-F238E27FC236}">
-                <a16:creationId xmlns:a16="http://schemas.microsoft.com/office/drawing/2014/main" xmlns="" id="{0D2E5F80-FF84-4F1C-92AC-EB22C4EFDEB3}"/>
+                <a16:creationId xmlns="" xmlns:a16="http://schemas.microsoft.com/office/drawing/2014/main" id="{0D2E5F80-FF84-4F1C-92AC-EB22C4EFDEB3}"/>
               </a:ext>
             </a:extLst>
           </p:cNvPr>
@@ -1986,7 +1986,7 @@
           <p:cNvPr id="4" name="Tijdelijke aanduiding voor voettekst 3">
             <a:extLst>
               <a:ext uri="{FF2B5EF4-FFF2-40B4-BE49-F238E27FC236}">
-                <a16:creationId xmlns:a16="http://schemas.microsoft.com/office/drawing/2014/main" xmlns="" id="{2D45D3C0-7BB6-4031-A805-56B2513F42F3}"/>
+                <a16:creationId xmlns="" xmlns:a16="http://schemas.microsoft.com/office/drawing/2014/main" id="{2D45D3C0-7BB6-4031-A805-56B2513F42F3}"/>
               </a:ext>
             </a:extLst>
           </p:cNvPr>
@@ -2011,7 +2011,7 @@
           <p:cNvPr id="5" name="Tijdelijke aanduiding voor dianummer 4">
             <a:extLst>
               <a:ext uri="{FF2B5EF4-FFF2-40B4-BE49-F238E27FC236}">
-                <a16:creationId xmlns:a16="http://schemas.microsoft.com/office/drawing/2014/main" xmlns="" id="{DA2BE903-22BF-4CEF-88FD-933D2CAFCA57}"/>
+                <a16:creationId xmlns="" xmlns:a16="http://schemas.microsoft.com/office/drawing/2014/main" id="{DA2BE903-22BF-4CEF-88FD-933D2CAFCA57}"/>
               </a:ext>
             </a:extLst>
           </p:cNvPr>
@@ -2039,7 +2039,7 @@
     </p:spTree>
     <p:extLst>
       <p:ext uri="{BB962C8B-B14F-4D97-AF65-F5344CB8AC3E}">
-        <p14:creationId xmlns="" xmlns:p14="http://schemas.microsoft.com/office/powerpoint/2010/main" val="1053118753"/>
+        <p14:creationId xmlns:p14="http://schemas.microsoft.com/office/powerpoint/2010/main" xmlns="" val="1053118753"/>
       </p:ext>
     </p:extLst>
   </p:cSld>
@@ -2071,7 +2071,7 @@
           <p:cNvPr id="2" name="Tijdelijke aanduiding voor datum 1">
             <a:extLst>
               <a:ext uri="{FF2B5EF4-FFF2-40B4-BE49-F238E27FC236}">
-                <a16:creationId xmlns:a16="http://schemas.microsoft.com/office/drawing/2014/main" xmlns="" id="{6FCDA235-3242-403B-A485-36B7AD8E1C39}"/>
+                <a16:creationId xmlns="" xmlns:a16="http://schemas.microsoft.com/office/drawing/2014/main" id="{6FCDA235-3242-403B-A485-36B7AD8E1C39}"/>
               </a:ext>
             </a:extLst>
           </p:cNvPr>
@@ -2101,7 +2101,7 @@
           <p:cNvPr id="3" name="Tijdelijke aanduiding voor voettekst 2">
             <a:extLst>
               <a:ext uri="{FF2B5EF4-FFF2-40B4-BE49-F238E27FC236}">
-                <a16:creationId xmlns:a16="http://schemas.microsoft.com/office/drawing/2014/main" xmlns="" id="{A75D1976-1CB9-48E7-9C11-87960D6E632C}"/>
+                <a16:creationId xmlns="" xmlns:a16="http://schemas.microsoft.com/office/drawing/2014/main" id="{A75D1976-1CB9-48E7-9C11-87960D6E632C}"/>
               </a:ext>
             </a:extLst>
           </p:cNvPr>
@@ -2126,7 +2126,7 @@
           <p:cNvPr id="4" name="Tijdelijke aanduiding voor dianummer 3">
             <a:extLst>
               <a:ext uri="{FF2B5EF4-FFF2-40B4-BE49-F238E27FC236}">
-                <a16:creationId xmlns:a16="http://schemas.microsoft.com/office/drawing/2014/main" xmlns="" id="{134A5D73-9591-4C49-92DA-172564BBF62F}"/>
+                <a16:creationId xmlns="" xmlns:a16="http://schemas.microsoft.com/office/drawing/2014/main" id="{134A5D73-9591-4C49-92DA-172564BBF62F}"/>
               </a:ext>
             </a:extLst>
           </p:cNvPr>
@@ -2154,7 +2154,7 @@
     </p:spTree>
     <p:extLst>
       <p:ext uri="{BB962C8B-B14F-4D97-AF65-F5344CB8AC3E}">
-        <p14:creationId xmlns="" xmlns:p14="http://schemas.microsoft.com/office/powerpoint/2010/main" val="593443286"/>
+        <p14:creationId xmlns:p14="http://schemas.microsoft.com/office/powerpoint/2010/main" xmlns="" val="593443286"/>
       </p:ext>
     </p:extLst>
   </p:cSld>
@@ -2186,7 +2186,7 @@
           <p:cNvPr id="2" name="Titel 1">
             <a:extLst>
               <a:ext uri="{FF2B5EF4-FFF2-40B4-BE49-F238E27FC236}">
-                <a16:creationId xmlns:a16="http://schemas.microsoft.com/office/drawing/2014/main" xmlns="" id="{7CF9EBF2-9E8A-476C-BC8A-02CD44989AD9}"/>
+                <a16:creationId xmlns="" xmlns:a16="http://schemas.microsoft.com/office/drawing/2014/main" id="{7CF9EBF2-9E8A-476C-BC8A-02CD44989AD9}"/>
               </a:ext>
             </a:extLst>
           </p:cNvPr>
@@ -2223,7 +2223,7 @@
           <p:cNvPr id="3" name="Tijdelijke aanduiding voor inhoud 2">
             <a:extLst>
               <a:ext uri="{FF2B5EF4-FFF2-40B4-BE49-F238E27FC236}">
-                <a16:creationId xmlns:a16="http://schemas.microsoft.com/office/drawing/2014/main" xmlns="" id="{081F15E5-A94C-4A05-918B-AC99C8EA0CB7}"/>
+                <a16:creationId xmlns="" xmlns:a16="http://schemas.microsoft.com/office/drawing/2014/main" id="{081F15E5-A94C-4A05-918B-AC99C8EA0CB7}"/>
               </a:ext>
             </a:extLst>
           </p:cNvPr>
@@ -2313,7 +2313,7 @@
           <p:cNvPr id="4" name="Tijdelijke aanduiding voor tekst 3">
             <a:extLst>
               <a:ext uri="{FF2B5EF4-FFF2-40B4-BE49-F238E27FC236}">
-                <a16:creationId xmlns:a16="http://schemas.microsoft.com/office/drawing/2014/main" xmlns="" id="{91275F6F-5CE8-40A9-902C-2803463710F2}"/>
+                <a16:creationId xmlns="" xmlns:a16="http://schemas.microsoft.com/office/drawing/2014/main" id="{91275F6F-5CE8-40A9-902C-2803463710F2}"/>
               </a:ext>
             </a:extLst>
           </p:cNvPr>
@@ -2384,7 +2384,7 @@
           <p:cNvPr id="5" name="Tijdelijke aanduiding voor datum 4">
             <a:extLst>
               <a:ext uri="{FF2B5EF4-FFF2-40B4-BE49-F238E27FC236}">
-                <a16:creationId xmlns:a16="http://schemas.microsoft.com/office/drawing/2014/main" xmlns="" id="{68FB0FC5-537D-441B-B077-1EB601C777AE}"/>
+                <a16:creationId xmlns="" xmlns:a16="http://schemas.microsoft.com/office/drawing/2014/main" id="{68FB0FC5-537D-441B-B077-1EB601C777AE}"/>
               </a:ext>
             </a:extLst>
           </p:cNvPr>
@@ -2414,7 +2414,7 @@
           <p:cNvPr id="6" name="Tijdelijke aanduiding voor voettekst 5">
             <a:extLst>
               <a:ext uri="{FF2B5EF4-FFF2-40B4-BE49-F238E27FC236}">
-                <a16:creationId xmlns:a16="http://schemas.microsoft.com/office/drawing/2014/main" xmlns="" id="{55AC121A-0493-418F-8DD7-2DA1EEB74DFF}"/>
+                <a16:creationId xmlns="" xmlns:a16="http://schemas.microsoft.com/office/drawing/2014/main" id="{55AC121A-0493-418F-8DD7-2DA1EEB74DFF}"/>
               </a:ext>
             </a:extLst>
           </p:cNvPr>
@@ -2439,7 +2439,7 @@
           <p:cNvPr id="7" name="Tijdelijke aanduiding voor dianummer 6">
             <a:extLst>
               <a:ext uri="{FF2B5EF4-FFF2-40B4-BE49-F238E27FC236}">
-                <a16:creationId xmlns:a16="http://schemas.microsoft.com/office/drawing/2014/main" xmlns="" id="{9E5BD7A4-C96F-485C-A127-6C55CD09868E}"/>
+                <a16:creationId xmlns="" xmlns:a16="http://schemas.microsoft.com/office/drawing/2014/main" id="{9E5BD7A4-C96F-485C-A127-6C55CD09868E}"/>
               </a:ext>
             </a:extLst>
           </p:cNvPr>
@@ -2467,7 +2467,7 @@
     </p:spTree>
     <p:extLst>
       <p:ext uri="{BB962C8B-B14F-4D97-AF65-F5344CB8AC3E}">
-        <p14:creationId xmlns="" xmlns:p14="http://schemas.microsoft.com/office/powerpoint/2010/main" val="2276997594"/>
+        <p14:creationId xmlns:p14="http://schemas.microsoft.com/office/powerpoint/2010/main" xmlns="" val="2276997594"/>
       </p:ext>
     </p:extLst>
   </p:cSld>
@@ -2499,7 +2499,7 @@
           <p:cNvPr id="2" name="Titel 1">
             <a:extLst>
               <a:ext uri="{FF2B5EF4-FFF2-40B4-BE49-F238E27FC236}">
-                <a16:creationId xmlns:a16="http://schemas.microsoft.com/office/drawing/2014/main" xmlns="" id="{391195BB-EA6C-4F56-A18C-2951B239D827}"/>
+                <a16:creationId xmlns="" xmlns:a16="http://schemas.microsoft.com/office/drawing/2014/main" id="{391195BB-EA6C-4F56-A18C-2951B239D827}"/>
               </a:ext>
             </a:extLst>
           </p:cNvPr>
@@ -2536,7 +2536,7 @@
           <p:cNvPr id="3" name="Tijdelijke aanduiding voor afbeelding 2">
             <a:extLst>
               <a:ext uri="{FF2B5EF4-FFF2-40B4-BE49-F238E27FC236}">
-                <a16:creationId xmlns:a16="http://schemas.microsoft.com/office/drawing/2014/main" xmlns="" id="{1EE97C47-A53A-4152-848A-0419C12AE634}"/>
+                <a16:creationId xmlns="" xmlns:a16="http://schemas.microsoft.com/office/drawing/2014/main" id="{1EE97C47-A53A-4152-848A-0419C12AE634}"/>
               </a:ext>
             </a:extLst>
           </p:cNvPr>
@@ -2603,7 +2603,7 @@
           <p:cNvPr id="4" name="Tijdelijke aanduiding voor tekst 3">
             <a:extLst>
               <a:ext uri="{FF2B5EF4-FFF2-40B4-BE49-F238E27FC236}">
-                <a16:creationId xmlns:a16="http://schemas.microsoft.com/office/drawing/2014/main" xmlns="" id="{4C380A8A-FCC0-4B2B-BCED-CC719F66356B}"/>
+                <a16:creationId xmlns="" xmlns:a16="http://schemas.microsoft.com/office/drawing/2014/main" id="{4C380A8A-FCC0-4B2B-BCED-CC719F66356B}"/>
               </a:ext>
             </a:extLst>
           </p:cNvPr>
@@ -2674,7 +2674,7 @@
           <p:cNvPr id="5" name="Tijdelijke aanduiding voor datum 4">
             <a:extLst>
               <a:ext uri="{FF2B5EF4-FFF2-40B4-BE49-F238E27FC236}">
-                <a16:creationId xmlns:a16="http://schemas.microsoft.com/office/drawing/2014/main" xmlns="" id="{EAA93FF3-9B86-461A-94CF-C0A759B7033D}"/>
+                <a16:creationId xmlns="" xmlns:a16="http://schemas.microsoft.com/office/drawing/2014/main" id="{EAA93FF3-9B86-461A-94CF-C0A759B7033D}"/>
               </a:ext>
             </a:extLst>
           </p:cNvPr>
@@ -2704,7 +2704,7 @@
           <p:cNvPr id="6" name="Tijdelijke aanduiding voor voettekst 5">
             <a:extLst>
               <a:ext uri="{FF2B5EF4-FFF2-40B4-BE49-F238E27FC236}">
-                <a16:creationId xmlns:a16="http://schemas.microsoft.com/office/drawing/2014/main" xmlns="" id="{504C81D0-3C70-46A3-A99B-4387DBE74182}"/>
+                <a16:creationId xmlns="" xmlns:a16="http://schemas.microsoft.com/office/drawing/2014/main" id="{504C81D0-3C70-46A3-A99B-4387DBE74182}"/>
               </a:ext>
             </a:extLst>
           </p:cNvPr>
@@ -2729,7 +2729,7 @@
           <p:cNvPr id="7" name="Tijdelijke aanduiding voor dianummer 6">
             <a:extLst>
               <a:ext uri="{FF2B5EF4-FFF2-40B4-BE49-F238E27FC236}">
-                <a16:creationId xmlns:a16="http://schemas.microsoft.com/office/drawing/2014/main" xmlns="" id="{2DAB8061-1297-4604-AA6D-50FA7517CB04}"/>
+                <a16:creationId xmlns="" xmlns:a16="http://schemas.microsoft.com/office/drawing/2014/main" id="{2DAB8061-1297-4604-AA6D-50FA7517CB04}"/>
               </a:ext>
             </a:extLst>
           </p:cNvPr>
@@ -2757,7 +2757,7 @@
     </p:spTree>
     <p:extLst>
       <p:ext uri="{BB962C8B-B14F-4D97-AF65-F5344CB8AC3E}">
-        <p14:creationId xmlns="" xmlns:p14="http://schemas.microsoft.com/office/powerpoint/2010/main" val="3080807055"/>
+        <p14:creationId xmlns:p14="http://schemas.microsoft.com/office/powerpoint/2010/main" xmlns="" val="3080807055"/>
       </p:ext>
     </p:extLst>
   </p:cSld>
@@ -2794,7 +2794,7 @@
           <p:cNvPr id="2" name="Tijdelijke aanduiding voor titel 1">
             <a:extLst>
               <a:ext uri="{FF2B5EF4-FFF2-40B4-BE49-F238E27FC236}">
-                <a16:creationId xmlns:a16="http://schemas.microsoft.com/office/drawing/2014/main" xmlns="" id="{D9186CB9-8C46-426D-863D-90A0E0FAEDE7}"/>
+                <a16:creationId xmlns="" xmlns:a16="http://schemas.microsoft.com/office/drawing/2014/main" id="{D9186CB9-8C46-426D-863D-90A0E0FAEDE7}"/>
               </a:ext>
             </a:extLst>
           </p:cNvPr>
@@ -2832,7 +2832,7 @@
           <p:cNvPr id="3" name="Tijdelijke aanduiding voor tekst 2">
             <a:extLst>
               <a:ext uri="{FF2B5EF4-FFF2-40B4-BE49-F238E27FC236}">
-                <a16:creationId xmlns:a16="http://schemas.microsoft.com/office/drawing/2014/main" xmlns="" id="{983F2C53-486F-4745-AD46-503DCDC4D530}"/>
+                <a16:creationId xmlns="" xmlns:a16="http://schemas.microsoft.com/office/drawing/2014/main" id="{983F2C53-486F-4745-AD46-503DCDC4D530}"/>
               </a:ext>
             </a:extLst>
           </p:cNvPr>
@@ -2899,7 +2899,7 @@
           <p:cNvPr id="4" name="Tijdelijke aanduiding voor datum 3">
             <a:extLst>
               <a:ext uri="{FF2B5EF4-FFF2-40B4-BE49-F238E27FC236}">
-                <a16:creationId xmlns:a16="http://schemas.microsoft.com/office/drawing/2014/main" xmlns="" id="{14E5024D-7C9E-4730-908F-8CE183DB279E}"/>
+                <a16:creationId xmlns="" xmlns:a16="http://schemas.microsoft.com/office/drawing/2014/main" id="{14E5024D-7C9E-4730-908F-8CE183DB279E}"/>
               </a:ext>
             </a:extLst>
           </p:cNvPr>
@@ -2947,7 +2947,7 @@
           <p:cNvPr id="5" name="Tijdelijke aanduiding voor voettekst 4">
             <a:extLst>
               <a:ext uri="{FF2B5EF4-FFF2-40B4-BE49-F238E27FC236}">
-                <a16:creationId xmlns:a16="http://schemas.microsoft.com/office/drawing/2014/main" xmlns="" id="{CB4A9151-4DBA-4A6C-8967-EC70E0126234}"/>
+                <a16:creationId xmlns="" xmlns:a16="http://schemas.microsoft.com/office/drawing/2014/main" id="{CB4A9151-4DBA-4A6C-8967-EC70E0126234}"/>
               </a:ext>
             </a:extLst>
           </p:cNvPr>
@@ -2990,7 +2990,7 @@
           <p:cNvPr id="6" name="Tijdelijke aanduiding voor dianummer 5">
             <a:extLst>
               <a:ext uri="{FF2B5EF4-FFF2-40B4-BE49-F238E27FC236}">
-                <a16:creationId xmlns:a16="http://schemas.microsoft.com/office/drawing/2014/main" xmlns="" id="{E6582372-88AB-47F3-A35B-A8C86B2D9C2A}"/>
+                <a16:creationId xmlns="" xmlns:a16="http://schemas.microsoft.com/office/drawing/2014/main" id="{E6582372-88AB-47F3-A35B-A8C86B2D9C2A}"/>
               </a:ext>
             </a:extLst>
           </p:cNvPr>
@@ -3036,7 +3036,7 @@
     </p:spTree>
     <p:extLst>
       <p:ext uri="{BB962C8B-B14F-4D97-AF65-F5344CB8AC3E}">
-        <p14:creationId xmlns="" xmlns:p14="http://schemas.microsoft.com/office/powerpoint/2010/main" val="1831950406"/>
+        <p14:creationId xmlns:p14="http://schemas.microsoft.com/office/powerpoint/2010/main" xmlns="" val="1831950406"/>
       </p:ext>
     </p:extLst>
   </p:cSld>
@@ -3359,7 +3359,7 @@
           <p:cNvPr id="2" name="Titel 1">
             <a:extLst>
               <a:ext uri="{FF2B5EF4-FFF2-40B4-BE49-F238E27FC236}">
-                <a16:creationId xmlns:a16="http://schemas.microsoft.com/office/drawing/2014/main" xmlns="" id="{AE205A44-390E-455B-87E1-6D48C073A474}"/>
+                <a16:creationId xmlns="" xmlns:a16="http://schemas.microsoft.com/office/drawing/2014/main" id="{AE205A44-390E-455B-87E1-6D48C073A474}"/>
               </a:ext>
             </a:extLst>
           </p:cNvPr>
@@ -3399,7 +3399,7 @@
           <p:cNvPr id="3" name="Ondertitel 2">
             <a:extLst>
               <a:ext uri="{FF2B5EF4-FFF2-40B4-BE49-F238E27FC236}">
-                <a16:creationId xmlns:a16="http://schemas.microsoft.com/office/drawing/2014/main" xmlns="" id="{E24A4149-DFE7-4EE0-A98A-18326D7AD35D}"/>
+                <a16:creationId xmlns="" xmlns:a16="http://schemas.microsoft.com/office/drawing/2014/main" id="{E24A4149-DFE7-4EE0-A98A-18326D7AD35D}"/>
               </a:ext>
             </a:extLst>
           </p:cNvPr>
@@ -3425,7 +3425,7 @@
     </p:spTree>
     <p:extLst>
       <p:ext uri="{BB962C8B-B14F-4D97-AF65-F5344CB8AC3E}">
-        <p14:creationId xmlns="" xmlns:p14="http://schemas.microsoft.com/office/powerpoint/2010/main" val="1696353441"/>
+        <p14:creationId xmlns:p14="http://schemas.microsoft.com/office/powerpoint/2010/main" xmlns="" val="1696353441"/>
       </p:ext>
     </p:extLst>
   </p:cSld>
@@ -3503,30 +3503,27 @@
             </a:r>
             <a:r>
               <a:rPr lang="en-US" dirty="0" smtClean="0"/>
-              <a:t> peptide van 50 </a:t>
+              <a:t>:</a:t>
+            </a:r>
+            <a:endParaRPr lang="en-US" dirty="0" smtClean="0"/>
+          </a:p>
+          <a:p>
+            <a:pPr lvl="1"/>
+            <a:r>
+              <a:rPr lang="en-US" dirty="0" smtClean="0"/>
+              <a:t>Score </a:t>
             </a:r>
             <a:r>
               <a:rPr lang="en-US" dirty="0" err="1" smtClean="0"/>
-              <a:t>aminozuren</a:t>
+              <a:t>blijft</a:t>
             </a:r>
             <a:r>
               <a:rPr lang="en-US" dirty="0" smtClean="0"/>
-              <a:t>:</a:t>
-            </a:r>
-          </a:p>
-          <a:p>
-            <a:pPr lvl="1"/>
+              <a:t> </a:t>
+            </a:r>
             <a:r>
               <a:rPr lang="en-US" smtClean="0"/>
-              <a:t>Score: </a:t>
-            </a:r>
-            <a:endParaRPr lang="en-US" dirty="0" smtClean="0"/>
-          </a:p>
-          <a:p>
-            <a:pPr lvl="1"/>
-            <a:r>
-              <a:rPr lang="en-US" dirty="0" smtClean="0"/>
-              <a:t>Runtime: </a:t>
+              <a:t>gelijk</a:t>
             </a:r>
             <a:endParaRPr lang="en-US" dirty="0"/>
           </a:p>
@@ -3562,7 +3559,7 @@
           <p:cNvPr id="2" name="Titel 1">
             <a:extLst>
               <a:ext uri="{FF2B5EF4-FFF2-40B4-BE49-F238E27FC236}">
-                <a16:creationId xmlns:a16="http://schemas.microsoft.com/office/drawing/2014/main" xmlns="" id="{769A96FB-BA26-47C0-85BC-9E5A44D94A65}"/>
+                <a16:creationId xmlns="" xmlns:a16="http://schemas.microsoft.com/office/drawing/2014/main" id="{769A96FB-BA26-47C0-85BC-9E5A44D94A65}"/>
               </a:ext>
             </a:extLst>
           </p:cNvPr>
@@ -3590,7 +3587,7 @@
           <p:cNvPr id="5" name="Tijdelijke aanduiding voor inhoud 4">
             <a:extLst>
               <a:ext uri="{FF2B5EF4-FFF2-40B4-BE49-F238E27FC236}">
-                <a16:creationId xmlns:a16="http://schemas.microsoft.com/office/drawing/2014/main" xmlns="" id="{82F9B9FE-1870-4902-A7DB-4B27D59D2B2B}"/>
+                <a16:creationId xmlns="" xmlns:a16="http://schemas.microsoft.com/office/drawing/2014/main" id="{82F9B9FE-1870-4902-A7DB-4B27D59D2B2B}"/>
               </a:ext>
             </a:extLst>
           </p:cNvPr>
@@ -3605,7 +3602,7 @@
           <a:blip r:embed="rId2" cstate="print">
             <a:extLst>
               <a:ext uri="{28A0092B-C50C-407E-A947-70E740481C1C}">
-                <a14:useLocalDpi xmlns="" xmlns:a14="http://schemas.microsoft.com/office/drawing/2010/main" val="0"/>
+                <a14:useLocalDpi xmlns:a14="http://schemas.microsoft.com/office/drawing/2010/main" xmlns="" val="0"/>
               </a:ext>
             </a:extLst>
           </a:blip>
@@ -3625,7 +3622,7 @@
           <p:cNvPr id="6" name="Tekstvak 5">
             <a:extLst>
               <a:ext uri="{FF2B5EF4-FFF2-40B4-BE49-F238E27FC236}">
-                <a16:creationId xmlns:a16="http://schemas.microsoft.com/office/drawing/2014/main" xmlns="" id="{D8F2D3D1-1FE8-4AA0-B6C8-D7E88097CE04}"/>
+                <a16:creationId xmlns="" xmlns:a16="http://schemas.microsoft.com/office/drawing/2014/main" id="{D8F2D3D1-1FE8-4AA0-B6C8-D7E88097CE04}"/>
               </a:ext>
             </a:extLst>
           </p:cNvPr>
@@ -3661,7 +3658,7 @@
           <p:cNvPr id="8" name="Afbeelding 7">
             <a:extLst>
               <a:ext uri="{FF2B5EF4-FFF2-40B4-BE49-F238E27FC236}">
-                <a16:creationId xmlns:a16="http://schemas.microsoft.com/office/drawing/2014/main" xmlns="" id="{819AAC82-0B32-4FA7-B311-90C90A003DAD}"/>
+                <a16:creationId xmlns="" xmlns:a16="http://schemas.microsoft.com/office/drawing/2014/main" id="{819AAC82-0B32-4FA7-B311-90C90A003DAD}"/>
               </a:ext>
             </a:extLst>
           </p:cNvPr>
@@ -3674,7 +3671,7 @@
           <a:blip r:embed="rId3" cstate="print">
             <a:extLst>
               <a:ext uri="{28A0092B-C50C-407E-A947-70E740481C1C}">
-                <a14:useLocalDpi xmlns="" xmlns:a14="http://schemas.microsoft.com/office/drawing/2010/main" val="0"/>
+                <a14:useLocalDpi xmlns:a14="http://schemas.microsoft.com/office/drawing/2010/main" xmlns="" val="0"/>
               </a:ext>
             </a:extLst>
           </a:blip>
@@ -3696,7 +3693,7 @@
           <p:cNvPr id="11" name="Pijl: rechts 10">
             <a:extLst>
               <a:ext uri="{FF2B5EF4-FFF2-40B4-BE49-F238E27FC236}">
-                <a16:creationId xmlns:a16="http://schemas.microsoft.com/office/drawing/2014/main" xmlns="" id="{C3B3C454-C61F-4642-AC5E-175E78B46E93}"/>
+                <a16:creationId xmlns="" xmlns:a16="http://schemas.microsoft.com/office/drawing/2014/main" id="{C3B3C454-C61F-4642-AC5E-175E78B46E93}"/>
               </a:ext>
             </a:extLst>
           </p:cNvPr>
@@ -3742,7 +3739,7 @@
           <p:cNvPr id="12" name="Tekstvak 11">
             <a:extLst>
               <a:ext uri="{FF2B5EF4-FFF2-40B4-BE49-F238E27FC236}">
-                <a16:creationId xmlns:a16="http://schemas.microsoft.com/office/drawing/2014/main" xmlns="" id="{1AF95B95-DF37-4511-BC26-2A337B82EADC}"/>
+                <a16:creationId xmlns="" xmlns:a16="http://schemas.microsoft.com/office/drawing/2014/main" id="{1AF95B95-DF37-4511-BC26-2A337B82EADC}"/>
               </a:ext>
             </a:extLst>
           </p:cNvPr>
@@ -3777,7 +3774,7 @@
           <p:cNvPr id="9" name="Afbeelding 8">
             <a:extLst>
               <a:ext uri="{FF2B5EF4-FFF2-40B4-BE49-F238E27FC236}">
-                <a16:creationId xmlns:a16="http://schemas.microsoft.com/office/drawing/2014/main" xmlns="" id="{1B858127-D2F6-4D2B-B5A9-94CF7612B179}"/>
+                <a16:creationId xmlns="" xmlns:a16="http://schemas.microsoft.com/office/drawing/2014/main" id="{1B858127-D2F6-4D2B-B5A9-94CF7612B179}"/>
               </a:ext>
             </a:extLst>
           </p:cNvPr>
@@ -3790,7 +3787,7 @@
           <a:blip r:embed="rId4" cstate="print">
             <a:extLst>
               <a:ext uri="{28A0092B-C50C-407E-A947-70E740481C1C}">
-                <a14:useLocalDpi xmlns="" xmlns:a14="http://schemas.microsoft.com/office/drawing/2010/main" val="0"/>
+                <a14:useLocalDpi xmlns:a14="http://schemas.microsoft.com/office/drawing/2010/main" xmlns="" val="0"/>
               </a:ext>
             </a:extLst>
           </a:blip>
@@ -3813,7 +3810,7 @@
           <p:cNvPr id="10" name="Pijl: rechts 9">
             <a:extLst>
               <a:ext uri="{FF2B5EF4-FFF2-40B4-BE49-F238E27FC236}">
-                <a16:creationId xmlns:a16="http://schemas.microsoft.com/office/drawing/2014/main" xmlns="" id="{13F3850F-71EA-4741-A182-94C4C2F636F5}"/>
+                <a16:creationId xmlns="" xmlns:a16="http://schemas.microsoft.com/office/drawing/2014/main" id="{13F3850F-71EA-4741-A182-94C4C2F636F5}"/>
               </a:ext>
             </a:extLst>
           </p:cNvPr>
@@ -3857,7 +3854,7 @@
     </p:spTree>
     <p:extLst>
       <p:ext uri="{BB962C8B-B14F-4D97-AF65-F5344CB8AC3E}">
-        <p14:creationId xmlns="" xmlns:p14="http://schemas.microsoft.com/office/powerpoint/2010/main" val="2643686151"/>
+        <p14:creationId xmlns:p14="http://schemas.microsoft.com/office/powerpoint/2010/main" xmlns="" val="2643686151"/>
       </p:ext>
     </p:extLst>
   </p:cSld>
@@ -3896,7 +3893,7 @@
           <p:cNvPr id="2" name="Titel 1">
             <a:extLst>
               <a:ext uri="{FF2B5EF4-FFF2-40B4-BE49-F238E27FC236}">
-                <a16:creationId xmlns:a16="http://schemas.microsoft.com/office/drawing/2014/main" xmlns="" id="{769A96FB-BA26-47C0-85BC-9E5A44D94A65}"/>
+                <a16:creationId xmlns="" xmlns:a16="http://schemas.microsoft.com/office/drawing/2014/main" id="{769A96FB-BA26-47C0-85BC-9E5A44D94A65}"/>
               </a:ext>
             </a:extLst>
           </p:cNvPr>
@@ -3924,7 +3921,7 @@
           <p:cNvPr id="5" name="Tijdelijke aanduiding voor inhoud 4">
             <a:extLst>
               <a:ext uri="{FF2B5EF4-FFF2-40B4-BE49-F238E27FC236}">
-                <a16:creationId xmlns:a16="http://schemas.microsoft.com/office/drawing/2014/main" xmlns="" id="{82F9B9FE-1870-4902-A7DB-4B27D59D2B2B}"/>
+                <a16:creationId xmlns="" xmlns:a16="http://schemas.microsoft.com/office/drawing/2014/main" id="{82F9B9FE-1870-4902-A7DB-4B27D59D2B2B}"/>
               </a:ext>
             </a:extLst>
           </p:cNvPr>
@@ -3939,7 +3936,7 @@
           <a:blip r:embed="rId2" cstate="print">
             <a:extLst>
               <a:ext uri="{28A0092B-C50C-407E-A947-70E740481C1C}">
-                <a14:useLocalDpi xmlns="" xmlns:a14="http://schemas.microsoft.com/office/drawing/2010/main" val="0"/>
+                <a14:useLocalDpi xmlns:a14="http://schemas.microsoft.com/office/drawing/2010/main" xmlns="" val="0"/>
               </a:ext>
             </a:extLst>
           </a:blip>
@@ -3959,7 +3956,7 @@
           <p:cNvPr id="6" name="Tekstvak 5">
             <a:extLst>
               <a:ext uri="{FF2B5EF4-FFF2-40B4-BE49-F238E27FC236}">
-                <a16:creationId xmlns:a16="http://schemas.microsoft.com/office/drawing/2014/main" xmlns="" id="{D8F2D3D1-1FE8-4AA0-B6C8-D7E88097CE04}"/>
+                <a16:creationId xmlns="" xmlns:a16="http://schemas.microsoft.com/office/drawing/2014/main" id="{D8F2D3D1-1FE8-4AA0-B6C8-D7E88097CE04}"/>
               </a:ext>
             </a:extLst>
           </p:cNvPr>
@@ -3995,7 +3992,7 @@
           <p:cNvPr id="8" name="Afbeelding 7">
             <a:extLst>
               <a:ext uri="{FF2B5EF4-FFF2-40B4-BE49-F238E27FC236}">
-                <a16:creationId xmlns:a16="http://schemas.microsoft.com/office/drawing/2014/main" xmlns="" id="{819AAC82-0B32-4FA7-B311-90C90A003DAD}"/>
+                <a16:creationId xmlns="" xmlns:a16="http://schemas.microsoft.com/office/drawing/2014/main" id="{819AAC82-0B32-4FA7-B311-90C90A003DAD}"/>
               </a:ext>
             </a:extLst>
           </p:cNvPr>
@@ -4008,7 +4005,7 @@
           <a:blip r:embed="rId3" cstate="print">
             <a:extLst>
               <a:ext uri="{28A0092B-C50C-407E-A947-70E740481C1C}">
-                <a14:useLocalDpi xmlns="" xmlns:a14="http://schemas.microsoft.com/office/drawing/2010/main" val="0"/>
+                <a14:useLocalDpi xmlns:a14="http://schemas.microsoft.com/office/drawing/2010/main" xmlns="" val="0"/>
               </a:ext>
             </a:extLst>
           </a:blip>
@@ -4030,7 +4027,7 @@
           <p:cNvPr id="11" name="Pijl: rechts 10">
             <a:extLst>
               <a:ext uri="{FF2B5EF4-FFF2-40B4-BE49-F238E27FC236}">
-                <a16:creationId xmlns:a16="http://schemas.microsoft.com/office/drawing/2014/main" xmlns="" id="{C3B3C454-C61F-4642-AC5E-175E78B46E93}"/>
+                <a16:creationId xmlns="" xmlns:a16="http://schemas.microsoft.com/office/drawing/2014/main" id="{C3B3C454-C61F-4642-AC5E-175E78B46E93}"/>
               </a:ext>
             </a:extLst>
           </p:cNvPr>
@@ -4076,7 +4073,7 @@
           <p:cNvPr id="12" name="Tekstvak 11">
             <a:extLst>
               <a:ext uri="{FF2B5EF4-FFF2-40B4-BE49-F238E27FC236}">
-                <a16:creationId xmlns:a16="http://schemas.microsoft.com/office/drawing/2014/main" xmlns="" id="{1AF95B95-DF37-4511-BC26-2A337B82EADC}"/>
+                <a16:creationId xmlns="" xmlns:a16="http://schemas.microsoft.com/office/drawing/2014/main" id="{1AF95B95-DF37-4511-BC26-2A337B82EADC}"/>
               </a:ext>
             </a:extLst>
           </p:cNvPr>
@@ -4111,7 +4108,7 @@
           <p:cNvPr id="9" name="Afbeelding 8">
             <a:extLst>
               <a:ext uri="{FF2B5EF4-FFF2-40B4-BE49-F238E27FC236}">
-                <a16:creationId xmlns:a16="http://schemas.microsoft.com/office/drawing/2014/main" xmlns="" id="{1B858127-D2F6-4D2B-B5A9-94CF7612B179}"/>
+                <a16:creationId xmlns="" xmlns:a16="http://schemas.microsoft.com/office/drawing/2014/main" id="{1B858127-D2F6-4D2B-B5A9-94CF7612B179}"/>
               </a:ext>
             </a:extLst>
           </p:cNvPr>
@@ -4124,7 +4121,7 @@
           <a:blip r:embed="rId4" cstate="print">
             <a:extLst>
               <a:ext uri="{28A0092B-C50C-407E-A947-70E740481C1C}">
-                <a14:useLocalDpi xmlns="" xmlns:a14="http://schemas.microsoft.com/office/drawing/2010/main" val="0"/>
+                <a14:useLocalDpi xmlns:a14="http://schemas.microsoft.com/office/drawing/2010/main" xmlns="" val="0"/>
               </a:ext>
             </a:extLst>
           </a:blip>
@@ -4147,7 +4144,7 @@
           <p:cNvPr id="10" name="Pijl: rechts 9">
             <a:extLst>
               <a:ext uri="{FF2B5EF4-FFF2-40B4-BE49-F238E27FC236}">
-                <a16:creationId xmlns:a16="http://schemas.microsoft.com/office/drawing/2014/main" xmlns="" id="{13F3850F-71EA-4741-A182-94C4C2F636F5}"/>
+                <a16:creationId xmlns="" xmlns:a16="http://schemas.microsoft.com/office/drawing/2014/main" id="{13F3850F-71EA-4741-A182-94C4C2F636F5}"/>
               </a:ext>
             </a:extLst>
           </p:cNvPr>
@@ -4193,7 +4190,7 @@
           <p:cNvPr id="3" name="Ovaal 2">
             <a:extLst>
               <a:ext uri="{FF2B5EF4-FFF2-40B4-BE49-F238E27FC236}">
-                <a16:creationId xmlns:a16="http://schemas.microsoft.com/office/drawing/2014/main" xmlns="" id="{19B9F891-8EF8-44F6-B6ED-BB2422D771A3}"/>
+                <a16:creationId xmlns="" xmlns:a16="http://schemas.microsoft.com/office/drawing/2014/main" id="{19B9F891-8EF8-44F6-B6ED-BB2422D771A3}"/>
               </a:ext>
             </a:extLst>
           </p:cNvPr>
@@ -4242,7 +4239,7 @@
           <p:cNvPr id="13" name="Ovaal 12">
             <a:extLst>
               <a:ext uri="{FF2B5EF4-FFF2-40B4-BE49-F238E27FC236}">
-                <a16:creationId xmlns:a16="http://schemas.microsoft.com/office/drawing/2014/main" xmlns="" id="{24DD1F6E-573A-4E2D-8811-591CE94E629B}"/>
+                <a16:creationId xmlns="" xmlns:a16="http://schemas.microsoft.com/office/drawing/2014/main" id="{24DD1F6E-573A-4E2D-8811-591CE94E629B}"/>
               </a:ext>
             </a:extLst>
           </p:cNvPr>
@@ -4291,7 +4288,7 @@
           <p:cNvPr id="7" name="Rechte verbindingslijn met pijl 6">
             <a:extLst>
               <a:ext uri="{FF2B5EF4-FFF2-40B4-BE49-F238E27FC236}">
-                <a16:creationId xmlns:a16="http://schemas.microsoft.com/office/drawing/2014/main" xmlns="" id="{D5C82334-4E2E-4051-961A-F679B07C4F1F}"/>
+                <a16:creationId xmlns="" xmlns:a16="http://schemas.microsoft.com/office/drawing/2014/main" id="{D5C82334-4E2E-4051-961A-F679B07C4F1F}"/>
               </a:ext>
             </a:extLst>
           </p:cNvPr>
@@ -4333,7 +4330,7 @@
           <p:cNvPr id="16" name="Rechte verbindingslijn met pijl 15">
             <a:extLst>
               <a:ext uri="{FF2B5EF4-FFF2-40B4-BE49-F238E27FC236}">
-                <a16:creationId xmlns:a16="http://schemas.microsoft.com/office/drawing/2014/main" xmlns="" id="{705EA1F6-DA7E-4475-8576-E76A7C126F12}"/>
+                <a16:creationId xmlns="" xmlns:a16="http://schemas.microsoft.com/office/drawing/2014/main" id="{705EA1F6-DA7E-4475-8576-E76A7C126F12}"/>
               </a:ext>
             </a:extLst>
           </p:cNvPr>
@@ -4373,7 +4370,7 @@
     </p:spTree>
     <p:extLst>
       <p:ext uri="{BB962C8B-B14F-4D97-AF65-F5344CB8AC3E}">
-        <p14:creationId xmlns="" xmlns:p14="http://schemas.microsoft.com/office/powerpoint/2010/main" val="845698545"/>
+        <p14:creationId xmlns:p14="http://schemas.microsoft.com/office/powerpoint/2010/main" xmlns="" val="845698545"/>
       </p:ext>
     </p:extLst>
   </p:cSld>
@@ -4412,7 +4409,7 @@
           <p:cNvPr id="2" name="Titel 1">
             <a:extLst>
               <a:ext uri="{FF2B5EF4-FFF2-40B4-BE49-F238E27FC236}">
-                <a16:creationId xmlns:a16="http://schemas.microsoft.com/office/drawing/2014/main" xmlns="" id="{28AC7F7A-EB5E-48A2-A178-02E17BA194BE}"/>
+                <a16:creationId xmlns="" xmlns:a16="http://schemas.microsoft.com/office/drawing/2014/main" id="{28AC7F7A-EB5E-48A2-A178-02E17BA194BE}"/>
               </a:ext>
             </a:extLst>
           </p:cNvPr>
@@ -4457,7 +4454,7 @@
           <p:cNvPr id="4" name="Tijdelijke aanduiding voor inhoud 3">
             <a:extLst>
               <a:ext uri="{FF2B5EF4-FFF2-40B4-BE49-F238E27FC236}">
-                <a16:creationId xmlns:a16="http://schemas.microsoft.com/office/drawing/2014/main" xmlns="" id="{12A0C32B-A310-4B27-B6D9-73509A425B75}"/>
+                <a16:creationId xmlns="" xmlns:a16="http://schemas.microsoft.com/office/drawing/2014/main" id="{12A0C32B-A310-4B27-B6D9-73509A425B75}"/>
               </a:ext>
             </a:extLst>
           </p:cNvPr>
@@ -4486,7 +4483,7 @@
     </p:spTree>
     <p:extLst>
       <p:ext uri="{BB962C8B-B14F-4D97-AF65-F5344CB8AC3E}">
-        <p14:creationId xmlns="" xmlns:p14="http://schemas.microsoft.com/office/powerpoint/2010/main" val="2460963347"/>
+        <p14:creationId xmlns:p14="http://schemas.microsoft.com/office/powerpoint/2010/main" xmlns="" val="2460963347"/>
       </p:ext>
     </p:extLst>
   </p:cSld>
@@ -5418,7 +5415,7 @@
   <a:extraClrSchemeLst/>
   <a:extLst>
     <a:ext uri="{05A4C25C-085E-4340-85A3-A5531E510DB2}">
-      <thm15:themeFamily xmlns:thm15="http://schemas.microsoft.com/office/thememl/2012/main" xmlns="" name="Office Theme" id="{62F939B6-93AF-4DB8-9C6B-D6C7DFDC589F}" vid="{4A3C46E8-61CC-4603-A589-7422A47A8E4A}"/>
+      <thm15:themeFamily xmlns="" xmlns:thm15="http://schemas.microsoft.com/office/thememl/2012/main" name="Office Theme" id="{62F939B6-93AF-4DB8-9C6B-D6C7DFDC589F}" vid="{4A3C46E8-61CC-4603-A589-7422A47A8E4A}"/>
     </a:ext>
   </a:extLst>
 </a:theme>

--- a/Presentations/Proteasen - week 1.pptx
+++ b/Presentations/Proteasen - week 1.pptx
@@ -2,7 +2,7 @@
 <file path=ppt/presentation.xml><?xml version="1.0" encoding="utf-8"?>
 <p:presentation xmlns:a="http://schemas.openxmlformats.org/drawingml/2006/main" xmlns:r="http://schemas.openxmlformats.org/officeDocument/2006/relationships" xmlns:p="http://schemas.openxmlformats.org/presentationml/2006/main" saveSubsetFonts="1">
   <p:sldMasterIdLst>
-    <p:sldMasterId id="2147483648" r:id="rId1"/>
+    <p:sldMasterId id="2147483660" r:id="rId1"/>
   </p:sldMasterIdLst>
   <p:sldIdLst>
     <p:sldId id="256" r:id="rId2"/>
@@ -13,16 +13,16 @@
     <p:sldId id="265" r:id="rId7"/>
     <p:sldId id="267" r:id="rId8"/>
     <p:sldId id="268" r:id="rId9"/>
-    <p:sldId id="269" r:id="rId10"/>
+    <p:sldId id="271" r:id="rId10"/>
     <p:sldId id="270" r:id="rId11"/>
   </p:sldIdLst>
   <p:sldSz cx="12192000" cy="6858000"/>
   <p:notesSz cx="6858000" cy="9144000"/>
   <p:defaultTextStyle>
     <a:defPPr>
-      <a:defRPr lang="nl-NL"/>
+      <a:defRPr lang="en-US"/>
     </a:defPPr>
-    <a:lvl1pPr marL="0" algn="l" defTabSz="914400" rtl="0" eaLnBrk="1" latinLnBrk="0" hangingPunct="1">
+    <a:lvl1pPr marL="0" algn="l" defTabSz="457200" rtl="0" eaLnBrk="1" latinLnBrk="0" hangingPunct="1">
       <a:defRPr sz="1800" kern="1200">
         <a:solidFill>
           <a:schemeClr val="tx1"/>
@@ -32,7 +32,7 @@
         <a:cs typeface="+mn-cs"/>
       </a:defRPr>
     </a:lvl1pPr>
-    <a:lvl2pPr marL="457200" algn="l" defTabSz="914400" rtl="0" eaLnBrk="1" latinLnBrk="0" hangingPunct="1">
+    <a:lvl2pPr marL="457200" algn="l" defTabSz="457200" rtl="0" eaLnBrk="1" latinLnBrk="0" hangingPunct="1">
       <a:defRPr sz="1800" kern="1200">
         <a:solidFill>
           <a:schemeClr val="tx1"/>
@@ -42,7 +42,7 @@
         <a:cs typeface="+mn-cs"/>
       </a:defRPr>
     </a:lvl2pPr>
-    <a:lvl3pPr marL="914400" algn="l" defTabSz="914400" rtl="0" eaLnBrk="1" latinLnBrk="0" hangingPunct="1">
+    <a:lvl3pPr marL="914400" algn="l" defTabSz="457200" rtl="0" eaLnBrk="1" latinLnBrk="0" hangingPunct="1">
       <a:defRPr sz="1800" kern="1200">
         <a:solidFill>
           <a:schemeClr val="tx1"/>
@@ -52,7 +52,7 @@
         <a:cs typeface="+mn-cs"/>
       </a:defRPr>
     </a:lvl3pPr>
-    <a:lvl4pPr marL="1371600" algn="l" defTabSz="914400" rtl="0" eaLnBrk="1" latinLnBrk="0" hangingPunct="1">
+    <a:lvl4pPr marL="1371600" algn="l" defTabSz="457200" rtl="0" eaLnBrk="1" latinLnBrk="0" hangingPunct="1">
       <a:defRPr sz="1800" kern="1200">
         <a:solidFill>
           <a:schemeClr val="tx1"/>
@@ -62,7 +62,7 @@
         <a:cs typeface="+mn-cs"/>
       </a:defRPr>
     </a:lvl4pPr>
-    <a:lvl5pPr marL="1828800" algn="l" defTabSz="914400" rtl="0" eaLnBrk="1" latinLnBrk="0" hangingPunct="1">
+    <a:lvl5pPr marL="1828800" algn="l" defTabSz="457200" rtl="0" eaLnBrk="1" latinLnBrk="0" hangingPunct="1">
       <a:defRPr sz="1800" kern="1200">
         <a:solidFill>
           <a:schemeClr val="tx1"/>
@@ -72,7 +72,7 @@
         <a:cs typeface="+mn-cs"/>
       </a:defRPr>
     </a:lvl5pPr>
-    <a:lvl6pPr marL="2286000" algn="l" defTabSz="914400" rtl="0" eaLnBrk="1" latinLnBrk="0" hangingPunct="1">
+    <a:lvl6pPr marL="2286000" algn="l" defTabSz="457200" rtl="0" eaLnBrk="1" latinLnBrk="0" hangingPunct="1">
       <a:defRPr sz="1800" kern="1200">
         <a:solidFill>
           <a:schemeClr val="tx1"/>
@@ -82,7 +82,7 @@
         <a:cs typeface="+mn-cs"/>
       </a:defRPr>
     </a:lvl6pPr>
-    <a:lvl7pPr marL="2743200" algn="l" defTabSz="914400" rtl="0" eaLnBrk="1" latinLnBrk="0" hangingPunct="1">
+    <a:lvl7pPr marL="2743200" algn="l" defTabSz="457200" rtl="0" eaLnBrk="1" latinLnBrk="0" hangingPunct="1">
       <a:defRPr sz="1800" kern="1200">
         <a:solidFill>
           <a:schemeClr val="tx1"/>
@@ -92,7 +92,7 @@
         <a:cs typeface="+mn-cs"/>
       </a:defRPr>
     </a:lvl7pPr>
-    <a:lvl8pPr marL="3200400" algn="l" defTabSz="914400" rtl="0" eaLnBrk="1" latinLnBrk="0" hangingPunct="1">
+    <a:lvl8pPr marL="3200400" algn="l" defTabSz="457200" rtl="0" eaLnBrk="1" latinLnBrk="0" hangingPunct="1">
       <a:defRPr sz="1800" kern="1200">
         <a:solidFill>
           <a:schemeClr val="tx1"/>
@@ -102,7 +102,7 @@
         <a:cs typeface="+mn-cs"/>
       </a:defRPr>
     </a:lvl8pPr>
-    <a:lvl9pPr marL="3657600" algn="l" defTabSz="914400" rtl="0" eaLnBrk="1" latinLnBrk="0" hangingPunct="1">
+    <a:lvl9pPr marL="3657600" algn="l" defTabSz="457200" rtl="0" eaLnBrk="1" latinLnBrk="0" hangingPunct="1">
       <a:defRPr sz="1800" kern="1200">
         <a:solidFill>
           <a:schemeClr val="tx1"/>
@@ -113,11 +113,31 @@
       </a:defRPr>
     </a:lvl9pPr>
   </p:defaultTextStyle>
+  <p:extLst>
+    <p:ext uri="{EFAFB233-063F-42B5-8137-9DF3F51BA10A}">
+      <p15:sldGuideLst xmlns:p15="http://schemas.microsoft.com/office/powerpoint/2012/main">
+        <p15:guide id="1" orient="horz" pos="2160">
+          <p15:clr>
+            <a:srgbClr val="A4A3A4"/>
+          </p15:clr>
+        </p15:guide>
+        <p15:guide id="2" pos="3840">
+          <p15:clr>
+            <a:srgbClr val="A4A3A4"/>
+          </p15:clr>
+        </p15:guide>
+      </p15:sldGuideLst>
+    </p:ext>
+  </p:extLst>
 </p:presentation>
 </file>
 
+<file path=ppt/revisionInfo.xml><?xml version="1.0" encoding="utf-8"?>
+<p1510:revInfo xmlns:a="http://schemas.openxmlformats.org/drawingml/2006/main" xmlns:r="http://schemas.openxmlformats.org/officeDocument/2006/relationships" xmlns:p1510="http://schemas.microsoft.com/office/powerpoint/2015/10/main"/>
+</file>
+
 <file path=ppt/slideLayouts/slideLayout1.xml><?xml version="1.0" encoding="utf-8"?>
-<p:sldLayout xmlns:a="http://schemas.openxmlformats.org/drawingml/2006/main" xmlns:r="http://schemas.openxmlformats.org/officeDocument/2006/relationships" xmlns:p="http://schemas.openxmlformats.org/presentationml/2006/main" type="title" preserve="1">
+<p:sldLayout xmlns:a="http://schemas.openxmlformats.org/drawingml/2006/main" xmlns:r="http://schemas.openxmlformats.org/officeDocument/2006/relationships" xmlns:p="http://schemas.openxmlformats.org/presentationml/2006/main" showMasterSp="0" type="title" preserve="1">
   <p:cSld name="Titeldia">
     <p:spTree>
       <p:nvGrpSpPr>
@@ -135,13 +155,83 @@
       </p:grpSpPr>
       <p:sp>
         <p:nvSpPr>
-          <p:cNvPr id="2" name="Titel 1">
-            <a:extLst>
-              <a:ext uri="{FF2B5EF4-FFF2-40B4-BE49-F238E27FC236}">
-                <a16:creationId xmlns="" xmlns:a16="http://schemas.microsoft.com/office/drawing/2014/main" id="{EFD99023-B551-45B8-A12C-2917446E04BE}"/>
-              </a:ext>
-            </a:extLst>
-          </p:cNvPr>
+          <p:cNvPr id="7" name="Rectangle 6"/>
+          <p:cNvSpPr/>
+          <p:nvPr/>
+        </p:nvSpPr>
+        <p:spPr>
+          <a:xfrm>
+            <a:off x="3175" y="6400800"/>
+            <a:ext cx="12188825" cy="457200"/>
+          </a:xfrm>
+          <a:prstGeom prst="rect">
+            <a:avLst/>
+          </a:prstGeom>
+          <a:solidFill>
+            <a:schemeClr val="accent2"/>
+          </a:solidFill>
+          <a:ln>
+            <a:noFill/>
+          </a:ln>
+        </p:spPr>
+        <p:style>
+          <a:lnRef idx="2">
+            <a:schemeClr val="accent1">
+              <a:shade val="50000"/>
+            </a:schemeClr>
+          </a:lnRef>
+          <a:fillRef idx="1">
+            <a:schemeClr val="accent1"/>
+          </a:fillRef>
+          <a:effectRef idx="0">
+            <a:schemeClr val="accent1"/>
+          </a:effectRef>
+          <a:fontRef idx="minor">
+            <a:schemeClr val="lt1"/>
+          </a:fontRef>
+        </p:style>
+      </p:sp>
+      <p:sp>
+        <p:nvSpPr>
+          <p:cNvPr id="8" name="Rectangle 7"/>
+          <p:cNvSpPr/>
+          <p:nvPr/>
+        </p:nvSpPr>
+        <p:spPr>
+          <a:xfrm>
+            <a:off x="15" y="6334316"/>
+            <a:ext cx="12188825" cy="64008"/>
+          </a:xfrm>
+          <a:prstGeom prst="rect">
+            <a:avLst/>
+          </a:prstGeom>
+          <a:solidFill>
+            <a:schemeClr val="accent1"/>
+          </a:solidFill>
+          <a:ln>
+            <a:noFill/>
+          </a:ln>
+        </p:spPr>
+        <p:style>
+          <a:lnRef idx="2">
+            <a:schemeClr val="accent1">
+              <a:shade val="50000"/>
+            </a:schemeClr>
+          </a:lnRef>
+          <a:fillRef idx="1">
+            <a:schemeClr val="accent1"/>
+          </a:fillRef>
+          <a:effectRef idx="0">
+            <a:schemeClr val="accent1"/>
+          </a:effectRef>
+          <a:fontRef idx="minor">
+            <a:schemeClr val="lt1"/>
+          </a:fontRef>
+        </p:style>
+      </p:sp>
+      <p:sp>
+        <p:nvSpPr>
+          <p:cNvPr id="2" name="Title 1"/>
           <p:cNvSpPr>
             <a:spLocks noGrp="1"/>
           </p:cNvSpPr>
@@ -151,15 +241,27 @@
         </p:nvSpPr>
         <p:spPr>
           <a:xfrm>
-            <a:off x="1524000" y="1122363"/>
-            <a:ext cx="9144000" cy="2387600"/>
-          </a:xfrm>
-        </p:spPr>
-        <p:txBody>
-          <a:bodyPr anchor="b"/>
+            <a:off x="1097280" y="758952"/>
+            <a:ext cx="10058400" cy="3566160"/>
+          </a:xfrm>
+        </p:spPr>
+        <p:txBody>
+          <a:bodyPr anchor="b">
+            <a:normAutofit/>
+          </a:bodyPr>
           <a:lstStyle>
-            <a:lvl1pPr algn="ctr">
-              <a:defRPr sz="6000"/>
+            <a:lvl1pPr algn="l">
+              <a:lnSpc>
+                <a:spcPct val="85000"/>
+              </a:lnSpc>
+              <a:defRPr sz="8000" spc="-50" baseline="0">
+                <a:solidFill>
+                  <a:schemeClr val="tx1">
+                    <a:lumMod val="85000"/>
+                    <a:lumOff val="15000"/>
+                  </a:schemeClr>
+                </a:solidFill>
+              </a:defRPr>
             </a:lvl1pPr>
           </a:lstStyle>
           <a:p>
@@ -167,18 +269,13 @@
               <a:rPr lang="nl-NL"/>
               <a:t>Klik om stijl te bewerken</a:t>
             </a:r>
-          </a:p>
-        </p:txBody>
-      </p:sp>
-      <p:sp>
-        <p:nvSpPr>
-          <p:cNvPr id="3" name="Ondertitel 2">
-            <a:extLst>
-              <a:ext uri="{FF2B5EF4-FFF2-40B4-BE49-F238E27FC236}">
-                <a16:creationId xmlns="" xmlns:a16="http://schemas.microsoft.com/office/drawing/2014/main" id="{2E009DEA-736C-495D-A0BD-D3CB755CD810}"/>
-              </a:ext>
-            </a:extLst>
-          </p:cNvPr>
+            <a:endParaRPr lang="en-US" dirty="0"/>
+          </a:p>
+        </p:txBody>
+      </p:sp>
+      <p:sp>
+        <p:nvSpPr>
+          <p:cNvPr id="3" name="Subtitle 2"/>
           <p:cNvSpPr>
             <a:spLocks noGrp="1"/>
           </p:cNvSpPr>
@@ -188,48 +285,55 @@
         </p:nvSpPr>
         <p:spPr>
           <a:xfrm>
-            <a:off x="1524000" y="3602038"/>
-            <a:ext cx="9144000" cy="1655762"/>
-          </a:xfrm>
-        </p:spPr>
-        <p:txBody>
-          <a:bodyPr/>
+            <a:off x="1100051" y="4455620"/>
+            <a:ext cx="10058400" cy="1143000"/>
+          </a:xfrm>
+        </p:spPr>
+        <p:txBody>
+          <a:bodyPr lIns="91440" rIns="91440">
+            <a:normAutofit/>
+          </a:bodyPr>
           <a:lstStyle>
-            <a:lvl1pPr marL="0" indent="0" algn="ctr">
-              <a:buNone/>
-              <a:defRPr sz="2400"/>
+            <a:lvl1pPr marL="0" indent="0" algn="l">
+              <a:buNone/>
+              <a:defRPr sz="2400" cap="all" spc="200" baseline="0">
+                <a:solidFill>
+                  <a:schemeClr val="tx2"/>
+                </a:solidFill>
+                <a:latin typeface="+mj-lt"/>
+              </a:defRPr>
             </a:lvl1pPr>
             <a:lvl2pPr marL="457200" indent="0" algn="ctr">
               <a:buNone/>
-              <a:defRPr sz="2000"/>
+              <a:defRPr sz="2400"/>
             </a:lvl2pPr>
             <a:lvl3pPr marL="914400" indent="0" algn="ctr">
               <a:buNone/>
-              <a:defRPr sz="1800"/>
+              <a:defRPr sz="2400"/>
             </a:lvl3pPr>
             <a:lvl4pPr marL="1371600" indent="0" algn="ctr">
               <a:buNone/>
-              <a:defRPr sz="1600"/>
+              <a:defRPr sz="2000"/>
             </a:lvl4pPr>
             <a:lvl5pPr marL="1828800" indent="0" algn="ctr">
               <a:buNone/>
-              <a:defRPr sz="1600"/>
+              <a:defRPr sz="2000"/>
             </a:lvl5pPr>
             <a:lvl6pPr marL="2286000" indent="0" algn="ctr">
               <a:buNone/>
-              <a:defRPr sz="1600"/>
+              <a:defRPr sz="2000"/>
             </a:lvl6pPr>
             <a:lvl7pPr marL="2743200" indent="0" algn="ctr">
               <a:buNone/>
-              <a:defRPr sz="1600"/>
+              <a:defRPr sz="2000"/>
             </a:lvl7pPr>
             <a:lvl8pPr marL="3200400" indent="0" algn="ctr">
               <a:buNone/>
-              <a:defRPr sz="1600"/>
+              <a:defRPr sz="2000"/>
             </a:lvl8pPr>
             <a:lvl9pPr marL="3657600" indent="0" algn="ctr">
               <a:buNone/>
-              <a:defRPr sz="1600"/>
+              <a:defRPr sz="2000"/>
             </a:lvl9pPr>
           </a:lstStyle>
           <a:p>
@@ -237,18 +341,13 @@
               <a:rPr lang="nl-NL"/>
               <a:t>Klikken om de ondertitelstijl van het model te bewerken</a:t>
             </a:r>
-          </a:p>
-        </p:txBody>
-      </p:sp>
-      <p:sp>
-        <p:nvSpPr>
-          <p:cNvPr id="4" name="Tijdelijke aanduiding voor datum 3">
-            <a:extLst>
-              <a:ext uri="{FF2B5EF4-FFF2-40B4-BE49-F238E27FC236}">
-                <a16:creationId xmlns="" xmlns:a16="http://schemas.microsoft.com/office/drawing/2014/main" id="{67209F8F-9D5D-4D9E-AC0A-70E79D66B973}"/>
-              </a:ext>
-            </a:extLst>
-          </p:cNvPr>
+            <a:endParaRPr lang="en-US" dirty="0"/>
+          </a:p>
+        </p:txBody>
+      </p:sp>
+      <p:sp>
+        <p:nvSpPr>
+          <p:cNvPr id="4" name="Date Placeholder 3"/>
           <p:cNvSpPr>
             <a:spLocks noGrp="1"/>
           </p:cNvSpPr>
@@ -264,7 +363,7 @@
             <a:fld id="{ADE4902F-FBEA-4B35-9D62-082FA2608761}" type="datetimeFigureOut">
               <a:rPr lang="nl-NL" smtClean="0"/>
               <a:pPr/>
-              <a:t>4-12-2017</a:t>
+              <a:t>5-12-2017</a:t>
             </a:fld>
             <a:endParaRPr lang="nl-NL"/>
           </a:p>
@@ -272,13 +371,7 @@
       </p:sp>
       <p:sp>
         <p:nvSpPr>
-          <p:cNvPr id="5" name="Tijdelijke aanduiding voor voettekst 4">
-            <a:extLst>
-              <a:ext uri="{FF2B5EF4-FFF2-40B4-BE49-F238E27FC236}">
-                <a16:creationId xmlns="" xmlns:a16="http://schemas.microsoft.com/office/drawing/2014/main" id="{54E64078-7028-4A61-9D1A-E34F5B16D07A}"/>
-              </a:ext>
-            </a:extLst>
-          </p:cNvPr>
+          <p:cNvPr id="5" name="Footer Placeholder 4"/>
           <p:cNvSpPr>
             <a:spLocks noGrp="1"/>
           </p:cNvSpPr>
@@ -297,13 +390,7 @@
       </p:sp>
       <p:sp>
         <p:nvSpPr>
-          <p:cNvPr id="6" name="Tijdelijke aanduiding voor dianummer 5">
-            <a:extLst>
-              <a:ext uri="{FF2B5EF4-FFF2-40B4-BE49-F238E27FC236}">
-                <a16:creationId xmlns="" xmlns:a16="http://schemas.microsoft.com/office/drawing/2014/main" id="{F94CF3BC-A337-46FC-9ED2-A70F074C57CD}"/>
-              </a:ext>
-            </a:extLst>
-          </p:cNvPr>
+          <p:cNvPr id="6" name="Slide Number Placeholder 5"/>
           <p:cNvSpPr>
             <a:spLocks noGrp="1"/>
           </p:cNvSpPr>
@@ -325,10 +412,48 @@
           </a:p>
         </p:txBody>
       </p:sp>
+      <p:cxnSp>
+        <p:nvCxnSpPr>
+          <p:cNvPr id="9" name="Straight Connector 8"/>
+          <p:cNvCxnSpPr/>
+          <p:nvPr/>
+        </p:nvCxnSpPr>
+        <p:spPr>
+          <a:xfrm>
+            <a:off x="1207658" y="4343400"/>
+            <a:ext cx="9875520" cy="0"/>
+          </a:xfrm>
+          <a:prstGeom prst="line">
+            <a:avLst/>
+          </a:prstGeom>
+          <a:ln w="6350">
+            <a:solidFill>
+              <a:schemeClr val="tx1">
+                <a:lumMod val="50000"/>
+                <a:lumOff val="50000"/>
+              </a:schemeClr>
+            </a:solidFill>
+          </a:ln>
+        </p:spPr>
+        <p:style>
+          <a:lnRef idx="1">
+            <a:schemeClr val="accent1"/>
+          </a:lnRef>
+          <a:fillRef idx="0">
+            <a:schemeClr val="accent1"/>
+          </a:fillRef>
+          <a:effectRef idx="0">
+            <a:schemeClr val="accent1"/>
+          </a:effectRef>
+          <a:fontRef idx="minor">
+            <a:schemeClr val="tx1"/>
+          </a:fontRef>
+        </p:style>
+      </p:cxnSp>
     </p:spTree>
     <p:extLst>
       <p:ext uri="{BB962C8B-B14F-4D97-AF65-F5344CB8AC3E}">
-        <p14:creationId xmlns:p14="http://schemas.microsoft.com/office/powerpoint/2010/main" xmlns="" val="3805358241"/>
+        <p14:creationId xmlns:p14="http://schemas.microsoft.com/office/powerpoint/2010/main" val="1189607244"/>
       </p:ext>
     </p:extLst>
   </p:cSld>
@@ -357,13 +482,7 @@
       </p:grpSpPr>
       <p:sp>
         <p:nvSpPr>
-          <p:cNvPr id="2" name="Titel 1">
-            <a:extLst>
-              <a:ext uri="{FF2B5EF4-FFF2-40B4-BE49-F238E27FC236}">
-                <a16:creationId xmlns="" xmlns:a16="http://schemas.microsoft.com/office/drawing/2014/main" id="{A0360AC8-B78F-4264-BCDD-ACDC27E57432}"/>
-              </a:ext>
-            </a:extLst>
-          </p:cNvPr>
+          <p:cNvPr id="2" name="Title 1"/>
           <p:cNvSpPr>
             <a:spLocks noGrp="1"/>
           </p:cNvSpPr>
@@ -380,18 +499,13 @@
               <a:rPr lang="nl-NL"/>
               <a:t>Klik om stijl te bewerken</a:t>
             </a:r>
-          </a:p>
-        </p:txBody>
-      </p:sp>
-      <p:sp>
-        <p:nvSpPr>
-          <p:cNvPr id="3" name="Tijdelijke aanduiding voor verticale tekst 2">
-            <a:extLst>
-              <a:ext uri="{FF2B5EF4-FFF2-40B4-BE49-F238E27FC236}">
-                <a16:creationId xmlns="" xmlns:a16="http://schemas.microsoft.com/office/drawing/2014/main" id="{CBC2C12D-CEBD-47C9-B6B8-76D5A5B9B46B}"/>
-              </a:ext>
-            </a:extLst>
-          </p:cNvPr>
+            <a:endParaRPr lang="en-US" dirty="0"/>
+          </a:p>
+        </p:txBody>
+      </p:sp>
+      <p:sp>
+        <p:nvSpPr>
+          <p:cNvPr id="3" name="Vertical Text Placeholder 2"/>
           <p:cNvSpPr>
             <a:spLocks noGrp="1"/>
           </p:cNvSpPr>
@@ -401,7 +515,7 @@
         </p:nvSpPr>
         <p:spPr/>
         <p:txBody>
-          <a:bodyPr vert="eaVert"/>
+          <a:bodyPr vert="eaVert" lIns="45720" tIns="0" rIns="45720" bIns="0"/>
           <a:lstStyle/>
           <a:p>
             <a:pPr lvl="0"/>
@@ -437,18 +551,13 @@
               <a:rPr lang="nl-NL"/>
               <a:t>Vijfde niveau</a:t>
             </a:r>
-          </a:p>
-        </p:txBody>
-      </p:sp>
-      <p:sp>
-        <p:nvSpPr>
-          <p:cNvPr id="4" name="Tijdelijke aanduiding voor datum 3">
-            <a:extLst>
-              <a:ext uri="{FF2B5EF4-FFF2-40B4-BE49-F238E27FC236}">
-                <a16:creationId xmlns="" xmlns:a16="http://schemas.microsoft.com/office/drawing/2014/main" id="{99C3A252-6B99-4635-BB91-A7D08534575D}"/>
-              </a:ext>
-            </a:extLst>
-          </p:cNvPr>
+            <a:endParaRPr lang="en-US" dirty="0"/>
+          </a:p>
+        </p:txBody>
+      </p:sp>
+      <p:sp>
+        <p:nvSpPr>
+          <p:cNvPr id="4" name="Date Placeholder 3"/>
           <p:cNvSpPr>
             <a:spLocks noGrp="1"/>
           </p:cNvSpPr>
@@ -464,7 +573,7 @@
             <a:fld id="{ADE4902F-FBEA-4B35-9D62-082FA2608761}" type="datetimeFigureOut">
               <a:rPr lang="nl-NL" smtClean="0"/>
               <a:pPr/>
-              <a:t>4-12-2017</a:t>
+              <a:t>5-12-2017</a:t>
             </a:fld>
             <a:endParaRPr lang="nl-NL"/>
           </a:p>
@@ -472,13 +581,7 @@
       </p:sp>
       <p:sp>
         <p:nvSpPr>
-          <p:cNvPr id="5" name="Tijdelijke aanduiding voor voettekst 4">
-            <a:extLst>
-              <a:ext uri="{FF2B5EF4-FFF2-40B4-BE49-F238E27FC236}">
-                <a16:creationId xmlns="" xmlns:a16="http://schemas.microsoft.com/office/drawing/2014/main" id="{55C44EC4-4316-439A-80F3-5CF8FA8B9E4D}"/>
-              </a:ext>
-            </a:extLst>
-          </p:cNvPr>
+          <p:cNvPr id="5" name="Footer Placeholder 4"/>
           <p:cNvSpPr>
             <a:spLocks noGrp="1"/>
           </p:cNvSpPr>
@@ -497,13 +600,7 @@
       </p:sp>
       <p:sp>
         <p:nvSpPr>
-          <p:cNvPr id="6" name="Tijdelijke aanduiding voor dianummer 5">
-            <a:extLst>
-              <a:ext uri="{FF2B5EF4-FFF2-40B4-BE49-F238E27FC236}">
-                <a16:creationId xmlns="" xmlns:a16="http://schemas.microsoft.com/office/drawing/2014/main" id="{51651B2C-E2E2-469B-9BC0-4F51A8AB8FCF}"/>
-              </a:ext>
-            </a:extLst>
-          </p:cNvPr>
+          <p:cNvPr id="6" name="Slide Number Placeholder 5"/>
           <p:cNvSpPr>
             <a:spLocks noGrp="1"/>
           </p:cNvSpPr>
@@ -528,7 +625,7 @@
     </p:spTree>
     <p:extLst>
       <p:ext uri="{BB962C8B-B14F-4D97-AF65-F5344CB8AC3E}">
-        <p14:creationId xmlns:p14="http://schemas.microsoft.com/office/powerpoint/2010/main" xmlns="" val="3203477417"/>
+        <p14:creationId xmlns:p14="http://schemas.microsoft.com/office/powerpoint/2010/main" val="3524395468"/>
       </p:ext>
     </p:extLst>
   </p:cSld>
@@ -539,7 +636,7 @@
 </file>
 
 <file path=ppt/slideLayouts/slideLayout11.xml><?xml version="1.0" encoding="utf-8"?>
-<p:sldLayout xmlns:a="http://schemas.openxmlformats.org/drawingml/2006/main" xmlns:r="http://schemas.openxmlformats.org/officeDocument/2006/relationships" xmlns:p="http://schemas.openxmlformats.org/presentationml/2006/main" type="vertTitleAndTx" preserve="1">
+<p:sldLayout xmlns:a="http://schemas.openxmlformats.org/drawingml/2006/main" xmlns:r="http://schemas.openxmlformats.org/officeDocument/2006/relationships" xmlns:p="http://schemas.openxmlformats.org/presentationml/2006/main" showMasterSp="0" type="vertTitleAndTx" preserve="1">
   <p:cSld name="Verticale titel en tekst">
     <p:spTree>
       <p:nvGrpSpPr>
@@ -557,13 +654,83 @@
       </p:grpSpPr>
       <p:sp>
         <p:nvSpPr>
-          <p:cNvPr id="2" name="Verticale titel 1">
-            <a:extLst>
-              <a:ext uri="{FF2B5EF4-FFF2-40B4-BE49-F238E27FC236}">
-                <a16:creationId xmlns="" xmlns:a16="http://schemas.microsoft.com/office/drawing/2014/main" id="{A8495113-02DB-4A72-A690-2DCF724F608D}"/>
-              </a:ext>
-            </a:extLst>
-          </p:cNvPr>
+          <p:cNvPr id="7" name="Rectangle 6"/>
+          <p:cNvSpPr/>
+          <p:nvPr/>
+        </p:nvSpPr>
+        <p:spPr>
+          <a:xfrm>
+            <a:off x="3175" y="6400800"/>
+            <a:ext cx="12188825" cy="457200"/>
+          </a:xfrm>
+          <a:prstGeom prst="rect">
+            <a:avLst/>
+          </a:prstGeom>
+          <a:solidFill>
+            <a:schemeClr val="accent2"/>
+          </a:solidFill>
+          <a:ln>
+            <a:noFill/>
+          </a:ln>
+        </p:spPr>
+        <p:style>
+          <a:lnRef idx="2">
+            <a:schemeClr val="accent1">
+              <a:shade val="50000"/>
+            </a:schemeClr>
+          </a:lnRef>
+          <a:fillRef idx="1">
+            <a:schemeClr val="accent1"/>
+          </a:fillRef>
+          <a:effectRef idx="0">
+            <a:schemeClr val="accent1"/>
+          </a:effectRef>
+          <a:fontRef idx="minor">
+            <a:schemeClr val="lt1"/>
+          </a:fontRef>
+        </p:style>
+      </p:sp>
+      <p:sp>
+        <p:nvSpPr>
+          <p:cNvPr id="8" name="Rectangle 7"/>
+          <p:cNvSpPr/>
+          <p:nvPr/>
+        </p:nvSpPr>
+        <p:spPr>
+          <a:xfrm>
+            <a:off x="15" y="6334316"/>
+            <a:ext cx="12188825" cy="64008"/>
+          </a:xfrm>
+          <a:prstGeom prst="rect">
+            <a:avLst/>
+          </a:prstGeom>
+          <a:solidFill>
+            <a:schemeClr val="accent1"/>
+          </a:solidFill>
+          <a:ln>
+            <a:noFill/>
+          </a:ln>
+        </p:spPr>
+        <p:style>
+          <a:lnRef idx="2">
+            <a:schemeClr val="accent1">
+              <a:shade val="50000"/>
+            </a:schemeClr>
+          </a:lnRef>
+          <a:fillRef idx="1">
+            <a:schemeClr val="accent1"/>
+          </a:fillRef>
+          <a:effectRef idx="0">
+            <a:schemeClr val="accent1"/>
+          </a:effectRef>
+          <a:fontRef idx="minor">
+            <a:schemeClr val="lt1"/>
+          </a:fontRef>
+        </p:style>
+      </p:sp>
+      <p:sp>
+        <p:nvSpPr>
+          <p:cNvPr id="2" name="Vertical Title 1"/>
           <p:cNvSpPr>
             <a:spLocks noGrp="1"/>
           </p:cNvSpPr>
@@ -573,8 +740,8 @@
         </p:nvSpPr>
         <p:spPr>
           <a:xfrm>
-            <a:off x="8724900" y="365125"/>
-            <a:ext cx="2628900" cy="5811838"/>
+            <a:off x="8724900" y="414778"/>
+            <a:ext cx="2628900" cy="5757421"/>
           </a:xfrm>
         </p:spPr>
         <p:txBody>
@@ -585,18 +752,13 @@
               <a:rPr lang="nl-NL"/>
               <a:t>Klik om stijl te bewerken</a:t>
             </a:r>
-          </a:p>
-        </p:txBody>
-      </p:sp>
-      <p:sp>
-        <p:nvSpPr>
-          <p:cNvPr id="3" name="Tijdelijke aanduiding voor verticale tekst 2">
-            <a:extLst>
-              <a:ext uri="{FF2B5EF4-FFF2-40B4-BE49-F238E27FC236}">
-                <a16:creationId xmlns="" xmlns:a16="http://schemas.microsoft.com/office/drawing/2014/main" id="{C31B8AC1-42B5-4119-AC97-D81F532327F3}"/>
-              </a:ext>
-            </a:extLst>
-          </p:cNvPr>
+            <a:endParaRPr lang="en-US" dirty="0"/>
+          </a:p>
+        </p:txBody>
+      </p:sp>
+      <p:sp>
+        <p:nvSpPr>
+          <p:cNvPr id="3" name="Vertical Text Placeholder 2"/>
           <p:cNvSpPr>
             <a:spLocks noGrp="1"/>
           </p:cNvSpPr>
@@ -606,12 +768,12 @@
         </p:nvSpPr>
         <p:spPr>
           <a:xfrm>
-            <a:off x="838200" y="365125"/>
-            <a:ext cx="7734300" cy="5811838"/>
-          </a:xfrm>
-        </p:spPr>
-        <p:txBody>
-          <a:bodyPr vert="eaVert"/>
+            <a:off x="838200" y="414778"/>
+            <a:ext cx="7734300" cy="5757422"/>
+          </a:xfrm>
+        </p:spPr>
+        <p:txBody>
+          <a:bodyPr vert="eaVert" lIns="45720" tIns="0" rIns="45720" bIns="0"/>
           <a:lstStyle/>
           <a:p>
             <a:pPr lvl="0"/>
@@ -647,18 +809,13 @@
               <a:rPr lang="nl-NL"/>
               <a:t>Vijfde niveau</a:t>
             </a:r>
-          </a:p>
-        </p:txBody>
-      </p:sp>
-      <p:sp>
-        <p:nvSpPr>
-          <p:cNvPr id="4" name="Tijdelijke aanduiding voor datum 3">
-            <a:extLst>
-              <a:ext uri="{FF2B5EF4-FFF2-40B4-BE49-F238E27FC236}">
-                <a16:creationId xmlns="" xmlns:a16="http://schemas.microsoft.com/office/drawing/2014/main" id="{C56E96B1-1940-4306-AE29-87A98AD3166A}"/>
-              </a:ext>
-            </a:extLst>
-          </p:cNvPr>
+            <a:endParaRPr lang="en-US" dirty="0"/>
+          </a:p>
+        </p:txBody>
+      </p:sp>
+      <p:sp>
+        <p:nvSpPr>
+          <p:cNvPr id="4" name="Date Placeholder 3"/>
           <p:cNvSpPr>
             <a:spLocks noGrp="1"/>
           </p:cNvSpPr>
@@ -674,7 +831,7 @@
             <a:fld id="{ADE4902F-FBEA-4B35-9D62-082FA2608761}" type="datetimeFigureOut">
               <a:rPr lang="nl-NL" smtClean="0"/>
               <a:pPr/>
-              <a:t>4-12-2017</a:t>
+              <a:t>5-12-2017</a:t>
             </a:fld>
             <a:endParaRPr lang="nl-NL"/>
           </a:p>
@@ -682,13 +839,7 @@
       </p:sp>
       <p:sp>
         <p:nvSpPr>
-          <p:cNvPr id="5" name="Tijdelijke aanduiding voor voettekst 4">
-            <a:extLst>
-              <a:ext uri="{FF2B5EF4-FFF2-40B4-BE49-F238E27FC236}">
-                <a16:creationId xmlns="" xmlns:a16="http://schemas.microsoft.com/office/drawing/2014/main" id="{A5988C8F-FC0C-4CBE-BA17-CA0DFB99C566}"/>
-              </a:ext>
-            </a:extLst>
-          </p:cNvPr>
+          <p:cNvPr id="5" name="Footer Placeholder 4"/>
           <p:cNvSpPr>
             <a:spLocks noGrp="1"/>
           </p:cNvSpPr>
@@ -707,13 +858,7 @@
       </p:sp>
       <p:sp>
         <p:nvSpPr>
-          <p:cNvPr id="6" name="Tijdelijke aanduiding voor dianummer 5">
-            <a:extLst>
-              <a:ext uri="{FF2B5EF4-FFF2-40B4-BE49-F238E27FC236}">
-                <a16:creationId xmlns="" xmlns:a16="http://schemas.microsoft.com/office/drawing/2014/main" id="{5965722C-5852-44DE-9F55-897A005A5E6B}"/>
-              </a:ext>
-            </a:extLst>
-          </p:cNvPr>
+          <p:cNvPr id="6" name="Slide Number Placeholder 5"/>
           <p:cNvSpPr>
             <a:spLocks noGrp="1"/>
           </p:cNvSpPr>
@@ -738,7 +883,7 @@
     </p:spTree>
     <p:extLst>
       <p:ext uri="{BB962C8B-B14F-4D97-AF65-F5344CB8AC3E}">
-        <p14:creationId xmlns:p14="http://schemas.microsoft.com/office/powerpoint/2010/main" xmlns="" val="1094053022"/>
+        <p14:creationId xmlns:p14="http://schemas.microsoft.com/office/powerpoint/2010/main" val="872546503"/>
       </p:ext>
     </p:extLst>
   </p:cSld>
@@ -767,13 +912,7 @@
       </p:grpSpPr>
       <p:sp>
         <p:nvSpPr>
-          <p:cNvPr id="2" name="Titel 1">
-            <a:extLst>
-              <a:ext uri="{FF2B5EF4-FFF2-40B4-BE49-F238E27FC236}">
-                <a16:creationId xmlns="" xmlns:a16="http://schemas.microsoft.com/office/drawing/2014/main" id="{016A3A2C-E9A1-46E3-B56B-6107511A4824}"/>
-              </a:ext>
-            </a:extLst>
-          </p:cNvPr>
+          <p:cNvPr id="2" name="Title 1"/>
           <p:cNvSpPr>
             <a:spLocks noGrp="1"/>
           </p:cNvSpPr>
@@ -784,24 +923,23 @@
         <p:spPr/>
         <p:txBody>
           <a:bodyPr/>
-          <a:lstStyle/>
+          <a:lstStyle>
+            <a:lvl1pPr marL="0">
+              <a:defRPr/>
+            </a:lvl1pPr>
+          </a:lstStyle>
           <a:p>
             <a:r>
               <a:rPr lang="nl-NL"/>
               <a:t>Klik om stijl te bewerken</a:t>
             </a:r>
-          </a:p>
-        </p:txBody>
-      </p:sp>
-      <p:sp>
-        <p:nvSpPr>
-          <p:cNvPr id="3" name="Tijdelijke aanduiding voor inhoud 2">
-            <a:extLst>
-              <a:ext uri="{FF2B5EF4-FFF2-40B4-BE49-F238E27FC236}">
-                <a16:creationId xmlns="" xmlns:a16="http://schemas.microsoft.com/office/drawing/2014/main" id="{3767E90F-0F89-4A06-B8E9-1CDE6F03C9ED}"/>
-              </a:ext>
-            </a:extLst>
-          </p:cNvPr>
+            <a:endParaRPr lang="en-US" dirty="0"/>
+          </a:p>
+        </p:txBody>
+      </p:sp>
+      <p:sp>
+        <p:nvSpPr>
+          <p:cNvPr id="3" name="Content Placeholder 2"/>
           <p:cNvSpPr>
             <a:spLocks noGrp="1"/>
           </p:cNvSpPr>
@@ -847,18 +985,13 @@
               <a:rPr lang="nl-NL"/>
               <a:t>Vijfde niveau</a:t>
             </a:r>
-          </a:p>
-        </p:txBody>
-      </p:sp>
-      <p:sp>
-        <p:nvSpPr>
-          <p:cNvPr id="4" name="Tijdelijke aanduiding voor datum 3">
-            <a:extLst>
-              <a:ext uri="{FF2B5EF4-FFF2-40B4-BE49-F238E27FC236}">
-                <a16:creationId xmlns="" xmlns:a16="http://schemas.microsoft.com/office/drawing/2014/main" id="{03A33B9D-72AD-41A2-B2D2-DD46DAD7D7DC}"/>
-              </a:ext>
-            </a:extLst>
-          </p:cNvPr>
+            <a:endParaRPr lang="en-US" dirty="0"/>
+          </a:p>
+        </p:txBody>
+      </p:sp>
+      <p:sp>
+        <p:nvSpPr>
+          <p:cNvPr id="4" name="Date Placeholder 3"/>
           <p:cNvSpPr>
             <a:spLocks noGrp="1"/>
           </p:cNvSpPr>
@@ -874,7 +1007,7 @@
             <a:fld id="{ADE4902F-FBEA-4B35-9D62-082FA2608761}" type="datetimeFigureOut">
               <a:rPr lang="nl-NL" smtClean="0"/>
               <a:pPr/>
-              <a:t>4-12-2017</a:t>
+              <a:t>5-12-2017</a:t>
             </a:fld>
             <a:endParaRPr lang="nl-NL"/>
           </a:p>
@@ -882,13 +1015,7 @@
       </p:sp>
       <p:sp>
         <p:nvSpPr>
-          <p:cNvPr id="5" name="Tijdelijke aanduiding voor voettekst 4">
-            <a:extLst>
-              <a:ext uri="{FF2B5EF4-FFF2-40B4-BE49-F238E27FC236}">
-                <a16:creationId xmlns="" xmlns:a16="http://schemas.microsoft.com/office/drawing/2014/main" id="{B66C81FA-DFF3-464A-B628-347A5430C915}"/>
-              </a:ext>
-            </a:extLst>
-          </p:cNvPr>
+          <p:cNvPr id="5" name="Footer Placeholder 4"/>
           <p:cNvSpPr>
             <a:spLocks noGrp="1"/>
           </p:cNvSpPr>
@@ -907,13 +1034,7 @@
       </p:sp>
       <p:sp>
         <p:nvSpPr>
-          <p:cNvPr id="6" name="Tijdelijke aanduiding voor dianummer 5">
-            <a:extLst>
-              <a:ext uri="{FF2B5EF4-FFF2-40B4-BE49-F238E27FC236}">
-                <a16:creationId xmlns="" xmlns:a16="http://schemas.microsoft.com/office/drawing/2014/main" id="{CCA4C3AF-1A2F-4B35-ADA6-C3C3322C3EFE}"/>
-              </a:ext>
-            </a:extLst>
-          </p:cNvPr>
+          <p:cNvPr id="6" name="Slide Number Placeholder 5"/>
           <p:cNvSpPr>
             <a:spLocks noGrp="1"/>
           </p:cNvSpPr>
@@ -938,7 +1059,7 @@
     </p:spTree>
     <p:extLst>
       <p:ext uri="{BB962C8B-B14F-4D97-AF65-F5344CB8AC3E}">
-        <p14:creationId xmlns:p14="http://schemas.microsoft.com/office/powerpoint/2010/main" xmlns="" val="1515944853"/>
+        <p14:creationId xmlns:p14="http://schemas.microsoft.com/office/powerpoint/2010/main" val="3767384208"/>
       </p:ext>
     </p:extLst>
   </p:cSld>
@@ -949,8 +1070,16 @@
 </file>
 
 <file path=ppt/slideLayouts/slideLayout3.xml><?xml version="1.0" encoding="utf-8"?>
-<p:sldLayout xmlns:a="http://schemas.openxmlformats.org/drawingml/2006/main" xmlns:r="http://schemas.openxmlformats.org/officeDocument/2006/relationships" xmlns:p="http://schemas.openxmlformats.org/presentationml/2006/main" type="secHead" preserve="1">
+<p:sldLayout xmlns:a="http://schemas.openxmlformats.org/drawingml/2006/main" xmlns:r="http://schemas.openxmlformats.org/officeDocument/2006/relationships" xmlns:p="http://schemas.openxmlformats.org/presentationml/2006/main" showMasterSp="0" type="secHead" preserve="1">
   <p:cSld name="Sectiekop">
+    <p:bg>
+      <p:bgPr>
+        <a:solidFill>
+          <a:schemeClr val="bg1"/>
+        </a:solidFill>
+        <a:effectLst/>
+      </p:bgPr>
+    </p:bg>
     <p:spTree>
       <p:nvGrpSpPr>
         <p:cNvPr id="1" name=""/>
@@ -967,13 +1096,83 @@
       </p:grpSpPr>
       <p:sp>
         <p:nvSpPr>
-          <p:cNvPr id="2" name="Titel 1">
-            <a:extLst>
-              <a:ext uri="{FF2B5EF4-FFF2-40B4-BE49-F238E27FC236}">
-                <a16:creationId xmlns="" xmlns:a16="http://schemas.microsoft.com/office/drawing/2014/main" id="{07CEC788-F9AF-4924-B3FC-70812FE0AB92}"/>
-              </a:ext>
-            </a:extLst>
-          </p:cNvPr>
+          <p:cNvPr id="7" name="Rectangle 6"/>
+          <p:cNvSpPr/>
+          <p:nvPr/>
+        </p:nvSpPr>
+        <p:spPr>
+          <a:xfrm>
+            <a:off x="3175" y="6400800"/>
+            <a:ext cx="12188825" cy="457200"/>
+          </a:xfrm>
+          <a:prstGeom prst="rect">
+            <a:avLst/>
+          </a:prstGeom>
+          <a:solidFill>
+            <a:schemeClr val="accent2"/>
+          </a:solidFill>
+          <a:ln>
+            <a:noFill/>
+          </a:ln>
+        </p:spPr>
+        <p:style>
+          <a:lnRef idx="2">
+            <a:schemeClr val="accent1">
+              <a:shade val="50000"/>
+            </a:schemeClr>
+          </a:lnRef>
+          <a:fillRef idx="1">
+            <a:schemeClr val="accent1"/>
+          </a:fillRef>
+          <a:effectRef idx="0">
+            <a:schemeClr val="accent1"/>
+          </a:effectRef>
+          <a:fontRef idx="minor">
+            <a:schemeClr val="lt1"/>
+          </a:fontRef>
+        </p:style>
+      </p:sp>
+      <p:sp>
+        <p:nvSpPr>
+          <p:cNvPr id="8" name="Rectangle 7"/>
+          <p:cNvSpPr/>
+          <p:nvPr/>
+        </p:nvSpPr>
+        <p:spPr>
+          <a:xfrm>
+            <a:off x="15" y="6334316"/>
+            <a:ext cx="12188825" cy="64008"/>
+          </a:xfrm>
+          <a:prstGeom prst="rect">
+            <a:avLst/>
+          </a:prstGeom>
+          <a:solidFill>
+            <a:schemeClr val="accent1"/>
+          </a:solidFill>
+          <a:ln>
+            <a:noFill/>
+          </a:ln>
+        </p:spPr>
+        <p:style>
+          <a:lnRef idx="2">
+            <a:schemeClr val="accent1">
+              <a:shade val="50000"/>
+            </a:schemeClr>
+          </a:lnRef>
+          <a:fillRef idx="1">
+            <a:schemeClr val="accent1"/>
+          </a:fillRef>
+          <a:effectRef idx="0">
+            <a:schemeClr val="accent1"/>
+          </a:effectRef>
+          <a:fontRef idx="minor">
+            <a:schemeClr val="lt1"/>
+          </a:fontRef>
+        </p:style>
+      </p:sp>
+      <p:sp>
+        <p:nvSpPr>
+          <p:cNvPr id="2" name="Title 1"/>
           <p:cNvSpPr>
             <a:spLocks noGrp="1"/>
           </p:cNvSpPr>
@@ -983,63 +1182,71 @@
         </p:nvSpPr>
         <p:spPr>
           <a:xfrm>
-            <a:off x="831850" y="1709738"/>
-            <a:ext cx="10515600" cy="2852737"/>
-          </a:xfrm>
-        </p:spPr>
-        <p:txBody>
-          <a:bodyPr anchor="b"/>
+            <a:off x="1097280" y="758952"/>
+            <a:ext cx="10058400" cy="3566160"/>
+          </a:xfrm>
+        </p:spPr>
+        <p:txBody>
+          <a:bodyPr anchor="b" anchorCtr="0">
+            <a:normAutofit/>
+          </a:bodyPr>
           <a:lstStyle>
             <a:lvl1pPr>
-              <a:defRPr sz="6000"/>
-            </a:lvl1pPr>
-          </a:lstStyle>
-          <a:p>
-            <a:r>
-              <a:rPr lang="nl-NL"/>
-              <a:t>Klik om stijl te bewerken</a:t>
-            </a:r>
-          </a:p>
-        </p:txBody>
-      </p:sp>
-      <p:sp>
-        <p:nvSpPr>
-          <p:cNvPr id="3" name="Tijdelijke aanduiding voor tekst 2">
-            <a:extLst>
-              <a:ext uri="{FF2B5EF4-FFF2-40B4-BE49-F238E27FC236}">
-                <a16:creationId xmlns="" xmlns:a16="http://schemas.microsoft.com/office/drawing/2014/main" id="{259BBFA2-C0C3-4F5C-8BAF-0B57144C20E3}"/>
-              </a:ext>
-            </a:extLst>
-          </p:cNvPr>
-          <p:cNvSpPr>
-            <a:spLocks noGrp="1"/>
-          </p:cNvSpPr>
-          <p:nvPr>
-            <p:ph type="body" idx="1"/>
-          </p:nvPr>
-        </p:nvSpPr>
-        <p:spPr>
-          <a:xfrm>
-            <a:off x="831850" y="4589463"/>
-            <a:ext cx="10515600" cy="1500187"/>
-          </a:xfrm>
-        </p:spPr>
-        <p:txBody>
-          <a:bodyPr/>
-          <a:lstStyle>
-            <a:lvl1pPr marL="0" indent="0">
-              <a:buNone/>
-              <a:defRPr sz="2400">
+              <a:lnSpc>
+                <a:spcPct val="85000"/>
+              </a:lnSpc>
+              <a:defRPr sz="8000" b="0">
                 <a:solidFill>
                   <a:schemeClr val="tx1">
-                    <a:tint val="75000"/>
+                    <a:lumMod val="85000"/>
+                    <a:lumOff val="15000"/>
                   </a:schemeClr>
                 </a:solidFill>
               </a:defRPr>
             </a:lvl1pPr>
+          </a:lstStyle>
+          <a:p>
+            <a:r>
+              <a:rPr lang="nl-NL"/>
+              <a:t>Klik om stijl te bewerken</a:t>
+            </a:r>
+            <a:endParaRPr lang="en-US" dirty="0"/>
+          </a:p>
+        </p:txBody>
+      </p:sp>
+      <p:sp>
+        <p:nvSpPr>
+          <p:cNvPr id="3" name="Text Placeholder 2"/>
+          <p:cNvSpPr>
+            <a:spLocks noGrp="1"/>
+          </p:cNvSpPr>
+          <p:nvPr>
+            <p:ph type="body" idx="1"/>
+          </p:nvPr>
+        </p:nvSpPr>
+        <p:spPr>
+          <a:xfrm>
+            <a:off x="1097280" y="4453128"/>
+            <a:ext cx="10058400" cy="1143000"/>
+          </a:xfrm>
+        </p:spPr>
+        <p:txBody>
+          <a:bodyPr lIns="91440" rIns="91440" anchor="t" anchorCtr="0">
+            <a:normAutofit/>
+          </a:bodyPr>
+          <a:lstStyle>
+            <a:lvl1pPr marL="0" indent="0">
+              <a:buNone/>
+              <a:defRPr sz="2400" cap="all" spc="200" baseline="0">
+                <a:solidFill>
+                  <a:schemeClr val="tx2"/>
+                </a:solidFill>
+                <a:latin typeface="+mj-lt"/>
+              </a:defRPr>
+            </a:lvl1pPr>
             <a:lvl2pPr marL="457200" indent="0">
               <a:buNone/>
-              <a:defRPr sz="2000">
+              <a:defRPr sz="1800">
                 <a:solidFill>
                   <a:schemeClr val="tx1">
                     <a:tint val="75000"/>
@@ -1049,7 +1256,7 @@
             </a:lvl2pPr>
             <a:lvl3pPr marL="914400" indent="0">
               <a:buNone/>
-              <a:defRPr sz="1800">
+              <a:defRPr sz="1600">
                 <a:solidFill>
                   <a:schemeClr val="tx1">
                     <a:tint val="75000"/>
@@ -1059,7 +1266,7 @@
             </a:lvl3pPr>
             <a:lvl4pPr marL="1371600" indent="0">
               <a:buNone/>
-              <a:defRPr sz="1600">
+              <a:defRPr sz="1400">
                 <a:solidFill>
                   <a:schemeClr val="tx1">
                     <a:tint val="75000"/>
@@ -1069,7 +1276,7 @@
             </a:lvl4pPr>
             <a:lvl5pPr marL="1828800" indent="0">
               <a:buNone/>
-              <a:defRPr sz="1600">
+              <a:defRPr sz="1400">
                 <a:solidFill>
                   <a:schemeClr val="tx1">
                     <a:tint val="75000"/>
@@ -1079,7 +1286,7 @@
             </a:lvl5pPr>
             <a:lvl6pPr marL="2286000" indent="0">
               <a:buNone/>
-              <a:defRPr sz="1600">
+              <a:defRPr sz="1400">
                 <a:solidFill>
                   <a:schemeClr val="tx1">
                     <a:tint val="75000"/>
@@ -1089,7 +1296,7 @@
             </a:lvl6pPr>
             <a:lvl7pPr marL="2743200" indent="0">
               <a:buNone/>
-              <a:defRPr sz="1600">
+              <a:defRPr sz="1400">
                 <a:solidFill>
                   <a:schemeClr val="tx1">
                     <a:tint val="75000"/>
@@ -1099,7 +1306,7 @@
             </a:lvl7pPr>
             <a:lvl8pPr marL="3200400" indent="0">
               <a:buNone/>
-              <a:defRPr sz="1600">
+              <a:defRPr sz="1400">
                 <a:solidFill>
                   <a:schemeClr val="tx1">
                     <a:tint val="75000"/>
@@ -1109,7 +1316,7 @@
             </a:lvl8pPr>
             <a:lvl9pPr marL="3657600" indent="0">
               <a:buNone/>
-              <a:defRPr sz="1600">
+              <a:defRPr sz="1400">
                 <a:solidFill>
                   <a:schemeClr val="tx1">
                     <a:tint val="75000"/>
@@ -1129,13 +1336,7 @@
       </p:sp>
       <p:sp>
         <p:nvSpPr>
-          <p:cNvPr id="4" name="Tijdelijke aanduiding voor datum 3">
-            <a:extLst>
-              <a:ext uri="{FF2B5EF4-FFF2-40B4-BE49-F238E27FC236}">
-                <a16:creationId xmlns="" xmlns:a16="http://schemas.microsoft.com/office/drawing/2014/main" id="{8631F680-A0FA-4DD5-978B-B3C3DC404E65}"/>
-              </a:ext>
-            </a:extLst>
-          </p:cNvPr>
+          <p:cNvPr id="4" name="Date Placeholder 3"/>
           <p:cNvSpPr>
             <a:spLocks noGrp="1"/>
           </p:cNvSpPr>
@@ -1151,7 +1352,7 @@
             <a:fld id="{ADE4902F-FBEA-4B35-9D62-082FA2608761}" type="datetimeFigureOut">
               <a:rPr lang="nl-NL" smtClean="0"/>
               <a:pPr/>
-              <a:t>4-12-2017</a:t>
+              <a:t>5-12-2017</a:t>
             </a:fld>
             <a:endParaRPr lang="nl-NL"/>
           </a:p>
@@ -1159,13 +1360,7 @@
       </p:sp>
       <p:sp>
         <p:nvSpPr>
-          <p:cNvPr id="5" name="Tijdelijke aanduiding voor voettekst 4">
-            <a:extLst>
-              <a:ext uri="{FF2B5EF4-FFF2-40B4-BE49-F238E27FC236}">
-                <a16:creationId xmlns="" xmlns:a16="http://schemas.microsoft.com/office/drawing/2014/main" id="{7F1F8561-6E64-42ED-8CB5-A7BBAFAFCF46}"/>
-              </a:ext>
-            </a:extLst>
-          </p:cNvPr>
+          <p:cNvPr id="5" name="Footer Placeholder 4"/>
           <p:cNvSpPr>
             <a:spLocks noGrp="1"/>
           </p:cNvSpPr>
@@ -1184,13 +1379,7 @@
       </p:sp>
       <p:sp>
         <p:nvSpPr>
-          <p:cNvPr id="6" name="Tijdelijke aanduiding voor dianummer 5">
-            <a:extLst>
-              <a:ext uri="{FF2B5EF4-FFF2-40B4-BE49-F238E27FC236}">
-                <a16:creationId xmlns="" xmlns:a16="http://schemas.microsoft.com/office/drawing/2014/main" id="{BE90B6D3-0E9B-4F75-9578-944B4C631782}"/>
-              </a:ext>
-            </a:extLst>
-          </p:cNvPr>
+          <p:cNvPr id="6" name="Slide Number Placeholder 5"/>
           <p:cNvSpPr>
             <a:spLocks noGrp="1"/>
           </p:cNvSpPr>
@@ -1212,10 +1401,48 @@
           </a:p>
         </p:txBody>
       </p:sp>
+      <p:cxnSp>
+        <p:nvCxnSpPr>
+          <p:cNvPr id="9" name="Straight Connector 8"/>
+          <p:cNvCxnSpPr/>
+          <p:nvPr/>
+        </p:nvCxnSpPr>
+        <p:spPr>
+          <a:xfrm>
+            <a:off x="1207658" y="4343400"/>
+            <a:ext cx="9875520" cy="0"/>
+          </a:xfrm>
+          <a:prstGeom prst="line">
+            <a:avLst/>
+          </a:prstGeom>
+          <a:ln w="6350">
+            <a:solidFill>
+              <a:schemeClr val="tx1">
+                <a:lumMod val="50000"/>
+                <a:lumOff val="50000"/>
+              </a:schemeClr>
+            </a:solidFill>
+          </a:ln>
+        </p:spPr>
+        <p:style>
+          <a:lnRef idx="1">
+            <a:schemeClr val="accent1"/>
+          </a:lnRef>
+          <a:fillRef idx="0">
+            <a:schemeClr val="accent1"/>
+          </a:fillRef>
+          <a:effectRef idx="0">
+            <a:schemeClr val="accent1"/>
+          </a:effectRef>
+          <a:fontRef idx="minor">
+            <a:schemeClr val="tx1"/>
+          </a:fontRef>
+        </p:style>
+      </p:cxnSp>
     </p:spTree>
     <p:extLst>
       <p:ext uri="{BB962C8B-B14F-4D97-AF65-F5344CB8AC3E}">
-        <p14:creationId xmlns:p14="http://schemas.microsoft.com/office/powerpoint/2010/main" xmlns="" val="858119523"/>
+        <p14:creationId xmlns:p14="http://schemas.microsoft.com/office/powerpoint/2010/main" val="2042571025"/>
       </p:ext>
     </p:extLst>
   </p:cSld>
@@ -1244,13 +1471,7 @@
       </p:grpSpPr>
       <p:sp>
         <p:nvSpPr>
-          <p:cNvPr id="2" name="Titel 1">
-            <a:extLst>
-              <a:ext uri="{FF2B5EF4-FFF2-40B4-BE49-F238E27FC236}">
-                <a16:creationId xmlns="" xmlns:a16="http://schemas.microsoft.com/office/drawing/2014/main" id="{77E2AA73-853E-40A1-9A01-2322859C1E57}"/>
-              </a:ext>
-            </a:extLst>
-          </p:cNvPr>
+          <p:cNvPr id="8" name="Title 7"/>
           <p:cNvSpPr>
             <a:spLocks noGrp="1"/>
           </p:cNvSpPr>
@@ -1258,7 +1479,12 @@
             <p:ph type="title"/>
           </p:nvPr>
         </p:nvSpPr>
-        <p:spPr/>
+        <p:spPr>
+          <a:xfrm>
+            <a:off x="1097280" y="286603"/>
+            <a:ext cx="10058400" cy="1450757"/>
+          </a:xfrm>
+        </p:spPr>
         <p:txBody>
           <a:bodyPr/>
           <a:lstStyle/>
@@ -1267,18 +1493,13 @@
               <a:rPr lang="nl-NL"/>
               <a:t>Klik om stijl te bewerken</a:t>
             </a:r>
-          </a:p>
-        </p:txBody>
-      </p:sp>
-      <p:sp>
-        <p:nvSpPr>
-          <p:cNvPr id="3" name="Tijdelijke aanduiding voor inhoud 2">
-            <a:extLst>
-              <a:ext uri="{FF2B5EF4-FFF2-40B4-BE49-F238E27FC236}">
-                <a16:creationId xmlns="" xmlns:a16="http://schemas.microsoft.com/office/drawing/2014/main" id="{D3A30AEC-A453-4488-9ED3-1DB9B54B5E44}"/>
-              </a:ext>
-            </a:extLst>
-          </p:cNvPr>
+            <a:endParaRPr lang="en-US" dirty="0"/>
+          </a:p>
+        </p:txBody>
+      </p:sp>
+      <p:sp>
+        <p:nvSpPr>
+          <p:cNvPr id="3" name="Content Placeholder 2"/>
           <p:cNvSpPr>
             <a:spLocks noGrp="1"/>
           </p:cNvSpPr>
@@ -1288,8 +1509,8 @@
         </p:nvSpPr>
         <p:spPr>
           <a:xfrm>
-            <a:off x="838200" y="1825625"/>
-            <a:ext cx="5181600" cy="4351338"/>
+            <a:off x="1097279" y="1845734"/>
+            <a:ext cx="4937760" cy="4023360"/>
           </a:xfrm>
         </p:spPr>
         <p:txBody>
@@ -1329,18 +1550,13 @@
               <a:rPr lang="nl-NL"/>
               <a:t>Vijfde niveau</a:t>
             </a:r>
-          </a:p>
-        </p:txBody>
-      </p:sp>
-      <p:sp>
-        <p:nvSpPr>
-          <p:cNvPr id="4" name="Tijdelijke aanduiding voor inhoud 3">
-            <a:extLst>
-              <a:ext uri="{FF2B5EF4-FFF2-40B4-BE49-F238E27FC236}">
-                <a16:creationId xmlns="" xmlns:a16="http://schemas.microsoft.com/office/drawing/2014/main" id="{91D637F4-ACDA-4978-9A41-A140CB08D61A}"/>
-              </a:ext>
-            </a:extLst>
-          </p:cNvPr>
+            <a:endParaRPr lang="en-US" dirty="0"/>
+          </a:p>
+        </p:txBody>
+      </p:sp>
+      <p:sp>
+        <p:nvSpPr>
+          <p:cNvPr id="4" name="Content Placeholder 3"/>
           <p:cNvSpPr>
             <a:spLocks noGrp="1"/>
           </p:cNvSpPr>
@@ -1350,8 +1566,8 @@
         </p:nvSpPr>
         <p:spPr>
           <a:xfrm>
-            <a:off x="6172200" y="1825625"/>
-            <a:ext cx="5181600" cy="4351338"/>
+            <a:off x="6217920" y="1845735"/>
+            <a:ext cx="4937760" cy="4023360"/>
           </a:xfrm>
         </p:spPr>
         <p:txBody>
@@ -1391,18 +1607,13 @@
               <a:rPr lang="nl-NL"/>
               <a:t>Vijfde niveau</a:t>
             </a:r>
-          </a:p>
-        </p:txBody>
-      </p:sp>
-      <p:sp>
-        <p:nvSpPr>
-          <p:cNvPr id="5" name="Tijdelijke aanduiding voor datum 4">
-            <a:extLst>
-              <a:ext uri="{FF2B5EF4-FFF2-40B4-BE49-F238E27FC236}">
-                <a16:creationId xmlns="" xmlns:a16="http://schemas.microsoft.com/office/drawing/2014/main" id="{837E7DD3-15C8-411D-B870-A08B6F78EE10}"/>
-              </a:ext>
-            </a:extLst>
-          </p:cNvPr>
+            <a:endParaRPr lang="en-US" dirty="0"/>
+          </a:p>
+        </p:txBody>
+      </p:sp>
+      <p:sp>
+        <p:nvSpPr>
+          <p:cNvPr id="5" name="Date Placeholder 4"/>
           <p:cNvSpPr>
             <a:spLocks noGrp="1"/>
           </p:cNvSpPr>
@@ -1418,7 +1629,7 @@
             <a:fld id="{ADE4902F-FBEA-4B35-9D62-082FA2608761}" type="datetimeFigureOut">
               <a:rPr lang="nl-NL" smtClean="0"/>
               <a:pPr/>
-              <a:t>4-12-2017</a:t>
+              <a:t>5-12-2017</a:t>
             </a:fld>
             <a:endParaRPr lang="nl-NL"/>
           </a:p>
@@ -1426,13 +1637,7 @@
       </p:sp>
       <p:sp>
         <p:nvSpPr>
-          <p:cNvPr id="6" name="Tijdelijke aanduiding voor voettekst 5">
-            <a:extLst>
-              <a:ext uri="{FF2B5EF4-FFF2-40B4-BE49-F238E27FC236}">
-                <a16:creationId xmlns="" xmlns:a16="http://schemas.microsoft.com/office/drawing/2014/main" id="{D36B0671-9A72-41D6-8923-9F431EE758F9}"/>
-              </a:ext>
-            </a:extLst>
-          </p:cNvPr>
+          <p:cNvPr id="6" name="Footer Placeholder 5"/>
           <p:cNvSpPr>
             <a:spLocks noGrp="1"/>
           </p:cNvSpPr>
@@ -1451,13 +1656,7 @@
       </p:sp>
       <p:sp>
         <p:nvSpPr>
-          <p:cNvPr id="7" name="Tijdelijke aanduiding voor dianummer 6">
-            <a:extLst>
-              <a:ext uri="{FF2B5EF4-FFF2-40B4-BE49-F238E27FC236}">
-                <a16:creationId xmlns="" xmlns:a16="http://schemas.microsoft.com/office/drawing/2014/main" id="{6E5DC6FE-5C44-4203-861C-9534D89659E0}"/>
-              </a:ext>
-            </a:extLst>
-          </p:cNvPr>
+          <p:cNvPr id="7" name="Slide Number Placeholder 6"/>
           <p:cNvSpPr>
             <a:spLocks noGrp="1"/>
           </p:cNvSpPr>
@@ -1482,7 +1681,7 @@
     </p:spTree>
     <p:extLst>
       <p:ext uri="{BB962C8B-B14F-4D97-AF65-F5344CB8AC3E}">
-        <p14:creationId xmlns:p14="http://schemas.microsoft.com/office/powerpoint/2010/main" xmlns="" val="816816862"/>
+        <p14:creationId xmlns:p14="http://schemas.microsoft.com/office/powerpoint/2010/main" val="179011464"/>
       </p:ext>
     </p:extLst>
   </p:cSld>
@@ -1511,13 +1710,7 @@
       </p:grpSpPr>
       <p:sp>
         <p:nvSpPr>
-          <p:cNvPr id="2" name="Titel 1">
-            <a:extLst>
-              <a:ext uri="{FF2B5EF4-FFF2-40B4-BE49-F238E27FC236}">
-                <a16:creationId xmlns="" xmlns:a16="http://schemas.microsoft.com/office/drawing/2014/main" id="{D297AAFE-77DE-432B-BAB4-CD6F190E343C}"/>
-              </a:ext>
-            </a:extLst>
-          </p:cNvPr>
+          <p:cNvPr id="10" name="Title 9"/>
           <p:cNvSpPr>
             <a:spLocks noGrp="1"/>
           </p:cNvSpPr>
@@ -1527,8 +1720,8 @@
         </p:nvSpPr>
         <p:spPr>
           <a:xfrm>
-            <a:off x="839788" y="365125"/>
-            <a:ext cx="10515600" cy="1325563"/>
+            <a:off x="1097280" y="286603"/>
+            <a:ext cx="10058400" cy="1450757"/>
           </a:xfrm>
         </p:spPr>
         <p:txBody>
@@ -1539,18 +1732,13 @@
               <a:rPr lang="nl-NL"/>
               <a:t>Klik om stijl te bewerken</a:t>
             </a:r>
-          </a:p>
-        </p:txBody>
-      </p:sp>
-      <p:sp>
-        <p:nvSpPr>
-          <p:cNvPr id="3" name="Tijdelijke aanduiding voor tekst 2">
-            <a:extLst>
-              <a:ext uri="{FF2B5EF4-FFF2-40B4-BE49-F238E27FC236}">
-                <a16:creationId xmlns="" xmlns:a16="http://schemas.microsoft.com/office/drawing/2014/main" id="{FFEE2ED6-653E-4421-8218-E2C38C76B28B}"/>
-              </a:ext>
-            </a:extLst>
-          </p:cNvPr>
+            <a:endParaRPr lang="en-US" dirty="0"/>
+          </a:p>
+        </p:txBody>
+      </p:sp>
+      <p:sp>
+        <p:nvSpPr>
+          <p:cNvPr id="3" name="Text Placeholder 2"/>
           <p:cNvSpPr>
             <a:spLocks noGrp="1"/>
           </p:cNvSpPr>
@@ -1560,16 +1748,22 @@
         </p:nvSpPr>
         <p:spPr>
           <a:xfrm>
-            <a:off x="839788" y="1681163"/>
-            <a:ext cx="5157787" cy="823912"/>
-          </a:xfrm>
-        </p:spPr>
-        <p:txBody>
-          <a:bodyPr anchor="b"/>
+            <a:off x="1097280" y="1846052"/>
+            <a:ext cx="4937760" cy="736282"/>
+          </a:xfrm>
+        </p:spPr>
+        <p:txBody>
+          <a:bodyPr lIns="91440" rIns="91440" anchor="ctr">
+            <a:normAutofit/>
+          </a:bodyPr>
           <a:lstStyle>
             <a:lvl1pPr marL="0" indent="0">
               <a:buNone/>
-              <a:defRPr sz="2400" b="1"/>
+              <a:defRPr sz="2000" b="0" cap="all" baseline="0">
+                <a:solidFill>
+                  <a:schemeClr val="tx2"/>
+                </a:solidFill>
+              </a:defRPr>
             </a:lvl1pPr>
             <a:lvl2pPr marL="457200" indent="0">
               <a:buNone/>
@@ -1615,13 +1809,7 @@
       </p:sp>
       <p:sp>
         <p:nvSpPr>
-          <p:cNvPr id="4" name="Tijdelijke aanduiding voor inhoud 3">
-            <a:extLst>
-              <a:ext uri="{FF2B5EF4-FFF2-40B4-BE49-F238E27FC236}">
-                <a16:creationId xmlns="" xmlns:a16="http://schemas.microsoft.com/office/drawing/2014/main" id="{DC218CE1-911A-4429-A641-56511F94AE34}"/>
-              </a:ext>
-            </a:extLst>
-          </p:cNvPr>
+          <p:cNvPr id="4" name="Content Placeholder 3"/>
           <p:cNvSpPr>
             <a:spLocks noGrp="1"/>
           </p:cNvSpPr>
@@ -1631,8 +1819,8 @@
         </p:nvSpPr>
         <p:spPr>
           <a:xfrm>
-            <a:off x="839788" y="2505075"/>
-            <a:ext cx="5157787" cy="3684588"/>
+            <a:off x="1097280" y="2582334"/>
+            <a:ext cx="4937760" cy="3378200"/>
           </a:xfrm>
         </p:spPr>
         <p:txBody>
@@ -1672,18 +1860,13 @@
               <a:rPr lang="nl-NL"/>
               <a:t>Vijfde niveau</a:t>
             </a:r>
-          </a:p>
-        </p:txBody>
-      </p:sp>
-      <p:sp>
-        <p:nvSpPr>
-          <p:cNvPr id="5" name="Tijdelijke aanduiding voor tekst 4">
-            <a:extLst>
-              <a:ext uri="{FF2B5EF4-FFF2-40B4-BE49-F238E27FC236}">
-                <a16:creationId xmlns="" xmlns:a16="http://schemas.microsoft.com/office/drawing/2014/main" id="{719A6713-F0E0-40AB-A59E-49F09878FEB6}"/>
-              </a:ext>
-            </a:extLst>
-          </p:cNvPr>
+            <a:endParaRPr lang="en-US" dirty="0"/>
+          </a:p>
+        </p:txBody>
+      </p:sp>
+      <p:sp>
+        <p:nvSpPr>
+          <p:cNvPr id="5" name="Text Placeholder 4"/>
           <p:cNvSpPr>
             <a:spLocks noGrp="1"/>
           </p:cNvSpPr>
@@ -1693,16 +1876,22 @@
         </p:nvSpPr>
         <p:spPr>
           <a:xfrm>
-            <a:off x="6172200" y="1681163"/>
-            <a:ext cx="5183188" cy="823912"/>
-          </a:xfrm>
-        </p:spPr>
-        <p:txBody>
-          <a:bodyPr anchor="b"/>
+            <a:off x="6217920" y="1846052"/>
+            <a:ext cx="4937760" cy="736282"/>
+          </a:xfrm>
+        </p:spPr>
+        <p:txBody>
+          <a:bodyPr lIns="91440" rIns="91440" anchor="ctr">
+            <a:normAutofit/>
+          </a:bodyPr>
           <a:lstStyle>
             <a:lvl1pPr marL="0" indent="0">
               <a:buNone/>
-              <a:defRPr sz="2400" b="1"/>
+              <a:defRPr sz="2000" b="0" cap="all" baseline="0">
+                <a:solidFill>
+                  <a:schemeClr val="tx2"/>
+                </a:solidFill>
+              </a:defRPr>
             </a:lvl1pPr>
             <a:lvl2pPr marL="457200" indent="0">
               <a:buNone/>
@@ -1748,13 +1937,7 @@
       </p:sp>
       <p:sp>
         <p:nvSpPr>
-          <p:cNvPr id="6" name="Tijdelijke aanduiding voor inhoud 5">
-            <a:extLst>
-              <a:ext uri="{FF2B5EF4-FFF2-40B4-BE49-F238E27FC236}">
-                <a16:creationId xmlns="" xmlns:a16="http://schemas.microsoft.com/office/drawing/2014/main" id="{C920DA29-52C0-41C1-B347-90F2C9400F3E}"/>
-              </a:ext>
-            </a:extLst>
-          </p:cNvPr>
+          <p:cNvPr id="6" name="Content Placeholder 5"/>
           <p:cNvSpPr>
             <a:spLocks noGrp="1"/>
           </p:cNvSpPr>
@@ -1764,8 +1947,8 @@
         </p:nvSpPr>
         <p:spPr>
           <a:xfrm>
-            <a:off x="6172200" y="2505075"/>
-            <a:ext cx="5183188" cy="3684588"/>
+            <a:off x="6217920" y="2582334"/>
+            <a:ext cx="4937760" cy="3378200"/>
           </a:xfrm>
         </p:spPr>
         <p:txBody>
@@ -1805,18 +1988,13 @@
               <a:rPr lang="nl-NL"/>
               <a:t>Vijfde niveau</a:t>
             </a:r>
-          </a:p>
-        </p:txBody>
-      </p:sp>
-      <p:sp>
-        <p:nvSpPr>
-          <p:cNvPr id="7" name="Tijdelijke aanduiding voor datum 6">
-            <a:extLst>
-              <a:ext uri="{FF2B5EF4-FFF2-40B4-BE49-F238E27FC236}">
-                <a16:creationId xmlns="" xmlns:a16="http://schemas.microsoft.com/office/drawing/2014/main" id="{8C0EFFE8-712A-45F8-8E44-FFE8CF661B83}"/>
-              </a:ext>
-            </a:extLst>
-          </p:cNvPr>
+            <a:endParaRPr lang="en-US" dirty="0"/>
+          </a:p>
+        </p:txBody>
+      </p:sp>
+      <p:sp>
+        <p:nvSpPr>
+          <p:cNvPr id="7" name="Date Placeholder 6"/>
           <p:cNvSpPr>
             <a:spLocks noGrp="1"/>
           </p:cNvSpPr>
@@ -1832,7 +2010,7 @@
             <a:fld id="{ADE4902F-FBEA-4B35-9D62-082FA2608761}" type="datetimeFigureOut">
               <a:rPr lang="nl-NL" smtClean="0"/>
               <a:pPr/>
-              <a:t>4-12-2017</a:t>
+              <a:t>5-12-2017</a:t>
             </a:fld>
             <a:endParaRPr lang="nl-NL"/>
           </a:p>
@@ -1840,13 +2018,7 @@
       </p:sp>
       <p:sp>
         <p:nvSpPr>
-          <p:cNvPr id="8" name="Tijdelijke aanduiding voor voettekst 7">
-            <a:extLst>
-              <a:ext uri="{FF2B5EF4-FFF2-40B4-BE49-F238E27FC236}">
-                <a16:creationId xmlns="" xmlns:a16="http://schemas.microsoft.com/office/drawing/2014/main" id="{707393AF-B4A9-4351-A40F-50118C94FFB4}"/>
-              </a:ext>
-            </a:extLst>
-          </p:cNvPr>
+          <p:cNvPr id="8" name="Footer Placeholder 7"/>
           <p:cNvSpPr>
             <a:spLocks noGrp="1"/>
           </p:cNvSpPr>
@@ -1865,13 +2037,7 @@
       </p:sp>
       <p:sp>
         <p:nvSpPr>
-          <p:cNvPr id="9" name="Tijdelijke aanduiding voor dianummer 8">
-            <a:extLst>
-              <a:ext uri="{FF2B5EF4-FFF2-40B4-BE49-F238E27FC236}">
-                <a16:creationId xmlns="" xmlns:a16="http://schemas.microsoft.com/office/drawing/2014/main" id="{AD5B9F79-2771-46B0-A531-43CC4F757865}"/>
-              </a:ext>
-            </a:extLst>
-          </p:cNvPr>
+          <p:cNvPr id="9" name="Slide Number Placeholder 8"/>
           <p:cNvSpPr>
             <a:spLocks noGrp="1"/>
           </p:cNvSpPr>
@@ -1896,7 +2062,7 @@
     </p:spTree>
     <p:extLst>
       <p:ext uri="{BB962C8B-B14F-4D97-AF65-F5344CB8AC3E}">
-        <p14:creationId xmlns:p14="http://schemas.microsoft.com/office/powerpoint/2010/main" xmlns="" val="1099906094"/>
+        <p14:creationId xmlns:p14="http://schemas.microsoft.com/office/powerpoint/2010/main" val="1688827915"/>
       </p:ext>
     </p:extLst>
   </p:cSld>
@@ -1925,13 +2091,7 @@
       </p:grpSpPr>
       <p:sp>
         <p:nvSpPr>
-          <p:cNvPr id="2" name="Titel 1">
-            <a:extLst>
-              <a:ext uri="{FF2B5EF4-FFF2-40B4-BE49-F238E27FC236}">
-                <a16:creationId xmlns="" xmlns:a16="http://schemas.microsoft.com/office/drawing/2014/main" id="{4E7337EC-1907-4F37-99F3-901F3BE41D1F}"/>
-              </a:ext>
-            </a:extLst>
-          </p:cNvPr>
+          <p:cNvPr id="2" name="Title 1"/>
           <p:cNvSpPr>
             <a:spLocks noGrp="1"/>
           </p:cNvSpPr>
@@ -1948,18 +2108,13 @@
               <a:rPr lang="nl-NL"/>
               <a:t>Klik om stijl te bewerken</a:t>
             </a:r>
-          </a:p>
-        </p:txBody>
-      </p:sp>
-      <p:sp>
-        <p:nvSpPr>
-          <p:cNvPr id="3" name="Tijdelijke aanduiding voor datum 2">
-            <a:extLst>
-              <a:ext uri="{FF2B5EF4-FFF2-40B4-BE49-F238E27FC236}">
-                <a16:creationId xmlns="" xmlns:a16="http://schemas.microsoft.com/office/drawing/2014/main" id="{0D2E5F80-FF84-4F1C-92AC-EB22C4EFDEB3}"/>
-              </a:ext>
-            </a:extLst>
-          </p:cNvPr>
+            <a:endParaRPr lang="en-US" dirty="0"/>
+          </a:p>
+        </p:txBody>
+      </p:sp>
+      <p:sp>
+        <p:nvSpPr>
+          <p:cNvPr id="3" name="Date Placeholder 2"/>
           <p:cNvSpPr>
             <a:spLocks noGrp="1"/>
           </p:cNvSpPr>
@@ -1975,7 +2130,7 @@
             <a:fld id="{ADE4902F-FBEA-4B35-9D62-082FA2608761}" type="datetimeFigureOut">
               <a:rPr lang="nl-NL" smtClean="0"/>
               <a:pPr/>
-              <a:t>4-12-2017</a:t>
+              <a:t>5-12-2017</a:t>
             </a:fld>
             <a:endParaRPr lang="nl-NL"/>
           </a:p>
@@ -1983,13 +2138,7 @@
       </p:sp>
       <p:sp>
         <p:nvSpPr>
-          <p:cNvPr id="4" name="Tijdelijke aanduiding voor voettekst 3">
-            <a:extLst>
-              <a:ext uri="{FF2B5EF4-FFF2-40B4-BE49-F238E27FC236}">
-                <a16:creationId xmlns="" xmlns:a16="http://schemas.microsoft.com/office/drawing/2014/main" id="{2D45D3C0-7BB6-4031-A805-56B2513F42F3}"/>
-              </a:ext>
-            </a:extLst>
-          </p:cNvPr>
+          <p:cNvPr id="4" name="Footer Placeholder 3"/>
           <p:cNvSpPr>
             <a:spLocks noGrp="1"/>
           </p:cNvSpPr>
@@ -2008,13 +2157,7 @@
       </p:sp>
       <p:sp>
         <p:nvSpPr>
-          <p:cNvPr id="5" name="Tijdelijke aanduiding voor dianummer 4">
-            <a:extLst>
-              <a:ext uri="{FF2B5EF4-FFF2-40B4-BE49-F238E27FC236}">
-                <a16:creationId xmlns="" xmlns:a16="http://schemas.microsoft.com/office/drawing/2014/main" id="{DA2BE903-22BF-4CEF-88FD-933D2CAFCA57}"/>
-              </a:ext>
-            </a:extLst>
-          </p:cNvPr>
+          <p:cNvPr id="5" name="Slide Number Placeholder 4"/>
           <p:cNvSpPr>
             <a:spLocks noGrp="1"/>
           </p:cNvSpPr>
@@ -2039,7 +2182,7 @@
     </p:spTree>
     <p:extLst>
       <p:ext uri="{BB962C8B-B14F-4D97-AF65-F5344CB8AC3E}">
-        <p14:creationId xmlns:p14="http://schemas.microsoft.com/office/powerpoint/2010/main" xmlns="" val="1053118753"/>
+        <p14:creationId xmlns:p14="http://schemas.microsoft.com/office/powerpoint/2010/main" val="108174459"/>
       </p:ext>
     </p:extLst>
   </p:cSld>
@@ -2050,7 +2193,7 @@
 </file>
 
 <file path=ppt/slideLayouts/slideLayout7.xml><?xml version="1.0" encoding="utf-8"?>
-<p:sldLayout xmlns:a="http://schemas.openxmlformats.org/drawingml/2006/main" xmlns:r="http://schemas.openxmlformats.org/officeDocument/2006/relationships" xmlns:p="http://schemas.openxmlformats.org/presentationml/2006/main" type="blank" preserve="1">
+<p:sldLayout xmlns:a="http://schemas.openxmlformats.org/drawingml/2006/main" xmlns:r="http://schemas.openxmlformats.org/officeDocument/2006/relationships" xmlns:p="http://schemas.openxmlformats.org/presentationml/2006/main" showMasterSp="0" type="blank" preserve="1">
   <p:cSld name="Leeg">
     <p:spTree>
       <p:nvGrpSpPr>
@@ -2068,13 +2211,83 @@
       </p:grpSpPr>
       <p:sp>
         <p:nvSpPr>
-          <p:cNvPr id="2" name="Tijdelijke aanduiding voor datum 1">
-            <a:extLst>
-              <a:ext uri="{FF2B5EF4-FFF2-40B4-BE49-F238E27FC236}">
-                <a16:creationId xmlns="" xmlns:a16="http://schemas.microsoft.com/office/drawing/2014/main" id="{6FCDA235-3242-403B-A485-36B7AD8E1C39}"/>
-              </a:ext>
-            </a:extLst>
-          </p:cNvPr>
+          <p:cNvPr id="5" name="Rectangle 4"/>
+          <p:cNvSpPr/>
+          <p:nvPr/>
+        </p:nvSpPr>
+        <p:spPr>
+          <a:xfrm>
+            <a:off x="3175" y="6400800"/>
+            <a:ext cx="12188825" cy="457200"/>
+          </a:xfrm>
+          <a:prstGeom prst="rect">
+            <a:avLst/>
+          </a:prstGeom>
+          <a:solidFill>
+            <a:schemeClr val="accent2"/>
+          </a:solidFill>
+          <a:ln>
+            <a:noFill/>
+          </a:ln>
+        </p:spPr>
+        <p:style>
+          <a:lnRef idx="2">
+            <a:schemeClr val="accent1">
+              <a:shade val="50000"/>
+            </a:schemeClr>
+          </a:lnRef>
+          <a:fillRef idx="1">
+            <a:schemeClr val="accent1"/>
+          </a:fillRef>
+          <a:effectRef idx="0">
+            <a:schemeClr val="accent1"/>
+          </a:effectRef>
+          <a:fontRef idx="minor">
+            <a:schemeClr val="lt1"/>
+          </a:fontRef>
+        </p:style>
+      </p:sp>
+      <p:sp>
+        <p:nvSpPr>
+          <p:cNvPr id="6" name="Rectangle 5"/>
+          <p:cNvSpPr/>
+          <p:nvPr/>
+        </p:nvSpPr>
+        <p:spPr>
+          <a:xfrm>
+            <a:off x="15" y="6334316"/>
+            <a:ext cx="12188825" cy="64008"/>
+          </a:xfrm>
+          <a:prstGeom prst="rect">
+            <a:avLst/>
+          </a:prstGeom>
+          <a:solidFill>
+            <a:schemeClr val="accent1"/>
+          </a:solidFill>
+          <a:ln>
+            <a:noFill/>
+          </a:ln>
+        </p:spPr>
+        <p:style>
+          <a:lnRef idx="2">
+            <a:schemeClr val="accent1">
+              <a:shade val="50000"/>
+            </a:schemeClr>
+          </a:lnRef>
+          <a:fillRef idx="1">
+            <a:schemeClr val="accent1"/>
+          </a:fillRef>
+          <a:effectRef idx="0">
+            <a:schemeClr val="accent1"/>
+          </a:effectRef>
+          <a:fontRef idx="minor">
+            <a:schemeClr val="lt1"/>
+          </a:fontRef>
+        </p:style>
+      </p:sp>
+      <p:sp>
+        <p:nvSpPr>
+          <p:cNvPr id="7" name="Date Placeholder 6"/>
           <p:cNvSpPr>
             <a:spLocks noGrp="1"/>
           </p:cNvSpPr>
@@ -2090,7 +2303,7 @@
             <a:fld id="{ADE4902F-FBEA-4B35-9D62-082FA2608761}" type="datetimeFigureOut">
               <a:rPr lang="nl-NL" smtClean="0"/>
               <a:pPr/>
-              <a:t>4-12-2017</a:t>
+              <a:t>5-12-2017</a:t>
             </a:fld>
             <a:endParaRPr lang="nl-NL"/>
           </a:p>
@@ -2098,13 +2311,7 @@
       </p:sp>
       <p:sp>
         <p:nvSpPr>
-          <p:cNvPr id="3" name="Tijdelijke aanduiding voor voettekst 2">
-            <a:extLst>
-              <a:ext uri="{FF2B5EF4-FFF2-40B4-BE49-F238E27FC236}">
-                <a16:creationId xmlns="" xmlns:a16="http://schemas.microsoft.com/office/drawing/2014/main" id="{A75D1976-1CB9-48E7-9C11-87960D6E632C}"/>
-              </a:ext>
-            </a:extLst>
-          </p:cNvPr>
+          <p:cNvPr id="8" name="Footer Placeholder 7"/>
           <p:cNvSpPr>
             <a:spLocks noGrp="1"/>
           </p:cNvSpPr>
@@ -2115,7 +2322,15 @@
         <p:spPr/>
         <p:txBody>
           <a:bodyPr/>
-          <a:lstStyle/>
+          <a:lstStyle>
+            <a:lvl1pPr>
+              <a:defRPr>
+                <a:solidFill>
+                  <a:srgbClr val="FFFFFF"/>
+                </a:solidFill>
+              </a:defRPr>
+            </a:lvl1pPr>
+          </a:lstStyle>
           <a:p>
             <a:endParaRPr lang="nl-NL"/>
           </a:p>
@@ -2123,13 +2338,7 @@
       </p:sp>
       <p:sp>
         <p:nvSpPr>
-          <p:cNvPr id="4" name="Tijdelijke aanduiding voor dianummer 3">
-            <a:extLst>
-              <a:ext uri="{FF2B5EF4-FFF2-40B4-BE49-F238E27FC236}">
-                <a16:creationId xmlns="" xmlns:a16="http://schemas.microsoft.com/office/drawing/2014/main" id="{134A5D73-9591-4C49-92DA-172564BBF62F}"/>
-              </a:ext>
-            </a:extLst>
-          </p:cNvPr>
+          <p:cNvPr id="9" name="Slide Number Placeholder 8"/>
           <p:cNvSpPr>
             <a:spLocks noGrp="1"/>
           </p:cNvSpPr>
@@ -2154,7 +2363,7 @@
     </p:spTree>
     <p:extLst>
       <p:ext uri="{BB962C8B-B14F-4D97-AF65-F5344CB8AC3E}">
-        <p14:creationId xmlns:p14="http://schemas.microsoft.com/office/powerpoint/2010/main" xmlns="" val="593443286"/>
+        <p14:creationId xmlns:p14="http://schemas.microsoft.com/office/powerpoint/2010/main" val="1412908718"/>
       </p:ext>
     </p:extLst>
   </p:cSld>
@@ -2165,7 +2374,7 @@
 </file>
 
 <file path=ppt/slideLayouts/slideLayout8.xml><?xml version="1.0" encoding="utf-8"?>
-<p:sldLayout xmlns:a="http://schemas.openxmlformats.org/drawingml/2006/main" xmlns:r="http://schemas.openxmlformats.org/officeDocument/2006/relationships" xmlns:p="http://schemas.openxmlformats.org/presentationml/2006/main" type="objTx" preserve="1">
+<p:sldLayout xmlns:a="http://schemas.openxmlformats.org/drawingml/2006/main" xmlns:r="http://schemas.openxmlformats.org/officeDocument/2006/relationships" xmlns:p="http://schemas.openxmlformats.org/presentationml/2006/main" showMasterSp="0" type="objTx" preserve="1">
   <p:cSld name="Inhoud met bijschrift">
     <p:spTree>
       <p:nvGrpSpPr>
@@ -2183,13 +2392,83 @@
       </p:grpSpPr>
       <p:sp>
         <p:nvSpPr>
-          <p:cNvPr id="2" name="Titel 1">
-            <a:extLst>
-              <a:ext uri="{FF2B5EF4-FFF2-40B4-BE49-F238E27FC236}">
-                <a16:creationId xmlns="" xmlns:a16="http://schemas.microsoft.com/office/drawing/2014/main" id="{7CF9EBF2-9E8A-476C-BC8A-02CD44989AD9}"/>
-              </a:ext>
-            </a:extLst>
-          </p:cNvPr>
+          <p:cNvPr id="8" name="Rectangle 7"/>
+          <p:cNvSpPr/>
+          <p:nvPr/>
+        </p:nvSpPr>
+        <p:spPr>
+          <a:xfrm>
+            <a:off x="16" y="0"/>
+            <a:ext cx="4050791" cy="6858000"/>
+          </a:xfrm>
+          <a:prstGeom prst="rect">
+            <a:avLst/>
+          </a:prstGeom>
+          <a:solidFill>
+            <a:schemeClr val="accent2"/>
+          </a:solidFill>
+          <a:ln>
+            <a:noFill/>
+          </a:ln>
+        </p:spPr>
+        <p:style>
+          <a:lnRef idx="2">
+            <a:schemeClr val="accent1">
+              <a:shade val="50000"/>
+            </a:schemeClr>
+          </a:lnRef>
+          <a:fillRef idx="1">
+            <a:schemeClr val="accent1"/>
+          </a:fillRef>
+          <a:effectRef idx="0">
+            <a:schemeClr val="accent1"/>
+          </a:effectRef>
+          <a:fontRef idx="minor">
+            <a:schemeClr val="lt1"/>
+          </a:fontRef>
+        </p:style>
+      </p:sp>
+      <p:sp>
+        <p:nvSpPr>
+          <p:cNvPr id="9" name="Rectangle 8"/>
+          <p:cNvSpPr/>
+          <p:nvPr/>
+        </p:nvSpPr>
+        <p:spPr>
+          <a:xfrm>
+            <a:off x="4040071" y="0"/>
+            <a:ext cx="64008" cy="6858000"/>
+          </a:xfrm>
+          <a:prstGeom prst="rect">
+            <a:avLst/>
+          </a:prstGeom>
+          <a:solidFill>
+            <a:schemeClr val="accent1"/>
+          </a:solidFill>
+          <a:ln>
+            <a:noFill/>
+          </a:ln>
+        </p:spPr>
+        <p:style>
+          <a:lnRef idx="2">
+            <a:schemeClr val="accent1">
+              <a:shade val="50000"/>
+            </a:schemeClr>
+          </a:lnRef>
+          <a:fillRef idx="1">
+            <a:schemeClr val="accent1"/>
+          </a:fillRef>
+          <a:effectRef idx="0">
+            <a:schemeClr val="accent1"/>
+          </a:effectRef>
+          <a:fontRef idx="minor">
+            <a:schemeClr val="lt1"/>
+          </a:fontRef>
+        </p:style>
+      </p:sp>
+      <p:sp>
+        <p:nvSpPr>
+          <p:cNvPr id="2" name="Title 1"/>
           <p:cNvSpPr>
             <a:spLocks noGrp="1"/>
           </p:cNvSpPr>
@@ -2199,15 +2478,21 @@
         </p:nvSpPr>
         <p:spPr>
           <a:xfrm>
-            <a:off x="839788" y="457200"/>
-            <a:ext cx="3932237" cy="1600200"/>
-          </a:xfrm>
-        </p:spPr>
-        <p:txBody>
-          <a:bodyPr anchor="b"/>
+            <a:off x="457200" y="594359"/>
+            <a:ext cx="3200400" cy="2286000"/>
+          </a:xfrm>
+        </p:spPr>
+        <p:txBody>
+          <a:bodyPr anchor="b">
+            <a:normAutofit/>
+          </a:bodyPr>
           <a:lstStyle>
             <a:lvl1pPr>
-              <a:defRPr sz="3200"/>
+              <a:defRPr sz="3600" b="0">
+                <a:solidFill>
+                  <a:srgbClr val="FFFFFF"/>
+                </a:solidFill>
+              </a:defRPr>
             </a:lvl1pPr>
           </a:lstStyle>
           <a:p>
@@ -2215,18 +2500,13 @@
               <a:rPr lang="nl-NL"/>
               <a:t>Klik om stijl te bewerken</a:t>
             </a:r>
-          </a:p>
-        </p:txBody>
-      </p:sp>
-      <p:sp>
-        <p:nvSpPr>
-          <p:cNvPr id="3" name="Tijdelijke aanduiding voor inhoud 2">
-            <a:extLst>
-              <a:ext uri="{FF2B5EF4-FFF2-40B4-BE49-F238E27FC236}">
-                <a16:creationId xmlns="" xmlns:a16="http://schemas.microsoft.com/office/drawing/2014/main" id="{081F15E5-A94C-4A05-918B-AC99C8EA0CB7}"/>
-              </a:ext>
-            </a:extLst>
-          </p:cNvPr>
+            <a:endParaRPr lang="en-US" dirty="0"/>
+          </a:p>
+        </p:txBody>
+      </p:sp>
+      <p:sp>
+        <p:nvSpPr>
+          <p:cNvPr id="3" name="Content Placeholder 2"/>
           <p:cNvSpPr>
             <a:spLocks noGrp="1"/>
           </p:cNvSpPr>
@@ -2236,39 +2516,111 @@
         </p:nvSpPr>
         <p:spPr>
           <a:xfrm>
-            <a:off x="5183188" y="987425"/>
-            <a:ext cx="6172200" cy="4873625"/>
-          </a:xfrm>
-        </p:spPr>
-        <p:txBody>
-          <a:bodyPr/>
+            <a:off x="4800600" y="731520"/>
+            <a:ext cx="6492240" cy="5257800"/>
+          </a:xfrm>
+        </p:spPr>
+        <p:txBody>
+          <a:bodyPr/>
+          <a:lstStyle/>
+          <a:p>
+            <a:pPr lvl="0"/>
+            <a:r>
+              <a:rPr lang="nl-NL"/>
+              <a:t>Tekststijl van het model bewerken</a:t>
+            </a:r>
+          </a:p>
+          <a:p>
+            <a:pPr lvl="1"/>
+            <a:r>
+              <a:rPr lang="nl-NL"/>
+              <a:t>Tweede niveau</a:t>
+            </a:r>
+          </a:p>
+          <a:p>
+            <a:pPr lvl="2"/>
+            <a:r>
+              <a:rPr lang="nl-NL"/>
+              <a:t>Derde niveau</a:t>
+            </a:r>
+          </a:p>
+          <a:p>
+            <a:pPr lvl="3"/>
+            <a:r>
+              <a:rPr lang="nl-NL"/>
+              <a:t>Vierde niveau</a:t>
+            </a:r>
+          </a:p>
+          <a:p>
+            <a:pPr lvl="4"/>
+            <a:r>
+              <a:rPr lang="nl-NL"/>
+              <a:t>Vijfde niveau</a:t>
+            </a:r>
+            <a:endParaRPr lang="en-US" dirty="0"/>
+          </a:p>
+        </p:txBody>
+      </p:sp>
+      <p:sp>
+        <p:nvSpPr>
+          <p:cNvPr id="4" name="Text Placeholder 3"/>
+          <p:cNvSpPr>
+            <a:spLocks noGrp="1"/>
+          </p:cNvSpPr>
+          <p:nvPr>
+            <p:ph type="body" sz="half" idx="2"/>
+          </p:nvPr>
+        </p:nvSpPr>
+        <p:spPr>
+          <a:xfrm>
+            <a:off x="457200" y="2926080"/>
+            <a:ext cx="3200400" cy="3379124"/>
+          </a:xfrm>
+        </p:spPr>
+        <p:txBody>
+          <a:bodyPr lIns="91440" rIns="91440">
+            <a:normAutofit/>
+          </a:bodyPr>
           <a:lstStyle>
-            <a:lvl1pPr>
-              <a:defRPr sz="3200"/>
+            <a:lvl1pPr marL="0" indent="0">
+              <a:buNone/>
+              <a:defRPr sz="1500">
+                <a:solidFill>
+                  <a:srgbClr val="FFFFFF"/>
+                </a:solidFill>
+              </a:defRPr>
             </a:lvl1pPr>
-            <a:lvl2pPr>
-              <a:defRPr sz="2800"/>
+            <a:lvl2pPr marL="457200" indent="0">
+              <a:buNone/>
+              <a:defRPr sz="1200"/>
             </a:lvl2pPr>
-            <a:lvl3pPr>
-              <a:defRPr sz="2400"/>
+            <a:lvl3pPr marL="914400" indent="0">
+              <a:buNone/>
+              <a:defRPr sz="1000"/>
             </a:lvl3pPr>
-            <a:lvl4pPr>
-              <a:defRPr sz="2000"/>
+            <a:lvl4pPr marL="1371600" indent="0">
+              <a:buNone/>
+              <a:defRPr sz="900"/>
             </a:lvl4pPr>
-            <a:lvl5pPr>
-              <a:defRPr sz="2000"/>
+            <a:lvl5pPr marL="1828800" indent="0">
+              <a:buNone/>
+              <a:defRPr sz="900"/>
             </a:lvl5pPr>
-            <a:lvl6pPr>
-              <a:defRPr sz="2000"/>
+            <a:lvl6pPr marL="2286000" indent="0">
+              <a:buNone/>
+              <a:defRPr sz="900"/>
             </a:lvl6pPr>
-            <a:lvl7pPr>
-              <a:defRPr sz="2000"/>
+            <a:lvl7pPr marL="2743200" indent="0">
+              <a:buNone/>
+              <a:defRPr sz="900"/>
             </a:lvl7pPr>
-            <a:lvl8pPr>
-              <a:defRPr sz="2000"/>
+            <a:lvl8pPr marL="3200400" indent="0">
+              <a:buNone/>
+              <a:defRPr sz="900"/>
             </a:lvl8pPr>
-            <a:lvl9pPr>
-              <a:defRPr sz="2000"/>
+            <a:lvl9pPr marL="3657600" indent="0">
+              <a:buNone/>
+              <a:defRPr sz="900"/>
             </a:lvl9pPr>
           </a:lstStyle>
           <a:p>
@@ -2278,132 +2630,36 @@
               <a:t>Tekststijl van het model bewerken</a:t>
             </a:r>
           </a:p>
-          <a:p>
-            <a:pPr lvl="1"/>
-            <a:r>
-              <a:rPr lang="nl-NL"/>
-              <a:t>Tweede niveau</a:t>
-            </a:r>
-          </a:p>
-          <a:p>
-            <a:pPr lvl="2"/>
-            <a:r>
-              <a:rPr lang="nl-NL"/>
-              <a:t>Derde niveau</a:t>
-            </a:r>
-          </a:p>
-          <a:p>
-            <a:pPr lvl="3"/>
-            <a:r>
-              <a:rPr lang="nl-NL"/>
-              <a:t>Vierde niveau</a:t>
-            </a:r>
-          </a:p>
-          <a:p>
-            <a:pPr lvl="4"/>
-            <a:r>
-              <a:rPr lang="nl-NL"/>
-              <a:t>Vijfde niveau</a:t>
-            </a:r>
-          </a:p>
-        </p:txBody>
-      </p:sp>
-      <p:sp>
-        <p:nvSpPr>
-          <p:cNvPr id="4" name="Tijdelijke aanduiding voor tekst 3">
-            <a:extLst>
-              <a:ext uri="{FF2B5EF4-FFF2-40B4-BE49-F238E27FC236}">
-                <a16:creationId xmlns="" xmlns:a16="http://schemas.microsoft.com/office/drawing/2014/main" id="{91275F6F-5CE8-40A9-902C-2803463710F2}"/>
-              </a:ext>
-            </a:extLst>
-          </p:cNvPr>
-          <p:cNvSpPr>
-            <a:spLocks noGrp="1"/>
-          </p:cNvSpPr>
-          <p:nvPr>
-            <p:ph type="body" sz="half" idx="2"/>
-          </p:nvPr>
-        </p:nvSpPr>
-        <p:spPr>
-          <a:xfrm>
-            <a:off x="839788" y="2057400"/>
-            <a:ext cx="3932237" cy="3811588"/>
+        </p:txBody>
+      </p:sp>
+      <p:sp>
+        <p:nvSpPr>
+          <p:cNvPr id="5" name="Date Placeholder 4"/>
+          <p:cNvSpPr>
+            <a:spLocks noGrp="1"/>
+          </p:cNvSpPr>
+          <p:nvPr>
+            <p:ph type="dt" sz="half" idx="10"/>
+          </p:nvPr>
+        </p:nvSpPr>
+        <p:spPr>
+          <a:xfrm>
+            <a:off x="465512" y="6459785"/>
+            <a:ext cx="2618510" cy="365125"/>
           </a:xfrm>
         </p:spPr>
         <p:txBody>
           <a:bodyPr/>
           <a:lstStyle>
-            <a:lvl1pPr marL="0" indent="0">
-              <a:buNone/>
-              <a:defRPr sz="1600"/>
+            <a:lvl1pPr algn="l">
+              <a:defRPr/>
             </a:lvl1pPr>
-            <a:lvl2pPr marL="457200" indent="0">
-              <a:buNone/>
-              <a:defRPr sz="1400"/>
-            </a:lvl2pPr>
-            <a:lvl3pPr marL="914400" indent="0">
-              <a:buNone/>
-              <a:defRPr sz="1200"/>
-            </a:lvl3pPr>
-            <a:lvl4pPr marL="1371600" indent="0">
-              <a:buNone/>
-              <a:defRPr sz="1000"/>
-            </a:lvl4pPr>
-            <a:lvl5pPr marL="1828800" indent="0">
-              <a:buNone/>
-              <a:defRPr sz="1000"/>
-            </a:lvl5pPr>
-            <a:lvl6pPr marL="2286000" indent="0">
-              <a:buNone/>
-              <a:defRPr sz="1000"/>
-            </a:lvl6pPr>
-            <a:lvl7pPr marL="2743200" indent="0">
-              <a:buNone/>
-              <a:defRPr sz="1000"/>
-            </a:lvl7pPr>
-            <a:lvl8pPr marL="3200400" indent="0">
-              <a:buNone/>
-              <a:defRPr sz="1000"/>
-            </a:lvl8pPr>
-            <a:lvl9pPr marL="3657600" indent="0">
-              <a:buNone/>
-              <a:defRPr sz="1000"/>
-            </a:lvl9pPr>
           </a:lstStyle>
-          <a:p>
-            <a:pPr lvl="0"/>
-            <a:r>
-              <a:rPr lang="nl-NL"/>
-              <a:t>Tekststijl van het model bewerken</a:t>
-            </a:r>
-          </a:p>
-        </p:txBody>
-      </p:sp>
-      <p:sp>
-        <p:nvSpPr>
-          <p:cNvPr id="5" name="Tijdelijke aanduiding voor datum 4">
-            <a:extLst>
-              <a:ext uri="{FF2B5EF4-FFF2-40B4-BE49-F238E27FC236}">
-                <a16:creationId xmlns="" xmlns:a16="http://schemas.microsoft.com/office/drawing/2014/main" id="{68FB0FC5-537D-441B-B077-1EB601C777AE}"/>
-              </a:ext>
-            </a:extLst>
-          </p:cNvPr>
-          <p:cNvSpPr>
-            <a:spLocks noGrp="1"/>
-          </p:cNvSpPr>
-          <p:nvPr>
-            <p:ph type="dt" sz="half" idx="10"/>
-          </p:nvPr>
-        </p:nvSpPr>
-        <p:spPr/>
-        <p:txBody>
-          <a:bodyPr/>
-          <a:lstStyle/>
           <a:p>
             <a:fld id="{ADE4902F-FBEA-4B35-9D62-082FA2608761}" type="datetimeFigureOut">
               <a:rPr lang="nl-NL" smtClean="0"/>
               <a:pPr/>
-              <a:t>4-12-2017</a:t>
+              <a:t>5-12-2017</a:t>
             </a:fld>
             <a:endParaRPr lang="nl-NL"/>
           </a:p>
@@ -2411,13 +2667,7 @@
       </p:sp>
       <p:sp>
         <p:nvSpPr>
-          <p:cNvPr id="6" name="Tijdelijke aanduiding voor voettekst 5">
-            <a:extLst>
-              <a:ext uri="{FF2B5EF4-FFF2-40B4-BE49-F238E27FC236}">
-                <a16:creationId xmlns="" xmlns:a16="http://schemas.microsoft.com/office/drawing/2014/main" id="{55AC121A-0493-418F-8DD7-2DA1EEB74DFF}"/>
-              </a:ext>
-            </a:extLst>
-          </p:cNvPr>
+          <p:cNvPr id="6" name="Footer Placeholder 5"/>
           <p:cNvSpPr>
             <a:spLocks noGrp="1"/>
           </p:cNvSpPr>
@@ -2425,35 +2675,50 @@
             <p:ph type="ftr" sz="quarter" idx="11"/>
           </p:nvPr>
         </p:nvSpPr>
+        <p:spPr>
+          <a:xfrm>
+            <a:off x="4800600" y="6459785"/>
+            <a:ext cx="4648200" cy="365125"/>
+          </a:xfrm>
+        </p:spPr>
+        <p:txBody>
+          <a:bodyPr/>
+          <a:lstStyle>
+            <a:lvl1pPr algn="l">
+              <a:defRPr>
+                <a:solidFill>
+                  <a:schemeClr val="tx2"/>
+                </a:solidFill>
+              </a:defRPr>
+            </a:lvl1pPr>
+          </a:lstStyle>
+          <a:p>
+            <a:endParaRPr lang="nl-NL"/>
+          </a:p>
+        </p:txBody>
+      </p:sp>
+      <p:sp>
+        <p:nvSpPr>
+          <p:cNvPr id="7" name="Slide Number Placeholder 6"/>
+          <p:cNvSpPr>
+            <a:spLocks noGrp="1"/>
+          </p:cNvSpPr>
+          <p:nvPr>
+            <p:ph type="sldNum" sz="quarter" idx="12"/>
+          </p:nvPr>
+        </p:nvSpPr>
         <p:spPr/>
         <p:txBody>
           <a:bodyPr/>
-          <a:lstStyle/>
-          <a:p>
-            <a:endParaRPr lang="nl-NL"/>
-          </a:p>
-        </p:txBody>
-      </p:sp>
-      <p:sp>
-        <p:nvSpPr>
-          <p:cNvPr id="7" name="Tijdelijke aanduiding voor dianummer 6">
-            <a:extLst>
-              <a:ext uri="{FF2B5EF4-FFF2-40B4-BE49-F238E27FC236}">
-                <a16:creationId xmlns="" xmlns:a16="http://schemas.microsoft.com/office/drawing/2014/main" id="{9E5BD7A4-C96F-485C-A127-6C55CD09868E}"/>
-              </a:ext>
-            </a:extLst>
-          </p:cNvPr>
-          <p:cNvSpPr>
-            <a:spLocks noGrp="1"/>
-          </p:cNvSpPr>
-          <p:nvPr>
-            <p:ph type="sldNum" sz="quarter" idx="12"/>
-          </p:nvPr>
-        </p:nvSpPr>
-        <p:spPr/>
-        <p:txBody>
-          <a:bodyPr/>
-          <a:lstStyle/>
+          <a:lstStyle>
+            <a:lvl1pPr>
+              <a:defRPr>
+                <a:solidFill>
+                  <a:schemeClr val="tx2"/>
+                </a:solidFill>
+              </a:defRPr>
+            </a:lvl1pPr>
+          </a:lstStyle>
           <a:p>
             <a:fld id="{1C1C122E-05CA-4289-A26B-D14C5EAD5EFF}" type="slidenum">
               <a:rPr lang="nl-NL" smtClean="0"/>
@@ -2467,7 +2732,7 @@
     </p:spTree>
     <p:extLst>
       <p:ext uri="{BB962C8B-B14F-4D97-AF65-F5344CB8AC3E}">
-        <p14:creationId xmlns:p14="http://schemas.microsoft.com/office/powerpoint/2010/main" xmlns="" val="2276997594"/>
+        <p14:creationId xmlns:p14="http://schemas.microsoft.com/office/powerpoint/2010/main" val="2631354765"/>
       </p:ext>
     </p:extLst>
   </p:cSld>
@@ -2478,7 +2743,7 @@
 </file>
 
 <file path=ppt/slideLayouts/slideLayout9.xml><?xml version="1.0" encoding="utf-8"?>
-<p:sldLayout xmlns:a="http://schemas.openxmlformats.org/drawingml/2006/main" xmlns:r="http://schemas.openxmlformats.org/officeDocument/2006/relationships" xmlns:p="http://schemas.openxmlformats.org/presentationml/2006/main" type="picTx" preserve="1">
+<p:sldLayout xmlns:a="http://schemas.openxmlformats.org/drawingml/2006/main" xmlns:r="http://schemas.openxmlformats.org/officeDocument/2006/relationships" xmlns:p="http://schemas.openxmlformats.org/presentationml/2006/main" showMasterSp="0" type="picTx" preserve="1">
   <p:cSld name="Afbeelding met bijschrift">
     <p:spTree>
       <p:nvGrpSpPr>
@@ -2496,13 +2761,83 @@
       </p:grpSpPr>
       <p:sp>
         <p:nvSpPr>
-          <p:cNvPr id="2" name="Titel 1">
-            <a:extLst>
-              <a:ext uri="{FF2B5EF4-FFF2-40B4-BE49-F238E27FC236}">
-                <a16:creationId xmlns="" xmlns:a16="http://schemas.microsoft.com/office/drawing/2014/main" id="{391195BB-EA6C-4F56-A18C-2951B239D827}"/>
-              </a:ext>
-            </a:extLst>
-          </p:cNvPr>
+          <p:cNvPr id="8" name="Rectangle 7"/>
+          <p:cNvSpPr/>
+          <p:nvPr/>
+        </p:nvSpPr>
+        <p:spPr>
+          <a:xfrm>
+            <a:off x="0" y="4953000"/>
+            <a:ext cx="12188825" cy="1905000"/>
+          </a:xfrm>
+          <a:prstGeom prst="rect">
+            <a:avLst/>
+          </a:prstGeom>
+          <a:solidFill>
+            <a:schemeClr val="accent2"/>
+          </a:solidFill>
+          <a:ln>
+            <a:noFill/>
+          </a:ln>
+        </p:spPr>
+        <p:style>
+          <a:lnRef idx="2">
+            <a:schemeClr val="accent1">
+              <a:shade val="50000"/>
+            </a:schemeClr>
+          </a:lnRef>
+          <a:fillRef idx="1">
+            <a:schemeClr val="accent1"/>
+          </a:fillRef>
+          <a:effectRef idx="0">
+            <a:schemeClr val="accent1"/>
+          </a:effectRef>
+          <a:fontRef idx="minor">
+            <a:schemeClr val="lt1"/>
+          </a:fontRef>
+        </p:style>
+      </p:sp>
+      <p:sp>
+        <p:nvSpPr>
+          <p:cNvPr id="9" name="Rectangle 8"/>
+          <p:cNvSpPr/>
+          <p:nvPr/>
+        </p:nvSpPr>
+        <p:spPr>
+          <a:xfrm>
+            <a:off x="15" y="4915076"/>
+            <a:ext cx="12188825" cy="64008"/>
+          </a:xfrm>
+          <a:prstGeom prst="rect">
+            <a:avLst/>
+          </a:prstGeom>
+          <a:solidFill>
+            <a:schemeClr val="accent1"/>
+          </a:solidFill>
+          <a:ln>
+            <a:noFill/>
+          </a:ln>
+        </p:spPr>
+        <p:style>
+          <a:lnRef idx="2">
+            <a:schemeClr val="accent1">
+              <a:shade val="50000"/>
+            </a:schemeClr>
+          </a:lnRef>
+          <a:fillRef idx="1">
+            <a:schemeClr val="accent1"/>
+          </a:fillRef>
+          <a:effectRef idx="0">
+            <a:schemeClr val="accent1"/>
+          </a:effectRef>
+          <a:fontRef idx="minor">
+            <a:schemeClr val="lt1"/>
+          </a:fontRef>
+        </p:style>
+      </p:sp>
+      <p:sp>
+        <p:nvSpPr>
+          <p:cNvPr id="2" name="Title 1"/>
           <p:cNvSpPr>
             <a:spLocks noGrp="1"/>
           </p:cNvSpPr>
@@ -2512,15 +2847,21 @@
         </p:nvSpPr>
         <p:spPr>
           <a:xfrm>
-            <a:off x="839788" y="457200"/>
-            <a:ext cx="3932237" cy="1600200"/>
-          </a:xfrm>
-        </p:spPr>
-        <p:txBody>
-          <a:bodyPr anchor="b"/>
+            <a:off x="1097280" y="5074920"/>
+            <a:ext cx="10113264" cy="822960"/>
+          </a:xfrm>
+        </p:spPr>
+        <p:txBody>
+          <a:bodyPr lIns="91440" tIns="0" rIns="91440" bIns="0" anchor="b">
+            <a:noAutofit/>
+          </a:bodyPr>
           <a:lstStyle>
             <a:lvl1pPr>
-              <a:defRPr sz="3200"/>
+              <a:defRPr sz="3600" b="0">
+                <a:solidFill>
+                  <a:srgbClr val="FFFFFF"/>
+                </a:solidFill>
+              </a:defRPr>
             </a:lvl1pPr>
           </a:lstStyle>
           <a:p>
@@ -2528,20 +2869,15 @@
               <a:rPr lang="nl-NL"/>
               <a:t>Klik om stijl te bewerken</a:t>
             </a:r>
-          </a:p>
-        </p:txBody>
-      </p:sp>
-      <p:sp>
-        <p:nvSpPr>
-          <p:cNvPr id="3" name="Tijdelijke aanduiding voor afbeelding 2">
-            <a:extLst>
-              <a:ext uri="{FF2B5EF4-FFF2-40B4-BE49-F238E27FC236}">
-                <a16:creationId xmlns="" xmlns:a16="http://schemas.microsoft.com/office/drawing/2014/main" id="{1EE97C47-A53A-4152-848A-0419C12AE634}"/>
-              </a:ext>
-            </a:extLst>
-          </p:cNvPr>
-          <p:cNvSpPr>
-            <a:spLocks noGrp="1"/>
+            <a:endParaRPr lang="en-US" dirty="0"/>
+          </a:p>
+        </p:txBody>
+      </p:sp>
+      <p:sp>
+        <p:nvSpPr>
+          <p:cNvPr id="3" name="Picture Placeholder 2"/>
+          <p:cNvSpPr>
+            <a:spLocks noGrp="1" noChangeAspect="1"/>
           </p:cNvSpPr>
           <p:nvPr>
             <p:ph type="pic" idx="1"/>
@@ -2549,16 +2885,26 @@
         </p:nvSpPr>
         <p:spPr>
           <a:xfrm>
-            <a:off x="5183188" y="987425"/>
-            <a:ext cx="6172200" cy="4873625"/>
-          </a:xfrm>
-        </p:spPr>
-        <p:txBody>
-          <a:bodyPr/>
+            <a:off x="15" y="0"/>
+            <a:ext cx="12191985" cy="4915076"/>
+          </a:xfrm>
+          <a:blipFill>
+            <a:blip r:embed="rId2"/>
+            <a:stretch>
+              <a:fillRect/>
+            </a:stretch>
+          </a:blipFill>
+        </p:spPr>
+        <p:txBody>
+          <a:bodyPr lIns="457200" tIns="457200" anchor="t"/>
           <a:lstStyle>
             <a:lvl1pPr marL="0" indent="0">
               <a:buNone/>
-              <a:defRPr sz="3200"/>
+              <a:defRPr sz="3200">
+                <a:solidFill>
+                  <a:schemeClr val="bg1"/>
+                </a:solidFill>
+              </a:defRPr>
             </a:lvl1pPr>
             <a:lvl2pPr marL="457200" indent="0">
               <a:buNone/>
@@ -2594,19 +2940,17 @@
             </a:lvl9pPr>
           </a:lstStyle>
           <a:p>
-            <a:endParaRPr lang="nl-NL"/>
-          </a:p>
-        </p:txBody>
-      </p:sp>
-      <p:sp>
-        <p:nvSpPr>
-          <p:cNvPr id="4" name="Tijdelijke aanduiding voor tekst 3">
-            <a:extLst>
-              <a:ext uri="{FF2B5EF4-FFF2-40B4-BE49-F238E27FC236}">
-                <a16:creationId xmlns="" xmlns:a16="http://schemas.microsoft.com/office/drawing/2014/main" id="{4C380A8A-FCC0-4B2B-BCED-CC719F66356B}"/>
-              </a:ext>
-            </a:extLst>
-          </p:cNvPr>
+            <a:r>
+              <a:rPr lang="nl-NL"/>
+              <a:t>Klik op het pictogram als u een afbeelding wilt toevoegen</a:t>
+            </a:r>
+            <a:endParaRPr lang="en-US" dirty="0"/>
+          </a:p>
+        </p:txBody>
+      </p:sp>
+      <p:sp>
+        <p:nvSpPr>
+          <p:cNvPr id="4" name="Text Placeholder 3"/>
           <p:cNvSpPr>
             <a:spLocks noGrp="1"/>
           </p:cNvSpPr>
@@ -2616,48 +2960,60 @@
         </p:nvSpPr>
         <p:spPr>
           <a:xfrm>
-            <a:off x="839788" y="2057400"/>
-            <a:ext cx="3932237" cy="3811588"/>
-          </a:xfrm>
-        </p:spPr>
-        <p:txBody>
-          <a:bodyPr/>
+            <a:off x="1097280" y="5907023"/>
+            <a:ext cx="10113264" cy="594360"/>
+          </a:xfrm>
+        </p:spPr>
+        <p:txBody>
+          <a:bodyPr lIns="91440" tIns="0" rIns="91440" bIns="0">
+            <a:normAutofit/>
+          </a:bodyPr>
           <a:lstStyle>
             <a:lvl1pPr marL="0" indent="0">
-              <a:buNone/>
-              <a:defRPr sz="1600"/>
+              <a:spcBef>
+                <a:spcPts val="0"/>
+              </a:spcBef>
+              <a:spcAft>
+                <a:spcPts val="600"/>
+              </a:spcAft>
+              <a:buNone/>
+              <a:defRPr sz="1500">
+                <a:solidFill>
+                  <a:srgbClr val="FFFFFF"/>
+                </a:solidFill>
+              </a:defRPr>
             </a:lvl1pPr>
             <a:lvl2pPr marL="457200" indent="0">
               <a:buNone/>
-              <a:defRPr sz="1400"/>
+              <a:defRPr sz="1200"/>
             </a:lvl2pPr>
             <a:lvl3pPr marL="914400" indent="0">
               <a:buNone/>
-              <a:defRPr sz="1200"/>
+              <a:defRPr sz="1000"/>
             </a:lvl3pPr>
             <a:lvl4pPr marL="1371600" indent="0">
               <a:buNone/>
-              <a:defRPr sz="1000"/>
+              <a:defRPr sz="900"/>
             </a:lvl4pPr>
             <a:lvl5pPr marL="1828800" indent="0">
               <a:buNone/>
-              <a:defRPr sz="1000"/>
+              <a:defRPr sz="900"/>
             </a:lvl5pPr>
             <a:lvl6pPr marL="2286000" indent="0">
               <a:buNone/>
-              <a:defRPr sz="1000"/>
+              <a:defRPr sz="900"/>
             </a:lvl6pPr>
             <a:lvl7pPr marL="2743200" indent="0">
               <a:buNone/>
-              <a:defRPr sz="1000"/>
+              <a:defRPr sz="900"/>
             </a:lvl7pPr>
             <a:lvl8pPr marL="3200400" indent="0">
               <a:buNone/>
-              <a:defRPr sz="1000"/>
+              <a:defRPr sz="900"/>
             </a:lvl8pPr>
             <a:lvl9pPr marL="3657600" indent="0">
               <a:buNone/>
-              <a:defRPr sz="1000"/>
+              <a:defRPr sz="900"/>
             </a:lvl9pPr>
           </a:lstStyle>
           <a:p>
@@ -2671,13 +3027,7 @@
       </p:sp>
       <p:sp>
         <p:nvSpPr>
-          <p:cNvPr id="5" name="Tijdelijke aanduiding voor datum 4">
-            <a:extLst>
-              <a:ext uri="{FF2B5EF4-FFF2-40B4-BE49-F238E27FC236}">
-                <a16:creationId xmlns="" xmlns:a16="http://schemas.microsoft.com/office/drawing/2014/main" id="{EAA93FF3-9B86-461A-94CF-C0A759B7033D}"/>
-              </a:ext>
-            </a:extLst>
-          </p:cNvPr>
+          <p:cNvPr id="5" name="Date Placeholder 4"/>
           <p:cNvSpPr>
             <a:spLocks noGrp="1"/>
           </p:cNvSpPr>
@@ -2693,7 +3043,7 @@
             <a:fld id="{ADE4902F-FBEA-4B35-9D62-082FA2608761}" type="datetimeFigureOut">
               <a:rPr lang="nl-NL" smtClean="0"/>
               <a:pPr/>
-              <a:t>4-12-2017</a:t>
+              <a:t>5-12-2017</a:t>
             </a:fld>
             <a:endParaRPr lang="nl-NL"/>
           </a:p>
@@ -2701,13 +3051,7 @@
       </p:sp>
       <p:sp>
         <p:nvSpPr>
-          <p:cNvPr id="6" name="Tijdelijke aanduiding voor voettekst 5">
-            <a:extLst>
-              <a:ext uri="{FF2B5EF4-FFF2-40B4-BE49-F238E27FC236}">
-                <a16:creationId xmlns="" xmlns:a16="http://schemas.microsoft.com/office/drawing/2014/main" id="{504C81D0-3C70-46A3-A99B-4387DBE74182}"/>
-              </a:ext>
-            </a:extLst>
-          </p:cNvPr>
+          <p:cNvPr id="6" name="Footer Placeholder 5"/>
           <p:cNvSpPr>
             <a:spLocks noGrp="1"/>
           </p:cNvSpPr>
@@ -2726,13 +3070,7 @@
       </p:sp>
       <p:sp>
         <p:nvSpPr>
-          <p:cNvPr id="7" name="Tijdelijke aanduiding voor dianummer 6">
-            <a:extLst>
-              <a:ext uri="{FF2B5EF4-FFF2-40B4-BE49-F238E27FC236}">
-                <a16:creationId xmlns="" xmlns:a16="http://schemas.microsoft.com/office/drawing/2014/main" id="{2DAB8061-1297-4604-AA6D-50FA7517CB04}"/>
-              </a:ext>
-            </a:extLst>
-          </p:cNvPr>
+          <p:cNvPr id="7" name="Slide Number Placeholder 6"/>
           <p:cNvSpPr>
             <a:spLocks noGrp="1"/>
           </p:cNvSpPr>
@@ -2757,7 +3095,7 @@
     </p:spTree>
     <p:extLst>
       <p:ext uri="{BB962C8B-B14F-4D97-AF65-F5344CB8AC3E}">
-        <p14:creationId xmlns:p14="http://schemas.microsoft.com/office/powerpoint/2010/main" xmlns="" val="3080807055"/>
+        <p14:creationId xmlns:p14="http://schemas.microsoft.com/office/powerpoint/2010/main" val="4061937431"/>
       </p:ext>
     </p:extLst>
   </p:cSld>
@@ -2791,143 +3129,201 @@
       </p:grpSpPr>
       <p:sp>
         <p:nvSpPr>
-          <p:cNvPr id="2" name="Tijdelijke aanduiding voor titel 1">
-            <a:extLst>
-              <a:ext uri="{FF2B5EF4-FFF2-40B4-BE49-F238E27FC236}">
-                <a16:creationId xmlns="" xmlns:a16="http://schemas.microsoft.com/office/drawing/2014/main" id="{D9186CB9-8C46-426D-863D-90A0E0FAEDE7}"/>
-              </a:ext>
-            </a:extLst>
-          </p:cNvPr>
-          <p:cNvSpPr>
-            <a:spLocks noGrp="1"/>
-          </p:cNvSpPr>
-          <p:nvPr>
-            <p:ph type="title"/>
-          </p:nvPr>
-        </p:nvSpPr>
-        <p:spPr>
-          <a:xfrm>
-            <a:off x="838200" y="365125"/>
-            <a:ext cx="10515600" cy="1325563"/>
+          <p:cNvPr id="7" name="Rectangle 6"/>
+          <p:cNvSpPr/>
+          <p:nvPr/>
+        </p:nvSpPr>
+        <p:spPr>
+          <a:xfrm>
+            <a:off x="1" y="6400800"/>
+            <a:ext cx="12192000" cy="457200"/>
           </a:xfrm>
           <a:prstGeom prst="rect">
             <a:avLst/>
           </a:prstGeom>
-        </p:spPr>
-        <p:txBody>
-          <a:bodyPr vert="horz" lIns="91440" tIns="45720" rIns="91440" bIns="45720" rtlCol="0" anchor="ctr">
-            <a:normAutofit/>
-          </a:bodyPr>
-          <a:lstStyle/>
-          <a:p>
-            <a:r>
-              <a:rPr lang="nl-NL"/>
-              <a:t>Klik om stijl te bewerken</a:t>
-            </a:r>
-          </a:p>
-        </p:txBody>
-      </p:sp>
-      <p:sp>
-        <p:nvSpPr>
-          <p:cNvPr id="3" name="Tijdelijke aanduiding voor tekst 2">
-            <a:extLst>
-              <a:ext uri="{FF2B5EF4-FFF2-40B4-BE49-F238E27FC236}">
-                <a16:creationId xmlns="" xmlns:a16="http://schemas.microsoft.com/office/drawing/2014/main" id="{983F2C53-486F-4745-AD46-503DCDC4D530}"/>
-              </a:ext>
-            </a:extLst>
-          </p:cNvPr>
-          <p:cNvSpPr>
-            <a:spLocks noGrp="1"/>
-          </p:cNvSpPr>
-          <p:nvPr>
-            <p:ph type="body" idx="1"/>
-          </p:nvPr>
-        </p:nvSpPr>
-        <p:spPr>
-          <a:xfrm>
-            <a:off x="838200" y="1825625"/>
-            <a:ext cx="10515600" cy="4351338"/>
+          <a:solidFill>
+            <a:schemeClr val="accent2"/>
+          </a:solidFill>
+          <a:ln>
+            <a:noFill/>
+          </a:ln>
+        </p:spPr>
+        <p:style>
+          <a:lnRef idx="2">
+            <a:schemeClr val="accent1">
+              <a:shade val="50000"/>
+            </a:schemeClr>
+          </a:lnRef>
+          <a:fillRef idx="1">
+            <a:schemeClr val="accent1"/>
+          </a:fillRef>
+          <a:effectRef idx="0">
+            <a:schemeClr val="accent1"/>
+          </a:effectRef>
+          <a:fontRef idx="minor">
+            <a:schemeClr val="lt1"/>
+          </a:fontRef>
+        </p:style>
+      </p:sp>
+      <p:sp>
+        <p:nvSpPr>
+          <p:cNvPr id="9" name="Rectangle 8"/>
+          <p:cNvSpPr/>
+          <p:nvPr/>
+        </p:nvSpPr>
+        <p:spPr>
+          <a:xfrm>
+            <a:off x="0" y="6334316"/>
+            <a:ext cx="12192001" cy="65998"/>
           </a:xfrm>
           <a:prstGeom prst="rect">
             <a:avLst/>
           </a:prstGeom>
-        </p:spPr>
-        <p:txBody>
-          <a:bodyPr vert="horz" lIns="91440" tIns="45720" rIns="91440" bIns="45720" rtlCol="0">
-            <a:normAutofit/>
-          </a:bodyPr>
-          <a:lstStyle/>
-          <a:p>
-            <a:pPr lvl="0"/>
-            <a:r>
-              <a:rPr lang="nl-NL"/>
-              <a:t>Tekststijl van het model bewerken</a:t>
-            </a:r>
-          </a:p>
-          <a:p>
-            <a:pPr lvl="1"/>
-            <a:r>
-              <a:rPr lang="nl-NL"/>
-              <a:t>Tweede niveau</a:t>
-            </a:r>
-          </a:p>
-          <a:p>
-            <a:pPr lvl="2"/>
-            <a:r>
-              <a:rPr lang="nl-NL"/>
-              <a:t>Derde niveau</a:t>
-            </a:r>
-          </a:p>
-          <a:p>
-            <a:pPr lvl="3"/>
-            <a:r>
-              <a:rPr lang="nl-NL"/>
-              <a:t>Vierde niveau</a:t>
-            </a:r>
-          </a:p>
-          <a:p>
-            <a:pPr lvl="4"/>
-            <a:r>
-              <a:rPr lang="nl-NL"/>
-              <a:t>Vijfde niveau</a:t>
-            </a:r>
-          </a:p>
-        </p:txBody>
-      </p:sp>
-      <p:sp>
-        <p:nvSpPr>
-          <p:cNvPr id="4" name="Tijdelijke aanduiding voor datum 3">
-            <a:extLst>
-              <a:ext uri="{FF2B5EF4-FFF2-40B4-BE49-F238E27FC236}">
-                <a16:creationId xmlns="" xmlns:a16="http://schemas.microsoft.com/office/drawing/2014/main" id="{14E5024D-7C9E-4730-908F-8CE183DB279E}"/>
-              </a:ext>
-            </a:extLst>
-          </p:cNvPr>
-          <p:cNvSpPr>
-            <a:spLocks noGrp="1"/>
-          </p:cNvSpPr>
-          <p:nvPr>
-            <p:ph type="dt" sz="half" idx="2"/>
-          </p:nvPr>
-        </p:nvSpPr>
-        <p:spPr>
-          <a:xfrm>
-            <a:off x="838200" y="6356350"/>
-            <a:ext cx="2743200" cy="365125"/>
+          <a:solidFill>
+            <a:schemeClr val="accent1"/>
+          </a:solidFill>
+          <a:ln>
+            <a:noFill/>
+          </a:ln>
+        </p:spPr>
+        <p:style>
+          <a:lnRef idx="2">
+            <a:schemeClr val="accent1">
+              <a:shade val="50000"/>
+            </a:schemeClr>
+          </a:lnRef>
+          <a:fillRef idx="1">
+            <a:schemeClr val="accent1"/>
+          </a:fillRef>
+          <a:effectRef idx="0">
+            <a:schemeClr val="accent1"/>
+          </a:effectRef>
+          <a:fontRef idx="minor">
+            <a:schemeClr val="lt1"/>
+          </a:fontRef>
+        </p:style>
+      </p:sp>
+      <p:sp>
+        <p:nvSpPr>
+          <p:cNvPr id="2" name="Title Placeholder 1"/>
+          <p:cNvSpPr>
+            <a:spLocks noGrp="1"/>
+          </p:cNvSpPr>
+          <p:nvPr>
+            <p:ph type="title"/>
+          </p:nvPr>
+        </p:nvSpPr>
+        <p:spPr>
+          <a:xfrm>
+            <a:off x="1097280" y="286603"/>
+            <a:ext cx="10058400" cy="1450757"/>
           </a:xfrm>
           <a:prstGeom prst="rect">
             <a:avLst/>
           </a:prstGeom>
         </p:spPr>
         <p:txBody>
+          <a:bodyPr vert="horz" lIns="91440" tIns="45720" rIns="91440" bIns="45720" rtlCol="0" anchor="b">
+            <a:normAutofit/>
+          </a:bodyPr>
+          <a:lstStyle/>
+          <a:p>
+            <a:r>
+              <a:rPr lang="nl-NL"/>
+              <a:t>Klik om stijl te bewerken</a:t>
+            </a:r>
+            <a:endParaRPr lang="en-US" dirty="0"/>
+          </a:p>
+        </p:txBody>
+      </p:sp>
+      <p:sp>
+        <p:nvSpPr>
+          <p:cNvPr id="3" name="Text Placeholder 2"/>
+          <p:cNvSpPr>
+            <a:spLocks noGrp="1"/>
+          </p:cNvSpPr>
+          <p:nvPr>
+            <p:ph type="body" idx="1"/>
+          </p:nvPr>
+        </p:nvSpPr>
+        <p:spPr>
+          <a:xfrm>
+            <a:off x="1097280" y="1845734"/>
+            <a:ext cx="10058400" cy="4023360"/>
+          </a:xfrm>
+          <a:prstGeom prst="rect">
+            <a:avLst/>
+          </a:prstGeom>
+        </p:spPr>
+        <p:txBody>
+          <a:bodyPr vert="horz" lIns="0" tIns="45720" rIns="0" bIns="45720" rtlCol="0">
+            <a:normAutofit/>
+          </a:bodyPr>
+          <a:lstStyle/>
+          <a:p>
+            <a:pPr lvl="0"/>
+            <a:r>
+              <a:rPr lang="nl-NL"/>
+              <a:t>Tekststijl van het model bewerken</a:t>
+            </a:r>
+          </a:p>
+          <a:p>
+            <a:pPr lvl="1"/>
+            <a:r>
+              <a:rPr lang="nl-NL"/>
+              <a:t>Tweede niveau</a:t>
+            </a:r>
+          </a:p>
+          <a:p>
+            <a:pPr lvl="2"/>
+            <a:r>
+              <a:rPr lang="nl-NL"/>
+              <a:t>Derde niveau</a:t>
+            </a:r>
+          </a:p>
+          <a:p>
+            <a:pPr lvl="3"/>
+            <a:r>
+              <a:rPr lang="nl-NL"/>
+              <a:t>Vierde niveau</a:t>
+            </a:r>
+          </a:p>
+          <a:p>
+            <a:pPr lvl="4"/>
+            <a:r>
+              <a:rPr lang="nl-NL"/>
+              <a:t>Vijfde niveau</a:t>
+            </a:r>
+            <a:endParaRPr lang="en-US" dirty="0"/>
+          </a:p>
+        </p:txBody>
+      </p:sp>
+      <p:sp>
+        <p:nvSpPr>
+          <p:cNvPr id="4" name="Date Placeholder 3"/>
+          <p:cNvSpPr>
+            <a:spLocks noGrp="1"/>
+          </p:cNvSpPr>
+          <p:nvPr>
+            <p:ph type="dt" sz="half" idx="2"/>
+          </p:nvPr>
+        </p:nvSpPr>
+        <p:spPr>
+          <a:xfrm>
+            <a:off x="1097280" y="6459785"/>
+            <a:ext cx="2472271" cy="365125"/>
+          </a:xfrm>
+          <a:prstGeom prst="rect">
+            <a:avLst/>
+          </a:prstGeom>
+        </p:spPr>
+        <p:txBody>
           <a:bodyPr vert="horz" lIns="91440" tIns="45720" rIns="91440" bIns="45720" rtlCol="0" anchor="ctr"/>
           <a:lstStyle>
             <a:lvl1pPr algn="l">
-              <a:defRPr sz="1200">
+              <a:defRPr sz="900">
                 <a:solidFill>
-                  <a:schemeClr val="tx1">
-                    <a:tint val="75000"/>
-                  </a:schemeClr>
+                  <a:srgbClr val="FFFFFF"/>
                 </a:solidFill>
               </a:defRPr>
             </a:lvl1pPr>
@@ -2936,7 +3332,7 @@
             <a:fld id="{ADE4902F-FBEA-4B35-9D62-082FA2608761}" type="datetimeFigureOut">
               <a:rPr lang="nl-NL" smtClean="0"/>
               <a:pPr/>
-              <a:t>4-12-2017</a:t>
+              <a:t>5-12-2017</a:t>
             </a:fld>
             <a:endParaRPr lang="nl-NL"/>
           </a:p>
@@ -2944,13 +3340,7 @@
       </p:sp>
       <p:sp>
         <p:nvSpPr>
-          <p:cNvPr id="5" name="Tijdelijke aanduiding voor voettekst 4">
-            <a:extLst>
-              <a:ext uri="{FF2B5EF4-FFF2-40B4-BE49-F238E27FC236}">
-                <a16:creationId xmlns="" xmlns:a16="http://schemas.microsoft.com/office/drawing/2014/main" id="{CB4A9151-4DBA-4A6C-8967-EC70E0126234}"/>
-              </a:ext>
-            </a:extLst>
-          </p:cNvPr>
+          <p:cNvPr id="5" name="Footer Placeholder 4"/>
           <p:cNvSpPr>
             <a:spLocks noGrp="1"/>
           </p:cNvSpPr>
@@ -2960,8 +3350,8 @@
         </p:nvSpPr>
         <p:spPr>
           <a:xfrm>
-            <a:off x="4038600" y="6356350"/>
-            <a:ext cx="4114800" cy="365125"/>
+            <a:off x="3686185" y="6459785"/>
+            <a:ext cx="4822804" cy="365125"/>
           </a:xfrm>
           <a:prstGeom prst="rect">
             <a:avLst/>
@@ -2971,11 +3361,9 @@
           <a:bodyPr vert="horz" lIns="91440" tIns="45720" rIns="91440" bIns="45720" rtlCol="0" anchor="ctr"/>
           <a:lstStyle>
             <a:lvl1pPr algn="ctr">
-              <a:defRPr sz="1200">
+              <a:defRPr sz="900" cap="all" baseline="0">
                 <a:solidFill>
-                  <a:schemeClr val="tx1">
-                    <a:tint val="75000"/>
-                  </a:schemeClr>
+                  <a:srgbClr val="FFFFFF"/>
                 </a:solidFill>
               </a:defRPr>
             </a:lvl1pPr>
@@ -2987,13 +3375,7 @@
       </p:sp>
       <p:sp>
         <p:nvSpPr>
-          <p:cNvPr id="6" name="Tijdelijke aanduiding voor dianummer 5">
-            <a:extLst>
-              <a:ext uri="{FF2B5EF4-FFF2-40B4-BE49-F238E27FC236}">
-                <a16:creationId xmlns="" xmlns:a16="http://schemas.microsoft.com/office/drawing/2014/main" id="{E6582372-88AB-47F3-A35B-A8C86B2D9C2A}"/>
-              </a:ext>
-            </a:extLst>
-          </p:cNvPr>
+          <p:cNvPr id="6" name="Slide Number Placeholder 5"/>
           <p:cNvSpPr>
             <a:spLocks noGrp="1"/>
           </p:cNvSpPr>
@@ -3003,8 +3385,8 @@
         </p:nvSpPr>
         <p:spPr>
           <a:xfrm>
-            <a:off x="8610600" y="6356350"/>
-            <a:ext cx="2743200" cy="365125"/>
+            <a:off x="9900458" y="6459785"/>
+            <a:ext cx="1312025" cy="365125"/>
           </a:xfrm>
           <a:prstGeom prst="rect">
             <a:avLst/>
@@ -3014,11 +3396,9 @@
           <a:bodyPr vert="horz" lIns="91440" tIns="45720" rIns="91440" bIns="45720" rtlCol="0" anchor="ctr"/>
           <a:lstStyle>
             <a:lvl1pPr algn="r">
-              <a:defRPr sz="1200">
+              <a:defRPr sz="1050">
                 <a:solidFill>
-                  <a:schemeClr val="tx1">
-                    <a:tint val="75000"/>
-                  </a:schemeClr>
+                  <a:srgbClr val="FFFFFF"/>
                 </a:solidFill>
               </a:defRPr>
             </a:lvl1pPr>
@@ -3033,40 +3413,81 @@
           </a:p>
         </p:txBody>
       </p:sp>
+      <p:cxnSp>
+        <p:nvCxnSpPr>
+          <p:cNvPr id="10" name="Straight Connector 9"/>
+          <p:cNvCxnSpPr/>
+          <p:nvPr/>
+        </p:nvCxnSpPr>
+        <p:spPr>
+          <a:xfrm>
+            <a:off x="1193532" y="1737845"/>
+            <a:ext cx="9966960" cy="0"/>
+          </a:xfrm>
+          <a:prstGeom prst="line">
+            <a:avLst/>
+          </a:prstGeom>
+          <a:ln w="6350">
+            <a:solidFill>
+              <a:schemeClr val="tx1">
+                <a:lumMod val="50000"/>
+                <a:lumOff val="50000"/>
+              </a:schemeClr>
+            </a:solidFill>
+          </a:ln>
+        </p:spPr>
+        <p:style>
+          <a:lnRef idx="1">
+            <a:schemeClr val="accent1"/>
+          </a:lnRef>
+          <a:fillRef idx="0">
+            <a:schemeClr val="accent1"/>
+          </a:fillRef>
+          <a:effectRef idx="0">
+            <a:schemeClr val="accent1"/>
+          </a:effectRef>
+          <a:fontRef idx="minor">
+            <a:schemeClr val="tx1"/>
+          </a:fontRef>
+        </p:style>
+      </p:cxnSp>
     </p:spTree>
     <p:extLst>
       <p:ext uri="{BB962C8B-B14F-4D97-AF65-F5344CB8AC3E}">
-        <p14:creationId xmlns:p14="http://schemas.microsoft.com/office/powerpoint/2010/main" xmlns="" val="1831950406"/>
+        <p14:creationId xmlns:p14="http://schemas.microsoft.com/office/powerpoint/2010/main" val="2361636988"/>
       </p:ext>
     </p:extLst>
   </p:cSld>
   <p:clrMap bg1="lt1" tx1="dk1" bg2="lt2" tx2="dk2" accent1="accent1" accent2="accent2" accent3="accent3" accent4="accent4" accent5="accent5" accent6="accent6" hlink="hlink" folHlink="folHlink"/>
   <p:sldLayoutIdLst>
-    <p:sldLayoutId id="2147483649" r:id="rId1"/>
-    <p:sldLayoutId id="2147483650" r:id="rId2"/>
-    <p:sldLayoutId id="2147483651" r:id="rId3"/>
-    <p:sldLayoutId id="2147483652" r:id="rId4"/>
-    <p:sldLayoutId id="2147483653" r:id="rId5"/>
-    <p:sldLayoutId id="2147483654" r:id="rId6"/>
-    <p:sldLayoutId id="2147483655" r:id="rId7"/>
-    <p:sldLayoutId id="2147483656" r:id="rId8"/>
-    <p:sldLayoutId id="2147483657" r:id="rId9"/>
-    <p:sldLayoutId id="2147483658" r:id="rId10"/>
-    <p:sldLayoutId id="2147483659" r:id="rId11"/>
+    <p:sldLayoutId id="2147483661" r:id="rId1"/>
+    <p:sldLayoutId id="2147483662" r:id="rId2"/>
+    <p:sldLayoutId id="2147483663" r:id="rId3"/>
+    <p:sldLayoutId id="2147483664" r:id="rId4"/>
+    <p:sldLayoutId id="2147483665" r:id="rId5"/>
+    <p:sldLayoutId id="2147483666" r:id="rId6"/>
+    <p:sldLayoutId id="2147483667" r:id="rId7"/>
+    <p:sldLayoutId id="2147483668" r:id="rId8"/>
+    <p:sldLayoutId id="2147483669" r:id="rId9"/>
+    <p:sldLayoutId id="2147483670" r:id="rId10"/>
+    <p:sldLayoutId id="2147483671" r:id="rId11"/>
   </p:sldLayoutIdLst>
   <p:txStyles>
     <p:titleStyle>
       <a:lvl1pPr algn="l" defTabSz="914400" rtl="0" eaLnBrk="1" latinLnBrk="0" hangingPunct="1">
         <a:lnSpc>
-          <a:spcPct val="90000"/>
+          <a:spcPct val="85000"/>
         </a:lnSpc>
         <a:spcBef>
           <a:spcPct val="0"/>
         </a:spcBef>
         <a:buNone/>
-        <a:defRPr sz="4400" kern="1200">
+        <a:defRPr sz="4800" kern="1200" spc="-50" baseline="0">
           <a:solidFill>
-            <a:schemeClr val="tx1"/>
+            <a:schemeClr val="tx1">
+              <a:lumMod val="75000"/>
+              <a:lumOff val="25000"/>
+            </a:schemeClr>
           </a:solidFill>
           <a:latin typeface="+mj-lt"/>
           <a:ea typeface="+mj-ea"/>
@@ -3075,162 +3496,244 @@
       </a:lvl1pPr>
     </p:titleStyle>
     <p:bodyStyle>
-      <a:lvl1pPr marL="228600" indent="-228600" algn="l" defTabSz="914400" rtl="0" eaLnBrk="1" latinLnBrk="0" hangingPunct="1">
+      <a:lvl1pPr marL="91440" indent="-91440" algn="l" defTabSz="914400" rtl="0" eaLnBrk="1" latinLnBrk="0" hangingPunct="1">
         <a:lnSpc>
           <a:spcPct val="90000"/>
         </a:lnSpc>
         <a:spcBef>
-          <a:spcPts val="1000"/>
+          <a:spcPts val="1200"/>
         </a:spcBef>
-        <a:buFont typeface="Arial" panose="020B0604020202020204" pitchFamily="34" charset="0"/>
-        <a:buChar char="•"/>
-        <a:defRPr sz="2800" kern="1200">
+        <a:spcAft>
+          <a:spcPts val="200"/>
+        </a:spcAft>
+        <a:buClr>
+          <a:schemeClr val="accent1"/>
+        </a:buClr>
+        <a:buSzPct val="100000"/>
+        <a:buFont typeface="Calibri" panose="020F0502020204030204" pitchFamily="34" charset="0"/>
+        <a:buChar char=" "/>
+        <a:defRPr sz="2000" kern="1200">
           <a:solidFill>
-            <a:schemeClr val="tx1"/>
+            <a:schemeClr val="tx1">
+              <a:lumMod val="75000"/>
+              <a:lumOff val="25000"/>
+            </a:schemeClr>
           </a:solidFill>
           <a:latin typeface="+mn-lt"/>
           <a:ea typeface="+mn-ea"/>
           <a:cs typeface="+mn-cs"/>
         </a:defRPr>
       </a:lvl1pPr>
-      <a:lvl2pPr marL="685800" indent="-228600" algn="l" defTabSz="914400" rtl="0" eaLnBrk="1" latinLnBrk="0" hangingPunct="1">
+      <a:lvl2pPr marL="384048" indent="-182880" algn="l" defTabSz="914400" rtl="0" eaLnBrk="1" latinLnBrk="0" hangingPunct="1">
         <a:lnSpc>
           <a:spcPct val="90000"/>
         </a:lnSpc>
         <a:spcBef>
-          <a:spcPts val="500"/>
+          <a:spcPts val="200"/>
         </a:spcBef>
-        <a:buFont typeface="Arial" panose="020B0604020202020204" pitchFamily="34" charset="0"/>
-        <a:buChar char="•"/>
-        <a:defRPr sz="2400" kern="1200">
+        <a:spcAft>
+          <a:spcPts val="400"/>
+        </a:spcAft>
+        <a:buClr>
+          <a:schemeClr val="accent1"/>
+        </a:buClr>
+        <a:buFont typeface="Calibri" pitchFamily="34" charset="0"/>
+        <a:buChar char="◦"/>
+        <a:defRPr sz="1800" kern="1200">
           <a:solidFill>
-            <a:schemeClr val="tx1"/>
+            <a:schemeClr val="tx1">
+              <a:lumMod val="75000"/>
+              <a:lumOff val="25000"/>
+            </a:schemeClr>
           </a:solidFill>
           <a:latin typeface="+mn-lt"/>
           <a:ea typeface="+mn-ea"/>
           <a:cs typeface="+mn-cs"/>
         </a:defRPr>
       </a:lvl2pPr>
-      <a:lvl3pPr marL="1143000" indent="-228600" algn="l" defTabSz="914400" rtl="0" eaLnBrk="1" latinLnBrk="0" hangingPunct="1">
+      <a:lvl3pPr marL="566928" indent="-182880" algn="l" defTabSz="914400" rtl="0" eaLnBrk="1" latinLnBrk="0" hangingPunct="1">
         <a:lnSpc>
           <a:spcPct val="90000"/>
         </a:lnSpc>
         <a:spcBef>
-          <a:spcPts val="500"/>
+          <a:spcPts val="200"/>
         </a:spcBef>
-        <a:buFont typeface="Arial" panose="020B0604020202020204" pitchFamily="34" charset="0"/>
-        <a:buChar char="•"/>
-        <a:defRPr sz="2000" kern="1200">
+        <a:spcAft>
+          <a:spcPts val="400"/>
+        </a:spcAft>
+        <a:buClr>
+          <a:schemeClr val="accent1"/>
+        </a:buClr>
+        <a:buFont typeface="Calibri" pitchFamily="34" charset="0"/>
+        <a:buChar char="◦"/>
+        <a:defRPr sz="1400" kern="1200">
           <a:solidFill>
-            <a:schemeClr val="tx1"/>
+            <a:schemeClr val="tx1">
+              <a:lumMod val="75000"/>
+              <a:lumOff val="25000"/>
+            </a:schemeClr>
           </a:solidFill>
           <a:latin typeface="+mn-lt"/>
           <a:ea typeface="+mn-ea"/>
           <a:cs typeface="+mn-cs"/>
         </a:defRPr>
       </a:lvl3pPr>
-      <a:lvl4pPr marL="1600200" indent="-228600" algn="l" defTabSz="914400" rtl="0" eaLnBrk="1" latinLnBrk="0" hangingPunct="1">
+      <a:lvl4pPr marL="749808" indent="-182880" algn="l" defTabSz="914400" rtl="0" eaLnBrk="1" latinLnBrk="0" hangingPunct="1">
         <a:lnSpc>
           <a:spcPct val="90000"/>
         </a:lnSpc>
         <a:spcBef>
-          <a:spcPts val="500"/>
+          <a:spcPts val="200"/>
         </a:spcBef>
-        <a:buFont typeface="Arial" panose="020B0604020202020204" pitchFamily="34" charset="0"/>
-        <a:buChar char="•"/>
-        <a:defRPr sz="1800" kern="1200">
+        <a:spcAft>
+          <a:spcPts val="400"/>
+        </a:spcAft>
+        <a:buClr>
+          <a:schemeClr val="accent1"/>
+        </a:buClr>
+        <a:buFont typeface="Calibri" pitchFamily="34" charset="0"/>
+        <a:buChar char="◦"/>
+        <a:defRPr sz="1400" kern="1200">
           <a:solidFill>
-            <a:schemeClr val="tx1"/>
+            <a:schemeClr val="tx1">
+              <a:lumMod val="75000"/>
+              <a:lumOff val="25000"/>
+            </a:schemeClr>
           </a:solidFill>
           <a:latin typeface="+mn-lt"/>
           <a:ea typeface="+mn-ea"/>
           <a:cs typeface="+mn-cs"/>
         </a:defRPr>
       </a:lvl4pPr>
-      <a:lvl5pPr marL="2057400" indent="-228600" algn="l" defTabSz="914400" rtl="0" eaLnBrk="1" latinLnBrk="0" hangingPunct="1">
+      <a:lvl5pPr marL="932688" indent="-182880" algn="l" defTabSz="914400" rtl="0" eaLnBrk="1" latinLnBrk="0" hangingPunct="1">
         <a:lnSpc>
           <a:spcPct val="90000"/>
         </a:lnSpc>
         <a:spcBef>
-          <a:spcPts val="500"/>
+          <a:spcPts val="200"/>
         </a:spcBef>
-        <a:buFont typeface="Arial" panose="020B0604020202020204" pitchFamily="34" charset="0"/>
-        <a:buChar char="•"/>
-        <a:defRPr sz="1800" kern="1200">
+        <a:spcAft>
+          <a:spcPts val="400"/>
+        </a:spcAft>
+        <a:buClr>
+          <a:schemeClr val="accent1"/>
+        </a:buClr>
+        <a:buFont typeface="Calibri" pitchFamily="34" charset="0"/>
+        <a:buChar char="◦"/>
+        <a:defRPr sz="1400" kern="1200">
           <a:solidFill>
-            <a:schemeClr val="tx1"/>
+            <a:schemeClr val="tx1">
+              <a:lumMod val="75000"/>
+              <a:lumOff val="25000"/>
+            </a:schemeClr>
           </a:solidFill>
           <a:latin typeface="+mn-lt"/>
           <a:ea typeface="+mn-ea"/>
           <a:cs typeface="+mn-cs"/>
         </a:defRPr>
       </a:lvl5pPr>
-      <a:lvl6pPr marL="2514600" indent="-228600" algn="l" defTabSz="914400" rtl="0" eaLnBrk="1" latinLnBrk="0" hangingPunct="1">
+      <a:lvl6pPr marL="1100000" indent="-228600" algn="l" defTabSz="914400" rtl="0" eaLnBrk="1" latinLnBrk="0" hangingPunct="1">
         <a:lnSpc>
           <a:spcPct val="90000"/>
         </a:lnSpc>
         <a:spcBef>
-          <a:spcPts val="500"/>
+          <a:spcPts val="200"/>
         </a:spcBef>
-        <a:buFont typeface="Arial" panose="020B0604020202020204" pitchFamily="34" charset="0"/>
-        <a:buChar char="•"/>
-        <a:defRPr sz="1800" kern="1200">
+        <a:spcAft>
+          <a:spcPts val="400"/>
+        </a:spcAft>
+        <a:buClr>
+          <a:schemeClr val="accent1"/>
+        </a:buClr>
+        <a:buFont typeface="Calibri" pitchFamily="34" charset="0"/>
+        <a:buChar char="◦"/>
+        <a:defRPr sz="1400" kern="1200">
           <a:solidFill>
-            <a:schemeClr val="tx1"/>
+            <a:schemeClr val="tx1">
+              <a:lumMod val="75000"/>
+              <a:lumOff val="25000"/>
+            </a:schemeClr>
           </a:solidFill>
           <a:latin typeface="+mn-lt"/>
           <a:ea typeface="+mn-ea"/>
           <a:cs typeface="+mn-cs"/>
         </a:defRPr>
       </a:lvl6pPr>
-      <a:lvl7pPr marL="2971800" indent="-228600" algn="l" defTabSz="914400" rtl="0" eaLnBrk="1" latinLnBrk="0" hangingPunct="1">
+      <a:lvl7pPr marL="1300000" indent="-228600" algn="l" defTabSz="914400" rtl="0" eaLnBrk="1" latinLnBrk="0" hangingPunct="1">
         <a:lnSpc>
           <a:spcPct val="90000"/>
         </a:lnSpc>
         <a:spcBef>
-          <a:spcPts val="500"/>
+          <a:spcPts val="200"/>
         </a:spcBef>
-        <a:buFont typeface="Arial" panose="020B0604020202020204" pitchFamily="34" charset="0"/>
-        <a:buChar char="•"/>
-        <a:defRPr sz="1800" kern="1200">
+        <a:spcAft>
+          <a:spcPts val="400"/>
+        </a:spcAft>
+        <a:buClr>
+          <a:schemeClr val="accent1"/>
+        </a:buClr>
+        <a:buFont typeface="Calibri" pitchFamily="34" charset="0"/>
+        <a:buChar char="◦"/>
+        <a:defRPr sz="1400" kern="1200">
           <a:solidFill>
-            <a:schemeClr val="tx1"/>
+            <a:schemeClr val="tx1">
+              <a:lumMod val="75000"/>
+              <a:lumOff val="25000"/>
+            </a:schemeClr>
           </a:solidFill>
           <a:latin typeface="+mn-lt"/>
           <a:ea typeface="+mn-ea"/>
           <a:cs typeface="+mn-cs"/>
         </a:defRPr>
       </a:lvl7pPr>
-      <a:lvl8pPr marL="3429000" indent="-228600" algn="l" defTabSz="914400" rtl="0" eaLnBrk="1" latinLnBrk="0" hangingPunct="1">
+      <a:lvl8pPr marL="1500000" indent="-228600" algn="l" defTabSz="914400" rtl="0" eaLnBrk="1" latinLnBrk="0" hangingPunct="1">
         <a:lnSpc>
           <a:spcPct val="90000"/>
         </a:lnSpc>
         <a:spcBef>
-          <a:spcPts val="500"/>
+          <a:spcPts val="200"/>
         </a:spcBef>
-        <a:buFont typeface="Arial" panose="020B0604020202020204" pitchFamily="34" charset="0"/>
-        <a:buChar char="•"/>
-        <a:defRPr sz="1800" kern="1200">
+        <a:spcAft>
+          <a:spcPts val="400"/>
+        </a:spcAft>
+        <a:buClr>
+          <a:schemeClr val="accent1"/>
+        </a:buClr>
+        <a:buFont typeface="Calibri" pitchFamily="34" charset="0"/>
+        <a:buChar char="◦"/>
+        <a:defRPr sz="1400" kern="1200">
           <a:solidFill>
-            <a:schemeClr val="tx1"/>
+            <a:schemeClr val="tx1">
+              <a:lumMod val="75000"/>
+              <a:lumOff val="25000"/>
+            </a:schemeClr>
           </a:solidFill>
           <a:latin typeface="+mn-lt"/>
           <a:ea typeface="+mn-ea"/>
           <a:cs typeface="+mn-cs"/>
         </a:defRPr>
       </a:lvl8pPr>
-      <a:lvl9pPr marL="3886200" indent="-228600" algn="l" defTabSz="914400" rtl="0" eaLnBrk="1" latinLnBrk="0" hangingPunct="1">
+      <a:lvl9pPr marL="1700000" indent="-228600" algn="l" defTabSz="914400" rtl="0" eaLnBrk="1" latinLnBrk="0" hangingPunct="1">
         <a:lnSpc>
           <a:spcPct val="90000"/>
         </a:lnSpc>
         <a:spcBef>
-          <a:spcPts val="500"/>
+          <a:spcPts val="200"/>
         </a:spcBef>
-        <a:buFont typeface="Arial" panose="020B0604020202020204" pitchFamily="34" charset="0"/>
-        <a:buChar char="•"/>
-        <a:defRPr sz="1800" kern="1200">
+        <a:spcAft>
+          <a:spcPts val="400"/>
+        </a:spcAft>
+        <a:buClr>
+          <a:schemeClr val="accent1"/>
+        </a:buClr>
+        <a:buFont typeface="Calibri" pitchFamily="34" charset="0"/>
+        <a:buChar char="◦"/>
+        <a:defRPr sz="1400" kern="1200">
           <a:solidFill>
-            <a:schemeClr val="tx1"/>
+            <a:schemeClr val="tx1">
+              <a:lumMod val="75000"/>
+              <a:lumOff val="25000"/>
+            </a:schemeClr>
           </a:solidFill>
           <a:latin typeface="+mn-lt"/>
           <a:ea typeface="+mn-ea"/>
@@ -3240,7 +3743,7 @@
     </p:bodyStyle>
     <p:otherStyle>
       <a:defPPr>
-        <a:defRPr lang="nl-NL"/>
+        <a:defRPr lang="en-US"/>
       </a:defPPr>
       <a:lvl1pPr marL="0" algn="l" defTabSz="914400" rtl="0" eaLnBrk="1" latinLnBrk="0" hangingPunct="1">
         <a:defRPr sz="1800" kern="1200">
@@ -3359,7 +3862,7 @@
           <p:cNvPr id="2" name="Titel 1">
             <a:extLst>
               <a:ext uri="{FF2B5EF4-FFF2-40B4-BE49-F238E27FC236}">
-                <a16:creationId xmlns="" xmlns:a16="http://schemas.microsoft.com/office/drawing/2014/main" id="{AE205A44-390E-455B-87E1-6D48C073A474}"/>
+                <a16:creationId xmlns:a16="http://schemas.microsoft.com/office/drawing/2014/main" id="{AE205A44-390E-455B-87E1-6D48C073A474}"/>
               </a:ext>
             </a:extLst>
           </p:cNvPr>
@@ -3370,7 +3873,12 @@
             <p:ph type="ctrTitle"/>
           </p:nvPr>
         </p:nvSpPr>
-        <p:spPr/>
+        <p:spPr>
+          <a:xfrm>
+            <a:off x="1097280" y="3182110"/>
+            <a:ext cx="10058400" cy="1143001"/>
+          </a:xfrm>
+        </p:spPr>
         <p:txBody>
           <a:bodyPr/>
           <a:lstStyle/>
@@ -3399,7 +3907,7 @@
           <p:cNvPr id="3" name="Ondertitel 2">
             <a:extLst>
               <a:ext uri="{FF2B5EF4-FFF2-40B4-BE49-F238E27FC236}">
-                <a16:creationId xmlns="" xmlns:a16="http://schemas.microsoft.com/office/drawing/2014/main" id="{E24A4149-DFE7-4EE0-A98A-18326D7AD35D}"/>
+                <a16:creationId xmlns:a16="http://schemas.microsoft.com/office/drawing/2014/main" id="{E24A4149-DFE7-4EE0-A98A-18326D7AD35D}"/>
               </a:ext>
             </a:extLst>
           </p:cNvPr>
@@ -3410,7 +3918,12 @@
             <p:ph type="subTitle" idx="1"/>
           </p:nvPr>
         </p:nvSpPr>
-        <p:spPr/>
+        <p:spPr>
+          <a:xfrm>
+            <a:off x="1100051" y="4455620"/>
+            <a:ext cx="10058400" cy="1143000"/>
+          </a:xfrm>
+        </p:spPr>
         <p:txBody>
           <a:bodyPr/>
           <a:lstStyle/>
@@ -3425,20 +3938,13 @@
     </p:spTree>
     <p:extLst>
       <p:ext uri="{BB962C8B-B14F-4D97-AF65-F5344CB8AC3E}">
-        <p14:creationId xmlns:p14="http://schemas.microsoft.com/office/powerpoint/2010/main" xmlns="" val="1696353441"/>
+        <p14:creationId xmlns:p14="http://schemas.microsoft.com/office/powerpoint/2010/main" val="1696353441"/>
       </p:ext>
     </p:extLst>
   </p:cSld>
   <p:clrMapOvr>
     <a:masterClrMapping/>
   </p:clrMapOvr>
-  <p:timing>
-    <p:tnLst>
-      <p:par>
-        <p:cTn id="1" dur="indefinite" restart="never" nodeType="tmRoot"/>
-      </p:par>
-    </p:tnLst>
-  </p:timing>
 </p:sld>
 </file>
 
@@ -3475,7 +3981,7 @@
           <a:lstStyle/>
           <a:p>
             <a:r>
-              <a:rPr lang="en-US" dirty="0" err="1" smtClean="0"/>
+              <a:rPr lang="en-US" dirty="0" err="1"/>
               <a:t>Hillclimber</a:t>
             </a:r>
             <a:endParaRPr lang="en-US" dirty="0"/>
@@ -3498,31 +4004,30 @@
           <a:lstStyle/>
           <a:p>
             <a:r>
-              <a:rPr lang="en-US" dirty="0" err="1" smtClean="0"/>
+              <a:rPr lang="en-US" dirty="0" err="1"/>
               <a:t>Resultaten</a:t>
             </a:r>
             <a:r>
-              <a:rPr lang="en-US" dirty="0" smtClean="0"/>
+              <a:rPr lang="en-US" dirty="0"/>
               <a:t>:</a:t>
             </a:r>
-            <a:endParaRPr lang="en-US" dirty="0" smtClean="0"/>
           </a:p>
           <a:p>
             <a:pPr lvl="1"/>
             <a:r>
-              <a:rPr lang="en-US" dirty="0" smtClean="0"/>
+              <a:rPr lang="en-US" dirty="0"/>
               <a:t>Score </a:t>
             </a:r>
             <a:r>
-              <a:rPr lang="en-US" dirty="0" err="1" smtClean="0"/>
+              <a:rPr lang="en-US" dirty="0" err="1"/>
               <a:t>blijft</a:t>
             </a:r>
             <a:r>
-              <a:rPr lang="en-US" dirty="0" smtClean="0"/>
+              <a:rPr lang="en-US" dirty="0"/>
               <a:t> </a:t>
             </a:r>
             <a:r>
-              <a:rPr lang="en-US" smtClean="0"/>
+              <a:rPr lang="en-US"/>
               <a:t>gelijk</a:t>
             </a:r>
             <a:endParaRPr lang="en-US" dirty="0"/>
@@ -3559,7 +4064,7 @@
           <p:cNvPr id="2" name="Titel 1">
             <a:extLst>
               <a:ext uri="{FF2B5EF4-FFF2-40B4-BE49-F238E27FC236}">
-                <a16:creationId xmlns="" xmlns:a16="http://schemas.microsoft.com/office/drawing/2014/main" id="{769A96FB-BA26-47C0-85BC-9E5A44D94A65}"/>
+                <a16:creationId xmlns:a16="http://schemas.microsoft.com/office/drawing/2014/main" id="{769A96FB-BA26-47C0-85BC-9E5A44D94A65}"/>
               </a:ext>
             </a:extLst>
           </p:cNvPr>
@@ -3587,7 +4092,7 @@
           <p:cNvPr id="5" name="Tijdelijke aanduiding voor inhoud 4">
             <a:extLst>
               <a:ext uri="{FF2B5EF4-FFF2-40B4-BE49-F238E27FC236}">
-                <a16:creationId xmlns="" xmlns:a16="http://schemas.microsoft.com/office/drawing/2014/main" id="{82F9B9FE-1870-4902-A7DB-4B27D59D2B2B}"/>
+                <a16:creationId xmlns:a16="http://schemas.microsoft.com/office/drawing/2014/main" id="{82F9B9FE-1870-4902-A7DB-4B27D59D2B2B}"/>
               </a:ext>
             </a:extLst>
           </p:cNvPr>
@@ -3602,7 +4107,7 @@
           <a:blip r:embed="rId2" cstate="print">
             <a:extLst>
               <a:ext uri="{28A0092B-C50C-407E-A947-70E740481C1C}">
-                <a14:useLocalDpi xmlns:a14="http://schemas.microsoft.com/office/drawing/2010/main" xmlns="" val="0"/>
+                <a14:useLocalDpi xmlns:a14="http://schemas.microsoft.com/office/drawing/2010/main" val="0"/>
               </a:ext>
             </a:extLst>
           </a:blip>
@@ -3622,7 +4127,7 @@
           <p:cNvPr id="6" name="Tekstvak 5">
             <a:extLst>
               <a:ext uri="{FF2B5EF4-FFF2-40B4-BE49-F238E27FC236}">
-                <a16:creationId xmlns="" xmlns:a16="http://schemas.microsoft.com/office/drawing/2014/main" id="{D8F2D3D1-1FE8-4AA0-B6C8-D7E88097CE04}"/>
+                <a16:creationId xmlns:a16="http://schemas.microsoft.com/office/drawing/2014/main" id="{D8F2D3D1-1FE8-4AA0-B6C8-D7E88097CE04}"/>
               </a:ext>
             </a:extLst>
           </p:cNvPr>
@@ -3658,7 +4163,7 @@
           <p:cNvPr id="8" name="Afbeelding 7">
             <a:extLst>
               <a:ext uri="{FF2B5EF4-FFF2-40B4-BE49-F238E27FC236}">
-                <a16:creationId xmlns="" xmlns:a16="http://schemas.microsoft.com/office/drawing/2014/main" id="{819AAC82-0B32-4FA7-B311-90C90A003DAD}"/>
+                <a16:creationId xmlns:a16="http://schemas.microsoft.com/office/drawing/2014/main" id="{819AAC82-0B32-4FA7-B311-90C90A003DAD}"/>
               </a:ext>
             </a:extLst>
           </p:cNvPr>
@@ -3671,7 +4176,7 @@
           <a:blip r:embed="rId3" cstate="print">
             <a:extLst>
               <a:ext uri="{28A0092B-C50C-407E-A947-70E740481C1C}">
-                <a14:useLocalDpi xmlns:a14="http://schemas.microsoft.com/office/drawing/2010/main" xmlns="" val="0"/>
+                <a14:useLocalDpi xmlns:a14="http://schemas.microsoft.com/office/drawing/2010/main" val="0"/>
               </a:ext>
             </a:extLst>
           </a:blip>
@@ -3693,7 +4198,7 @@
           <p:cNvPr id="11" name="Pijl: rechts 10">
             <a:extLst>
               <a:ext uri="{FF2B5EF4-FFF2-40B4-BE49-F238E27FC236}">
-                <a16:creationId xmlns="" xmlns:a16="http://schemas.microsoft.com/office/drawing/2014/main" id="{C3B3C454-C61F-4642-AC5E-175E78B46E93}"/>
+                <a16:creationId xmlns:a16="http://schemas.microsoft.com/office/drawing/2014/main" id="{C3B3C454-C61F-4642-AC5E-175E78B46E93}"/>
               </a:ext>
             </a:extLst>
           </p:cNvPr>
@@ -3739,7 +4244,7 @@
           <p:cNvPr id="12" name="Tekstvak 11">
             <a:extLst>
               <a:ext uri="{FF2B5EF4-FFF2-40B4-BE49-F238E27FC236}">
-                <a16:creationId xmlns="" xmlns:a16="http://schemas.microsoft.com/office/drawing/2014/main" id="{1AF95B95-DF37-4511-BC26-2A337B82EADC}"/>
+                <a16:creationId xmlns:a16="http://schemas.microsoft.com/office/drawing/2014/main" id="{1AF95B95-DF37-4511-BC26-2A337B82EADC}"/>
               </a:ext>
             </a:extLst>
           </p:cNvPr>
@@ -3774,7 +4279,7 @@
           <p:cNvPr id="9" name="Afbeelding 8">
             <a:extLst>
               <a:ext uri="{FF2B5EF4-FFF2-40B4-BE49-F238E27FC236}">
-                <a16:creationId xmlns="" xmlns:a16="http://schemas.microsoft.com/office/drawing/2014/main" id="{1B858127-D2F6-4D2B-B5A9-94CF7612B179}"/>
+                <a16:creationId xmlns:a16="http://schemas.microsoft.com/office/drawing/2014/main" id="{1B858127-D2F6-4D2B-B5A9-94CF7612B179}"/>
               </a:ext>
             </a:extLst>
           </p:cNvPr>
@@ -3787,7 +4292,7 @@
           <a:blip r:embed="rId4" cstate="print">
             <a:extLst>
               <a:ext uri="{28A0092B-C50C-407E-A947-70E740481C1C}">
-                <a14:useLocalDpi xmlns:a14="http://schemas.microsoft.com/office/drawing/2010/main" xmlns="" val="0"/>
+                <a14:useLocalDpi xmlns:a14="http://schemas.microsoft.com/office/drawing/2010/main" val="0"/>
               </a:ext>
             </a:extLst>
           </a:blip>
@@ -3810,7 +4315,7 @@
           <p:cNvPr id="10" name="Pijl: rechts 9">
             <a:extLst>
               <a:ext uri="{FF2B5EF4-FFF2-40B4-BE49-F238E27FC236}">
-                <a16:creationId xmlns="" xmlns:a16="http://schemas.microsoft.com/office/drawing/2014/main" id="{13F3850F-71EA-4741-A182-94C4C2F636F5}"/>
+                <a16:creationId xmlns:a16="http://schemas.microsoft.com/office/drawing/2014/main" id="{13F3850F-71EA-4741-A182-94C4C2F636F5}"/>
               </a:ext>
             </a:extLst>
           </p:cNvPr>
@@ -3854,20 +4359,13 @@
     </p:spTree>
     <p:extLst>
       <p:ext uri="{BB962C8B-B14F-4D97-AF65-F5344CB8AC3E}">
-        <p14:creationId xmlns:p14="http://schemas.microsoft.com/office/powerpoint/2010/main" xmlns="" val="2643686151"/>
+        <p14:creationId xmlns:p14="http://schemas.microsoft.com/office/powerpoint/2010/main" val="2643686151"/>
       </p:ext>
     </p:extLst>
   </p:cSld>
   <p:clrMapOvr>
     <a:masterClrMapping/>
   </p:clrMapOvr>
-  <p:timing>
-    <p:tnLst>
-      <p:par>
-        <p:cTn id="1" dur="indefinite" restart="never" nodeType="tmRoot"/>
-      </p:par>
-    </p:tnLst>
-  </p:timing>
 </p:sld>
 </file>
 
@@ -3893,7 +4391,7 @@
           <p:cNvPr id="2" name="Titel 1">
             <a:extLst>
               <a:ext uri="{FF2B5EF4-FFF2-40B4-BE49-F238E27FC236}">
-                <a16:creationId xmlns="" xmlns:a16="http://schemas.microsoft.com/office/drawing/2014/main" id="{769A96FB-BA26-47C0-85BC-9E5A44D94A65}"/>
+                <a16:creationId xmlns:a16="http://schemas.microsoft.com/office/drawing/2014/main" id="{769A96FB-BA26-47C0-85BC-9E5A44D94A65}"/>
               </a:ext>
             </a:extLst>
           </p:cNvPr>
@@ -3921,7 +4419,7 @@
           <p:cNvPr id="5" name="Tijdelijke aanduiding voor inhoud 4">
             <a:extLst>
               <a:ext uri="{FF2B5EF4-FFF2-40B4-BE49-F238E27FC236}">
-                <a16:creationId xmlns="" xmlns:a16="http://schemas.microsoft.com/office/drawing/2014/main" id="{82F9B9FE-1870-4902-A7DB-4B27D59D2B2B}"/>
+                <a16:creationId xmlns:a16="http://schemas.microsoft.com/office/drawing/2014/main" id="{82F9B9FE-1870-4902-A7DB-4B27D59D2B2B}"/>
               </a:ext>
             </a:extLst>
           </p:cNvPr>
@@ -3936,7 +4434,7 @@
           <a:blip r:embed="rId2" cstate="print">
             <a:extLst>
               <a:ext uri="{28A0092B-C50C-407E-A947-70E740481C1C}">
-                <a14:useLocalDpi xmlns:a14="http://schemas.microsoft.com/office/drawing/2010/main" xmlns="" val="0"/>
+                <a14:useLocalDpi xmlns:a14="http://schemas.microsoft.com/office/drawing/2010/main" val="0"/>
               </a:ext>
             </a:extLst>
           </a:blip>
@@ -3956,7 +4454,7 @@
           <p:cNvPr id="6" name="Tekstvak 5">
             <a:extLst>
               <a:ext uri="{FF2B5EF4-FFF2-40B4-BE49-F238E27FC236}">
-                <a16:creationId xmlns="" xmlns:a16="http://schemas.microsoft.com/office/drawing/2014/main" id="{D8F2D3D1-1FE8-4AA0-B6C8-D7E88097CE04}"/>
+                <a16:creationId xmlns:a16="http://schemas.microsoft.com/office/drawing/2014/main" id="{D8F2D3D1-1FE8-4AA0-B6C8-D7E88097CE04}"/>
               </a:ext>
             </a:extLst>
           </p:cNvPr>
@@ -3992,7 +4490,7 @@
           <p:cNvPr id="8" name="Afbeelding 7">
             <a:extLst>
               <a:ext uri="{FF2B5EF4-FFF2-40B4-BE49-F238E27FC236}">
-                <a16:creationId xmlns="" xmlns:a16="http://schemas.microsoft.com/office/drawing/2014/main" id="{819AAC82-0B32-4FA7-B311-90C90A003DAD}"/>
+                <a16:creationId xmlns:a16="http://schemas.microsoft.com/office/drawing/2014/main" id="{819AAC82-0B32-4FA7-B311-90C90A003DAD}"/>
               </a:ext>
             </a:extLst>
           </p:cNvPr>
@@ -4005,7 +4503,7 @@
           <a:blip r:embed="rId3" cstate="print">
             <a:extLst>
               <a:ext uri="{28A0092B-C50C-407E-A947-70E740481C1C}">
-                <a14:useLocalDpi xmlns:a14="http://schemas.microsoft.com/office/drawing/2010/main" xmlns="" val="0"/>
+                <a14:useLocalDpi xmlns:a14="http://schemas.microsoft.com/office/drawing/2010/main" val="0"/>
               </a:ext>
             </a:extLst>
           </a:blip>
@@ -4027,7 +4525,7 @@
           <p:cNvPr id="11" name="Pijl: rechts 10">
             <a:extLst>
               <a:ext uri="{FF2B5EF4-FFF2-40B4-BE49-F238E27FC236}">
-                <a16:creationId xmlns="" xmlns:a16="http://schemas.microsoft.com/office/drawing/2014/main" id="{C3B3C454-C61F-4642-AC5E-175E78B46E93}"/>
+                <a16:creationId xmlns:a16="http://schemas.microsoft.com/office/drawing/2014/main" id="{C3B3C454-C61F-4642-AC5E-175E78B46E93}"/>
               </a:ext>
             </a:extLst>
           </p:cNvPr>
@@ -4073,7 +4571,7 @@
           <p:cNvPr id="12" name="Tekstvak 11">
             <a:extLst>
               <a:ext uri="{FF2B5EF4-FFF2-40B4-BE49-F238E27FC236}">
-                <a16:creationId xmlns="" xmlns:a16="http://schemas.microsoft.com/office/drawing/2014/main" id="{1AF95B95-DF37-4511-BC26-2A337B82EADC}"/>
+                <a16:creationId xmlns:a16="http://schemas.microsoft.com/office/drawing/2014/main" id="{1AF95B95-DF37-4511-BC26-2A337B82EADC}"/>
               </a:ext>
             </a:extLst>
           </p:cNvPr>
@@ -4108,7 +4606,7 @@
           <p:cNvPr id="9" name="Afbeelding 8">
             <a:extLst>
               <a:ext uri="{FF2B5EF4-FFF2-40B4-BE49-F238E27FC236}">
-                <a16:creationId xmlns="" xmlns:a16="http://schemas.microsoft.com/office/drawing/2014/main" id="{1B858127-D2F6-4D2B-B5A9-94CF7612B179}"/>
+                <a16:creationId xmlns:a16="http://schemas.microsoft.com/office/drawing/2014/main" id="{1B858127-D2F6-4D2B-B5A9-94CF7612B179}"/>
               </a:ext>
             </a:extLst>
           </p:cNvPr>
@@ -4121,7 +4619,7 @@
           <a:blip r:embed="rId4" cstate="print">
             <a:extLst>
               <a:ext uri="{28A0092B-C50C-407E-A947-70E740481C1C}">
-                <a14:useLocalDpi xmlns:a14="http://schemas.microsoft.com/office/drawing/2010/main" xmlns="" val="0"/>
+                <a14:useLocalDpi xmlns:a14="http://schemas.microsoft.com/office/drawing/2010/main" val="0"/>
               </a:ext>
             </a:extLst>
           </a:blip>
@@ -4144,7 +4642,7 @@
           <p:cNvPr id="10" name="Pijl: rechts 9">
             <a:extLst>
               <a:ext uri="{FF2B5EF4-FFF2-40B4-BE49-F238E27FC236}">
-                <a16:creationId xmlns="" xmlns:a16="http://schemas.microsoft.com/office/drawing/2014/main" id="{13F3850F-71EA-4741-A182-94C4C2F636F5}"/>
+                <a16:creationId xmlns:a16="http://schemas.microsoft.com/office/drawing/2014/main" id="{13F3850F-71EA-4741-A182-94C4C2F636F5}"/>
               </a:ext>
             </a:extLst>
           </p:cNvPr>
@@ -4190,7 +4688,7 @@
           <p:cNvPr id="3" name="Ovaal 2">
             <a:extLst>
               <a:ext uri="{FF2B5EF4-FFF2-40B4-BE49-F238E27FC236}">
-                <a16:creationId xmlns="" xmlns:a16="http://schemas.microsoft.com/office/drawing/2014/main" id="{19B9F891-8EF8-44F6-B6ED-BB2422D771A3}"/>
+                <a16:creationId xmlns:a16="http://schemas.microsoft.com/office/drawing/2014/main" id="{19B9F891-8EF8-44F6-B6ED-BB2422D771A3}"/>
               </a:ext>
             </a:extLst>
           </p:cNvPr>
@@ -4239,7 +4737,7 @@
           <p:cNvPr id="13" name="Ovaal 12">
             <a:extLst>
               <a:ext uri="{FF2B5EF4-FFF2-40B4-BE49-F238E27FC236}">
-                <a16:creationId xmlns="" xmlns:a16="http://schemas.microsoft.com/office/drawing/2014/main" id="{24DD1F6E-573A-4E2D-8811-591CE94E629B}"/>
+                <a16:creationId xmlns:a16="http://schemas.microsoft.com/office/drawing/2014/main" id="{24DD1F6E-573A-4E2D-8811-591CE94E629B}"/>
               </a:ext>
             </a:extLst>
           </p:cNvPr>
@@ -4248,7 +4746,7 @@
         </p:nvSpPr>
         <p:spPr>
           <a:xfrm>
-            <a:off x="6232125" y="4687234"/>
+            <a:off x="6232125" y="4638495"/>
             <a:ext cx="1705664" cy="727968"/>
           </a:xfrm>
           <a:prstGeom prst="ellipse">
@@ -4288,7 +4786,7 @@
           <p:cNvPr id="7" name="Rechte verbindingslijn met pijl 6">
             <a:extLst>
               <a:ext uri="{FF2B5EF4-FFF2-40B4-BE49-F238E27FC236}">
-                <a16:creationId xmlns="" xmlns:a16="http://schemas.microsoft.com/office/drawing/2014/main" id="{D5C82334-4E2E-4051-961A-F679B07C4F1F}"/>
+                <a16:creationId xmlns:a16="http://schemas.microsoft.com/office/drawing/2014/main" id="{D5C82334-4E2E-4051-961A-F679B07C4F1F}"/>
               </a:ext>
             </a:extLst>
           </p:cNvPr>
@@ -4300,8 +4798,8 @@
         </p:nvCxnSpPr>
         <p:spPr>
           <a:xfrm flipH="1">
-            <a:off x="4715237" y="4060685"/>
-            <a:ext cx="1219200" cy="577810"/>
+            <a:off x="4715237" y="4011946"/>
+            <a:ext cx="1219200" cy="626549"/>
           </a:xfrm>
           <a:prstGeom prst="straightConnector1">
             <a:avLst/>
@@ -4330,7 +4828,7 @@
           <p:cNvPr id="16" name="Rechte verbindingslijn met pijl 15">
             <a:extLst>
               <a:ext uri="{FF2B5EF4-FFF2-40B4-BE49-F238E27FC236}">
-                <a16:creationId xmlns="" xmlns:a16="http://schemas.microsoft.com/office/drawing/2014/main" id="{705EA1F6-DA7E-4475-8576-E76A7C126F12}"/>
+                <a16:creationId xmlns:a16="http://schemas.microsoft.com/office/drawing/2014/main" id="{705EA1F6-DA7E-4475-8576-E76A7C126F12}"/>
               </a:ext>
             </a:extLst>
           </p:cNvPr>
@@ -4342,7 +4840,7 @@
         </p:nvCxnSpPr>
         <p:spPr>
           <a:xfrm>
-            <a:off x="5934437" y="4060685"/>
+            <a:off x="5934437" y="4011946"/>
             <a:ext cx="1150520" cy="626549"/>
           </a:xfrm>
           <a:prstGeom prst="straightConnector1">
@@ -4370,20 +4868,13 @@
     </p:spTree>
     <p:extLst>
       <p:ext uri="{BB962C8B-B14F-4D97-AF65-F5344CB8AC3E}">
-        <p14:creationId xmlns:p14="http://schemas.microsoft.com/office/powerpoint/2010/main" xmlns="" val="845698545"/>
+        <p14:creationId xmlns:p14="http://schemas.microsoft.com/office/powerpoint/2010/main" val="845698545"/>
       </p:ext>
     </p:extLst>
   </p:cSld>
   <p:clrMapOvr>
     <a:masterClrMapping/>
   </p:clrMapOvr>
-  <p:timing>
-    <p:tnLst>
-      <p:par>
-        <p:cTn id="1" dur="indefinite" restart="never" nodeType="tmRoot"/>
-      </p:par>
-    </p:tnLst>
-  </p:timing>
 </p:sld>
 </file>
 
@@ -4409,7 +4900,7 @@
           <p:cNvPr id="2" name="Titel 1">
             <a:extLst>
               <a:ext uri="{FF2B5EF4-FFF2-40B4-BE49-F238E27FC236}">
-                <a16:creationId xmlns="" xmlns:a16="http://schemas.microsoft.com/office/drawing/2014/main" id="{28AC7F7A-EB5E-48A2-A178-02E17BA194BE}"/>
+                <a16:creationId xmlns:a16="http://schemas.microsoft.com/office/drawing/2014/main" id="{28AC7F7A-EB5E-48A2-A178-02E17BA194BE}"/>
               </a:ext>
             </a:extLst>
           </p:cNvPr>
@@ -4454,7 +4945,7 @@
           <p:cNvPr id="4" name="Tijdelijke aanduiding voor inhoud 3">
             <a:extLst>
               <a:ext uri="{FF2B5EF4-FFF2-40B4-BE49-F238E27FC236}">
-                <a16:creationId xmlns="" xmlns:a16="http://schemas.microsoft.com/office/drawing/2014/main" id="{12A0C32B-A310-4B27-B6D9-73509A425B75}"/>
+                <a16:creationId xmlns:a16="http://schemas.microsoft.com/office/drawing/2014/main" id="{12A0C32B-A310-4B27-B6D9-73509A425B75}"/>
               </a:ext>
             </a:extLst>
           </p:cNvPr>
@@ -4483,20 +4974,13 @@
     </p:spTree>
     <p:extLst>
       <p:ext uri="{BB962C8B-B14F-4D97-AF65-F5344CB8AC3E}">
-        <p14:creationId xmlns:p14="http://schemas.microsoft.com/office/powerpoint/2010/main" xmlns="" val="2460963347"/>
+        <p14:creationId xmlns:p14="http://schemas.microsoft.com/office/powerpoint/2010/main" val="2460963347"/>
       </p:ext>
     </p:extLst>
   </p:cSld>
   <p:clrMapOvr>
     <a:masterClrMapping/>
   </p:clrMapOvr>
-  <p:timing>
-    <p:tnLst>
-      <p:par>
-        <p:cTn id="1" dur="indefinite" restart="never" nodeType="tmRoot"/>
-      </p:par>
-    </p:tnLst>
-  </p:timing>
 </p:sld>
 </file>
 
@@ -4533,19 +5017,19 @@
           <a:lstStyle/>
           <a:p>
             <a:r>
-              <a:rPr lang="en-US" dirty="0" smtClean="0"/>
+              <a:rPr lang="en-US" dirty="0"/>
               <a:t>Protein </a:t>
             </a:r>
             <a:r>
-              <a:rPr lang="en-US" dirty="0" err="1" smtClean="0"/>
+              <a:rPr lang="en-US" dirty="0" err="1"/>
               <a:t>Pow</a:t>
             </a:r>
             <a:r>
-              <a:rPr lang="en-US" dirty="0" smtClean="0"/>
+              <a:rPr lang="en-US" dirty="0"/>
               <a:t>(d)</a:t>
             </a:r>
             <a:r>
-              <a:rPr lang="en-US" dirty="0" err="1" smtClean="0"/>
+              <a:rPr lang="en-US" dirty="0" err="1"/>
               <a:t>er</a:t>
             </a:r>
             <a:endParaRPr lang="en-US" dirty="0"/>
@@ -4568,7 +5052,7 @@
           <a:lstStyle/>
           <a:p>
             <a:r>
-              <a:rPr lang="en-US" dirty="0" smtClean="0"/>
+              <a:rPr lang="en-US" dirty="0"/>
               <a:t>Constraints</a:t>
             </a:r>
           </a:p>
@@ -4625,11 +5109,11 @@
             <a:endParaRPr lang="en-US" dirty="0"/>
           </a:p>
           <a:p>
-            <a:endParaRPr lang="en-US" dirty="0" smtClean="0"/>
-          </a:p>
-          <a:p>
-            <a:r>
-              <a:rPr lang="en-US" dirty="0" smtClean="0"/>
+            <a:endParaRPr lang="en-US" dirty="0"/>
+          </a:p>
+          <a:p>
+            <a:r>
+              <a:rPr lang="en-US" dirty="0"/>
               <a:t>Upper/Lower Bound</a:t>
             </a:r>
           </a:p>
@@ -4637,7 +5121,7 @@
             <a:pPr marL="457200" lvl="1" indent="0">
               <a:buNone/>
             </a:pPr>
-            <a:endParaRPr lang="en-US" dirty="0" smtClean="0"/>
+            <a:endParaRPr lang="en-US" dirty="0"/>
           </a:p>
           <a:p>
             <a:pPr marL="457200" lvl="1" indent="0">
@@ -4652,13 +5136,6 @@
   <p:clrMapOvr>
     <a:masterClrMapping/>
   </p:clrMapOvr>
-  <p:timing>
-    <p:tnLst>
-      <p:par>
-        <p:cTn id="1" dur="indefinite" restart="never" nodeType="tmRoot"/>
-      </p:par>
-    </p:tnLst>
-  </p:timing>
 </p:sld>
 </file>
 
@@ -4695,14 +5172,13 @@
           <a:lstStyle/>
           <a:p>
             <a:r>
-              <a:rPr lang="en-US" dirty="0" err="1" smtClean="0"/>
+              <a:rPr lang="en-US" dirty="0" err="1"/>
               <a:t>Methode</a:t>
             </a:r>
             <a:r>
-              <a:rPr lang="en-US" dirty="0" smtClean="0"/>
+              <a:rPr lang="en-US" dirty="0"/>
               <a:t>	</a:t>
             </a:r>
-            <a:endParaRPr lang="en-US" dirty="0"/>
           </a:p>
         </p:txBody>
       </p:sp>
@@ -4722,60 +5198,60 @@
           <a:lstStyle/>
           <a:p>
             <a:r>
-              <a:rPr lang="nl-NL" dirty="0" smtClean="0"/>
+              <a:rPr lang="nl-NL" dirty="0"/>
               <a:t>Classes</a:t>
             </a:r>
           </a:p>
           <a:p>
             <a:pPr lvl="1"/>
             <a:r>
-              <a:rPr lang="nl-NL" dirty="0" err="1" smtClean="0"/>
+              <a:rPr lang="nl-NL" dirty="0" err="1"/>
               <a:t>Amino</a:t>
             </a:r>
             <a:r>
-              <a:rPr lang="nl-NL" dirty="0" smtClean="0"/>
+              <a:rPr lang="nl-NL" dirty="0"/>
               <a:t> Acid</a:t>
             </a:r>
           </a:p>
           <a:p>
             <a:pPr lvl="1"/>
             <a:r>
-              <a:rPr lang="nl-NL" dirty="0" err="1" smtClean="0"/>
+              <a:rPr lang="nl-NL" dirty="0" err="1"/>
               <a:t>Amino</a:t>
             </a:r>
             <a:r>
-              <a:rPr lang="nl-NL" dirty="0" smtClean="0"/>
+              <a:rPr lang="nl-NL" dirty="0"/>
               <a:t> Acid </a:t>
             </a:r>
             <a:r>
-              <a:rPr lang="nl-NL" dirty="0" err="1" smtClean="0"/>
+              <a:rPr lang="nl-NL" dirty="0" err="1"/>
               <a:t>Chain</a:t>
             </a:r>
-            <a:endParaRPr lang="nl-NL" dirty="0" smtClean="0"/>
-          </a:p>
-          <a:p>
-            <a:r>
-              <a:rPr lang="nl-NL" dirty="0" smtClean="0"/>
+            <a:endParaRPr lang="nl-NL" dirty="0"/>
+          </a:p>
+          <a:p>
+            <a:r>
+              <a:rPr lang="nl-NL" dirty="0"/>
               <a:t>Assenstelsel </a:t>
             </a:r>
           </a:p>
           <a:p>
             <a:pPr lvl="1"/>
             <a:r>
-              <a:rPr lang="nl-NL" dirty="0" smtClean="0"/>
+              <a:rPr lang="nl-NL" dirty="0"/>
               <a:t>2D (x, y)</a:t>
             </a:r>
           </a:p>
           <a:p>
             <a:pPr lvl="1"/>
             <a:r>
-              <a:rPr lang="nl-NL" dirty="0" smtClean="0"/>
+              <a:rPr lang="nl-NL" dirty="0"/>
               <a:t>3D (x, y, z)</a:t>
             </a:r>
           </a:p>
           <a:p>
             <a:r>
-              <a:rPr lang="nl-NL" dirty="0" smtClean="0"/>
+              <a:rPr lang="nl-NL" dirty="0"/>
               <a:t>Plot</a:t>
             </a:r>
             <a:endParaRPr lang="en-US" dirty="0"/>
@@ -4787,13 +5263,6 @@
   <p:clrMapOvr>
     <a:masterClrMapping/>
   </p:clrMapOvr>
-  <p:timing>
-    <p:tnLst>
-      <p:par>
-        <p:cTn id="1" dur="indefinite" restart="never" nodeType="tmRoot"/>
-      </p:par>
-    </p:tnLst>
-  </p:timing>
 </p:sld>
 </file>
 
@@ -4830,7 +5299,7 @@
           <a:lstStyle/>
           <a:p>
             <a:r>
-              <a:rPr lang="en-US" dirty="0" err="1" smtClean="0"/>
+              <a:rPr lang="en-US" dirty="0" err="1"/>
               <a:t>Methode</a:t>
             </a:r>
             <a:endParaRPr lang="en-US" dirty="0"/>
@@ -4853,35 +5322,35 @@
           <a:lstStyle/>
           <a:p>
             <a:r>
-              <a:rPr lang="en-US" dirty="0" err="1" smtClean="0"/>
+              <a:rPr lang="en-US" dirty="0" err="1"/>
               <a:t>Algoritmes</a:t>
             </a:r>
             <a:r>
-              <a:rPr lang="en-US" dirty="0" smtClean="0"/>
+              <a:rPr lang="en-US" dirty="0"/>
               <a:t>:</a:t>
             </a:r>
           </a:p>
           <a:p>
             <a:pPr lvl="1"/>
             <a:r>
-              <a:rPr lang="en-US" dirty="0" smtClean="0"/>
+              <a:rPr lang="en-US" dirty="0"/>
               <a:t>Random</a:t>
             </a:r>
           </a:p>
           <a:p>
             <a:pPr lvl="1"/>
             <a:r>
-              <a:rPr lang="en-US" dirty="0" smtClean="0"/>
+              <a:rPr lang="en-US" dirty="0"/>
               <a:t>Breadth-first</a:t>
             </a:r>
           </a:p>
           <a:p>
             <a:pPr lvl="1"/>
             <a:r>
-              <a:rPr lang="en-US" dirty="0" err="1" smtClean="0"/>
+              <a:rPr lang="en-US" dirty="0" err="1"/>
               <a:t>Hillclimber</a:t>
             </a:r>
-            <a:endParaRPr lang="en-US" dirty="0" smtClean="0"/>
+            <a:endParaRPr lang="en-US" dirty="0"/>
           </a:p>
         </p:txBody>
       </p:sp>
@@ -4926,7 +5395,7 @@
         </p:blipFill>
         <p:spPr>
           <a:xfrm>
-            <a:off x="4890052" y="1444175"/>
+            <a:off x="5004352" y="988906"/>
             <a:ext cx="6904383" cy="5135135"/>
           </a:xfrm>
           <a:prstGeom prst="rect">
@@ -4950,7 +5419,7 @@
           <a:lstStyle/>
           <a:p>
             <a:r>
-              <a:rPr lang="en-US" dirty="0" err="1" smtClean="0"/>
+              <a:rPr lang="en-US" dirty="0" err="1"/>
               <a:t>Resultaten</a:t>
             </a:r>
             <a:endParaRPr lang="en-US" dirty="0"/>
@@ -4973,29 +5442,29 @@
           <a:lstStyle/>
           <a:p>
             <a:r>
-              <a:rPr lang="en-US" dirty="0" smtClean="0"/>
+              <a:rPr lang="en-US" dirty="0"/>
               <a:t>Peptide van 14 </a:t>
             </a:r>
             <a:r>
-              <a:rPr lang="en-US" dirty="0" err="1" smtClean="0"/>
+              <a:rPr lang="en-US" dirty="0" err="1"/>
               <a:t>aminozuren</a:t>
             </a:r>
             <a:r>
-              <a:rPr lang="en-US" dirty="0" smtClean="0"/>
+              <a:rPr lang="en-US" dirty="0"/>
               <a:t>:</a:t>
             </a:r>
           </a:p>
           <a:p>
             <a:pPr lvl="1"/>
             <a:r>
-              <a:rPr lang="en-US" dirty="0" smtClean="0"/>
+              <a:rPr lang="en-US" dirty="0"/>
               <a:t>Score: -6 </a:t>
             </a:r>
           </a:p>
           <a:p>
             <a:pPr lvl="1"/>
             <a:r>
-              <a:rPr lang="en-US" dirty="0" smtClean="0"/>
+              <a:rPr lang="en-US" dirty="0"/>
               <a:t>Runtime: 0.1507</a:t>
             </a:r>
           </a:p>
@@ -5026,9 +5495,82 @@
           <a:chExt cx="0" cy="0"/>
         </a:xfrm>
       </p:grpSpPr>
+      <p:sp>
+        <p:nvSpPr>
+          <p:cNvPr id="2" name="Titel 1"/>
+          <p:cNvSpPr>
+            <a:spLocks noGrp="1"/>
+          </p:cNvSpPr>
+          <p:nvPr>
+            <p:ph type="title"/>
+          </p:nvPr>
+        </p:nvSpPr>
+        <p:spPr/>
+        <p:txBody>
+          <a:bodyPr/>
+          <a:lstStyle/>
+          <a:p>
+            <a:r>
+              <a:rPr lang="en-US" dirty="0" err="1"/>
+              <a:t>Resultaten</a:t>
+            </a:r>
+            <a:endParaRPr lang="en-US" dirty="0"/>
+          </a:p>
+        </p:txBody>
+      </p:sp>
+      <p:sp>
+        <p:nvSpPr>
+          <p:cNvPr id="3" name="Tijdelijke aanduiding voor inhoud 2"/>
+          <p:cNvSpPr>
+            <a:spLocks noGrp="1"/>
+          </p:cNvSpPr>
+          <p:nvPr>
+            <p:ph idx="1"/>
+          </p:nvPr>
+        </p:nvSpPr>
+        <p:spPr/>
+        <p:txBody>
+          <a:bodyPr/>
+          <a:lstStyle/>
+          <a:p>
+            <a:r>
+              <a:rPr lang="en-US" dirty="0"/>
+              <a:t>Peptide van 20 </a:t>
+            </a:r>
+            <a:r>
+              <a:rPr lang="en-US" dirty="0" err="1"/>
+              <a:t>aminozuren</a:t>
+            </a:r>
+            <a:r>
+              <a:rPr lang="en-US" dirty="0"/>
+              <a:t>:</a:t>
+            </a:r>
+          </a:p>
+          <a:p>
+            <a:pPr lvl="1"/>
+            <a:r>
+              <a:rPr lang="en-US" dirty="0"/>
+              <a:t>Score: -8</a:t>
+            </a:r>
+          </a:p>
+          <a:p>
+            <a:pPr lvl="1"/>
+            <a:r>
+              <a:rPr lang="en-US" dirty="0"/>
+              <a:t>Runtime: 82.5547</a:t>
+            </a:r>
+          </a:p>
+        </p:txBody>
+      </p:sp>
       <p:pic>
         <p:nvPicPr>
-          <p:cNvPr id="4" name="Afbeelding 3" descr="Template_2_oplossing.png"/>
+          <p:cNvPr id="7" name="Afbeelding 6" descr="Template_2_oplossing.png">
+            <a:extLst>
+              <a:ext uri="{FF2B5EF4-FFF2-40B4-BE49-F238E27FC236}">
+                <a16:creationId xmlns:a16="http://schemas.microsoft.com/office/drawing/2014/main" id="{FE08C698-7897-4CD3-8273-A5B3141C4A8D}"/>
+              </a:ext>
+            </a:extLst>
+          </p:cNvPr>
           <p:cNvPicPr>
             <a:picLocks noChangeAspect="1"/>
           </p:cNvPicPr>
@@ -5042,7 +5584,7 @@
         </p:blipFill>
         <p:spPr>
           <a:xfrm>
-            <a:off x="5049412" y="1545701"/>
+            <a:off x="5004352" y="911998"/>
             <a:ext cx="6768408" cy="5034003"/>
           </a:xfrm>
           <a:prstGeom prst="rect">
@@ -5050,75 +5592,12 @@
           </a:prstGeom>
         </p:spPr>
       </p:pic>
-      <p:sp>
-        <p:nvSpPr>
-          <p:cNvPr id="2" name="Titel 1"/>
-          <p:cNvSpPr>
-            <a:spLocks noGrp="1"/>
-          </p:cNvSpPr>
-          <p:nvPr>
-            <p:ph type="title"/>
-          </p:nvPr>
-        </p:nvSpPr>
-        <p:spPr/>
-        <p:txBody>
-          <a:bodyPr/>
-          <a:lstStyle/>
-          <a:p>
-            <a:r>
-              <a:rPr lang="en-US" dirty="0" err="1" smtClean="0"/>
-              <a:t>Resultaten</a:t>
-            </a:r>
-            <a:endParaRPr lang="en-US" dirty="0"/>
-          </a:p>
-        </p:txBody>
-      </p:sp>
-      <p:sp>
-        <p:nvSpPr>
-          <p:cNvPr id="3" name="Tijdelijke aanduiding voor inhoud 2"/>
-          <p:cNvSpPr>
-            <a:spLocks noGrp="1"/>
-          </p:cNvSpPr>
-          <p:nvPr>
-            <p:ph idx="1"/>
-          </p:nvPr>
-        </p:nvSpPr>
-        <p:spPr/>
-        <p:txBody>
-          <a:bodyPr/>
-          <a:lstStyle/>
-          <a:p>
-            <a:r>
-              <a:rPr lang="en-US" dirty="0" smtClean="0"/>
-              <a:t>Peptide van 20 </a:t>
-            </a:r>
-            <a:r>
-              <a:rPr lang="en-US" dirty="0" err="1" smtClean="0"/>
-              <a:t>aminozuren</a:t>
-            </a:r>
-            <a:r>
-              <a:rPr lang="en-US" dirty="0" smtClean="0"/>
-              <a:t>:</a:t>
-            </a:r>
-          </a:p>
-          <a:p>
-            <a:pPr lvl="1"/>
-            <a:r>
-              <a:rPr lang="en-US" dirty="0" smtClean="0"/>
-              <a:t>Score: -8</a:t>
-            </a:r>
-          </a:p>
-          <a:p>
-            <a:pPr lvl="1"/>
-            <a:r>
-              <a:rPr lang="en-US" dirty="0" smtClean="0"/>
-              <a:t>Runtime: 82.5547</a:t>
-            </a:r>
-            <a:endParaRPr lang="en-US" dirty="0"/>
-          </a:p>
-        </p:txBody>
-      </p:sp>
     </p:spTree>
+    <p:extLst>
+      <p:ext uri="{BB962C8B-B14F-4D97-AF65-F5344CB8AC3E}">
+        <p14:creationId xmlns:p14="http://schemas.microsoft.com/office/powerpoint/2010/main" val="2759561616"/>
+      </p:ext>
+    </p:extLst>
   </p:cSld>
   <p:clrMapOvr>
     <a:masterClrMapping/>
@@ -5127,54 +5606,54 @@
 </file>
 
 <file path=ppt/theme/theme1.xml><?xml version="1.0" encoding="utf-8"?>
-<a:theme xmlns:a="http://schemas.openxmlformats.org/drawingml/2006/main" name="Kantoorthema">
+<a:theme xmlns:a="http://schemas.openxmlformats.org/drawingml/2006/main" name="Terugblik">
   <a:themeElements>
-    <a:clrScheme name="Office">
+    <a:clrScheme name="Terugblik">
       <a:dk1>
-        <a:sysClr val="windowText" lastClr="000000"/>
+        <a:srgbClr val="000000"/>
       </a:dk1>
       <a:lt1>
         <a:sysClr val="window" lastClr="FFFFFF"/>
       </a:lt1>
       <a:dk2>
-        <a:srgbClr val="44546A"/>
+        <a:srgbClr val="637052"/>
       </a:dk2>
       <a:lt2>
-        <a:srgbClr val="E7E6E6"/>
+        <a:srgbClr val="CCDDEA"/>
       </a:lt2>
       <a:accent1>
-        <a:srgbClr val="4472C4"/>
+        <a:srgbClr val="E48312"/>
       </a:accent1>
       <a:accent2>
-        <a:srgbClr val="ED7D31"/>
+        <a:srgbClr val="BD582C"/>
       </a:accent2>
       <a:accent3>
-        <a:srgbClr val="A5A5A5"/>
+        <a:srgbClr val="865640"/>
       </a:accent3>
       <a:accent4>
-        <a:srgbClr val="FFC000"/>
+        <a:srgbClr val="9B8357"/>
       </a:accent4>
       <a:accent5>
-        <a:srgbClr val="5B9BD5"/>
+        <a:srgbClr val="C2BC80"/>
       </a:accent5>
       <a:accent6>
-        <a:srgbClr val="70AD47"/>
+        <a:srgbClr val="94A088"/>
       </a:accent6>
       <a:hlink>
-        <a:srgbClr val="0563C1"/>
+        <a:srgbClr val="2998E3"/>
       </a:hlink>
       <a:folHlink>
-        <a:srgbClr val="954F72"/>
+        <a:srgbClr val="8C8C8C"/>
       </a:folHlink>
     </a:clrScheme>
-    <a:fontScheme name="Office">
+    <a:fontScheme name="Terugblik">
       <a:majorFont>
-        <a:latin typeface="Calibri Light"/>
+        <a:latin typeface="Calibri Light" panose="020F0302020204030204"/>
         <a:ea typeface=""/>
         <a:cs typeface=""/>
-        <a:font script="Jpan" typeface="游ゴシック Light"/>
+        <a:font script="Jpan" typeface="ＭＳ Ｐゴシック"/>
         <a:font script="Hang" typeface="맑은 고딕"/>
-        <a:font script="Hans" typeface="等线 Light"/>
+        <a:font script="Hans" typeface="宋体"/>
         <a:font script="Hant" typeface="新細明體"/>
         <a:font script="Arab" typeface="Times New Roman"/>
         <a:font script="Hebr" typeface="Times New Roman"/>
@@ -5202,31 +5681,14 @@
         <a:font script="Viet" typeface="Times New Roman"/>
         <a:font script="Uigh" typeface="Microsoft Uighur"/>
         <a:font script="Geor" typeface="Sylfaen"/>
-        <a:font script="Armn" typeface="Arial"/>
-        <a:font script="Bugi" typeface="Leelawadee UI"/>
-        <a:font script="Bopo" typeface="Microsoft JhengHei"/>
-        <a:font script="Java" typeface="Javanese Text"/>
-        <a:font script="Lisu" typeface="Segoe UI"/>
-        <a:font script="Mymr" typeface="Myanmar Text"/>
-        <a:font script="Nkoo" typeface="Ebrima"/>
-        <a:font script="Olck" typeface="Nirmala UI"/>
-        <a:font script="Osma" typeface="Ebrima"/>
-        <a:font script="Phag" typeface="Phagspa"/>
-        <a:font script="Syrn" typeface="Estrangelo Edessa"/>
-        <a:font script="Syrj" typeface="Estrangelo Edessa"/>
-        <a:font script="Syre" typeface="Estrangelo Edessa"/>
-        <a:font script="Sora" typeface="Nirmala UI"/>
-        <a:font script="Tale" typeface="Microsoft Tai Le"/>
-        <a:font script="Talu" typeface="Microsoft New Tai Lue"/>
-        <a:font script="Tfng" typeface="Ebrima"/>
       </a:majorFont>
       <a:minorFont>
-        <a:latin typeface="Calibri"/>
+        <a:latin typeface="Calibri" panose="020F0502020204030204"/>
         <a:ea typeface=""/>
         <a:cs typeface=""/>
-        <a:font script="Jpan" typeface="游ゴシック"/>
+        <a:font script="Jpan" typeface="ＭＳ Ｐゴシック"/>
         <a:font script="Hang" typeface="맑은 고딕"/>
-        <a:font script="Hans" typeface="等线"/>
+        <a:font script="Hans" typeface="宋体"/>
         <a:font script="Hant" typeface="新細明體"/>
         <a:font script="Arab" typeface="Arial"/>
         <a:font script="Hebr" typeface="Arial"/>
@@ -5254,26 +5716,9 @@
         <a:font script="Viet" typeface="Arial"/>
         <a:font script="Uigh" typeface="Microsoft Uighur"/>
         <a:font script="Geor" typeface="Sylfaen"/>
-        <a:font script="Armn" typeface="Arial"/>
-        <a:font script="Bugi" typeface="Leelawadee UI"/>
-        <a:font script="Bopo" typeface="Microsoft JhengHei"/>
-        <a:font script="Java" typeface="Javanese Text"/>
-        <a:font script="Lisu" typeface="Segoe UI"/>
-        <a:font script="Mymr" typeface="Myanmar Text"/>
-        <a:font script="Nkoo" typeface="Ebrima"/>
-        <a:font script="Olck" typeface="Nirmala UI"/>
-        <a:font script="Osma" typeface="Ebrima"/>
-        <a:font script="Phag" typeface="Phagspa"/>
-        <a:font script="Syrn" typeface="Estrangelo Edessa"/>
-        <a:font script="Syrj" typeface="Estrangelo Edessa"/>
-        <a:font script="Syre" typeface="Estrangelo Edessa"/>
-        <a:font script="Sora" typeface="Nirmala UI"/>
-        <a:font script="Tale" typeface="Microsoft Tai Le"/>
-        <a:font script="Talu" typeface="Microsoft New Tai Lue"/>
-        <a:font script="Tfng" typeface="Ebrima"/>
       </a:minorFont>
     </a:fontScheme>
-    <a:fmtScheme name="Office">
+    <a:fmtScheme name="Terugblik">
       <a:fillStyleLst>
         <a:solidFill>
           <a:schemeClr val="phClr"/>
@@ -5282,76 +5727,81 @@
           <a:gsLst>
             <a:gs pos="0">
               <a:schemeClr val="phClr">
-                <a:lumMod val="110000"/>
-                <a:satMod val="105000"/>
-                <a:tint val="67000"/>
+                <a:tint val="65000"/>
+                <a:shade val="92000"/>
+                <a:satMod val="130000"/>
               </a:schemeClr>
             </a:gs>
-            <a:gs pos="50000">
+            <a:gs pos="45000">
               <a:schemeClr val="phClr">
-                <a:lumMod val="105000"/>
-                <a:satMod val="103000"/>
-                <a:tint val="73000"/>
+                <a:tint val="60000"/>
+                <a:shade val="99000"/>
+                <a:satMod val="120000"/>
               </a:schemeClr>
             </a:gs>
             <a:gs pos="100000">
               <a:schemeClr val="phClr">
-                <a:lumMod val="105000"/>
-                <a:satMod val="109000"/>
-                <a:tint val="81000"/>
+                <a:tint val="55000"/>
+                <a:satMod val="140000"/>
               </a:schemeClr>
             </a:gs>
           </a:gsLst>
-          <a:lin ang="5400000" scaled="0"/>
+          <a:path path="circle">
+            <a:fillToRect l="100000" t="100000" r="100000" b="100000"/>
+          </a:path>
         </a:gradFill>
         <a:gradFill rotWithShape="1">
           <a:gsLst>
             <a:gs pos="0">
               <a:schemeClr val="phClr">
-                <a:satMod val="103000"/>
-                <a:lumMod val="102000"/>
-                <a:tint val="94000"/>
+                <a:shade val="85000"/>
+                <a:satMod val="130000"/>
               </a:schemeClr>
             </a:gs>
-            <a:gs pos="50000">
+            <a:gs pos="34000">
               <a:schemeClr val="phClr">
-                <a:satMod val="110000"/>
-                <a:lumMod val="100000"/>
-                <a:shade val="100000"/>
+                <a:shade val="87000"/>
+                <a:satMod val="125000"/>
+              </a:schemeClr>
+            </a:gs>
+            <a:gs pos="70000">
+              <a:schemeClr val="phClr">
+                <a:tint val="100000"/>
+                <a:shade val="90000"/>
+                <a:satMod val="130000"/>
               </a:schemeClr>
             </a:gs>
             <a:gs pos="100000">
               <a:schemeClr val="phClr">
-                <a:lumMod val="99000"/>
-                <a:satMod val="120000"/>
-                <a:shade val="78000"/>
+                <a:tint val="100000"/>
+                <a:shade val="100000"/>
+                <a:satMod val="110000"/>
               </a:schemeClr>
             </a:gs>
           </a:gsLst>
-          <a:lin ang="5400000" scaled="0"/>
+          <a:path path="circle">
+            <a:fillToRect l="100000" t="100000" r="100000" b="100000"/>
+          </a:path>
         </a:gradFill>
       </a:fillStyleLst>
       <a:lnStyleLst>
-        <a:ln w="6350" cap="flat" cmpd="sng" algn="ctr">
-          <a:solidFill>
-            <a:schemeClr val="phClr"/>
-          </a:solidFill>
-          <a:prstDash val="solid"/>
-          <a:miter lim="800000"/>
-        </a:ln>
         <a:ln w="12700" cap="flat" cmpd="sng" algn="ctr">
           <a:solidFill>
             <a:schemeClr val="phClr"/>
           </a:solidFill>
           <a:prstDash val="solid"/>
-          <a:miter lim="800000"/>
         </a:ln>
-        <a:ln w="19050" cap="flat" cmpd="sng" algn="ctr">
+        <a:ln w="15875" cap="flat" cmpd="sng" algn="ctr">
           <a:solidFill>
             <a:schemeClr val="phClr"/>
           </a:solidFill>
           <a:prstDash val="solid"/>
-          <a:miter lim="800000"/>
+        </a:ln>
+        <a:ln w="25400" cap="flat" cmpd="sng" algn="ctr">
+          <a:solidFill>
+            <a:schemeClr val="phClr"/>
+          </a:solidFill>
+          <a:prstDash val="solid"/>
         </a:ln>
       </a:lnStyleLst>
       <a:effectStyleLst>
@@ -5359,16 +5809,33 @@
           <a:effectLst/>
         </a:effectStyle>
         <a:effectStyle>
-          <a:effectLst/>
+          <a:effectLst>
+            <a:outerShdw blurRad="38100" dist="25400" dir="2700000" algn="br" rotWithShape="0">
+              <a:srgbClr val="000000">
+                <a:alpha val="60000"/>
+              </a:srgbClr>
+            </a:outerShdw>
+          </a:effectLst>
         </a:effectStyle>
         <a:effectStyle>
           <a:effectLst>
-            <a:outerShdw blurRad="57150" dist="19050" dir="5400000" algn="ctr" rotWithShape="0">
+            <a:outerShdw blurRad="44450" dist="25400" dir="2700000" algn="br" rotWithShape="0">
               <a:srgbClr val="000000">
-                <a:alpha val="63000"/>
+                <a:alpha val="60000"/>
               </a:srgbClr>
             </a:outerShdw>
           </a:effectLst>
+          <a:scene3d>
+            <a:camera prst="orthographicFront">
+              <a:rot lat="0" lon="0" rev="0"/>
+            </a:camera>
+            <a:lightRig rig="threePt" dir="t">
+              <a:rot lat="0" lon="0" rev="19800000"/>
+            </a:lightRig>
+          </a:scene3d>
+          <a:sp3d prstMaterial="flat">
+            <a:bevelT w="25400" h="31750"/>
+          </a:sp3d>
         </a:effectStyle>
       </a:effectStyleLst>
       <a:bgFillStyleLst>
@@ -5377,36 +5844,36 @@
         </a:solidFill>
         <a:solidFill>
           <a:schemeClr val="phClr">
-            <a:tint val="95000"/>
-            <a:satMod val="170000"/>
+            <a:tint val="90000"/>
+            <a:shade val="97000"/>
+            <a:satMod val="130000"/>
           </a:schemeClr>
         </a:solidFill>
         <a:gradFill rotWithShape="1">
           <a:gsLst>
             <a:gs pos="0">
               <a:schemeClr val="phClr">
-                <a:tint val="93000"/>
-                <a:satMod val="150000"/>
-                <a:shade val="98000"/>
-                <a:lumMod val="102000"/>
+                <a:tint val="96000"/>
+                <a:shade val="99000"/>
+                <a:satMod val="140000"/>
               </a:schemeClr>
             </a:gs>
-            <a:gs pos="50000">
+            <a:gs pos="65000">
               <a:schemeClr val="phClr">
-                <a:tint val="98000"/>
+                <a:tint val="100000"/>
+                <a:shade val="80000"/>
                 <a:satMod val="130000"/>
-                <a:shade val="90000"/>
-                <a:lumMod val="103000"/>
               </a:schemeClr>
             </a:gs>
             <a:gs pos="100000">
               <a:schemeClr val="phClr">
-                <a:shade val="63000"/>
+                <a:tint val="100000"/>
+                <a:shade val="48000"/>
                 <a:satMod val="120000"/>
               </a:schemeClr>
             </a:gs>
           </a:gsLst>
-          <a:lin ang="5400000" scaled="0"/>
+          <a:lin ang="16200000" scaled="0"/>
         </a:gradFill>
       </a:bgFillStyleLst>
     </a:fmtScheme>
@@ -5415,7 +5882,7 @@
   <a:extraClrSchemeLst/>
   <a:extLst>
     <a:ext uri="{05A4C25C-085E-4340-85A3-A5531E510DB2}">
-      <thm15:themeFamily xmlns="" xmlns:thm15="http://schemas.microsoft.com/office/thememl/2012/main" name="Office Theme" id="{62F939B6-93AF-4DB8-9C6B-D6C7DFDC589F}" vid="{4A3C46E8-61CC-4603-A589-7422A47A8E4A}"/>
+      <thm15:themeFamily xmlns:thm15="http://schemas.microsoft.com/office/thememl/2012/main" name="Retrospect" id="{5F128B03-DCCA-4EEB-AB3B-CF2899314A46}" vid="{3F1AAB62-24C6-49D2-8E01-B56FAC9A3DCD}"/>
     </a:ext>
   </a:extLst>
 </a:theme>

--- a/Presentations/Proteasen - week 1.pptx
+++ b/Presentations/Proteasen - week 1.pptx
@@ -115,7 +115,7 @@
   </p:defaultTextStyle>
   <p:extLst>
     <p:ext uri="{EFAFB233-063F-42B5-8137-9DF3F51BA10A}">
-      <p15:sldGuideLst xmlns:p15="http://schemas.microsoft.com/office/powerpoint/2012/main">
+      <p15:sldGuideLst xmlns:p15="http://schemas.microsoft.com/office/powerpoint/2012/main" xmlns="">
         <p15:guide id="1" orient="horz" pos="2160">
           <p15:clr>
             <a:srgbClr val="A4A3A4"/>
@@ -406,7 +406,7 @@
             <a:fld id="{1C1C122E-05CA-4289-A26B-D14C5EAD5EFF}" type="slidenum">
               <a:rPr lang="nl-NL" smtClean="0"/>
               <a:pPr/>
-              <a:t>‹nr.›</a:t>
+              <a:t>‹#›</a:t>
             </a:fld>
             <a:endParaRPr lang="nl-NL"/>
           </a:p>
@@ -616,7 +616,7 @@
             <a:fld id="{1C1C122E-05CA-4289-A26B-D14C5EAD5EFF}" type="slidenum">
               <a:rPr lang="nl-NL" smtClean="0"/>
               <a:pPr/>
-              <a:t>‹nr.›</a:t>
+              <a:t>‹#›</a:t>
             </a:fld>
             <a:endParaRPr lang="nl-NL"/>
           </a:p>
@@ -874,7 +874,7 @@
             <a:fld id="{1C1C122E-05CA-4289-A26B-D14C5EAD5EFF}" type="slidenum">
               <a:rPr lang="nl-NL" smtClean="0"/>
               <a:pPr/>
-              <a:t>‹nr.›</a:t>
+              <a:t>‹#›</a:t>
             </a:fld>
             <a:endParaRPr lang="nl-NL"/>
           </a:p>
@@ -1050,7 +1050,7 @@
             <a:fld id="{1C1C122E-05CA-4289-A26B-D14C5EAD5EFF}" type="slidenum">
               <a:rPr lang="nl-NL" smtClean="0"/>
               <a:pPr/>
-              <a:t>‹nr.›</a:t>
+              <a:t>‹#›</a:t>
             </a:fld>
             <a:endParaRPr lang="nl-NL"/>
           </a:p>
@@ -1395,7 +1395,7 @@
             <a:fld id="{1C1C122E-05CA-4289-A26B-D14C5EAD5EFF}" type="slidenum">
               <a:rPr lang="nl-NL" smtClean="0"/>
               <a:pPr/>
-              <a:t>‹nr.›</a:t>
+              <a:t>‹#›</a:t>
             </a:fld>
             <a:endParaRPr lang="nl-NL"/>
           </a:p>
@@ -1672,7 +1672,7 @@
             <a:fld id="{1C1C122E-05CA-4289-A26B-D14C5EAD5EFF}" type="slidenum">
               <a:rPr lang="nl-NL" smtClean="0"/>
               <a:pPr/>
-              <a:t>‹nr.›</a:t>
+              <a:t>‹#›</a:t>
             </a:fld>
             <a:endParaRPr lang="nl-NL"/>
           </a:p>
@@ -2053,7 +2053,7 @@
             <a:fld id="{1C1C122E-05CA-4289-A26B-D14C5EAD5EFF}" type="slidenum">
               <a:rPr lang="nl-NL" smtClean="0"/>
               <a:pPr/>
-              <a:t>‹nr.›</a:t>
+              <a:t>‹#›</a:t>
             </a:fld>
             <a:endParaRPr lang="nl-NL"/>
           </a:p>
@@ -2173,7 +2173,7 @@
             <a:fld id="{1C1C122E-05CA-4289-A26B-D14C5EAD5EFF}" type="slidenum">
               <a:rPr lang="nl-NL" smtClean="0"/>
               <a:pPr/>
-              <a:t>‹nr.›</a:t>
+              <a:t>‹#›</a:t>
             </a:fld>
             <a:endParaRPr lang="nl-NL"/>
           </a:p>
@@ -2354,7 +2354,7 @@
             <a:fld id="{1C1C122E-05CA-4289-A26B-D14C5EAD5EFF}" type="slidenum">
               <a:rPr lang="nl-NL" smtClean="0"/>
               <a:pPr/>
-              <a:t>‹nr.›</a:t>
+              <a:t>‹#›</a:t>
             </a:fld>
             <a:endParaRPr lang="nl-NL"/>
           </a:p>
@@ -2723,7 +2723,7 @@
             <a:fld id="{1C1C122E-05CA-4289-A26B-D14C5EAD5EFF}" type="slidenum">
               <a:rPr lang="nl-NL" smtClean="0"/>
               <a:pPr/>
-              <a:t>‹nr.›</a:t>
+              <a:t>‹#›</a:t>
             </a:fld>
             <a:endParaRPr lang="nl-NL"/>
           </a:p>
@@ -3086,7 +3086,7 @@
             <a:fld id="{1C1C122E-05CA-4289-A26B-D14C5EAD5EFF}" type="slidenum">
               <a:rPr lang="nl-NL" smtClean="0"/>
               <a:pPr/>
-              <a:t>‹nr.›</a:t>
+              <a:t>‹#›</a:t>
             </a:fld>
             <a:endParaRPr lang="nl-NL"/>
           </a:p>
@@ -3407,7 +3407,7 @@
             <a:fld id="{1C1C122E-05CA-4289-A26B-D14C5EAD5EFF}" type="slidenum">
               <a:rPr lang="nl-NL" smtClean="0"/>
               <a:pPr/>
-              <a:t>‹nr.›</a:t>
+              <a:t>‹#›</a:t>
             </a:fld>
             <a:endParaRPr lang="nl-NL"/>
           </a:p>
@@ -3862,7 +3862,7 @@
           <p:cNvPr id="2" name="Titel 1">
             <a:extLst>
               <a:ext uri="{FF2B5EF4-FFF2-40B4-BE49-F238E27FC236}">
-                <a16:creationId xmlns:a16="http://schemas.microsoft.com/office/drawing/2014/main" id="{AE205A44-390E-455B-87E1-6D48C073A474}"/>
+                <a16:creationId xmlns:a16="http://schemas.microsoft.com/office/drawing/2014/main" xmlns="" id="{AE205A44-390E-455B-87E1-6D48C073A474}"/>
               </a:ext>
             </a:extLst>
           </p:cNvPr>
@@ -3907,7 +3907,7 @@
           <p:cNvPr id="3" name="Ondertitel 2">
             <a:extLst>
               <a:ext uri="{FF2B5EF4-FFF2-40B4-BE49-F238E27FC236}">
-                <a16:creationId xmlns:a16="http://schemas.microsoft.com/office/drawing/2014/main" id="{E24A4149-DFE7-4EE0-A98A-18326D7AD35D}"/>
+                <a16:creationId xmlns:a16="http://schemas.microsoft.com/office/drawing/2014/main" xmlns="" id="{E24A4149-DFE7-4EE0-A98A-18326D7AD35D}"/>
               </a:ext>
             </a:extLst>
           </p:cNvPr>
@@ -3929,8 +3929,12 @@
           <a:lstStyle/>
           <a:p>
             <a:r>
+              <a:rPr lang="nl-NL" dirty="0" smtClean="0"/>
+              <a:t>Proteasen </a:t>
+            </a:r>
+            <a:r>
               <a:rPr lang="nl-NL" dirty="0"/>
-              <a:t>Protease – Mick, Eline, Vanessa</a:t>
+              <a:t>– Mick, Eline, Vanessa</a:t>
             </a:r>
           </a:p>
         </p:txBody>
@@ -3945,6 +3949,13 @@
   <p:clrMapOvr>
     <a:masterClrMapping/>
   </p:clrMapOvr>
+  <p:timing>
+    <p:tnLst>
+      <p:par>
+        <p:cTn id="1" dur="indefinite" restart="never" nodeType="tmRoot"/>
+      </p:par>
+    </p:tnLst>
+  </p:timing>
 </p:sld>
 </file>
 
@@ -4039,6 +4050,13 @@
   <p:clrMapOvr>
     <a:masterClrMapping/>
   </p:clrMapOvr>
+  <p:timing>
+    <p:tnLst>
+      <p:par>
+        <p:cTn id="1" dur="indefinite" restart="never" nodeType="tmRoot"/>
+      </p:par>
+    </p:tnLst>
+  </p:timing>
 </p:sld>
 </file>
 
@@ -4064,7 +4082,7 @@
           <p:cNvPr id="2" name="Titel 1">
             <a:extLst>
               <a:ext uri="{FF2B5EF4-FFF2-40B4-BE49-F238E27FC236}">
-                <a16:creationId xmlns:a16="http://schemas.microsoft.com/office/drawing/2014/main" id="{769A96FB-BA26-47C0-85BC-9E5A44D94A65}"/>
+                <a16:creationId xmlns:a16="http://schemas.microsoft.com/office/drawing/2014/main" xmlns="" id="{769A96FB-BA26-47C0-85BC-9E5A44D94A65}"/>
               </a:ext>
             </a:extLst>
           </p:cNvPr>
@@ -4092,7 +4110,7 @@
           <p:cNvPr id="5" name="Tijdelijke aanduiding voor inhoud 4">
             <a:extLst>
               <a:ext uri="{FF2B5EF4-FFF2-40B4-BE49-F238E27FC236}">
-                <a16:creationId xmlns:a16="http://schemas.microsoft.com/office/drawing/2014/main" id="{82F9B9FE-1870-4902-A7DB-4B27D59D2B2B}"/>
+                <a16:creationId xmlns:a16="http://schemas.microsoft.com/office/drawing/2014/main" xmlns="" id="{82F9B9FE-1870-4902-A7DB-4B27D59D2B2B}"/>
               </a:ext>
             </a:extLst>
           </p:cNvPr>
@@ -4127,7 +4145,7 @@
           <p:cNvPr id="6" name="Tekstvak 5">
             <a:extLst>
               <a:ext uri="{FF2B5EF4-FFF2-40B4-BE49-F238E27FC236}">
-                <a16:creationId xmlns:a16="http://schemas.microsoft.com/office/drawing/2014/main" id="{D8F2D3D1-1FE8-4AA0-B6C8-D7E88097CE04}"/>
+                <a16:creationId xmlns:a16="http://schemas.microsoft.com/office/drawing/2014/main" xmlns="" id="{D8F2D3D1-1FE8-4AA0-B6C8-D7E88097CE04}"/>
               </a:ext>
             </a:extLst>
           </p:cNvPr>
@@ -4163,7 +4181,7 @@
           <p:cNvPr id="8" name="Afbeelding 7">
             <a:extLst>
               <a:ext uri="{FF2B5EF4-FFF2-40B4-BE49-F238E27FC236}">
-                <a16:creationId xmlns:a16="http://schemas.microsoft.com/office/drawing/2014/main" id="{819AAC82-0B32-4FA7-B311-90C90A003DAD}"/>
+                <a16:creationId xmlns:a16="http://schemas.microsoft.com/office/drawing/2014/main" xmlns="" id="{819AAC82-0B32-4FA7-B311-90C90A003DAD}"/>
               </a:ext>
             </a:extLst>
           </p:cNvPr>
@@ -4198,7 +4216,7 @@
           <p:cNvPr id="11" name="Pijl: rechts 10">
             <a:extLst>
               <a:ext uri="{FF2B5EF4-FFF2-40B4-BE49-F238E27FC236}">
-                <a16:creationId xmlns:a16="http://schemas.microsoft.com/office/drawing/2014/main" id="{C3B3C454-C61F-4642-AC5E-175E78B46E93}"/>
+                <a16:creationId xmlns:a16="http://schemas.microsoft.com/office/drawing/2014/main" xmlns="" id="{C3B3C454-C61F-4642-AC5E-175E78B46E93}"/>
               </a:ext>
             </a:extLst>
           </p:cNvPr>
@@ -4244,7 +4262,7 @@
           <p:cNvPr id="12" name="Tekstvak 11">
             <a:extLst>
               <a:ext uri="{FF2B5EF4-FFF2-40B4-BE49-F238E27FC236}">
-                <a16:creationId xmlns:a16="http://schemas.microsoft.com/office/drawing/2014/main" id="{1AF95B95-DF37-4511-BC26-2A337B82EADC}"/>
+                <a16:creationId xmlns:a16="http://schemas.microsoft.com/office/drawing/2014/main" xmlns="" id="{1AF95B95-DF37-4511-BC26-2A337B82EADC}"/>
               </a:ext>
             </a:extLst>
           </p:cNvPr>
@@ -4279,7 +4297,7 @@
           <p:cNvPr id="9" name="Afbeelding 8">
             <a:extLst>
               <a:ext uri="{FF2B5EF4-FFF2-40B4-BE49-F238E27FC236}">
-                <a16:creationId xmlns:a16="http://schemas.microsoft.com/office/drawing/2014/main" id="{1B858127-D2F6-4D2B-B5A9-94CF7612B179}"/>
+                <a16:creationId xmlns:a16="http://schemas.microsoft.com/office/drawing/2014/main" xmlns="" id="{1B858127-D2F6-4D2B-B5A9-94CF7612B179}"/>
               </a:ext>
             </a:extLst>
           </p:cNvPr>
@@ -4315,7 +4333,7 @@
           <p:cNvPr id="10" name="Pijl: rechts 9">
             <a:extLst>
               <a:ext uri="{FF2B5EF4-FFF2-40B4-BE49-F238E27FC236}">
-                <a16:creationId xmlns:a16="http://schemas.microsoft.com/office/drawing/2014/main" id="{13F3850F-71EA-4741-A182-94C4C2F636F5}"/>
+                <a16:creationId xmlns:a16="http://schemas.microsoft.com/office/drawing/2014/main" xmlns="" id="{13F3850F-71EA-4741-A182-94C4C2F636F5}"/>
               </a:ext>
             </a:extLst>
           </p:cNvPr>
@@ -4366,6 +4384,13 @@
   <p:clrMapOvr>
     <a:masterClrMapping/>
   </p:clrMapOvr>
+  <p:timing>
+    <p:tnLst>
+      <p:par>
+        <p:cTn id="1" dur="indefinite" restart="never" nodeType="tmRoot"/>
+      </p:par>
+    </p:tnLst>
+  </p:timing>
 </p:sld>
 </file>
 
@@ -4391,7 +4416,7 @@
           <p:cNvPr id="2" name="Titel 1">
             <a:extLst>
               <a:ext uri="{FF2B5EF4-FFF2-40B4-BE49-F238E27FC236}">
-                <a16:creationId xmlns:a16="http://schemas.microsoft.com/office/drawing/2014/main" id="{769A96FB-BA26-47C0-85BC-9E5A44D94A65}"/>
+                <a16:creationId xmlns:a16="http://schemas.microsoft.com/office/drawing/2014/main" xmlns="" id="{769A96FB-BA26-47C0-85BC-9E5A44D94A65}"/>
               </a:ext>
             </a:extLst>
           </p:cNvPr>
@@ -4419,7 +4444,7 @@
           <p:cNvPr id="5" name="Tijdelijke aanduiding voor inhoud 4">
             <a:extLst>
               <a:ext uri="{FF2B5EF4-FFF2-40B4-BE49-F238E27FC236}">
-                <a16:creationId xmlns:a16="http://schemas.microsoft.com/office/drawing/2014/main" id="{82F9B9FE-1870-4902-A7DB-4B27D59D2B2B}"/>
+                <a16:creationId xmlns:a16="http://schemas.microsoft.com/office/drawing/2014/main" xmlns="" id="{82F9B9FE-1870-4902-A7DB-4B27D59D2B2B}"/>
               </a:ext>
             </a:extLst>
           </p:cNvPr>
@@ -4454,7 +4479,7 @@
           <p:cNvPr id="6" name="Tekstvak 5">
             <a:extLst>
               <a:ext uri="{FF2B5EF4-FFF2-40B4-BE49-F238E27FC236}">
-                <a16:creationId xmlns:a16="http://schemas.microsoft.com/office/drawing/2014/main" id="{D8F2D3D1-1FE8-4AA0-B6C8-D7E88097CE04}"/>
+                <a16:creationId xmlns:a16="http://schemas.microsoft.com/office/drawing/2014/main" xmlns="" id="{D8F2D3D1-1FE8-4AA0-B6C8-D7E88097CE04}"/>
               </a:ext>
             </a:extLst>
           </p:cNvPr>
@@ -4490,7 +4515,7 @@
           <p:cNvPr id="8" name="Afbeelding 7">
             <a:extLst>
               <a:ext uri="{FF2B5EF4-FFF2-40B4-BE49-F238E27FC236}">
-                <a16:creationId xmlns:a16="http://schemas.microsoft.com/office/drawing/2014/main" id="{819AAC82-0B32-4FA7-B311-90C90A003DAD}"/>
+                <a16:creationId xmlns:a16="http://schemas.microsoft.com/office/drawing/2014/main" xmlns="" id="{819AAC82-0B32-4FA7-B311-90C90A003DAD}"/>
               </a:ext>
             </a:extLst>
           </p:cNvPr>
@@ -4525,7 +4550,7 @@
           <p:cNvPr id="11" name="Pijl: rechts 10">
             <a:extLst>
               <a:ext uri="{FF2B5EF4-FFF2-40B4-BE49-F238E27FC236}">
-                <a16:creationId xmlns:a16="http://schemas.microsoft.com/office/drawing/2014/main" id="{C3B3C454-C61F-4642-AC5E-175E78B46E93}"/>
+                <a16:creationId xmlns:a16="http://schemas.microsoft.com/office/drawing/2014/main" xmlns="" id="{C3B3C454-C61F-4642-AC5E-175E78B46E93}"/>
               </a:ext>
             </a:extLst>
           </p:cNvPr>
@@ -4571,7 +4596,7 @@
           <p:cNvPr id="12" name="Tekstvak 11">
             <a:extLst>
               <a:ext uri="{FF2B5EF4-FFF2-40B4-BE49-F238E27FC236}">
-                <a16:creationId xmlns:a16="http://schemas.microsoft.com/office/drawing/2014/main" id="{1AF95B95-DF37-4511-BC26-2A337B82EADC}"/>
+                <a16:creationId xmlns:a16="http://schemas.microsoft.com/office/drawing/2014/main" xmlns="" id="{1AF95B95-DF37-4511-BC26-2A337B82EADC}"/>
               </a:ext>
             </a:extLst>
           </p:cNvPr>
@@ -4606,7 +4631,7 @@
           <p:cNvPr id="9" name="Afbeelding 8">
             <a:extLst>
               <a:ext uri="{FF2B5EF4-FFF2-40B4-BE49-F238E27FC236}">
-                <a16:creationId xmlns:a16="http://schemas.microsoft.com/office/drawing/2014/main" id="{1B858127-D2F6-4D2B-B5A9-94CF7612B179}"/>
+                <a16:creationId xmlns:a16="http://schemas.microsoft.com/office/drawing/2014/main" xmlns="" id="{1B858127-D2F6-4D2B-B5A9-94CF7612B179}"/>
               </a:ext>
             </a:extLst>
           </p:cNvPr>
@@ -4642,7 +4667,7 @@
           <p:cNvPr id="10" name="Pijl: rechts 9">
             <a:extLst>
               <a:ext uri="{FF2B5EF4-FFF2-40B4-BE49-F238E27FC236}">
-                <a16:creationId xmlns:a16="http://schemas.microsoft.com/office/drawing/2014/main" id="{13F3850F-71EA-4741-A182-94C4C2F636F5}"/>
+                <a16:creationId xmlns:a16="http://schemas.microsoft.com/office/drawing/2014/main" xmlns="" id="{13F3850F-71EA-4741-A182-94C4C2F636F5}"/>
               </a:ext>
             </a:extLst>
           </p:cNvPr>
@@ -4688,7 +4713,7 @@
           <p:cNvPr id="3" name="Ovaal 2">
             <a:extLst>
               <a:ext uri="{FF2B5EF4-FFF2-40B4-BE49-F238E27FC236}">
-                <a16:creationId xmlns:a16="http://schemas.microsoft.com/office/drawing/2014/main" id="{19B9F891-8EF8-44F6-B6ED-BB2422D771A3}"/>
+                <a16:creationId xmlns:a16="http://schemas.microsoft.com/office/drawing/2014/main" xmlns="" id="{19B9F891-8EF8-44F6-B6ED-BB2422D771A3}"/>
               </a:ext>
             </a:extLst>
           </p:cNvPr>
@@ -4737,7 +4762,7 @@
           <p:cNvPr id="13" name="Ovaal 12">
             <a:extLst>
               <a:ext uri="{FF2B5EF4-FFF2-40B4-BE49-F238E27FC236}">
-                <a16:creationId xmlns:a16="http://schemas.microsoft.com/office/drawing/2014/main" id="{24DD1F6E-573A-4E2D-8811-591CE94E629B}"/>
+                <a16:creationId xmlns:a16="http://schemas.microsoft.com/office/drawing/2014/main" xmlns="" id="{24DD1F6E-573A-4E2D-8811-591CE94E629B}"/>
               </a:ext>
             </a:extLst>
           </p:cNvPr>
@@ -4786,7 +4811,7 @@
           <p:cNvPr id="7" name="Rechte verbindingslijn met pijl 6">
             <a:extLst>
               <a:ext uri="{FF2B5EF4-FFF2-40B4-BE49-F238E27FC236}">
-                <a16:creationId xmlns:a16="http://schemas.microsoft.com/office/drawing/2014/main" id="{D5C82334-4E2E-4051-961A-F679B07C4F1F}"/>
+                <a16:creationId xmlns:a16="http://schemas.microsoft.com/office/drawing/2014/main" xmlns="" id="{D5C82334-4E2E-4051-961A-F679B07C4F1F}"/>
               </a:ext>
             </a:extLst>
           </p:cNvPr>
@@ -4828,7 +4853,7 @@
           <p:cNvPr id="16" name="Rechte verbindingslijn met pijl 15">
             <a:extLst>
               <a:ext uri="{FF2B5EF4-FFF2-40B4-BE49-F238E27FC236}">
-                <a16:creationId xmlns:a16="http://schemas.microsoft.com/office/drawing/2014/main" id="{705EA1F6-DA7E-4475-8576-E76A7C126F12}"/>
+                <a16:creationId xmlns:a16="http://schemas.microsoft.com/office/drawing/2014/main" xmlns="" id="{705EA1F6-DA7E-4475-8576-E76A7C126F12}"/>
               </a:ext>
             </a:extLst>
           </p:cNvPr>
@@ -4875,6 +4900,13 @@
   <p:clrMapOvr>
     <a:masterClrMapping/>
   </p:clrMapOvr>
+  <p:timing>
+    <p:tnLst>
+      <p:par>
+        <p:cTn id="1" dur="indefinite" restart="never" nodeType="tmRoot"/>
+      </p:par>
+    </p:tnLst>
+  </p:timing>
 </p:sld>
 </file>
 
@@ -4900,7 +4932,7 @@
           <p:cNvPr id="2" name="Titel 1">
             <a:extLst>
               <a:ext uri="{FF2B5EF4-FFF2-40B4-BE49-F238E27FC236}">
-                <a16:creationId xmlns:a16="http://schemas.microsoft.com/office/drawing/2014/main" id="{28AC7F7A-EB5E-48A2-A178-02E17BA194BE}"/>
+                <a16:creationId xmlns:a16="http://schemas.microsoft.com/office/drawing/2014/main" xmlns="" id="{28AC7F7A-EB5E-48A2-A178-02E17BA194BE}"/>
               </a:ext>
             </a:extLst>
           </p:cNvPr>
@@ -4945,7 +4977,7 @@
           <p:cNvPr id="4" name="Tijdelijke aanduiding voor inhoud 3">
             <a:extLst>
               <a:ext uri="{FF2B5EF4-FFF2-40B4-BE49-F238E27FC236}">
-                <a16:creationId xmlns:a16="http://schemas.microsoft.com/office/drawing/2014/main" id="{12A0C32B-A310-4B27-B6D9-73509A425B75}"/>
+                <a16:creationId xmlns:a16="http://schemas.microsoft.com/office/drawing/2014/main" xmlns="" id="{12A0C32B-A310-4B27-B6D9-73509A425B75}"/>
               </a:ext>
             </a:extLst>
           </p:cNvPr>
@@ -4981,6 +5013,13 @@
   <p:clrMapOvr>
     <a:masterClrMapping/>
   </p:clrMapOvr>
+  <p:timing>
+    <p:tnLst>
+      <p:par>
+        <p:cTn id="1" dur="indefinite" restart="never" nodeType="tmRoot"/>
+      </p:par>
+    </p:tnLst>
+  </p:timing>
 </p:sld>
 </file>
 
@@ -5136,6 +5175,13 @@
   <p:clrMapOvr>
     <a:masterClrMapping/>
   </p:clrMapOvr>
+  <p:timing>
+    <p:tnLst>
+      <p:par>
+        <p:cTn id="1" dur="indefinite" restart="never" nodeType="tmRoot"/>
+      </p:par>
+    </p:tnLst>
+  </p:timing>
 </p:sld>
 </file>
 
@@ -5263,6 +5309,13 @@
   <p:clrMapOvr>
     <a:masterClrMapping/>
   </p:clrMapOvr>
+  <p:timing>
+    <p:tnLst>
+      <p:par>
+        <p:cTn id="1" dur="indefinite" restart="never" nodeType="tmRoot"/>
+      </p:par>
+    </p:tnLst>
+  </p:timing>
 </p:sld>
 </file>
 
@@ -5359,6 +5412,13 @@
   <p:clrMapOvr>
     <a:masterClrMapping/>
   </p:clrMapOvr>
+  <p:timing>
+    <p:tnLst>
+      <p:par>
+        <p:cTn id="1" dur="indefinite" restart="never" nodeType="tmRoot"/>
+      </p:par>
+    </p:tnLst>
+  </p:timing>
 </p:sld>
 </file>
 
@@ -5475,6 +5535,13 @@
   <p:clrMapOvr>
     <a:masterClrMapping/>
   </p:clrMapOvr>
+  <p:timing>
+    <p:tnLst>
+      <p:par>
+        <p:cTn id="1" dur="indefinite" restart="never" nodeType="tmRoot"/>
+      </p:par>
+    </p:tnLst>
+  </p:timing>
 </p:sld>
 </file>
 
@@ -5567,7 +5634,7 @@
           <p:cNvPr id="7" name="Afbeelding 6" descr="Template_2_oplossing.png">
             <a:extLst>
               <a:ext uri="{FF2B5EF4-FFF2-40B4-BE49-F238E27FC236}">
-                <a16:creationId xmlns:a16="http://schemas.microsoft.com/office/drawing/2014/main" id="{FE08C698-7897-4CD3-8273-A5B3141C4A8D}"/>
+                <a16:creationId xmlns:a16="http://schemas.microsoft.com/office/drawing/2014/main" xmlns="" id="{FE08C698-7897-4CD3-8273-A5B3141C4A8D}"/>
               </a:ext>
             </a:extLst>
           </p:cNvPr>
@@ -5602,6 +5669,13 @@
   <p:clrMapOvr>
     <a:masterClrMapping/>
   </p:clrMapOvr>
+  <p:timing>
+    <p:tnLst>
+      <p:par>
+        <p:cTn id="1" dur="indefinite" restart="never" nodeType="tmRoot"/>
+      </p:par>
+    </p:tnLst>
+  </p:timing>
 </p:sld>
 </file>
 
@@ -5882,7 +5956,7 @@
   <a:extraClrSchemeLst/>
   <a:extLst>
     <a:ext uri="{05A4C25C-085E-4340-85A3-A5531E510DB2}">
-      <thm15:themeFamily xmlns:thm15="http://schemas.microsoft.com/office/thememl/2012/main" name="Retrospect" id="{5F128B03-DCCA-4EEB-AB3B-CF2899314A46}" vid="{3F1AAB62-24C6-49D2-8E01-B56FAC9A3DCD}"/>
+      <thm15:themeFamily xmlns:thm15="http://schemas.microsoft.com/office/thememl/2012/main" xmlns="" name="Retrospect" id="{5F128B03-DCCA-4EEB-AB3B-CF2899314A46}" vid="{3F1AAB62-24C6-49D2-8E01-B56FAC9A3DCD}"/>
     </a:ext>
   </a:extLst>
 </a:theme>

--- a/Presentations/Proteasen - week 1.pptx
+++ b/Presentations/Proteasen - week 1.pptx
@@ -10,11 +10,14 @@
     <p:sldId id="263" r:id="rId4"/>
     <p:sldId id="260" r:id="rId5"/>
     <p:sldId id="266" r:id="rId6"/>
-    <p:sldId id="265" r:id="rId7"/>
-    <p:sldId id="267" r:id="rId8"/>
-    <p:sldId id="268" r:id="rId9"/>
-    <p:sldId id="271" r:id="rId10"/>
-    <p:sldId id="270" r:id="rId11"/>
+    <p:sldId id="272" r:id="rId7"/>
+    <p:sldId id="273" r:id="rId8"/>
+    <p:sldId id="274" r:id="rId9"/>
+    <p:sldId id="265" r:id="rId10"/>
+    <p:sldId id="267" r:id="rId11"/>
+    <p:sldId id="268" r:id="rId12"/>
+    <p:sldId id="271" r:id="rId13"/>
+    <p:sldId id="270" r:id="rId14"/>
   </p:sldIdLst>
   <p:sldSz cx="12192000" cy="6858000"/>
   <p:notesSz cx="6858000" cy="9144000"/>
@@ -115,7 +118,7 @@
   </p:defaultTextStyle>
   <p:extLst>
     <p:ext uri="{EFAFB233-063F-42B5-8137-9DF3F51BA10A}">
-      <p15:sldGuideLst xmlns:p15="http://schemas.microsoft.com/office/powerpoint/2012/main" xmlns="">
+      <p15:sldGuideLst xmlns="" xmlns:p15="http://schemas.microsoft.com/office/powerpoint/2012/main">
         <p15:guide id="1" orient="horz" pos="2160">
           <p15:clr>
             <a:srgbClr val="A4A3A4"/>
@@ -406,7 +409,7 @@
             <a:fld id="{1C1C122E-05CA-4289-A26B-D14C5EAD5EFF}" type="slidenum">
               <a:rPr lang="nl-NL" smtClean="0"/>
               <a:pPr/>
-              <a:t>‹#›</a:t>
+              <a:t>‹nr.›</a:t>
             </a:fld>
             <a:endParaRPr lang="nl-NL"/>
           </a:p>
@@ -453,7 +456,7 @@
     </p:spTree>
     <p:extLst>
       <p:ext uri="{BB962C8B-B14F-4D97-AF65-F5344CB8AC3E}">
-        <p14:creationId xmlns:p14="http://schemas.microsoft.com/office/powerpoint/2010/main" val="1189607244"/>
+        <p14:creationId xmlns:p14="http://schemas.microsoft.com/office/powerpoint/2010/main" xmlns="" val="1189607244"/>
       </p:ext>
     </p:extLst>
   </p:cSld>
@@ -616,7 +619,7 @@
             <a:fld id="{1C1C122E-05CA-4289-A26B-D14C5EAD5EFF}" type="slidenum">
               <a:rPr lang="nl-NL" smtClean="0"/>
               <a:pPr/>
-              <a:t>‹#›</a:t>
+              <a:t>‹nr.›</a:t>
             </a:fld>
             <a:endParaRPr lang="nl-NL"/>
           </a:p>
@@ -625,7 +628,7 @@
     </p:spTree>
     <p:extLst>
       <p:ext uri="{BB962C8B-B14F-4D97-AF65-F5344CB8AC3E}">
-        <p14:creationId xmlns:p14="http://schemas.microsoft.com/office/powerpoint/2010/main" val="3524395468"/>
+        <p14:creationId xmlns:p14="http://schemas.microsoft.com/office/powerpoint/2010/main" xmlns="" val="3524395468"/>
       </p:ext>
     </p:extLst>
   </p:cSld>
@@ -874,7 +877,7 @@
             <a:fld id="{1C1C122E-05CA-4289-A26B-D14C5EAD5EFF}" type="slidenum">
               <a:rPr lang="nl-NL" smtClean="0"/>
               <a:pPr/>
-              <a:t>‹#›</a:t>
+              <a:t>‹nr.›</a:t>
             </a:fld>
             <a:endParaRPr lang="nl-NL"/>
           </a:p>
@@ -883,7 +886,7 @@
     </p:spTree>
     <p:extLst>
       <p:ext uri="{BB962C8B-B14F-4D97-AF65-F5344CB8AC3E}">
-        <p14:creationId xmlns:p14="http://schemas.microsoft.com/office/powerpoint/2010/main" val="872546503"/>
+        <p14:creationId xmlns:p14="http://schemas.microsoft.com/office/powerpoint/2010/main" xmlns="" val="872546503"/>
       </p:ext>
     </p:extLst>
   </p:cSld>
@@ -1050,7 +1053,7 @@
             <a:fld id="{1C1C122E-05CA-4289-A26B-D14C5EAD5EFF}" type="slidenum">
               <a:rPr lang="nl-NL" smtClean="0"/>
               <a:pPr/>
-              <a:t>‹#›</a:t>
+              <a:t>‹nr.›</a:t>
             </a:fld>
             <a:endParaRPr lang="nl-NL"/>
           </a:p>
@@ -1059,7 +1062,7 @@
     </p:spTree>
     <p:extLst>
       <p:ext uri="{BB962C8B-B14F-4D97-AF65-F5344CB8AC3E}">
-        <p14:creationId xmlns:p14="http://schemas.microsoft.com/office/powerpoint/2010/main" val="3767384208"/>
+        <p14:creationId xmlns:p14="http://schemas.microsoft.com/office/powerpoint/2010/main" xmlns="" val="3767384208"/>
       </p:ext>
     </p:extLst>
   </p:cSld>
@@ -1395,7 +1398,7 @@
             <a:fld id="{1C1C122E-05CA-4289-A26B-D14C5EAD5EFF}" type="slidenum">
               <a:rPr lang="nl-NL" smtClean="0"/>
               <a:pPr/>
-              <a:t>‹#›</a:t>
+              <a:t>‹nr.›</a:t>
             </a:fld>
             <a:endParaRPr lang="nl-NL"/>
           </a:p>
@@ -1442,7 +1445,7 @@
     </p:spTree>
     <p:extLst>
       <p:ext uri="{BB962C8B-B14F-4D97-AF65-F5344CB8AC3E}">
-        <p14:creationId xmlns:p14="http://schemas.microsoft.com/office/powerpoint/2010/main" val="2042571025"/>
+        <p14:creationId xmlns:p14="http://schemas.microsoft.com/office/powerpoint/2010/main" xmlns="" val="2042571025"/>
       </p:ext>
     </p:extLst>
   </p:cSld>
@@ -1672,7 +1675,7 @@
             <a:fld id="{1C1C122E-05CA-4289-A26B-D14C5EAD5EFF}" type="slidenum">
               <a:rPr lang="nl-NL" smtClean="0"/>
               <a:pPr/>
-              <a:t>‹#›</a:t>
+              <a:t>‹nr.›</a:t>
             </a:fld>
             <a:endParaRPr lang="nl-NL"/>
           </a:p>
@@ -1681,7 +1684,7 @@
     </p:spTree>
     <p:extLst>
       <p:ext uri="{BB962C8B-B14F-4D97-AF65-F5344CB8AC3E}">
-        <p14:creationId xmlns:p14="http://schemas.microsoft.com/office/powerpoint/2010/main" val="179011464"/>
+        <p14:creationId xmlns:p14="http://schemas.microsoft.com/office/powerpoint/2010/main" xmlns="" val="179011464"/>
       </p:ext>
     </p:extLst>
   </p:cSld>
@@ -2053,7 +2056,7 @@
             <a:fld id="{1C1C122E-05CA-4289-A26B-D14C5EAD5EFF}" type="slidenum">
               <a:rPr lang="nl-NL" smtClean="0"/>
               <a:pPr/>
-              <a:t>‹#›</a:t>
+              <a:t>‹nr.›</a:t>
             </a:fld>
             <a:endParaRPr lang="nl-NL"/>
           </a:p>
@@ -2062,7 +2065,7 @@
     </p:spTree>
     <p:extLst>
       <p:ext uri="{BB962C8B-B14F-4D97-AF65-F5344CB8AC3E}">
-        <p14:creationId xmlns:p14="http://schemas.microsoft.com/office/powerpoint/2010/main" val="1688827915"/>
+        <p14:creationId xmlns:p14="http://schemas.microsoft.com/office/powerpoint/2010/main" xmlns="" val="1688827915"/>
       </p:ext>
     </p:extLst>
   </p:cSld>
@@ -2173,7 +2176,7 @@
             <a:fld id="{1C1C122E-05CA-4289-A26B-D14C5EAD5EFF}" type="slidenum">
               <a:rPr lang="nl-NL" smtClean="0"/>
               <a:pPr/>
-              <a:t>‹#›</a:t>
+              <a:t>‹nr.›</a:t>
             </a:fld>
             <a:endParaRPr lang="nl-NL"/>
           </a:p>
@@ -2182,7 +2185,7 @@
     </p:spTree>
     <p:extLst>
       <p:ext uri="{BB962C8B-B14F-4D97-AF65-F5344CB8AC3E}">
-        <p14:creationId xmlns:p14="http://schemas.microsoft.com/office/powerpoint/2010/main" val="108174459"/>
+        <p14:creationId xmlns:p14="http://schemas.microsoft.com/office/powerpoint/2010/main" xmlns="" val="108174459"/>
       </p:ext>
     </p:extLst>
   </p:cSld>
@@ -2354,7 +2357,7 @@
             <a:fld id="{1C1C122E-05CA-4289-A26B-D14C5EAD5EFF}" type="slidenum">
               <a:rPr lang="nl-NL" smtClean="0"/>
               <a:pPr/>
-              <a:t>‹#›</a:t>
+              <a:t>‹nr.›</a:t>
             </a:fld>
             <a:endParaRPr lang="nl-NL"/>
           </a:p>
@@ -2363,7 +2366,7 @@
     </p:spTree>
     <p:extLst>
       <p:ext uri="{BB962C8B-B14F-4D97-AF65-F5344CB8AC3E}">
-        <p14:creationId xmlns:p14="http://schemas.microsoft.com/office/powerpoint/2010/main" val="1412908718"/>
+        <p14:creationId xmlns:p14="http://schemas.microsoft.com/office/powerpoint/2010/main" xmlns="" val="1412908718"/>
       </p:ext>
     </p:extLst>
   </p:cSld>
@@ -2723,7 +2726,7 @@
             <a:fld id="{1C1C122E-05CA-4289-A26B-D14C5EAD5EFF}" type="slidenum">
               <a:rPr lang="nl-NL" smtClean="0"/>
               <a:pPr/>
-              <a:t>‹#›</a:t>
+              <a:t>‹nr.›</a:t>
             </a:fld>
             <a:endParaRPr lang="nl-NL"/>
           </a:p>
@@ -2732,7 +2735,7 @@
     </p:spTree>
     <p:extLst>
       <p:ext uri="{BB962C8B-B14F-4D97-AF65-F5344CB8AC3E}">
-        <p14:creationId xmlns:p14="http://schemas.microsoft.com/office/powerpoint/2010/main" val="2631354765"/>
+        <p14:creationId xmlns:p14="http://schemas.microsoft.com/office/powerpoint/2010/main" xmlns="" val="2631354765"/>
       </p:ext>
     </p:extLst>
   </p:cSld>
@@ -2889,7 +2892,7 @@
             <a:ext cx="12191985" cy="4915076"/>
           </a:xfrm>
           <a:blipFill>
-            <a:blip r:embed="rId2"/>
+            <a:blip r:embed="rId2" cstate="print"/>
             <a:stretch>
               <a:fillRect/>
             </a:stretch>
@@ -3086,7 +3089,7 @@
             <a:fld id="{1C1C122E-05CA-4289-A26B-D14C5EAD5EFF}" type="slidenum">
               <a:rPr lang="nl-NL" smtClean="0"/>
               <a:pPr/>
-              <a:t>‹#›</a:t>
+              <a:t>‹nr.›</a:t>
             </a:fld>
             <a:endParaRPr lang="nl-NL"/>
           </a:p>
@@ -3095,7 +3098,7 @@
     </p:spTree>
     <p:extLst>
       <p:ext uri="{BB962C8B-B14F-4D97-AF65-F5344CB8AC3E}">
-        <p14:creationId xmlns:p14="http://schemas.microsoft.com/office/powerpoint/2010/main" val="4061937431"/>
+        <p14:creationId xmlns:p14="http://schemas.microsoft.com/office/powerpoint/2010/main" xmlns="" val="4061937431"/>
       </p:ext>
     </p:extLst>
   </p:cSld>
@@ -3407,7 +3410,7 @@
             <a:fld id="{1C1C122E-05CA-4289-A26B-D14C5EAD5EFF}" type="slidenum">
               <a:rPr lang="nl-NL" smtClean="0"/>
               <a:pPr/>
-              <a:t>‹#›</a:t>
+              <a:t>‹nr.›</a:t>
             </a:fld>
             <a:endParaRPr lang="nl-NL"/>
           </a:p>
@@ -3454,7 +3457,7 @@
     </p:spTree>
     <p:extLst>
       <p:ext uri="{BB962C8B-B14F-4D97-AF65-F5344CB8AC3E}">
-        <p14:creationId xmlns:p14="http://schemas.microsoft.com/office/powerpoint/2010/main" val="2361636988"/>
+        <p14:creationId xmlns:p14="http://schemas.microsoft.com/office/powerpoint/2010/main" xmlns="" val="2361636988"/>
       </p:ext>
     </p:extLst>
   </p:cSld>
@@ -3862,7 +3865,7 @@
           <p:cNvPr id="2" name="Titel 1">
             <a:extLst>
               <a:ext uri="{FF2B5EF4-FFF2-40B4-BE49-F238E27FC236}">
-                <a16:creationId xmlns:a16="http://schemas.microsoft.com/office/drawing/2014/main" xmlns="" id="{AE205A44-390E-455B-87E1-6D48C073A474}"/>
+                <a16:creationId xmlns="" xmlns:a16="http://schemas.microsoft.com/office/drawing/2014/main" id="{AE205A44-390E-455B-87E1-6D48C073A474}"/>
               </a:ext>
             </a:extLst>
           </p:cNvPr>
@@ -3907,7 +3910,7 @@
           <p:cNvPr id="3" name="Ondertitel 2">
             <a:extLst>
               <a:ext uri="{FF2B5EF4-FFF2-40B4-BE49-F238E27FC236}">
-                <a16:creationId xmlns:a16="http://schemas.microsoft.com/office/drawing/2014/main" xmlns="" id="{E24A4149-DFE7-4EE0-A98A-18326D7AD35D}"/>
+                <a16:creationId xmlns="" xmlns:a16="http://schemas.microsoft.com/office/drawing/2014/main" id="{E24A4149-DFE7-4EE0-A98A-18326D7AD35D}"/>
               </a:ext>
             </a:extLst>
           </p:cNvPr>
@@ -3942,7 +3945,7 @@
     </p:spTree>
     <p:extLst>
       <p:ext uri="{BB962C8B-B14F-4D97-AF65-F5344CB8AC3E}">
-        <p14:creationId xmlns:p14="http://schemas.microsoft.com/office/powerpoint/2010/main" val="1696353441"/>
+        <p14:creationId xmlns:p14="http://schemas.microsoft.com/office/powerpoint/2010/main" xmlns="" val="1696353441"/>
       </p:ext>
     </p:extLst>
   </p:cSld>
@@ -3993,7 +3996,7 @@
           <a:p>
             <a:r>
               <a:rPr lang="en-US" dirty="0" err="1"/>
-              <a:t>Hillclimber</a:t>
+              <a:t>Methode</a:t>
             </a:r>
             <a:endParaRPr lang="en-US" dirty="0"/>
           </a:p>
@@ -4016,7 +4019,7 @@
           <a:p>
             <a:r>
               <a:rPr lang="en-US" dirty="0" err="1"/>
-              <a:t>Resultaten</a:t>
+              <a:t>Algoritmes</a:t>
             </a:r>
             <a:r>
               <a:rPr lang="en-US" dirty="0"/>
@@ -4027,6 +4030,366 @@
             <a:pPr lvl="1"/>
             <a:r>
               <a:rPr lang="en-US" dirty="0"/>
+              <a:t>Random</a:t>
+            </a:r>
+          </a:p>
+          <a:p>
+            <a:pPr lvl="1"/>
+            <a:r>
+              <a:rPr lang="en-US" dirty="0"/>
+              <a:t>Breadth-first</a:t>
+            </a:r>
+          </a:p>
+          <a:p>
+            <a:pPr lvl="1"/>
+            <a:r>
+              <a:rPr lang="en-US" dirty="0" err="1"/>
+              <a:t>Hillclimber</a:t>
+            </a:r>
+            <a:endParaRPr lang="en-US" dirty="0"/>
+          </a:p>
+        </p:txBody>
+      </p:sp>
+    </p:spTree>
+  </p:cSld>
+  <p:clrMapOvr>
+    <a:masterClrMapping/>
+  </p:clrMapOvr>
+  <p:timing>
+    <p:tnLst>
+      <p:par>
+        <p:cTn id="1" dur="indefinite" restart="never" nodeType="tmRoot"/>
+      </p:par>
+    </p:tnLst>
+  </p:timing>
+</p:sld>
+</file>
+
+<file path=ppt/slides/slide11.xml><?xml version="1.0" encoding="utf-8"?>
+<p:sld xmlns:a="http://schemas.openxmlformats.org/drawingml/2006/main" xmlns:r="http://schemas.openxmlformats.org/officeDocument/2006/relationships" xmlns:p="http://schemas.openxmlformats.org/presentationml/2006/main">
+  <p:cSld>
+    <p:spTree>
+      <p:nvGrpSpPr>
+        <p:cNvPr id="1" name=""/>
+        <p:cNvGrpSpPr/>
+        <p:nvPr/>
+      </p:nvGrpSpPr>
+      <p:grpSpPr>
+        <a:xfrm>
+          <a:off x="0" y="0"/>
+          <a:ext cx="0" cy="0"/>
+          <a:chOff x="0" y="0"/>
+          <a:chExt cx="0" cy="0"/>
+        </a:xfrm>
+      </p:grpSpPr>
+      <p:pic>
+        <p:nvPicPr>
+          <p:cNvPr id="5" name="Afbeelding 4" descr="Template_1_oplossing.png"/>
+          <p:cNvPicPr>
+            <a:picLocks noChangeAspect="1"/>
+          </p:cNvPicPr>
+          <p:nvPr/>
+        </p:nvPicPr>
+        <p:blipFill>
+          <a:blip r:embed="rId2" cstate="print"/>
+          <a:stretch>
+            <a:fillRect/>
+          </a:stretch>
+        </p:blipFill>
+        <p:spPr>
+          <a:xfrm>
+            <a:off x="5004352" y="988906"/>
+            <a:ext cx="6904383" cy="5135135"/>
+          </a:xfrm>
+          <a:prstGeom prst="rect">
+            <a:avLst/>
+          </a:prstGeom>
+        </p:spPr>
+      </p:pic>
+      <p:sp>
+        <p:nvSpPr>
+          <p:cNvPr id="2" name="Titel 1"/>
+          <p:cNvSpPr>
+            <a:spLocks noGrp="1"/>
+          </p:cNvSpPr>
+          <p:nvPr>
+            <p:ph type="title"/>
+          </p:nvPr>
+        </p:nvSpPr>
+        <p:spPr/>
+        <p:txBody>
+          <a:bodyPr/>
+          <a:lstStyle/>
+          <a:p>
+            <a:r>
+              <a:rPr lang="en-US" dirty="0" err="1"/>
+              <a:t>Resultaten</a:t>
+            </a:r>
+            <a:endParaRPr lang="en-US" dirty="0"/>
+          </a:p>
+        </p:txBody>
+      </p:sp>
+      <p:sp>
+        <p:nvSpPr>
+          <p:cNvPr id="3" name="Tijdelijke aanduiding voor inhoud 2"/>
+          <p:cNvSpPr>
+            <a:spLocks noGrp="1"/>
+          </p:cNvSpPr>
+          <p:nvPr>
+            <p:ph idx="1"/>
+          </p:nvPr>
+        </p:nvSpPr>
+        <p:spPr/>
+        <p:txBody>
+          <a:bodyPr/>
+          <a:lstStyle/>
+          <a:p>
+            <a:r>
+              <a:rPr lang="en-US" dirty="0"/>
+              <a:t>Peptide van 14 </a:t>
+            </a:r>
+            <a:r>
+              <a:rPr lang="en-US" dirty="0" err="1"/>
+              <a:t>aminozuren</a:t>
+            </a:r>
+            <a:r>
+              <a:rPr lang="en-US" dirty="0"/>
+              <a:t>:</a:t>
+            </a:r>
+          </a:p>
+          <a:p>
+            <a:pPr lvl="1"/>
+            <a:r>
+              <a:rPr lang="en-US" dirty="0"/>
+              <a:t>Score: -6 </a:t>
+            </a:r>
+          </a:p>
+          <a:p>
+            <a:pPr lvl="1"/>
+            <a:r>
+              <a:rPr lang="en-US" dirty="0"/>
+              <a:t>Runtime: 0.1507</a:t>
+            </a:r>
+          </a:p>
+        </p:txBody>
+      </p:sp>
+    </p:spTree>
+  </p:cSld>
+  <p:clrMapOvr>
+    <a:masterClrMapping/>
+  </p:clrMapOvr>
+  <p:timing>
+    <p:tnLst>
+      <p:par>
+        <p:cTn id="1" dur="indefinite" restart="never" nodeType="tmRoot"/>
+      </p:par>
+    </p:tnLst>
+  </p:timing>
+</p:sld>
+</file>
+
+<file path=ppt/slides/slide12.xml><?xml version="1.0" encoding="utf-8"?>
+<p:sld xmlns:a="http://schemas.openxmlformats.org/drawingml/2006/main" xmlns:r="http://schemas.openxmlformats.org/officeDocument/2006/relationships" xmlns:p="http://schemas.openxmlformats.org/presentationml/2006/main">
+  <p:cSld>
+    <p:spTree>
+      <p:nvGrpSpPr>
+        <p:cNvPr id="1" name=""/>
+        <p:cNvGrpSpPr/>
+        <p:nvPr/>
+      </p:nvGrpSpPr>
+      <p:grpSpPr>
+        <a:xfrm>
+          <a:off x="0" y="0"/>
+          <a:ext cx="0" cy="0"/>
+          <a:chOff x="0" y="0"/>
+          <a:chExt cx="0" cy="0"/>
+        </a:xfrm>
+      </p:grpSpPr>
+      <p:sp>
+        <p:nvSpPr>
+          <p:cNvPr id="2" name="Titel 1"/>
+          <p:cNvSpPr>
+            <a:spLocks noGrp="1"/>
+          </p:cNvSpPr>
+          <p:nvPr>
+            <p:ph type="title"/>
+          </p:nvPr>
+        </p:nvSpPr>
+        <p:spPr/>
+        <p:txBody>
+          <a:bodyPr/>
+          <a:lstStyle/>
+          <a:p>
+            <a:r>
+              <a:rPr lang="en-US" dirty="0" err="1"/>
+              <a:t>Resultaten</a:t>
+            </a:r>
+            <a:endParaRPr lang="en-US" dirty="0"/>
+          </a:p>
+        </p:txBody>
+      </p:sp>
+      <p:sp>
+        <p:nvSpPr>
+          <p:cNvPr id="3" name="Tijdelijke aanduiding voor inhoud 2"/>
+          <p:cNvSpPr>
+            <a:spLocks noGrp="1"/>
+          </p:cNvSpPr>
+          <p:nvPr>
+            <p:ph idx="1"/>
+          </p:nvPr>
+        </p:nvSpPr>
+        <p:spPr/>
+        <p:txBody>
+          <a:bodyPr/>
+          <a:lstStyle/>
+          <a:p>
+            <a:r>
+              <a:rPr lang="en-US" dirty="0"/>
+              <a:t>Peptide van 20 </a:t>
+            </a:r>
+            <a:r>
+              <a:rPr lang="en-US" dirty="0" err="1"/>
+              <a:t>aminozuren</a:t>
+            </a:r>
+            <a:r>
+              <a:rPr lang="en-US" dirty="0"/>
+              <a:t>:</a:t>
+            </a:r>
+          </a:p>
+          <a:p>
+            <a:pPr lvl="1"/>
+            <a:r>
+              <a:rPr lang="en-US" dirty="0"/>
+              <a:t>Score: -8</a:t>
+            </a:r>
+          </a:p>
+          <a:p>
+            <a:pPr lvl="1"/>
+            <a:r>
+              <a:rPr lang="en-US" dirty="0"/>
+              <a:t>Runtime: 82.5547</a:t>
+            </a:r>
+          </a:p>
+        </p:txBody>
+      </p:sp>
+      <p:pic>
+        <p:nvPicPr>
+          <p:cNvPr id="7" name="Afbeelding 6" descr="Template_2_oplossing.png">
+            <a:extLst>
+              <a:ext uri="{FF2B5EF4-FFF2-40B4-BE49-F238E27FC236}">
+                <a16:creationId xmlns="" xmlns:a16="http://schemas.microsoft.com/office/drawing/2014/main" id="{FE08C698-7897-4CD3-8273-A5B3141C4A8D}"/>
+              </a:ext>
+            </a:extLst>
+          </p:cNvPr>
+          <p:cNvPicPr>
+            <a:picLocks noChangeAspect="1"/>
+          </p:cNvPicPr>
+          <p:nvPr/>
+        </p:nvPicPr>
+        <p:blipFill>
+          <a:blip r:embed="rId2" cstate="print"/>
+          <a:stretch>
+            <a:fillRect/>
+          </a:stretch>
+        </p:blipFill>
+        <p:spPr>
+          <a:xfrm>
+            <a:off x="5004352" y="911998"/>
+            <a:ext cx="6768408" cy="5034003"/>
+          </a:xfrm>
+          <a:prstGeom prst="rect">
+            <a:avLst/>
+          </a:prstGeom>
+        </p:spPr>
+      </p:pic>
+    </p:spTree>
+    <p:extLst>
+      <p:ext uri="{BB962C8B-B14F-4D97-AF65-F5344CB8AC3E}">
+        <p14:creationId xmlns:p14="http://schemas.microsoft.com/office/powerpoint/2010/main" xmlns="" val="2759561616"/>
+      </p:ext>
+    </p:extLst>
+  </p:cSld>
+  <p:clrMapOvr>
+    <a:masterClrMapping/>
+  </p:clrMapOvr>
+  <p:timing>
+    <p:tnLst>
+      <p:par>
+        <p:cTn id="1" dur="indefinite" restart="never" nodeType="tmRoot"/>
+      </p:par>
+    </p:tnLst>
+  </p:timing>
+</p:sld>
+</file>
+
+<file path=ppt/slides/slide13.xml><?xml version="1.0" encoding="utf-8"?>
+<p:sld xmlns:a="http://schemas.openxmlformats.org/drawingml/2006/main" xmlns:r="http://schemas.openxmlformats.org/officeDocument/2006/relationships" xmlns:p="http://schemas.openxmlformats.org/presentationml/2006/main">
+  <p:cSld>
+    <p:spTree>
+      <p:nvGrpSpPr>
+        <p:cNvPr id="1" name=""/>
+        <p:cNvGrpSpPr/>
+        <p:nvPr/>
+      </p:nvGrpSpPr>
+      <p:grpSpPr>
+        <a:xfrm>
+          <a:off x="0" y="0"/>
+          <a:ext cx="0" cy="0"/>
+          <a:chOff x="0" y="0"/>
+          <a:chExt cx="0" cy="0"/>
+        </a:xfrm>
+      </p:grpSpPr>
+      <p:sp>
+        <p:nvSpPr>
+          <p:cNvPr id="2" name="Titel 1"/>
+          <p:cNvSpPr>
+            <a:spLocks noGrp="1"/>
+          </p:cNvSpPr>
+          <p:nvPr>
+            <p:ph type="title"/>
+          </p:nvPr>
+        </p:nvSpPr>
+        <p:spPr/>
+        <p:txBody>
+          <a:bodyPr/>
+          <a:lstStyle/>
+          <a:p>
+            <a:r>
+              <a:rPr lang="en-US" dirty="0" err="1"/>
+              <a:t>Hillclimber</a:t>
+            </a:r>
+            <a:endParaRPr lang="en-US" dirty="0"/>
+          </a:p>
+        </p:txBody>
+      </p:sp>
+      <p:sp>
+        <p:nvSpPr>
+          <p:cNvPr id="3" name="Tijdelijke aanduiding voor inhoud 2"/>
+          <p:cNvSpPr>
+            <a:spLocks noGrp="1"/>
+          </p:cNvSpPr>
+          <p:nvPr>
+            <p:ph idx="1"/>
+          </p:nvPr>
+        </p:nvSpPr>
+        <p:spPr/>
+        <p:txBody>
+          <a:bodyPr/>
+          <a:lstStyle/>
+          <a:p>
+            <a:r>
+              <a:rPr lang="en-US" dirty="0" err="1"/>
+              <a:t>Resultaten</a:t>
+            </a:r>
+            <a:r>
+              <a:rPr lang="en-US" dirty="0"/>
+              <a:t>:</a:t>
+            </a:r>
+          </a:p>
+          <a:p>
+            <a:pPr lvl="1"/>
+            <a:r>
+              <a:rPr lang="en-US" dirty="0"/>
               <a:t>Score </a:t>
             </a:r>
             <a:r>
@@ -4038,9 +4401,500 @@
               <a:t> </a:t>
             </a:r>
             <a:r>
-              <a:rPr lang="en-US"/>
+              <a:rPr lang="en-US" dirty="0" err="1" smtClean="0"/>
               <a:t>gelijk</a:t>
             </a:r>
+            <a:endParaRPr lang="en-US" dirty="0" smtClean="0"/>
+          </a:p>
+          <a:p>
+            <a:pPr lvl="1"/>
+            <a:r>
+              <a:rPr lang="en-US" dirty="0" err="1" smtClean="0"/>
+              <a:t>Hier</a:t>
+            </a:r>
+            <a:r>
+              <a:rPr lang="en-US" dirty="0" smtClean="0"/>
+              <a:t> </a:t>
+            </a:r>
+            <a:r>
+              <a:rPr lang="en-US" dirty="0" err="1" smtClean="0"/>
+              <a:t>nog</a:t>
+            </a:r>
+            <a:r>
+              <a:rPr lang="en-US" dirty="0" smtClean="0"/>
+              <a:t> </a:t>
+            </a:r>
+            <a:r>
+              <a:rPr lang="en-US" dirty="0" err="1" smtClean="0"/>
+              <a:t>bij</a:t>
+            </a:r>
+            <a:r>
+              <a:rPr lang="en-US" dirty="0" smtClean="0"/>
+              <a:t> </a:t>
+            </a:r>
+            <a:r>
+              <a:rPr lang="en-US" dirty="0" err="1" smtClean="0"/>
+              <a:t>aangeven</a:t>
+            </a:r>
+            <a:r>
+              <a:rPr lang="en-US" dirty="0" smtClean="0"/>
+              <a:t>:</a:t>
+            </a:r>
+          </a:p>
+          <a:p>
+            <a:pPr lvl="2"/>
+            <a:r>
+              <a:rPr lang="en-US" dirty="0" smtClean="0"/>
+              <a:t>Hoe </a:t>
+            </a:r>
+            <a:r>
+              <a:rPr lang="en-US" dirty="0" err="1" smtClean="0"/>
+              <a:t>vaak</a:t>
+            </a:r>
+            <a:r>
+              <a:rPr lang="en-US" dirty="0" smtClean="0"/>
+              <a:t> </a:t>
+            </a:r>
+            <a:r>
+              <a:rPr lang="en-US" dirty="0" err="1" smtClean="0"/>
+              <a:t>verkeerd</a:t>
+            </a:r>
+            <a:r>
+              <a:rPr lang="en-US" dirty="0" smtClean="0"/>
+              <a:t> </a:t>
+            </a:r>
+            <a:r>
+              <a:rPr lang="en-US" dirty="0" err="1" smtClean="0"/>
+              <a:t>gevouwen</a:t>
+            </a:r>
+            <a:r>
+              <a:rPr lang="en-US" dirty="0" smtClean="0"/>
+              <a:t>?</a:t>
+            </a:r>
+          </a:p>
+          <a:p>
+            <a:pPr lvl="2"/>
+            <a:r>
+              <a:rPr lang="en-US" dirty="0" smtClean="0"/>
+              <a:t>Hoe </a:t>
+            </a:r>
+            <a:r>
+              <a:rPr lang="en-US" dirty="0" err="1" smtClean="0"/>
+              <a:t>veel</a:t>
+            </a:r>
+            <a:r>
+              <a:rPr lang="en-US" dirty="0" smtClean="0"/>
+              <a:t> </a:t>
+            </a:r>
+            <a:r>
+              <a:rPr lang="en-US" dirty="0" err="1" smtClean="0"/>
+              <a:t>verbetering</a:t>
+            </a:r>
+            <a:r>
+              <a:rPr lang="en-US" dirty="0" smtClean="0"/>
+              <a:t> is </a:t>
+            </a:r>
+            <a:r>
+              <a:rPr lang="en-US" dirty="0" err="1" smtClean="0"/>
+              <a:t>er</a:t>
+            </a:r>
+            <a:r>
+              <a:rPr lang="en-US" dirty="0" smtClean="0"/>
+              <a:t> </a:t>
+            </a:r>
+            <a:r>
+              <a:rPr lang="en-US" dirty="0" err="1" smtClean="0"/>
+              <a:t>nog</a:t>
+            </a:r>
+            <a:r>
+              <a:rPr lang="en-US" dirty="0" smtClean="0"/>
+              <a:t> </a:t>
+            </a:r>
+            <a:r>
+              <a:rPr lang="en-US" dirty="0" err="1" smtClean="0"/>
+              <a:t>mogelijk</a:t>
+            </a:r>
+            <a:r>
+              <a:rPr lang="en-US" dirty="0" smtClean="0"/>
+              <a:t>?</a:t>
+            </a:r>
+          </a:p>
+          <a:p>
+            <a:pPr lvl="2"/>
+            <a:r>
+              <a:rPr lang="en-US" dirty="0" err="1" smtClean="0"/>
+              <a:t>Kijken</a:t>
+            </a:r>
+            <a:r>
+              <a:rPr lang="en-US" dirty="0" smtClean="0"/>
+              <a:t> </a:t>
+            </a:r>
+            <a:r>
+              <a:rPr lang="en-US" dirty="0" err="1" smtClean="0"/>
+              <a:t>welke</a:t>
+            </a:r>
+            <a:r>
+              <a:rPr lang="en-US" dirty="0" smtClean="0"/>
+              <a:t> </a:t>
+            </a:r>
+            <a:r>
+              <a:rPr lang="en-US" dirty="0" err="1" smtClean="0"/>
+              <a:t>verbindingen</a:t>
+            </a:r>
+            <a:r>
+              <a:rPr lang="en-US" dirty="0" smtClean="0"/>
+              <a:t> </a:t>
+            </a:r>
+            <a:r>
+              <a:rPr lang="en-US" dirty="0" err="1" smtClean="0"/>
+              <a:t>ik</a:t>
+            </a:r>
+            <a:r>
+              <a:rPr lang="en-US" dirty="0" smtClean="0"/>
+              <a:t> al </a:t>
+            </a:r>
+            <a:r>
+              <a:rPr lang="en-US" dirty="0" err="1" smtClean="0"/>
+              <a:t>heb</a:t>
+            </a:r>
+            <a:r>
+              <a:rPr lang="en-US" dirty="0" smtClean="0"/>
+              <a:t> </a:t>
+            </a:r>
+            <a:r>
+              <a:rPr lang="en-US" dirty="0" err="1" smtClean="0"/>
+              <a:t>gehad</a:t>
+            </a:r>
+            <a:r>
+              <a:rPr lang="en-US" dirty="0" smtClean="0"/>
+              <a:t> (</a:t>
+            </a:r>
+            <a:r>
+              <a:rPr lang="en-US" dirty="0" err="1" smtClean="0"/>
+              <a:t>vouwt</a:t>
+            </a:r>
+            <a:r>
+              <a:rPr lang="en-US" dirty="0" smtClean="0"/>
+              <a:t> </a:t>
+            </a:r>
+            <a:r>
+              <a:rPr lang="en-US" dirty="0" err="1" smtClean="0"/>
+              <a:t>ie</a:t>
+            </a:r>
+            <a:r>
+              <a:rPr lang="en-US" dirty="0" smtClean="0"/>
+              <a:t> op </a:t>
+            </a:r>
+            <a:r>
+              <a:rPr lang="en-US" dirty="0" err="1" smtClean="0"/>
+              <a:t>een</a:t>
+            </a:r>
+            <a:r>
+              <a:rPr lang="en-US" dirty="0" smtClean="0"/>
+              <a:t> </a:t>
+            </a:r>
+            <a:r>
+              <a:rPr lang="en-US" dirty="0" err="1" smtClean="0"/>
+              <a:t>gegeven</a:t>
+            </a:r>
+            <a:r>
+              <a:rPr lang="en-US" dirty="0" smtClean="0"/>
+              <a:t> moment </a:t>
+            </a:r>
+            <a:r>
+              <a:rPr lang="en-US" dirty="0" err="1" smtClean="0"/>
+              <a:t>alleen</a:t>
+            </a:r>
+            <a:r>
+              <a:rPr lang="en-US" dirty="0" smtClean="0"/>
+              <a:t> </a:t>
+            </a:r>
+            <a:r>
+              <a:rPr lang="en-US" dirty="0" err="1" smtClean="0"/>
+              <a:t>maar</a:t>
+            </a:r>
+            <a:r>
+              <a:rPr lang="en-US" dirty="0" smtClean="0"/>
+              <a:t> </a:t>
+            </a:r>
+            <a:r>
+              <a:rPr lang="en-US" dirty="0" err="1" smtClean="0"/>
+              <a:t>heen</a:t>
+            </a:r>
+            <a:r>
+              <a:rPr lang="en-US" dirty="0" smtClean="0"/>
+              <a:t> en </a:t>
+            </a:r>
+            <a:r>
+              <a:rPr lang="en-US" dirty="0" err="1" smtClean="0"/>
+              <a:t>weer</a:t>
+            </a:r>
+            <a:r>
+              <a:rPr lang="en-US" dirty="0" smtClean="0"/>
+              <a:t>?)</a:t>
+            </a:r>
+          </a:p>
+          <a:p>
+            <a:pPr lvl="2"/>
+            <a:r>
+              <a:rPr lang="en-US" dirty="0" err="1" smtClean="0"/>
+              <a:t>Kijken</a:t>
+            </a:r>
+            <a:r>
+              <a:rPr lang="en-US" dirty="0" smtClean="0"/>
+              <a:t> of </a:t>
+            </a:r>
+            <a:r>
+              <a:rPr lang="en-US" dirty="0" err="1" smtClean="0"/>
+              <a:t>ie</a:t>
+            </a:r>
+            <a:r>
+              <a:rPr lang="en-US" dirty="0" smtClean="0"/>
+              <a:t> </a:t>
+            </a:r>
+            <a:r>
+              <a:rPr lang="en-US" dirty="0" err="1" smtClean="0"/>
+              <a:t>inderdaad</a:t>
+            </a:r>
+            <a:r>
+              <a:rPr lang="en-US" dirty="0" smtClean="0"/>
+              <a:t> </a:t>
+            </a:r>
+            <a:r>
+              <a:rPr lang="en-US" dirty="0" err="1" smtClean="0"/>
+              <a:t>alleen</a:t>
+            </a:r>
+            <a:r>
+              <a:rPr lang="en-US" dirty="0" smtClean="0"/>
+              <a:t> </a:t>
+            </a:r>
+            <a:r>
+              <a:rPr lang="en-US" dirty="0" err="1" smtClean="0"/>
+              <a:t>ergens</a:t>
+            </a:r>
+            <a:r>
+              <a:rPr lang="en-US" dirty="0" smtClean="0"/>
+              <a:t> in de </a:t>
+            </a:r>
+            <a:r>
+              <a:rPr lang="en-US" dirty="0" err="1" smtClean="0"/>
+              <a:t>laatste</a:t>
+            </a:r>
+            <a:r>
+              <a:rPr lang="en-US" dirty="0" smtClean="0"/>
+              <a:t> </a:t>
+            </a:r>
+            <a:r>
+              <a:rPr lang="en-US" dirty="0" err="1" smtClean="0"/>
+              <a:t>paar</a:t>
+            </a:r>
+            <a:r>
+              <a:rPr lang="en-US" dirty="0" smtClean="0"/>
+              <a:t> </a:t>
+            </a:r>
+            <a:r>
+              <a:rPr lang="en-US" dirty="0" err="1" smtClean="0"/>
+              <a:t>verbindingen</a:t>
+            </a:r>
+            <a:r>
+              <a:rPr lang="en-US" dirty="0" smtClean="0"/>
+              <a:t> steeds </a:t>
+            </a:r>
+            <a:r>
+              <a:rPr lang="en-US" dirty="0" err="1" smtClean="0"/>
+              <a:t>maar</a:t>
+            </a:r>
+            <a:r>
+              <a:rPr lang="en-US" dirty="0" smtClean="0"/>
+              <a:t> </a:t>
+            </a:r>
+            <a:r>
+              <a:rPr lang="en-US" dirty="0" err="1" smtClean="0"/>
+              <a:t>kan</a:t>
+            </a:r>
+            <a:r>
+              <a:rPr lang="en-US" dirty="0" smtClean="0"/>
+              <a:t> </a:t>
+            </a:r>
+            <a:r>
+              <a:rPr lang="en-US" dirty="0" err="1" smtClean="0"/>
+              <a:t>vouwen</a:t>
+            </a:r>
+            <a:r>
+              <a:rPr lang="en-US" dirty="0" smtClean="0"/>
+              <a:t> en </a:t>
+            </a:r>
+            <a:r>
+              <a:rPr lang="en-US" dirty="0" err="1" smtClean="0"/>
+              <a:t>zo</a:t>
+            </a:r>
+            <a:r>
+              <a:rPr lang="en-US" dirty="0" smtClean="0"/>
+              <a:t> </a:t>
+            </a:r>
+            <a:r>
+              <a:rPr lang="en-US" dirty="0" err="1" smtClean="0"/>
+              <a:t>ja</a:t>
+            </a:r>
+            <a:r>
+              <a:rPr lang="en-US" dirty="0" smtClean="0"/>
+              <a:t>, </a:t>
+            </a:r>
+            <a:r>
+              <a:rPr lang="en-US" dirty="0" err="1" smtClean="0"/>
+              <a:t>heeft</a:t>
+            </a:r>
+            <a:r>
+              <a:rPr lang="en-US" dirty="0" smtClean="0"/>
+              <a:t> </a:t>
+            </a:r>
+            <a:r>
+              <a:rPr lang="en-US" dirty="0" err="1" smtClean="0"/>
+              <a:t>dit</a:t>
+            </a:r>
+            <a:r>
+              <a:rPr lang="en-US" dirty="0" smtClean="0"/>
+              <a:t> </a:t>
+            </a:r>
+            <a:r>
+              <a:rPr lang="en-US" dirty="0" err="1" smtClean="0"/>
+              <a:t>inderdaad</a:t>
+            </a:r>
+            <a:r>
+              <a:rPr lang="en-US" dirty="0" smtClean="0"/>
+              <a:t> </a:t>
+            </a:r>
+            <a:r>
+              <a:rPr lang="en-US" dirty="0" err="1" smtClean="0"/>
+              <a:t>geen</a:t>
+            </a:r>
+            <a:r>
+              <a:rPr lang="en-US" dirty="0" smtClean="0"/>
+              <a:t> effect?</a:t>
+            </a:r>
+          </a:p>
+          <a:p>
+            <a:pPr lvl="2"/>
+            <a:r>
+              <a:rPr lang="en-US" dirty="0" err="1" smtClean="0"/>
+              <a:t>Als</a:t>
+            </a:r>
+            <a:r>
+              <a:rPr lang="en-US" dirty="0" smtClean="0"/>
+              <a:t> </a:t>
+            </a:r>
+            <a:r>
+              <a:rPr lang="en-US" dirty="0" err="1" smtClean="0"/>
+              <a:t>er</a:t>
+            </a:r>
+            <a:r>
+              <a:rPr lang="en-US" dirty="0" smtClean="0"/>
+              <a:t> </a:t>
+            </a:r>
+            <a:r>
+              <a:rPr lang="en-US" dirty="0" err="1" smtClean="0"/>
+              <a:t>geen</a:t>
+            </a:r>
+            <a:r>
+              <a:rPr lang="en-US" dirty="0" smtClean="0"/>
+              <a:t> </a:t>
+            </a:r>
+            <a:r>
+              <a:rPr lang="en-US" dirty="0" err="1" smtClean="0"/>
+              <a:t>uitkomst</a:t>
+            </a:r>
+            <a:r>
+              <a:rPr lang="en-US" dirty="0" smtClean="0"/>
+              <a:t> </a:t>
+            </a:r>
+            <a:r>
+              <a:rPr lang="en-US" dirty="0" err="1" smtClean="0"/>
+              <a:t>komt</a:t>
+            </a:r>
+            <a:r>
+              <a:rPr lang="en-US" dirty="0" smtClean="0"/>
+              <a:t>: hoe </a:t>
+            </a:r>
+            <a:r>
+              <a:rPr lang="en-US" dirty="0" err="1" smtClean="0"/>
+              <a:t>ver</a:t>
+            </a:r>
+            <a:r>
+              <a:rPr lang="en-US" dirty="0" smtClean="0"/>
+              <a:t> was </a:t>
+            </a:r>
+            <a:r>
+              <a:rPr lang="en-US" dirty="0" err="1" smtClean="0"/>
+              <a:t>ie</a:t>
+            </a:r>
+            <a:r>
+              <a:rPr lang="en-US" dirty="0" smtClean="0"/>
+              <a:t> al, hoe </a:t>
+            </a:r>
+            <a:r>
+              <a:rPr lang="en-US" dirty="0" err="1" smtClean="0"/>
+              <a:t>lang</a:t>
+            </a:r>
+            <a:r>
+              <a:rPr lang="en-US" dirty="0" smtClean="0"/>
+              <a:t> was </a:t>
+            </a:r>
+            <a:r>
+              <a:rPr lang="en-US" dirty="0" err="1" smtClean="0"/>
+              <a:t>ie</a:t>
+            </a:r>
+            <a:r>
+              <a:rPr lang="en-US" dirty="0" smtClean="0"/>
+              <a:t> al </a:t>
+            </a:r>
+            <a:r>
+              <a:rPr lang="en-US" dirty="0" err="1" smtClean="0"/>
+              <a:t>bezig</a:t>
+            </a:r>
+            <a:r>
+              <a:rPr lang="en-US" dirty="0" smtClean="0"/>
+              <a:t> </a:t>
+            </a:r>
+            <a:r>
+              <a:rPr lang="en-US" dirty="0" err="1" smtClean="0"/>
+              <a:t>toen</a:t>
+            </a:r>
+            <a:r>
+              <a:rPr lang="en-US" dirty="0" smtClean="0"/>
+              <a:t> we m </a:t>
+            </a:r>
+            <a:r>
+              <a:rPr lang="en-US" dirty="0" err="1" smtClean="0"/>
+              <a:t>afkapten</a:t>
+            </a:r>
+            <a:r>
+              <a:rPr lang="en-US" dirty="0" smtClean="0"/>
+              <a:t> of </a:t>
+            </a:r>
+            <a:r>
+              <a:rPr lang="en-US" dirty="0" err="1" smtClean="0"/>
+              <a:t>toen</a:t>
+            </a:r>
+            <a:r>
+              <a:rPr lang="en-US" dirty="0" smtClean="0"/>
+              <a:t> </a:t>
+            </a:r>
+            <a:r>
+              <a:rPr lang="en-US" dirty="0" err="1" smtClean="0"/>
+              <a:t>ie</a:t>
+            </a:r>
+            <a:r>
+              <a:rPr lang="en-US" dirty="0" smtClean="0"/>
+              <a:t> </a:t>
+            </a:r>
+            <a:r>
+              <a:rPr lang="en-US" dirty="0" err="1" smtClean="0"/>
+              <a:t>stopte</a:t>
+            </a:r>
+            <a:endParaRPr lang="en-US" dirty="0" smtClean="0"/>
+          </a:p>
+          <a:p>
+            <a:pPr lvl="2"/>
             <a:endParaRPr lang="en-US" dirty="0"/>
           </a:p>
         </p:txBody>
@@ -4082,7 +4936,7 @@
           <p:cNvPr id="2" name="Titel 1">
             <a:extLst>
               <a:ext uri="{FF2B5EF4-FFF2-40B4-BE49-F238E27FC236}">
-                <a16:creationId xmlns:a16="http://schemas.microsoft.com/office/drawing/2014/main" xmlns="" id="{769A96FB-BA26-47C0-85BC-9E5A44D94A65}"/>
+                <a16:creationId xmlns="" xmlns:a16="http://schemas.microsoft.com/office/drawing/2014/main" id="{769A96FB-BA26-47C0-85BC-9E5A44D94A65}"/>
               </a:ext>
             </a:extLst>
           </p:cNvPr>
@@ -4110,7 +4964,7 @@
           <p:cNvPr id="5" name="Tijdelijke aanduiding voor inhoud 4">
             <a:extLst>
               <a:ext uri="{FF2B5EF4-FFF2-40B4-BE49-F238E27FC236}">
-                <a16:creationId xmlns:a16="http://schemas.microsoft.com/office/drawing/2014/main" xmlns="" id="{82F9B9FE-1870-4902-A7DB-4B27D59D2B2B}"/>
+                <a16:creationId xmlns="" xmlns:a16="http://schemas.microsoft.com/office/drawing/2014/main" id="{82F9B9FE-1870-4902-A7DB-4B27D59D2B2B}"/>
               </a:ext>
             </a:extLst>
           </p:cNvPr>
@@ -4125,7 +4979,7 @@
           <a:blip r:embed="rId2" cstate="print">
             <a:extLst>
               <a:ext uri="{28A0092B-C50C-407E-A947-70E740481C1C}">
-                <a14:useLocalDpi xmlns:a14="http://schemas.microsoft.com/office/drawing/2010/main" val="0"/>
+                <a14:useLocalDpi xmlns:a14="http://schemas.microsoft.com/office/drawing/2010/main" xmlns="" val="0"/>
               </a:ext>
             </a:extLst>
           </a:blip>
@@ -4145,7 +4999,7 @@
           <p:cNvPr id="6" name="Tekstvak 5">
             <a:extLst>
               <a:ext uri="{FF2B5EF4-FFF2-40B4-BE49-F238E27FC236}">
-                <a16:creationId xmlns:a16="http://schemas.microsoft.com/office/drawing/2014/main" xmlns="" id="{D8F2D3D1-1FE8-4AA0-B6C8-D7E88097CE04}"/>
+                <a16:creationId xmlns="" xmlns:a16="http://schemas.microsoft.com/office/drawing/2014/main" id="{D8F2D3D1-1FE8-4AA0-B6C8-D7E88097CE04}"/>
               </a:ext>
             </a:extLst>
           </p:cNvPr>
@@ -4181,7 +5035,7 @@
           <p:cNvPr id="8" name="Afbeelding 7">
             <a:extLst>
               <a:ext uri="{FF2B5EF4-FFF2-40B4-BE49-F238E27FC236}">
-                <a16:creationId xmlns:a16="http://schemas.microsoft.com/office/drawing/2014/main" xmlns="" id="{819AAC82-0B32-4FA7-B311-90C90A003DAD}"/>
+                <a16:creationId xmlns="" xmlns:a16="http://schemas.microsoft.com/office/drawing/2014/main" id="{819AAC82-0B32-4FA7-B311-90C90A003DAD}"/>
               </a:ext>
             </a:extLst>
           </p:cNvPr>
@@ -4194,7 +5048,7 @@
           <a:blip r:embed="rId3" cstate="print">
             <a:extLst>
               <a:ext uri="{28A0092B-C50C-407E-A947-70E740481C1C}">
-                <a14:useLocalDpi xmlns:a14="http://schemas.microsoft.com/office/drawing/2010/main" val="0"/>
+                <a14:useLocalDpi xmlns:a14="http://schemas.microsoft.com/office/drawing/2010/main" xmlns="" val="0"/>
               </a:ext>
             </a:extLst>
           </a:blip>
@@ -4216,7 +5070,7 @@
           <p:cNvPr id="11" name="Pijl: rechts 10">
             <a:extLst>
               <a:ext uri="{FF2B5EF4-FFF2-40B4-BE49-F238E27FC236}">
-                <a16:creationId xmlns:a16="http://schemas.microsoft.com/office/drawing/2014/main" xmlns="" id="{C3B3C454-C61F-4642-AC5E-175E78B46E93}"/>
+                <a16:creationId xmlns="" xmlns:a16="http://schemas.microsoft.com/office/drawing/2014/main" id="{C3B3C454-C61F-4642-AC5E-175E78B46E93}"/>
               </a:ext>
             </a:extLst>
           </p:cNvPr>
@@ -4262,7 +5116,7 @@
           <p:cNvPr id="12" name="Tekstvak 11">
             <a:extLst>
               <a:ext uri="{FF2B5EF4-FFF2-40B4-BE49-F238E27FC236}">
-                <a16:creationId xmlns:a16="http://schemas.microsoft.com/office/drawing/2014/main" xmlns="" id="{1AF95B95-DF37-4511-BC26-2A337B82EADC}"/>
+                <a16:creationId xmlns="" xmlns:a16="http://schemas.microsoft.com/office/drawing/2014/main" id="{1AF95B95-DF37-4511-BC26-2A337B82EADC}"/>
               </a:ext>
             </a:extLst>
           </p:cNvPr>
@@ -4297,7 +5151,7 @@
           <p:cNvPr id="9" name="Afbeelding 8">
             <a:extLst>
               <a:ext uri="{FF2B5EF4-FFF2-40B4-BE49-F238E27FC236}">
-                <a16:creationId xmlns:a16="http://schemas.microsoft.com/office/drawing/2014/main" xmlns="" id="{1B858127-D2F6-4D2B-B5A9-94CF7612B179}"/>
+                <a16:creationId xmlns="" xmlns:a16="http://schemas.microsoft.com/office/drawing/2014/main" id="{1B858127-D2F6-4D2B-B5A9-94CF7612B179}"/>
               </a:ext>
             </a:extLst>
           </p:cNvPr>
@@ -4310,7 +5164,7 @@
           <a:blip r:embed="rId4" cstate="print">
             <a:extLst>
               <a:ext uri="{28A0092B-C50C-407E-A947-70E740481C1C}">
-                <a14:useLocalDpi xmlns:a14="http://schemas.microsoft.com/office/drawing/2010/main" val="0"/>
+                <a14:useLocalDpi xmlns:a14="http://schemas.microsoft.com/office/drawing/2010/main" xmlns="" val="0"/>
               </a:ext>
             </a:extLst>
           </a:blip>
@@ -4333,7 +5187,7 @@
           <p:cNvPr id="10" name="Pijl: rechts 9">
             <a:extLst>
               <a:ext uri="{FF2B5EF4-FFF2-40B4-BE49-F238E27FC236}">
-                <a16:creationId xmlns:a16="http://schemas.microsoft.com/office/drawing/2014/main" xmlns="" id="{13F3850F-71EA-4741-A182-94C4C2F636F5}"/>
+                <a16:creationId xmlns="" xmlns:a16="http://schemas.microsoft.com/office/drawing/2014/main" id="{13F3850F-71EA-4741-A182-94C4C2F636F5}"/>
               </a:ext>
             </a:extLst>
           </p:cNvPr>
@@ -4377,7 +5231,7 @@
     </p:spTree>
     <p:extLst>
       <p:ext uri="{BB962C8B-B14F-4D97-AF65-F5344CB8AC3E}">
-        <p14:creationId xmlns:p14="http://schemas.microsoft.com/office/powerpoint/2010/main" val="2643686151"/>
+        <p14:creationId xmlns:p14="http://schemas.microsoft.com/office/powerpoint/2010/main" xmlns="" val="2643686151"/>
       </p:ext>
     </p:extLst>
   </p:cSld>
@@ -4416,7 +5270,7 @@
           <p:cNvPr id="2" name="Titel 1">
             <a:extLst>
               <a:ext uri="{FF2B5EF4-FFF2-40B4-BE49-F238E27FC236}">
-                <a16:creationId xmlns:a16="http://schemas.microsoft.com/office/drawing/2014/main" xmlns="" id="{769A96FB-BA26-47C0-85BC-9E5A44D94A65}"/>
+                <a16:creationId xmlns="" xmlns:a16="http://schemas.microsoft.com/office/drawing/2014/main" id="{769A96FB-BA26-47C0-85BC-9E5A44D94A65}"/>
               </a:ext>
             </a:extLst>
           </p:cNvPr>
@@ -4444,7 +5298,7 @@
           <p:cNvPr id="5" name="Tijdelijke aanduiding voor inhoud 4">
             <a:extLst>
               <a:ext uri="{FF2B5EF4-FFF2-40B4-BE49-F238E27FC236}">
-                <a16:creationId xmlns:a16="http://schemas.microsoft.com/office/drawing/2014/main" xmlns="" id="{82F9B9FE-1870-4902-A7DB-4B27D59D2B2B}"/>
+                <a16:creationId xmlns="" xmlns:a16="http://schemas.microsoft.com/office/drawing/2014/main" id="{82F9B9FE-1870-4902-A7DB-4B27D59D2B2B}"/>
               </a:ext>
             </a:extLst>
           </p:cNvPr>
@@ -4459,7 +5313,7 @@
           <a:blip r:embed="rId2" cstate="print">
             <a:extLst>
               <a:ext uri="{28A0092B-C50C-407E-A947-70E740481C1C}">
-                <a14:useLocalDpi xmlns:a14="http://schemas.microsoft.com/office/drawing/2010/main" val="0"/>
+                <a14:useLocalDpi xmlns:a14="http://schemas.microsoft.com/office/drawing/2010/main" xmlns="" val="0"/>
               </a:ext>
             </a:extLst>
           </a:blip>
@@ -4479,7 +5333,7 @@
           <p:cNvPr id="6" name="Tekstvak 5">
             <a:extLst>
               <a:ext uri="{FF2B5EF4-FFF2-40B4-BE49-F238E27FC236}">
-                <a16:creationId xmlns:a16="http://schemas.microsoft.com/office/drawing/2014/main" xmlns="" id="{D8F2D3D1-1FE8-4AA0-B6C8-D7E88097CE04}"/>
+                <a16:creationId xmlns="" xmlns:a16="http://schemas.microsoft.com/office/drawing/2014/main" id="{D8F2D3D1-1FE8-4AA0-B6C8-D7E88097CE04}"/>
               </a:ext>
             </a:extLst>
           </p:cNvPr>
@@ -4515,7 +5369,7 @@
           <p:cNvPr id="8" name="Afbeelding 7">
             <a:extLst>
               <a:ext uri="{FF2B5EF4-FFF2-40B4-BE49-F238E27FC236}">
-                <a16:creationId xmlns:a16="http://schemas.microsoft.com/office/drawing/2014/main" xmlns="" id="{819AAC82-0B32-4FA7-B311-90C90A003DAD}"/>
+                <a16:creationId xmlns="" xmlns:a16="http://schemas.microsoft.com/office/drawing/2014/main" id="{819AAC82-0B32-4FA7-B311-90C90A003DAD}"/>
               </a:ext>
             </a:extLst>
           </p:cNvPr>
@@ -4528,7 +5382,7 @@
           <a:blip r:embed="rId3" cstate="print">
             <a:extLst>
               <a:ext uri="{28A0092B-C50C-407E-A947-70E740481C1C}">
-                <a14:useLocalDpi xmlns:a14="http://schemas.microsoft.com/office/drawing/2010/main" val="0"/>
+                <a14:useLocalDpi xmlns:a14="http://schemas.microsoft.com/office/drawing/2010/main" xmlns="" val="0"/>
               </a:ext>
             </a:extLst>
           </a:blip>
@@ -4550,7 +5404,7 @@
           <p:cNvPr id="11" name="Pijl: rechts 10">
             <a:extLst>
               <a:ext uri="{FF2B5EF4-FFF2-40B4-BE49-F238E27FC236}">
-                <a16:creationId xmlns:a16="http://schemas.microsoft.com/office/drawing/2014/main" xmlns="" id="{C3B3C454-C61F-4642-AC5E-175E78B46E93}"/>
+                <a16:creationId xmlns="" xmlns:a16="http://schemas.microsoft.com/office/drawing/2014/main" id="{C3B3C454-C61F-4642-AC5E-175E78B46E93}"/>
               </a:ext>
             </a:extLst>
           </p:cNvPr>
@@ -4596,7 +5450,7 @@
           <p:cNvPr id="12" name="Tekstvak 11">
             <a:extLst>
               <a:ext uri="{FF2B5EF4-FFF2-40B4-BE49-F238E27FC236}">
-                <a16:creationId xmlns:a16="http://schemas.microsoft.com/office/drawing/2014/main" xmlns="" id="{1AF95B95-DF37-4511-BC26-2A337B82EADC}"/>
+                <a16:creationId xmlns="" xmlns:a16="http://schemas.microsoft.com/office/drawing/2014/main" id="{1AF95B95-DF37-4511-BC26-2A337B82EADC}"/>
               </a:ext>
             </a:extLst>
           </p:cNvPr>
@@ -4631,7 +5485,7 @@
           <p:cNvPr id="9" name="Afbeelding 8">
             <a:extLst>
               <a:ext uri="{FF2B5EF4-FFF2-40B4-BE49-F238E27FC236}">
-                <a16:creationId xmlns:a16="http://schemas.microsoft.com/office/drawing/2014/main" xmlns="" id="{1B858127-D2F6-4D2B-B5A9-94CF7612B179}"/>
+                <a16:creationId xmlns="" xmlns:a16="http://schemas.microsoft.com/office/drawing/2014/main" id="{1B858127-D2F6-4D2B-B5A9-94CF7612B179}"/>
               </a:ext>
             </a:extLst>
           </p:cNvPr>
@@ -4644,7 +5498,7 @@
           <a:blip r:embed="rId4" cstate="print">
             <a:extLst>
               <a:ext uri="{28A0092B-C50C-407E-A947-70E740481C1C}">
-                <a14:useLocalDpi xmlns:a14="http://schemas.microsoft.com/office/drawing/2010/main" val="0"/>
+                <a14:useLocalDpi xmlns:a14="http://schemas.microsoft.com/office/drawing/2010/main" xmlns="" val="0"/>
               </a:ext>
             </a:extLst>
           </a:blip>
@@ -4667,7 +5521,7 @@
           <p:cNvPr id="10" name="Pijl: rechts 9">
             <a:extLst>
               <a:ext uri="{FF2B5EF4-FFF2-40B4-BE49-F238E27FC236}">
-                <a16:creationId xmlns:a16="http://schemas.microsoft.com/office/drawing/2014/main" xmlns="" id="{13F3850F-71EA-4741-A182-94C4C2F636F5}"/>
+                <a16:creationId xmlns="" xmlns:a16="http://schemas.microsoft.com/office/drawing/2014/main" id="{13F3850F-71EA-4741-A182-94C4C2F636F5}"/>
               </a:ext>
             </a:extLst>
           </p:cNvPr>
@@ -4713,7 +5567,7 @@
           <p:cNvPr id="3" name="Ovaal 2">
             <a:extLst>
               <a:ext uri="{FF2B5EF4-FFF2-40B4-BE49-F238E27FC236}">
-                <a16:creationId xmlns:a16="http://schemas.microsoft.com/office/drawing/2014/main" xmlns="" id="{19B9F891-8EF8-44F6-B6ED-BB2422D771A3}"/>
+                <a16:creationId xmlns="" xmlns:a16="http://schemas.microsoft.com/office/drawing/2014/main" id="{19B9F891-8EF8-44F6-B6ED-BB2422D771A3}"/>
               </a:ext>
             </a:extLst>
           </p:cNvPr>
@@ -4762,7 +5616,7 @@
           <p:cNvPr id="13" name="Ovaal 12">
             <a:extLst>
               <a:ext uri="{FF2B5EF4-FFF2-40B4-BE49-F238E27FC236}">
-                <a16:creationId xmlns:a16="http://schemas.microsoft.com/office/drawing/2014/main" xmlns="" id="{24DD1F6E-573A-4E2D-8811-591CE94E629B}"/>
+                <a16:creationId xmlns="" xmlns:a16="http://schemas.microsoft.com/office/drawing/2014/main" id="{24DD1F6E-573A-4E2D-8811-591CE94E629B}"/>
               </a:ext>
             </a:extLst>
           </p:cNvPr>
@@ -4811,7 +5665,7 @@
           <p:cNvPr id="7" name="Rechte verbindingslijn met pijl 6">
             <a:extLst>
               <a:ext uri="{FF2B5EF4-FFF2-40B4-BE49-F238E27FC236}">
-                <a16:creationId xmlns:a16="http://schemas.microsoft.com/office/drawing/2014/main" xmlns="" id="{D5C82334-4E2E-4051-961A-F679B07C4F1F}"/>
+                <a16:creationId xmlns="" xmlns:a16="http://schemas.microsoft.com/office/drawing/2014/main" id="{D5C82334-4E2E-4051-961A-F679B07C4F1F}"/>
               </a:ext>
             </a:extLst>
           </p:cNvPr>
@@ -4853,7 +5707,7 @@
           <p:cNvPr id="16" name="Rechte verbindingslijn met pijl 15">
             <a:extLst>
               <a:ext uri="{FF2B5EF4-FFF2-40B4-BE49-F238E27FC236}">
-                <a16:creationId xmlns:a16="http://schemas.microsoft.com/office/drawing/2014/main" xmlns="" id="{705EA1F6-DA7E-4475-8576-E76A7C126F12}"/>
+                <a16:creationId xmlns="" xmlns:a16="http://schemas.microsoft.com/office/drawing/2014/main" id="{705EA1F6-DA7E-4475-8576-E76A7C126F12}"/>
               </a:ext>
             </a:extLst>
           </p:cNvPr>
@@ -4893,7 +5747,7 @@
     </p:spTree>
     <p:extLst>
       <p:ext uri="{BB962C8B-B14F-4D97-AF65-F5344CB8AC3E}">
-        <p14:creationId xmlns:p14="http://schemas.microsoft.com/office/powerpoint/2010/main" val="845698545"/>
+        <p14:creationId xmlns:p14="http://schemas.microsoft.com/office/powerpoint/2010/main" xmlns="" val="845698545"/>
       </p:ext>
     </p:extLst>
   </p:cSld>
@@ -4932,7 +5786,7 @@
           <p:cNvPr id="2" name="Titel 1">
             <a:extLst>
               <a:ext uri="{FF2B5EF4-FFF2-40B4-BE49-F238E27FC236}">
-                <a16:creationId xmlns:a16="http://schemas.microsoft.com/office/drawing/2014/main" xmlns="" id="{28AC7F7A-EB5E-48A2-A178-02E17BA194BE}"/>
+                <a16:creationId xmlns="" xmlns:a16="http://schemas.microsoft.com/office/drawing/2014/main" id="{28AC7F7A-EB5E-48A2-A178-02E17BA194BE}"/>
               </a:ext>
             </a:extLst>
           </p:cNvPr>
@@ -4977,7 +5831,7 @@
           <p:cNvPr id="4" name="Tijdelijke aanduiding voor inhoud 3">
             <a:extLst>
               <a:ext uri="{FF2B5EF4-FFF2-40B4-BE49-F238E27FC236}">
-                <a16:creationId xmlns:a16="http://schemas.microsoft.com/office/drawing/2014/main" xmlns="" id="{12A0C32B-A310-4B27-B6D9-73509A425B75}"/>
+                <a16:creationId xmlns="" xmlns:a16="http://schemas.microsoft.com/office/drawing/2014/main" id="{12A0C32B-A310-4B27-B6D9-73509A425B75}"/>
               </a:ext>
             </a:extLst>
           </p:cNvPr>
@@ -5006,7 +5860,7 @@
     </p:spTree>
     <p:extLst>
       <p:ext uri="{BB962C8B-B14F-4D97-AF65-F5344CB8AC3E}">
-        <p14:creationId xmlns:p14="http://schemas.microsoft.com/office/powerpoint/2010/main" val="2460963347"/>
+        <p14:creationId xmlns:p14="http://schemas.microsoft.com/office/powerpoint/2010/main" xmlns="" val="2460963347"/>
       </p:ext>
     </p:extLst>
   </p:cSld>
@@ -5152,9 +6006,10 @@
           </a:p>
           <a:p>
             <a:r>
-              <a:rPr lang="en-US" dirty="0"/>
-              <a:t>Upper/Lower Bound</a:t>
-            </a:r>
+              <a:rPr lang="en-US" dirty="0" smtClean="0"/>
+              <a:t>Constrained Optimization Problem</a:t>
+            </a:r>
+            <a:endParaRPr lang="en-US" dirty="0"/>
           </a:p>
           <a:p>
             <a:pPr marL="457200" lvl="1" indent="0">
@@ -5218,104 +6073,746 @@
           <a:lstStyle/>
           <a:p>
             <a:r>
-              <a:rPr lang="en-US" dirty="0" err="1"/>
-              <a:t>Methode</a:t>
-            </a:r>
-            <a:r>
-              <a:rPr lang="en-US" dirty="0"/>
-              <a:t>	</a:t>
-            </a:r>
-          </a:p>
-        </p:txBody>
-      </p:sp>
-      <p:sp>
-        <p:nvSpPr>
-          <p:cNvPr id="3" name="Tijdelijke aanduiding voor inhoud 2"/>
-          <p:cNvSpPr>
-            <a:spLocks noGrp="1"/>
-          </p:cNvSpPr>
-          <p:nvPr>
-            <p:ph idx="1"/>
-          </p:nvPr>
-        </p:nvSpPr>
-        <p:spPr/>
-        <p:txBody>
-          <a:bodyPr/>
-          <a:lstStyle/>
-          <a:p>
-            <a:r>
-              <a:rPr lang="nl-NL" dirty="0"/>
-              <a:t>Classes</a:t>
-            </a:r>
-          </a:p>
-          <a:p>
-            <a:pPr lvl="1"/>
-            <a:r>
-              <a:rPr lang="nl-NL" dirty="0" err="1"/>
-              <a:t>Amino</a:t>
-            </a:r>
-            <a:r>
-              <a:rPr lang="nl-NL" dirty="0"/>
-              <a:t> Acid</a:t>
-            </a:r>
-          </a:p>
-          <a:p>
-            <a:pPr lvl="1"/>
-            <a:r>
-              <a:rPr lang="nl-NL" dirty="0" err="1"/>
-              <a:t>Amino</a:t>
-            </a:r>
-            <a:r>
-              <a:rPr lang="nl-NL" dirty="0"/>
-              <a:t> Acid </a:t>
-            </a:r>
-            <a:r>
-              <a:rPr lang="nl-NL" dirty="0" err="1"/>
-              <a:t>Chain</a:t>
-            </a:r>
-            <a:endParaRPr lang="nl-NL" dirty="0"/>
-          </a:p>
-          <a:p>
-            <a:r>
-              <a:rPr lang="nl-NL" dirty="0"/>
-              <a:t>Assenstelsel </a:t>
-            </a:r>
-          </a:p>
-          <a:p>
-            <a:pPr lvl="1"/>
-            <a:r>
-              <a:rPr lang="nl-NL" dirty="0"/>
-              <a:t>2D (x, y)</a:t>
-            </a:r>
-          </a:p>
-          <a:p>
-            <a:pPr lvl="1"/>
-            <a:r>
-              <a:rPr lang="nl-NL" dirty="0"/>
-              <a:t>3D (x, y, z)</a:t>
-            </a:r>
-          </a:p>
-          <a:p>
-            <a:r>
-              <a:rPr lang="nl-NL" dirty="0"/>
-              <a:t>Plot</a:t>
+              <a:rPr lang="en-US" dirty="0" smtClean="0"/>
+              <a:t>Cases: 4 </a:t>
+            </a:r>
+            <a:r>
+              <a:rPr lang="en-US" dirty="0" err="1" smtClean="0"/>
+              <a:t>ketens</a:t>
+            </a:r>
+            <a:r>
+              <a:rPr lang="en-US" dirty="0" smtClean="0"/>
+              <a:t> </a:t>
             </a:r>
             <a:endParaRPr lang="en-US" dirty="0"/>
           </a:p>
         </p:txBody>
       </p:sp>
+      <p:graphicFrame>
+        <p:nvGraphicFramePr>
+          <p:cNvPr id="4" name="Tabel 3"/>
+          <p:cNvGraphicFramePr>
+            <a:graphicFrameLocks noGrp="1"/>
+          </p:cNvGraphicFramePr>
+          <p:nvPr/>
+        </p:nvGraphicFramePr>
+        <p:xfrm>
+          <a:off x="1044027" y="2170093"/>
+          <a:ext cx="10496332" cy="2443950"/>
+        </p:xfrm>
+        <a:graphic>
+          <a:graphicData uri="http://schemas.openxmlformats.org/drawingml/2006/table">
+            <a:tbl>
+              <a:tblPr firstRow="1" bandRow="1">
+                <a:tableStyleId>{5C22544A-7EE6-4342-B048-85BDC9FD1C3A}</a:tableStyleId>
+              </a:tblPr>
+              <a:tblGrid>
+                <a:gridCol w="2497959"/>
+                <a:gridCol w="7998373"/>
+              </a:tblGrid>
+              <a:tr h="488790">
+                <a:tc>
+                  <a:txBody>
+                    <a:bodyPr/>
+                    <a:lstStyle/>
+                    <a:p>
+                      <a:r>
+                        <a:rPr lang="en-US" dirty="0" err="1" smtClean="0"/>
+                        <a:t>Lengte</a:t>
+                      </a:r>
+                      <a:endParaRPr lang="en-US" dirty="0"/>
+                    </a:p>
+                  </a:txBody>
+                  <a:tcPr/>
+                </a:tc>
+                <a:tc>
+                  <a:txBody>
+                    <a:bodyPr/>
+                    <a:lstStyle/>
+                    <a:p>
+                      <a:r>
+                        <a:rPr lang="en-US" dirty="0" err="1" smtClean="0"/>
+                        <a:t>Keten</a:t>
+                      </a:r>
+                      <a:endParaRPr lang="en-US" dirty="0"/>
+                    </a:p>
+                  </a:txBody>
+                  <a:tcPr/>
+                </a:tc>
+              </a:tr>
+              <a:tr h="488790">
+                <a:tc>
+                  <a:txBody>
+                    <a:bodyPr/>
+                    <a:lstStyle/>
+                    <a:p>
+                      <a:r>
+                        <a:rPr lang="en-US" dirty="0" smtClean="0"/>
+                        <a:t>14</a:t>
+                      </a:r>
+                      <a:endParaRPr lang="en-US" dirty="0"/>
+                    </a:p>
+                  </a:txBody>
+                  <a:tcPr/>
+                </a:tc>
+                <a:tc>
+                  <a:txBody>
+                    <a:bodyPr/>
+                    <a:lstStyle/>
+                    <a:p>
+                      <a:r>
+                        <a:rPr lang="en-US" dirty="0" smtClean="0">
+                          <a:solidFill>
+                            <a:srgbClr val="FF0000"/>
+                          </a:solidFill>
+                        </a:rPr>
+                        <a:t>HH</a:t>
+                      </a:r>
+                      <a:r>
+                        <a:rPr lang="en-US" dirty="0" smtClean="0">
+                          <a:solidFill>
+                            <a:srgbClr val="002060"/>
+                          </a:solidFill>
+                        </a:rPr>
+                        <a:t>P</a:t>
+                      </a:r>
+                      <a:r>
+                        <a:rPr lang="en-US" dirty="0" smtClean="0">
+                          <a:solidFill>
+                            <a:srgbClr val="FF0000"/>
+                          </a:solidFill>
+                        </a:rPr>
+                        <a:t>HHH</a:t>
+                      </a:r>
+                      <a:r>
+                        <a:rPr lang="en-US" dirty="0" smtClean="0">
+                          <a:solidFill>
+                            <a:srgbClr val="002060"/>
+                          </a:solidFill>
+                        </a:rPr>
+                        <a:t>P</a:t>
+                      </a:r>
+                      <a:r>
+                        <a:rPr lang="en-US" dirty="0" smtClean="0">
+                          <a:solidFill>
+                            <a:srgbClr val="FF0000"/>
+                          </a:solidFill>
+                        </a:rPr>
+                        <a:t>H</a:t>
+                      </a:r>
+                      <a:r>
+                        <a:rPr lang="en-US" dirty="0" smtClean="0">
+                          <a:solidFill>
+                            <a:srgbClr val="002060"/>
+                          </a:solidFill>
+                        </a:rPr>
+                        <a:t>P</a:t>
+                      </a:r>
+                      <a:r>
+                        <a:rPr lang="en-US" dirty="0" smtClean="0">
+                          <a:solidFill>
+                            <a:srgbClr val="FF0000"/>
+                          </a:solidFill>
+                        </a:rPr>
+                        <a:t>HHH</a:t>
+                      </a:r>
+                      <a:r>
+                        <a:rPr lang="en-US" dirty="0" smtClean="0">
+                          <a:solidFill>
+                            <a:srgbClr val="002060"/>
+                          </a:solidFill>
+                        </a:rPr>
+                        <a:t>P</a:t>
+                      </a:r>
+                      <a:r>
+                        <a:rPr lang="en-US" dirty="0" smtClean="0">
+                          <a:solidFill>
+                            <a:srgbClr val="FF0000"/>
+                          </a:solidFill>
+                        </a:rPr>
+                        <a:t>H</a:t>
+                      </a:r>
+                      <a:endParaRPr lang="en-US" dirty="0">
+                        <a:solidFill>
+                          <a:srgbClr val="FF0000"/>
+                        </a:solidFill>
+                      </a:endParaRPr>
+                    </a:p>
+                  </a:txBody>
+                  <a:tcPr/>
+                </a:tc>
+              </a:tr>
+              <a:tr h="488790">
+                <a:tc>
+                  <a:txBody>
+                    <a:bodyPr/>
+                    <a:lstStyle/>
+                    <a:p>
+                      <a:r>
+                        <a:rPr lang="en-US" dirty="0" smtClean="0"/>
+                        <a:t>20</a:t>
+                      </a:r>
+                      <a:endParaRPr lang="en-US" dirty="0"/>
+                    </a:p>
+                  </a:txBody>
+                  <a:tcPr/>
+                </a:tc>
+                <a:tc>
+                  <a:txBody>
+                    <a:bodyPr/>
+                    <a:lstStyle/>
+                    <a:p>
+                      <a:r>
+                        <a:rPr lang="en-US" dirty="0" smtClean="0">
+                          <a:solidFill>
+                            <a:srgbClr val="FF0000"/>
+                          </a:solidFill>
+                        </a:rPr>
+                        <a:t>H</a:t>
+                      </a:r>
+                      <a:r>
+                        <a:rPr lang="en-US" dirty="0" smtClean="0">
+                          <a:solidFill>
+                            <a:srgbClr val="002060"/>
+                          </a:solidFill>
+                        </a:rPr>
+                        <a:t>P</a:t>
+                      </a:r>
+                      <a:r>
+                        <a:rPr lang="en-US" dirty="0" smtClean="0">
+                          <a:solidFill>
+                            <a:srgbClr val="FF0000"/>
+                          </a:solidFill>
+                        </a:rPr>
+                        <a:t>H</a:t>
+                      </a:r>
+                      <a:r>
+                        <a:rPr lang="en-US" dirty="0" smtClean="0">
+                          <a:solidFill>
+                            <a:srgbClr val="002060"/>
+                          </a:solidFill>
+                        </a:rPr>
+                        <a:t>PP</a:t>
+                      </a:r>
+                      <a:r>
+                        <a:rPr lang="en-US" dirty="0" smtClean="0">
+                          <a:solidFill>
+                            <a:srgbClr val="FF0000"/>
+                          </a:solidFill>
+                        </a:rPr>
+                        <a:t>HH</a:t>
+                      </a:r>
+                      <a:r>
+                        <a:rPr lang="en-US" dirty="0" smtClean="0">
+                          <a:solidFill>
+                            <a:srgbClr val="002060"/>
+                          </a:solidFill>
+                        </a:rPr>
+                        <a:t>P</a:t>
+                      </a:r>
+                      <a:r>
+                        <a:rPr lang="en-US" dirty="0" smtClean="0">
+                          <a:solidFill>
+                            <a:srgbClr val="FF0000"/>
+                          </a:solidFill>
+                        </a:rPr>
+                        <a:t>H</a:t>
+                      </a:r>
+                      <a:r>
+                        <a:rPr lang="en-US" dirty="0" smtClean="0">
+                          <a:solidFill>
+                            <a:srgbClr val="002060"/>
+                          </a:solidFill>
+                        </a:rPr>
+                        <a:t>PP</a:t>
+                      </a:r>
+                      <a:r>
+                        <a:rPr lang="en-US" dirty="0" smtClean="0">
+                          <a:solidFill>
+                            <a:srgbClr val="FF0000"/>
+                          </a:solidFill>
+                        </a:rPr>
+                        <a:t>H</a:t>
+                      </a:r>
+                      <a:r>
+                        <a:rPr lang="en-US" dirty="0" smtClean="0">
+                          <a:solidFill>
+                            <a:srgbClr val="002060"/>
+                          </a:solidFill>
+                        </a:rPr>
+                        <a:t>P</a:t>
+                      </a:r>
+                      <a:r>
+                        <a:rPr lang="en-US" dirty="0" smtClean="0">
+                          <a:solidFill>
+                            <a:srgbClr val="FF0000"/>
+                          </a:solidFill>
+                        </a:rPr>
+                        <a:t>HH</a:t>
+                      </a:r>
+                      <a:r>
+                        <a:rPr lang="en-US" dirty="0" smtClean="0">
+                          <a:solidFill>
+                            <a:srgbClr val="002060"/>
+                          </a:solidFill>
+                        </a:rPr>
+                        <a:t>PP</a:t>
+                      </a:r>
+                      <a:r>
+                        <a:rPr lang="en-US" dirty="0" smtClean="0">
+                          <a:solidFill>
+                            <a:srgbClr val="FF0000"/>
+                          </a:solidFill>
+                        </a:rPr>
+                        <a:t>H</a:t>
+                      </a:r>
+                      <a:r>
+                        <a:rPr lang="en-US" dirty="0" smtClean="0">
+                          <a:solidFill>
+                            <a:srgbClr val="002060"/>
+                          </a:solidFill>
+                        </a:rPr>
+                        <a:t>P</a:t>
+                      </a:r>
+                      <a:r>
+                        <a:rPr lang="en-US" dirty="0" smtClean="0">
+                          <a:solidFill>
+                            <a:srgbClr val="FF0000"/>
+                          </a:solidFill>
+                        </a:rPr>
+                        <a:t>H</a:t>
+                      </a:r>
+                      <a:endParaRPr lang="en-US" dirty="0">
+                        <a:solidFill>
+                          <a:srgbClr val="FF0000"/>
+                        </a:solidFill>
+                      </a:endParaRPr>
+                    </a:p>
+                  </a:txBody>
+                  <a:tcPr/>
+                </a:tc>
+              </a:tr>
+              <a:tr h="488790">
+                <a:tc>
+                  <a:txBody>
+                    <a:bodyPr/>
+                    <a:lstStyle/>
+                    <a:p>
+                      <a:r>
+                        <a:rPr lang="en-US" dirty="0" smtClean="0"/>
+                        <a:t>35</a:t>
+                      </a:r>
+                      <a:endParaRPr lang="en-US" dirty="0"/>
+                    </a:p>
+                  </a:txBody>
+                  <a:tcPr/>
+                </a:tc>
+                <a:tc>
+                  <a:txBody>
+                    <a:bodyPr/>
+                    <a:lstStyle/>
+                    <a:p>
+                      <a:r>
+                        <a:rPr lang="en-US" dirty="0" smtClean="0">
+                          <a:solidFill>
+                            <a:srgbClr val="002060"/>
+                          </a:solidFill>
+                        </a:rPr>
+                        <a:t>PPP</a:t>
+                      </a:r>
+                      <a:r>
+                        <a:rPr lang="en-US" dirty="0" smtClean="0">
+                          <a:solidFill>
+                            <a:srgbClr val="FF0000"/>
+                          </a:solidFill>
+                        </a:rPr>
+                        <a:t>HH</a:t>
+                      </a:r>
+                      <a:r>
+                        <a:rPr lang="en-US" dirty="0" smtClean="0">
+                          <a:solidFill>
+                            <a:srgbClr val="002060"/>
+                          </a:solidFill>
+                        </a:rPr>
+                        <a:t>PP</a:t>
+                      </a:r>
+                      <a:r>
+                        <a:rPr lang="en-US" dirty="0" smtClean="0">
+                          <a:solidFill>
+                            <a:srgbClr val="FF0000"/>
+                          </a:solidFill>
+                        </a:rPr>
+                        <a:t>HH</a:t>
+                      </a:r>
+                      <a:r>
+                        <a:rPr lang="en-US" dirty="0" smtClean="0">
+                          <a:solidFill>
+                            <a:srgbClr val="002060"/>
+                          </a:solidFill>
+                        </a:rPr>
+                        <a:t>PPPPP</a:t>
+                      </a:r>
+                      <a:r>
+                        <a:rPr lang="en-US" dirty="0" smtClean="0">
+                          <a:solidFill>
+                            <a:srgbClr val="FF0000"/>
+                          </a:solidFill>
+                        </a:rPr>
+                        <a:t>HHHHHHH</a:t>
+                      </a:r>
+                      <a:r>
+                        <a:rPr lang="en-US" dirty="0" smtClean="0">
+                          <a:solidFill>
+                            <a:srgbClr val="002060"/>
+                          </a:solidFill>
+                        </a:rPr>
+                        <a:t>PP</a:t>
+                      </a:r>
+                      <a:r>
+                        <a:rPr lang="en-US" dirty="0" smtClean="0">
+                          <a:solidFill>
+                            <a:srgbClr val="FF0000"/>
+                          </a:solidFill>
+                        </a:rPr>
+                        <a:t>HH</a:t>
+                      </a:r>
+                      <a:r>
+                        <a:rPr lang="en-US" dirty="0" smtClean="0">
+                          <a:solidFill>
+                            <a:srgbClr val="002060"/>
+                          </a:solidFill>
+                        </a:rPr>
+                        <a:t>PPPP</a:t>
+                      </a:r>
+                      <a:r>
+                        <a:rPr lang="en-US" dirty="0" smtClean="0">
+                          <a:solidFill>
+                            <a:srgbClr val="FF0000"/>
+                          </a:solidFill>
+                        </a:rPr>
+                        <a:t>HH</a:t>
+                      </a:r>
+                      <a:r>
+                        <a:rPr lang="en-US" dirty="0" smtClean="0">
+                          <a:solidFill>
+                            <a:srgbClr val="002060"/>
+                          </a:solidFill>
+                        </a:rPr>
+                        <a:t>PP</a:t>
+                      </a:r>
+                      <a:r>
+                        <a:rPr lang="en-US" dirty="0" smtClean="0">
+                          <a:solidFill>
+                            <a:srgbClr val="FF0000"/>
+                          </a:solidFill>
+                        </a:rPr>
+                        <a:t>H</a:t>
+                      </a:r>
+                      <a:r>
+                        <a:rPr lang="en-US" dirty="0" smtClean="0">
+                          <a:solidFill>
+                            <a:srgbClr val="002060"/>
+                          </a:solidFill>
+                        </a:rPr>
+                        <a:t>PP</a:t>
+                      </a:r>
+                      <a:endParaRPr lang="en-US" dirty="0">
+                        <a:solidFill>
+                          <a:srgbClr val="002060"/>
+                        </a:solidFill>
+                      </a:endParaRPr>
+                    </a:p>
+                  </a:txBody>
+                  <a:tcPr/>
+                </a:tc>
+              </a:tr>
+              <a:tr h="488790">
+                <a:tc>
+                  <a:txBody>
+                    <a:bodyPr/>
+                    <a:lstStyle/>
+                    <a:p>
+                      <a:r>
+                        <a:rPr lang="en-US" dirty="0" smtClean="0"/>
+                        <a:t>50</a:t>
+                      </a:r>
+                      <a:endParaRPr lang="en-US" dirty="0"/>
+                    </a:p>
+                  </a:txBody>
+                  <a:tcPr/>
+                </a:tc>
+                <a:tc>
+                  <a:txBody>
+                    <a:bodyPr/>
+                    <a:lstStyle/>
+                    <a:p>
+                      <a:r>
+                        <a:rPr lang="en-US" dirty="0" smtClean="0">
+                          <a:solidFill>
+                            <a:srgbClr val="FF0000"/>
+                          </a:solidFill>
+                        </a:rPr>
+                        <a:t>HH</a:t>
+                      </a:r>
+                      <a:r>
+                        <a:rPr lang="en-US" dirty="0" smtClean="0">
+                          <a:solidFill>
+                            <a:srgbClr val="002060"/>
+                          </a:solidFill>
+                        </a:rPr>
+                        <a:t>P</a:t>
+                      </a:r>
+                      <a:r>
+                        <a:rPr lang="en-US" dirty="0" smtClean="0">
+                          <a:solidFill>
+                            <a:srgbClr val="FF0000"/>
+                          </a:solidFill>
+                        </a:rPr>
+                        <a:t>H</a:t>
+                      </a:r>
+                      <a:r>
+                        <a:rPr lang="en-US" dirty="0" smtClean="0">
+                          <a:solidFill>
+                            <a:srgbClr val="002060"/>
+                          </a:solidFill>
+                        </a:rPr>
+                        <a:t>P</a:t>
+                      </a:r>
+                      <a:r>
+                        <a:rPr lang="en-US" dirty="0" smtClean="0">
+                          <a:solidFill>
+                            <a:srgbClr val="FF0000"/>
+                          </a:solidFill>
+                        </a:rPr>
+                        <a:t>H</a:t>
+                      </a:r>
+                      <a:r>
+                        <a:rPr lang="en-US" dirty="0" smtClean="0">
+                          <a:solidFill>
+                            <a:srgbClr val="002060"/>
+                          </a:solidFill>
+                        </a:rPr>
+                        <a:t>P</a:t>
+                      </a:r>
+                      <a:r>
+                        <a:rPr lang="en-US" dirty="0" smtClean="0">
+                          <a:solidFill>
+                            <a:srgbClr val="FF0000"/>
+                          </a:solidFill>
+                        </a:rPr>
+                        <a:t>H</a:t>
+                      </a:r>
+                      <a:r>
+                        <a:rPr lang="en-US" dirty="0" smtClean="0">
+                          <a:solidFill>
+                            <a:srgbClr val="002060"/>
+                          </a:solidFill>
+                        </a:rPr>
+                        <a:t>P</a:t>
+                      </a:r>
+                      <a:r>
+                        <a:rPr lang="en-US" dirty="0" smtClean="0">
+                          <a:solidFill>
+                            <a:srgbClr val="FF0000"/>
+                          </a:solidFill>
+                        </a:rPr>
+                        <a:t>HHHH</a:t>
+                      </a:r>
+                      <a:r>
+                        <a:rPr lang="en-US" dirty="0" smtClean="0">
+                          <a:solidFill>
+                            <a:srgbClr val="002060"/>
+                          </a:solidFill>
+                        </a:rPr>
+                        <a:t>P</a:t>
+                      </a:r>
+                      <a:r>
+                        <a:rPr lang="en-US" dirty="0" smtClean="0">
+                          <a:solidFill>
+                            <a:srgbClr val="FF0000"/>
+                          </a:solidFill>
+                        </a:rPr>
+                        <a:t>H</a:t>
+                      </a:r>
+                      <a:r>
+                        <a:rPr lang="en-US" dirty="0" smtClean="0">
+                          <a:solidFill>
+                            <a:srgbClr val="002060"/>
+                          </a:solidFill>
+                        </a:rPr>
+                        <a:t>PPP</a:t>
+                      </a:r>
+                      <a:r>
+                        <a:rPr lang="en-US" dirty="0" smtClean="0">
+                          <a:solidFill>
+                            <a:srgbClr val="FF0000"/>
+                          </a:solidFill>
+                        </a:rPr>
+                        <a:t>H</a:t>
+                      </a:r>
+                      <a:r>
+                        <a:rPr lang="en-US" dirty="0" smtClean="0">
+                          <a:solidFill>
+                            <a:srgbClr val="002060"/>
+                          </a:solidFill>
+                        </a:rPr>
+                        <a:t>PPP</a:t>
+                      </a:r>
+                      <a:r>
+                        <a:rPr lang="en-US" dirty="0" smtClean="0">
+                          <a:solidFill>
+                            <a:srgbClr val="FF0000"/>
+                          </a:solidFill>
+                        </a:rPr>
+                        <a:t>H</a:t>
+                      </a:r>
+                      <a:r>
+                        <a:rPr lang="en-US" dirty="0" smtClean="0">
+                          <a:solidFill>
+                            <a:srgbClr val="002060"/>
+                          </a:solidFill>
+                        </a:rPr>
+                        <a:t>PPPP</a:t>
+                      </a:r>
+                      <a:r>
+                        <a:rPr lang="en-US" dirty="0" smtClean="0">
+                          <a:solidFill>
+                            <a:srgbClr val="FF0000"/>
+                          </a:solidFill>
+                        </a:rPr>
+                        <a:t>H</a:t>
+                      </a:r>
+                      <a:r>
+                        <a:rPr lang="en-US" dirty="0" smtClean="0">
+                          <a:solidFill>
+                            <a:srgbClr val="002060"/>
+                          </a:solidFill>
+                        </a:rPr>
+                        <a:t>PPP</a:t>
+                      </a:r>
+                      <a:r>
+                        <a:rPr lang="en-US" dirty="0" smtClean="0">
+                          <a:solidFill>
+                            <a:srgbClr val="FF0000"/>
+                          </a:solidFill>
+                        </a:rPr>
+                        <a:t>H</a:t>
+                      </a:r>
+                      <a:r>
+                        <a:rPr lang="en-US" dirty="0" smtClean="0">
+                          <a:solidFill>
+                            <a:srgbClr val="002060"/>
+                          </a:solidFill>
+                        </a:rPr>
+                        <a:t>PPP</a:t>
+                      </a:r>
+                      <a:r>
+                        <a:rPr lang="en-US" dirty="0" smtClean="0">
+                          <a:solidFill>
+                            <a:srgbClr val="FF0000"/>
+                          </a:solidFill>
+                        </a:rPr>
+                        <a:t>H</a:t>
+                      </a:r>
+                      <a:r>
+                        <a:rPr lang="en-US" dirty="0" smtClean="0">
+                          <a:solidFill>
+                            <a:srgbClr val="002060"/>
+                          </a:solidFill>
+                        </a:rPr>
+                        <a:t>P</a:t>
+                      </a:r>
+                      <a:r>
+                        <a:rPr lang="en-US" dirty="0" smtClean="0">
+                          <a:solidFill>
+                            <a:srgbClr val="FF0000"/>
+                          </a:solidFill>
+                        </a:rPr>
+                        <a:t>HHHH</a:t>
+                      </a:r>
+                      <a:r>
+                        <a:rPr lang="en-US" dirty="0" smtClean="0">
+                          <a:solidFill>
+                            <a:srgbClr val="002060"/>
+                          </a:solidFill>
+                        </a:rPr>
+                        <a:t>P</a:t>
+                      </a:r>
+                      <a:r>
+                        <a:rPr lang="en-US" dirty="0" smtClean="0">
+                          <a:solidFill>
+                            <a:srgbClr val="FF0000"/>
+                          </a:solidFill>
+                        </a:rPr>
+                        <a:t>H</a:t>
+                      </a:r>
+                      <a:r>
+                        <a:rPr lang="en-US" dirty="0" smtClean="0">
+                          <a:solidFill>
+                            <a:srgbClr val="002060"/>
+                          </a:solidFill>
+                        </a:rPr>
+                        <a:t>P</a:t>
+                      </a:r>
+                      <a:r>
+                        <a:rPr lang="en-US" dirty="0" smtClean="0">
+                          <a:solidFill>
+                            <a:srgbClr val="FF0000"/>
+                          </a:solidFill>
+                        </a:rPr>
+                        <a:t>H</a:t>
+                      </a:r>
+                      <a:r>
+                        <a:rPr lang="en-US" dirty="0" smtClean="0">
+                          <a:solidFill>
+                            <a:srgbClr val="002060"/>
+                          </a:solidFill>
+                        </a:rPr>
+                        <a:t>P</a:t>
+                      </a:r>
+                      <a:r>
+                        <a:rPr lang="en-US" dirty="0" smtClean="0">
+                          <a:solidFill>
+                            <a:srgbClr val="FF0000"/>
+                          </a:solidFill>
+                        </a:rPr>
+                        <a:t>H</a:t>
+                      </a:r>
+                      <a:r>
+                        <a:rPr lang="en-US" dirty="0" smtClean="0">
+                          <a:solidFill>
+                            <a:srgbClr val="002060"/>
+                          </a:solidFill>
+                        </a:rPr>
+                        <a:t>P</a:t>
+                      </a:r>
+                      <a:r>
+                        <a:rPr lang="en-US" dirty="0" smtClean="0">
+                          <a:solidFill>
+                            <a:srgbClr val="FF0000"/>
+                          </a:solidFill>
+                        </a:rPr>
+                        <a:t>HH</a:t>
+                      </a:r>
+                      <a:endParaRPr lang="en-US" dirty="0">
+                        <a:solidFill>
+                          <a:srgbClr val="FF0000"/>
+                        </a:solidFill>
+                      </a:endParaRPr>
+                    </a:p>
+                  </a:txBody>
+                  <a:tcPr/>
+                </a:tc>
+              </a:tr>
+            </a:tbl>
+          </a:graphicData>
+        </a:graphic>
+      </p:graphicFrame>
     </p:spTree>
   </p:cSld>
   <p:clrMapOvr>
     <a:masterClrMapping/>
   </p:clrMapOvr>
-  <p:timing>
-    <p:tnLst>
-      <p:par>
-        <p:cTn id="1" dur="indefinite" restart="never" nodeType="tmRoot"/>
-      </p:par>
-    </p:tnLst>
-  </p:timing>
 </p:sld>
 </file>
 
@@ -5352,8 +6849,8 @@
           <a:lstStyle/>
           <a:p>
             <a:r>
-              <a:rPr lang="en-US" dirty="0" err="1"/>
-              <a:t>Methode</a:t>
+              <a:rPr lang="en-US" dirty="0" smtClean="0"/>
+              <a:t>Score upper- &amp; lower-bound</a:t>
             </a:r>
             <a:endParaRPr lang="en-US" dirty="0"/>
           </a:p>
@@ -5369,56 +6866,884 @@
             <p:ph idx="1"/>
           </p:nvPr>
         </p:nvSpPr>
-        <p:spPr/>
+        <p:spPr>
+          <a:xfrm>
+            <a:off x="1097280" y="5087007"/>
+            <a:ext cx="10058400" cy="466776"/>
+          </a:xfrm>
+        </p:spPr>
         <p:txBody>
           <a:bodyPr/>
           <a:lstStyle/>
           <a:p>
             <a:r>
-              <a:rPr lang="en-US" dirty="0" err="1"/>
-              <a:t>Algoritmes</a:t>
-            </a:r>
-            <a:r>
-              <a:rPr lang="en-US" dirty="0"/>
-              <a:t>:</a:t>
-            </a:r>
-          </a:p>
-          <a:p>
-            <a:pPr lvl="1"/>
-            <a:r>
-              <a:rPr lang="en-US" dirty="0"/>
-              <a:t>Random</a:t>
-            </a:r>
-          </a:p>
-          <a:p>
-            <a:pPr lvl="1"/>
-            <a:r>
-              <a:rPr lang="en-US" dirty="0"/>
-              <a:t>Breadth-first</a:t>
-            </a:r>
-          </a:p>
-          <a:p>
-            <a:pPr lvl="1"/>
-            <a:r>
-              <a:rPr lang="en-US" dirty="0" err="1"/>
-              <a:t>Hillclimber</a:t>
+              <a:rPr lang="en-US" dirty="0" smtClean="0"/>
+              <a:t>Score upper-bound = (</a:t>
+            </a:r>
+            <a:r>
+              <a:rPr lang="en-US" dirty="0" err="1" smtClean="0"/>
+              <a:t>aantal</a:t>
+            </a:r>
+            <a:r>
+              <a:rPr lang="en-US" dirty="0" smtClean="0"/>
+              <a:t> H - 1) * - 1</a:t>
             </a:r>
             <a:endParaRPr lang="en-US" dirty="0"/>
           </a:p>
         </p:txBody>
       </p:sp>
+      <p:graphicFrame>
+        <p:nvGraphicFramePr>
+          <p:cNvPr id="4" name="Tabel 3"/>
+          <p:cNvGraphicFramePr>
+            <a:graphicFrameLocks noGrp="1"/>
+          </p:cNvGraphicFramePr>
+          <p:nvPr/>
+        </p:nvGraphicFramePr>
+        <p:xfrm>
+          <a:off x="718207" y="2201624"/>
+          <a:ext cx="10895724" cy="2370375"/>
+        </p:xfrm>
+        <a:graphic>
+          <a:graphicData uri="http://schemas.openxmlformats.org/drawingml/2006/table">
+            <a:tbl>
+              <a:tblPr firstRow="1" bandRow="1">
+                <a:tableStyleId>{5C22544A-7EE6-4342-B048-85BDC9FD1C3A}</a:tableStyleId>
+              </a:tblPr>
+              <a:tblGrid>
+                <a:gridCol w="7080469"/>
+                <a:gridCol w="1902372"/>
+                <a:gridCol w="1912883"/>
+              </a:tblGrid>
+              <a:tr h="474075">
+                <a:tc>
+                  <a:txBody>
+                    <a:bodyPr/>
+                    <a:lstStyle/>
+                    <a:p>
+                      <a:r>
+                        <a:rPr lang="en-US" dirty="0" err="1" smtClean="0"/>
+                        <a:t>Keten</a:t>
+                      </a:r>
+                      <a:endParaRPr lang="en-US" dirty="0"/>
+                    </a:p>
+                  </a:txBody>
+                  <a:tcPr/>
+                </a:tc>
+                <a:tc>
+                  <a:txBody>
+                    <a:bodyPr/>
+                    <a:lstStyle/>
+                    <a:p>
+                      <a:r>
+                        <a:rPr lang="en-US" dirty="0" smtClean="0"/>
+                        <a:t>Lower-bound</a:t>
+                      </a:r>
+                      <a:endParaRPr lang="en-US" dirty="0"/>
+                    </a:p>
+                  </a:txBody>
+                  <a:tcPr/>
+                </a:tc>
+                <a:tc>
+                  <a:txBody>
+                    <a:bodyPr/>
+                    <a:lstStyle/>
+                    <a:p>
+                      <a:r>
+                        <a:rPr lang="en-US" dirty="0" smtClean="0"/>
+                        <a:t>Upper-bound</a:t>
+                      </a:r>
+                      <a:endParaRPr lang="en-US" dirty="0"/>
+                    </a:p>
+                  </a:txBody>
+                  <a:tcPr/>
+                </a:tc>
+              </a:tr>
+              <a:tr h="474075">
+                <a:tc>
+                  <a:txBody>
+                    <a:bodyPr/>
+                    <a:lstStyle/>
+                    <a:p>
+                      <a:pPr marL="0" marR="0" indent="0" algn="l" defTabSz="914400" rtl="0" eaLnBrk="1" fontAlgn="auto" latinLnBrk="0" hangingPunct="1">
+                        <a:lnSpc>
+                          <a:spcPct val="100000"/>
+                        </a:lnSpc>
+                        <a:spcBef>
+                          <a:spcPts val="0"/>
+                        </a:spcBef>
+                        <a:spcAft>
+                          <a:spcPts val="0"/>
+                        </a:spcAft>
+                        <a:buClrTx/>
+                        <a:buSzTx/>
+                        <a:buFontTx/>
+                        <a:buNone/>
+                        <a:tabLst/>
+                        <a:defRPr/>
+                      </a:pPr>
+                      <a:r>
+                        <a:rPr lang="en-US" dirty="0" smtClean="0">
+                          <a:solidFill>
+                            <a:srgbClr val="FF0000"/>
+                          </a:solidFill>
+                        </a:rPr>
+                        <a:t>HH</a:t>
+                      </a:r>
+                      <a:r>
+                        <a:rPr lang="en-US" dirty="0" smtClean="0">
+                          <a:solidFill>
+                            <a:srgbClr val="002060"/>
+                          </a:solidFill>
+                        </a:rPr>
+                        <a:t>P</a:t>
+                      </a:r>
+                      <a:r>
+                        <a:rPr lang="en-US" dirty="0" smtClean="0">
+                          <a:solidFill>
+                            <a:srgbClr val="FF0000"/>
+                          </a:solidFill>
+                        </a:rPr>
+                        <a:t>HHH</a:t>
+                      </a:r>
+                      <a:r>
+                        <a:rPr lang="en-US" dirty="0" smtClean="0">
+                          <a:solidFill>
+                            <a:srgbClr val="002060"/>
+                          </a:solidFill>
+                        </a:rPr>
+                        <a:t>P</a:t>
+                      </a:r>
+                      <a:r>
+                        <a:rPr lang="en-US" dirty="0" smtClean="0">
+                          <a:solidFill>
+                            <a:srgbClr val="FF0000"/>
+                          </a:solidFill>
+                        </a:rPr>
+                        <a:t>H</a:t>
+                      </a:r>
+                      <a:r>
+                        <a:rPr lang="en-US" dirty="0" smtClean="0">
+                          <a:solidFill>
+                            <a:srgbClr val="002060"/>
+                          </a:solidFill>
+                        </a:rPr>
+                        <a:t>P</a:t>
+                      </a:r>
+                      <a:r>
+                        <a:rPr lang="en-US" dirty="0" smtClean="0">
+                          <a:solidFill>
+                            <a:srgbClr val="FF0000"/>
+                          </a:solidFill>
+                        </a:rPr>
+                        <a:t>HHH</a:t>
+                      </a:r>
+                      <a:r>
+                        <a:rPr lang="en-US" dirty="0" smtClean="0">
+                          <a:solidFill>
+                            <a:srgbClr val="002060"/>
+                          </a:solidFill>
+                        </a:rPr>
+                        <a:t>P</a:t>
+                      </a:r>
+                      <a:r>
+                        <a:rPr lang="en-US" dirty="0" smtClean="0">
+                          <a:solidFill>
+                            <a:srgbClr val="FF0000"/>
+                          </a:solidFill>
+                        </a:rPr>
+                        <a:t>H</a:t>
+                      </a:r>
+                    </a:p>
+                  </a:txBody>
+                  <a:tcPr/>
+                </a:tc>
+                <a:tc>
+                  <a:txBody>
+                    <a:bodyPr/>
+                    <a:lstStyle/>
+                    <a:p>
+                      <a:r>
+                        <a:rPr lang="en-US" dirty="0" smtClean="0"/>
+                        <a:t>0</a:t>
+                      </a:r>
+                      <a:endParaRPr lang="en-US" dirty="0"/>
+                    </a:p>
+                  </a:txBody>
+                  <a:tcPr/>
+                </a:tc>
+                <a:tc>
+                  <a:txBody>
+                    <a:bodyPr/>
+                    <a:lstStyle/>
+                    <a:p>
+                      <a:pPr>
+                        <a:buFontTx/>
+                        <a:buChar char="-"/>
+                      </a:pPr>
+                      <a:r>
+                        <a:rPr lang="en-US" dirty="0" smtClean="0"/>
+                        <a:t>9</a:t>
+                      </a:r>
+                      <a:endParaRPr lang="en-US" dirty="0"/>
+                    </a:p>
+                  </a:txBody>
+                  <a:tcPr/>
+                </a:tc>
+              </a:tr>
+              <a:tr h="474075">
+                <a:tc>
+                  <a:txBody>
+                    <a:bodyPr/>
+                    <a:lstStyle/>
+                    <a:p>
+                      <a:pPr marL="0" marR="0" indent="0" algn="l" defTabSz="914400" rtl="0" eaLnBrk="1" fontAlgn="auto" latinLnBrk="0" hangingPunct="1">
+                        <a:lnSpc>
+                          <a:spcPct val="100000"/>
+                        </a:lnSpc>
+                        <a:spcBef>
+                          <a:spcPts val="0"/>
+                        </a:spcBef>
+                        <a:spcAft>
+                          <a:spcPts val="0"/>
+                        </a:spcAft>
+                        <a:buClrTx/>
+                        <a:buSzTx/>
+                        <a:buFontTx/>
+                        <a:buNone/>
+                        <a:tabLst/>
+                        <a:defRPr/>
+                      </a:pPr>
+                      <a:r>
+                        <a:rPr lang="en-US" dirty="0" smtClean="0">
+                          <a:solidFill>
+                            <a:srgbClr val="FF0000"/>
+                          </a:solidFill>
+                        </a:rPr>
+                        <a:t>H</a:t>
+                      </a:r>
+                      <a:r>
+                        <a:rPr lang="en-US" dirty="0" smtClean="0">
+                          <a:solidFill>
+                            <a:srgbClr val="002060"/>
+                          </a:solidFill>
+                        </a:rPr>
+                        <a:t>P</a:t>
+                      </a:r>
+                      <a:r>
+                        <a:rPr lang="en-US" dirty="0" smtClean="0">
+                          <a:solidFill>
+                            <a:srgbClr val="FF0000"/>
+                          </a:solidFill>
+                        </a:rPr>
+                        <a:t>H</a:t>
+                      </a:r>
+                      <a:r>
+                        <a:rPr lang="en-US" dirty="0" smtClean="0">
+                          <a:solidFill>
+                            <a:srgbClr val="002060"/>
+                          </a:solidFill>
+                        </a:rPr>
+                        <a:t>PP</a:t>
+                      </a:r>
+                      <a:r>
+                        <a:rPr lang="en-US" dirty="0" smtClean="0">
+                          <a:solidFill>
+                            <a:srgbClr val="FF0000"/>
+                          </a:solidFill>
+                        </a:rPr>
+                        <a:t>HH</a:t>
+                      </a:r>
+                      <a:r>
+                        <a:rPr lang="en-US" dirty="0" smtClean="0">
+                          <a:solidFill>
+                            <a:srgbClr val="002060"/>
+                          </a:solidFill>
+                        </a:rPr>
+                        <a:t>P</a:t>
+                      </a:r>
+                      <a:r>
+                        <a:rPr lang="en-US" dirty="0" smtClean="0">
+                          <a:solidFill>
+                            <a:srgbClr val="FF0000"/>
+                          </a:solidFill>
+                        </a:rPr>
+                        <a:t>H</a:t>
+                      </a:r>
+                      <a:r>
+                        <a:rPr lang="en-US" dirty="0" smtClean="0">
+                          <a:solidFill>
+                            <a:srgbClr val="002060"/>
+                          </a:solidFill>
+                        </a:rPr>
+                        <a:t>PP</a:t>
+                      </a:r>
+                      <a:r>
+                        <a:rPr lang="en-US" dirty="0" smtClean="0">
+                          <a:solidFill>
+                            <a:srgbClr val="FF0000"/>
+                          </a:solidFill>
+                        </a:rPr>
+                        <a:t>H</a:t>
+                      </a:r>
+                      <a:r>
+                        <a:rPr lang="en-US" dirty="0" smtClean="0">
+                          <a:solidFill>
+                            <a:srgbClr val="002060"/>
+                          </a:solidFill>
+                        </a:rPr>
+                        <a:t>P</a:t>
+                      </a:r>
+                      <a:r>
+                        <a:rPr lang="en-US" dirty="0" smtClean="0">
+                          <a:solidFill>
+                            <a:srgbClr val="FF0000"/>
+                          </a:solidFill>
+                        </a:rPr>
+                        <a:t>HH</a:t>
+                      </a:r>
+                      <a:r>
+                        <a:rPr lang="en-US" dirty="0" smtClean="0">
+                          <a:solidFill>
+                            <a:srgbClr val="002060"/>
+                          </a:solidFill>
+                        </a:rPr>
+                        <a:t>PP</a:t>
+                      </a:r>
+                      <a:r>
+                        <a:rPr lang="en-US" dirty="0" smtClean="0">
+                          <a:solidFill>
+                            <a:srgbClr val="FF0000"/>
+                          </a:solidFill>
+                        </a:rPr>
+                        <a:t>H</a:t>
+                      </a:r>
+                      <a:r>
+                        <a:rPr lang="en-US" dirty="0" smtClean="0">
+                          <a:solidFill>
+                            <a:srgbClr val="002060"/>
+                          </a:solidFill>
+                        </a:rPr>
+                        <a:t>P</a:t>
+                      </a:r>
+                      <a:r>
+                        <a:rPr lang="en-US" dirty="0" smtClean="0">
+                          <a:solidFill>
+                            <a:srgbClr val="FF0000"/>
+                          </a:solidFill>
+                        </a:rPr>
+                        <a:t>H</a:t>
+                      </a:r>
+                    </a:p>
+                  </a:txBody>
+                  <a:tcPr/>
+                </a:tc>
+                <a:tc>
+                  <a:txBody>
+                    <a:bodyPr/>
+                    <a:lstStyle/>
+                    <a:p>
+                      <a:r>
+                        <a:rPr lang="en-US" dirty="0" smtClean="0"/>
+                        <a:t>0</a:t>
+                      </a:r>
+                      <a:endParaRPr lang="en-US" dirty="0"/>
+                    </a:p>
+                  </a:txBody>
+                  <a:tcPr/>
+                </a:tc>
+                <a:tc>
+                  <a:txBody>
+                    <a:bodyPr/>
+                    <a:lstStyle/>
+                    <a:p>
+                      <a:pPr>
+                        <a:buFontTx/>
+                        <a:buChar char="-"/>
+                      </a:pPr>
+                      <a:r>
+                        <a:rPr lang="en-US" dirty="0" smtClean="0"/>
+                        <a:t>9</a:t>
+                      </a:r>
+                      <a:endParaRPr lang="en-US" dirty="0"/>
+                    </a:p>
+                  </a:txBody>
+                  <a:tcPr/>
+                </a:tc>
+              </a:tr>
+              <a:tr h="474075">
+                <a:tc>
+                  <a:txBody>
+                    <a:bodyPr/>
+                    <a:lstStyle/>
+                    <a:p>
+                      <a:pPr marL="0" marR="0" indent="0" algn="l" defTabSz="914400" rtl="0" eaLnBrk="1" fontAlgn="auto" latinLnBrk="0" hangingPunct="1">
+                        <a:lnSpc>
+                          <a:spcPct val="100000"/>
+                        </a:lnSpc>
+                        <a:spcBef>
+                          <a:spcPts val="0"/>
+                        </a:spcBef>
+                        <a:spcAft>
+                          <a:spcPts val="0"/>
+                        </a:spcAft>
+                        <a:buClrTx/>
+                        <a:buSzTx/>
+                        <a:buFontTx/>
+                        <a:buNone/>
+                        <a:tabLst/>
+                        <a:defRPr/>
+                      </a:pPr>
+                      <a:r>
+                        <a:rPr lang="en-US" dirty="0" smtClean="0">
+                          <a:solidFill>
+                            <a:srgbClr val="002060"/>
+                          </a:solidFill>
+                        </a:rPr>
+                        <a:t>PPP</a:t>
+                      </a:r>
+                      <a:r>
+                        <a:rPr lang="en-US" dirty="0" smtClean="0">
+                          <a:solidFill>
+                            <a:srgbClr val="FF0000"/>
+                          </a:solidFill>
+                        </a:rPr>
+                        <a:t>HH</a:t>
+                      </a:r>
+                      <a:r>
+                        <a:rPr lang="en-US" dirty="0" smtClean="0">
+                          <a:solidFill>
+                            <a:srgbClr val="002060"/>
+                          </a:solidFill>
+                        </a:rPr>
+                        <a:t>PP</a:t>
+                      </a:r>
+                      <a:r>
+                        <a:rPr lang="en-US" dirty="0" smtClean="0">
+                          <a:solidFill>
+                            <a:srgbClr val="FF0000"/>
+                          </a:solidFill>
+                        </a:rPr>
+                        <a:t>HH</a:t>
+                      </a:r>
+                      <a:r>
+                        <a:rPr lang="en-US" dirty="0" smtClean="0">
+                          <a:solidFill>
+                            <a:srgbClr val="002060"/>
+                          </a:solidFill>
+                        </a:rPr>
+                        <a:t>PPPPP</a:t>
+                      </a:r>
+                      <a:r>
+                        <a:rPr lang="en-US" dirty="0" smtClean="0">
+                          <a:solidFill>
+                            <a:srgbClr val="FF0000"/>
+                          </a:solidFill>
+                        </a:rPr>
+                        <a:t>HHHHHHH</a:t>
+                      </a:r>
+                      <a:r>
+                        <a:rPr lang="en-US" dirty="0" smtClean="0">
+                          <a:solidFill>
+                            <a:srgbClr val="002060"/>
+                          </a:solidFill>
+                        </a:rPr>
+                        <a:t>PP</a:t>
+                      </a:r>
+                      <a:r>
+                        <a:rPr lang="en-US" dirty="0" smtClean="0">
+                          <a:solidFill>
+                            <a:srgbClr val="FF0000"/>
+                          </a:solidFill>
+                        </a:rPr>
+                        <a:t>HH</a:t>
+                      </a:r>
+                      <a:r>
+                        <a:rPr lang="en-US" dirty="0" smtClean="0">
+                          <a:solidFill>
+                            <a:srgbClr val="002060"/>
+                          </a:solidFill>
+                        </a:rPr>
+                        <a:t>PPPP</a:t>
+                      </a:r>
+                      <a:r>
+                        <a:rPr lang="en-US" dirty="0" smtClean="0">
+                          <a:solidFill>
+                            <a:srgbClr val="FF0000"/>
+                          </a:solidFill>
+                        </a:rPr>
+                        <a:t>HH</a:t>
+                      </a:r>
+                      <a:r>
+                        <a:rPr lang="en-US" dirty="0" smtClean="0">
+                          <a:solidFill>
+                            <a:srgbClr val="002060"/>
+                          </a:solidFill>
+                        </a:rPr>
+                        <a:t>PP</a:t>
+                      </a:r>
+                      <a:r>
+                        <a:rPr lang="en-US" dirty="0" smtClean="0">
+                          <a:solidFill>
+                            <a:srgbClr val="FF0000"/>
+                          </a:solidFill>
+                        </a:rPr>
+                        <a:t>H</a:t>
+                      </a:r>
+                      <a:r>
+                        <a:rPr lang="en-US" dirty="0" smtClean="0">
+                          <a:solidFill>
+                            <a:srgbClr val="002060"/>
+                          </a:solidFill>
+                        </a:rPr>
+                        <a:t>PP</a:t>
+                      </a:r>
+                    </a:p>
+                  </a:txBody>
+                  <a:tcPr/>
+                </a:tc>
+                <a:tc>
+                  <a:txBody>
+                    <a:bodyPr/>
+                    <a:lstStyle/>
+                    <a:p>
+                      <a:r>
+                        <a:rPr lang="en-US" dirty="0" smtClean="0"/>
+                        <a:t>0</a:t>
+                      </a:r>
+                      <a:endParaRPr lang="en-US" dirty="0"/>
+                    </a:p>
+                  </a:txBody>
+                  <a:tcPr/>
+                </a:tc>
+                <a:tc>
+                  <a:txBody>
+                    <a:bodyPr/>
+                    <a:lstStyle/>
+                    <a:p>
+                      <a:r>
+                        <a:rPr lang="en-US" dirty="0" smtClean="0"/>
+                        <a:t>-15</a:t>
+                      </a:r>
+                      <a:endParaRPr lang="en-US" dirty="0"/>
+                    </a:p>
+                  </a:txBody>
+                  <a:tcPr/>
+                </a:tc>
+              </a:tr>
+              <a:tr h="474075">
+                <a:tc>
+                  <a:txBody>
+                    <a:bodyPr/>
+                    <a:lstStyle/>
+                    <a:p>
+                      <a:pPr marL="0" marR="0" indent="0" algn="l" defTabSz="914400" rtl="0" eaLnBrk="1" fontAlgn="auto" latinLnBrk="0" hangingPunct="1">
+                        <a:lnSpc>
+                          <a:spcPct val="100000"/>
+                        </a:lnSpc>
+                        <a:spcBef>
+                          <a:spcPts val="0"/>
+                        </a:spcBef>
+                        <a:spcAft>
+                          <a:spcPts val="0"/>
+                        </a:spcAft>
+                        <a:buClrTx/>
+                        <a:buSzTx/>
+                        <a:buFontTx/>
+                        <a:buNone/>
+                        <a:tabLst/>
+                        <a:defRPr/>
+                      </a:pPr>
+                      <a:r>
+                        <a:rPr lang="en-US" dirty="0" smtClean="0">
+                          <a:solidFill>
+                            <a:srgbClr val="FF0000"/>
+                          </a:solidFill>
+                        </a:rPr>
+                        <a:t>HH</a:t>
+                      </a:r>
+                      <a:r>
+                        <a:rPr lang="en-US" dirty="0" smtClean="0">
+                          <a:solidFill>
+                            <a:srgbClr val="002060"/>
+                          </a:solidFill>
+                        </a:rPr>
+                        <a:t>P</a:t>
+                      </a:r>
+                      <a:r>
+                        <a:rPr lang="en-US" dirty="0" smtClean="0">
+                          <a:solidFill>
+                            <a:srgbClr val="FF0000"/>
+                          </a:solidFill>
+                        </a:rPr>
+                        <a:t>H</a:t>
+                      </a:r>
+                      <a:r>
+                        <a:rPr lang="en-US" dirty="0" smtClean="0">
+                          <a:solidFill>
+                            <a:srgbClr val="002060"/>
+                          </a:solidFill>
+                        </a:rPr>
+                        <a:t>P</a:t>
+                      </a:r>
+                      <a:r>
+                        <a:rPr lang="en-US" dirty="0" smtClean="0">
+                          <a:solidFill>
+                            <a:srgbClr val="FF0000"/>
+                          </a:solidFill>
+                        </a:rPr>
+                        <a:t>H</a:t>
+                      </a:r>
+                      <a:r>
+                        <a:rPr lang="en-US" dirty="0" smtClean="0">
+                          <a:solidFill>
+                            <a:srgbClr val="002060"/>
+                          </a:solidFill>
+                        </a:rPr>
+                        <a:t>P</a:t>
+                      </a:r>
+                      <a:r>
+                        <a:rPr lang="en-US" dirty="0" smtClean="0">
+                          <a:solidFill>
+                            <a:srgbClr val="FF0000"/>
+                          </a:solidFill>
+                        </a:rPr>
+                        <a:t>H</a:t>
+                      </a:r>
+                      <a:r>
+                        <a:rPr lang="en-US" dirty="0" smtClean="0">
+                          <a:solidFill>
+                            <a:srgbClr val="002060"/>
+                          </a:solidFill>
+                        </a:rPr>
+                        <a:t>P</a:t>
+                      </a:r>
+                      <a:r>
+                        <a:rPr lang="en-US" dirty="0" smtClean="0">
+                          <a:solidFill>
+                            <a:srgbClr val="FF0000"/>
+                          </a:solidFill>
+                        </a:rPr>
+                        <a:t>HHHH</a:t>
+                      </a:r>
+                      <a:r>
+                        <a:rPr lang="en-US" dirty="0" smtClean="0">
+                          <a:solidFill>
+                            <a:srgbClr val="002060"/>
+                          </a:solidFill>
+                        </a:rPr>
+                        <a:t>P</a:t>
+                      </a:r>
+                      <a:r>
+                        <a:rPr lang="en-US" dirty="0" smtClean="0">
+                          <a:solidFill>
+                            <a:srgbClr val="FF0000"/>
+                          </a:solidFill>
+                        </a:rPr>
+                        <a:t>H</a:t>
+                      </a:r>
+                      <a:r>
+                        <a:rPr lang="en-US" dirty="0" smtClean="0">
+                          <a:solidFill>
+                            <a:srgbClr val="002060"/>
+                          </a:solidFill>
+                        </a:rPr>
+                        <a:t>PPP</a:t>
+                      </a:r>
+                      <a:r>
+                        <a:rPr lang="en-US" dirty="0" smtClean="0">
+                          <a:solidFill>
+                            <a:srgbClr val="FF0000"/>
+                          </a:solidFill>
+                        </a:rPr>
+                        <a:t>H</a:t>
+                      </a:r>
+                      <a:r>
+                        <a:rPr lang="en-US" dirty="0" smtClean="0">
+                          <a:solidFill>
+                            <a:srgbClr val="002060"/>
+                          </a:solidFill>
+                        </a:rPr>
+                        <a:t>PPP</a:t>
+                      </a:r>
+                      <a:r>
+                        <a:rPr lang="en-US" dirty="0" smtClean="0">
+                          <a:solidFill>
+                            <a:srgbClr val="FF0000"/>
+                          </a:solidFill>
+                        </a:rPr>
+                        <a:t>H</a:t>
+                      </a:r>
+                      <a:r>
+                        <a:rPr lang="en-US" dirty="0" smtClean="0">
+                          <a:solidFill>
+                            <a:srgbClr val="002060"/>
+                          </a:solidFill>
+                        </a:rPr>
+                        <a:t>PPPP</a:t>
+                      </a:r>
+                      <a:r>
+                        <a:rPr lang="en-US" dirty="0" smtClean="0">
+                          <a:solidFill>
+                            <a:srgbClr val="FF0000"/>
+                          </a:solidFill>
+                        </a:rPr>
+                        <a:t>H</a:t>
+                      </a:r>
+                      <a:r>
+                        <a:rPr lang="en-US" dirty="0" smtClean="0">
+                          <a:solidFill>
+                            <a:srgbClr val="002060"/>
+                          </a:solidFill>
+                        </a:rPr>
+                        <a:t>PPP</a:t>
+                      </a:r>
+                      <a:r>
+                        <a:rPr lang="en-US" dirty="0" smtClean="0">
+                          <a:solidFill>
+                            <a:srgbClr val="FF0000"/>
+                          </a:solidFill>
+                        </a:rPr>
+                        <a:t>H</a:t>
+                      </a:r>
+                      <a:r>
+                        <a:rPr lang="en-US" dirty="0" smtClean="0">
+                          <a:solidFill>
+                            <a:srgbClr val="002060"/>
+                          </a:solidFill>
+                        </a:rPr>
+                        <a:t>PPP</a:t>
+                      </a:r>
+                      <a:r>
+                        <a:rPr lang="en-US" dirty="0" smtClean="0">
+                          <a:solidFill>
+                            <a:srgbClr val="FF0000"/>
+                          </a:solidFill>
+                        </a:rPr>
+                        <a:t>H</a:t>
+                      </a:r>
+                      <a:r>
+                        <a:rPr lang="en-US" dirty="0" smtClean="0">
+                          <a:solidFill>
+                            <a:srgbClr val="002060"/>
+                          </a:solidFill>
+                        </a:rPr>
+                        <a:t>P</a:t>
+                      </a:r>
+                      <a:r>
+                        <a:rPr lang="en-US" dirty="0" smtClean="0">
+                          <a:solidFill>
+                            <a:srgbClr val="FF0000"/>
+                          </a:solidFill>
+                        </a:rPr>
+                        <a:t>HHHH</a:t>
+                      </a:r>
+                      <a:r>
+                        <a:rPr lang="en-US" dirty="0" smtClean="0">
+                          <a:solidFill>
+                            <a:srgbClr val="002060"/>
+                          </a:solidFill>
+                        </a:rPr>
+                        <a:t>P</a:t>
+                      </a:r>
+                      <a:r>
+                        <a:rPr lang="en-US" dirty="0" smtClean="0">
+                          <a:solidFill>
+                            <a:srgbClr val="FF0000"/>
+                          </a:solidFill>
+                        </a:rPr>
+                        <a:t>H</a:t>
+                      </a:r>
+                      <a:r>
+                        <a:rPr lang="en-US" dirty="0" smtClean="0">
+                          <a:solidFill>
+                            <a:srgbClr val="002060"/>
+                          </a:solidFill>
+                        </a:rPr>
+                        <a:t>P</a:t>
+                      </a:r>
+                      <a:r>
+                        <a:rPr lang="en-US" dirty="0" smtClean="0">
+                          <a:solidFill>
+                            <a:srgbClr val="FF0000"/>
+                          </a:solidFill>
+                        </a:rPr>
+                        <a:t>H</a:t>
+                      </a:r>
+                      <a:r>
+                        <a:rPr lang="en-US" dirty="0" smtClean="0">
+                          <a:solidFill>
+                            <a:srgbClr val="002060"/>
+                          </a:solidFill>
+                        </a:rPr>
+                        <a:t>P</a:t>
+                      </a:r>
+                      <a:r>
+                        <a:rPr lang="en-US" dirty="0" smtClean="0">
+                          <a:solidFill>
+                            <a:srgbClr val="FF0000"/>
+                          </a:solidFill>
+                        </a:rPr>
+                        <a:t>H</a:t>
+                      </a:r>
+                      <a:r>
+                        <a:rPr lang="en-US" dirty="0" smtClean="0">
+                          <a:solidFill>
+                            <a:srgbClr val="002060"/>
+                          </a:solidFill>
+                        </a:rPr>
+                        <a:t>P</a:t>
+                      </a:r>
+                      <a:r>
+                        <a:rPr lang="en-US" dirty="0" smtClean="0">
+                          <a:solidFill>
+                            <a:srgbClr val="FF0000"/>
+                          </a:solidFill>
+                        </a:rPr>
+                        <a:t>HH</a:t>
+                      </a:r>
+                    </a:p>
+                  </a:txBody>
+                  <a:tcPr/>
+                </a:tc>
+                <a:tc>
+                  <a:txBody>
+                    <a:bodyPr/>
+                    <a:lstStyle/>
+                    <a:p>
+                      <a:r>
+                        <a:rPr lang="en-US" dirty="0" smtClean="0"/>
+                        <a:t>0</a:t>
+                      </a:r>
+                      <a:endParaRPr lang="en-US" dirty="0"/>
+                    </a:p>
+                  </a:txBody>
+                  <a:tcPr/>
+                </a:tc>
+                <a:tc>
+                  <a:txBody>
+                    <a:bodyPr/>
+                    <a:lstStyle/>
+                    <a:p>
+                      <a:r>
+                        <a:rPr lang="en-US" dirty="0" smtClean="0"/>
+                        <a:t>-23</a:t>
+                      </a:r>
+                      <a:endParaRPr lang="en-US" dirty="0"/>
+                    </a:p>
+                  </a:txBody>
+                  <a:tcPr/>
+                </a:tc>
+              </a:tr>
+            </a:tbl>
+          </a:graphicData>
+        </a:graphic>
+      </p:graphicFrame>
     </p:spTree>
   </p:cSld>
   <p:clrMapOvr>
     <a:masterClrMapping/>
   </p:clrMapOvr>
-  <p:timing>
-    <p:tnLst>
-      <p:par>
-        <p:cTn id="1" dur="indefinite" restart="never" nodeType="tmRoot"/>
-      </p:par>
-    </p:tnLst>
-  </p:timing>
 </p:sld>
 </file>
 
@@ -5439,30 +7764,6 @@
           <a:chExt cx="0" cy="0"/>
         </a:xfrm>
       </p:grpSpPr>
-      <p:pic>
-        <p:nvPicPr>
-          <p:cNvPr id="5" name="Afbeelding 4" descr="Template_1_oplossing.png"/>
-          <p:cNvPicPr>
-            <a:picLocks noChangeAspect="1"/>
-          </p:cNvPicPr>
-          <p:nvPr/>
-        </p:nvPicPr>
-        <p:blipFill>
-          <a:blip r:embed="rId2" cstate="print"/>
-          <a:stretch>
-            <a:fillRect/>
-          </a:stretch>
-        </p:blipFill>
-        <p:spPr>
-          <a:xfrm>
-            <a:off x="5004352" y="988906"/>
-            <a:ext cx="6904383" cy="5135135"/>
-          </a:xfrm>
-          <a:prstGeom prst="rect">
-            <a:avLst/>
-          </a:prstGeom>
-        </p:spPr>
-      </p:pic>
       <p:sp>
         <p:nvSpPr>
           <p:cNvPr id="2" name="Titel 1"/>
@@ -5479,8 +7780,12 @@
           <a:lstStyle/>
           <a:p>
             <a:r>
-              <a:rPr lang="en-US" dirty="0" err="1"/>
-              <a:t>Resultaten</a:t>
+              <a:rPr lang="en-US" dirty="0" err="1" smtClean="0"/>
+              <a:t>Statespace</a:t>
+            </a:r>
+            <a:r>
+              <a:rPr lang="en-US" dirty="0" smtClean="0"/>
+              <a:t> upper- &amp; lower-bound</a:t>
             </a:r>
             <a:endParaRPr lang="en-US" dirty="0"/>
           </a:p>
@@ -5496,52 +7801,890 @@
             <p:ph idx="1"/>
           </p:nvPr>
         </p:nvSpPr>
-        <p:spPr/>
+        <p:spPr>
+          <a:xfrm>
+            <a:off x="1097280" y="5087007"/>
+            <a:ext cx="10058400" cy="966952"/>
+          </a:xfrm>
+        </p:spPr>
         <p:txBody>
           <a:bodyPr/>
           <a:lstStyle/>
           <a:p>
             <a:r>
-              <a:rPr lang="en-US" dirty="0"/>
-              <a:t>Peptide van 14 </a:t>
-            </a:r>
-            <a:r>
-              <a:rPr lang="en-US" dirty="0" err="1"/>
-              <a:t>aminozuren</a:t>
-            </a:r>
-            <a:r>
-              <a:rPr lang="en-US" dirty="0"/>
-              <a:t>:</a:t>
-            </a:r>
-          </a:p>
-          <a:p>
-            <a:pPr lvl="1"/>
-            <a:r>
-              <a:rPr lang="en-US" dirty="0"/>
-              <a:t>Score: -6 </a:t>
-            </a:r>
-          </a:p>
-          <a:p>
-            <a:pPr lvl="1"/>
-            <a:r>
-              <a:rPr lang="en-US" dirty="0"/>
-              <a:t>Runtime: 0.1507</a:t>
-            </a:r>
-          </a:p>
-        </p:txBody>
-      </p:sp>
+              <a:rPr lang="en-US" dirty="0" err="1" smtClean="0"/>
+              <a:t>Statespace</a:t>
+            </a:r>
+            <a:r>
+              <a:rPr lang="en-US" dirty="0" smtClean="0"/>
+              <a:t> lower-bound = (?? Moet </a:t>
+            </a:r>
+            <a:r>
+              <a:rPr lang="en-US" dirty="0" err="1" smtClean="0"/>
+              <a:t>dit</a:t>
+            </a:r>
+            <a:r>
+              <a:rPr lang="en-US" dirty="0" smtClean="0"/>
+              <a:t> </a:t>
+            </a:r>
+            <a:r>
+              <a:rPr lang="en-US" dirty="0" err="1" smtClean="0"/>
+              <a:t>uberhaupt</a:t>
+            </a:r>
+            <a:r>
+              <a:rPr lang="en-US" dirty="0" smtClean="0"/>
+              <a:t>)</a:t>
+            </a:r>
+          </a:p>
+          <a:p>
+            <a:r>
+              <a:rPr lang="en-US" dirty="0" err="1" smtClean="0"/>
+              <a:t>Statespace</a:t>
+            </a:r>
+            <a:r>
+              <a:rPr lang="en-US" dirty="0" smtClean="0"/>
+              <a:t> upper-bound =</a:t>
+            </a:r>
+            <a:endParaRPr lang="en-US" dirty="0"/>
+          </a:p>
+        </p:txBody>
+      </p:sp>
+      <p:graphicFrame>
+        <p:nvGraphicFramePr>
+          <p:cNvPr id="4" name="Tabel 3"/>
+          <p:cNvGraphicFramePr>
+            <a:graphicFrameLocks noGrp="1"/>
+          </p:cNvGraphicFramePr>
+          <p:nvPr/>
+        </p:nvGraphicFramePr>
+        <p:xfrm>
+          <a:off x="718207" y="2201624"/>
+          <a:ext cx="10895724" cy="2370375"/>
+        </p:xfrm>
+        <a:graphic>
+          <a:graphicData uri="http://schemas.openxmlformats.org/drawingml/2006/table">
+            <a:tbl>
+              <a:tblPr firstRow="1" bandRow="1">
+                <a:tableStyleId>{5C22544A-7EE6-4342-B048-85BDC9FD1C3A}</a:tableStyleId>
+              </a:tblPr>
+              <a:tblGrid>
+                <a:gridCol w="7080469"/>
+                <a:gridCol w="1902372"/>
+                <a:gridCol w="1912883"/>
+              </a:tblGrid>
+              <a:tr h="474075">
+                <a:tc>
+                  <a:txBody>
+                    <a:bodyPr/>
+                    <a:lstStyle/>
+                    <a:p>
+                      <a:r>
+                        <a:rPr lang="en-US" dirty="0" err="1" smtClean="0"/>
+                        <a:t>Keten</a:t>
+                      </a:r>
+                      <a:endParaRPr lang="en-US" dirty="0"/>
+                    </a:p>
+                  </a:txBody>
+                  <a:tcPr/>
+                </a:tc>
+                <a:tc>
+                  <a:txBody>
+                    <a:bodyPr/>
+                    <a:lstStyle/>
+                    <a:p>
+                      <a:r>
+                        <a:rPr lang="en-US" dirty="0" smtClean="0"/>
+                        <a:t>Lower-bound</a:t>
+                      </a:r>
+                      <a:endParaRPr lang="en-US" dirty="0"/>
+                    </a:p>
+                  </a:txBody>
+                  <a:tcPr/>
+                </a:tc>
+                <a:tc>
+                  <a:txBody>
+                    <a:bodyPr/>
+                    <a:lstStyle/>
+                    <a:p>
+                      <a:r>
+                        <a:rPr lang="en-US" dirty="0" smtClean="0"/>
+                        <a:t>Upper-bound</a:t>
+                      </a:r>
+                      <a:endParaRPr lang="en-US" dirty="0"/>
+                    </a:p>
+                  </a:txBody>
+                  <a:tcPr/>
+                </a:tc>
+              </a:tr>
+              <a:tr h="474075">
+                <a:tc>
+                  <a:txBody>
+                    <a:bodyPr/>
+                    <a:lstStyle/>
+                    <a:p>
+                      <a:pPr marL="0" marR="0" indent="0" algn="l" defTabSz="914400" rtl="0" eaLnBrk="1" fontAlgn="auto" latinLnBrk="0" hangingPunct="1">
+                        <a:lnSpc>
+                          <a:spcPct val="100000"/>
+                        </a:lnSpc>
+                        <a:spcBef>
+                          <a:spcPts val="0"/>
+                        </a:spcBef>
+                        <a:spcAft>
+                          <a:spcPts val="0"/>
+                        </a:spcAft>
+                        <a:buClrTx/>
+                        <a:buSzTx/>
+                        <a:buFontTx/>
+                        <a:buNone/>
+                        <a:tabLst/>
+                        <a:defRPr/>
+                      </a:pPr>
+                      <a:r>
+                        <a:rPr lang="en-US" dirty="0" smtClean="0">
+                          <a:solidFill>
+                            <a:srgbClr val="FF0000"/>
+                          </a:solidFill>
+                        </a:rPr>
+                        <a:t>HH</a:t>
+                      </a:r>
+                      <a:r>
+                        <a:rPr lang="en-US" dirty="0" smtClean="0">
+                          <a:solidFill>
+                            <a:srgbClr val="002060"/>
+                          </a:solidFill>
+                        </a:rPr>
+                        <a:t>P</a:t>
+                      </a:r>
+                      <a:r>
+                        <a:rPr lang="en-US" dirty="0" smtClean="0">
+                          <a:solidFill>
+                            <a:srgbClr val="FF0000"/>
+                          </a:solidFill>
+                        </a:rPr>
+                        <a:t>HHH</a:t>
+                      </a:r>
+                      <a:r>
+                        <a:rPr lang="en-US" dirty="0" smtClean="0">
+                          <a:solidFill>
+                            <a:srgbClr val="002060"/>
+                          </a:solidFill>
+                        </a:rPr>
+                        <a:t>P</a:t>
+                      </a:r>
+                      <a:r>
+                        <a:rPr lang="en-US" dirty="0" smtClean="0">
+                          <a:solidFill>
+                            <a:srgbClr val="FF0000"/>
+                          </a:solidFill>
+                        </a:rPr>
+                        <a:t>H</a:t>
+                      </a:r>
+                      <a:r>
+                        <a:rPr lang="en-US" dirty="0" smtClean="0">
+                          <a:solidFill>
+                            <a:srgbClr val="002060"/>
+                          </a:solidFill>
+                        </a:rPr>
+                        <a:t>P</a:t>
+                      </a:r>
+                      <a:r>
+                        <a:rPr lang="en-US" dirty="0" smtClean="0">
+                          <a:solidFill>
+                            <a:srgbClr val="FF0000"/>
+                          </a:solidFill>
+                        </a:rPr>
+                        <a:t>HHH</a:t>
+                      </a:r>
+                      <a:r>
+                        <a:rPr lang="en-US" dirty="0" smtClean="0">
+                          <a:solidFill>
+                            <a:srgbClr val="002060"/>
+                          </a:solidFill>
+                        </a:rPr>
+                        <a:t>P</a:t>
+                      </a:r>
+                      <a:r>
+                        <a:rPr lang="en-US" dirty="0" smtClean="0">
+                          <a:solidFill>
+                            <a:srgbClr val="FF0000"/>
+                          </a:solidFill>
+                        </a:rPr>
+                        <a:t>H</a:t>
+                      </a:r>
+                    </a:p>
+                  </a:txBody>
+                  <a:tcPr/>
+                </a:tc>
+                <a:tc>
+                  <a:txBody>
+                    <a:bodyPr/>
+                    <a:lstStyle/>
+                    <a:p>
+                      <a:r>
+                        <a:rPr lang="en-US" dirty="0" smtClean="0"/>
+                        <a:t>0</a:t>
+                      </a:r>
+                      <a:endParaRPr lang="en-US" dirty="0"/>
+                    </a:p>
+                  </a:txBody>
+                  <a:tcPr/>
+                </a:tc>
+                <a:tc>
+                  <a:txBody>
+                    <a:bodyPr/>
+                    <a:lstStyle/>
+                    <a:p>
+                      <a:pPr>
+                        <a:buFontTx/>
+                        <a:buNone/>
+                      </a:pPr>
+                      <a:endParaRPr lang="en-US" dirty="0"/>
+                    </a:p>
+                  </a:txBody>
+                  <a:tcPr/>
+                </a:tc>
+              </a:tr>
+              <a:tr h="474075">
+                <a:tc>
+                  <a:txBody>
+                    <a:bodyPr/>
+                    <a:lstStyle/>
+                    <a:p>
+                      <a:pPr marL="0" marR="0" indent="0" algn="l" defTabSz="914400" rtl="0" eaLnBrk="1" fontAlgn="auto" latinLnBrk="0" hangingPunct="1">
+                        <a:lnSpc>
+                          <a:spcPct val="100000"/>
+                        </a:lnSpc>
+                        <a:spcBef>
+                          <a:spcPts val="0"/>
+                        </a:spcBef>
+                        <a:spcAft>
+                          <a:spcPts val="0"/>
+                        </a:spcAft>
+                        <a:buClrTx/>
+                        <a:buSzTx/>
+                        <a:buFontTx/>
+                        <a:buNone/>
+                        <a:tabLst/>
+                        <a:defRPr/>
+                      </a:pPr>
+                      <a:r>
+                        <a:rPr lang="en-US" dirty="0" smtClean="0">
+                          <a:solidFill>
+                            <a:srgbClr val="FF0000"/>
+                          </a:solidFill>
+                        </a:rPr>
+                        <a:t>H</a:t>
+                      </a:r>
+                      <a:r>
+                        <a:rPr lang="en-US" dirty="0" smtClean="0">
+                          <a:solidFill>
+                            <a:srgbClr val="002060"/>
+                          </a:solidFill>
+                        </a:rPr>
+                        <a:t>P</a:t>
+                      </a:r>
+                      <a:r>
+                        <a:rPr lang="en-US" dirty="0" smtClean="0">
+                          <a:solidFill>
+                            <a:srgbClr val="FF0000"/>
+                          </a:solidFill>
+                        </a:rPr>
+                        <a:t>H</a:t>
+                      </a:r>
+                      <a:r>
+                        <a:rPr lang="en-US" dirty="0" smtClean="0">
+                          <a:solidFill>
+                            <a:srgbClr val="002060"/>
+                          </a:solidFill>
+                        </a:rPr>
+                        <a:t>PP</a:t>
+                      </a:r>
+                      <a:r>
+                        <a:rPr lang="en-US" dirty="0" smtClean="0">
+                          <a:solidFill>
+                            <a:srgbClr val="FF0000"/>
+                          </a:solidFill>
+                        </a:rPr>
+                        <a:t>HH</a:t>
+                      </a:r>
+                      <a:r>
+                        <a:rPr lang="en-US" dirty="0" smtClean="0">
+                          <a:solidFill>
+                            <a:srgbClr val="002060"/>
+                          </a:solidFill>
+                        </a:rPr>
+                        <a:t>P</a:t>
+                      </a:r>
+                      <a:r>
+                        <a:rPr lang="en-US" dirty="0" smtClean="0">
+                          <a:solidFill>
+                            <a:srgbClr val="FF0000"/>
+                          </a:solidFill>
+                        </a:rPr>
+                        <a:t>H</a:t>
+                      </a:r>
+                      <a:r>
+                        <a:rPr lang="en-US" dirty="0" smtClean="0">
+                          <a:solidFill>
+                            <a:srgbClr val="002060"/>
+                          </a:solidFill>
+                        </a:rPr>
+                        <a:t>PP</a:t>
+                      </a:r>
+                      <a:r>
+                        <a:rPr lang="en-US" dirty="0" smtClean="0">
+                          <a:solidFill>
+                            <a:srgbClr val="FF0000"/>
+                          </a:solidFill>
+                        </a:rPr>
+                        <a:t>H</a:t>
+                      </a:r>
+                      <a:r>
+                        <a:rPr lang="en-US" dirty="0" smtClean="0">
+                          <a:solidFill>
+                            <a:srgbClr val="002060"/>
+                          </a:solidFill>
+                        </a:rPr>
+                        <a:t>P</a:t>
+                      </a:r>
+                      <a:r>
+                        <a:rPr lang="en-US" dirty="0" smtClean="0">
+                          <a:solidFill>
+                            <a:srgbClr val="FF0000"/>
+                          </a:solidFill>
+                        </a:rPr>
+                        <a:t>HH</a:t>
+                      </a:r>
+                      <a:r>
+                        <a:rPr lang="en-US" dirty="0" smtClean="0">
+                          <a:solidFill>
+                            <a:srgbClr val="002060"/>
+                          </a:solidFill>
+                        </a:rPr>
+                        <a:t>PP</a:t>
+                      </a:r>
+                      <a:r>
+                        <a:rPr lang="en-US" dirty="0" smtClean="0">
+                          <a:solidFill>
+                            <a:srgbClr val="FF0000"/>
+                          </a:solidFill>
+                        </a:rPr>
+                        <a:t>H</a:t>
+                      </a:r>
+                      <a:r>
+                        <a:rPr lang="en-US" dirty="0" smtClean="0">
+                          <a:solidFill>
+                            <a:srgbClr val="002060"/>
+                          </a:solidFill>
+                        </a:rPr>
+                        <a:t>P</a:t>
+                      </a:r>
+                      <a:r>
+                        <a:rPr lang="en-US" dirty="0" smtClean="0">
+                          <a:solidFill>
+                            <a:srgbClr val="FF0000"/>
+                          </a:solidFill>
+                        </a:rPr>
+                        <a:t>H</a:t>
+                      </a:r>
+                    </a:p>
+                  </a:txBody>
+                  <a:tcPr/>
+                </a:tc>
+                <a:tc>
+                  <a:txBody>
+                    <a:bodyPr/>
+                    <a:lstStyle/>
+                    <a:p>
+                      <a:r>
+                        <a:rPr lang="en-US" dirty="0" smtClean="0"/>
+                        <a:t>0</a:t>
+                      </a:r>
+                      <a:endParaRPr lang="en-US" dirty="0"/>
+                    </a:p>
+                  </a:txBody>
+                  <a:tcPr/>
+                </a:tc>
+                <a:tc>
+                  <a:txBody>
+                    <a:bodyPr/>
+                    <a:lstStyle/>
+                    <a:p>
+                      <a:pPr>
+                        <a:buFontTx/>
+                        <a:buNone/>
+                      </a:pPr>
+                      <a:endParaRPr lang="en-US" dirty="0"/>
+                    </a:p>
+                  </a:txBody>
+                  <a:tcPr/>
+                </a:tc>
+              </a:tr>
+              <a:tr h="474075">
+                <a:tc>
+                  <a:txBody>
+                    <a:bodyPr/>
+                    <a:lstStyle/>
+                    <a:p>
+                      <a:pPr marL="0" marR="0" indent="0" algn="l" defTabSz="914400" rtl="0" eaLnBrk="1" fontAlgn="auto" latinLnBrk="0" hangingPunct="1">
+                        <a:lnSpc>
+                          <a:spcPct val="100000"/>
+                        </a:lnSpc>
+                        <a:spcBef>
+                          <a:spcPts val="0"/>
+                        </a:spcBef>
+                        <a:spcAft>
+                          <a:spcPts val="0"/>
+                        </a:spcAft>
+                        <a:buClrTx/>
+                        <a:buSzTx/>
+                        <a:buFontTx/>
+                        <a:buNone/>
+                        <a:tabLst/>
+                        <a:defRPr/>
+                      </a:pPr>
+                      <a:r>
+                        <a:rPr lang="en-US" dirty="0" smtClean="0">
+                          <a:solidFill>
+                            <a:srgbClr val="002060"/>
+                          </a:solidFill>
+                        </a:rPr>
+                        <a:t>PPP</a:t>
+                      </a:r>
+                      <a:r>
+                        <a:rPr lang="en-US" dirty="0" smtClean="0">
+                          <a:solidFill>
+                            <a:srgbClr val="FF0000"/>
+                          </a:solidFill>
+                        </a:rPr>
+                        <a:t>HH</a:t>
+                      </a:r>
+                      <a:r>
+                        <a:rPr lang="en-US" dirty="0" smtClean="0">
+                          <a:solidFill>
+                            <a:srgbClr val="002060"/>
+                          </a:solidFill>
+                        </a:rPr>
+                        <a:t>PP</a:t>
+                      </a:r>
+                      <a:r>
+                        <a:rPr lang="en-US" dirty="0" smtClean="0">
+                          <a:solidFill>
+                            <a:srgbClr val="FF0000"/>
+                          </a:solidFill>
+                        </a:rPr>
+                        <a:t>HH</a:t>
+                      </a:r>
+                      <a:r>
+                        <a:rPr lang="en-US" dirty="0" smtClean="0">
+                          <a:solidFill>
+                            <a:srgbClr val="002060"/>
+                          </a:solidFill>
+                        </a:rPr>
+                        <a:t>PPPPP</a:t>
+                      </a:r>
+                      <a:r>
+                        <a:rPr lang="en-US" dirty="0" smtClean="0">
+                          <a:solidFill>
+                            <a:srgbClr val="FF0000"/>
+                          </a:solidFill>
+                        </a:rPr>
+                        <a:t>HHHHHHH</a:t>
+                      </a:r>
+                      <a:r>
+                        <a:rPr lang="en-US" dirty="0" smtClean="0">
+                          <a:solidFill>
+                            <a:srgbClr val="002060"/>
+                          </a:solidFill>
+                        </a:rPr>
+                        <a:t>PP</a:t>
+                      </a:r>
+                      <a:r>
+                        <a:rPr lang="en-US" dirty="0" smtClean="0">
+                          <a:solidFill>
+                            <a:srgbClr val="FF0000"/>
+                          </a:solidFill>
+                        </a:rPr>
+                        <a:t>HH</a:t>
+                      </a:r>
+                      <a:r>
+                        <a:rPr lang="en-US" dirty="0" smtClean="0">
+                          <a:solidFill>
+                            <a:srgbClr val="002060"/>
+                          </a:solidFill>
+                        </a:rPr>
+                        <a:t>PPPP</a:t>
+                      </a:r>
+                      <a:r>
+                        <a:rPr lang="en-US" dirty="0" smtClean="0">
+                          <a:solidFill>
+                            <a:srgbClr val="FF0000"/>
+                          </a:solidFill>
+                        </a:rPr>
+                        <a:t>HH</a:t>
+                      </a:r>
+                      <a:r>
+                        <a:rPr lang="en-US" dirty="0" smtClean="0">
+                          <a:solidFill>
+                            <a:srgbClr val="002060"/>
+                          </a:solidFill>
+                        </a:rPr>
+                        <a:t>PP</a:t>
+                      </a:r>
+                      <a:r>
+                        <a:rPr lang="en-US" dirty="0" smtClean="0">
+                          <a:solidFill>
+                            <a:srgbClr val="FF0000"/>
+                          </a:solidFill>
+                        </a:rPr>
+                        <a:t>H</a:t>
+                      </a:r>
+                      <a:r>
+                        <a:rPr lang="en-US" dirty="0" smtClean="0">
+                          <a:solidFill>
+                            <a:srgbClr val="002060"/>
+                          </a:solidFill>
+                        </a:rPr>
+                        <a:t>PP</a:t>
+                      </a:r>
+                    </a:p>
+                  </a:txBody>
+                  <a:tcPr/>
+                </a:tc>
+                <a:tc>
+                  <a:txBody>
+                    <a:bodyPr/>
+                    <a:lstStyle/>
+                    <a:p>
+                      <a:r>
+                        <a:rPr lang="en-US" dirty="0" smtClean="0"/>
+                        <a:t>0</a:t>
+                      </a:r>
+                      <a:endParaRPr lang="en-US" dirty="0"/>
+                    </a:p>
+                  </a:txBody>
+                  <a:tcPr/>
+                </a:tc>
+                <a:tc>
+                  <a:txBody>
+                    <a:bodyPr/>
+                    <a:lstStyle/>
+                    <a:p>
+                      <a:endParaRPr lang="en-US" dirty="0"/>
+                    </a:p>
+                  </a:txBody>
+                  <a:tcPr/>
+                </a:tc>
+              </a:tr>
+              <a:tr h="474075">
+                <a:tc>
+                  <a:txBody>
+                    <a:bodyPr/>
+                    <a:lstStyle/>
+                    <a:p>
+                      <a:pPr marL="0" marR="0" indent="0" algn="l" defTabSz="914400" rtl="0" eaLnBrk="1" fontAlgn="auto" latinLnBrk="0" hangingPunct="1">
+                        <a:lnSpc>
+                          <a:spcPct val="100000"/>
+                        </a:lnSpc>
+                        <a:spcBef>
+                          <a:spcPts val="0"/>
+                        </a:spcBef>
+                        <a:spcAft>
+                          <a:spcPts val="0"/>
+                        </a:spcAft>
+                        <a:buClrTx/>
+                        <a:buSzTx/>
+                        <a:buFontTx/>
+                        <a:buNone/>
+                        <a:tabLst/>
+                        <a:defRPr/>
+                      </a:pPr>
+                      <a:r>
+                        <a:rPr lang="en-US" dirty="0" smtClean="0">
+                          <a:solidFill>
+                            <a:srgbClr val="FF0000"/>
+                          </a:solidFill>
+                        </a:rPr>
+                        <a:t>HH</a:t>
+                      </a:r>
+                      <a:r>
+                        <a:rPr lang="en-US" dirty="0" smtClean="0">
+                          <a:solidFill>
+                            <a:srgbClr val="002060"/>
+                          </a:solidFill>
+                        </a:rPr>
+                        <a:t>P</a:t>
+                      </a:r>
+                      <a:r>
+                        <a:rPr lang="en-US" dirty="0" smtClean="0">
+                          <a:solidFill>
+                            <a:srgbClr val="FF0000"/>
+                          </a:solidFill>
+                        </a:rPr>
+                        <a:t>H</a:t>
+                      </a:r>
+                      <a:r>
+                        <a:rPr lang="en-US" dirty="0" smtClean="0">
+                          <a:solidFill>
+                            <a:srgbClr val="002060"/>
+                          </a:solidFill>
+                        </a:rPr>
+                        <a:t>P</a:t>
+                      </a:r>
+                      <a:r>
+                        <a:rPr lang="en-US" dirty="0" smtClean="0">
+                          <a:solidFill>
+                            <a:srgbClr val="FF0000"/>
+                          </a:solidFill>
+                        </a:rPr>
+                        <a:t>H</a:t>
+                      </a:r>
+                      <a:r>
+                        <a:rPr lang="en-US" dirty="0" smtClean="0">
+                          <a:solidFill>
+                            <a:srgbClr val="002060"/>
+                          </a:solidFill>
+                        </a:rPr>
+                        <a:t>P</a:t>
+                      </a:r>
+                      <a:r>
+                        <a:rPr lang="en-US" dirty="0" smtClean="0">
+                          <a:solidFill>
+                            <a:srgbClr val="FF0000"/>
+                          </a:solidFill>
+                        </a:rPr>
+                        <a:t>H</a:t>
+                      </a:r>
+                      <a:r>
+                        <a:rPr lang="en-US" dirty="0" smtClean="0">
+                          <a:solidFill>
+                            <a:srgbClr val="002060"/>
+                          </a:solidFill>
+                        </a:rPr>
+                        <a:t>P</a:t>
+                      </a:r>
+                      <a:r>
+                        <a:rPr lang="en-US" dirty="0" smtClean="0">
+                          <a:solidFill>
+                            <a:srgbClr val="FF0000"/>
+                          </a:solidFill>
+                        </a:rPr>
+                        <a:t>HHHH</a:t>
+                      </a:r>
+                      <a:r>
+                        <a:rPr lang="en-US" dirty="0" smtClean="0">
+                          <a:solidFill>
+                            <a:srgbClr val="002060"/>
+                          </a:solidFill>
+                        </a:rPr>
+                        <a:t>P</a:t>
+                      </a:r>
+                      <a:r>
+                        <a:rPr lang="en-US" dirty="0" smtClean="0">
+                          <a:solidFill>
+                            <a:srgbClr val="FF0000"/>
+                          </a:solidFill>
+                        </a:rPr>
+                        <a:t>H</a:t>
+                      </a:r>
+                      <a:r>
+                        <a:rPr lang="en-US" dirty="0" smtClean="0">
+                          <a:solidFill>
+                            <a:srgbClr val="002060"/>
+                          </a:solidFill>
+                        </a:rPr>
+                        <a:t>PPP</a:t>
+                      </a:r>
+                      <a:r>
+                        <a:rPr lang="en-US" dirty="0" smtClean="0">
+                          <a:solidFill>
+                            <a:srgbClr val="FF0000"/>
+                          </a:solidFill>
+                        </a:rPr>
+                        <a:t>H</a:t>
+                      </a:r>
+                      <a:r>
+                        <a:rPr lang="en-US" dirty="0" smtClean="0">
+                          <a:solidFill>
+                            <a:srgbClr val="002060"/>
+                          </a:solidFill>
+                        </a:rPr>
+                        <a:t>PPP</a:t>
+                      </a:r>
+                      <a:r>
+                        <a:rPr lang="en-US" dirty="0" smtClean="0">
+                          <a:solidFill>
+                            <a:srgbClr val="FF0000"/>
+                          </a:solidFill>
+                        </a:rPr>
+                        <a:t>H</a:t>
+                      </a:r>
+                      <a:r>
+                        <a:rPr lang="en-US" dirty="0" smtClean="0">
+                          <a:solidFill>
+                            <a:srgbClr val="002060"/>
+                          </a:solidFill>
+                        </a:rPr>
+                        <a:t>PPPP</a:t>
+                      </a:r>
+                      <a:r>
+                        <a:rPr lang="en-US" dirty="0" smtClean="0">
+                          <a:solidFill>
+                            <a:srgbClr val="FF0000"/>
+                          </a:solidFill>
+                        </a:rPr>
+                        <a:t>H</a:t>
+                      </a:r>
+                      <a:r>
+                        <a:rPr lang="en-US" dirty="0" smtClean="0">
+                          <a:solidFill>
+                            <a:srgbClr val="002060"/>
+                          </a:solidFill>
+                        </a:rPr>
+                        <a:t>PPP</a:t>
+                      </a:r>
+                      <a:r>
+                        <a:rPr lang="en-US" dirty="0" smtClean="0">
+                          <a:solidFill>
+                            <a:srgbClr val="FF0000"/>
+                          </a:solidFill>
+                        </a:rPr>
+                        <a:t>H</a:t>
+                      </a:r>
+                      <a:r>
+                        <a:rPr lang="en-US" dirty="0" smtClean="0">
+                          <a:solidFill>
+                            <a:srgbClr val="002060"/>
+                          </a:solidFill>
+                        </a:rPr>
+                        <a:t>PPP</a:t>
+                      </a:r>
+                      <a:r>
+                        <a:rPr lang="en-US" dirty="0" smtClean="0">
+                          <a:solidFill>
+                            <a:srgbClr val="FF0000"/>
+                          </a:solidFill>
+                        </a:rPr>
+                        <a:t>H</a:t>
+                      </a:r>
+                      <a:r>
+                        <a:rPr lang="en-US" dirty="0" smtClean="0">
+                          <a:solidFill>
+                            <a:srgbClr val="002060"/>
+                          </a:solidFill>
+                        </a:rPr>
+                        <a:t>P</a:t>
+                      </a:r>
+                      <a:r>
+                        <a:rPr lang="en-US" dirty="0" smtClean="0">
+                          <a:solidFill>
+                            <a:srgbClr val="FF0000"/>
+                          </a:solidFill>
+                        </a:rPr>
+                        <a:t>HHHH</a:t>
+                      </a:r>
+                      <a:r>
+                        <a:rPr lang="en-US" dirty="0" smtClean="0">
+                          <a:solidFill>
+                            <a:srgbClr val="002060"/>
+                          </a:solidFill>
+                        </a:rPr>
+                        <a:t>P</a:t>
+                      </a:r>
+                      <a:r>
+                        <a:rPr lang="en-US" dirty="0" smtClean="0">
+                          <a:solidFill>
+                            <a:srgbClr val="FF0000"/>
+                          </a:solidFill>
+                        </a:rPr>
+                        <a:t>H</a:t>
+                      </a:r>
+                      <a:r>
+                        <a:rPr lang="en-US" dirty="0" smtClean="0">
+                          <a:solidFill>
+                            <a:srgbClr val="002060"/>
+                          </a:solidFill>
+                        </a:rPr>
+                        <a:t>P</a:t>
+                      </a:r>
+                      <a:r>
+                        <a:rPr lang="en-US" dirty="0" smtClean="0">
+                          <a:solidFill>
+                            <a:srgbClr val="FF0000"/>
+                          </a:solidFill>
+                        </a:rPr>
+                        <a:t>H</a:t>
+                      </a:r>
+                      <a:r>
+                        <a:rPr lang="en-US" dirty="0" smtClean="0">
+                          <a:solidFill>
+                            <a:srgbClr val="002060"/>
+                          </a:solidFill>
+                        </a:rPr>
+                        <a:t>P</a:t>
+                      </a:r>
+                      <a:r>
+                        <a:rPr lang="en-US" dirty="0" smtClean="0">
+                          <a:solidFill>
+                            <a:srgbClr val="FF0000"/>
+                          </a:solidFill>
+                        </a:rPr>
+                        <a:t>H</a:t>
+                      </a:r>
+                      <a:r>
+                        <a:rPr lang="en-US" dirty="0" smtClean="0">
+                          <a:solidFill>
+                            <a:srgbClr val="002060"/>
+                          </a:solidFill>
+                        </a:rPr>
+                        <a:t>P</a:t>
+                      </a:r>
+                      <a:r>
+                        <a:rPr lang="en-US" dirty="0" smtClean="0">
+                          <a:solidFill>
+                            <a:srgbClr val="FF0000"/>
+                          </a:solidFill>
+                        </a:rPr>
+                        <a:t>HH</a:t>
+                      </a:r>
+                    </a:p>
+                  </a:txBody>
+                  <a:tcPr/>
+                </a:tc>
+                <a:tc>
+                  <a:txBody>
+                    <a:bodyPr/>
+                    <a:lstStyle/>
+                    <a:p>
+                      <a:r>
+                        <a:rPr lang="en-US" dirty="0" smtClean="0"/>
+                        <a:t>0</a:t>
+                      </a:r>
+                      <a:endParaRPr lang="en-US" dirty="0"/>
+                    </a:p>
+                  </a:txBody>
+                  <a:tcPr/>
+                </a:tc>
+                <a:tc>
+                  <a:txBody>
+                    <a:bodyPr/>
+                    <a:lstStyle/>
+                    <a:p>
+                      <a:endParaRPr lang="en-US" dirty="0"/>
+                    </a:p>
+                  </a:txBody>
+                  <a:tcPr/>
+                </a:tc>
+              </a:tr>
+            </a:tbl>
+          </a:graphicData>
+        </a:graphic>
+      </p:graphicFrame>
     </p:spTree>
   </p:cSld>
   <p:clrMapOvr>
     <a:masterClrMapping/>
   </p:clrMapOvr>
-  <p:timing>
-    <p:tnLst>
-      <p:par>
-        <p:cTn id="1" dur="indefinite" restart="never" nodeType="tmRoot"/>
-      </p:par>
-    </p:tnLst>
-  </p:timing>
 </p:sld>
 </file>
 
@@ -5579,9 +8722,12 @@
           <a:p>
             <a:r>
               <a:rPr lang="en-US" dirty="0" err="1"/>
-              <a:t>Resultaten</a:t>
-            </a:r>
-            <a:endParaRPr lang="en-US" dirty="0"/>
+              <a:t>Methode</a:t>
+            </a:r>
+            <a:r>
+              <a:rPr lang="en-US" dirty="0"/>
+              <a:t>	</a:t>
+            </a:r>
           </a:p>
         </p:txBody>
       </p:sp>
@@ -5601,70 +8747,67 @@
           <a:lstStyle/>
           <a:p>
             <a:r>
-              <a:rPr lang="en-US" dirty="0"/>
-              <a:t>Peptide van 20 </a:t>
-            </a:r>
-            <a:r>
-              <a:rPr lang="en-US" dirty="0" err="1"/>
-              <a:t>aminozuren</a:t>
-            </a:r>
-            <a:r>
-              <a:rPr lang="en-US" dirty="0"/>
-              <a:t>:</a:t>
+              <a:rPr lang="nl-NL" dirty="0"/>
+              <a:t>Classes</a:t>
             </a:r>
           </a:p>
           <a:p>
             <a:pPr lvl="1"/>
             <a:r>
-              <a:rPr lang="en-US" dirty="0"/>
-              <a:t>Score: -8</a:t>
+              <a:rPr lang="nl-NL" dirty="0" err="1"/>
+              <a:t>Amino</a:t>
+            </a:r>
+            <a:r>
+              <a:rPr lang="nl-NL" dirty="0"/>
+              <a:t> Acid</a:t>
             </a:r>
           </a:p>
           <a:p>
             <a:pPr lvl="1"/>
             <a:r>
-              <a:rPr lang="en-US" dirty="0"/>
-              <a:t>Runtime: 82.5547</a:t>
-            </a:r>
-          </a:p>
-        </p:txBody>
-      </p:sp>
-      <p:pic>
-        <p:nvPicPr>
-          <p:cNvPr id="7" name="Afbeelding 6" descr="Template_2_oplossing.png">
-            <a:extLst>
-              <a:ext uri="{FF2B5EF4-FFF2-40B4-BE49-F238E27FC236}">
-                <a16:creationId xmlns:a16="http://schemas.microsoft.com/office/drawing/2014/main" xmlns="" id="{FE08C698-7897-4CD3-8273-A5B3141C4A8D}"/>
-              </a:ext>
-            </a:extLst>
-          </p:cNvPr>
-          <p:cNvPicPr>
-            <a:picLocks noChangeAspect="1"/>
-          </p:cNvPicPr>
-          <p:nvPr/>
-        </p:nvPicPr>
-        <p:blipFill>
-          <a:blip r:embed="rId2" cstate="print"/>
-          <a:stretch>
-            <a:fillRect/>
-          </a:stretch>
-        </p:blipFill>
-        <p:spPr>
-          <a:xfrm>
-            <a:off x="5004352" y="911998"/>
-            <a:ext cx="6768408" cy="5034003"/>
-          </a:xfrm>
-          <a:prstGeom prst="rect">
-            <a:avLst/>
-          </a:prstGeom>
-        </p:spPr>
-      </p:pic>
+              <a:rPr lang="nl-NL" dirty="0" err="1"/>
+              <a:t>Amino</a:t>
+            </a:r>
+            <a:r>
+              <a:rPr lang="nl-NL" dirty="0"/>
+              <a:t> Acid </a:t>
+            </a:r>
+            <a:r>
+              <a:rPr lang="nl-NL" dirty="0" err="1"/>
+              <a:t>Chain</a:t>
+            </a:r>
+            <a:endParaRPr lang="nl-NL" dirty="0"/>
+          </a:p>
+          <a:p>
+            <a:r>
+              <a:rPr lang="nl-NL" dirty="0"/>
+              <a:t>Assenstelsel </a:t>
+            </a:r>
+          </a:p>
+          <a:p>
+            <a:pPr lvl="1"/>
+            <a:r>
+              <a:rPr lang="nl-NL" dirty="0"/>
+              <a:t>2D (x, y)</a:t>
+            </a:r>
+          </a:p>
+          <a:p>
+            <a:pPr lvl="1"/>
+            <a:r>
+              <a:rPr lang="nl-NL" dirty="0"/>
+              <a:t>3D (x, y, z)</a:t>
+            </a:r>
+          </a:p>
+          <a:p>
+            <a:r>
+              <a:rPr lang="nl-NL" dirty="0"/>
+              <a:t>Plot</a:t>
+            </a:r>
+            <a:endParaRPr lang="en-US" dirty="0"/>
+          </a:p>
+        </p:txBody>
+      </p:sp>
     </p:spTree>
-    <p:extLst>
-      <p:ext uri="{BB962C8B-B14F-4D97-AF65-F5344CB8AC3E}">
-        <p14:creationId xmlns:p14="http://schemas.microsoft.com/office/powerpoint/2010/main" val="2759561616"/>
-      </p:ext>
-    </p:extLst>
   </p:cSld>
   <p:clrMapOvr>
     <a:masterClrMapping/>
@@ -5722,7 +8865,7 @@
     </a:clrScheme>
     <a:fontScheme name="Terugblik">
       <a:majorFont>
-        <a:latin typeface="Calibri Light" panose="020F0302020204030204"/>
+        <a:latin typeface="Calibri Light"/>
         <a:ea typeface=""/>
         <a:cs typeface=""/>
         <a:font script="Jpan" typeface="ＭＳ Ｐゴシック"/>
@@ -5757,7 +8900,7 @@
         <a:font script="Geor" typeface="Sylfaen"/>
       </a:majorFont>
       <a:minorFont>
-        <a:latin typeface="Calibri" panose="020F0502020204030204"/>
+        <a:latin typeface="Calibri"/>
         <a:ea typeface=""/>
         <a:cs typeface=""/>
         <a:font script="Jpan" typeface="ＭＳ Ｐゴシック"/>
@@ -5956,7 +9099,7 @@
   <a:extraClrSchemeLst/>
   <a:extLst>
     <a:ext uri="{05A4C25C-085E-4340-85A3-A5531E510DB2}">
-      <thm15:themeFamily xmlns:thm15="http://schemas.microsoft.com/office/thememl/2012/main" xmlns="" name="Retrospect" id="{5F128B03-DCCA-4EEB-AB3B-CF2899314A46}" vid="{3F1AAB62-24C6-49D2-8E01-B56FAC9A3DCD}"/>
+      <thm15:themeFamily xmlns="" xmlns:thm15="http://schemas.microsoft.com/office/thememl/2012/main" name="Retrospect" id="{5F128B03-DCCA-4EEB-AB3B-CF2899314A46}" vid="{3F1AAB62-24C6-49D2-8E01-B56FAC9A3DCD}"/>
     </a:ext>
   </a:extLst>
 </a:theme>

--- a/Presentations/Proteasen - week 1.pptx
+++ b/Presentations/Proteasen - week 1.pptx
@@ -12,12 +12,12 @@
     <p:sldId id="266" r:id="rId6"/>
     <p:sldId id="272" r:id="rId7"/>
     <p:sldId id="273" r:id="rId8"/>
-    <p:sldId id="274" r:id="rId9"/>
-    <p:sldId id="265" r:id="rId10"/>
-    <p:sldId id="267" r:id="rId11"/>
-    <p:sldId id="268" r:id="rId12"/>
-    <p:sldId id="271" r:id="rId13"/>
-    <p:sldId id="270" r:id="rId14"/>
+    <p:sldId id="265" r:id="rId9"/>
+    <p:sldId id="267" r:id="rId10"/>
+    <p:sldId id="275" r:id="rId11"/>
+    <p:sldId id="276" r:id="rId12"/>
+    <p:sldId id="268" r:id="rId13"/>
+    <p:sldId id="274" r:id="rId14"/>
   </p:sldIdLst>
   <p:sldSz cx="12192000" cy="6858000"/>
   <p:notesSz cx="6858000" cy="9144000"/>
@@ -366,7 +366,7 @@
             <a:fld id="{ADE4902F-FBEA-4B35-9D62-082FA2608761}" type="datetimeFigureOut">
               <a:rPr lang="nl-NL" smtClean="0"/>
               <a:pPr/>
-              <a:t>5-12-2017</a:t>
+              <a:t>11-12-2017</a:t>
             </a:fld>
             <a:endParaRPr lang="nl-NL"/>
           </a:p>
@@ -576,7 +576,7 @@
             <a:fld id="{ADE4902F-FBEA-4B35-9D62-082FA2608761}" type="datetimeFigureOut">
               <a:rPr lang="nl-NL" smtClean="0"/>
               <a:pPr/>
-              <a:t>5-12-2017</a:t>
+              <a:t>11-12-2017</a:t>
             </a:fld>
             <a:endParaRPr lang="nl-NL"/>
           </a:p>
@@ -834,7 +834,7 @@
             <a:fld id="{ADE4902F-FBEA-4B35-9D62-082FA2608761}" type="datetimeFigureOut">
               <a:rPr lang="nl-NL" smtClean="0"/>
               <a:pPr/>
-              <a:t>5-12-2017</a:t>
+              <a:t>11-12-2017</a:t>
             </a:fld>
             <a:endParaRPr lang="nl-NL"/>
           </a:p>
@@ -1010,7 +1010,7 @@
             <a:fld id="{ADE4902F-FBEA-4B35-9D62-082FA2608761}" type="datetimeFigureOut">
               <a:rPr lang="nl-NL" smtClean="0"/>
               <a:pPr/>
-              <a:t>5-12-2017</a:t>
+              <a:t>11-12-2017</a:t>
             </a:fld>
             <a:endParaRPr lang="nl-NL"/>
           </a:p>
@@ -1355,7 +1355,7 @@
             <a:fld id="{ADE4902F-FBEA-4B35-9D62-082FA2608761}" type="datetimeFigureOut">
               <a:rPr lang="nl-NL" smtClean="0"/>
               <a:pPr/>
-              <a:t>5-12-2017</a:t>
+              <a:t>11-12-2017</a:t>
             </a:fld>
             <a:endParaRPr lang="nl-NL"/>
           </a:p>
@@ -1632,7 +1632,7 @@
             <a:fld id="{ADE4902F-FBEA-4B35-9D62-082FA2608761}" type="datetimeFigureOut">
               <a:rPr lang="nl-NL" smtClean="0"/>
               <a:pPr/>
-              <a:t>5-12-2017</a:t>
+              <a:t>11-12-2017</a:t>
             </a:fld>
             <a:endParaRPr lang="nl-NL"/>
           </a:p>
@@ -2013,7 +2013,7 @@
             <a:fld id="{ADE4902F-FBEA-4B35-9D62-082FA2608761}" type="datetimeFigureOut">
               <a:rPr lang="nl-NL" smtClean="0"/>
               <a:pPr/>
-              <a:t>5-12-2017</a:t>
+              <a:t>11-12-2017</a:t>
             </a:fld>
             <a:endParaRPr lang="nl-NL"/>
           </a:p>
@@ -2133,7 +2133,7 @@
             <a:fld id="{ADE4902F-FBEA-4B35-9D62-082FA2608761}" type="datetimeFigureOut">
               <a:rPr lang="nl-NL" smtClean="0"/>
               <a:pPr/>
-              <a:t>5-12-2017</a:t>
+              <a:t>11-12-2017</a:t>
             </a:fld>
             <a:endParaRPr lang="nl-NL"/>
           </a:p>
@@ -2306,7 +2306,7 @@
             <a:fld id="{ADE4902F-FBEA-4B35-9D62-082FA2608761}" type="datetimeFigureOut">
               <a:rPr lang="nl-NL" smtClean="0"/>
               <a:pPr/>
-              <a:t>5-12-2017</a:t>
+              <a:t>11-12-2017</a:t>
             </a:fld>
             <a:endParaRPr lang="nl-NL"/>
           </a:p>
@@ -2662,7 +2662,7 @@
             <a:fld id="{ADE4902F-FBEA-4B35-9D62-082FA2608761}" type="datetimeFigureOut">
               <a:rPr lang="nl-NL" smtClean="0"/>
               <a:pPr/>
-              <a:t>5-12-2017</a:t>
+              <a:t>11-12-2017</a:t>
             </a:fld>
             <a:endParaRPr lang="nl-NL"/>
           </a:p>
@@ -3046,7 +3046,7 @@
             <a:fld id="{ADE4902F-FBEA-4B35-9D62-082FA2608761}" type="datetimeFigureOut">
               <a:rPr lang="nl-NL" smtClean="0"/>
               <a:pPr/>
-              <a:t>5-12-2017</a:t>
+              <a:t>11-12-2017</a:t>
             </a:fld>
             <a:endParaRPr lang="nl-NL"/>
           </a:p>
@@ -3335,7 +3335,7 @@
             <a:fld id="{ADE4902F-FBEA-4B35-9D62-082FA2608761}" type="datetimeFigureOut">
               <a:rPr lang="nl-NL" smtClean="0"/>
               <a:pPr/>
-              <a:t>5-12-2017</a:t>
+              <a:t>11-12-2017</a:t>
             </a:fld>
             <a:endParaRPr lang="nl-NL"/>
           </a:p>
@@ -3995,8 +3995,8 @@
           <a:lstStyle/>
           <a:p>
             <a:r>
-              <a:rPr lang="en-US" dirty="0" err="1"/>
-              <a:t>Methode</a:t>
+              <a:rPr lang="en-US" dirty="0" smtClean="0"/>
+              <a:t>Breadth-first</a:t>
             </a:r>
             <a:endParaRPr lang="en-US" dirty="0"/>
           </a:p>
@@ -4018,33 +4018,19 @@
           <a:lstStyle/>
           <a:p>
             <a:r>
-              <a:rPr lang="en-US" dirty="0" err="1"/>
-              <a:t>Algoritmes</a:t>
-            </a:r>
-            <a:r>
-              <a:rPr lang="en-US" dirty="0"/>
+              <a:rPr lang="en-US" dirty="0" err="1" smtClean="0"/>
+              <a:t>Instellingen</a:t>
+            </a:r>
+            <a:r>
+              <a:rPr lang="en-US" dirty="0" smtClean="0"/>
               <a:t>:</a:t>
             </a:r>
           </a:p>
           <a:p>
             <a:pPr lvl="1"/>
             <a:r>
-              <a:rPr lang="en-US" dirty="0"/>
-              <a:t>Random</a:t>
-            </a:r>
-          </a:p>
-          <a:p>
-            <a:pPr lvl="1"/>
-            <a:r>
-              <a:rPr lang="en-US" dirty="0"/>
-              <a:t>Breadth-first</a:t>
-            </a:r>
-          </a:p>
-          <a:p>
-            <a:pPr lvl="1"/>
-            <a:r>
-              <a:rPr lang="en-US" dirty="0" err="1"/>
-              <a:t>Hillclimber</a:t>
+              <a:rPr lang="en-US" dirty="0" smtClean="0"/>
+              <a:t>Pruning</a:t>
             </a:r>
             <a:endParaRPr lang="en-US" dirty="0"/>
           </a:p>
@@ -4055,13 +4041,6 @@
   <p:clrMapOvr>
     <a:masterClrMapping/>
   </p:clrMapOvr>
-  <p:timing>
-    <p:tnLst>
-      <p:par>
-        <p:cTn id="1" dur="indefinite" restart="never" nodeType="tmRoot"/>
-      </p:par>
-    </p:tnLst>
-  </p:timing>
 </p:sld>
 </file>
 
@@ -4082,30 +4061,6 @@
           <a:chExt cx="0" cy="0"/>
         </a:xfrm>
       </p:grpSpPr>
-      <p:pic>
-        <p:nvPicPr>
-          <p:cNvPr id="5" name="Afbeelding 4" descr="Template_1_oplossing.png"/>
-          <p:cNvPicPr>
-            <a:picLocks noChangeAspect="1"/>
-          </p:cNvPicPr>
-          <p:nvPr/>
-        </p:nvPicPr>
-        <p:blipFill>
-          <a:blip r:embed="rId2" cstate="print"/>
-          <a:stretch>
-            <a:fillRect/>
-          </a:stretch>
-        </p:blipFill>
-        <p:spPr>
-          <a:xfrm>
-            <a:off x="5004352" y="988906"/>
-            <a:ext cx="6904383" cy="5135135"/>
-          </a:xfrm>
-          <a:prstGeom prst="rect">
-            <a:avLst/>
-          </a:prstGeom>
-        </p:spPr>
-      </p:pic>
       <p:sp>
         <p:nvSpPr>
           <p:cNvPr id="2" name="Titel 1"/>
@@ -4122,8 +4077,8 @@
           <a:lstStyle/>
           <a:p>
             <a:r>
-              <a:rPr lang="en-US" dirty="0" err="1"/>
-              <a:t>Resultaten</a:t>
+              <a:rPr lang="en-US" dirty="0" err="1" smtClean="0"/>
+              <a:t>Hillclimber</a:t>
             </a:r>
             <a:endParaRPr lang="en-US" dirty="0"/>
           </a:p>
@@ -4145,30 +4100,87 @@
           <a:lstStyle/>
           <a:p>
             <a:r>
-              <a:rPr lang="en-US" dirty="0"/>
-              <a:t>Peptide van 14 </a:t>
-            </a:r>
-            <a:r>
-              <a:rPr lang="en-US" dirty="0" err="1"/>
-              <a:t>aminozuren</a:t>
-            </a:r>
-            <a:r>
-              <a:rPr lang="en-US" dirty="0"/>
+              <a:rPr lang="en-US" dirty="0" err="1" smtClean="0"/>
+              <a:t>Instellingen</a:t>
+            </a:r>
+            <a:r>
+              <a:rPr lang="en-US" dirty="0" smtClean="0"/>
               <a:t>:</a:t>
             </a:r>
           </a:p>
           <a:p>
             <a:pPr lvl="1"/>
             <a:r>
-              <a:rPr lang="en-US" dirty="0"/>
-              <a:t>Score: -6 </a:t>
-            </a:r>
+              <a:rPr lang="en-US" dirty="0" smtClean="0"/>
+              <a:t>Start </a:t>
+            </a:r>
+            <a:r>
+              <a:rPr lang="en-US" dirty="0" err="1" smtClean="0"/>
+              <a:t>recht</a:t>
+            </a:r>
+            <a:r>
+              <a:rPr lang="en-US" dirty="0" smtClean="0"/>
+              <a:t> </a:t>
+            </a:r>
+            <a:r>
+              <a:rPr lang="en-US" dirty="0" err="1" smtClean="0"/>
+              <a:t>gevouwen</a:t>
+            </a:r>
+            <a:endParaRPr lang="en-US" dirty="0" smtClean="0"/>
           </a:p>
           <a:p>
             <a:pPr lvl="1"/>
             <a:r>
-              <a:rPr lang="en-US" dirty="0"/>
-              <a:t>Runtime: 0.1507</a:t>
+              <a:rPr lang="en-US" dirty="0" smtClean="0"/>
+              <a:t>1000 </a:t>
+            </a:r>
+            <a:r>
+              <a:rPr lang="en-US" dirty="0" err="1" smtClean="0"/>
+              <a:t>keer</a:t>
+            </a:r>
+            <a:r>
+              <a:rPr lang="en-US" dirty="0" smtClean="0"/>
+              <a:t> </a:t>
+            </a:r>
+            <a:r>
+              <a:rPr lang="en-US" dirty="0" err="1" smtClean="0"/>
+              <a:t>proberen</a:t>
+            </a:r>
+            <a:endParaRPr lang="en-US" dirty="0" smtClean="0"/>
+          </a:p>
+          <a:p>
+            <a:pPr lvl="1"/>
+            <a:r>
+              <a:rPr lang="en-US" dirty="0" err="1" smtClean="0"/>
+              <a:t>Vervangen</a:t>
+            </a:r>
+            <a:r>
+              <a:rPr lang="en-US" dirty="0" smtClean="0"/>
+              <a:t> </a:t>
+            </a:r>
+            <a:r>
+              <a:rPr lang="en-US" dirty="0" err="1" smtClean="0"/>
+              <a:t>bij</a:t>
+            </a:r>
+            <a:r>
+              <a:rPr lang="en-US" dirty="0" smtClean="0"/>
+              <a:t> </a:t>
+            </a:r>
+            <a:r>
+              <a:rPr lang="en-US" dirty="0" err="1" smtClean="0"/>
+              <a:t>gelijke</a:t>
+            </a:r>
+            <a:r>
+              <a:rPr lang="en-US" dirty="0" smtClean="0"/>
+              <a:t> of </a:t>
+            </a:r>
+            <a:r>
+              <a:rPr lang="en-US" dirty="0" err="1" smtClean="0"/>
+              <a:t>kleinere</a:t>
+            </a:r>
+            <a:r>
+              <a:rPr lang="en-US" dirty="0" smtClean="0"/>
+              <a:t> score</a:t>
             </a:r>
           </a:p>
         </p:txBody>
@@ -4178,13 +4190,6 @@
   <p:clrMapOvr>
     <a:masterClrMapping/>
   </p:clrMapOvr>
-  <p:timing>
-    <p:tnLst>
-      <p:par>
-        <p:cTn id="1" dur="indefinite" restart="never" nodeType="tmRoot"/>
-      </p:par>
-    </p:tnLst>
-  </p:timing>
 </p:sld>
 </file>
 
@@ -4221,93 +4226,705 @@
           <a:lstStyle/>
           <a:p>
             <a:r>
-              <a:rPr lang="en-US" dirty="0" err="1"/>
+              <a:rPr lang="en-US" dirty="0" err="1" smtClean="0"/>
               <a:t>Resultaten</a:t>
             </a:r>
             <a:endParaRPr lang="en-US" dirty="0"/>
           </a:p>
         </p:txBody>
       </p:sp>
-      <p:sp>
-        <p:nvSpPr>
-          <p:cNvPr id="3" name="Tijdelijke aanduiding voor inhoud 2"/>
-          <p:cNvSpPr>
-            <a:spLocks noGrp="1"/>
-          </p:cNvSpPr>
-          <p:nvPr>
-            <p:ph idx="1"/>
-          </p:nvPr>
-        </p:nvSpPr>
-        <p:spPr/>
-        <p:txBody>
-          <a:bodyPr/>
-          <a:lstStyle/>
-          <a:p>
-            <a:r>
-              <a:rPr lang="en-US" dirty="0"/>
-              <a:t>Peptide van 20 </a:t>
-            </a:r>
-            <a:r>
-              <a:rPr lang="en-US" dirty="0" err="1"/>
-              <a:t>aminozuren</a:t>
-            </a:r>
-            <a:r>
-              <a:rPr lang="en-US" dirty="0"/>
-              <a:t>:</a:t>
-            </a:r>
-          </a:p>
-          <a:p>
-            <a:pPr lvl="1"/>
-            <a:r>
-              <a:rPr lang="en-US" dirty="0"/>
-              <a:t>Score: -8</a:t>
-            </a:r>
-          </a:p>
-          <a:p>
-            <a:pPr lvl="1"/>
-            <a:r>
-              <a:rPr lang="en-US" dirty="0"/>
-              <a:t>Runtime: 82.5547</a:t>
-            </a:r>
-          </a:p>
-        </p:txBody>
-      </p:sp>
-      <p:pic>
-        <p:nvPicPr>
-          <p:cNvPr id="7" name="Afbeelding 6" descr="Template_2_oplossing.png">
-            <a:extLst>
-              <a:ext uri="{FF2B5EF4-FFF2-40B4-BE49-F238E27FC236}">
-                <a16:creationId xmlns="" xmlns:a16="http://schemas.microsoft.com/office/drawing/2014/main" id="{FE08C698-7897-4CD3-8273-A5B3141C4A8D}"/>
-              </a:ext>
-            </a:extLst>
-          </p:cNvPr>
-          <p:cNvPicPr>
-            <a:picLocks noChangeAspect="1"/>
-          </p:cNvPicPr>
+      <p:graphicFrame>
+        <p:nvGraphicFramePr>
+          <p:cNvPr id="6" name="Tabel 5"/>
+          <p:cNvGraphicFramePr>
+            <a:graphicFrameLocks noGrp="1"/>
+          </p:cNvGraphicFramePr>
           <p:nvPr/>
-        </p:nvPicPr>
-        <p:blipFill>
-          <a:blip r:embed="rId2" cstate="print"/>
-          <a:stretch>
-            <a:fillRect/>
-          </a:stretch>
-        </p:blipFill>
-        <p:spPr>
-          <a:xfrm>
-            <a:off x="5004352" y="911998"/>
-            <a:ext cx="6768408" cy="5034003"/>
-          </a:xfrm>
-          <a:prstGeom prst="rect">
-            <a:avLst/>
-          </a:prstGeom>
-        </p:spPr>
-      </p:pic>
+        </p:nvGraphicFramePr>
+        <p:xfrm>
+          <a:off x="451944" y="2175643"/>
+          <a:ext cx="10930760" cy="3035387"/>
+        </p:xfrm>
+        <a:graphic>
+          <a:graphicData uri="http://schemas.openxmlformats.org/drawingml/2006/table">
+            <a:tbl>
+              <a:tblPr firstRow="1" bandRow="1">
+                <a:tableStyleId>{5C22544A-7EE6-4342-B048-85BDC9FD1C3A}</a:tableStyleId>
+              </a:tblPr>
+              <a:tblGrid>
+                <a:gridCol w="2180138"/>
+                <a:gridCol w="2019431"/>
+                <a:gridCol w="2280703"/>
+                <a:gridCol w="2225244"/>
+                <a:gridCol w="2225244"/>
+              </a:tblGrid>
+              <a:tr h="475067">
+                <a:tc>
+                  <a:txBody>
+                    <a:bodyPr/>
+                    <a:lstStyle/>
+                    <a:p>
+                      <a:r>
+                        <a:rPr lang="en-US" dirty="0" err="1" smtClean="0"/>
+                        <a:t>Ketenlengte</a:t>
+                      </a:r>
+                      <a:endParaRPr lang="en-US" dirty="0"/>
+                    </a:p>
+                  </a:txBody>
+                  <a:tcPr/>
+                </a:tc>
+                <a:tc>
+                  <a:txBody>
+                    <a:bodyPr/>
+                    <a:lstStyle/>
+                    <a:p>
+                      <a:r>
+                        <a:rPr lang="en-US" dirty="0" smtClean="0"/>
+                        <a:t>Score</a:t>
+                      </a:r>
+                      <a:r>
+                        <a:rPr lang="en-US" baseline="0" dirty="0" smtClean="0"/>
+                        <a:t> </a:t>
+                      </a:r>
+                      <a:r>
+                        <a:rPr lang="en-US" baseline="0" dirty="0" err="1" smtClean="0"/>
+                        <a:t>upperbound</a:t>
+                      </a:r>
+                      <a:endParaRPr lang="en-US" dirty="0"/>
+                    </a:p>
+                  </a:txBody>
+                  <a:tcPr/>
+                </a:tc>
+                <a:tc>
+                  <a:txBody>
+                    <a:bodyPr/>
+                    <a:lstStyle/>
+                    <a:p>
+                      <a:r>
+                        <a:rPr lang="en-US" dirty="0" smtClean="0"/>
+                        <a:t>Random </a:t>
+                      </a:r>
+                      <a:endParaRPr lang="en-US" dirty="0"/>
+                    </a:p>
+                  </a:txBody>
+                  <a:tcPr/>
+                </a:tc>
+                <a:tc>
+                  <a:txBody>
+                    <a:bodyPr/>
+                    <a:lstStyle/>
+                    <a:p>
+                      <a:r>
+                        <a:rPr lang="en-US" dirty="0" smtClean="0"/>
+                        <a:t>Breadth-first</a:t>
+                      </a:r>
+                      <a:endParaRPr lang="en-US" dirty="0"/>
+                    </a:p>
+                  </a:txBody>
+                  <a:tcPr/>
+                </a:tc>
+                <a:tc>
+                  <a:txBody>
+                    <a:bodyPr/>
+                    <a:lstStyle/>
+                    <a:p>
+                      <a:r>
+                        <a:rPr lang="en-US" dirty="0" err="1" smtClean="0"/>
+                        <a:t>Hillclimber</a:t>
+                      </a:r>
+                      <a:endParaRPr lang="en-US" dirty="0"/>
+                    </a:p>
+                  </a:txBody>
+                  <a:tcPr/>
+                </a:tc>
+              </a:tr>
+              <a:tr h="475067">
+                <a:tc>
+                  <a:txBody>
+                    <a:bodyPr/>
+                    <a:lstStyle/>
+                    <a:p>
+                      <a:pPr marL="0" marR="0" indent="0" algn="l" defTabSz="914400" rtl="0" eaLnBrk="1" fontAlgn="auto" latinLnBrk="0" hangingPunct="1">
+                        <a:lnSpc>
+                          <a:spcPct val="100000"/>
+                        </a:lnSpc>
+                        <a:spcBef>
+                          <a:spcPts val="0"/>
+                        </a:spcBef>
+                        <a:spcAft>
+                          <a:spcPts val="0"/>
+                        </a:spcAft>
+                        <a:buClrTx/>
+                        <a:buSzTx/>
+                        <a:buFontTx/>
+                        <a:buNone/>
+                        <a:tabLst/>
+                        <a:defRPr/>
+                      </a:pPr>
+                      <a:r>
+                        <a:rPr lang="en-US" dirty="0" smtClean="0">
+                          <a:solidFill>
+                            <a:schemeClr val="tx1"/>
+                          </a:solidFill>
+                        </a:rPr>
+                        <a:t>14</a:t>
+                      </a:r>
+                    </a:p>
+                  </a:txBody>
+                  <a:tcPr/>
+                </a:tc>
+                <a:tc>
+                  <a:txBody>
+                    <a:bodyPr/>
+                    <a:lstStyle/>
+                    <a:p>
+                      <a:pPr marL="0" marR="0" indent="0" algn="l" defTabSz="914400" rtl="0" eaLnBrk="1" fontAlgn="auto" latinLnBrk="0" hangingPunct="1">
+                        <a:lnSpc>
+                          <a:spcPct val="100000"/>
+                        </a:lnSpc>
+                        <a:spcBef>
+                          <a:spcPts val="0"/>
+                        </a:spcBef>
+                        <a:spcAft>
+                          <a:spcPts val="0"/>
+                        </a:spcAft>
+                        <a:buClrTx/>
+                        <a:buSzTx/>
+                        <a:buFontTx/>
+                        <a:buNone/>
+                        <a:tabLst/>
+                        <a:defRPr/>
+                      </a:pPr>
+                      <a:r>
+                        <a:rPr lang="en-US" dirty="0" smtClean="0">
+                          <a:solidFill>
+                            <a:schemeClr val="tx1"/>
+                          </a:solidFill>
+                        </a:rPr>
+                        <a:t>-9</a:t>
+                      </a:r>
+                    </a:p>
+                  </a:txBody>
+                  <a:tcPr/>
+                </a:tc>
+                <a:tc>
+                  <a:txBody>
+                    <a:bodyPr/>
+                    <a:lstStyle/>
+                    <a:p>
+                      <a:r>
+                        <a:rPr lang="en-US" dirty="0" smtClean="0"/>
+                        <a:t>Score: - 4</a:t>
+                      </a:r>
+                    </a:p>
+                    <a:p>
+                      <a:r>
+                        <a:rPr lang="en-US" dirty="0" smtClean="0"/>
+                        <a:t>Runtime: 0.021</a:t>
+                      </a:r>
+                      <a:endParaRPr lang="en-US" dirty="0"/>
+                    </a:p>
+                  </a:txBody>
+                  <a:tcPr/>
+                </a:tc>
+                <a:tc>
+                  <a:txBody>
+                    <a:bodyPr/>
+                    <a:lstStyle/>
+                    <a:p>
+                      <a:pPr>
+                        <a:buFontTx/>
+                        <a:buNone/>
+                      </a:pPr>
+                      <a:r>
+                        <a:rPr lang="en-US" dirty="0" smtClean="0"/>
+                        <a:t>Score:</a:t>
+                      </a:r>
+                      <a:r>
+                        <a:rPr lang="en-US" baseline="0" dirty="0" smtClean="0"/>
+                        <a:t> -6</a:t>
+                      </a:r>
+                    </a:p>
+                    <a:p>
+                      <a:pPr>
+                        <a:buFontTx/>
+                        <a:buNone/>
+                      </a:pPr>
+                      <a:r>
+                        <a:rPr lang="en-US" baseline="0" dirty="0" smtClean="0"/>
+                        <a:t>Runtime: 0.095</a:t>
+                      </a:r>
+                      <a:endParaRPr lang="en-US" dirty="0"/>
+                    </a:p>
+                  </a:txBody>
+                  <a:tcPr/>
+                </a:tc>
+                <a:tc>
+                  <a:txBody>
+                    <a:bodyPr/>
+                    <a:lstStyle/>
+                    <a:p>
+                      <a:pPr>
+                        <a:buFontTx/>
+                        <a:buNone/>
+                      </a:pPr>
+                      <a:r>
+                        <a:rPr lang="en-US" dirty="0" smtClean="0"/>
+                        <a:t>Score: -3</a:t>
+                      </a:r>
+                    </a:p>
+                    <a:p>
+                      <a:pPr>
+                        <a:buFontTx/>
+                        <a:buNone/>
+                      </a:pPr>
+                      <a:r>
+                        <a:rPr lang="en-US" dirty="0" smtClean="0"/>
+                        <a:t>Runtime: &lt; 1.859</a:t>
+                      </a:r>
+                      <a:endParaRPr lang="en-US" dirty="0"/>
+                    </a:p>
+                  </a:txBody>
+                  <a:tcPr/>
+                </a:tc>
+              </a:tr>
+              <a:tr h="475067">
+                <a:tc>
+                  <a:txBody>
+                    <a:bodyPr/>
+                    <a:lstStyle/>
+                    <a:p>
+                      <a:pPr marL="0" marR="0" indent="0" algn="l" defTabSz="914400" rtl="0" eaLnBrk="1" fontAlgn="auto" latinLnBrk="0" hangingPunct="1">
+                        <a:lnSpc>
+                          <a:spcPct val="100000"/>
+                        </a:lnSpc>
+                        <a:spcBef>
+                          <a:spcPts val="0"/>
+                        </a:spcBef>
+                        <a:spcAft>
+                          <a:spcPts val="0"/>
+                        </a:spcAft>
+                        <a:buClrTx/>
+                        <a:buSzTx/>
+                        <a:buFontTx/>
+                        <a:buNone/>
+                        <a:tabLst/>
+                        <a:defRPr/>
+                      </a:pPr>
+                      <a:r>
+                        <a:rPr lang="en-US" dirty="0" smtClean="0">
+                          <a:solidFill>
+                            <a:schemeClr val="tx1"/>
+                          </a:solidFill>
+                        </a:rPr>
+                        <a:t>20</a:t>
+                      </a:r>
+                    </a:p>
+                  </a:txBody>
+                  <a:tcPr/>
+                </a:tc>
+                <a:tc>
+                  <a:txBody>
+                    <a:bodyPr/>
+                    <a:lstStyle/>
+                    <a:p>
+                      <a:pPr marL="0" marR="0" indent="0" algn="l" defTabSz="914400" rtl="0" eaLnBrk="1" fontAlgn="auto" latinLnBrk="0" hangingPunct="1">
+                        <a:lnSpc>
+                          <a:spcPct val="100000"/>
+                        </a:lnSpc>
+                        <a:spcBef>
+                          <a:spcPts val="0"/>
+                        </a:spcBef>
+                        <a:spcAft>
+                          <a:spcPts val="0"/>
+                        </a:spcAft>
+                        <a:buClrTx/>
+                        <a:buSzTx/>
+                        <a:buFontTx/>
+                        <a:buNone/>
+                        <a:tabLst/>
+                        <a:defRPr/>
+                      </a:pPr>
+                      <a:r>
+                        <a:rPr lang="en-US" dirty="0" smtClean="0">
+                          <a:solidFill>
+                            <a:schemeClr val="tx1"/>
+                          </a:solidFill>
+                        </a:rPr>
+                        <a:t>-9</a:t>
+                      </a:r>
+                    </a:p>
+                  </a:txBody>
+                  <a:tcPr/>
+                </a:tc>
+                <a:tc>
+                  <a:txBody>
+                    <a:bodyPr/>
+                    <a:lstStyle/>
+                    <a:p>
+                      <a:r>
+                        <a:rPr lang="en-US" dirty="0" smtClean="0"/>
+                        <a:t>Score:</a:t>
+                      </a:r>
+                      <a:r>
+                        <a:rPr lang="en-US" baseline="0" dirty="0" smtClean="0"/>
+                        <a:t> -3</a:t>
+                      </a:r>
+                    </a:p>
+                    <a:p>
+                      <a:r>
+                        <a:rPr lang="en-US" baseline="0" dirty="0" smtClean="0"/>
+                        <a:t>Runtime: 0.031</a:t>
+                      </a:r>
+                      <a:endParaRPr lang="en-US" dirty="0"/>
+                    </a:p>
+                  </a:txBody>
+                  <a:tcPr/>
+                </a:tc>
+                <a:tc>
+                  <a:txBody>
+                    <a:bodyPr/>
+                    <a:lstStyle/>
+                    <a:p>
+                      <a:pPr>
+                        <a:buFontTx/>
+                        <a:buNone/>
+                      </a:pPr>
+                      <a:r>
+                        <a:rPr lang="en-US" dirty="0" smtClean="0"/>
+                        <a:t>Score:</a:t>
+                      </a:r>
+                      <a:r>
+                        <a:rPr lang="en-US" baseline="0" dirty="0" smtClean="0"/>
+                        <a:t> -8</a:t>
+                      </a:r>
+                    </a:p>
+                    <a:p>
+                      <a:pPr>
+                        <a:buFontTx/>
+                        <a:buNone/>
+                      </a:pPr>
+                      <a:r>
+                        <a:rPr lang="en-US" baseline="0" dirty="0" smtClean="0"/>
+                        <a:t>Runtime: 6.780</a:t>
+                      </a:r>
+                      <a:endParaRPr lang="en-US" dirty="0"/>
+                    </a:p>
+                  </a:txBody>
+                  <a:tcPr/>
+                </a:tc>
+                <a:tc>
+                  <a:txBody>
+                    <a:bodyPr/>
+                    <a:lstStyle/>
+                    <a:p>
+                      <a:pPr>
+                        <a:buFontTx/>
+                        <a:buNone/>
+                      </a:pPr>
+                      <a:r>
+                        <a:rPr lang="en-US" dirty="0" smtClean="0"/>
+                        <a:t>Score: -5</a:t>
+                      </a:r>
+                    </a:p>
+                    <a:p>
+                      <a:pPr>
+                        <a:buFontTx/>
+                        <a:buNone/>
+                      </a:pPr>
+                      <a:r>
+                        <a:rPr lang="en-US" dirty="0" smtClean="0"/>
+                        <a:t>Runtime: &lt;2.804</a:t>
+                      </a:r>
+                      <a:endParaRPr lang="en-US" dirty="0"/>
+                    </a:p>
+                  </a:txBody>
+                  <a:tcPr/>
+                </a:tc>
+              </a:tr>
+              <a:tr h="475067">
+                <a:tc>
+                  <a:txBody>
+                    <a:bodyPr/>
+                    <a:lstStyle/>
+                    <a:p>
+                      <a:pPr marL="0" marR="0" indent="0" algn="l" defTabSz="914400" rtl="0" eaLnBrk="1" fontAlgn="auto" latinLnBrk="0" hangingPunct="1">
+                        <a:lnSpc>
+                          <a:spcPct val="100000"/>
+                        </a:lnSpc>
+                        <a:spcBef>
+                          <a:spcPts val="0"/>
+                        </a:spcBef>
+                        <a:spcAft>
+                          <a:spcPts val="0"/>
+                        </a:spcAft>
+                        <a:buClrTx/>
+                        <a:buSzTx/>
+                        <a:buFontTx/>
+                        <a:buNone/>
+                        <a:tabLst/>
+                        <a:defRPr/>
+                      </a:pPr>
+                      <a:r>
+                        <a:rPr lang="en-US" dirty="0" smtClean="0">
+                          <a:solidFill>
+                            <a:schemeClr val="tx1"/>
+                          </a:solidFill>
+                        </a:rPr>
+                        <a:t>36</a:t>
+                      </a:r>
+                    </a:p>
+                  </a:txBody>
+                  <a:tcPr/>
+                </a:tc>
+                <a:tc>
+                  <a:txBody>
+                    <a:bodyPr/>
+                    <a:lstStyle/>
+                    <a:p>
+                      <a:pPr marL="0" marR="0" indent="0" algn="l" defTabSz="914400" rtl="0" eaLnBrk="1" fontAlgn="auto" latinLnBrk="0" hangingPunct="1">
+                        <a:lnSpc>
+                          <a:spcPct val="100000"/>
+                        </a:lnSpc>
+                        <a:spcBef>
+                          <a:spcPts val="0"/>
+                        </a:spcBef>
+                        <a:spcAft>
+                          <a:spcPts val="0"/>
+                        </a:spcAft>
+                        <a:buClrTx/>
+                        <a:buSzTx/>
+                        <a:buFontTx/>
+                        <a:buNone/>
+                        <a:tabLst/>
+                        <a:defRPr/>
+                      </a:pPr>
+                      <a:r>
+                        <a:rPr lang="en-US" dirty="0" smtClean="0">
+                          <a:solidFill>
+                            <a:schemeClr val="tx1"/>
+                          </a:solidFill>
+                        </a:rPr>
+                        <a:t>-15</a:t>
+                      </a:r>
+                    </a:p>
+                  </a:txBody>
+                  <a:tcPr/>
+                </a:tc>
+                <a:tc>
+                  <a:txBody>
+                    <a:bodyPr/>
+                    <a:lstStyle/>
+                    <a:p>
+                      <a:r>
+                        <a:rPr lang="en-US" dirty="0" smtClean="0"/>
+                        <a:t>Score:</a:t>
+                      </a:r>
+                      <a:r>
+                        <a:rPr lang="en-US" baseline="0" dirty="0" smtClean="0"/>
+                        <a:t> -5</a:t>
+                      </a:r>
+                    </a:p>
+                    <a:p>
+                      <a:r>
+                        <a:rPr lang="en-US" baseline="0" dirty="0" smtClean="0"/>
+                        <a:t>Runtime: 0.089</a:t>
+                      </a:r>
+                      <a:endParaRPr lang="en-US" dirty="0"/>
+                    </a:p>
+                  </a:txBody>
+                  <a:tcPr/>
+                </a:tc>
+                <a:tc>
+                  <a:txBody>
+                    <a:bodyPr/>
+                    <a:lstStyle/>
+                    <a:p>
+                      <a:r>
+                        <a:rPr lang="nl-NL" sz="1800" b="0" i="0" kern="1200" dirty="0" smtClean="0">
+                          <a:solidFill>
+                            <a:schemeClr val="dk1"/>
+                          </a:solidFill>
+                          <a:latin typeface="+mn-lt"/>
+                          <a:ea typeface="+mn-ea"/>
+                          <a:cs typeface="+mn-cs"/>
+                        </a:rPr>
+                        <a:t>∞</a:t>
+                      </a:r>
+                      <a:endParaRPr lang="en-US" sz="1800" dirty="0"/>
+                    </a:p>
+                  </a:txBody>
+                  <a:tcPr/>
+                </a:tc>
+                <a:tc>
+                  <a:txBody>
+                    <a:bodyPr/>
+                    <a:lstStyle/>
+                    <a:p>
+                      <a:r>
+                        <a:rPr lang="en-US" dirty="0" smtClean="0"/>
+                        <a:t>Score:</a:t>
+                      </a:r>
+                      <a:r>
+                        <a:rPr lang="en-US" baseline="0" dirty="0" smtClean="0"/>
+                        <a:t> -6</a:t>
+                      </a:r>
+                    </a:p>
+                    <a:p>
+                      <a:r>
+                        <a:rPr lang="en-US" baseline="0" dirty="0" smtClean="0"/>
+                        <a:t>Runtime: &lt;2.818</a:t>
+                      </a:r>
+                      <a:endParaRPr lang="en-US" dirty="0"/>
+                    </a:p>
+                  </a:txBody>
+                  <a:tcPr/>
+                </a:tc>
+              </a:tr>
+              <a:tr h="475067">
+                <a:tc>
+                  <a:txBody>
+                    <a:bodyPr/>
+                    <a:lstStyle/>
+                    <a:p>
+                      <a:pPr marL="0" marR="0" indent="0" algn="l" defTabSz="914400" rtl="0" eaLnBrk="1" fontAlgn="auto" latinLnBrk="0" hangingPunct="1">
+                        <a:lnSpc>
+                          <a:spcPct val="100000"/>
+                        </a:lnSpc>
+                        <a:spcBef>
+                          <a:spcPts val="0"/>
+                        </a:spcBef>
+                        <a:spcAft>
+                          <a:spcPts val="0"/>
+                        </a:spcAft>
+                        <a:buClrTx/>
+                        <a:buSzTx/>
+                        <a:buFontTx/>
+                        <a:buNone/>
+                        <a:tabLst/>
+                        <a:defRPr/>
+                      </a:pPr>
+                      <a:r>
+                        <a:rPr lang="en-US" dirty="0" smtClean="0">
+                          <a:solidFill>
+                            <a:schemeClr val="tx1"/>
+                          </a:solidFill>
+                        </a:rPr>
+                        <a:t>50</a:t>
+                      </a:r>
+                    </a:p>
+                  </a:txBody>
+                  <a:tcPr/>
+                </a:tc>
+                <a:tc>
+                  <a:txBody>
+                    <a:bodyPr/>
+                    <a:lstStyle/>
+                    <a:p>
+                      <a:pPr marL="0" marR="0" indent="0" algn="l" defTabSz="914400" rtl="0" eaLnBrk="1" fontAlgn="auto" latinLnBrk="0" hangingPunct="1">
+                        <a:lnSpc>
+                          <a:spcPct val="100000"/>
+                        </a:lnSpc>
+                        <a:spcBef>
+                          <a:spcPts val="0"/>
+                        </a:spcBef>
+                        <a:spcAft>
+                          <a:spcPts val="0"/>
+                        </a:spcAft>
+                        <a:buClrTx/>
+                        <a:buSzTx/>
+                        <a:buFontTx/>
+                        <a:buNone/>
+                        <a:tabLst/>
+                        <a:defRPr/>
+                      </a:pPr>
+                      <a:r>
+                        <a:rPr lang="en-US" dirty="0" smtClean="0">
+                          <a:solidFill>
+                            <a:schemeClr val="tx1"/>
+                          </a:solidFill>
+                        </a:rPr>
+                        <a:t>-23</a:t>
+                      </a:r>
+                    </a:p>
+                  </a:txBody>
+                  <a:tcPr/>
+                </a:tc>
+                <a:tc>
+                  <a:txBody>
+                    <a:bodyPr/>
+                    <a:lstStyle/>
+                    <a:p>
+                      <a:r>
+                        <a:rPr lang="en-US" dirty="0" smtClean="0"/>
+                        <a:t>Score:</a:t>
+                      </a:r>
+                      <a:r>
+                        <a:rPr lang="en-US" baseline="0" dirty="0" smtClean="0"/>
+                        <a:t> -9</a:t>
+                      </a:r>
+                    </a:p>
+                    <a:p>
+                      <a:r>
+                        <a:rPr lang="en-US" baseline="0" dirty="0" smtClean="0"/>
+                        <a:t>Runtime: 0.199</a:t>
+                      </a:r>
+                      <a:endParaRPr lang="en-US" dirty="0"/>
+                    </a:p>
+                  </a:txBody>
+                  <a:tcPr/>
+                </a:tc>
+                <a:tc>
+                  <a:txBody>
+                    <a:bodyPr/>
+                    <a:lstStyle/>
+                    <a:p>
+                      <a:r>
+                        <a:rPr lang="nl-NL" sz="1800" b="0" i="0" kern="1200" dirty="0" smtClean="0">
+                          <a:solidFill>
+                            <a:schemeClr val="dk1"/>
+                          </a:solidFill>
+                          <a:latin typeface="+mn-lt"/>
+                          <a:ea typeface="+mn-ea"/>
+                          <a:cs typeface="+mn-cs"/>
+                        </a:rPr>
+                        <a:t>∞</a:t>
+                      </a:r>
+                      <a:endParaRPr lang="en-US" sz="1800" b="0" dirty="0"/>
+                    </a:p>
+                  </a:txBody>
+                  <a:tcPr/>
+                </a:tc>
+                <a:tc>
+                  <a:txBody>
+                    <a:bodyPr/>
+                    <a:lstStyle/>
+                    <a:p>
+                      <a:r>
+                        <a:rPr lang="en-US" dirty="0" smtClean="0"/>
+                        <a:t>Score:</a:t>
+                      </a:r>
+                      <a:r>
+                        <a:rPr lang="en-US" baseline="0" dirty="0" smtClean="0"/>
+                        <a:t> -10</a:t>
+                      </a:r>
+                    </a:p>
+                    <a:p>
+                      <a:r>
+                        <a:rPr lang="en-US" baseline="0" dirty="0" smtClean="0"/>
+                        <a:t>Runtime: &lt;4.475</a:t>
+                      </a:r>
+                      <a:endParaRPr lang="en-US" dirty="0"/>
+                    </a:p>
+                  </a:txBody>
+                  <a:tcPr/>
+                </a:tc>
+              </a:tr>
+            </a:tbl>
+          </a:graphicData>
+        </a:graphic>
+      </p:graphicFrame>
     </p:spTree>
-    <p:extLst>
-      <p:ext uri="{BB962C8B-B14F-4D97-AF65-F5344CB8AC3E}">
-        <p14:creationId xmlns:p14="http://schemas.microsoft.com/office/powerpoint/2010/main" xmlns="" val="2759561616"/>
-      </p:ext>
-    </p:extLst>
   </p:cSld>
   <p:clrMapOvr>
     <a:masterClrMapping/>
@@ -4355,8 +4972,8 @@
           <a:lstStyle/>
           <a:p>
             <a:r>
-              <a:rPr lang="en-US" dirty="0" err="1"/>
-              <a:t>Hillclimber</a:t>
+              <a:rPr lang="en-US" dirty="0" err="1" smtClean="0"/>
+              <a:t>Conclusie</a:t>
             </a:r>
             <a:endParaRPr lang="en-US" dirty="0"/>
           </a:p>
@@ -4378,39 +4995,32 @@
           <a:lstStyle/>
           <a:p>
             <a:r>
-              <a:rPr lang="en-US" dirty="0" err="1"/>
-              <a:t>Resultaten</a:t>
-            </a:r>
-            <a:r>
-              <a:rPr lang="en-US" dirty="0"/>
-              <a:t>:</a:t>
+              <a:rPr lang="en-US" dirty="0" err="1" smtClean="0"/>
+              <a:t>Experimenteren</a:t>
+            </a:r>
+            <a:r>
+              <a:rPr lang="en-US" dirty="0" smtClean="0"/>
+              <a:t> breadth-first</a:t>
             </a:r>
           </a:p>
           <a:p>
             <a:pPr lvl="1"/>
             <a:r>
-              <a:rPr lang="en-US" dirty="0"/>
-              <a:t>Score </a:t>
-            </a:r>
-            <a:r>
-              <a:rPr lang="en-US" dirty="0" err="1"/>
-              <a:t>blijft</a:t>
-            </a:r>
-            <a:r>
-              <a:rPr lang="en-US" dirty="0"/>
-              <a:t> </a:t>
-            </a:r>
-            <a:r>
               <a:rPr lang="en-US" dirty="0" err="1" smtClean="0"/>
-              <a:t>gelijk</a:t>
-            </a:r>
+              <a:t>Zonder</a:t>
+            </a:r>
+            <a:r>
+              <a:rPr lang="en-US" dirty="0" smtClean="0"/>
+              <a:t> pruning </a:t>
+            </a:r>
+          </a:p>
+          <a:p>
             <a:endParaRPr lang="en-US" dirty="0" smtClean="0"/>
           </a:p>
           <a:p>
-            <a:pPr lvl="1"/>
             <a:r>
               <a:rPr lang="en-US" dirty="0" err="1" smtClean="0"/>
-              <a:t>Hier</a:t>
+              <a:t>Experimenteren</a:t>
             </a:r>
             <a:r>
               <a:rPr lang="en-US" dirty="0" smtClean="0"/>
@@ -4418,7 +5028,22 @@
             </a:r>
             <a:r>
               <a:rPr lang="en-US" dirty="0" err="1" smtClean="0"/>
-              <a:t>nog</a:t>
+              <a:t>hillclimber</a:t>
+            </a:r>
+            <a:endParaRPr lang="en-US" dirty="0" smtClean="0"/>
+          </a:p>
+          <a:p>
+            <a:pPr lvl="1"/>
+            <a:r>
+              <a:rPr lang="en-US" dirty="0" smtClean="0"/>
+              <a:t>Annealing</a:t>
+            </a:r>
+          </a:p>
+          <a:p>
+            <a:pPr lvl="1"/>
+            <a:r>
+              <a:rPr lang="en-US" dirty="0" err="1" smtClean="0"/>
+              <a:t>Aantal</a:t>
             </a:r>
             <a:r>
               <a:rPr lang="en-US" dirty="0" smtClean="0"/>
@@ -4426,7 +5051,7 @@
             </a:r>
             <a:r>
               <a:rPr lang="en-US" dirty="0" err="1" smtClean="0"/>
-              <a:t>bij</a:t>
+              <a:t>keer</a:t>
             </a:r>
             <a:r>
               <a:rPr lang="en-US" dirty="0" smtClean="0"/>
@@ -4434,467 +5059,20 @@
             </a:r>
             <a:r>
               <a:rPr lang="en-US" dirty="0" err="1" smtClean="0"/>
-              <a:t>aangeven</a:t>
-            </a:r>
+              <a:t>proberen</a:t>
+            </a:r>
+            <a:endParaRPr lang="en-US" dirty="0" smtClean="0"/>
+          </a:p>
+          <a:p>
+            <a:pPr lvl="1"/>
             <a:r>
               <a:rPr lang="en-US" dirty="0" smtClean="0"/>
-              <a:t>:</a:t>
-            </a:r>
-          </a:p>
-          <a:p>
-            <a:pPr lvl="2"/>
-            <a:r>
-              <a:rPr lang="en-US" dirty="0" smtClean="0"/>
-              <a:t>Hoe </a:t>
+              <a:t>Random </a:t>
             </a:r>
             <a:r>
               <a:rPr lang="en-US" dirty="0" err="1" smtClean="0"/>
-              <a:t>vaak</a:t>
-            </a:r>
-            <a:r>
-              <a:rPr lang="en-US" dirty="0" smtClean="0"/>
-              <a:t> </a:t>
-            </a:r>
-            <a:r>
-              <a:rPr lang="en-US" dirty="0" err="1" smtClean="0"/>
-              <a:t>verkeerd</a:t>
-            </a:r>
-            <a:r>
-              <a:rPr lang="en-US" dirty="0" smtClean="0"/>
-              <a:t> </a:t>
-            </a:r>
-            <a:r>
-              <a:rPr lang="en-US" dirty="0" err="1" smtClean="0"/>
-              <a:t>gevouwen</a:t>
-            </a:r>
-            <a:r>
-              <a:rPr lang="en-US" dirty="0" smtClean="0"/>
-              <a:t>?</a:t>
-            </a:r>
-          </a:p>
-          <a:p>
-            <a:pPr lvl="2"/>
-            <a:r>
-              <a:rPr lang="en-US" dirty="0" smtClean="0"/>
-              <a:t>Hoe </a:t>
-            </a:r>
-            <a:r>
-              <a:rPr lang="en-US" dirty="0" err="1" smtClean="0"/>
-              <a:t>veel</a:t>
-            </a:r>
-            <a:r>
-              <a:rPr lang="en-US" dirty="0" smtClean="0"/>
-              <a:t> </a:t>
-            </a:r>
-            <a:r>
-              <a:rPr lang="en-US" dirty="0" err="1" smtClean="0"/>
-              <a:t>verbetering</a:t>
-            </a:r>
-            <a:r>
-              <a:rPr lang="en-US" dirty="0" smtClean="0"/>
-              <a:t> is </a:t>
-            </a:r>
-            <a:r>
-              <a:rPr lang="en-US" dirty="0" err="1" smtClean="0"/>
-              <a:t>er</a:t>
-            </a:r>
-            <a:r>
-              <a:rPr lang="en-US" dirty="0" smtClean="0"/>
-              <a:t> </a:t>
-            </a:r>
-            <a:r>
-              <a:rPr lang="en-US" dirty="0" err="1" smtClean="0"/>
-              <a:t>nog</a:t>
-            </a:r>
-            <a:r>
-              <a:rPr lang="en-US" dirty="0" smtClean="0"/>
-              <a:t> </a:t>
-            </a:r>
-            <a:r>
-              <a:rPr lang="en-US" dirty="0" err="1" smtClean="0"/>
-              <a:t>mogelijk</a:t>
-            </a:r>
-            <a:r>
-              <a:rPr lang="en-US" dirty="0" smtClean="0"/>
-              <a:t>?</a:t>
-            </a:r>
-          </a:p>
-          <a:p>
-            <a:pPr lvl="2"/>
-            <a:r>
-              <a:rPr lang="en-US" dirty="0" err="1" smtClean="0"/>
-              <a:t>Kijken</a:t>
-            </a:r>
-            <a:r>
-              <a:rPr lang="en-US" dirty="0" smtClean="0"/>
-              <a:t> </a:t>
-            </a:r>
-            <a:r>
-              <a:rPr lang="en-US" dirty="0" err="1" smtClean="0"/>
-              <a:t>welke</a:t>
-            </a:r>
-            <a:r>
-              <a:rPr lang="en-US" dirty="0" smtClean="0"/>
-              <a:t> </a:t>
-            </a:r>
-            <a:r>
-              <a:rPr lang="en-US" dirty="0" err="1" smtClean="0"/>
-              <a:t>verbindingen</a:t>
-            </a:r>
-            <a:r>
-              <a:rPr lang="en-US" dirty="0" smtClean="0"/>
-              <a:t> </a:t>
-            </a:r>
-            <a:r>
-              <a:rPr lang="en-US" dirty="0" err="1" smtClean="0"/>
-              <a:t>ik</a:t>
-            </a:r>
-            <a:r>
-              <a:rPr lang="en-US" dirty="0" smtClean="0"/>
-              <a:t> al </a:t>
-            </a:r>
-            <a:r>
-              <a:rPr lang="en-US" dirty="0" err="1" smtClean="0"/>
-              <a:t>heb</a:t>
-            </a:r>
-            <a:r>
-              <a:rPr lang="en-US" dirty="0" smtClean="0"/>
-              <a:t> </a:t>
-            </a:r>
-            <a:r>
-              <a:rPr lang="en-US" dirty="0" err="1" smtClean="0"/>
-              <a:t>gehad</a:t>
-            </a:r>
-            <a:r>
-              <a:rPr lang="en-US" dirty="0" smtClean="0"/>
-              <a:t> (</a:t>
-            </a:r>
-            <a:r>
-              <a:rPr lang="en-US" dirty="0" err="1" smtClean="0"/>
-              <a:t>vouwt</a:t>
-            </a:r>
-            <a:r>
-              <a:rPr lang="en-US" dirty="0" smtClean="0"/>
-              <a:t> </a:t>
-            </a:r>
-            <a:r>
-              <a:rPr lang="en-US" dirty="0" err="1" smtClean="0"/>
-              <a:t>ie</a:t>
-            </a:r>
-            <a:r>
-              <a:rPr lang="en-US" dirty="0" smtClean="0"/>
-              <a:t> op </a:t>
-            </a:r>
-            <a:r>
-              <a:rPr lang="en-US" dirty="0" err="1" smtClean="0"/>
-              <a:t>een</a:t>
-            </a:r>
-            <a:r>
-              <a:rPr lang="en-US" dirty="0" smtClean="0"/>
-              <a:t> </a:t>
-            </a:r>
-            <a:r>
-              <a:rPr lang="en-US" dirty="0" err="1" smtClean="0"/>
-              <a:t>gegeven</a:t>
-            </a:r>
-            <a:r>
-              <a:rPr lang="en-US" dirty="0" smtClean="0"/>
-              <a:t> moment </a:t>
-            </a:r>
-            <a:r>
-              <a:rPr lang="en-US" dirty="0" err="1" smtClean="0"/>
-              <a:t>alleen</a:t>
-            </a:r>
-            <a:r>
-              <a:rPr lang="en-US" dirty="0" smtClean="0"/>
-              <a:t> </a:t>
-            </a:r>
-            <a:r>
-              <a:rPr lang="en-US" dirty="0" err="1" smtClean="0"/>
-              <a:t>maar</a:t>
-            </a:r>
-            <a:r>
-              <a:rPr lang="en-US" dirty="0" smtClean="0"/>
-              <a:t> </a:t>
-            </a:r>
-            <a:r>
-              <a:rPr lang="en-US" dirty="0" err="1" smtClean="0"/>
-              <a:t>heen</a:t>
-            </a:r>
-            <a:r>
-              <a:rPr lang="en-US" dirty="0" smtClean="0"/>
-              <a:t> en </a:t>
-            </a:r>
-            <a:r>
-              <a:rPr lang="en-US" dirty="0" err="1" smtClean="0"/>
-              <a:t>weer</a:t>
-            </a:r>
-            <a:r>
-              <a:rPr lang="en-US" dirty="0" smtClean="0"/>
-              <a:t>?)</a:t>
-            </a:r>
-          </a:p>
-          <a:p>
-            <a:pPr lvl="2"/>
-            <a:r>
-              <a:rPr lang="en-US" dirty="0" err="1" smtClean="0"/>
-              <a:t>Kijken</a:t>
-            </a:r>
-            <a:r>
-              <a:rPr lang="en-US" dirty="0" smtClean="0"/>
-              <a:t> of </a:t>
-            </a:r>
-            <a:r>
-              <a:rPr lang="en-US" dirty="0" err="1" smtClean="0"/>
-              <a:t>ie</a:t>
-            </a:r>
-            <a:r>
-              <a:rPr lang="en-US" dirty="0" smtClean="0"/>
-              <a:t> </a:t>
-            </a:r>
-            <a:r>
-              <a:rPr lang="en-US" dirty="0" err="1" smtClean="0"/>
-              <a:t>inderdaad</a:t>
-            </a:r>
-            <a:r>
-              <a:rPr lang="en-US" dirty="0" smtClean="0"/>
-              <a:t> </a:t>
-            </a:r>
-            <a:r>
-              <a:rPr lang="en-US" dirty="0" err="1" smtClean="0"/>
-              <a:t>alleen</a:t>
-            </a:r>
-            <a:r>
-              <a:rPr lang="en-US" dirty="0" smtClean="0"/>
-              <a:t> </a:t>
-            </a:r>
-            <a:r>
-              <a:rPr lang="en-US" dirty="0" err="1" smtClean="0"/>
-              <a:t>ergens</a:t>
-            </a:r>
-            <a:r>
-              <a:rPr lang="en-US" dirty="0" smtClean="0"/>
-              <a:t> in de </a:t>
-            </a:r>
-            <a:r>
-              <a:rPr lang="en-US" dirty="0" err="1" smtClean="0"/>
-              <a:t>laatste</a:t>
-            </a:r>
-            <a:r>
-              <a:rPr lang="en-US" dirty="0" smtClean="0"/>
-              <a:t> </a:t>
-            </a:r>
-            <a:r>
-              <a:rPr lang="en-US" dirty="0" err="1" smtClean="0"/>
-              <a:t>paar</a:t>
-            </a:r>
-            <a:r>
-              <a:rPr lang="en-US" dirty="0" smtClean="0"/>
-              <a:t> </a:t>
-            </a:r>
-            <a:r>
-              <a:rPr lang="en-US" dirty="0" err="1" smtClean="0"/>
-              <a:t>verbindingen</a:t>
-            </a:r>
-            <a:r>
-              <a:rPr lang="en-US" dirty="0" smtClean="0"/>
-              <a:t> steeds </a:t>
-            </a:r>
-            <a:r>
-              <a:rPr lang="en-US" dirty="0" err="1" smtClean="0"/>
-              <a:t>maar</a:t>
-            </a:r>
-            <a:r>
-              <a:rPr lang="en-US" dirty="0" smtClean="0"/>
-              <a:t> </a:t>
-            </a:r>
-            <a:r>
-              <a:rPr lang="en-US" dirty="0" err="1" smtClean="0"/>
-              <a:t>kan</a:t>
-            </a:r>
-            <a:r>
-              <a:rPr lang="en-US" dirty="0" smtClean="0"/>
-              <a:t> </a:t>
-            </a:r>
-            <a:r>
-              <a:rPr lang="en-US" dirty="0" err="1" smtClean="0"/>
-              <a:t>vouwen</a:t>
-            </a:r>
-            <a:r>
-              <a:rPr lang="en-US" dirty="0" smtClean="0"/>
-              <a:t> en </a:t>
-            </a:r>
-            <a:r>
-              <a:rPr lang="en-US" dirty="0" err="1" smtClean="0"/>
-              <a:t>zo</a:t>
-            </a:r>
-            <a:r>
-              <a:rPr lang="en-US" dirty="0" smtClean="0"/>
-              <a:t> </a:t>
-            </a:r>
-            <a:r>
-              <a:rPr lang="en-US" dirty="0" err="1" smtClean="0"/>
-              <a:t>ja</a:t>
-            </a:r>
-            <a:r>
-              <a:rPr lang="en-US" dirty="0" smtClean="0"/>
-              <a:t>, </a:t>
-            </a:r>
-            <a:r>
-              <a:rPr lang="en-US" dirty="0" err="1" smtClean="0"/>
-              <a:t>heeft</a:t>
-            </a:r>
-            <a:r>
-              <a:rPr lang="en-US" dirty="0" smtClean="0"/>
-              <a:t> </a:t>
-            </a:r>
-            <a:r>
-              <a:rPr lang="en-US" dirty="0" err="1" smtClean="0"/>
-              <a:t>dit</a:t>
-            </a:r>
-            <a:r>
-              <a:rPr lang="en-US" dirty="0" smtClean="0"/>
-              <a:t> </a:t>
-            </a:r>
-            <a:r>
-              <a:rPr lang="en-US" dirty="0" err="1" smtClean="0"/>
-              <a:t>inderdaad</a:t>
-            </a:r>
-            <a:r>
-              <a:rPr lang="en-US" dirty="0" smtClean="0"/>
-              <a:t> </a:t>
-            </a:r>
-            <a:r>
-              <a:rPr lang="en-US" dirty="0" err="1" smtClean="0"/>
-              <a:t>geen</a:t>
-            </a:r>
-            <a:r>
-              <a:rPr lang="en-US" dirty="0" smtClean="0"/>
-              <a:t> effect?</a:t>
-            </a:r>
-          </a:p>
-          <a:p>
-            <a:pPr lvl="2"/>
-            <a:r>
-              <a:rPr lang="en-US" dirty="0" err="1" smtClean="0"/>
-              <a:t>Als</a:t>
-            </a:r>
-            <a:r>
-              <a:rPr lang="en-US" dirty="0" smtClean="0"/>
-              <a:t> </a:t>
-            </a:r>
-            <a:r>
-              <a:rPr lang="en-US" dirty="0" err="1" smtClean="0"/>
-              <a:t>er</a:t>
-            </a:r>
-            <a:r>
-              <a:rPr lang="en-US" dirty="0" smtClean="0"/>
-              <a:t> </a:t>
-            </a:r>
-            <a:r>
-              <a:rPr lang="en-US" dirty="0" err="1" smtClean="0"/>
-              <a:t>geen</a:t>
-            </a:r>
-            <a:r>
-              <a:rPr lang="en-US" dirty="0" smtClean="0"/>
-              <a:t> </a:t>
-            </a:r>
-            <a:r>
-              <a:rPr lang="en-US" dirty="0" err="1" smtClean="0"/>
-              <a:t>uitkomst</a:t>
-            </a:r>
-            <a:r>
-              <a:rPr lang="en-US" dirty="0" smtClean="0"/>
-              <a:t> </a:t>
-            </a:r>
-            <a:r>
-              <a:rPr lang="en-US" dirty="0" err="1" smtClean="0"/>
-              <a:t>komt</a:t>
-            </a:r>
-            <a:r>
-              <a:rPr lang="en-US" dirty="0" smtClean="0"/>
-              <a:t>: hoe </a:t>
-            </a:r>
-            <a:r>
-              <a:rPr lang="en-US" dirty="0" err="1" smtClean="0"/>
-              <a:t>ver</a:t>
-            </a:r>
-            <a:r>
-              <a:rPr lang="en-US" dirty="0" smtClean="0"/>
-              <a:t> was </a:t>
-            </a:r>
-            <a:r>
-              <a:rPr lang="en-US" dirty="0" err="1" smtClean="0"/>
-              <a:t>ie</a:t>
-            </a:r>
-            <a:r>
-              <a:rPr lang="en-US" dirty="0" smtClean="0"/>
-              <a:t> al, hoe </a:t>
-            </a:r>
-            <a:r>
-              <a:rPr lang="en-US" dirty="0" err="1" smtClean="0"/>
-              <a:t>lang</a:t>
-            </a:r>
-            <a:r>
-              <a:rPr lang="en-US" dirty="0" smtClean="0"/>
-              <a:t> was </a:t>
-            </a:r>
-            <a:r>
-              <a:rPr lang="en-US" dirty="0" err="1" smtClean="0"/>
-              <a:t>ie</a:t>
-            </a:r>
-            <a:r>
-              <a:rPr lang="en-US" dirty="0" smtClean="0"/>
-              <a:t> al </a:t>
-            </a:r>
-            <a:r>
-              <a:rPr lang="en-US" dirty="0" err="1" smtClean="0"/>
-              <a:t>bezig</a:t>
-            </a:r>
-            <a:r>
-              <a:rPr lang="en-US" dirty="0" smtClean="0"/>
-              <a:t> </a:t>
-            </a:r>
-            <a:r>
-              <a:rPr lang="en-US" dirty="0" err="1" smtClean="0"/>
-              <a:t>toen</a:t>
-            </a:r>
-            <a:r>
-              <a:rPr lang="en-US" dirty="0" smtClean="0"/>
-              <a:t> we m </a:t>
-            </a:r>
-            <a:r>
-              <a:rPr lang="en-US" dirty="0" err="1" smtClean="0"/>
-              <a:t>afkapten</a:t>
-            </a:r>
-            <a:r>
-              <a:rPr lang="en-US" dirty="0" smtClean="0"/>
-              <a:t> of </a:t>
-            </a:r>
-            <a:r>
-              <a:rPr lang="en-US" dirty="0" err="1" smtClean="0"/>
-              <a:t>toen</a:t>
-            </a:r>
-            <a:r>
-              <a:rPr lang="en-US" dirty="0" smtClean="0"/>
-              <a:t> </a:t>
-            </a:r>
-            <a:r>
-              <a:rPr lang="en-US" dirty="0" err="1" smtClean="0"/>
-              <a:t>ie</a:t>
-            </a:r>
-            <a:r>
-              <a:rPr lang="en-US" dirty="0" smtClean="0"/>
-              <a:t> </a:t>
-            </a:r>
-            <a:r>
-              <a:rPr lang="en-US" dirty="0" err="1" smtClean="0"/>
-              <a:t>stopte</a:t>
-            </a:r>
-            <a:endParaRPr lang="en-US" dirty="0" smtClean="0"/>
-          </a:p>
-          <a:p>
-            <a:pPr lvl="2"/>
+              <a:t>beginnen</a:t>
+            </a:r>
             <a:endParaRPr lang="en-US" dirty="0"/>
           </a:p>
         </p:txBody>
@@ -4904,13 +5082,6 @@
   <p:clrMapOvr>
     <a:masterClrMapping/>
   </p:clrMapOvr>
-  <p:timing>
-    <p:tnLst>
-      <p:par>
-        <p:cTn id="1" dur="indefinite" restart="never" nodeType="tmRoot"/>
-      </p:par>
-    </p:tnLst>
-  </p:timing>
 </p:sld>
 </file>
 
@@ -7780,14 +7951,13 @@
           <a:lstStyle/>
           <a:p>
             <a:r>
-              <a:rPr lang="en-US" dirty="0" err="1" smtClean="0"/>
-              <a:t>Statespace</a:t>
-            </a:r>
-            <a:r>
-              <a:rPr lang="en-US" dirty="0" smtClean="0"/>
-              <a:t> upper- &amp; lower-bound</a:t>
-            </a:r>
-            <a:endParaRPr lang="en-US" dirty="0"/>
+              <a:rPr lang="en-US" dirty="0" err="1"/>
+              <a:t>Methode</a:t>
+            </a:r>
+            <a:r>
+              <a:rPr lang="en-US" dirty="0"/>
+              <a:t>	</a:t>
+            </a:r>
           </a:p>
         </p:txBody>
       </p:sp>
@@ -7801,890 +7971,84 @@
             <p:ph idx="1"/>
           </p:nvPr>
         </p:nvSpPr>
-        <p:spPr>
-          <a:xfrm>
-            <a:off x="1097280" y="5087007"/>
-            <a:ext cx="10058400" cy="966952"/>
-          </a:xfrm>
-        </p:spPr>
+        <p:spPr/>
         <p:txBody>
           <a:bodyPr/>
           <a:lstStyle/>
           <a:p>
             <a:r>
-              <a:rPr lang="en-US" dirty="0" err="1" smtClean="0"/>
-              <a:t>Statespace</a:t>
-            </a:r>
-            <a:r>
-              <a:rPr lang="en-US" dirty="0" smtClean="0"/>
-              <a:t> lower-bound = (?? Moet </a:t>
-            </a:r>
-            <a:r>
-              <a:rPr lang="en-US" dirty="0" err="1" smtClean="0"/>
-              <a:t>dit</a:t>
-            </a:r>
-            <a:r>
-              <a:rPr lang="en-US" dirty="0" smtClean="0"/>
-              <a:t> </a:t>
-            </a:r>
-            <a:r>
-              <a:rPr lang="en-US" dirty="0" err="1" smtClean="0"/>
-              <a:t>uberhaupt</a:t>
-            </a:r>
-            <a:r>
-              <a:rPr lang="en-US" dirty="0" smtClean="0"/>
-              <a:t>)</a:t>
-            </a:r>
-          </a:p>
-          <a:p>
-            <a:r>
-              <a:rPr lang="en-US" dirty="0" err="1" smtClean="0"/>
-              <a:t>Statespace</a:t>
-            </a:r>
-            <a:r>
-              <a:rPr lang="en-US" dirty="0" smtClean="0"/>
-              <a:t> upper-bound =</a:t>
+              <a:rPr lang="nl-NL" dirty="0"/>
+              <a:t>Classes</a:t>
+            </a:r>
+          </a:p>
+          <a:p>
+            <a:pPr lvl="1"/>
+            <a:r>
+              <a:rPr lang="nl-NL" dirty="0" err="1"/>
+              <a:t>Amino</a:t>
+            </a:r>
+            <a:r>
+              <a:rPr lang="nl-NL" dirty="0"/>
+              <a:t> Acid</a:t>
+            </a:r>
+          </a:p>
+          <a:p>
+            <a:pPr lvl="1"/>
+            <a:r>
+              <a:rPr lang="nl-NL" dirty="0" err="1"/>
+              <a:t>Amino</a:t>
+            </a:r>
+            <a:r>
+              <a:rPr lang="nl-NL" dirty="0"/>
+              <a:t> Acid </a:t>
+            </a:r>
+            <a:r>
+              <a:rPr lang="nl-NL" dirty="0" err="1"/>
+              <a:t>Chain</a:t>
+            </a:r>
+            <a:endParaRPr lang="nl-NL" dirty="0"/>
+          </a:p>
+          <a:p>
+            <a:r>
+              <a:rPr lang="nl-NL" dirty="0"/>
+              <a:t>Assenstelsel </a:t>
+            </a:r>
+          </a:p>
+          <a:p>
+            <a:pPr lvl="1"/>
+            <a:r>
+              <a:rPr lang="nl-NL" dirty="0"/>
+              <a:t>2D (x, y)</a:t>
+            </a:r>
+          </a:p>
+          <a:p>
+            <a:pPr lvl="1"/>
+            <a:r>
+              <a:rPr lang="nl-NL" dirty="0"/>
+              <a:t>3D (x, y, z)</a:t>
+            </a:r>
+          </a:p>
+          <a:p>
+            <a:r>
+              <a:rPr lang="nl-NL" dirty="0"/>
+              <a:t>Plot</a:t>
             </a:r>
             <a:endParaRPr lang="en-US" dirty="0"/>
           </a:p>
         </p:txBody>
       </p:sp>
-      <p:graphicFrame>
-        <p:nvGraphicFramePr>
-          <p:cNvPr id="4" name="Tabel 3"/>
-          <p:cNvGraphicFramePr>
-            <a:graphicFrameLocks noGrp="1"/>
-          </p:cNvGraphicFramePr>
-          <p:nvPr/>
-        </p:nvGraphicFramePr>
-        <p:xfrm>
-          <a:off x="718207" y="2201624"/>
-          <a:ext cx="10895724" cy="2370375"/>
-        </p:xfrm>
-        <a:graphic>
-          <a:graphicData uri="http://schemas.openxmlformats.org/drawingml/2006/table">
-            <a:tbl>
-              <a:tblPr firstRow="1" bandRow="1">
-                <a:tableStyleId>{5C22544A-7EE6-4342-B048-85BDC9FD1C3A}</a:tableStyleId>
-              </a:tblPr>
-              <a:tblGrid>
-                <a:gridCol w="7080469"/>
-                <a:gridCol w="1902372"/>
-                <a:gridCol w="1912883"/>
-              </a:tblGrid>
-              <a:tr h="474075">
-                <a:tc>
-                  <a:txBody>
-                    <a:bodyPr/>
-                    <a:lstStyle/>
-                    <a:p>
-                      <a:r>
-                        <a:rPr lang="en-US" dirty="0" err="1" smtClean="0"/>
-                        <a:t>Keten</a:t>
-                      </a:r>
-                      <a:endParaRPr lang="en-US" dirty="0"/>
-                    </a:p>
-                  </a:txBody>
-                  <a:tcPr/>
-                </a:tc>
-                <a:tc>
-                  <a:txBody>
-                    <a:bodyPr/>
-                    <a:lstStyle/>
-                    <a:p>
-                      <a:r>
-                        <a:rPr lang="en-US" dirty="0" smtClean="0"/>
-                        <a:t>Lower-bound</a:t>
-                      </a:r>
-                      <a:endParaRPr lang="en-US" dirty="0"/>
-                    </a:p>
-                  </a:txBody>
-                  <a:tcPr/>
-                </a:tc>
-                <a:tc>
-                  <a:txBody>
-                    <a:bodyPr/>
-                    <a:lstStyle/>
-                    <a:p>
-                      <a:r>
-                        <a:rPr lang="en-US" dirty="0" smtClean="0"/>
-                        <a:t>Upper-bound</a:t>
-                      </a:r>
-                      <a:endParaRPr lang="en-US" dirty="0"/>
-                    </a:p>
-                  </a:txBody>
-                  <a:tcPr/>
-                </a:tc>
-              </a:tr>
-              <a:tr h="474075">
-                <a:tc>
-                  <a:txBody>
-                    <a:bodyPr/>
-                    <a:lstStyle/>
-                    <a:p>
-                      <a:pPr marL="0" marR="0" indent="0" algn="l" defTabSz="914400" rtl="0" eaLnBrk="1" fontAlgn="auto" latinLnBrk="0" hangingPunct="1">
-                        <a:lnSpc>
-                          <a:spcPct val="100000"/>
-                        </a:lnSpc>
-                        <a:spcBef>
-                          <a:spcPts val="0"/>
-                        </a:spcBef>
-                        <a:spcAft>
-                          <a:spcPts val="0"/>
-                        </a:spcAft>
-                        <a:buClrTx/>
-                        <a:buSzTx/>
-                        <a:buFontTx/>
-                        <a:buNone/>
-                        <a:tabLst/>
-                        <a:defRPr/>
-                      </a:pPr>
-                      <a:r>
-                        <a:rPr lang="en-US" dirty="0" smtClean="0">
-                          <a:solidFill>
-                            <a:srgbClr val="FF0000"/>
-                          </a:solidFill>
-                        </a:rPr>
-                        <a:t>HH</a:t>
-                      </a:r>
-                      <a:r>
-                        <a:rPr lang="en-US" dirty="0" smtClean="0">
-                          <a:solidFill>
-                            <a:srgbClr val="002060"/>
-                          </a:solidFill>
-                        </a:rPr>
-                        <a:t>P</a:t>
-                      </a:r>
-                      <a:r>
-                        <a:rPr lang="en-US" dirty="0" smtClean="0">
-                          <a:solidFill>
-                            <a:srgbClr val="FF0000"/>
-                          </a:solidFill>
-                        </a:rPr>
-                        <a:t>HHH</a:t>
-                      </a:r>
-                      <a:r>
-                        <a:rPr lang="en-US" dirty="0" smtClean="0">
-                          <a:solidFill>
-                            <a:srgbClr val="002060"/>
-                          </a:solidFill>
-                        </a:rPr>
-                        <a:t>P</a:t>
-                      </a:r>
-                      <a:r>
-                        <a:rPr lang="en-US" dirty="0" smtClean="0">
-                          <a:solidFill>
-                            <a:srgbClr val="FF0000"/>
-                          </a:solidFill>
-                        </a:rPr>
-                        <a:t>H</a:t>
-                      </a:r>
-                      <a:r>
-                        <a:rPr lang="en-US" dirty="0" smtClean="0">
-                          <a:solidFill>
-                            <a:srgbClr val="002060"/>
-                          </a:solidFill>
-                        </a:rPr>
-                        <a:t>P</a:t>
-                      </a:r>
-                      <a:r>
-                        <a:rPr lang="en-US" dirty="0" smtClean="0">
-                          <a:solidFill>
-                            <a:srgbClr val="FF0000"/>
-                          </a:solidFill>
-                        </a:rPr>
-                        <a:t>HHH</a:t>
-                      </a:r>
-                      <a:r>
-                        <a:rPr lang="en-US" dirty="0" smtClean="0">
-                          <a:solidFill>
-                            <a:srgbClr val="002060"/>
-                          </a:solidFill>
-                        </a:rPr>
-                        <a:t>P</a:t>
-                      </a:r>
-                      <a:r>
-                        <a:rPr lang="en-US" dirty="0" smtClean="0">
-                          <a:solidFill>
-                            <a:srgbClr val="FF0000"/>
-                          </a:solidFill>
-                        </a:rPr>
-                        <a:t>H</a:t>
-                      </a:r>
-                    </a:p>
-                  </a:txBody>
-                  <a:tcPr/>
-                </a:tc>
-                <a:tc>
-                  <a:txBody>
-                    <a:bodyPr/>
-                    <a:lstStyle/>
-                    <a:p>
-                      <a:r>
-                        <a:rPr lang="en-US" dirty="0" smtClean="0"/>
-                        <a:t>0</a:t>
-                      </a:r>
-                      <a:endParaRPr lang="en-US" dirty="0"/>
-                    </a:p>
-                  </a:txBody>
-                  <a:tcPr/>
-                </a:tc>
-                <a:tc>
-                  <a:txBody>
-                    <a:bodyPr/>
-                    <a:lstStyle/>
-                    <a:p>
-                      <a:pPr>
-                        <a:buFontTx/>
-                        <a:buNone/>
-                      </a:pPr>
-                      <a:endParaRPr lang="en-US" dirty="0"/>
-                    </a:p>
-                  </a:txBody>
-                  <a:tcPr/>
-                </a:tc>
-              </a:tr>
-              <a:tr h="474075">
-                <a:tc>
-                  <a:txBody>
-                    <a:bodyPr/>
-                    <a:lstStyle/>
-                    <a:p>
-                      <a:pPr marL="0" marR="0" indent="0" algn="l" defTabSz="914400" rtl="0" eaLnBrk="1" fontAlgn="auto" latinLnBrk="0" hangingPunct="1">
-                        <a:lnSpc>
-                          <a:spcPct val="100000"/>
-                        </a:lnSpc>
-                        <a:spcBef>
-                          <a:spcPts val="0"/>
-                        </a:spcBef>
-                        <a:spcAft>
-                          <a:spcPts val="0"/>
-                        </a:spcAft>
-                        <a:buClrTx/>
-                        <a:buSzTx/>
-                        <a:buFontTx/>
-                        <a:buNone/>
-                        <a:tabLst/>
-                        <a:defRPr/>
-                      </a:pPr>
-                      <a:r>
-                        <a:rPr lang="en-US" dirty="0" smtClean="0">
-                          <a:solidFill>
-                            <a:srgbClr val="FF0000"/>
-                          </a:solidFill>
-                        </a:rPr>
-                        <a:t>H</a:t>
-                      </a:r>
-                      <a:r>
-                        <a:rPr lang="en-US" dirty="0" smtClean="0">
-                          <a:solidFill>
-                            <a:srgbClr val="002060"/>
-                          </a:solidFill>
-                        </a:rPr>
-                        <a:t>P</a:t>
-                      </a:r>
-                      <a:r>
-                        <a:rPr lang="en-US" dirty="0" smtClean="0">
-                          <a:solidFill>
-                            <a:srgbClr val="FF0000"/>
-                          </a:solidFill>
-                        </a:rPr>
-                        <a:t>H</a:t>
-                      </a:r>
-                      <a:r>
-                        <a:rPr lang="en-US" dirty="0" smtClean="0">
-                          <a:solidFill>
-                            <a:srgbClr val="002060"/>
-                          </a:solidFill>
-                        </a:rPr>
-                        <a:t>PP</a:t>
-                      </a:r>
-                      <a:r>
-                        <a:rPr lang="en-US" dirty="0" smtClean="0">
-                          <a:solidFill>
-                            <a:srgbClr val="FF0000"/>
-                          </a:solidFill>
-                        </a:rPr>
-                        <a:t>HH</a:t>
-                      </a:r>
-                      <a:r>
-                        <a:rPr lang="en-US" dirty="0" smtClean="0">
-                          <a:solidFill>
-                            <a:srgbClr val="002060"/>
-                          </a:solidFill>
-                        </a:rPr>
-                        <a:t>P</a:t>
-                      </a:r>
-                      <a:r>
-                        <a:rPr lang="en-US" dirty="0" smtClean="0">
-                          <a:solidFill>
-                            <a:srgbClr val="FF0000"/>
-                          </a:solidFill>
-                        </a:rPr>
-                        <a:t>H</a:t>
-                      </a:r>
-                      <a:r>
-                        <a:rPr lang="en-US" dirty="0" smtClean="0">
-                          <a:solidFill>
-                            <a:srgbClr val="002060"/>
-                          </a:solidFill>
-                        </a:rPr>
-                        <a:t>PP</a:t>
-                      </a:r>
-                      <a:r>
-                        <a:rPr lang="en-US" dirty="0" smtClean="0">
-                          <a:solidFill>
-                            <a:srgbClr val="FF0000"/>
-                          </a:solidFill>
-                        </a:rPr>
-                        <a:t>H</a:t>
-                      </a:r>
-                      <a:r>
-                        <a:rPr lang="en-US" dirty="0" smtClean="0">
-                          <a:solidFill>
-                            <a:srgbClr val="002060"/>
-                          </a:solidFill>
-                        </a:rPr>
-                        <a:t>P</a:t>
-                      </a:r>
-                      <a:r>
-                        <a:rPr lang="en-US" dirty="0" smtClean="0">
-                          <a:solidFill>
-                            <a:srgbClr val="FF0000"/>
-                          </a:solidFill>
-                        </a:rPr>
-                        <a:t>HH</a:t>
-                      </a:r>
-                      <a:r>
-                        <a:rPr lang="en-US" dirty="0" smtClean="0">
-                          <a:solidFill>
-                            <a:srgbClr val="002060"/>
-                          </a:solidFill>
-                        </a:rPr>
-                        <a:t>PP</a:t>
-                      </a:r>
-                      <a:r>
-                        <a:rPr lang="en-US" dirty="0" smtClean="0">
-                          <a:solidFill>
-                            <a:srgbClr val="FF0000"/>
-                          </a:solidFill>
-                        </a:rPr>
-                        <a:t>H</a:t>
-                      </a:r>
-                      <a:r>
-                        <a:rPr lang="en-US" dirty="0" smtClean="0">
-                          <a:solidFill>
-                            <a:srgbClr val="002060"/>
-                          </a:solidFill>
-                        </a:rPr>
-                        <a:t>P</a:t>
-                      </a:r>
-                      <a:r>
-                        <a:rPr lang="en-US" dirty="0" smtClean="0">
-                          <a:solidFill>
-                            <a:srgbClr val="FF0000"/>
-                          </a:solidFill>
-                        </a:rPr>
-                        <a:t>H</a:t>
-                      </a:r>
-                    </a:p>
-                  </a:txBody>
-                  <a:tcPr/>
-                </a:tc>
-                <a:tc>
-                  <a:txBody>
-                    <a:bodyPr/>
-                    <a:lstStyle/>
-                    <a:p>
-                      <a:r>
-                        <a:rPr lang="en-US" dirty="0" smtClean="0"/>
-                        <a:t>0</a:t>
-                      </a:r>
-                      <a:endParaRPr lang="en-US" dirty="0"/>
-                    </a:p>
-                  </a:txBody>
-                  <a:tcPr/>
-                </a:tc>
-                <a:tc>
-                  <a:txBody>
-                    <a:bodyPr/>
-                    <a:lstStyle/>
-                    <a:p>
-                      <a:pPr>
-                        <a:buFontTx/>
-                        <a:buNone/>
-                      </a:pPr>
-                      <a:endParaRPr lang="en-US" dirty="0"/>
-                    </a:p>
-                  </a:txBody>
-                  <a:tcPr/>
-                </a:tc>
-              </a:tr>
-              <a:tr h="474075">
-                <a:tc>
-                  <a:txBody>
-                    <a:bodyPr/>
-                    <a:lstStyle/>
-                    <a:p>
-                      <a:pPr marL="0" marR="0" indent="0" algn="l" defTabSz="914400" rtl="0" eaLnBrk="1" fontAlgn="auto" latinLnBrk="0" hangingPunct="1">
-                        <a:lnSpc>
-                          <a:spcPct val="100000"/>
-                        </a:lnSpc>
-                        <a:spcBef>
-                          <a:spcPts val="0"/>
-                        </a:spcBef>
-                        <a:spcAft>
-                          <a:spcPts val="0"/>
-                        </a:spcAft>
-                        <a:buClrTx/>
-                        <a:buSzTx/>
-                        <a:buFontTx/>
-                        <a:buNone/>
-                        <a:tabLst/>
-                        <a:defRPr/>
-                      </a:pPr>
-                      <a:r>
-                        <a:rPr lang="en-US" dirty="0" smtClean="0">
-                          <a:solidFill>
-                            <a:srgbClr val="002060"/>
-                          </a:solidFill>
-                        </a:rPr>
-                        <a:t>PPP</a:t>
-                      </a:r>
-                      <a:r>
-                        <a:rPr lang="en-US" dirty="0" smtClean="0">
-                          <a:solidFill>
-                            <a:srgbClr val="FF0000"/>
-                          </a:solidFill>
-                        </a:rPr>
-                        <a:t>HH</a:t>
-                      </a:r>
-                      <a:r>
-                        <a:rPr lang="en-US" dirty="0" smtClean="0">
-                          <a:solidFill>
-                            <a:srgbClr val="002060"/>
-                          </a:solidFill>
-                        </a:rPr>
-                        <a:t>PP</a:t>
-                      </a:r>
-                      <a:r>
-                        <a:rPr lang="en-US" dirty="0" smtClean="0">
-                          <a:solidFill>
-                            <a:srgbClr val="FF0000"/>
-                          </a:solidFill>
-                        </a:rPr>
-                        <a:t>HH</a:t>
-                      </a:r>
-                      <a:r>
-                        <a:rPr lang="en-US" dirty="0" smtClean="0">
-                          <a:solidFill>
-                            <a:srgbClr val="002060"/>
-                          </a:solidFill>
-                        </a:rPr>
-                        <a:t>PPPPP</a:t>
-                      </a:r>
-                      <a:r>
-                        <a:rPr lang="en-US" dirty="0" smtClean="0">
-                          <a:solidFill>
-                            <a:srgbClr val="FF0000"/>
-                          </a:solidFill>
-                        </a:rPr>
-                        <a:t>HHHHHHH</a:t>
-                      </a:r>
-                      <a:r>
-                        <a:rPr lang="en-US" dirty="0" smtClean="0">
-                          <a:solidFill>
-                            <a:srgbClr val="002060"/>
-                          </a:solidFill>
-                        </a:rPr>
-                        <a:t>PP</a:t>
-                      </a:r>
-                      <a:r>
-                        <a:rPr lang="en-US" dirty="0" smtClean="0">
-                          <a:solidFill>
-                            <a:srgbClr val="FF0000"/>
-                          </a:solidFill>
-                        </a:rPr>
-                        <a:t>HH</a:t>
-                      </a:r>
-                      <a:r>
-                        <a:rPr lang="en-US" dirty="0" smtClean="0">
-                          <a:solidFill>
-                            <a:srgbClr val="002060"/>
-                          </a:solidFill>
-                        </a:rPr>
-                        <a:t>PPPP</a:t>
-                      </a:r>
-                      <a:r>
-                        <a:rPr lang="en-US" dirty="0" smtClean="0">
-                          <a:solidFill>
-                            <a:srgbClr val="FF0000"/>
-                          </a:solidFill>
-                        </a:rPr>
-                        <a:t>HH</a:t>
-                      </a:r>
-                      <a:r>
-                        <a:rPr lang="en-US" dirty="0" smtClean="0">
-                          <a:solidFill>
-                            <a:srgbClr val="002060"/>
-                          </a:solidFill>
-                        </a:rPr>
-                        <a:t>PP</a:t>
-                      </a:r>
-                      <a:r>
-                        <a:rPr lang="en-US" dirty="0" smtClean="0">
-                          <a:solidFill>
-                            <a:srgbClr val="FF0000"/>
-                          </a:solidFill>
-                        </a:rPr>
-                        <a:t>H</a:t>
-                      </a:r>
-                      <a:r>
-                        <a:rPr lang="en-US" dirty="0" smtClean="0">
-                          <a:solidFill>
-                            <a:srgbClr val="002060"/>
-                          </a:solidFill>
-                        </a:rPr>
-                        <a:t>PP</a:t>
-                      </a:r>
-                    </a:p>
-                  </a:txBody>
-                  <a:tcPr/>
-                </a:tc>
-                <a:tc>
-                  <a:txBody>
-                    <a:bodyPr/>
-                    <a:lstStyle/>
-                    <a:p>
-                      <a:r>
-                        <a:rPr lang="en-US" dirty="0" smtClean="0"/>
-                        <a:t>0</a:t>
-                      </a:r>
-                      <a:endParaRPr lang="en-US" dirty="0"/>
-                    </a:p>
-                  </a:txBody>
-                  <a:tcPr/>
-                </a:tc>
-                <a:tc>
-                  <a:txBody>
-                    <a:bodyPr/>
-                    <a:lstStyle/>
-                    <a:p>
-                      <a:endParaRPr lang="en-US" dirty="0"/>
-                    </a:p>
-                  </a:txBody>
-                  <a:tcPr/>
-                </a:tc>
-              </a:tr>
-              <a:tr h="474075">
-                <a:tc>
-                  <a:txBody>
-                    <a:bodyPr/>
-                    <a:lstStyle/>
-                    <a:p>
-                      <a:pPr marL="0" marR="0" indent="0" algn="l" defTabSz="914400" rtl="0" eaLnBrk="1" fontAlgn="auto" latinLnBrk="0" hangingPunct="1">
-                        <a:lnSpc>
-                          <a:spcPct val="100000"/>
-                        </a:lnSpc>
-                        <a:spcBef>
-                          <a:spcPts val="0"/>
-                        </a:spcBef>
-                        <a:spcAft>
-                          <a:spcPts val="0"/>
-                        </a:spcAft>
-                        <a:buClrTx/>
-                        <a:buSzTx/>
-                        <a:buFontTx/>
-                        <a:buNone/>
-                        <a:tabLst/>
-                        <a:defRPr/>
-                      </a:pPr>
-                      <a:r>
-                        <a:rPr lang="en-US" dirty="0" smtClean="0">
-                          <a:solidFill>
-                            <a:srgbClr val="FF0000"/>
-                          </a:solidFill>
-                        </a:rPr>
-                        <a:t>HH</a:t>
-                      </a:r>
-                      <a:r>
-                        <a:rPr lang="en-US" dirty="0" smtClean="0">
-                          <a:solidFill>
-                            <a:srgbClr val="002060"/>
-                          </a:solidFill>
-                        </a:rPr>
-                        <a:t>P</a:t>
-                      </a:r>
-                      <a:r>
-                        <a:rPr lang="en-US" dirty="0" smtClean="0">
-                          <a:solidFill>
-                            <a:srgbClr val="FF0000"/>
-                          </a:solidFill>
-                        </a:rPr>
-                        <a:t>H</a:t>
-                      </a:r>
-                      <a:r>
-                        <a:rPr lang="en-US" dirty="0" smtClean="0">
-                          <a:solidFill>
-                            <a:srgbClr val="002060"/>
-                          </a:solidFill>
-                        </a:rPr>
-                        <a:t>P</a:t>
-                      </a:r>
-                      <a:r>
-                        <a:rPr lang="en-US" dirty="0" smtClean="0">
-                          <a:solidFill>
-                            <a:srgbClr val="FF0000"/>
-                          </a:solidFill>
-                        </a:rPr>
-                        <a:t>H</a:t>
-                      </a:r>
-                      <a:r>
-                        <a:rPr lang="en-US" dirty="0" smtClean="0">
-                          <a:solidFill>
-                            <a:srgbClr val="002060"/>
-                          </a:solidFill>
-                        </a:rPr>
-                        <a:t>P</a:t>
-                      </a:r>
-                      <a:r>
-                        <a:rPr lang="en-US" dirty="0" smtClean="0">
-                          <a:solidFill>
-                            <a:srgbClr val="FF0000"/>
-                          </a:solidFill>
-                        </a:rPr>
-                        <a:t>H</a:t>
-                      </a:r>
-                      <a:r>
-                        <a:rPr lang="en-US" dirty="0" smtClean="0">
-                          <a:solidFill>
-                            <a:srgbClr val="002060"/>
-                          </a:solidFill>
-                        </a:rPr>
-                        <a:t>P</a:t>
-                      </a:r>
-                      <a:r>
-                        <a:rPr lang="en-US" dirty="0" smtClean="0">
-                          <a:solidFill>
-                            <a:srgbClr val="FF0000"/>
-                          </a:solidFill>
-                        </a:rPr>
-                        <a:t>HHHH</a:t>
-                      </a:r>
-                      <a:r>
-                        <a:rPr lang="en-US" dirty="0" smtClean="0">
-                          <a:solidFill>
-                            <a:srgbClr val="002060"/>
-                          </a:solidFill>
-                        </a:rPr>
-                        <a:t>P</a:t>
-                      </a:r>
-                      <a:r>
-                        <a:rPr lang="en-US" dirty="0" smtClean="0">
-                          <a:solidFill>
-                            <a:srgbClr val="FF0000"/>
-                          </a:solidFill>
-                        </a:rPr>
-                        <a:t>H</a:t>
-                      </a:r>
-                      <a:r>
-                        <a:rPr lang="en-US" dirty="0" smtClean="0">
-                          <a:solidFill>
-                            <a:srgbClr val="002060"/>
-                          </a:solidFill>
-                        </a:rPr>
-                        <a:t>PPP</a:t>
-                      </a:r>
-                      <a:r>
-                        <a:rPr lang="en-US" dirty="0" smtClean="0">
-                          <a:solidFill>
-                            <a:srgbClr val="FF0000"/>
-                          </a:solidFill>
-                        </a:rPr>
-                        <a:t>H</a:t>
-                      </a:r>
-                      <a:r>
-                        <a:rPr lang="en-US" dirty="0" smtClean="0">
-                          <a:solidFill>
-                            <a:srgbClr val="002060"/>
-                          </a:solidFill>
-                        </a:rPr>
-                        <a:t>PPP</a:t>
-                      </a:r>
-                      <a:r>
-                        <a:rPr lang="en-US" dirty="0" smtClean="0">
-                          <a:solidFill>
-                            <a:srgbClr val="FF0000"/>
-                          </a:solidFill>
-                        </a:rPr>
-                        <a:t>H</a:t>
-                      </a:r>
-                      <a:r>
-                        <a:rPr lang="en-US" dirty="0" smtClean="0">
-                          <a:solidFill>
-                            <a:srgbClr val="002060"/>
-                          </a:solidFill>
-                        </a:rPr>
-                        <a:t>PPPP</a:t>
-                      </a:r>
-                      <a:r>
-                        <a:rPr lang="en-US" dirty="0" smtClean="0">
-                          <a:solidFill>
-                            <a:srgbClr val="FF0000"/>
-                          </a:solidFill>
-                        </a:rPr>
-                        <a:t>H</a:t>
-                      </a:r>
-                      <a:r>
-                        <a:rPr lang="en-US" dirty="0" smtClean="0">
-                          <a:solidFill>
-                            <a:srgbClr val="002060"/>
-                          </a:solidFill>
-                        </a:rPr>
-                        <a:t>PPP</a:t>
-                      </a:r>
-                      <a:r>
-                        <a:rPr lang="en-US" dirty="0" smtClean="0">
-                          <a:solidFill>
-                            <a:srgbClr val="FF0000"/>
-                          </a:solidFill>
-                        </a:rPr>
-                        <a:t>H</a:t>
-                      </a:r>
-                      <a:r>
-                        <a:rPr lang="en-US" dirty="0" smtClean="0">
-                          <a:solidFill>
-                            <a:srgbClr val="002060"/>
-                          </a:solidFill>
-                        </a:rPr>
-                        <a:t>PPP</a:t>
-                      </a:r>
-                      <a:r>
-                        <a:rPr lang="en-US" dirty="0" smtClean="0">
-                          <a:solidFill>
-                            <a:srgbClr val="FF0000"/>
-                          </a:solidFill>
-                        </a:rPr>
-                        <a:t>H</a:t>
-                      </a:r>
-                      <a:r>
-                        <a:rPr lang="en-US" dirty="0" smtClean="0">
-                          <a:solidFill>
-                            <a:srgbClr val="002060"/>
-                          </a:solidFill>
-                        </a:rPr>
-                        <a:t>P</a:t>
-                      </a:r>
-                      <a:r>
-                        <a:rPr lang="en-US" dirty="0" smtClean="0">
-                          <a:solidFill>
-                            <a:srgbClr val="FF0000"/>
-                          </a:solidFill>
-                        </a:rPr>
-                        <a:t>HHHH</a:t>
-                      </a:r>
-                      <a:r>
-                        <a:rPr lang="en-US" dirty="0" smtClean="0">
-                          <a:solidFill>
-                            <a:srgbClr val="002060"/>
-                          </a:solidFill>
-                        </a:rPr>
-                        <a:t>P</a:t>
-                      </a:r>
-                      <a:r>
-                        <a:rPr lang="en-US" dirty="0" smtClean="0">
-                          <a:solidFill>
-                            <a:srgbClr val="FF0000"/>
-                          </a:solidFill>
-                        </a:rPr>
-                        <a:t>H</a:t>
-                      </a:r>
-                      <a:r>
-                        <a:rPr lang="en-US" dirty="0" smtClean="0">
-                          <a:solidFill>
-                            <a:srgbClr val="002060"/>
-                          </a:solidFill>
-                        </a:rPr>
-                        <a:t>P</a:t>
-                      </a:r>
-                      <a:r>
-                        <a:rPr lang="en-US" dirty="0" smtClean="0">
-                          <a:solidFill>
-                            <a:srgbClr val="FF0000"/>
-                          </a:solidFill>
-                        </a:rPr>
-                        <a:t>H</a:t>
-                      </a:r>
-                      <a:r>
-                        <a:rPr lang="en-US" dirty="0" smtClean="0">
-                          <a:solidFill>
-                            <a:srgbClr val="002060"/>
-                          </a:solidFill>
-                        </a:rPr>
-                        <a:t>P</a:t>
-                      </a:r>
-                      <a:r>
-                        <a:rPr lang="en-US" dirty="0" smtClean="0">
-                          <a:solidFill>
-                            <a:srgbClr val="FF0000"/>
-                          </a:solidFill>
-                        </a:rPr>
-                        <a:t>H</a:t>
-                      </a:r>
-                      <a:r>
-                        <a:rPr lang="en-US" dirty="0" smtClean="0">
-                          <a:solidFill>
-                            <a:srgbClr val="002060"/>
-                          </a:solidFill>
-                        </a:rPr>
-                        <a:t>P</a:t>
-                      </a:r>
-                      <a:r>
-                        <a:rPr lang="en-US" dirty="0" smtClean="0">
-                          <a:solidFill>
-                            <a:srgbClr val="FF0000"/>
-                          </a:solidFill>
-                        </a:rPr>
-                        <a:t>HH</a:t>
-                      </a:r>
-                    </a:p>
-                  </a:txBody>
-                  <a:tcPr/>
-                </a:tc>
-                <a:tc>
-                  <a:txBody>
-                    <a:bodyPr/>
-                    <a:lstStyle/>
-                    <a:p>
-                      <a:r>
-                        <a:rPr lang="en-US" dirty="0" smtClean="0"/>
-                        <a:t>0</a:t>
-                      </a:r>
-                      <a:endParaRPr lang="en-US" dirty="0"/>
-                    </a:p>
-                  </a:txBody>
-                  <a:tcPr/>
-                </a:tc>
-                <a:tc>
-                  <a:txBody>
-                    <a:bodyPr/>
-                    <a:lstStyle/>
-                    <a:p>
-                      <a:endParaRPr lang="en-US" dirty="0"/>
-                    </a:p>
-                  </a:txBody>
-                  <a:tcPr/>
-                </a:tc>
-              </a:tr>
-            </a:tbl>
-          </a:graphicData>
-        </a:graphic>
-      </p:graphicFrame>
     </p:spTree>
   </p:cSld>
   <p:clrMapOvr>
     <a:masterClrMapping/>
   </p:clrMapOvr>
+  <p:timing>
+    <p:tnLst>
+      <p:par>
+        <p:cTn id="1" dur="indefinite" restart="never" nodeType="tmRoot"/>
+      </p:par>
+    </p:tnLst>
+  </p:timing>
 </p:sld>
 </file>
 
@@ -8724,10 +8088,7 @@
               <a:rPr lang="en-US" dirty="0" err="1"/>
               <a:t>Methode</a:t>
             </a:r>
-            <a:r>
-              <a:rPr lang="en-US" dirty="0"/>
-              <a:t>	</a:t>
-            </a:r>
+            <a:endParaRPr lang="en-US" dirty="0"/>
           </a:p>
         </p:txBody>
       </p:sp>
@@ -8747,61 +8108,33 @@
           <a:lstStyle/>
           <a:p>
             <a:r>
-              <a:rPr lang="nl-NL" dirty="0"/>
-              <a:t>Classes</a:t>
+              <a:rPr lang="en-US" dirty="0" err="1"/>
+              <a:t>Algoritmes</a:t>
+            </a:r>
+            <a:r>
+              <a:rPr lang="en-US" dirty="0"/>
+              <a:t>:</a:t>
             </a:r>
           </a:p>
           <a:p>
             <a:pPr lvl="1"/>
             <a:r>
-              <a:rPr lang="nl-NL" dirty="0" err="1"/>
-              <a:t>Amino</a:t>
-            </a:r>
-            <a:r>
-              <a:rPr lang="nl-NL" dirty="0"/>
-              <a:t> Acid</a:t>
+              <a:rPr lang="en-US" dirty="0"/>
+              <a:t>Random</a:t>
             </a:r>
           </a:p>
           <a:p>
             <a:pPr lvl="1"/>
             <a:r>
-              <a:rPr lang="nl-NL" dirty="0" err="1"/>
-              <a:t>Amino</a:t>
-            </a:r>
-            <a:r>
-              <a:rPr lang="nl-NL" dirty="0"/>
-              <a:t> Acid </a:t>
-            </a:r>
-            <a:r>
-              <a:rPr lang="nl-NL" dirty="0" err="1"/>
-              <a:t>Chain</a:t>
-            </a:r>
-            <a:endParaRPr lang="nl-NL" dirty="0"/>
-          </a:p>
-          <a:p>
-            <a:r>
-              <a:rPr lang="nl-NL" dirty="0"/>
-              <a:t>Assenstelsel </a:t>
+              <a:rPr lang="en-US" dirty="0"/>
+              <a:t>Breadth-first</a:t>
             </a:r>
           </a:p>
           <a:p>
             <a:pPr lvl="1"/>
             <a:r>
-              <a:rPr lang="nl-NL" dirty="0"/>
-              <a:t>2D (x, y)</a:t>
-            </a:r>
-          </a:p>
-          <a:p>
-            <a:pPr lvl="1"/>
-            <a:r>
-              <a:rPr lang="nl-NL" dirty="0"/>
-              <a:t>3D (x, y, z)</a:t>
-            </a:r>
-          </a:p>
-          <a:p>
-            <a:r>
-              <a:rPr lang="nl-NL" dirty="0"/>
-              <a:t>Plot</a:t>
+              <a:rPr lang="en-US" dirty="0" err="1"/>
+              <a:t>Hillclimber</a:t>
             </a:r>
             <a:endParaRPr lang="en-US" dirty="0"/>
           </a:p>

--- a/Presentations/Proteasen - week 1.pptx
+++ b/Presentations/Proteasen - week 1.pptx
@@ -118,7 +118,7 @@
   </p:defaultTextStyle>
   <p:extLst>
     <p:ext uri="{EFAFB233-063F-42B5-8137-9DF3F51BA10A}">
-      <p15:sldGuideLst xmlns="" xmlns:p15="http://schemas.microsoft.com/office/powerpoint/2012/main">
+      <p15:sldGuideLst xmlns:p15="http://schemas.microsoft.com/office/powerpoint/2012/main" xmlns="">
         <p15:guide id="1" orient="horz" pos="2160">
           <p15:clr>
             <a:srgbClr val="A4A3A4"/>
@@ -366,7 +366,7 @@
             <a:fld id="{ADE4902F-FBEA-4B35-9D62-082FA2608761}" type="datetimeFigureOut">
               <a:rPr lang="nl-NL" smtClean="0"/>
               <a:pPr/>
-              <a:t>11-12-2017</a:t>
+              <a:t>12-12-2017</a:t>
             </a:fld>
             <a:endParaRPr lang="nl-NL"/>
           </a:p>
@@ -456,7 +456,7 @@
     </p:spTree>
     <p:extLst>
       <p:ext uri="{BB962C8B-B14F-4D97-AF65-F5344CB8AC3E}">
-        <p14:creationId xmlns:p14="http://schemas.microsoft.com/office/powerpoint/2010/main" xmlns="" val="1189607244"/>
+        <p14:creationId xmlns="" xmlns:p14="http://schemas.microsoft.com/office/powerpoint/2010/main" val="1189607244"/>
       </p:ext>
     </p:extLst>
   </p:cSld>
@@ -576,7 +576,7 @@
             <a:fld id="{ADE4902F-FBEA-4B35-9D62-082FA2608761}" type="datetimeFigureOut">
               <a:rPr lang="nl-NL" smtClean="0"/>
               <a:pPr/>
-              <a:t>11-12-2017</a:t>
+              <a:t>12-12-2017</a:t>
             </a:fld>
             <a:endParaRPr lang="nl-NL"/>
           </a:p>
@@ -628,7 +628,7 @@
     </p:spTree>
     <p:extLst>
       <p:ext uri="{BB962C8B-B14F-4D97-AF65-F5344CB8AC3E}">
-        <p14:creationId xmlns:p14="http://schemas.microsoft.com/office/powerpoint/2010/main" xmlns="" val="3524395468"/>
+        <p14:creationId xmlns="" xmlns:p14="http://schemas.microsoft.com/office/powerpoint/2010/main" val="3524395468"/>
       </p:ext>
     </p:extLst>
   </p:cSld>
@@ -834,7 +834,7 @@
             <a:fld id="{ADE4902F-FBEA-4B35-9D62-082FA2608761}" type="datetimeFigureOut">
               <a:rPr lang="nl-NL" smtClean="0"/>
               <a:pPr/>
-              <a:t>11-12-2017</a:t>
+              <a:t>12-12-2017</a:t>
             </a:fld>
             <a:endParaRPr lang="nl-NL"/>
           </a:p>
@@ -886,7 +886,7 @@
     </p:spTree>
     <p:extLst>
       <p:ext uri="{BB962C8B-B14F-4D97-AF65-F5344CB8AC3E}">
-        <p14:creationId xmlns:p14="http://schemas.microsoft.com/office/powerpoint/2010/main" xmlns="" val="872546503"/>
+        <p14:creationId xmlns="" xmlns:p14="http://schemas.microsoft.com/office/powerpoint/2010/main" val="872546503"/>
       </p:ext>
     </p:extLst>
   </p:cSld>
@@ -1010,7 +1010,7 @@
             <a:fld id="{ADE4902F-FBEA-4B35-9D62-082FA2608761}" type="datetimeFigureOut">
               <a:rPr lang="nl-NL" smtClean="0"/>
               <a:pPr/>
-              <a:t>11-12-2017</a:t>
+              <a:t>12-12-2017</a:t>
             </a:fld>
             <a:endParaRPr lang="nl-NL"/>
           </a:p>
@@ -1062,7 +1062,7 @@
     </p:spTree>
     <p:extLst>
       <p:ext uri="{BB962C8B-B14F-4D97-AF65-F5344CB8AC3E}">
-        <p14:creationId xmlns:p14="http://schemas.microsoft.com/office/powerpoint/2010/main" xmlns="" val="3767384208"/>
+        <p14:creationId xmlns="" xmlns:p14="http://schemas.microsoft.com/office/powerpoint/2010/main" val="3767384208"/>
       </p:ext>
     </p:extLst>
   </p:cSld>
@@ -1355,7 +1355,7 @@
             <a:fld id="{ADE4902F-FBEA-4B35-9D62-082FA2608761}" type="datetimeFigureOut">
               <a:rPr lang="nl-NL" smtClean="0"/>
               <a:pPr/>
-              <a:t>11-12-2017</a:t>
+              <a:t>12-12-2017</a:t>
             </a:fld>
             <a:endParaRPr lang="nl-NL"/>
           </a:p>
@@ -1445,7 +1445,7 @@
     </p:spTree>
     <p:extLst>
       <p:ext uri="{BB962C8B-B14F-4D97-AF65-F5344CB8AC3E}">
-        <p14:creationId xmlns:p14="http://schemas.microsoft.com/office/powerpoint/2010/main" xmlns="" val="2042571025"/>
+        <p14:creationId xmlns="" xmlns:p14="http://schemas.microsoft.com/office/powerpoint/2010/main" val="2042571025"/>
       </p:ext>
     </p:extLst>
   </p:cSld>
@@ -1632,7 +1632,7 @@
             <a:fld id="{ADE4902F-FBEA-4B35-9D62-082FA2608761}" type="datetimeFigureOut">
               <a:rPr lang="nl-NL" smtClean="0"/>
               <a:pPr/>
-              <a:t>11-12-2017</a:t>
+              <a:t>12-12-2017</a:t>
             </a:fld>
             <a:endParaRPr lang="nl-NL"/>
           </a:p>
@@ -1684,7 +1684,7 @@
     </p:spTree>
     <p:extLst>
       <p:ext uri="{BB962C8B-B14F-4D97-AF65-F5344CB8AC3E}">
-        <p14:creationId xmlns:p14="http://schemas.microsoft.com/office/powerpoint/2010/main" xmlns="" val="179011464"/>
+        <p14:creationId xmlns="" xmlns:p14="http://schemas.microsoft.com/office/powerpoint/2010/main" val="179011464"/>
       </p:ext>
     </p:extLst>
   </p:cSld>
@@ -2013,7 +2013,7 @@
             <a:fld id="{ADE4902F-FBEA-4B35-9D62-082FA2608761}" type="datetimeFigureOut">
               <a:rPr lang="nl-NL" smtClean="0"/>
               <a:pPr/>
-              <a:t>11-12-2017</a:t>
+              <a:t>12-12-2017</a:t>
             </a:fld>
             <a:endParaRPr lang="nl-NL"/>
           </a:p>
@@ -2065,7 +2065,7 @@
     </p:spTree>
     <p:extLst>
       <p:ext uri="{BB962C8B-B14F-4D97-AF65-F5344CB8AC3E}">
-        <p14:creationId xmlns:p14="http://schemas.microsoft.com/office/powerpoint/2010/main" xmlns="" val="1688827915"/>
+        <p14:creationId xmlns="" xmlns:p14="http://schemas.microsoft.com/office/powerpoint/2010/main" val="1688827915"/>
       </p:ext>
     </p:extLst>
   </p:cSld>
@@ -2133,7 +2133,7 @@
             <a:fld id="{ADE4902F-FBEA-4B35-9D62-082FA2608761}" type="datetimeFigureOut">
               <a:rPr lang="nl-NL" smtClean="0"/>
               <a:pPr/>
-              <a:t>11-12-2017</a:t>
+              <a:t>12-12-2017</a:t>
             </a:fld>
             <a:endParaRPr lang="nl-NL"/>
           </a:p>
@@ -2185,7 +2185,7 @@
     </p:spTree>
     <p:extLst>
       <p:ext uri="{BB962C8B-B14F-4D97-AF65-F5344CB8AC3E}">
-        <p14:creationId xmlns:p14="http://schemas.microsoft.com/office/powerpoint/2010/main" xmlns="" val="108174459"/>
+        <p14:creationId xmlns="" xmlns:p14="http://schemas.microsoft.com/office/powerpoint/2010/main" val="108174459"/>
       </p:ext>
     </p:extLst>
   </p:cSld>
@@ -2306,7 +2306,7 @@
             <a:fld id="{ADE4902F-FBEA-4B35-9D62-082FA2608761}" type="datetimeFigureOut">
               <a:rPr lang="nl-NL" smtClean="0"/>
               <a:pPr/>
-              <a:t>11-12-2017</a:t>
+              <a:t>12-12-2017</a:t>
             </a:fld>
             <a:endParaRPr lang="nl-NL"/>
           </a:p>
@@ -2366,7 +2366,7 @@
     </p:spTree>
     <p:extLst>
       <p:ext uri="{BB962C8B-B14F-4D97-AF65-F5344CB8AC3E}">
-        <p14:creationId xmlns:p14="http://schemas.microsoft.com/office/powerpoint/2010/main" xmlns="" val="1412908718"/>
+        <p14:creationId xmlns="" xmlns:p14="http://schemas.microsoft.com/office/powerpoint/2010/main" val="1412908718"/>
       </p:ext>
     </p:extLst>
   </p:cSld>
@@ -2662,7 +2662,7 @@
             <a:fld id="{ADE4902F-FBEA-4B35-9D62-082FA2608761}" type="datetimeFigureOut">
               <a:rPr lang="nl-NL" smtClean="0"/>
               <a:pPr/>
-              <a:t>11-12-2017</a:t>
+              <a:t>12-12-2017</a:t>
             </a:fld>
             <a:endParaRPr lang="nl-NL"/>
           </a:p>
@@ -2735,7 +2735,7 @@
     </p:spTree>
     <p:extLst>
       <p:ext uri="{BB962C8B-B14F-4D97-AF65-F5344CB8AC3E}">
-        <p14:creationId xmlns:p14="http://schemas.microsoft.com/office/powerpoint/2010/main" xmlns="" val="2631354765"/>
+        <p14:creationId xmlns="" xmlns:p14="http://schemas.microsoft.com/office/powerpoint/2010/main" val="2631354765"/>
       </p:ext>
     </p:extLst>
   </p:cSld>
@@ -3046,7 +3046,7 @@
             <a:fld id="{ADE4902F-FBEA-4B35-9D62-082FA2608761}" type="datetimeFigureOut">
               <a:rPr lang="nl-NL" smtClean="0"/>
               <a:pPr/>
-              <a:t>11-12-2017</a:t>
+              <a:t>12-12-2017</a:t>
             </a:fld>
             <a:endParaRPr lang="nl-NL"/>
           </a:p>
@@ -3098,7 +3098,7 @@
     </p:spTree>
     <p:extLst>
       <p:ext uri="{BB962C8B-B14F-4D97-AF65-F5344CB8AC3E}">
-        <p14:creationId xmlns:p14="http://schemas.microsoft.com/office/powerpoint/2010/main" xmlns="" val="4061937431"/>
+        <p14:creationId xmlns="" xmlns:p14="http://schemas.microsoft.com/office/powerpoint/2010/main" val="4061937431"/>
       </p:ext>
     </p:extLst>
   </p:cSld>
@@ -3335,7 +3335,7 @@
             <a:fld id="{ADE4902F-FBEA-4B35-9D62-082FA2608761}" type="datetimeFigureOut">
               <a:rPr lang="nl-NL" smtClean="0"/>
               <a:pPr/>
-              <a:t>11-12-2017</a:t>
+              <a:t>12-12-2017</a:t>
             </a:fld>
             <a:endParaRPr lang="nl-NL"/>
           </a:p>
@@ -3457,7 +3457,7 @@
     </p:spTree>
     <p:extLst>
       <p:ext uri="{BB962C8B-B14F-4D97-AF65-F5344CB8AC3E}">
-        <p14:creationId xmlns:p14="http://schemas.microsoft.com/office/powerpoint/2010/main" xmlns="" val="2361636988"/>
+        <p14:creationId xmlns="" xmlns:p14="http://schemas.microsoft.com/office/powerpoint/2010/main" val="2361636988"/>
       </p:ext>
     </p:extLst>
   </p:cSld>
@@ -3865,7 +3865,7 @@
           <p:cNvPr id="2" name="Titel 1">
             <a:extLst>
               <a:ext uri="{FF2B5EF4-FFF2-40B4-BE49-F238E27FC236}">
-                <a16:creationId xmlns="" xmlns:a16="http://schemas.microsoft.com/office/drawing/2014/main" id="{AE205A44-390E-455B-87E1-6D48C073A474}"/>
+                <a16:creationId xmlns:a16="http://schemas.microsoft.com/office/drawing/2014/main" xmlns="" id="{AE205A44-390E-455B-87E1-6D48C073A474}"/>
               </a:ext>
             </a:extLst>
           </p:cNvPr>
@@ -3910,7 +3910,7 @@
           <p:cNvPr id="3" name="Ondertitel 2">
             <a:extLst>
               <a:ext uri="{FF2B5EF4-FFF2-40B4-BE49-F238E27FC236}">
-                <a16:creationId xmlns="" xmlns:a16="http://schemas.microsoft.com/office/drawing/2014/main" id="{E24A4149-DFE7-4EE0-A98A-18326D7AD35D}"/>
+                <a16:creationId xmlns:a16="http://schemas.microsoft.com/office/drawing/2014/main" xmlns="" id="{E24A4149-DFE7-4EE0-A98A-18326D7AD35D}"/>
               </a:ext>
             </a:extLst>
           </p:cNvPr>
@@ -3945,7 +3945,7 @@
     </p:spTree>
     <p:extLst>
       <p:ext uri="{BB962C8B-B14F-4D97-AF65-F5344CB8AC3E}">
-        <p14:creationId xmlns:p14="http://schemas.microsoft.com/office/powerpoint/2010/main" xmlns="" val="1696353441"/>
+        <p14:creationId xmlns="" xmlns:p14="http://schemas.microsoft.com/office/powerpoint/2010/main" val="1696353441"/>
       </p:ext>
     </p:extLst>
   </p:cSld>
@@ -4029,8 +4029,24 @@
           <a:p>
             <a:pPr lvl="1"/>
             <a:r>
+              <a:rPr lang="en-US" dirty="0" err="1" smtClean="0"/>
+              <a:t>Zonder</a:t>
+            </a:r>
+            <a:r>
               <a:rPr lang="en-US" dirty="0" smtClean="0"/>
-              <a:t>Pruning</a:t>
+              <a:t> </a:t>
+            </a:r>
+            <a:r>
+              <a:rPr lang="en-US" dirty="0" err="1" smtClean="0"/>
+              <a:t>vs</a:t>
+            </a:r>
+            <a:r>
+              <a:rPr lang="en-US" dirty="0" smtClean="0"/>
+              <a:t> met </a:t>
+            </a:r>
+            <a:r>
+              <a:rPr lang="en-US" dirty="0" err="1" smtClean="0"/>
+              <a:t>heuristieken</a:t>
             </a:r>
             <a:endParaRPr lang="en-US" dirty="0"/>
           </a:p>
@@ -4112,6 +4128,61 @@
             <a:pPr lvl="1"/>
             <a:r>
               <a:rPr lang="en-US" dirty="0" smtClean="0"/>
+              <a:t>1000 </a:t>
+            </a:r>
+            <a:r>
+              <a:rPr lang="en-US" dirty="0" err="1" smtClean="0"/>
+              <a:t>keer</a:t>
+            </a:r>
+            <a:r>
+              <a:rPr lang="en-US" dirty="0" smtClean="0"/>
+              <a:t> </a:t>
+            </a:r>
+            <a:r>
+              <a:rPr lang="en-US" dirty="0" err="1" smtClean="0"/>
+              <a:t>proberen</a:t>
+            </a:r>
+            <a:endParaRPr lang="en-US" dirty="0" smtClean="0"/>
+          </a:p>
+          <a:p>
+            <a:pPr lvl="1"/>
+            <a:r>
+              <a:rPr lang="en-US" dirty="0" err="1" smtClean="0"/>
+              <a:t>Vervangen</a:t>
+            </a:r>
+            <a:r>
+              <a:rPr lang="en-US" dirty="0" smtClean="0"/>
+              <a:t> </a:t>
+            </a:r>
+            <a:r>
+              <a:rPr lang="en-US" dirty="0" err="1" smtClean="0"/>
+              <a:t>bij</a:t>
+            </a:r>
+            <a:r>
+              <a:rPr lang="en-US" dirty="0" smtClean="0"/>
+              <a:t> </a:t>
+            </a:r>
+            <a:r>
+              <a:rPr lang="en-US" dirty="0" err="1" smtClean="0"/>
+              <a:t>gelijke</a:t>
+            </a:r>
+            <a:r>
+              <a:rPr lang="en-US" dirty="0" smtClean="0"/>
+              <a:t> of </a:t>
+            </a:r>
+            <a:r>
+              <a:rPr lang="en-US" dirty="0" err="1" smtClean="0"/>
+              <a:t>kleinere</a:t>
+            </a:r>
+            <a:r>
+              <a:rPr lang="en-US" dirty="0" smtClean="0"/>
+              <a:t> score</a:t>
+            </a:r>
+          </a:p>
+          <a:p>
+            <a:pPr lvl="1"/>
+            <a:r>
+              <a:rPr lang="en-US" dirty="0" smtClean="0"/>
               <a:t>Start </a:t>
             </a:r>
             <a:r>
@@ -4124,64 +4195,13 @@
             </a:r>
             <a:r>
               <a:rPr lang="en-US" dirty="0" err="1" smtClean="0"/>
-              <a:t>gevouwen</a:t>
+              <a:t>vs</a:t>
+            </a:r>
+            <a:r>
+              <a:rPr lang="en-US" dirty="0" smtClean="0"/>
+              <a:t> random</a:t>
             </a:r>
             <a:endParaRPr lang="en-US" dirty="0" smtClean="0"/>
-          </a:p>
-          <a:p>
-            <a:pPr lvl="1"/>
-            <a:r>
-              <a:rPr lang="en-US" dirty="0" smtClean="0"/>
-              <a:t>1000 </a:t>
-            </a:r>
-            <a:r>
-              <a:rPr lang="en-US" dirty="0" err="1" smtClean="0"/>
-              <a:t>keer</a:t>
-            </a:r>
-            <a:r>
-              <a:rPr lang="en-US" dirty="0" smtClean="0"/>
-              <a:t> </a:t>
-            </a:r>
-            <a:r>
-              <a:rPr lang="en-US" dirty="0" err="1" smtClean="0"/>
-              <a:t>proberen</a:t>
-            </a:r>
-            <a:endParaRPr lang="en-US" dirty="0" smtClean="0"/>
-          </a:p>
-          <a:p>
-            <a:pPr lvl="1"/>
-            <a:r>
-              <a:rPr lang="en-US" dirty="0" err="1" smtClean="0"/>
-              <a:t>Vervangen</a:t>
-            </a:r>
-            <a:r>
-              <a:rPr lang="en-US" dirty="0" smtClean="0"/>
-              <a:t> </a:t>
-            </a:r>
-            <a:r>
-              <a:rPr lang="en-US" dirty="0" err="1" smtClean="0"/>
-              <a:t>bij</a:t>
-            </a:r>
-            <a:r>
-              <a:rPr lang="en-US" dirty="0" smtClean="0"/>
-              <a:t> </a:t>
-            </a:r>
-            <a:r>
-              <a:rPr lang="en-US" dirty="0" err="1" smtClean="0"/>
-              <a:t>gelijke</a:t>
-            </a:r>
-            <a:r>
-              <a:rPr lang="en-US" dirty="0" smtClean="0"/>
-              <a:t> of </a:t>
-            </a:r>
-            <a:r>
-              <a:rPr lang="en-US" dirty="0" err="1" smtClean="0"/>
-              <a:t>kleinere</a:t>
-            </a:r>
-            <a:r>
-              <a:rPr lang="en-US" dirty="0" smtClean="0"/>
-              <a:t> score</a:t>
-            </a:r>
           </a:p>
         </p:txBody>
       </p:sp>
@@ -4973,7 +4993,7 @@
           <a:p>
             <a:r>
               <a:rPr lang="en-US" dirty="0" err="1" smtClean="0"/>
-              <a:t>Conclusie</a:t>
+              <a:t>Vervolg</a:t>
             </a:r>
             <a:endParaRPr lang="en-US" dirty="0"/>
           </a:p>
@@ -5007,12 +5027,33 @@
             <a:pPr lvl="1"/>
             <a:r>
               <a:rPr lang="en-US" dirty="0" err="1" smtClean="0"/>
-              <a:t>Zonder</a:t>
+              <a:t>Verschil</a:t>
             </a:r>
             <a:r>
               <a:rPr lang="en-US" dirty="0" smtClean="0"/>
-              <a:t> pruning </a:t>
-            </a:r>
+              <a:t> met </a:t>
+            </a:r>
+            <a:r>
+              <a:rPr lang="en-US" dirty="0" err="1" smtClean="0"/>
+              <a:t>vs</a:t>
+            </a:r>
+            <a:r>
+              <a:rPr lang="en-US" dirty="0" smtClean="0"/>
+              <a:t> </a:t>
+            </a:r>
+            <a:r>
+              <a:rPr lang="en-US" dirty="0" err="1" smtClean="0"/>
+              <a:t>zonder</a:t>
+            </a:r>
+            <a:r>
+              <a:rPr lang="en-US" dirty="0" smtClean="0"/>
+              <a:t> </a:t>
+            </a:r>
+            <a:r>
+              <a:rPr lang="en-US" dirty="0" err="1" smtClean="0"/>
+              <a:t>heuristieken</a:t>
+            </a:r>
+            <a:endParaRPr lang="en-US" dirty="0" smtClean="0"/>
           </a:p>
           <a:p>
             <a:endParaRPr lang="en-US" dirty="0" smtClean="0"/>
@@ -5036,8 +5077,9 @@
             <a:pPr lvl="1"/>
             <a:r>
               <a:rPr lang="en-US" dirty="0" smtClean="0"/>
-              <a:t>Annealing</a:t>
-            </a:r>
+              <a:t>Simulated annealing</a:t>
+            </a:r>
+            <a:endParaRPr lang="en-US" dirty="0" smtClean="0"/>
           </a:p>
           <a:p>
             <a:pPr lvl="1"/>
@@ -5051,7 +5093,7 @@
             </a:r>
             <a:r>
               <a:rPr lang="en-US" dirty="0" err="1" smtClean="0"/>
-              <a:t>keer</a:t>
+              <a:t>interaties</a:t>
             </a:r>
             <a:r>
               <a:rPr lang="en-US" dirty="0" smtClean="0"/>
@@ -5059,19 +5101,63 @@
             </a:r>
             <a:r>
               <a:rPr lang="en-US" dirty="0" err="1" smtClean="0"/>
-              <a:t>proberen</a:t>
+              <a:t>aanpassen</a:t>
             </a:r>
             <a:endParaRPr lang="en-US" dirty="0" smtClean="0"/>
           </a:p>
           <a:p>
             <a:pPr lvl="1"/>
             <a:r>
+              <a:rPr lang="en-US" dirty="0" err="1" smtClean="0"/>
+              <a:t>Recht</a:t>
+            </a:r>
+            <a:r>
               <a:rPr lang="en-US" dirty="0" smtClean="0"/>
-              <a:t>Random </a:t>
+              <a:t> </a:t>
+            </a:r>
+            <a:r>
+              <a:rPr lang="en-US" dirty="0" err="1" smtClean="0"/>
+              <a:t>vs</a:t>
+            </a:r>
+            <a:r>
+              <a:rPr lang="en-US" dirty="0" smtClean="0"/>
+              <a:t> random </a:t>
             </a:r>
             <a:r>
               <a:rPr lang="en-US" dirty="0" err="1" smtClean="0"/>
               <a:t>beginnen</a:t>
+            </a:r>
+            <a:endParaRPr lang="en-US" dirty="0" smtClean="0"/>
+          </a:p>
+          <a:p>
+            <a:pPr lvl="1"/>
+            <a:r>
+              <a:rPr lang="en-US" dirty="0" smtClean="0"/>
+              <a:t>Twee </a:t>
+            </a:r>
+            <a:r>
+              <a:rPr lang="en-US" dirty="0" err="1" smtClean="0"/>
+              <a:t>tegelijk</a:t>
+            </a:r>
+            <a:r>
+              <a:rPr lang="en-US" dirty="0" smtClean="0"/>
+              <a:t> </a:t>
+            </a:r>
+            <a:r>
+              <a:rPr lang="en-US" dirty="0" err="1" smtClean="0"/>
+              <a:t>vervangen</a:t>
+            </a:r>
+            <a:r>
+              <a:rPr lang="en-US" dirty="0" smtClean="0"/>
+              <a:t> of die </a:t>
+            </a:r>
+            <a:r>
+              <a:rPr lang="en-US" dirty="0" err="1" smtClean="0"/>
+              <a:t>erna</a:t>
+            </a:r>
+            <a:r>
+              <a:rPr lang="en-US" smtClean="0"/>
+              <a:t> </a:t>
             </a:r>
             <a:endParaRPr lang="en-US" dirty="0"/>
           </a:p>
@@ -5107,7 +5193,7 @@
           <p:cNvPr id="2" name="Titel 1">
             <a:extLst>
               <a:ext uri="{FF2B5EF4-FFF2-40B4-BE49-F238E27FC236}">
-                <a16:creationId xmlns="" xmlns:a16="http://schemas.microsoft.com/office/drawing/2014/main" id="{769A96FB-BA26-47C0-85BC-9E5A44D94A65}"/>
+                <a16:creationId xmlns:a16="http://schemas.microsoft.com/office/drawing/2014/main" xmlns="" id="{769A96FB-BA26-47C0-85BC-9E5A44D94A65}"/>
               </a:ext>
             </a:extLst>
           </p:cNvPr>
@@ -5135,7 +5221,7 @@
           <p:cNvPr id="5" name="Tijdelijke aanduiding voor inhoud 4">
             <a:extLst>
               <a:ext uri="{FF2B5EF4-FFF2-40B4-BE49-F238E27FC236}">
-                <a16:creationId xmlns="" xmlns:a16="http://schemas.microsoft.com/office/drawing/2014/main" id="{82F9B9FE-1870-4902-A7DB-4B27D59D2B2B}"/>
+                <a16:creationId xmlns:a16="http://schemas.microsoft.com/office/drawing/2014/main" xmlns="" id="{82F9B9FE-1870-4902-A7DB-4B27D59D2B2B}"/>
               </a:ext>
             </a:extLst>
           </p:cNvPr>
@@ -5150,7 +5236,7 @@
           <a:blip r:embed="rId2" cstate="print">
             <a:extLst>
               <a:ext uri="{28A0092B-C50C-407E-A947-70E740481C1C}">
-                <a14:useLocalDpi xmlns:a14="http://schemas.microsoft.com/office/drawing/2010/main" xmlns="" val="0"/>
+                <a14:useLocalDpi xmlns="" xmlns:a14="http://schemas.microsoft.com/office/drawing/2010/main" val="0"/>
               </a:ext>
             </a:extLst>
           </a:blip>
@@ -5170,7 +5256,7 @@
           <p:cNvPr id="6" name="Tekstvak 5">
             <a:extLst>
               <a:ext uri="{FF2B5EF4-FFF2-40B4-BE49-F238E27FC236}">
-                <a16:creationId xmlns="" xmlns:a16="http://schemas.microsoft.com/office/drawing/2014/main" id="{D8F2D3D1-1FE8-4AA0-B6C8-D7E88097CE04}"/>
+                <a16:creationId xmlns:a16="http://schemas.microsoft.com/office/drawing/2014/main" xmlns="" id="{D8F2D3D1-1FE8-4AA0-B6C8-D7E88097CE04}"/>
               </a:ext>
             </a:extLst>
           </p:cNvPr>
@@ -5206,7 +5292,7 @@
           <p:cNvPr id="8" name="Afbeelding 7">
             <a:extLst>
               <a:ext uri="{FF2B5EF4-FFF2-40B4-BE49-F238E27FC236}">
-                <a16:creationId xmlns="" xmlns:a16="http://schemas.microsoft.com/office/drawing/2014/main" id="{819AAC82-0B32-4FA7-B311-90C90A003DAD}"/>
+                <a16:creationId xmlns:a16="http://schemas.microsoft.com/office/drawing/2014/main" xmlns="" id="{819AAC82-0B32-4FA7-B311-90C90A003DAD}"/>
               </a:ext>
             </a:extLst>
           </p:cNvPr>
@@ -5219,7 +5305,7 @@
           <a:blip r:embed="rId3" cstate="print">
             <a:extLst>
               <a:ext uri="{28A0092B-C50C-407E-A947-70E740481C1C}">
-                <a14:useLocalDpi xmlns:a14="http://schemas.microsoft.com/office/drawing/2010/main" xmlns="" val="0"/>
+                <a14:useLocalDpi xmlns="" xmlns:a14="http://schemas.microsoft.com/office/drawing/2010/main" val="0"/>
               </a:ext>
             </a:extLst>
           </a:blip>
@@ -5241,7 +5327,7 @@
           <p:cNvPr id="11" name="Pijl: rechts 10">
             <a:extLst>
               <a:ext uri="{FF2B5EF4-FFF2-40B4-BE49-F238E27FC236}">
-                <a16:creationId xmlns="" xmlns:a16="http://schemas.microsoft.com/office/drawing/2014/main" id="{C3B3C454-C61F-4642-AC5E-175E78B46E93}"/>
+                <a16:creationId xmlns:a16="http://schemas.microsoft.com/office/drawing/2014/main" xmlns="" id="{C3B3C454-C61F-4642-AC5E-175E78B46E93}"/>
               </a:ext>
             </a:extLst>
           </p:cNvPr>
@@ -5287,7 +5373,7 @@
           <p:cNvPr id="12" name="Tekstvak 11">
             <a:extLst>
               <a:ext uri="{FF2B5EF4-FFF2-40B4-BE49-F238E27FC236}">
-                <a16:creationId xmlns="" xmlns:a16="http://schemas.microsoft.com/office/drawing/2014/main" id="{1AF95B95-DF37-4511-BC26-2A337B82EADC}"/>
+                <a16:creationId xmlns:a16="http://schemas.microsoft.com/office/drawing/2014/main" xmlns="" id="{1AF95B95-DF37-4511-BC26-2A337B82EADC}"/>
               </a:ext>
             </a:extLst>
           </p:cNvPr>
@@ -5322,7 +5408,7 @@
           <p:cNvPr id="9" name="Afbeelding 8">
             <a:extLst>
               <a:ext uri="{FF2B5EF4-FFF2-40B4-BE49-F238E27FC236}">
-                <a16:creationId xmlns="" xmlns:a16="http://schemas.microsoft.com/office/drawing/2014/main" id="{1B858127-D2F6-4D2B-B5A9-94CF7612B179}"/>
+                <a16:creationId xmlns:a16="http://schemas.microsoft.com/office/drawing/2014/main" xmlns="" id="{1B858127-D2F6-4D2B-B5A9-94CF7612B179}"/>
               </a:ext>
             </a:extLst>
           </p:cNvPr>
@@ -5335,7 +5421,7 @@
           <a:blip r:embed="rId4" cstate="print">
             <a:extLst>
               <a:ext uri="{28A0092B-C50C-407E-A947-70E740481C1C}">
-                <a14:useLocalDpi xmlns:a14="http://schemas.microsoft.com/office/drawing/2010/main" xmlns="" val="0"/>
+                <a14:useLocalDpi xmlns="" xmlns:a14="http://schemas.microsoft.com/office/drawing/2010/main" val="0"/>
               </a:ext>
             </a:extLst>
           </a:blip>
@@ -5358,7 +5444,7 @@
           <p:cNvPr id="10" name="Pijl: rechts 9">
             <a:extLst>
               <a:ext uri="{FF2B5EF4-FFF2-40B4-BE49-F238E27FC236}">
-                <a16:creationId xmlns="" xmlns:a16="http://schemas.microsoft.com/office/drawing/2014/main" id="{13F3850F-71EA-4741-A182-94C4C2F636F5}"/>
+                <a16:creationId xmlns:a16="http://schemas.microsoft.com/office/drawing/2014/main" xmlns="" id="{13F3850F-71EA-4741-A182-94C4C2F636F5}"/>
               </a:ext>
             </a:extLst>
           </p:cNvPr>
@@ -5402,7 +5488,7 @@
     </p:spTree>
     <p:extLst>
       <p:ext uri="{BB962C8B-B14F-4D97-AF65-F5344CB8AC3E}">
-        <p14:creationId xmlns:p14="http://schemas.microsoft.com/office/powerpoint/2010/main" xmlns="" val="2643686151"/>
+        <p14:creationId xmlns="" xmlns:p14="http://schemas.microsoft.com/office/powerpoint/2010/main" val="2643686151"/>
       </p:ext>
     </p:extLst>
   </p:cSld>
@@ -5441,7 +5527,7 @@
           <p:cNvPr id="2" name="Titel 1">
             <a:extLst>
               <a:ext uri="{FF2B5EF4-FFF2-40B4-BE49-F238E27FC236}">
-                <a16:creationId xmlns="" xmlns:a16="http://schemas.microsoft.com/office/drawing/2014/main" id="{769A96FB-BA26-47C0-85BC-9E5A44D94A65}"/>
+                <a16:creationId xmlns:a16="http://schemas.microsoft.com/office/drawing/2014/main" xmlns="" id="{769A96FB-BA26-47C0-85BC-9E5A44D94A65}"/>
               </a:ext>
             </a:extLst>
           </p:cNvPr>
@@ -5469,7 +5555,7 @@
           <p:cNvPr id="5" name="Tijdelijke aanduiding voor inhoud 4">
             <a:extLst>
               <a:ext uri="{FF2B5EF4-FFF2-40B4-BE49-F238E27FC236}">
-                <a16:creationId xmlns="" xmlns:a16="http://schemas.microsoft.com/office/drawing/2014/main" id="{82F9B9FE-1870-4902-A7DB-4B27D59D2B2B}"/>
+                <a16:creationId xmlns:a16="http://schemas.microsoft.com/office/drawing/2014/main" xmlns="" id="{82F9B9FE-1870-4902-A7DB-4B27D59D2B2B}"/>
               </a:ext>
             </a:extLst>
           </p:cNvPr>
@@ -5484,7 +5570,7 @@
           <a:blip r:embed="rId2" cstate="print">
             <a:extLst>
               <a:ext uri="{28A0092B-C50C-407E-A947-70E740481C1C}">
-                <a14:useLocalDpi xmlns:a14="http://schemas.microsoft.com/office/drawing/2010/main" xmlns="" val="0"/>
+                <a14:useLocalDpi xmlns="" xmlns:a14="http://schemas.microsoft.com/office/drawing/2010/main" val="0"/>
               </a:ext>
             </a:extLst>
           </a:blip>
@@ -5504,7 +5590,7 @@
           <p:cNvPr id="6" name="Tekstvak 5">
             <a:extLst>
               <a:ext uri="{FF2B5EF4-FFF2-40B4-BE49-F238E27FC236}">
-                <a16:creationId xmlns="" xmlns:a16="http://schemas.microsoft.com/office/drawing/2014/main" id="{D8F2D3D1-1FE8-4AA0-B6C8-D7E88097CE04}"/>
+                <a16:creationId xmlns:a16="http://schemas.microsoft.com/office/drawing/2014/main" xmlns="" id="{D8F2D3D1-1FE8-4AA0-B6C8-D7E88097CE04}"/>
               </a:ext>
             </a:extLst>
           </p:cNvPr>
@@ -5540,7 +5626,7 @@
           <p:cNvPr id="8" name="Afbeelding 7">
             <a:extLst>
               <a:ext uri="{FF2B5EF4-FFF2-40B4-BE49-F238E27FC236}">
-                <a16:creationId xmlns="" xmlns:a16="http://schemas.microsoft.com/office/drawing/2014/main" id="{819AAC82-0B32-4FA7-B311-90C90A003DAD}"/>
+                <a16:creationId xmlns:a16="http://schemas.microsoft.com/office/drawing/2014/main" xmlns="" id="{819AAC82-0B32-4FA7-B311-90C90A003DAD}"/>
               </a:ext>
             </a:extLst>
           </p:cNvPr>
@@ -5553,7 +5639,7 @@
           <a:blip r:embed="rId3" cstate="print">
             <a:extLst>
               <a:ext uri="{28A0092B-C50C-407E-A947-70E740481C1C}">
-                <a14:useLocalDpi xmlns:a14="http://schemas.microsoft.com/office/drawing/2010/main" xmlns="" val="0"/>
+                <a14:useLocalDpi xmlns="" xmlns:a14="http://schemas.microsoft.com/office/drawing/2010/main" val="0"/>
               </a:ext>
             </a:extLst>
           </a:blip>
@@ -5575,7 +5661,7 @@
           <p:cNvPr id="11" name="Pijl: rechts 10">
             <a:extLst>
               <a:ext uri="{FF2B5EF4-FFF2-40B4-BE49-F238E27FC236}">
-                <a16:creationId xmlns="" xmlns:a16="http://schemas.microsoft.com/office/drawing/2014/main" id="{C3B3C454-C61F-4642-AC5E-175E78B46E93}"/>
+                <a16:creationId xmlns:a16="http://schemas.microsoft.com/office/drawing/2014/main" xmlns="" id="{C3B3C454-C61F-4642-AC5E-175E78B46E93}"/>
               </a:ext>
             </a:extLst>
           </p:cNvPr>
@@ -5621,7 +5707,7 @@
           <p:cNvPr id="12" name="Tekstvak 11">
             <a:extLst>
               <a:ext uri="{FF2B5EF4-FFF2-40B4-BE49-F238E27FC236}">
-                <a16:creationId xmlns="" xmlns:a16="http://schemas.microsoft.com/office/drawing/2014/main" id="{1AF95B95-DF37-4511-BC26-2A337B82EADC}"/>
+                <a16:creationId xmlns:a16="http://schemas.microsoft.com/office/drawing/2014/main" xmlns="" id="{1AF95B95-DF37-4511-BC26-2A337B82EADC}"/>
               </a:ext>
             </a:extLst>
           </p:cNvPr>
@@ -5656,7 +5742,7 @@
           <p:cNvPr id="9" name="Afbeelding 8">
             <a:extLst>
               <a:ext uri="{FF2B5EF4-FFF2-40B4-BE49-F238E27FC236}">
-                <a16:creationId xmlns="" xmlns:a16="http://schemas.microsoft.com/office/drawing/2014/main" id="{1B858127-D2F6-4D2B-B5A9-94CF7612B179}"/>
+                <a16:creationId xmlns:a16="http://schemas.microsoft.com/office/drawing/2014/main" xmlns="" id="{1B858127-D2F6-4D2B-B5A9-94CF7612B179}"/>
               </a:ext>
             </a:extLst>
           </p:cNvPr>
@@ -5669,7 +5755,7 @@
           <a:blip r:embed="rId4" cstate="print">
             <a:extLst>
               <a:ext uri="{28A0092B-C50C-407E-A947-70E740481C1C}">
-                <a14:useLocalDpi xmlns:a14="http://schemas.microsoft.com/office/drawing/2010/main" xmlns="" val="0"/>
+                <a14:useLocalDpi xmlns="" xmlns:a14="http://schemas.microsoft.com/office/drawing/2010/main" val="0"/>
               </a:ext>
             </a:extLst>
           </a:blip>
@@ -5692,7 +5778,7 @@
           <p:cNvPr id="10" name="Pijl: rechts 9">
             <a:extLst>
               <a:ext uri="{FF2B5EF4-FFF2-40B4-BE49-F238E27FC236}">
-                <a16:creationId xmlns="" xmlns:a16="http://schemas.microsoft.com/office/drawing/2014/main" id="{13F3850F-71EA-4741-A182-94C4C2F636F5}"/>
+                <a16:creationId xmlns:a16="http://schemas.microsoft.com/office/drawing/2014/main" xmlns="" id="{13F3850F-71EA-4741-A182-94C4C2F636F5}"/>
               </a:ext>
             </a:extLst>
           </p:cNvPr>
@@ -5738,7 +5824,7 @@
           <p:cNvPr id="3" name="Ovaal 2">
             <a:extLst>
               <a:ext uri="{FF2B5EF4-FFF2-40B4-BE49-F238E27FC236}">
-                <a16:creationId xmlns="" xmlns:a16="http://schemas.microsoft.com/office/drawing/2014/main" id="{19B9F891-8EF8-44F6-B6ED-BB2422D771A3}"/>
+                <a16:creationId xmlns:a16="http://schemas.microsoft.com/office/drawing/2014/main" xmlns="" id="{19B9F891-8EF8-44F6-B6ED-BB2422D771A3}"/>
               </a:ext>
             </a:extLst>
           </p:cNvPr>
@@ -5787,7 +5873,7 @@
           <p:cNvPr id="13" name="Ovaal 12">
             <a:extLst>
               <a:ext uri="{FF2B5EF4-FFF2-40B4-BE49-F238E27FC236}">
-                <a16:creationId xmlns="" xmlns:a16="http://schemas.microsoft.com/office/drawing/2014/main" id="{24DD1F6E-573A-4E2D-8811-591CE94E629B}"/>
+                <a16:creationId xmlns:a16="http://schemas.microsoft.com/office/drawing/2014/main" xmlns="" id="{24DD1F6E-573A-4E2D-8811-591CE94E629B}"/>
               </a:ext>
             </a:extLst>
           </p:cNvPr>
@@ -5836,7 +5922,7 @@
           <p:cNvPr id="7" name="Rechte verbindingslijn met pijl 6">
             <a:extLst>
               <a:ext uri="{FF2B5EF4-FFF2-40B4-BE49-F238E27FC236}">
-                <a16:creationId xmlns="" xmlns:a16="http://schemas.microsoft.com/office/drawing/2014/main" id="{D5C82334-4E2E-4051-961A-F679B07C4F1F}"/>
+                <a16:creationId xmlns:a16="http://schemas.microsoft.com/office/drawing/2014/main" xmlns="" id="{D5C82334-4E2E-4051-961A-F679B07C4F1F}"/>
               </a:ext>
             </a:extLst>
           </p:cNvPr>
@@ -5878,7 +5964,7 @@
           <p:cNvPr id="16" name="Rechte verbindingslijn met pijl 15">
             <a:extLst>
               <a:ext uri="{FF2B5EF4-FFF2-40B4-BE49-F238E27FC236}">
-                <a16:creationId xmlns="" xmlns:a16="http://schemas.microsoft.com/office/drawing/2014/main" id="{705EA1F6-DA7E-4475-8576-E76A7C126F12}"/>
+                <a16:creationId xmlns:a16="http://schemas.microsoft.com/office/drawing/2014/main" xmlns="" id="{705EA1F6-DA7E-4475-8576-E76A7C126F12}"/>
               </a:ext>
             </a:extLst>
           </p:cNvPr>
@@ -5918,7 +6004,7 @@
     </p:spTree>
     <p:extLst>
       <p:ext uri="{BB962C8B-B14F-4D97-AF65-F5344CB8AC3E}">
-        <p14:creationId xmlns:p14="http://schemas.microsoft.com/office/powerpoint/2010/main" xmlns="" val="845698545"/>
+        <p14:creationId xmlns="" xmlns:p14="http://schemas.microsoft.com/office/powerpoint/2010/main" val="845698545"/>
       </p:ext>
     </p:extLst>
   </p:cSld>
@@ -5957,7 +6043,7 @@
           <p:cNvPr id="2" name="Titel 1">
             <a:extLst>
               <a:ext uri="{FF2B5EF4-FFF2-40B4-BE49-F238E27FC236}">
-                <a16:creationId xmlns="" xmlns:a16="http://schemas.microsoft.com/office/drawing/2014/main" id="{28AC7F7A-EB5E-48A2-A178-02E17BA194BE}"/>
+                <a16:creationId xmlns:a16="http://schemas.microsoft.com/office/drawing/2014/main" xmlns="" id="{28AC7F7A-EB5E-48A2-A178-02E17BA194BE}"/>
               </a:ext>
             </a:extLst>
           </p:cNvPr>
@@ -6002,7 +6088,7 @@
           <p:cNvPr id="4" name="Tijdelijke aanduiding voor inhoud 3">
             <a:extLst>
               <a:ext uri="{FF2B5EF4-FFF2-40B4-BE49-F238E27FC236}">
-                <a16:creationId xmlns="" xmlns:a16="http://schemas.microsoft.com/office/drawing/2014/main" id="{12A0C32B-A310-4B27-B6D9-73509A425B75}"/>
+                <a16:creationId xmlns:a16="http://schemas.microsoft.com/office/drawing/2014/main" xmlns="" id="{12A0C32B-A310-4B27-B6D9-73509A425B75}"/>
               </a:ext>
             </a:extLst>
           </p:cNvPr>
@@ -6031,7 +6117,7 @@
     </p:spTree>
     <p:extLst>
       <p:ext uri="{BB962C8B-B14F-4D97-AF65-F5344CB8AC3E}">
-        <p14:creationId xmlns:p14="http://schemas.microsoft.com/office/powerpoint/2010/main" xmlns="" val="2460963347"/>
+        <p14:creationId xmlns="" xmlns:p14="http://schemas.microsoft.com/office/powerpoint/2010/main" val="2460963347"/>
       </p:ext>
     </p:extLst>
   </p:cSld>
@@ -8432,7 +8518,7 @@
   <a:extraClrSchemeLst/>
   <a:extLst>
     <a:ext uri="{05A4C25C-085E-4340-85A3-A5531E510DB2}">
-      <thm15:themeFamily xmlns="" xmlns:thm15="http://schemas.microsoft.com/office/thememl/2012/main" name="Retrospect" id="{5F128B03-DCCA-4EEB-AB3B-CF2899314A46}" vid="{3F1AAB62-24C6-49D2-8E01-B56FAC9A3DCD}"/>
+      <thm15:themeFamily xmlns:thm15="http://schemas.microsoft.com/office/thememl/2012/main" xmlns="" name="Retrospect" id="{5F128B03-DCCA-4EEB-AB3B-CF2899314A46}" vid="{3F1AAB62-24C6-49D2-8E01-B56FAC9A3DCD}"/>
     </a:ext>
   </a:extLst>
 </a:theme>

--- a/Presentations/Proteasen - week 1.pptx
+++ b/Presentations/Proteasen - week 1.pptx
@@ -118,7 +118,7 @@
   </p:defaultTextStyle>
   <p:extLst>
     <p:ext uri="{EFAFB233-063F-42B5-8137-9DF3F51BA10A}">
-      <p15:sldGuideLst xmlns:p15="http://schemas.microsoft.com/office/powerpoint/2012/main" xmlns="">
+      <p15:sldGuideLst xmlns="" xmlns:p15="http://schemas.microsoft.com/office/powerpoint/2012/main">
         <p15:guide id="1" orient="horz" pos="2160">
           <p15:clr>
             <a:srgbClr val="A4A3A4"/>
@@ -456,7 +456,7 @@
     </p:spTree>
     <p:extLst>
       <p:ext uri="{BB962C8B-B14F-4D97-AF65-F5344CB8AC3E}">
-        <p14:creationId xmlns="" xmlns:p14="http://schemas.microsoft.com/office/powerpoint/2010/main" val="1189607244"/>
+        <p14:creationId xmlns:p14="http://schemas.microsoft.com/office/powerpoint/2010/main" xmlns="" val="1189607244"/>
       </p:ext>
     </p:extLst>
   </p:cSld>
@@ -628,7 +628,7 @@
     </p:spTree>
     <p:extLst>
       <p:ext uri="{BB962C8B-B14F-4D97-AF65-F5344CB8AC3E}">
-        <p14:creationId xmlns="" xmlns:p14="http://schemas.microsoft.com/office/powerpoint/2010/main" val="3524395468"/>
+        <p14:creationId xmlns:p14="http://schemas.microsoft.com/office/powerpoint/2010/main" xmlns="" val="3524395468"/>
       </p:ext>
     </p:extLst>
   </p:cSld>
@@ -886,7 +886,7 @@
     </p:spTree>
     <p:extLst>
       <p:ext uri="{BB962C8B-B14F-4D97-AF65-F5344CB8AC3E}">
-        <p14:creationId xmlns="" xmlns:p14="http://schemas.microsoft.com/office/powerpoint/2010/main" val="872546503"/>
+        <p14:creationId xmlns:p14="http://schemas.microsoft.com/office/powerpoint/2010/main" xmlns="" val="872546503"/>
       </p:ext>
     </p:extLst>
   </p:cSld>
@@ -1062,7 +1062,7 @@
     </p:spTree>
     <p:extLst>
       <p:ext uri="{BB962C8B-B14F-4D97-AF65-F5344CB8AC3E}">
-        <p14:creationId xmlns="" xmlns:p14="http://schemas.microsoft.com/office/powerpoint/2010/main" val="3767384208"/>
+        <p14:creationId xmlns:p14="http://schemas.microsoft.com/office/powerpoint/2010/main" xmlns="" val="3767384208"/>
       </p:ext>
     </p:extLst>
   </p:cSld>
@@ -1445,7 +1445,7 @@
     </p:spTree>
     <p:extLst>
       <p:ext uri="{BB962C8B-B14F-4D97-AF65-F5344CB8AC3E}">
-        <p14:creationId xmlns="" xmlns:p14="http://schemas.microsoft.com/office/powerpoint/2010/main" val="2042571025"/>
+        <p14:creationId xmlns:p14="http://schemas.microsoft.com/office/powerpoint/2010/main" xmlns="" val="2042571025"/>
       </p:ext>
     </p:extLst>
   </p:cSld>
@@ -1684,7 +1684,7 @@
     </p:spTree>
     <p:extLst>
       <p:ext uri="{BB962C8B-B14F-4D97-AF65-F5344CB8AC3E}">
-        <p14:creationId xmlns="" xmlns:p14="http://schemas.microsoft.com/office/powerpoint/2010/main" val="179011464"/>
+        <p14:creationId xmlns:p14="http://schemas.microsoft.com/office/powerpoint/2010/main" xmlns="" val="179011464"/>
       </p:ext>
     </p:extLst>
   </p:cSld>
@@ -2065,7 +2065,7 @@
     </p:spTree>
     <p:extLst>
       <p:ext uri="{BB962C8B-B14F-4D97-AF65-F5344CB8AC3E}">
-        <p14:creationId xmlns="" xmlns:p14="http://schemas.microsoft.com/office/powerpoint/2010/main" val="1688827915"/>
+        <p14:creationId xmlns:p14="http://schemas.microsoft.com/office/powerpoint/2010/main" xmlns="" val="1688827915"/>
       </p:ext>
     </p:extLst>
   </p:cSld>
@@ -2185,7 +2185,7 @@
     </p:spTree>
     <p:extLst>
       <p:ext uri="{BB962C8B-B14F-4D97-AF65-F5344CB8AC3E}">
-        <p14:creationId xmlns="" xmlns:p14="http://schemas.microsoft.com/office/powerpoint/2010/main" val="108174459"/>
+        <p14:creationId xmlns:p14="http://schemas.microsoft.com/office/powerpoint/2010/main" xmlns="" val="108174459"/>
       </p:ext>
     </p:extLst>
   </p:cSld>
@@ -2366,7 +2366,7 @@
     </p:spTree>
     <p:extLst>
       <p:ext uri="{BB962C8B-B14F-4D97-AF65-F5344CB8AC3E}">
-        <p14:creationId xmlns="" xmlns:p14="http://schemas.microsoft.com/office/powerpoint/2010/main" val="1412908718"/>
+        <p14:creationId xmlns:p14="http://schemas.microsoft.com/office/powerpoint/2010/main" xmlns="" val="1412908718"/>
       </p:ext>
     </p:extLst>
   </p:cSld>
@@ -2735,7 +2735,7 @@
     </p:spTree>
     <p:extLst>
       <p:ext uri="{BB962C8B-B14F-4D97-AF65-F5344CB8AC3E}">
-        <p14:creationId xmlns="" xmlns:p14="http://schemas.microsoft.com/office/powerpoint/2010/main" val="2631354765"/>
+        <p14:creationId xmlns:p14="http://schemas.microsoft.com/office/powerpoint/2010/main" xmlns="" val="2631354765"/>
       </p:ext>
     </p:extLst>
   </p:cSld>
@@ -3098,7 +3098,7 @@
     </p:spTree>
     <p:extLst>
       <p:ext uri="{BB962C8B-B14F-4D97-AF65-F5344CB8AC3E}">
-        <p14:creationId xmlns="" xmlns:p14="http://schemas.microsoft.com/office/powerpoint/2010/main" val="4061937431"/>
+        <p14:creationId xmlns:p14="http://schemas.microsoft.com/office/powerpoint/2010/main" xmlns="" val="4061937431"/>
       </p:ext>
     </p:extLst>
   </p:cSld>
@@ -3457,7 +3457,7 @@
     </p:spTree>
     <p:extLst>
       <p:ext uri="{BB962C8B-B14F-4D97-AF65-F5344CB8AC3E}">
-        <p14:creationId xmlns="" xmlns:p14="http://schemas.microsoft.com/office/powerpoint/2010/main" val="2361636988"/>
+        <p14:creationId xmlns:p14="http://schemas.microsoft.com/office/powerpoint/2010/main" xmlns="" val="2361636988"/>
       </p:ext>
     </p:extLst>
   </p:cSld>
@@ -3865,7 +3865,7 @@
           <p:cNvPr id="2" name="Titel 1">
             <a:extLst>
               <a:ext uri="{FF2B5EF4-FFF2-40B4-BE49-F238E27FC236}">
-                <a16:creationId xmlns:a16="http://schemas.microsoft.com/office/drawing/2014/main" xmlns="" id="{AE205A44-390E-455B-87E1-6D48C073A474}"/>
+                <a16:creationId xmlns="" xmlns:a16="http://schemas.microsoft.com/office/drawing/2014/main" id="{AE205A44-390E-455B-87E1-6D48C073A474}"/>
               </a:ext>
             </a:extLst>
           </p:cNvPr>
@@ -3910,7 +3910,7 @@
           <p:cNvPr id="3" name="Ondertitel 2">
             <a:extLst>
               <a:ext uri="{FF2B5EF4-FFF2-40B4-BE49-F238E27FC236}">
-                <a16:creationId xmlns:a16="http://schemas.microsoft.com/office/drawing/2014/main" xmlns="" id="{E24A4149-DFE7-4EE0-A98A-18326D7AD35D}"/>
+                <a16:creationId xmlns="" xmlns:a16="http://schemas.microsoft.com/office/drawing/2014/main" id="{E24A4149-DFE7-4EE0-A98A-18326D7AD35D}"/>
               </a:ext>
             </a:extLst>
           </p:cNvPr>
@@ -3945,7 +3945,7 @@
     </p:spTree>
     <p:extLst>
       <p:ext uri="{BB962C8B-B14F-4D97-AF65-F5344CB8AC3E}">
-        <p14:creationId xmlns="" xmlns:p14="http://schemas.microsoft.com/office/powerpoint/2010/main" val="1696353441"/>
+        <p14:creationId xmlns:p14="http://schemas.microsoft.com/office/powerpoint/2010/main" xmlns="" val="1696353441"/>
       </p:ext>
     </p:extLst>
   </p:cSld>
@@ -4201,7 +4201,6 @@
               <a:rPr lang="en-US" dirty="0" smtClean="0"/>
               <a:t> random</a:t>
             </a:r>
-            <a:endParaRPr lang="en-US" dirty="0" smtClean="0"/>
           </a:p>
         </p:txBody>
       </p:sp>
@@ -5079,7 +5078,6 @@
               <a:rPr lang="en-US" dirty="0" smtClean="0"/>
               <a:t>Simulated annealing</a:t>
             </a:r>
-            <a:endParaRPr lang="en-US" dirty="0" smtClean="0"/>
           </a:p>
           <a:p>
             <a:pPr lvl="1"/>
@@ -5193,7 +5191,7 @@
           <p:cNvPr id="2" name="Titel 1">
             <a:extLst>
               <a:ext uri="{FF2B5EF4-FFF2-40B4-BE49-F238E27FC236}">
-                <a16:creationId xmlns:a16="http://schemas.microsoft.com/office/drawing/2014/main" xmlns="" id="{769A96FB-BA26-47C0-85BC-9E5A44D94A65}"/>
+                <a16:creationId xmlns="" xmlns:a16="http://schemas.microsoft.com/office/drawing/2014/main" id="{769A96FB-BA26-47C0-85BC-9E5A44D94A65}"/>
               </a:ext>
             </a:extLst>
           </p:cNvPr>
@@ -5221,7 +5219,7 @@
           <p:cNvPr id="5" name="Tijdelijke aanduiding voor inhoud 4">
             <a:extLst>
               <a:ext uri="{FF2B5EF4-FFF2-40B4-BE49-F238E27FC236}">
-                <a16:creationId xmlns:a16="http://schemas.microsoft.com/office/drawing/2014/main" xmlns="" id="{82F9B9FE-1870-4902-A7DB-4B27D59D2B2B}"/>
+                <a16:creationId xmlns="" xmlns:a16="http://schemas.microsoft.com/office/drawing/2014/main" id="{82F9B9FE-1870-4902-A7DB-4B27D59D2B2B}"/>
               </a:ext>
             </a:extLst>
           </p:cNvPr>
@@ -5236,7 +5234,7 @@
           <a:blip r:embed="rId2" cstate="print">
             <a:extLst>
               <a:ext uri="{28A0092B-C50C-407E-A947-70E740481C1C}">
-                <a14:useLocalDpi xmlns="" xmlns:a14="http://schemas.microsoft.com/office/drawing/2010/main" val="0"/>
+                <a14:useLocalDpi xmlns:a14="http://schemas.microsoft.com/office/drawing/2010/main" xmlns="" val="0"/>
               </a:ext>
             </a:extLst>
           </a:blip>
@@ -5256,7 +5254,7 @@
           <p:cNvPr id="6" name="Tekstvak 5">
             <a:extLst>
               <a:ext uri="{FF2B5EF4-FFF2-40B4-BE49-F238E27FC236}">
-                <a16:creationId xmlns:a16="http://schemas.microsoft.com/office/drawing/2014/main" xmlns="" id="{D8F2D3D1-1FE8-4AA0-B6C8-D7E88097CE04}"/>
+                <a16:creationId xmlns="" xmlns:a16="http://schemas.microsoft.com/office/drawing/2014/main" id="{D8F2D3D1-1FE8-4AA0-B6C8-D7E88097CE04}"/>
               </a:ext>
             </a:extLst>
           </p:cNvPr>
@@ -5292,7 +5290,7 @@
           <p:cNvPr id="8" name="Afbeelding 7">
             <a:extLst>
               <a:ext uri="{FF2B5EF4-FFF2-40B4-BE49-F238E27FC236}">
-                <a16:creationId xmlns:a16="http://schemas.microsoft.com/office/drawing/2014/main" xmlns="" id="{819AAC82-0B32-4FA7-B311-90C90A003DAD}"/>
+                <a16:creationId xmlns="" xmlns:a16="http://schemas.microsoft.com/office/drawing/2014/main" id="{819AAC82-0B32-4FA7-B311-90C90A003DAD}"/>
               </a:ext>
             </a:extLst>
           </p:cNvPr>
@@ -5305,7 +5303,7 @@
           <a:blip r:embed="rId3" cstate="print">
             <a:extLst>
               <a:ext uri="{28A0092B-C50C-407E-A947-70E740481C1C}">
-                <a14:useLocalDpi xmlns="" xmlns:a14="http://schemas.microsoft.com/office/drawing/2010/main" val="0"/>
+                <a14:useLocalDpi xmlns:a14="http://schemas.microsoft.com/office/drawing/2010/main" xmlns="" val="0"/>
               </a:ext>
             </a:extLst>
           </a:blip>
@@ -5327,7 +5325,7 @@
           <p:cNvPr id="11" name="Pijl: rechts 10">
             <a:extLst>
               <a:ext uri="{FF2B5EF4-FFF2-40B4-BE49-F238E27FC236}">
-                <a16:creationId xmlns:a16="http://schemas.microsoft.com/office/drawing/2014/main" xmlns="" id="{C3B3C454-C61F-4642-AC5E-175E78B46E93}"/>
+                <a16:creationId xmlns="" xmlns:a16="http://schemas.microsoft.com/office/drawing/2014/main" id="{C3B3C454-C61F-4642-AC5E-175E78B46E93}"/>
               </a:ext>
             </a:extLst>
           </p:cNvPr>
@@ -5373,7 +5371,7 @@
           <p:cNvPr id="12" name="Tekstvak 11">
             <a:extLst>
               <a:ext uri="{FF2B5EF4-FFF2-40B4-BE49-F238E27FC236}">
-                <a16:creationId xmlns:a16="http://schemas.microsoft.com/office/drawing/2014/main" xmlns="" id="{1AF95B95-DF37-4511-BC26-2A337B82EADC}"/>
+                <a16:creationId xmlns="" xmlns:a16="http://schemas.microsoft.com/office/drawing/2014/main" id="{1AF95B95-DF37-4511-BC26-2A337B82EADC}"/>
               </a:ext>
             </a:extLst>
           </p:cNvPr>
@@ -5408,7 +5406,7 @@
           <p:cNvPr id="9" name="Afbeelding 8">
             <a:extLst>
               <a:ext uri="{FF2B5EF4-FFF2-40B4-BE49-F238E27FC236}">
-                <a16:creationId xmlns:a16="http://schemas.microsoft.com/office/drawing/2014/main" xmlns="" id="{1B858127-D2F6-4D2B-B5A9-94CF7612B179}"/>
+                <a16:creationId xmlns="" xmlns:a16="http://schemas.microsoft.com/office/drawing/2014/main" id="{1B858127-D2F6-4D2B-B5A9-94CF7612B179}"/>
               </a:ext>
             </a:extLst>
           </p:cNvPr>
@@ -5421,7 +5419,7 @@
           <a:blip r:embed="rId4" cstate="print">
             <a:extLst>
               <a:ext uri="{28A0092B-C50C-407E-A947-70E740481C1C}">
-                <a14:useLocalDpi xmlns="" xmlns:a14="http://schemas.microsoft.com/office/drawing/2010/main" val="0"/>
+                <a14:useLocalDpi xmlns:a14="http://schemas.microsoft.com/office/drawing/2010/main" xmlns="" val="0"/>
               </a:ext>
             </a:extLst>
           </a:blip>
@@ -5444,7 +5442,7 @@
           <p:cNvPr id="10" name="Pijl: rechts 9">
             <a:extLst>
               <a:ext uri="{FF2B5EF4-FFF2-40B4-BE49-F238E27FC236}">
-                <a16:creationId xmlns:a16="http://schemas.microsoft.com/office/drawing/2014/main" xmlns="" id="{13F3850F-71EA-4741-A182-94C4C2F636F5}"/>
+                <a16:creationId xmlns="" xmlns:a16="http://schemas.microsoft.com/office/drawing/2014/main" id="{13F3850F-71EA-4741-A182-94C4C2F636F5}"/>
               </a:ext>
             </a:extLst>
           </p:cNvPr>
@@ -5488,7 +5486,7 @@
     </p:spTree>
     <p:extLst>
       <p:ext uri="{BB962C8B-B14F-4D97-AF65-F5344CB8AC3E}">
-        <p14:creationId xmlns="" xmlns:p14="http://schemas.microsoft.com/office/powerpoint/2010/main" val="2643686151"/>
+        <p14:creationId xmlns:p14="http://schemas.microsoft.com/office/powerpoint/2010/main" xmlns="" val="2643686151"/>
       </p:ext>
     </p:extLst>
   </p:cSld>
@@ -5527,7 +5525,7 @@
           <p:cNvPr id="2" name="Titel 1">
             <a:extLst>
               <a:ext uri="{FF2B5EF4-FFF2-40B4-BE49-F238E27FC236}">
-                <a16:creationId xmlns:a16="http://schemas.microsoft.com/office/drawing/2014/main" xmlns="" id="{769A96FB-BA26-47C0-85BC-9E5A44D94A65}"/>
+                <a16:creationId xmlns="" xmlns:a16="http://schemas.microsoft.com/office/drawing/2014/main" id="{769A96FB-BA26-47C0-85BC-9E5A44D94A65}"/>
               </a:ext>
             </a:extLst>
           </p:cNvPr>
@@ -5555,7 +5553,7 @@
           <p:cNvPr id="5" name="Tijdelijke aanduiding voor inhoud 4">
             <a:extLst>
               <a:ext uri="{FF2B5EF4-FFF2-40B4-BE49-F238E27FC236}">
-                <a16:creationId xmlns:a16="http://schemas.microsoft.com/office/drawing/2014/main" xmlns="" id="{82F9B9FE-1870-4902-A7DB-4B27D59D2B2B}"/>
+                <a16:creationId xmlns="" xmlns:a16="http://schemas.microsoft.com/office/drawing/2014/main" id="{82F9B9FE-1870-4902-A7DB-4B27D59D2B2B}"/>
               </a:ext>
             </a:extLst>
           </p:cNvPr>
@@ -5570,7 +5568,7 @@
           <a:blip r:embed="rId2" cstate="print">
             <a:extLst>
               <a:ext uri="{28A0092B-C50C-407E-A947-70E740481C1C}">
-                <a14:useLocalDpi xmlns="" xmlns:a14="http://schemas.microsoft.com/office/drawing/2010/main" val="0"/>
+                <a14:useLocalDpi xmlns:a14="http://schemas.microsoft.com/office/drawing/2010/main" xmlns="" val="0"/>
               </a:ext>
             </a:extLst>
           </a:blip>
@@ -5590,7 +5588,7 @@
           <p:cNvPr id="6" name="Tekstvak 5">
             <a:extLst>
               <a:ext uri="{FF2B5EF4-FFF2-40B4-BE49-F238E27FC236}">
-                <a16:creationId xmlns:a16="http://schemas.microsoft.com/office/drawing/2014/main" xmlns="" id="{D8F2D3D1-1FE8-4AA0-B6C8-D7E88097CE04}"/>
+                <a16:creationId xmlns="" xmlns:a16="http://schemas.microsoft.com/office/drawing/2014/main" id="{D8F2D3D1-1FE8-4AA0-B6C8-D7E88097CE04}"/>
               </a:ext>
             </a:extLst>
           </p:cNvPr>
@@ -5626,7 +5624,7 @@
           <p:cNvPr id="8" name="Afbeelding 7">
             <a:extLst>
               <a:ext uri="{FF2B5EF4-FFF2-40B4-BE49-F238E27FC236}">
-                <a16:creationId xmlns:a16="http://schemas.microsoft.com/office/drawing/2014/main" xmlns="" id="{819AAC82-0B32-4FA7-B311-90C90A003DAD}"/>
+                <a16:creationId xmlns="" xmlns:a16="http://schemas.microsoft.com/office/drawing/2014/main" id="{819AAC82-0B32-4FA7-B311-90C90A003DAD}"/>
               </a:ext>
             </a:extLst>
           </p:cNvPr>
@@ -5639,7 +5637,7 @@
           <a:blip r:embed="rId3" cstate="print">
             <a:extLst>
               <a:ext uri="{28A0092B-C50C-407E-A947-70E740481C1C}">
-                <a14:useLocalDpi xmlns="" xmlns:a14="http://schemas.microsoft.com/office/drawing/2010/main" val="0"/>
+                <a14:useLocalDpi xmlns:a14="http://schemas.microsoft.com/office/drawing/2010/main" xmlns="" val="0"/>
               </a:ext>
             </a:extLst>
           </a:blip>
@@ -5661,7 +5659,7 @@
           <p:cNvPr id="11" name="Pijl: rechts 10">
             <a:extLst>
               <a:ext uri="{FF2B5EF4-FFF2-40B4-BE49-F238E27FC236}">
-                <a16:creationId xmlns:a16="http://schemas.microsoft.com/office/drawing/2014/main" xmlns="" id="{C3B3C454-C61F-4642-AC5E-175E78B46E93}"/>
+                <a16:creationId xmlns="" xmlns:a16="http://schemas.microsoft.com/office/drawing/2014/main" id="{C3B3C454-C61F-4642-AC5E-175E78B46E93}"/>
               </a:ext>
             </a:extLst>
           </p:cNvPr>
@@ -5707,7 +5705,7 @@
           <p:cNvPr id="12" name="Tekstvak 11">
             <a:extLst>
               <a:ext uri="{FF2B5EF4-FFF2-40B4-BE49-F238E27FC236}">
-                <a16:creationId xmlns:a16="http://schemas.microsoft.com/office/drawing/2014/main" xmlns="" id="{1AF95B95-DF37-4511-BC26-2A337B82EADC}"/>
+                <a16:creationId xmlns="" xmlns:a16="http://schemas.microsoft.com/office/drawing/2014/main" id="{1AF95B95-DF37-4511-BC26-2A337B82EADC}"/>
               </a:ext>
             </a:extLst>
           </p:cNvPr>
@@ -5742,7 +5740,7 @@
           <p:cNvPr id="9" name="Afbeelding 8">
             <a:extLst>
               <a:ext uri="{FF2B5EF4-FFF2-40B4-BE49-F238E27FC236}">
-                <a16:creationId xmlns:a16="http://schemas.microsoft.com/office/drawing/2014/main" xmlns="" id="{1B858127-D2F6-4D2B-B5A9-94CF7612B179}"/>
+                <a16:creationId xmlns="" xmlns:a16="http://schemas.microsoft.com/office/drawing/2014/main" id="{1B858127-D2F6-4D2B-B5A9-94CF7612B179}"/>
               </a:ext>
             </a:extLst>
           </p:cNvPr>
@@ -5755,7 +5753,7 @@
           <a:blip r:embed="rId4" cstate="print">
             <a:extLst>
               <a:ext uri="{28A0092B-C50C-407E-A947-70E740481C1C}">
-                <a14:useLocalDpi xmlns="" xmlns:a14="http://schemas.microsoft.com/office/drawing/2010/main" val="0"/>
+                <a14:useLocalDpi xmlns:a14="http://schemas.microsoft.com/office/drawing/2010/main" xmlns="" val="0"/>
               </a:ext>
             </a:extLst>
           </a:blip>
@@ -5778,7 +5776,7 @@
           <p:cNvPr id="10" name="Pijl: rechts 9">
             <a:extLst>
               <a:ext uri="{FF2B5EF4-FFF2-40B4-BE49-F238E27FC236}">
-                <a16:creationId xmlns:a16="http://schemas.microsoft.com/office/drawing/2014/main" xmlns="" id="{13F3850F-71EA-4741-A182-94C4C2F636F5}"/>
+                <a16:creationId xmlns="" xmlns:a16="http://schemas.microsoft.com/office/drawing/2014/main" id="{13F3850F-71EA-4741-A182-94C4C2F636F5}"/>
               </a:ext>
             </a:extLst>
           </p:cNvPr>
@@ -5824,7 +5822,7 @@
           <p:cNvPr id="3" name="Ovaal 2">
             <a:extLst>
               <a:ext uri="{FF2B5EF4-FFF2-40B4-BE49-F238E27FC236}">
-                <a16:creationId xmlns:a16="http://schemas.microsoft.com/office/drawing/2014/main" xmlns="" id="{19B9F891-8EF8-44F6-B6ED-BB2422D771A3}"/>
+                <a16:creationId xmlns="" xmlns:a16="http://schemas.microsoft.com/office/drawing/2014/main" id="{19B9F891-8EF8-44F6-B6ED-BB2422D771A3}"/>
               </a:ext>
             </a:extLst>
           </p:cNvPr>
@@ -5873,7 +5871,7 @@
           <p:cNvPr id="13" name="Ovaal 12">
             <a:extLst>
               <a:ext uri="{FF2B5EF4-FFF2-40B4-BE49-F238E27FC236}">
-                <a16:creationId xmlns:a16="http://schemas.microsoft.com/office/drawing/2014/main" xmlns="" id="{24DD1F6E-573A-4E2D-8811-591CE94E629B}"/>
+                <a16:creationId xmlns="" xmlns:a16="http://schemas.microsoft.com/office/drawing/2014/main" id="{24DD1F6E-573A-4E2D-8811-591CE94E629B}"/>
               </a:ext>
             </a:extLst>
           </p:cNvPr>
@@ -5922,7 +5920,7 @@
           <p:cNvPr id="7" name="Rechte verbindingslijn met pijl 6">
             <a:extLst>
               <a:ext uri="{FF2B5EF4-FFF2-40B4-BE49-F238E27FC236}">
-                <a16:creationId xmlns:a16="http://schemas.microsoft.com/office/drawing/2014/main" xmlns="" id="{D5C82334-4E2E-4051-961A-F679B07C4F1F}"/>
+                <a16:creationId xmlns="" xmlns:a16="http://schemas.microsoft.com/office/drawing/2014/main" id="{D5C82334-4E2E-4051-961A-F679B07C4F1F}"/>
               </a:ext>
             </a:extLst>
           </p:cNvPr>
@@ -5964,7 +5962,7 @@
           <p:cNvPr id="16" name="Rechte verbindingslijn met pijl 15">
             <a:extLst>
               <a:ext uri="{FF2B5EF4-FFF2-40B4-BE49-F238E27FC236}">
-                <a16:creationId xmlns:a16="http://schemas.microsoft.com/office/drawing/2014/main" xmlns="" id="{705EA1F6-DA7E-4475-8576-E76A7C126F12}"/>
+                <a16:creationId xmlns="" xmlns:a16="http://schemas.microsoft.com/office/drawing/2014/main" id="{705EA1F6-DA7E-4475-8576-E76A7C126F12}"/>
               </a:ext>
             </a:extLst>
           </p:cNvPr>
@@ -6004,7 +6002,7 @@
     </p:spTree>
     <p:extLst>
       <p:ext uri="{BB962C8B-B14F-4D97-AF65-F5344CB8AC3E}">
-        <p14:creationId xmlns="" xmlns:p14="http://schemas.microsoft.com/office/powerpoint/2010/main" val="845698545"/>
+        <p14:creationId xmlns:p14="http://schemas.microsoft.com/office/powerpoint/2010/main" xmlns="" val="845698545"/>
       </p:ext>
     </p:extLst>
   </p:cSld>
@@ -6043,7 +6041,7 @@
           <p:cNvPr id="2" name="Titel 1">
             <a:extLst>
               <a:ext uri="{FF2B5EF4-FFF2-40B4-BE49-F238E27FC236}">
-                <a16:creationId xmlns:a16="http://schemas.microsoft.com/office/drawing/2014/main" xmlns="" id="{28AC7F7A-EB5E-48A2-A178-02E17BA194BE}"/>
+                <a16:creationId xmlns="" xmlns:a16="http://schemas.microsoft.com/office/drawing/2014/main" id="{28AC7F7A-EB5E-48A2-A178-02E17BA194BE}"/>
               </a:ext>
             </a:extLst>
           </p:cNvPr>
@@ -6088,7 +6086,7 @@
           <p:cNvPr id="4" name="Tijdelijke aanduiding voor inhoud 3">
             <a:extLst>
               <a:ext uri="{FF2B5EF4-FFF2-40B4-BE49-F238E27FC236}">
-                <a16:creationId xmlns:a16="http://schemas.microsoft.com/office/drawing/2014/main" xmlns="" id="{12A0C32B-A310-4B27-B6D9-73509A425B75}"/>
+                <a16:creationId xmlns="" xmlns:a16="http://schemas.microsoft.com/office/drawing/2014/main" id="{12A0C32B-A310-4B27-B6D9-73509A425B75}"/>
               </a:ext>
             </a:extLst>
           </p:cNvPr>
@@ -6117,7 +6115,7 @@
     </p:spTree>
     <p:extLst>
       <p:ext uri="{BB962C8B-B14F-4D97-AF65-F5344CB8AC3E}">
-        <p14:creationId xmlns="" xmlns:p14="http://schemas.microsoft.com/office/powerpoint/2010/main" val="2460963347"/>
+        <p14:creationId xmlns:p14="http://schemas.microsoft.com/office/powerpoint/2010/main" xmlns="" val="2460963347"/>
       </p:ext>
     </p:extLst>
   </p:cSld>
@@ -8194,13 +8192,14 @@
           <a:lstStyle/>
           <a:p>
             <a:r>
-              <a:rPr lang="en-US" dirty="0" err="1"/>
-              <a:t>Algoritmes</a:t>
-            </a:r>
-            <a:r>
-              <a:rPr lang="en-US" dirty="0"/>
+              <a:rPr lang="en-US" dirty="0" err="1" smtClean="0"/>
+              <a:t>Algoritmen</a:t>
+            </a:r>
+            <a:r>
+              <a:rPr lang="en-US" dirty="0" smtClean="0"/>
               <a:t>:</a:t>
             </a:r>
+            <a:endParaRPr lang="en-US" dirty="0"/>
           </a:p>
           <a:p>
             <a:pPr lvl="1"/>
@@ -8518,7 +8517,7 @@
   <a:extraClrSchemeLst/>
   <a:extLst>
     <a:ext uri="{05A4C25C-085E-4340-85A3-A5531E510DB2}">
-      <thm15:themeFamily xmlns:thm15="http://schemas.microsoft.com/office/thememl/2012/main" xmlns="" name="Retrospect" id="{5F128B03-DCCA-4EEB-AB3B-CF2899314A46}" vid="{3F1AAB62-24C6-49D2-8E01-B56FAC9A3DCD}"/>
+      <thm15:themeFamily xmlns="" xmlns:thm15="http://schemas.microsoft.com/office/thememl/2012/main" name="Retrospect" id="{5F128B03-DCCA-4EEB-AB3B-CF2899314A46}" vid="{3F1AAB62-24C6-49D2-8E01-B56FAC9A3DCD}"/>
     </a:ext>
   </a:extLst>
 </a:theme>

--- a/Presentations/Proteasen - week 1.pptx
+++ b/Presentations/Proteasen - week 1.pptx
@@ -27,9 +27,10 @@
     <p:sldId id="265" r:id="rId21"/>
     <p:sldId id="267" r:id="rId22"/>
     <p:sldId id="275" r:id="rId23"/>
-    <p:sldId id="276" r:id="rId24"/>
-    <p:sldId id="268" r:id="rId25"/>
-    <p:sldId id="274" r:id="rId26"/>
+    <p:sldId id="290" r:id="rId24"/>
+    <p:sldId id="276" r:id="rId25"/>
+    <p:sldId id="268" r:id="rId26"/>
+    <p:sldId id="274" r:id="rId27"/>
   </p:sldIdLst>
   <p:sldSz cx="12192000" cy="6858000"/>
   <p:notesSz cx="6858000" cy="9144000"/>
@@ -130,7 +131,7 @@
   </p:defaultTextStyle>
   <p:extLst>
     <p:ext uri="{EFAFB233-063F-42B5-8137-9DF3F51BA10A}">
-      <p15:sldGuideLst xmlns:p15="http://schemas.microsoft.com/office/powerpoint/2012/main">
+      <p15:sldGuideLst xmlns:p15="http://schemas.microsoft.com/office/powerpoint/2012/main" xmlns="">
         <p15:guide id="1" orient="horz" pos="2160">
           <p15:clr>
             <a:srgbClr val="A4A3A4"/>
@@ -607,7 +608,7 @@
             <a:fld id="{1C1C122E-05CA-4289-A26B-D14C5EAD5EFF}" type="slidenum">
               <a:rPr lang="nl-NL" smtClean="0"/>
               <a:pPr/>
-              <a:t>‹nr.›</a:t>
+              <a:t>‹#›</a:t>
             </a:fld>
             <a:endParaRPr lang="nl-NL"/>
           </a:p>
@@ -779,7 +780,7 @@
             <a:fld id="{1C1C122E-05CA-4289-A26B-D14C5EAD5EFF}" type="slidenum">
               <a:rPr lang="nl-NL" smtClean="0"/>
               <a:pPr/>
-              <a:t>‹nr.›</a:t>
+              <a:t>‹#›</a:t>
             </a:fld>
             <a:endParaRPr lang="nl-NL"/>
           </a:p>
@@ -961,7 +962,7 @@
             <a:fld id="{1C1C122E-05CA-4289-A26B-D14C5EAD5EFF}" type="slidenum">
               <a:rPr lang="nl-NL" smtClean="0"/>
               <a:pPr/>
-              <a:t>‹nr.›</a:t>
+              <a:t>‹#›</a:t>
             </a:fld>
             <a:endParaRPr lang="nl-NL"/>
           </a:p>
@@ -1133,7 +1134,7 @@
             <a:fld id="{1C1C122E-05CA-4289-A26B-D14C5EAD5EFF}" type="slidenum">
               <a:rPr lang="nl-NL" smtClean="0"/>
               <a:pPr/>
-              <a:t>‹nr.›</a:t>
+              <a:t>‹#›</a:t>
             </a:fld>
             <a:endParaRPr lang="nl-NL"/>
           </a:p>
@@ -1546,7 +1547,7 @@
             <a:fld id="{1C1C122E-05CA-4289-A26B-D14C5EAD5EFF}" type="slidenum">
               <a:rPr lang="nl-NL" smtClean="0"/>
               <a:pPr/>
-              <a:t>‹nr.›</a:t>
+              <a:t>‹#›</a:t>
             </a:fld>
             <a:endParaRPr lang="nl-NL"/>
           </a:p>
@@ -1836,7 +1837,7 @@
             <a:fld id="{1C1C122E-05CA-4289-A26B-D14C5EAD5EFF}" type="slidenum">
               <a:rPr lang="nl-NL" smtClean="0"/>
               <a:pPr/>
-              <a:t>‹nr.›</a:t>
+              <a:t>‹#›</a:t>
             </a:fld>
             <a:endParaRPr lang="nl-NL"/>
           </a:p>
@@ -2272,7 +2273,7 @@
             <a:fld id="{1C1C122E-05CA-4289-A26B-D14C5EAD5EFF}" type="slidenum">
               <a:rPr lang="nl-NL" smtClean="0"/>
               <a:pPr/>
-              <a:t>‹nr.›</a:t>
+              <a:t>‹#›</a:t>
             </a:fld>
             <a:endParaRPr lang="nl-NL"/>
           </a:p>
@@ -2392,7 +2393,7 @@
             <a:fld id="{1C1C122E-05CA-4289-A26B-D14C5EAD5EFF}" type="slidenum">
               <a:rPr lang="nl-NL" smtClean="0"/>
               <a:pPr/>
-              <a:t>‹nr.›</a:t>
+              <a:t>‹#›</a:t>
             </a:fld>
             <a:endParaRPr lang="nl-NL"/>
           </a:p>
@@ -2489,7 +2490,7 @@
             <a:fld id="{1C1C122E-05CA-4289-A26B-D14C5EAD5EFF}" type="slidenum">
               <a:rPr lang="nl-NL" smtClean="0"/>
               <a:pPr/>
-              <a:t>‹nr.›</a:t>
+              <a:t>‹#›</a:t>
             </a:fld>
             <a:endParaRPr lang="nl-NL"/>
           </a:p>
@@ -2930,7 +2931,7 @@
             <a:fld id="{1C1C122E-05CA-4289-A26B-D14C5EAD5EFF}" type="slidenum">
               <a:rPr lang="nl-NL" smtClean="0"/>
               <a:pPr/>
-              <a:t>‹nr.›</a:t>
+              <a:t>‹#›</a:t>
             </a:fld>
             <a:endParaRPr lang="nl-NL"/>
           </a:p>
@@ -3338,7 +3339,7 @@
             <a:fld id="{1C1C122E-05CA-4289-A26B-D14C5EAD5EFF}" type="slidenum">
               <a:rPr lang="nl-NL" smtClean="0"/>
               <a:pPr/>
-              <a:t>‹nr.›</a:t>
+              <a:t>‹#›</a:t>
             </a:fld>
             <a:endParaRPr lang="nl-NL"/>
           </a:p>
@@ -3673,7 +3674,7 @@
             <a:fld id="{1C1C122E-05CA-4289-A26B-D14C5EAD5EFF}" type="slidenum">
               <a:rPr lang="nl-NL" smtClean="0"/>
               <a:pPr/>
-              <a:t>‹nr.›</a:t>
+              <a:t>‹#›</a:t>
             </a:fld>
             <a:endParaRPr lang="nl-NL"/>
           </a:p>
@@ -4090,7 +4091,7 @@
           <p:cNvPr id="2" name="Titel 1">
             <a:extLst>
               <a:ext uri="{FF2B5EF4-FFF2-40B4-BE49-F238E27FC236}">
-                <a16:creationId xmlns:a16="http://schemas.microsoft.com/office/drawing/2014/main" id="{AE205A44-390E-455B-87E1-6D48C073A474}"/>
+                <a16:creationId xmlns:a16="http://schemas.microsoft.com/office/drawing/2014/main" xmlns="" id="{AE205A44-390E-455B-87E1-6D48C073A474}"/>
               </a:ext>
             </a:extLst>
           </p:cNvPr>
@@ -4135,7 +4136,7 @@
           <p:cNvPr id="3" name="Ondertitel 2">
             <a:extLst>
               <a:ext uri="{FF2B5EF4-FFF2-40B4-BE49-F238E27FC236}">
-                <a16:creationId xmlns:a16="http://schemas.microsoft.com/office/drawing/2014/main" id="{E24A4149-DFE7-4EE0-A98A-18326D7AD35D}"/>
+                <a16:creationId xmlns:a16="http://schemas.microsoft.com/office/drawing/2014/main" xmlns="" id="{E24A4149-DFE7-4EE0-A98A-18326D7AD35D}"/>
               </a:ext>
             </a:extLst>
           </p:cNvPr>
@@ -4198,7 +4199,7 @@
           <p:cNvPr id="2" name="Titel 1">
             <a:extLst>
               <a:ext uri="{FF2B5EF4-FFF2-40B4-BE49-F238E27FC236}">
-                <a16:creationId xmlns:a16="http://schemas.microsoft.com/office/drawing/2014/main" id="{769A96FB-BA26-47C0-85BC-9E5A44D94A65}"/>
+                <a16:creationId xmlns:a16="http://schemas.microsoft.com/office/drawing/2014/main" xmlns="" id="{769A96FB-BA26-47C0-85BC-9E5A44D94A65}"/>
               </a:ext>
             </a:extLst>
           </p:cNvPr>
@@ -4226,7 +4227,7 @@
           <p:cNvPr id="5" name="Tijdelijke aanduiding voor inhoud 4">
             <a:extLst>
               <a:ext uri="{FF2B5EF4-FFF2-40B4-BE49-F238E27FC236}">
-                <a16:creationId xmlns:a16="http://schemas.microsoft.com/office/drawing/2014/main" id="{82F9B9FE-1870-4902-A7DB-4B27D59D2B2B}"/>
+                <a16:creationId xmlns:a16="http://schemas.microsoft.com/office/drawing/2014/main" xmlns="" id="{82F9B9FE-1870-4902-A7DB-4B27D59D2B2B}"/>
               </a:ext>
             </a:extLst>
           </p:cNvPr>
@@ -4261,7 +4262,7 @@
           <p:cNvPr id="13" name="Tekstvak 12">
             <a:extLst>
               <a:ext uri="{FF2B5EF4-FFF2-40B4-BE49-F238E27FC236}">
-                <a16:creationId xmlns:a16="http://schemas.microsoft.com/office/drawing/2014/main" id="{44CABAE1-B325-4747-910E-7EDC7EDD7625}"/>
+                <a16:creationId xmlns:a16="http://schemas.microsoft.com/office/drawing/2014/main" xmlns="" id="{44CABAE1-B325-4747-910E-7EDC7EDD7625}"/>
               </a:ext>
             </a:extLst>
           </p:cNvPr>
@@ -4315,7 +4316,7 @@
           <p:cNvPr id="14" name="Afbeelding 13">
             <a:extLst>
               <a:ext uri="{FF2B5EF4-FFF2-40B4-BE49-F238E27FC236}">
-                <a16:creationId xmlns:a16="http://schemas.microsoft.com/office/drawing/2014/main" id="{F67612D4-1C0C-40D2-972D-04F12DDE0F60}"/>
+                <a16:creationId xmlns:a16="http://schemas.microsoft.com/office/drawing/2014/main" xmlns="" id="{F67612D4-1C0C-40D2-972D-04F12DDE0F60}"/>
               </a:ext>
             </a:extLst>
           </p:cNvPr>
@@ -4345,7 +4346,7 @@
           <p:cNvPr id="3" name="Tekstvak 2">
             <a:extLst>
               <a:ext uri="{FF2B5EF4-FFF2-40B4-BE49-F238E27FC236}">
-                <a16:creationId xmlns:a16="http://schemas.microsoft.com/office/drawing/2014/main" id="{C26579A7-5154-43F0-8824-0FAFC9CD4201}"/>
+                <a16:creationId xmlns:a16="http://schemas.microsoft.com/office/drawing/2014/main" xmlns="" id="{C26579A7-5154-43F0-8824-0FAFC9CD4201}"/>
               </a:ext>
             </a:extLst>
           </p:cNvPr>
@@ -4380,7 +4381,7 @@
           <p:cNvPr id="4" name="Tekstvak 3">
             <a:extLst>
               <a:ext uri="{FF2B5EF4-FFF2-40B4-BE49-F238E27FC236}">
-                <a16:creationId xmlns:a16="http://schemas.microsoft.com/office/drawing/2014/main" id="{1F03EA5B-9405-4FF2-A715-0E995B30C408}"/>
+                <a16:creationId xmlns:a16="http://schemas.microsoft.com/office/drawing/2014/main" xmlns="" id="{1F03EA5B-9405-4FF2-A715-0E995B30C408}"/>
               </a:ext>
             </a:extLst>
           </p:cNvPr>
@@ -4415,7 +4416,7 @@
           <p:cNvPr id="17" name="Rechte verbindingslijn met pijl 16">
             <a:extLst>
               <a:ext uri="{FF2B5EF4-FFF2-40B4-BE49-F238E27FC236}">
-                <a16:creationId xmlns:a16="http://schemas.microsoft.com/office/drawing/2014/main" id="{4354D81E-79D5-49F9-8B3E-FFC4DC3E61F5}"/>
+                <a16:creationId xmlns:a16="http://schemas.microsoft.com/office/drawing/2014/main" xmlns="" id="{4354D81E-79D5-49F9-8B3E-FFC4DC3E61F5}"/>
               </a:ext>
             </a:extLst>
           </p:cNvPr>
@@ -4456,7 +4457,7 @@
           <p:cNvPr id="7170" name="Picture 2" descr="Afbeeldingsresultaat voor hammer drawing">
             <a:extLst>
               <a:ext uri="{FF2B5EF4-FFF2-40B4-BE49-F238E27FC236}">
-                <a16:creationId xmlns:a16="http://schemas.microsoft.com/office/drawing/2014/main" id="{ACB393D5-86CC-4AAD-A571-9E26D25E2E0B}"/>
+                <a16:creationId xmlns:a16="http://schemas.microsoft.com/office/drawing/2014/main" xmlns="" id="{ACB393D5-86CC-4AAD-A571-9E26D25E2E0B}"/>
               </a:ext>
             </a:extLst>
           </p:cNvPr>
@@ -4466,7 +4467,7 @@
           <p:nvPr/>
         </p:nvPicPr>
         <p:blipFill>
-          <a:blip r:embed="rId4">
+          <a:blip r:embed="rId4" cstate="print">
             <a:extLst>
               <a:ext uri="{28A0092B-C50C-407E-A947-70E740481C1C}">
                 <a14:useLocalDpi xmlns:a14="http://schemas.microsoft.com/office/drawing/2010/main" val="0"/>
@@ -4503,7 +4504,7 @@
           <p:cNvPr id="6" name="Gedachtewolkje: wolk 5">
             <a:extLst>
               <a:ext uri="{FF2B5EF4-FFF2-40B4-BE49-F238E27FC236}">
-                <a16:creationId xmlns:a16="http://schemas.microsoft.com/office/drawing/2014/main" id="{39AC6EFF-786A-42AC-971E-B03EAAA5119B}"/>
+                <a16:creationId xmlns:a16="http://schemas.microsoft.com/office/drawing/2014/main" xmlns="" id="{39AC6EFF-786A-42AC-971E-B03EAAA5119B}"/>
               </a:ext>
             </a:extLst>
           </p:cNvPr>
@@ -4565,7 +4566,7 @@
           <p:cNvPr id="7172" name="Picture 4" descr="Afbeeldingsresultaat voor bouwpakket tekening">
             <a:extLst>
               <a:ext uri="{FF2B5EF4-FFF2-40B4-BE49-F238E27FC236}">
-                <a16:creationId xmlns:a16="http://schemas.microsoft.com/office/drawing/2014/main" id="{4A471D98-FB95-4C4D-AE0F-FD069389E87D}"/>
+                <a16:creationId xmlns:a16="http://schemas.microsoft.com/office/drawing/2014/main" xmlns="" id="{4A471D98-FB95-4C4D-AE0F-FD069389E87D}"/>
               </a:ext>
             </a:extLst>
           </p:cNvPr>
@@ -4575,7 +4576,7 @@
           <p:nvPr/>
         </p:nvPicPr>
         <p:blipFill>
-          <a:blip r:embed="rId5">
+          <a:blip r:embed="rId5" cstate="print">
             <a:extLst>
               <a:ext uri="{28A0092B-C50C-407E-A947-70E740481C1C}">
                 <a14:useLocalDpi xmlns:a14="http://schemas.microsoft.com/office/drawing/2010/main" val="0"/>
@@ -4612,7 +4613,7 @@
           <p:cNvPr id="12" name="Ovaal 11">
             <a:extLst>
               <a:ext uri="{FF2B5EF4-FFF2-40B4-BE49-F238E27FC236}">
-                <a16:creationId xmlns:a16="http://schemas.microsoft.com/office/drawing/2014/main" id="{702660D4-5C08-4FC9-B5F9-92B2E32F1F54}"/>
+                <a16:creationId xmlns:a16="http://schemas.microsoft.com/office/drawing/2014/main" xmlns="" id="{702660D4-5C08-4FC9-B5F9-92B2E32F1F54}"/>
               </a:ext>
             </a:extLst>
           </p:cNvPr>
@@ -4670,7 +4671,7 @@
           <p:cNvPr id="15" name="Ovaal 14">
             <a:extLst>
               <a:ext uri="{FF2B5EF4-FFF2-40B4-BE49-F238E27FC236}">
-                <a16:creationId xmlns:a16="http://schemas.microsoft.com/office/drawing/2014/main" id="{6F886743-BD7C-498D-8470-3AFF63CE3A2E}"/>
+                <a16:creationId xmlns:a16="http://schemas.microsoft.com/office/drawing/2014/main" xmlns="" id="{6F886743-BD7C-498D-8470-3AFF63CE3A2E}"/>
               </a:ext>
             </a:extLst>
           </p:cNvPr>
@@ -4728,7 +4729,7 @@
           <p:cNvPr id="16" name="Ovaal 15">
             <a:extLst>
               <a:ext uri="{FF2B5EF4-FFF2-40B4-BE49-F238E27FC236}">
-                <a16:creationId xmlns:a16="http://schemas.microsoft.com/office/drawing/2014/main" id="{2800E1DF-3D08-42B9-9EA7-18A4D608B1AD}"/>
+                <a16:creationId xmlns:a16="http://schemas.microsoft.com/office/drawing/2014/main" xmlns="" id="{2800E1DF-3D08-42B9-9EA7-18A4D608B1AD}"/>
               </a:ext>
             </a:extLst>
           </p:cNvPr>
@@ -4786,7 +4787,7 @@
           <p:cNvPr id="18" name="Ovaal 17">
             <a:extLst>
               <a:ext uri="{FF2B5EF4-FFF2-40B4-BE49-F238E27FC236}">
-                <a16:creationId xmlns:a16="http://schemas.microsoft.com/office/drawing/2014/main" id="{71B22304-31D6-4B7A-9A07-E9729C3946DC}"/>
+                <a16:creationId xmlns:a16="http://schemas.microsoft.com/office/drawing/2014/main" xmlns="" id="{71B22304-31D6-4B7A-9A07-E9729C3946DC}"/>
               </a:ext>
             </a:extLst>
           </p:cNvPr>
@@ -4844,7 +4845,7 @@
           <p:cNvPr id="19" name="Ovaal 18">
             <a:extLst>
               <a:ext uri="{FF2B5EF4-FFF2-40B4-BE49-F238E27FC236}">
-                <a16:creationId xmlns:a16="http://schemas.microsoft.com/office/drawing/2014/main" id="{4CB9A837-B23B-40E2-B9FD-2ED58D3175F2}"/>
+                <a16:creationId xmlns:a16="http://schemas.microsoft.com/office/drawing/2014/main" xmlns="" id="{4CB9A837-B23B-40E2-B9FD-2ED58D3175F2}"/>
               </a:ext>
             </a:extLst>
           </p:cNvPr>
@@ -4902,7 +4903,7 @@
           <p:cNvPr id="20" name="Ovaal 19">
             <a:extLst>
               <a:ext uri="{FF2B5EF4-FFF2-40B4-BE49-F238E27FC236}">
-                <a16:creationId xmlns:a16="http://schemas.microsoft.com/office/drawing/2014/main" id="{356FEE7C-9D16-4FA9-AC43-61E03FD7F12E}"/>
+                <a16:creationId xmlns:a16="http://schemas.microsoft.com/office/drawing/2014/main" xmlns="" id="{356FEE7C-9D16-4FA9-AC43-61E03FD7F12E}"/>
               </a:ext>
             </a:extLst>
           </p:cNvPr>
@@ -4960,7 +4961,7 @@
           <p:cNvPr id="21" name="Ovaal 20">
             <a:extLst>
               <a:ext uri="{FF2B5EF4-FFF2-40B4-BE49-F238E27FC236}">
-                <a16:creationId xmlns:a16="http://schemas.microsoft.com/office/drawing/2014/main" id="{C7B6E4EE-D18E-4E99-90D9-8CD79FAB3E66}"/>
+                <a16:creationId xmlns:a16="http://schemas.microsoft.com/office/drawing/2014/main" xmlns="" id="{C7B6E4EE-D18E-4E99-90D9-8CD79FAB3E66}"/>
               </a:ext>
             </a:extLst>
           </p:cNvPr>
@@ -5018,7 +5019,7 @@
           <p:cNvPr id="22" name="Ovaal 21">
             <a:extLst>
               <a:ext uri="{FF2B5EF4-FFF2-40B4-BE49-F238E27FC236}">
-                <a16:creationId xmlns:a16="http://schemas.microsoft.com/office/drawing/2014/main" id="{57BEF406-0651-41E0-BE06-273B7CC97A2D}"/>
+                <a16:creationId xmlns:a16="http://schemas.microsoft.com/office/drawing/2014/main" xmlns="" id="{57BEF406-0651-41E0-BE06-273B7CC97A2D}"/>
               </a:ext>
             </a:extLst>
           </p:cNvPr>
@@ -5076,7 +5077,7 @@
           <p:cNvPr id="23" name="Rechte verbindingslijn 22">
             <a:extLst>
               <a:ext uri="{FF2B5EF4-FFF2-40B4-BE49-F238E27FC236}">
-                <a16:creationId xmlns:a16="http://schemas.microsoft.com/office/drawing/2014/main" id="{B6E9C7CF-D8FC-4A16-A854-58D00C6AFC36}"/>
+                <a16:creationId xmlns:a16="http://schemas.microsoft.com/office/drawing/2014/main" xmlns="" id="{B6E9C7CF-D8FC-4A16-A854-58D00C6AFC36}"/>
               </a:ext>
             </a:extLst>
           </p:cNvPr>
@@ -5124,7 +5125,7 @@
           <p:cNvPr id="24" name="Rechte verbindingslijn 23">
             <a:extLst>
               <a:ext uri="{FF2B5EF4-FFF2-40B4-BE49-F238E27FC236}">
-                <a16:creationId xmlns:a16="http://schemas.microsoft.com/office/drawing/2014/main" id="{1CFE56A8-8899-43BC-94FD-95028AD82001}"/>
+                <a16:creationId xmlns:a16="http://schemas.microsoft.com/office/drawing/2014/main" xmlns="" id="{1CFE56A8-8899-43BC-94FD-95028AD82001}"/>
               </a:ext>
             </a:extLst>
           </p:cNvPr>
@@ -5172,7 +5173,7 @@
           <p:cNvPr id="25" name="Rechte verbindingslijn 24">
             <a:extLst>
               <a:ext uri="{FF2B5EF4-FFF2-40B4-BE49-F238E27FC236}">
-                <a16:creationId xmlns:a16="http://schemas.microsoft.com/office/drawing/2014/main" id="{92F1B486-5D9E-425B-BA62-A39589D9C092}"/>
+                <a16:creationId xmlns:a16="http://schemas.microsoft.com/office/drawing/2014/main" xmlns="" id="{92F1B486-5D9E-425B-BA62-A39589D9C092}"/>
               </a:ext>
             </a:extLst>
           </p:cNvPr>
@@ -5220,7 +5221,7 @@
           <p:cNvPr id="26" name="Rechte verbindingslijn 25">
             <a:extLst>
               <a:ext uri="{FF2B5EF4-FFF2-40B4-BE49-F238E27FC236}">
-                <a16:creationId xmlns:a16="http://schemas.microsoft.com/office/drawing/2014/main" id="{0EAB71A3-52E1-49E7-852D-B0FD3CD4D1A7}"/>
+                <a16:creationId xmlns:a16="http://schemas.microsoft.com/office/drawing/2014/main" xmlns="" id="{0EAB71A3-52E1-49E7-852D-B0FD3CD4D1A7}"/>
               </a:ext>
             </a:extLst>
           </p:cNvPr>
@@ -5268,7 +5269,7 @@
           <p:cNvPr id="27" name="Rechte verbindingslijn 26">
             <a:extLst>
               <a:ext uri="{FF2B5EF4-FFF2-40B4-BE49-F238E27FC236}">
-                <a16:creationId xmlns:a16="http://schemas.microsoft.com/office/drawing/2014/main" id="{099DCD6D-B326-4DA6-8459-0A2EE91D83D5}"/>
+                <a16:creationId xmlns:a16="http://schemas.microsoft.com/office/drawing/2014/main" xmlns="" id="{099DCD6D-B326-4DA6-8459-0A2EE91D83D5}"/>
               </a:ext>
             </a:extLst>
           </p:cNvPr>
@@ -5316,7 +5317,7 @@
           <p:cNvPr id="28" name="Rechte verbindingslijn 27">
             <a:extLst>
               <a:ext uri="{FF2B5EF4-FFF2-40B4-BE49-F238E27FC236}">
-                <a16:creationId xmlns:a16="http://schemas.microsoft.com/office/drawing/2014/main" id="{8E4426DD-AC68-426C-8E72-53F5D4058FEB}"/>
+                <a16:creationId xmlns:a16="http://schemas.microsoft.com/office/drawing/2014/main" xmlns="" id="{8E4426DD-AC68-426C-8E72-53F5D4058FEB}"/>
               </a:ext>
             </a:extLst>
           </p:cNvPr>
@@ -5364,7 +5365,7 @@
           <p:cNvPr id="29" name="Rechte verbindingslijn 28">
             <a:extLst>
               <a:ext uri="{FF2B5EF4-FFF2-40B4-BE49-F238E27FC236}">
-                <a16:creationId xmlns:a16="http://schemas.microsoft.com/office/drawing/2014/main" id="{F8455A54-0906-419D-9641-930E0EF19620}"/>
+                <a16:creationId xmlns:a16="http://schemas.microsoft.com/office/drawing/2014/main" xmlns="" id="{F8455A54-0906-419D-9641-930E0EF19620}"/>
               </a:ext>
             </a:extLst>
           </p:cNvPr>
@@ -5412,7 +5413,7 @@
           <p:cNvPr id="30" name="Ovaal 29">
             <a:extLst>
               <a:ext uri="{FF2B5EF4-FFF2-40B4-BE49-F238E27FC236}">
-                <a16:creationId xmlns:a16="http://schemas.microsoft.com/office/drawing/2014/main" id="{2F8EA833-A5A7-481E-A4D1-98F4CE5A47F5}"/>
+                <a16:creationId xmlns:a16="http://schemas.microsoft.com/office/drawing/2014/main" xmlns="" id="{2F8EA833-A5A7-481E-A4D1-98F4CE5A47F5}"/>
               </a:ext>
             </a:extLst>
           </p:cNvPr>
@@ -5470,7 +5471,7 @@
           <p:cNvPr id="31" name="Ovaal 30">
             <a:extLst>
               <a:ext uri="{FF2B5EF4-FFF2-40B4-BE49-F238E27FC236}">
-                <a16:creationId xmlns:a16="http://schemas.microsoft.com/office/drawing/2014/main" id="{EF1B8A63-45C7-4477-83DA-C5F7FAE45190}"/>
+                <a16:creationId xmlns:a16="http://schemas.microsoft.com/office/drawing/2014/main" xmlns="" id="{EF1B8A63-45C7-4477-83DA-C5F7FAE45190}"/>
               </a:ext>
             </a:extLst>
           </p:cNvPr>
@@ -5528,7 +5529,7 @@
           <p:cNvPr id="32" name="Ovaal 31">
             <a:extLst>
               <a:ext uri="{FF2B5EF4-FFF2-40B4-BE49-F238E27FC236}">
-                <a16:creationId xmlns:a16="http://schemas.microsoft.com/office/drawing/2014/main" id="{0ACF7CC1-9BE7-4DD2-8236-579273166F0D}"/>
+                <a16:creationId xmlns:a16="http://schemas.microsoft.com/office/drawing/2014/main" xmlns="" id="{0ACF7CC1-9BE7-4DD2-8236-579273166F0D}"/>
               </a:ext>
             </a:extLst>
           </p:cNvPr>
@@ -5586,7 +5587,7 @@
           <p:cNvPr id="33" name="Ovaal 32">
             <a:extLst>
               <a:ext uri="{FF2B5EF4-FFF2-40B4-BE49-F238E27FC236}">
-                <a16:creationId xmlns:a16="http://schemas.microsoft.com/office/drawing/2014/main" id="{38A37D86-F49D-4015-9F89-0C5AA4F918E7}"/>
+                <a16:creationId xmlns:a16="http://schemas.microsoft.com/office/drawing/2014/main" xmlns="" id="{38A37D86-F49D-4015-9F89-0C5AA4F918E7}"/>
               </a:ext>
             </a:extLst>
           </p:cNvPr>
@@ -5644,7 +5645,7 @@
           <p:cNvPr id="34" name="Ovaal 33">
             <a:extLst>
               <a:ext uri="{FF2B5EF4-FFF2-40B4-BE49-F238E27FC236}">
-                <a16:creationId xmlns:a16="http://schemas.microsoft.com/office/drawing/2014/main" id="{068A416D-8303-4CF0-9F81-5305F8661921}"/>
+                <a16:creationId xmlns:a16="http://schemas.microsoft.com/office/drawing/2014/main" xmlns="" id="{068A416D-8303-4CF0-9F81-5305F8661921}"/>
               </a:ext>
             </a:extLst>
           </p:cNvPr>
@@ -5702,7 +5703,7 @@
           <p:cNvPr id="35" name="Ovaal 34">
             <a:extLst>
               <a:ext uri="{FF2B5EF4-FFF2-40B4-BE49-F238E27FC236}">
-                <a16:creationId xmlns:a16="http://schemas.microsoft.com/office/drawing/2014/main" id="{57886617-EF56-4B20-8554-D57A38AAFA65}"/>
+                <a16:creationId xmlns:a16="http://schemas.microsoft.com/office/drawing/2014/main" xmlns="" id="{57886617-EF56-4B20-8554-D57A38AAFA65}"/>
               </a:ext>
             </a:extLst>
           </p:cNvPr>
@@ -5760,7 +5761,7 @@
           <p:cNvPr id="36" name="Ovaal 35">
             <a:extLst>
               <a:ext uri="{FF2B5EF4-FFF2-40B4-BE49-F238E27FC236}">
-                <a16:creationId xmlns:a16="http://schemas.microsoft.com/office/drawing/2014/main" id="{F5B28146-4C85-4621-B9EA-F45F4586B369}"/>
+                <a16:creationId xmlns:a16="http://schemas.microsoft.com/office/drawing/2014/main" xmlns="" id="{F5B28146-4C85-4621-B9EA-F45F4586B369}"/>
               </a:ext>
             </a:extLst>
           </p:cNvPr>
@@ -5818,7 +5819,7 @@
           <p:cNvPr id="37" name="Ovaal 36">
             <a:extLst>
               <a:ext uri="{FF2B5EF4-FFF2-40B4-BE49-F238E27FC236}">
-                <a16:creationId xmlns:a16="http://schemas.microsoft.com/office/drawing/2014/main" id="{7C0671A0-0740-414E-92E7-AEF59EAC6288}"/>
+                <a16:creationId xmlns:a16="http://schemas.microsoft.com/office/drawing/2014/main" xmlns="" id="{7C0671A0-0740-414E-92E7-AEF59EAC6288}"/>
               </a:ext>
             </a:extLst>
           </p:cNvPr>
@@ -5876,7 +5877,7 @@
           <p:cNvPr id="38" name="Rechte verbindingslijn 37">
             <a:extLst>
               <a:ext uri="{FF2B5EF4-FFF2-40B4-BE49-F238E27FC236}">
-                <a16:creationId xmlns:a16="http://schemas.microsoft.com/office/drawing/2014/main" id="{33DE6DFE-6D57-47BA-BB6B-555F08E26DB9}"/>
+                <a16:creationId xmlns:a16="http://schemas.microsoft.com/office/drawing/2014/main" xmlns="" id="{33DE6DFE-6D57-47BA-BB6B-555F08E26DB9}"/>
               </a:ext>
             </a:extLst>
           </p:cNvPr>
@@ -5924,7 +5925,7 @@
           <p:cNvPr id="39" name="Rechte verbindingslijn 38">
             <a:extLst>
               <a:ext uri="{FF2B5EF4-FFF2-40B4-BE49-F238E27FC236}">
-                <a16:creationId xmlns:a16="http://schemas.microsoft.com/office/drawing/2014/main" id="{2DA35996-A73E-4F96-979F-9FF60EC2EA8E}"/>
+                <a16:creationId xmlns:a16="http://schemas.microsoft.com/office/drawing/2014/main" xmlns="" id="{2DA35996-A73E-4F96-979F-9FF60EC2EA8E}"/>
               </a:ext>
             </a:extLst>
           </p:cNvPr>
@@ -5972,7 +5973,7 @@
           <p:cNvPr id="40" name="Rechte verbindingslijn 39">
             <a:extLst>
               <a:ext uri="{FF2B5EF4-FFF2-40B4-BE49-F238E27FC236}">
-                <a16:creationId xmlns:a16="http://schemas.microsoft.com/office/drawing/2014/main" id="{A723C397-9B1B-4D91-BA47-50C5F66D3D89}"/>
+                <a16:creationId xmlns:a16="http://schemas.microsoft.com/office/drawing/2014/main" xmlns="" id="{A723C397-9B1B-4D91-BA47-50C5F66D3D89}"/>
               </a:ext>
             </a:extLst>
           </p:cNvPr>
@@ -6020,7 +6021,7 @@
           <p:cNvPr id="41" name="Rechte verbindingslijn 40">
             <a:extLst>
               <a:ext uri="{FF2B5EF4-FFF2-40B4-BE49-F238E27FC236}">
-                <a16:creationId xmlns:a16="http://schemas.microsoft.com/office/drawing/2014/main" id="{2F58A9CA-8BB1-4BB9-A296-F83FB5010BAE}"/>
+                <a16:creationId xmlns:a16="http://schemas.microsoft.com/office/drawing/2014/main" xmlns="" id="{2F58A9CA-8BB1-4BB9-A296-F83FB5010BAE}"/>
               </a:ext>
             </a:extLst>
           </p:cNvPr>
@@ -6068,7 +6069,7 @@
           <p:cNvPr id="42" name="Rechte verbindingslijn 41">
             <a:extLst>
               <a:ext uri="{FF2B5EF4-FFF2-40B4-BE49-F238E27FC236}">
-                <a16:creationId xmlns:a16="http://schemas.microsoft.com/office/drawing/2014/main" id="{959AEB00-BDDE-401D-A258-A1BC831BF286}"/>
+                <a16:creationId xmlns:a16="http://schemas.microsoft.com/office/drawing/2014/main" xmlns="" id="{959AEB00-BDDE-401D-A258-A1BC831BF286}"/>
               </a:ext>
             </a:extLst>
           </p:cNvPr>
@@ -6116,7 +6117,7 @@
           <p:cNvPr id="43" name="Rechte verbindingslijn 42">
             <a:extLst>
               <a:ext uri="{FF2B5EF4-FFF2-40B4-BE49-F238E27FC236}">
-                <a16:creationId xmlns:a16="http://schemas.microsoft.com/office/drawing/2014/main" id="{451D5B5E-F7CD-4D18-81B2-353312FBAE39}"/>
+                <a16:creationId xmlns:a16="http://schemas.microsoft.com/office/drawing/2014/main" xmlns="" id="{451D5B5E-F7CD-4D18-81B2-353312FBAE39}"/>
               </a:ext>
             </a:extLst>
           </p:cNvPr>
@@ -6164,7 +6165,7 @@
           <p:cNvPr id="44" name="Rechte verbindingslijn 43">
             <a:extLst>
               <a:ext uri="{FF2B5EF4-FFF2-40B4-BE49-F238E27FC236}">
-                <a16:creationId xmlns:a16="http://schemas.microsoft.com/office/drawing/2014/main" id="{0762CCB1-BCF4-4FA9-BBCF-2906073B5750}"/>
+                <a16:creationId xmlns:a16="http://schemas.microsoft.com/office/drawing/2014/main" xmlns="" id="{0762CCB1-BCF4-4FA9-BBCF-2906073B5750}"/>
               </a:ext>
             </a:extLst>
           </p:cNvPr>
@@ -6212,7 +6213,7 @@
           <p:cNvPr id="45" name="Rechte verbindingslijn 44">
             <a:extLst>
               <a:ext uri="{FF2B5EF4-FFF2-40B4-BE49-F238E27FC236}">
-                <a16:creationId xmlns:a16="http://schemas.microsoft.com/office/drawing/2014/main" id="{04763EFC-7EEF-4E93-9F5A-2BD209A331DC}"/>
+                <a16:creationId xmlns:a16="http://schemas.microsoft.com/office/drawing/2014/main" xmlns="" id="{04763EFC-7EEF-4E93-9F5A-2BD209A331DC}"/>
               </a:ext>
             </a:extLst>
           </p:cNvPr>
@@ -6290,7 +6291,7 @@
           <p:cNvPr id="2" name="Titel 1">
             <a:extLst>
               <a:ext uri="{FF2B5EF4-FFF2-40B4-BE49-F238E27FC236}">
-                <a16:creationId xmlns:a16="http://schemas.microsoft.com/office/drawing/2014/main" id="{769A96FB-BA26-47C0-85BC-9E5A44D94A65}"/>
+                <a16:creationId xmlns:a16="http://schemas.microsoft.com/office/drawing/2014/main" xmlns="" id="{769A96FB-BA26-47C0-85BC-9E5A44D94A65}"/>
               </a:ext>
             </a:extLst>
           </p:cNvPr>
@@ -6318,7 +6319,7 @@
           <p:cNvPr id="5" name="Tijdelijke aanduiding voor inhoud 4">
             <a:extLst>
               <a:ext uri="{FF2B5EF4-FFF2-40B4-BE49-F238E27FC236}">
-                <a16:creationId xmlns:a16="http://schemas.microsoft.com/office/drawing/2014/main" id="{82F9B9FE-1870-4902-A7DB-4B27D59D2B2B}"/>
+                <a16:creationId xmlns:a16="http://schemas.microsoft.com/office/drawing/2014/main" xmlns="" id="{82F9B9FE-1870-4902-A7DB-4B27D59D2B2B}"/>
               </a:ext>
             </a:extLst>
           </p:cNvPr>
@@ -6353,7 +6354,7 @@
           <p:cNvPr id="8" name="Afbeelding 7">
             <a:extLst>
               <a:ext uri="{FF2B5EF4-FFF2-40B4-BE49-F238E27FC236}">
-                <a16:creationId xmlns:a16="http://schemas.microsoft.com/office/drawing/2014/main" id="{819AAC82-0B32-4FA7-B311-90C90A003DAD}"/>
+                <a16:creationId xmlns:a16="http://schemas.microsoft.com/office/drawing/2014/main" xmlns="" id="{819AAC82-0B32-4FA7-B311-90C90A003DAD}"/>
               </a:ext>
             </a:extLst>
           </p:cNvPr>
@@ -6388,7 +6389,7 @@
           <p:cNvPr id="11" name="Pijl: rechts 10">
             <a:extLst>
               <a:ext uri="{FF2B5EF4-FFF2-40B4-BE49-F238E27FC236}">
-                <a16:creationId xmlns:a16="http://schemas.microsoft.com/office/drawing/2014/main" id="{C3B3C454-C61F-4642-AC5E-175E78B46E93}"/>
+                <a16:creationId xmlns:a16="http://schemas.microsoft.com/office/drawing/2014/main" xmlns="" id="{C3B3C454-C61F-4642-AC5E-175E78B46E93}"/>
               </a:ext>
             </a:extLst>
           </p:cNvPr>
@@ -6434,7 +6435,7 @@
           <p:cNvPr id="12" name="Tekstvak 11">
             <a:extLst>
               <a:ext uri="{FF2B5EF4-FFF2-40B4-BE49-F238E27FC236}">
-                <a16:creationId xmlns:a16="http://schemas.microsoft.com/office/drawing/2014/main" id="{1AF95B95-DF37-4511-BC26-2A337B82EADC}"/>
+                <a16:creationId xmlns:a16="http://schemas.microsoft.com/office/drawing/2014/main" xmlns="" id="{1AF95B95-DF37-4511-BC26-2A337B82EADC}"/>
               </a:ext>
             </a:extLst>
           </p:cNvPr>
@@ -6469,7 +6470,7 @@
           <p:cNvPr id="9" name="Afbeelding 8">
             <a:extLst>
               <a:ext uri="{FF2B5EF4-FFF2-40B4-BE49-F238E27FC236}">
-                <a16:creationId xmlns:a16="http://schemas.microsoft.com/office/drawing/2014/main" id="{1B858127-D2F6-4D2B-B5A9-94CF7612B179}"/>
+                <a16:creationId xmlns:a16="http://schemas.microsoft.com/office/drawing/2014/main" xmlns="" id="{1B858127-D2F6-4D2B-B5A9-94CF7612B179}"/>
               </a:ext>
             </a:extLst>
           </p:cNvPr>
@@ -6505,7 +6506,7 @@
           <p:cNvPr id="10" name="Pijl: rechts 9">
             <a:extLst>
               <a:ext uri="{FF2B5EF4-FFF2-40B4-BE49-F238E27FC236}">
-                <a16:creationId xmlns:a16="http://schemas.microsoft.com/office/drawing/2014/main" id="{13F3850F-71EA-4741-A182-94C4C2F636F5}"/>
+                <a16:creationId xmlns:a16="http://schemas.microsoft.com/office/drawing/2014/main" xmlns="" id="{13F3850F-71EA-4741-A182-94C4C2F636F5}"/>
               </a:ext>
             </a:extLst>
           </p:cNvPr>
@@ -6551,7 +6552,7 @@
           <p:cNvPr id="13" name="Tekstvak 12">
             <a:extLst>
               <a:ext uri="{FF2B5EF4-FFF2-40B4-BE49-F238E27FC236}">
-                <a16:creationId xmlns:a16="http://schemas.microsoft.com/office/drawing/2014/main" id="{44CABAE1-B325-4747-910E-7EDC7EDD7625}"/>
+                <a16:creationId xmlns:a16="http://schemas.microsoft.com/office/drawing/2014/main" xmlns="" id="{44CABAE1-B325-4747-910E-7EDC7EDD7625}"/>
               </a:ext>
             </a:extLst>
           </p:cNvPr>
@@ -6605,7 +6606,7 @@
           <p:cNvPr id="14" name="Afbeelding 13">
             <a:extLst>
               <a:ext uri="{FF2B5EF4-FFF2-40B4-BE49-F238E27FC236}">
-                <a16:creationId xmlns:a16="http://schemas.microsoft.com/office/drawing/2014/main" id="{F67612D4-1C0C-40D2-972D-04F12DDE0F60}"/>
+                <a16:creationId xmlns:a16="http://schemas.microsoft.com/office/drawing/2014/main" xmlns="" id="{F67612D4-1C0C-40D2-972D-04F12DDE0F60}"/>
               </a:ext>
             </a:extLst>
           </p:cNvPr>
@@ -6635,7 +6636,7 @@
           <p:cNvPr id="3" name="Tekstvak 2">
             <a:extLst>
               <a:ext uri="{FF2B5EF4-FFF2-40B4-BE49-F238E27FC236}">
-                <a16:creationId xmlns:a16="http://schemas.microsoft.com/office/drawing/2014/main" id="{C26579A7-5154-43F0-8824-0FAFC9CD4201}"/>
+                <a16:creationId xmlns:a16="http://schemas.microsoft.com/office/drawing/2014/main" xmlns="" id="{C26579A7-5154-43F0-8824-0FAFC9CD4201}"/>
               </a:ext>
             </a:extLst>
           </p:cNvPr>
@@ -6670,7 +6671,7 @@
           <p:cNvPr id="4" name="Tekstvak 3">
             <a:extLst>
               <a:ext uri="{FF2B5EF4-FFF2-40B4-BE49-F238E27FC236}">
-                <a16:creationId xmlns:a16="http://schemas.microsoft.com/office/drawing/2014/main" id="{1F03EA5B-9405-4FF2-A715-0E995B30C408}"/>
+                <a16:creationId xmlns:a16="http://schemas.microsoft.com/office/drawing/2014/main" xmlns="" id="{1F03EA5B-9405-4FF2-A715-0E995B30C408}"/>
               </a:ext>
             </a:extLst>
           </p:cNvPr>
@@ -6705,7 +6706,7 @@
           <p:cNvPr id="17" name="Rechte verbindingslijn met pijl 16">
             <a:extLst>
               <a:ext uri="{FF2B5EF4-FFF2-40B4-BE49-F238E27FC236}">
-                <a16:creationId xmlns:a16="http://schemas.microsoft.com/office/drawing/2014/main" id="{4354D81E-79D5-49F9-8B3E-FFC4DC3E61F5}"/>
+                <a16:creationId xmlns:a16="http://schemas.microsoft.com/office/drawing/2014/main" xmlns="" id="{4354D81E-79D5-49F9-8B3E-FFC4DC3E61F5}"/>
               </a:ext>
             </a:extLst>
           </p:cNvPr>
@@ -6776,7 +6777,7 @@
           <p:cNvPr id="2" name="Titel 1">
             <a:extLst>
               <a:ext uri="{FF2B5EF4-FFF2-40B4-BE49-F238E27FC236}">
-                <a16:creationId xmlns:a16="http://schemas.microsoft.com/office/drawing/2014/main" id="{769A96FB-BA26-47C0-85BC-9E5A44D94A65}"/>
+                <a16:creationId xmlns:a16="http://schemas.microsoft.com/office/drawing/2014/main" xmlns="" id="{769A96FB-BA26-47C0-85BC-9E5A44D94A65}"/>
               </a:ext>
             </a:extLst>
           </p:cNvPr>
@@ -6804,7 +6805,7 @@
           <p:cNvPr id="5" name="Tijdelijke aanduiding voor inhoud 4">
             <a:extLst>
               <a:ext uri="{FF2B5EF4-FFF2-40B4-BE49-F238E27FC236}">
-                <a16:creationId xmlns:a16="http://schemas.microsoft.com/office/drawing/2014/main" id="{82F9B9FE-1870-4902-A7DB-4B27D59D2B2B}"/>
+                <a16:creationId xmlns:a16="http://schemas.microsoft.com/office/drawing/2014/main" xmlns="" id="{82F9B9FE-1870-4902-A7DB-4B27D59D2B2B}"/>
               </a:ext>
             </a:extLst>
           </p:cNvPr>
@@ -6839,7 +6840,7 @@
           <p:cNvPr id="6" name="Tekstvak 5">
             <a:extLst>
               <a:ext uri="{FF2B5EF4-FFF2-40B4-BE49-F238E27FC236}">
-                <a16:creationId xmlns:a16="http://schemas.microsoft.com/office/drawing/2014/main" id="{D8F2D3D1-1FE8-4AA0-B6C8-D7E88097CE04}"/>
+                <a16:creationId xmlns:a16="http://schemas.microsoft.com/office/drawing/2014/main" xmlns="" id="{D8F2D3D1-1FE8-4AA0-B6C8-D7E88097CE04}"/>
               </a:ext>
             </a:extLst>
           </p:cNvPr>
@@ -6875,7 +6876,7 @@
           <p:cNvPr id="8" name="Afbeelding 7">
             <a:extLst>
               <a:ext uri="{FF2B5EF4-FFF2-40B4-BE49-F238E27FC236}">
-                <a16:creationId xmlns:a16="http://schemas.microsoft.com/office/drawing/2014/main" id="{819AAC82-0B32-4FA7-B311-90C90A003DAD}"/>
+                <a16:creationId xmlns:a16="http://schemas.microsoft.com/office/drawing/2014/main" xmlns="" id="{819AAC82-0B32-4FA7-B311-90C90A003DAD}"/>
               </a:ext>
             </a:extLst>
           </p:cNvPr>
@@ -6910,7 +6911,7 @@
           <p:cNvPr id="11" name="Pijl: rechts 10">
             <a:extLst>
               <a:ext uri="{FF2B5EF4-FFF2-40B4-BE49-F238E27FC236}">
-                <a16:creationId xmlns:a16="http://schemas.microsoft.com/office/drawing/2014/main" id="{C3B3C454-C61F-4642-AC5E-175E78B46E93}"/>
+                <a16:creationId xmlns:a16="http://schemas.microsoft.com/office/drawing/2014/main" xmlns="" id="{C3B3C454-C61F-4642-AC5E-175E78B46E93}"/>
               </a:ext>
             </a:extLst>
           </p:cNvPr>
@@ -6956,7 +6957,7 @@
           <p:cNvPr id="12" name="Tekstvak 11">
             <a:extLst>
               <a:ext uri="{FF2B5EF4-FFF2-40B4-BE49-F238E27FC236}">
-                <a16:creationId xmlns:a16="http://schemas.microsoft.com/office/drawing/2014/main" id="{1AF95B95-DF37-4511-BC26-2A337B82EADC}"/>
+                <a16:creationId xmlns:a16="http://schemas.microsoft.com/office/drawing/2014/main" xmlns="" id="{1AF95B95-DF37-4511-BC26-2A337B82EADC}"/>
               </a:ext>
             </a:extLst>
           </p:cNvPr>
@@ -6991,7 +6992,7 @@
           <p:cNvPr id="9" name="Afbeelding 8">
             <a:extLst>
               <a:ext uri="{FF2B5EF4-FFF2-40B4-BE49-F238E27FC236}">
-                <a16:creationId xmlns:a16="http://schemas.microsoft.com/office/drawing/2014/main" id="{1B858127-D2F6-4D2B-B5A9-94CF7612B179}"/>
+                <a16:creationId xmlns:a16="http://schemas.microsoft.com/office/drawing/2014/main" xmlns="" id="{1B858127-D2F6-4D2B-B5A9-94CF7612B179}"/>
               </a:ext>
             </a:extLst>
           </p:cNvPr>
@@ -7027,7 +7028,7 @@
           <p:cNvPr id="10" name="Pijl: rechts 9">
             <a:extLst>
               <a:ext uri="{FF2B5EF4-FFF2-40B4-BE49-F238E27FC236}">
-                <a16:creationId xmlns:a16="http://schemas.microsoft.com/office/drawing/2014/main" id="{13F3850F-71EA-4741-A182-94C4C2F636F5}"/>
+                <a16:creationId xmlns:a16="http://schemas.microsoft.com/office/drawing/2014/main" xmlns="" id="{13F3850F-71EA-4741-A182-94C4C2F636F5}"/>
               </a:ext>
             </a:extLst>
           </p:cNvPr>
@@ -7073,7 +7074,7 @@
           <p:cNvPr id="13" name="Tekstvak 12">
             <a:extLst>
               <a:ext uri="{FF2B5EF4-FFF2-40B4-BE49-F238E27FC236}">
-                <a16:creationId xmlns:a16="http://schemas.microsoft.com/office/drawing/2014/main" id="{44CABAE1-B325-4747-910E-7EDC7EDD7625}"/>
+                <a16:creationId xmlns:a16="http://schemas.microsoft.com/office/drawing/2014/main" xmlns="" id="{44CABAE1-B325-4747-910E-7EDC7EDD7625}"/>
               </a:ext>
             </a:extLst>
           </p:cNvPr>
@@ -7157,7 +7158,7 @@
           <p:cNvPr id="2" name="Titel 1">
             <a:extLst>
               <a:ext uri="{FF2B5EF4-FFF2-40B4-BE49-F238E27FC236}">
-                <a16:creationId xmlns:a16="http://schemas.microsoft.com/office/drawing/2014/main" id="{ACE9FB57-3193-4F61-9BF8-85A9350BB024}"/>
+                <a16:creationId xmlns:a16="http://schemas.microsoft.com/office/drawing/2014/main" xmlns="" id="{ACE9FB57-3193-4F61-9BF8-85A9350BB024}"/>
               </a:ext>
             </a:extLst>
           </p:cNvPr>
@@ -7182,7 +7183,7 @@
           <p:cNvPr id="3" name="Tijdelijke aanduiding voor inhoud 2">
             <a:extLst>
               <a:ext uri="{FF2B5EF4-FFF2-40B4-BE49-F238E27FC236}">
-                <a16:creationId xmlns:a16="http://schemas.microsoft.com/office/drawing/2014/main" id="{C52B771F-E576-41A1-A3A2-5C8C76E30DCF}"/>
+                <a16:creationId xmlns:a16="http://schemas.microsoft.com/office/drawing/2014/main" xmlns="" id="{C52B771F-E576-41A1-A3A2-5C8C76E30DCF}"/>
               </a:ext>
             </a:extLst>
           </p:cNvPr>
@@ -7237,7 +7238,7 @@
           <p:cNvPr id="2" name="Titel 1">
             <a:extLst>
               <a:ext uri="{FF2B5EF4-FFF2-40B4-BE49-F238E27FC236}">
-                <a16:creationId xmlns:a16="http://schemas.microsoft.com/office/drawing/2014/main" id="{769A96FB-BA26-47C0-85BC-9E5A44D94A65}"/>
+                <a16:creationId xmlns:a16="http://schemas.microsoft.com/office/drawing/2014/main" xmlns="" id="{769A96FB-BA26-47C0-85BC-9E5A44D94A65}"/>
               </a:ext>
             </a:extLst>
           </p:cNvPr>
@@ -7265,7 +7266,7 @@
           <p:cNvPr id="5" name="Tijdelijke aanduiding voor inhoud 4">
             <a:extLst>
               <a:ext uri="{FF2B5EF4-FFF2-40B4-BE49-F238E27FC236}">
-                <a16:creationId xmlns:a16="http://schemas.microsoft.com/office/drawing/2014/main" id="{82F9B9FE-1870-4902-A7DB-4B27D59D2B2B}"/>
+                <a16:creationId xmlns:a16="http://schemas.microsoft.com/office/drawing/2014/main" xmlns="" id="{82F9B9FE-1870-4902-A7DB-4B27D59D2B2B}"/>
               </a:ext>
             </a:extLst>
           </p:cNvPr>
@@ -7300,7 +7301,7 @@
           <p:cNvPr id="6" name="Tekstvak 5">
             <a:extLst>
               <a:ext uri="{FF2B5EF4-FFF2-40B4-BE49-F238E27FC236}">
-                <a16:creationId xmlns:a16="http://schemas.microsoft.com/office/drawing/2014/main" id="{D8F2D3D1-1FE8-4AA0-B6C8-D7E88097CE04}"/>
+                <a16:creationId xmlns:a16="http://schemas.microsoft.com/office/drawing/2014/main" xmlns="" id="{D8F2D3D1-1FE8-4AA0-B6C8-D7E88097CE04}"/>
               </a:ext>
             </a:extLst>
           </p:cNvPr>
@@ -7336,7 +7337,7 @@
           <p:cNvPr id="11" name="Pijl: rechts 10">
             <a:extLst>
               <a:ext uri="{FF2B5EF4-FFF2-40B4-BE49-F238E27FC236}">
-                <a16:creationId xmlns:a16="http://schemas.microsoft.com/office/drawing/2014/main" id="{C3B3C454-C61F-4642-AC5E-175E78B46E93}"/>
+                <a16:creationId xmlns:a16="http://schemas.microsoft.com/office/drawing/2014/main" xmlns="" id="{C3B3C454-C61F-4642-AC5E-175E78B46E93}"/>
               </a:ext>
             </a:extLst>
           </p:cNvPr>
@@ -7382,7 +7383,7 @@
           <p:cNvPr id="9" name="Afbeelding 8">
             <a:extLst>
               <a:ext uri="{FF2B5EF4-FFF2-40B4-BE49-F238E27FC236}">
-                <a16:creationId xmlns:a16="http://schemas.microsoft.com/office/drawing/2014/main" id="{1B858127-D2F6-4D2B-B5A9-94CF7612B179}"/>
+                <a16:creationId xmlns:a16="http://schemas.microsoft.com/office/drawing/2014/main" xmlns="" id="{1B858127-D2F6-4D2B-B5A9-94CF7612B179}"/>
               </a:ext>
             </a:extLst>
           </p:cNvPr>
@@ -7418,7 +7419,7 @@
           <p:cNvPr id="1026" name="Picture 2" descr="Afbeeldingsresultaat voor folding amino acid chain">
             <a:extLst>
               <a:ext uri="{FF2B5EF4-FFF2-40B4-BE49-F238E27FC236}">
-                <a16:creationId xmlns:a16="http://schemas.microsoft.com/office/drawing/2014/main" id="{4C76A64E-2EE4-4BB7-B0FD-D1286AD1BF49}"/>
+                <a16:creationId xmlns:a16="http://schemas.microsoft.com/office/drawing/2014/main" xmlns="" id="{4C76A64E-2EE4-4BB7-B0FD-D1286AD1BF49}"/>
               </a:ext>
             </a:extLst>
           </p:cNvPr>
@@ -7465,7 +7466,7 @@
           <p:cNvPr id="14" name="Pijl: rechts 13">
             <a:extLst>
               <a:ext uri="{FF2B5EF4-FFF2-40B4-BE49-F238E27FC236}">
-                <a16:creationId xmlns:a16="http://schemas.microsoft.com/office/drawing/2014/main" id="{464F7A90-0AA5-4588-87E2-01191833DB40}"/>
+                <a16:creationId xmlns:a16="http://schemas.microsoft.com/office/drawing/2014/main" xmlns="" id="{464F7A90-0AA5-4588-87E2-01191833DB40}"/>
               </a:ext>
             </a:extLst>
           </p:cNvPr>
@@ -7511,7 +7512,7 @@
           <p:cNvPr id="16" name="Tekstvak 15">
             <a:extLst>
               <a:ext uri="{FF2B5EF4-FFF2-40B4-BE49-F238E27FC236}">
-                <a16:creationId xmlns:a16="http://schemas.microsoft.com/office/drawing/2014/main" id="{5259B865-E3E3-4845-B5A4-969B8A954695}"/>
+                <a16:creationId xmlns:a16="http://schemas.microsoft.com/office/drawing/2014/main" xmlns="" id="{5259B865-E3E3-4845-B5A4-969B8A954695}"/>
               </a:ext>
             </a:extLst>
           </p:cNvPr>
@@ -7595,7 +7596,7 @@
           <p:cNvPr id="2" name="Titel 1">
             <a:extLst>
               <a:ext uri="{FF2B5EF4-FFF2-40B4-BE49-F238E27FC236}">
-                <a16:creationId xmlns:a16="http://schemas.microsoft.com/office/drawing/2014/main" id="{769A96FB-BA26-47C0-85BC-9E5A44D94A65}"/>
+                <a16:creationId xmlns:a16="http://schemas.microsoft.com/office/drawing/2014/main" xmlns="" id="{769A96FB-BA26-47C0-85BC-9E5A44D94A65}"/>
               </a:ext>
             </a:extLst>
           </p:cNvPr>
@@ -7623,7 +7624,7 @@
           <p:cNvPr id="5" name="Tijdelijke aanduiding voor inhoud 4">
             <a:extLst>
               <a:ext uri="{FF2B5EF4-FFF2-40B4-BE49-F238E27FC236}">
-                <a16:creationId xmlns:a16="http://schemas.microsoft.com/office/drawing/2014/main" id="{82F9B9FE-1870-4902-A7DB-4B27D59D2B2B}"/>
+                <a16:creationId xmlns:a16="http://schemas.microsoft.com/office/drawing/2014/main" xmlns="" id="{82F9B9FE-1870-4902-A7DB-4B27D59D2B2B}"/>
               </a:ext>
             </a:extLst>
           </p:cNvPr>
@@ -7658,7 +7659,7 @@
           <p:cNvPr id="6" name="Tekstvak 5">
             <a:extLst>
               <a:ext uri="{FF2B5EF4-FFF2-40B4-BE49-F238E27FC236}">
-                <a16:creationId xmlns:a16="http://schemas.microsoft.com/office/drawing/2014/main" id="{D8F2D3D1-1FE8-4AA0-B6C8-D7E88097CE04}"/>
+                <a16:creationId xmlns:a16="http://schemas.microsoft.com/office/drawing/2014/main" xmlns="" id="{D8F2D3D1-1FE8-4AA0-B6C8-D7E88097CE04}"/>
               </a:ext>
             </a:extLst>
           </p:cNvPr>
@@ -7694,7 +7695,7 @@
           <p:cNvPr id="8" name="Afbeelding 7">
             <a:extLst>
               <a:ext uri="{FF2B5EF4-FFF2-40B4-BE49-F238E27FC236}">
-                <a16:creationId xmlns:a16="http://schemas.microsoft.com/office/drawing/2014/main" id="{819AAC82-0B32-4FA7-B311-90C90A003DAD}"/>
+                <a16:creationId xmlns:a16="http://schemas.microsoft.com/office/drawing/2014/main" xmlns="" id="{819AAC82-0B32-4FA7-B311-90C90A003DAD}"/>
               </a:ext>
             </a:extLst>
           </p:cNvPr>
@@ -7729,7 +7730,7 @@
           <p:cNvPr id="11" name="Pijl: rechts 10">
             <a:extLst>
               <a:ext uri="{FF2B5EF4-FFF2-40B4-BE49-F238E27FC236}">
-                <a16:creationId xmlns:a16="http://schemas.microsoft.com/office/drawing/2014/main" id="{C3B3C454-C61F-4642-AC5E-175E78B46E93}"/>
+                <a16:creationId xmlns:a16="http://schemas.microsoft.com/office/drawing/2014/main" xmlns="" id="{C3B3C454-C61F-4642-AC5E-175E78B46E93}"/>
               </a:ext>
             </a:extLst>
           </p:cNvPr>
@@ -7775,7 +7776,7 @@
           <p:cNvPr id="12" name="Tekstvak 11">
             <a:extLst>
               <a:ext uri="{FF2B5EF4-FFF2-40B4-BE49-F238E27FC236}">
-                <a16:creationId xmlns:a16="http://schemas.microsoft.com/office/drawing/2014/main" id="{1AF95B95-DF37-4511-BC26-2A337B82EADC}"/>
+                <a16:creationId xmlns:a16="http://schemas.microsoft.com/office/drawing/2014/main" xmlns="" id="{1AF95B95-DF37-4511-BC26-2A337B82EADC}"/>
               </a:ext>
             </a:extLst>
           </p:cNvPr>
@@ -7810,7 +7811,7 @@
           <p:cNvPr id="9" name="Afbeelding 8">
             <a:extLst>
               <a:ext uri="{FF2B5EF4-FFF2-40B4-BE49-F238E27FC236}">
-                <a16:creationId xmlns:a16="http://schemas.microsoft.com/office/drawing/2014/main" id="{1B858127-D2F6-4D2B-B5A9-94CF7612B179}"/>
+                <a16:creationId xmlns:a16="http://schemas.microsoft.com/office/drawing/2014/main" xmlns="" id="{1B858127-D2F6-4D2B-B5A9-94CF7612B179}"/>
               </a:ext>
             </a:extLst>
           </p:cNvPr>
@@ -7846,7 +7847,7 @@
           <p:cNvPr id="10" name="Pijl: rechts 9">
             <a:extLst>
               <a:ext uri="{FF2B5EF4-FFF2-40B4-BE49-F238E27FC236}">
-                <a16:creationId xmlns:a16="http://schemas.microsoft.com/office/drawing/2014/main" id="{13F3850F-71EA-4741-A182-94C4C2F636F5}"/>
+                <a16:creationId xmlns:a16="http://schemas.microsoft.com/office/drawing/2014/main" xmlns="" id="{13F3850F-71EA-4741-A182-94C4C2F636F5}"/>
               </a:ext>
             </a:extLst>
           </p:cNvPr>
@@ -7892,7 +7893,7 @@
           <p:cNvPr id="3" name="Ovaal 2">
             <a:extLst>
               <a:ext uri="{FF2B5EF4-FFF2-40B4-BE49-F238E27FC236}">
-                <a16:creationId xmlns:a16="http://schemas.microsoft.com/office/drawing/2014/main" id="{19B9F891-8EF8-44F6-B6ED-BB2422D771A3}"/>
+                <a16:creationId xmlns:a16="http://schemas.microsoft.com/office/drawing/2014/main" xmlns="" id="{19B9F891-8EF8-44F6-B6ED-BB2422D771A3}"/>
               </a:ext>
             </a:extLst>
           </p:cNvPr>
@@ -7941,7 +7942,7 @@
           <p:cNvPr id="13" name="Ovaal 12">
             <a:extLst>
               <a:ext uri="{FF2B5EF4-FFF2-40B4-BE49-F238E27FC236}">
-                <a16:creationId xmlns:a16="http://schemas.microsoft.com/office/drawing/2014/main" id="{24DD1F6E-573A-4E2D-8811-591CE94E629B}"/>
+                <a16:creationId xmlns:a16="http://schemas.microsoft.com/office/drawing/2014/main" xmlns="" id="{24DD1F6E-573A-4E2D-8811-591CE94E629B}"/>
               </a:ext>
             </a:extLst>
           </p:cNvPr>
@@ -7990,7 +7991,7 @@
           <p:cNvPr id="7" name="Rechte verbindingslijn met pijl 6">
             <a:extLst>
               <a:ext uri="{FF2B5EF4-FFF2-40B4-BE49-F238E27FC236}">
-                <a16:creationId xmlns:a16="http://schemas.microsoft.com/office/drawing/2014/main" id="{D5C82334-4E2E-4051-961A-F679B07C4F1F}"/>
+                <a16:creationId xmlns:a16="http://schemas.microsoft.com/office/drawing/2014/main" xmlns="" id="{D5C82334-4E2E-4051-961A-F679B07C4F1F}"/>
               </a:ext>
             </a:extLst>
           </p:cNvPr>
@@ -8032,7 +8033,7 @@
           <p:cNvPr id="16" name="Rechte verbindingslijn met pijl 15">
             <a:extLst>
               <a:ext uri="{FF2B5EF4-FFF2-40B4-BE49-F238E27FC236}">
-                <a16:creationId xmlns:a16="http://schemas.microsoft.com/office/drawing/2014/main" id="{705EA1F6-DA7E-4475-8576-E76A7C126F12}"/>
+                <a16:creationId xmlns:a16="http://schemas.microsoft.com/office/drawing/2014/main" xmlns="" id="{705EA1F6-DA7E-4475-8576-E76A7C126F12}"/>
               </a:ext>
             </a:extLst>
           </p:cNvPr>
@@ -8074,7 +8075,7 @@
           <p:cNvPr id="14" name="Tekstvak 13">
             <a:extLst>
               <a:ext uri="{FF2B5EF4-FFF2-40B4-BE49-F238E27FC236}">
-                <a16:creationId xmlns:a16="http://schemas.microsoft.com/office/drawing/2014/main" id="{89AB4660-209E-47BF-9FC1-0865745945A5}"/>
+                <a16:creationId xmlns:a16="http://schemas.microsoft.com/office/drawing/2014/main" xmlns="" id="{89AB4660-209E-47BF-9FC1-0865745945A5}"/>
               </a:ext>
             </a:extLst>
           </p:cNvPr>
@@ -8158,7 +8159,7 @@
           <p:cNvPr id="2" name="Titel 1">
             <a:extLst>
               <a:ext uri="{FF2B5EF4-FFF2-40B4-BE49-F238E27FC236}">
-                <a16:creationId xmlns:a16="http://schemas.microsoft.com/office/drawing/2014/main" id="{28AC7F7A-EB5E-48A2-A178-02E17BA194BE}"/>
+                <a16:creationId xmlns:a16="http://schemas.microsoft.com/office/drawing/2014/main" xmlns="" id="{28AC7F7A-EB5E-48A2-A178-02E17BA194BE}"/>
               </a:ext>
             </a:extLst>
           </p:cNvPr>
@@ -8203,7 +8204,7 @@
           <p:cNvPr id="4" name="Tijdelijke aanduiding voor inhoud 3">
             <a:extLst>
               <a:ext uri="{FF2B5EF4-FFF2-40B4-BE49-F238E27FC236}">
-                <a16:creationId xmlns:a16="http://schemas.microsoft.com/office/drawing/2014/main" id="{12A0C32B-A310-4B27-B6D9-73509A425B75}"/>
+                <a16:creationId xmlns:a16="http://schemas.microsoft.com/office/drawing/2014/main" xmlns="" id="{12A0C32B-A310-4B27-B6D9-73509A425B75}"/>
               </a:ext>
             </a:extLst>
           </p:cNvPr>
@@ -8234,7 +8235,7 @@
           <p:cNvPr id="5" name="Tekstvak 4">
             <a:extLst>
               <a:ext uri="{FF2B5EF4-FFF2-40B4-BE49-F238E27FC236}">
-                <a16:creationId xmlns:a16="http://schemas.microsoft.com/office/drawing/2014/main" id="{B862B65A-08A6-41EE-A49A-029A5CEB3C9A}"/>
+                <a16:creationId xmlns:a16="http://schemas.microsoft.com/office/drawing/2014/main" xmlns="" id="{B862B65A-08A6-41EE-A49A-029A5CEB3C9A}"/>
               </a:ext>
             </a:extLst>
           </p:cNvPr>
@@ -8443,7 +8444,7 @@
           <p:cNvPr id="4" name="Tekstvak 3">
             <a:extLst>
               <a:ext uri="{FF2B5EF4-FFF2-40B4-BE49-F238E27FC236}">
-                <a16:creationId xmlns:a16="http://schemas.microsoft.com/office/drawing/2014/main" id="{99709D4B-4D71-4400-8214-1D7EB5722A0D}"/>
+                <a16:creationId xmlns:a16="http://schemas.microsoft.com/office/drawing/2014/main" xmlns="" id="{99709D4B-4D71-4400-8214-1D7EB5722A0D}"/>
               </a:ext>
             </a:extLst>
           </p:cNvPr>
@@ -8557,7 +8558,7 @@
         </p:nvGraphicFramePr>
         <p:xfrm>
           <a:off x="1044027" y="2170093"/>
-          <a:ext cx="10496332" cy="2443950"/>
+          <a:ext cx="10496332" cy="2595240"/>
         </p:xfrm>
         <a:graphic>
           <a:graphicData uri="http://schemas.openxmlformats.org/drawingml/2006/table">
@@ -8569,14 +8570,14 @@
                 <a:gridCol w="2497959">
                   <a:extLst>
                     <a:ext uri="{9D8B030D-6E8A-4147-A177-3AD203B41FA5}">
-                      <a16:colId xmlns:a16="http://schemas.microsoft.com/office/drawing/2014/main" val="20000"/>
+                      <a16:colId xmlns:a16="http://schemas.microsoft.com/office/drawing/2014/main" xmlns="" val="20000"/>
                     </a:ext>
                   </a:extLst>
                 </a:gridCol>
                 <a:gridCol w="7998373">
                   <a:extLst>
                     <a:ext uri="{9D8B030D-6E8A-4147-A177-3AD203B41FA5}">
-                      <a16:colId xmlns:a16="http://schemas.microsoft.com/office/drawing/2014/main" val="20001"/>
+                      <a16:colId xmlns:a16="http://schemas.microsoft.com/office/drawing/2014/main" xmlns="" val="20001"/>
                     </a:ext>
                   </a:extLst>
                 </a:gridCol>
@@ -8612,7 +8613,7 @@
                 </a:tc>
                 <a:extLst>
                   <a:ext uri="{0D108BD9-81ED-4DB2-BD59-A6C34878D82A}">
-                    <a16:rowId xmlns:a16="http://schemas.microsoft.com/office/drawing/2014/main" val="10000"/>
+                    <a16:rowId xmlns:a16="http://schemas.microsoft.com/office/drawing/2014/main" xmlns="" val="10000"/>
                   </a:ext>
                 </a:extLst>
               </a:tr>
@@ -8713,7 +8714,7 @@
                 </a:tc>
                 <a:extLst>
                   <a:ext uri="{0D108BD9-81ED-4DB2-BD59-A6C34878D82A}">
-                    <a16:rowId xmlns:a16="http://schemas.microsoft.com/office/drawing/2014/main" val="10001"/>
+                    <a16:rowId xmlns:a16="http://schemas.microsoft.com/office/drawing/2014/main" xmlns="" val="10001"/>
                   </a:ext>
                 </a:extLst>
               </a:tr>
@@ -8862,7 +8863,7 @@
                 </a:tc>
                 <a:extLst>
                   <a:ext uri="{0D108BD9-81ED-4DB2-BD59-A6C34878D82A}">
-                    <a16:rowId xmlns:a16="http://schemas.microsoft.com/office/drawing/2014/main" val="10002"/>
+                    <a16:rowId xmlns:a16="http://schemas.microsoft.com/office/drawing/2014/main" xmlns="" val="10002"/>
                   </a:ext>
                 </a:extLst>
               </a:tr>
@@ -8995,7 +8996,7 @@
                 </a:tc>
                 <a:extLst>
                   <a:ext uri="{0D108BD9-81ED-4DB2-BD59-A6C34878D82A}">
-                    <a16:rowId xmlns:a16="http://schemas.microsoft.com/office/drawing/2014/main" val="10003"/>
+                    <a16:rowId xmlns:a16="http://schemas.microsoft.com/office/drawing/2014/main" xmlns="" val="10003"/>
                   </a:ext>
                 </a:extLst>
               </a:tr>
@@ -9272,7 +9273,7 @@
                 </a:tc>
                 <a:extLst>
                   <a:ext uri="{0D108BD9-81ED-4DB2-BD59-A6C34878D82A}">
-                    <a16:rowId xmlns:a16="http://schemas.microsoft.com/office/drawing/2014/main" val="10004"/>
+                    <a16:rowId xmlns:a16="http://schemas.microsoft.com/office/drawing/2014/main" xmlns="" val="10004"/>
                   </a:ext>
                 </a:extLst>
               </a:tr>
@@ -9384,21 +9385,21 @@
                 <a:gridCol w="7080469">
                   <a:extLst>
                     <a:ext uri="{9D8B030D-6E8A-4147-A177-3AD203B41FA5}">
-                      <a16:colId xmlns:a16="http://schemas.microsoft.com/office/drawing/2014/main" val="20000"/>
+                      <a16:colId xmlns:a16="http://schemas.microsoft.com/office/drawing/2014/main" xmlns="" val="20000"/>
                     </a:ext>
                   </a:extLst>
                 </a:gridCol>
                 <a:gridCol w="1902372">
                   <a:extLst>
                     <a:ext uri="{9D8B030D-6E8A-4147-A177-3AD203B41FA5}">
-                      <a16:colId xmlns:a16="http://schemas.microsoft.com/office/drawing/2014/main" val="20001"/>
+                      <a16:colId xmlns:a16="http://schemas.microsoft.com/office/drawing/2014/main" xmlns="" val="20001"/>
                     </a:ext>
                   </a:extLst>
                 </a:gridCol>
                 <a:gridCol w="1912883">
                   <a:extLst>
                     <a:ext uri="{9D8B030D-6E8A-4147-A177-3AD203B41FA5}">
-                      <a16:colId xmlns:a16="http://schemas.microsoft.com/office/drawing/2014/main" val="20002"/>
+                      <a16:colId xmlns:a16="http://schemas.microsoft.com/office/drawing/2014/main" xmlns="" val="20002"/>
                     </a:ext>
                   </a:extLst>
                 </a:gridCol>
@@ -9446,7 +9447,7 @@
                 </a:tc>
                 <a:extLst>
                   <a:ext uri="{0D108BD9-81ED-4DB2-BD59-A6C34878D82A}">
-                    <a16:rowId xmlns:a16="http://schemas.microsoft.com/office/drawing/2014/main" val="10000"/>
+                    <a16:rowId xmlns:a16="http://schemas.microsoft.com/office/drawing/2014/main" xmlns="" val="10000"/>
                   </a:ext>
                 </a:extLst>
               </a:tr>
@@ -9581,7 +9582,7 @@
                 </a:tc>
                 <a:extLst>
                   <a:ext uri="{0D108BD9-81ED-4DB2-BD59-A6C34878D82A}">
-                    <a16:rowId xmlns:a16="http://schemas.microsoft.com/office/drawing/2014/main" val="10001"/>
+                    <a16:rowId xmlns:a16="http://schemas.microsoft.com/office/drawing/2014/main" xmlns="" val="10001"/>
                   </a:ext>
                 </a:extLst>
               </a:tr>
@@ -9764,7 +9765,7 @@
                 </a:tc>
                 <a:extLst>
                   <a:ext uri="{0D108BD9-81ED-4DB2-BD59-A6C34878D82A}">
-                    <a16:rowId xmlns:a16="http://schemas.microsoft.com/office/drawing/2014/main" val="10002"/>
+                    <a16:rowId xmlns:a16="http://schemas.microsoft.com/office/drawing/2014/main" xmlns="" val="10002"/>
                   </a:ext>
                 </a:extLst>
               </a:tr>
@@ -9927,7 +9928,7 @@
                 </a:tc>
                 <a:extLst>
                   <a:ext uri="{0D108BD9-81ED-4DB2-BD59-A6C34878D82A}">
-                    <a16:rowId xmlns:a16="http://schemas.microsoft.com/office/drawing/2014/main" val="10003"/>
+                    <a16:rowId xmlns:a16="http://schemas.microsoft.com/office/drawing/2014/main" xmlns="" val="10003"/>
                   </a:ext>
                 </a:extLst>
               </a:tr>
@@ -10234,7 +10235,7 @@
                 </a:tc>
                 <a:extLst>
                   <a:ext uri="{0D108BD9-81ED-4DB2-BD59-A6C34878D82A}">
-                    <a16:rowId xmlns:a16="http://schemas.microsoft.com/office/drawing/2014/main" val="10004"/>
+                    <a16:rowId xmlns:a16="http://schemas.microsoft.com/office/drawing/2014/main" xmlns="" val="10004"/>
                   </a:ext>
                 </a:extLst>
               </a:tr>
@@ -10272,7 +10273,7 @@
           <p:cNvPr id="2" name="Titel 1">
             <a:extLst>
               <a:ext uri="{FF2B5EF4-FFF2-40B4-BE49-F238E27FC236}">
-                <a16:creationId xmlns:a16="http://schemas.microsoft.com/office/drawing/2014/main" id="{769A96FB-BA26-47C0-85BC-9E5A44D94A65}"/>
+                <a16:creationId xmlns:a16="http://schemas.microsoft.com/office/drawing/2014/main" xmlns="" id="{769A96FB-BA26-47C0-85BC-9E5A44D94A65}"/>
               </a:ext>
             </a:extLst>
           </p:cNvPr>
@@ -10300,7 +10301,7 @@
           <p:cNvPr id="13" name="Tekstvak 12">
             <a:extLst>
               <a:ext uri="{FF2B5EF4-FFF2-40B4-BE49-F238E27FC236}">
-                <a16:creationId xmlns:a16="http://schemas.microsoft.com/office/drawing/2014/main" id="{44CABAE1-B325-4747-910E-7EDC7EDD7625}"/>
+                <a16:creationId xmlns:a16="http://schemas.microsoft.com/office/drawing/2014/main" xmlns="" id="{44CABAE1-B325-4747-910E-7EDC7EDD7625}"/>
               </a:ext>
             </a:extLst>
           </p:cNvPr>
@@ -10354,7 +10355,7 @@
           <p:cNvPr id="7" name="AutoShape 2" descr="Afbeeldingsresultaat voor cel from human">
             <a:extLst>
               <a:ext uri="{FF2B5EF4-FFF2-40B4-BE49-F238E27FC236}">
-                <a16:creationId xmlns:a16="http://schemas.microsoft.com/office/drawing/2014/main" id="{BAA6AD35-A0AD-46FB-8C83-83697536AD9E}"/>
+                <a16:creationId xmlns:a16="http://schemas.microsoft.com/office/drawing/2014/main" xmlns="" id="{BAA6AD35-A0AD-46FB-8C83-83697536AD9E}"/>
               </a:ext>
             </a:extLst>
           </p:cNvPr>
@@ -10399,7 +10400,7 @@
           <p:cNvPr id="14" name="AutoShape 4" descr="Afbeeldingsresultaat voor cel from human">
             <a:extLst>
               <a:ext uri="{FF2B5EF4-FFF2-40B4-BE49-F238E27FC236}">
-                <a16:creationId xmlns:a16="http://schemas.microsoft.com/office/drawing/2014/main" id="{DE7F6D67-FFDD-4318-B4D9-E249E6758D4A}"/>
+                <a16:creationId xmlns:a16="http://schemas.microsoft.com/office/drawing/2014/main" xmlns="" id="{DE7F6D67-FFDD-4318-B4D9-E249E6758D4A}"/>
               </a:ext>
             </a:extLst>
           </p:cNvPr>
@@ -10444,7 +10445,7 @@
           <p:cNvPr id="16" name="Afbeelding 15">
             <a:extLst>
               <a:ext uri="{FF2B5EF4-FFF2-40B4-BE49-F238E27FC236}">
-                <a16:creationId xmlns:a16="http://schemas.microsoft.com/office/drawing/2014/main" id="{028B203A-6AFB-43CC-A2E5-888B735C297F}"/>
+                <a16:creationId xmlns:a16="http://schemas.microsoft.com/office/drawing/2014/main" xmlns="" id="{028B203A-6AFB-43CC-A2E5-888B735C297F}"/>
               </a:ext>
             </a:extLst>
           </p:cNvPr>
@@ -10480,7 +10481,7 @@
           <p:cNvPr id="19" name="Gelijkbenige driehoek 18">
             <a:extLst>
               <a:ext uri="{FF2B5EF4-FFF2-40B4-BE49-F238E27FC236}">
-                <a16:creationId xmlns:a16="http://schemas.microsoft.com/office/drawing/2014/main" id="{3473C7A5-6D55-4B8D-B912-17E38BDAAE6F}"/>
+                <a16:creationId xmlns:a16="http://schemas.microsoft.com/office/drawing/2014/main" xmlns="" id="{3473C7A5-6D55-4B8D-B912-17E38BDAAE6F}"/>
               </a:ext>
             </a:extLst>
           </p:cNvPr>
@@ -10539,7 +10540,7 @@
           <p:cNvPr id="21" name="Afbeelding 20">
             <a:extLst>
               <a:ext uri="{FF2B5EF4-FFF2-40B4-BE49-F238E27FC236}">
-                <a16:creationId xmlns:a16="http://schemas.microsoft.com/office/drawing/2014/main" id="{2E4ED76A-8CDE-4820-BEF2-FFF0CAB0FFC2}"/>
+                <a16:creationId xmlns:a16="http://schemas.microsoft.com/office/drawing/2014/main" xmlns="" id="{2E4ED76A-8CDE-4820-BEF2-FFF0CAB0FFC2}"/>
               </a:ext>
             </a:extLst>
           </p:cNvPr>
@@ -10569,7 +10570,7 @@
           <p:cNvPr id="29" name="Tekstvak 28">
             <a:extLst>
               <a:ext uri="{FF2B5EF4-FFF2-40B4-BE49-F238E27FC236}">
-                <a16:creationId xmlns:a16="http://schemas.microsoft.com/office/drawing/2014/main" id="{3F5F8535-0F1D-4072-B4F7-ECC8E1EF4714}"/>
+                <a16:creationId xmlns:a16="http://schemas.microsoft.com/office/drawing/2014/main" xmlns="" id="{3F5F8535-0F1D-4072-B4F7-ECC8E1EF4714}"/>
               </a:ext>
             </a:extLst>
           </p:cNvPr>
@@ -10604,7 +10605,7 @@
           <p:cNvPr id="30" name="Tekstvak 29">
             <a:extLst>
               <a:ext uri="{FF2B5EF4-FFF2-40B4-BE49-F238E27FC236}">
-                <a16:creationId xmlns:a16="http://schemas.microsoft.com/office/drawing/2014/main" id="{60EFD1DE-A3E9-41CC-9FD4-3B5142326B68}"/>
+                <a16:creationId xmlns:a16="http://schemas.microsoft.com/office/drawing/2014/main" xmlns="" id="{60EFD1DE-A3E9-41CC-9FD4-3B5142326B68}"/>
               </a:ext>
             </a:extLst>
           </p:cNvPr>
@@ -10766,6 +10767,47 @@
           </a:p>
         </p:txBody>
       </p:sp>
+      <p:pic>
+        <p:nvPicPr>
+          <p:cNvPr id="1026" name="Picture 2" descr="http://puu.sh/yH29A/a19fa21f6d.jpg"/>
+          <p:cNvPicPr>
+            <a:picLocks noChangeAspect="1" noChangeArrowheads="1"/>
+          </p:cNvPicPr>
+          <p:nvPr/>
+        </p:nvPicPr>
+        <p:blipFill>
+          <a:blip r:embed="rId2">
+            <a:extLst>
+              <a:ext uri="{28A0092B-C50C-407E-A947-70E740481C1C}">
+                <a14:useLocalDpi xmlns:a14="http://schemas.microsoft.com/office/drawing/2010/main" val="0"/>
+              </a:ext>
+            </a:extLst>
+          </a:blip>
+          <a:srcRect/>
+          <a:stretch>
+            <a:fillRect/>
+          </a:stretch>
+        </p:blipFill>
+        <p:spPr bwMode="auto">
+          <a:xfrm>
+            <a:off x="5367655" y="649922"/>
+            <a:ext cx="5972175" cy="5343526"/>
+          </a:xfrm>
+          <a:prstGeom prst="rect">
+            <a:avLst/>
+          </a:prstGeom>
+          <a:noFill/>
+          <a:extLst>
+            <a:ext uri="{909E8E84-426E-40DD-AFC4-6F175D3DCCD1}">
+              <a14:hiddenFill xmlns:a14="http://schemas.microsoft.com/office/drawing/2010/main">
+                <a:solidFill>
+                  <a:srgbClr val="FFFFFF"/>
+                </a:solidFill>
+              </a14:hiddenFill>
+            </a:ext>
+          </a:extLst>
+        </p:spPr>
+      </p:pic>
     </p:spTree>
   </p:cSld>
   <p:clrMapOvr>
@@ -10848,15 +10890,31 @@
           <a:p>
             <a:pPr lvl="1"/>
             <a:r>
-              <a:rPr lang="en-US" dirty="0"/>
+              <a:rPr lang="en-US" dirty="0" smtClean="0"/>
               <a:t>Breadth-first</a:t>
             </a:r>
           </a:p>
           <a:p>
             <a:pPr lvl="1"/>
             <a:r>
-              <a:rPr lang="en-US" dirty="0" err="1"/>
+              <a:rPr lang="en-US" dirty="0" smtClean="0"/>
+              <a:t>Depth-first</a:t>
+            </a:r>
+            <a:endParaRPr lang="en-US" dirty="0"/>
+          </a:p>
+          <a:p>
+            <a:pPr lvl="1"/>
+            <a:r>
+              <a:rPr lang="en-US" dirty="0" err="1" smtClean="0"/>
               <a:t>Hillclimber</a:t>
+            </a:r>
+            <a:endParaRPr lang="en-US" dirty="0" smtClean="0"/>
+          </a:p>
+          <a:p>
+            <a:pPr lvl="1"/>
+            <a:r>
+              <a:rPr lang="en-US" dirty="0" smtClean="0"/>
+              <a:t>Simulated Annealing</a:t>
             </a:r>
             <a:endParaRPr lang="en-US" dirty="0"/>
           </a:p>
@@ -10925,37 +10983,1315 @@
           <a:lstStyle/>
           <a:p>
             <a:r>
-              <a:rPr lang="en-US" dirty="0" err="1"/>
-              <a:t>Instellingen</a:t>
-            </a:r>
-            <a:r>
-              <a:rPr lang="en-US" dirty="0"/>
-              <a:t>:</a:t>
-            </a:r>
+              <a:rPr lang="en-US" dirty="0" smtClean="0"/>
+              <a:t>Chains </a:t>
+            </a:r>
+            <a:r>
+              <a:rPr lang="en-US" dirty="0" err="1" smtClean="0"/>
+              <a:t>bouwen</a:t>
+            </a:r>
+            <a:r>
+              <a:rPr lang="en-US" dirty="0" smtClean="0"/>
+              <a:t> in </a:t>
+            </a:r>
+            <a:r>
+              <a:rPr lang="en-US" dirty="0" err="1" smtClean="0"/>
+              <a:t>een</a:t>
+            </a:r>
+            <a:r>
+              <a:rPr lang="en-US" dirty="0" smtClean="0"/>
+              <a:t> </a:t>
+            </a:r>
+            <a:r>
+              <a:rPr lang="en-US" b="1" dirty="0" smtClean="0"/>
+              <a:t>d</a:t>
+            </a:r>
+            <a:r>
+              <a:rPr lang="en-US" b="1" dirty="0" smtClean="0"/>
+              <a:t>eque</a:t>
+            </a:r>
+          </a:p>
+          <a:p>
+            <a:r>
+              <a:rPr lang="en-US" dirty="0" smtClean="0"/>
+              <a:t>First-in, First-out</a:t>
+            </a:r>
+          </a:p>
+          <a:p>
+            <a:endParaRPr lang="en-US" dirty="0"/>
+          </a:p>
+          <a:p>
+            <a:r>
+              <a:rPr lang="en-US" u="sng" dirty="0" smtClean="0"/>
+              <a:t>Extra </a:t>
+            </a:r>
+            <a:r>
+              <a:rPr lang="en-US" u="sng" dirty="0" err="1" smtClean="0"/>
+              <a:t>versie</a:t>
+            </a:r>
+            <a:r>
+              <a:rPr lang="en-US" u="sng" dirty="0" smtClean="0"/>
+              <a:t> </a:t>
+            </a:r>
+            <a:r>
+              <a:rPr lang="en-US" b="1" u="sng" dirty="0" smtClean="0"/>
+              <a:t>met</a:t>
+            </a:r>
+            <a:r>
+              <a:rPr lang="en-US" u="sng" dirty="0" smtClean="0"/>
+              <a:t> </a:t>
+            </a:r>
+            <a:r>
+              <a:rPr lang="en-US" u="sng" dirty="0" err="1" smtClean="0"/>
+              <a:t>heuristieken</a:t>
+            </a:r>
+            <a:endParaRPr lang="en-US" u="sng" dirty="0" smtClean="0"/>
           </a:p>
           <a:p>
             <a:pPr lvl="1"/>
             <a:r>
-              <a:rPr lang="en-US" dirty="0" err="1"/>
-              <a:t>Zonder</a:t>
-            </a:r>
-            <a:r>
-              <a:rPr lang="en-US" dirty="0"/>
+              <a:rPr lang="en-US" dirty="0" err="1" smtClean="0"/>
+              <a:t>Beperkt</a:t>
+            </a:r>
+            <a:r>
+              <a:rPr lang="en-US" dirty="0" smtClean="0"/>
               <a:t> </a:t>
             </a:r>
             <a:r>
-              <a:rPr lang="en-US" dirty="0" err="1"/>
-              <a:t>vs</a:t>
-            </a:r>
-            <a:r>
-              <a:rPr lang="en-US" dirty="0"/>
-              <a:t> met </a:t>
-            </a:r>
-            <a:r>
-              <a:rPr lang="en-US" dirty="0" err="1"/>
-              <a:t>heuristieken</a:t>
+              <a:rPr lang="en-US" dirty="0" err="1" smtClean="0"/>
+              <a:t>domijn</a:t>
+            </a:r>
+            <a:r>
+              <a:rPr lang="en-US" dirty="0" smtClean="0"/>
+              <a:t> </a:t>
+            </a:r>
+            <a:r>
+              <a:rPr lang="en-US" dirty="0" err="1" smtClean="0"/>
+              <a:t>voor</a:t>
+            </a:r>
+            <a:r>
+              <a:rPr lang="en-US" dirty="0" smtClean="0"/>
+              <a:t> de x/y/z </a:t>
+            </a:r>
+            <a:r>
+              <a:rPr lang="en-US" dirty="0" err="1" smtClean="0"/>
+              <a:t>assen</a:t>
             </a:r>
             <a:endParaRPr lang="en-US" dirty="0"/>
+          </a:p>
+          <a:p>
+            <a:pPr marL="0" indent="0">
+              <a:buNone/>
+            </a:pPr>
+            <a:endParaRPr lang="en-US" u="sng" dirty="0" smtClean="0"/>
+          </a:p>
+          <a:p>
+            <a:pPr lvl="1"/>
+            <a:r>
+              <a:rPr lang="en-US" dirty="0" smtClean="0"/>
+              <a:t>+ </a:t>
+            </a:r>
+            <a:r>
+              <a:rPr lang="en-US" dirty="0" err="1" smtClean="0"/>
+              <a:t>Sneller</a:t>
+            </a:r>
+            <a:endParaRPr lang="en-US" dirty="0" smtClean="0"/>
+          </a:p>
+          <a:p>
+            <a:pPr lvl="1"/>
+            <a:r>
+              <a:rPr lang="en-US" dirty="0" smtClean="0"/>
+              <a:t>- </a:t>
+            </a:r>
+            <a:r>
+              <a:rPr lang="en-US" dirty="0" err="1" smtClean="0"/>
+              <a:t>Verliest</a:t>
+            </a:r>
+            <a:r>
+              <a:rPr lang="en-US" dirty="0" smtClean="0"/>
+              <a:t> </a:t>
+            </a:r>
+            <a:r>
+              <a:rPr lang="en-US" dirty="0" err="1" smtClean="0"/>
+              <a:t>garantie</a:t>
+            </a:r>
+            <a:r>
+              <a:rPr lang="en-US" dirty="0" smtClean="0"/>
+              <a:t> </a:t>
+            </a:r>
+            <a:r>
+              <a:rPr lang="en-US" dirty="0" err="1" smtClean="0"/>
+              <a:t>beste</a:t>
+            </a:r>
+            <a:r>
+              <a:rPr lang="en-US" dirty="0" smtClean="0"/>
+              <a:t> </a:t>
+            </a:r>
+            <a:r>
+              <a:rPr lang="en-US" dirty="0" err="1" smtClean="0"/>
+              <a:t>oplossig</a:t>
+            </a:r>
+            <a:endParaRPr lang="en-US" dirty="0"/>
+          </a:p>
+        </p:txBody>
+      </p:sp>
+      <p:sp>
+        <p:nvSpPr>
+          <p:cNvPr id="4" name="Rectangle 3"/>
+          <p:cNvSpPr/>
+          <p:nvPr/>
+        </p:nvSpPr>
+        <p:spPr>
+          <a:xfrm>
+            <a:off x="7117080" y="1910080"/>
+            <a:ext cx="1717040" cy="1503680"/>
+          </a:xfrm>
+          <a:prstGeom prst="rect">
+            <a:avLst/>
+          </a:prstGeom>
+          <a:solidFill>
+            <a:schemeClr val="bg1"/>
+          </a:solidFill>
+          <a:ln>
+            <a:solidFill>
+              <a:schemeClr val="tx1"/>
+            </a:solidFill>
+          </a:ln>
+        </p:spPr>
+        <p:style>
+          <a:lnRef idx="2">
+            <a:schemeClr val="accent1">
+              <a:shade val="50000"/>
+            </a:schemeClr>
+          </a:lnRef>
+          <a:fillRef idx="1">
+            <a:schemeClr val="accent1"/>
+          </a:fillRef>
+          <a:effectRef idx="0">
+            <a:schemeClr val="accent1"/>
+          </a:effectRef>
+          <a:fontRef idx="minor">
+            <a:schemeClr val="lt1"/>
+          </a:fontRef>
+        </p:style>
+        <p:txBody>
+          <a:bodyPr rtlCol="0" anchor="ctr"/>
+          <a:lstStyle/>
+          <a:p>
+            <a:pPr algn="ctr"/>
+            <a:endParaRPr lang="nl-NL">
+              <a:solidFill>
+                <a:schemeClr val="bg1"/>
+              </a:solidFill>
+            </a:endParaRPr>
+          </a:p>
+        </p:txBody>
+      </p:sp>
+      <p:sp>
+        <p:nvSpPr>
+          <p:cNvPr id="5" name="Rectangle 4"/>
+          <p:cNvSpPr/>
+          <p:nvPr/>
+        </p:nvSpPr>
+        <p:spPr>
+          <a:xfrm>
+            <a:off x="7381240" y="2047240"/>
+            <a:ext cx="1188720" cy="1229360"/>
+          </a:xfrm>
+          <a:prstGeom prst="rect">
+            <a:avLst/>
+          </a:prstGeom>
+          <a:solidFill>
+            <a:schemeClr val="bg1"/>
+          </a:solidFill>
+          <a:ln>
+            <a:solidFill>
+              <a:schemeClr val="tx1"/>
+            </a:solidFill>
+          </a:ln>
+        </p:spPr>
+        <p:style>
+          <a:lnRef idx="2">
+            <a:schemeClr val="accent1">
+              <a:shade val="50000"/>
+            </a:schemeClr>
+          </a:lnRef>
+          <a:fillRef idx="1">
+            <a:schemeClr val="accent1"/>
+          </a:fillRef>
+          <a:effectRef idx="0">
+            <a:schemeClr val="accent1"/>
+          </a:effectRef>
+          <a:fontRef idx="minor">
+            <a:schemeClr val="lt1"/>
+          </a:fontRef>
+        </p:style>
+        <p:txBody>
+          <a:bodyPr rtlCol="0" anchor="ctr"/>
+          <a:lstStyle/>
+          <a:p>
+            <a:pPr algn="ctr"/>
+            <a:endParaRPr lang="nl-NL"/>
+          </a:p>
+        </p:txBody>
+      </p:sp>
+      <p:sp>
+        <p:nvSpPr>
+          <p:cNvPr id="7" name="Oval 6"/>
+          <p:cNvSpPr/>
+          <p:nvPr/>
+        </p:nvSpPr>
+        <p:spPr>
+          <a:xfrm>
+            <a:off x="7909560" y="2936240"/>
+            <a:ext cx="132080" cy="132080"/>
+          </a:xfrm>
+          <a:prstGeom prst="ellipse">
+            <a:avLst/>
+          </a:prstGeom>
+          <a:solidFill>
+            <a:srgbClr val="FF0000"/>
+          </a:solidFill>
+          <a:ln>
+            <a:solidFill>
+              <a:schemeClr val="tx1"/>
+            </a:solidFill>
+          </a:ln>
+        </p:spPr>
+        <p:style>
+          <a:lnRef idx="2">
+            <a:schemeClr val="accent1">
+              <a:shade val="50000"/>
+            </a:schemeClr>
+          </a:lnRef>
+          <a:fillRef idx="1">
+            <a:schemeClr val="accent1"/>
+          </a:fillRef>
+          <a:effectRef idx="0">
+            <a:schemeClr val="accent1"/>
+          </a:effectRef>
+          <a:fontRef idx="minor">
+            <a:schemeClr val="lt1"/>
+          </a:fontRef>
+        </p:style>
+        <p:txBody>
+          <a:bodyPr rtlCol="0" anchor="ctr"/>
+          <a:lstStyle/>
+          <a:p>
+            <a:pPr algn="ctr"/>
+            <a:endParaRPr lang="nl-NL"/>
+          </a:p>
+        </p:txBody>
+      </p:sp>
+      <p:sp>
+        <p:nvSpPr>
+          <p:cNvPr id="8" name="Oval 7"/>
+          <p:cNvSpPr/>
+          <p:nvPr/>
+        </p:nvSpPr>
+        <p:spPr>
+          <a:xfrm>
+            <a:off x="7909560" y="2529840"/>
+            <a:ext cx="132080" cy="132080"/>
+          </a:xfrm>
+          <a:prstGeom prst="ellipse">
+            <a:avLst/>
+          </a:prstGeom>
+          <a:solidFill>
+            <a:srgbClr val="FF0000"/>
+          </a:solidFill>
+          <a:ln>
+            <a:solidFill>
+              <a:schemeClr val="tx1"/>
+            </a:solidFill>
+          </a:ln>
+        </p:spPr>
+        <p:style>
+          <a:lnRef idx="2">
+            <a:schemeClr val="accent1">
+              <a:shade val="50000"/>
+            </a:schemeClr>
+          </a:lnRef>
+          <a:fillRef idx="1">
+            <a:schemeClr val="accent1"/>
+          </a:fillRef>
+          <a:effectRef idx="0">
+            <a:schemeClr val="accent1"/>
+          </a:effectRef>
+          <a:fontRef idx="minor">
+            <a:schemeClr val="lt1"/>
+          </a:fontRef>
+        </p:style>
+        <p:txBody>
+          <a:bodyPr rtlCol="0" anchor="ctr"/>
+          <a:lstStyle/>
+          <a:p>
+            <a:pPr algn="ctr"/>
+            <a:endParaRPr lang="nl-NL"/>
+          </a:p>
+        </p:txBody>
+      </p:sp>
+      <p:cxnSp>
+        <p:nvCxnSpPr>
+          <p:cNvPr id="10" name="Straight Connector 9"/>
+          <p:cNvCxnSpPr>
+            <a:stCxn id="7" idx="0"/>
+          </p:cNvCxnSpPr>
+          <p:nvPr/>
+        </p:nvCxnSpPr>
+        <p:spPr>
+          <a:xfrm flipV="1">
+            <a:off x="7975600" y="2661920"/>
+            <a:ext cx="0" cy="274320"/>
+          </a:xfrm>
+          <a:prstGeom prst="line">
+            <a:avLst/>
+          </a:prstGeom>
+          <a:ln>
+            <a:solidFill>
+              <a:schemeClr val="tx1"/>
+            </a:solidFill>
+          </a:ln>
+        </p:spPr>
+        <p:style>
+          <a:lnRef idx="1">
+            <a:schemeClr val="accent1"/>
+          </a:lnRef>
+          <a:fillRef idx="0">
+            <a:schemeClr val="accent1"/>
+          </a:fillRef>
+          <a:effectRef idx="0">
+            <a:schemeClr val="accent1"/>
+          </a:effectRef>
+          <a:fontRef idx="minor">
+            <a:schemeClr val="tx1"/>
+          </a:fontRef>
+        </p:style>
+      </p:cxnSp>
+      <p:cxnSp>
+        <p:nvCxnSpPr>
+          <p:cNvPr id="35" name="Straight Arrow Connector 34"/>
+          <p:cNvCxnSpPr/>
+          <p:nvPr/>
+        </p:nvCxnSpPr>
+        <p:spPr>
+          <a:xfrm>
+            <a:off x="7975600" y="3525520"/>
+            <a:ext cx="0" cy="365760"/>
+          </a:xfrm>
+          <a:prstGeom prst="straightConnector1">
+            <a:avLst/>
+          </a:prstGeom>
+          <a:ln>
+            <a:solidFill>
+              <a:schemeClr val="tx1"/>
+            </a:solidFill>
+            <a:tailEnd type="arrow"/>
+          </a:ln>
+        </p:spPr>
+        <p:style>
+          <a:lnRef idx="1">
+            <a:schemeClr val="accent1"/>
+          </a:lnRef>
+          <a:fillRef idx="0">
+            <a:schemeClr val="accent1"/>
+          </a:fillRef>
+          <a:effectRef idx="0">
+            <a:schemeClr val="accent1"/>
+          </a:effectRef>
+          <a:fontRef idx="minor">
+            <a:schemeClr val="tx1"/>
+          </a:fontRef>
+        </p:style>
+      </p:cxnSp>
+      <p:sp>
+        <p:nvSpPr>
+          <p:cNvPr id="37" name="Rectangle 36"/>
+          <p:cNvSpPr/>
+          <p:nvPr/>
+        </p:nvSpPr>
+        <p:spPr>
+          <a:xfrm>
+            <a:off x="7142480" y="3916680"/>
+            <a:ext cx="4856480" cy="1645920"/>
+          </a:xfrm>
+          <a:prstGeom prst="rect">
+            <a:avLst/>
+          </a:prstGeom>
+          <a:solidFill>
+            <a:schemeClr val="bg1"/>
+          </a:solidFill>
+          <a:ln>
+            <a:solidFill>
+              <a:schemeClr val="tx1"/>
+            </a:solidFill>
+          </a:ln>
+        </p:spPr>
+        <p:style>
+          <a:lnRef idx="2">
+            <a:schemeClr val="accent1">
+              <a:shade val="50000"/>
+            </a:schemeClr>
+          </a:lnRef>
+          <a:fillRef idx="1">
+            <a:schemeClr val="accent1"/>
+          </a:fillRef>
+          <a:effectRef idx="0">
+            <a:schemeClr val="accent1"/>
+          </a:effectRef>
+          <a:fontRef idx="minor">
+            <a:schemeClr val="lt1"/>
+          </a:fontRef>
+        </p:style>
+        <p:txBody>
+          <a:bodyPr rtlCol="0" anchor="ctr"/>
+          <a:lstStyle/>
+          <a:p>
+            <a:pPr algn="ctr"/>
+            <a:endParaRPr lang="nl-NL"/>
+          </a:p>
+        </p:txBody>
+      </p:sp>
+      <p:sp>
+        <p:nvSpPr>
+          <p:cNvPr id="38" name="Rectangle 37"/>
+          <p:cNvSpPr/>
+          <p:nvPr/>
+        </p:nvSpPr>
+        <p:spPr>
+          <a:xfrm>
+            <a:off x="7543800" y="4104640"/>
+            <a:ext cx="1188720" cy="1229360"/>
+          </a:xfrm>
+          <a:prstGeom prst="rect">
+            <a:avLst/>
+          </a:prstGeom>
+          <a:solidFill>
+            <a:schemeClr val="bg1"/>
+          </a:solidFill>
+          <a:ln>
+            <a:solidFill>
+              <a:schemeClr val="tx1"/>
+            </a:solidFill>
+          </a:ln>
+        </p:spPr>
+        <p:style>
+          <a:lnRef idx="2">
+            <a:schemeClr val="accent1">
+              <a:shade val="50000"/>
+            </a:schemeClr>
+          </a:lnRef>
+          <a:fillRef idx="1">
+            <a:schemeClr val="accent1"/>
+          </a:fillRef>
+          <a:effectRef idx="0">
+            <a:schemeClr val="accent1"/>
+          </a:effectRef>
+          <a:fontRef idx="minor">
+            <a:schemeClr val="lt1"/>
+          </a:fontRef>
+        </p:style>
+        <p:txBody>
+          <a:bodyPr rtlCol="0" anchor="ctr"/>
+          <a:lstStyle/>
+          <a:p>
+            <a:pPr algn="ctr"/>
+            <a:endParaRPr lang="nl-NL"/>
+          </a:p>
+        </p:txBody>
+      </p:sp>
+      <p:sp>
+        <p:nvSpPr>
+          <p:cNvPr id="39" name="Oval 38"/>
+          <p:cNvSpPr/>
+          <p:nvPr/>
+        </p:nvSpPr>
+        <p:spPr>
+          <a:xfrm>
+            <a:off x="8072120" y="5019040"/>
+            <a:ext cx="132080" cy="132080"/>
+          </a:xfrm>
+          <a:prstGeom prst="ellipse">
+            <a:avLst/>
+          </a:prstGeom>
+          <a:solidFill>
+            <a:srgbClr val="FF0000"/>
+          </a:solidFill>
+          <a:ln>
+            <a:solidFill>
+              <a:schemeClr val="tx1"/>
+            </a:solidFill>
+          </a:ln>
+        </p:spPr>
+        <p:style>
+          <a:lnRef idx="2">
+            <a:schemeClr val="accent1">
+              <a:shade val="50000"/>
+            </a:schemeClr>
+          </a:lnRef>
+          <a:fillRef idx="1">
+            <a:schemeClr val="accent1"/>
+          </a:fillRef>
+          <a:effectRef idx="0">
+            <a:schemeClr val="accent1"/>
+          </a:effectRef>
+          <a:fontRef idx="minor">
+            <a:schemeClr val="lt1"/>
+          </a:fontRef>
+        </p:style>
+        <p:txBody>
+          <a:bodyPr rtlCol="0" anchor="ctr"/>
+          <a:lstStyle/>
+          <a:p>
+            <a:pPr algn="ctr"/>
+            <a:endParaRPr lang="nl-NL"/>
+          </a:p>
+        </p:txBody>
+      </p:sp>
+      <p:sp>
+        <p:nvSpPr>
+          <p:cNvPr id="40" name="Oval 39"/>
+          <p:cNvSpPr/>
+          <p:nvPr/>
+        </p:nvSpPr>
+        <p:spPr>
+          <a:xfrm>
+            <a:off x="8072120" y="4612640"/>
+            <a:ext cx="132080" cy="132080"/>
+          </a:xfrm>
+          <a:prstGeom prst="ellipse">
+            <a:avLst/>
+          </a:prstGeom>
+          <a:solidFill>
+            <a:srgbClr val="FF0000"/>
+          </a:solidFill>
+          <a:ln>
+            <a:solidFill>
+              <a:schemeClr val="tx1"/>
+            </a:solidFill>
+          </a:ln>
+        </p:spPr>
+        <p:style>
+          <a:lnRef idx="2">
+            <a:schemeClr val="accent1">
+              <a:shade val="50000"/>
+            </a:schemeClr>
+          </a:lnRef>
+          <a:fillRef idx="1">
+            <a:schemeClr val="accent1"/>
+          </a:fillRef>
+          <a:effectRef idx="0">
+            <a:schemeClr val="accent1"/>
+          </a:effectRef>
+          <a:fontRef idx="minor">
+            <a:schemeClr val="lt1"/>
+          </a:fontRef>
+        </p:style>
+        <p:txBody>
+          <a:bodyPr rtlCol="0" anchor="ctr"/>
+          <a:lstStyle/>
+          <a:p>
+            <a:pPr algn="ctr"/>
+            <a:endParaRPr lang="nl-NL"/>
+          </a:p>
+        </p:txBody>
+      </p:sp>
+      <p:cxnSp>
+        <p:nvCxnSpPr>
+          <p:cNvPr id="41" name="Straight Connector 40"/>
+          <p:cNvCxnSpPr>
+            <a:stCxn id="39" idx="0"/>
+          </p:cNvCxnSpPr>
+          <p:nvPr/>
+        </p:nvCxnSpPr>
+        <p:spPr>
+          <a:xfrm flipV="1">
+            <a:off x="8138160" y="4744720"/>
+            <a:ext cx="0" cy="274320"/>
+          </a:xfrm>
+          <a:prstGeom prst="line">
+            <a:avLst/>
+          </a:prstGeom>
+          <a:ln>
+            <a:solidFill>
+              <a:schemeClr val="tx1"/>
+            </a:solidFill>
+          </a:ln>
+        </p:spPr>
+        <p:style>
+          <a:lnRef idx="1">
+            <a:schemeClr val="accent1"/>
+          </a:lnRef>
+          <a:fillRef idx="0">
+            <a:schemeClr val="accent1"/>
+          </a:fillRef>
+          <a:effectRef idx="0">
+            <a:schemeClr val="accent1"/>
+          </a:effectRef>
+          <a:fontRef idx="minor">
+            <a:schemeClr val="tx1"/>
+          </a:fontRef>
+        </p:style>
+      </p:cxnSp>
+      <p:sp>
+        <p:nvSpPr>
+          <p:cNvPr id="42" name="Oval 41"/>
+          <p:cNvSpPr/>
+          <p:nvPr/>
+        </p:nvSpPr>
+        <p:spPr>
+          <a:xfrm>
+            <a:off x="8072120" y="4206240"/>
+            <a:ext cx="132080" cy="132080"/>
+          </a:xfrm>
+          <a:prstGeom prst="ellipse">
+            <a:avLst/>
+          </a:prstGeom>
+          <a:solidFill>
+            <a:srgbClr val="FF0000"/>
+          </a:solidFill>
+          <a:ln>
+            <a:solidFill>
+              <a:schemeClr val="tx1"/>
+            </a:solidFill>
+          </a:ln>
+        </p:spPr>
+        <p:style>
+          <a:lnRef idx="2">
+            <a:schemeClr val="accent1">
+              <a:shade val="50000"/>
+            </a:schemeClr>
+          </a:lnRef>
+          <a:fillRef idx="1">
+            <a:schemeClr val="accent1"/>
+          </a:fillRef>
+          <a:effectRef idx="0">
+            <a:schemeClr val="accent1"/>
+          </a:effectRef>
+          <a:fontRef idx="minor">
+            <a:schemeClr val="lt1"/>
+          </a:fontRef>
+        </p:style>
+        <p:txBody>
+          <a:bodyPr rtlCol="0" anchor="ctr"/>
+          <a:lstStyle/>
+          <a:p>
+            <a:pPr algn="ctr"/>
+            <a:endParaRPr lang="nl-NL"/>
+          </a:p>
+        </p:txBody>
+      </p:sp>
+      <p:cxnSp>
+        <p:nvCxnSpPr>
+          <p:cNvPr id="43" name="Straight Connector 42"/>
+          <p:cNvCxnSpPr/>
+          <p:nvPr/>
+        </p:nvCxnSpPr>
+        <p:spPr>
+          <a:xfrm flipV="1">
+            <a:off x="8138160" y="4338320"/>
+            <a:ext cx="0" cy="274320"/>
+          </a:xfrm>
+          <a:prstGeom prst="line">
+            <a:avLst/>
+          </a:prstGeom>
+          <a:ln>
+            <a:solidFill>
+              <a:schemeClr val="tx1"/>
+            </a:solidFill>
+          </a:ln>
+        </p:spPr>
+        <p:style>
+          <a:lnRef idx="1">
+            <a:schemeClr val="accent1"/>
+          </a:lnRef>
+          <a:fillRef idx="0">
+            <a:schemeClr val="accent1"/>
+          </a:fillRef>
+          <a:effectRef idx="0">
+            <a:schemeClr val="accent1"/>
+          </a:effectRef>
+          <a:fontRef idx="minor">
+            <a:schemeClr val="tx1"/>
+          </a:fontRef>
+        </p:style>
+      </p:cxnSp>
+      <p:sp>
+        <p:nvSpPr>
+          <p:cNvPr id="44" name="Rectangle 43"/>
+          <p:cNvSpPr/>
+          <p:nvPr/>
+        </p:nvSpPr>
+        <p:spPr>
+          <a:xfrm>
+            <a:off x="8976360" y="4124960"/>
+            <a:ext cx="1188720" cy="1229360"/>
+          </a:xfrm>
+          <a:prstGeom prst="rect">
+            <a:avLst/>
+          </a:prstGeom>
+          <a:solidFill>
+            <a:schemeClr val="bg1"/>
+          </a:solidFill>
+          <a:ln>
+            <a:solidFill>
+              <a:schemeClr val="tx1"/>
+            </a:solidFill>
+          </a:ln>
+        </p:spPr>
+        <p:style>
+          <a:lnRef idx="2">
+            <a:schemeClr val="accent1">
+              <a:shade val="50000"/>
+            </a:schemeClr>
+          </a:lnRef>
+          <a:fillRef idx="1">
+            <a:schemeClr val="accent1"/>
+          </a:fillRef>
+          <a:effectRef idx="0">
+            <a:schemeClr val="accent1"/>
+          </a:effectRef>
+          <a:fontRef idx="minor">
+            <a:schemeClr val="lt1"/>
+          </a:fontRef>
+        </p:style>
+        <p:txBody>
+          <a:bodyPr rtlCol="0" anchor="ctr"/>
+          <a:lstStyle/>
+          <a:p>
+            <a:pPr algn="ctr"/>
+            <a:endParaRPr lang="nl-NL"/>
+          </a:p>
+        </p:txBody>
+      </p:sp>
+      <p:sp>
+        <p:nvSpPr>
+          <p:cNvPr id="45" name="Oval 44"/>
+          <p:cNvSpPr/>
+          <p:nvPr/>
+        </p:nvSpPr>
+        <p:spPr>
+          <a:xfrm>
+            <a:off x="9504680" y="5039360"/>
+            <a:ext cx="132080" cy="132080"/>
+          </a:xfrm>
+          <a:prstGeom prst="ellipse">
+            <a:avLst/>
+          </a:prstGeom>
+          <a:solidFill>
+            <a:srgbClr val="FF0000"/>
+          </a:solidFill>
+          <a:ln>
+            <a:solidFill>
+              <a:schemeClr val="tx1"/>
+            </a:solidFill>
+          </a:ln>
+        </p:spPr>
+        <p:style>
+          <a:lnRef idx="2">
+            <a:schemeClr val="accent1">
+              <a:shade val="50000"/>
+            </a:schemeClr>
+          </a:lnRef>
+          <a:fillRef idx="1">
+            <a:schemeClr val="accent1"/>
+          </a:fillRef>
+          <a:effectRef idx="0">
+            <a:schemeClr val="accent1"/>
+          </a:effectRef>
+          <a:fontRef idx="minor">
+            <a:schemeClr val="lt1"/>
+          </a:fontRef>
+        </p:style>
+        <p:txBody>
+          <a:bodyPr rtlCol="0" anchor="ctr"/>
+          <a:lstStyle/>
+          <a:p>
+            <a:pPr algn="ctr"/>
+            <a:endParaRPr lang="nl-NL"/>
+          </a:p>
+        </p:txBody>
+      </p:sp>
+      <p:sp>
+        <p:nvSpPr>
+          <p:cNvPr id="46" name="Oval 45"/>
+          <p:cNvSpPr/>
+          <p:nvPr/>
+        </p:nvSpPr>
+        <p:spPr>
+          <a:xfrm>
+            <a:off x="9504680" y="4632960"/>
+            <a:ext cx="132080" cy="132080"/>
+          </a:xfrm>
+          <a:prstGeom prst="ellipse">
+            <a:avLst/>
+          </a:prstGeom>
+          <a:solidFill>
+            <a:srgbClr val="FF0000"/>
+          </a:solidFill>
+          <a:ln>
+            <a:solidFill>
+              <a:schemeClr val="tx1"/>
+            </a:solidFill>
+          </a:ln>
+        </p:spPr>
+        <p:style>
+          <a:lnRef idx="2">
+            <a:schemeClr val="accent1">
+              <a:shade val="50000"/>
+            </a:schemeClr>
+          </a:lnRef>
+          <a:fillRef idx="1">
+            <a:schemeClr val="accent1"/>
+          </a:fillRef>
+          <a:effectRef idx="0">
+            <a:schemeClr val="accent1"/>
+          </a:effectRef>
+          <a:fontRef idx="minor">
+            <a:schemeClr val="lt1"/>
+          </a:fontRef>
+        </p:style>
+        <p:txBody>
+          <a:bodyPr rtlCol="0" anchor="ctr"/>
+          <a:lstStyle/>
+          <a:p>
+            <a:pPr algn="ctr"/>
+            <a:endParaRPr lang="nl-NL"/>
+          </a:p>
+        </p:txBody>
+      </p:sp>
+      <p:cxnSp>
+        <p:nvCxnSpPr>
+          <p:cNvPr id="47" name="Straight Connector 46"/>
+          <p:cNvCxnSpPr>
+            <a:stCxn id="45" idx="0"/>
+          </p:cNvCxnSpPr>
+          <p:nvPr/>
+        </p:nvCxnSpPr>
+        <p:spPr>
+          <a:xfrm flipV="1">
+            <a:off x="9570720" y="4765040"/>
+            <a:ext cx="0" cy="274320"/>
+          </a:xfrm>
+          <a:prstGeom prst="line">
+            <a:avLst/>
+          </a:prstGeom>
+          <a:ln>
+            <a:solidFill>
+              <a:schemeClr val="tx1"/>
+            </a:solidFill>
+          </a:ln>
+        </p:spPr>
+        <p:style>
+          <a:lnRef idx="1">
+            <a:schemeClr val="accent1"/>
+          </a:lnRef>
+          <a:fillRef idx="0">
+            <a:schemeClr val="accent1"/>
+          </a:fillRef>
+          <a:effectRef idx="0">
+            <a:schemeClr val="accent1"/>
+          </a:effectRef>
+          <a:fontRef idx="minor">
+            <a:schemeClr val="tx1"/>
+          </a:fontRef>
+        </p:style>
+      </p:cxnSp>
+      <p:sp>
+        <p:nvSpPr>
+          <p:cNvPr id="48" name="Rectangle 47"/>
+          <p:cNvSpPr/>
+          <p:nvPr/>
+        </p:nvSpPr>
+        <p:spPr>
+          <a:xfrm>
+            <a:off x="10439400" y="4130040"/>
+            <a:ext cx="1188720" cy="1229360"/>
+          </a:xfrm>
+          <a:prstGeom prst="rect">
+            <a:avLst/>
+          </a:prstGeom>
+          <a:solidFill>
+            <a:schemeClr val="bg1"/>
+          </a:solidFill>
+          <a:ln>
+            <a:solidFill>
+              <a:schemeClr val="tx1"/>
+            </a:solidFill>
+          </a:ln>
+        </p:spPr>
+        <p:style>
+          <a:lnRef idx="2">
+            <a:schemeClr val="accent1">
+              <a:shade val="50000"/>
+            </a:schemeClr>
+          </a:lnRef>
+          <a:fillRef idx="1">
+            <a:schemeClr val="accent1"/>
+          </a:fillRef>
+          <a:effectRef idx="0">
+            <a:schemeClr val="accent1"/>
+          </a:effectRef>
+          <a:fontRef idx="minor">
+            <a:schemeClr val="lt1"/>
+          </a:fontRef>
+        </p:style>
+        <p:txBody>
+          <a:bodyPr rtlCol="0" anchor="ctr"/>
+          <a:lstStyle/>
+          <a:p>
+            <a:pPr algn="ctr"/>
+            <a:endParaRPr lang="nl-NL"/>
+          </a:p>
+        </p:txBody>
+      </p:sp>
+      <p:sp>
+        <p:nvSpPr>
+          <p:cNvPr id="49" name="Oval 48"/>
+          <p:cNvSpPr/>
+          <p:nvPr/>
+        </p:nvSpPr>
+        <p:spPr>
+          <a:xfrm>
+            <a:off x="10967720" y="5044440"/>
+            <a:ext cx="132080" cy="132080"/>
+          </a:xfrm>
+          <a:prstGeom prst="ellipse">
+            <a:avLst/>
+          </a:prstGeom>
+          <a:solidFill>
+            <a:srgbClr val="FF0000"/>
+          </a:solidFill>
+          <a:ln>
+            <a:solidFill>
+              <a:schemeClr val="tx1"/>
+            </a:solidFill>
+          </a:ln>
+        </p:spPr>
+        <p:style>
+          <a:lnRef idx="2">
+            <a:schemeClr val="accent1">
+              <a:shade val="50000"/>
+            </a:schemeClr>
+          </a:lnRef>
+          <a:fillRef idx="1">
+            <a:schemeClr val="accent1"/>
+          </a:fillRef>
+          <a:effectRef idx="0">
+            <a:schemeClr val="accent1"/>
+          </a:effectRef>
+          <a:fontRef idx="minor">
+            <a:schemeClr val="lt1"/>
+          </a:fontRef>
+        </p:style>
+        <p:txBody>
+          <a:bodyPr rtlCol="0" anchor="ctr"/>
+          <a:lstStyle/>
+          <a:p>
+            <a:pPr algn="ctr"/>
+            <a:endParaRPr lang="nl-NL"/>
+          </a:p>
+        </p:txBody>
+      </p:sp>
+      <p:sp>
+        <p:nvSpPr>
+          <p:cNvPr id="50" name="Oval 49"/>
+          <p:cNvSpPr/>
+          <p:nvPr/>
+        </p:nvSpPr>
+        <p:spPr>
+          <a:xfrm>
+            <a:off x="10967720" y="4638040"/>
+            <a:ext cx="132080" cy="132080"/>
+          </a:xfrm>
+          <a:prstGeom prst="ellipse">
+            <a:avLst/>
+          </a:prstGeom>
+          <a:solidFill>
+            <a:srgbClr val="FF0000"/>
+          </a:solidFill>
+          <a:ln>
+            <a:solidFill>
+              <a:schemeClr val="tx1"/>
+            </a:solidFill>
+          </a:ln>
+        </p:spPr>
+        <p:style>
+          <a:lnRef idx="2">
+            <a:schemeClr val="accent1">
+              <a:shade val="50000"/>
+            </a:schemeClr>
+          </a:lnRef>
+          <a:fillRef idx="1">
+            <a:schemeClr val="accent1"/>
+          </a:fillRef>
+          <a:effectRef idx="0">
+            <a:schemeClr val="accent1"/>
+          </a:effectRef>
+          <a:fontRef idx="minor">
+            <a:schemeClr val="lt1"/>
+          </a:fontRef>
+        </p:style>
+        <p:txBody>
+          <a:bodyPr rtlCol="0" anchor="ctr"/>
+          <a:lstStyle/>
+          <a:p>
+            <a:pPr algn="ctr"/>
+            <a:endParaRPr lang="nl-NL"/>
+          </a:p>
+        </p:txBody>
+      </p:sp>
+      <p:cxnSp>
+        <p:nvCxnSpPr>
+          <p:cNvPr id="51" name="Straight Connector 50"/>
+          <p:cNvCxnSpPr>
+            <a:stCxn id="49" idx="0"/>
+          </p:cNvCxnSpPr>
+          <p:nvPr/>
+        </p:nvCxnSpPr>
+        <p:spPr>
+          <a:xfrm flipV="1">
+            <a:off x="11033760" y="4770120"/>
+            <a:ext cx="0" cy="274320"/>
+          </a:xfrm>
+          <a:prstGeom prst="line">
+            <a:avLst/>
+          </a:prstGeom>
+          <a:ln>
+            <a:solidFill>
+              <a:schemeClr val="tx1"/>
+            </a:solidFill>
+          </a:ln>
+        </p:spPr>
+        <p:style>
+          <a:lnRef idx="1">
+            <a:schemeClr val="accent1"/>
+          </a:lnRef>
+          <a:fillRef idx="0">
+            <a:schemeClr val="accent1"/>
+          </a:fillRef>
+          <a:effectRef idx="0">
+            <a:schemeClr val="accent1"/>
+          </a:effectRef>
+          <a:fontRef idx="minor">
+            <a:schemeClr val="tx1"/>
+          </a:fontRef>
+        </p:style>
+      </p:cxnSp>
+      <p:sp>
+        <p:nvSpPr>
+          <p:cNvPr id="52" name="Oval 51"/>
+          <p:cNvSpPr/>
+          <p:nvPr/>
+        </p:nvSpPr>
+        <p:spPr>
+          <a:xfrm>
+            <a:off x="9149080" y="4632960"/>
+            <a:ext cx="132080" cy="132080"/>
+          </a:xfrm>
+          <a:prstGeom prst="ellipse">
+            <a:avLst/>
+          </a:prstGeom>
+          <a:solidFill>
+            <a:srgbClr val="FF0000"/>
+          </a:solidFill>
+          <a:ln>
+            <a:solidFill>
+              <a:schemeClr val="tx1"/>
+            </a:solidFill>
+          </a:ln>
+        </p:spPr>
+        <p:style>
+          <a:lnRef idx="2">
+            <a:schemeClr val="accent1">
+              <a:shade val="50000"/>
+            </a:schemeClr>
+          </a:lnRef>
+          <a:fillRef idx="1">
+            <a:schemeClr val="accent1"/>
+          </a:fillRef>
+          <a:effectRef idx="0">
+            <a:schemeClr val="accent1"/>
+          </a:effectRef>
+          <a:fontRef idx="minor">
+            <a:schemeClr val="lt1"/>
+          </a:fontRef>
+        </p:style>
+        <p:txBody>
+          <a:bodyPr rtlCol="0" anchor="ctr"/>
+          <a:lstStyle/>
+          <a:p>
+            <a:pPr algn="ctr"/>
+            <a:endParaRPr lang="nl-NL"/>
+          </a:p>
+        </p:txBody>
+      </p:sp>
+      <p:sp>
+        <p:nvSpPr>
+          <p:cNvPr id="53" name="Oval 52"/>
+          <p:cNvSpPr/>
+          <p:nvPr/>
+        </p:nvSpPr>
+        <p:spPr>
+          <a:xfrm>
+            <a:off x="11384280" y="4632960"/>
+            <a:ext cx="132080" cy="132080"/>
+          </a:xfrm>
+          <a:prstGeom prst="ellipse">
+            <a:avLst/>
+          </a:prstGeom>
+          <a:solidFill>
+            <a:srgbClr val="FF0000"/>
+          </a:solidFill>
+          <a:ln>
+            <a:solidFill>
+              <a:schemeClr val="tx1"/>
+            </a:solidFill>
+          </a:ln>
+        </p:spPr>
+        <p:style>
+          <a:lnRef idx="2">
+            <a:schemeClr val="accent1">
+              <a:shade val="50000"/>
+            </a:schemeClr>
+          </a:lnRef>
+          <a:fillRef idx="1">
+            <a:schemeClr val="accent1"/>
+          </a:fillRef>
+          <a:effectRef idx="0">
+            <a:schemeClr val="accent1"/>
+          </a:effectRef>
+          <a:fontRef idx="minor">
+            <a:schemeClr val="lt1"/>
+          </a:fontRef>
+        </p:style>
+        <p:txBody>
+          <a:bodyPr rtlCol="0" anchor="ctr"/>
+          <a:lstStyle/>
+          <a:p>
+            <a:pPr algn="ctr"/>
+            <a:endParaRPr lang="nl-NL"/>
+          </a:p>
+        </p:txBody>
+      </p:sp>
+      <p:cxnSp>
+        <p:nvCxnSpPr>
+          <p:cNvPr id="54" name="Straight Connector 53"/>
+          <p:cNvCxnSpPr>
+            <a:stCxn id="52" idx="6"/>
+            <a:endCxn id="46" idx="2"/>
+          </p:cNvCxnSpPr>
+          <p:nvPr/>
+        </p:nvCxnSpPr>
+        <p:spPr>
+          <a:xfrm>
+            <a:off x="9281160" y="4699000"/>
+            <a:ext cx="223520" cy="0"/>
+          </a:xfrm>
+          <a:prstGeom prst="line">
+            <a:avLst/>
+          </a:prstGeom>
+          <a:ln>
+            <a:solidFill>
+              <a:schemeClr val="tx1"/>
+            </a:solidFill>
+          </a:ln>
+        </p:spPr>
+        <p:style>
+          <a:lnRef idx="1">
+            <a:schemeClr val="accent1"/>
+          </a:lnRef>
+          <a:fillRef idx="0">
+            <a:schemeClr val="accent1"/>
+          </a:fillRef>
+          <a:effectRef idx="0">
+            <a:schemeClr val="accent1"/>
+          </a:effectRef>
+          <a:fontRef idx="minor">
+            <a:schemeClr val="tx1"/>
+          </a:fontRef>
+        </p:style>
+      </p:cxnSp>
+      <p:cxnSp>
+        <p:nvCxnSpPr>
+          <p:cNvPr id="55" name="Straight Connector 54"/>
+          <p:cNvCxnSpPr>
+            <a:endCxn id="53" idx="2"/>
+          </p:cNvCxnSpPr>
+          <p:nvPr/>
+        </p:nvCxnSpPr>
+        <p:spPr>
+          <a:xfrm flipV="1">
+            <a:off x="11099800" y="4699000"/>
+            <a:ext cx="284480" cy="5080"/>
+          </a:xfrm>
+          <a:prstGeom prst="line">
+            <a:avLst/>
+          </a:prstGeom>
+          <a:ln>
+            <a:solidFill>
+              <a:schemeClr val="tx1"/>
+            </a:solidFill>
+          </a:ln>
+        </p:spPr>
+        <p:style>
+          <a:lnRef idx="1">
+            <a:schemeClr val="accent1"/>
+          </a:lnRef>
+          <a:fillRef idx="0">
+            <a:schemeClr val="accent1"/>
+          </a:fillRef>
+          <a:effectRef idx="0">
+            <a:schemeClr val="accent1"/>
+          </a:effectRef>
+          <a:fontRef idx="minor">
+            <a:schemeClr val="tx1"/>
+          </a:fontRef>
+        </p:style>
+      </p:cxnSp>
+      <p:sp>
+        <p:nvSpPr>
+          <p:cNvPr id="57" name="Oval 56"/>
+          <p:cNvSpPr/>
+          <p:nvPr/>
+        </p:nvSpPr>
+        <p:spPr>
+          <a:xfrm>
+            <a:off x="7472680" y="4064000"/>
+            <a:ext cx="1330960" cy="1330960"/>
+          </a:xfrm>
+          <a:prstGeom prst="ellipse">
+            <a:avLst/>
+          </a:prstGeom>
+          <a:noFill/>
+          <a:ln>
+            <a:solidFill>
+              <a:schemeClr val="accent1"/>
+            </a:solidFill>
+          </a:ln>
+        </p:spPr>
+        <p:style>
+          <a:lnRef idx="2">
+            <a:schemeClr val="accent1">
+              <a:shade val="50000"/>
+            </a:schemeClr>
+          </a:lnRef>
+          <a:fillRef idx="1">
+            <a:schemeClr val="accent1"/>
+          </a:fillRef>
+          <a:effectRef idx="0">
+            <a:schemeClr val="accent1"/>
+          </a:effectRef>
+          <a:fontRef idx="minor">
+            <a:schemeClr val="lt1"/>
+          </a:fontRef>
+        </p:style>
+        <p:txBody>
+          <a:bodyPr rtlCol="0" anchor="ctr"/>
+          <a:lstStyle/>
+          <a:p>
+            <a:pPr algn="ctr"/>
+            <a:endParaRPr lang="nl-NL"/>
           </a:p>
         </p:txBody>
       </p:sp>
@@ -11000,8 +12336,8 @@
           <a:lstStyle/>
           <a:p>
             <a:r>
-              <a:rPr lang="en-US" dirty="0" err="1"/>
-              <a:t>Hillclimber</a:t>
+              <a:rPr lang="en-US" dirty="0" smtClean="0"/>
+              <a:t>depth-first</a:t>
             </a:r>
             <a:endParaRPr lang="en-US" dirty="0"/>
           </a:p>
@@ -11019,99 +12355,1330 @@
         </p:nvSpPr>
         <p:spPr/>
         <p:txBody>
-          <a:bodyPr/>
-          <a:lstStyle/>
-          <a:p>
-            <a:r>
-              <a:rPr lang="en-US" dirty="0" err="1"/>
-              <a:t>Instellingen</a:t>
-            </a:r>
-            <a:r>
-              <a:rPr lang="en-US" dirty="0"/>
-              <a:t>:</a:t>
-            </a:r>
+          <a:bodyPr>
+            <a:normAutofit/>
+          </a:bodyPr>
+          <a:lstStyle/>
+          <a:p>
+            <a:r>
+              <a:rPr lang="en-US" dirty="0" smtClean="0"/>
+              <a:t>Chains </a:t>
+            </a:r>
+            <a:r>
+              <a:rPr lang="en-US" dirty="0" err="1" smtClean="0"/>
+              <a:t>bouwen</a:t>
+            </a:r>
+            <a:r>
+              <a:rPr lang="en-US" dirty="0" smtClean="0"/>
+              <a:t> in </a:t>
+            </a:r>
+            <a:r>
+              <a:rPr lang="en-US" dirty="0" err="1" smtClean="0"/>
+              <a:t>een</a:t>
+            </a:r>
+            <a:r>
+              <a:rPr lang="en-US" dirty="0" smtClean="0"/>
+              <a:t> </a:t>
+            </a:r>
+            <a:r>
+              <a:rPr lang="en-US" b="1" dirty="0" smtClean="0"/>
+              <a:t>d</a:t>
+            </a:r>
+            <a:r>
+              <a:rPr lang="en-US" b="1" dirty="0" smtClean="0"/>
+              <a:t>eque</a:t>
+            </a:r>
+          </a:p>
+          <a:p>
+            <a:r>
+              <a:rPr lang="en-US" dirty="0" smtClean="0"/>
+              <a:t>Last-in, First-out</a:t>
+            </a:r>
+          </a:p>
+          <a:p>
+            <a:endParaRPr lang="en-US" dirty="0"/>
+          </a:p>
+          <a:p>
+            <a:r>
+              <a:rPr lang="en-US" dirty="0" smtClean="0"/>
+              <a:t>Priority-Queue </a:t>
+            </a:r>
+            <a:r>
+              <a:rPr lang="en-US" dirty="0" err="1" smtClean="0"/>
+              <a:t>princiepe</a:t>
+            </a:r>
+            <a:endParaRPr lang="en-US" dirty="0" smtClean="0"/>
           </a:p>
           <a:p>
             <a:pPr lvl="1"/>
             <a:r>
-              <a:rPr lang="en-US" dirty="0"/>
-              <a:t>1000 </a:t>
-            </a:r>
-            <a:r>
-              <a:rPr lang="en-US" dirty="0" err="1"/>
-              <a:t>keer</a:t>
-            </a:r>
-            <a:r>
-              <a:rPr lang="en-US" dirty="0"/>
+              <a:rPr lang="en-US" dirty="0" err="1" smtClean="0"/>
+              <a:t>Hogerscorend</a:t>
+            </a:r>
+            <a:r>
+              <a:rPr lang="en-US" dirty="0" smtClean="0"/>
               <a:t> </a:t>
             </a:r>
             <a:r>
-              <a:rPr lang="en-US" dirty="0" err="1"/>
-              <a:t>proberen</a:t>
-            </a:r>
-            <a:endParaRPr lang="en-US" dirty="0"/>
+              <a:rPr lang="en-US" dirty="0" err="1" smtClean="0"/>
+              <a:t>gaat</a:t>
+            </a:r>
+            <a:r>
+              <a:rPr lang="en-US" dirty="0" smtClean="0"/>
+              <a:t> </a:t>
+            </a:r>
+            <a:r>
+              <a:rPr lang="en-US" dirty="0" err="1" smtClean="0"/>
+              <a:t>voor</a:t>
+            </a:r>
+            <a:endParaRPr lang="en-US" dirty="0" smtClean="0"/>
+          </a:p>
+          <a:p>
+            <a:pPr marL="0" indent="0">
+              <a:buNone/>
+            </a:pPr>
+            <a:endParaRPr lang="en-US" u="sng" dirty="0" smtClean="0"/>
           </a:p>
           <a:p>
             <a:pPr lvl="1"/>
             <a:r>
-              <a:rPr lang="en-US" dirty="0" err="1"/>
-              <a:t>Vervangen</a:t>
-            </a:r>
-            <a:r>
-              <a:rPr lang="en-US" dirty="0"/>
+              <a:rPr lang="en-US" dirty="0" smtClean="0"/>
+              <a:t>+ </a:t>
+            </a:r>
+            <a:r>
+              <a:rPr lang="en-US" dirty="0" err="1" smtClean="0"/>
+              <a:t>Sneller</a:t>
+            </a:r>
+            <a:r>
+              <a:rPr lang="en-US" dirty="0" smtClean="0"/>
               <a:t> </a:t>
             </a:r>
             <a:r>
-              <a:rPr lang="en-US" dirty="0" err="1"/>
-              <a:t>bij</a:t>
-            </a:r>
-            <a:r>
-              <a:rPr lang="en-US" dirty="0"/>
+              <a:rPr lang="en-US" dirty="0" err="1" smtClean="0"/>
+              <a:t>resultaat</a:t>
+            </a:r>
+            <a:endParaRPr lang="en-US" dirty="0" smtClean="0"/>
+          </a:p>
+          <a:p>
+            <a:pPr lvl="1"/>
+            <a:r>
+              <a:rPr lang="en-US" dirty="0" smtClean="0"/>
+              <a:t>+ </a:t>
+            </a:r>
+            <a:r>
+              <a:rPr lang="en-US" dirty="0" err="1" smtClean="0"/>
+              <a:t>Kan</a:t>
+            </a:r>
+            <a:r>
+              <a:rPr lang="en-US" dirty="0" smtClean="0"/>
               <a:t> </a:t>
             </a:r>
             <a:r>
-              <a:rPr lang="en-US" dirty="0" err="1"/>
-              <a:t>gelijke</a:t>
-            </a:r>
-            <a:r>
-              <a:rPr lang="en-US" dirty="0"/>
-              <a:t> of </a:t>
-            </a:r>
-            <a:r>
-              <a:rPr lang="en-US" dirty="0" err="1"/>
-              <a:t>kleinere</a:t>
-            </a:r>
-            <a:r>
-              <a:rPr lang="en-US" dirty="0"/>
-              <a:t> score</a:t>
-            </a:r>
-          </a:p>
-          <a:p>
-            <a:pPr lvl="1"/>
-            <a:r>
-              <a:rPr lang="en-US" dirty="0"/>
-              <a:t>Start </a:t>
-            </a:r>
-            <a:r>
-              <a:rPr lang="en-US" dirty="0" err="1"/>
-              <a:t>recht</a:t>
-            </a:r>
-            <a:r>
-              <a:rPr lang="en-US" dirty="0"/>
+              <a:rPr lang="en-US" dirty="0" err="1" smtClean="0"/>
+              <a:t>stoppen</a:t>
+            </a:r>
+            <a:r>
+              <a:rPr lang="en-US" dirty="0" smtClean="0"/>
               <a:t> </a:t>
             </a:r>
             <a:r>
-              <a:rPr lang="en-US" dirty="0" err="1"/>
-              <a:t>vs</a:t>
-            </a:r>
-            <a:r>
-              <a:rPr lang="en-US" dirty="0"/>
-              <a:t> random</a:t>
-            </a:r>
+              <a:rPr lang="en-US" dirty="0" err="1" smtClean="0"/>
+              <a:t>wanneer</a:t>
+            </a:r>
+            <a:r>
+              <a:rPr lang="en-US" dirty="0" smtClean="0"/>
+              <a:t> het </a:t>
+            </a:r>
+            <a:r>
+              <a:rPr lang="en-US" dirty="0" err="1" smtClean="0"/>
+              <a:t>te</a:t>
+            </a:r>
+            <a:r>
+              <a:rPr lang="en-US" dirty="0" smtClean="0"/>
+              <a:t> </a:t>
+            </a:r>
+            <a:r>
+              <a:rPr lang="en-US" dirty="0" err="1" smtClean="0"/>
+              <a:t>lang</a:t>
+            </a:r>
+            <a:r>
+              <a:rPr lang="en-US" dirty="0" smtClean="0"/>
+              <a:t> </a:t>
+            </a:r>
+            <a:r>
+              <a:rPr lang="en-US" dirty="0" err="1" smtClean="0"/>
+              <a:t>duurt</a:t>
+            </a:r>
+            <a:endParaRPr lang="en-US" dirty="0" smtClean="0"/>
+          </a:p>
+        </p:txBody>
+      </p:sp>
+      <p:sp>
+        <p:nvSpPr>
+          <p:cNvPr id="4" name="Rectangle 3"/>
+          <p:cNvSpPr/>
+          <p:nvPr/>
+        </p:nvSpPr>
+        <p:spPr>
+          <a:xfrm>
+            <a:off x="7117080" y="1910080"/>
+            <a:ext cx="1717040" cy="1503680"/>
+          </a:xfrm>
+          <a:prstGeom prst="rect">
+            <a:avLst/>
+          </a:prstGeom>
+          <a:solidFill>
+            <a:schemeClr val="bg1"/>
+          </a:solidFill>
+          <a:ln>
+            <a:solidFill>
+              <a:schemeClr val="tx1"/>
+            </a:solidFill>
+          </a:ln>
+        </p:spPr>
+        <p:style>
+          <a:lnRef idx="2">
+            <a:schemeClr val="accent1">
+              <a:shade val="50000"/>
+            </a:schemeClr>
+          </a:lnRef>
+          <a:fillRef idx="1">
+            <a:schemeClr val="accent1"/>
+          </a:fillRef>
+          <a:effectRef idx="0">
+            <a:schemeClr val="accent1"/>
+          </a:effectRef>
+          <a:fontRef idx="minor">
+            <a:schemeClr val="lt1"/>
+          </a:fontRef>
+        </p:style>
+        <p:txBody>
+          <a:bodyPr rtlCol="0" anchor="ctr"/>
+          <a:lstStyle/>
+          <a:p>
+            <a:pPr algn="ctr"/>
+            <a:endParaRPr lang="nl-NL">
+              <a:solidFill>
+                <a:schemeClr val="bg1"/>
+              </a:solidFill>
+            </a:endParaRPr>
+          </a:p>
+        </p:txBody>
+      </p:sp>
+      <p:sp>
+        <p:nvSpPr>
+          <p:cNvPr id="5" name="Rectangle 4"/>
+          <p:cNvSpPr/>
+          <p:nvPr/>
+        </p:nvSpPr>
+        <p:spPr>
+          <a:xfrm>
+            <a:off x="7381240" y="2047240"/>
+            <a:ext cx="1188720" cy="1229360"/>
+          </a:xfrm>
+          <a:prstGeom prst="rect">
+            <a:avLst/>
+          </a:prstGeom>
+          <a:solidFill>
+            <a:schemeClr val="bg1"/>
+          </a:solidFill>
+          <a:ln>
+            <a:solidFill>
+              <a:schemeClr val="tx1"/>
+            </a:solidFill>
+          </a:ln>
+        </p:spPr>
+        <p:style>
+          <a:lnRef idx="2">
+            <a:schemeClr val="accent1">
+              <a:shade val="50000"/>
+            </a:schemeClr>
+          </a:lnRef>
+          <a:fillRef idx="1">
+            <a:schemeClr val="accent1"/>
+          </a:fillRef>
+          <a:effectRef idx="0">
+            <a:schemeClr val="accent1"/>
+          </a:effectRef>
+          <a:fontRef idx="minor">
+            <a:schemeClr val="lt1"/>
+          </a:fontRef>
+        </p:style>
+        <p:txBody>
+          <a:bodyPr rtlCol="0" anchor="ctr"/>
+          <a:lstStyle/>
+          <a:p>
+            <a:pPr algn="ctr"/>
+            <a:endParaRPr lang="nl-NL"/>
+          </a:p>
+        </p:txBody>
+      </p:sp>
+      <p:sp>
+        <p:nvSpPr>
+          <p:cNvPr id="6" name="Oval 5"/>
+          <p:cNvSpPr/>
+          <p:nvPr/>
+        </p:nvSpPr>
+        <p:spPr>
+          <a:xfrm>
+            <a:off x="7909560" y="2936240"/>
+            <a:ext cx="132080" cy="132080"/>
+          </a:xfrm>
+          <a:prstGeom prst="ellipse">
+            <a:avLst/>
+          </a:prstGeom>
+          <a:solidFill>
+            <a:srgbClr val="FF0000"/>
+          </a:solidFill>
+          <a:ln>
+            <a:solidFill>
+              <a:schemeClr val="tx1"/>
+            </a:solidFill>
+          </a:ln>
+        </p:spPr>
+        <p:style>
+          <a:lnRef idx="2">
+            <a:schemeClr val="accent1">
+              <a:shade val="50000"/>
+            </a:schemeClr>
+          </a:lnRef>
+          <a:fillRef idx="1">
+            <a:schemeClr val="accent1"/>
+          </a:fillRef>
+          <a:effectRef idx="0">
+            <a:schemeClr val="accent1"/>
+          </a:effectRef>
+          <a:fontRef idx="minor">
+            <a:schemeClr val="lt1"/>
+          </a:fontRef>
+        </p:style>
+        <p:txBody>
+          <a:bodyPr rtlCol="0" anchor="ctr"/>
+          <a:lstStyle/>
+          <a:p>
+            <a:pPr algn="ctr"/>
+            <a:endParaRPr lang="nl-NL"/>
+          </a:p>
+        </p:txBody>
+      </p:sp>
+      <p:sp>
+        <p:nvSpPr>
+          <p:cNvPr id="7" name="Oval 6"/>
+          <p:cNvSpPr/>
+          <p:nvPr/>
+        </p:nvSpPr>
+        <p:spPr>
+          <a:xfrm>
+            <a:off x="7909560" y="2529840"/>
+            <a:ext cx="132080" cy="132080"/>
+          </a:xfrm>
+          <a:prstGeom prst="ellipse">
+            <a:avLst/>
+          </a:prstGeom>
+          <a:solidFill>
+            <a:srgbClr val="FF0000"/>
+          </a:solidFill>
+          <a:ln>
+            <a:solidFill>
+              <a:schemeClr val="tx1"/>
+            </a:solidFill>
+          </a:ln>
+        </p:spPr>
+        <p:style>
+          <a:lnRef idx="2">
+            <a:schemeClr val="accent1">
+              <a:shade val="50000"/>
+            </a:schemeClr>
+          </a:lnRef>
+          <a:fillRef idx="1">
+            <a:schemeClr val="accent1"/>
+          </a:fillRef>
+          <a:effectRef idx="0">
+            <a:schemeClr val="accent1"/>
+          </a:effectRef>
+          <a:fontRef idx="minor">
+            <a:schemeClr val="lt1"/>
+          </a:fontRef>
+        </p:style>
+        <p:txBody>
+          <a:bodyPr rtlCol="0" anchor="ctr"/>
+          <a:lstStyle/>
+          <a:p>
+            <a:pPr algn="ctr"/>
+            <a:endParaRPr lang="nl-NL"/>
+          </a:p>
+        </p:txBody>
+      </p:sp>
+      <p:cxnSp>
+        <p:nvCxnSpPr>
+          <p:cNvPr id="8" name="Straight Connector 7"/>
+          <p:cNvCxnSpPr>
+            <a:stCxn id="6" idx="0"/>
+          </p:cNvCxnSpPr>
+          <p:nvPr/>
+        </p:nvCxnSpPr>
+        <p:spPr>
+          <a:xfrm flipV="1">
+            <a:off x="7975600" y="2661920"/>
+            <a:ext cx="0" cy="274320"/>
+          </a:xfrm>
+          <a:prstGeom prst="line">
+            <a:avLst/>
+          </a:prstGeom>
+          <a:ln>
+            <a:solidFill>
+              <a:schemeClr val="tx1"/>
+            </a:solidFill>
+          </a:ln>
+        </p:spPr>
+        <p:style>
+          <a:lnRef idx="1">
+            <a:schemeClr val="accent1"/>
+          </a:lnRef>
+          <a:fillRef idx="0">
+            <a:schemeClr val="accent1"/>
+          </a:fillRef>
+          <a:effectRef idx="0">
+            <a:schemeClr val="accent1"/>
+          </a:effectRef>
+          <a:fontRef idx="minor">
+            <a:schemeClr val="tx1"/>
+          </a:fontRef>
+        </p:style>
+      </p:cxnSp>
+      <p:cxnSp>
+        <p:nvCxnSpPr>
+          <p:cNvPr id="9" name="Straight Arrow Connector 8"/>
+          <p:cNvCxnSpPr/>
+          <p:nvPr/>
+        </p:nvCxnSpPr>
+        <p:spPr>
+          <a:xfrm>
+            <a:off x="7975600" y="3525520"/>
+            <a:ext cx="0" cy="365760"/>
+          </a:xfrm>
+          <a:prstGeom prst="straightConnector1">
+            <a:avLst/>
+          </a:prstGeom>
+          <a:ln>
+            <a:solidFill>
+              <a:schemeClr val="tx1"/>
+            </a:solidFill>
+            <a:tailEnd type="arrow"/>
+          </a:ln>
+        </p:spPr>
+        <p:style>
+          <a:lnRef idx="1">
+            <a:schemeClr val="accent1"/>
+          </a:lnRef>
+          <a:fillRef idx="0">
+            <a:schemeClr val="accent1"/>
+          </a:fillRef>
+          <a:effectRef idx="0">
+            <a:schemeClr val="accent1"/>
+          </a:effectRef>
+          <a:fontRef idx="minor">
+            <a:schemeClr val="tx1"/>
+          </a:fontRef>
+        </p:style>
+      </p:cxnSp>
+      <p:sp>
+        <p:nvSpPr>
+          <p:cNvPr id="10" name="Rectangle 9"/>
+          <p:cNvSpPr/>
+          <p:nvPr/>
+        </p:nvSpPr>
+        <p:spPr>
+          <a:xfrm>
+            <a:off x="7142480" y="3916680"/>
+            <a:ext cx="4856480" cy="1645920"/>
+          </a:xfrm>
+          <a:prstGeom prst="rect">
+            <a:avLst/>
+          </a:prstGeom>
+          <a:solidFill>
+            <a:schemeClr val="bg1"/>
+          </a:solidFill>
+          <a:ln>
+            <a:solidFill>
+              <a:schemeClr val="tx1"/>
+            </a:solidFill>
+          </a:ln>
+        </p:spPr>
+        <p:style>
+          <a:lnRef idx="2">
+            <a:schemeClr val="accent1">
+              <a:shade val="50000"/>
+            </a:schemeClr>
+          </a:lnRef>
+          <a:fillRef idx="1">
+            <a:schemeClr val="accent1"/>
+          </a:fillRef>
+          <a:effectRef idx="0">
+            <a:schemeClr val="accent1"/>
+          </a:effectRef>
+          <a:fontRef idx="minor">
+            <a:schemeClr val="lt1"/>
+          </a:fontRef>
+        </p:style>
+        <p:txBody>
+          <a:bodyPr rtlCol="0" anchor="ctr"/>
+          <a:lstStyle/>
+          <a:p>
+            <a:pPr algn="ctr"/>
+            <a:endParaRPr lang="nl-NL"/>
+          </a:p>
+        </p:txBody>
+      </p:sp>
+      <p:sp>
+        <p:nvSpPr>
+          <p:cNvPr id="11" name="Rectangle 10"/>
+          <p:cNvSpPr/>
+          <p:nvPr/>
+        </p:nvSpPr>
+        <p:spPr>
+          <a:xfrm>
+            <a:off x="7543800" y="4104640"/>
+            <a:ext cx="1188720" cy="1229360"/>
+          </a:xfrm>
+          <a:prstGeom prst="rect">
+            <a:avLst/>
+          </a:prstGeom>
+          <a:solidFill>
+            <a:schemeClr val="bg1"/>
+          </a:solidFill>
+          <a:ln>
+            <a:solidFill>
+              <a:schemeClr val="tx1"/>
+            </a:solidFill>
+          </a:ln>
+        </p:spPr>
+        <p:style>
+          <a:lnRef idx="2">
+            <a:schemeClr val="accent1">
+              <a:shade val="50000"/>
+            </a:schemeClr>
+          </a:lnRef>
+          <a:fillRef idx="1">
+            <a:schemeClr val="accent1"/>
+          </a:fillRef>
+          <a:effectRef idx="0">
+            <a:schemeClr val="accent1"/>
+          </a:effectRef>
+          <a:fontRef idx="minor">
+            <a:schemeClr val="lt1"/>
+          </a:fontRef>
+        </p:style>
+        <p:txBody>
+          <a:bodyPr rtlCol="0" anchor="ctr"/>
+          <a:lstStyle/>
+          <a:p>
+            <a:pPr algn="ctr"/>
+            <a:endParaRPr lang="nl-NL"/>
+          </a:p>
+        </p:txBody>
+      </p:sp>
+      <p:sp>
+        <p:nvSpPr>
+          <p:cNvPr id="12" name="Oval 11"/>
+          <p:cNvSpPr/>
+          <p:nvPr/>
+        </p:nvSpPr>
+        <p:spPr>
+          <a:xfrm>
+            <a:off x="8072120" y="5019040"/>
+            <a:ext cx="132080" cy="132080"/>
+          </a:xfrm>
+          <a:prstGeom prst="ellipse">
+            <a:avLst/>
+          </a:prstGeom>
+          <a:solidFill>
+            <a:srgbClr val="FF0000"/>
+          </a:solidFill>
+          <a:ln>
+            <a:solidFill>
+              <a:schemeClr val="tx1"/>
+            </a:solidFill>
+          </a:ln>
+        </p:spPr>
+        <p:style>
+          <a:lnRef idx="2">
+            <a:schemeClr val="accent1">
+              <a:shade val="50000"/>
+            </a:schemeClr>
+          </a:lnRef>
+          <a:fillRef idx="1">
+            <a:schemeClr val="accent1"/>
+          </a:fillRef>
+          <a:effectRef idx="0">
+            <a:schemeClr val="accent1"/>
+          </a:effectRef>
+          <a:fontRef idx="minor">
+            <a:schemeClr val="lt1"/>
+          </a:fontRef>
+        </p:style>
+        <p:txBody>
+          <a:bodyPr rtlCol="0" anchor="ctr"/>
+          <a:lstStyle/>
+          <a:p>
+            <a:pPr algn="ctr"/>
+            <a:endParaRPr lang="nl-NL"/>
+          </a:p>
+        </p:txBody>
+      </p:sp>
+      <p:sp>
+        <p:nvSpPr>
+          <p:cNvPr id="13" name="Oval 12"/>
+          <p:cNvSpPr/>
+          <p:nvPr/>
+        </p:nvSpPr>
+        <p:spPr>
+          <a:xfrm>
+            <a:off x="8072120" y="4612640"/>
+            <a:ext cx="132080" cy="132080"/>
+          </a:xfrm>
+          <a:prstGeom prst="ellipse">
+            <a:avLst/>
+          </a:prstGeom>
+          <a:solidFill>
+            <a:srgbClr val="FF0000"/>
+          </a:solidFill>
+          <a:ln>
+            <a:solidFill>
+              <a:schemeClr val="tx1"/>
+            </a:solidFill>
+          </a:ln>
+        </p:spPr>
+        <p:style>
+          <a:lnRef idx="2">
+            <a:schemeClr val="accent1">
+              <a:shade val="50000"/>
+            </a:schemeClr>
+          </a:lnRef>
+          <a:fillRef idx="1">
+            <a:schemeClr val="accent1"/>
+          </a:fillRef>
+          <a:effectRef idx="0">
+            <a:schemeClr val="accent1"/>
+          </a:effectRef>
+          <a:fontRef idx="minor">
+            <a:schemeClr val="lt1"/>
+          </a:fontRef>
+        </p:style>
+        <p:txBody>
+          <a:bodyPr rtlCol="0" anchor="ctr"/>
+          <a:lstStyle/>
+          <a:p>
+            <a:pPr algn="ctr"/>
+            <a:endParaRPr lang="nl-NL"/>
+          </a:p>
+        </p:txBody>
+      </p:sp>
+      <p:cxnSp>
+        <p:nvCxnSpPr>
+          <p:cNvPr id="14" name="Straight Connector 13"/>
+          <p:cNvCxnSpPr>
+            <a:stCxn id="12" idx="0"/>
+          </p:cNvCxnSpPr>
+          <p:nvPr/>
+        </p:nvCxnSpPr>
+        <p:spPr>
+          <a:xfrm flipV="1">
+            <a:off x="8138160" y="4744720"/>
+            <a:ext cx="0" cy="274320"/>
+          </a:xfrm>
+          <a:prstGeom prst="line">
+            <a:avLst/>
+          </a:prstGeom>
+          <a:ln>
+            <a:solidFill>
+              <a:schemeClr val="tx1"/>
+            </a:solidFill>
+          </a:ln>
+        </p:spPr>
+        <p:style>
+          <a:lnRef idx="1">
+            <a:schemeClr val="accent1"/>
+          </a:lnRef>
+          <a:fillRef idx="0">
+            <a:schemeClr val="accent1"/>
+          </a:fillRef>
+          <a:effectRef idx="0">
+            <a:schemeClr val="accent1"/>
+          </a:effectRef>
+          <a:fontRef idx="minor">
+            <a:schemeClr val="tx1"/>
+          </a:fontRef>
+        </p:style>
+      </p:cxnSp>
+      <p:sp>
+        <p:nvSpPr>
+          <p:cNvPr id="15" name="Oval 14"/>
+          <p:cNvSpPr/>
+          <p:nvPr/>
+        </p:nvSpPr>
+        <p:spPr>
+          <a:xfrm>
+            <a:off x="8072120" y="4206240"/>
+            <a:ext cx="132080" cy="132080"/>
+          </a:xfrm>
+          <a:prstGeom prst="ellipse">
+            <a:avLst/>
+          </a:prstGeom>
+          <a:solidFill>
+            <a:srgbClr val="FF0000"/>
+          </a:solidFill>
+          <a:ln>
+            <a:solidFill>
+              <a:schemeClr val="tx1"/>
+            </a:solidFill>
+          </a:ln>
+        </p:spPr>
+        <p:style>
+          <a:lnRef idx="2">
+            <a:schemeClr val="accent1">
+              <a:shade val="50000"/>
+            </a:schemeClr>
+          </a:lnRef>
+          <a:fillRef idx="1">
+            <a:schemeClr val="accent1"/>
+          </a:fillRef>
+          <a:effectRef idx="0">
+            <a:schemeClr val="accent1"/>
+          </a:effectRef>
+          <a:fontRef idx="minor">
+            <a:schemeClr val="lt1"/>
+          </a:fontRef>
+        </p:style>
+        <p:txBody>
+          <a:bodyPr rtlCol="0" anchor="ctr"/>
+          <a:lstStyle/>
+          <a:p>
+            <a:pPr algn="ctr"/>
+            <a:endParaRPr lang="nl-NL"/>
+          </a:p>
+        </p:txBody>
+      </p:sp>
+      <p:cxnSp>
+        <p:nvCxnSpPr>
+          <p:cNvPr id="16" name="Straight Connector 15"/>
+          <p:cNvCxnSpPr/>
+          <p:nvPr/>
+        </p:nvCxnSpPr>
+        <p:spPr>
+          <a:xfrm flipV="1">
+            <a:off x="8138160" y="4338320"/>
+            <a:ext cx="0" cy="274320"/>
+          </a:xfrm>
+          <a:prstGeom prst="line">
+            <a:avLst/>
+          </a:prstGeom>
+          <a:ln>
+            <a:solidFill>
+              <a:schemeClr val="tx1"/>
+            </a:solidFill>
+          </a:ln>
+        </p:spPr>
+        <p:style>
+          <a:lnRef idx="1">
+            <a:schemeClr val="accent1"/>
+          </a:lnRef>
+          <a:fillRef idx="0">
+            <a:schemeClr val="accent1"/>
+          </a:fillRef>
+          <a:effectRef idx="0">
+            <a:schemeClr val="accent1"/>
+          </a:effectRef>
+          <a:fontRef idx="minor">
+            <a:schemeClr val="tx1"/>
+          </a:fontRef>
+        </p:style>
+      </p:cxnSp>
+      <p:sp>
+        <p:nvSpPr>
+          <p:cNvPr id="17" name="Rectangle 16"/>
+          <p:cNvSpPr/>
+          <p:nvPr/>
+        </p:nvSpPr>
+        <p:spPr>
+          <a:xfrm>
+            <a:off x="8976360" y="4124960"/>
+            <a:ext cx="1188720" cy="1229360"/>
+          </a:xfrm>
+          <a:prstGeom prst="rect">
+            <a:avLst/>
+          </a:prstGeom>
+          <a:solidFill>
+            <a:schemeClr val="bg1"/>
+          </a:solidFill>
+          <a:ln>
+            <a:solidFill>
+              <a:schemeClr val="tx1"/>
+            </a:solidFill>
+          </a:ln>
+        </p:spPr>
+        <p:style>
+          <a:lnRef idx="2">
+            <a:schemeClr val="accent1">
+              <a:shade val="50000"/>
+            </a:schemeClr>
+          </a:lnRef>
+          <a:fillRef idx="1">
+            <a:schemeClr val="accent1"/>
+          </a:fillRef>
+          <a:effectRef idx="0">
+            <a:schemeClr val="accent1"/>
+          </a:effectRef>
+          <a:fontRef idx="minor">
+            <a:schemeClr val="lt1"/>
+          </a:fontRef>
+        </p:style>
+        <p:txBody>
+          <a:bodyPr rtlCol="0" anchor="ctr"/>
+          <a:lstStyle/>
+          <a:p>
+            <a:pPr algn="ctr"/>
+            <a:endParaRPr lang="nl-NL"/>
+          </a:p>
+        </p:txBody>
+      </p:sp>
+      <p:sp>
+        <p:nvSpPr>
+          <p:cNvPr id="18" name="Oval 17"/>
+          <p:cNvSpPr/>
+          <p:nvPr/>
+        </p:nvSpPr>
+        <p:spPr>
+          <a:xfrm>
+            <a:off x="9504680" y="5039360"/>
+            <a:ext cx="132080" cy="132080"/>
+          </a:xfrm>
+          <a:prstGeom prst="ellipse">
+            <a:avLst/>
+          </a:prstGeom>
+          <a:solidFill>
+            <a:srgbClr val="FF0000"/>
+          </a:solidFill>
+          <a:ln>
+            <a:solidFill>
+              <a:schemeClr val="tx1"/>
+            </a:solidFill>
+          </a:ln>
+        </p:spPr>
+        <p:style>
+          <a:lnRef idx="2">
+            <a:schemeClr val="accent1">
+              <a:shade val="50000"/>
+            </a:schemeClr>
+          </a:lnRef>
+          <a:fillRef idx="1">
+            <a:schemeClr val="accent1"/>
+          </a:fillRef>
+          <a:effectRef idx="0">
+            <a:schemeClr val="accent1"/>
+          </a:effectRef>
+          <a:fontRef idx="minor">
+            <a:schemeClr val="lt1"/>
+          </a:fontRef>
+        </p:style>
+        <p:txBody>
+          <a:bodyPr rtlCol="0" anchor="ctr"/>
+          <a:lstStyle/>
+          <a:p>
+            <a:pPr algn="ctr"/>
+            <a:endParaRPr lang="nl-NL"/>
+          </a:p>
+        </p:txBody>
+      </p:sp>
+      <p:sp>
+        <p:nvSpPr>
+          <p:cNvPr id="19" name="Oval 18"/>
+          <p:cNvSpPr/>
+          <p:nvPr/>
+        </p:nvSpPr>
+        <p:spPr>
+          <a:xfrm>
+            <a:off x="9504680" y="4632960"/>
+            <a:ext cx="132080" cy="132080"/>
+          </a:xfrm>
+          <a:prstGeom prst="ellipse">
+            <a:avLst/>
+          </a:prstGeom>
+          <a:solidFill>
+            <a:srgbClr val="FF0000"/>
+          </a:solidFill>
+          <a:ln>
+            <a:solidFill>
+              <a:schemeClr val="tx1"/>
+            </a:solidFill>
+          </a:ln>
+        </p:spPr>
+        <p:style>
+          <a:lnRef idx="2">
+            <a:schemeClr val="accent1">
+              <a:shade val="50000"/>
+            </a:schemeClr>
+          </a:lnRef>
+          <a:fillRef idx="1">
+            <a:schemeClr val="accent1"/>
+          </a:fillRef>
+          <a:effectRef idx="0">
+            <a:schemeClr val="accent1"/>
+          </a:effectRef>
+          <a:fontRef idx="minor">
+            <a:schemeClr val="lt1"/>
+          </a:fontRef>
+        </p:style>
+        <p:txBody>
+          <a:bodyPr rtlCol="0" anchor="ctr"/>
+          <a:lstStyle/>
+          <a:p>
+            <a:pPr algn="ctr"/>
+            <a:endParaRPr lang="nl-NL"/>
+          </a:p>
+        </p:txBody>
+      </p:sp>
+      <p:cxnSp>
+        <p:nvCxnSpPr>
+          <p:cNvPr id="20" name="Straight Connector 19"/>
+          <p:cNvCxnSpPr>
+            <a:stCxn id="18" idx="0"/>
+          </p:cNvCxnSpPr>
+          <p:nvPr/>
+        </p:nvCxnSpPr>
+        <p:spPr>
+          <a:xfrm flipV="1">
+            <a:off x="9570720" y="4765040"/>
+            <a:ext cx="0" cy="274320"/>
+          </a:xfrm>
+          <a:prstGeom prst="line">
+            <a:avLst/>
+          </a:prstGeom>
+          <a:ln>
+            <a:solidFill>
+              <a:schemeClr val="tx1"/>
+            </a:solidFill>
+          </a:ln>
+        </p:spPr>
+        <p:style>
+          <a:lnRef idx="1">
+            <a:schemeClr val="accent1"/>
+          </a:lnRef>
+          <a:fillRef idx="0">
+            <a:schemeClr val="accent1"/>
+          </a:fillRef>
+          <a:effectRef idx="0">
+            <a:schemeClr val="accent1"/>
+          </a:effectRef>
+          <a:fontRef idx="minor">
+            <a:schemeClr val="tx1"/>
+          </a:fontRef>
+        </p:style>
+      </p:cxnSp>
+      <p:sp>
+        <p:nvSpPr>
+          <p:cNvPr id="21" name="Rectangle 20"/>
+          <p:cNvSpPr/>
+          <p:nvPr/>
+        </p:nvSpPr>
+        <p:spPr>
+          <a:xfrm>
+            <a:off x="10439400" y="4130040"/>
+            <a:ext cx="1188720" cy="1229360"/>
+          </a:xfrm>
+          <a:prstGeom prst="rect">
+            <a:avLst/>
+          </a:prstGeom>
+          <a:solidFill>
+            <a:schemeClr val="bg1"/>
+          </a:solidFill>
+          <a:ln>
+            <a:solidFill>
+              <a:schemeClr val="tx1"/>
+            </a:solidFill>
+          </a:ln>
+        </p:spPr>
+        <p:style>
+          <a:lnRef idx="2">
+            <a:schemeClr val="accent1">
+              <a:shade val="50000"/>
+            </a:schemeClr>
+          </a:lnRef>
+          <a:fillRef idx="1">
+            <a:schemeClr val="accent1"/>
+          </a:fillRef>
+          <a:effectRef idx="0">
+            <a:schemeClr val="accent1"/>
+          </a:effectRef>
+          <a:fontRef idx="minor">
+            <a:schemeClr val="lt1"/>
+          </a:fontRef>
+        </p:style>
+        <p:txBody>
+          <a:bodyPr rtlCol="0" anchor="ctr"/>
+          <a:lstStyle/>
+          <a:p>
+            <a:pPr algn="ctr"/>
+            <a:endParaRPr lang="nl-NL"/>
+          </a:p>
+        </p:txBody>
+      </p:sp>
+      <p:sp>
+        <p:nvSpPr>
+          <p:cNvPr id="22" name="Oval 21"/>
+          <p:cNvSpPr/>
+          <p:nvPr/>
+        </p:nvSpPr>
+        <p:spPr>
+          <a:xfrm>
+            <a:off x="10967720" y="5044440"/>
+            <a:ext cx="132080" cy="132080"/>
+          </a:xfrm>
+          <a:prstGeom prst="ellipse">
+            <a:avLst/>
+          </a:prstGeom>
+          <a:solidFill>
+            <a:srgbClr val="FF0000"/>
+          </a:solidFill>
+          <a:ln>
+            <a:solidFill>
+              <a:schemeClr val="tx1"/>
+            </a:solidFill>
+          </a:ln>
+        </p:spPr>
+        <p:style>
+          <a:lnRef idx="2">
+            <a:schemeClr val="accent1">
+              <a:shade val="50000"/>
+            </a:schemeClr>
+          </a:lnRef>
+          <a:fillRef idx="1">
+            <a:schemeClr val="accent1"/>
+          </a:fillRef>
+          <a:effectRef idx="0">
+            <a:schemeClr val="accent1"/>
+          </a:effectRef>
+          <a:fontRef idx="minor">
+            <a:schemeClr val="lt1"/>
+          </a:fontRef>
+        </p:style>
+        <p:txBody>
+          <a:bodyPr rtlCol="0" anchor="ctr"/>
+          <a:lstStyle/>
+          <a:p>
+            <a:pPr algn="ctr"/>
+            <a:endParaRPr lang="nl-NL"/>
+          </a:p>
+        </p:txBody>
+      </p:sp>
+      <p:sp>
+        <p:nvSpPr>
+          <p:cNvPr id="23" name="Oval 22"/>
+          <p:cNvSpPr/>
+          <p:nvPr/>
+        </p:nvSpPr>
+        <p:spPr>
+          <a:xfrm>
+            <a:off x="10967720" y="4638040"/>
+            <a:ext cx="132080" cy="132080"/>
+          </a:xfrm>
+          <a:prstGeom prst="ellipse">
+            <a:avLst/>
+          </a:prstGeom>
+          <a:solidFill>
+            <a:srgbClr val="FF0000"/>
+          </a:solidFill>
+          <a:ln>
+            <a:solidFill>
+              <a:schemeClr val="tx1"/>
+            </a:solidFill>
+          </a:ln>
+        </p:spPr>
+        <p:style>
+          <a:lnRef idx="2">
+            <a:schemeClr val="accent1">
+              <a:shade val="50000"/>
+            </a:schemeClr>
+          </a:lnRef>
+          <a:fillRef idx="1">
+            <a:schemeClr val="accent1"/>
+          </a:fillRef>
+          <a:effectRef idx="0">
+            <a:schemeClr val="accent1"/>
+          </a:effectRef>
+          <a:fontRef idx="minor">
+            <a:schemeClr val="lt1"/>
+          </a:fontRef>
+        </p:style>
+        <p:txBody>
+          <a:bodyPr rtlCol="0" anchor="ctr"/>
+          <a:lstStyle/>
+          <a:p>
+            <a:pPr algn="ctr"/>
+            <a:endParaRPr lang="nl-NL"/>
+          </a:p>
+        </p:txBody>
+      </p:sp>
+      <p:cxnSp>
+        <p:nvCxnSpPr>
+          <p:cNvPr id="24" name="Straight Connector 23"/>
+          <p:cNvCxnSpPr>
+            <a:stCxn id="22" idx="0"/>
+          </p:cNvCxnSpPr>
+          <p:nvPr/>
+        </p:nvCxnSpPr>
+        <p:spPr>
+          <a:xfrm flipV="1">
+            <a:off x="11033760" y="4770120"/>
+            <a:ext cx="0" cy="274320"/>
+          </a:xfrm>
+          <a:prstGeom prst="line">
+            <a:avLst/>
+          </a:prstGeom>
+          <a:ln>
+            <a:solidFill>
+              <a:schemeClr val="tx1"/>
+            </a:solidFill>
+          </a:ln>
+        </p:spPr>
+        <p:style>
+          <a:lnRef idx="1">
+            <a:schemeClr val="accent1"/>
+          </a:lnRef>
+          <a:fillRef idx="0">
+            <a:schemeClr val="accent1"/>
+          </a:fillRef>
+          <a:effectRef idx="0">
+            <a:schemeClr val="accent1"/>
+          </a:effectRef>
+          <a:fontRef idx="minor">
+            <a:schemeClr val="tx1"/>
+          </a:fontRef>
+        </p:style>
+      </p:cxnSp>
+      <p:sp>
+        <p:nvSpPr>
+          <p:cNvPr id="25" name="Oval 24"/>
+          <p:cNvSpPr/>
+          <p:nvPr/>
+        </p:nvSpPr>
+        <p:spPr>
+          <a:xfrm>
+            <a:off x="9149080" y="4632960"/>
+            <a:ext cx="132080" cy="132080"/>
+          </a:xfrm>
+          <a:prstGeom prst="ellipse">
+            <a:avLst/>
+          </a:prstGeom>
+          <a:solidFill>
+            <a:srgbClr val="FF0000"/>
+          </a:solidFill>
+          <a:ln>
+            <a:solidFill>
+              <a:schemeClr val="tx1"/>
+            </a:solidFill>
+          </a:ln>
+        </p:spPr>
+        <p:style>
+          <a:lnRef idx="2">
+            <a:schemeClr val="accent1">
+              <a:shade val="50000"/>
+            </a:schemeClr>
+          </a:lnRef>
+          <a:fillRef idx="1">
+            <a:schemeClr val="accent1"/>
+          </a:fillRef>
+          <a:effectRef idx="0">
+            <a:schemeClr val="accent1"/>
+          </a:effectRef>
+          <a:fontRef idx="minor">
+            <a:schemeClr val="lt1"/>
+          </a:fontRef>
+        </p:style>
+        <p:txBody>
+          <a:bodyPr rtlCol="0" anchor="ctr"/>
+          <a:lstStyle/>
+          <a:p>
+            <a:pPr algn="ctr"/>
+            <a:endParaRPr lang="nl-NL"/>
+          </a:p>
+        </p:txBody>
+      </p:sp>
+      <p:sp>
+        <p:nvSpPr>
+          <p:cNvPr id="26" name="Oval 25"/>
+          <p:cNvSpPr/>
+          <p:nvPr/>
+        </p:nvSpPr>
+        <p:spPr>
+          <a:xfrm>
+            <a:off x="11384280" y="4632960"/>
+            <a:ext cx="132080" cy="132080"/>
+          </a:xfrm>
+          <a:prstGeom prst="ellipse">
+            <a:avLst/>
+          </a:prstGeom>
+          <a:solidFill>
+            <a:srgbClr val="FF0000"/>
+          </a:solidFill>
+          <a:ln>
+            <a:solidFill>
+              <a:schemeClr val="tx1"/>
+            </a:solidFill>
+          </a:ln>
+        </p:spPr>
+        <p:style>
+          <a:lnRef idx="2">
+            <a:schemeClr val="accent1">
+              <a:shade val="50000"/>
+            </a:schemeClr>
+          </a:lnRef>
+          <a:fillRef idx="1">
+            <a:schemeClr val="accent1"/>
+          </a:fillRef>
+          <a:effectRef idx="0">
+            <a:schemeClr val="accent1"/>
+          </a:effectRef>
+          <a:fontRef idx="minor">
+            <a:schemeClr val="lt1"/>
+          </a:fontRef>
+        </p:style>
+        <p:txBody>
+          <a:bodyPr rtlCol="0" anchor="ctr"/>
+          <a:lstStyle/>
+          <a:p>
+            <a:pPr algn="ctr"/>
+            <a:endParaRPr lang="nl-NL"/>
+          </a:p>
+        </p:txBody>
+      </p:sp>
+      <p:cxnSp>
+        <p:nvCxnSpPr>
+          <p:cNvPr id="27" name="Straight Connector 26"/>
+          <p:cNvCxnSpPr>
+            <a:stCxn id="25" idx="6"/>
+            <a:endCxn id="19" idx="2"/>
+          </p:cNvCxnSpPr>
+          <p:nvPr/>
+        </p:nvCxnSpPr>
+        <p:spPr>
+          <a:xfrm>
+            <a:off x="9281160" y="4699000"/>
+            <a:ext cx="223520" cy="0"/>
+          </a:xfrm>
+          <a:prstGeom prst="line">
+            <a:avLst/>
+          </a:prstGeom>
+          <a:ln>
+            <a:solidFill>
+              <a:schemeClr val="tx1"/>
+            </a:solidFill>
+          </a:ln>
+        </p:spPr>
+        <p:style>
+          <a:lnRef idx="1">
+            <a:schemeClr val="accent1"/>
+          </a:lnRef>
+          <a:fillRef idx="0">
+            <a:schemeClr val="accent1"/>
+          </a:fillRef>
+          <a:effectRef idx="0">
+            <a:schemeClr val="accent1"/>
+          </a:effectRef>
+          <a:fontRef idx="minor">
+            <a:schemeClr val="tx1"/>
+          </a:fontRef>
+        </p:style>
+      </p:cxnSp>
+      <p:cxnSp>
+        <p:nvCxnSpPr>
+          <p:cNvPr id="28" name="Straight Connector 27"/>
+          <p:cNvCxnSpPr>
+            <a:endCxn id="26" idx="2"/>
+          </p:cNvCxnSpPr>
+          <p:nvPr/>
+        </p:nvCxnSpPr>
+        <p:spPr>
+          <a:xfrm flipV="1">
+            <a:off x="11099800" y="4699000"/>
+            <a:ext cx="284480" cy="5080"/>
+          </a:xfrm>
+          <a:prstGeom prst="line">
+            <a:avLst/>
+          </a:prstGeom>
+          <a:ln>
+            <a:solidFill>
+              <a:schemeClr val="tx1"/>
+            </a:solidFill>
+          </a:ln>
+        </p:spPr>
+        <p:style>
+          <a:lnRef idx="1">
+            <a:schemeClr val="accent1"/>
+          </a:lnRef>
+          <a:fillRef idx="0">
+            <a:schemeClr val="accent1"/>
+          </a:fillRef>
+          <a:effectRef idx="0">
+            <a:schemeClr val="accent1"/>
+          </a:effectRef>
+          <a:fontRef idx="minor">
+            <a:schemeClr val="tx1"/>
+          </a:fontRef>
+        </p:style>
+      </p:cxnSp>
+      <p:sp>
+        <p:nvSpPr>
+          <p:cNvPr id="29" name="Oval 28"/>
+          <p:cNvSpPr/>
+          <p:nvPr/>
+        </p:nvSpPr>
+        <p:spPr>
+          <a:xfrm>
+            <a:off x="10368280" y="4074160"/>
+            <a:ext cx="1330960" cy="1330960"/>
+          </a:xfrm>
+          <a:prstGeom prst="ellipse">
+            <a:avLst/>
+          </a:prstGeom>
+          <a:noFill/>
+          <a:ln>
+            <a:solidFill>
+              <a:schemeClr val="accent1"/>
+            </a:solidFill>
+          </a:ln>
+        </p:spPr>
+        <p:style>
+          <a:lnRef idx="2">
+            <a:schemeClr val="accent1">
+              <a:shade val="50000"/>
+            </a:schemeClr>
+          </a:lnRef>
+          <a:fillRef idx="1">
+            <a:schemeClr val="accent1"/>
+          </a:fillRef>
+          <a:effectRef idx="0">
+            <a:schemeClr val="accent1"/>
+          </a:effectRef>
+          <a:fontRef idx="minor">
+            <a:schemeClr val="lt1"/>
+          </a:fontRef>
+        </p:style>
+        <p:txBody>
+          <a:bodyPr rtlCol="0" anchor="ctr"/>
+          <a:lstStyle/>
+          <a:p>
+            <a:pPr algn="ctr"/>
+            <a:endParaRPr lang="nl-NL"/>
           </a:p>
         </p:txBody>
       </p:sp>
     </p:spTree>
+    <p:extLst>
+      <p:ext uri="{BB962C8B-B14F-4D97-AF65-F5344CB8AC3E}">
+        <p14:creationId xmlns:p14="http://schemas.microsoft.com/office/powerpoint/2010/main" val="2781350608"/>
+      </p:ext>
+    </p:extLst>
   </p:cSld>
   <p:clrMapOvr>
     <a:masterClrMapping/>
@@ -11153,6 +13720,158 @@
           <a:p>
             <a:r>
               <a:rPr lang="en-US" dirty="0" err="1"/>
+              <a:t>Hillclimber</a:t>
+            </a:r>
+            <a:endParaRPr lang="en-US" dirty="0"/>
+          </a:p>
+        </p:txBody>
+      </p:sp>
+      <p:sp>
+        <p:nvSpPr>
+          <p:cNvPr id="3" name="Tijdelijke aanduiding voor inhoud 2"/>
+          <p:cNvSpPr>
+            <a:spLocks noGrp="1"/>
+          </p:cNvSpPr>
+          <p:nvPr>
+            <p:ph idx="1"/>
+          </p:nvPr>
+        </p:nvSpPr>
+        <p:spPr/>
+        <p:txBody>
+          <a:bodyPr/>
+          <a:lstStyle/>
+          <a:p>
+            <a:r>
+              <a:rPr lang="en-US" dirty="0" err="1"/>
+              <a:t>Instellingen</a:t>
+            </a:r>
+            <a:r>
+              <a:rPr lang="en-US" dirty="0"/>
+              <a:t>:</a:t>
+            </a:r>
+          </a:p>
+          <a:p>
+            <a:pPr lvl="1"/>
+            <a:r>
+              <a:rPr lang="en-US" dirty="0"/>
+              <a:t>1000 </a:t>
+            </a:r>
+            <a:r>
+              <a:rPr lang="en-US" dirty="0" err="1"/>
+              <a:t>keer</a:t>
+            </a:r>
+            <a:r>
+              <a:rPr lang="en-US" dirty="0"/>
+              <a:t> </a:t>
+            </a:r>
+            <a:r>
+              <a:rPr lang="en-US" dirty="0" err="1"/>
+              <a:t>proberen</a:t>
+            </a:r>
+            <a:endParaRPr lang="en-US" dirty="0"/>
+          </a:p>
+          <a:p>
+            <a:pPr lvl="1"/>
+            <a:r>
+              <a:rPr lang="en-US" dirty="0" err="1"/>
+              <a:t>Vervangen</a:t>
+            </a:r>
+            <a:r>
+              <a:rPr lang="en-US" dirty="0"/>
+              <a:t> </a:t>
+            </a:r>
+            <a:r>
+              <a:rPr lang="en-US" dirty="0" err="1"/>
+              <a:t>bij</a:t>
+            </a:r>
+            <a:r>
+              <a:rPr lang="en-US" dirty="0"/>
+              <a:t> </a:t>
+            </a:r>
+            <a:r>
+              <a:rPr lang="en-US" dirty="0" err="1"/>
+              <a:t>gelijke</a:t>
+            </a:r>
+            <a:r>
+              <a:rPr lang="en-US" dirty="0"/>
+              <a:t> of </a:t>
+            </a:r>
+            <a:r>
+              <a:rPr lang="en-US" dirty="0" err="1"/>
+              <a:t>kleinere</a:t>
+            </a:r>
+            <a:r>
+              <a:rPr lang="en-US" dirty="0"/>
+              <a:t> score</a:t>
+            </a:r>
+          </a:p>
+          <a:p>
+            <a:pPr lvl="1"/>
+            <a:r>
+              <a:rPr lang="en-US" dirty="0"/>
+              <a:t>Start </a:t>
+            </a:r>
+            <a:r>
+              <a:rPr lang="en-US" dirty="0" err="1"/>
+              <a:t>recht</a:t>
+            </a:r>
+            <a:r>
+              <a:rPr lang="en-US" dirty="0"/>
+              <a:t> </a:t>
+            </a:r>
+            <a:r>
+              <a:rPr lang="en-US" dirty="0" err="1"/>
+              <a:t>vs</a:t>
+            </a:r>
+            <a:r>
+              <a:rPr lang="en-US" dirty="0"/>
+              <a:t> random</a:t>
+            </a:r>
+          </a:p>
+        </p:txBody>
+      </p:sp>
+    </p:spTree>
+  </p:cSld>
+  <p:clrMapOvr>
+    <a:masterClrMapping/>
+  </p:clrMapOvr>
+</p:sld>
+</file>
+
+<file path=ppt/slides/slide25.xml><?xml version="1.0" encoding="utf-8"?>
+<p:sld xmlns:a="http://schemas.openxmlformats.org/drawingml/2006/main" xmlns:r="http://schemas.openxmlformats.org/officeDocument/2006/relationships" xmlns:p="http://schemas.openxmlformats.org/presentationml/2006/main">
+  <p:cSld>
+    <p:spTree>
+      <p:nvGrpSpPr>
+        <p:cNvPr id="1" name=""/>
+        <p:cNvGrpSpPr/>
+        <p:nvPr/>
+      </p:nvGrpSpPr>
+      <p:grpSpPr>
+        <a:xfrm>
+          <a:off x="0" y="0"/>
+          <a:ext cx="0" cy="0"/>
+          <a:chOff x="0" y="0"/>
+          <a:chExt cx="0" cy="0"/>
+        </a:xfrm>
+      </p:grpSpPr>
+      <p:sp>
+        <p:nvSpPr>
+          <p:cNvPr id="2" name="Titel 1"/>
+          <p:cNvSpPr>
+            <a:spLocks noGrp="1"/>
+          </p:cNvSpPr>
+          <p:nvPr>
+            <p:ph type="title"/>
+          </p:nvPr>
+        </p:nvSpPr>
+        <p:spPr/>
+        <p:txBody>
+          <a:bodyPr/>
+          <a:lstStyle/>
+          <a:p>
+            <a:r>
+              <a:rPr lang="en-US" dirty="0" err="1"/>
               <a:t>Resultaten</a:t>
             </a:r>
             <a:endParaRPr lang="en-US" dirty="0"/>
@@ -11181,35 +13900,35 @@
                 <a:gridCol w="2180138">
                   <a:extLst>
                     <a:ext uri="{9D8B030D-6E8A-4147-A177-3AD203B41FA5}">
-                      <a16:colId xmlns:a16="http://schemas.microsoft.com/office/drawing/2014/main" val="20000"/>
+                      <a16:colId xmlns:a16="http://schemas.microsoft.com/office/drawing/2014/main" xmlns="" val="20000"/>
                     </a:ext>
                   </a:extLst>
                 </a:gridCol>
                 <a:gridCol w="2019431">
                   <a:extLst>
                     <a:ext uri="{9D8B030D-6E8A-4147-A177-3AD203B41FA5}">
-                      <a16:colId xmlns:a16="http://schemas.microsoft.com/office/drawing/2014/main" val="20001"/>
+                      <a16:colId xmlns:a16="http://schemas.microsoft.com/office/drawing/2014/main" xmlns="" val="20001"/>
                     </a:ext>
                   </a:extLst>
                 </a:gridCol>
                 <a:gridCol w="2280703">
                   <a:extLst>
                     <a:ext uri="{9D8B030D-6E8A-4147-A177-3AD203B41FA5}">
-                      <a16:colId xmlns:a16="http://schemas.microsoft.com/office/drawing/2014/main" val="20002"/>
+                      <a16:colId xmlns:a16="http://schemas.microsoft.com/office/drawing/2014/main" xmlns="" val="20002"/>
                     </a:ext>
                   </a:extLst>
                 </a:gridCol>
                 <a:gridCol w="2225244">
                   <a:extLst>
                     <a:ext uri="{9D8B030D-6E8A-4147-A177-3AD203B41FA5}">
-                      <a16:colId xmlns:a16="http://schemas.microsoft.com/office/drawing/2014/main" val="20003"/>
+                      <a16:colId xmlns:a16="http://schemas.microsoft.com/office/drawing/2014/main" xmlns="" val="20003"/>
                     </a:ext>
                   </a:extLst>
                 </a:gridCol>
                 <a:gridCol w="2225244">
                   <a:extLst>
                     <a:ext uri="{9D8B030D-6E8A-4147-A177-3AD203B41FA5}">
-                      <a16:colId xmlns:a16="http://schemas.microsoft.com/office/drawing/2014/main" val="20004"/>
+                      <a16:colId xmlns:a16="http://schemas.microsoft.com/office/drawing/2014/main" xmlns="" val="20004"/>
                     </a:ext>
                   </a:extLst>
                 </a:gridCol>
@@ -11293,7 +14012,7 @@
                 </a:tc>
                 <a:extLst>
                   <a:ext uri="{0D108BD9-81ED-4DB2-BD59-A6C34878D82A}">
-                    <a16:rowId xmlns:a16="http://schemas.microsoft.com/office/drawing/2014/main" val="10000"/>
+                    <a16:rowId xmlns:a16="http://schemas.microsoft.com/office/drawing/2014/main" xmlns="" val="10000"/>
                   </a:ext>
                 </a:extLst>
               </a:tr>
@@ -11446,7 +14165,7 @@
                 </a:tc>
                 <a:extLst>
                   <a:ext uri="{0D108BD9-81ED-4DB2-BD59-A6C34878D82A}">
-                    <a16:rowId xmlns:a16="http://schemas.microsoft.com/office/drawing/2014/main" val="10001"/>
+                    <a16:rowId xmlns:a16="http://schemas.microsoft.com/office/drawing/2014/main" xmlns="" val="10001"/>
                   </a:ext>
                 </a:extLst>
               </a:tr>
@@ -11604,7 +14323,7 @@
                 </a:tc>
                 <a:extLst>
                   <a:ext uri="{0D108BD9-81ED-4DB2-BD59-A6C34878D82A}">
-                    <a16:rowId xmlns:a16="http://schemas.microsoft.com/office/drawing/2014/main" val="10002"/>
+                    <a16:rowId xmlns:a16="http://schemas.microsoft.com/office/drawing/2014/main" xmlns="" val="10002"/>
                   </a:ext>
                 </a:extLst>
               </a:tr>
@@ -11748,7 +14467,7 @@
                 </a:tc>
                 <a:extLst>
                   <a:ext uri="{0D108BD9-81ED-4DB2-BD59-A6C34878D82A}">
-                    <a16:rowId xmlns:a16="http://schemas.microsoft.com/office/drawing/2014/main" val="10003"/>
+                    <a16:rowId xmlns:a16="http://schemas.microsoft.com/office/drawing/2014/main" xmlns="" val="10003"/>
                   </a:ext>
                 </a:extLst>
               </a:tr>
@@ -11892,7 +14611,7 @@
                 </a:tc>
                 <a:extLst>
                   <a:ext uri="{0D108BD9-81ED-4DB2-BD59-A6C34878D82A}">
-                    <a16:rowId xmlns:a16="http://schemas.microsoft.com/office/drawing/2014/main" val="10004"/>
+                    <a16:rowId xmlns:a16="http://schemas.microsoft.com/office/drawing/2014/main" xmlns="" val="10004"/>
                   </a:ext>
                 </a:extLst>
               </a:tr>
@@ -11908,7 +14627,7 @@
 </p:sld>
 </file>
 
-<file path=ppt/slides/slide25.xml><?xml version="1.0" encoding="utf-8"?>
+<file path=ppt/slides/slide26.xml><?xml version="1.0" encoding="utf-8"?>
 <p:sld xmlns:a="http://schemas.openxmlformats.org/drawingml/2006/main" xmlns:r="http://schemas.openxmlformats.org/officeDocument/2006/relationships" xmlns:p="http://schemas.openxmlformats.org/presentationml/2006/main">
   <p:cSld>
     <p:spTree>
@@ -12141,7 +14860,7 @@
           <p:cNvPr id="2" name="Titel 1">
             <a:extLst>
               <a:ext uri="{FF2B5EF4-FFF2-40B4-BE49-F238E27FC236}">
-                <a16:creationId xmlns:a16="http://schemas.microsoft.com/office/drawing/2014/main" id="{769A96FB-BA26-47C0-85BC-9E5A44D94A65}"/>
+                <a16:creationId xmlns:a16="http://schemas.microsoft.com/office/drawing/2014/main" xmlns="" id="{769A96FB-BA26-47C0-85BC-9E5A44D94A65}"/>
               </a:ext>
             </a:extLst>
           </p:cNvPr>
@@ -12169,7 +14888,7 @@
           <p:cNvPr id="13" name="Tekstvak 12">
             <a:extLst>
               <a:ext uri="{FF2B5EF4-FFF2-40B4-BE49-F238E27FC236}">
-                <a16:creationId xmlns:a16="http://schemas.microsoft.com/office/drawing/2014/main" id="{44CABAE1-B325-4747-910E-7EDC7EDD7625}"/>
+                <a16:creationId xmlns:a16="http://schemas.microsoft.com/office/drawing/2014/main" xmlns="" id="{44CABAE1-B325-4747-910E-7EDC7EDD7625}"/>
               </a:ext>
             </a:extLst>
           </p:cNvPr>
@@ -12223,7 +14942,7 @@
           <p:cNvPr id="7" name="AutoShape 2" descr="Afbeeldingsresultaat voor cel from human">
             <a:extLst>
               <a:ext uri="{FF2B5EF4-FFF2-40B4-BE49-F238E27FC236}">
-                <a16:creationId xmlns:a16="http://schemas.microsoft.com/office/drawing/2014/main" id="{BAA6AD35-A0AD-46FB-8C83-83697536AD9E}"/>
+                <a16:creationId xmlns:a16="http://schemas.microsoft.com/office/drawing/2014/main" xmlns="" id="{BAA6AD35-A0AD-46FB-8C83-83697536AD9E}"/>
               </a:ext>
             </a:extLst>
           </p:cNvPr>
@@ -12268,7 +14987,7 @@
           <p:cNvPr id="14" name="AutoShape 4" descr="Afbeeldingsresultaat voor cel from human">
             <a:extLst>
               <a:ext uri="{FF2B5EF4-FFF2-40B4-BE49-F238E27FC236}">
-                <a16:creationId xmlns:a16="http://schemas.microsoft.com/office/drawing/2014/main" id="{DE7F6D67-FFDD-4318-B4D9-E249E6758D4A}"/>
+                <a16:creationId xmlns:a16="http://schemas.microsoft.com/office/drawing/2014/main" xmlns="" id="{DE7F6D67-FFDD-4318-B4D9-E249E6758D4A}"/>
               </a:ext>
             </a:extLst>
           </p:cNvPr>
@@ -12313,7 +15032,7 @@
           <p:cNvPr id="16" name="Afbeelding 15">
             <a:extLst>
               <a:ext uri="{FF2B5EF4-FFF2-40B4-BE49-F238E27FC236}">
-                <a16:creationId xmlns:a16="http://schemas.microsoft.com/office/drawing/2014/main" id="{028B203A-6AFB-43CC-A2E5-888B735C297F}"/>
+                <a16:creationId xmlns:a16="http://schemas.microsoft.com/office/drawing/2014/main" xmlns="" id="{028B203A-6AFB-43CC-A2E5-888B735C297F}"/>
               </a:ext>
             </a:extLst>
           </p:cNvPr>
@@ -12349,7 +15068,7 @@
           <p:cNvPr id="19" name="Gelijkbenige driehoek 18">
             <a:extLst>
               <a:ext uri="{FF2B5EF4-FFF2-40B4-BE49-F238E27FC236}">
-                <a16:creationId xmlns:a16="http://schemas.microsoft.com/office/drawing/2014/main" id="{3473C7A5-6D55-4B8D-B912-17E38BDAAE6F}"/>
+                <a16:creationId xmlns:a16="http://schemas.microsoft.com/office/drawing/2014/main" xmlns="" id="{3473C7A5-6D55-4B8D-B912-17E38BDAAE6F}"/>
               </a:ext>
             </a:extLst>
           </p:cNvPr>
@@ -12408,7 +15127,7 @@
           <p:cNvPr id="21" name="Afbeelding 20">
             <a:extLst>
               <a:ext uri="{FF2B5EF4-FFF2-40B4-BE49-F238E27FC236}">
-                <a16:creationId xmlns:a16="http://schemas.microsoft.com/office/drawing/2014/main" id="{2E4ED76A-8CDE-4820-BEF2-FFF0CAB0FFC2}"/>
+                <a16:creationId xmlns:a16="http://schemas.microsoft.com/office/drawing/2014/main" xmlns="" id="{2E4ED76A-8CDE-4820-BEF2-FFF0CAB0FFC2}"/>
               </a:ext>
             </a:extLst>
           </p:cNvPr>
@@ -12438,7 +15157,7 @@
           <p:cNvPr id="27" name="Rechte verbindingslijn met pijl 26">
             <a:extLst>
               <a:ext uri="{FF2B5EF4-FFF2-40B4-BE49-F238E27FC236}">
-                <a16:creationId xmlns:a16="http://schemas.microsoft.com/office/drawing/2014/main" id="{B6D6B7F3-D443-497D-A36C-F4AAD657E543}"/>
+                <a16:creationId xmlns:a16="http://schemas.microsoft.com/office/drawing/2014/main" xmlns="" id="{B6D6B7F3-D443-497D-A36C-F4AAD657E543}"/>
               </a:ext>
             </a:extLst>
           </p:cNvPr>
@@ -12477,7 +15196,7 @@
           <p:cNvPr id="29" name="Tekstvak 28">
             <a:extLst>
               <a:ext uri="{FF2B5EF4-FFF2-40B4-BE49-F238E27FC236}">
-                <a16:creationId xmlns:a16="http://schemas.microsoft.com/office/drawing/2014/main" id="{3F5F8535-0F1D-4072-B4F7-ECC8E1EF4714}"/>
+                <a16:creationId xmlns:a16="http://schemas.microsoft.com/office/drawing/2014/main" xmlns="" id="{3F5F8535-0F1D-4072-B4F7-ECC8E1EF4714}"/>
               </a:ext>
             </a:extLst>
           </p:cNvPr>
@@ -12512,7 +15231,7 @@
           <p:cNvPr id="30" name="Tekstvak 29">
             <a:extLst>
               <a:ext uri="{FF2B5EF4-FFF2-40B4-BE49-F238E27FC236}">
-                <a16:creationId xmlns:a16="http://schemas.microsoft.com/office/drawing/2014/main" id="{60EFD1DE-A3E9-41CC-9FD4-3B5142326B68}"/>
+                <a16:creationId xmlns:a16="http://schemas.microsoft.com/office/drawing/2014/main" xmlns="" id="{60EFD1DE-A3E9-41CC-9FD4-3B5142326B68}"/>
               </a:ext>
             </a:extLst>
           </p:cNvPr>
@@ -12547,7 +15266,7 @@
           <p:cNvPr id="32" name="Afbeelding 31">
             <a:extLst>
               <a:ext uri="{FF2B5EF4-FFF2-40B4-BE49-F238E27FC236}">
-                <a16:creationId xmlns:a16="http://schemas.microsoft.com/office/drawing/2014/main" id="{C82A7316-9DC5-4909-BDE9-7B87FABBA20E}"/>
+                <a16:creationId xmlns:a16="http://schemas.microsoft.com/office/drawing/2014/main" xmlns="" id="{C82A7316-9DC5-4909-BDE9-7B87FABBA20E}"/>
               </a:ext>
             </a:extLst>
           </p:cNvPr>
@@ -12577,7 +15296,7 @@
           <p:cNvPr id="33" name="Tekstvak 32">
             <a:extLst>
               <a:ext uri="{FF2B5EF4-FFF2-40B4-BE49-F238E27FC236}">
-                <a16:creationId xmlns:a16="http://schemas.microsoft.com/office/drawing/2014/main" id="{08A6883E-74A6-4993-AEE7-75D7658C72D6}"/>
+                <a16:creationId xmlns:a16="http://schemas.microsoft.com/office/drawing/2014/main" xmlns="" id="{08A6883E-74A6-4993-AEE7-75D7658C72D6}"/>
               </a:ext>
             </a:extLst>
           </p:cNvPr>
@@ -12621,7 +15340,7 @@
           <p:cNvPr id="34" name="Tekstvak 33">
             <a:extLst>
               <a:ext uri="{FF2B5EF4-FFF2-40B4-BE49-F238E27FC236}">
-                <a16:creationId xmlns:a16="http://schemas.microsoft.com/office/drawing/2014/main" id="{C9B4D1B0-0456-4811-9964-B9C6B0442EF5}"/>
+                <a16:creationId xmlns:a16="http://schemas.microsoft.com/office/drawing/2014/main" xmlns="" id="{C9B4D1B0-0456-4811-9964-B9C6B0442EF5}"/>
               </a:ext>
             </a:extLst>
           </p:cNvPr>
@@ -12660,7 +15379,7 @@
           <p:cNvPr id="5" name="Afbeelding 4">
             <a:extLst>
               <a:ext uri="{FF2B5EF4-FFF2-40B4-BE49-F238E27FC236}">
-                <a16:creationId xmlns:a16="http://schemas.microsoft.com/office/drawing/2014/main" id="{B088EACF-3A30-4896-9D87-8885CB1F2FD9}"/>
+                <a16:creationId xmlns:a16="http://schemas.microsoft.com/office/drawing/2014/main" xmlns="" id="{B088EACF-3A30-4896-9D87-8885CB1F2FD9}"/>
               </a:ext>
             </a:extLst>
           </p:cNvPr>
@@ -12690,7 +15409,7 @@
           <p:cNvPr id="20" name="Tekstvak 19">
             <a:extLst>
               <a:ext uri="{FF2B5EF4-FFF2-40B4-BE49-F238E27FC236}">
-                <a16:creationId xmlns:a16="http://schemas.microsoft.com/office/drawing/2014/main" id="{CE3B85E5-3CCB-4EC6-94EE-27309E68CE64}"/>
+                <a16:creationId xmlns:a16="http://schemas.microsoft.com/office/drawing/2014/main" xmlns="" id="{CE3B85E5-3CCB-4EC6-94EE-27309E68CE64}"/>
               </a:ext>
             </a:extLst>
           </p:cNvPr>
@@ -12729,7 +15448,7 @@
           <p:cNvPr id="22" name="Tekstvak 21">
             <a:extLst>
               <a:ext uri="{FF2B5EF4-FFF2-40B4-BE49-F238E27FC236}">
-                <a16:creationId xmlns:a16="http://schemas.microsoft.com/office/drawing/2014/main" id="{308E4E88-489C-491C-8F2D-3708CA1AEE72}"/>
+                <a16:creationId xmlns:a16="http://schemas.microsoft.com/office/drawing/2014/main" xmlns="" id="{308E4E88-489C-491C-8F2D-3708CA1AEE72}"/>
               </a:ext>
             </a:extLst>
           </p:cNvPr>
@@ -12773,7 +15492,7 @@
           <p:cNvPr id="23" name="Rechte verbindingslijn met pijl 22">
             <a:extLst>
               <a:ext uri="{FF2B5EF4-FFF2-40B4-BE49-F238E27FC236}">
-                <a16:creationId xmlns:a16="http://schemas.microsoft.com/office/drawing/2014/main" id="{2DD99941-CDDE-42C7-A80E-0400BEDE76B9}"/>
+                <a16:creationId xmlns:a16="http://schemas.microsoft.com/office/drawing/2014/main" xmlns="" id="{2DD99941-CDDE-42C7-A80E-0400BEDE76B9}"/>
               </a:ext>
             </a:extLst>
           </p:cNvPr>
@@ -12844,7 +15563,7 @@
           <p:cNvPr id="2" name="Titel 1">
             <a:extLst>
               <a:ext uri="{FF2B5EF4-FFF2-40B4-BE49-F238E27FC236}">
-                <a16:creationId xmlns:a16="http://schemas.microsoft.com/office/drawing/2014/main" id="{769A96FB-BA26-47C0-85BC-9E5A44D94A65}"/>
+                <a16:creationId xmlns:a16="http://schemas.microsoft.com/office/drawing/2014/main" xmlns="" id="{769A96FB-BA26-47C0-85BC-9E5A44D94A65}"/>
               </a:ext>
             </a:extLst>
           </p:cNvPr>
@@ -12872,7 +15591,7 @@
           <p:cNvPr id="13" name="Tekstvak 12">
             <a:extLst>
               <a:ext uri="{FF2B5EF4-FFF2-40B4-BE49-F238E27FC236}">
-                <a16:creationId xmlns:a16="http://schemas.microsoft.com/office/drawing/2014/main" id="{44CABAE1-B325-4747-910E-7EDC7EDD7625}"/>
+                <a16:creationId xmlns:a16="http://schemas.microsoft.com/office/drawing/2014/main" xmlns="" id="{44CABAE1-B325-4747-910E-7EDC7EDD7625}"/>
               </a:ext>
             </a:extLst>
           </p:cNvPr>
@@ -12926,7 +15645,7 @@
           <p:cNvPr id="7" name="AutoShape 2" descr="Afbeeldingsresultaat voor cel from human">
             <a:extLst>
               <a:ext uri="{FF2B5EF4-FFF2-40B4-BE49-F238E27FC236}">
-                <a16:creationId xmlns:a16="http://schemas.microsoft.com/office/drawing/2014/main" id="{BAA6AD35-A0AD-46FB-8C83-83697536AD9E}"/>
+                <a16:creationId xmlns:a16="http://schemas.microsoft.com/office/drawing/2014/main" xmlns="" id="{BAA6AD35-A0AD-46FB-8C83-83697536AD9E}"/>
               </a:ext>
             </a:extLst>
           </p:cNvPr>
@@ -12971,7 +15690,7 @@
           <p:cNvPr id="14" name="AutoShape 4" descr="Afbeeldingsresultaat voor cel from human">
             <a:extLst>
               <a:ext uri="{FF2B5EF4-FFF2-40B4-BE49-F238E27FC236}">
-                <a16:creationId xmlns:a16="http://schemas.microsoft.com/office/drawing/2014/main" id="{DE7F6D67-FFDD-4318-B4D9-E249E6758D4A}"/>
+                <a16:creationId xmlns:a16="http://schemas.microsoft.com/office/drawing/2014/main" xmlns="" id="{DE7F6D67-FFDD-4318-B4D9-E249E6758D4A}"/>
               </a:ext>
             </a:extLst>
           </p:cNvPr>
@@ -13016,7 +15735,7 @@
           <p:cNvPr id="16" name="Afbeelding 15">
             <a:extLst>
               <a:ext uri="{FF2B5EF4-FFF2-40B4-BE49-F238E27FC236}">
-                <a16:creationId xmlns:a16="http://schemas.microsoft.com/office/drawing/2014/main" id="{028B203A-6AFB-43CC-A2E5-888B735C297F}"/>
+                <a16:creationId xmlns:a16="http://schemas.microsoft.com/office/drawing/2014/main" xmlns="" id="{028B203A-6AFB-43CC-A2E5-888B735C297F}"/>
               </a:ext>
             </a:extLst>
           </p:cNvPr>
@@ -13052,7 +15771,7 @@
           <p:cNvPr id="19" name="Gelijkbenige driehoek 18">
             <a:extLst>
               <a:ext uri="{FF2B5EF4-FFF2-40B4-BE49-F238E27FC236}">
-                <a16:creationId xmlns:a16="http://schemas.microsoft.com/office/drawing/2014/main" id="{3473C7A5-6D55-4B8D-B912-17E38BDAAE6F}"/>
+                <a16:creationId xmlns:a16="http://schemas.microsoft.com/office/drawing/2014/main" xmlns="" id="{3473C7A5-6D55-4B8D-B912-17E38BDAAE6F}"/>
               </a:ext>
             </a:extLst>
           </p:cNvPr>
@@ -13111,7 +15830,7 @@
           <p:cNvPr id="21" name="Afbeelding 20">
             <a:extLst>
               <a:ext uri="{FF2B5EF4-FFF2-40B4-BE49-F238E27FC236}">
-                <a16:creationId xmlns:a16="http://schemas.microsoft.com/office/drawing/2014/main" id="{2E4ED76A-8CDE-4820-BEF2-FFF0CAB0FFC2}"/>
+                <a16:creationId xmlns:a16="http://schemas.microsoft.com/office/drawing/2014/main" xmlns="" id="{2E4ED76A-8CDE-4820-BEF2-FFF0CAB0FFC2}"/>
               </a:ext>
             </a:extLst>
           </p:cNvPr>
@@ -13141,7 +15860,7 @@
           <p:cNvPr id="27" name="Rechte verbindingslijn met pijl 26">
             <a:extLst>
               <a:ext uri="{FF2B5EF4-FFF2-40B4-BE49-F238E27FC236}">
-                <a16:creationId xmlns:a16="http://schemas.microsoft.com/office/drawing/2014/main" id="{B6D6B7F3-D443-497D-A36C-F4AAD657E543}"/>
+                <a16:creationId xmlns:a16="http://schemas.microsoft.com/office/drawing/2014/main" xmlns="" id="{B6D6B7F3-D443-497D-A36C-F4AAD657E543}"/>
               </a:ext>
             </a:extLst>
           </p:cNvPr>
@@ -13180,7 +15899,7 @@
           <p:cNvPr id="29" name="Tekstvak 28">
             <a:extLst>
               <a:ext uri="{FF2B5EF4-FFF2-40B4-BE49-F238E27FC236}">
-                <a16:creationId xmlns:a16="http://schemas.microsoft.com/office/drawing/2014/main" id="{3F5F8535-0F1D-4072-B4F7-ECC8E1EF4714}"/>
+                <a16:creationId xmlns:a16="http://schemas.microsoft.com/office/drawing/2014/main" xmlns="" id="{3F5F8535-0F1D-4072-B4F7-ECC8E1EF4714}"/>
               </a:ext>
             </a:extLst>
           </p:cNvPr>
@@ -13215,7 +15934,7 @@
           <p:cNvPr id="30" name="Tekstvak 29">
             <a:extLst>
               <a:ext uri="{FF2B5EF4-FFF2-40B4-BE49-F238E27FC236}">
-                <a16:creationId xmlns:a16="http://schemas.microsoft.com/office/drawing/2014/main" id="{60EFD1DE-A3E9-41CC-9FD4-3B5142326B68}"/>
+                <a16:creationId xmlns:a16="http://schemas.microsoft.com/office/drawing/2014/main" xmlns="" id="{60EFD1DE-A3E9-41CC-9FD4-3B5142326B68}"/>
               </a:ext>
             </a:extLst>
           </p:cNvPr>
@@ -13250,7 +15969,7 @@
           <p:cNvPr id="32" name="Afbeelding 31">
             <a:extLst>
               <a:ext uri="{FF2B5EF4-FFF2-40B4-BE49-F238E27FC236}">
-                <a16:creationId xmlns:a16="http://schemas.microsoft.com/office/drawing/2014/main" id="{C82A7316-9DC5-4909-BDE9-7B87FABBA20E}"/>
+                <a16:creationId xmlns:a16="http://schemas.microsoft.com/office/drawing/2014/main" xmlns="" id="{C82A7316-9DC5-4909-BDE9-7B87FABBA20E}"/>
               </a:ext>
             </a:extLst>
           </p:cNvPr>
@@ -13280,7 +15999,7 @@
           <p:cNvPr id="33" name="Tekstvak 32">
             <a:extLst>
               <a:ext uri="{FF2B5EF4-FFF2-40B4-BE49-F238E27FC236}">
-                <a16:creationId xmlns:a16="http://schemas.microsoft.com/office/drawing/2014/main" id="{08A6883E-74A6-4993-AEE7-75D7658C72D6}"/>
+                <a16:creationId xmlns:a16="http://schemas.microsoft.com/office/drawing/2014/main" xmlns="" id="{08A6883E-74A6-4993-AEE7-75D7658C72D6}"/>
               </a:ext>
             </a:extLst>
           </p:cNvPr>
@@ -13324,7 +16043,7 @@
           <p:cNvPr id="34" name="Tekstvak 33">
             <a:extLst>
               <a:ext uri="{FF2B5EF4-FFF2-40B4-BE49-F238E27FC236}">
-                <a16:creationId xmlns:a16="http://schemas.microsoft.com/office/drawing/2014/main" id="{C9B4D1B0-0456-4811-9964-B9C6B0442EF5}"/>
+                <a16:creationId xmlns:a16="http://schemas.microsoft.com/office/drawing/2014/main" xmlns="" id="{C9B4D1B0-0456-4811-9964-B9C6B0442EF5}"/>
               </a:ext>
             </a:extLst>
           </p:cNvPr>
@@ -13363,7 +16082,7 @@
           <p:cNvPr id="5" name="Afbeelding 4">
             <a:extLst>
               <a:ext uri="{FF2B5EF4-FFF2-40B4-BE49-F238E27FC236}">
-                <a16:creationId xmlns:a16="http://schemas.microsoft.com/office/drawing/2014/main" id="{B088EACF-3A30-4896-9D87-8885CB1F2FD9}"/>
+                <a16:creationId xmlns:a16="http://schemas.microsoft.com/office/drawing/2014/main" xmlns="" id="{B088EACF-3A30-4896-9D87-8885CB1F2FD9}"/>
               </a:ext>
             </a:extLst>
           </p:cNvPr>
@@ -13393,7 +16112,7 @@
           <p:cNvPr id="20" name="Tekstvak 19">
             <a:extLst>
               <a:ext uri="{FF2B5EF4-FFF2-40B4-BE49-F238E27FC236}">
-                <a16:creationId xmlns:a16="http://schemas.microsoft.com/office/drawing/2014/main" id="{CE3B85E5-3CCB-4EC6-94EE-27309E68CE64}"/>
+                <a16:creationId xmlns:a16="http://schemas.microsoft.com/office/drawing/2014/main" xmlns="" id="{CE3B85E5-3CCB-4EC6-94EE-27309E68CE64}"/>
               </a:ext>
             </a:extLst>
           </p:cNvPr>
@@ -13432,7 +16151,7 @@
           <p:cNvPr id="22" name="Tekstvak 21">
             <a:extLst>
               <a:ext uri="{FF2B5EF4-FFF2-40B4-BE49-F238E27FC236}">
-                <a16:creationId xmlns:a16="http://schemas.microsoft.com/office/drawing/2014/main" id="{308E4E88-489C-491C-8F2D-3708CA1AEE72}"/>
+                <a16:creationId xmlns:a16="http://schemas.microsoft.com/office/drawing/2014/main" xmlns="" id="{308E4E88-489C-491C-8F2D-3708CA1AEE72}"/>
               </a:ext>
             </a:extLst>
           </p:cNvPr>
@@ -13476,7 +16195,7 @@
           <p:cNvPr id="23" name="Rechte verbindingslijn met pijl 22">
             <a:extLst>
               <a:ext uri="{FF2B5EF4-FFF2-40B4-BE49-F238E27FC236}">
-                <a16:creationId xmlns:a16="http://schemas.microsoft.com/office/drawing/2014/main" id="{2DD99941-CDDE-42C7-A80E-0400BEDE76B9}"/>
+                <a16:creationId xmlns:a16="http://schemas.microsoft.com/office/drawing/2014/main" xmlns="" id="{2DD99941-CDDE-42C7-A80E-0400BEDE76B9}"/>
               </a:ext>
             </a:extLst>
           </p:cNvPr>
@@ -13517,7 +16236,7 @@
           <p:cNvPr id="3" name="Tekstvak 2">
             <a:extLst>
               <a:ext uri="{FF2B5EF4-FFF2-40B4-BE49-F238E27FC236}">
-                <a16:creationId xmlns:a16="http://schemas.microsoft.com/office/drawing/2014/main" id="{09C9D1F4-F032-4E5D-9A7C-FF1C6395C9AA}"/>
+                <a16:creationId xmlns:a16="http://schemas.microsoft.com/office/drawing/2014/main" xmlns="" id="{09C9D1F4-F032-4E5D-9A7C-FF1C6395C9AA}"/>
               </a:ext>
             </a:extLst>
           </p:cNvPr>
@@ -13625,7 +16344,7 @@
           <p:cNvPr id="2" name="Titel 1">
             <a:extLst>
               <a:ext uri="{FF2B5EF4-FFF2-40B4-BE49-F238E27FC236}">
-                <a16:creationId xmlns:a16="http://schemas.microsoft.com/office/drawing/2014/main" id="{769A96FB-BA26-47C0-85BC-9E5A44D94A65}"/>
+                <a16:creationId xmlns:a16="http://schemas.microsoft.com/office/drawing/2014/main" xmlns="" id="{769A96FB-BA26-47C0-85BC-9E5A44D94A65}"/>
               </a:ext>
             </a:extLst>
           </p:cNvPr>
@@ -13653,7 +16372,7 @@
           <p:cNvPr id="13" name="Tekstvak 12">
             <a:extLst>
               <a:ext uri="{FF2B5EF4-FFF2-40B4-BE49-F238E27FC236}">
-                <a16:creationId xmlns:a16="http://schemas.microsoft.com/office/drawing/2014/main" id="{44CABAE1-B325-4747-910E-7EDC7EDD7625}"/>
+                <a16:creationId xmlns:a16="http://schemas.microsoft.com/office/drawing/2014/main" xmlns="" id="{44CABAE1-B325-4747-910E-7EDC7EDD7625}"/>
               </a:ext>
             </a:extLst>
           </p:cNvPr>
@@ -13707,7 +16426,7 @@
           <p:cNvPr id="7" name="AutoShape 2" descr="Afbeeldingsresultaat voor cel from human">
             <a:extLst>
               <a:ext uri="{FF2B5EF4-FFF2-40B4-BE49-F238E27FC236}">
-                <a16:creationId xmlns:a16="http://schemas.microsoft.com/office/drawing/2014/main" id="{BAA6AD35-A0AD-46FB-8C83-83697536AD9E}"/>
+                <a16:creationId xmlns:a16="http://schemas.microsoft.com/office/drawing/2014/main" xmlns="" id="{BAA6AD35-A0AD-46FB-8C83-83697536AD9E}"/>
               </a:ext>
             </a:extLst>
           </p:cNvPr>
@@ -13752,7 +16471,7 @@
           <p:cNvPr id="14" name="AutoShape 4" descr="Afbeeldingsresultaat voor cel from human">
             <a:extLst>
               <a:ext uri="{FF2B5EF4-FFF2-40B4-BE49-F238E27FC236}">
-                <a16:creationId xmlns:a16="http://schemas.microsoft.com/office/drawing/2014/main" id="{DE7F6D67-FFDD-4318-B4D9-E249E6758D4A}"/>
+                <a16:creationId xmlns:a16="http://schemas.microsoft.com/office/drawing/2014/main" xmlns="" id="{DE7F6D67-FFDD-4318-B4D9-E249E6758D4A}"/>
               </a:ext>
             </a:extLst>
           </p:cNvPr>
@@ -13797,7 +16516,7 @@
           <p:cNvPr id="16" name="Afbeelding 15">
             <a:extLst>
               <a:ext uri="{FF2B5EF4-FFF2-40B4-BE49-F238E27FC236}">
-                <a16:creationId xmlns:a16="http://schemas.microsoft.com/office/drawing/2014/main" id="{028B203A-6AFB-43CC-A2E5-888B735C297F}"/>
+                <a16:creationId xmlns:a16="http://schemas.microsoft.com/office/drawing/2014/main" xmlns="" id="{028B203A-6AFB-43CC-A2E5-888B735C297F}"/>
               </a:ext>
             </a:extLst>
           </p:cNvPr>
@@ -13833,7 +16552,7 @@
           <p:cNvPr id="19" name="Gelijkbenige driehoek 18">
             <a:extLst>
               <a:ext uri="{FF2B5EF4-FFF2-40B4-BE49-F238E27FC236}">
-                <a16:creationId xmlns:a16="http://schemas.microsoft.com/office/drawing/2014/main" id="{3473C7A5-6D55-4B8D-B912-17E38BDAAE6F}"/>
+                <a16:creationId xmlns:a16="http://schemas.microsoft.com/office/drawing/2014/main" xmlns="" id="{3473C7A5-6D55-4B8D-B912-17E38BDAAE6F}"/>
               </a:ext>
             </a:extLst>
           </p:cNvPr>
@@ -13892,7 +16611,7 @@
           <p:cNvPr id="21" name="Afbeelding 20">
             <a:extLst>
               <a:ext uri="{FF2B5EF4-FFF2-40B4-BE49-F238E27FC236}">
-                <a16:creationId xmlns:a16="http://schemas.microsoft.com/office/drawing/2014/main" id="{2E4ED76A-8CDE-4820-BEF2-FFF0CAB0FFC2}"/>
+                <a16:creationId xmlns:a16="http://schemas.microsoft.com/office/drawing/2014/main" xmlns="" id="{2E4ED76A-8CDE-4820-BEF2-FFF0CAB0FFC2}"/>
               </a:ext>
             </a:extLst>
           </p:cNvPr>
@@ -13922,7 +16641,7 @@
           <p:cNvPr id="27" name="Rechte verbindingslijn met pijl 26">
             <a:extLst>
               <a:ext uri="{FF2B5EF4-FFF2-40B4-BE49-F238E27FC236}">
-                <a16:creationId xmlns:a16="http://schemas.microsoft.com/office/drawing/2014/main" id="{B6D6B7F3-D443-497D-A36C-F4AAD657E543}"/>
+                <a16:creationId xmlns:a16="http://schemas.microsoft.com/office/drawing/2014/main" xmlns="" id="{B6D6B7F3-D443-497D-A36C-F4AAD657E543}"/>
               </a:ext>
             </a:extLst>
           </p:cNvPr>
@@ -13961,7 +16680,7 @@
           <p:cNvPr id="29" name="Tekstvak 28">
             <a:extLst>
               <a:ext uri="{FF2B5EF4-FFF2-40B4-BE49-F238E27FC236}">
-                <a16:creationId xmlns:a16="http://schemas.microsoft.com/office/drawing/2014/main" id="{3F5F8535-0F1D-4072-B4F7-ECC8E1EF4714}"/>
+                <a16:creationId xmlns:a16="http://schemas.microsoft.com/office/drawing/2014/main" xmlns="" id="{3F5F8535-0F1D-4072-B4F7-ECC8E1EF4714}"/>
               </a:ext>
             </a:extLst>
           </p:cNvPr>
@@ -13996,7 +16715,7 @@
           <p:cNvPr id="30" name="Tekstvak 29">
             <a:extLst>
               <a:ext uri="{FF2B5EF4-FFF2-40B4-BE49-F238E27FC236}">
-                <a16:creationId xmlns:a16="http://schemas.microsoft.com/office/drawing/2014/main" id="{60EFD1DE-A3E9-41CC-9FD4-3B5142326B68}"/>
+                <a16:creationId xmlns:a16="http://schemas.microsoft.com/office/drawing/2014/main" xmlns="" id="{60EFD1DE-A3E9-41CC-9FD4-3B5142326B68}"/>
               </a:ext>
             </a:extLst>
           </p:cNvPr>
@@ -14031,7 +16750,7 @@
           <p:cNvPr id="32" name="Afbeelding 31">
             <a:extLst>
               <a:ext uri="{FF2B5EF4-FFF2-40B4-BE49-F238E27FC236}">
-                <a16:creationId xmlns:a16="http://schemas.microsoft.com/office/drawing/2014/main" id="{C82A7316-9DC5-4909-BDE9-7B87FABBA20E}"/>
+                <a16:creationId xmlns:a16="http://schemas.microsoft.com/office/drawing/2014/main" xmlns="" id="{C82A7316-9DC5-4909-BDE9-7B87FABBA20E}"/>
               </a:ext>
             </a:extLst>
           </p:cNvPr>
@@ -14061,7 +16780,7 @@
           <p:cNvPr id="33" name="Tekstvak 32">
             <a:extLst>
               <a:ext uri="{FF2B5EF4-FFF2-40B4-BE49-F238E27FC236}">
-                <a16:creationId xmlns:a16="http://schemas.microsoft.com/office/drawing/2014/main" id="{08A6883E-74A6-4993-AEE7-75D7658C72D6}"/>
+                <a16:creationId xmlns:a16="http://schemas.microsoft.com/office/drawing/2014/main" xmlns="" id="{08A6883E-74A6-4993-AEE7-75D7658C72D6}"/>
               </a:ext>
             </a:extLst>
           </p:cNvPr>
@@ -14105,7 +16824,7 @@
           <p:cNvPr id="34" name="Tekstvak 33">
             <a:extLst>
               <a:ext uri="{FF2B5EF4-FFF2-40B4-BE49-F238E27FC236}">
-                <a16:creationId xmlns:a16="http://schemas.microsoft.com/office/drawing/2014/main" id="{C9B4D1B0-0456-4811-9964-B9C6B0442EF5}"/>
+                <a16:creationId xmlns:a16="http://schemas.microsoft.com/office/drawing/2014/main" xmlns="" id="{C9B4D1B0-0456-4811-9964-B9C6B0442EF5}"/>
               </a:ext>
             </a:extLst>
           </p:cNvPr>
@@ -14144,7 +16863,7 @@
           <p:cNvPr id="5" name="Afbeelding 4">
             <a:extLst>
               <a:ext uri="{FF2B5EF4-FFF2-40B4-BE49-F238E27FC236}">
-                <a16:creationId xmlns:a16="http://schemas.microsoft.com/office/drawing/2014/main" id="{B088EACF-3A30-4896-9D87-8885CB1F2FD9}"/>
+                <a16:creationId xmlns:a16="http://schemas.microsoft.com/office/drawing/2014/main" xmlns="" id="{B088EACF-3A30-4896-9D87-8885CB1F2FD9}"/>
               </a:ext>
             </a:extLst>
           </p:cNvPr>
@@ -14174,7 +16893,7 @@
           <p:cNvPr id="20" name="Tekstvak 19">
             <a:extLst>
               <a:ext uri="{FF2B5EF4-FFF2-40B4-BE49-F238E27FC236}">
-                <a16:creationId xmlns:a16="http://schemas.microsoft.com/office/drawing/2014/main" id="{CE3B85E5-3CCB-4EC6-94EE-27309E68CE64}"/>
+                <a16:creationId xmlns:a16="http://schemas.microsoft.com/office/drawing/2014/main" xmlns="" id="{CE3B85E5-3CCB-4EC6-94EE-27309E68CE64}"/>
               </a:ext>
             </a:extLst>
           </p:cNvPr>
@@ -14213,7 +16932,7 @@
           <p:cNvPr id="22" name="Tekstvak 21">
             <a:extLst>
               <a:ext uri="{FF2B5EF4-FFF2-40B4-BE49-F238E27FC236}">
-                <a16:creationId xmlns:a16="http://schemas.microsoft.com/office/drawing/2014/main" id="{308E4E88-489C-491C-8F2D-3708CA1AEE72}"/>
+                <a16:creationId xmlns:a16="http://schemas.microsoft.com/office/drawing/2014/main" xmlns="" id="{308E4E88-489C-491C-8F2D-3708CA1AEE72}"/>
               </a:ext>
             </a:extLst>
           </p:cNvPr>
@@ -14257,7 +16976,7 @@
           <p:cNvPr id="23" name="Rechte verbindingslijn met pijl 22">
             <a:extLst>
               <a:ext uri="{FF2B5EF4-FFF2-40B4-BE49-F238E27FC236}">
-                <a16:creationId xmlns:a16="http://schemas.microsoft.com/office/drawing/2014/main" id="{2DD99941-CDDE-42C7-A80E-0400BEDE76B9}"/>
+                <a16:creationId xmlns:a16="http://schemas.microsoft.com/office/drawing/2014/main" xmlns="" id="{2DD99941-CDDE-42C7-A80E-0400BEDE76B9}"/>
               </a:ext>
             </a:extLst>
           </p:cNvPr>
@@ -14298,7 +17017,7 @@
           <p:cNvPr id="3" name="Tekstvak 2">
             <a:extLst>
               <a:ext uri="{FF2B5EF4-FFF2-40B4-BE49-F238E27FC236}">
-                <a16:creationId xmlns:a16="http://schemas.microsoft.com/office/drawing/2014/main" id="{09C9D1F4-F032-4E5D-9A7C-FF1C6395C9AA}"/>
+                <a16:creationId xmlns:a16="http://schemas.microsoft.com/office/drawing/2014/main" xmlns="" id="{09C9D1F4-F032-4E5D-9A7C-FF1C6395C9AA}"/>
               </a:ext>
             </a:extLst>
           </p:cNvPr>
@@ -14376,7 +17095,7 @@
           <p:cNvPr id="4" name="Rechthoek: afgeronde hoeken 3">
             <a:extLst>
               <a:ext uri="{FF2B5EF4-FFF2-40B4-BE49-F238E27FC236}">
-                <a16:creationId xmlns:a16="http://schemas.microsoft.com/office/drawing/2014/main" id="{7030C92F-7460-4CD0-AC3E-DFDBBFE02B78}"/>
+                <a16:creationId xmlns:a16="http://schemas.microsoft.com/office/drawing/2014/main" xmlns="" id="{7030C92F-7460-4CD0-AC3E-DFDBBFE02B78}"/>
               </a:ext>
             </a:extLst>
           </p:cNvPr>
@@ -14430,7 +17149,7 @@
           <p:cNvPr id="6" name="Tekstvak 5">
             <a:extLst>
               <a:ext uri="{FF2B5EF4-FFF2-40B4-BE49-F238E27FC236}">
-                <a16:creationId xmlns:a16="http://schemas.microsoft.com/office/drawing/2014/main" id="{06236ACC-5C22-4120-A532-40542026AAA4}"/>
+                <a16:creationId xmlns:a16="http://schemas.microsoft.com/office/drawing/2014/main" xmlns="" id="{06236ACC-5C22-4120-A532-40542026AAA4}"/>
               </a:ext>
             </a:extLst>
           </p:cNvPr>
@@ -14509,7 +17228,7 @@
           <p:cNvPr id="2" name="Titel 1">
             <a:extLst>
               <a:ext uri="{FF2B5EF4-FFF2-40B4-BE49-F238E27FC236}">
-                <a16:creationId xmlns:a16="http://schemas.microsoft.com/office/drawing/2014/main" id="{769A96FB-BA26-47C0-85BC-9E5A44D94A65}"/>
+                <a16:creationId xmlns:a16="http://schemas.microsoft.com/office/drawing/2014/main" xmlns="" id="{769A96FB-BA26-47C0-85BC-9E5A44D94A65}"/>
               </a:ext>
             </a:extLst>
           </p:cNvPr>
@@ -14537,7 +17256,7 @@
           <p:cNvPr id="5" name="Tijdelijke aanduiding voor inhoud 4">
             <a:extLst>
               <a:ext uri="{FF2B5EF4-FFF2-40B4-BE49-F238E27FC236}">
-                <a16:creationId xmlns:a16="http://schemas.microsoft.com/office/drawing/2014/main" id="{82F9B9FE-1870-4902-A7DB-4B27D59D2B2B}"/>
+                <a16:creationId xmlns:a16="http://schemas.microsoft.com/office/drawing/2014/main" xmlns="" id="{82F9B9FE-1870-4902-A7DB-4B27D59D2B2B}"/>
               </a:ext>
             </a:extLst>
           </p:cNvPr>
@@ -14572,7 +17291,7 @@
           <p:cNvPr id="13" name="Tekstvak 12">
             <a:extLst>
               <a:ext uri="{FF2B5EF4-FFF2-40B4-BE49-F238E27FC236}">
-                <a16:creationId xmlns:a16="http://schemas.microsoft.com/office/drawing/2014/main" id="{44CABAE1-B325-4747-910E-7EDC7EDD7625}"/>
+                <a16:creationId xmlns:a16="http://schemas.microsoft.com/office/drawing/2014/main" xmlns="" id="{44CABAE1-B325-4747-910E-7EDC7EDD7625}"/>
               </a:ext>
             </a:extLst>
           </p:cNvPr>
@@ -14626,7 +17345,7 @@
           <p:cNvPr id="14" name="Afbeelding 13">
             <a:extLst>
               <a:ext uri="{FF2B5EF4-FFF2-40B4-BE49-F238E27FC236}">
-                <a16:creationId xmlns:a16="http://schemas.microsoft.com/office/drawing/2014/main" id="{F67612D4-1C0C-40D2-972D-04F12DDE0F60}"/>
+                <a16:creationId xmlns:a16="http://schemas.microsoft.com/office/drawing/2014/main" xmlns="" id="{F67612D4-1C0C-40D2-972D-04F12DDE0F60}"/>
               </a:ext>
             </a:extLst>
           </p:cNvPr>
@@ -14656,7 +17375,7 @@
           <p:cNvPr id="3" name="Tekstvak 2">
             <a:extLst>
               <a:ext uri="{FF2B5EF4-FFF2-40B4-BE49-F238E27FC236}">
-                <a16:creationId xmlns:a16="http://schemas.microsoft.com/office/drawing/2014/main" id="{C26579A7-5154-43F0-8824-0FAFC9CD4201}"/>
+                <a16:creationId xmlns:a16="http://schemas.microsoft.com/office/drawing/2014/main" xmlns="" id="{C26579A7-5154-43F0-8824-0FAFC9CD4201}"/>
               </a:ext>
             </a:extLst>
           </p:cNvPr>
@@ -14691,7 +17410,7 @@
           <p:cNvPr id="4" name="Tekstvak 3">
             <a:extLst>
               <a:ext uri="{FF2B5EF4-FFF2-40B4-BE49-F238E27FC236}">
-                <a16:creationId xmlns:a16="http://schemas.microsoft.com/office/drawing/2014/main" id="{1F03EA5B-9405-4FF2-A715-0E995B30C408}"/>
+                <a16:creationId xmlns:a16="http://schemas.microsoft.com/office/drawing/2014/main" xmlns="" id="{1F03EA5B-9405-4FF2-A715-0E995B30C408}"/>
               </a:ext>
             </a:extLst>
           </p:cNvPr>
@@ -14726,7 +17445,7 @@
           <p:cNvPr id="17" name="Rechte verbindingslijn met pijl 16">
             <a:extLst>
               <a:ext uri="{FF2B5EF4-FFF2-40B4-BE49-F238E27FC236}">
-                <a16:creationId xmlns:a16="http://schemas.microsoft.com/office/drawing/2014/main" id="{4354D81E-79D5-49F9-8B3E-FFC4DC3E61F5}"/>
+                <a16:creationId xmlns:a16="http://schemas.microsoft.com/office/drawing/2014/main" xmlns="" id="{4354D81E-79D5-49F9-8B3E-FFC4DC3E61F5}"/>
               </a:ext>
             </a:extLst>
           </p:cNvPr>
@@ -14797,7 +17516,7 @@
           <p:cNvPr id="2" name="Titel 1">
             <a:extLst>
               <a:ext uri="{FF2B5EF4-FFF2-40B4-BE49-F238E27FC236}">
-                <a16:creationId xmlns:a16="http://schemas.microsoft.com/office/drawing/2014/main" id="{769A96FB-BA26-47C0-85BC-9E5A44D94A65}"/>
+                <a16:creationId xmlns:a16="http://schemas.microsoft.com/office/drawing/2014/main" xmlns="" id="{769A96FB-BA26-47C0-85BC-9E5A44D94A65}"/>
               </a:ext>
             </a:extLst>
           </p:cNvPr>
@@ -14825,7 +17544,7 @@
           <p:cNvPr id="5" name="Tijdelijke aanduiding voor inhoud 4">
             <a:extLst>
               <a:ext uri="{FF2B5EF4-FFF2-40B4-BE49-F238E27FC236}">
-                <a16:creationId xmlns:a16="http://schemas.microsoft.com/office/drawing/2014/main" id="{82F9B9FE-1870-4902-A7DB-4B27D59D2B2B}"/>
+                <a16:creationId xmlns:a16="http://schemas.microsoft.com/office/drawing/2014/main" xmlns="" id="{82F9B9FE-1870-4902-A7DB-4B27D59D2B2B}"/>
               </a:ext>
             </a:extLst>
           </p:cNvPr>
@@ -14860,7 +17579,7 @@
           <p:cNvPr id="13" name="Tekstvak 12">
             <a:extLst>
               <a:ext uri="{FF2B5EF4-FFF2-40B4-BE49-F238E27FC236}">
-                <a16:creationId xmlns:a16="http://schemas.microsoft.com/office/drawing/2014/main" id="{44CABAE1-B325-4747-910E-7EDC7EDD7625}"/>
+                <a16:creationId xmlns:a16="http://schemas.microsoft.com/office/drawing/2014/main" xmlns="" id="{44CABAE1-B325-4747-910E-7EDC7EDD7625}"/>
               </a:ext>
             </a:extLst>
           </p:cNvPr>
@@ -14914,7 +17633,7 @@
           <p:cNvPr id="14" name="Afbeelding 13">
             <a:extLst>
               <a:ext uri="{FF2B5EF4-FFF2-40B4-BE49-F238E27FC236}">
-                <a16:creationId xmlns:a16="http://schemas.microsoft.com/office/drawing/2014/main" id="{F67612D4-1C0C-40D2-972D-04F12DDE0F60}"/>
+                <a16:creationId xmlns:a16="http://schemas.microsoft.com/office/drawing/2014/main" xmlns="" id="{F67612D4-1C0C-40D2-972D-04F12DDE0F60}"/>
               </a:ext>
             </a:extLst>
           </p:cNvPr>
@@ -14944,7 +17663,7 @@
           <p:cNvPr id="3" name="Tekstvak 2">
             <a:extLst>
               <a:ext uri="{FF2B5EF4-FFF2-40B4-BE49-F238E27FC236}">
-                <a16:creationId xmlns:a16="http://schemas.microsoft.com/office/drawing/2014/main" id="{C26579A7-5154-43F0-8824-0FAFC9CD4201}"/>
+                <a16:creationId xmlns:a16="http://schemas.microsoft.com/office/drawing/2014/main" xmlns="" id="{C26579A7-5154-43F0-8824-0FAFC9CD4201}"/>
               </a:ext>
             </a:extLst>
           </p:cNvPr>
@@ -14979,7 +17698,7 @@
           <p:cNvPr id="4" name="Tekstvak 3">
             <a:extLst>
               <a:ext uri="{FF2B5EF4-FFF2-40B4-BE49-F238E27FC236}">
-                <a16:creationId xmlns:a16="http://schemas.microsoft.com/office/drawing/2014/main" id="{1F03EA5B-9405-4FF2-A715-0E995B30C408}"/>
+                <a16:creationId xmlns:a16="http://schemas.microsoft.com/office/drawing/2014/main" xmlns="" id="{1F03EA5B-9405-4FF2-A715-0E995B30C408}"/>
               </a:ext>
             </a:extLst>
           </p:cNvPr>
@@ -15014,7 +17733,7 @@
           <p:cNvPr id="17" name="Rechte verbindingslijn met pijl 16">
             <a:extLst>
               <a:ext uri="{FF2B5EF4-FFF2-40B4-BE49-F238E27FC236}">
-                <a16:creationId xmlns:a16="http://schemas.microsoft.com/office/drawing/2014/main" id="{4354D81E-79D5-49F9-8B3E-FFC4DC3E61F5}"/>
+                <a16:creationId xmlns:a16="http://schemas.microsoft.com/office/drawing/2014/main" xmlns="" id="{4354D81E-79D5-49F9-8B3E-FFC4DC3E61F5}"/>
               </a:ext>
             </a:extLst>
           </p:cNvPr>
@@ -15055,7 +17774,7 @@
           <p:cNvPr id="7170" name="Picture 2" descr="Afbeeldingsresultaat voor hammer drawing">
             <a:extLst>
               <a:ext uri="{FF2B5EF4-FFF2-40B4-BE49-F238E27FC236}">
-                <a16:creationId xmlns:a16="http://schemas.microsoft.com/office/drawing/2014/main" id="{ACB393D5-86CC-4AAD-A571-9E26D25E2E0B}"/>
+                <a16:creationId xmlns:a16="http://schemas.microsoft.com/office/drawing/2014/main" xmlns="" id="{ACB393D5-86CC-4AAD-A571-9E26D25E2E0B}"/>
               </a:ext>
             </a:extLst>
           </p:cNvPr>
@@ -15065,7 +17784,7 @@
           <p:nvPr/>
         </p:nvPicPr>
         <p:blipFill>
-          <a:blip r:embed="rId4">
+          <a:blip r:embed="rId4" cstate="print">
             <a:extLst>
               <a:ext uri="{28A0092B-C50C-407E-A947-70E740481C1C}">
                 <a14:useLocalDpi xmlns:a14="http://schemas.microsoft.com/office/drawing/2010/main" val="0"/>
@@ -15102,7 +17821,7 @@
           <p:cNvPr id="6" name="Gedachtewolkje: wolk 5">
             <a:extLst>
               <a:ext uri="{FF2B5EF4-FFF2-40B4-BE49-F238E27FC236}">
-                <a16:creationId xmlns:a16="http://schemas.microsoft.com/office/drawing/2014/main" id="{39AC6EFF-786A-42AC-971E-B03EAAA5119B}"/>
+                <a16:creationId xmlns:a16="http://schemas.microsoft.com/office/drawing/2014/main" xmlns="" id="{39AC6EFF-786A-42AC-971E-B03EAAA5119B}"/>
               </a:ext>
             </a:extLst>
           </p:cNvPr>
@@ -15164,7 +17883,7 @@
           <p:cNvPr id="7172" name="Picture 4" descr="Afbeeldingsresultaat voor bouwpakket tekening">
             <a:extLst>
               <a:ext uri="{FF2B5EF4-FFF2-40B4-BE49-F238E27FC236}">
-                <a16:creationId xmlns:a16="http://schemas.microsoft.com/office/drawing/2014/main" id="{4A471D98-FB95-4C4D-AE0F-FD069389E87D}"/>
+                <a16:creationId xmlns:a16="http://schemas.microsoft.com/office/drawing/2014/main" xmlns="" id="{4A471D98-FB95-4C4D-AE0F-FD069389E87D}"/>
               </a:ext>
             </a:extLst>
           </p:cNvPr>
@@ -15174,7 +17893,7 @@
           <p:nvPr/>
         </p:nvPicPr>
         <p:blipFill>
-          <a:blip r:embed="rId5">
+          <a:blip r:embed="rId5" cstate="print">
             <a:extLst>
               <a:ext uri="{28A0092B-C50C-407E-A947-70E740481C1C}">
                 <a14:useLocalDpi xmlns:a14="http://schemas.microsoft.com/office/drawing/2010/main" val="0"/>
@@ -15241,7 +17960,7 @@
           <p:cNvPr id="2" name="Titel 1">
             <a:extLst>
               <a:ext uri="{FF2B5EF4-FFF2-40B4-BE49-F238E27FC236}">
-                <a16:creationId xmlns:a16="http://schemas.microsoft.com/office/drawing/2014/main" id="{769A96FB-BA26-47C0-85BC-9E5A44D94A65}"/>
+                <a16:creationId xmlns:a16="http://schemas.microsoft.com/office/drawing/2014/main" xmlns="" id="{769A96FB-BA26-47C0-85BC-9E5A44D94A65}"/>
               </a:ext>
             </a:extLst>
           </p:cNvPr>
@@ -15269,7 +17988,7 @@
           <p:cNvPr id="5" name="Tijdelijke aanduiding voor inhoud 4">
             <a:extLst>
               <a:ext uri="{FF2B5EF4-FFF2-40B4-BE49-F238E27FC236}">
-                <a16:creationId xmlns:a16="http://schemas.microsoft.com/office/drawing/2014/main" id="{82F9B9FE-1870-4902-A7DB-4B27D59D2B2B}"/>
+                <a16:creationId xmlns:a16="http://schemas.microsoft.com/office/drawing/2014/main" xmlns="" id="{82F9B9FE-1870-4902-A7DB-4B27D59D2B2B}"/>
               </a:ext>
             </a:extLst>
           </p:cNvPr>
@@ -15304,7 +18023,7 @@
           <p:cNvPr id="13" name="Tekstvak 12">
             <a:extLst>
               <a:ext uri="{FF2B5EF4-FFF2-40B4-BE49-F238E27FC236}">
-                <a16:creationId xmlns:a16="http://schemas.microsoft.com/office/drawing/2014/main" id="{44CABAE1-B325-4747-910E-7EDC7EDD7625}"/>
+                <a16:creationId xmlns:a16="http://schemas.microsoft.com/office/drawing/2014/main" xmlns="" id="{44CABAE1-B325-4747-910E-7EDC7EDD7625}"/>
               </a:ext>
             </a:extLst>
           </p:cNvPr>
@@ -15358,7 +18077,7 @@
           <p:cNvPr id="14" name="Afbeelding 13">
             <a:extLst>
               <a:ext uri="{FF2B5EF4-FFF2-40B4-BE49-F238E27FC236}">
-                <a16:creationId xmlns:a16="http://schemas.microsoft.com/office/drawing/2014/main" id="{F67612D4-1C0C-40D2-972D-04F12DDE0F60}"/>
+                <a16:creationId xmlns:a16="http://schemas.microsoft.com/office/drawing/2014/main" xmlns="" id="{F67612D4-1C0C-40D2-972D-04F12DDE0F60}"/>
               </a:ext>
             </a:extLst>
           </p:cNvPr>
@@ -15388,7 +18107,7 @@
           <p:cNvPr id="3" name="Tekstvak 2">
             <a:extLst>
               <a:ext uri="{FF2B5EF4-FFF2-40B4-BE49-F238E27FC236}">
-                <a16:creationId xmlns:a16="http://schemas.microsoft.com/office/drawing/2014/main" id="{C26579A7-5154-43F0-8824-0FAFC9CD4201}"/>
+                <a16:creationId xmlns:a16="http://schemas.microsoft.com/office/drawing/2014/main" xmlns="" id="{C26579A7-5154-43F0-8824-0FAFC9CD4201}"/>
               </a:ext>
             </a:extLst>
           </p:cNvPr>
@@ -15423,7 +18142,7 @@
           <p:cNvPr id="4" name="Tekstvak 3">
             <a:extLst>
               <a:ext uri="{FF2B5EF4-FFF2-40B4-BE49-F238E27FC236}">
-                <a16:creationId xmlns:a16="http://schemas.microsoft.com/office/drawing/2014/main" id="{1F03EA5B-9405-4FF2-A715-0E995B30C408}"/>
+                <a16:creationId xmlns:a16="http://schemas.microsoft.com/office/drawing/2014/main" xmlns="" id="{1F03EA5B-9405-4FF2-A715-0E995B30C408}"/>
               </a:ext>
             </a:extLst>
           </p:cNvPr>
@@ -15458,7 +18177,7 @@
           <p:cNvPr id="17" name="Rechte verbindingslijn met pijl 16">
             <a:extLst>
               <a:ext uri="{FF2B5EF4-FFF2-40B4-BE49-F238E27FC236}">
-                <a16:creationId xmlns:a16="http://schemas.microsoft.com/office/drawing/2014/main" id="{4354D81E-79D5-49F9-8B3E-FFC4DC3E61F5}"/>
+                <a16:creationId xmlns:a16="http://schemas.microsoft.com/office/drawing/2014/main" xmlns="" id="{4354D81E-79D5-49F9-8B3E-FFC4DC3E61F5}"/>
               </a:ext>
             </a:extLst>
           </p:cNvPr>
@@ -15499,7 +18218,7 @@
           <p:cNvPr id="7170" name="Picture 2" descr="Afbeeldingsresultaat voor hammer drawing">
             <a:extLst>
               <a:ext uri="{FF2B5EF4-FFF2-40B4-BE49-F238E27FC236}">
-                <a16:creationId xmlns:a16="http://schemas.microsoft.com/office/drawing/2014/main" id="{ACB393D5-86CC-4AAD-A571-9E26D25E2E0B}"/>
+                <a16:creationId xmlns:a16="http://schemas.microsoft.com/office/drawing/2014/main" xmlns="" id="{ACB393D5-86CC-4AAD-A571-9E26D25E2E0B}"/>
               </a:ext>
             </a:extLst>
           </p:cNvPr>
@@ -15509,7 +18228,7 @@
           <p:nvPr/>
         </p:nvPicPr>
         <p:blipFill>
-          <a:blip r:embed="rId4">
+          <a:blip r:embed="rId4" cstate="print">
             <a:extLst>
               <a:ext uri="{28A0092B-C50C-407E-A947-70E740481C1C}">
                 <a14:useLocalDpi xmlns:a14="http://schemas.microsoft.com/office/drawing/2010/main" val="0"/>
@@ -15546,7 +18265,7 @@
           <p:cNvPr id="6" name="Gedachtewolkje: wolk 5">
             <a:extLst>
               <a:ext uri="{FF2B5EF4-FFF2-40B4-BE49-F238E27FC236}">
-                <a16:creationId xmlns:a16="http://schemas.microsoft.com/office/drawing/2014/main" id="{39AC6EFF-786A-42AC-971E-B03EAAA5119B}"/>
+                <a16:creationId xmlns:a16="http://schemas.microsoft.com/office/drawing/2014/main" xmlns="" id="{39AC6EFF-786A-42AC-971E-B03EAAA5119B}"/>
               </a:ext>
             </a:extLst>
           </p:cNvPr>
@@ -15608,7 +18327,7 @@
           <p:cNvPr id="7172" name="Picture 4" descr="Afbeeldingsresultaat voor bouwpakket tekening">
             <a:extLst>
               <a:ext uri="{FF2B5EF4-FFF2-40B4-BE49-F238E27FC236}">
-                <a16:creationId xmlns:a16="http://schemas.microsoft.com/office/drawing/2014/main" id="{4A471D98-FB95-4C4D-AE0F-FD069389E87D}"/>
+                <a16:creationId xmlns:a16="http://schemas.microsoft.com/office/drawing/2014/main" xmlns="" id="{4A471D98-FB95-4C4D-AE0F-FD069389E87D}"/>
               </a:ext>
             </a:extLst>
           </p:cNvPr>
@@ -15618,7 +18337,7 @@
           <p:nvPr/>
         </p:nvPicPr>
         <p:blipFill>
-          <a:blip r:embed="rId5">
+          <a:blip r:embed="rId5" cstate="print">
             <a:extLst>
               <a:ext uri="{28A0092B-C50C-407E-A947-70E740481C1C}">
                 <a14:useLocalDpi xmlns:a14="http://schemas.microsoft.com/office/drawing/2010/main" val="0"/>
@@ -15655,7 +18374,7 @@
           <p:cNvPr id="12" name="Ovaal 11">
             <a:extLst>
               <a:ext uri="{FF2B5EF4-FFF2-40B4-BE49-F238E27FC236}">
-                <a16:creationId xmlns:a16="http://schemas.microsoft.com/office/drawing/2014/main" id="{702660D4-5C08-4FC9-B5F9-92B2E32F1F54}"/>
+                <a16:creationId xmlns:a16="http://schemas.microsoft.com/office/drawing/2014/main" xmlns="" id="{702660D4-5C08-4FC9-B5F9-92B2E32F1F54}"/>
               </a:ext>
             </a:extLst>
           </p:cNvPr>
@@ -15713,7 +18432,7 @@
           <p:cNvPr id="15" name="Ovaal 14">
             <a:extLst>
               <a:ext uri="{FF2B5EF4-FFF2-40B4-BE49-F238E27FC236}">
-                <a16:creationId xmlns:a16="http://schemas.microsoft.com/office/drawing/2014/main" id="{6F886743-BD7C-498D-8470-3AFF63CE3A2E}"/>
+                <a16:creationId xmlns:a16="http://schemas.microsoft.com/office/drawing/2014/main" xmlns="" id="{6F886743-BD7C-498D-8470-3AFF63CE3A2E}"/>
               </a:ext>
             </a:extLst>
           </p:cNvPr>
@@ -15771,7 +18490,7 @@
           <p:cNvPr id="16" name="Ovaal 15">
             <a:extLst>
               <a:ext uri="{FF2B5EF4-FFF2-40B4-BE49-F238E27FC236}">
-                <a16:creationId xmlns:a16="http://schemas.microsoft.com/office/drawing/2014/main" id="{2800E1DF-3D08-42B9-9EA7-18A4D608B1AD}"/>
+                <a16:creationId xmlns:a16="http://schemas.microsoft.com/office/drawing/2014/main" xmlns="" id="{2800E1DF-3D08-42B9-9EA7-18A4D608B1AD}"/>
               </a:ext>
             </a:extLst>
           </p:cNvPr>
@@ -15829,7 +18548,7 @@
           <p:cNvPr id="18" name="Ovaal 17">
             <a:extLst>
               <a:ext uri="{FF2B5EF4-FFF2-40B4-BE49-F238E27FC236}">
-                <a16:creationId xmlns:a16="http://schemas.microsoft.com/office/drawing/2014/main" id="{71B22304-31D6-4B7A-9A07-E9729C3946DC}"/>
+                <a16:creationId xmlns:a16="http://schemas.microsoft.com/office/drawing/2014/main" xmlns="" id="{71B22304-31D6-4B7A-9A07-E9729C3946DC}"/>
               </a:ext>
             </a:extLst>
           </p:cNvPr>
@@ -15887,7 +18606,7 @@
           <p:cNvPr id="19" name="Ovaal 18">
             <a:extLst>
               <a:ext uri="{FF2B5EF4-FFF2-40B4-BE49-F238E27FC236}">
-                <a16:creationId xmlns:a16="http://schemas.microsoft.com/office/drawing/2014/main" id="{4CB9A837-B23B-40E2-B9FD-2ED58D3175F2}"/>
+                <a16:creationId xmlns:a16="http://schemas.microsoft.com/office/drawing/2014/main" xmlns="" id="{4CB9A837-B23B-40E2-B9FD-2ED58D3175F2}"/>
               </a:ext>
             </a:extLst>
           </p:cNvPr>
@@ -15945,7 +18664,7 @@
           <p:cNvPr id="20" name="Ovaal 19">
             <a:extLst>
               <a:ext uri="{FF2B5EF4-FFF2-40B4-BE49-F238E27FC236}">
-                <a16:creationId xmlns:a16="http://schemas.microsoft.com/office/drawing/2014/main" id="{356FEE7C-9D16-4FA9-AC43-61E03FD7F12E}"/>
+                <a16:creationId xmlns:a16="http://schemas.microsoft.com/office/drawing/2014/main" xmlns="" id="{356FEE7C-9D16-4FA9-AC43-61E03FD7F12E}"/>
               </a:ext>
             </a:extLst>
           </p:cNvPr>
@@ -16003,7 +18722,7 @@
           <p:cNvPr id="21" name="Ovaal 20">
             <a:extLst>
               <a:ext uri="{FF2B5EF4-FFF2-40B4-BE49-F238E27FC236}">
-                <a16:creationId xmlns:a16="http://schemas.microsoft.com/office/drawing/2014/main" id="{C7B6E4EE-D18E-4E99-90D9-8CD79FAB3E66}"/>
+                <a16:creationId xmlns:a16="http://schemas.microsoft.com/office/drawing/2014/main" xmlns="" id="{C7B6E4EE-D18E-4E99-90D9-8CD79FAB3E66}"/>
               </a:ext>
             </a:extLst>
           </p:cNvPr>
@@ -16061,7 +18780,7 @@
           <p:cNvPr id="22" name="Ovaal 21">
             <a:extLst>
               <a:ext uri="{FF2B5EF4-FFF2-40B4-BE49-F238E27FC236}">
-                <a16:creationId xmlns:a16="http://schemas.microsoft.com/office/drawing/2014/main" id="{57BEF406-0651-41E0-BE06-273B7CC97A2D}"/>
+                <a16:creationId xmlns:a16="http://schemas.microsoft.com/office/drawing/2014/main" xmlns="" id="{57BEF406-0651-41E0-BE06-273B7CC97A2D}"/>
               </a:ext>
             </a:extLst>
           </p:cNvPr>
@@ -16119,7 +18838,7 @@
           <p:cNvPr id="23" name="Rechte verbindingslijn 22">
             <a:extLst>
               <a:ext uri="{FF2B5EF4-FFF2-40B4-BE49-F238E27FC236}">
-                <a16:creationId xmlns:a16="http://schemas.microsoft.com/office/drawing/2014/main" id="{B6E9C7CF-D8FC-4A16-A854-58D00C6AFC36}"/>
+                <a16:creationId xmlns:a16="http://schemas.microsoft.com/office/drawing/2014/main" xmlns="" id="{B6E9C7CF-D8FC-4A16-A854-58D00C6AFC36}"/>
               </a:ext>
             </a:extLst>
           </p:cNvPr>
@@ -16167,7 +18886,7 @@
           <p:cNvPr id="24" name="Rechte verbindingslijn 23">
             <a:extLst>
               <a:ext uri="{FF2B5EF4-FFF2-40B4-BE49-F238E27FC236}">
-                <a16:creationId xmlns:a16="http://schemas.microsoft.com/office/drawing/2014/main" id="{1CFE56A8-8899-43BC-94FD-95028AD82001}"/>
+                <a16:creationId xmlns:a16="http://schemas.microsoft.com/office/drawing/2014/main" xmlns="" id="{1CFE56A8-8899-43BC-94FD-95028AD82001}"/>
               </a:ext>
             </a:extLst>
           </p:cNvPr>
@@ -16215,7 +18934,7 @@
           <p:cNvPr id="25" name="Rechte verbindingslijn 24">
             <a:extLst>
               <a:ext uri="{FF2B5EF4-FFF2-40B4-BE49-F238E27FC236}">
-                <a16:creationId xmlns:a16="http://schemas.microsoft.com/office/drawing/2014/main" id="{92F1B486-5D9E-425B-BA62-A39589D9C092}"/>
+                <a16:creationId xmlns:a16="http://schemas.microsoft.com/office/drawing/2014/main" xmlns="" id="{92F1B486-5D9E-425B-BA62-A39589D9C092}"/>
               </a:ext>
             </a:extLst>
           </p:cNvPr>
@@ -16263,7 +18982,7 @@
           <p:cNvPr id="26" name="Rechte verbindingslijn 25">
             <a:extLst>
               <a:ext uri="{FF2B5EF4-FFF2-40B4-BE49-F238E27FC236}">
-                <a16:creationId xmlns:a16="http://schemas.microsoft.com/office/drawing/2014/main" id="{0EAB71A3-52E1-49E7-852D-B0FD3CD4D1A7}"/>
+                <a16:creationId xmlns:a16="http://schemas.microsoft.com/office/drawing/2014/main" xmlns="" id="{0EAB71A3-52E1-49E7-852D-B0FD3CD4D1A7}"/>
               </a:ext>
             </a:extLst>
           </p:cNvPr>
@@ -16311,7 +19030,7 @@
           <p:cNvPr id="27" name="Rechte verbindingslijn 26">
             <a:extLst>
               <a:ext uri="{FF2B5EF4-FFF2-40B4-BE49-F238E27FC236}">
-                <a16:creationId xmlns:a16="http://schemas.microsoft.com/office/drawing/2014/main" id="{099DCD6D-B326-4DA6-8459-0A2EE91D83D5}"/>
+                <a16:creationId xmlns:a16="http://schemas.microsoft.com/office/drawing/2014/main" xmlns="" id="{099DCD6D-B326-4DA6-8459-0A2EE91D83D5}"/>
               </a:ext>
             </a:extLst>
           </p:cNvPr>
@@ -16359,7 +19078,7 @@
           <p:cNvPr id="28" name="Rechte verbindingslijn 27">
             <a:extLst>
               <a:ext uri="{FF2B5EF4-FFF2-40B4-BE49-F238E27FC236}">
-                <a16:creationId xmlns:a16="http://schemas.microsoft.com/office/drawing/2014/main" id="{8E4426DD-AC68-426C-8E72-53F5D4058FEB}"/>
+                <a16:creationId xmlns:a16="http://schemas.microsoft.com/office/drawing/2014/main" xmlns="" id="{8E4426DD-AC68-426C-8E72-53F5D4058FEB}"/>
               </a:ext>
             </a:extLst>
           </p:cNvPr>
@@ -16407,7 +19126,7 @@
           <p:cNvPr id="29" name="Rechte verbindingslijn 28">
             <a:extLst>
               <a:ext uri="{FF2B5EF4-FFF2-40B4-BE49-F238E27FC236}">
-                <a16:creationId xmlns:a16="http://schemas.microsoft.com/office/drawing/2014/main" id="{F8455A54-0906-419D-9641-930E0EF19620}"/>
+                <a16:creationId xmlns:a16="http://schemas.microsoft.com/office/drawing/2014/main" xmlns="" id="{F8455A54-0906-419D-9641-930E0EF19620}"/>
               </a:ext>
             </a:extLst>
           </p:cNvPr>
@@ -16455,7 +19174,7 @@
           <p:cNvPr id="30" name="Ovaal 29">
             <a:extLst>
               <a:ext uri="{FF2B5EF4-FFF2-40B4-BE49-F238E27FC236}">
-                <a16:creationId xmlns:a16="http://schemas.microsoft.com/office/drawing/2014/main" id="{2F8EA833-A5A7-481E-A4D1-98F4CE5A47F5}"/>
+                <a16:creationId xmlns:a16="http://schemas.microsoft.com/office/drawing/2014/main" xmlns="" id="{2F8EA833-A5A7-481E-A4D1-98F4CE5A47F5}"/>
               </a:ext>
             </a:extLst>
           </p:cNvPr>
@@ -16513,7 +19232,7 @@
           <p:cNvPr id="31" name="Ovaal 30">
             <a:extLst>
               <a:ext uri="{FF2B5EF4-FFF2-40B4-BE49-F238E27FC236}">
-                <a16:creationId xmlns:a16="http://schemas.microsoft.com/office/drawing/2014/main" id="{EF1B8A63-45C7-4477-83DA-C5F7FAE45190}"/>
+                <a16:creationId xmlns:a16="http://schemas.microsoft.com/office/drawing/2014/main" xmlns="" id="{EF1B8A63-45C7-4477-83DA-C5F7FAE45190}"/>
               </a:ext>
             </a:extLst>
           </p:cNvPr>
@@ -16571,7 +19290,7 @@
           <p:cNvPr id="32" name="Ovaal 31">
             <a:extLst>
               <a:ext uri="{FF2B5EF4-FFF2-40B4-BE49-F238E27FC236}">
-                <a16:creationId xmlns:a16="http://schemas.microsoft.com/office/drawing/2014/main" id="{0ACF7CC1-9BE7-4DD2-8236-579273166F0D}"/>
+                <a16:creationId xmlns:a16="http://schemas.microsoft.com/office/drawing/2014/main" xmlns="" id="{0ACF7CC1-9BE7-4DD2-8236-579273166F0D}"/>
               </a:ext>
             </a:extLst>
           </p:cNvPr>
@@ -16629,7 +19348,7 @@
           <p:cNvPr id="33" name="Ovaal 32">
             <a:extLst>
               <a:ext uri="{FF2B5EF4-FFF2-40B4-BE49-F238E27FC236}">
-                <a16:creationId xmlns:a16="http://schemas.microsoft.com/office/drawing/2014/main" id="{38A37D86-F49D-4015-9F89-0C5AA4F918E7}"/>
+                <a16:creationId xmlns:a16="http://schemas.microsoft.com/office/drawing/2014/main" xmlns="" id="{38A37D86-F49D-4015-9F89-0C5AA4F918E7}"/>
               </a:ext>
             </a:extLst>
           </p:cNvPr>
@@ -16687,7 +19406,7 @@
           <p:cNvPr id="34" name="Ovaal 33">
             <a:extLst>
               <a:ext uri="{FF2B5EF4-FFF2-40B4-BE49-F238E27FC236}">
-                <a16:creationId xmlns:a16="http://schemas.microsoft.com/office/drawing/2014/main" id="{068A416D-8303-4CF0-9F81-5305F8661921}"/>
+                <a16:creationId xmlns:a16="http://schemas.microsoft.com/office/drawing/2014/main" xmlns="" id="{068A416D-8303-4CF0-9F81-5305F8661921}"/>
               </a:ext>
             </a:extLst>
           </p:cNvPr>
@@ -16745,7 +19464,7 @@
           <p:cNvPr id="35" name="Ovaal 34">
             <a:extLst>
               <a:ext uri="{FF2B5EF4-FFF2-40B4-BE49-F238E27FC236}">
-                <a16:creationId xmlns:a16="http://schemas.microsoft.com/office/drawing/2014/main" id="{57886617-EF56-4B20-8554-D57A38AAFA65}"/>
+                <a16:creationId xmlns:a16="http://schemas.microsoft.com/office/drawing/2014/main" xmlns="" id="{57886617-EF56-4B20-8554-D57A38AAFA65}"/>
               </a:ext>
             </a:extLst>
           </p:cNvPr>
@@ -16803,7 +19522,7 @@
           <p:cNvPr id="36" name="Ovaal 35">
             <a:extLst>
               <a:ext uri="{FF2B5EF4-FFF2-40B4-BE49-F238E27FC236}">
-                <a16:creationId xmlns:a16="http://schemas.microsoft.com/office/drawing/2014/main" id="{F5B28146-4C85-4621-B9EA-F45F4586B369}"/>
+                <a16:creationId xmlns:a16="http://schemas.microsoft.com/office/drawing/2014/main" xmlns="" id="{F5B28146-4C85-4621-B9EA-F45F4586B369}"/>
               </a:ext>
             </a:extLst>
           </p:cNvPr>
@@ -16861,7 +19580,7 @@
           <p:cNvPr id="37" name="Ovaal 36">
             <a:extLst>
               <a:ext uri="{FF2B5EF4-FFF2-40B4-BE49-F238E27FC236}">
-                <a16:creationId xmlns:a16="http://schemas.microsoft.com/office/drawing/2014/main" id="{7C0671A0-0740-414E-92E7-AEF59EAC6288}"/>
+                <a16:creationId xmlns:a16="http://schemas.microsoft.com/office/drawing/2014/main" xmlns="" id="{7C0671A0-0740-414E-92E7-AEF59EAC6288}"/>
               </a:ext>
             </a:extLst>
           </p:cNvPr>
@@ -16919,7 +19638,7 @@
           <p:cNvPr id="38" name="Rechte verbindingslijn 37">
             <a:extLst>
               <a:ext uri="{FF2B5EF4-FFF2-40B4-BE49-F238E27FC236}">
-                <a16:creationId xmlns:a16="http://schemas.microsoft.com/office/drawing/2014/main" id="{33DE6DFE-6D57-47BA-BB6B-555F08E26DB9}"/>
+                <a16:creationId xmlns:a16="http://schemas.microsoft.com/office/drawing/2014/main" xmlns="" id="{33DE6DFE-6D57-47BA-BB6B-555F08E26DB9}"/>
               </a:ext>
             </a:extLst>
           </p:cNvPr>
@@ -16967,7 +19686,7 @@
           <p:cNvPr id="39" name="Rechte verbindingslijn 38">
             <a:extLst>
               <a:ext uri="{FF2B5EF4-FFF2-40B4-BE49-F238E27FC236}">
-                <a16:creationId xmlns:a16="http://schemas.microsoft.com/office/drawing/2014/main" id="{2DA35996-A73E-4F96-979F-9FF60EC2EA8E}"/>
+                <a16:creationId xmlns:a16="http://schemas.microsoft.com/office/drawing/2014/main" xmlns="" id="{2DA35996-A73E-4F96-979F-9FF60EC2EA8E}"/>
               </a:ext>
             </a:extLst>
           </p:cNvPr>
@@ -17015,7 +19734,7 @@
           <p:cNvPr id="40" name="Rechte verbindingslijn 39">
             <a:extLst>
               <a:ext uri="{FF2B5EF4-FFF2-40B4-BE49-F238E27FC236}">
-                <a16:creationId xmlns:a16="http://schemas.microsoft.com/office/drawing/2014/main" id="{A723C397-9B1B-4D91-BA47-50C5F66D3D89}"/>
+                <a16:creationId xmlns:a16="http://schemas.microsoft.com/office/drawing/2014/main" xmlns="" id="{A723C397-9B1B-4D91-BA47-50C5F66D3D89}"/>
               </a:ext>
             </a:extLst>
           </p:cNvPr>
@@ -17063,7 +19782,7 @@
           <p:cNvPr id="41" name="Rechte verbindingslijn 40">
             <a:extLst>
               <a:ext uri="{FF2B5EF4-FFF2-40B4-BE49-F238E27FC236}">
-                <a16:creationId xmlns:a16="http://schemas.microsoft.com/office/drawing/2014/main" id="{2F58A9CA-8BB1-4BB9-A296-F83FB5010BAE}"/>
+                <a16:creationId xmlns:a16="http://schemas.microsoft.com/office/drawing/2014/main" xmlns="" id="{2F58A9CA-8BB1-4BB9-A296-F83FB5010BAE}"/>
               </a:ext>
             </a:extLst>
           </p:cNvPr>
@@ -17111,7 +19830,7 @@
           <p:cNvPr id="42" name="Rechte verbindingslijn 41">
             <a:extLst>
               <a:ext uri="{FF2B5EF4-FFF2-40B4-BE49-F238E27FC236}">
-                <a16:creationId xmlns:a16="http://schemas.microsoft.com/office/drawing/2014/main" id="{959AEB00-BDDE-401D-A258-A1BC831BF286}"/>
+                <a16:creationId xmlns:a16="http://schemas.microsoft.com/office/drawing/2014/main" xmlns="" id="{959AEB00-BDDE-401D-A258-A1BC831BF286}"/>
               </a:ext>
             </a:extLst>
           </p:cNvPr>
@@ -17159,7 +19878,7 @@
           <p:cNvPr id="43" name="Rechte verbindingslijn 42">
             <a:extLst>
               <a:ext uri="{FF2B5EF4-FFF2-40B4-BE49-F238E27FC236}">
-                <a16:creationId xmlns:a16="http://schemas.microsoft.com/office/drawing/2014/main" id="{451D5B5E-F7CD-4D18-81B2-353312FBAE39}"/>
+                <a16:creationId xmlns:a16="http://schemas.microsoft.com/office/drawing/2014/main" xmlns="" id="{451D5B5E-F7CD-4D18-81B2-353312FBAE39}"/>
               </a:ext>
             </a:extLst>
           </p:cNvPr>
@@ -17207,7 +19926,7 @@
           <p:cNvPr id="44" name="Rechte verbindingslijn 43">
             <a:extLst>
               <a:ext uri="{FF2B5EF4-FFF2-40B4-BE49-F238E27FC236}">
-                <a16:creationId xmlns:a16="http://schemas.microsoft.com/office/drawing/2014/main" id="{0762CCB1-BCF4-4FA9-BBCF-2906073B5750}"/>
+                <a16:creationId xmlns:a16="http://schemas.microsoft.com/office/drawing/2014/main" xmlns="" id="{0762CCB1-BCF4-4FA9-BBCF-2906073B5750}"/>
               </a:ext>
             </a:extLst>
           </p:cNvPr>
@@ -17255,7 +19974,7 @@
           <p:cNvPr id="45" name="Rechte verbindingslijn 44">
             <a:extLst>
               <a:ext uri="{FF2B5EF4-FFF2-40B4-BE49-F238E27FC236}">
-                <a16:creationId xmlns:a16="http://schemas.microsoft.com/office/drawing/2014/main" id="{04763EFC-7EEF-4E93-9F5A-2BD209A331DC}"/>
+                <a16:creationId xmlns:a16="http://schemas.microsoft.com/office/drawing/2014/main" xmlns="" id="{04763EFC-7EEF-4E93-9F5A-2BD209A331DC}"/>
               </a:ext>
             </a:extLst>
           </p:cNvPr>
@@ -17333,7 +20052,7 @@
           <p:cNvPr id="2" name="Titel 1">
             <a:extLst>
               <a:ext uri="{FF2B5EF4-FFF2-40B4-BE49-F238E27FC236}">
-                <a16:creationId xmlns:a16="http://schemas.microsoft.com/office/drawing/2014/main" id="{769A96FB-BA26-47C0-85BC-9E5A44D94A65}"/>
+                <a16:creationId xmlns:a16="http://schemas.microsoft.com/office/drawing/2014/main" xmlns="" id="{769A96FB-BA26-47C0-85BC-9E5A44D94A65}"/>
               </a:ext>
             </a:extLst>
           </p:cNvPr>
@@ -17361,7 +20080,7 @@
           <p:cNvPr id="5" name="Tijdelijke aanduiding voor inhoud 4">
             <a:extLst>
               <a:ext uri="{FF2B5EF4-FFF2-40B4-BE49-F238E27FC236}">
-                <a16:creationId xmlns:a16="http://schemas.microsoft.com/office/drawing/2014/main" id="{82F9B9FE-1870-4902-A7DB-4B27D59D2B2B}"/>
+                <a16:creationId xmlns:a16="http://schemas.microsoft.com/office/drawing/2014/main" xmlns="" id="{82F9B9FE-1870-4902-A7DB-4B27D59D2B2B}"/>
               </a:ext>
             </a:extLst>
           </p:cNvPr>
@@ -17396,7 +20115,7 @@
           <p:cNvPr id="13" name="Tekstvak 12">
             <a:extLst>
               <a:ext uri="{FF2B5EF4-FFF2-40B4-BE49-F238E27FC236}">
-                <a16:creationId xmlns:a16="http://schemas.microsoft.com/office/drawing/2014/main" id="{44CABAE1-B325-4747-910E-7EDC7EDD7625}"/>
+                <a16:creationId xmlns:a16="http://schemas.microsoft.com/office/drawing/2014/main" xmlns="" id="{44CABAE1-B325-4747-910E-7EDC7EDD7625}"/>
               </a:ext>
             </a:extLst>
           </p:cNvPr>
@@ -17450,7 +20169,7 @@
           <p:cNvPr id="14" name="Afbeelding 13">
             <a:extLst>
               <a:ext uri="{FF2B5EF4-FFF2-40B4-BE49-F238E27FC236}">
-                <a16:creationId xmlns:a16="http://schemas.microsoft.com/office/drawing/2014/main" id="{F67612D4-1C0C-40D2-972D-04F12DDE0F60}"/>
+                <a16:creationId xmlns:a16="http://schemas.microsoft.com/office/drawing/2014/main" xmlns="" id="{F67612D4-1C0C-40D2-972D-04F12DDE0F60}"/>
               </a:ext>
             </a:extLst>
           </p:cNvPr>
@@ -17480,7 +20199,7 @@
           <p:cNvPr id="3" name="Tekstvak 2">
             <a:extLst>
               <a:ext uri="{FF2B5EF4-FFF2-40B4-BE49-F238E27FC236}">
-                <a16:creationId xmlns:a16="http://schemas.microsoft.com/office/drawing/2014/main" id="{C26579A7-5154-43F0-8824-0FAFC9CD4201}"/>
+                <a16:creationId xmlns:a16="http://schemas.microsoft.com/office/drawing/2014/main" xmlns="" id="{C26579A7-5154-43F0-8824-0FAFC9CD4201}"/>
               </a:ext>
             </a:extLst>
           </p:cNvPr>
@@ -17515,7 +20234,7 @@
           <p:cNvPr id="4" name="Tekstvak 3">
             <a:extLst>
               <a:ext uri="{FF2B5EF4-FFF2-40B4-BE49-F238E27FC236}">
-                <a16:creationId xmlns:a16="http://schemas.microsoft.com/office/drawing/2014/main" id="{1F03EA5B-9405-4FF2-A715-0E995B30C408}"/>
+                <a16:creationId xmlns:a16="http://schemas.microsoft.com/office/drawing/2014/main" xmlns="" id="{1F03EA5B-9405-4FF2-A715-0E995B30C408}"/>
               </a:ext>
             </a:extLst>
           </p:cNvPr>
@@ -17550,7 +20269,7 @@
           <p:cNvPr id="17" name="Rechte verbindingslijn met pijl 16">
             <a:extLst>
               <a:ext uri="{FF2B5EF4-FFF2-40B4-BE49-F238E27FC236}">
-                <a16:creationId xmlns:a16="http://schemas.microsoft.com/office/drawing/2014/main" id="{4354D81E-79D5-49F9-8B3E-FFC4DC3E61F5}"/>
+                <a16:creationId xmlns:a16="http://schemas.microsoft.com/office/drawing/2014/main" xmlns="" id="{4354D81E-79D5-49F9-8B3E-FFC4DC3E61F5}"/>
               </a:ext>
             </a:extLst>
           </p:cNvPr>
@@ -17591,7 +20310,7 @@
           <p:cNvPr id="7170" name="Picture 2" descr="Afbeeldingsresultaat voor hammer drawing">
             <a:extLst>
               <a:ext uri="{FF2B5EF4-FFF2-40B4-BE49-F238E27FC236}">
-                <a16:creationId xmlns:a16="http://schemas.microsoft.com/office/drawing/2014/main" id="{ACB393D5-86CC-4AAD-A571-9E26D25E2E0B}"/>
+                <a16:creationId xmlns:a16="http://schemas.microsoft.com/office/drawing/2014/main" xmlns="" id="{ACB393D5-86CC-4AAD-A571-9E26D25E2E0B}"/>
               </a:ext>
             </a:extLst>
           </p:cNvPr>
@@ -17601,7 +20320,7 @@
           <p:nvPr/>
         </p:nvPicPr>
         <p:blipFill>
-          <a:blip r:embed="rId4">
+          <a:blip r:embed="rId4" cstate="print">
             <a:extLst>
               <a:ext uri="{28A0092B-C50C-407E-A947-70E740481C1C}">
                 <a14:useLocalDpi xmlns:a14="http://schemas.microsoft.com/office/drawing/2010/main" val="0"/>
@@ -17638,7 +20357,7 @@
           <p:cNvPr id="6" name="Gedachtewolkje: wolk 5">
             <a:extLst>
               <a:ext uri="{FF2B5EF4-FFF2-40B4-BE49-F238E27FC236}">
-                <a16:creationId xmlns:a16="http://schemas.microsoft.com/office/drawing/2014/main" id="{39AC6EFF-786A-42AC-971E-B03EAAA5119B}"/>
+                <a16:creationId xmlns:a16="http://schemas.microsoft.com/office/drawing/2014/main" xmlns="" id="{39AC6EFF-786A-42AC-971E-B03EAAA5119B}"/>
               </a:ext>
             </a:extLst>
           </p:cNvPr>
@@ -17700,7 +20419,7 @@
           <p:cNvPr id="7172" name="Picture 4" descr="Afbeeldingsresultaat voor bouwpakket tekening">
             <a:extLst>
               <a:ext uri="{FF2B5EF4-FFF2-40B4-BE49-F238E27FC236}">
-                <a16:creationId xmlns:a16="http://schemas.microsoft.com/office/drawing/2014/main" id="{4A471D98-FB95-4C4D-AE0F-FD069389E87D}"/>
+                <a16:creationId xmlns:a16="http://schemas.microsoft.com/office/drawing/2014/main" xmlns="" id="{4A471D98-FB95-4C4D-AE0F-FD069389E87D}"/>
               </a:ext>
             </a:extLst>
           </p:cNvPr>
@@ -17710,7 +20429,7 @@
           <p:nvPr/>
         </p:nvPicPr>
         <p:blipFill>
-          <a:blip r:embed="rId5">
+          <a:blip r:embed="rId5" cstate="print">
             <a:extLst>
               <a:ext uri="{28A0092B-C50C-407E-A947-70E740481C1C}">
                 <a14:useLocalDpi xmlns:a14="http://schemas.microsoft.com/office/drawing/2010/main" val="0"/>
@@ -17747,7 +20466,7 @@
           <p:cNvPr id="12" name="Ovaal 11">
             <a:extLst>
               <a:ext uri="{FF2B5EF4-FFF2-40B4-BE49-F238E27FC236}">
-                <a16:creationId xmlns:a16="http://schemas.microsoft.com/office/drawing/2014/main" id="{702660D4-5C08-4FC9-B5F9-92B2E32F1F54}"/>
+                <a16:creationId xmlns:a16="http://schemas.microsoft.com/office/drawing/2014/main" xmlns="" id="{702660D4-5C08-4FC9-B5F9-92B2E32F1F54}"/>
               </a:ext>
             </a:extLst>
           </p:cNvPr>
@@ -17805,7 +20524,7 @@
           <p:cNvPr id="15" name="Ovaal 14">
             <a:extLst>
               <a:ext uri="{FF2B5EF4-FFF2-40B4-BE49-F238E27FC236}">
-                <a16:creationId xmlns:a16="http://schemas.microsoft.com/office/drawing/2014/main" id="{6F886743-BD7C-498D-8470-3AFF63CE3A2E}"/>
+                <a16:creationId xmlns:a16="http://schemas.microsoft.com/office/drawing/2014/main" xmlns="" id="{6F886743-BD7C-498D-8470-3AFF63CE3A2E}"/>
               </a:ext>
             </a:extLst>
           </p:cNvPr>
@@ -17863,7 +20582,7 @@
           <p:cNvPr id="16" name="Ovaal 15">
             <a:extLst>
               <a:ext uri="{FF2B5EF4-FFF2-40B4-BE49-F238E27FC236}">
-                <a16:creationId xmlns:a16="http://schemas.microsoft.com/office/drawing/2014/main" id="{2800E1DF-3D08-42B9-9EA7-18A4D608B1AD}"/>
+                <a16:creationId xmlns:a16="http://schemas.microsoft.com/office/drawing/2014/main" xmlns="" id="{2800E1DF-3D08-42B9-9EA7-18A4D608B1AD}"/>
               </a:ext>
             </a:extLst>
           </p:cNvPr>
@@ -17921,7 +20640,7 @@
           <p:cNvPr id="18" name="Ovaal 17">
             <a:extLst>
               <a:ext uri="{FF2B5EF4-FFF2-40B4-BE49-F238E27FC236}">
-                <a16:creationId xmlns:a16="http://schemas.microsoft.com/office/drawing/2014/main" id="{71B22304-31D6-4B7A-9A07-E9729C3946DC}"/>
+                <a16:creationId xmlns:a16="http://schemas.microsoft.com/office/drawing/2014/main" xmlns="" id="{71B22304-31D6-4B7A-9A07-E9729C3946DC}"/>
               </a:ext>
             </a:extLst>
           </p:cNvPr>
@@ -17979,7 +20698,7 @@
           <p:cNvPr id="19" name="Ovaal 18">
             <a:extLst>
               <a:ext uri="{FF2B5EF4-FFF2-40B4-BE49-F238E27FC236}">
-                <a16:creationId xmlns:a16="http://schemas.microsoft.com/office/drawing/2014/main" id="{4CB9A837-B23B-40E2-B9FD-2ED58D3175F2}"/>
+                <a16:creationId xmlns:a16="http://schemas.microsoft.com/office/drawing/2014/main" xmlns="" id="{4CB9A837-B23B-40E2-B9FD-2ED58D3175F2}"/>
               </a:ext>
             </a:extLst>
           </p:cNvPr>
@@ -18037,7 +20756,7 @@
           <p:cNvPr id="20" name="Ovaal 19">
             <a:extLst>
               <a:ext uri="{FF2B5EF4-FFF2-40B4-BE49-F238E27FC236}">
-                <a16:creationId xmlns:a16="http://schemas.microsoft.com/office/drawing/2014/main" id="{356FEE7C-9D16-4FA9-AC43-61E03FD7F12E}"/>
+                <a16:creationId xmlns:a16="http://schemas.microsoft.com/office/drawing/2014/main" xmlns="" id="{356FEE7C-9D16-4FA9-AC43-61E03FD7F12E}"/>
               </a:ext>
             </a:extLst>
           </p:cNvPr>
@@ -18095,7 +20814,7 @@
           <p:cNvPr id="21" name="Ovaal 20">
             <a:extLst>
               <a:ext uri="{FF2B5EF4-FFF2-40B4-BE49-F238E27FC236}">
-                <a16:creationId xmlns:a16="http://schemas.microsoft.com/office/drawing/2014/main" id="{C7B6E4EE-D18E-4E99-90D9-8CD79FAB3E66}"/>
+                <a16:creationId xmlns:a16="http://schemas.microsoft.com/office/drawing/2014/main" xmlns="" id="{C7B6E4EE-D18E-4E99-90D9-8CD79FAB3E66}"/>
               </a:ext>
             </a:extLst>
           </p:cNvPr>
@@ -18153,7 +20872,7 @@
           <p:cNvPr id="22" name="Ovaal 21">
             <a:extLst>
               <a:ext uri="{FF2B5EF4-FFF2-40B4-BE49-F238E27FC236}">
-                <a16:creationId xmlns:a16="http://schemas.microsoft.com/office/drawing/2014/main" id="{57BEF406-0651-41E0-BE06-273B7CC97A2D}"/>
+                <a16:creationId xmlns:a16="http://schemas.microsoft.com/office/drawing/2014/main" xmlns="" id="{57BEF406-0651-41E0-BE06-273B7CC97A2D}"/>
               </a:ext>
             </a:extLst>
           </p:cNvPr>
@@ -18211,7 +20930,7 @@
           <p:cNvPr id="23" name="Rechte verbindingslijn 22">
             <a:extLst>
               <a:ext uri="{FF2B5EF4-FFF2-40B4-BE49-F238E27FC236}">
-                <a16:creationId xmlns:a16="http://schemas.microsoft.com/office/drawing/2014/main" id="{B6E9C7CF-D8FC-4A16-A854-58D00C6AFC36}"/>
+                <a16:creationId xmlns:a16="http://schemas.microsoft.com/office/drawing/2014/main" xmlns="" id="{B6E9C7CF-D8FC-4A16-A854-58D00C6AFC36}"/>
               </a:ext>
             </a:extLst>
           </p:cNvPr>
@@ -18259,7 +20978,7 @@
           <p:cNvPr id="24" name="Rechte verbindingslijn 23">
             <a:extLst>
               <a:ext uri="{FF2B5EF4-FFF2-40B4-BE49-F238E27FC236}">
-                <a16:creationId xmlns:a16="http://schemas.microsoft.com/office/drawing/2014/main" id="{1CFE56A8-8899-43BC-94FD-95028AD82001}"/>
+                <a16:creationId xmlns:a16="http://schemas.microsoft.com/office/drawing/2014/main" xmlns="" id="{1CFE56A8-8899-43BC-94FD-95028AD82001}"/>
               </a:ext>
             </a:extLst>
           </p:cNvPr>
@@ -18307,7 +21026,7 @@
           <p:cNvPr id="26" name="Rechte verbindingslijn 25">
             <a:extLst>
               <a:ext uri="{FF2B5EF4-FFF2-40B4-BE49-F238E27FC236}">
-                <a16:creationId xmlns:a16="http://schemas.microsoft.com/office/drawing/2014/main" id="{0EAB71A3-52E1-49E7-852D-B0FD3CD4D1A7}"/>
+                <a16:creationId xmlns:a16="http://schemas.microsoft.com/office/drawing/2014/main" xmlns="" id="{0EAB71A3-52E1-49E7-852D-B0FD3CD4D1A7}"/>
               </a:ext>
             </a:extLst>
           </p:cNvPr>
@@ -18355,7 +21074,7 @@
           <p:cNvPr id="27" name="Rechte verbindingslijn 26">
             <a:extLst>
               <a:ext uri="{FF2B5EF4-FFF2-40B4-BE49-F238E27FC236}">
-                <a16:creationId xmlns:a16="http://schemas.microsoft.com/office/drawing/2014/main" id="{099DCD6D-B326-4DA6-8459-0A2EE91D83D5}"/>
+                <a16:creationId xmlns:a16="http://schemas.microsoft.com/office/drawing/2014/main" xmlns="" id="{099DCD6D-B326-4DA6-8459-0A2EE91D83D5}"/>
               </a:ext>
             </a:extLst>
           </p:cNvPr>
@@ -18403,7 +21122,7 @@
           <p:cNvPr id="28" name="Rechte verbindingslijn 27">
             <a:extLst>
               <a:ext uri="{FF2B5EF4-FFF2-40B4-BE49-F238E27FC236}">
-                <a16:creationId xmlns:a16="http://schemas.microsoft.com/office/drawing/2014/main" id="{8E4426DD-AC68-426C-8E72-53F5D4058FEB}"/>
+                <a16:creationId xmlns:a16="http://schemas.microsoft.com/office/drawing/2014/main" xmlns="" id="{8E4426DD-AC68-426C-8E72-53F5D4058FEB}"/>
               </a:ext>
             </a:extLst>
           </p:cNvPr>
@@ -18451,7 +21170,7 @@
           <p:cNvPr id="29" name="Rechte verbindingslijn 28">
             <a:extLst>
               <a:ext uri="{FF2B5EF4-FFF2-40B4-BE49-F238E27FC236}">
-                <a16:creationId xmlns:a16="http://schemas.microsoft.com/office/drawing/2014/main" id="{F8455A54-0906-419D-9641-930E0EF19620}"/>
+                <a16:creationId xmlns:a16="http://schemas.microsoft.com/office/drawing/2014/main" xmlns="" id="{F8455A54-0906-419D-9641-930E0EF19620}"/>
               </a:ext>
             </a:extLst>
           </p:cNvPr>
@@ -18499,7 +21218,7 @@
           <p:cNvPr id="30" name="Ovaal 29">
             <a:extLst>
               <a:ext uri="{FF2B5EF4-FFF2-40B4-BE49-F238E27FC236}">
-                <a16:creationId xmlns:a16="http://schemas.microsoft.com/office/drawing/2014/main" id="{2F8EA833-A5A7-481E-A4D1-98F4CE5A47F5}"/>
+                <a16:creationId xmlns:a16="http://schemas.microsoft.com/office/drawing/2014/main" xmlns="" id="{2F8EA833-A5A7-481E-A4D1-98F4CE5A47F5}"/>
               </a:ext>
             </a:extLst>
           </p:cNvPr>
@@ -18557,7 +21276,7 @@
           <p:cNvPr id="31" name="Ovaal 30">
             <a:extLst>
               <a:ext uri="{FF2B5EF4-FFF2-40B4-BE49-F238E27FC236}">
-                <a16:creationId xmlns:a16="http://schemas.microsoft.com/office/drawing/2014/main" id="{EF1B8A63-45C7-4477-83DA-C5F7FAE45190}"/>
+                <a16:creationId xmlns:a16="http://schemas.microsoft.com/office/drawing/2014/main" xmlns="" id="{EF1B8A63-45C7-4477-83DA-C5F7FAE45190}"/>
               </a:ext>
             </a:extLst>
           </p:cNvPr>
@@ -18615,7 +21334,7 @@
           <p:cNvPr id="32" name="Ovaal 31">
             <a:extLst>
               <a:ext uri="{FF2B5EF4-FFF2-40B4-BE49-F238E27FC236}">
-                <a16:creationId xmlns:a16="http://schemas.microsoft.com/office/drawing/2014/main" id="{0ACF7CC1-9BE7-4DD2-8236-579273166F0D}"/>
+                <a16:creationId xmlns:a16="http://schemas.microsoft.com/office/drawing/2014/main" xmlns="" id="{0ACF7CC1-9BE7-4DD2-8236-579273166F0D}"/>
               </a:ext>
             </a:extLst>
           </p:cNvPr>
@@ -18673,7 +21392,7 @@
           <p:cNvPr id="33" name="Ovaal 32">
             <a:extLst>
               <a:ext uri="{FF2B5EF4-FFF2-40B4-BE49-F238E27FC236}">
-                <a16:creationId xmlns:a16="http://schemas.microsoft.com/office/drawing/2014/main" id="{38A37D86-F49D-4015-9F89-0C5AA4F918E7}"/>
+                <a16:creationId xmlns:a16="http://schemas.microsoft.com/office/drawing/2014/main" xmlns="" id="{38A37D86-F49D-4015-9F89-0C5AA4F918E7}"/>
               </a:ext>
             </a:extLst>
           </p:cNvPr>
@@ -18731,7 +21450,7 @@
           <p:cNvPr id="34" name="Ovaal 33">
             <a:extLst>
               <a:ext uri="{FF2B5EF4-FFF2-40B4-BE49-F238E27FC236}">
-                <a16:creationId xmlns:a16="http://schemas.microsoft.com/office/drawing/2014/main" id="{068A416D-8303-4CF0-9F81-5305F8661921}"/>
+                <a16:creationId xmlns:a16="http://schemas.microsoft.com/office/drawing/2014/main" xmlns="" id="{068A416D-8303-4CF0-9F81-5305F8661921}"/>
               </a:ext>
             </a:extLst>
           </p:cNvPr>
@@ -18789,7 +21508,7 @@
           <p:cNvPr id="35" name="Ovaal 34">
             <a:extLst>
               <a:ext uri="{FF2B5EF4-FFF2-40B4-BE49-F238E27FC236}">
-                <a16:creationId xmlns:a16="http://schemas.microsoft.com/office/drawing/2014/main" id="{57886617-EF56-4B20-8554-D57A38AAFA65}"/>
+                <a16:creationId xmlns:a16="http://schemas.microsoft.com/office/drawing/2014/main" xmlns="" id="{57886617-EF56-4B20-8554-D57A38AAFA65}"/>
               </a:ext>
             </a:extLst>
           </p:cNvPr>
@@ -18847,7 +21566,7 @@
           <p:cNvPr id="36" name="Ovaal 35">
             <a:extLst>
               <a:ext uri="{FF2B5EF4-FFF2-40B4-BE49-F238E27FC236}">
-                <a16:creationId xmlns:a16="http://schemas.microsoft.com/office/drawing/2014/main" id="{F5B28146-4C85-4621-B9EA-F45F4586B369}"/>
+                <a16:creationId xmlns:a16="http://schemas.microsoft.com/office/drawing/2014/main" xmlns="" id="{F5B28146-4C85-4621-B9EA-F45F4586B369}"/>
               </a:ext>
             </a:extLst>
           </p:cNvPr>
@@ -18905,7 +21624,7 @@
           <p:cNvPr id="37" name="Ovaal 36">
             <a:extLst>
               <a:ext uri="{FF2B5EF4-FFF2-40B4-BE49-F238E27FC236}">
-                <a16:creationId xmlns:a16="http://schemas.microsoft.com/office/drawing/2014/main" id="{7C0671A0-0740-414E-92E7-AEF59EAC6288}"/>
+                <a16:creationId xmlns:a16="http://schemas.microsoft.com/office/drawing/2014/main" xmlns="" id="{7C0671A0-0740-414E-92E7-AEF59EAC6288}"/>
               </a:ext>
             </a:extLst>
           </p:cNvPr>
@@ -18963,7 +21682,7 @@
           <p:cNvPr id="38" name="Rechte verbindingslijn 37">
             <a:extLst>
               <a:ext uri="{FF2B5EF4-FFF2-40B4-BE49-F238E27FC236}">
-                <a16:creationId xmlns:a16="http://schemas.microsoft.com/office/drawing/2014/main" id="{33DE6DFE-6D57-47BA-BB6B-555F08E26DB9}"/>
+                <a16:creationId xmlns:a16="http://schemas.microsoft.com/office/drawing/2014/main" xmlns="" id="{33DE6DFE-6D57-47BA-BB6B-555F08E26DB9}"/>
               </a:ext>
             </a:extLst>
           </p:cNvPr>
@@ -19011,7 +21730,7 @@
           <p:cNvPr id="39" name="Rechte verbindingslijn 38">
             <a:extLst>
               <a:ext uri="{FF2B5EF4-FFF2-40B4-BE49-F238E27FC236}">
-                <a16:creationId xmlns:a16="http://schemas.microsoft.com/office/drawing/2014/main" id="{2DA35996-A73E-4F96-979F-9FF60EC2EA8E}"/>
+                <a16:creationId xmlns:a16="http://schemas.microsoft.com/office/drawing/2014/main" xmlns="" id="{2DA35996-A73E-4F96-979F-9FF60EC2EA8E}"/>
               </a:ext>
             </a:extLst>
           </p:cNvPr>
@@ -19059,7 +21778,7 @@
           <p:cNvPr id="40" name="Rechte verbindingslijn 39">
             <a:extLst>
               <a:ext uri="{FF2B5EF4-FFF2-40B4-BE49-F238E27FC236}">
-                <a16:creationId xmlns:a16="http://schemas.microsoft.com/office/drawing/2014/main" id="{A723C397-9B1B-4D91-BA47-50C5F66D3D89}"/>
+                <a16:creationId xmlns:a16="http://schemas.microsoft.com/office/drawing/2014/main" xmlns="" id="{A723C397-9B1B-4D91-BA47-50C5F66D3D89}"/>
               </a:ext>
             </a:extLst>
           </p:cNvPr>
@@ -19107,7 +21826,7 @@
           <p:cNvPr id="41" name="Rechte verbindingslijn 40">
             <a:extLst>
               <a:ext uri="{FF2B5EF4-FFF2-40B4-BE49-F238E27FC236}">
-                <a16:creationId xmlns:a16="http://schemas.microsoft.com/office/drawing/2014/main" id="{2F58A9CA-8BB1-4BB9-A296-F83FB5010BAE}"/>
+                <a16:creationId xmlns:a16="http://schemas.microsoft.com/office/drawing/2014/main" xmlns="" id="{2F58A9CA-8BB1-4BB9-A296-F83FB5010BAE}"/>
               </a:ext>
             </a:extLst>
           </p:cNvPr>
@@ -19155,7 +21874,7 @@
           <p:cNvPr id="42" name="Rechte verbindingslijn 41">
             <a:extLst>
               <a:ext uri="{FF2B5EF4-FFF2-40B4-BE49-F238E27FC236}">
-                <a16:creationId xmlns:a16="http://schemas.microsoft.com/office/drawing/2014/main" id="{959AEB00-BDDE-401D-A258-A1BC831BF286}"/>
+                <a16:creationId xmlns:a16="http://schemas.microsoft.com/office/drawing/2014/main" xmlns="" id="{959AEB00-BDDE-401D-A258-A1BC831BF286}"/>
               </a:ext>
             </a:extLst>
           </p:cNvPr>
@@ -19203,7 +21922,7 @@
           <p:cNvPr id="43" name="Rechte verbindingslijn 42">
             <a:extLst>
               <a:ext uri="{FF2B5EF4-FFF2-40B4-BE49-F238E27FC236}">
-                <a16:creationId xmlns:a16="http://schemas.microsoft.com/office/drawing/2014/main" id="{451D5B5E-F7CD-4D18-81B2-353312FBAE39}"/>
+                <a16:creationId xmlns:a16="http://schemas.microsoft.com/office/drawing/2014/main" xmlns="" id="{451D5B5E-F7CD-4D18-81B2-353312FBAE39}"/>
               </a:ext>
             </a:extLst>
           </p:cNvPr>
@@ -19251,7 +21970,7 @@
           <p:cNvPr id="44" name="Rechte verbindingslijn 43">
             <a:extLst>
               <a:ext uri="{FF2B5EF4-FFF2-40B4-BE49-F238E27FC236}">
-                <a16:creationId xmlns:a16="http://schemas.microsoft.com/office/drawing/2014/main" id="{0762CCB1-BCF4-4FA9-BBCF-2906073B5750}"/>
+                <a16:creationId xmlns:a16="http://schemas.microsoft.com/office/drawing/2014/main" xmlns="" id="{0762CCB1-BCF4-4FA9-BBCF-2906073B5750}"/>
               </a:ext>
             </a:extLst>
           </p:cNvPr>
@@ -19299,7 +22018,7 @@
           <p:cNvPr id="45" name="Rechte verbindingslijn 44">
             <a:extLst>
               <a:ext uri="{FF2B5EF4-FFF2-40B4-BE49-F238E27FC236}">
-                <a16:creationId xmlns:a16="http://schemas.microsoft.com/office/drawing/2014/main" id="{04763EFC-7EEF-4E93-9F5A-2BD209A331DC}"/>
+                <a16:creationId xmlns:a16="http://schemas.microsoft.com/office/drawing/2014/main" xmlns="" id="{04763EFC-7EEF-4E93-9F5A-2BD209A331DC}"/>
               </a:ext>
             </a:extLst>
           </p:cNvPr>
@@ -19347,7 +22066,7 @@
           <p:cNvPr id="208" name="Rechte verbindingslijn 207">
             <a:extLst>
               <a:ext uri="{FF2B5EF4-FFF2-40B4-BE49-F238E27FC236}">
-                <a16:creationId xmlns:a16="http://schemas.microsoft.com/office/drawing/2014/main" id="{D69FCFE6-71B0-40AB-A0F9-E2B15BEB6CA5}"/>
+                <a16:creationId xmlns:a16="http://schemas.microsoft.com/office/drawing/2014/main" xmlns="" id="{D69FCFE6-71B0-40AB-A0F9-E2B15BEB6CA5}"/>
               </a:ext>
             </a:extLst>
           </p:cNvPr>
@@ -19626,7 +22345,7 @@
   <a:extraClrSchemeLst/>
   <a:extLst>
     <a:ext uri="{05A4C25C-085E-4340-85A3-A5531E510DB2}">
-      <thm15:themeFamily xmlns:thm15="http://schemas.microsoft.com/office/thememl/2012/main" name="Wood Type" id="{7ACABC62-BF99-48CF-A9DC-4DB89C7B13DC}" vid="{142A1326-48AB-42A9-8428-CB14AA30176D}"/>
+      <thm15:themeFamily xmlns:thm15="http://schemas.microsoft.com/office/thememl/2012/main" xmlns="" name="Wood Type" id="{7ACABC62-BF99-48CF-A9DC-4DB89C7B13DC}" vid="{142A1326-48AB-42A9-8428-CB14AA30176D}"/>
     </a:ext>
   </a:extLst>
 </a:theme>

--- a/Presentations/Proteasen - week 1.pptx
+++ b/Presentations/Proteasen - week 1.pptx
@@ -17,20 +17,19 @@
     <p:sldId id="288" r:id="rId11"/>
     <p:sldId id="262" r:id="rId12"/>
     <p:sldId id="283" r:id="rId13"/>
-    <p:sldId id="280" r:id="rId14"/>
-    <p:sldId id="277" r:id="rId15"/>
-    <p:sldId id="263" r:id="rId16"/>
-    <p:sldId id="260" r:id="rId17"/>
-    <p:sldId id="266" r:id="rId18"/>
-    <p:sldId id="272" r:id="rId19"/>
-    <p:sldId id="273" r:id="rId20"/>
-    <p:sldId id="265" r:id="rId21"/>
-    <p:sldId id="267" r:id="rId22"/>
-    <p:sldId id="275" r:id="rId23"/>
-    <p:sldId id="290" r:id="rId24"/>
-    <p:sldId id="276" r:id="rId25"/>
-    <p:sldId id="268" r:id="rId26"/>
-    <p:sldId id="274" r:id="rId27"/>
+    <p:sldId id="277" r:id="rId14"/>
+    <p:sldId id="263" r:id="rId15"/>
+    <p:sldId id="260" r:id="rId16"/>
+    <p:sldId id="266" r:id="rId17"/>
+    <p:sldId id="272" r:id="rId18"/>
+    <p:sldId id="273" r:id="rId19"/>
+    <p:sldId id="265" r:id="rId20"/>
+    <p:sldId id="267" r:id="rId21"/>
+    <p:sldId id="275" r:id="rId22"/>
+    <p:sldId id="290" r:id="rId23"/>
+    <p:sldId id="276" r:id="rId24"/>
+    <p:sldId id="268" r:id="rId25"/>
+    <p:sldId id="274" r:id="rId26"/>
   </p:sldIdLst>
   <p:sldSz cx="12192000" cy="6858000"/>
   <p:notesSz cx="6858000" cy="9144000"/>
@@ -131,7 +130,7 @@
   </p:defaultTextStyle>
   <p:extLst>
     <p:ext uri="{EFAFB233-063F-42B5-8137-9DF3F51BA10A}">
-      <p15:sldGuideLst xmlns:p15="http://schemas.microsoft.com/office/powerpoint/2012/main" xmlns="">
+      <p15:sldGuideLst xmlns="" xmlns:p15="http://schemas.microsoft.com/office/powerpoint/2012/main">
         <p15:guide id="1" orient="horz" pos="2160">
           <p15:clr>
             <a:srgbClr val="A4A3A4"/>
@@ -4091,7 +4090,7 @@
           <p:cNvPr id="2" name="Titel 1">
             <a:extLst>
               <a:ext uri="{FF2B5EF4-FFF2-40B4-BE49-F238E27FC236}">
-                <a16:creationId xmlns:a16="http://schemas.microsoft.com/office/drawing/2014/main" xmlns="" id="{AE205A44-390E-455B-87E1-6D48C073A474}"/>
+                <a16:creationId xmlns="" xmlns:a16="http://schemas.microsoft.com/office/drawing/2014/main" id="{AE205A44-390E-455B-87E1-6D48C073A474}"/>
               </a:ext>
             </a:extLst>
           </p:cNvPr>
@@ -4136,7 +4135,7 @@
           <p:cNvPr id="3" name="Ondertitel 2">
             <a:extLst>
               <a:ext uri="{FF2B5EF4-FFF2-40B4-BE49-F238E27FC236}">
-                <a16:creationId xmlns:a16="http://schemas.microsoft.com/office/drawing/2014/main" xmlns="" id="{E24A4149-DFE7-4EE0-A98A-18326D7AD35D}"/>
+                <a16:creationId xmlns="" xmlns:a16="http://schemas.microsoft.com/office/drawing/2014/main" id="{E24A4149-DFE7-4EE0-A98A-18326D7AD35D}"/>
               </a:ext>
             </a:extLst>
           </p:cNvPr>
@@ -4199,7 +4198,7 @@
           <p:cNvPr id="2" name="Titel 1">
             <a:extLst>
               <a:ext uri="{FF2B5EF4-FFF2-40B4-BE49-F238E27FC236}">
-                <a16:creationId xmlns:a16="http://schemas.microsoft.com/office/drawing/2014/main" xmlns="" id="{769A96FB-BA26-47C0-85BC-9E5A44D94A65}"/>
+                <a16:creationId xmlns="" xmlns:a16="http://schemas.microsoft.com/office/drawing/2014/main" id="{769A96FB-BA26-47C0-85BC-9E5A44D94A65}"/>
               </a:ext>
             </a:extLst>
           </p:cNvPr>
@@ -4227,7 +4226,7 @@
           <p:cNvPr id="5" name="Tijdelijke aanduiding voor inhoud 4">
             <a:extLst>
               <a:ext uri="{FF2B5EF4-FFF2-40B4-BE49-F238E27FC236}">
-                <a16:creationId xmlns:a16="http://schemas.microsoft.com/office/drawing/2014/main" xmlns="" id="{82F9B9FE-1870-4902-A7DB-4B27D59D2B2B}"/>
+                <a16:creationId xmlns="" xmlns:a16="http://schemas.microsoft.com/office/drawing/2014/main" id="{82F9B9FE-1870-4902-A7DB-4B27D59D2B2B}"/>
               </a:ext>
             </a:extLst>
           </p:cNvPr>
@@ -4262,7 +4261,7 @@
           <p:cNvPr id="13" name="Tekstvak 12">
             <a:extLst>
               <a:ext uri="{FF2B5EF4-FFF2-40B4-BE49-F238E27FC236}">
-                <a16:creationId xmlns:a16="http://schemas.microsoft.com/office/drawing/2014/main" xmlns="" id="{44CABAE1-B325-4747-910E-7EDC7EDD7625}"/>
+                <a16:creationId xmlns="" xmlns:a16="http://schemas.microsoft.com/office/drawing/2014/main" id="{44CABAE1-B325-4747-910E-7EDC7EDD7625}"/>
               </a:ext>
             </a:extLst>
           </p:cNvPr>
@@ -4316,7 +4315,7 @@
           <p:cNvPr id="14" name="Afbeelding 13">
             <a:extLst>
               <a:ext uri="{FF2B5EF4-FFF2-40B4-BE49-F238E27FC236}">
-                <a16:creationId xmlns:a16="http://schemas.microsoft.com/office/drawing/2014/main" xmlns="" id="{F67612D4-1C0C-40D2-972D-04F12DDE0F60}"/>
+                <a16:creationId xmlns="" xmlns:a16="http://schemas.microsoft.com/office/drawing/2014/main" id="{F67612D4-1C0C-40D2-972D-04F12DDE0F60}"/>
               </a:ext>
             </a:extLst>
           </p:cNvPr>
@@ -4346,7 +4345,7 @@
           <p:cNvPr id="3" name="Tekstvak 2">
             <a:extLst>
               <a:ext uri="{FF2B5EF4-FFF2-40B4-BE49-F238E27FC236}">
-                <a16:creationId xmlns:a16="http://schemas.microsoft.com/office/drawing/2014/main" xmlns="" id="{C26579A7-5154-43F0-8824-0FAFC9CD4201}"/>
+                <a16:creationId xmlns="" xmlns:a16="http://schemas.microsoft.com/office/drawing/2014/main" id="{C26579A7-5154-43F0-8824-0FAFC9CD4201}"/>
               </a:ext>
             </a:extLst>
           </p:cNvPr>
@@ -4381,7 +4380,7 @@
           <p:cNvPr id="4" name="Tekstvak 3">
             <a:extLst>
               <a:ext uri="{FF2B5EF4-FFF2-40B4-BE49-F238E27FC236}">
-                <a16:creationId xmlns:a16="http://schemas.microsoft.com/office/drawing/2014/main" xmlns="" id="{1F03EA5B-9405-4FF2-A715-0E995B30C408}"/>
+                <a16:creationId xmlns="" xmlns:a16="http://schemas.microsoft.com/office/drawing/2014/main" id="{1F03EA5B-9405-4FF2-A715-0E995B30C408}"/>
               </a:ext>
             </a:extLst>
           </p:cNvPr>
@@ -4416,7 +4415,7 @@
           <p:cNvPr id="17" name="Rechte verbindingslijn met pijl 16">
             <a:extLst>
               <a:ext uri="{FF2B5EF4-FFF2-40B4-BE49-F238E27FC236}">
-                <a16:creationId xmlns:a16="http://schemas.microsoft.com/office/drawing/2014/main" xmlns="" id="{4354D81E-79D5-49F9-8B3E-FFC4DC3E61F5}"/>
+                <a16:creationId xmlns="" xmlns:a16="http://schemas.microsoft.com/office/drawing/2014/main" id="{4354D81E-79D5-49F9-8B3E-FFC4DC3E61F5}"/>
               </a:ext>
             </a:extLst>
           </p:cNvPr>
@@ -4457,7 +4456,7 @@
           <p:cNvPr id="7170" name="Picture 2" descr="Afbeeldingsresultaat voor hammer drawing">
             <a:extLst>
               <a:ext uri="{FF2B5EF4-FFF2-40B4-BE49-F238E27FC236}">
-                <a16:creationId xmlns:a16="http://schemas.microsoft.com/office/drawing/2014/main" xmlns="" id="{ACB393D5-86CC-4AAD-A571-9E26D25E2E0B}"/>
+                <a16:creationId xmlns="" xmlns:a16="http://schemas.microsoft.com/office/drawing/2014/main" id="{ACB393D5-86CC-4AAD-A571-9E26D25E2E0B}"/>
               </a:ext>
             </a:extLst>
           </p:cNvPr>
@@ -4504,7 +4503,7 @@
           <p:cNvPr id="6" name="Gedachtewolkje: wolk 5">
             <a:extLst>
               <a:ext uri="{FF2B5EF4-FFF2-40B4-BE49-F238E27FC236}">
-                <a16:creationId xmlns:a16="http://schemas.microsoft.com/office/drawing/2014/main" xmlns="" id="{39AC6EFF-786A-42AC-971E-B03EAAA5119B}"/>
+                <a16:creationId xmlns="" xmlns:a16="http://schemas.microsoft.com/office/drawing/2014/main" id="{39AC6EFF-786A-42AC-971E-B03EAAA5119B}"/>
               </a:ext>
             </a:extLst>
           </p:cNvPr>
@@ -4566,7 +4565,7 @@
           <p:cNvPr id="7172" name="Picture 4" descr="Afbeeldingsresultaat voor bouwpakket tekening">
             <a:extLst>
               <a:ext uri="{FF2B5EF4-FFF2-40B4-BE49-F238E27FC236}">
-                <a16:creationId xmlns:a16="http://schemas.microsoft.com/office/drawing/2014/main" xmlns="" id="{4A471D98-FB95-4C4D-AE0F-FD069389E87D}"/>
+                <a16:creationId xmlns="" xmlns:a16="http://schemas.microsoft.com/office/drawing/2014/main" id="{4A471D98-FB95-4C4D-AE0F-FD069389E87D}"/>
               </a:ext>
             </a:extLst>
           </p:cNvPr>
@@ -4613,7 +4612,7 @@
           <p:cNvPr id="12" name="Ovaal 11">
             <a:extLst>
               <a:ext uri="{FF2B5EF4-FFF2-40B4-BE49-F238E27FC236}">
-                <a16:creationId xmlns:a16="http://schemas.microsoft.com/office/drawing/2014/main" xmlns="" id="{702660D4-5C08-4FC9-B5F9-92B2E32F1F54}"/>
+                <a16:creationId xmlns="" xmlns:a16="http://schemas.microsoft.com/office/drawing/2014/main" id="{702660D4-5C08-4FC9-B5F9-92B2E32F1F54}"/>
               </a:ext>
             </a:extLst>
           </p:cNvPr>
@@ -4671,7 +4670,7 @@
           <p:cNvPr id="15" name="Ovaal 14">
             <a:extLst>
               <a:ext uri="{FF2B5EF4-FFF2-40B4-BE49-F238E27FC236}">
-                <a16:creationId xmlns:a16="http://schemas.microsoft.com/office/drawing/2014/main" xmlns="" id="{6F886743-BD7C-498D-8470-3AFF63CE3A2E}"/>
+                <a16:creationId xmlns="" xmlns:a16="http://schemas.microsoft.com/office/drawing/2014/main" id="{6F886743-BD7C-498D-8470-3AFF63CE3A2E}"/>
               </a:ext>
             </a:extLst>
           </p:cNvPr>
@@ -4729,7 +4728,7 @@
           <p:cNvPr id="16" name="Ovaal 15">
             <a:extLst>
               <a:ext uri="{FF2B5EF4-FFF2-40B4-BE49-F238E27FC236}">
-                <a16:creationId xmlns:a16="http://schemas.microsoft.com/office/drawing/2014/main" xmlns="" id="{2800E1DF-3D08-42B9-9EA7-18A4D608B1AD}"/>
+                <a16:creationId xmlns="" xmlns:a16="http://schemas.microsoft.com/office/drawing/2014/main" id="{2800E1DF-3D08-42B9-9EA7-18A4D608B1AD}"/>
               </a:ext>
             </a:extLst>
           </p:cNvPr>
@@ -4787,7 +4786,7 @@
           <p:cNvPr id="18" name="Ovaal 17">
             <a:extLst>
               <a:ext uri="{FF2B5EF4-FFF2-40B4-BE49-F238E27FC236}">
-                <a16:creationId xmlns:a16="http://schemas.microsoft.com/office/drawing/2014/main" xmlns="" id="{71B22304-31D6-4B7A-9A07-E9729C3946DC}"/>
+                <a16:creationId xmlns="" xmlns:a16="http://schemas.microsoft.com/office/drawing/2014/main" id="{71B22304-31D6-4B7A-9A07-E9729C3946DC}"/>
               </a:ext>
             </a:extLst>
           </p:cNvPr>
@@ -4845,7 +4844,7 @@
           <p:cNvPr id="19" name="Ovaal 18">
             <a:extLst>
               <a:ext uri="{FF2B5EF4-FFF2-40B4-BE49-F238E27FC236}">
-                <a16:creationId xmlns:a16="http://schemas.microsoft.com/office/drawing/2014/main" xmlns="" id="{4CB9A837-B23B-40E2-B9FD-2ED58D3175F2}"/>
+                <a16:creationId xmlns="" xmlns:a16="http://schemas.microsoft.com/office/drawing/2014/main" id="{4CB9A837-B23B-40E2-B9FD-2ED58D3175F2}"/>
               </a:ext>
             </a:extLst>
           </p:cNvPr>
@@ -4903,7 +4902,7 @@
           <p:cNvPr id="20" name="Ovaal 19">
             <a:extLst>
               <a:ext uri="{FF2B5EF4-FFF2-40B4-BE49-F238E27FC236}">
-                <a16:creationId xmlns:a16="http://schemas.microsoft.com/office/drawing/2014/main" xmlns="" id="{356FEE7C-9D16-4FA9-AC43-61E03FD7F12E}"/>
+                <a16:creationId xmlns="" xmlns:a16="http://schemas.microsoft.com/office/drawing/2014/main" id="{356FEE7C-9D16-4FA9-AC43-61E03FD7F12E}"/>
               </a:ext>
             </a:extLst>
           </p:cNvPr>
@@ -4961,7 +4960,7 @@
           <p:cNvPr id="21" name="Ovaal 20">
             <a:extLst>
               <a:ext uri="{FF2B5EF4-FFF2-40B4-BE49-F238E27FC236}">
-                <a16:creationId xmlns:a16="http://schemas.microsoft.com/office/drawing/2014/main" xmlns="" id="{C7B6E4EE-D18E-4E99-90D9-8CD79FAB3E66}"/>
+                <a16:creationId xmlns="" xmlns:a16="http://schemas.microsoft.com/office/drawing/2014/main" id="{C7B6E4EE-D18E-4E99-90D9-8CD79FAB3E66}"/>
               </a:ext>
             </a:extLst>
           </p:cNvPr>
@@ -5019,7 +5018,7 @@
           <p:cNvPr id="22" name="Ovaal 21">
             <a:extLst>
               <a:ext uri="{FF2B5EF4-FFF2-40B4-BE49-F238E27FC236}">
-                <a16:creationId xmlns:a16="http://schemas.microsoft.com/office/drawing/2014/main" xmlns="" id="{57BEF406-0651-41E0-BE06-273B7CC97A2D}"/>
+                <a16:creationId xmlns="" xmlns:a16="http://schemas.microsoft.com/office/drawing/2014/main" id="{57BEF406-0651-41E0-BE06-273B7CC97A2D}"/>
               </a:ext>
             </a:extLst>
           </p:cNvPr>
@@ -5077,7 +5076,7 @@
           <p:cNvPr id="23" name="Rechte verbindingslijn 22">
             <a:extLst>
               <a:ext uri="{FF2B5EF4-FFF2-40B4-BE49-F238E27FC236}">
-                <a16:creationId xmlns:a16="http://schemas.microsoft.com/office/drawing/2014/main" xmlns="" id="{B6E9C7CF-D8FC-4A16-A854-58D00C6AFC36}"/>
+                <a16:creationId xmlns="" xmlns:a16="http://schemas.microsoft.com/office/drawing/2014/main" id="{B6E9C7CF-D8FC-4A16-A854-58D00C6AFC36}"/>
               </a:ext>
             </a:extLst>
           </p:cNvPr>
@@ -5125,7 +5124,7 @@
           <p:cNvPr id="24" name="Rechte verbindingslijn 23">
             <a:extLst>
               <a:ext uri="{FF2B5EF4-FFF2-40B4-BE49-F238E27FC236}">
-                <a16:creationId xmlns:a16="http://schemas.microsoft.com/office/drawing/2014/main" xmlns="" id="{1CFE56A8-8899-43BC-94FD-95028AD82001}"/>
+                <a16:creationId xmlns="" xmlns:a16="http://schemas.microsoft.com/office/drawing/2014/main" id="{1CFE56A8-8899-43BC-94FD-95028AD82001}"/>
               </a:ext>
             </a:extLst>
           </p:cNvPr>
@@ -5173,7 +5172,7 @@
           <p:cNvPr id="25" name="Rechte verbindingslijn 24">
             <a:extLst>
               <a:ext uri="{FF2B5EF4-FFF2-40B4-BE49-F238E27FC236}">
-                <a16:creationId xmlns:a16="http://schemas.microsoft.com/office/drawing/2014/main" xmlns="" id="{92F1B486-5D9E-425B-BA62-A39589D9C092}"/>
+                <a16:creationId xmlns="" xmlns:a16="http://schemas.microsoft.com/office/drawing/2014/main" id="{92F1B486-5D9E-425B-BA62-A39589D9C092}"/>
               </a:ext>
             </a:extLst>
           </p:cNvPr>
@@ -5221,7 +5220,7 @@
           <p:cNvPr id="26" name="Rechte verbindingslijn 25">
             <a:extLst>
               <a:ext uri="{FF2B5EF4-FFF2-40B4-BE49-F238E27FC236}">
-                <a16:creationId xmlns:a16="http://schemas.microsoft.com/office/drawing/2014/main" xmlns="" id="{0EAB71A3-52E1-49E7-852D-B0FD3CD4D1A7}"/>
+                <a16:creationId xmlns="" xmlns:a16="http://schemas.microsoft.com/office/drawing/2014/main" id="{0EAB71A3-52E1-49E7-852D-B0FD3CD4D1A7}"/>
               </a:ext>
             </a:extLst>
           </p:cNvPr>
@@ -5269,7 +5268,7 @@
           <p:cNvPr id="27" name="Rechte verbindingslijn 26">
             <a:extLst>
               <a:ext uri="{FF2B5EF4-FFF2-40B4-BE49-F238E27FC236}">
-                <a16:creationId xmlns:a16="http://schemas.microsoft.com/office/drawing/2014/main" xmlns="" id="{099DCD6D-B326-4DA6-8459-0A2EE91D83D5}"/>
+                <a16:creationId xmlns="" xmlns:a16="http://schemas.microsoft.com/office/drawing/2014/main" id="{099DCD6D-B326-4DA6-8459-0A2EE91D83D5}"/>
               </a:ext>
             </a:extLst>
           </p:cNvPr>
@@ -5317,7 +5316,7 @@
           <p:cNvPr id="28" name="Rechte verbindingslijn 27">
             <a:extLst>
               <a:ext uri="{FF2B5EF4-FFF2-40B4-BE49-F238E27FC236}">
-                <a16:creationId xmlns:a16="http://schemas.microsoft.com/office/drawing/2014/main" xmlns="" id="{8E4426DD-AC68-426C-8E72-53F5D4058FEB}"/>
+                <a16:creationId xmlns="" xmlns:a16="http://schemas.microsoft.com/office/drawing/2014/main" id="{8E4426DD-AC68-426C-8E72-53F5D4058FEB}"/>
               </a:ext>
             </a:extLst>
           </p:cNvPr>
@@ -5365,7 +5364,7 @@
           <p:cNvPr id="29" name="Rechte verbindingslijn 28">
             <a:extLst>
               <a:ext uri="{FF2B5EF4-FFF2-40B4-BE49-F238E27FC236}">
-                <a16:creationId xmlns:a16="http://schemas.microsoft.com/office/drawing/2014/main" xmlns="" id="{F8455A54-0906-419D-9641-930E0EF19620}"/>
+                <a16:creationId xmlns="" xmlns:a16="http://schemas.microsoft.com/office/drawing/2014/main" id="{F8455A54-0906-419D-9641-930E0EF19620}"/>
               </a:ext>
             </a:extLst>
           </p:cNvPr>
@@ -5413,7 +5412,7 @@
           <p:cNvPr id="30" name="Ovaal 29">
             <a:extLst>
               <a:ext uri="{FF2B5EF4-FFF2-40B4-BE49-F238E27FC236}">
-                <a16:creationId xmlns:a16="http://schemas.microsoft.com/office/drawing/2014/main" xmlns="" id="{2F8EA833-A5A7-481E-A4D1-98F4CE5A47F5}"/>
+                <a16:creationId xmlns="" xmlns:a16="http://schemas.microsoft.com/office/drawing/2014/main" id="{2F8EA833-A5A7-481E-A4D1-98F4CE5A47F5}"/>
               </a:ext>
             </a:extLst>
           </p:cNvPr>
@@ -5471,7 +5470,7 @@
           <p:cNvPr id="31" name="Ovaal 30">
             <a:extLst>
               <a:ext uri="{FF2B5EF4-FFF2-40B4-BE49-F238E27FC236}">
-                <a16:creationId xmlns:a16="http://schemas.microsoft.com/office/drawing/2014/main" xmlns="" id="{EF1B8A63-45C7-4477-83DA-C5F7FAE45190}"/>
+                <a16:creationId xmlns="" xmlns:a16="http://schemas.microsoft.com/office/drawing/2014/main" id="{EF1B8A63-45C7-4477-83DA-C5F7FAE45190}"/>
               </a:ext>
             </a:extLst>
           </p:cNvPr>
@@ -5529,7 +5528,7 @@
           <p:cNvPr id="32" name="Ovaal 31">
             <a:extLst>
               <a:ext uri="{FF2B5EF4-FFF2-40B4-BE49-F238E27FC236}">
-                <a16:creationId xmlns:a16="http://schemas.microsoft.com/office/drawing/2014/main" xmlns="" id="{0ACF7CC1-9BE7-4DD2-8236-579273166F0D}"/>
+                <a16:creationId xmlns="" xmlns:a16="http://schemas.microsoft.com/office/drawing/2014/main" id="{0ACF7CC1-9BE7-4DD2-8236-579273166F0D}"/>
               </a:ext>
             </a:extLst>
           </p:cNvPr>
@@ -5587,7 +5586,7 @@
           <p:cNvPr id="33" name="Ovaal 32">
             <a:extLst>
               <a:ext uri="{FF2B5EF4-FFF2-40B4-BE49-F238E27FC236}">
-                <a16:creationId xmlns:a16="http://schemas.microsoft.com/office/drawing/2014/main" xmlns="" id="{38A37D86-F49D-4015-9F89-0C5AA4F918E7}"/>
+                <a16:creationId xmlns="" xmlns:a16="http://schemas.microsoft.com/office/drawing/2014/main" id="{38A37D86-F49D-4015-9F89-0C5AA4F918E7}"/>
               </a:ext>
             </a:extLst>
           </p:cNvPr>
@@ -5645,7 +5644,7 @@
           <p:cNvPr id="34" name="Ovaal 33">
             <a:extLst>
               <a:ext uri="{FF2B5EF4-FFF2-40B4-BE49-F238E27FC236}">
-                <a16:creationId xmlns:a16="http://schemas.microsoft.com/office/drawing/2014/main" xmlns="" id="{068A416D-8303-4CF0-9F81-5305F8661921}"/>
+                <a16:creationId xmlns="" xmlns:a16="http://schemas.microsoft.com/office/drawing/2014/main" id="{068A416D-8303-4CF0-9F81-5305F8661921}"/>
               </a:ext>
             </a:extLst>
           </p:cNvPr>
@@ -5703,7 +5702,7 @@
           <p:cNvPr id="35" name="Ovaal 34">
             <a:extLst>
               <a:ext uri="{FF2B5EF4-FFF2-40B4-BE49-F238E27FC236}">
-                <a16:creationId xmlns:a16="http://schemas.microsoft.com/office/drawing/2014/main" xmlns="" id="{57886617-EF56-4B20-8554-D57A38AAFA65}"/>
+                <a16:creationId xmlns="" xmlns:a16="http://schemas.microsoft.com/office/drawing/2014/main" id="{57886617-EF56-4B20-8554-D57A38AAFA65}"/>
               </a:ext>
             </a:extLst>
           </p:cNvPr>
@@ -5761,7 +5760,7 @@
           <p:cNvPr id="36" name="Ovaal 35">
             <a:extLst>
               <a:ext uri="{FF2B5EF4-FFF2-40B4-BE49-F238E27FC236}">
-                <a16:creationId xmlns:a16="http://schemas.microsoft.com/office/drawing/2014/main" xmlns="" id="{F5B28146-4C85-4621-B9EA-F45F4586B369}"/>
+                <a16:creationId xmlns="" xmlns:a16="http://schemas.microsoft.com/office/drawing/2014/main" id="{F5B28146-4C85-4621-B9EA-F45F4586B369}"/>
               </a:ext>
             </a:extLst>
           </p:cNvPr>
@@ -5819,7 +5818,7 @@
           <p:cNvPr id="37" name="Ovaal 36">
             <a:extLst>
               <a:ext uri="{FF2B5EF4-FFF2-40B4-BE49-F238E27FC236}">
-                <a16:creationId xmlns:a16="http://schemas.microsoft.com/office/drawing/2014/main" xmlns="" id="{7C0671A0-0740-414E-92E7-AEF59EAC6288}"/>
+                <a16:creationId xmlns="" xmlns:a16="http://schemas.microsoft.com/office/drawing/2014/main" id="{7C0671A0-0740-414E-92E7-AEF59EAC6288}"/>
               </a:ext>
             </a:extLst>
           </p:cNvPr>
@@ -5877,7 +5876,7 @@
           <p:cNvPr id="38" name="Rechte verbindingslijn 37">
             <a:extLst>
               <a:ext uri="{FF2B5EF4-FFF2-40B4-BE49-F238E27FC236}">
-                <a16:creationId xmlns:a16="http://schemas.microsoft.com/office/drawing/2014/main" xmlns="" id="{33DE6DFE-6D57-47BA-BB6B-555F08E26DB9}"/>
+                <a16:creationId xmlns="" xmlns:a16="http://schemas.microsoft.com/office/drawing/2014/main" id="{33DE6DFE-6D57-47BA-BB6B-555F08E26DB9}"/>
               </a:ext>
             </a:extLst>
           </p:cNvPr>
@@ -5925,7 +5924,7 @@
           <p:cNvPr id="39" name="Rechte verbindingslijn 38">
             <a:extLst>
               <a:ext uri="{FF2B5EF4-FFF2-40B4-BE49-F238E27FC236}">
-                <a16:creationId xmlns:a16="http://schemas.microsoft.com/office/drawing/2014/main" xmlns="" id="{2DA35996-A73E-4F96-979F-9FF60EC2EA8E}"/>
+                <a16:creationId xmlns="" xmlns:a16="http://schemas.microsoft.com/office/drawing/2014/main" id="{2DA35996-A73E-4F96-979F-9FF60EC2EA8E}"/>
               </a:ext>
             </a:extLst>
           </p:cNvPr>
@@ -5973,7 +5972,7 @@
           <p:cNvPr id="40" name="Rechte verbindingslijn 39">
             <a:extLst>
               <a:ext uri="{FF2B5EF4-FFF2-40B4-BE49-F238E27FC236}">
-                <a16:creationId xmlns:a16="http://schemas.microsoft.com/office/drawing/2014/main" xmlns="" id="{A723C397-9B1B-4D91-BA47-50C5F66D3D89}"/>
+                <a16:creationId xmlns="" xmlns:a16="http://schemas.microsoft.com/office/drawing/2014/main" id="{A723C397-9B1B-4D91-BA47-50C5F66D3D89}"/>
               </a:ext>
             </a:extLst>
           </p:cNvPr>
@@ -6021,7 +6020,7 @@
           <p:cNvPr id="41" name="Rechte verbindingslijn 40">
             <a:extLst>
               <a:ext uri="{FF2B5EF4-FFF2-40B4-BE49-F238E27FC236}">
-                <a16:creationId xmlns:a16="http://schemas.microsoft.com/office/drawing/2014/main" xmlns="" id="{2F58A9CA-8BB1-4BB9-A296-F83FB5010BAE}"/>
+                <a16:creationId xmlns="" xmlns:a16="http://schemas.microsoft.com/office/drawing/2014/main" id="{2F58A9CA-8BB1-4BB9-A296-F83FB5010BAE}"/>
               </a:ext>
             </a:extLst>
           </p:cNvPr>
@@ -6069,7 +6068,7 @@
           <p:cNvPr id="42" name="Rechte verbindingslijn 41">
             <a:extLst>
               <a:ext uri="{FF2B5EF4-FFF2-40B4-BE49-F238E27FC236}">
-                <a16:creationId xmlns:a16="http://schemas.microsoft.com/office/drawing/2014/main" xmlns="" id="{959AEB00-BDDE-401D-A258-A1BC831BF286}"/>
+                <a16:creationId xmlns="" xmlns:a16="http://schemas.microsoft.com/office/drawing/2014/main" id="{959AEB00-BDDE-401D-A258-A1BC831BF286}"/>
               </a:ext>
             </a:extLst>
           </p:cNvPr>
@@ -6117,7 +6116,7 @@
           <p:cNvPr id="43" name="Rechte verbindingslijn 42">
             <a:extLst>
               <a:ext uri="{FF2B5EF4-FFF2-40B4-BE49-F238E27FC236}">
-                <a16:creationId xmlns:a16="http://schemas.microsoft.com/office/drawing/2014/main" xmlns="" id="{451D5B5E-F7CD-4D18-81B2-353312FBAE39}"/>
+                <a16:creationId xmlns="" xmlns:a16="http://schemas.microsoft.com/office/drawing/2014/main" id="{451D5B5E-F7CD-4D18-81B2-353312FBAE39}"/>
               </a:ext>
             </a:extLst>
           </p:cNvPr>
@@ -6165,7 +6164,7 @@
           <p:cNvPr id="44" name="Rechte verbindingslijn 43">
             <a:extLst>
               <a:ext uri="{FF2B5EF4-FFF2-40B4-BE49-F238E27FC236}">
-                <a16:creationId xmlns:a16="http://schemas.microsoft.com/office/drawing/2014/main" xmlns="" id="{0762CCB1-BCF4-4FA9-BBCF-2906073B5750}"/>
+                <a16:creationId xmlns="" xmlns:a16="http://schemas.microsoft.com/office/drawing/2014/main" id="{0762CCB1-BCF4-4FA9-BBCF-2906073B5750}"/>
               </a:ext>
             </a:extLst>
           </p:cNvPr>
@@ -6213,7 +6212,7 @@
           <p:cNvPr id="45" name="Rechte verbindingslijn 44">
             <a:extLst>
               <a:ext uri="{FF2B5EF4-FFF2-40B4-BE49-F238E27FC236}">
-                <a16:creationId xmlns:a16="http://schemas.microsoft.com/office/drawing/2014/main" xmlns="" id="{04763EFC-7EEF-4E93-9F5A-2BD209A331DC}"/>
+                <a16:creationId xmlns="" xmlns:a16="http://schemas.microsoft.com/office/drawing/2014/main" id="{04763EFC-7EEF-4E93-9F5A-2BD209A331DC}"/>
               </a:ext>
             </a:extLst>
           </p:cNvPr>
@@ -6291,7 +6290,7 @@
           <p:cNvPr id="2" name="Titel 1">
             <a:extLst>
               <a:ext uri="{FF2B5EF4-FFF2-40B4-BE49-F238E27FC236}">
-                <a16:creationId xmlns:a16="http://schemas.microsoft.com/office/drawing/2014/main" xmlns="" id="{769A96FB-BA26-47C0-85BC-9E5A44D94A65}"/>
+                <a16:creationId xmlns="" xmlns:a16="http://schemas.microsoft.com/office/drawing/2014/main" id="{769A96FB-BA26-47C0-85BC-9E5A44D94A65}"/>
               </a:ext>
             </a:extLst>
           </p:cNvPr>
@@ -6319,7 +6318,7 @@
           <p:cNvPr id="5" name="Tijdelijke aanduiding voor inhoud 4">
             <a:extLst>
               <a:ext uri="{FF2B5EF4-FFF2-40B4-BE49-F238E27FC236}">
-                <a16:creationId xmlns:a16="http://schemas.microsoft.com/office/drawing/2014/main" xmlns="" id="{82F9B9FE-1870-4902-A7DB-4B27D59D2B2B}"/>
+                <a16:creationId xmlns="" xmlns:a16="http://schemas.microsoft.com/office/drawing/2014/main" id="{82F9B9FE-1870-4902-A7DB-4B27D59D2B2B}"/>
               </a:ext>
             </a:extLst>
           </p:cNvPr>
@@ -6354,7 +6353,7 @@
           <p:cNvPr id="8" name="Afbeelding 7">
             <a:extLst>
               <a:ext uri="{FF2B5EF4-FFF2-40B4-BE49-F238E27FC236}">
-                <a16:creationId xmlns:a16="http://schemas.microsoft.com/office/drawing/2014/main" xmlns="" id="{819AAC82-0B32-4FA7-B311-90C90A003DAD}"/>
+                <a16:creationId xmlns="" xmlns:a16="http://schemas.microsoft.com/office/drawing/2014/main" id="{819AAC82-0B32-4FA7-B311-90C90A003DAD}"/>
               </a:ext>
             </a:extLst>
           </p:cNvPr>
@@ -6389,7 +6388,7 @@
           <p:cNvPr id="11" name="Pijl: rechts 10">
             <a:extLst>
               <a:ext uri="{FF2B5EF4-FFF2-40B4-BE49-F238E27FC236}">
-                <a16:creationId xmlns:a16="http://schemas.microsoft.com/office/drawing/2014/main" xmlns="" id="{C3B3C454-C61F-4642-AC5E-175E78B46E93}"/>
+                <a16:creationId xmlns="" xmlns:a16="http://schemas.microsoft.com/office/drawing/2014/main" id="{C3B3C454-C61F-4642-AC5E-175E78B46E93}"/>
               </a:ext>
             </a:extLst>
           </p:cNvPr>
@@ -6435,7 +6434,7 @@
           <p:cNvPr id="12" name="Tekstvak 11">
             <a:extLst>
               <a:ext uri="{FF2B5EF4-FFF2-40B4-BE49-F238E27FC236}">
-                <a16:creationId xmlns:a16="http://schemas.microsoft.com/office/drawing/2014/main" xmlns="" id="{1AF95B95-DF37-4511-BC26-2A337B82EADC}"/>
+                <a16:creationId xmlns="" xmlns:a16="http://schemas.microsoft.com/office/drawing/2014/main" id="{1AF95B95-DF37-4511-BC26-2A337B82EADC}"/>
               </a:ext>
             </a:extLst>
           </p:cNvPr>
@@ -6470,7 +6469,7 @@
           <p:cNvPr id="9" name="Afbeelding 8">
             <a:extLst>
               <a:ext uri="{FF2B5EF4-FFF2-40B4-BE49-F238E27FC236}">
-                <a16:creationId xmlns:a16="http://schemas.microsoft.com/office/drawing/2014/main" xmlns="" id="{1B858127-D2F6-4D2B-B5A9-94CF7612B179}"/>
+                <a16:creationId xmlns="" xmlns:a16="http://schemas.microsoft.com/office/drawing/2014/main" id="{1B858127-D2F6-4D2B-B5A9-94CF7612B179}"/>
               </a:ext>
             </a:extLst>
           </p:cNvPr>
@@ -6506,7 +6505,7 @@
           <p:cNvPr id="10" name="Pijl: rechts 9">
             <a:extLst>
               <a:ext uri="{FF2B5EF4-FFF2-40B4-BE49-F238E27FC236}">
-                <a16:creationId xmlns:a16="http://schemas.microsoft.com/office/drawing/2014/main" xmlns="" id="{13F3850F-71EA-4741-A182-94C4C2F636F5}"/>
+                <a16:creationId xmlns="" xmlns:a16="http://schemas.microsoft.com/office/drawing/2014/main" id="{13F3850F-71EA-4741-A182-94C4C2F636F5}"/>
               </a:ext>
             </a:extLst>
           </p:cNvPr>
@@ -6552,7 +6551,7 @@
           <p:cNvPr id="13" name="Tekstvak 12">
             <a:extLst>
               <a:ext uri="{FF2B5EF4-FFF2-40B4-BE49-F238E27FC236}">
-                <a16:creationId xmlns:a16="http://schemas.microsoft.com/office/drawing/2014/main" xmlns="" id="{44CABAE1-B325-4747-910E-7EDC7EDD7625}"/>
+                <a16:creationId xmlns="" xmlns:a16="http://schemas.microsoft.com/office/drawing/2014/main" id="{44CABAE1-B325-4747-910E-7EDC7EDD7625}"/>
               </a:ext>
             </a:extLst>
           </p:cNvPr>
@@ -6606,7 +6605,7 @@
           <p:cNvPr id="14" name="Afbeelding 13">
             <a:extLst>
               <a:ext uri="{FF2B5EF4-FFF2-40B4-BE49-F238E27FC236}">
-                <a16:creationId xmlns:a16="http://schemas.microsoft.com/office/drawing/2014/main" xmlns="" id="{F67612D4-1C0C-40D2-972D-04F12DDE0F60}"/>
+                <a16:creationId xmlns="" xmlns:a16="http://schemas.microsoft.com/office/drawing/2014/main" id="{F67612D4-1C0C-40D2-972D-04F12DDE0F60}"/>
               </a:ext>
             </a:extLst>
           </p:cNvPr>
@@ -6636,7 +6635,7 @@
           <p:cNvPr id="3" name="Tekstvak 2">
             <a:extLst>
               <a:ext uri="{FF2B5EF4-FFF2-40B4-BE49-F238E27FC236}">
-                <a16:creationId xmlns:a16="http://schemas.microsoft.com/office/drawing/2014/main" xmlns="" id="{C26579A7-5154-43F0-8824-0FAFC9CD4201}"/>
+                <a16:creationId xmlns="" xmlns:a16="http://schemas.microsoft.com/office/drawing/2014/main" id="{C26579A7-5154-43F0-8824-0FAFC9CD4201}"/>
               </a:ext>
             </a:extLst>
           </p:cNvPr>
@@ -6671,7 +6670,7 @@
           <p:cNvPr id="4" name="Tekstvak 3">
             <a:extLst>
               <a:ext uri="{FF2B5EF4-FFF2-40B4-BE49-F238E27FC236}">
-                <a16:creationId xmlns:a16="http://schemas.microsoft.com/office/drawing/2014/main" xmlns="" id="{1F03EA5B-9405-4FF2-A715-0E995B30C408}"/>
+                <a16:creationId xmlns="" xmlns:a16="http://schemas.microsoft.com/office/drawing/2014/main" id="{1F03EA5B-9405-4FF2-A715-0E995B30C408}"/>
               </a:ext>
             </a:extLst>
           </p:cNvPr>
@@ -6706,7 +6705,7 @@
           <p:cNvPr id="17" name="Rechte verbindingslijn met pijl 16">
             <a:extLst>
               <a:ext uri="{FF2B5EF4-FFF2-40B4-BE49-F238E27FC236}">
-                <a16:creationId xmlns:a16="http://schemas.microsoft.com/office/drawing/2014/main" xmlns="" id="{4354D81E-79D5-49F9-8B3E-FFC4DC3E61F5}"/>
+                <a16:creationId xmlns="" xmlns:a16="http://schemas.microsoft.com/office/drawing/2014/main" id="{4354D81E-79D5-49F9-8B3E-FFC4DC3E61F5}"/>
               </a:ext>
             </a:extLst>
           </p:cNvPr>
@@ -6777,7 +6776,7 @@
           <p:cNvPr id="2" name="Titel 1">
             <a:extLst>
               <a:ext uri="{FF2B5EF4-FFF2-40B4-BE49-F238E27FC236}">
-                <a16:creationId xmlns:a16="http://schemas.microsoft.com/office/drawing/2014/main" xmlns="" id="{769A96FB-BA26-47C0-85BC-9E5A44D94A65}"/>
+                <a16:creationId xmlns="" xmlns:a16="http://schemas.microsoft.com/office/drawing/2014/main" id="{769A96FB-BA26-47C0-85BC-9E5A44D94A65}"/>
               </a:ext>
             </a:extLst>
           </p:cNvPr>
@@ -6805,7 +6804,7 @@
           <p:cNvPr id="5" name="Tijdelijke aanduiding voor inhoud 4">
             <a:extLst>
               <a:ext uri="{FF2B5EF4-FFF2-40B4-BE49-F238E27FC236}">
-                <a16:creationId xmlns:a16="http://schemas.microsoft.com/office/drawing/2014/main" xmlns="" id="{82F9B9FE-1870-4902-A7DB-4B27D59D2B2B}"/>
+                <a16:creationId xmlns="" xmlns:a16="http://schemas.microsoft.com/office/drawing/2014/main" id="{82F9B9FE-1870-4902-A7DB-4B27D59D2B2B}"/>
               </a:ext>
             </a:extLst>
           </p:cNvPr>
@@ -6840,7 +6839,7 @@
           <p:cNvPr id="6" name="Tekstvak 5">
             <a:extLst>
               <a:ext uri="{FF2B5EF4-FFF2-40B4-BE49-F238E27FC236}">
-                <a16:creationId xmlns:a16="http://schemas.microsoft.com/office/drawing/2014/main" xmlns="" id="{D8F2D3D1-1FE8-4AA0-B6C8-D7E88097CE04}"/>
+                <a16:creationId xmlns="" xmlns:a16="http://schemas.microsoft.com/office/drawing/2014/main" id="{D8F2D3D1-1FE8-4AA0-B6C8-D7E88097CE04}"/>
               </a:ext>
             </a:extLst>
           </p:cNvPr>
@@ -6876,7 +6875,7 @@
           <p:cNvPr id="8" name="Afbeelding 7">
             <a:extLst>
               <a:ext uri="{FF2B5EF4-FFF2-40B4-BE49-F238E27FC236}">
-                <a16:creationId xmlns:a16="http://schemas.microsoft.com/office/drawing/2014/main" xmlns="" id="{819AAC82-0B32-4FA7-B311-90C90A003DAD}"/>
+                <a16:creationId xmlns="" xmlns:a16="http://schemas.microsoft.com/office/drawing/2014/main" id="{819AAC82-0B32-4FA7-B311-90C90A003DAD}"/>
               </a:ext>
             </a:extLst>
           </p:cNvPr>
@@ -6911,7 +6910,7 @@
           <p:cNvPr id="11" name="Pijl: rechts 10">
             <a:extLst>
               <a:ext uri="{FF2B5EF4-FFF2-40B4-BE49-F238E27FC236}">
-                <a16:creationId xmlns:a16="http://schemas.microsoft.com/office/drawing/2014/main" xmlns="" id="{C3B3C454-C61F-4642-AC5E-175E78B46E93}"/>
+                <a16:creationId xmlns="" xmlns:a16="http://schemas.microsoft.com/office/drawing/2014/main" id="{C3B3C454-C61F-4642-AC5E-175E78B46E93}"/>
               </a:ext>
             </a:extLst>
           </p:cNvPr>
@@ -6957,7 +6956,7 @@
           <p:cNvPr id="12" name="Tekstvak 11">
             <a:extLst>
               <a:ext uri="{FF2B5EF4-FFF2-40B4-BE49-F238E27FC236}">
-                <a16:creationId xmlns:a16="http://schemas.microsoft.com/office/drawing/2014/main" xmlns="" id="{1AF95B95-DF37-4511-BC26-2A337B82EADC}"/>
+                <a16:creationId xmlns="" xmlns:a16="http://schemas.microsoft.com/office/drawing/2014/main" id="{1AF95B95-DF37-4511-BC26-2A337B82EADC}"/>
               </a:ext>
             </a:extLst>
           </p:cNvPr>
@@ -6992,7 +6991,7 @@
           <p:cNvPr id="9" name="Afbeelding 8">
             <a:extLst>
               <a:ext uri="{FF2B5EF4-FFF2-40B4-BE49-F238E27FC236}">
-                <a16:creationId xmlns:a16="http://schemas.microsoft.com/office/drawing/2014/main" xmlns="" id="{1B858127-D2F6-4D2B-B5A9-94CF7612B179}"/>
+                <a16:creationId xmlns="" xmlns:a16="http://schemas.microsoft.com/office/drawing/2014/main" id="{1B858127-D2F6-4D2B-B5A9-94CF7612B179}"/>
               </a:ext>
             </a:extLst>
           </p:cNvPr>
@@ -7028,7 +7027,7 @@
           <p:cNvPr id="10" name="Pijl: rechts 9">
             <a:extLst>
               <a:ext uri="{FF2B5EF4-FFF2-40B4-BE49-F238E27FC236}">
-                <a16:creationId xmlns:a16="http://schemas.microsoft.com/office/drawing/2014/main" xmlns="" id="{13F3850F-71EA-4741-A182-94C4C2F636F5}"/>
+                <a16:creationId xmlns="" xmlns:a16="http://schemas.microsoft.com/office/drawing/2014/main" id="{13F3850F-71EA-4741-A182-94C4C2F636F5}"/>
               </a:ext>
             </a:extLst>
           </p:cNvPr>
@@ -7074,7 +7073,7 @@
           <p:cNvPr id="13" name="Tekstvak 12">
             <a:extLst>
               <a:ext uri="{FF2B5EF4-FFF2-40B4-BE49-F238E27FC236}">
-                <a16:creationId xmlns:a16="http://schemas.microsoft.com/office/drawing/2014/main" xmlns="" id="{44CABAE1-B325-4747-910E-7EDC7EDD7625}"/>
+                <a16:creationId xmlns="" xmlns:a16="http://schemas.microsoft.com/office/drawing/2014/main" id="{44CABAE1-B325-4747-910E-7EDC7EDD7625}"/>
               </a:ext>
             </a:extLst>
           </p:cNvPr>
@@ -7158,7 +7157,7 @@
           <p:cNvPr id="2" name="Titel 1">
             <a:extLst>
               <a:ext uri="{FF2B5EF4-FFF2-40B4-BE49-F238E27FC236}">
-                <a16:creationId xmlns:a16="http://schemas.microsoft.com/office/drawing/2014/main" xmlns="" id="{ACE9FB57-3193-4F61-9BF8-85A9350BB024}"/>
+                <a16:creationId xmlns="" xmlns:a16="http://schemas.microsoft.com/office/drawing/2014/main" id="{769A96FB-BA26-47C0-85BC-9E5A44D94A65}"/>
               </a:ext>
             </a:extLst>
           </p:cNvPr>
@@ -7174,39 +7173,317 @@
           <a:bodyPr/>
           <a:lstStyle/>
           <a:p>
-            <a:endParaRPr lang="nl-NL"/>
-          </a:p>
-        </p:txBody>
-      </p:sp>
-      <p:sp>
-        <p:nvSpPr>
-          <p:cNvPr id="3" name="Tijdelijke aanduiding voor inhoud 2">
-            <a:extLst>
-              <a:ext uri="{FF2B5EF4-FFF2-40B4-BE49-F238E27FC236}">
-                <a16:creationId xmlns:a16="http://schemas.microsoft.com/office/drawing/2014/main" xmlns="" id="{C52B771F-E576-41A1-A3A2-5C8C76E30DCF}"/>
-              </a:ext>
-            </a:extLst>
-          </p:cNvPr>
-          <p:cNvSpPr>
-            <a:spLocks noGrp="1"/>
-          </p:cNvSpPr>
+            <a:r>
+              <a:rPr lang="nl-NL" dirty="0"/>
+              <a:t>Wat is een aminozuur ? </a:t>
+            </a:r>
+          </a:p>
+        </p:txBody>
+      </p:sp>
+      <p:pic>
+        <p:nvPicPr>
+          <p:cNvPr id="5" name="Tijdelijke aanduiding voor inhoud 4">
+            <a:extLst>
+              <a:ext uri="{FF2B5EF4-FFF2-40B4-BE49-F238E27FC236}">
+                <a16:creationId xmlns="" xmlns:a16="http://schemas.microsoft.com/office/drawing/2014/main" id="{82F9B9FE-1870-4902-A7DB-4B27D59D2B2B}"/>
+              </a:ext>
+            </a:extLst>
+          </p:cNvPr>
+          <p:cNvPicPr>
+            <a:picLocks noGrp="1" noChangeAspect="1"/>
+          </p:cNvPicPr>
           <p:nvPr>
             <p:ph idx="1"/>
           </p:nvPr>
-        </p:nvSpPr>
-        <p:spPr/>
-        <p:txBody>
-          <a:bodyPr/>
-          <a:lstStyle/>
-          <a:p>
-            <a:endParaRPr lang="nl-NL"/>
+        </p:nvPicPr>
+        <p:blipFill>
+          <a:blip r:embed="rId2" cstate="print">
+            <a:extLst>
+              <a:ext uri="{28A0092B-C50C-407E-A947-70E740481C1C}">
+                <a14:useLocalDpi xmlns:a14="http://schemas.microsoft.com/office/drawing/2010/main" val="0"/>
+              </a:ext>
+            </a:extLst>
+          </a:blip>
+          <a:stretch>
+            <a:fillRect/>
+          </a:stretch>
+        </p:blipFill>
+        <p:spPr>
+          <a:xfrm>
+            <a:off x="738188" y="3058319"/>
+            <a:ext cx="1474974" cy="504031"/>
+          </a:xfrm>
+        </p:spPr>
+      </p:pic>
+      <p:sp>
+        <p:nvSpPr>
+          <p:cNvPr id="6" name="Tekstvak 5">
+            <a:extLst>
+              <a:ext uri="{FF2B5EF4-FFF2-40B4-BE49-F238E27FC236}">
+                <a16:creationId xmlns="" xmlns:a16="http://schemas.microsoft.com/office/drawing/2014/main" id="{D8F2D3D1-1FE8-4AA0-B6C8-D7E88097CE04}"/>
+              </a:ext>
+            </a:extLst>
+          </p:cNvPr>
+          <p:cNvSpPr txBox="1"/>
+          <p:nvPr/>
+        </p:nvSpPr>
+        <p:spPr>
+          <a:xfrm>
+            <a:off x="613662" y="3691353"/>
+            <a:ext cx="1724025" cy="369332"/>
+          </a:xfrm>
+          <a:prstGeom prst="rect">
+            <a:avLst/>
+          </a:prstGeom>
+          <a:noFill/>
+        </p:spPr>
+        <p:txBody>
+          <a:bodyPr wrap="square" rtlCol="0">
+            <a:spAutoFit/>
+          </a:bodyPr>
+          <a:lstStyle/>
+          <a:p>
+            <a:pPr algn="ctr"/>
+            <a:r>
+              <a:rPr lang="nl-NL" b="1" dirty="0"/>
+              <a:t>DNA</a:t>
+            </a:r>
+          </a:p>
+        </p:txBody>
+      </p:sp>
+      <p:sp>
+        <p:nvSpPr>
+          <p:cNvPr id="11" name="Pijl: rechts 10">
+            <a:extLst>
+              <a:ext uri="{FF2B5EF4-FFF2-40B4-BE49-F238E27FC236}">
+                <a16:creationId xmlns="" xmlns:a16="http://schemas.microsoft.com/office/drawing/2014/main" id="{C3B3C454-C61F-4642-AC5E-175E78B46E93}"/>
+              </a:ext>
+            </a:extLst>
+          </p:cNvPr>
+          <p:cNvSpPr/>
+          <p:nvPr/>
+        </p:nvSpPr>
+        <p:spPr>
+          <a:xfrm>
+            <a:off x="2467337" y="3071397"/>
+            <a:ext cx="1266463" cy="490953"/>
+          </a:xfrm>
+          <a:prstGeom prst="rightArrow">
+            <a:avLst/>
+          </a:prstGeom>
+        </p:spPr>
+        <p:style>
+          <a:lnRef idx="2">
+            <a:schemeClr val="accent1">
+              <a:shade val="50000"/>
+            </a:schemeClr>
+          </a:lnRef>
+          <a:fillRef idx="1">
+            <a:schemeClr val="accent1"/>
+          </a:fillRef>
+          <a:effectRef idx="0">
+            <a:schemeClr val="accent1"/>
+          </a:effectRef>
+          <a:fontRef idx="minor">
+            <a:schemeClr val="lt1"/>
+          </a:fontRef>
+        </p:style>
+        <p:txBody>
+          <a:bodyPr rtlCol="0" anchor="ctr"/>
+          <a:lstStyle/>
+          <a:p>
+            <a:pPr algn="ctr"/>
+            <a:endParaRPr lang="nl-NL" dirty="0"/>
+          </a:p>
+        </p:txBody>
+      </p:sp>
+      <p:pic>
+        <p:nvPicPr>
+          <p:cNvPr id="9" name="Afbeelding 8">
+            <a:extLst>
+              <a:ext uri="{FF2B5EF4-FFF2-40B4-BE49-F238E27FC236}">
+                <a16:creationId xmlns="" xmlns:a16="http://schemas.microsoft.com/office/drawing/2014/main" id="{1B858127-D2F6-4D2B-B5A9-94CF7612B179}"/>
+              </a:ext>
+            </a:extLst>
+          </p:cNvPr>
+          <p:cNvPicPr>
+            <a:picLocks noChangeAspect="1"/>
+          </p:cNvPicPr>
+          <p:nvPr/>
+        </p:nvPicPr>
+        <p:blipFill>
+          <a:blip r:embed="rId3" cstate="print">
+            <a:extLst>
+              <a:ext uri="{28A0092B-C50C-407E-A947-70E740481C1C}">
+                <a14:useLocalDpi xmlns:a14="http://schemas.microsoft.com/office/drawing/2010/main" val="0"/>
+              </a:ext>
+            </a:extLst>
+          </a:blip>
+          <a:stretch>
+            <a:fillRect/>
+          </a:stretch>
+        </p:blipFill>
+        <p:spPr>
+          <a:xfrm>
+            <a:off x="3987975" y="2733675"/>
+            <a:ext cx="2438400" cy="1390650"/>
+          </a:xfrm>
+          <a:prstGeom prst="rect">
+            <a:avLst/>
+          </a:prstGeom>
+        </p:spPr>
+      </p:pic>
+      <p:pic>
+        <p:nvPicPr>
+          <p:cNvPr id="1026" name="Picture 2" descr="Afbeeldingsresultaat voor folding amino acid chain">
+            <a:extLst>
+              <a:ext uri="{FF2B5EF4-FFF2-40B4-BE49-F238E27FC236}">
+                <a16:creationId xmlns="" xmlns:a16="http://schemas.microsoft.com/office/drawing/2014/main" id="{4C76A64E-2EE4-4BB7-B0FD-D1286AD1BF49}"/>
+              </a:ext>
+            </a:extLst>
+          </p:cNvPr>
+          <p:cNvPicPr>
+            <a:picLocks noChangeAspect="1" noChangeArrowheads="1"/>
+          </p:cNvPicPr>
+          <p:nvPr/>
+        </p:nvPicPr>
+        <p:blipFill>
+          <a:blip r:embed="rId4">
+            <a:extLst>
+              <a:ext uri="{28A0092B-C50C-407E-A947-70E740481C1C}">
+                <a14:useLocalDpi xmlns:a14="http://schemas.microsoft.com/office/drawing/2010/main" val="0"/>
+              </a:ext>
+            </a:extLst>
+          </a:blip>
+          <a:srcRect/>
+          <a:stretch>
+            <a:fillRect/>
+          </a:stretch>
+        </p:blipFill>
+        <p:spPr bwMode="auto">
+          <a:xfrm>
+            <a:off x="7305676" y="2209226"/>
+            <a:ext cx="4514849" cy="2202215"/>
+          </a:xfrm>
+          <a:prstGeom prst="rect">
+            <a:avLst/>
+          </a:prstGeom>
+          <a:noFill/>
+          <a:extLst>
+            <a:ext uri="{909E8E84-426E-40DD-AFC4-6F175D3DCCD1}">
+              <a14:hiddenFill xmlns:a14="http://schemas.microsoft.com/office/drawing/2010/main">
+                <a:solidFill>
+                  <a:srgbClr val="FFFFFF"/>
+                </a:solidFill>
+              </a14:hiddenFill>
+            </a:ext>
+          </a:extLst>
+        </p:spPr>
+      </p:pic>
+      <p:sp>
+        <p:nvSpPr>
+          <p:cNvPr id="14" name="Pijl: rechts 13">
+            <a:extLst>
+              <a:ext uri="{FF2B5EF4-FFF2-40B4-BE49-F238E27FC236}">
+                <a16:creationId xmlns="" xmlns:a16="http://schemas.microsoft.com/office/drawing/2014/main" id="{464F7A90-0AA5-4588-87E2-01191833DB40}"/>
+              </a:ext>
+            </a:extLst>
+          </p:cNvPr>
+          <p:cNvSpPr/>
+          <p:nvPr/>
+        </p:nvSpPr>
+        <p:spPr>
+          <a:xfrm>
+            <a:off x="6258650" y="3071397"/>
+            <a:ext cx="1047026" cy="490953"/>
+          </a:xfrm>
+          <a:prstGeom prst="rightArrow">
+            <a:avLst/>
+          </a:prstGeom>
+        </p:spPr>
+        <p:style>
+          <a:lnRef idx="2">
+            <a:schemeClr val="accent1">
+              <a:shade val="50000"/>
+            </a:schemeClr>
+          </a:lnRef>
+          <a:fillRef idx="1">
+            <a:schemeClr val="accent1"/>
+          </a:fillRef>
+          <a:effectRef idx="0">
+            <a:schemeClr val="accent1"/>
+          </a:effectRef>
+          <a:fontRef idx="minor">
+            <a:schemeClr val="lt1"/>
+          </a:fontRef>
+        </p:style>
+        <p:txBody>
+          <a:bodyPr rtlCol="0" anchor="ctr"/>
+          <a:lstStyle/>
+          <a:p>
+            <a:pPr algn="ctr"/>
+            <a:endParaRPr lang="nl-NL" dirty="0"/>
+          </a:p>
+        </p:txBody>
+      </p:sp>
+      <p:sp>
+        <p:nvSpPr>
+          <p:cNvPr id="16" name="Tekstvak 15">
+            <a:extLst>
+              <a:ext uri="{FF2B5EF4-FFF2-40B4-BE49-F238E27FC236}">
+                <a16:creationId xmlns="" xmlns:a16="http://schemas.microsoft.com/office/drawing/2014/main" id="{5259B865-E3E3-4845-B5A4-969B8A954695}"/>
+              </a:ext>
+            </a:extLst>
+          </p:cNvPr>
+          <p:cNvSpPr txBox="1"/>
+          <p:nvPr/>
+        </p:nvSpPr>
+        <p:spPr>
+          <a:xfrm>
+            <a:off x="420131" y="128248"/>
+            <a:ext cx="11059297" cy="338554"/>
+          </a:xfrm>
+          <a:prstGeom prst="rect">
+            <a:avLst/>
+          </a:prstGeom>
+          <a:noFill/>
+        </p:spPr>
+        <p:txBody>
+          <a:bodyPr wrap="square" rtlCol="0">
+            <a:spAutoFit/>
+          </a:bodyPr>
+          <a:lstStyle/>
+          <a:p>
+            <a:pPr algn="ctr"/>
+            <a:r>
+              <a:rPr lang="nl-NL" sz="1600" b="1" dirty="0" err="1">
+                <a:solidFill>
+                  <a:schemeClr val="accent1">
+                    <a:lumMod val="60000"/>
+                    <a:lumOff val="40000"/>
+                  </a:schemeClr>
+                </a:solidFill>
+              </a:rPr>
+              <a:t>Indroductie</a:t>
+            </a:r>
+            <a:r>
+              <a:rPr lang="nl-NL" sz="1600" b="1" dirty="0">
+                <a:solidFill>
+                  <a:schemeClr val="accent1">
+                    <a:lumMod val="20000"/>
+                    <a:lumOff val="80000"/>
+                  </a:schemeClr>
+                </a:solidFill>
+              </a:rPr>
+              <a:t>        Materiaal &amp; Methoden        Resultaten        Discussie </a:t>
+            </a:r>
           </a:p>
         </p:txBody>
       </p:sp>
     </p:spTree>
     <p:extLst>
       <p:ext uri="{BB962C8B-B14F-4D97-AF65-F5344CB8AC3E}">
-        <p14:creationId xmlns:p14="http://schemas.microsoft.com/office/powerpoint/2010/main" val="4036214349"/>
+        <p14:creationId xmlns:p14="http://schemas.microsoft.com/office/powerpoint/2010/main" val="2400396585"/>
       </p:ext>
     </p:extLst>
   </p:cSld>
@@ -7238,7 +7515,7 @@
           <p:cNvPr id="2" name="Titel 1">
             <a:extLst>
               <a:ext uri="{FF2B5EF4-FFF2-40B4-BE49-F238E27FC236}">
-                <a16:creationId xmlns:a16="http://schemas.microsoft.com/office/drawing/2014/main" xmlns="" id="{769A96FB-BA26-47C0-85BC-9E5A44D94A65}"/>
+                <a16:creationId xmlns="" xmlns:a16="http://schemas.microsoft.com/office/drawing/2014/main" id="{769A96FB-BA26-47C0-85BC-9E5A44D94A65}"/>
               </a:ext>
             </a:extLst>
           </p:cNvPr>
@@ -7266,7 +7543,7 @@
           <p:cNvPr id="5" name="Tijdelijke aanduiding voor inhoud 4">
             <a:extLst>
               <a:ext uri="{FF2B5EF4-FFF2-40B4-BE49-F238E27FC236}">
-                <a16:creationId xmlns:a16="http://schemas.microsoft.com/office/drawing/2014/main" xmlns="" id="{82F9B9FE-1870-4902-A7DB-4B27D59D2B2B}"/>
+                <a16:creationId xmlns="" xmlns:a16="http://schemas.microsoft.com/office/drawing/2014/main" id="{82F9B9FE-1870-4902-A7DB-4B27D59D2B2B}"/>
               </a:ext>
             </a:extLst>
           </p:cNvPr>
@@ -7291,7 +7568,7 @@
         </p:blipFill>
         <p:spPr>
           <a:xfrm>
-            <a:off x="738188" y="3058319"/>
+            <a:off x="1271588" y="3058319"/>
             <a:ext cx="1474974" cy="504031"/>
           </a:xfrm>
         </p:spPr>
@@ -7301,7 +7578,7 @@
           <p:cNvPr id="6" name="Tekstvak 5">
             <a:extLst>
               <a:ext uri="{FF2B5EF4-FFF2-40B4-BE49-F238E27FC236}">
-                <a16:creationId xmlns:a16="http://schemas.microsoft.com/office/drawing/2014/main" xmlns="" id="{D8F2D3D1-1FE8-4AA0-B6C8-D7E88097CE04}"/>
+                <a16:creationId xmlns="" xmlns:a16="http://schemas.microsoft.com/office/drawing/2014/main" id="{D8F2D3D1-1FE8-4AA0-B6C8-D7E88097CE04}"/>
               </a:ext>
             </a:extLst>
           </p:cNvPr>
@@ -7310,7 +7587,7 @@
         </p:nvSpPr>
         <p:spPr>
           <a:xfrm>
-            <a:off x="613662" y="3691353"/>
+            <a:off x="1147062" y="3691353"/>
             <a:ext cx="1724025" cy="369332"/>
           </a:xfrm>
           <a:prstGeom prst="rect">
@@ -7332,12 +7609,47 @@
           </a:p>
         </p:txBody>
       </p:sp>
+      <p:pic>
+        <p:nvPicPr>
+          <p:cNvPr id="8" name="Afbeelding 7">
+            <a:extLst>
+              <a:ext uri="{FF2B5EF4-FFF2-40B4-BE49-F238E27FC236}">
+                <a16:creationId xmlns="" xmlns:a16="http://schemas.microsoft.com/office/drawing/2014/main" id="{819AAC82-0B32-4FA7-B311-90C90A003DAD}"/>
+              </a:ext>
+            </a:extLst>
+          </p:cNvPr>
+          <p:cNvPicPr>
+            <a:picLocks noChangeAspect="1"/>
+          </p:cNvPicPr>
+          <p:nvPr/>
+        </p:nvPicPr>
+        <p:blipFill rotWithShape="1">
+          <a:blip r:embed="rId3" cstate="print">
+            <a:extLst>
+              <a:ext uri="{28A0092B-C50C-407E-A947-70E740481C1C}">
+                <a14:useLocalDpi xmlns:a14="http://schemas.microsoft.com/office/drawing/2010/main" val="0"/>
+              </a:ext>
+            </a:extLst>
+          </a:blip>
+          <a:srcRect l="15762" t="6491" r="14498" b="9854"/>
+          <a:stretch/>
+        </p:blipFill>
+        <p:spPr>
+          <a:xfrm>
+            <a:off x="8806925" y="2084632"/>
+            <a:ext cx="2657475" cy="2390776"/>
+          </a:xfrm>
+          <a:prstGeom prst="rect">
+            <a:avLst/>
+          </a:prstGeom>
+        </p:spPr>
+      </p:pic>
       <p:sp>
         <p:nvSpPr>
           <p:cNvPr id="11" name="Pijl: rechts 10">
             <a:extLst>
               <a:ext uri="{FF2B5EF4-FFF2-40B4-BE49-F238E27FC236}">
-                <a16:creationId xmlns:a16="http://schemas.microsoft.com/office/drawing/2014/main" xmlns="" id="{C3B3C454-C61F-4642-AC5E-175E78B46E93}"/>
+                <a16:creationId xmlns="" xmlns:a16="http://schemas.microsoft.com/office/drawing/2014/main" id="{C3B3C454-C61F-4642-AC5E-175E78B46E93}"/>
               </a:ext>
             </a:extLst>
           </p:cNvPr>
@@ -7346,7 +7658,7 @@
         </p:nvSpPr>
         <p:spPr>
           <a:xfrm>
-            <a:off x="2467337" y="3071397"/>
+            <a:off x="3000737" y="3071397"/>
             <a:ext cx="1266463" cy="490953"/>
           </a:xfrm>
           <a:prstGeom prst="rightArrow">
@@ -7378,12 +7690,47 @@
           </a:p>
         </p:txBody>
       </p:sp>
+      <p:sp>
+        <p:nvSpPr>
+          <p:cNvPr id="12" name="Tekstvak 11">
+            <a:extLst>
+              <a:ext uri="{FF2B5EF4-FFF2-40B4-BE49-F238E27FC236}">
+                <a16:creationId xmlns="" xmlns:a16="http://schemas.microsoft.com/office/drawing/2014/main" id="{1AF95B95-DF37-4511-BC26-2A337B82EADC}"/>
+              </a:ext>
+            </a:extLst>
+          </p:cNvPr>
+          <p:cNvSpPr txBox="1"/>
+          <p:nvPr/>
+        </p:nvSpPr>
+        <p:spPr>
+          <a:xfrm>
+            <a:off x="9233011" y="4500020"/>
+            <a:ext cx="1805302" cy="369332"/>
+          </a:xfrm>
+          <a:prstGeom prst="rect">
+            <a:avLst/>
+          </a:prstGeom>
+          <a:noFill/>
+        </p:spPr>
+        <p:txBody>
+          <a:bodyPr wrap="none" rtlCol="0">
+            <a:spAutoFit/>
+          </a:bodyPr>
+          <a:lstStyle/>
+          <a:p>
+            <a:r>
+              <a:rPr lang="nl-NL" dirty="0"/>
+              <a:t>Functioneel eiwit</a:t>
+            </a:r>
+          </a:p>
+        </p:txBody>
+      </p:sp>
       <p:pic>
         <p:nvPicPr>
           <p:cNvPr id="9" name="Afbeelding 8">
             <a:extLst>
               <a:ext uri="{FF2B5EF4-FFF2-40B4-BE49-F238E27FC236}">
-                <a16:creationId xmlns:a16="http://schemas.microsoft.com/office/drawing/2014/main" xmlns="" id="{1B858127-D2F6-4D2B-B5A9-94CF7612B179}"/>
+                <a16:creationId xmlns="" xmlns:a16="http://schemas.microsoft.com/office/drawing/2014/main" id="{1B858127-D2F6-4D2B-B5A9-94CF7612B179}"/>
               </a:ext>
             </a:extLst>
           </p:cNvPr>
@@ -7393,7 +7740,7 @@
           <p:nvPr/>
         </p:nvPicPr>
         <p:blipFill>
-          <a:blip r:embed="rId3" cstate="print">
+          <a:blip r:embed="rId4" cstate="print">
             <a:extLst>
               <a:ext uri="{28A0092B-C50C-407E-A947-70E740481C1C}">
                 <a14:useLocalDpi xmlns:a14="http://schemas.microsoft.com/office/drawing/2010/main" val="0"/>
@@ -7406,7 +7753,7 @@
         </p:blipFill>
         <p:spPr>
           <a:xfrm>
-            <a:off x="3987975" y="2733675"/>
+            <a:off x="4715237" y="2776953"/>
             <a:ext cx="2438400" cy="1390650"/>
           </a:xfrm>
           <a:prstGeom prst="rect">
@@ -7414,59 +7761,12 @@
           </a:prstGeom>
         </p:spPr>
       </p:pic>
-      <p:pic>
-        <p:nvPicPr>
-          <p:cNvPr id="1026" name="Picture 2" descr="Afbeeldingsresultaat voor folding amino acid chain">
-            <a:extLst>
-              <a:ext uri="{FF2B5EF4-FFF2-40B4-BE49-F238E27FC236}">
-                <a16:creationId xmlns:a16="http://schemas.microsoft.com/office/drawing/2014/main" xmlns="" id="{4C76A64E-2EE4-4BB7-B0FD-D1286AD1BF49}"/>
-              </a:ext>
-            </a:extLst>
-          </p:cNvPr>
-          <p:cNvPicPr>
-            <a:picLocks noChangeAspect="1" noChangeArrowheads="1"/>
-          </p:cNvPicPr>
-          <p:nvPr/>
-        </p:nvPicPr>
-        <p:blipFill>
-          <a:blip r:embed="rId4">
-            <a:extLst>
-              <a:ext uri="{28A0092B-C50C-407E-A947-70E740481C1C}">
-                <a14:useLocalDpi xmlns:a14="http://schemas.microsoft.com/office/drawing/2010/main" val="0"/>
-              </a:ext>
-            </a:extLst>
-          </a:blip>
-          <a:srcRect/>
-          <a:stretch>
-            <a:fillRect/>
-          </a:stretch>
-        </p:blipFill>
-        <p:spPr bwMode="auto">
-          <a:xfrm>
-            <a:off x="7305676" y="2209226"/>
-            <a:ext cx="4514849" cy="2202215"/>
-          </a:xfrm>
-          <a:prstGeom prst="rect">
-            <a:avLst/>
-          </a:prstGeom>
-          <a:noFill/>
-          <a:extLst>
-            <a:ext uri="{909E8E84-426E-40DD-AFC4-6F175D3DCCD1}">
-              <a14:hiddenFill xmlns:a14="http://schemas.microsoft.com/office/drawing/2010/main">
-                <a:solidFill>
-                  <a:srgbClr val="FFFFFF"/>
-                </a:solidFill>
-              </a14:hiddenFill>
-            </a:ext>
-          </a:extLst>
-        </p:spPr>
-      </p:pic>
-      <p:sp>
-        <p:nvSpPr>
-          <p:cNvPr id="14" name="Pijl: rechts 13">
-            <a:extLst>
-              <a:ext uri="{FF2B5EF4-FFF2-40B4-BE49-F238E27FC236}">
-                <a16:creationId xmlns:a16="http://schemas.microsoft.com/office/drawing/2014/main" xmlns="" id="{464F7A90-0AA5-4588-87E2-01191833DB40}"/>
+      <p:sp>
+        <p:nvSpPr>
+          <p:cNvPr id="10" name="Pijl: rechts 9">
+            <a:extLst>
+              <a:ext uri="{FF2B5EF4-FFF2-40B4-BE49-F238E27FC236}">
+                <a16:creationId xmlns="" xmlns:a16="http://schemas.microsoft.com/office/drawing/2014/main" id="{13F3850F-71EA-4741-A182-94C4C2F636F5}"/>
               </a:ext>
             </a:extLst>
           </p:cNvPr>
@@ -7475,8 +7775,8 @@
         </p:nvSpPr>
         <p:spPr>
           <a:xfrm>
-            <a:off x="6258650" y="3071397"/>
-            <a:ext cx="1047026" cy="490953"/>
+            <a:off x="7153637" y="3034544"/>
+            <a:ext cx="1266463" cy="490953"/>
           </a:xfrm>
           <a:prstGeom prst="rightArrow">
             <a:avLst/>
@@ -7509,10 +7809,192 @@
       </p:sp>
       <p:sp>
         <p:nvSpPr>
-          <p:cNvPr id="16" name="Tekstvak 15">
-            <a:extLst>
-              <a:ext uri="{FF2B5EF4-FFF2-40B4-BE49-F238E27FC236}">
-                <a16:creationId xmlns:a16="http://schemas.microsoft.com/office/drawing/2014/main" xmlns="" id="{5259B865-E3E3-4845-B5A4-969B8A954695}"/>
+          <p:cNvPr id="3" name="Ovaal 2">
+            <a:extLst>
+              <a:ext uri="{FF2B5EF4-FFF2-40B4-BE49-F238E27FC236}">
+                <a16:creationId xmlns="" xmlns:a16="http://schemas.microsoft.com/office/drawing/2014/main" id="{19B9F891-8EF8-44F6-B6ED-BB2422D771A3}"/>
+              </a:ext>
+            </a:extLst>
+          </p:cNvPr>
+          <p:cNvSpPr/>
+          <p:nvPr/>
+        </p:nvSpPr>
+        <p:spPr>
+          <a:xfrm>
+            <a:off x="4098239" y="4638495"/>
+            <a:ext cx="1233996" cy="727968"/>
+          </a:xfrm>
+          <a:prstGeom prst="ellipse">
+            <a:avLst/>
+          </a:prstGeom>
+        </p:spPr>
+        <p:style>
+          <a:lnRef idx="2">
+            <a:schemeClr val="accent2">
+              <a:shade val="50000"/>
+            </a:schemeClr>
+          </a:lnRef>
+          <a:fillRef idx="1">
+            <a:schemeClr val="accent2"/>
+          </a:fillRef>
+          <a:effectRef idx="0">
+            <a:schemeClr val="accent2"/>
+          </a:effectRef>
+          <a:fontRef idx="minor">
+            <a:schemeClr val="lt1"/>
+          </a:fontRef>
+        </p:style>
+        <p:txBody>
+          <a:bodyPr rtlCol="0" anchor="ctr"/>
+          <a:lstStyle/>
+          <a:p>
+            <a:pPr algn="ctr"/>
+            <a:r>
+              <a:rPr lang="nl-NL" dirty="0"/>
+              <a:t>Polair</a:t>
+            </a:r>
+          </a:p>
+        </p:txBody>
+      </p:sp>
+      <p:sp>
+        <p:nvSpPr>
+          <p:cNvPr id="13" name="Ovaal 12">
+            <a:extLst>
+              <a:ext uri="{FF2B5EF4-FFF2-40B4-BE49-F238E27FC236}">
+                <a16:creationId xmlns="" xmlns:a16="http://schemas.microsoft.com/office/drawing/2014/main" id="{24DD1F6E-573A-4E2D-8811-591CE94E629B}"/>
+              </a:ext>
+            </a:extLst>
+          </p:cNvPr>
+          <p:cNvSpPr/>
+          <p:nvPr/>
+        </p:nvSpPr>
+        <p:spPr>
+          <a:xfrm>
+            <a:off x="6232125" y="4638495"/>
+            <a:ext cx="1705664" cy="727968"/>
+          </a:xfrm>
+          <a:prstGeom prst="ellipse">
+            <a:avLst/>
+          </a:prstGeom>
+        </p:spPr>
+        <p:style>
+          <a:lnRef idx="2">
+            <a:schemeClr val="accent2">
+              <a:shade val="50000"/>
+            </a:schemeClr>
+          </a:lnRef>
+          <a:fillRef idx="1">
+            <a:schemeClr val="accent2"/>
+          </a:fillRef>
+          <a:effectRef idx="0">
+            <a:schemeClr val="accent2"/>
+          </a:effectRef>
+          <a:fontRef idx="minor">
+            <a:schemeClr val="lt1"/>
+          </a:fontRef>
+        </p:style>
+        <p:txBody>
+          <a:bodyPr rtlCol="0" anchor="ctr"/>
+          <a:lstStyle/>
+          <a:p>
+            <a:pPr algn="ctr"/>
+            <a:r>
+              <a:rPr lang="nl-NL" dirty="0"/>
+              <a:t>Hydrofoob</a:t>
+            </a:r>
+          </a:p>
+        </p:txBody>
+      </p:sp>
+      <p:cxnSp>
+        <p:nvCxnSpPr>
+          <p:cNvPr id="7" name="Rechte verbindingslijn met pijl 6">
+            <a:extLst>
+              <a:ext uri="{FF2B5EF4-FFF2-40B4-BE49-F238E27FC236}">
+                <a16:creationId xmlns="" xmlns:a16="http://schemas.microsoft.com/office/drawing/2014/main" id="{D5C82334-4E2E-4051-961A-F679B07C4F1F}"/>
+              </a:ext>
+            </a:extLst>
+          </p:cNvPr>
+          <p:cNvCxnSpPr>
+            <a:cxnSpLocks/>
+            <a:endCxn id="3" idx="0"/>
+          </p:cNvCxnSpPr>
+          <p:nvPr/>
+        </p:nvCxnSpPr>
+        <p:spPr>
+          <a:xfrm flipH="1">
+            <a:off x="4715237" y="4011946"/>
+            <a:ext cx="1219200" cy="626549"/>
+          </a:xfrm>
+          <a:prstGeom prst="straightConnector1">
+            <a:avLst/>
+          </a:prstGeom>
+          <a:ln>
+            <a:tailEnd type="triangle"/>
+          </a:ln>
+        </p:spPr>
+        <p:style>
+          <a:lnRef idx="1">
+            <a:schemeClr val="accent1"/>
+          </a:lnRef>
+          <a:fillRef idx="0">
+            <a:schemeClr val="accent1"/>
+          </a:fillRef>
+          <a:effectRef idx="0">
+            <a:schemeClr val="accent1"/>
+          </a:effectRef>
+          <a:fontRef idx="minor">
+            <a:schemeClr val="tx1"/>
+          </a:fontRef>
+        </p:style>
+      </p:cxnSp>
+      <p:cxnSp>
+        <p:nvCxnSpPr>
+          <p:cNvPr id="16" name="Rechte verbindingslijn met pijl 15">
+            <a:extLst>
+              <a:ext uri="{FF2B5EF4-FFF2-40B4-BE49-F238E27FC236}">
+                <a16:creationId xmlns="" xmlns:a16="http://schemas.microsoft.com/office/drawing/2014/main" id="{705EA1F6-DA7E-4475-8576-E76A7C126F12}"/>
+              </a:ext>
+            </a:extLst>
+          </p:cNvPr>
+          <p:cNvCxnSpPr>
+            <a:cxnSpLocks/>
+            <a:endCxn id="13" idx="0"/>
+          </p:cNvCxnSpPr>
+          <p:nvPr/>
+        </p:nvCxnSpPr>
+        <p:spPr>
+          <a:xfrm>
+            <a:off x="5934437" y="4011946"/>
+            <a:ext cx="1150520" cy="626549"/>
+          </a:xfrm>
+          <a:prstGeom prst="straightConnector1">
+            <a:avLst/>
+          </a:prstGeom>
+          <a:ln>
+            <a:tailEnd type="triangle"/>
+          </a:ln>
+        </p:spPr>
+        <p:style>
+          <a:lnRef idx="1">
+            <a:schemeClr val="accent1"/>
+          </a:lnRef>
+          <a:fillRef idx="0">
+            <a:schemeClr val="accent1"/>
+          </a:fillRef>
+          <a:effectRef idx="0">
+            <a:schemeClr val="accent1"/>
+          </a:effectRef>
+          <a:fontRef idx="minor">
+            <a:schemeClr val="tx1"/>
+          </a:fontRef>
+        </p:style>
+      </p:cxnSp>
+      <p:sp>
+        <p:nvSpPr>
+          <p:cNvPr id="14" name="Tekstvak 13">
+            <a:extLst>
+              <a:ext uri="{FF2B5EF4-FFF2-40B4-BE49-F238E27FC236}">
+                <a16:creationId xmlns="" xmlns:a16="http://schemas.microsoft.com/office/drawing/2014/main" id="{89AB4660-209E-47BF-9FC1-0865745945A5}"/>
               </a:ext>
             </a:extLst>
           </p:cNvPr>
@@ -7564,7 +8046,7 @@
     </p:spTree>
     <p:extLst>
       <p:ext uri="{BB962C8B-B14F-4D97-AF65-F5344CB8AC3E}">
-        <p14:creationId xmlns:p14="http://schemas.microsoft.com/office/powerpoint/2010/main" val="2400396585"/>
+        <p14:creationId xmlns:p14="http://schemas.microsoft.com/office/powerpoint/2010/main" val="845698545"/>
       </p:ext>
     </p:extLst>
   </p:cSld>
@@ -7596,7 +8078,7 @@
           <p:cNvPr id="2" name="Titel 1">
             <a:extLst>
               <a:ext uri="{FF2B5EF4-FFF2-40B4-BE49-F238E27FC236}">
-                <a16:creationId xmlns:a16="http://schemas.microsoft.com/office/drawing/2014/main" xmlns="" id="{769A96FB-BA26-47C0-85BC-9E5A44D94A65}"/>
+                <a16:creationId xmlns="" xmlns:a16="http://schemas.microsoft.com/office/drawing/2014/main" id="{28AC7F7A-EB5E-48A2-A178-02E17BA194BE}"/>
               </a:ext>
             </a:extLst>
           </p:cNvPr>
@@ -7607,24 +8089,41 @@
             <p:ph type="title"/>
           </p:nvPr>
         </p:nvSpPr>
-        <p:spPr/>
+        <p:spPr>
+          <a:xfrm>
+            <a:off x="870098" y="365125"/>
+            <a:ext cx="10515600" cy="1325563"/>
+          </a:xfrm>
+        </p:spPr>
         <p:txBody>
           <a:bodyPr/>
           <a:lstStyle/>
           <a:p>
             <a:r>
+              <a:rPr lang="nl-NL" dirty="0" err="1"/>
+              <a:t>Protein</a:t>
+            </a:r>
+            <a:r>
               <a:rPr lang="nl-NL" dirty="0"/>
-              <a:t>Wat is een aminozuur ? </a:t>
+              <a:t> </a:t>
+            </a:r>
+            <a:r>
+              <a:rPr lang="nl-NL" dirty="0" err="1"/>
+              <a:t>Pow</a:t>
+            </a:r>
+            <a:r>
+              <a:rPr lang="nl-NL" dirty="0"/>
+              <a:t>(d)er - Casus</a:t>
             </a:r>
           </a:p>
         </p:txBody>
       </p:sp>
       <p:pic>
         <p:nvPicPr>
-          <p:cNvPr id="5" name="Tijdelijke aanduiding voor inhoud 4">
-            <a:extLst>
-              <a:ext uri="{FF2B5EF4-FFF2-40B4-BE49-F238E27FC236}">
-                <a16:creationId xmlns:a16="http://schemas.microsoft.com/office/drawing/2014/main" xmlns="" id="{82F9B9FE-1870-4902-A7DB-4B27D59D2B2B}"/>
+          <p:cNvPr id="4" name="Tijdelijke aanduiding voor inhoud 3">
+            <a:extLst>
+              <a:ext uri="{FF2B5EF4-FFF2-40B4-BE49-F238E27FC236}">
+                <a16:creationId xmlns="" xmlns:a16="http://schemas.microsoft.com/office/drawing/2014/main" id="{12A0C32B-A310-4B27-B6D9-73509A425B75}"/>
               </a:ext>
             </a:extLst>
           </p:cNvPr>
@@ -7635,90 +8134,15 @@
             <p:ph idx="1"/>
           </p:nvPr>
         </p:nvPicPr>
-        <p:blipFill>
-          <a:blip r:embed="rId2" cstate="print">
-            <a:extLst>
-              <a:ext uri="{28A0092B-C50C-407E-A947-70E740481C1C}">
-                <a14:useLocalDpi xmlns:a14="http://schemas.microsoft.com/office/drawing/2010/main" val="0"/>
-              </a:ext>
-            </a:extLst>
-          </a:blip>
-          <a:stretch>
-            <a:fillRect/>
-          </a:stretch>
-        </p:blipFill>
-        <p:spPr>
-          <a:xfrm>
-            <a:off x="1271588" y="3058319"/>
-            <a:ext cx="1474974" cy="504031"/>
-          </a:xfrm>
-        </p:spPr>
-      </p:pic>
-      <p:sp>
-        <p:nvSpPr>
-          <p:cNvPr id="6" name="Tekstvak 5">
-            <a:extLst>
-              <a:ext uri="{FF2B5EF4-FFF2-40B4-BE49-F238E27FC236}">
-                <a16:creationId xmlns:a16="http://schemas.microsoft.com/office/drawing/2014/main" xmlns="" id="{D8F2D3D1-1FE8-4AA0-B6C8-D7E88097CE04}"/>
-              </a:ext>
-            </a:extLst>
-          </p:cNvPr>
-          <p:cNvSpPr txBox="1"/>
-          <p:nvPr/>
-        </p:nvSpPr>
-        <p:spPr>
-          <a:xfrm>
-            <a:off x="1147062" y="3691353"/>
-            <a:ext cx="1724025" cy="369332"/>
-          </a:xfrm>
-          <a:prstGeom prst="rect">
-            <a:avLst/>
-          </a:prstGeom>
-          <a:noFill/>
-        </p:spPr>
-        <p:txBody>
-          <a:bodyPr wrap="square" rtlCol="0">
-            <a:spAutoFit/>
-          </a:bodyPr>
-          <a:lstStyle/>
-          <a:p>
-            <a:pPr algn="ctr"/>
-            <a:r>
-              <a:rPr lang="nl-NL" b="1" dirty="0"/>
-              <a:t>DNA</a:t>
-            </a:r>
-          </a:p>
-        </p:txBody>
-      </p:sp>
-      <p:pic>
-        <p:nvPicPr>
-          <p:cNvPr id="8" name="Afbeelding 7">
-            <a:extLst>
-              <a:ext uri="{FF2B5EF4-FFF2-40B4-BE49-F238E27FC236}">
-                <a16:creationId xmlns:a16="http://schemas.microsoft.com/office/drawing/2014/main" xmlns="" id="{819AAC82-0B32-4FA7-B311-90C90A003DAD}"/>
-              </a:ext>
-            </a:extLst>
-          </p:cNvPr>
-          <p:cNvPicPr>
-            <a:picLocks noChangeAspect="1"/>
-          </p:cNvPicPr>
-          <p:nvPr/>
-        </p:nvPicPr>
         <p:blipFill rotWithShape="1">
-          <a:blip r:embed="rId3" cstate="print">
-            <a:extLst>
-              <a:ext uri="{28A0092B-C50C-407E-A947-70E740481C1C}">
-                <a14:useLocalDpi xmlns:a14="http://schemas.microsoft.com/office/drawing/2010/main" val="0"/>
-              </a:ext>
-            </a:extLst>
-          </a:blip>
-          <a:srcRect l="15762" t="6491" r="14498" b="9854"/>
+          <a:blip r:embed="rId2" cstate="print"/>
+          <a:srcRect l="31407" t="33565" r="20572" b="26158"/>
           <a:stretch/>
         </p:blipFill>
         <p:spPr>
           <a:xfrm>
-            <a:off x="8806925" y="2084632"/>
-            <a:ext cx="2657475" cy="2390776"/>
+            <a:off x="952500" y="1528762"/>
+            <a:ext cx="9722588" cy="4587067"/>
           </a:xfrm>
           <a:prstGeom prst="rect">
             <a:avLst/>
@@ -7727,355 +8151,10 @@
       </p:pic>
       <p:sp>
         <p:nvSpPr>
-          <p:cNvPr id="11" name="Pijl: rechts 10">
-            <a:extLst>
-              <a:ext uri="{FF2B5EF4-FFF2-40B4-BE49-F238E27FC236}">
-                <a16:creationId xmlns:a16="http://schemas.microsoft.com/office/drawing/2014/main" xmlns="" id="{C3B3C454-C61F-4642-AC5E-175E78B46E93}"/>
-              </a:ext>
-            </a:extLst>
-          </p:cNvPr>
-          <p:cNvSpPr/>
-          <p:nvPr/>
-        </p:nvSpPr>
-        <p:spPr>
-          <a:xfrm>
-            <a:off x="3000737" y="3071397"/>
-            <a:ext cx="1266463" cy="490953"/>
-          </a:xfrm>
-          <a:prstGeom prst="rightArrow">
-            <a:avLst/>
-          </a:prstGeom>
-        </p:spPr>
-        <p:style>
-          <a:lnRef idx="2">
-            <a:schemeClr val="accent1">
-              <a:shade val="50000"/>
-            </a:schemeClr>
-          </a:lnRef>
-          <a:fillRef idx="1">
-            <a:schemeClr val="accent1"/>
-          </a:fillRef>
-          <a:effectRef idx="0">
-            <a:schemeClr val="accent1"/>
-          </a:effectRef>
-          <a:fontRef idx="minor">
-            <a:schemeClr val="lt1"/>
-          </a:fontRef>
-        </p:style>
-        <p:txBody>
-          <a:bodyPr rtlCol="0" anchor="ctr"/>
-          <a:lstStyle/>
-          <a:p>
-            <a:pPr algn="ctr"/>
-            <a:endParaRPr lang="nl-NL" dirty="0"/>
-          </a:p>
-        </p:txBody>
-      </p:sp>
-      <p:sp>
-        <p:nvSpPr>
-          <p:cNvPr id="12" name="Tekstvak 11">
-            <a:extLst>
-              <a:ext uri="{FF2B5EF4-FFF2-40B4-BE49-F238E27FC236}">
-                <a16:creationId xmlns:a16="http://schemas.microsoft.com/office/drawing/2014/main" xmlns="" id="{1AF95B95-DF37-4511-BC26-2A337B82EADC}"/>
-              </a:ext>
-            </a:extLst>
-          </p:cNvPr>
-          <p:cNvSpPr txBox="1"/>
-          <p:nvPr/>
-        </p:nvSpPr>
-        <p:spPr>
-          <a:xfrm>
-            <a:off x="9233011" y="4500020"/>
-            <a:ext cx="1805302" cy="369332"/>
-          </a:xfrm>
-          <a:prstGeom prst="rect">
-            <a:avLst/>
-          </a:prstGeom>
-          <a:noFill/>
-        </p:spPr>
-        <p:txBody>
-          <a:bodyPr wrap="none" rtlCol="0">
-            <a:spAutoFit/>
-          </a:bodyPr>
-          <a:lstStyle/>
-          <a:p>
-            <a:r>
-              <a:rPr lang="nl-NL" dirty="0"/>
-              <a:t>Functioneel eiwit</a:t>
-            </a:r>
-          </a:p>
-        </p:txBody>
-      </p:sp>
-      <p:pic>
-        <p:nvPicPr>
-          <p:cNvPr id="9" name="Afbeelding 8">
-            <a:extLst>
-              <a:ext uri="{FF2B5EF4-FFF2-40B4-BE49-F238E27FC236}">
-                <a16:creationId xmlns:a16="http://schemas.microsoft.com/office/drawing/2014/main" xmlns="" id="{1B858127-D2F6-4D2B-B5A9-94CF7612B179}"/>
-              </a:ext>
-            </a:extLst>
-          </p:cNvPr>
-          <p:cNvPicPr>
-            <a:picLocks noChangeAspect="1"/>
-          </p:cNvPicPr>
-          <p:nvPr/>
-        </p:nvPicPr>
-        <p:blipFill>
-          <a:blip r:embed="rId4" cstate="print">
-            <a:extLst>
-              <a:ext uri="{28A0092B-C50C-407E-A947-70E740481C1C}">
-                <a14:useLocalDpi xmlns:a14="http://schemas.microsoft.com/office/drawing/2010/main" val="0"/>
-              </a:ext>
-            </a:extLst>
-          </a:blip>
-          <a:stretch>
-            <a:fillRect/>
-          </a:stretch>
-        </p:blipFill>
-        <p:spPr>
-          <a:xfrm>
-            <a:off x="4715237" y="2776953"/>
-            <a:ext cx="2438400" cy="1390650"/>
-          </a:xfrm>
-          <a:prstGeom prst="rect">
-            <a:avLst/>
-          </a:prstGeom>
-        </p:spPr>
-      </p:pic>
-      <p:sp>
-        <p:nvSpPr>
-          <p:cNvPr id="10" name="Pijl: rechts 9">
-            <a:extLst>
-              <a:ext uri="{FF2B5EF4-FFF2-40B4-BE49-F238E27FC236}">
-                <a16:creationId xmlns:a16="http://schemas.microsoft.com/office/drawing/2014/main" xmlns="" id="{13F3850F-71EA-4741-A182-94C4C2F636F5}"/>
-              </a:ext>
-            </a:extLst>
-          </p:cNvPr>
-          <p:cNvSpPr/>
-          <p:nvPr/>
-        </p:nvSpPr>
-        <p:spPr>
-          <a:xfrm>
-            <a:off x="7153637" y="3034544"/>
-            <a:ext cx="1266463" cy="490953"/>
-          </a:xfrm>
-          <a:prstGeom prst="rightArrow">
-            <a:avLst/>
-          </a:prstGeom>
-        </p:spPr>
-        <p:style>
-          <a:lnRef idx="2">
-            <a:schemeClr val="accent1">
-              <a:shade val="50000"/>
-            </a:schemeClr>
-          </a:lnRef>
-          <a:fillRef idx="1">
-            <a:schemeClr val="accent1"/>
-          </a:fillRef>
-          <a:effectRef idx="0">
-            <a:schemeClr val="accent1"/>
-          </a:effectRef>
-          <a:fontRef idx="minor">
-            <a:schemeClr val="lt1"/>
-          </a:fontRef>
-        </p:style>
-        <p:txBody>
-          <a:bodyPr rtlCol="0" anchor="ctr"/>
-          <a:lstStyle/>
-          <a:p>
-            <a:pPr algn="ctr"/>
-            <a:endParaRPr lang="nl-NL" dirty="0"/>
-          </a:p>
-        </p:txBody>
-      </p:sp>
-      <p:sp>
-        <p:nvSpPr>
-          <p:cNvPr id="3" name="Ovaal 2">
-            <a:extLst>
-              <a:ext uri="{FF2B5EF4-FFF2-40B4-BE49-F238E27FC236}">
-                <a16:creationId xmlns:a16="http://schemas.microsoft.com/office/drawing/2014/main" xmlns="" id="{19B9F891-8EF8-44F6-B6ED-BB2422D771A3}"/>
-              </a:ext>
-            </a:extLst>
-          </p:cNvPr>
-          <p:cNvSpPr/>
-          <p:nvPr/>
-        </p:nvSpPr>
-        <p:spPr>
-          <a:xfrm>
-            <a:off x="4098239" y="4638495"/>
-            <a:ext cx="1233996" cy="727968"/>
-          </a:xfrm>
-          <a:prstGeom prst="ellipse">
-            <a:avLst/>
-          </a:prstGeom>
-        </p:spPr>
-        <p:style>
-          <a:lnRef idx="2">
-            <a:schemeClr val="accent2">
-              <a:shade val="50000"/>
-            </a:schemeClr>
-          </a:lnRef>
-          <a:fillRef idx="1">
-            <a:schemeClr val="accent2"/>
-          </a:fillRef>
-          <a:effectRef idx="0">
-            <a:schemeClr val="accent2"/>
-          </a:effectRef>
-          <a:fontRef idx="minor">
-            <a:schemeClr val="lt1"/>
-          </a:fontRef>
-        </p:style>
-        <p:txBody>
-          <a:bodyPr rtlCol="0" anchor="ctr"/>
-          <a:lstStyle/>
-          <a:p>
-            <a:pPr algn="ctr"/>
-            <a:r>
-              <a:rPr lang="nl-NL" dirty="0"/>
-              <a:t>Polair</a:t>
-            </a:r>
-          </a:p>
-        </p:txBody>
-      </p:sp>
-      <p:sp>
-        <p:nvSpPr>
-          <p:cNvPr id="13" name="Ovaal 12">
-            <a:extLst>
-              <a:ext uri="{FF2B5EF4-FFF2-40B4-BE49-F238E27FC236}">
-                <a16:creationId xmlns:a16="http://schemas.microsoft.com/office/drawing/2014/main" xmlns="" id="{24DD1F6E-573A-4E2D-8811-591CE94E629B}"/>
-              </a:ext>
-            </a:extLst>
-          </p:cNvPr>
-          <p:cNvSpPr/>
-          <p:nvPr/>
-        </p:nvSpPr>
-        <p:spPr>
-          <a:xfrm>
-            <a:off x="6232125" y="4638495"/>
-            <a:ext cx="1705664" cy="727968"/>
-          </a:xfrm>
-          <a:prstGeom prst="ellipse">
-            <a:avLst/>
-          </a:prstGeom>
-        </p:spPr>
-        <p:style>
-          <a:lnRef idx="2">
-            <a:schemeClr val="accent2">
-              <a:shade val="50000"/>
-            </a:schemeClr>
-          </a:lnRef>
-          <a:fillRef idx="1">
-            <a:schemeClr val="accent2"/>
-          </a:fillRef>
-          <a:effectRef idx="0">
-            <a:schemeClr val="accent2"/>
-          </a:effectRef>
-          <a:fontRef idx="minor">
-            <a:schemeClr val="lt1"/>
-          </a:fontRef>
-        </p:style>
-        <p:txBody>
-          <a:bodyPr rtlCol="0" anchor="ctr"/>
-          <a:lstStyle/>
-          <a:p>
-            <a:pPr algn="ctr"/>
-            <a:r>
-              <a:rPr lang="nl-NL" dirty="0"/>
-              <a:t>Hydrofoob</a:t>
-            </a:r>
-          </a:p>
-        </p:txBody>
-      </p:sp>
-      <p:cxnSp>
-        <p:nvCxnSpPr>
-          <p:cNvPr id="7" name="Rechte verbindingslijn met pijl 6">
-            <a:extLst>
-              <a:ext uri="{FF2B5EF4-FFF2-40B4-BE49-F238E27FC236}">
-                <a16:creationId xmlns:a16="http://schemas.microsoft.com/office/drawing/2014/main" xmlns="" id="{D5C82334-4E2E-4051-961A-F679B07C4F1F}"/>
-              </a:ext>
-            </a:extLst>
-          </p:cNvPr>
-          <p:cNvCxnSpPr>
-            <a:cxnSpLocks/>
-            <a:endCxn id="3" idx="0"/>
-          </p:cNvCxnSpPr>
-          <p:nvPr/>
-        </p:nvCxnSpPr>
-        <p:spPr>
-          <a:xfrm flipH="1">
-            <a:off x="4715237" y="4011946"/>
-            <a:ext cx="1219200" cy="626549"/>
-          </a:xfrm>
-          <a:prstGeom prst="straightConnector1">
-            <a:avLst/>
-          </a:prstGeom>
-          <a:ln>
-            <a:tailEnd type="triangle"/>
-          </a:ln>
-        </p:spPr>
-        <p:style>
-          <a:lnRef idx="1">
-            <a:schemeClr val="accent1"/>
-          </a:lnRef>
-          <a:fillRef idx="0">
-            <a:schemeClr val="accent1"/>
-          </a:fillRef>
-          <a:effectRef idx="0">
-            <a:schemeClr val="accent1"/>
-          </a:effectRef>
-          <a:fontRef idx="minor">
-            <a:schemeClr val="tx1"/>
-          </a:fontRef>
-        </p:style>
-      </p:cxnSp>
-      <p:cxnSp>
-        <p:nvCxnSpPr>
-          <p:cNvPr id="16" name="Rechte verbindingslijn met pijl 15">
-            <a:extLst>
-              <a:ext uri="{FF2B5EF4-FFF2-40B4-BE49-F238E27FC236}">
-                <a16:creationId xmlns:a16="http://schemas.microsoft.com/office/drawing/2014/main" xmlns="" id="{705EA1F6-DA7E-4475-8576-E76A7C126F12}"/>
-              </a:ext>
-            </a:extLst>
-          </p:cNvPr>
-          <p:cNvCxnSpPr>
-            <a:cxnSpLocks/>
-            <a:endCxn id="13" idx="0"/>
-          </p:cNvCxnSpPr>
-          <p:nvPr/>
-        </p:nvCxnSpPr>
-        <p:spPr>
-          <a:xfrm>
-            <a:off x="5934437" y="4011946"/>
-            <a:ext cx="1150520" cy="626549"/>
-          </a:xfrm>
-          <a:prstGeom prst="straightConnector1">
-            <a:avLst/>
-          </a:prstGeom>
-          <a:ln>
-            <a:tailEnd type="triangle"/>
-          </a:ln>
-        </p:spPr>
-        <p:style>
-          <a:lnRef idx="1">
-            <a:schemeClr val="accent1"/>
-          </a:lnRef>
-          <a:fillRef idx="0">
-            <a:schemeClr val="accent1"/>
-          </a:fillRef>
-          <a:effectRef idx="0">
-            <a:schemeClr val="accent1"/>
-          </a:effectRef>
-          <a:fontRef idx="minor">
-            <a:schemeClr val="tx1"/>
-          </a:fontRef>
-        </p:style>
-      </p:cxnSp>
-      <p:sp>
-        <p:nvSpPr>
-          <p:cNvPr id="14" name="Tekstvak 13">
-            <a:extLst>
-              <a:ext uri="{FF2B5EF4-FFF2-40B4-BE49-F238E27FC236}">
-                <a16:creationId xmlns:a16="http://schemas.microsoft.com/office/drawing/2014/main" xmlns="" id="{89AB4660-209E-47BF-9FC1-0865745945A5}"/>
+          <p:cNvPr id="5" name="Tekstvak 4">
+            <a:extLst>
+              <a:ext uri="{FF2B5EF4-FFF2-40B4-BE49-F238E27FC236}">
+                <a16:creationId xmlns="" xmlns:a16="http://schemas.microsoft.com/office/drawing/2014/main" id="{B862B65A-08A6-41EE-A49A-029A5CEB3C9A}"/>
               </a:ext>
             </a:extLst>
           </p:cNvPr>
@@ -8127,7 +8206,7 @@
     </p:spTree>
     <p:extLst>
       <p:ext uri="{BB962C8B-B14F-4D97-AF65-F5344CB8AC3E}">
-        <p14:creationId xmlns:p14="http://schemas.microsoft.com/office/powerpoint/2010/main" val="845698545"/>
+        <p14:creationId xmlns:p14="http://schemas.microsoft.com/office/powerpoint/2010/main" val="2460963347"/>
       </p:ext>
     </p:extLst>
   </p:cSld>
@@ -8156,13 +8235,7 @@
       </p:grpSpPr>
       <p:sp>
         <p:nvSpPr>
-          <p:cNvPr id="2" name="Titel 1">
-            <a:extLst>
-              <a:ext uri="{FF2B5EF4-FFF2-40B4-BE49-F238E27FC236}">
-                <a16:creationId xmlns:a16="http://schemas.microsoft.com/office/drawing/2014/main" xmlns="" id="{28AC7F7A-EB5E-48A2-A178-02E17BA194BE}"/>
-              </a:ext>
-            </a:extLst>
-          </p:cNvPr>
+          <p:cNvPr id="2" name="Titel 1"/>
           <p:cNvSpPr>
             <a:spLocks noGrp="1"/>
           </p:cNvSpPr>
@@ -8170,72 +8243,127 @@
             <p:ph type="title"/>
           </p:nvPr>
         </p:nvSpPr>
-        <p:spPr>
-          <a:xfrm>
-            <a:off x="870098" y="365125"/>
-            <a:ext cx="10515600" cy="1325563"/>
-          </a:xfrm>
-        </p:spPr>
+        <p:spPr/>
         <p:txBody>
           <a:bodyPr/>
           <a:lstStyle/>
           <a:p>
             <a:r>
-              <a:rPr lang="nl-NL" dirty="0" err="1"/>
-              <a:t>Protein</a:t>
-            </a:r>
-            <a:r>
-              <a:rPr lang="nl-NL" dirty="0"/>
-              <a:t> </a:t>
-            </a:r>
-            <a:r>
-              <a:rPr lang="nl-NL" dirty="0" err="1"/>
-              <a:t>Pow</a:t>
-            </a:r>
-            <a:r>
-              <a:rPr lang="nl-NL" dirty="0"/>
-              <a:t>(d)er - Casus</a:t>
-            </a:r>
-          </a:p>
-        </p:txBody>
-      </p:sp>
-      <p:pic>
-        <p:nvPicPr>
-          <p:cNvPr id="4" name="Tijdelijke aanduiding voor inhoud 3">
-            <a:extLst>
-              <a:ext uri="{FF2B5EF4-FFF2-40B4-BE49-F238E27FC236}">
-                <a16:creationId xmlns:a16="http://schemas.microsoft.com/office/drawing/2014/main" xmlns="" id="{12A0C32B-A310-4B27-B6D9-73509A425B75}"/>
-              </a:ext>
-            </a:extLst>
-          </p:cNvPr>
-          <p:cNvPicPr>
-            <a:picLocks noGrp="1" noChangeAspect="1"/>
-          </p:cNvPicPr>
+              <a:rPr lang="en-US" dirty="0"/>
+              <a:t>Protein Pow(d)</a:t>
+            </a:r>
+            <a:r>
+              <a:rPr lang="en-US" dirty="0" err="1"/>
+              <a:t>er</a:t>
+            </a:r>
+            <a:r>
+              <a:rPr lang="en-US" dirty="0"/>
+              <a:t> - Casus</a:t>
+            </a:r>
+          </a:p>
+        </p:txBody>
+      </p:sp>
+      <p:sp>
+        <p:nvSpPr>
+          <p:cNvPr id="3" name="Tijdelijke aanduiding voor inhoud 2"/>
+          <p:cNvSpPr>
+            <a:spLocks noGrp="1"/>
+          </p:cNvSpPr>
           <p:nvPr>
             <p:ph idx="1"/>
           </p:nvPr>
-        </p:nvPicPr>
-        <p:blipFill rotWithShape="1">
-          <a:blip r:embed="rId2" cstate="print"/>
-          <a:srcRect l="31407" t="33565" r="20572" b="26158"/>
-          <a:stretch/>
-        </p:blipFill>
-        <p:spPr>
-          <a:xfrm>
-            <a:off x="952500" y="1528762"/>
-            <a:ext cx="9722588" cy="4587067"/>
-          </a:xfrm>
-          <a:prstGeom prst="rect">
-            <a:avLst/>
-          </a:prstGeom>
-        </p:spPr>
-      </p:pic>
-      <p:sp>
-        <p:nvSpPr>
-          <p:cNvPr id="5" name="Tekstvak 4">
-            <a:extLst>
-              <a:ext uri="{FF2B5EF4-FFF2-40B4-BE49-F238E27FC236}">
-                <a16:creationId xmlns:a16="http://schemas.microsoft.com/office/drawing/2014/main" xmlns="" id="{B862B65A-08A6-41EE-A49A-029A5CEB3C9A}"/>
+        </p:nvSpPr>
+        <p:spPr/>
+        <p:txBody>
+          <a:bodyPr/>
+          <a:lstStyle/>
+          <a:p>
+            <a:r>
+              <a:rPr lang="en-US" dirty="0"/>
+              <a:t>Constraints</a:t>
+            </a:r>
+          </a:p>
+          <a:p>
+            <a:pPr lvl="1"/>
+            <a:r>
+              <a:rPr lang="en-US" dirty="0" err="1"/>
+              <a:t>Geen</a:t>
+            </a:r>
+            <a:r>
+              <a:rPr lang="en-US" dirty="0"/>
+              <a:t> </a:t>
+            </a:r>
+            <a:r>
+              <a:rPr lang="en-US" dirty="0" err="1"/>
+              <a:t>aminozuren</a:t>
+            </a:r>
+            <a:r>
+              <a:rPr lang="en-US" dirty="0"/>
+              <a:t> op </a:t>
+            </a:r>
+            <a:r>
+              <a:rPr lang="en-US" dirty="0" err="1"/>
+              <a:t>dezelfde</a:t>
+            </a:r>
+            <a:r>
+              <a:rPr lang="en-US" dirty="0"/>
+              <a:t> </a:t>
+            </a:r>
+            <a:r>
+              <a:rPr lang="en-US" dirty="0" err="1"/>
+              <a:t>plek</a:t>
+            </a:r>
+            <a:endParaRPr lang="en-US" dirty="0"/>
+          </a:p>
+          <a:p>
+            <a:pPr lvl="1"/>
+            <a:r>
+              <a:rPr lang="en-US" dirty="0"/>
+              <a:t>Hoek van 90 </a:t>
+            </a:r>
+            <a:r>
+              <a:rPr lang="en-US" dirty="0" err="1"/>
+              <a:t>graden</a:t>
+            </a:r>
+            <a:r>
+              <a:rPr lang="en-US" dirty="0"/>
+              <a:t> of </a:t>
+            </a:r>
+            <a:r>
+              <a:rPr lang="en-US" dirty="0" err="1"/>
+              <a:t>recht</a:t>
+            </a:r>
+            <a:endParaRPr lang="en-US" dirty="0"/>
+          </a:p>
+          <a:p>
+            <a:endParaRPr lang="en-US" dirty="0"/>
+          </a:p>
+          <a:p>
+            <a:r>
+              <a:rPr lang="en-US" dirty="0"/>
+              <a:t>Constrained Optimization Problem</a:t>
+            </a:r>
+          </a:p>
+          <a:p>
+            <a:pPr marL="457200" lvl="1" indent="0">
+              <a:buNone/>
+            </a:pPr>
+            <a:endParaRPr lang="en-US" dirty="0"/>
+          </a:p>
+          <a:p>
+            <a:pPr marL="457200" lvl="1" indent="0">
+              <a:buNone/>
+            </a:pPr>
+            <a:endParaRPr lang="en-US" dirty="0"/>
+          </a:p>
+        </p:txBody>
+      </p:sp>
+      <p:sp>
+        <p:nvSpPr>
+          <p:cNvPr id="4" name="Tekstvak 3">
+            <a:extLst>
+              <a:ext uri="{FF2B5EF4-FFF2-40B4-BE49-F238E27FC236}">
+                <a16:creationId xmlns="" xmlns:a16="http://schemas.microsoft.com/office/drawing/2014/main" id="{99709D4B-4D71-4400-8214-1D7EB5722A0D}"/>
               </a:ext>
             </a:extLst>
           </p:cNvPr>
@@ -8285,11 +8413,6 @@
         </p:txBody>
       </p:sp>
     </p:spTree>
-    <p:extLst>
-      <p:ext uri="{BB962C8B-B14F-4D97-AF65-F5344CB8AC3E}">
-        <p14:creationId xmlns:p14="http://schemas.microsoft.com/office/powerpoint/2010/main" val="2460963347"/>
-      </p:ext>
-    </p:extLst>
   </p:cSld>
   <p:clrMapOvr>
     <a:masterClrMapping/>
@@ -8331,210 +8454,6 @@
           <a:p>
             <a:r>
               <a:rPr lang="en-US" dirty="0"/>
-              <a:t>Protein Pow(d)</a:t>
-            </a:r>
-            <a:r>
-              <a:rPr lang="en-US" dirty="0" err="1"/>
-              <a:t>er</a:t>
-            </a:r>
-            <a:r>
-              <a:rPr lang="en-US" dirty="0"/>
-              <a:t> - Casus</a:t>
-            </a:r>
-          </a:p>
-        </p:txBody>
-      </p:sp>
-      <p:sp>
-        <p:nvSpPr>
-          <p:cNvPr id="3" name="Tijdelijke aanduiding voor inhoud 2"/>
-          <p:cNvSpPr>
-            <a:spLocks noGrp="1"/>
-          </p:cNvSpPr>
-          <p:nvPr>
-            <p:ph idx="1"/>
-          </p:nvPr>
-        </p:nvSpPr>
-        <p:spPr/>
-        <p:txBody>
-          <a:bodyPr/>
-          <a:lstStyle/>
-          <a:p>
-            <a:r>
-              <a:rPr lang="en-US" dirty="0"/>
-              <a:t>Constraints</a:t>
-            </a:r>
-          </a:p>
-          <a:p>
-            <a:pPr lvl="1"/>
-            <a:r>
-              <a:rPr lang="en-US" dirty="0" err="1"/>
-              <a:t>Geen</a:t>
-            </a:r>
-            <a:r>
-              <a:rPr lang="en-US" dirty="0"/>
-              <a:t> </a:t>
-            </a:r>
-            <a:r>
-              <a:rPr lang="en-US" dirty="0" err="1"/>
-              <a:t>aminozuren</a:t>
-            </a:r>
-            <a:r>
-              <a:rPr lang="en-US" dirty="0"/>
-              <a:t> op </a:t>
-            </a:r>
-            <a:r>
-              <a:rPr lang="en-US" dirty="0" err="1"/>
-              <a:t>dezelfde</a:t>
-            </a:r>
-            <a:r>
-              <a:rPr lang="en-US" dirty="0"/>
-              <a:t> </a:t>
-            </a:r>
-            <a:r>
-              <a:rPr lang="en-US" dirty="0" err="1"/>
-              <a:t>plek</a:t>
-            </a:r>
-            <a:endParaRPr lang="en-US" dirty="0"/>
-          </a:p>
-          <a:p>
-            <a:pPr lvl="1"/>
-            <a:r>
-              <a:rPr lang="en-US" dirty="0"/>
-              <a:t>Hoek van 90 </a:t>
-            </a:r>
-            <a:r>
-              <a:rPr lang="en-US" dirty="0" err="1"/>
-              <a:t>graden</a:t>
-            </a:r>
-            <a:r>
-              <a:rPr lang="en-US" dirty="0"/>
-              <a:t> of </a:t>
-            </a:r>
-            <a:r>
-              <a:rPr lang="en-US" dirty="0" err="1"/>
-              <a:t>recht</a:t>
-            </a:r>
-            <a:endParaRPr lang="en-US" dirty="0"/>
-          </a:p>
-          <a:p>
-            <a:endParaRPr lang="en-US" dirty="0"/>
-          </a:p>
-          <a:p>
-            <a:r>
-              <a:rPr lang="en-US" dirty="0"/>
-              <a:t>Constrained Optimization Problem</a:t>
-            </a:r>
-          </a:p>
-          <a:p>
-            <a:pPr marL="457200" lvl="1" indent="0">
-              <a:buNone/>
-            </a:pPr>
-            <a:endParaRPr lang="en-US" dirty="0"/>
-          </a:p>
-          <a:p>
-            <a:pPr marL="457200" lvl="1" indent="0">
-              <a:buNone/>
-            </a:pPr>
-            <a:endParaRPr lang="en-US" dirty="0"/>
-          </a:p>
-        </p:txBody>
-      </p:sp>
-      <p:sp>
-        <p:nvSpPr>
-          <p:cNvPr id="4" name="Tekstvak 3">
-            <a:extLst>
-              <a:ext uri="{FF2B5EF4-FFF2-40B4-BE49-F238E27FC236}">
-                <a16:creationId xmlns:a16="http://schemas.microsoft.com/office/drawing/2014/main" xmlns="" id="{99709D4B-4D71-4400-8214-1D7EB5722A0D}"/>
-              </a:ext>
-            </a:extLst>
-          </p:cNvPr>
-          <p:cNvSpPr txBox="1"/>
-          <p:nvPr/>
-        </p:nvSpPr>
-        <p:spPr>
-          <a:xfrm>
-            <a:off x="420131" y="128248"/>
-            <a:ext cx="11059297" cy="338554"/>
-          </a:xfrm>
-          <a:prstGeom prst="rect">
-            <a:avLst/>
-          </a:prstGeom>
-          <a:noFill/>
-        </p:spPr>
-        <p:txBody>
-          <a:bodyPr wrap="square" rtlCol="0">
-            <a:spAutoFit/>
-          </a:bodyPr>
-          <a:lstStyle/>
-          <a:p>
-            <a:pPr algn="ctr"/>
-            <a:r>
-              <a:rPr lang="nl-NL" sz="1600" b="1" dirty="0" err="1">
-                <a:solidFill>
-                  <a:schemeClr val="accent1">
-                    <a:lumMod val="60000"/>
-                    <a:lumOff val="40000"/>
-                  </a:schemeClr>
-                </a:solidFill>
-              </a:rPr>
-              <a:t>Indroductie</a:t>
-            </a:r>
-            <a:r>
-              <a:rPr lang="nl-NL" sz="1600" b="1" dirty="0">
-                <a:solidFill>
-                  <a:schemeClr val="accent1">
-                    <a:lumMod val="20000"/>
-                    <a:lumOff val="80000"/>
-                  </a:schemeClr>
-                </a:solidFill>
-              </a:rPr>
-              <a:t>        Materiaal &amp; Methoden        Resultaten        Discussie </a:t>
-            </a:r>
-          </a:p>
-        </p:txBody>
-      </p:sp>
-    </p:spTree>
-  </p:cSld>
-  <p:clrMapOvr>
-    <a:masterClrMapping/>
-  </p:clrMapOvr>
-</p:sld>
-</file>
-
-<file path=ppt/slides/slide18.xml><?xml version="1.0" encoding="utf-8"?>
-<p:sld xmlns:a="http://schemas.openxmlformats.org/drawingml/2006/main" xmlns:r="http://schemas.openxmlformats.org/officeDocument/2006/relationships" xmlns:p="http://schemas.openxmlformats.org/presentationml/2006/main">
-  <p:cSld>
-    <p:spTree>
-      <p:nvGrpSpPr>
-        <p:cNvPr id="1" name=""/>
-        <p:cNvGrpSpPr/>
-        <p:nvPr/>
-      </p:nvGrpSpPr>
-      <p:grpSpPr>
-        <a:xfrm>
-          <a:off x="0" y="0"/>
-          <a:ext cx="0" cy="0"/>
-          <a:chOff x="0" y="0"/>
-          <a:chExt cx="0" cy="0"/>
-        </a:xfrm>
-      </p:grpSpPr>
-      <p:sp>
-        <p:nvSpPr>
-          <p:cNvPr id="2" name="Titel 1"/>
-          <p:cNvSpPr>
-            <a:spLocks noGrp="1"/>
-          </p:cNvSpPr>
-          <p:nvPr>
-            <p:ph type="title"/>
-          </p:nvPr>
-        </p:nvSpPr>
-        <p:spPr/>
-        <p:txBody>
-          <a:bodyPr/>
-          <a:lstStyle/>
-          <a:p>
-            <a:r>
-              <a:rPr lang="en-US" dirty="0"/>
               <a:t>4 </a:t>
             </a:r>
             <a:r>
@@ -8570,14 +8489,14 @@
                 <a:gridCol w="2497959">
                   <a:extLst>
                     <a:ext uri="{9D8B030D-6E8A-4147-A177-3AD203B41FA5}">
-                      <a16:colId xmlns:a16="http://schemas.microsoft.com/office/drawing/2014/main" xmlns="" val="20000"/>
+                      <a16:colId xmlns="" xmlns:a16="http://schemas.microsoft.com/office/drawing/2014/main" val="20000"/>
                     </a:ext>
                   </a:extLst>
                 </a:gridCol>
                 <a:gridCol w="7998373">
                   <a:extLst>
                     <a:ext uri="{9D8B030D-6E8A-4147-A177-3AD203B41FA5}">
-                      <a16:colId xmlns:a16="http://schemas.microsoft.com/office/drawing/2014/main" xmlns="" val="20001"/>
+                      <a16:colId xmlns="" xmlns:a16="http://schemas.microsoft.com/office/drawing/2014/main" val="20001"/>
                     </a:ext>
                   </a:extLst>
                 </a:gridCol>
@@ -8613,7 +8532,7 @@
                 </a:tc>
                 <a:extLst>
                   <a:ext uri="{0D108BD9-81ED-4DB2-BD59-A6C34878D82A}">
-                    <a16:rowId xmlns:a16="http://schemas.microsoft.com/office/drawing/2014/main" xmlns="" val="10000"/>
+                    <a16:rowId xmlns="" xmlns:a16="http://schemas.microsoft.com/office/drawing/2014/main" val="10000"/>
                   </a:ext>
                 </a:extLst>
               </a:tr>
@@ -8714,7 +8633,7 @@
                 </a:tc>
                 <a:extLst>
                   <a:ext uri="{0D108BD9-81ED-4DB2-BD59-A6C34878D82A}">
-                    <a16:rowId xmlns:a16="http://schemas.microsoft.com/office/drawing/2014/main" xmlns="" val="10001"/>
+                    <a16:rowId xmlns="" xmlns:a16="http://schemas.microsoft.com/office/drawing/2014/main" val="10001"/>
                   </a:ext>
                 </a:extLst>
               </a:tr>
@@ -8863,7 +8782,7 @@
                 </a:tc>
                 <a:extLst>
                   <a:ext uri="{0D108BD9-81ED-4DB2-BD59-A6C34878D82A}">
-                    <a16:rowId xmlns:a16="http://schemas.microsoft.com/office/drawing/2014/main" xmlns="" val="10002"/>
+                    <a16:rowId xmlns="" xmlns:a16="http://schemas.microsoft.com/office/drawing/2014/main" val="10002"/>
                   </a:ext>
                 </a:extLst>
               </a:tr>
@@ -8996,7 +8915,7 @@
                 </a:tc>
                 <a:extLst>
                   <a:ext uri="{0D108BD9-81ED-4DB2-BD59-A6C34878D82A}">
-                    <a16:rowId xmlns:a16="http://schemas.microsoft.com/office/drawing/2014/main" xmlns="" val="10003"/>
+                    <a16:rowId xmlns="" xmlns:a16="http://schemas.microsoft.com/office/drawing/2014/main" val="10003"/>
                   </a:ext>
                 </a:extLst>
               </a:tr>
@@ -9273,7 +9192,7 @@
                 </a:tc>
                 <a:extLst>
                   <a:ext uri="{0D108BD9-81ED-4DB2-BD59-A6C34878D82A}">
-                    <a16:rowId xmlns:a16="http://schemas.microsoft.com/office/drawing/2014/main" xmlns="" val="10004"/>
+                    <a16:rowId xmlns="" xmlns:a16="http://schemas.microsoft.com/office/drawing/2014/main" val="10004"/>
                   </a:ext>
                 </a:extLst>
               </a:tr>
@@ -9281,6 +9200,60 @@
           </a:graphicData>
         </a:graphic>
       </p:graphicFrame>
+      <p:sp>
+        <p:nvSpPr>
+          <p:cNvPr id="5" name="Tekstvak 12">
+            <a:extLst>
+              <a:ext uri="{FF2B5EF4-FFF2-40B4-BE49-F238E27FC236}">
+                <a16:creationId xmlns="" xmlns:a16="http://schemas.microsoft.com/office/drawing/2014/main" id="{44CABAE1-B325-4747-910E-7EDC7EDD7625}"/>
+              </a:ext>
+            </a:extLst>
+          </p:cNvPr>
+          <p:cNvSpPr txBox="1"/>
+          <p:nvPr/>
+        </p:nvSpPr>
+        <p:spPr>
+          <a:xfrm>
+            <a:off x="420131" y="128248"/>
+            <a:ext cx="11059297" cy="338554"/>
+          </a:xfrm>
+          <a:prstGeom prst="rect">
+            <a:avLst/>
+          </a:prstGeom>
+          <a:noFill/>
+        </p:spPr>
+        <p:txBody>
+          <a:bodyPr wrap="square" rtlCol="0">
+            <a:spAutoFit/>
+          </a:bodyPr>
+          <a:lstStyle/>
+          <a:p>
+            <a:pPr algn="ctr"/>
+            <a:r>
+              <a:rPr lang="nl-NL" sz="1600" b="1" dirty="0" err="1">
+                <a:solidFill>
+                  <a:schemeClr val="accent1">
+                    <a:lumMod val="60000"/>
+                    <a:lumOff val="40000"/>
+                  </a:schemeClr>
+                </a:solidFill>
+              </a:rPr>
+              <a:t>Indroductie</a:t>
+            </a:r>
+            <a:r>
+              <a:rPr lang="nl-NL" sz="1600" b="1" dirty="0">
+                <a:solidFill>
+                  <a:schemeClr val="accent1">
+                    <a:lumMod val="20000"/>
+                    <a:lumOff val="80000"/>
+                  </a:schemeClr>
+                </a:solidFill>
+              </a:rPr>
+              <a:t>        Materiaal &amp; Methoden        Resultaten        Discussie </a:t>
+            </a:r>
+          </a:p>
+        </p:txBody>
+      </p:sp>
     </p:spTree>
   </p:cSld>
   <p:clrMapOvr>
@@ -9289,7 +9262,7 @@
 </p:sld>
 </file>
 
-<file path=ppt/slides/slide19.xml><?xml version="1.0" encoding="utf-8"?>
+<file path=ppt/slides/slide18.xml><?xml version="1.0" encoding="utf-8"?>
 <p:sld xmlns:a="http://schemas.openxmlformats.org/drawingml/2006/main" xmlns:r="http://schemas.openxmlformats.org/officeDocument/2006/relationships" xmlns:p="http://schemas.openxmlformats.org/presentationml/2006/main">
   <p:cSld>
     <p:spTree>
@@ -9385,21 +9358,21 @@
                 <a:gridCol w="7080469">
                   <a:extLst>
                     <a:ext uri="{9D8B030D-6E8A-4147-A177-3AD203B41FA5}">
-                      <a16:colId xmlns:a16="http://schemas.microsoft.com/office/drawing/2014/main" xmlns="" val="20000"/>
+                      <a16:colId xmlns="" xmlns:a16="http://schemas.microsoft.com/office/drawing/2014/main" val="20000"/>
                     </a:ext>
                   </a:extLst>
                 </a:gridCol>
                 <a:gridCol w="1902372">
                   <a:extLst>
                     <a:ext uri="{9D8B030D-6E8A-4147-A177-3AD203B41FA5}">
-                      <a16:colId xmlns:a16="http://schemas.microsoft.com/office/drawing/2014/main" xmlns="" val="20001"/>
+                      <a16:colId xmlns="" xmlns:a16="http://schemas.microsoft.com/office/drawing/2014/main" val="20001"/>
                     </a:ext>
                   </a:extLst>
                 </a:gridCol>
                 <a:gridCol w="1912883">
                   <a:extLst>
                     <a:ext uri="{9D8B030D-6E8A-4147-A177-3AD203B41FA5}">
-                      <a16:colId xmlns:a16="http://schemas.microsoft.com/office/drawing/2014/main" xmlns="" val="20002"/>
+                      <a16:colId xmlns="" xmlns:a16="http://schemas.microsoft.com/office/drawing/2014/main" val="20002"/>
                     </a:ext>
                   </a:extLst>
                 </a:gridCol>
@@ -9447,7 +9420,7 @@
                 </a:tc>
                 <a:extLst>
                   <a:ext uri="{0D108BD9-81ED-4DB2-BD59-A6C34878D82A}">
-                    <a16:rowId xmlns:a16="http://schemas.microsoft.com/office/drawing/2014/main" xmlns="" val="10000"/>
+                    <a16:rowId xmlns="" xmlns:a16="http://schemas.microsoft.com/office/drawing/2014/main" val="10000"/>
                   </a:ext>
                 </a:extLst>
               </a:tr>
@@ -9582,7 +9555,7 @@
                 </a:tc>
                 <a:extLst>
                   <a:ext uri="{0D108BD9-81ED-4DB2-BD59-A6C34878D82A}">
-                    <a16:rowId xmlns:a16="http://schemas.microsoft.com/office/drawing/2014/main" xmlns="" val="10001"/>
+                    <a16:rowId xmlns="" xmlns:a16="http://schemas.microsoft.com/office/drawing/2014/main" val="10001"/>
                   </a:ext>
                 </a:extLst>
               </a:tr>
@@ -9765,7 +9738,7 @@
                 </a:tc>
                 <a:extLst>
                   <a:ext uri="{0D108BD9-81ED-4DB2-BD59-A6C34878D82A}">
-                    <a16:rowId xmlns:a16="http://schemas.microsoft.com/office/drawing/2014/main" xmlns="" val="10002"/>
+                    <a16:rowId xmlns="" xmlns:a16="http://schemas.microsoft.com/office/drawing/2014/main" val="10002"/>
                   </a:ext>
                 </a:extLst>
               </a:tr>
@@ -9928,7 +9901,7 @@
                 </a:tc>
                 <a:extLst>
                   <a:ext uri="{0D108BD9-81ED-4DB2-BD59-A6C34878D82A}">
-                    <a16:rowId xmlns:a16="http://schemas.microsoft.com/office/drawing/2014/main" xmlns="" val="10003"/>
+                    <a16:rowId xmlns="" xmlns:a16="http://schemas.microsoft.com/office/drawing/2014/main" val="10003"/>
                   </a:ext>
                 </a:extLst>
               </a:tr>
@@ -10235,7 +10208,7 @@
                 </a:tc>
                 <a:extLst>
                   <a:ext uri="{0D108BD9-81ED-4DB2-BD59-A6C34878D82A}">
-                    <a16:rowId xmlns:a16="http://schemas.microsoft.com/office/drawing/2014/main" xmlns="" val="10004"/>
+                    <a16:rowId xmlns="" xmlns:a16="http://schemas.microsoft.com/office/drawing/2014/main" val="10004"/>
                   </a:ext>
                 </a:extLst>
               </a:tr>
@@ -10243,6 +10216,315 @@
           </a:graphicData>
         </a:graphic>
       </p:graphicFrame>
+      <p:sp>
+        <p:nvSpPr>
+          <p:cNvPr id="5" name="Tekstvak 12">
+            <a:extLst>
+              <a:ext uri="{FF2B5EF4-FFF2-40B4-BE49-F238E27FC236}">
+                <a16:creationId xmlns="" xmlns:a16="http://schemas.microsoft.com/office/drawing/2014/main" id="{44CABAE1-B325-4747-910E-7EDC7EDD7625}"/>
+              </a:ext>
+            </a:extLst>
+          </p:cNvPr>
+          <p:cNvSpPr txBox="1"/>
+          <p:nvPr/>
+        </p:nvSpPr>
+        <p:spPr>
+          <a:xfrm>
+            <a:off x="420131" y="128248"/>
+            <a:ext cx="11059297" cy="338554"/>
+          </a:xfrm>
+          <a:prstGeom prst="rect">
+            <a:avLst/>
+          </a:prstGeom>
+          <a:noFill/>
+        </p:spPr>
+        <p:txBody>
+          <a:bodyPr wrap="square" rtlCol="0">
+            <a:spAutoFit/>
+          </a:bodyPr>
+          <a:lstStyle/>
+          <a:p>
+            <a:pPr algn="ctr"/>
+            <a:r>
+              <a:rPr lang="nl-NL" sz="1600" b="1" dirty="0" err="1">
+                <a:solidFill>
+                  <a:schemeClr val="accent1">
+                    <a:lumMod val="60000"/>
+                    <a:lumOff val="40000"/>
+                  </a:schemeClr>
+                </a:solidFill>
+              </a:rPr>
+              <a:t>Indroductie</a:t>
+            </a:r>
+            <a:r>
+              <a:rPr lang="nl-NL" sz="1600" b="1" dirty="0">
+                <a:solidFill>
+                  <a:schemeClr val="accent1">
+                    <a:lumMod val="20000"/>
+                    <a:lumOff val="80000"/>
+                  </a:schemeClr>
+                </a:solidFill>
+              </a:rPr>
+              <a:t>        Materiaal &amp; Methoden        Resultaten        Discussie </a:t>
+            </a:r>
+          </a:p>
+        </p:txBody>
+      </p:sp>
+    </p:spTree>
+  </p:cSld>
+  <p:clrMapOvr>
+    <a:masterClrMapping/>
+  </p:clrMapOvr>
+</p:sld>
+</file>
+
+<file path=ppt/slides/slide19.xml><?xml version="1.0" encoding="utf-8"?>
+<p:sld xmlns:a="http://schemas.openxmlformats.org/drawingml/2006/main" xmlns:r="http://schemas.openxmlformats.org/officeDocument/2006/relationships" xmlns:p="http://schemas.openxmlformats.org/presentationml/2006/main">
+  <p:cSld>
+    <p:spTree>
+      <p:nvGrpSpPr>
+        <p:cNvPr id="1" name=""/>
+        <p:cNvGrpSpPr/>
+        <p:nvPr/>
+      </p:nvGrpSpPr>
+      <p:grpSpPr>
+        <a:xfrm>
+          <a:off x="0" y="0"/>
+          <a:ext cx="0" cy="0"/>
+          <a:chOff x="0" y="0"/>
+          <a:chExt cx="0" cy="0"/>
+        </a:xfrm>
+      </p:grpSpPr>
+      <p:sp>
+        <p:nvSpPr>
+          <p:cNvPr id="2" name="Titel 1"/>
+          <p:cNvSpPr>
+            <a:spLocks noGrp="1"/>
+          </p:cNvSpPr>
+          <p:nvPr>
+            <p:ph type="title"/>
+          </p:nvPr>
+        </p:nvSpPr>
+        <p:spPr/>
+        <p:txBody>
+          <a:bodyPr/>
+          <a:lstStyle/>
+          <a:p>
+            <a:r>
+              <a:rPr lang="en-US" dirty="0" err="1"/>
+              <a:t>Methode</a:t>
+            </a:r>
+            <a:r>
+              <a:rPr lang="en-US" dirty="0"/>
+              <a:t>	</a:t>
+            </a:r>
+          </a:p>
+        </p:txBody>
+      </p:sp>
+      <p:sp>
+        <p:nvSpPr>
+          <p:cNvPr id="3" name="Tijdelijke aanduiding voor inhoud 2"/>
+          <p:cNvSpPr>
+            <a:spLocks noGrp="1"/>
+          </p:cNvSpPr>
+          <p:nvPr>
+            <p:ph idx="1"/>
+          </p:nvPr>
+        </p:nvSpPr>
+        <p:spPr/>
+        <p:txBody>
+          <a:bodyPr/>
+          <a:lstStyle/>
+          <a:p>
+            <a:r>
+              <a:rPr lang="nl-NL" dirty="0"/>
+              <a:t>Classes</a:t>
+            </a:r>
+          </a:p>
+          <a:p>
+            <a:pPr lvl="1"/>
+            <a:r>
+              <a:rPr lang="nl-NL" dirty="0" err="1"/>
+              <a:t>Amino</a:t>
+            </a:r>
+            <a:r>
+              <a:rPr lang="nl-NL" dirty="0"/>
+              <a:t> Acid</a:t>
+            </a:r>
+          </a:p>
+          <a:p>
+            <a:pPr lvl="1"/>
+            <a:r>
+              <a:rPr lang="nl-NL" dirty="0" err="1"/>
+              <a:t>Amino</a:t>
+            </a:r>
+            <a:r>
+              <a:rPr lang="nl-NL" dirty="0"/>
+              <a:t> Acid </a:t>
+            </a:r>
+            <a:r>
+              <a:rPr lang="nl-NL" dirty="0" err="1"/>
+              <a:t>Chain</a:t>
+            </a:r>
+            <a:endParaRPr lang="nl-NL" dirty="0"/>
+          </a:p>
+          <a:p>
+            <a:r>
+              <a:rPr lang="nl-NL" dirty="0"/>
+              <a:t>Assenstelsel </a:t>
+            </a:r>
+          </a:p>
+          <a:p>
+            <a:pPr lvl="1"/>
+            <a:r>
+              <a:rPr lang="nl-NL" dirty="0"/>
+              <a:t>2D (x, y)</a:t>
+            </a:r>
+          </a:p>
+          <a:p>
+            <a:pPr lvl="1"/>
+            <a:r>
+              <a:rPr lang="nl-NL" dirty="0"/>
+              <a:t>3D (x, y, z)</a:t>
+            </a:r>
+          </a:p>
+          <a:p>
+            <a:r>
+              <a:rPr lang="nl-NL" dirty="0"/>
+              <a:t>Plot</a:t>
+            </a:r>
+            <a:endParaRPr lang="en-US" dirty="0"/>
+          </a:p>
+        </p:txBody>
+      </p:sp>
+      <p:pic>
+        <p:nvPicPr>
+          <p:cNvPr id="1026" name="Picture 2" descr="http://puu.sh/yH29A/a19fa21f6d.jpg"/>
+          <p:cNvPicPr>
+            <a:picLocks noChangeAspect="1" noChangeArrowheads="1"/>
+          </p:cNvPicPr>
+          <p:nvPr/>
+        </p:nvPicPr>
+        <p:blipFill>
+          <a:blip r:embed="rId2">
+            <a:extLst>
+              <a:ext uri="{28A0092B-C50C-407E-A947-70E740481C1C}">
+                <a14:useLocalDpi xmlns:a14="http://schemas.microsoft.com/office/drawing/2010/main" val="0"/>
+              </a:ext>
+            </a:extLst>
+          </a:blip>
+          <a:srcRect/>
+          <a:stretch>
+            <a:fillRect/>
+          </a:stretch>
+        </p:blipFill>
+        <p:spPr bwMode="auto">
+          <a:xfrm>
+            <a:off x="5367655" y="649922"/>
+            <a:ext cx="5972175" cy="5343526"/>
+          </a:xfrm>
+          <a:prstGeom prst="rect">
+            <a:avLst/>
+          </a:prstGeom>
+          <a:noFill/>
+          <a:extLst>
+            <a:ext uri="{909E8E84-426E-40DD-AFC4-6F175D3DCCD1}">
+              <a14:hiddenFill xmlns:a14="http://schemas.microsoft.com/office/drawing/2010/main">
+                <a:solidFill>
+                  <a:srgbClr val="FFFFFF"/>
+                </a:solidFill>
+              </a14:hiddenFill>
+            </a:ext>
+          </a:extLst>
+        </p:spPr>
+      </p:pic>
+      <p:sp>
+        <p:nvSpPr>
+          <p:cNvPr id="5" name="Tekstvak 12">
+            <a:extLst>
+              <a:ext uri="{FF2B5EF4-FFF2-40B4-BE49-F238E27FC236}">
+                <a16:creationId xmlns="" xmlns:a16="http://schemas.microsoft.com/office/drawing/2014/main" id="{44CABAE1-B325-4747-910E-7EDC7EDD7625}"/>
+              </a:ext>
+            </a:extLst>
+          </p:cNvPr>
+          <p:cNvSpPr txBox="1"/>
+          <p:nvPr/>
+        </p:nvSpPr>
+        <p:spPr>
+          <a:xfrm>
+            <a:off x="420131" y="128248"/>
+            <a:ext cx="11059297" cy="338554"/>
+          </a:xfrm>
+          <a:prstGeom prst="rect">
+            <a:avLst/>
+          </a:prstGeom>
+          <a:noFill/>
+        </p:spPr>
+        <p:txBody>
+          <a:bodyPr wrap="square" rtlCol="0">
+            <a:spAutoFit/>
+          </a:bodyPr>
+          <a:lstStyle/>
+          <a:p>
+            <a:pPr algn="ctr"/>
+            <a:r>
+              <a:rPr lang="nl-NL" sz="1600" b="1" dirty="0" err="1">
+                <a:solidFill>
+                  <a:schemeClr val="accent1">
+                    <a:lumMod val="20000"/>
+                    <a:lumOff val="80000"/>
+                  </a:schemeClr>
+                </a:solidFill>
+              </a:rPr>
+              <a:t>Indroductie</a:t>
+            </a:r>
+            <a:r>
+              <a:rPr lang="nl-NL" sz="1600" b="1" dirty="0">
+                <a:solidFill>
+                  <a:schemeClr val="accent1">
+                    <a:lumMod val="20000"/>
+                    <a:lumOff val="80000"/>
+                  </a:schemeClr>
+                </a:solidFill>
+              </a:rPr>
+              <a:t>  </a:t>
+            </a:r>
+            <a:r>
+              <a:rPr lang="nl-NL" sz="1600" b="1" dirty="0">
+                <a:solidFill>
+                  <a:schemeClr val="accent1">
+                    <a:lumMod val="20000"/>
+                    <a:lumOff val="80000"/>
+                  </a:schemeClr>
+                </a:solidFill>
+              </a:rPr>
+              <a:t>      </a:t>
+            </a:r>
+            <a:r>
+              <a:rPr lang="nl-NL" sz="1600" b="1" dirty="0">
+                <a:solidFill>
+                  <a:schemeClr val="accent1">
+                    <a:lumMod val="60000"/>
+                    <a:lumOff val="40000"/>
+                  </a:schemeClr>
+                </a:solidFill>
+              </a:rPr>
+              <a:t>Materiaal &amp; Methoden        </a:t>
+            </a:r>
+            <a:r>
+              <a:rPr lang="nl-NL" sz="1600" b="1" dirty="0">
+                <a:solidFill>
+                  <a:schemeClr val="accent1">
+                    <a:lumMod val="20000"/>
+                    <a:lumOff val="80000"/>
+                  </a:schemeClr>
+                </a:solidFill>
+              </a:rPr>
+              <a:t>Resultaten        Discussie </a:t>
+            </a:r>
+          </a:p>
+        </p:txBody>
+      </p:sp>
     </p:spTree>
   </p:cSld>
   <p:clrMapOvr>
@@ -10273,7 +10555,7 @@
           <p:cNvPr id="2" name="Titel 1">
             <a:extLst>
               <a:ext uri="{FF2B5EF4-FFF2-40B4-BE49-F238E27FC236}">
-                <a16:creationId xmlns:a16="http://schemas.microsoft.com/office/drawing/2014/main" xmlns="" id="{769A96FB-BA26-47C0-85BC-9E5A44D94A65}"/>
+                <a16:creationId xmlns="" xmlns:a16="http://schemas.microsoft.com/office/drawing/2014/main" id="{769A96FB-BA26-47C0-85BC-9E5A44D94A65}"/>
               </a:ext>
             </a:extLst>
           </p:cNvPr>
@@ -10301,7 +10583,7 @@
           <p:cNvPr id="13" name="Tekstvak 12">
             <a:extLst>
               <a:ext uri="{FF2B5EF4-FFF2-40B4-BE49-F238E27FC236}">
-                <a16:creationId xmlns:a16="http://schemas.microsoft.com/office/drawing/2014/main" xmlns="" id="{44CABAE1-B325-4747-910E-7EDC7EDD7625}"/>
+                <a16:creationId xmlns="" xmlns:a16="http://schemas.microsoft.com/office/drawing/2014/main" id="{44CABAE1-B325-4747-910E-7EDC7EDD7625}"/>
               </a:ext>
             </a:extLst>
           </p:cNvPr>
@@ -10355,7 +10637,7 @@
           <p:cNvPr id="7" name="AutoShape 2" descr="Afbeeldingsresultaat voor cel from human">
             <a:extLst>
               <a:ext uri="{FF2B5EF4-FFF2-40B4-BE49-F238E27FC236}">
-                <a16:creationId xmlns:a16="http://schemas.microsoft.com/office/drawing/2014/main" xmlns="" id="{BAA6AD35-A0AD-46FB-8C83-83697536AD9E}"/>
+                <a16:creationId xmlns="" xmlns:a16="http://schemas.microsoft.com/office/drawing/2014/main" id="{BAA6AD35-A0AD-46FB-8C83-83697536AD9E}"/>
               </a:ext>
             </a:extLst>
           </p:cNvPr>
@@ -10400,7 +10682,7 @@
           <p:cNvPr id="14" name="AutoShape 4" descr="Afbeeldingsresultaat voor cel from human">
             <a:extLst>
               <a:ext uri="{FF2B5EF4-FFF2-40B4-BE49-F238E27FC236}">
-                <a16:creationId xmlns:a16="http://schemas.microsoft.com/office/drawing/2014/main" xmlns="" id="{DE7F6D67-FFDD-4318-B4D9-E249E6758D4A}"/>
+                <a16:creationId xmlns="" xmlns:a16="http://schemas.microsoft.com/office/drawing/2014/main" id="{DE7F6D67-FFDD-4318-B4D9-E249E6758D4A}"/>
               </a:ext>
             </a:extLst>
           </p:cNvPr>
@@ -10445,7 +10727,7 @@
           <p:cNvPr id="16" name="Afbeelding 15">
             <a:extLst>
               <a:ext uri="{FF2B5EF4-FFF2-40B4-BE49-F238E27FC236}">
-                <a16:creationId xmlns:a16="http://schemas.microsoft.com/office/drawing/2014/main" xmlns="" id="{028B203A-6AFB-43CC-A2E5-888B735C297F}"/>
+                <a16:creationId xmlns="" xmlns:a16="http://schemas.microsoft.com/office/drawing/2014/main" id="{028B203A-6AFB-43CC-A2E5-888B735C297F}"/>
               </a:ext>
             </a:extLst>
           </p:cNvPr>
@@ -10481,7 +10763,7 @@
           <p:cNvPr id="19" name="Gelijkbenige driehoek 18">
             <a:extLst>
               <a:ext uri="{FF2B5EF4-FFF2-40B4-BE49-F238E27FC236}">
-                <a16:creationId xmlns:a16="http://schemas.microsoft.com/office/drawing/2014/main" xmlns="" id="{3473C7A5-6D55-4B8D-B912-17E38BDAAE6F}"/>
+                <a16:creationId xmlns="" xmlns:a16="http://schemas.microsoft.com/office/drawing/2014/main" id="{3473C7A5-6D55-4B8D-B912-17E38BDAAE6F}"/>
               </a:ext>
             </a:extLst>
           </p:cNvPr>
@@ -10540,7 +10822,7 @@
           <p:cNvPr id="21" name="Afbeelding 20">
             <a:extLst>
               <a:ext uri="{FF2B5EF4-FFF2-40B4-BE49-F238E27FC236}">
-                <a16:creationId xmlns:a16="http://schemas.microsoft.com/office/drawing/2014/main" xmlns="" id="{2E4ED76A-8CDE-4820-BEF2-FFF0CAB0FFC2}"/>
+                <a16:creationId xmlns="" xmlns:a16="http://schemas.microsoft.com/office/drawing/2014/main" id="{2E4ED76A-8CDE-4820-BEF2-FFF0CAB0FFC2}"/>
               </a:ext>
             </a:extLst>
           </p:cNvPr>
@@ -10570,7 +10852,7 @@
           <p:cNvPr id="29" name="Tekstvak 28">
             <a:extLst>
               <a:ext uri="{FF2B5EF4-FFF2-40B4-BE49-F238E27FC236}">
-                <a16:creationId xmlns:a16="http://schemas.microsoft.com/office/drawing/2014/main" xmlns="" id="{3F5F8535-0F1D-4072-B4F7-ECC8E1EF4714}"/>
+                <a16:creationId xmlns="" xmlns:a16="http://schemas.microsoft.com/office/drawing/2014/main" id="{3F5F8535-0F1D-4072-B4F7-ECC8E1EF4714}"/>
               </a:ext>
             </a:extLst>
           </p:cNvPr>
@@ -10605,7 +10887,7 @@
           <p:cNvPr id="30" name="Tekstvak 29">
             <a:extLst>
               <a:ext uri="{FF2B5EF4-FFF2-40B4-BE49-F238E27FC236}">
-                <a16:creationId xmlns:a16="http://schemas.microsoft.com/office/drawing/2014/main" xmlns="" id="{60EFD1DE-A3E9-41CC-9FD4-3B5142326B68}"/>
+                <a16:creationId xmlns="" xmlns:a16="http://schemas.microsoft.com/office/drawing/2014/main" id="{60EFD1DE-A3E9-41CC-9FD4-3B5142326B68}"/>
               </a:ext>
             </a:extLst>
           </p:cNvPr>
@@ -10684,10 +10966,7 @@
               <a:rPr lang="en-US" dirty="0" err="1"/>
               <a:t>Methode</a:t>
             </a:r>
-            <a:r>
-              <a:rPr lang="en-US" dirty="0"/>
-              <a:t>	</a:t>
-            </a:r>
+            <a:endParaRPr lang="en-US" dirty="0"/>
           </a:p>
         </p:txBody>
       </p:sp>
@@ -10707,107 +10986,141 @@
           <a:lstStyle/>
           <a:p>
             <a:r>
-              <a:rPr lang="nl-NL" dirty="0"/>
-              <a:t>Classes</a:t>
+              <a:rPr lang="en-US" dirty="0" err="1"/>
+              <a:t>Algoritmen</a:t>
+            </a:r>
+            <a:r>
+              <a:rPr lang="en-US" dirty="0"/>
+              <a:t>:</a:t>
             </a:r>
           </a:p>
           <a:p>
             <a:pPr lvl="1"/>
             <a:r>
-              <a:rPr lang="nl-NL" dirty="0" err="1"/>
-              <a:t>Amino</a:t>
-            </a:r>
-            <a:r>
-              <a:rPr lang="nl-NL" dirty="0"/>
-              <a:t> Acid</a:t>
+              <a:rPr lang="en-US" dirty="0"/>
+              <a:t>Random</a:t>
             </a:r>
           </a:p>
           <a:p>
             <a:pPr lvl="1"/>
             <a:r>
-              <a:rPr lang="nl-NL" dirty="0" err="1"/>
-              <a:t>Amino</a:t>
-            </a:r>
-            <a:r>
-              <a:rPr lang="nl-NL" dirty="0"/>
-              <a:t> Acid </a:t>
-            </a:r>
-            <a:r>
-              <a:rPr lang="nl-NL" dirty="0" err="1"/>
-              <a:t>Chain</a:t>
-            </a:r>
-            <a:endParaRPr lang="nl-NL" dirty="0"/>
-          </a:p>
-          <a:p>
-            <a:r>
-              <a:rPr lang="nl-NL" dirty="0"/>
-              <a:t>Assenstelsel </a:t>
+              <a:rPr lang="en-US" dirty="0" smtClean="0"/>
+              <a:t>Breadth-first</a:t>
             </a:r>
           </a:p>
           <a:p>
             <a:pPr lvl="1"/>
             <a:r>
-              <a:rPr lang="nl-NL" dirty="0"/>
-              <a:t>2D (x, y)</a:t>
-            </a:r>
+              <a:rPr lang="en-US" dirty="0" smtClean="0"/>
+              <a:t>Depth-first</a:t>
+            </a:r>
+            <a:endParaRPr lang="en-US" dirty="0"/>
           </a:p>
           <a:p>
             <a:pPr lvl="1"/>
             <a:r>
-              <a:rPr lang="nl-NL" dirty="0"/>
-              <a:t>3D (x, y, z)</a:t>
-            </a:r>
-          </a:p>
-          <a:p>
-            <a:r>
-              <a:rPr lang="nl-NL" dirty="0"/>
-              <a:t>Plot</a:t>
+              <a:rPr lang="en-US" dirty="0" err="1" smtClean="0"/>
+              <a:t>Hillclimber</a:t>
+            </a:r>
+            <a:endParaRPr lang="en-US" dirty="0" smtClean="0"/>
+          </a:p>
+          <a:p>
+            <a:pPr lvl="1"/>
+            <a:r>
+              <a:rPr lang="en-US" dirty="0" smtClean="0"/>
+              <a:t>Simulated Annealing</a:t>
             </a:r>
             <a:endParaRPr lang="en-US" dirty="0"/>
           </a:p>
         </p:txBody>
       </p:sp>
-      <p:pic>
-        <p:nvPicPr>
-          <p:cNvPr id="1026" name="Picture 2" descr="http://puu.sh/yH29A/a19fa21f6d.jpg"/>
-          <p:cNvPicPr>
-            <a:picLocks noChangeAspect="1" noChangeArrowheads="1"/>
-          </p:cNvPicPr>
-          <p:nvPr/>
-        </p:nvPicPr>
-        <p:blipFill>
-          <a:blip r:embed="rId2">
-            <a:extLst>
-              <a:ext uri="{28A0092B-C50C-407E-A947-70E740481C1C}">
-                <a14:useLocalDpi xmlns:a14="http://schemas.microsoft.com/office/drawing/2010/main" val="0"/>
-              </a:ext>
-            </a:extLst>
-          </a:blip>
-          <a:srcRect/>
-          <a:stretch>
-            <a:fillRect/>
-          </a:stretch>
-        </p:blipFill>
-        <p:spPr bwMode="auto">
-          <a:xfrm>
-            <a:off x="5367655" y="649922"/>
-            <a:ext cx="5972175" cy="5343526"/>
+      <p:sp>
+        <p:nvSpPr>
+          <p:cNvPr id="6" name="Tekstvak 12">
+            <a:extLst>
+              <a:ext uri="{FF2B5EF4-FFF2-40B4-BE49-F238E27FC236}">
+                <a16:creationId xmlns="" xmlns:a16="http://schemas.microsoft.com/office/drawing/2014/main" id="{44CABAE1-B325-4747-910E-7EDC7EDD7625}"/>
+              </a:ext>
+            </a:extLst>
+          </p:cNvPr>
+          <p:cNvSpPr txBox="1"/>
+          <p:nvPr/>
+        </p:nvSpPr>
+        <p:spPr>
+          <a:xfrm>
+            <a:off x="420131" y="128248"/>
+            <a:ext cx="11059297" cy="338554"/>
           </a:xfrm>
           <a:prstGeom prst="rect">
             <a:avLst/>
           </a:prstGeom>
           <a:noFill/>
-          <a:extLst>
-            <a:ext uri="{909E8E84-426E-40DD-AFC4-6F175D3DCCD1}">
-              <a14:hiddenFill xmlns:a14="http://schemas.microsoft.com/office/drawing/2010/main">
+        </p:spPr>
+        <p:txBody>
+          <a:bodyPr wrap="square" rtlCol="0">
+            <a:spAutoFit/>
+          </a:bodyPr>
+          <a:lstStyle/>
+          <a:p>
+            <a:pPr algn="ctr"/>
+            <a:r>
+              <a:rPr lang="nl-NL" sz="1600" b="1" dirty="0" err="1">
                 <a:solidFill>
-                  <a:srgbClr val="FFFFFF"/>
+                  <a:schemeClr val="accent1">
+                    <a:lumMod val="20000"/>
+                    <a:lumOff val="80000"/>
+                  </a:schemeClr>
                 </a:solidFill>
-              </a14:hiddenFill>
-            </a:ext>
-          </a:extLst>
-        </p:spPr>
-      </p:pic>
+              </a:rPr>
+              <a:t>Indroductie</a:t>
+            </a:r>
+            <a:r>
+              <a:rPr lang="nl-NL" sz="1600" b="1" dirty="0">
+                <a:solidFill>
+                  <a:schemeClr val="accent1">
+                    <a:lumMod val="20000"/>
+                    <a:lumOff val="80000"/>
+                  </a:schemeClr>
+                </a:solidFill>
+              </a:rPr>
+              <a:t>  </a:t>
+            </a:r>
+            <a:r>
+              <a:rPr lang="nl-NL" sz="1600" b="1" dirty="0">
+                <a:solidFill>
+                  <a:schemeClr val="accent1">
+                    <a:lumMod val="20000"/>
+                    <a:lumOff val="80000"/>
+                  </a:schemeClr>
+                </a:solidFill>
+              </a:rPr>
+              <a:t>      </a:t>
+            </a:r>
+            <a:r>
+              <a:rPr lang="nl-NL" sz="1600" b="1" dirty="0">
+                <a:solidFill>
+                  <a:schemeClr val="accent1">
+                    <a:lumMod val="60000"/>
+                    <a:lumOff val="40000"/>
+                  </a:schemeClr>
+                </a:solidFill>
+              </a:rPr>
+              <a:t>Materiaal &amp; Methoden        </a:t>
+            </a:r>
+            <a:r>
+              <a:rPr lang="nl-NL" sz="1600" b="1" dirty="0">
+                <a:solidFill>
+                  <a:schemeClr val="accent1">
+                    <a:lumMod val="20000"/>
+                    <a:lumOff val="80000"/>
+                  </a:schemeClr>
+                </a:solidFill>
+              </a:rPr>
+              <a:t>Resultaten        Discussie </a:t>
+            </a:r>
+          </a:p>
+        </p:txBody>
+      </p:sp>
     </p:spTree>
   </p:cSld>
   <p:clrMapOvr>
@@ -10849,10 +11162,9 @@
           <a:lstStyle/>
           <a:p>
             <a:r>
-              <a:rPr lang="en-US" dirty="0" err="1"/>
-              <a:t>Methode</a:t>
-            </a:r>
-            <a:endParaRPr lang="en-US" dirty="0"/>
+              <a:rPr lang="en-US" dirty="0"/>
+              <a:t>Breadth-first</a:t>
+            </a:r>
           </a:p>
         </p:txBody>
       </p:sp>
@@ -10872,51 +11184,1398 @@
           <a:lstStyle/>
           <a:p>
             <a:r>
-              <a:rPr lang="en-US" dirty="0" err="1"/>
-              <a:t>Algoritmen</a:t>
-            </a:r>
-            <a:r>
-              <a:rPr lang="en-US" dirty="0"/>
-              <a:t>:</a:t>
-            </a:r>
+              <a:rPr lang="en-US" dirty="0" smtClean="0"/>
+              <a:t>Chains </a:t>
+            </a:r>
+            <a:r>
+              <a:rPr lang="en-US" dirty="0" err="1" smtClean="0"/>
+              <a:t>bouwen</a:t>
+            </a:r>
+            <a:r>
+              <a:rPr lang="en-US" dirty="0" smtClean="0"/>
+              <a:t> in </a:t>
+            </a:r>
+            <a:r>
+              <a:rPr lang="en-US" dirty="0" err="1" smtClean="0"/>
+              <a:t>een</a:t>
+            </a:r>
+            <a:r>
+              <a:rPr lang="en-US" dirty="0" smtClean="0"/>
+              <a:t> </a:t>
+            </a:r>
+            <a:r>
+              <a:rPr lang="en-US" b="1" dirty="0" smtClean="0"/>
+              <a:t>deque</a:t>
+            </a:r>
+          </a:p>
+          <a:p>
+            <a:r>
+              <a:rPr lang="en-US" dirty="0" smtClean="0"/>
+              <a:t>First-in, First-out</a:t>
+            </a:r>
+          </a:p>
+          <a:p>
+            <a:endParaRPr lang="en-US" dirty="0"/>
+          </a:p>
+          <a:p>
+            <a:r>
+              <a:rPr lang="en-US" u="sng" dirty="0" smtClean="0"/>
+              <a:t>Extra </a:t>
+            </a:r>
+            <a:r>
+              <a:rPr lang="en-US" u="sng" dirty="0" err="1" smtClean="0"/>
+              <a:t>versie</a:t>
+            </a:r>
+            <a:r>
+              <a:rPr lang="en-US" u="sng" dirty="0" smtClean="0"/>
+              <a:t> </a:t>
+            </a:r>
+            <a:r>
+              <a:rPr lang="en-US" b="1" u="sng" dirty="0" smtClean="0"/>
+              <a:t>met</a:t>
+            </a:r>
+            <a:r>
+              <a:rPr lang="en-US" u="sng" dirty="0" smtClean="0"/>
+              <a:t> </a:t>
+            </a:r>
+            <a:r>
+              <a:rPr lang="en-US" u="sng" dirty="0" err="1" smtClean="0"/>
+              <a:t>heuristieken</a:t>
+            </a:r>
+            <a:endParaRPr lang="en-US" u="sng" dirty="0" smtClean="0"/>
           </a:p>
           <a:p>
             <a:pPr lvl="1"/>
             <a:r>
-              <a:rPr lang="en-US" dirty="0"/>
-              <a:t>Random</a:t>
-            </a:r>
+              <a:rPr lang="en-US" dirty="0" err="1" smtClean="0"/>
+              <a:t>Beperkt</a:t>
+            </a:r>
+            <a:r>
+              <a:rPr lang="en-US" dirty="0" smtClean="0"/>
+              <a:t> </a:t>
+            </a:r>
+            <a:r>
+              <a:rPr lang="en-US" dirty="0" err="1" smtClean="0"/>
+              <a:t>domijn</a:t>
+            </a:r>
+            <a:r>
+              <a:rPr lang="en-US" dirty="0" smtClean="0"/>
+              <a:t> </a:t>
+            </a:r>
+            <a:r>
+              <a:rPr lang="en-US" dirty="0" err="1" smtClean="0"/>
+              <a:t>voor</a:t>
+            </a:r>
+            <a:r>
+              <a:rPr lang="en-US" dirty="0" smtClean="0"/>
+              <a:t> de x/y/z </a:t>
+            </a:r>
+            <a:r>
+              <a:rPr lang="en-US" dirty="0" err="1" smtClean="0"/>
+              <a:t>assen</a:t>
+            </a:r>
+            <a:endParaRPr lang="en-US" dirty="0"/>
+          </a:p>
+          <a:p>
+            <a:pPr marL="0" indent="0">
+              <a:buNone/>
+            </a:pPr>
+            <a:endParaRPr lang="en-US" u="sng" dirty="0" smtClean="0"/>
           </a:p>
           <a:p>
             <a:pPr lvl="1"/>
             <a:r>
               <a:rPr lang="en-US" dirty="0" smtClean="0"/>
-              <a:t>Breadth-first</a:t>
-            </a:r>
+              <a:t>+ </a:t>
+            </a:r>
+            <a:r>
+              <a:rPr lang="en-US" dirty="0" err="1" smtClean="0"/>
+              <a:t>Sneller</a:t>
+            </a:r>
+            <a:endParaRPr lang="en-US" dirty="0" smtClean="0"/>
           </a:p>
           <a:p>
             <a:pPr lvl="1"/>
             <a:r>
               <a:rPr lang="en-US" dirty="0" smtClean="0"/>
-              <a:t>Depth-first</a:t>
+              <a:t>- </a:t>
+            </a:r>
+            <a:r>
+              <a:rPr lang="en-US" dirty="0" err="1" smtClean="0"/>
+              <a:t>Verliest</a:t>
+            </a:r>
+            <a:r>
+              <a:rPr lang="en-US" dirty="0" smtClean="0"/>
+              <a:t> </a:t>
+            </a:r>
+            <a:r>
+              <a:rPr lang="en-US" dirty="0" err="1" smtClean="0"/>
+              <a:t>garantie</a:t>
+            </a:r>
+            <a:r>
+              <a:rPr lang="en-US" dirty="0" smtClean="0"/>
+              <a:t> </a:t>
+            </a:r>
+            <a:r>
+              <a:rPr lang="en-US" dirty="0" err="1" smtClean="0"/>
+              <a:t>beste</a:t>
+            </a:r>
+            <a:r>
+              <a:rPr lang="en-US" dirty="0" smtClean="0"/>
+              <a:t> </a:t>
+            </a:r>
+            <a:r>
+              <a:rPr lang="en-US" dirty="0" err="1" smtClean="0"/>
+              <a:t>oplossig</a:t>
             </a:r>
             <a:endParaRPr lang="en-US" dirty="0"/>
           </a:p>
-          <a:p>
-            <a:pPr lvl="1"/>
-            <a:r>
-              <a:rPr lang="en-US" dirty="0" err="1" smtClean="0"/>
-              <a:t>Hillclimber</a:t>
-            </a:r>
-            <a:endParaRPr lang="en-US" dirty="0" smtClean="0"/>
-          </a:p>
-          <a:p>
-            <a:pPr lvl="1"/>
-            <a:r>
-              <a:rPr lang="en-US" dirty="0" smtClean="0"/>
-              <a:t>Simulated Annealing</a:t>
-            </a:r>
-            <a:endParaRPr lang="en-US" dirty="0"/>
+        </p:txBody>
+      </p:sp>
+      <p:sp>
+        <p:nvSpPr>
+          <p:cNvPr id="4" name="Rectangle 3"/>
+          <p:cNvSpPr/>
+          <p:nvPr/>
+        </p:nvSpPr>
+        <p:spPr>
+          <a:xfrm>
+            <a:off x="7117080" y="1910080"/>
+            <a:ext cx="1717040" cy="1503680"/>
+          </a:xfrm>
+          <a:prstGeom prst="rect">
+            <a:avLst/>
+          </a:prstGeom>
+          <a:solidFill>
+            <a:schemeClr val="bg1"/>
+          </a:solidFill>
+          <a:ln>
+            <a:solidFill>
+              <a:schemeClr val="tx1"/>
+            </a:solidFill>
+          </a:ln>
+        </p:spPr>
+        <p:style>
+          <a:lnRef idx="2">
+            <a:schemeClr val="accent1">
+              <a:shade val="50000"/>
+            </a:schemeClr>
+          </a:lnRef>
+          <a:fillRef idx="1">
+            <a:schemeClr val="accent1"/>
+          </a:fillRef>
+          <a:effectRef idx="0">
+            <a:schemeClr val="accent1"/>
+          </a:effectRef>
+          <a:fontRef idx="minor">
+            <a:schemeClr val="lt1"/>
+          </a:fontRef>
+        </p:style>
+        <p:txBody>
+          <a:bodyPr rtlCol="0" anchor="ctr"/>
+          <a:lstStyle/>
+          <a:p>
+            <a:pPr algn="ctr"/>
+            <a:endParaRPr lang="nl-NL">
+              <a:solidFill>
+                <a:schemeClr val="bg1"/>
+              </a:solidFill>
+            </a:endParaRPr>
+          </a:p>
+        </p:txBody>
+      </p:sp>
+      <p:sp>
+        <p:nvSpPr>
+          <p:cNvPr id="5" name="Rectangle 4"/>
+          <p:cNvSpPr/>
+          <p:nvPr/>
+        </p:nvSpPr>
+        <p:spPr>
+          <a:xfrm>
+            <a:off x="7381240" y="2047240"/>
+            <a:ext cx="1188720" cy="1229360"/>
+          </a:xfrm>
+          <a:prstGeom prst="rect">
+            <a:avLst/>
+          </a:prstGeom>
+          <a:solidFill>
+            <a:schemeClr val="bg1"/>
+          </a:solidFill>
+          <a:ln>
+            <a:solidFill>
+              <a:schemeClr val="tx1"/>
+            </a:solidFill>
+          </a:ln>
+        </p:spPr>
+        <p:style>
+          <a:lnRef idx="2">
+            <a:schemeClr val="accent1">
+              <a:shade val="50000"/>
+            </a:schemeClr>
+          </a:lnRef>
+          <a:fillRef idx="1">
+            <a:schemeClr val="accent1"/>
+          </a:fillRef>
+          <a:effectRef idx="0">
+            <a:schemeClr val="accent1"/>
+          </a:effectRef>
+          <a:fontRef idx="minor">
+            <a:schemeClr val="lt1"/>
+          </a:fontRef>
+        </p:style>
+        <p:txBody>
+          <a:bodyPr rtlCol="0" anchor="ctr"/>
+          <a:lstStyle/>
+          <a:p>
+            <a:pPr algn="ctr"/>
+            <a:endParaRPr lang="nl-NL"/>
+          </a:p>
+        </p:txBody>
+      </p:sp>
+      <p:sp>
+        <p:nvSpPr>
+          <p:cNvPr id="7" name="Oval 6"/>
+          <p:cNvSpPr/>
+          <p:nvPr/>
+        </p:nvSpPr>
+        <p:spPr>
+          <a:xfrm>
+            <a:off x="7909560" y="2936240"/>
+            <a:ext cx="132080" cy="132080"/>
+          </a:xfrm>
+          <a:prstGeom prst="ellipse">
+            <a:avLst/>
+          </a:prstGeom>
+          <a:solidFill>
+            <a:srgbClr val="FF0000"/>
+          </a:solidFill>
+          <a:ln>
+            <a:solidFill>
+              <a:schemeClr val="tx1"/>
+            </a:solidFill>
+          </a:ln>
+        </p:spPr>
+        <p:style>
+          <a:lnRef idx="2">
+            <a:schemeClr val="accent1">
+              <a:shade val="50000"/>
+            </a:schemeClr>
+          </a:lnRef>
+          <a:fillRef idx="1">
+            <a:schemeClr val="accent1"/>
+          </a:fillRef>
+          <a:effectRef idx="0">
+            <a:schemeClr val="accent1"/>
+          </a:effectRef>
+          <a:fontRef idx="minor">
+            <a:schemeClr val="lt1"/>
+          </a:fontRef>
+        </p:style>
+        <p:txBody>
+          <a:bodyPr rtlCol="0" anchor="ctr"/>
+          <a:lstStyle/>
+          <a:p>
+            <a:pPr algn="ctr"/>
+            <a:endParaRPr lang="nl-NL"/>
+          </a:p>
+        </p:txBody>
+      </p:sp>
+      <p:sp>
+        <p:nvSpPr>
+          <p:cNvPr id="8" name="Oval 7"/>
+          <p:cNvSpPr/>
+          <p:nvPr/>
+        </p:nvSpPr>
+        <p:spPr>
+          <a:xfrm>
+            <a:off x="7909560" y="2529840"/>
+            <a:ext cx="132080" cy="132080"/>
+          </a:xfrm>
+          <a:prstGeom prst="ellipse">
+            <a:avLst/>
+          </a:prstGeom>
+          <a:solidFill>
+            <a:srgbClr val="FF0000"/>
+          </a:solidFill>
+          <a:ln>
+            <a:solidFill>
+              <a:schemeClr val="tx1"/>
+            </a:solidFill>
+          </a:ln>
+        </p:spPr>
+        <p:style>
+          <a:lnRef idx="2">
+            <a:schemeClr val="accent1">
+              <a:shade val="50000"/>
+            </a:schemeClr>
+          </a:lnRef>
+          <a:fillRef idx="1">
+            <a:schemeClr val="accent1"/>
+          </a:fillRef>
+          <a:effectRef idx="0">
+            <a:schemeClr val="accent1"/>
+          </a:effectRef>
+          <a:fontRef idx="minor">
+            <a:schemeClr val="lt1"/>
+          </a:fontRef>
+        </p:style>
+        <p:txBody>
+          <a:bodyPr rtlCol="0" anchor="ctr"/>
+          <a:lstStyle/>
+          <a:p>
+            <a:pPr algn="ctr"/>
+            <a:endParaRPr lang="nl-NL"/>
+          </a:p>
+        </p:txBody>
+      </p:sp>
+      <p:cxnSp>
+        <p:nvCxnSpPr>
+          <p:cNvPr id="10" name="Straight Connector 9"/>
+          <p:cNvCxnSpPr>
+            <a:stCxn id="7" idx="0"/>
+          </p:cNvCxnSpPr>
+          <p:nvPr/>
+        </p:nvCxnSpPr>
+        <p:spPr>
+          <a:xfrm flipV="1">
+            <a:off x="7975600" y="2661920"/>
+            <a:ext cx="0" cy="274320"/>
+          </a:xfrm>
+          <a:prstGeom prst="line">
+            <a:avLst/>
+          </a:prstGeom>
+          <a:ln>
+            <a:solidFill>
+              <a:schemeClr val="tx1"/>
+            </a:solidFill>
+          </a:ln>
+        </p:spPr>
+        <p:style>
+          <a:lnRef idx="1">
+            <a:schemeClr val="accent1"/>
+          </a:lnRef>
+          <a:fillRef idx="0">
+            <a:schemeClr val="accent1"/>
+          </a:fillRef>
+          <a:effectRef idx="0">
+            <a:schemeClr val="accent1"/>
+          </a:effectRef>
+          <a:fontRef idx="minor">
+            <a:schemeClr val="tx1"/>
+          </a:fontRef>
+        </p:style>
+      </p:cxnSp>
+      <p:cxnSp>
+        <p:nvCxnSpPr>
+          <p:cNvPr id="35" name="Straight Arrow Connector 34"/>
+          <p:cNvCxnSpPr/>
+          <p:nvPr/>
+        </p:nvCxnSpPr>
+        <p:spPr>
+          <a:xfrm>
+            <a:off x="7975600" y="3525520"/>
+            <a:ext cx="0" cy="365760"/>
+          </a:xfrm>
+          <a:prstGeom prst="straightConnector1">
+            <a:avLst/>
+          </a:prstGeom>
+          <a:ln>
+            <a:solidFill>
+              <a:schemeClr val="tx1"/>
+            </a:solidFill>
+            <a:tailEnd type="arrow"/>
+          </a:ln>
+        </p:spPr>
+        <p:style>
+          <a:lnRef idx="1">
+            <a:schemeClr val="accent1"/>
+          </a:lnRef>
+          <a:fillRef idx="0">
+            <a:schemeClr val="accent1"/>
+          </a:fillRef>
+          <a:effectRef idx="0">
+            <a:schemeClr val="accent1"/>
+          </a:effectRef>
+          <a:fontRef idx="minor">
+            <a:schemeClr val="tx1"/>
+          </a:fontRef>
+        </p:style>
+      </p:cxnSp>
+      <p:sp>
+        <p:nvSpPr>
+          <p:cNvPr id="37" name="Rectangle 36"/>
+          <p:cNvSpPr/>
+          <p:nvPr/>
+        </p:nvSpPr>
+        <p:spPr>
+          <a:xfrm>
+            <a:off x="7142480" y="3916680"/>
+            <a:ext cx="4856480" cy="1645920"/>
+          </a:xfrm>
+          <a:prstGeom prst="rect">
+            <a:avLst/>
+          </a:prstGeom>
+          <a:solidFill>
+            <a:schemeClr val="bg1"/>
+          </a:solidFill>
+          <a:ln>
+            <a:solidFill>
+              <a:schemeClr val="tx1"/>
+            </a:solidFill>
+          </a:ln>
+        </p:spPr>
+        <p:style>
+          <a:lnRef idx="2">
+            <a:schemeClr val="accent1">
+              <a:shade val="50000"/>
+            </a:schemeClr>
+          </a:lnRef>
+          <a:fillRef idx="1">
+            <a:schemeClr val="accent1"/>
+          </a:fillRef>
+          <a:effectRef idx="0">
+            <a:schemeClr val="accent1"/>
+          </a:effectRef>
+          <a:fontRef idx="minor">
+            <a:schemeClr val="lt1"/>
+          </a:fontRef>
+        </p:style>
+        <p:txBody>
+          <a:bodyPr rtlCol="0" anchor="ctr"/>
+          <a:lstStyle/>
+          <a:p>
+            <a:pPr algn="ctr"/>
+            <a:endParaRPr lang="nl-NL"/>
+          </a:p>
+        </p:txBody>
+      </p:sp>
+      <p:sp>
+        <p:nvSpPr>
+          <p:cNvPr id="38" name="Rectangle 37"/>
+          <p:cNvSpPr/>
+          <p:nvPr/>
+        </p:nvSpPr>
+        <p:spPr>
+          <a:xfrm>
+            <a:off x="7543800" y="4104640"/>
+            <a:ext cx="1188720" cy="1229360"/>
+          </a:xfrm>
+          <a:prstGeom prst="rect">
+            <a:avLst/>
+          </a:prstGeom>
+          <a:solidFill>
+            <a:schemeClr val="bg1"/>
+          </a:solidFill>
+          <a:ln>
+            <a:solidFill>
+              <a:schemeClr val="tx1"/>
+            </a:solidFill>
+          </a:ln>
+        </p:spPr>
+        <p:style>
+          <a:lnRef idx="2">
+            <a:schemeClr val="accent1">
+              <a:shade val="50000"/>
+            </a:schemeClr>
+          </a:lnRef>
+          <a:fillRef idx="1">
+            <a:schemeClr val="accent1"/>
+          </a:fillRef>
+          <a:effectRef idx="0">
+            <a:schemeClr val="accent1"/>
+          </a:effectRef>
+          <a:fontRef idx="minor">
+            <a:schemeClr val="lt1"/>
+          </a:fontRef>
+        </p:style>
+        <p:txBody>
+          <a:bodyPr rtlCol="0" anchor="ctr"/>
+          <a:lstStyle/>
+          <a:p>
+            <a:pPr algn="ctr"/>
+            <a:endParaRPr lang="nl-NL"/>
+          </a:p>
+        </p:txBody>
+      </p:sp>
+      <p:sp>
+        <p:nvSpPr>
+          <p:cNvPr id="39" name="Oval 38"/>
+          <p:cNvSpPr/>
+          <p:nvPr/>
+        </p:nvSpPr>
+        <p:spPr>
+          <a:xfrm>
+            <a:off x="8072120" y="5019040"/>
+            <a:ext cx="132080" cy="132080"/>
+          </a:xfrm>
+          <a:prstGeom prst="ellipse">
+            <a:avLst/>
+          </a:prstGeom>
+          <a:solidFill>
+            <a:srgbClr val="FF0000"/>
+          </a:solidFill>
+          <a:ln>
+            <a:solidFill>
+              <a:schemeClr val="tx1"/>
+            </a:solidFill>
+          </a:ln>
+        </p:spPr>
+        <p:style>
+          <a:lnRef idx="2">
+            <a:schemeClr val="accent1">
+              <a:shade val="50000"/>
+            </a:schemeClr>
+          </a:lnRef>
+          <a:fillRef idx="1">
+            <a:schemeClr val="accent1"/>
+          </a:fillRef>
+          <a:effectRef idx="0">
+            <a:schemeClr val="accent1"/>
+          </a:effectRef>
+          <a:fontRef idx="minor">
+            <a:schemeClr val="lt1"/>
+          </a:fontRef>
+        </p:style>
+        <p:txBody>
+          <a:bodyPr rtlCol="0" anchor="ctr"/>
+          <a:lstStyle/>
+          <a:p>
+            <a:pPr algn="ctr"/>
+            <a:endParaRPr lang="nl-NL"/>
+          </a:p>
+        </p:txBody>
+      </p:sp>
+      <p:sp>
+        <p:nvSpPr>
+          <p:cNvPr id="40" name="Oval 39"/>
+          <p:cNvSpPr/>
+          <p:nvPr/>
+        </p:nvSpPr>
+        <p:spPr>
+          <a:xfrm>
+            <a:off x="8072120" y="4612640"/>
+            <a:ext cx="132080" cy="132080"/>
+          </a:xfrm>
+          <a:prstGeom prst="ellipse">
+            <a:avLst/>
+          </a:prstGeom>
+          <a:solidFill>
+            <a:srgbClr val="FF0000"/>
+          </a:solidFill>
+          <a:ln>
+            <a:solidFill>
+              <a:schemeClr val="tx1"/>
+            </a:solidFill>
+          </a:ln>
+        </p:spPr>
+        <p:style>
+          <a:lnRef idx="2">
+            <a:schemeClr val="accent1">
+              <a:shade val="50000"/>
+            </a:schemeClr>
+          </a:lnRef>
+          <a:fillRef idx="1">
+            <a:schemeClr val="accent1"/>
+          </a:fillRef>
+          <a:effectRef idx="0">
+            <a:schemeClr val="accent1"/>
+          </a:effectRef>
+          <a:fontRef idx="minor">
+            <a:schemeClr val="lt1"/>
+          </a:fontRef>
+        </p:style>
+        <p:txBody>
+          <a:bodyPr rtlCol="0" anchor="ctr"/>
+          <a:lstStyle/>
+          <a:p>
+            <a:pPr algn="ctr"/>
+            <a:endParaRPr lang="nl-NL"/>
+          </a:p>
+        </p:txBody>
+      </p:sp>
+      <p:cxnSp>
+        <p:nvCxnSpPr>
+          <p:cNvPr id="41" name="Straight Connector 40"/>
+          <p:cNvCxnSpPr>
+            <a:stCxn id="39" idx="0"/>
+          </p:cNvCxnSpPr>
+          <p:nvPr/>
+        </p:nvCxnSpPr>
+        <p:spPr>
+          <a:xfrm flipV="1">
+            <a:off x="8138160" y="4744720"/>
+            <a:ext cx="0" cy="274320"/>
+          </a:xfrm>
+          <a:prstGeom prst="line">
+            <a:avLst/>
+          </a:prstGeom>
+          <a:ln>
+            <a:solidFill>
+              <a:schemeClr val="tx1"/>
+            </a:solidFill>
+          </a:ln>
+        </p:spPr>
+        <p:style>
+          <a:lnRef idx="1">
+            <a:schemeClr val="accent1"/>
+          </a:lnRef>
+          <a:fillRef idx="0">
+            <a:schemeClr val="accent1"/>
+          </a:fillRef>
+          <a:effectRef idx="0">
+            <a:schemeClr val="accent1"/>
+          </a:effectRef>
+          <a:fontRef idx="minor">
+            <a:schemeClr val="tx1"/>
+          </a:fontRef>
+        </p:style>
+      </p:cxnSp>
+      <p:sp>
+        <p:nvSpPr>
+          <p:cNvPr id="42" name="Oval 41"/>
+          <p:cNvSpPr/>
+          <p:nvPr/>
+        </p:nvSpPr>
+        <p:spPr>
+          <a:xfrm>
+            <a:off x="8072120" y="4206240"/>
+            <a:ext cx="132080" cy="132080"/>
+          </a:xfrm>
+          <a:prstGeom prst="ellipse">
+            <a:avLst/>
+          </a:prstGeom>
+          <a:solidFill>
+            <a:srgbClr val="FF0000"/>
+          </a:solidFill>
+          <a:ln>
+            <a:solidFill>
+              <a:schemeClr val="tx1"/>
+            </a:solidFill>
+          </a:ln>
+        </p:spPr>
+        <p:style>
+          <a:lnRef idx="2">
+            <a:schemeClr val="accent1">
+              <a:shade val="50000"/>
+            </a:schemeClr>
+          </a:lnRef>
+          <a:fillRef idx="1">
+            <a:schemeClr val="accent1"/>
+          </a:fillRef>
+          <a:effectRef idx="0">
+            <a:schemeClr val="accent1"/>
+          </a:effectRef>
+          <a:fontRef idx="minor">
+            <a:schemeClr val="lt1"/>
+          </a:fontRef>
+        </p:style>
+        <p:txBody>
+          <a:bodyPr rtlCol="0" anchor="ctr"/>
+          <a:lstStyle/>
+          <a:p>
+            <a:pPr algn="ctr"/>
+            <a:endParaRPr lang="nl-NL"/>
+          </a:p>
+        </p:txBody>
+      </p:sp>
+      <p:cxnSp>
+        <p:nvCxnSpPr>
+          <p:cNvPr id="43" name="Straight Connector 42"/>
+          <p:cNvCxnSpPr/>
+          <p:nvPr/>
+        </p:nvCxnSpPr>
+        <p:spPr>
+          <a:xfrm flipV="1">
+            <a:off x="8138160" y="4338320"/>
+            <a:ext cx="0" cy="274320"/>
+          </a:xfrm>
+          <a:prstGeom prst="line">
+            <a:avLst/>
+          </a:prstGeom>
+          <a:ln>
+            <a:solidFill>
+              <a:schemeClr val="tx1"/>
+            </a:solidFill>
+          </a:ln>
+        </p:spPr>
+        <p:style>
+          <a:lnRef idx="1">
+            <a:schemeClr val="accent1"/>
+          </a:lnRef>
+          <a:fillRef idx="0">
+            <a:schemeClr val="accent1"/>
+          </a:fillRef>
+          <a:effectRef idx="0">
+            <a:schemeClr val="accent1"/>
+          </a:effectRef>
+          <a:fontRef idx="minor">
+            <a:schemeClr val="tx1"/>
+          </a:fontRef>
+        </p:style>
+      </p:cxnSp>
+      <p:sp>
+        <p:nvSpPr>
+          <p:cNvPr id="44" name="Rectangle 43"/>
+          <p:cNvSpPr/>
+          <p:nvPr/>
+        </p:nvSpPr>
+        <p:spPr>
+          <a:xfrm>
+            <a:off x="8976360" y="4124960"/>
+            <a:ext cx="1188720" cy="1229360"/>
+          </a:xfrm>
+          <a:prstGeom prst="rect">
+            <a:avLst/>
+          </a:prstGeom>
+          <a:solidFill>
+            <a:schemeClr val="bg1"/>
+          </a:solidFill>
+          <a:ln>
+            <a:solidFill>
+              <a:schemeClr val="tx1"/>
+            </a:solidFill>
+          </a:ln>
+        </p:spPr>
+        <p:style>
+          <a:lnRef idx="2">
+            <a:schemeClr val="accent1">
+              <a:shade val="50000"/>
+            </a:schemeClr>
+          </a:lnRef>
+          <a:fillRef idx="1">
+            <a:schemeClr val="accent1"/>
+          </a:fillRef>
+          <a:effectRef idx="0">
+            <a:schemeClr val="accent1"/>
+          </a:effectRef>
+          <a:fontRef idx="minor">
+            <a:schemeClr val="lt1"/>
+          </a:fontRef>
+        </p:style>
+        <p:txBody>
+          <a:bodyPr rtlCol="0" anchor="ctr"/>
+          <a:lstStyle/>
+          <a:p>
+            <a:pPr algn="ctr"/>
+            <a:endParaRPr lang="nl-NL"/>
+          </a:p>
+        </p:txBody>
+      </p:sp>
+      <p:sp>
+        <p:nvSpPr>
+          <p:cNvPr id="45" name="Oval 44"/>
+          <p:cNvSpPr/>
+          <p:nvPr/>
+        </p:nvSpPr>
+        <p:spPr>
+          <a:xfrm>
+            <a:off x="9504680" y="5039360"/>
+            <a:ext cx="132080" cy="132080"/>
+          </a:xfrm>
+          <a:prstGeom prst="ellipse">
+            <a:avLst/>
+          </a:prstGeom>
+          <a:solidFill>
+            <a:srgbClr val="FF0000"/>
+          </a:solidFill>
+          <a:ln>
+            <a:solidFill>
+              <a:schemeClr val="tx1"/>
+            </a:solidFill>
+          </a:ln>
+        </p:spPr>
+        <p:style>
+          <a:lnRef idx="2">
+            <a:schemeClr val="accent1">
+              <a:shade val="50000"/>
+            </a:schemeClr>
+          </a:lnRef>
+          <a:fillRef idx="1">
+            <a:schemeClr val="accent1"/>
+          </a:fillRef>
+          <a:effectRef idx="0">
+            <a:schemeClr val="accent1"/>
+          </a:effectRef>
+          <a:fontRef idx="minor">
+            <a:schemeClr val="lt1"/>
+          </a:fontRef>
+        </p:style>
+        <p:txBody>
+          <a:bodyPr rtlCol="0" anchor="ctr"/>
+          <a:lstStyle/>
+          <a:p>
+            <a:pPr algn="ctr"/>
+            <a:endParaRPr lang="nl-NL"/>
+          </a:p>
+        </p:txBody>
+      </p:sp>
+      <p:sp>
+        <p:nvSpPr>
+          <p:cNvPr id="46" name="Oval 45"/>
+          <p:cNvSpPr/>
+          <p:nvPr/>
+        </p:nvSpPr>
+        <p:spPr>
+          <a:xfrm>
+            <a:off x="9504680" y="4632960"/>
+            <a:ext cx="132080" cy="132080"/>
+          </a:xfrm>
+          <a:prstGeom prst="ellipse">
+            <a:avLst/>
+          </a:prstGeom>
+          <a:solidFill>
+            <a:srgbClr val="FF0000"/>
+          </a:solidFill>
+          <a:ln>
+            <a:solidFill>
+              <a:schemeClr val="tx1"/>
+            </a:solidFill>
+          </a:ln>
+        </p:spPr>
+        <p:style>
+          <a:lnRef idx="2">
+            <a:schemeClr val="accent1">
+              <a:shade val="50000"/>
+            </a:schemeClr>
+          </a:lnRef>
+          <a:fillRef idx="1">
+            <a:schemeClr val="accent1"/>
+          </a:fillRef>
+          <a:effectRef idx="0">
+            <a:schemeClr val="accent1"/>
+          </a:effectRef>
+          <a:fontRef idx="minor">
+            <a:schemeClr val="lt1"/>
+          </a:fontRef>
+        </p:style>
+        <p:txBody>
+          <a:bodyPr rtlCol="0" anchor="ctr"/>
+          <a:lstStyle/>
+          <a:p>
+            <a:pPr algn="ctr"/>
+            <a:endParaRPr lang="nl-NL"/>
+          </a:p>
+        </p:txBody>
+      </p:sp>
+      <p:cxnSp>
+        <p:nvCxnSpPr>
+          <p:cNvPr id="47" name="Straight Connector 46"/>
+          <p:cNvCxnSpPr>
+            <a:stCxn id="45" idx="0"/>
+          </p:cNvCxnSpPr>
+          <p:nvPr/>
+        </p:nvCxnSpPr>
+        <p:spPr>
+          <a:xfrm flipV="1">
+            <a:off x="9570720" y="4765040"/>
+            <a:ext cx="0" cy="274320"/>
+          </a:xfrm>
+          <a:prstGeom prst="line">
+            <a:avLst/>
+          </a:prstGeom>
+          <a:ln>
+            <a:solidFill>
+              <a:schemeClr val="tx1"/>
+            </a:solidFill>
+          </a:ln>
+        </p:spPr>
+        <p:style>
+          <a:lnRef idx="1">
+            <a:schemeClr val="accent1"/>
+          </a:lnRef>
+          <a:fillRef idx="0">
+            <a:schemeClr val="accent1"/>
+          </a:fillRef>
+          <a:effectRef idx="0">
+            <a:schemeClr val="accent1"/>
+          </a:effectRef>
+          <a:fontRef idx="minor">
+            <a:schemeClr val="tx1"/>
+          </a:fontRef>
+        </p:style>
+      </p:cxnSp>
+      <p:sp>
+        <p:nvSpPr>
+          <p:cNvPr id="48" name="Rectangle 47"/>
+          <p:cNvSpPr/>
+          <p:nvPr/>
+        </p:nvSpPr>
+        <p:spPr>
+          <a:xfrm>
+            <a:off x="10439400" y="4130040"/>
+            <a:ext cx="1188720" cy="1229360"/>
+          </a:xfrm>
+          <a:prstGeom prst="rect">
+            <a:avLst/>
+          </a:prstGeom>
+          <a:solidFill>
+            <a:schemeClr val="bg1"/>
+          </a:solidFill>
+          <a:ln>
+            <a:solidFill>
+              <a:schemeClr val="tx1"/>
+            </a:solidFill>
+          </a:ln>
+        </p:spPr>
+        <p:style>
+          <a:lnRef idx="2">
+            <a:schemeClr val="accent1">
+              <a:shade val="50000"/>
+            </a:schemeClr>
+          </a:lnRef>
+          <a:fillRef idx="1">
+            <a:schemeClr val="accent1"/>
+          </a:fillRef>
+          <a:effectRef idx="0">
+            <a:schemeClr val="accent1"/>
+          </a:effectRef>
+          <a:fontRef idx="minor">
+            <a:schemeClr val="lt1"/>
+          </a:fontRef>
+        </p:style>
+        <p:txBody>
+          <a:bodyPr rtlCol="0" anchor="ctr"/>
+          <a:lstStyle/>
+          <a:p>
+            <a:pPr algn="ctr"/>
+            <a:endParaRPr lang="nl-NL"/>
+          </a:p>
+        </p:txBody>
+      </p:sp>
+      <p:sp>
+        <p:nvSpPr>
+          <p:cNvPr id="49" name="Oval 48"/>
+          <p:cNvSpPr/>
+          <p:nvPr/>
+        </p:nvSpPr>
+        <p:spPr>
+          <a:xfrm>
+            <a:off x="10967720" y="5044440"/>
+            <a:ext cx="132080" cy="132080"/>
+          </a:xfrm>
+          <a:prstGeom prst="ellipse">
+            <a:avLst/>
+          </a:prstGeom>
+          <a:solidFill>
+            <a:srgbClr val="FF0000"/>
+          </a:solidFill>
+          <a:ln>
+            <a:solidFill>
+              <a:schemeClr val="tx1"/>
+            </a:solidFill>
+          </a:ln>
+        </p:spPr>
+        <p:style>
+          <a:lnRef idx="2">
+            <a:schemeClr val="accent1">
+              <a:shade val="50000"/>
+            </a:schemeClr>
+          </a:lnRef>
+          <a:fillRef idx="1">
+            <a:schemeClr val="accent1"/>
+          </a:fillRef>
+          <a:effectRef idx="0">
+            <a:schemeClr val="accent1"/>
+          </a:effectRef>
+          <a:fontRef idx="minor">
+            <a:schemeClr val="lt1"/>
+          </a:fontRef>
+        </p:style>
+        <p:txBody>
+          <a:bodyPr rtlCol="0" anchor="ctr"/>
+          <a:lstStyle/>
+          <a:p>
+            <a:pPr algn="ctr"/>
+            <a:endParaRPr lang="nl-NL"/>
+          </a:p>
+        </p:txBody>
+      </p:sp>
+      <p:sp>
+        <p:nvSpPr>
+          <p:cNvPr id="50" name="Oval 49"/>
+          <p:cNvSpPr/>
+          <p:nvPr/>
+        </p:nvSpPr>
+        <p:spPr>
+          <a:xfrm>
+            <a:off x="10967720" y="4638040"/>
+            <a:ext cx="132080" cy="132080"/>
+          </a:xfrm>
+          <a:prstGeom prst="ellipse">
+            <a:avLst/>
+          </a:prstGeom>
+          <a:solidFill>
+            <a:srgbClr val="FF0000"/>
+          </a:solidFill>
+          <a:ln>
+            <a:solidFill>
+              <a:schemeClr val="tx1"/>
+            </a:solidFill>
+          </a:ln>
+        </p:spPr>
+        <p:style>
+          <a:lnRef idx="2">
+            <a:schemeClr val="accent1">
+              <a:shade val="50000"/>
+            </a:schemeClr>
+          </a:lnRef>
+          <a:fillRef idx="1">
+            <a:schemeClr val="accent1"/>
+          </a:fillRef>
+          <a:effectRef idx="0">
+            <a:schemeClr val="accent1"/>
+          </a:effectRef>
+          <a:fontRef idx="minor">
+            <a:schemeClr val="lt1"/>
+          </a:fontRef>
+        </p:style>
+        <p:txBody>
+          <a:bodyPr rtlCol="0" anchor="ctr"/>
+          <a:lstStyle/>
+          <a:p>
+            <a:pPr algn="ctr"/>
+            <a:endParaRPr lang="nl-NL"/>
+          </a:p>
+        </p:txBody>
+      </p:sp>
+      <p:cxnSp>
+        <p:nvCxnSpPr>
+          <p:cNvPr id="51" name="Straight Connector 50"/>
+          <p:cNvCxnSpPr>
+            <a:stCxn id="49" idx="0"/>
+          </p:cNvCxnSpPr>
+          <p:nvPr/>
+        </p:nvCxnSpPr>
+        <p:spPr>
+          <a:xfrm flipV="1">
+            <a:off x="11033760" y="4770120"/>
+            <a:ext cx="0" cy="274320"/>
+          </a:xfrm>
+          <a:prstGeom prst="line">
+            <a:avLst/>
+          </a:prstGeom>
+          <a:ln>
+            <a:solidFill>
+              <a:schemeClr val="tx1"/>
+            </a:solidFill>
+          </a:ln>
+        </p:spPr>
+        <p:style>
+          <a:lnRef idx="1">
+            <a:schemeClr val="accent1"/>
+          </a:lnRef>
+          <a:fillRef idx="0">
+            <a:schemeClr val="accent1"/>
+          </a:fillRef>
+          <a:effectRef idx="0">
+            <a:schemeClr val="accent1"/>
+          </a:effectRef>
+          <a:fontRef idx="minor">
+            <a:schemeClr val="tx1"/>
+          </a:fontRef>
+        </p:style>
+      </p:cxnSp>
+      <p:sp>
+        <p:nvSpPr>
+          <p:cNvPr id="52" name="Oval 51"/>
+          <p:cNvSpPr/>
+          <p:nvPr/>
+        </p:nvSpPr>
+        <p:spPr>
+          <a:xfrm>
+            <a:off x="9149080" y="4632960"/>
+            <a:ext cx="132080" cy="132080"/>
+          </a:xfrm>
+          <a:prstGeom prst="ellipse">
+            <a:avLst/>
+          </a:prstGeom>
+          <a:solidFill>
+            <a:srgbClr val="FF0000"/>
+          </a:solidFill>
+          <a:ln>
+            <a:solidFill>
+              <a:schemeClr val="tx1"/>
+            </a:solidFill>
+          </a:ln>
+        </p:spPr>
+        <p:style>
+          <a:lnRef idx="2">
+            <a:schemeClr val="accent1">
+              <a:shade val="50000"/>
+            </a:schemeClr>
+          </a:lnRef>
+          <a:fillRef idx="1">
+            <a:schemeClr val="accent1"/>
+          </a:fillRef>
+          <a:effectRef idx="0">
+            <a:schemeClr val="accent1"/>
+          </a:effectRef>
+          <a:fontRef idx="minor">
+            <a:schemeClr val="lt1"/>
+          </a:fontRef>
+        </p:style>
+        <p:txBody>
+          <a:bodyPr rtlCol="0" anchor="ctr"/>
+          <a:lstStyle/>
+          <a:p>
+            <a:pPr algn="ctr"/>
+            <a:endParaRPr lang="nl-NL"/>
+          </a:p>
+        </p:txBody>
+      </p:sp>
+      <p:sp>
+        <p:nvSpPr>
+          <p:cNvPr id="53" name="Oval 52"/>
+          <p:cNvSpPr/>
+          <p:nvPr/>
+        </p:nvSpPr>
+        <p:spPr>
+          <a:xfrm>
+            <a:off x="11384280" y="4632960"/>
+            <a:ext cx="132080" cy="132080"/>
+          </a:xfrm>
+          <a:prstGeom prst="ellipse">
+            <a:avLst/>
+          </a:prstGeom>
+          <a:solidFill>
+            <a:srgbClr val="FF0000"/>
+          </a:solidFill>
+          <a:ln>
+            <a:solidFill>
+              <a:schemeClr val="tx1"/>
+            </a:solidFill>
+          </a:ln>
+        </p:spPr>
+        <p:style>
+          <a:lnRef idx="2">
+            <a:schemeClr val="accent1">
+              <a:shade val="50000"/>
+            </a:schemeClr>
+          </a:lnRef>
+          <a:fillRef idx="1">
+            <a:schemeClr val="accent1"/>
+          </a:fillRef>
+          <a:effectRef idx="0">
+            <a:schemeClr val="accent1"/>
+          </a:effectRef>
+          <a:fontRef idx="minor">
+            <a:schemeClr val="lt1"/>
+          </a:fontRef>
+        </p:style>
+        <p:txBody>
+          <a:bodyPr rtlCol="0" anchor="ctr"/>
+          <a:lstStyle/>
+          <a:p>
+            <a:pPr algn="ctr"/>
+            <a:endParaRPr lang="nl-NL"/>
+          </a:p>
+        </p:txBody>
+      </p:sp>
+      <p:cxnSp>
+        <p:nvCxnSpPr>
+          <p:cNvPr id="54" name="Straight Connector 53"/>
+          <p:cNvCxnSpPr>
+            <a:stCxn id="52" idx="6"/>
+            <a:endCxn id="46" idx="2"/>
+          </p:cNvCxnSpPr>
+          <p:nvPr/>
+        </p:nvCxnSpPr>
+        <p:spPr>
+          <a:xfrm>
+            <a:off x="9281160" y="4699000"/>
+            <a:ext cx="223520" cy="0"/>
+          </a:xfrm>
+          <a:prstGeom prst="line">
+            <a:avLst/>
+          </a:prstGeom>
+          <a:ln>
+            <a:solidFill>
+              <a:schemeClr val="tx1"/>
+            </a:solidFill>
+          </a:ln>
+        </p:spPr>
+        <p:style>
+          <a:lnRef idx="1">
+            <a:schemeClr val="accent1"/>
+          </a:lnRef>
+          <a:fillRef idx="0">
+            <a:schemeClr val="accent1"/>
+          </a:fillRef>
+          <a:effectRef idx="0">
+            <a:schemeClr val="accent1"/>
+          </a:effectRef>
+          <a:fontRef idx="minor">
+            <a:schemeClr val="tx1"/>
+          </a:fontRef>
+        </p:style>
+      </p:cxnSp>
+      <p:cxnSp>
+        <p:nvCxnSpPr>
+          <p:cNvPr id="55" name="Straight Connector 54"/>
+          <p:cNvCxnSpPr>
+            <a:endCxn id="53" idx="2"/>
+          </p:cNvCxnSpPr>
+          <p:nvPr/>
+        </p:nvCxnSpPr>
+        <p:spPr>
+          <a:xfrm flipV="1">
+            <a:off x="11099800" y="4699000"/>
+            <a:ext cx="284480" cy="5080"/>
+          </a:xfrm>
+          <a:prstGeom prst="line">
+            <a:avLst/>
+          </a:prstGeom>
+          <a:ln>
+            <a:solidFill>
+              <a:schemeClr val="tx1"/>
+            </a:solidFill>
+          </a:ln>
+        </p:spPr>
+        <p:style>
+          <a:lnRef idx="1">
+            <a:schemeClr val="accent1"/>
+          </a:lnRef>
+          <a:fillRef idx="0">
+            <a:schemeClr val="accent1"/>
+          </a:fillRef>
+          <a:effectRef idx="0">
+            <a:schemeClr val="accent1"/>
+          </a:effectRef>
+          <a:fontRef idx="minor">
+            <a:schemeClr val="tx1"/>
+          </a:fontRef>
+        </p:style>
+      </p:cxnSp>
+      <p:sp>
+        <p:nvSpPr>
+          <p:cNvPr id="57" name="Oval 56"/>
+          <p:cNvSpPr/>
+          <p:nvPr/>
+        </p:nvSpPr>
+        <p:spPr>
+          <a:xfrm>
+            <a:off x="7472680" y="4064000"/>
+            <a:ext cx="1330960" cy="1330960"/>
+          </a:xfrm>
+          <a:prstGeom prst="ellipse">
+            <a:avLst/>
+          </a:prstGeom>
+          <a:noFill/>
+          <a:ln>
+            <a:solidFill>
+              <a:schemeClr val="accent1"/>
+            </a:solidFill>
+          </a:ln>
+        </p:spPr>
+        <p:style>
+          <a:lnRef idx="2">
+            <a:schemeClr val="accent1">
+              <a:shade val="50000"/>
+            </a:schemeClr>
+          </a:lnRef>
+          <a:fillRef idx="1">
+            <a:schemeClr val="accent1"/>
+          </a:fillRef>
+          <a:effectRef idx="0">
+            <a:schemeClr val="accent1"/>
+          </a:effectRef>
+          <a:fontRef idx="minor">
+            <a:schemeClr val="lt1"/>
+          </a:fontRef>
+        </p:style>
+        <p:txBody>
+          <a:bodyPr rtlCol="0" anchor="ctr"/>
+          <a:lstStyle/>
+          <a:p>
+            <a:pPr algn="ctr"/>
+            <a:endParaRPr lang="nl-NL"/>
+          </a:p>
+        </p:txBody>
+      </p:sp>
+      <p:sp>
+        <p:nvSpPr>
+          <p:cNvPr id="30" name="Tekstvak 12">
+            <a:extLst>
+              <a:ext uri="{FF2B5EF4-FFF2-40B4-BE49-F238E27FC236}">
+                <a16:creationId xmlns="" xmlns:a16="http://schemas.microsoft.com/office/drawing/2014/main" id="{44CABAE1-B325-4747-910E-7EDC7EDD7625}"/>
+              </a:ext>
+            </a:extLst>
+          </p:cNvPr>
+          <p:cNvSpPr txBox="1"/>
+          <p:nvPr/>
+        </p:nvSpPr>
+        <p:spPr>
+          <a:xfrm>
+            <a:off x="420131" y="128248"/>
+            <a:ext cx="11059297" cy="338554"/>
+          </a:xfrm>
+          <a:prstGeom prst="rect">
+            <a:avLst/>
+          </a:prstGeom>
+          <a:noFill/>
+        </p:spPr>
+        <p:txBody>
+          <a:bodyPr wrap="square" rtlCol="0">
+            <a:spAutoFit/>
+          </a:bodyPr>
+          <a:lstStyle/>
+          <a:p>
+            <a:pPr algn="ctr"/>
+            <a:r>
+              <a:rPr lang="nl-NL" sz="1600" b="1" dirty="0" err="1">
+                <a:solidFill>
+                  <a:schemeClr val="accent1">
+                    <a:lumMod val="20000"/>
+                    <a:lumOff val="80000"/>
+                  </a:schemeClr>
+                </a:solidFill>
+              </a:rPr>
+              <a:t>Indroductie</a:t>
+            </a:r>
+            <a:r>
+              <a:rPr lang="nl-NL" sz="1600" b="1" dirty="0">
+                <a:solidFill>
+                  <a:schemeClr val="accent1">
+                    <a:lumMod val="20000"/>
+                    <a:lumOff val="80000"/>
+                  </a:schemeClr>
+                </a:solidFill>
+              </a:rPr>
+              <a:t>  </a:t>
+            </a:r>
+            <a:r>
+              <a:rPr lang="nl-NL" sz="1600" b="1" dirty="0">
+                <a:solidFill>
+                  <a:schemeClr val="accent1">
+                    <a:lumMod val="20000"/>
+                    <a:lumOff val="80000"/>
+                  </a:schemeClr>
+                </a:solidFill>
+              </a:rPr>
+              <a:t>      </a:t>
+            </a:r>
+            <a:r>
+              <a:rPr lang="nl-NL" sz="1600" b="1" dirty="0">
+                <a:solidFill>
+                  <a:schemeClr val="accent1">
+                    <a:lumMod val="60000"/>
+                    <a:lumOff val="40000"/>
+                  </a:schemeClr>
+                </a:solidFill>
+              </a:rPr>
+              <a:t>Materiaal &amp; Methoden        </a:t>
+            </a:r>
+            <a:r>
+              <a:rPr lang="nl-NL" sz="1600" b="1" dirty="0">
+                <a:solidFill>
+                  <a:schemeClr val="accent1">
+                    <a:lumMod val="20000"/>
+                    <a:lumOff val="80000"/>
+                  </a:schemeClr>
+                </a:solidFill>
+              </a:rPr>
+              <a:t>Resultaten        Discussie </a:t>
+            </a:r>
           </a:p>
         </p:txBody>
       </p:sp>
@@ -10961,9 +12620,10 @@
           <a:lstStyle/>
           <a:p>
             <a:r>
-              <a:rPr lang="en-US" dirty="0"/>
-              <a:t>Breadth-first</a:t>
-            </a:r>
+              <a:rPr lang="en-US" dirty="0" smtClean="0"/>
+              <a:t>depth-first</a:t>
+            </a:r>
+            <a:endParaRPr lang="en-US" dirty="0"/>
           </a:p>
         </p:txBody>
       </p:sp>
@@ -10979,7 +12639,9 @@
         </p:nvSpPr>
         <p:spPr/>
         <p:txBody>
-          <a:bodyPr/>
+          <a:bodyPr>
+            <a:normAutofit/>
+          </a:bodyPr>
           <a:lstStyle/>
           <a:p>
             <a:r>
@@ -11004,17 +12666,13 @@
             </a:r>
             <a:r>
               <a:rPr lang="en-US" b="1" dirty="0" smtClean="0"/>
-              <a:t>d</a:t>
-            </a:r>
-            <a:r>
-              <a:rPr lang="en-US" b="1" dirty="0" smtClean="0"/>
-              <a:t>eque</a:t>
+              <a:t>deque</a:t>
             </a:r>
           </a:p>
           <a:p>
             <a:r>
               <a:rPr lang="en-US" dirty="0" smtClean="0"/>
-              <a:t>First-in, First-out</a:t>
+              <a:t>Last-in, First-out</a:t>
             </a:r>
           </a:p>
           <a:p>
@@ -11022,36 +12680,20 @@
           </a:p>
           <a:p>
             <a:r>
-              <a:rPr lang="en-US" u="sng" dirty="0" smtClean="0"/>
-              <a:t>Extra </a:t>
-            </a:r>
-            <a:r>
-              <a:rPr lang="en-US" u="sng" dirty="0" err="1" smtClean="0"/>
-              <a:t>versie</a:t>
-            </a:r>
-            <a:r>
-              <a:rPr lang="en-US" u="sng" dirty="0" smtClean="0"/>
-              <a:t> </a:t>
-            </a:r>
-            <a:r>
-              <a:rPr lang="en-US" b="1" u="sng" dirty="0" smtClean="0"/>
-              <a:t>met</a:t>
-            </a:r>
-            <a:r>
-              <a:rPr lang="en-US" u="sng" dirty="0" smtClean="0"/>
-              <a:t> </a:t>
-            </a:r>
-            <a:r>
-              <a:rPr lang="en-US" u="sng" dirty="0" err="1" smtClean="0"/>
-              <a:t>heuristieken</a:t>
-            </a:r>
-            <a:endParaRPr lang="en-US" u="sng" dirty="0" smtClean="0"/>
+              <a:rPr lang="en-US" dirty="0" smtClean="0"/>
+              <a:t>Priority-Queue </a:t>
+            </a:r>
+            <a:r>
+              <a:rPr lang="en-US" dirty="0" err="1" smtClean="0"/>
+              <a:t>princiepe</a:t>
+            </a:r>
+            <a:endParaRPr lang="en-US" dirty="0" smtClean="0"/>
           </a:p>
           <a:p>
             <a:pPr lvl="1"/>
             <a:r>
               <a:rPr lang="en-US" dirty="0" err="1" smtClean="0"/>
-              <a:t>Beperkt</a:t>
+              <a:t>Hogerscorend</a:t>
             </a:r>
             <a:r>
               <a:rPr lang="en-US" dirty="0" smtClean="0"/>
@@ -11059,7 +12701,7 @@
             </a:r>
             <a:r>
               <a:rPr lang="en-US" dirty="0" err="1" smtClean="0"/>
-              <a:t>domijn</a:t>
+              <a:t>gaat</a:t>
             </a:r>
             <a:r>
               <a:rPr lang="en-US" dirty="0" smtClean="0"/>
@@ -11069,15 +12711,7 @@
               <a:rPr lang="en-US" dirty="0" err="1" smtClean="0"/>
               <a:t>voor</a:t>
             </a:r>
-            <a:r>
-              <a:rPr lang="en-US" dirty="0" smtClean="0"/>
-              <a:t> de x/y/z </a:t>
-            </a:r>
-            <a:r>
-              <a:rPr lang="en-US" dirty="0" err="1" smtClean="0"/>
-              <a:t>assen</a:t>
-            </a:r>
-            <a:endParaRPr lang="en-US" dirty="0"/>
+            <a:endParaRPr lang="en-US" dirty="0" smtClean="0"/>
           </a:p>
           <a:p>
             <a:pPr marL="0" indent="0">
@@ -11095,25 +12729,25 @@
               <a:rPr lang="en-US" dirty="0" err="1" smtClean="0"/>
               <a:t>Sneller</a:t>
             </a:r>
-            <a:endParaRPr lang="en-US" dirty="0" smtClean="0"/>
-          </a:p>
-          <a:p>
-            <a:pPr lvl="1"/>
-            <a:r>
-              <a:rPr lang="en-US" dirty="0" smtClean="0"/>
-              <a:t>- </a:t>
-            </a:r>
-            <a:r>
-              <a:rPr lang="en-US" dirty="0" err="1" smtClean="0"/>
-              <a:t>Verliest</a:t>
-            </a:r>
             <a:r>
               <a:rPr lang="en-US" dirty="0" smtClean="0"/>
               <a:t> </a:t>
             </a:r>
             <a:r>
               <a:rPr lang="en-US" dirty="0" err="1" smtClean="0"/>
-              <a:t>garantie</a:t>
+              <a:t>resultaat</a:t>
+            </a:r>
+            <a:endParaRPr lang="en-US" dirty="0" smtClean="0"/>
+          </a:p>
+          <a:p>
+            <a:pPr lvl="1"/>
+            <a:r>
+              <a:rPr lang="en-US" dirty="0" smtClean="0"/>
+              <a:t>+ </a:t>
+            </a:r>
+            <a:r>
+              <a:rPr lang="en-US" dirty="0" err="1" smtClean="0"/>
+              <a:t>Kan</a:t>
             </a:r>
             <a:r>
               <a:rPr lang="en-US" dirty="0" smtClean="0"/>
@@ -11121,7 +12755,7 @@
             </a:r>
             <a:r>
               <a:rPr lang="en-US" dirty="0" err="1" smtClean="0"/>
-              <a:t>beste</a:t>
+              <a:t>stoppen</a:t>
             </a:r>
             <a:r>
               <a:rPr lang="en-US" dirty="0" smtClean="0"/>
@@ -11129,9 +12763,33 @@
             </a:r>
             <a:r>
               <a:rPr lang="en-US" dirty="0" err="1" smtClean="0"/>
-              <a:t>oplossig</a:t>
-            </a:r>
-            <a:endParaRPr lang="en-US" dirty="0"/>
+              <a:t>wanneer</a:t>
+            </a:r>
+            <a:r>
+              <a:rPr lang="en-US" dirty="0" smtClean="0"/>
+              <a:t> het </a:t>
+            </a:r>
+            <a:r>
+              <a:rPr lang="en-US" dirty="0" err="1" smtClean="0"/>
+              <a:t>te</a:t>
+            </a:r>
+            <a:r>
+              <a:rPr lang="en-US" dirty="0" smtClean="0"/>
+              <a:t> </a:t>
+            </a:r>
+            <a:r>
+              <a:rPr lang="en-US" dirty="0" err="1" smtClean="0"/>
+              <a:t>lang</a:t>
+            </a:r>
+            <a:r>
+              <a:rPr lang="en-US" dirty="0" smtClean="0"/>
+              <a:t> </a:t>
+            </a:r>
+            <a:r>
+              <a:rPr lang="en-US" dirty="0" err="1" smtClean="0"/>
+              <a:t>duurt</a:t>
+            </a:r>
+            <a:endParaRPr lang="en-US" dirty="0" smtClean="0"/>
           </a:p>
         </p:txBody>
       </p:sp>
@@ -11237,7 +12895,7 @@
       </p:sp>
       <p:sp>
         <p:nvSpPr>
-          <p:cNvPr id="7" name="Oval 6"/>
+          <p:cNvPr id="6" name="Oval 5"/>
           <p:cNvSpPr/>
           <p:nvPr/>
         </p:nvSpPr>
@@ -11285,7 +12943,7 @@
       </p:sp>
       <p:sp>
         <p:nvSpPr>
-          <p:cNvPr id="8" name="Oval 7"/>
+          <p:cNvPr id="7" name="Oval 6"/>
           <p:cNvSpPr/>
           <p:nvPr/>
         </p:nvSpPr>
@@ -11333,9 +12991,9 @@
       </p:sp>
       <p:cxnSp>
         <p:nvCxnSpPr>
-          <p:cNvPr id="10" name="Straight Connector 9"/>
+          <p:cNvPr id="8" name="Straight Connector 7"/>
           <p:cNvCxnSpPr>
-            <a:stCxn id="7" idx="0"/>
+            <a:stCxn id="6" idx="0"/>
           </p:cNvCxnSpPr>
           <p:nvPr/>
         </p:nvCxnSpPr>
@@ -11370,7 +13028,7 @@
       </p:cxnSp>
       <p:cxnSp>
         <p:nvCxnSpPr>
-          <p:cNvPr id="35" name="Straight Arrow Connector 34"/>
+          <p:cNvPr id="9" name="Straight Arrow Connector 8"/>
           <p:cNvCxnSpPr/>
           <p:nvPr/>
         </p:nvCxnSpPr>
@@ -11406,7 +13064,7 @@
       </p:cxnSp>
       <p:sp>
         <p:nvSpPr>
-          <p:cNvPr id="37" name="Rectangle 36"/>
+          <p:cNvPr id="10" name="Rectangle 9"/>
           <p:cNvSpPr/>
           <p:nvPr/>
         </p:nvSpPr>
@@ -11454,7 +13112,7 @@
       </p:sp>
       <p:sp>
         <p:nvSpPr>
-          <p:cNvPr id="38" name="Rectangle 37"/>
+          <p:cNvPr id="11" name="Rectangle 10"/>
           <p:cNvSpPr/>
           <p:nvPr/>
         </p:nvSpPr>
@@ -11502,7 +13160,7 @@
       </p:sp>
       <p:sp>
         <p:nvSpPr>
-          <p:cNvPr id="39" name="Oval 38"/>
+          <p:cNvPr id="12" name="Oval 11"/>
           <p:cNvSpPr/>
           <p:nvPr/>
         </p:nvSpPr>
@@ -11550,7 +13208,7 @@
       </p:sp>
       <p:sp>
         <p:nvSpPr>
-          <p:cNvPr id="40" name="Oval 39"/>
+          <p:cNvPr id="13" name="Oval 12"/>
           <p:cNvSpPr/>
           <p:nvPr/>
         </p:nvSpPr>
@@ -11598,9 +13256,9 @@
       </p:sp>
       <p:cxnSp>
         <p:nvCxnSpPr>
-          <p:cNvPr id="41" name="Straight Connector 40"/>
+          <p:cNvPr id="14" name="Straight Connector 13"/>
           <p:cNvCxnSpPr>
-            <a:stCxn id="39" idx="0"/>
+            <a:stCxn id="12" idx="0"/>
           </p:cNvCxnSpPr>
           <p:nvPr/>
         </p:nvCxnSpPr>
@@ -11635,7 +13293,7 @@
       </p:cxnSp>
       <p:sp>
         <p:nvSpPr>
-          <p:cNvPr id="42" name="Oval 41"/>
+          <p:cNvPr id="15" name="Oval 14"/>
           <p:cNvSpPr/>
           <p:nvPr/>
         </p:nvSpPr>
@@ -11683,7 +13341,7 @@
       </p:sp>
       <p:cxnSp>
         <p:nvCxnSpPr>
-          <p:cNvPr id="43" name="Straight Connector 42"/>
+          <p:cNvPr id="16" name="Straight Connector 15"/>
           <p:cNvCxnSpPr/>
           <p:nvPr/>
         </p:nvCxnSpPr>
@@ -11718,7 +13376,7 @@
       </p:cxnSp>
       <p:sp>
         <p:nvSpPr>
-          <p:cNvPr id="44" name="Rectangle 43"/>
+          <p:cNvPr id="17" name="Rectangle 16"/>
           <p:cNvSpPr/>
           <p:nvPr/>
         </p:nvSpPr>
@@ -11766,7 +13424,7 @@
       </p:sp>
       <p:sp>
         <p:nvSpPr>
-          <p:cNvPr id="45" name="Oval 44"/>
+          <p:cNvPr id="18" name="Oval 17"/>
           <p:cNvSpPr/>
           <p:nvPr/>
         </p:nvSpPr>
@@ -11814,7 +13472,7 @@
       </p:sp>
       <p:sp>
         <p:nvSpPr>
-          <p:cNvPr id="46" name="Oval 45"/>
+          <p:cNvPr id="19" name="Oval 18"/>
           <p:cNvSpPr/>
           <p:nvPr/>
         </p:nvSpPr>
@@ -11862,9 +13520,9 @@
       </p:sp>
       <p:cxnSp>
         <p:nvCxnSpPr>
-          <p:cNvPr id="47" name="Straight Connector 46"/>
+          <p:cNvPr id="20" name="Straight Connector 19"/>
           <p:cNvCxnSpPr>
-            <a:stCxn id="45" idx="0"/>
+            <a:stCxn id="18" idx="0"/>
           </p:cNvCxnSpPr>
           <p:nvPr/>
         </p:nvCxnSpPr>
@@ -11899,7 +13557,7 @@
       </p:cxnSp>
       <p:sp>
         <p:nvSpPr>
-          <p:cNvPr id="48" name="Rectangle 47"/>
+          <p:cNvPr id="21" name="Rectangle 20"/>
           <p:cNvSpPr/>
           <p:nvPr/>
         </p:nvSpPr>
@@ -11947,7 +13605,7 @@
       </p:sp>
       <p:sp>
         <p:nvSpPr>
-          <p:cNvPr id="49" name="Oval 48"/>
+          <p:cNvPr id="22" name="Oval 21"/>
           <p:cNvSpPr/>
           <p:nvPr/>
         </p:nvSpPr>
@@ -11995,7 +13653,7 @@
       </p:sp>
       <p:sp>
         <p:nvSpPr>
-          <p:cNvPr id="50" name="Oval 49"/>
+          <p:cNvPr id="23" name="Oval 22"/>
           <p:cNvSpPr/>
           <p:nvPr/>
         </p:nvSpPr>
@@ -12043,9 +13701,9 @@
       </p:sp>
       <p:cxnSp>
         <p:nvCxnSpPr>
-          <p:cNvPr id="51" name="Straight Connector 50"/>
+          <p:cNvPr id="24" name="Straight Connector 23"/>
           <p:cNvCxnSpPr>
-            <a:stCxn id="49" idx="0"/>
+            <a:stCxn id="22" idx="0"/>
           </p:cNvCxnSpPr>
           <p:nvPr/>
         </p:nvCxnSpPr>
@@ -12080,7 +13738,7 @@
       </p:cxnSp>
       <p:sp>
         <p:nvSpPr>
-          <p:cNvPr id="52" name="Oval 51"/>
+          <p:cNvPr id="25" name="Oval 24"/>
           <p:cNvSpPr/>
           <p:nvPr/>
         </p:nvSpPr>
@@ -12128,7 +13786,7 @@
       </p:sp>
       <p:sp>
         <p:nvSpPr>
-          <p:cNvPr id="53" name="Oval 52"/>
+          <p:cNvPr id="26" name="Oval 25"/>
           <p:cNvSpPr/>
           <p:nvPr/>
         </p:nvSpPr>
@@ -12176,10 +13834,10 @@
       </p:sp>
       <p:cxnSp>
         <p:nvCxnSpPr>
-          <p:cNvPr id="54" name="Straight Connector 53"/>
+          <p:cNvPr id="27" name="Straight Connector 26"/>
           <p:cNvCxnSpPr>
-            <a:stCxn id="52" idx="6"/>
-            <a:endCxn id="46" idx="2"/>
+            <a:stCxn id="25" idx="6"/>
+            <a:endCxn id="19" idx="2"/>
           </p:cNvCxnSpPr>
           <p:nvPr/>
         </p:nvCxnSpPr>
@@ -12214,9 +13872,9 @@
       </p:cxnSp>
       <p:cxnSp>
         <p:nvCxnSpPr>
-          <p:cNvPr id="55" name="Straight Connector 54"/>
+          <p:cNvPr id="28" name="Straight Connector 27"/>
           <p:cNvCxnSpPr>
-            <a:endCxn id="53" idx="2"/>
+            <a:endCxn id="26" idx="2"/>
           </p:cNvCxnSpPr>
           <p:nvPr/>
         </p:nvCxnSpPr>
@@ -12251,13 +13909,13 @@
       </p:cxnSp>
       <p:sp>
         <p:nvSpPr>
-          <p:cNvPr id="57" name="Oval 56"/>
+          <p:cNvPr id="29" name="Oval 28"/>
           <p:cNvSpPr/>
           <p:nvPr/>
         </p:nvSpPr>
         <p:spPr>
           <a:xfrm>
-            <a:off x="7472680" y="4064000"/>
+            <a:off x="10368280" y="4074160"/>
             <a:ext cx="1330960" cy="1330960"/>
           </a:xfrm>
           <a:prstGeom prst="ellipse">
@@ -12295,7 +13953,99 @@
           </a:p>
         </p:txBody>
       </p:sp>
+      <p:sp>
+        <p:nvSpPr>
+          <p:cNvPr id="30" name="Tekstvak 12">
+            <a:extLst>
+              <a:ext uri="{FF2B5EF4-FFF2-40B4-BE49-F238E27FC236}">
+                <a16:creationId xmlns="" xmlns:a16="http://schemas.microsoft.com/office/drawing/2014/main" id="{44CABAE1-B325-4747-910E-7EDC7EDD7625}"/>
+              </a:ext>
+            </a:extLst>
+          </p:cNvPr>
+          <p:cNvSpPr txBox="1"/>
+          <p:nvPr/>
+        </p:nvSpPr>
+        <p:spPr>
+          <a:xfrm>
+            <a:off x="420131" y="128248"/>
+            <a:ext cx="11059297" cy="338554"/>
+          </a:xfrm>
+          <a:prstGeom prst="rect">
+            <a:avLst/>
+          </a:prstGeom>
+          <a:noFill/>
+        </p:spPr>
+        <p:txBody>
+          <a:bodyPr wrap="square" rtlCol="0">
+            <a:spAutoFit/>
+          </a:bodyPr>
+          <a:lstStyle/>
+          <a:p>
+            <a:pPr algn="ctr"/>
+            <a:r>
+              <a:rPr lang="nl-NL" sz="1600" b="1" dirty="0" err="1">
+                <a:solidFill>
+                  <a:schemeClr val="accent1">
+                    <a:lumMod val="20000"/>
+                    <a:lumOff val="80000"/>
+                  </a:schemeClr>
+                </a:solidFill>
+              </a:rPr>
+              <a:t>Indroductie</a:t>
+            </a:r>
+            <a:r>
+              <a:rPr lang="nl-NL" sz="1600" b="1" dirty="0">
+                <a:solidFill>
+                  <a:schemeClr val="accent1">
+                    <a:lumMod val="20000"/>
+                    <a:lumOff val="80000"/>
+                  </a:schemeClr>
+                </a:solidFill>
+              </a:rPr>
+              <a:t>  </a:t>
+            </a:r>
+            <a:r>
+              <a:rPr lang="nl-NL" sz="1600" b="1" dirty="0">
+                <a:solidFill>
+                  <a:schemeClr val="accent1">
+                    <a:lumMod val="20000"/>
+                    <a:lumOff val="80000"/>
+                  </a:schemeClr>
+                </a:solidFill>
+              </a:rPr>
+              <a:t>      </a:t>
+            </a:r>
+            <a:r>
+              <a:rPr lang="nl-NL" sz="1600" b="1" dirty="0">
+                <a:solidFill>
+                  <a:schemeClr val="accent1">
+                    <a:lumMod val="60000"/>
+                    <a:lumOff val="40000"/>
+                  </a:schemeClr>
+                </a:solidFill>
+              </a:rPr>
+              <a:t>Materiaal &amp; Methoden        </a:t>
+            </a:r>
+            <a:r>
+              <a:rPr lang="nl-NL" sz="1600" b="1" dirty="0">
+                <a:solidFill>
+                  <a:schemeClr val="accent1">
+                    <a:lumMod val="20000"/>
+                    <a:lumOff val="80000"/>
+                  </a:schemeClr>
+                </a:solidFill>
+              </a:rPr>
+              <a:t>Resultaten        Discussie </a:t>
+            </a:r>
+          </a:p>
+        </p:txBody>
+      </p:sp>
     </p:spTree>
+    <p:extLst>
+      <p:ext uri="{BB962C8B-B14F-4D97-AF65-F5344CB8AC3E}">
+        <p14:creationId xmlns:p14="http://schemas.microsoft.com/office/powerpoint/2010/main" val="2781350608"/>
+      </p:ext>
+    </p:extLst>
   </p:cSld>
   <p:clrMapOvr>
     <a:masterClrMapping/>
@@ -12336,8 +14086,8 @@
           <a:lstStyle/>
           <a:p>
             <a:r>
-              <a:rPr lang="en-US" dirty="0" smtClean="0"/>
-              <a:t>depth-first</a:t>
+              <a:rPr lang="en-US" dirty="0" err="1"/>
+              <a:t>Hillclimber</a:t>
             </a:r>
             <a:endParaRPr lang="en-US" dirty="0"/>
           </a:p>
@@ -12355,1330 +14105,186 @@
         </p:nvSpPr>
         <p:spPr/>
         <p:txBody>
-          <a:bodyPr>
-            <a:normAutofit/>
+          <a:bodyPr/>
+          <a:lstStyle/>
+          <a:p>
+            <a:r>
+              <a:rPr lang="en-US" dirty="0" err="1"/>
+              <a:t>Instellingen</a:t>
+            </a:r>
+            <a:r>
+              <a:rPr lang="en-US" dirty="0"/>
+              <a:t>:</a:t>
+            </a:r>
+          </a:p>
+          <a:p>
+            <a:pPr lvl="1"/>
+            <a:r>
+              <a:rPr lang="en-US" dirty="0"/>
+              <a:t>1000 </a:t>
+            </a:r>
+            <a:r>
+              <a:rPr lang="en-US" dirty="0" err="1"/>
+              <a:t>keer</a:t>
+            </a:r>
+            <a:r>
+              <a:rPr lang="en-US" dirty="0"/>
+              <a:t> </a:t>
+            </a:r>
+            <a:r>
+              <a:rPr lang="en-US" dirty="0" err="1"/>
+              <a:t>proberen</a:t>
+            </a:r>
+            <a:endParaRPr lang="en-US" dirty="0"/>
+          </a:p>
+          <a:p>
+            <a:pPr lvl="1"/>
+            <a:r>
+              <a:rPr lang="en-US" dirty="0" err="1"/>
+              <a:t>Vervangen</a:t>
+            </a:r>
+            <a:r>
+              <a:rPr lang="en-US" dirty="0"/>
+              <a:t> </a:t>
+            </a:r>
+            <a:r>
+              <a:rPr lang="en-US" dirty="0" err="1"/>
+              <a:t>bij</a:t>
+            </a:r>
+            <a:r>
+              <a:rPr lang="en-US" dirty="0"/>
+              <a:t> </a:t>
+            </a:r>
+            <a:r>
+              <a:rPr lang="en-US" dirty="0" err="1"/>
+              <a:t>gelijke</a:t>
+            </a:r>
+            <a:r>
+              <a:rPr lang="en-US" dirty="0"/>
+              <a:t> of </a:t>
+            </a:r>
+            <a:r>
+              <a:rPr lang="en-US" dirty="0" err="1"/>
+              <a:t>kleinere</a:t>
+            </a:r>
+            <a:r>
+              <a:rPr lang="en-US" dirty="0"/>
+              <a:t> score</a:t>
+            </a:r>
+          </a:p>
+          <a:p>
+            <a:pPr lvl="1"/>
+            <a:r>
+              <a:rPr lang="en-US" dirty="0"/>
+              <a:t>Start </a:t>
+            </a:r>
+            <a:r>
+              <a:rPr lang="en-US" dirty="0" err="1"/>
+              <a:t>recht</a:t>
+            </a:r>
+            <a:r>
+              <a:rPr lang="en-US" dirty="0"/>
+              <a:t> </a:t>
+            </a:r>
+            <a:r>
+              <a:rPr lang="en-US" dirty="0" err="1"/>
+              <a:t>vs</a:t>
+            </a:r>
+            <a:r>
+              <a:rPr lang="en-US" dirty="0"/>
+              <a:t> random</a:t>
+            </a:r>
+          </a:p>
+        </p:txBody>
+      </p:sp>
+      <p:sp>
+        <p:nvSpPr>
+          <p:cNvPr id="4" name="Tekstvak 12">
+            <a:extLst>
+              <a:ext uri="{FF2B5EF4-FFF2-40B4-BE49-F238E27FC236}">
+                <a16:creationId xmlns="" xmlns:a16="http://schemas.microsoft.com/office/drawing/2014/main" id="{44CABAE1-B325-4747-910E-7EDC7EDD7625}"/>
+              </a:ext>
+            </a:extLst>
+          </p:cNvPr>
+          <p:cNvSpPr txBox="1"/>
+          <p:nvPr/>
+        </p:nvSpPr>
+        <p:spPr>
+          <a:xfrm>
+            <a:off x="420131" y="128248"/>
+            <a:ext cx="11059297" cy="338554"/>
+          </a:xfrm>
+          <a:prstGeom prst="rect">
+            <a:avLst/>
+          </a:prstGeom>
+          <a:noFill/>
+        </p:spPr>
+        <p:txBody>
+          <a:bodyPr wrap="square" rtlCol="0">
+            <a:spAutoFit/>
           </a:bodyPr>
           <a:lstStyle/>
           <a:p>
-            <a:r>
-              <a:rPr lang="en-US" dirty="0" smtClean="0"/>
-              <a:t>Chains </a:t>
-            </a:r>
-            <a:r>
-              <a:rPr lang="en-US" dirty="0" err="1" smtClean="0"/>
-              <a:t>bouwen</a:t>
-            </a:r>
-            <a:r>
-              <a:rPr lang="en-US" dirty="0" smtClean="0"/>
-              <a:t> in </a:t>
-            </a:r>
-            <a:r>
-              <a:rPr lang="en-US" dirty="0" err="1" smtClean="0"/>
-              <a:t>een</a:t>
-            </a:r>
-            <a:r>
-              <a:rPr lang="en-US" dirty="0" smtClean="0"/>
-              <a:t> </a:t>
-            </a:r>
-            <a:r>
-              <a:rPr lang="en-US" b="1" dirty="0" smtClean="0"/>
-              <a:t>d</a:t>
-            </a:r>
-            <a:r>
-              <a:rPr lang="en-US" b="1" dirty="0" smtClean="0"/>
-              <a:t>eque</a:t>
-            </a:r>
-          </a:p>
-          <a:p>
-            <a:r>
-              <a:rPr lang="en-US" dirty="0" smtClean="0"/>
-              <a:t>Last-in, First-out</a:t>
-            </a:r>
-          </a:p>
-          <a:p>
-            <a:endParaRPr lang="en-US" dirty="0"/>
-          </a:p>
-          <a:p>
-            <a:r>
-              <a:rPr lang="en-US" dirty="0" smtClean="0"/>
-              <a:t>Priority-Queue </a:t>
-            </a:r>
-            <a:r>
-              <a:rPr lang="en-US" dirty="0" err="1" smtClean="0"/>
-              <a:t>princiepe</a:t>
-            </a:r>
-            <a:endParaRPr lang="en-US" dirty="0" smtClean="0"/>
-          </a:p>
-          <a:p>
-            <a:pPr lvl="1"/>
-            <a:r>
-              <a:rPr lang="en-US" dirty="0" err="1" smtClean="0"/>
-              <a:t>Hogerscorend</a:t>
-            </a:r>
-            <a:r>
-              <a:rPr lang="en-US" dirty="0" smtClean="0"/>
-              <a:t> </a:t>
-            </a:r>
-            <a:r>
-              <a:rPr lang="en-US" dirty="0" err="1" smtClean="0"/>
-              <a:t>gaat</a:t>
-            </a:r>
-            <a:r>
-              <a:rPr lang="en-US" dirty="0" smtClean="0"/>
-              <a:t> </a:t>
-            </a:r>
-            <a:r>
-              <a:rPr lang="en-US" dirty="0" err="1" smtClean="0"/>
-              <a:t>voor</a:t>
-            </a:r>
-            <a:endParaRPr lang="en-US" dirty="0" smtClean="0"/>
-          </a:p>
-          <a:p>
-            <a:pPr marL="0" indent="0">
-              <a:buNone/>
-            </a:pPr>
-            <a:endParaRPr lang="en-US" u="sng" dirty="0" smtClean="0"/>
-          </a:p>
-          <a:p>
-            <a:pPr lvl="1"/>
-            <a:r>
-              <a:rPr lang="en-US" dirty="0" smtClean="0"/>
-              <a:t>+ </a:t>
-            </a:r>
-            <a:r>
-              <a:rPr lang="en-US" dirty="0" err="1" smtClean="0"/>
-              <a:t>Sneller</a:t>
-            </a:r>
-            <a:r>
-              <a:rPr lang="en-US" dirty="0" smtClean="0"/>
-              <a:t> </a:t>
-            </a:r>
-            <a:r>
-              <a:rPr lang="en-US" dirty="0" err="1" smtClean="0"/>
-              <a:t>resultaat</a:t>
-            </a:r>
-            <a:endParaRPr lang="en-US" dirty="0" smtClean="0"/>
-          </a:p>
-          <a:p>
-            <a:pPr lvl="1"/>
-            <a:r>
-              <a:rPr lang="en-US" dirty="0" smtClean="0"/>
-              <a:t>+ </a:t>
-            </a:r>
-            <a:r>
-              <a:rPr lang="en-US" dirty="0" err="1" smtClean="0"/>
-              <a:t>Kan</a:t>
-            </a:r>
-            <a:r>
-              <a:rPr lang="en-US" dirty="0" smtClean="0"/>
-              <a:t> </a:t>
-            </a:r>
-            <a:r>
-              <a:rPr lang="en-US" dirty="0" err="1" smtClean="0"/>
-              <a:t>stoppen</a:t>
-            </a:r>
-            <a:r>
-              <a:rPr lang="en-US" dirty="0" smtClean="0"/>
-              <a:t> </a:t>
-            </a:r>
-            <a:r>
-              <a:rPr lang="en-US" dirty="0" err="1" smtClean="0"/>
-              <a:t>wanneer</a:t>
-            </a:r>
-            <a:r>
-              <a:rPr lang="en-US" dirty="0" smtClean="0"/>
-              <a:t> het </a:t>
-            </a:r>
-            <a:r>
-              <a:rPr lang="en-US" dirty="0" err="1" smtClean="0"/>
-              <a:t>te</a:t>
-            </a:r>
-            <a:r>
-              <a:rPr lang="en-US" dirty="0" smtClean="0"/>
-              <a:t> </a:t>
-            </a:r>
-            <a:r>
-              <a:rPr lang="en-US" dirty="0" err="1" smtClean="0"/>
-              <a:t>lang</a:t>
-            </a:r>
-            <a:r>
-              <a:rPr lang="en-US" dirty="0" smtClean="0"/>
-              <a:t> </a:t>
-            </a:r>
-            <a:r>
-              <a:rPr lang="en-US" dirty="0" err="1" smtClean="0"/>
-              <a:t>duurt</a:t>
-            </a:r>
-            <a:endParaRPr lang="en-US" dirty="0" smtClean="0"/>
-          </a:p>
-        </p:txBody>
-      </p:sp>
-      <p:sp>
-        <p:nvSpPr>
-          <p:cNvPr id="4" name="Rectangle 3"/>
-          <p:cNvSpPr/>
-          <p:nvPr/>
-        </p:nvSpPr>
-        <p:spPr>
-          <a:xfrm>
-            <a:off x="7117080" y="1910080"/>
-            <a:ext cx="1717040" cy="1503680"/>
-          </a:xfrm>
-          <a:prstGeom prst="rect">
-            <a:avLst/>
-          </a:prstGeom>
-          <a:solidFill>
-            <a:schemeClr val="bg1"/>
-          </a:solidFill>
-          <a:ln>
-            <a:solidFill>
-              <a:schemeClr val="tx1"/>
-            </a:solidFill>
-          </a:ln>
-        </p:spPr>
-        <p:style>
-          <a:lnRef idx="2">
-            <a:schemeClr val="accent1">
-              <a:shade val="50000"/>
-            </a:schemeClr>
-          </a:lnRef>
-          <a:fillRef idx="1">
-            <a:schemeClr val="accent1"/>
-          </a:fillRef>
-          <a:effectRef idx="0">
-            <a:schemeClr val="accent1"/>
-          </a:effectRef>
-          <a:fontRef idx="minor">
-            <a:schemeClr val="lt1"/>
-          </a:fontRef>
-        </p:style>
-        <p:txBody>
-          <a:bodyPr rtlCol="0" anchor="ctr"/>
-          <a:lstStyle/>
-          <a:p>
             <a:pPr algn="ctr"/>
-            <a:endParaRPr lang="nl-NL">
-              <a:solidFill>
-                <a:schemeClr val="bg1"/>
-              </a:solidFill>
-            </a:endParaRPr>
-          </a:p>
-        </p:txBody>
-      </p:sp>
-      <p:sp>
-        <p:nvSpPr>
-          <p:cNvPr id="5" name="Rectangle 4"/>
-          <p:cNvSpPr/>
-          <p:nvPr/>
-        </p:nvSpPr>
-        <p:spPr>
-          <a:xfrm>
-            <a:off x="7381240" y="2047240"/>
-            <a:ext cx="1188720" cy="1229360"/>
-          </a:xfrm>
-          <a:prstGeom prst="rect">
-            <a:avLst/>
-          </a:prstGeom>
-          <a:solidFill>
-            <a:schemeClr val="bg1"/>
-          </a:solidFill>
-          <a:ln>
-            <a:solidFill>
-              <a:schemeClr val="tx1"/>
-            </a:solidFill>
-          </a:ln>
-        </p:spPr>
-        <p:style>
-          <a:lnRef idx="2">
-            <a:schemeClr val="accent1">
-              <a:shade val="50000"/>
-            </a:schemeClr>
-          </a:lnRef>
-          <a:fillRef idx="1">
-            <a:schemeClr val="accent1"/>
-          </a:fillRef>
-          <a:effectRef idx="0">
-            <a:schemeClr val="accent1"/>
-          </a:effectRef>
-          <a:fontRef idx="minor">
-            <a:schemeClr val="lt1"/>
-          </a:fontRef>
-        </p:style>
-        <p:txBody>
-          <a:bodyPr rtlCol="0" anchor="ctr"/>
-          <a:lstStyle/>
-          <a:p>
-            <a:pPr algn="ctr"/>
-            <a:endParaRPr lang="nl-NL"/>
-          </a:p>
-        </p:txBody>
-      </p:sp>
-      <p:sp>
-        <p:nvSpPr>
-          <p:cNvPr id="6" name="Oval 5"/>
-          <p:cNvSpPr/>
-          <p:nvPr/>
-        </p:nvSpPr>
-        <p:spPr>
-          <a:xfrm>
-            <a:off x="7909560" y="2936240"/>
-            <a:ext cx="132080" cy="132080"/>
-          </a:xfrm>
-          <a:prstGeom prst="ellipse">
-            <a:avLst/>
-          </a:prstGeom>
-          <a:solidFill>
-            <a:srgbClr val="FF0000"/>
-          </a:solidFill>
-          <a:ln>
-            <a:solidFill>
-              <a:schemeClr val="tx1"/>
-            </a:solidFill>
-          </a:ln>
-        </p:spPr>
-        <p:style>
-          <a:lnRef idx="2">
-            <a:schemeClr val="accent1">
-              <a:shade val="50000"/>
-            </a:schemeClr>
-          </a:lnRef>
-          <a:fillRef idx="1">
-            <a:schemeClr val="accent1"/>
-          </a:fillRef>
-          <a:effectRef idx="0">
-            <a:schemeClr val="accent1"/>
-          </a:effectRef>
-          <a:fontRef idx="minor">
-            <a:schemeClr val="lt1"/>
-          </a:fontRef>
-        </p:style>
-        <p:txBody>
-          <a:bodyPr rtlCol="0" anchor="ctr"/>
-          <a:lstStyle/>
-          <a:p>
-            <a:pPr algn="ctr"/>
-            <a:endParaRPr lang="nl-NL"/>
-          </a:p>
-        </p:txBody>
-      </p:sp>
-      <p:sp>
-        <p:nvSpPr>
-          <p:cNvPr id="7" name="Oval 6"/>
-          <p:cNvSpPr/>
-          <p:nvPr/>
-        </p:nvSpPr>
-        <p:spPr>
-          <a:xfrm>
-            <a:off x="7909560" y="2529840"/>
-            <a:ext cx="132080" cy="132080"/>
-          </a:xfrm>
-          <a:prstGeom prst="ellipse">
-            <a:avLst/>
-          </a:prstGeom>
-          <a:solidFill>
-            <a:srgbClr val="FF0000"/>
-          </a:solidFill>
-          <a:ln>
-            <a:solidFill>
-              <a:schemeClr val="tx1"/>
-            </a:solidFill>
-          </a:ln>
-        </p:spPr>
-        <p:style>
-          <a:lnRef idx="2">
-            <a:schemeClr val="accent1">
-              <a:shade val="50000"/>
-            </a:schemeClr>
-          </a:lnRef>
-          <a:fillRef idx="1">
-            <a:schemeClr val="accent1"/>
-          </a:fillRef>
-          <a:effectRef idx="0">
-            <a:schemeClr val="accent1"/>
-          </a:effectRef>
-          <a:fontRef idx="minor">
-            <a:schemeClr val="lt1"/>
-          </a:fontRef>
-        </p:style>
-        <p:txBody>
-          <a:bodyPr rtlCol="0" anchor="ctr"/>
-          <a:lstStyle/>
-          <a:p>
-            <a:pPr algn="ctr"/>
-            <a:endParaRPr lang="nl-NL"/>
-          </a:p>
-        </p:txBody>
-      </p:sp>
-      <p:cxnSp>
-        <p:nvCxnSpPr>
-          <p:cNvPr id="8" name="Straight Connector 7"/>
-          <p:cNvCxnSpPr>
-            <a:stCxn id="6" idx="0"/>
-          </p:cNvCxnSpPr>
-          <p:nvPr/>
-        </p:nvCxnSpPr>
-        <p:spPr>
-          <a:xfrm flipV="1">
-            <a:off x="7975600" y="2661920"/>
-            <a:ext cx="0" cy="274320"/>
-          </a:xfrm>
-          <a:prstGeom prst="line">
-            <a:avLst/>
-          </a:prstGeom>
-          <a:ln>
-            <a:solidFill>
-              <a:schemeClr val="tx1"/>
-            </a:solidFill>
-          </a:ln>
-        </p:spPr>
-        <p:style>
-          <a:lnRef idx="1">
-            <a:schemeClr val="accent1"/>
-          </a:lnRef>
-          <a:fillRef idx="0">
-            <a:schemeClr val="accent1"/>
-          </a:fillRef>
-          <a:effectRef idx="0">
-            <a:schemeClr val="accent1"/>
-          </a:effectRef>
-          <a:fontRef idx="minor">
-            <a:schemeClr val="tx1"/>
-          </a:fontRef>
-        </p:style>
-      </p:cxnSp>
-      <p:cxnSp>
-        <p:nvCxnSpPr>
-          <p:cNvPr id="9" name="Straight Arrow Connector 8"/>
-          <p:cNvCxnSpPr/>
-          <p:nvPr/>
-        </p:nvCxnSpPr>
-        <p:spPr>
-          <a:xfrm>
-            <a:off x="7975600" y="3525520"/>
-            <a:ext cx="0" cy="365760"/>
-          </a:xfrm>
-          <a:prstGeom prst="straightConnector1">
-            <a:avLst/>
-          </a:prstGeom>
-          <a:ln>
-            <a:solidFill>
-              <a:schemeClr val="tx1"/>
-            </a:solidFill>
-            <a:tailEnd type="arrow"/>
-          </a:ln>
-        </p:spPr>
-        <p:style>
-          <a:lnRef idx="1">
-            <a:schemeClr val="accent1"/>
-          </a:lnRef>
-          <a:fillRef idx="0">
-            <a:schemeClr val="accent1"/>
-          </a:fillRef>
-          <a:effectRef idx="0">
-            <a:schemeClr val="accent1"/>
-          </a:effectRef>
-          <a:fontRef idx="minor">
-            <a:schemeClr val="tx1"/>
-          </a:fontRef>
-        </p:style>
-      </p:cxnSp>
-      <p:sp>
-        <p:nvSpPr>
-          <p:cNvPr id="10" name="Rectangle 9"/>
-          <p:cNvSpPr/>
-          <p:nvPr/>
-        </p:nvSpPr>
-        <p:spPr>
-          <a:xfrm>
-            <a:off x="7142480" y="3916680"/>
-            <a:ext cx="4856480" cy="1645920"/>
-          </a:xfrm>
-          <a:prstGeom prst="rect">
-            <a:avLst/>
-          </a:prstGeom>
-          <a:solidFill>
-            <a:schemeClr val="bg1"/>
-          </a:solidFill>
-          <a:ln>
-            <a:solidFill>
-              <a:schemeClr val="tx1"/>
-            </a:solidFill>
-          </a:ln>
-        </p:spPr>
-        <p:style>
-          <a:lnRef idx="2">
-            <a:schemeClr val="accent1">
-              <a:shade val="50000"/>
-            </a:schemeClr>
-          </a:lnRef>
-          <a:fillRef idx="1">
-            <a:schemeClr val="accent1"/>
-          </a:fillRef>
-          <a:effectRef idx="0">
-            <a:schemeClr val="accent1"/>
-          </a:effectRef>
-          <a:fontRef idx="minor">
-            <a:schemeClr val="lt1"/>
-          </a:fontRef>
-        </p:style>
-        <p:txBody>
-          <a:bodyPr rtlCol="0" anchor="ctr"/>
-          <a:lstStyle/>
-          <a:p>
-            <a:pPr algn="ctr"/>
-            <a:endParaRPr lang="nl-NL"/>
-          </a:p>
-        </p:txBody>
-      </p:sp>
-      <p:sp>
-        <p:nvSpPr>
-          <p:cNvPr id="11" name="Rectangle 10"/>
-          <p:cNvSpPr/>
-          <p:nvPr/>
-        </p:nvSpPr>
-        <p:spPr>
-          <a:xfrm>
-            <a:off x="7543800" y="4104640"/>
-            <a:ext cx="1188720" cy="1229360"/>
-          </a:xfrm>
-          <a:prstGeom prst="rect">
-            <a:avLst/>
-          </a:prstGeom>
-          <a:solidFill>
-            <a:schemeClr val="bg1"/>
-          </a:solidFill>
-          <a:ln>
-            <a:solidFill>
-              <a:schemeClr val="tx1"/>
-            </a:solidFill>
-          </a:ln>
-        </p:spPr>
-        <p:style>
-          <a:lnRef idx="2">
-            <a:schemeClr val="accent1">
-              <a:shade val="50000"/>
-            </a:schemeClr>
-          </a:lnRef>
-          <a:fillRef idx="1">
-            <a:schemeClr val="accent1"/>
-          </a:fillRef>
-          <a:effectRef idx="0">
-            <a:schemeClr val="accent1"/>
-          </a:effectRef>
-          <a:fontRef idx="minor">
-            <a:schemeClr val="lt1"/>
-          </a:fontRef>
-        </p:style>
-        <p:txBody>
-          <a:bodyPr rtlCol="0" anchor="ctr"/>
-          <a:lstStyle/>
-          <a:p>
-            <a:pPr algn="ctr"/>
-            <a:endParaRPr lang="nl-NL"/>
-          </a:p>
-        </p:txBody>
-      </p:sp>
-      <p:sp>
-        <p:nvSpPr>
-          <p:cNvPr id="12" name="Oval 11"/>
-          <p:cNvSpPr/>
-          <p:nvPr/>
-        </p:nvSpPr>
-        <p:spPr>
-          <a:xfrm>
-            <a:off x="8072120" y="5019040"/>
-            <a:ext cx="132080" cy="132080"/>
-          </a:xfrm>
-          <a:prstGeom prst="ellipse">
-            <a:avLst/>
-          </a:prstGeom>
-          <a:solidFill>
-            <a:srgbClr val="FF0000"/>
-          </a:solidFill>
-          <a:ln>
-            <a:solidFill>
-              <a:schemeClr val="tx1"/>
-            </a:solidFill>
-          </a:ln>
-        </p:spPr>
-        <p:style>
-          <a:lnRef idx="2">
-            <a:schemeClr val="accent1">
-              <a:shade val="50000"/>
-            </a:schemeClr>
-          </a:lnRef>
-          <a:fillRef idx="1">
-            <a:schemeClr val="accent1"/>
-          </a:fillRef>
-          <a:effectRef idx="0">
-            <a:schemeClr val="accent1"/>
-          </a:effectRef>
-          <a:fontRef idx="minor">
-            <a:schemeClr val="lt1"/>
-          </a:fontRef>
-        </p:style>
-        <p:txBody>
-          <a:bodyPr rtlCol="0" anchor="ctr"/>
-          <a:lstStyle/>
-          <a:p>
-            <a:pPr algn="ctr"/>
-            <a:endParaRPr lang="nl-NL"/>
-          </a:p>
-        </p:txBody>
-      </p:sp>
-      <p:sp>
-        <p:nvSpPr>
-          <p:cNvPr id="13" name="Oval 12"/>
-          <p:cNvSpPr/>
-          <p:nvPr/>
-        </p:nvSpPr>
-        <p:spPr>
-          <a:xfrm>
-            <a:off x="8072120" y="4612640"/>
-            <a:ext cx="132080" cy="132080"/>
-          </a:xfrm>
-          <a:prstGeom prst="ellipse">
-            <a:avLst/>
-          </a:prstGeom>
-          <a:solidFill>
-            <a:srgbClr val="FF0000"/>
-          </a:solidFill>
-          <a:ln>
-            <a:solidFill>
-              <a:schemeClr val="tx1"/>
-            </a:solidFill>
-          </a:ln>
-        </p:spPr>
-        <p:style>
-          <a:lnRef idx="2">
-            <a:schemeClr val="accent1">
-              <a:shade val="50000"/>
-            </a:schemeClr>
-          </a:lnRef>
-          <a:fillRef idx="1">
-            <a:schemeClr val="accent1"/>
-          </a:fillRef>
-          <a:effectRef idx="0">
-            <a:schemeClr val="accent1"/>
-          </a:effectRef>
-          <a:fontRef idx="minor">
-            <a:schemeClr val="lt1"/>
-          </a:fontRef>
-        </p:style>
-        <p:txBody>
-          <a:bodyPr rtlCol="0" anchor="ctr"/>
-          <a:lstStyle/>
-          <a:p>
-            <a:pPr algn="ctr"/>
-            <a:endParaRPr lang="nl-NL"/>
-          </a:p>
-        </p:txBody>
-      </p:sp>
-      <p:cxnSp>
-        <p:nvCxnSpPr>
-          <p:cNvPr id="14" name="Straight Connector 13"/>
-          <p:cNvCxnSpPr>
-            <a:stCxn id="12" idx="0"/>
-          </p:cNvCxnSpPr>
-          <p:nvPr/>
-        </p:nvCxnSpPr>
-        <p:spPr>
-          <a:xfrm flipV="1">
-            <a:off x="8138160" y="4744720"/>
-            <a:ext cx="0" cy="274320"/>
-          </a:xfrm>
-          <a:prstGeom prst="line">
-            <a:avLst/>
-          </a:prstGeom>
-          <a:ln>
-            <a:solidFill>
-              <a:schemeClr val="tx1"/>
-            </a:solidFill>
-          </a:ln>
-        </p:spPr>
-        <p:style>
-          <a:lnRef idx="1">
-            <a:schemeClr val="accent1"/>
-          </a:lnRef>
-          <a:fillRef idx="0">
-            <a:schemeClr val="accent1"/>
-          </a:fillRef>
-          <a:effectRef idx="0">
-            <a:schemeClr val="accent1"/>
-          </a:effectRef>
-          <a:fontRef idx="minor">
-            <a:schemeClr val="tx1"/>
-          </a:fontRef>
-        </p:style>
-      </p:cxnSp>
-      <p:sp>
-        <p:nvSpPr>
-          <p:cNvPr id="15" name="Oval 14"/>
-          <p:cNvSpPr/>
-          <p:nvPr/>
-        </p:nvSpPr>
-        <p:spPr>
-          <a:xfrm>
-            <a:off x="8072120" y="4206240"/>
-            <a:ext cx="132080" cy="132080"/>
-          </a:xfrm>
-          <a:prstGeom prst="ellipse">
-            <a:avLst/>
-          </a:prstGeom>
-          <a:solidFill>
-            <a:srgbClr val="FF0000"/>
-          </a:solidFill>
-          <a:ln>
-            <a:solidFill>
-              <a:schemeClr val="tx1"/>
-            </a:solidFill>
-          </a:ln>
-        </p:spPr>
-        <p:style>
-          <a:lnRef idx="2">
-            <a:schemeClr val="accent1">
-              <a:shade val="50000"/>
-            </a:schemeClr>
-          </a:lnRef>
-          <a:fillRef idx="1">
-            <a:schemeClr val="accent1"/>
-          </a:fillRef>
-          <a:effectRef idx="0">
-            <a:schemeClr val="accent1"/>
-          </a:effectRef>
-          <a:fontRef idx="minor">
-            <a:schemeClr val="lt1"/>
-          </a:fontRef>
-        </p:style>
-        <p:txBody>
-          <a:bodyPr rtlCol="0" anchor="ctr"/>
-          <a:lstStyle/>
-          <a:p>
-            <a:pPr algn="ctr"/>
-            <a:endParaRPr lang="nl-NL"/>
-          </a:p>
-        </p:txBody>
-      </p:sp>
-      <p:cxnSp>
-        <p:nvCxnSpPr>
-          <p:cNvPr id="16" name="Straight Connector 15"/>
-          <p:cNvCxnSpPr/>
-          <p:nvPr/>
-        </p:nvCxnSpPr>
-        <p:spPr>
-          <a:xfrm flipV="1">
-            <a:off x="8138160" y="4338320"/>
-            <a:ext cx="0" cy="274320"/>
-          </a:xfrm>
-          <a:prstGeom prst="line">
-            <a:avLst/>
-          </a:prstGeom>
-          <a:ln>
-            <a:solidFill>
-              <a:schemeClr val="tx1"/>
-            </a:solidFill>
-          </a:ln>
-        </p:spPr>
-        <p:style>
-          <a:lnRef idx="1">
-            <a:schemeClr val="accent1"/>
-          </a:lnRef>
-          <a:fillRef idx="0">
-            <a:schemeClr val="accent1"/>
-          </a:fillRef>
-          <a:effectRef idx="0">
-            <a:schemeClr val="accent1"/>
-          </a:effectRef>
-          <a:fontRef idx="minor">
-            <a:schemeClr val="tx1"/>
-          </a:fontRef>
-        </p:style>
-      </p:cxnSp>
-      <p:sp>
-        <p:nvSpPr>
-          <p:cNvPr id="17" name="Rectangle 16"/>
-          <p:cNvSpPr/>
-          <p:nvPr/>
-        </p:nvSpPr>
-        <p:spPr>
-          <a:xfrm>
-            <a:off x="8976360" y="4124960"/>
-            <a:ext cx="1188720" cy="1229360"/>
-          </a:xfrm>
-          <a:prstGeom prst="rect">
-            <a:avLst/>
-          </a:prstGeom>
-          <a:solidFill>
-            <a:schemeClr val="bg1"/>
-          </a:solidFill>
-          <a:ln>
-            <a:solidFill>
-              <a:schemeClr val="tx1"/>
-            </a:solidFill>
-          </a:ln>
-        </p:spPr>
-        <p:style>
-          <a:lnRef idx="2">
-            <a:schemeClr val="accent1">
-              <a:shade val="50000"/>
-            </a:schemeClr>
-          </a:lnRef>
-          <a:fillRef idx="1">
-            <a:schemeClr val="accent1"/>
-          </a:fillRef>
-          <a:effectRef idx="0">
-            <a:schemeClr val="accent1"/>
-          </a:effectRef>
-          <a:fontRef idx="minor">
-            <a:schemeClr val="lt1"/>
-          </a:fontRef>
-        </p:style>
-        <p:txBody>
-          <a:bodyPr rtlCol="0" anchor="ctr"/>
-          <a:lstStyle/>
-          <a:p>
-            <a:pPr algn="ctr"/>
-            <a:endParaRPr lang="nl-NL"/>
-          </a:p>
-        </p:txBody>
-      </p:sp>
-      <p:sp>
-        <p:nvSpPr>
-          <p:cNvPr id="18" name="Oval 17"/>
-          <p:cNvSpPr/>
-          <p:nvPr/>
-        </p:nvSpPr>
-        <p:spPr>
-          <a:xfrm>
-            <a:off x="9504680" y="5039360"/>
-            <a:ext cx="132080" cy="132080"/>
-          </a:xfrm>
-          <a:prstGeom prst="ellipse">
-            <a:avLst/>
-          </a:prstGeom>
-          <a:solidFill>
-            <a:srgbClr val="FF0000"/>
-          </a:solidFill>
-          <a:ln>
-            <a:solidFill>
-              <a:schemeClr val="tx1"/>
-            </a:solidFill>
-          </a:ln>
-        </p:spPr>
-        <p:style>
-          <a:lnRef idx="2">
-            <a:schemeClr val="accent1">
-              <a:shade val="50000"/>
-            </a:schemeClr>
-          </a:lnRef>
-          <a:fillRef idx="1">
-            <a:schemeClr val="accent1"/>
-          </a:fillRef>
-          <a:effectRef idx="0">
-            <a:schemeClr val="accent1"/>
-          </a:effectRef>
-          <a:fontRef idx="minor">
-            <a:schemeClr val="lt1"/>
-          </a:fontRef>
-        </p:style>
-        <p:txBody>
-          <a:bodyPr rtlCol="0" anchor="ctr"/>
-          <a:lstStyle/>
-          <a:p>
-            <a:pPr algn="ctr"/>
-            <a:endParaRPr lang="nl-NL"/>
-          </a:p>
-        </p:txBody>
-      </p:sp>
-      <p:sp>
-        <p:nvSpPr>
-          <p:cNvPr id="19" name="Oval 18"/>
-          <p:cNvSpPr/>
-          <p:nvPr/>
-        </p:nvSpPr>
-        <p:spPr>
-          <a:xfrm>
-            <a:off x="9504680" y="4632960"/>
-            <a:ext cx="132080" cy="132080"/>
-          </a:xfrm>
-          <a:prstGeom prst="ellipse">
-            <a:avLst/>
-          </a:prstGeom>
-          <a:solidFill>
-            <a:srgbClr val="FF0000"/>
-          </a:solidFill>
-          <a:ln>
-            <a:solidFill>
-              <a:schemeClr val="tx1"/>
-            </a:solidFill>
-          </a:ln>
-        </p:spPr>
-        <p:style>
-          <a:lnRef idx="2">
-            <a:schemeClr val="accent1">
-              <a:shade val="50000"/>
-            </a:schemeClr>
-          </a:lnRef>
-          <a:fillRef idx="1">
-            <a:schemeClr val="accent1"/>
-          </a:fillRef>
-          <a:effectRef idx="0">
-            <a:schemeClr val="accent1"/>
-          </a:effectRef>
-          <a:fontRef idx="minor">
-            <a:schemeClr val="lt1"/>
-          </a:fontRef>
-        </p:style>
-        <p:txBody>
-          <a:bodyPr rtlCol="0" anchor="ctr"/>
-          <a:lstStyle/>
-          <a:p>
-            <a:pPr algn="ctr"/>
-            <a:endParaRPr lang="nl-NL"/>
-          </a:p>
-        </p:txBody>
-      </p:sp>
-      <p:cxnSp>
-        <p:nvCxnSpPr>
-          <p:cNvPr id="20" name="Straight Connector 19"/>
-          <p:cNvCxnSpPr>
-            <a:stCxn id="18" idx="0"/>
-          </p:cNvCxnSpPr>
-          <p:nvPr/>
-        </p:nvCxnSpPr>
-        <p:spPr>
-          <a:xfrm flipV="1">
-            <a:off x="9570720" y="4765040"/>
-            <a:ext cx="0" cy="274320"/>
-          </a:xfrm>
-          <a:prstGeom prst="line">
-            <a:avLst/>
-          </a:prstGeom>
-          <a:ln>
-            <a:solidFill>
-              <a:schemeClr val="tx1"/>
-            </a:solidFill>
-          </a:ln>
-        </p:spPr>
-        <p:style>
-          <a:lnRef idx="1">
-            <a:schemeClr val="accent1"/>
-          </a:lnRef>
-          <a:fillRef idx="0">
-            <a:schemeClr val="accent1"/>
-          </a:fillRef>
-          <a:effectRef idx="0">
-            <a:schemeClr val="accent1"/>
-          </a:effectRef>
-          <a:fontRef idx="minor">
-            <a:schemeClr val="tx1"/>
-          </a:fontRef>
-        </p:style>
-      </p:cxnSp>
-      <p:sp>
-        <p:nvSpPr>
-          <p:cNvPr id="21" name="Rectangle 20"/>
-          <p:cNvSpPr/>
-          <p:nvPr/>
-        </p:nvSpPr>
-        <p:spPr>
-          <a:xfrm>
-            <a:off x="10439400" y="4130040"/>
-            <a:ext cx="1188720" cy="1229360"/>
-          </a:xfrm>
-          <a:prstGeom prst="rect">
-            <a:avLst/>
-          </a:prstGeom>
-          <a:solidFill>
-            <a:schemeClr val="bg1"/>
-          </a:solidFill>
-          <a:ln>
-            <a:solidFill>
-              <a:schemeClr val="tx1"/>
-            </a:solidFill>
-          </a:ln>
-        </p:spPr>
-        <p:style>
-          <a:lnRef idx="2">
-            <a:schemeClr val="accent1">
-              <a:shade val="50000"/>
-            </a:schemeClr>
-          </a:lnRef>
-          <a:fillRef idx="1">
-            <a:schemeClr val="accent1"/>
-          </a:fillRef>
-          <a:effectRef idx="0">
-            <a:schemeClr val="accent1"/>
-          </a:effectRef>
-          <a:fontRef idx="minor">
-            <a:schemeClr val="lt1"/>
-          </a:fontRef>
-        </p:style>
-        <p:txBody>
-          <a:bodyPr rtlCol="0" anchor="ctr"/>
-          <a:lstStyle/>
-          <a:p>
-            <a:pPr algn="ctr"/>
-            <a:endParaRPr lang="nl-NL"/>
-          </a:p>
-        </p:txBody>
-      </p:sp>
-      <p:sp>
-        <p:nvSpPr>
-          <p:cNvPr id="22" name="Oval 21"/>
-          <p:cNvSpPr/>
-          <p:nvPr/>
-        </p:nvSpPr>
-        <p:spPr>
-          <a:xfrm>
-            <a:off x="10967720" y="5044440"/>
-            <a:ext cx="132080" cy="132080"/>
-          </a:xfrm>
-          <a:prstGeom prst="ellipse">
-            <a:avLst/>
-          </a:prstGeom>
-          <a:solidFill>
-            <a:srgbClr val="FF0000"/>
-          </a:solidFill>
-          <a:ln>
-            <a:solidFill>
-              <a:schemeClr val="tx1"/>
-            </a:solidFill>
-          </a:ln>
-        </p:spPr>
-        <p:style>
-          <a:lnRef idx="2">
-            <a:schemeClr val="accent1">
-              <a:shade val="50000"/>
-            </a:schemeClr>
-          </a:lnRef>
-          <a:fillRef idx="1">
-            <a:schemeClr val="accent1"/>
-          </a:fillRef>
-          <a:effectRef idx="0">
-            <a:schemeClr val="accent1"/>
-          </a:effectRef>
-          <a:fontRef idx="minor">
-            <a:schemeClr val="lt1"/>
-          </a:fontRef>
-        </p:style>
-        <p:txBody>
-          <a:bodyPr rtlCol="0" anchor="ctr"/>
-          <a:lstStyle/>
-          <a:p>
-            <a:pPr algn="ctr"/>
-            <a:endParaRPr lang="nl-NL"/>
-          </a:p>
-        </p:txBody>
-      </p:sp>
-      <p:sp>
-        <p:nvSpPr>
-          <p:cNvPr id="23" name="Oval 22"/>
-          <p:cNvSpPr/>
-          <p:nvPr/>
-        </p:nvSpPr>
-        <p:spPr>
-          <a:xfrm>
-            <a:off x="10967720" y="4638040"/>
-            <a:ext cx="132080" cy="132080"/>
-          </a:xfrm>
-          <a:prstGeom prst="ellipse">
-            <a:avLst/>
-          </a:prstGeom>
-          <a:solidFill>
-            <a:srgbClr val="FF0000"/>
-          </a:solidFill>
-          <a:ln>
-            <a:solidFill>
-              <a:schemeClr val="tx1"/>
-            </a:solidFill>
-          </a:ln>
-        </p:spPr>
-        <p:style>
-          <a:lnRef idx="2">
-            <a:schemeClr val="accent1">
-              <a:shade val="50000"/>
-            </a:schemeClr>
-          </a:lnRef>
-          <a:fillRef idx="1">
-            <a:schemeClr val="accent1"/>
-          </a:fillRef>
-          <a:effectRef idx="0">
-            <a:schemeClr val="accent1"/>
-          </a:effectRef>
-          <a:fontRef idx="minor">
-            <a:schemeClr val="lt1"/>
-          </a:fontRef>
-        </p:style>
-        <p:txBody>
-          <a:bodyPr rtlCol="0" anchor="ctr"/>
-          <a:lstStyle/>
-          <a:p>
-            <a:pPr algn="ctr"/>
-            <a:endParaRPr lang="nl-NL"/>
-          </a:p>
-        </p:txBody>
-      </p:sp>
-      <p:cxnSp>
-        <p:nvCxnSpPr>
-          <p:cNvPr id="24" name="Straight Connector 23"/>
-          <p:cNvCxnSpPr>
-            <a:stCxn id="22" idx="0"/>
-          </p:cNvCxnSpPr>
-          <p:nvPr/>
-        </p:nvCxnSpPr>
-        <p:spPr>
-          <a:xfrm flipV="1">
-            <a:off x="11033760" y="4770120"/>
-            <a:ext cx="0" cy="274320"/>
-          </a:xfrm>
-          <a:prstGeom prst="line">
-            <a:avLst/>
-          </a:prstGeom>
-          <a:ln>
-            <a:solidFill>
-              <a:schemeClr val="tx1"/>
-            </a:solidFill>
-          </a:ln>
-        </p:spPr>
-        <p:style>
-          <a:lnRef idx="1">
-            <a:schemeClr val="accent1"/>
-          </a:lnRef>
-          <a:fillRef idx="0">
-            <a:schemeClr val="accent1"/>
-          </a:fillRef>
-          <a:effectRef idx="0">
-            <a:schemeClr val="accent1"/>
-          </a:effectRef>
-          <a:fontRef idx="minor">
-            <a:schemeClr val="tx1"/>
-          </a:fontRef>
-        </p:style>
-      </p:cxnSp>
-      <p:sp>
-        <p:nvSpPr>
-          <p:cNvPr id="25" name="Oval 24"/>
-          <p:cNvSpPr/>
-          <p:nvPr/>
-        </p:nvSpPr>
-        <p:spPr>
-          <a:xfrm>
-            <a:off x="9149080" y="4632960"/>
-            <a:ext cx="132080" cy="132080"/>
-          </a:xfrm>
-          <a:prstGeom prst="ellipse">
-            <a:avLst/>
-          </a:prstGeom>
-          <a:solidFill>
-            <a:srgbClr val="FF0000"/>
-          </a:solidFill>
-          <a:ln>
-            <a:solidFill>
-              <a:schemeClr val="tx1"/>
-            </a:solidFill>
-          </a:ln>
-        </p:spPr>
-        <p:style>
-          <a:lnRef idx="2">
-            <a:schemeClr val="accent1">
-              <a:shade val="50000"/>
-            </a:schemeClr>
-          </a:lnRef>
-          <a:fillRef idx="1">
-            <a:schemeClr val="accent1"/>
-          </a:fillRef>
-          <a:effectRef idx="0">
-            <a:schemeClr val="accent1"/>
-          </a:effectRef>
-          <a:fontRef idx="minor">
-            <a:schemeClr val="lt1"/>
-          </a:fontRef>
-        </p:style>
-        <p:txBody>
-          <a:bodyPr rtlCol="0" anchor="ctr"/>
-          <a:lstStyle/>
-          <a:p>
-            <a:pPr algn="ctr"/>
-            <a:endParaRPr lang="nl-NL"/>
-          </a:p>
-        </p:txBody>
-      </p:sp>
-      <p:sp>
-        <p:nvSpPr>
-          <p:cNvPr id="26" name="Oval 25"/>
-          <p:cNvSpPr/>
-          <p:nvPr/>
-        </p:nvSpPr>
-        <p:spPr>
-          <a:xfrm>
-            <a:off x="11384280" y="4632960"/>
-            <a:ext cx="132080" cy="132080"/>
-          </a:xfrm>
-          <a:prstGeom prst="ellipse">
-            <a:avLst/>
-          </a:prstGeom>
-          <a:solidFill>
-            <a:srgbClr val="FF0000"/>
-          </a:solidFill>
-          <a:ln>
-            <a:solidFill>
-              <a:schemeClr val="tx1"/>
-            </a:solidFill>
-          </a:ln>
-        </p:spPr>
-        <p:style>
-          <a:lnRef idx="2">
-            <a:schemeClr val="accent1">
-              <a:shade val="50000"/>
-            </a:schemeClr>
-          </a:lnRef>
-          <a:fillRef idx="1">
-            <a:schemeClr val="accent1"/>
-          </a:fillRef>
-          <a:effectRef idx="0">
-            <a:schemeClr val="accent1"/>
-          </a:effectRef>
-          <a:fontRef idx="minor">
-            <a:schemeClr val="lt1"/>
-          </a:fontRef>
-        </p:style>
-        <p:txBody>
-          <a:bodyPr rtlCol="0" anchor="ctr"/>
-          <a:lstStyle/>
-          <a:p>
-            <a:pPr algn="ctr"/>
-            <a:endParaRPr lang="nl-NL"/>
-          </a:p>
-        </p:txBody>
-      </p:sp>
-      <p:cxnSp>
-        <p:nvCxnSpPr>
-          <p:cNvPr id="27" name="Straight Connector 26"/>
-          <p:cNvCxnSpPr>
-            <a:stCxn id="25" idx="6"/>
-            <a:endCxn id="19" idx="2"/>
-          </p:cNvCxnSpPr>
-          <p:nvPr/>
-        </p:nvCxnSpPr>
-        <p:spPr>
-          <a:xfrm>
-            <a:off x="9281160" y="4699000"/>
-            <a:ext cx="223520" cy="0"/>
-          </a:xfrm>
-          <a:prstGeom prst="line">
-            <a:avLst/>
-          </a:prstGeom>
-          <a:ln>
-            <a:solidFill>
-              <a:schemeClr val="tx1"/>
-            </a:solidFill>
-          </a:ln>
-        </p:spPr>
-        <p:style>
-          <a:lnRef idx="1">
-            <a:schemeClr val="accent1"/>
-          </a:lnRef>
-          <a:fillRef idx="0">
-            <a:schemeClr val="accent1"/>
-          </a:fillRef>
-          <a:effectRef idx="0">
-            <a:schemeClr val="accent1"/>
-          </a:effectRef>
-          <a:fontRef idx="minor">
-            <a:schemeClr val="tx1"/>
-          </a:fontRef>
-        </p:style>
-      </p:cxnSp>
-      <p:cxnSp>
-        <p:nvCxnSpPr>
-          <p:cNvPr id="28" name="Straight Connector 27"/>
-          <p:cNvCxnSpPr>
-            <a:endCxn id="26" idx="2"/>
-          </p:cNvCxnSpPr>
-          <p:nvPr/>
-        </p:nvCxnSpPr>
-        <p:spPr>
-          <a:xfrm flipV="1">
-            <a:off x="11099800" y="4699000"/>
-            <a:ext cx="284480" cy="5080"/>
-          </a:xfrm>
-          <a:prstGeom prst="line">
-            <a:avLst/>
-          </a:prstGeom>
-          <a:ln>
-            <a:solidFill>
-              <a:schemeClr val="tx1"/>
-            </a:solidFill>
-          </a:ln>
-        </p:spPr>
-        <p:style>
-          <a:lnRef idx="1">
-            <a:schemeClr val="accent1"/>
-          </a:lnRef>
-          <a:fillRef idx="0">
-            <a:schemeClr val="accent1"/>
-          </a:fillRef>
-          <a:effectRef idx="0">
-            <a:schemeClr val="accent1"/>
-          </a:effectRef>
-          <a:fontRef idx="minor">
-            <a:schemeClr val="tx1"/>
-          </a:fontRef>
-        </p:style>
-      </p:cxnSp>
-      <p:sp>
-        <p:nvSpPr>
-          <p:cNvPr id="29" name="Oval 28"/>
-          <p:cNvSpPr/>
-          <p:nvPr/>
-        </p:nvSpPr>
-        <p:spPr>
-          <a:xfrm>
-            <a:off x="10368280" y="4074160"/>
-            <a:ext cx="1330960" cy="1330960"/>
-          </a:xfrm>
-          <a:prstGeom prst="ellipse">
-            <a:avLst/>
-          </a:prstGeom>
-          <a:noFill/>
-          <a:ln>
-            <a:solidFill>
-              <a:schemeClr val="accent1"/>
-            </a:solidFill>
-          </a:ln>
-        </p:spPr>
-        <p:style>
-          <a:lnRef idx="2">
-            <a:schemeClr val="accent1">
-              <a:shade val="50000"/>
-            </a:schemeClr>
-          </a:lnRef>
-          <a:fillRef idx="1">
-            <a:schemeClr val="accent1"/>
-          </a:fillRef>
-          <a:effectRef idx="0">
-            <a:schemeClr val="accent1"/>
-          </a:effectRef>
-          <a:fontRef idx="minor">
-            <a:schemeClr val="lt1"/>
-          </a:fontRef>
-        </p:style>
-        <p:txBody>
-          <a:bodyPr rtlCol="0" anchor="ctr"/>
-          <a:lstStyle/>
-          <a:p>
-            <a:pPr algn="ctr"/>
-            <a:endParaRPr lang="nl-NL"/>
+            <a:r>
+              <a:rPr lang="nl-NL" sz="1600" b="1" dirty="0" err="1">
+                <a:solidFill>
+                  <a:schemeClr val="accent1">
+                    <a:lumMod val="20000"/>
+                    <a:lumOff val="80000"/>
+                  </a:schemeClr>
+                </a:solidFill>
+              </a:rPr>
+              <a:t>Indroductie</a:t>
+            </a:r>
+            <a:r>
+              <a:rPr lang="nl-NL" sz="1600" b="1" dirty="0">
+                <a:solidFill>
+                  <a:schemeClr val="accent1">
+                    <a:lumMod val="20000"/>
+                    <a:lumOff val="80000"/>
+                  </a:schemeClr>
+                </a:solidFill>
+              </a:rPr>
+              <a:t>  </a:t>
+            </a:r>
+            <a:r>
+              <a:rPr lang="nl-NL" sz="1600" b="1" dirty="0">
+                <a:solidFill>
+                  <a:schemeClr val="accent1">
+                    <a:lumMod val="20000"/>
+                    <a:lumOff val="80000"/>
+                  </a:schemeClr>
+                </a:solidFill>
+              </a:rPr>
+              <a:t>      </a:t>
+            </a:r>
+            <a:r>
+              <a:rPr lang="nl-NL" sz="1600" b="1" dirty="0">
+                <a:solidFill>
+                  <a:schemeClr val="accent1">
+                    <a:lumMod val="60000"/>
+                    <a:lumOff val="40000"/>
+                  </a:schemeClr>
+                </a:solidFill>
+              </a:rPr>
+              <a:t>Materiaal &amp; Methoden        </a:t>
+            </a:r>
+            <a:r>
+              <a:rPr lang="nl-NL" sz="1600" b="1" dirty="0">
+                <a:solidFill>
+                  <a:schemeClr val="accent1">
+                    <a:lumMod val="20000"/>
+                    <a:lumOff val="80000"/>
+                  </a:schemeClr>
+                </a:solidFill>
+              </a:rPr>
+              <a:t>Resultaten        Discussie </a:t>
+            </a:r>
           </a:p>
         </p:txBody>
       </p:sp>
     </p:spTree>
-    <p:extLst>
-      <p:ext uri="{BB962C8B-B14F-4D97-AF65-F5344CB8AC3E}">
-        <p14:creationId xmlns:p14="http://schemas.microsoft.com/office/powerpoint/2010/main" val="2781350608"/>
-      </p:ext>
-    </p:extLst>
   </p:cSld>
   <p:clrMapOvr>
     <a:masterClrMapping/>
@@ -13720,158 +14326,6 @@
           <a:p>
             <a:r>
               <a:rPr lang="en-US" dirty="0" err="1"/>
-              <a:t>Hillclimber</a:t>
-            </a:r>
-            <a:endParaRPr lang="en-US" dirty="0"/>
-          </a:p>
-        </p:txBody>
-      </p:sp>
-      <p:sp>
-        <p:nvSpPr>
-          <p:cNvPr id="3" name="Tijdelijke aanduiding voor inhoud 2"/>
-          <p:cNvSpPr>
-            <a:spLocks noGrp="1"/>
-          </p:cNvSpPr>
-          <p:nvPr>
-            <p:ph idx="1"/>
-          </p:nvPr>
-        </p:nvSpPr>
-        <p:spPr/>
-        <p:txBody>
-          <a:bodyPr/>
-          <a:lstStyle/>
-          <a:p>
-            <a:r>
-              <a:rPr lang="en-US" dirty="0" err="1"/>
-              <a:t>Instellingen</a:t>
-            </a:r>
-            <a:r>
-              <a:rPr lang="en-US" dirty="0"/>
-              <a:t>:</a:t>
-            </a:r>
-          </a:p>
-          <a:p>
-            <a:pPr lvl="1"/>
-            <a:r>
-              <a:rPr lang="en-US" dirty="0"/>
-              <a:t>1000 </a:t>
-            </a:r>
-            <a:r>
-              <a:rPr lang="en-US" dirty="0" err="1"/>
-              <a:t>keer</a:t>
-            </a:r>
-            <a:r>
-              <a:rPr lang="en-US" dirty="0"/>
-              <a:t> </a:t>
-            </a:r>
-            <a:r>
-              <a:rPr lang="en-US" dirty="0" err="1"/>
-              <a:t>proberen</a:t>
-            </a:r>
-            <a:endParaRPr lang="en-US" dirty="0"/>
-          </a:p>
-          <a:p>
-            <a:pPr lvl="1"/>
-            <a:r>
-              <a:rPr lang="en-US" dirty="0" err="1"/>
-              <a:t>Vervangen</a:t>
-            </a:r>
-            <a:r>
-              <a:rPr lang="en-US" dirty="0"/>
-              <a:t> </a:t>
-            </a:r>
-            <a:r>
-              <a:rPr lang="en-US" dirty="0" err="1"/>
-              <a:t>bij</a:t>
-            </a:r>
-            <a:r>
-              <a:rPr lang="en-US" dirty="0"/>
-              <a:t> </a:t>
-            </a:r>
-            <a:r>
-              <a:rPr lang="en-US" dirty="0" err="1"/>
-              <a:t>gelijke</a:t>
-            </a:r>
-            <a:r>
-              <a:rPr lang="en-US" dirty="0"/>
-              <a:t> of </a:t>
-            </a:r>
-            <a:r>
-              <a:rPr lang="en-US" dirty="0" err="1"/>
-              <a:t>kleinere</a:t>
-            </a:r>
-            <a:r>
-              <a:rPr lang="en-US" dirty="0"/>
-              <a:t> score</a:t>
-            </a:r>
-          </a:p>
-          <a:p>
-            <a:pPr lvl="1"/>
-            <a:r>
-              <a:rPr lang="en-US" dirty="0"/>
-              <a:t>Start </a:t>
-            </a:r>
-            <a:r>
-              <a:rPr lang="en-US" dirty="0" err="1"/>
-              <a:t>recht</a:t>
-            </a:r>
-            <a:r>
-              <a:rPr lang="en-US" dirty="0"/>
-              <a:t> </a:t>
-            </a:r>
-            <a:r>
-              <a:rPr lang="en-US" dirty="0" err="1"/>
-              <a:t>vs</a:t>
-            </a:r>
-            <a:r>
-              <a:rPr lang="en-US" dirty="0"/>
-              <a:t> random</a:t>
-            </a:r>
-          </a:p>
-        </p:txBody>
-      </p:sp>
-    </p:spTree>
-  </p:cSld>
-  <p:clrMapOvr>
-    <a:masterClrMapping/>
-  </p:clrMapOvr>
-</p:sld>
-</file>
-
-<file path=ppt/slides/slide25.xml><?xml version="1.0" encoding="utf-8"?>
-<p:sld xmlns:a="http://schemas.openxmlformats.org/drawingml/2006/main" xmlns:r="http://schemas.openxmlformats.org/officeDocument/2006/relationships" xmlns:p="http://schemas.openxmlformats.org/presentationml/2006/main">
-  <p:cSld>
-    <p:spTree>
-      <p:nvGrpSpPr>
-        <p:cNvPr id="1" name=""/>
-        <p:cNvGrpSpPr/>
-        <p:nvPr/>
-      </p:nvGrpSpPr>
-      <p:grpSpPr>
-        <a:xfrm>
-          <a:off x="0" y="0"/>
-          <a:ext cx="0" cy="0"/>
-          <a:chOff x="0" y="0"/>
-          <a:chExt cx="0" cy="0"/>
-        </a:xfrm>
-      </p:grpSpPr>
-      <p:sp>
-        <p:nvSpPr>
-          <p:cNvPr id="2" name="Titel 1"/>
-          <p:cNvSpPr>
-            <a:spLocks noGrp="1"/>
-          </p:cNvSpPr>
-          <p:nvPr>
-            <p:ph type="title"/>
-          </p:nvPr>
-        </p:nvSpPr>
-        <p:spPr/>
-        <p:txBody>
-          <a:bodyPr/>
-          <a:lstStyle/>
-          <a:p>
-            <a:r>
-              <a:rPr lang="en-US" dirty="0" err="1"/>
               <a:t>Resultaten</a:t>
             </a:r>
             <a:endParaRPr lang="en-US" dirty="0"/>
@@ -13900,35 +14354,35 @@
                 <a:gridCol w="2180138">
                   <a:extLst>
                     <a:ext uri="{9D8B030D-6E8A-4147-A177-3AD203B41FA5}">
-                      <a16:colId xmlns:a16="http://schemas.microsoft.com/office/drawing/2014/main" xmlns="" val="20000"/>
+                      <a16:colId xmlns="" xmlns:a16="http://schemas.microsoft.com/office/drawing/2014/main" val="20000"/>
                     </a:ext>
                   </a:extLst>
                 </a:gridCol>
                 <a:gridCol w="2019431">
                   <a:extLst>
                     <a:ext uri="{9D8B030D-6E8A-4147-A177-3AD203B41FA5}">
-                      <a16:colId xmlns:a16="http://schemas.microsoft.com/office/drawing/2014/main" xmlns="" val="20001"/>
+                      <a16:colId xmlns="" xmlns:a16="http://schemas.microsoft.com/office/drawing/2014/main" val="20001"/>
                     </a:ext>
                   </a:extLst>
                 </a:gridCol>
                 <a:gridCol w="2280703">
                   <a:extLst>
                     <a:ext uri="{9D8B030D-6E8A-4147-A177-3AD203B41FA5}">
-                      <a16:colId xmlns:a16="http://schemas.microsoft.com/office/drawing/2014/main" xmlns="" val="20002"/>
+                      <a16:colId xmlns="" xmlns:a16="http://schemas.microsoft.com/office/drawing/2014/main" val="20002"/>
                     </a:ext>
                   </a:extLst>
                 </a:gridCol>
                 <a:gridCol w="2225244">
                   <a:extLst>
                     <a:ext uri="{9D8B030D-6E8A-4147-A177-3AD203B41FA5}">
-                      <a16:colId xmlns:a16="http://schemas.microsoft.com/office/drawing/2014/main" xmlns="" val="20003"/>
+                      <a16:colId xmlns="" xmlns:a16="http://schemas.microsoft.com/office/drawing/2014/main" val="20003"/>
                     </a:ext>
                   </a:extLst>
                 </a:gridCol>
                 <a:gridCol w="2225244">
                   <a:extLst>
                     <a:ext uri="{9D8B030D-6E8A-4147-A177-3AD203B41FA5}">
-                      <a16:colId xmlns:a16="http://schemas.microsoft.com/office/drawing/2014/main" xmlns="" val="20004"/>
+                      <a16:colId xmlns="" xmlns:a16="http://schemas.microsoft.com/office/drawing/2014/main" val="20004"/>
                     </a:ext>
                   </a:extLst>
                 </a:gridCol>
@@ -14012,7 +14466,7 @@
                 </a:tc>
                 <a:extLst>
                   <a:ext uri="{0D108BD9-81ED-4DB2-BD59-A6C34878D82A}">
-                    <a16:rowId xmlns:a16="http://schemas.microsoft.com/office/drawing/2014/main" xmlns="" val="10000"/>
+                    <a16:rowId xmlns="" xmlns:a16="http://schemas.microsoft.com/office/drawing/2014/main" val="10000"/>
                   </a:ext>
                 </a:extLst>
               </a:tr>
@@ -14165,7 +14619,7 @@
                 </a:tc>
                 <a:extLst>
                   <a:ext uri="{0D108BD9-81ED-4DB2-BD59-A6C34878D82A}">
-                    <a16:rowId xmlns:a16="http://schemas.microsoft.com/office/drawing/2014/main" xmlns="" val="10001"/>
+                    <a16:rowId xmlns="" xmlns:a16="http://schemas.microsoft.com/office/drawing/2014/main" val="10001"/>
                   </a:ext>
                 </a:extLst>
               </a:tr>
@@ -14323,7 +14777,7 @@
                 </a:tc>
                 <a:extLst>
                   <a:ext uri="{0D108BD9-81ED-4DB2-BD59-A6C34878D82A}">
-                    <a16:rowId xmlns:a16="http://schemas.microsoft.com/office/drawing/2014/main" xmlns="" val="10002"/>
+                    <a16:rowId xmlns="" xmlns:a16="http://schemas.microsoft.com/office/drawing/2014/main" val="10002"/>
                   </a:ext>
                 </a:extLst>
               </a:tr>
@@ -14467,7 +14921,7 @@
                 </a:tc>
                 <a:extLst>
                   <a:ext uri="{0D108BD9-81ED-4DB2-BD59-A6C34878D82A}">
-                    <a16:rowId xmlns:a16="http://schemas.microsoft.com/office/drawing/2014/main" xmlns="" val="10003"/>
+                    <a16:rowId xmlns="" xmlns:a16="http://schemas.microsoft.com/office/drawing/2014/main" val="10003"/>
                   </a:ext>
                 </a:extLst>
               </a:tr>
@@ -14611,7 +15065,7 @@
                 </a:tc>
                 <a:extLst>
                   <a:ext uri="{0D108BD9-81ED-4DB2-BD59-A6C34878D82A}">
-                    <a16:rowId xmlns:a16="http://schemas.microsoft.com/office/drawing/2014/main" xmlns="" val="10004"/>
+                    <a16:rowId xmlns="" xmlns:a16="http://schemas.microsoft.com/office/drawing/2014/main" val="10004"/>
                   </a:ext>
                 </a:extLst>
               </a:tr>
@@ -14619,6 +15073,104 @@
           </a:graphicData>
         </a:graphic>
       </p:graphicFrame>
+      <p:sp>
+        <p:nvSpPr>
+          <p:cNvPr id="4" name="Tekstvak 12">
+            <a:extLst>
+              <a:ext uri="{FF2B5EF4-FFF2-40B4-BE49-F238E27FC236}">
+                <a16:creationId xmlns="" xmlns:a16="http://schemas.microsoft.com/office/drawing/2014/main" id="{44CABAE1-B325-4747-910E-7EDC7EDD7625}"/>
+              </a:ext>
+            </a:extLst>
+          </p:cNvPr>
+          <p:cNvSpPr txBox="1"/>
+          <p:nvPr/>
+        </p:nvSpPr>
+        <p:spPr>
+          <a:xfrm>
+            <a:off x="420131" y="128248"/>
+            <a:ext cx="11059297" cy="338554"/>
+          </a:xfrm>
+          <a:prstGeom prst="rect">
+            <a:avLst/>
+          </a:prstGeom>
+          <a:noFill/>
+        </p:spPr>
+        <p:txBody>
+          <a:bodyPr wrap="square" rtlCol="0">
+            <a:spAutoFit/>
+          </a:bodyPr>
+          <a:lstStyle/>
+          <a:p>
+            <a:pPr algn="ctr"/>
+            <a:r>
+              <a:rPr lang="nl-NL" sz="1600" b="1" dirty="0" err="1">
+                <a:solidFill>
+                  <a:schemeClr val="accent1">
+                    <a:lumMod val="20000"/>
+                    <a:lumOff val="80000"/>
+                  </a:schemeClr>
+                </a:solidFill>
+              </a:rPr>
+              <a:t>Indroductie</a:t>
+            </a:r>
+            <a:r>
+              <a:rPr lang="nl-NL" sz="1600" b="1" dirty="0">
+                <a:solidFill>
+                  <a:schemeClr val="accent1">
+                    <a:lumMod val="20000"/>
+                    <a:lumOff val="80000"/>
+                  </a:schemeClr>
+                </a:solidFill>
+              </a:rPr>
+              <a:t>  </a:t>
+            </a:r>
+            <a:r>
+              <a:rPr lang="nl-NL" sz="1600" b="1" dirty="0">
+                <a:solidFill>
+                  <a:schemeClr val="accent1">
+                    <a:lumMod val="20000"/>
+                    <a:lumOff val="80000"/>
+                  </a:schemeClr>
+                </a:solidFill>
+              </a:rPr>
+              <a:t>      </a:t>
+            </a:r>
+            <a:r>
+              <a:rPr lang="nl-NL" sz="1600" b="1" dirty="0">
+                <a:solidFill>
+                  <a:schemeClr val="accent1">
+                    <a:lumMod val="20000"/>
+                    <a:lumOff val="80000"/>
+                  </a:schemeClr>
+                </a:solidFill>
+              </a:rPr>
+              <a:t>Materiaal &amp; Methoden        </a:t>
+            </a:r>
+            <a:r>
+              <a:rPr lang="nl-NL" sz="1600" b="1" dirty="0">
+                <a:solidFill>
+                  <a:schemeClr val="accent1">
+                    <a:lumMod val="60000"/>
+                    <a:lumOff val="40000"/>
+                  </a:schemeClr>
+                </a:solidFill>
+              </a:rPr>
+              <a:t>Resultaten </a:t>
+            </a:r>
+            <a:r>
+              <a:rPr lang="nl-NL" sz="1600" b="1" dirty="0">
+                <a:solidFill>
+                  <a:schemeClr val="accent1">
+                    <a:lumMod val="20000"/>
+                    <a:lumOff val="80000"/>
+                  </a:schemeClr>
+                </a:solidFill>
+              </a:rPr>
+              <a:t>       Discussie </a:t>
+            </a:r>
+          </a:p>
+        </p:txBody>
+      </p:sp>
     </p:spTree>
   </p:cSld>
   <p:clrMapOvr>
@@ -14627,7 +15179,7 @@
 </p:sld>
 </file>
 
-<file path=ppt/slides/slide26.xml><?xml version="1.0" encoding="utf-8"?>
+<file path=ppt/slides/slide25.xml><?xml version="1.0" encoding="utf-8"?>
 <p:sld xmlns:a="http://schemas.openxmlformats.org/drawingml/2006/main" xmlns:r="http://schemas.openxmlformats.org/officeDocument/2006/relationships" xmlns:p="http://schemas.openxmlformats.org/presentationml/2006/main">
   <p:cSld>
     <p:spTree>
@@ -14827,6 +15379,104 @@
               <a:t> </a:t>
             </a:r>
             <a:endParaRPr lang="en-US" dirty="0"/>
+          </a:p>
+        </p:txBody>
+      </p:sp>
+      <p:sp>
+        <p:nvSpPr>
+          <p:cNvPr id="4" name="Tekstvak 12">
+            <a:extLst>
+              <a:ext uri="{FF2B5EF4-FFF2-40B4-BE49-F238E27FC236}">
+                <a16:creationId xmlns="" xmlns:a16="http://schemas.microsoft.com/office/drawing/2014/main" id="{44CABAE1-B325-4747-910E-7EDC7EDD7625}"/>
+              </a:ext>
+            </a:extLst>
+          </p:cNvPr>
+          <p:cNvSpPr txBox="1"/>
+          <p:nvPr/>
+        </p:nvSpPr>
+        <p:spPr>
+          <a:xfrm>
+            <a:off x="420131" y="128248"/>
+            <a:ext cx="11059297" cy="338554"/>
+          </a:xfrm>
+          <a:prstGeom prst="rect">
+            <a:avLst/>
+          </a:prstGeom>
+          <a:noFill/>
+        </p:spPr>
+        <p:txBody>
+          <a:bodyPr wrap="square" rtlCol="0">
+            <a:spAutoFit/>
+          </a:bodyPr>
+          <a:lstStyle/>
+          <a:p>
+            <a:pPr algn="ctr"/>
+            <a:r>
+              <a:rPr lang="nl-NL" sz="1600" b="1" dirty="0" err="1">
+                <a:solidFill>
+                  <a:schemeClr val="accent1">
+                    <a:lumMod val="20000"/>
+                    <a:lumOff val="80000"/>
+                  </a:schemeClr>
+                </a:solidFill>
+              </a:rPr>
+              <a:t>Indroductie</a:t>
+            </a:r>
+            <a:r>
+              <a:rPr lang="nl-NL" sz="1600" b="1" dirty="0">
+                <a:solidFill>
+                  <a:schemeClr val="accent1">
+                    <a:lumMod val="20000"/>
+                    <a:lumOff val="80000"/>
+                  </a:schemeClr>
+                </a:solidFill>
+              </a:rPr>
+              <a:t>  </a:t>
+            </a:r>
+            <a:r>
+              <a:rPr lang="nl-NL" sz="1600" b="1" dirty="0">
+                <a:solidFill>
+                  <a:schemeClr val="accent1">
+                    <a:lumMod val="20000"/>
+                    <a:lumOff val="80000"/>
+                  </a:schemeClr>
+                </a:solidFill>
+              </a:rPr>
+              <a:t>      </a:t>
+            </a:r>
+            <a:r>
+              <a:rPr lang="nl-NL" sz="1600" b="1" dirty="0">
+                <a:solidFill>
+                  <a:schemeClr val="accent1">
+                    <a:lumMod val="20000"/>
+                    <a:lumOff val="80000"/>
+                  </a:schemeClr>
+                </a:solidFill>
+              </a:rPr>
+              <a:t>Materiaal &amp; Methoden        </a:t>
+            </a:r>
+            <a:r>
+              <a:rPr lang="nl-NL" sz="1600" b="1" dirty="0">
+                <a:solidFill>
+                  <a:schemeClr val="accent1">
+                    <a:lumMod val="60000"/>
+                    <a:lumOff val="40000"/>
+                  </a:schemeClr>
+                </a:solidFill>
+              </a:rPr>
+              <a:t>Resultaten </a:t>
+            </a:r>
+            <a:r>
+              <a:rPr lang="nl-NL" sz="1600" b="1" dirty="0">
+                <a:solidFill>
+                  <a:schemeClr val="accent1">
+                    <a:lumMod val="20000"/>
+                    <a:lumOff val="80000"/>
+                  </a:schemeClr>
+                </a:solidFill>
+              </a:rPr>
+              <a:t>       Discussie </a:t>
+            </a:r>
           </a:p>
         </p:txBody>
       </p:sp>
@@ -14860,7 +15510,7 @@
           <p:cNvPr id="2" name="Titel 1">
             <a:extLst>
               <a:ext uri="{FF2B5EF4-FFF2-40B4-BE49-F238E27FC236}">
-                <a16:creationId xmlns:a16="http://schemas.microsoft.com/office/drawing/2014/main" xmlns="" id="{769A96FB-BA26-47C0-85BC-9E5A44D94A65}"/>
+                <a16:creationId xmlns="" xmlns:a16="http://schemas.microsoft.com/office/drawing/2014/main" id="{769A96FB-BA26-47C0-85BC-9E5A44D94A65}"/>
               </a:ext>
             </a:extLst>
           </p:cNvPr>
@@ -14888,7 +15538,7 @@
           <p:cNvPr id="13" name="Tekstvak 12">
             <a:extLst>
               <a:ext uri="{FF2B5EF4-FFF2-40B4-BE49-F238E27FC236}">
-                <a16:creationId xmlns:a16="http://schemas.microsoft.com/office/drawing/2014/main" xmlns="" id="{44CABAE1-B325-4747-910E-7EDC7EDD7625}"/>
+                <a16:creationId xmlns="" xmlns:a16="http://schemas.microsoft.com/office/drawing/2014/main" id="{44CABAE1-B325-4747-910E-7EDC7EDD7625}"/>
               </a:ext>
             </a:extLst>
           </p:cNvPr>
@@ -14942,7 +15592,7 @@
           <p:cNvPr id="7" name="AutoShape 2" descr="Afbeeldingsresultaat voor cel from human">
             <a:extLst>
               <a:ext uri="{FF2B5EF4-FFF2-40B4-BE49-F238E27FC236}">
-                <a16:creationId xmlns:a16="http://schemas.microsoft.com/office/drawing/2014/main" xmlns="" id="{BAA6AD35-A0AD-46FB-8C83-83697536AD9E}"/>
+                <a16:creationId xmlns="" xmlns:a16="http://schemas.microsoft.com/office/drawing/2014/main" id="{BAA6AD35-A0AD-46FB-8C83-83697536AD9E}"/>
               </a:ext>
             </a:extLst>
           </p:cNvPr>
@@ -14987,7 +15637,7 @@
           <p:cNvPr id="14" name="AutoShape 4" descr="Afbeeldingsresultaat voor cel from human">
             <a:extLst>
               <a:ext uri="{FF2B5EF4-FFF2-40B4-BE49-F238E27FC236}">
-                <a16:creationId xmlns:a16="http://schemas.microsoft.com/office/drawing/2014/main" xmlns="" id="{DE7F6D67-FFDD-4318-B4D9-E249E6758D4A}"/>
+                <a16:creationId xmlns="" xmlns:a16="http://schemas.microsoft.com/office/drawing/2014/main" id="{DE7F6D67-FFDD-4318-B4D9-E249E6758D4A}"/>
               </a:ext>
             </a:extLst>
           </p:cNvPr>
@@ -15032,7 +15682,7 @@
           <p:cNvPr id="16" name="Afbeelding 15">
             <a:extLst>
               <a:ext uri="{FF2B5EF4-FFF2-40B4-BE49-F238E27FC236}">
-                <a16:creationId xmlns:a16="http://schemas.microsoft.com/office/drawing/2014/main" xmlns="" id="{028B203A-6AFB-43CC-A2E5-888B735C297F}"/>
+                <a16:creationId xmlns="" xmlns:a16="http://schemas.microsoft.com/office/drawing/2014/main" id="{028B203A-6AFB-43CC-A2E5-888B735C297F}"/>
               </a:ext>
             </a:extLst>
           </p:cNvPr>
@@ -15068,7 +15718,7 @@
           <p:cNvPr id="19" name="Gelijkbenige driehoek 18">
             <a:extLst>
               <a:ext uri="{FF2B5EF4-FFF2-40B4-BE49-F238E27FC236}">
-                <a16:creationId xmlns:a16="http://schemas.microsoft.com/office/drawing/2014/main" xmlns="" id="{3473C7A5-6D55-4B8D-B912-17E38BDAAE6F}"/>
+                <a16:creationId xmlns="" xmlns:a16="http://schemas.microsoft.com/office/drawing/2014/main" id="{3473C7A5-6D55-4B8D-B912-17E38BDAAE6F}"/>
               </a:ext>
             </a:extLst>
           </p:cNvPr>
@@ -15127,7 +15777,7 @@
           <p:cNvPr id="21" name="Afbeelding 20">
             <a:extLst>
               <a:ext uri="{FF2B5EF4-FFF2-40B4-BE49-F238E27FC236}">
-                <a16:creationId xmlns:a16="http://schemas.microsoft.com/office/drawing/2014/main" xmlns="" id="{2E4ED76A-8CDE-4820-BEF2-FFF0CAB0FFC2}"/>
+                <a16:creationId xmlns="" xmlns:a16="http://schemas.microsoft.com/office/drawing/2014/main" id="{2E4ED76A-8CDE-4820-BEF2-FFF0CAB0FFC2}"/>
               </a:ext>
             </a:extLst>
           </p:cNvPr>
@@ -15157,7 +15807,7 @@
           <p:cNvPr id="27" name="Rechte verbindingslijn met pijl 26">
             <a:extLst>
               <a:ext uri="{FF2B5EF4-FFF2-40B4-BE49-F238E27FC236}">
-                <a16:creationId xmlns:a16="http://schemas.microsoft.com/office/drawing/2014/main" xmlns="" id="{B6D6B7F3-D443-497D-A36C-F4AAD657E543}"/>
+                <a16:creationId xmlns="" xmlns:a16="http://schemas.microsoft.com/office/drawing/2014/main" id="{B6D6B7F3-D443-497D-A36C-F4AAD657E543}"/>
               </a:ext>
             </a:extLst>
           </p:cNvPr>
@@ -15196,7 +15846,7 @@
           <p:cNvPr id="29" name="Tekstvak 28">
             <a:extLst>
               <a:ext uri="{FF2B5EF4-FFF2-40B4-BE49-F238E27FC236}">
-                <a16:creationId xmlns:a16="http://schemas.microsoft.com/office/drawing/2014/main" xmlns="" id="{3F5F8535-0F1D-4072-B4F7-ECC8E1EF4714}"/>
+                <a16:creationId xmlns="" xmlns:a16="http://schemas.microsoft.com/office/drawing/2014/main" id="{3F5F8535-0F1D-4072-B4F7-ECC8E1EF4714}"/>
               </a:ext>
             </a:extLst>
           </p:cNvPr>
@@ -15231,7 +15881,7 @@
           <p:cNvPr id="30" name="Tekstvak 29">
             <a:extLst>
               <a:ext uri="{FF2B5EF4-FFF2-40B4-BE49-F238E27FC236}">
-                <a16:creationId xmlns:a16="http://schemas.microsoft.com/office/drawing/2014/main" xmlns="" id="{60EFD1DE-A3E9-41CC-9FD4-3B5142326B68}"/>
+                <a16:creationId xmlns="" xmlns:a16="http://schemas.microsoft.com/office/drawing/2014/main" id="{60EFD1DE-A3E9-41CC-9FD4-3B5142326B68}"/>
               </a:ext>
             </a:extLst>
           </p:cNvPr>
@@ -15266,7 +15916,7 @@
           <p:cNvPr id="32" name="Afbeelding 31">
             <a:extLst>
               <a:ext uri="{FF2B5EF4-FFF2-40B4-BE49-F238E27FC236}">
-                <a16:creationId xmlns:a16="http://schemas.microsoft.com/office/drawing/2014/main" xmlns="" id="{C82A7316-9DC5-4909-BDE9-7B87FABBA20E}"/>
+                <a16:creationId xmlns="" xmlns:a16="http://schemas.microsoft.com/office/drawing/2014/main" id="{C82A7316-9DC5-4909-BDE9-7B87FABBA20E}"/>
               </a:ext>
             </a:extLst>
           </p:cNvPr>
@@ -15296,7 +15946,7 @@
           <p:cNvPr id="33" name="Tekstvak 32">
             <a:extLst>
               <a:ext uri="{FF2B5EF4-FFF2-40B4-BE49-F238E27FC236}">
-                <a16:creationId xmlns:a16="http://schemas.microsoft.com/office/drawing/2014/main" xmlns="" id="{08A6883E-74A6-4993-AEE7-75D7658C72D6}"/>
+                <a16:creationId xmlns="" xmlns:a16="http://schemas.microsoft.com/office/drawing/2014/main" id="{08A6883E-74A6-4993-AEE7-75D7658C72D6}"/>
               </a:ext>
             </a:extLst>
           </p:cNvPr>
@@ -15340,7 +15990,7 @@
           <p:cNvPr id="34" name="Tekstvak 33">
             <a:extLst>
               <a:ext uri="{FF2B5EF4-FFF2-40B4-BE49-F238E27FC236}">
-                <a16:creationId xmlns:a16="http://schemas.microsoft.com/office/drawing/2014/main" xmlns="" id="{C9B4D1B0-0456-4811-9964-B9C6B0442EF5}"/>
+                <a16:creationId xmlns="" xmlns:a16="http://schemas.microsoft.com/office/drawing/2014/main" id="{C9B4D1B0-0456-4811-9964-B9C6B0442EF5}"/>
               </a:ext>
             </a:extLst>
           </p:cNvPr>
@@ -15379,7 +16029,7 @@
           <p:cNvPr id="5" name="Afbeelding 4">
             <a:extLst>
               <a:ext uri="{FF2B5EF4-FFF2-40B4-BE49-F238E27FC236}">
-                <a16:creationId xmlns:a16="http://schemas.microsoft.com/office/drawing/2014/main" xmlns="" id="{B088EACF-3A30-4896-9D87-8885CB1F2FD9}"/>
+                <a16:creationId xmlns="" xmlns:a16="http://schemas.microsoft.com/office/drawing/2014/main" id="{B088EACF-3A30-4896-9D87-8885CB1F2FD9}"/>
               </a:ext>
             </a:extLst>
           </p:cNvPr>
@@ -15409,7 +16059,7 @@
           <p:cNvPr id="20" name="Tekstvak 19">
             <a:extLst>
               <a:ext uri="{FF2B5EF4-FFF2-40B4-BE49-F238E27FC236}">
-                <a16:creationId xmlns:a16="http://schemas.microsoft.com/office/drawing/2014/main" xmlns="" id="{CE3B85E5-3CCB-4EC6-94EE-27309E68CE64}"/>
+                <a16:creationId xmlns="" xmlns:a16="http://schemas.microsoft.com/office/drawing/2014/main" id="{CE3B85E5-3CCB-4EC6-94EE-27309E68CE64}"/>
               </a:ext>
             </a:extLst>
           </p:cNvPr>
@@ -15448,7 +16098,7 @@
           <p:cNvPr id="22" name="Tekstvak 21">
             <a:extLst>
               <a:ext uri="{FF2B5EF4-FFF2-40B4-BE49-F238E27FC236}">
-                <a16:creationId xmlns:a16="http://schemas.microsoft.com/office/drawing/2014/main" xmlns="" id="{308E4E88-489C-491C-8F2D-3708CA1AEE72}"/>
+                <a16:creationId xmlns="" xmlns:a16="http://schemas.microsoft.com/office/drawing/2014/main" id="{308E4E88-489C-491C-8F2D-3708CA1AEE72}"/>
               </a:ext>
             </a:extLst>
           </p:cNvPr>
@@ -15492,7 +16142,7 @@
           <p:cNvPr id="23" name="Rechte verbindingslijn met pijl 22">
             <a:extLst>
               <a:ext uri="{FF2B5EF4-FFF2-40B4-BE49-F238E27FC236}">
-                <a16:creationId xmlns:a16="http://schemas.microsoft.com/office/drawing/2014/main" xmlns="" id="{2DD99941-CDDE-42C7-A80E-0400BEDE76B9}"/>
+                <a16:creationId xmlns="" xmlns:a16="http://schemas.microsoft.com/office/drawing/2014/main" id="{2DD99941-CDDE-42C7-A80E-0400BEDE76B9}"/>
               </a:ext>
             </a:extLst>
           </p:cNvPr>
@@ -15563,7 +16213,7 @@
           <p:cNvPr id="2" name="Titel 1">
             <a:extLst>
               <a:ext uri="{FF2B5EF4-FFF2-40B4-BE49-F238E27FC236}">
-                <a16:creationId xmlns:a16="http://schemas.microsoft.com/office/drawing/2014/main" xmlns="" id="{769A96FB-BA26-47C0-85BC-9E5A44D94A65}"/>
+                <a16:creationId xmlns="" xmlns:a16="http://schemas.microsoft.com/office/drawing/2014/main" id="{769A96FB-BA26-47C0-85BC-9E5A44D94A65}"/>
               </a:ext>
             </a:extLst>
           </p:cNvPr>
@@ -15591,7 +16241,7 @@
           <p:cNvPr id="13" name="Tekstvak 12">
             <a:extLst>
               <a:ext uri="{FF2B5EF4-FFF2-40B4-BE49-F238E27FC236}">
-                <a16:creationId xmlns:a16="http://schemas.microsoft.com/office/drawing/2014/main" xmlns="" id="{44CABAE1-B325-4747-910E-7EDC7EDD7625}"/>
+                <a16:creationId xmlns="" xmlns:a16="http://schemas.microsoft.com/office/drawing/2014/main" id="{44CABAE1-B325-4747-910E-7EDC7EDD7625}"/>
               </a:ext>
             </a:extLst>
           </p:cNvPr>
@@ -15645,7 +16295,7 @@
           <p:cNvPr id="7" name="AutoShape 2" descr="Afbeeldingsresultaat voor cel from human">
             <a:extLst>
               <a:ext uri="{FF2B5EF4-FFF2-40B4-BE49-F238E27FC236}">
-                <a16:creationId xmlns:a16="http://schemas.microsoft.com/office/drawing/2014/main" xmlns="" id="{BAA6AD35-A0AD-46FB-8C83-83697536AD9E}"/>
+                <a16:creationId xmlns="" xmlns:a16="http://schemas.microsoft.com/office/drawing/2014/main" id="{BAA6AD35-A0AD-46FB-8C83-83697536AD9E}"/>
               </a:ext>
             </a:extLst>
           </p:cNvPr>
@@ -15690,7 +16340,7 @@
           <p:cNvPr id="14" name="AutoShape 4" descr="Afbeeldingsresultaat voor cel from human">
             <a:extLst>
               <a:ext uri="{FF2B5EF4-FFF2-40B4-BE49-F238E27FC236}">
-                <a16:creationId xmlns:a16="http://schemas.microsoft.com/office/drawing/2014/main" xmlns="" id="{DE7F6D67-FFDD-4318-B4D9-E249E6758D4A}"/>
+                <a16:creationId xmlns="" xmlns:a16="http://schemas.microsoft.com/office/drawing/2014/main" id="{DE7F6D67-FFDD-4318-B4D9-E249E6758D4A}"/>
               </a:ext>
             </a:extLst>
           </p:cNvPr>
@@ -15735,7 +16385,7 @@
           <p:cNvPr id="16" name="Afbeelding 15">
             <a:extLst>
               <a:ext uri="{FF2B5EF4-FFF2-40B4-BE49-F238E27FC236}">
-                <a16:creationId xmlns:a16="http://schemas.microsoft.com/office/drawing/2014/main" xmlns="" id="{028B203A-6AFB-43CC-A2E5-888B735C297F}"/>
+                <a16:creationId xmlns="" xmlns:a16="http://schemas.microsoft.com/office/drawing/2014/main" id="{028B203A-6AFB-43CC-A2E5-888B735C297F}"/>
               </a:ext>
             </a:extLst>
           </p:cNvPr>
@@ -15771,7 +16421,7 @@
           <p:cNvPr id="19" name="Gelijkbenige driehoek 18">
             <a:extLst>
               <a:ext uri="{FF2B5EF4-FFF2-40B4-BE49-F238E27FC236}">
-                <a16:creationId xmlns:a16="http://schemas.microsoft.com/office/drawing/2014/main" xmlns="" id="{3473C7A5-6D55-4B8D-B912-17E38BDAAE6F}"/>
+                <a16:creationId xmlns="" xmlns:a16="http://schemas.microsoft.com/office/drawing/2014/main" id="{3473C7A5-6D55-4B8D-B912-17E38BDAAE6F}"/>
               </a:ext>
             </a:extLst>
           </p:cNvPr>
@@ -15830,7 +16480,7 @@
           <p:cNvPr id="21" name="Afbeelding 20">
             <a:extLst>
               <a:ext uri="{FF2B5EF4-FFF2-40B4-BE49-F238E27FC236}">
-                <a16:creationId xmlns:a16="http://schemas.microsoft.com/office/drawing/2014/main" xmlns="" id="{2E4ED76A-8CDE-4820-BEF2-FFF0CAB0FFC2}"/>
+                <a16:creationId xmlns="" xmlns:a16="http://schemas.microsoft.com/office/drawing/2014/main" id="{2E4ED76A-8CDE-4820-BEF2-FFF0CAB0FFC2}"/>
               </a:ext>
             </a:extLst>
           </p:cNvPr>
@@ -15860,7 +16510,7 @@
           <p:cNvPr id="27" name="Rechte verbindingslijn met pijl 26">
             <a:extLst>
               <a:ext uri="{FF2B5EF4-FFF2-40B4-BE49-F238E27FC236}">
-                <a16:creationId xmlns:a16="http://schemas.microsoft.com/office/drawing/2014/main" xmlns="" id="{B6D6B7F3-D443-497D-A36C-F4AAD657E543}"/>
+                <a16:creationId xmlns="" xmlns:a16="http://schemas.microsoft.com/office/drawing/2014/main" id="{B6D6B7F3-D443-497D-A36C-F4AAD657E543}"/>
               </a:ext>
             </a:extLst>
           </p:cNvPr>
@@ -15899,7 +16549,7 @@
           <p:cNvPr id="29" name="Tekstvak 28">
             <a:extLst>
               <a:ext uri="{FF2B5EF4-FFF2-40B4-BE49-F238E27FC236}">
-                <a16:creationId xmlns:a16="http://schemas.microsoft.com/office/drawing/2014/main" xmlns="" id="{3F5F8535-0F1D-4072-B4F7-ECC8E1EF4714}"/>
+                <a16:creationId xmlns="" xmlns:a16="http://schemas.microsoft.com/office/drawing/2014/main" id="{3F5F8535-0F1D-4072-B4F7-ECC8E1EF4714}"/>
               </a:ext>
             </a:extLst>
           </p:cNvPr>
@@ -15934,7 +16584,7 @@
           <p:cNvPr id="30" name="Tekstvak 29">
             <a:extLst>
               <a:ext uri="{FF2B5EF4-FFF2-40B4-BE49-F238E27FC236}">
-                <a16:creationId xmlns:a16="http://schemas.microsoft.com/office/drawing/2014/main" xmlns="" id="{60EFD1DE-A3E9-41CC-9FD4-3B5142326B68}"/>
+                <a16:creationId xmlns="" xmlns:a16="http://schemas.microsoft.com/office/drawing/2014/main" id="{60EFD1DE-A3E9-41CC-9FD4-3B5142326B68}"/>
               </a:ext>
             </a:extLst>
           </p:cNvPr>
@@ -15969,7 +16619,7 @@
           <p:cNvPr id="32" name="Afbeelding 31">
             <a:extLst>
               <a:ext uri="{FF2B5EF4-FFF2-40B4-BE49-F238E27FC236}">
-                <a16:creationId xmlns:a16="http://schemas.microsoft.com/office/drawing/2014/main" xmlns="" id="{C82A7316-9DC5-4909-BDE9-7B87FABBA20E}"/>
+                <a16:creationId xmlns="" xmlns:a16="http://schemas.microsoft.com/office/drawing/2014/main" id="{C82A7316-9DC5-4909-BDE9-7B87FABBA20E}"/>
               </a:ext>
             </a:extLst>
           </p:cNvPr>
@@ -15999,7 +16649,7 @@
           <p:cNvPr id="33" name="Tekstvak 32">
             <a:extLst>
               <a:ext uri="{FF2B5EF4-FFF2-40B4-BE49-F238E27FC236}">
-                <a16:creationId xmlns:a16="http://schemas.microsoft.com/office/drawing/2014/main" xmlns="" id="{08A6883E-74A6-4993-AEE7-75D7658C72D6}"/>
+                <a16:creationId xmlns="" xmlns:a16="http://schemas.microsoft.com/office/drawing/2014/main" id="{08A6883E-74A6-4993-AEE7-75D7658C72D6}"/>
               </a:ext>
             </a:extLst>
           </p:cNvPr>
@@ -16043,7 +16693,7 @@
           <p:cNvPr id="34" name="Tekstvak 33">
             <a:extLst>
               <a:ext uri="{FF2B5EF4-FFF2-40B4-BE49-F238E27FC236}">
-                <a16:creationId xmlns:a16="http://schemas.microsoft.com/office/drawing/2014/main" xmlns="" id="{C9B4D1B0-0456-4811-9964-B9C6B0442EF5}"/>
+                <a16:creationId xmlns="" xmlns:a16="http://schemas.microsoft.com/office/drawing/2014/main" id="{C9B4D1B0-0456-4811-9964-B9C6B0442EF5}"/>
               </a:ext>
             </a:extLst>
           </p:cNvPr>
@@ -16082,7 +16732,7 @@
           <p:cNvPr id="5" name="Afbeelding 4">
             <a:extLst>
               <a:ext uri="{FF2B5EF4-FFF2-40B4-BE49-F238E27FC236}">
-                <a16:creationId xmlns:a16="http://schemas.microsoft.com/office/drawing/2014/main" xmlns="" id="{B088EACF-3A30-4896-9D87-8885CB1F2FD9}"/>
+                <a16:creationId xmlns="" xmlns:a16="http://schemas.microsoft.com/office/drawing/2014/main" id="{B088EACF-3A30-4896-9D87-8885CB1F2FD9}"/>
               </a:ext>
             </a:extLst>
           </p:cNvPr>
@@ -16112,7 +16762,7 @@
           <p:cNvPr id="20" name="Tekstvak 19">
             <a:extLst>
               <a:ext uri="{FF2B5EF4-FFF2-40B4-BE49-F238E27FC236}">
-                <a16:creationId xmlns:a16="http://schemas.microsoft.com/office/drawing/2014/main" xmlns="" id="{CE3B85E5-3CCB-4EC6-94EE-27309E68CE64}"/>
+                <a16:creationId xmlns="" xmlns:a16="http://schemas.microsoft.com/office/drawing/2014/main" id="{CE3B85E5-3CCB-4EC6-94EE-27309E68CE64}"/>
               </a:ext>
             </a:extLst>
           </p:cNvPr>
@@ -16151,7 +16801,7 @@
           <p:cNvPr id="22" name="Tekstvak 21">
             <a:extLst>
               <a:ext uri="{FF2B5EF4-FFF2-40B4-BE49-F238E27FC236}">
-                <a16:creationId xmlns:a16="http://schemas.microsoft.com/office/drawing/2014/main" xmlns="" id="{308E4E88-489C-491C-8F2D-3708CA1AEE72}"/>
+                <a16:creationId xmlns="" xmlns:a16="http://schemas.microsoft.com/office/drawing/2014/main" id="{308E4E88-489C-491C-8F2D-3708CA1AEE72}"/>
               </a:ext>
             </a:extLst>
           </p:cNvPr>
@@ -16195,7 +16845,7 @@
           <p:cNvPr id="23" name="Rechte verbindingslijn met pijl 22">
             <a:extLst>
               <a:ext uri="{FF2B5EF4-FFF2-40B4-BE49-F238E27FC236}">
-                <a16:creationId xmlns:a16="http://schemas.microsoft.com/office/drawing/2014/main" xmlns="" id="{2DD99941-CDDE-42C7-A80E-0400BEDE76B9}"/>
+                <a16:creationId xmlns="" xmlns:a16="http://schemas.microsoft.com/office/drawing/2014/main" id="{2DD99941-CDDE-42C7-A80E-0400BEDE76B9}"/>
               </a:ext>
             </a:extLst>
           </p:cNvPr>
@@ -16236,7 +16886,7 @@
           <p:cNvPr id="3" name="Tekstvak 2">
             <a:extLst>
               <a:ext uri="{FF2B5EF4-FFF2-40B4-BE49-F238E27FC236}">
-                <a16:creationId xmlns:a16="http://schemas.microsoft.com/office/drawing/2014/main" xmlns="" id="{09C9D1F4-F032-4E5D-9A7C-FF1C6395C9AA}"/>
+                <a16:creationId xmlns="" xmlns:a16="http://schemas.microsoft.com/office/drawing/2014/main" id="{09C9D1F4-F032-4E5D-9A7C-FF1C6395C9AA}"/>
               </a:ext>
             </a:extLst>
           </p:cNvPr>
@@ -16344,7 +16994,7 @@
           <p:cNvPr id="2" name="Titel 1">
             <a:extLst>
               <a:ext uri="{FF2B5EF4-FFF2-40B4-BE49-F238E27FC236}">
-                <a16:creationId xmlns:a16="http://schemas.microsoft.com/office/drawing/2014/main" xmlns="" id="{769A96FB-BA26-47C0-85BC-9E5A44D94A65}"/>
+                <a16:creationId xmlns="" xmlns:a16="http://schemas.microsoft.com/office/drawing/2014/main" id="{769A96FB-BA26-47C0-85BC-9E5A44D94A65}"/>
               </a:ext>
             </a:extLst>
           </p:cNvPr>
@@ -16372,7 +17022,7 @@
           <p:cNvPr id="13" name="Tekstvak 12">
             <a:extLst>
               <a:ext uri="{FF2B5EF4-FFF2-40B4-BE49-F238E27FC236}">
-                <a16:creationId xmlns:a16="http://schemas.microsoft.com/office/drawing/2014/main" xmlns="" id="{44CABAE1-B325-4747-910E-7EDC7EDD7625}"/>
+                <a16:creationId xmlns="" xmlns:a16="http://schemas.microsoft.com/office/drawing/2014/main" id="{44CABAE1-B325-4747-910E-7EDC7EDD7625}"/>
               </a:ext>
             </a:extLst>
           </p:cNvPr>
@@ -16426,7 +17076,7 @@
           <p:cNvPr id="7" name="AutoShape 2" descr="Afbeeldingsresultaat voor cel from human">
             <a:extLst>
               <a:ext uri="{FF2B5EF4-FFF2-40B4-BE49-F238E27FC236}">
-                <a16:creationId xmlns:a16="http://schemas.microsoft.com/office/drawing/2014/main" xmlns="" id="{BAA6AD35-A0AD-46FB-8C83-83697536AD9E}"/>
+                <a16:creationId xmlns="" xmlns:a16="http://schemas.microsoft.com/office/drawing/2014/main" id="{BAA6AD35-A0AD-46FB-8C83-83697536AD9E}"/>
               </a:ext>
             </a:extLst>
           </p:cNvPr>
@@ -16471,7 +17121,7 @@
           <p:cNvPr id="14" name="AutoShape 4" descr="Afbeeldingsresultaat voor cel from human">
             <a:extLst>
               <a:ext uri="{FF2B5EF4-FFF2-40B4-BE49-F238E27FC236}">
-                <a16:creationId xmlns:a16="http://schemas.microsoft.com/office/drawing/2014/main" xmlns="" id="{DE7F6D67-FFDD-4318-B4D9-E249E6758D4A}"/>
+                <a16:creationId xmlns="" xmlns:a16="http://schemas.microsoft.com/office/drawing/2014/main" id="{DE7F6D67-FFDD-4318-B4D9-E249E6758D4A}"/>
               </a:ext>
             </a:extLst>
           </p:cNvPr>
@@ -16516,7 +17166,7 @@
           <p:cNvPr id="16" name="Afbeelding 15">
             <a:extLst>
               <a:ext uri="{FF2B5EF4-FFF2-40B4-BE49-F238E27FC236}">
-                <a16:creationId xmlns:a16="http://schemas.microsoft.com/office/drawing/2014/main" xmlns="" id="{028B203A-6AFB-43CC-A2E5-888B735C297F}"/>
+                <a16:creationId xmlns="" xmlns:a16="http://schemas.microsoft.com/office/drawing/2014/main" id="{028B203A-6AFB-43CC-A2E5-888B735C297F}"/>
               </a:ext>
             </a:extLst>
           </p:cNvPr>
@@ -16552,7 +17202,7 @@
           <p:cNvPr id="19" name="Gelijkbenige driehoek 18">
             <a:extLst>
               <a:ext uri="{FF2B5EF4-FFF2-40B4-BE49-F238E27FC236}">
-                <a16:creationId xmlns:a16="http://schemas.microsoft.com/office/drawing/2014/main" xmlns="" id="{3473C7A5-6D55-4B8D-B912-17E38BDAAE6F}"/>
+                <a16:creationId xmlns="" xmlns:a16="http://schemas.microsoft.com/office/drawing/2014/main" id="{3473C7A5-6D55-4B8D-B912-17E38BDAAE6F}"/>
               </a:ext>
             </a:extLst>
           </p:cNvPr>
@@ -16611,7 +17261,7 @@
           <p:cNvPr id="21" name="Afbeelding 20">
             <a:extLst>
               <a:ext uri="{FF2B5EF4-FFF2-40B4-BE49-F238E27FC236}">
-                <a16:creationId xmlns:a16="http://schemas.microsoft.com/office/drawing/2014/main" xmlns="" id="{2E4ED76A-8CDE-4820-BEF2-FFF0CAB0FFC2}"/>
+                <a16:creationId xmlns="" xmlns:a16="http://schemas.microsoft.com/office/drawing/2014/main" id="{2E4ED76A-8CDE-4820-BEF2-FFF0CAB0FFC2}"/>
               </a:ext>
             </a:extLst>
           </p:cNvPr>
@@ -16641,7 +17291,7 @@
           <p:cNvPr id="27" name="Rechte verbindingslijn met pijl 26">
             <a:extLst>
               <a:ext uri="{FF2B5EF4-FFF2-40B4-BE49-F238E27FC236}">
-                <a16:creationId xmlns:a16="http://schemas.microsoft.com/office/drawing/2014/main" xmlns="" id="{B6D6B7F3-D443-497D-A36C-F4AAD657E543}"/>
+                <a16:creationId xmlns="" xmlns:a16="http://schemas.microsoft.com/office/drawing/2014/main" id="{B6D6B7F3-D443-497D-A36C-F4AAD657E543}"/>
               </a:ext>
             </a:extLst>
           </p:cNvPr>
@@ -16680,7 +17330,7 @@
           <p:cNvPr id="29" name="Tekstvak 28">
             <a:extLst>
               <a:ext uri="{FF2B5EF4-FFF2-40B4-BE49-F238E27FC236}">
-                <a16:creationId xmlns:a16="http://schemas.microsoft.com/office/drawing/2014/main" xmlns="" id="{3F5F8535-0F1D-4072-B4F7-ECC8E1EF4714}"/>
+                <a16:creationId xmlns="" xmlns:a16="http://schemas.microsoft.com/office/drawing/2014/main" id="{3F5F8535-0F1D-4072-B4F7-ECC8E1EF4714}"/>
               </a:ext>
             </a:extLst>
           </p:cNvPr>
@@ -16715,7 +17365,7 @@
           <p:cNvPr id="30" name="Tekstvak 29">
             <a:extLst>
               <a:ext uri="{FF2B5EF4-FFF2-40B4-BE49-F238E27FC236}">
-                <a16:creationId xmlns:a16="http://schemas.microsoft.com/office/drawing/2014/main" xmlns="" id="{60EFD1DE-A3E9-41CC-9FD4-3B5142326B68}"/>
+                <a16:creationId xmlns="" xmlns:a16="http://schemas.microsoft.com/office/drawing/2014/main" id="{60EFD1DE-A3E9-41CC-9FD4-3B5142326B68}"/>
               </a:ext>
             </a:extLst>
           </p:cNvPr>
@@ -16750,7 +17400,7 @@
           <p:cNvPr id="32" name="Afbeelding 31">
             <a:extLst>
               <a:ext uri="{FF2B5EF4-FFF2-40B4-BE49-F238E27FC236}">
-                <a16:creationId xmlns:a16="http://schemas.microsoft.com/office/drawing/2014/main" xmlns="" id="{C82A7316-9DC5-4909-BDE9-7B87FABBA20E}"/>
+                <a16:creationId xmlns="" xmlns:a16="http://schemas.microsoft.com/office/drawing/2014/main" id="{C82A7316-9DC5-4909-BDE9-7B87FABBA20E}"/>
               </a:ext>
             </a:extLst>
           </p:cNvPr>
@@ -16780,7 +17430,7 @@
           <p:cNvPr id="33" name="Tekstvak 32">
             <a:extLst>
               <a:ext uri="{FF2B5EF4-FFF2-40B4-BE49-F238E27FC236}">
-                <a16:creationId xmlns:a16="http://schemas.microsoft.com/office/drawing/2014/main" xmlns="" id="{08A6883E-74A6-4993-AEE7-75D7658C72D6}"/>
+                <a16:creationId xmlns="" xmlns:a16="http://schemas.microsoft.com/office/drawing/2014/main" id="{08A6883E-74A6-4993-AEE7-75D7658C72D6}"/>
               </a:ext>
             </a:extLst>
           </p:cNvPr>
@@ -16824,7 +17474,7 @@
           <p:cNvPr id="34" name="Tekstvak 33">
             <a:extLst>
               <a:ext uri="{FF2B5EF4-FFF2-40B4-BE49-F238E27FC236}">
-                <a16:creationId xmlns:a16="http://schemas.microsoft.com/office/drawing/2014/main" xmlns="" id="{C9B4D1B0-0456-4811-9964-B9C6B0442EF5}"/>
+                <a16:creationId xmlns="" xmlns:a16="http://schemas.microsoft.com/office/drawing/2014/main" id="{C9B4D1B0-0456-4811-9964-B9C6B0442EF5}"/>
               </a:ext>
             </a:extLst>
           </p:cNvPr>
@@ -16863,7 +17513,7 @@
           <p:cNvPr id="5" name="Afbeelding 4">
             <a:extLst>
               <a:ext uri="{FF2B5EF4-FFF2-40B4-BE49-F238E27FC236}">
-                <a16:creationId xmlns:a16="http://schemas.microsoft.com/office/drawing/2014/main" xmlns="" id="{B088EACF-3A30-4896-9D87-8885CB1F2FD9}"/>
+                <a16:creationId xmlns="" xmlns:a16="http://schemas.microsoft.com/office/drawing/2014/main" id="{B088EACF-3A30-4896-9D87-8885CB1F2FD9}"/>
               </a:ext>
             </a:extLst>
           </p:cNvPr>
@@ -16893,7 +17543,7 @@
           <p:cNvPr id="20" name="Tekstvak 19">
             <a:extLst>
               <a:ext uri="{FF2B5EF4-FFF2-40B4-BE49-F238E27FC236}">
-                <a16:creationId xmlns:a16="http://schemas.microsoft.com/office/drawing/2014/main" xmlns="" id="{CE3B85E5-3CCB-4EC6-94EE-27309E68CE64}"/>
+                <a16:creationId xmlns="" xmlns:a16="http://schemas.microsoft.com/office/drawing/2014/main" id="{CE3B85E5-3CCB-4EC6-94EE-27309E68CE64}"/>
               </a:ext>
             </a:extLst>
           </p:cNvPr>
@@ -16932,7 +17582,7 @@
           <p:cNvPr id="22" name="Tekstvak 21">
             <a:extLst>
               <a:ext uri="{FF2B5EF4-FFF2-40B4-BE49-F238E27FC236}">
-                <a16:creationId xmlns:a16="http://schemas.microsoft.com/office/drawing/2014/main" xmlns="" id="{308E4E88-489C-491C-8F2D-3708CA1AEE72}"/>
+                <a16:creationId xmlns="" xmlns:a16="http://schemas.microsoft.com/office/drawing/2014/main" id="{308E4E88-489C-491C-8F2D-3708CA1AEE72}"/>
               </a:ext>
             </a:extLst>
           </p:cNvPr>
@@ -16976,7 +17626,7 @@
           <p:cNvPr id="23" name="Rechte verbindingslijn met pijl 22">
             <a:extLst>
               <a:ext uri="{FF2B5EF4-FFF2-40B4-BE49-F238E27FC236}">
-                <a16:creationId xmlns:a16="http://schemas.microsoft.com/office/drawing/2014/main" xmlns="" id="{2DD99941-CDDE-42C7-A80E-0400BEDE76B9}"/>
+                <a16:creationId xmlns="" xmlns:a16="http://schemas.microsoft.com/office/drawing/2014/main" id="{2DD99941-CDDE-42C7-A80E-0400BEDE76B9}"/>
               </a:ext>
             </a:extLst>
           </p:cNvPr>
@@ -17017,7 +17667,7 @@
           <p:cNvPr id="3" name="Tekstvak 2">
             <a:extLst>
               <a:ext uri="{FF2B5EF4-FFF2-40B4-BE49-F238E27FC236}">
-                <a16:creationId xmlns:a16="http://schemas.microsoft.com/office/drawing/2014/main" xmlns="" id="{09C9D1F4-F032-4E5D-9A7C-FF1C6395C9AA}"/>
+                <a16:creationId xmlns="" xmlns:a16="http://schemas.microsoft.com/office/drawing/2014/main" id="{09C9D1F4-F032-4E5D-9A7C-FF1C6395C9AA}"/>
               </a:ext>
             </a:extLst>
           </p:cNvPr>
@@ -17095,7 +17745,7 @@
           <p:cNvPr id="4" name="Rechthoek: afgeronde hoeken 3">
             <a:extLst>
               <a:ext uri="{FF2B5EF4-FFF2-40B4-BE49-F238E27FC236}">
-                <a16:creationId xmlns:a16="http://schemas.microsoft.com/office/drawing/2014/main" xmlns="" id="{7030C92F-7460-4CD0-AC3E-DFDBBFE02B78}"/>
+                <a16:creationId xmlns="" xmlns:a16="http://schemas.microsoft.com/office/drawing/2014/main" id="{7030C92F-7460-4CD0-AC3E-DFDBBFE02B78}"/>
               </a:ext>
             </a:extLst>
           </p:cNvPr>
@@ -17149,7 +17799,7 @@
           <p:cNvPr id="6" name="Tekstvak 5">
             <a:extLst>
               <a:ext uri="{FF2B5EF4-FFF2-40B4-BE49-F238E27FC236}">
-                <a16:creationId xmlns:a16="http://schemas.microsoft.com/office/drawing/2014/main" xmlns="" id="{06236ACC-5C22-4120-A532-40542026AAA4}"/>
+                <a16:creationId xmlns="" xmlns:a16="http://schemas.microsoft.com/office/drawing/2014/main" id="{06236ACC-5C22-4120-A532-40542026AAA4}"/>
               </a:ext>
             </a:extLst>
           </p:cNvPr>
@@ -17228,7 +17878,7 @@
           <p:cNvPr id="2" name="Titel 1">
             <a:extLst>
               <a:ext uri="{FF2B5EF4-FFF2-40B4-BE49-F238E27FC236}">
-                <a16:creationId xmlns:a16="http://schemas.microsoft.com/office/drawing/2014/main" xmlns="" id="{769A96FB-BA26-47C0-85BC-9E5A44D94A65}"/>
+                <a16:creationId xmlns="" xmlns:a16="http://schemas.microsoft.com/office/drawing/2014/main" id="{769A96FB-BA26-47C0-85BC-9E5A44D94A65}"/>
               </a:ext>
             </a:extLst>
           </p:cNvPr>
@@ -17256,7 +17906,7 @@
           <p:cNvPr id="5" name="Tijdelijke aanduiding voor inhoud 4">
             <a:extLst>
               <a:ext uri="{FF2B5EF4-FFF2-40B4-BE49-F238E27FC236}">
-                <a16:creationId xmlns:a16="http://schemas.microsoft.com/office/drawing/2014/main" xmlns="" id="{82F9B9FE-1870-4902-A7DB-4B27D59D2B2B}"/>
+                <a16:creationId xmlns="" xmlns:a16="http://schemas.microsoft.com/office/drawing/2014/main" id="{82F9B9FE-1870-4902-A7DB-4B27D59D2B2B}"/>
               </a:ext>
             </a:extLst>
           </p:cNvPr>
@@ -17291,7 +17941,7 @@
           <p:cNvPr id="13" name="Tekstvak 12">
             <a:extLst>
               <a:ext uri="{FF2B5EF4-FFF2-40B4-BE49-F238E27FC236}">
-                <a16:creationId xmlns:a16="http://schemas.microsoft.com/office/drawing/2014/main" xmlns="" id="{44CABAE1-B325-4747-910E-7EDC7EDD7625}"/>
+                <a16:creationId xmlns="" xmlns:a16="http://schemas.microsoft.com/office/drawing/2014/main" id="{44CABAE1-B325-4747-910E-7EDC7EDD7625}"/>
               </a:ext>
             </a:extLst>
           </p:cNvPr>
@@ -17345,7 +17995,7 @@
           <p:cNvPr id="14" name="Afbeelding 13">
             <a:extLst>
               <a:ext uri="{FF2B5EF4-FFF2-40B4-BE49-F238E27FC236}">
-                <a16:creationId xmlns:a16="http://schemas.microsoft.com/office/drawing/2014/main" xmlns="" id="{F67612D4-1C0C-40D2-972D-04F12DDE0F60}"/>
+                <a16:creationId xmlns="" xmlns:a16="http://schemas.microsoft.com/office/drawing/2014/main" id="{F67612D4-1C0C-40D2-972D-04F12DDE0F60}"/>
               </a:ext>
             </a:extLst>
           </p:cNvPr>
@@ -17375,7 +18025,7 @@
           <p:cNvPr id="3" name="Tekstvak 2">
             <a:extLst>
               <a:ext uri="{FF2B5EF4-FFF2-40B4-BE49-F238E27FC236}">
-                <a16:creationId xmlns:a16="http://schemas.microsoft.com/office/drawing/2014/main" xmlns="" id="{C26579A7-5154-43F0-8824-0FAFC9CD4201}"/>
+                <a16:creationId xmlns="" xmlns:a16="http://schemas.microsoft.com/office/drawing/2014/main" id="{C26579A7-5154-43F0-8824-0FAFC9CD4201}"/>
               </a:ext>
             </a:extLst>
           </p:cNvPr>
@@ -17410,7 +18060,7 @@
           <p:cNvPr id="4" name="Tekstvak 3">
             <a:extLst>
               <a:ext uri="{FF2B5EF4-FFF2-40B4-BE49-F238E27FC236}">
-                <a16:creationId xmlns:a16="http://schemas.microsoft.com/office/drawing/2014/main" xmlns="" id="{1F03EA5B-9405-4FF2-A715-0E995B30C408}"/>
+                <a16:creationId xmlns="" xmlns:a16="http://schemas.microsoft.com/office/drawing/2014/main" id="{1F03EA5B-9405-4FF2-A715-0E995B30C408}"/>
               </a:ext>
             </a:extLst>
           </p:cNvPr>
@@ -17445,7 +18095,7 @@
           <p:cNvPr id="17" name="Rechte verbindingslijn met pijl 16">
             <a:extLst>
               <a:ext uri="{FF2B5EF4-FFF2-40B4-BE49-F238E27FC236}">
-                <a16:creationId xmlns:a16="http://schemas.microsoft.com/office/drawing/2014/main" xmlns="" id="{4354D81E-79D5-49F9-8B3E-FFC4DC3E61F5}"/>
+                <a16:creationId xmlns="" xmlns:a16="http://schemas.microsoft.com/office/drawing/2014/main" id="{4354D81E-79D5-49F9-8B3E-FFC4DC3E61F5}"/>
               </a:ext>
             </a:extLst>
           </p:cNvPr>
@@ -17516,7 +18166,7 @@
           <p:cNvPr id="2" name="Titel 1">
             <a:extLst>
               <a:ext uri="{FF2B5EF4-FFF2-40B4-BE49-F238E27FC236}">
-                <a16:creationId xmlns:a16="http://schemas.microsoft.com/office/drawing/2014/main" xmlns="" id="{769A96FB-BA26-47C0-85BC-9E5A44D94A65}"/>
+                <a16:creationId xmlns="" xmlns:a16="http://schemas.microsoft.com/office/drawing/2014/main" id="{769A96FB-BA26-47C0-85BC-9E5A44D94A65}"/>
               </a:ext>
             </a:extLst>
           </p:cNvPr>
@@ -17544,7 +18194,7 @@
           <p:cNvPr id="5" name="Tijdelijke aanduiding voor inhoud 4">
             <a:extLst>
               <a:ext uri="{FF2B5EF4-FFF2-40B4-BE49-F238E27FC236}">
-                <a16:creationId xmlns:a16="http://schemas.microsoft.com/office/drawing/2014/main" xmlns="" id="{82F9B9FE-1870-4902-A7DB-4B27D59D2B2B}"/>
+                <a16:creationId xmlns="" xmlns:a16="http://schemas.microsoft.com/office/drawing/2014/main" id="{82F9B9FE-1870-4902-A7DB-4B27D59D2B2B}"/>
               </a:ext>
             </a:extLst>
           </p:cNvPr>
@@ -17579,7 +18229,7 @@
           <p:cNvPr id="13" name="Tekstvak 12">
             <a:extLst>
               <a:ext uri="{FF2B5EF4-FFF2-40B4-BE49-F238E27FC236}">
-                <a16:creationId xmlns:a16="http://schemas.microsoft.com/office/drawing/2014/main" xmlns="" id="{44CABAE1-B325-4747-910E-7EDC7EDD7625}"/>
+                <a16:creationId xmlns="" xmlns:a16="http://schemas.microsoft.com/office/drawing/2014/main" id="{44CABAE1-B325-4747-910E-7EDC7EDD7625}"/>
               </a:ext>
             </a:extLst>
           </p:cNvPr>
@@ -17633,7 +18283,7 @@
           <p:cNvPr id="14" name="Afbeelding 13">
             <a:extLst>
               <a:ext uri="{FF2B5EF4-FFF2-40B4-BE49-F238E27FC236}">
-                <a16:creationId xmlns:a16="http://schemas.microsoft.com/office/drawing/2014/main" xmlns="" id="{F67612D4-1C0C-40D2-972D-04F12DDE0F60}"/>
+                <a16:creationId xmlns="" xmlns:a16="http://schemas.microsoft.com/office/drawing/2014/main" id="{F67612D4-1C0C-40D2-972D-04F12DDE0F60}"/>
               </a:ext>
             </a:extLst>
           </p:cNvPr>
@@ -17663,7 +18313,7 @@
           <p:cNvPr id="3" name="Tekstvak 2">
             <a:extLst>
               <a:ext uri="{FF2B5EF4-FFF2-40B4-BE49-F238E27FC236}">
-                <a16:creationId xmlns:a16="http://schemas.microsoft.com/office/drawing/2014/main" xmlns="" id="{C26579A7-5154-43F0-8824-0FAFC9CD4201}"/>
+                <a16:creationId xmlns="" xmlns:a16="http://schemas.microsoft.com/office/drawing/2014/main" id="{C26579A7-5154-43F0-8824-0FAFC9CD4201}"/>
               </a:ext>
             </a:extLst>
           </p:cNvPr>
@@ -17698,7 +18348,7 @@
           <p:cNvPr id="4" name="Tekstvak 3">
             <a:extLst>
               <a:ext uri="{FF2B5EF4-FFF2-40B4-BE49-F238E27FC236}">
-                <a16:creationId xmlns:a16="http://schemas.microsoft.com/office/drawing/2014/main" xmlns="" id="{1F03EA5B-9405-4FF2-A715-0E995B30C408}"/>
+                <a16:creationId xmlns="" xmlns:a16="http://schemas.microsoft.com/office/drawing/2014/main" id="{1F03EA5B-9405-4FF2-A715-0E995B30C408}"/>
               </a:ext>
             </a:extLst>
           </p:cNvPr>
@@ -17733,7 +18383,7 @@
           <p:cNvPr id="17" name="Rechte verbindingslijn met pijl 16">
             <a:extLst>
               <a:ext uri="{FF2B5EF4-FFF2-40B4-BE49-F238E27FC236}">
-                <a16:creationId xmlns:a16="http://schemas.microsoft.com/office/drawing/2014/main" xmlns="" id="{4354D81E-79D5-49F9-8B3E-FFC4DC3E61F5}"/>
+                <a16:creationId xmlns="" xmlns:a16="http://schemas.microsoft.com/office/drawing/2014/main" id="{4354D81E-79D5-49F9-8B3E-FFC4DC3E61F5}"/>
               </a:ext>
             </a:extLst>
           </p:cNvPr>
@@ -17774,7 +18424,7 @@
           <p:cNvPr id="7170" name="Picture 2" descr="Afbeeldingsresultaat voor hammer drawing">
             <a:extLst>
               <a:ext uri="{FF2B5EF4-FFF2-40B4-BE49-F238E27FC236}">
-                <a16:creationId xmlns:a16="http://schemas.microsoft.com/office/drawing/2014/main" xmlns="" id="{ACB393D5-86CC-4AAD-A571-9E26D25E2E0B}"/>
+                <a16:creationId xmlns="" xmlns:a16="http://schemas.microsoft.com/office/drawing/2014/main" id="{ACB393D5-86CC-4AAD-A571-9E26D25E2E0B}"/>
               </a:ext>
             </a:extLst>
           </p:cNvPr>
@@ -17821,7 +18471,7 @@
           <p:cNvPr id="6" name="Gedachtewolkje: wolk 5">
             <a:extLst>
               <a:ext uri="{FF2B5EF4-FFF2-40B4-BE49-F238E27FC236}">
-                <a16:creationId xmlns:a16="http://schemas.microsoft.com/office/drawing/2014/main" xmlns="" id="{39AC6EFF-786A-42AC-971E-B03EAAA5119B}"/>
+                <a16:creationId xmlns="" xmlns:a16="http://schemas.microsoft.com/office/drawing/2014/main" id="{39AC6EFF-786A-42AC-971E-B03EAAA5119B}"/>
               </a:ext>
             </a:extLst>
           </p:cNvPr>
@@ -17883,7 +18533,7 @@
           <p:cNvPr id="7172" name="Picture 4" descr="Afbeeldingsresultaat voor bouwpakket tekening">
             <a:extLst>
               <a:ext uri="{FF2B5EF4-FFF2-40B4-BE49-F238E27FC236}">
-                <a16:creationId xmlns:a16="http://schemas.microsoft.com/office/drawing/2014/main" xmlns="" id="{4A471D98-FB95-4C4D-AE0F-FD069389E87D}"/>
+                <a16:creationId xmlns="" xmlns:a16="http://schemas.microsoft.com/office/drawing/2014/main" id="{4A471D98-FB95-4C4D-AE0F-FD069389E87D}"/>
               </a:ext>
             </a:extLst>
           </p:cNvPr>
@@ -17960,7 +18610,7 @@
           <p:cNvPr id="2" name="Titel 1">
             <a:extLst>
               <a:ext uri="{FF2B5EF4-FFF2-40B4-BE49-F238E27FC236}">
-                <a16:creationId xmlns:a16="http://schemas.microsoft.com/office/drawing/2014/main" xmlns="" id="{769A96FB-BA26-47C0-85BC-9E5A44D94A65}"/>
+                <a16:creationId xmlns="" xmlns:a16="http://schemas.microsoft.com/office/drawing/2014/main" id="{769A96FB-BA26-47C0-85BC-9E5A44D94A65}"/>
               </a:ext>
             </a:extLst>
           </p:cNvPr>
@@ -17988,7 +18638,7 @@
           <p:cNvPr id="5" name="Tijdelijke aanduiding voor inhoud 4">
             <a:extLst>
               <a:ext uri="{FF2B5EF4-FFF2-40B4-BE49-F238E27FC236}">
-                <a16:creationId xmlns:a16="http://schemas.microsoft.com/office/drawing/2014/main" xmlns="" id="{82F9B9FE-1870-4902-A7DB-4B27D59D2B2B}"/>
+                <a16:creationId xmlns="" xmlns:a16="http://schemas.microsoft.com/office/drawing/2014/main" id="{82F9B9FE-1870-4902-A7DB-4B27D59D2B2B}"/>
               </a:ext>
             </a:extLst>
           </p:cNvPr>
@@ -18023,7 +18673,7 @@
           <p:cNvPr id="13" name="Tekstvak 12">
             <a:extLst>
               <a:ext uri="{FF2B5EF4-FFF2-40B4-BE49-F238E27FC236}">
-                <a16:creationId xmlns:a16="http://schemas.microsoft.com/office/drawing/2014/main" xmlns="" id="{44CABAE1-B325-4747-910E-7EDC7EDD7625}"/>
+                <a16:creationId xmlns="" xmlns:a16="http://schemas.microsoft.com/office/drawing/2014/main" id="{44CABAE1-B325-4747-910E-7EDC7EDD7625}"/>
               </a:ext>
             </a:extLst>
           </p:cNvPr>
@@ -18077,7 +18727,7 @@
           <p:cNvPr id="14" name="Afbeelding 13">
             <a:extLst>
               <a:ext uri="{FF2B5EF4-FFF2-40B4-BE49-F238E27FC236}">
-                <a16:creationId xmlns:a16="http://schemas.microsoft.com/office/drawing/2014/main" xmlns="" id="{F67612D4-1C0C-40D2-972D-04F12DDE0F60}"/>
+                <a16:creationId xmlns="" xmlns:a16="http://schemas.microsoft.com/office/drawing/2014/main" id="{F67612D4-1C0C-40D2-972D-04F12DDE0F60}"/>
               </a:ext>
             </a:extLst>
           </p:cNvPr>
@@ -18107,7 +18757,7 @@
           <p:cNvPr id="3" name="Tekstvak 2">
             <a:extLst>
               <a:ext uri="{FF2B5EF4-FFF2-40B4-BE49-F238E27FC236}">
-                <a16:creationId xmlns:a16="http://schemas.microsoft.com/office/drawing/2014/main" xmlns="" id="{C26579A7-5154-43F0-8824-0FAFC9CD4201}"/>
+                <a16:creationId xmlns="" xmlns:a16="http://schemas.microsoft.com/office/drawing/2014/main" id="{C26579A7-5154-43F0-8824-0FAFC9CD4201}"/>
               </a:ext>
             </a:extLst>
           </p:cNvPr>
@@ -18142,7 +18792,7 @@
           <p:cNvPr id="4" name="Tekstvak 3">
             <a:extLst>
               <a:ext uri="{FF2B5EF4-FFF2-40B4-BE49-F238E27FC236}">
-                <a16:creationId xmlns:a16="http://schemas.microsoft.com/office/drawing/2014/main" xmlns="" id="{1F03EA5B-9405-4FF2-A715-0E995B30C408}"/>
+                <a16:creationId xmlns="" xmlns:a16="http://schemas.microsoft.com/office/drawing/2014/main" id="{1F03EA5B-9405-4FF2-A715-0E995B30C408}"/>
               </a:ext>
             </a:extLst>
           </p:cNvPr>
@@ -18177,7 +18827,7 @@
           <p:cNvPr id="17" name="Rechte verbindingslijn met pijl 16">
             <a:extLst>
               <a:ext uri="{FF2B5EF4-FFF2-40B4-BE49-F238E27FC236}">
-                <a16:creationId xmlns:a16="http://schemas.microsoft.com/office/drawing/2014/main" xmlns="" id="{4354D81E-79D5-49F9-8B3E-FFC4DC3E61F5}"/>
+                <a16:creationId xmlns="" xmlns:a16="http://schemas.microsoft.com/office/drawing/2014/main" id="{4354D81E-79D5-49F9-8B3E-FFC4DC3E61F5}"/>
               </a:ext>
             </a:extLst>
           </p:cNvPr>
@@ -18218,7 +18868,7 @@
           <p:cNvPr id="7170" name="Picture 2" descr="Afbeeldingsresultaat voor hammer drawing">
             <a:extLst>
               <a:ext uri="{FF2B5EF4-FFF2-40B4-BE49-F238E27FC236}">
-                <a16:creationId xmlns:a16="http://schemas.microsoft.com/office/drawing/2014/main" xmlns="" id="{ACB393D5-86CC-4AAD-A571-9E26D25E2E0B}"/>
+                <a16:creationId xmlns="" xmlns:a16="http://schemas.microsoft.com/office/drawing/2014/main" id="{ACB393D5-86CC-4AAD-A571-9E26D25E2E0B}"/>
               </a:ext>
             </a:extLst>
           </p:cNvPr>
@@ -18265,7 +18915,7 @@
           <p:cNvPr id="6" name="Gedachtewolkje: wolk 5">
             <a:extLst>
               <a:ext uri="{FF2B5EF4-FFF2-40B4-BE49-F238E27FC236}">
-                <a16:creationId xmlns:a16="http://schemas.microsoft.com/office/drawing/2014/main" xmlns="" id="{39AC6EFF-786A-42AC-971E-B03EAAA5119B}"/>
+                <a16:creationId xmlns="" xmlns:a16="http://schemas.microsoft.com/office/drawing/2014/main" id="{39AC6EFF-786A-42AC-971E-B03EAAA5119B}"/>
               </a:ext>
             </a:extLst>
           </p:cNvPr>
@@ -18327,7 +18977,7 @@
           <p:cNvPr id="7172" name="Picture 4" descr="Afbeeldingsresultaat voor bouwpakket tekening">
             <a:extLst>
               <a:ext uri="{FF2B5EF4-FFF2-40B4-BE49-F238E27FC236}">
-                <a16:creationId xmlns:a16="http://schemas.microsoft.com/office/drawing/2014/main" xmlns="" id="{4A471D98-FB95-4C4D-AE0F-FD069389E87D}"/>
+                <a16:creationId xmlns="" xmlns:a16="http://schemas.microsoft.com/office/drawing/2014/main" id="{4A471D98-FB95-4C4D-AE0F-FD069389E87D}"/>
               </a:ext>
             </a:extLst>
           </p:cNvPr>
@@ -18374,7 +19024,7 @@
           <p:cNvPr id="12" name="Ovaal 11">
             <a:extLst>
               <a:ext uri="{FF2B5EF4-FFF2-40B4-BE49-F238E27FC236}">
-                <a16:creationId xmlns:a16="http://schemas.microsoft.com/office/drawing/2014/main" xmlns="" id="{702660D4-5C08-4FC9-B5F9-92B2E32F1F54}"/>
+                <a16:creationId xmlns="" xmlns:a16="http://schemas.microsoft.com/office/drawing/2014/main" id="{702660D4-5C08-4FC9-B5F9-92B2E32F1F54}"/>
               </a:ext>
             </a:extLst>
           </p:cNvPr>
@@ -18432,7 +19082,7 @@
           <p:cNvPr id="15" name="Ovaal 14">
             <a:extLst>
               <a:ext uri="{FF2B5EF4-FFF2-40B4-BE49-F238E27FC236}">
-                <a16:creationId xmlns:a16="http://schemas.microsoft.com/office/drawing/2014/main" xmlns="" id="{6F886743-BD7C-498D-8470-3AFF63CE3A2E}"/>
+                <a16:creationId xmlns="" xmlns:a16="http://schemas.microsoft.com/office/drawing/2014/main" id="{6F886743-BD7C-498D-8470-3AFF63CE3A2E}"/>
               </a:ext>
             </a:extLst>
           </p:cNvPr>
@@ -18490,7 +19140,7 @@
           <p:cNvPr id="16" name="Ovaal 15">
             <a:extLst>
               <a:ext uri="{FF2B5EF4-FFF2-40B4-BE49-F238E27FC236}">
-                <a16:creationId xmlns:a16="http://schemas.microsoft.com/office/drawing/2014/main" xmlns="" id="{2800E1DF-3D08-42B9-9EA7-18A4D608B1AD}"/>
+                <a16:creationId xmlns="" xmlns:a16="http://schemas.microsoft.com/office/drawing/2014/main" id="{2800E1DF-3D08-42B9-9EA7-18A4D608B1AD}"/>
               </a:ext>
             </a:extLst>
           </p:cNvPr>
@@ -18548,7 +19198,7 @@
           <p:cNvPr id="18" name="Ovaal 17">
             <a:extLst>
               <a:ext uri="{FF2B5EF4-FFF2-40B4-BE49-F238E27FC236}">
-                <a16:creationId xmlns:a16="http://schemas.microsoft.com/office/drawing/2014/main" xmlns="" id="{71B22304-31D6-4B7A-9A07-E9729C3946DC}"/>
+                <a16:creationId xmlns="" xmlns:a16="http://schemas.microsoft.com/office/drawing/2014/main" id="{71B22304-31D6-4B7A-9A07-E9729C3946DC}"/>
               </a:ext>
             </a:extLst>
           </p:cNvPr>
@@ -18606,7 +19256,7 @@
           <p:cNvPr id="19" name="Ovaal 18">
             <a:extLst>
               <a:ext uri="{FF2B5EF4-FFF2-40B4-BE49-F238E27FC236}">
-                <a16:creationId xmlns:a16="http://schemas.microsoft.com/office/drawing/2014/main" xmlns="" id="{4CB9A837-B23B-40E2-B9FD-2ED58D3175F2}"/>
+                <a16:creationId xmlns="" xmlns:a16="http://schemas.microsoft.com/office/drawing/2014/main" id="{4CB9A837-B23B-40E2-B9FD-2ED58D3175F2}"/>
               </a:ext>
             </a:extLst>
           </p:cNvPr>
@@ -18664,7 +19314,7 @@
           <p:cNvPr id="20" name="Ovaal 19">
             <a:extLst>
               <a:ext uri="{FF2B5EF4-FFF2-40B4-BE49-F238E27FC236}">
-                <a16:creationId xmlns:a16="http://schemas.microsoft.com/office/drawing/2014/main" xmlns="" id="{356FEE7C-9D16-4FA9-AC43-61E03FD7F12E}"/>
+                <a16:creationId xmlns="" xmlns:a16="http://schemas.microsoft.com/office/drawing/2014/main" id="{356FEE7C-9D16-4FA9-AC43-61E03FD7F12E}"/>
               </a:ext>
             </a:extLst>
           </p:cNvPr>
@@ -18722,7 +19372,7 @@
           <p:cNvPr id="21" name="Ovaal 20">
             <a:extLst>
               <a:ext uri="{FF2B5EF4-FFF2-40B4-BE49-F238E27FC236}">
-                <a16:creationId xmlns:a16="http://schemas.microsoft.com/office/drawing/2014/main" xmlns="" id="{C7B6E4EE-D18E-4E99-90D9-8CD79FAB3E66}"/>
+                <a16:creationId xmlns="" xmlns:a16="http://schemas.microsoft.com/office/drawing/2014/main" id="{C7B6E4EE-D18E-4E99-90D9-8CD79FAB3E66}"/>
               </a:ext>
             </a:extLst>
           </p:cNvPr>
@@ -18780,7 +19430,7 @@
           <p:cNvPr id="22" name="Ovaal 21">
             <a:extLst>
               <a:ext uri="{FF2B5EF4-FFF2-40B4-BE49-F238E27FC236}">
-                <a16:creationId xmlns:a16="http://schemas.microsoft.com/office/drawing/2014/main" xmlns="" id="{57BEF406-0651-41E0-BE06-273B7CC97A2D}"/>
+                <a16:creationId xmlns="" xmlns:a16="http://schemas.microsoft.com/office/drawing/2014/main" id="{57BEF406-0651-41E0-BE06-273B7CC97A2D}"/>
               </a:ext>
             </a:extLst>
           </p:cNvPr>
@@ -18838,7 +19488,7 @@
           <p:cNvPr id="23" name="Rechte verbindingslijn 22">
             <a:extLst>
               <a:ext uri="{FF2B5EF4-FFF2-40B4-BE49-F238E27FC236}">
-                <a16:creationId xmlns:a16="http://schemas.microsoft.com/office/drawing/2014/main" xmlns="" id="{B6E9C7CF-D8FC-4A16-A854-58D00C6AFC36}"/>
+                <a16:creationId xmlns="" xmlns:a16="http://schemas.microsoft.com/office/drawing/2014/main" id="{B6E9C7CF-D8FC-4A16-A854-58D00C6AFC36}"/>
               </a:ext>
             </a:extLst>
           </p:cNvPr>
@@ -18886,7 +19536,7 @@
           <p:cNvPr id="24" name="Rechte verbindingslijn 23">
             <a:extLst>
               <a:ext uri="{FF2B5EF4-FFF2-40B4-BE49-F238E27FC236}">
-                <a16:creationId xmlns:a16="http://schemas.microsoft.com/office/drawing/2014/main" xmlns="" id="{1CFE56A8-8899-43BC-94FD-95028AD82001}"/>
+                <a16:creationId xmlns="" xmlns:a16="http://schemas.microsoft.com/office/drawing/2014/main" id="{1CFE56A8-8899-43BC-94FD-95028AD82001}"/>
               </a:ext>
             </a:extLst>
           </p:cNvPr>
@@ -18934,7 +19584,7 @@
           <p:cNvPr id="25" name="Rechte verbindingslijn 24">
             <a:extLst>
               <a:ext uri="{FF2B5EF4-FFF2-40B4-BE49-F238E27FC236}">
-                <a16:creationId xmlns:a16="http://schemas.microsoft.com/office/drawing/2014/main" xmlns="" id="{92F1B486-5D9E-425B-BA62-A39589D9C092}"/>
+                <a16:creationId xmlns="" xmlns:a16="http://schemas.microsoft.com/office/drawing/2014/main" id="{92F1B486-5D9E-425B-BA62-A39589D9C092}"/>
               </a:ext>
             </a:extLst>
           </p:cNvPr>
@@ -18982,7 +19632,7 @@
           <p:cNvPr id="26" name="Rechte verbindingslijn 25">
             <a:extLst>
               <a:ext uri="{FF2B5EF4-FFF2-40B4-BE49-F238E27FC236}">
-                <a16:creationId xmlns:a16="http://schemas.microsoft.com/office/drawing/2014/main" xmlns="" id="{0EAB71A3-52E1-49E7-852D-B0FD3CD4D1A7}"/>
+                <a16:creationId xmlns="" xmlns:a16="http://schemas.microsoft.com/office/drawing/2014/main" id="{0EAB71A3-52E1-49E7-852D-B0FD3CD4D1A7}"/>
               </a:ext>
             </a:extLst>
           </p:cNvPr>
@@ -19030,7 +19680,7 @@
           <p:cNvPr id="27" name="Rechte verbindingslijn 26">
             <a:extLst>
               <a:ext uri="{FF2B5EF4-FFF2-40B4-BE49-F238E27FC236}">
-                <a16:creationId xmlns:a16="http://schemas.microsoft.com/office/drawing/2014/main" xmlns="" id="{099DCD6D-B326-4DA6-8459-0A2EE91D83D5}"/>
+                <a16:creationId xmlns="" xmlns:a16="http://schemas.microsoft.com/office/drawing/2014/main" id="{099DCD6D-B326-4DA6-8459-0A2EE91D83D5}"/>
               </a:ext>
             </a:extLst>
           </p:cNvPr>
@@ -19078,7 +19728,7 @@
           <p:cNvPr id="28" name="Rechte verbindingslijn 27">
             <a:extLst>
               <a:ext uri="{FF2B5EF4-FFF2-40B4-BE49-F238E27FC236}">
-                <a16:creationId xmlns:a16="http://schemas.microsoft.com/office/drawing/2014/main" xmlns="" id="{8E4426DD-AC68-426C-8E72-53F5D4058FEB}"/>
+                <a16:creationId xmlns="" xmlns:a16="http://schemas.microsoft.com/office/drawing/2014/main" id="{8E4426DD-AC68-426C-8E72-53F5D4058FEB}"/>
               </a:ext>
             </a:extLst>
           </p:cNvPr>
@@ -19126,7 +19776,7 @@
           <p:cNvPr id="29" name="Rechte verbindingslijn 28">
             <a:extLst>
               <a:ext uri="{FF2B5EF4-FFF2-40B4-BE49-F238E27FC236}">
-                <a16:creationId xmlns:a16="http://schemas.microsoft.com/office/drawing/2014/main" xmlns="" id="{F8455A54-0906-419D-9641-930E0EF19620}"/>
+                <a16:creationId xmlns="" xmlns:a16="http://schemas.microsoft.com/office/drawing/2014/main" id="{F8455A54-0906-419D-9641-930E0EF19620}"/>
               </a:ext>
             </a:extLst>
           </p:cNvPr>
@@ -19174,7 +19824,7 @@
           <p:cNvPr id="30" name="Ovaal 29">
             <a:extLst>
               <a:ext uri="{FF2B5EF4-FFF2-40B4-BE49-F238E27FC236}">
-                <a16:creationId xmlns:a16="http://schemas.microsoft.com/office/drawing/2014/main" xmlns="" id="{2F8EA833-A5A7-481E-A4D1-98F4CE5A47F5}"/>
+                <a16:creationId xmlns="" xmlns:a16="http://schemas.microsoft.com/office/drawing/2014/main" id="{2F8EA833-A5A7-481E-A4D1-98F4CE5A47F5}"/>
               </a:ext>
             </a:extLst>
           </p:cNvPr>
@@ -19232,7 +19882,7 @@
           <p:cNvPr id="31" name="Ovaal 30">
             <a:extLst>
               <a:ext uri="{FF2B5EF4-FFF2-40B4-BE49-F238E27FC236}">
-                <a16:creationId xmlns:a16="http://schemas.microsoft.com/office/drawing/2014/main" xmlns="" id="{EF1B8A63-45C7-4477-83DA-C5F7FAE45190}"/>
+                <a16:creationId xmlns="" xmlns:a16="http://schemas.microsoft.com/office/drawing/2014/main" id="{EF1B8A63-45C7-4477-83DA-C5F7FAE45190}"/>
               </a:ext>
             </a:extLst>
           </p:cNvPr>
@@ -19290,7 +19940,7 @@
           <p:cNvPr id="32" name="Ovaal 31">
             <a:extLst>
               <a:ext uri="{FF2B5EF4-FFF2-40B4-BE49-F238E27FC236}">
-                <a16:creationId xmlns:a16="http://schemas.microsoft.com/office/drawing/2014/main" xmlns="" id="{0ACF7CC1-9BE7-4DD2-8236-579273166F0D}"/>
+                <a16:creationId xmlns="" xmlns:a16="http://schemas.microsoft.com/office/drawing/2014/main" id="{0ACF7CC1-9BE7-4DD2-8236-579273166F0D}"/>
               </a:ext>
             </a:extLst>
           </p:cNvPr>
@@ -19348,7 +19998,7 @@
           <p:cNvPr id="33" name="Ovaal 32">
             <a:extLst>
               <a:ext uri="{FF2B5EF4-FFF2-40B4-BE49-F238E27FC236}">
-                <a16:creationId xmlns:a16="http://schemas.microsoft.com/office/drawing/2014/main" xmlns="" id="{38A37D86-F49D-4015-9F89-0C5AA4F918E7}"/>
+                <a16:creationId xmlns="" xmlns:a16="http://schemas.microsoft.com/office/drawing/2014/main" id="{38A37D86-F49D-4015-9F89-0C5AA4F918E7}"/>
               </a:ext>
             </a:extLst>
           </p:cNvPr>
@@ -19406,7 +20056,7 @@
           <p:cNvPr id="34" name="Ovaal 33">
             <a:extLst>
               <a:ext uri="{FF2B5EF4-FFF2-40B4-BE49-F238E27FC236}">
-                <a16:creationId xmlns:a16="http://schemas.microsoft.com/office/drawing/2014/main" xmlns="" id="{068A416D-8303-4CF0-9F81-5305F8661921}"/>
+                <a16:creationId xmlns="" xmlns:a16="http://schemas.microsoft.com/office/drawing/2014/main" id="{068A416D-8303-4CF0-9F81-5305F8661921}"/>
               </a:ext>
             </a:extLst>
           </p:cNvPr>
@@ -19464,7 +20114,7 @@
           <p:cNvPr id="35" name="Ovaal 34">
             <a:extLst>
               <a:ext uri="{FF2B5EF4-FFF2-40B4-BE49-F238E27FC236}">
-                <a16:creationId xmlns:a16="http://schemas.microsoft.com/office/drawing/2014/main" xmlns="" id="{57886617-EF56-4B20-8554-D57A38AAFA65}"/>
+                <a16:creationId xmlns="" xmlns:a16="http://schemas.microsoft.com/office/drawing/2014/main" id="{57886617-EF56-4B20-8554-D57A38AAFA65}"/>
               </a:ext>
             </a:extLst>
           </p:cNvPr>
@@ -19522,7 +20172,7 @@
           <p:cNvPr id="36" name="Ovaal 35">
             <a:extLst>
               <a:ext uri="{FF2B5EF4-FFF2-40B4-BE49-F238E27FC236}">
-                <a16:creationId xmlns:a16="http://schemas.microsoft.com/office/drawing/2014/main" xmlns="" id="{F5B28146-4C85-4621-B9EA-F45F4586B369}"/>
+                <a16:creationId xmlns="" xmlns:a16="http://schemas.microsoft.com/office/drawing/2014/main" id="{F5B28146-4C85-4621-B9EA-F45F4586B369}"/>
               </a:ext>
             </a:extLst>
           </p:cNvPr>
@@ -19580,7 +20230,7 @@
           <p:cNvPr id="37" name="Ovaal 36">
             <a:extLst>
               <a:ext uri="{FF2B5EF4-FFF2-40B4-BE49-F238E27FC236}">
-                <a16:creationId xmlns:a16="http://schemas.microsoft.com/office/drawing/2014/main" xmlns="" id="{7C0671A0-0740-414E-92E7-AEF59EAC6288}"/>
+                <a16:creationId xmlns="" xmlns:a16="http://schemas.microsoft.com/office/drawing/2014/main" id="{7C0671A0-0740-414E-92E7-AEF59EAC6288}"/>
               </a:ext>
             </a:extLst>
           </p:cNvPr>
@@ -19638,7 +20288,7 @@
           <p:cNvPr id="38" name="Rechte verbindingslijn 37">
             <a:extLst>
               <a:ext uri="{FF2B5EF4-FFF2-40B4-BE49-F238E27FC236}">
-                <a16:creationId xmlns:a16="http://schemas.microsoft.com/office/drawing/2014/main" xmlns="" id="{33DE6DFE-6D57-47BA-BB6B-555F08E26DB9}"/>
+                <a16:creationId xmlns="" xmlns:a16="http://schemas.microsoft.com/office/drawing/2014/main" id="{33DE6DFE-6D57-47BA-BB6B-555F08E26DB9}"/>
               </a:ext>
             </a:extLst>
           </p:cNvPr>
@@ -19686,7 +20336,7 @@
           <p:cNvPr id="39" name="Rechte verbindingslijn 38">
             <a:extLst>
               <a:ext uri="{FF2B5EF4-FFF2-40B4-BE49-F238E27FC236}">
-                <a16:creationId xmlns:a16="http://schemas.microsoft.com/office/drawing/2014/main" xmlns="" id="{2DA35996-A73E-4F96-979F-9FF60EC2EA8E}"/>
+                <a16:creationId xmlns="" xmlns:a16="http://schemas.microsoft.com/office/drawing/2014/main" id="{2DA35996-A73E-4F96-979F-9FF60EC2EA8E}"/>
               </a:ext>
             </a:extLst>
           </p:cNvPr>
@@ -19734,7 +20384,7 @@
           <p:cNvPr id="40" name="Rechte verbindingslijn 39">
             <a:extLst>
               <a:ext uri="{FF2B5EF4-FFF2-40B4-BE49-F238E27FC236}">
-                <a16:creationId xmlns:a16="http://schemas.microsoft.com/office/drawing/2014/main" xmlns="" id="{A723C397-9B1B-4D91-BA47-50C5F66D3D89}"/>
+                <a16:creationId xmlns="" xmlns:a16="http://schemas.microsoft.com/office/drawing/2014/main" id="{A723C397-9B1B-4D91-BA47-50C5F66D3D89}"/>
               </a:ext>
             </a:extLst>
           </p:cNvPr>
@@ -19782,7 +20432,7 @@
           <p:cNvPr id="41" name="Rechte verbindingslijn 40">
             <a:extLst>
               <a:ext uri="{FF2B5EF4-FFF2-40B4-BE49-F238E27FC236}">
-                <a16:creationId xmlns:a16="http://schemas.microsoft.com/office/drawing/2014/main" xmlns="" id="{2F58A9CA-8BB1-4BB9-A296-F83FB5010BAE}"/>
+                <a16:creationId xmlns="" xmlns:a16="http://schemas.microsoft.com/office/drawing/2014/main" id="{2F58A9CA-8BB1-4BB9-A296-F83FB5010BAE}"/>
               </a:ext>
             </a:extLst>
           </p:cNvPr>
@@ -19830,7 +20480,7 @@
           <p:cNvPr id="42" name="Rechte verbindingslijn 41">
             <a:extLst>
               <a:ext uri="{FF2B5EF4-FFF2-40B4-BE49-F238E27FC236}">
-                <a16:creationId xmlns:a16="http://schemas.microsoft.com/office/drawing/2014/main" xmlns="" id="{959AEB00-BDDE-401D-A258-A1BC831BF286}"/>
+                <a16:creationId xmlns="" xmlns:a16="http://schemas.microsoft.com/office/drawing/2014/main" id="{959AEB00-BDDE-401D-A258-A1BC831BF286}"/>
               </a:ext>
             </a:extLst>
           </p:cNvPr>
@@ -19878,7 +20528,7 @@
           <p:cNvPr id="43" name="Rechte verbindingslijn 42">
             <a:extLst>
               <a:ext uri="{FF2B5EF4-FFF2-40B4-BE49-F238E27FC236}">
-                <a16:creationId xmlns:a16="http://schemas.microsoft.com/office/drawing/2014/main" xmlns="" id="{451D5B5E-F7CD-4D18-81B2-353312FBAE39}"/>
+                <a16:creationId xmlns="" xmlns:a16="http://schemas.microsoft.com/office/drawing/2014/main" id="{451D5B5E-F7CD-4D18-81B2-353312FBAE39}"/>
               </a:ext>
             </a:extLst>
           </p:cNvPr>
@@ -19926,7 +20576,7 @@
           <p:cNvPr id="44" name="Rechte verbindingslijn 43">
             <a:extLst>
               <a:ext uri="{FF2B5EF4-FFF2-40B4-BE49-F238E27FC236}">
-                <a16:creationId xmlns:a16="http://schemas.microsoft.com/office/drawing/2014/main" xmlns="" id="{0762CCB1-BCF4-4FA9-BBCF-2906073B5750}"/>
+                <a16:creationId xmlns="" xmlns:a16="http://schemas.microsoft.com/office/drawing/2014/main" id="{0762CCB1-BCF4-4FA9-BBCF-2906073B5750}"/>
               </a:ext>
             </a:extLst>
           </p:cNvPr>
@@ -19974,7 +20624,7 @@
           <p:cNvPr id="45" name="Rechte verbindingslijn 44">
             <a:extLst>
               <a:ext uri="{FF2B5EF4-FFF2-40B4-BE49-F238E27FC236}">
-                <a16:creationId xmlns:a16="http://schemas.microsoft.com/office/drawing/2014/main" xmlns="" id="{04763EFC-7EEF-4E93-9F5A-2BD209A331DC}"/>
+                <a16:creationId xmlns="" xmlns:a16="http://schemas.microsoft.com/office/drawing/2014/main" id="{04763EFC-7EEF-4E93-9F5A-2BD209A331DC}"/>
               </a:ext>
             </a:extLst>
           </p:cNvPr>
@@ -20052,7 +20702,7 @@
           <p:cNvPr id="2" name="Titel 1">
             <a:extLst>
               <a:ext uri="{FF2B5EF4-FFF2-40B4-BE49-F238E27FC236}">
-                <a16:creationId xmlns:a16="http://schemas.microsoft.com/office/drawing/2014/main" xmlns="" id="{769A96FB-BA26-47C0-85BC-9E5A44D94A65}"/>
+                <a16:creationId xmlns="" xmlns:a16="http://schemas.microsoft.com/office/drawing/2014/main" id="{769A96FB-BA26-47C0-85BC-9E5A44D94A65}"/>
               </a:ext>
             </a:extLst>
           </p:cNvPr>
@@ -20080,7 +20730,7 @@
           <p:cNvPr id="5" name="Tijdelijke aanduiding voor inhoud 4">
             <a:extLst>
               <a:ext uri="{FF2B5EF4-FFF2-40B4-BE49-F238E27FC236}">
-                <a16:creationId xmlns:a16="http://schemas.microsoft.com/office/drawing/2014/main" xmlns="" id="{82F9B9FE-1870-4902-A7DB-4B27D59D2B2B}"/>
+                <a16:creationId xmlns="" xmlns:a16="http://schemas.microsoft.com/office/drawing/2014/main" id="{82F9B9FE-1870-4902-A7DB-4B27D59D2B2B}"/>
               </a:ext>
             </a:extLst>
           </p:cNvPr>
@@ -20115,7 +20765,7 @@
           <p:cNvPr id="13" name="Tekstvak 12">
             <a:extLst>
               <a:ext uri="{FF2B5EF4-FFF2-40B4-BE49-F238E27FC236}">
-                <a16:creationId xmlns:a16="http://schemas.microsoft.com/office/drawing/2014/main" xmlns="" id="{44CABAE1-B325-4747-910E-7EDC7EDD7625}"/>
+                <a16:creationId xmlns="" xmlns:a16="http://schemas.microsoft.com/office/drawing/2014/main" id="{44CABAE1-B325-4747-910E-7EDC7EDD7625}"/>
               </a:ext>
             </a:extLst>
           </p:cNvPr>
@@ -20169,7 +20819,7 @@
           <p:cNvPr id="14" name="Afbeelding 13">
             <a:extLst>
               <a:ext uri="{FF2B5EF4-FFF2-40B4-BE49-F238E27FC236}">
-                <a16:creationId xmlns:a16="http://schemas.microsoft.com/office/drawing/2014/main" xmlns="" id="{F67612D4-1C0C-40D2-972D-04F12DDE0F60}"/>
+                <a16:creationId xmlns="" xmlns:a16="http://schemas.microsoft.com/office/drawing/2014/main" id="{F67612D4-1C0C-40D2-972D-04F12DDE0F60}"/>
               </a:ext>
             </a:extLst>
           </p:cNvPr>
@@ -20199,7 +20849,7 @@
           <p:cNvPr id="3" name="Tekstvak 2">
             <a:extLst>
               <a:ext uri="{FF2B5EF4-FFF2-40B4-BE49-F238E27FC236}">
-                <a16:creationId xmlns:a16="http://schemas.microsoft.com/office/drawing/2014/main" xmlns="" id="{C26579A7-5154-43F0-8824-0FAFC9CD4201}"/>
+                <a16:creationId xmlns="" xmlns:a16="http://schemas.microsoft.com/office/drawing/2014/main" id="{C26579A7-5154-43F0-8824-0FAFC9CD4201}"/>
               </a:ext>
             </a:extLst>
           </p:cNvPr>
@@ -20234,7 +20884,7 @@
           <p:cNvPr id="4" name="Tekstvak 3">
             <a:extLst>
               <a:ext uri="{FF2B5EF4-FFF2-40B4-BE49-F238E27FC236}">
-                <a16:creationId xmlns:a16="http://schemas.microsoft.com/office/drawing/2014/main" xmlns="" id="{1F03EA5B-9405-4FF2-A715-0E995B30C408}"/>
+                <a16:creationId xmlns="" xmlns:a16="http://schemas.microsoft.com/office/drawing/2014/main" id="{1F03EA5B-9405-4FF2-A715-0E995B30C408}"/>
               </a:ext>
             </a:extLst>
           </p:cNvPr>
@@ -20269,7 +20919,7 @@
           <p:cNvPr id="17" name="Rechte verbindingslijn met pijl 16">
             <a:extLst>
               <a:ext uri="{FF2B5EF4-FFF2-40B4-BE49-F238E27FC236}">
-                <a16:creationId xmlns:a16="http://schemas.microsoft.com/office/drawing/2014/main" xmlns="" id="{4354D81E-79D5-49F9-8B3E-FFC4DC3E61F5}"/>
+                <a16:creationId xmlns="" xmlns:a16="http://schemas.microsoft.com/office/drawing/2014/main" id="{4354D81E-79D5-49F9-8B3E-FFC4DC3E61F5}"/>
               </a:ext>
             </a:extLst>
           </p:cNvPr>
@@ -20310,7 +20960,7 @@
           <p:cNvPr id="7170" name="Picture 2" descr="Afbeeldingsresultaat voor hammer drawing">
             <a:extLst>
               <a:ext uri="{FF2B5EF4-FFF2-40B4-BE49-F238E27FC236}">
-                <a16:creationId xmlns:a16="http://schemas.microsoft.com/office/drawing/2014/main" xmlns="" id="{ACB393D5-86CC-4AAD-A571-9E26D25E2E0B}"/>
+                <a16:creationId xmlns="" xmlns:a16="http://schemas.microsoft.com/office/drawing/2014/main" id="{ACB393D5-86CC-4AAD-A571-9E26D25E2E0B}"/>
               </a:ext>
             </a:extLst>
           </p:cNvPr>
@@ -20357,7 +21007,7 @@
           <p:cNvPr id="6" name="Gedachtewolkje: wolk 5">
             <a:extLst>
               <a:ext uri="{FF2B5EF4-FFF2-40B4-BE49-F238E27FC236}">
-                <a16:creationId xmlns:a16="http://schemas.microsoft.com/office/drawing/2014/main" xmlns="" id="{39AC6EFF-786A-42AC-971E-B03EAAA5119B}"/>
+                <a16:creationId xmlns="" xmlns:a16="http://schemas.microsoft.com/office/drawing/2014/main" id="{39AC6EFF-786A-42AC-971E-B03EAAA5119B}"/>
               </a:ext>
             </a:extLst>
           </p:cNvPr>
@@ -20419,7 +21069,7 @@
           <p:cNvPr id="7172" name="Picture 4" descr="Afbeeldingsresultaat voor bouwpakket tekening">
             <a:extLst>
               <a:ext uri="{FF2B5EF4-FFF2-40B4-BE49-F238E27FC236}">
-                <a16:creationId xmlns:a16="http://schemas.microsoft.com/office/drawing/2014/main" xmlns="" id="{4A471D98-FB95-4C4D-AE0F-FD069389E87D}"/>
+                <a16:creationId xmlns="" xmlns:a16="http://schemas.microsoft.com/office/drawing/2014/main" id="{4A471D98-FB95-4C4D-AE0F-FD069389E87D}"/>
               </a:ext>
             </a:extLst>
           </p:cNvPr>
@@ -20466,7 +21116,7 @@
           <p:cNvPr id="12" name="Ovaal 11">
             <a:extLst>
               <a:ext uri="{FF2B5EF4-FFF2-40B4-BE49-F238E27FC236}">
-                <a16:creationId xmlns:a16="http://schemas.microsoft.com/office/drawing/2014/main" xmlns="" id="{702660D4-5C08-4FC9-B5F9-92B2E32F1F54}"/>
+                <a16:creationId xmlns="" xmlns:a16="http://schemas.microsoft.com/office/drawing/2014/main" id="{702660D4-5C08-4FC9-B5F9-92B2E32F1F54}"/>
               </a:ext>
             </a:extLst>
           </p:cNvPr>
@@ -20524,7 +21174,7 @@
           <p:cNvPr id="15" name="Ovaal 14">
             <a:extLst>
               <a:ext uri="{FF2B5EF4-FFF2-40B4-BE49-F238E27FC236}">
-                <a16:creationId xmlns:a16="http://schemas.microsoft.com/office/drawing/2014/main" xmlns="" id="{6F886743-BD7C-498D-8470-3AFF63CE3A2E}"/>
+                <a16:creationId xmlns="" xmlns:a16="http://schemas.microsoft.com/office/drawing/2014/main" id="{6F886743-BD7C-498D-8470-3AFF63CE3A2E}"/>
               </a:ext>
             </a:extLst>
           </p:cNvPr>
@@ -20582,7 +21232,7 @@
           <p:cNvPr id="16" name="Ovaal 15">
             <a:extLst>
               <a:ext uri="{FF2B5EF4-FFF2-40B4-BE49-F238E27FC236}">
-                <a16:creationId xmlns:a16="http://schemas.microsoft.com/office/drawing/2014/main" xmlns="" id="{2800E1DF-3D08-42B9-9EA7-18A4D608B1AD}"/>
+                <a16:creationId xmlns="" xmlns:a16="http://schemas.microsoft.com/office/drawing/2014/main" id="{2800E1DF-3D08-42B9-9EA7-18A4D608B1AD}"/>
               </a:ext>
             </a:extLst>
           </p:cNvPr>
@@ -20640,7 +21290,7 @@
           <p:cNvPr id="18" name="Ovaal 17">
             <a:extLst>
               <a:ext uri="{FF2B5EF4-FFF2-40B4-BE49-F238E27FC236}">
-                <a16:creationId xmlns:a16="http://schemas.microsoft.com/office/drawing/2014/main" xmlns="" id="{71B22304-31D6-4B7A-9A07-E9729C3946DC}"/>
+                <a16:creationId xmlns="" xmlns:a16="http://schemas.microsoft.com/office/drawing/2014/main" id="{71B22304-31D6-4B7A-9A07-E9729C3946DC}"/>
               </a:ext>
             </a:extLst>
           </p:cNvPr>
@@ -20698,7 +21348,7 @@
           <p:cNvPr id="19" name="Ovaal 18">
             <a:extLst>
               <a:ext uri="{FF2B5EF4-FFF2-40B4-BE49-F238E27FC236}">
-                <a16:creationId xmlns:a16="http://schemas.microsoft.com/office/drawing/2014/main" xmlns="" id="{4CB9A837-B23B-40E2-B9FD-2ED58D3175F2}"/>
+                <a16:creationId xmlns="" xmlns:a16="http://schemas.microsoft.com/office/drawing/2014/main" id="{4CB9A837-B23B-40E2-B9FD-2ED58D3175F2}"/>
               </a:ext>
             </a:extLst>
           </p:cNvPr>
@@ -20756,7 +21406,7 @@
           <p:cNvPr id="20" name="Ovaal 19">
             <a:extLst>
               <a:ext uri="{FF2B5EF4-FFF2-40B4-BE49-F238E27FC236}">
-                <a16:creationId xmlns:a16="http://schemas.microsoft.com/office/drawing/2014/main" xmlns="" id="{356FEE7C-9D16-4FA9-AC43-61E03FD7F12E}"/>
+                <a16:creationId xmlns="" xmlns:a16="http://schemas.microsoft.com/office/drawing/2014/main" id="{356FEE7C-9D16-4FA9-AC43-61E03FD7F12E}"/>
               </a:ext>
             </a:extLst>
           </p:cNvPr>
@@ -20814,7 +21464,7 @@
           <p:cNvPr id="21" name="Ovaal 20">
             <a:extLst>
               <a:ext uri="{FF2B5EF4-FFF2-40B4-BE49-F238E27FC236}">
-                <a16:creationId xmlns:a16="http://schemas.microsoft.com/office/drawing/2014/main" xmlns="" id="{C7B6E4EE-D18E-4E99-90D9-8CD79FAB3E66}"/>
+                <a16:creationId xmlns="" xmlns:a16="http://schemas.microsoft.com/office/drawing/2014/main" id="{C7B6E4EE-D18E-4E99-90D9-8CD79FAB3E66}"/>
               </a:ext>
             </a:extLst>
           </p:cNvPr>
@@ -20872,7 +21522,7 @@
           <p:cNvPr id="22" name="Ovaal 21">
             <a:extLst>
               <a:ext uri="{FF2B5EF4-FFF2-40B4-BE49-F238E27FC236}">
-                <a16:creationId xmlns:a16="http://schemas.microsoft.com/office/drawing/2014/main" xmlns="" id="{57BEF406-0651-41E0-BE06-273B7CC97A2D}"/>
+                <a16:creationId xmlns="" xmlns:a16="http://schemas.microsoft.com/office/drawing/2014/main" id="{57BEF406-0651-41E0-BE06-273B7CC97A2D}"/>
               </a:ext>
             </a:extLst>
           </p:cNvPr>
@@ -20930,7 +21580,7 @@
           <p:cNvPr id="23" name="Rechte verbindingslijn 22">
             <a:extLst>
               <a:ext uri="{FF2B5EF4-FFF2-40B4-BE49-F238E27FC236}">
-                <a16:creationId xmlns:a16="http://schemas.microsoft.com/office/drawing/2014/main" xmlns="" id="{B6E9C7CF-D8FC-4A16-A854-58D00C6AFC36}"/>
+                <a16:creationId xmlns="" xmlns:a16="http://schemas.microsoft.com/office/drawing/2014/main" id="{B6E9C7CF-D8FC-4A16-A854-58D00C6AFC36}"/>
               </a:ext>
             </a:extLst>
           </p:cNvPr>
@@ -20978,7 +21628,7 @@
           <p:cNvPr id="24" name="Rechte verbindingslijn 23">
             <a:extLst>
               <a:ext uri="{FF2B5EF4-FFF2-40B4-BE49-F238E27FC236}">
-                <a16:creationId xmlns:a16="http://schemas.microsoft.com/office/drawing/2014/main" xmlns="" id="{1CFE56A8-8899-43BC-94FD-95028AD82001}"/>
+                <a16:creationId xmlns="" xmlns:a16="http://schemas.microsoft.com/office/drawing/2014/main" id="{1CFE56A8-8899-43BC-94FD-95028AD82001}"/>
               </a:ext>
             </a:extLst>
           </p:cNvPr>
@@ -21026,7 +21676,7 @@
           <p:cNvPr id="26" name="Rechte verbindingslijn 25">
             <a:extLst>
               <a:ext uri="{FF2B5EF4-FFF2-40B4-BE49-F238E27FC236}">
-                <a16:creationId xmlns:a16="http://schemas.microsoft.com/office/drawing/2014/main" xmlns="" id="{0EAB71A3-52E1-49E7-852D-B0FD3CD4D1A7}"/>
+                <a16:creationId xmlns="" xmlns:a16="http://schemas.microsoft.com/office/drawing/2014/main" id="{0EAB71A3-52E1-49E7-852D-B0FD3CD4D1A7}"/>
               </a:ext>
             </a:extLst>
           </p:cNvPr>
@@ -21074,7 +21724,7 @@
           <p:cNvPr id="27" name="Rechte verbindingslijn 26">
             <a:extLst>
               <a:ext uri="{FF2B5EF4-FFF2-40B4-BE49-F238E27FC236}">
-                <a16:creationId xmlns:a16="http://schemas.microsoft.com/office/drawing/2014/main" xmlns="" id="{099DCD6D-B326-4DA6-8459-0A2EE91D83D5}"/>
+                <a16:creationId xmlns="" xmlns:a16="http://schemas.microsoft.com/office/drawing/2014/main" id="{099DCD6D-B326-4DA6-8459-0A2EE91D83D5}"/>
               </a:ext>
             </a:extLst>
           </p:cNvPr>
@@ -21122,7 +21772,7 @@
           <p:cNvPr id="28" name="Rechte verbindingslijn 27">
             <a:extLst>
               <a:ext uri="{FF2B5EF4-FFF2-40B4-BE49-F238E27FC236}">
-                <a16:creationId xmlns:a16="http://schemas.microsoft.com/office/drawing/2014/main" xmlns="" id="{8E4426DD-AC68-426C-8E72-53F5D4058FEB}"/>
+                <a16:creationId xmlns="" xmlns:a16="http://schemas.microsoft.com/office/drawing/2014/main" id="{8E4426DD-AC68-426C-8E72-53F5D4058FEB}"/>
               </a:ext>
             </a:extLst>
           </p:cNvPr>
@@ -21170,7 +21820,7 @@
           <p:cNvPr id="29" name="Rechte verbindingslijn 28">
             <a:extLst>
               <a:ext uri="{FF2B5EF4-FFF2-40B4-BE49-F238E27FC236}">
-                <a16:creationId xmlns:a16="http://schemas.microsoft.com/office/drawing/2014/main" xmlns="" id="{F8455A54-0906-419D-9641-930E0EF19620}"/>
+                <a16:creationId xmlns="" xmlns:a16="http://schemas.microsoft.com/office/drawing/2014/main" id="{F8455A54-0906-419D-9641-930E0EF19620}"/>
               </a:ext>
             </a:extLst>
           </p:cNvPr>
@@ -21218,7 +21868,7 @@
           <p:cNvPr id="30" name="Ovaal 29">
             <a:extLst>
               <a:ext uri="{FF2B5EF4-FFF2-40B4-BE49-F238E27FC236}">
-                <a16:creationId xmlns:a16="http://schemas.microsoft.com/office/drawing/2014/main" xmlns="" id="{2F8EA833-A5A7-481E-A4D1-98F4CE5A47F5}"/>
+                <a16:creationId xmlns="" xmlns:a16="http://schemas.microsoft.com/office/drawing/2014/main" id="{2F8EA833-A5A7-481E-A4D1-98F4CE5A47F5}"/>
               </a:ext>
             </a:extLst>
           </p:cNvPr>
@@ -21276,7 +21926,7 @@
           <p:cNvPr id="31" name="Ovaal 30">
             <a:extLst>
               <a:ext uri="{FF2B5EF4-FFF2-40B4-BE49-F238E27FC236}">
-                <a16:creationId xmlns:a16="http://schemas.microsoft.com/office/drawing/2014/main" xmlns="" id="{EF1B8A63-45C7-4477-83DA-C5F7FAE45190}"/>
+                <a16:creationId xmlns="" xmlns:a16="http://schemas.microsoft.com/office/drawing/2014/main" id="{EF1B8A63-45C7-4477-83DA-C5F7FAE45190}"/>
               </a:ext>
             </a:extLst>
           </p:cNvPr>
@@ -21334,7 +21984,7 @@
           <p:cNvPr id="32" name="Ovaal 31">
             <a:extLst>
               <a:ext uri="{FF2B5EF4-FFF2-40B4-BE49-F238E27FC236}">
-                <a16:creationId xmlns:a16="http://schemas.microsoft.com/office/drawing/2014/main" xmlns="" id="{0ACF7CC1-9BE7-4DD2-8236-579273166F0D}"/>
+                <a16:creationId xmlns="" xmlns:a16="http://schemas.microsoft.com/office/drawing/2014/main" id="{0ACF7CC1-9BE7-4DD2-8236-579273166F0D}"/>
               </a:ext>
             </a:extLst>
           </p:cNvPr>
@@ -21392,7 +22042,7 @@
           <p:cNvPr id="33" name="Ovaal 32">
             <a:extLst>
               <a:ext uri="{FF2B5EF4-FFF2-40B4-BE49-F238E27FC236}">
-                <a16:creationId xmlns:a16="http://schemas.microsoft.com/office/drawing/2014/main" xmlns="" id="{38A37D86-F49D-4015-9F89-0C5AA4F918E7}"/>
+                <a16:creationId xmlns="" xmlns:a16="http://schemas.microsoft.com/office/drawing/2014/main" id="{38A37D86-F49D-4015-9F89-0C5AA4F918E7}"/>
               </a:ext>
             </a:extLst>
           </p:cNvPr>
@@ -21450,7 +22100,7 @@
           <p:cNvPr id="34" name="Ovaal 33">
             <a:extLst>
               <a:ext uri="{FF2B5EF4-FFF2-40B4-BE49-F238E27FC236}">
-                <a16:creationId xmlns:a16="http://schemas.microsoft.com/office/drawing/2014/main" xmlns="" id="{068A416D-8303-4CF0-9F81-5305F8661921}"/>
+                <a16:creationId xmlns="" xmlns:a16="http://schemas.microsoft.com/office/drawing/2014/main" id="{068A416D-8303-4CF0-9F81-5305F8661921}"/>
               </a:ext>
             </a:extLst>
           </p:cNvPr>
@@ -21508,7 +22158,7 @@
           <p:cNvPr id="35" name="Ovaal 34">
             <a:extLst>
               <a:ext uri="{FF2B5EF4-FFF2-40B4-BE49-F238E27FC236}">
-                <a16:creationId xmlns:a16="http://schemas.microsoft.com/office/drawing/2014/main" xmlns="" id="{57886617-EF56-4B20-8554-D57A38AAFA65}"/>
+                <a16:creationId xmlns="" xmlns:a16="http://schemas.microsoft.com/office/drawing/2014/main" id="{57886617-EF56-4B20-8554-D57A38AAFA65}"/>
               </a:ext>
             </a:extLst>
           </p:cNvPr>
@@ -21566,7 +22216,7 @@
           <p:cNvPr id="36" name="Ovaal 35">
             <a:extLst>
               <a:ext uri="{FF2B5EF4-FFF2-40B4-BE49-F238E27FC236}">
-                <a16:creationId xmlns:a16="http://schemas.microsoft.com/office/drawing/2014/main" xmlns="" id="{F5B28146-4C85-4621-B9EA-F45F4586B369}"/>
+                <a16:creationId xmlns="" xmlns:a16="http://schemas.microsoft.com/office/drawing/2014/main" id="{F5B28146-4C85-4621-B9EA-F45F4586B369}"/>
               </a:ext>
             </a:extLst>
           </p:cNvPr>
@@ -21624,7 +22274,7 @@
           <p:cNvPr id="37" name="Ovaal 36">
             <a:extLst>
               <a:ext uri="{FF2B5EF4-FFF2-40B4-BE49-F238E27FC236}">
-                <a16:creationId xmlns:a16="http://schemas.microsoft.com/office/drawing/2014/main" xmlns="" id="{7C0671A0-0740-414E-92E7-AEF59EAC6288}"/>
+                <a16:creationId xmlns="" xmlns:a16="http://schemas.microsoft.com/office/drawing/2014/main" id="{7C0671A0-0740-414E-92E7-AEF59EAC6288}"/>
               </a:ext>
             </a:extLst>
           </p:cNvPr>
@@ -21682,7 +22332,7 @@
           <p:cNvPr id="38" name="Rechte verbindingslijn 37">
             <a:extLst>
               <a:ext uri="{FF2B5EF4-FFF2-40B4-BE49-F238E27FC236}">
-                <a16:creationId xmlns:a16="http://schemas.microsoft.com/office/drawing/2014/main" xmlns="" id="{33DE6DFE-6D57-47BA-BB6B-555F08E26DB9}"/>
+                <a16:creationId xmlns="" xmlns:a16="http://schemas.microsoft.com/office/drawing/2014/main" id="{33DE6DFE-6D57-47BA-BB6B-555F08E26DB9}"/>
               </a:ext>
             </a:extLst>
           </p:cNvPr>
@@ -21730,7 +22380,7 @@
           <p:cNvPr id="39" name="Rechte verbindingslijn 38">
             <a:extLst>
               <a:ext uri="{FF2B5EF4-FFF2-40B4-BE49-F238E27FC236}">
-                <a16:creationId xmlns:a16="http://schemas.microsoft.com/office/drawing/2014/main" xmlns="" id="{2DA35996-A73E-4F96-979F-9FF60EC2EA8E}"/>
+                <a16:creationId xmlns="" xmlns:a16="http://schemas.microsoft.com/office/drawing/2014/main" id="{2DA35996-A73E-4F96-979F-9FF60EC2EA8E}"/>
               </a:ext>
             </a:extLst>
           </p:cNvPr>
@@ -21778,7 +22428,7 @@
           <p:cNvPr id="40" name="Rechte verbindingslijn 39">
             <a:extLst>
               <a:ext uri="{FF2B5EF4-FFF2-40B4-BE49-F238E27FC236}">
-                <a16:creationId xmlns:a16="http://schemas.microsoft.com/office/drawing/2014/main" xmlns="" id="{A723C397-9B1B-4D91-BA47-50C5F66D3D89}"/>
+                <a16:creationId xmlns="" xmlns:a16="http://schemas.microsoft.com/office/drawing/2014/main" id="{A723C397-9B1B-4D91-BA47-50C5F66D3D89}"/>
               </a:ext>
             </a:extLst>
           </p:cNvPr>
@@ -21826,7 +22476,7 @@
           <p:cNvPr id="41" name="Rechte verbindingslijn 40">
             <a:extLst>
               <a:ext uri="{FF2B5EF4-FFF2-40B4-BE49-F238E27FC236}">
-                <a16:creationId xmlns:a16="http://schemas.microsoft.com/office/drawing/2014/main" xmlns="" id="{2F58A9CA-8BB1-4BB9-A296-F83FB5010BAE}"/>
+                <a16:creationId xmlns="" xmlns:a16="http://schemas.microsoft.com/office/drawing/2014/main" id="{2F58A9CA-8BB1-4BB9-A296-F83FB5010BAE}"/>
               </a:ext>
             </a:extLst>
           </p:cNvPr>
@@ -21874,7 +22524,7 @@
           <p:cNvPr id="42" name="Rechte verbindingslijn 41">
             <a:extLst>
               <a:ext uri="{FF2B5EF4-FFF2-40B4-BE49-F238E27FC236}">
-                <a16:creationId xmlns:a16="http://schemas.microsoft.com/office/drawing/2014/main" xmlns="" id="{959AEB00-BDDE-401D-A258-A1BC831BF286}"/>
+                <a16:creationId xmlns="" xmlns:a16="http://schemas.microsoft.com/office/drawing/2014/main" id="{959AEB00-BDDE-401D-A258-A1BC831BF286}"/>
               </a:ext>
             </a:extLst>
           </p:cNvPr>
@@ -21922,7 +22572,7 @@
           <p:cNvPr id="43" name="Rechte verbindingslijn 42">
             <a:extLst>
               <a:ext uri="{FF2B5EF4-FFF2-40B4-BE49-F238E27FC236}">
-                <a16:creationId xmlns:a16="http://schemas.microsoft.com/office/drawing/2014/main" xmlns="" id="{451D5B5E-F7CD-4D18-81B2-353312FBAE39}"/>
+                <a16:creationId xmlns="" xmlns:a16="http://schemas.microsoft.com/office/drawing/2014/main" id="{451D5B5E-F7CD-4D18-81B2-353312FBAE39}"/>
               </a:ext>
             </a:extLst>
           </p:cNvPr>
@@ -21970,7 +22620,7 @@
           <p:cNvPr id="44" name="Rechte verbindingslijn 43">
             <a:extLst>
               <a:ext uri="{FF2B5EF4-FFF2-40B4-BE49-F238E27FC236}">
-                <a16:creationId xmlns:a16="http://schemas.microsoft.com/office/drawing/2014/main" xmlns="" id="{0762CCB1-BCF4-4FA9-BBCF-2906073B5750}"/>
+                <a16:creationId xmlns="" xmlns:a16="http://schemas.microsoft.com/office/drawing/2014/main" id="{0762CCB1-BCF4-4FA9-BBCF-2906073B5750}"/>
               </a:ext>
             </a:extLst>
           </p:cNvPr>
@@ -22018,7 +22668,7 @@
           <p:cNvPr id="45" name="Rechte verbindingslijn 44">
             <a:extLst>
               <a:ext uri="{FF2B5EF4-FFF2-40B4-BE49-F238E27FC236}">
-                <a16:creationId xmlns:a16="http://schemas.microsoft.com/office/drawing/2014/main" xmlns="" id="{04763EFC-7EEF-4E93-9F5A-2BD209A331DC}"/>
+                <a16:creationId xmlns="" xmlns:a16="http://schemas.microsoft.com/office/drawing/2014/main" id="{04763EFC-7EEF-4E93-9F5A-2BD209A331DC}"/>
               </a:ext>
             </a:extLst>
           </p:cNvPr>
@@ -22066,7 +22716,7 @@
           <p:cNvPr id="208" name="Rechte verbindingslijn 207">
             <a:extLst>
               <a:ext uri="{FF2B5EF4-FFF2-40B4-BE49-F238E27FC236}">
-                <a16:creationId xmlns:a16="http://schemas.microsoft.com/office/drawing/2014/main" xmlns="" id="{D69FCFE6-71B0-40AB-A0F9-E2B15BEB6CA5}"/>
+                <a16:creationId xmlns="" xmlns:a16="http://schemas.microsoft.com/office/drawing/2014/main" id="{D69FCFE6-71B0-40AB-A0F9-E2B15BEB6CA5}"/>
               </a:ext>
             </a:extLst>
           </p:cNvPr>
@@ -22345,7 +22995,7 @@
   <a:extraClrSchemeLst/>
   <a:extLst>
     <a:ext uri="{05A4C25C-085E-4340-85A3-A5531E510DB2}">
-      <thm15:themeFamily xmlns:thm15="http://schemas.microsoft.com/office/thememl/2012/main" xmlns="" name="Wood Type" id="{7ACABC62-BF99-48CF-A9DC-4DB89C7B13DC}" vid="{142A1326-48AB-42A9-8428-CB14AA30176D}"/>
+      <thm15:themeFamily xmlns="" xmlns:thm15="http://schemas.microsoft.com/office/thememl/2012/main" name="Wood Type" id="{7ACABC62-BF99-48CF-A9DC-4DB89C7B13DC}" vid="{142A1326-48AB-42A9-8428-CB14AA30176D}"/>
     </a:ext>
   </a:extLst>
 </a:theme>

--- a/Presentations/Proteasen - week 1.pptx
+++ b/Presentations/Proteasen - week 1.pptx
@@ -130,7 +130,7 @@
   </p:defaultTextStyle>
   <p:extLst>
     <p:ext uri="{EFAFB233-063F-42B5-8137-9DF3F51BA10A}">
-      <p15:sldGuideLst xmlns="" xmlns:p15="http://schemas.microsoft.com/office/powerpoint/2012/main">
+      <p15:sldGuideLst xmlns:p15="http://schemas.microsoft.com/office/powerpoint/2012/main" xmlns="">
         <p15:guide id="1" orient="horz" pos="2160">
           <p15:clr>
             <a:srgbClr val="A4A3A4"/>
@@ -4090,7 +4090,7 @@
           <p:cNvPr id="2" name="Titel 1">
             <a:extLst>
               <a:ext uri="{FF2B5EF4-FFF2-40B4-BE49-F238E27FC236}">
-                <a16:creationId xmlns="" xmlns:a16="http://schemas.microsoft.com/office/drawing/2014/main" id="{AE205A44-390E-455B-87E1-6D48C073A474}"/>
+                <a16:creationId xmlns:a16="http://schemas.microsoft.com/office/drawing/2014/main" xmlns="" id="{AE205A44-390E-455B-87E1-6D48C073A474}"/>
               </a:ext>
             </a:extLst>
           </p:cNvPr>
@@ -4135,7 +4135,7 @@
           <p:cNvPr id="3" name="Ondertitel 2">
             <a:extLst>
               <a:ext uri="{FF2B5EF4-FFF2-40B4-BE49-F238E27FC236}">
-                <a16:creationId xmlns="" xmlns:a16="http://schemas.microsoft.com/office/drawing/2014/main" id="{E24A4149-DFE7-4EE0-A98A-18326D7AD35D}"/>
+                <a16:creationId xmlns:a16="http://schemas.microsoft.com/office/drawing/2014/main" xmlns="" id="{E24A4149-DFE7-4EE0-A98A-18326D7AD35D}"/>
               </a:ext>
             </a:extLst>
           </p:cNvPr>
@@ -4198,7 +4198,7 @@
           <p:cNvPr id="2" name="Titel 1">
             <a:extLst>
               <a:ext uri="{FF2B5EF4-FFF2-40B4-BE49-F238E27FC236}">
-                <a16:creationId xmlns="" xmlns:a16="http://schemas.microsoft.com/office/drawing/2014/main" id="{769A96FB-BA26-47C0-85BC-9E5A44D94A65}"/>
+                <a16:creationId xmlns:a16="http://schemas.microsoft.com/office/drawing/2014/main" xmlns="" id="{769A96FB-BA26-47C0-85BC-9E5A44D94A65}"/>
               </a:ext>
             </a:extLst>
           </p:cNvPr>
@@ -4226,7 +4226,7 @@
           <p:cNvPr id="5" name="Tijdelijke aanduiding voor inhoud 4">
             <a:extLst>
               <a:ext uri="{FF2B5EF4-FFF2-40B4-BE49-F238E27FC236}">
-                <a16:creationId xmlns="" xmlns:a16="http://schemas.microsoft.com/office/drawing/2014/main" id="{82F9B9FE-1870-4902-A7DB-4B27D59D2B2B}"/>
+                <a16:creationId xmlns:a16="http://schemas.microsoft.com/office/drawing/2014/main" xmlns="" id="{82F9B9FE-1870-4902-A7DB-4B27D59D2B2B}"/>
               </a:ext>
             </a:extLst>
           </p:cNvPr>
@@ -4261,7 +4261,7 @@
           <p:cNvPr id="13" name="Tekstvak 12">
             <a:extLst>
               <a:ext uri="{FF2B5EF4-FFF2-40B4-BE49-F238E27FC236}">
-                <a16:creationId xmlns="" xmlns:a16="http://schemas.microsoft.com/office/drawing/2014/main" id="{44CABAE1-B325-4747-910E-7EDC7EDD7625}"/>
+                <a16:creationId xmlns:a16="http://schemas.microsoft.com/office/drawing/2014/main" xmlns="" id="{44CABAE1-B325-4747-910E-7EDC7EDD7625}"/>
               </a:ext>
             </a:extLst>
           </p:cNvPr>
@@ -4315,7 +4315,7 @@
           <p:cNvPr id="14" name="Afbeelding 13">
             <a:extLst>
               <a:ext uri="{FF2B5EF4-FFF2-40B4-BE49-F238E27FC236}">
-                <a16:creationId xmlns="" xmlns:a16="http://schemas.microsoft.com/office/drawing/2014/main" id="{F67612D4-1C0C-40D2-972D-04F12DDE0F60}"/>
+                <a16:creationId xmlns:a16="http://schemas.microsoft.com/office/drawing/2014/main" xmlns="" id="{F67612D4-1C0C-40D2-972D-04F12DDE0F60}"/>
               </a:ext>
             </a:extLst>
           </p:cNvPr>
@@ -4345,7 +4345,7 @@
           <p:cNvPr id="3" name="Tekstvak 2">
             <a:extLst>
               <a:ext uri="{FF2B5EF4-FFF2-40B4-BE49-F238E27FC236}">
-                <a16:creationId xmlns="" xmlns:a16="http://schemas.microsoft.com/office/drawing/2014/main" id="{C26579A7-5154-43F0-8824-0FAFC9CD4201}"/>
+                <a16:creationId xmlns:a16="http://schemas.microsoft.com/office/drawing/2014/main" xmlns="" id="{C26579A7-5154-43F0-8824-0FAFC9CD4201}"/>
               </a:ext>
             </a:extLst>
           </p:cNvPr>
@@ -4380,7 +4380,7 @@
           <p:cNvPr id="4" name="Tekstvak 3">
             <a:extLst>
               <a:ext uri="{FF2B5EF4-FFF2-40B4-BE49-F238E27FC236}">
-                <a16:creationId xmlns="" xmlns:a16="http://schemas.microsoft.com/office/drawing/2014/main" id="{1F03EA5B-9405-4FF2-A715-0E995B30C408}"/>
+                <a16:creationId xmlns:a16="http://schemas.microsoft.com/office/drawing/2014/main" xmlns="" id="{1F03EA5B-9405-4FF2-A715-0E995B30C408}"/>
               </a:ext>
             </a:extLst>
           </p:cNvPr>
@@ -4415,7 +4415,7 @@
           <p:cNvPr id="17" name="Rechte verbindingslijn met pijl 16">
             <a:extLst>
               <a:ext uri="{FF2B5EF4-FFF2-40B4-BE49-F238E27FC236}">
-                <a16:creationId xmlns="" xmlns:a16="http://schemas.microsoft.com/office/drawing/2014/main" id="{4354D81E-79D5-49F9-8B3E-FFC4DC3E61F5}"/>
+                <a16:creationId xmlns:a16="http://schemas.microsoft.com/office/drawing/2014/main" xmlns="" id="{4354D81E-79D5-49F9-8B3E-FFC4DC3E61F5}"/>
               </a:ext>
             </a:extLst>
           </p:cNvPr>
@@ -4456,7 +4456,7 @@
           <p:cNvPr id="7170" name="Picture 2" descr="Afbeeldingsresultaat voor hammer drawing">
             <a:extLst>
               <a:ext uri="{FF2B5EF4-FFF2-40B4-BE49-F238E27FC236}">
-                <a16:creationId xmlns="" xmlns:a16="http://schemas.microsoft.com/office/drawing/2014/main" id="{ACB393D5-86CC-4AAD-A571-9E26D25E2E0B}"/>
+                <a16:creationId xmlns:a16="http://schemas.microsoft.com/office/drawing/2014/main" xmlns="" id="{ACB393D5-86CC-4AAD-A571-9E26D25E2E0B}"/>
               </a:ext>
             </a:extLst>
           </p:cNvPr>
@@ -4503,7 +4503,7 @@
           <p:cNvPr id="6" name="Gedachtewolkje: wolk 5">
             <a:extLst>
               <a:ext uri="{FF2B5EF4-FFF2-40B4-BE49-F238E27FC236}">
-                <a16:creationId xmlns="" xmlns:a16="http://schemas.microsoft.com/office/drawing/2014/main" id="{39AC6EFF-786A-42AC-971E-B03EAAA5119B}"/>
+                <a16:creationId xmlns:a16="http://schemas.microsoft.com/office/drawing/2014/main" xmlns="" id="{39AC6EFF-786A-42AC-971E-B03EAAA5119B}"/>
               </a:ext>
             </a:extLst>
           </p:cNvPr>
@@ -4565,7 +4565,7 @@
           <p:cNvPr id="7172" name="Picture 4" descr="Afbeeldingsresultaat voor bouwpakket tekening">
             <a:extLst>
               <a:ext uri="{FF2B5EF4-FFF2-40B4-BE49-F238E27FC236}">
-                <a16:creationId xmlns="" xmlns:a16="http://schemas.microsoft.com/office/drawing/2014/main" id="{4A471D98-FB95-4C4D-AE0F-FD069389E87D}"/>
+                <a16:creationId xmlns:a16="http://schemas.microsoft.com/office/drawing/2014/main" xmlns="" id="{4A471D98-FB95-4C4D-AE0F-FD069389E87D}"/>
               </a:ext>
             </a:extLst>
           </p:cNvPr>
@@ -4612,7 +4612,7 @@
           <p:cNvPr id="12" name="Ovaal 11">
             <a:extLst>
               <a:ext uri="{FF2B5EF4-FFF2-40B4-BE49-F238E27FC236}">
-                <a16:creationId xmlns="" xmlns:a16="http://schemas.microsoft.com/office/drawing/2014/main" id="{702660D4-5C08-4FC9-B5F9-92B2E32F1F54}"/>
+                <a16:creationId xmlns:a16="http://schemas.microsoft.com/office/drawing/2014/main" xmlns="" id="{702660D4-5C08-4FC9-B5F9-92B2E32F1F54}"/>
               </a:ext>
             </a:extLst>
           </p:cNvPr>
@@ -4670,7 +4670,7 @@
           <p:cNvPr id="15" name="Ovaal 14">
             <a:extLst>
               <a:ext uri="{FF2B5EF4-FFF2-40B4-BE49-F238E27FC236}">
-                <a16:creationId xmlns="" xmlns:a16="http://schemas.microsoft.com/office/drawing/2014/main" id="{6F886743-BD7C-498D-8470-3AFF63CE3A2E}"/>
+                <a16:creationId xmlns:a16="http://schemas.microsoft.com/office/drawing/2014/main" xmlns="" id="{6F886743-BD7C-498D-8470-3AFF63CE3A2E}"/>
               </a:ext>
             </a:extLst>
           </p:cNvPr>
@@ -4728,7 +4728,7 @@
           <p:cNvPr id="16" name="Ovaal 15">
             <a:extLst>
               <a:ext uri="{FF2B5EF4-FFF2-40B4-BE49-F238E27FC236}">
-                <a16:creationId xmlns="" xmlns:a16="http://schemas.microsoft.com/office/drawing/2014/main" id="{2800E1DF-3D08-42B9-9EA7-18A4D608B1AD}"/>
+                <a16:creationId xmlns:a16="http://schemas.microsoft.com/office/drawing/2014/main" xmlns="" id="{2800E1DF-3D08-42B9-9EA7-18A4D608B1AD}"/>
               </a:ext>
             </a:extLst>
           </p:cNvPr>
@@ -4786,7 +4786,7 @@
           <p:cNvPr id="18" name="Ovaal 17">
             <a:extLst>
               <a:ext uri="{FF2B5EF4-FFF2-40B4-BE49-F238E27FC236}">
-                <a16:creationId xmlns="" xmlns:a16="http://schemas.microsoft.com/office/drawing/2014/main" id="{71B22304-31D6-4B7A-9A07-E9729C3946DC}"/>
+                <a16:creationId xmlns:a16="http://schemas.microsoft.com/office/drawing/2014/main" xmlns="" id="{71B22304-31D6-4B7A-9A07-E9729C3946DC}"/>
               </a:ext>
             </a:extLst>
           </p:cNvPr>
@@ -4844,7 +4844,7 @@
           <p:cNvPr id="19" name="Ovaal 18">
             <a:extLst>
               <a:ext uri="{FF2B5EF4-FFF2-40B4-BE49-F238E27FC236}">
-                <a16:creationId xmlns="" xmlns:a16="http://schemas.microsoft.com/office/drawing/2014/main" id="{4CB9A837-B23B-40E2-B9FD-2ED58D3175F2}"/>
+                <a16:creationId xmlns:a16="http://schemas.microsoft.com/office/drawing/2014/main" xmlns="" id="{4CB9A837-B23B-40E2-B9FD-2ED58D3175F2}"/>
               </a:ext>
             </a:extLst>
           </p:cNvPr>
@@ -4902,7 +4902,7 @@
           <p:cNvPr id="20" name="Ovaal 19">
             <a:extLst>
               <a:ext uri="{FF2B5EF4-FFF2-40B4-BE49-F238E27FC236}">
-                <a16:creationId xmlns="" xmlns:a16="http://schemas.microsoft.com/office/drawing/2014/main" id="{356FEE7C-9D16-4FA9-AC43-61E03FD7F12E}"/>
+                <a16:creationId xmlns:a16="http://schemas.microsoft.com/office/drawing/2014/main" xmlns="" id="{356FEE7C-9D16-4FA9-AC43-61E03FD7F12E}"/>
               </a:ext>
             </a:extLst>
           </p:cNvPr>
@@ -4960,7 +4960,7 @@
           <p:cNvPr id="21" name="Ovaal 20">
             <a:extLst>
               <a:ext uri="{FF2B5EF4-FFF2-40B4-BE49-F238E27FC236}">
-                <a16:creationId xmlns="" xmlns:a16="http://schemas.microsoft.com/office/drawing/2014/main" id="{C7B6E4EE-D18E-4E99-90D9-8CD79FAB3E66}"/>
+                <a16:creationId xmlns:a16="http://schemas.microsoft.com/office/drawing/2014/main" xmlns="" id="{C7B6E4EE-D18E-4E99-90D9-8CD79FAB3E66}"/>
               </a:ext>
             </a:extLst>
           </p:cNvPr>
@@ -5018,7 +5018,7 @@
           <p:cNvPr id="22" name="Ovaal 21">
             <a:extLst>
               <a:ext uri="{FF2B5EF4-FFF2-40B4-BE49-F238E27FC236}">
-                <a16:creationId xmlns="" xmlns:a16="http://schemas.microsoft.com/office/drawing/2014/main" id="{57BEF406-0651-41E0-BE06-273B7CC97A2D}"/>
+                <a16:creationId xmlns:a16="http://schemas.microsoft.com/office/drawing/2014/main" xmlns="" id="{57BEF406-0651-41E0-BE06-273B7CC97A2D}"/>
               </a:ext>
             </a:extLst>
           </p:cNvPr>
@@ -5076,7 +5076,7 @@
           <p:cNvPr id="23" name="Rechte verbindingslijn 22">
             <a:extLst>
               <a:ext uri="{FF2B5EF4-FFF2-40B4-BE49-F238E27FC236}">
-                <a16:creationId xmlns="" xmlns:a16="http://schemas.microsoft.com/office/drawing/2014/main" id="{B6E9C7CF-D8FC-4A16-A854-58D00C6AFC36}"/>
+                <a16:creationId xmlns:a16="http://schemas.microsoft.com/office/drawing/2014/main" xmlns="" id="{B6E9C7CF-D8FC-4A16-A854-58D00C6AFC36}"/>
               </a:ext>
             </a:extLst>
           </p:cNvPr>
@@ -5124,7 +5124,7 @@
           <p:cNvPr id="24" name="Rechte verbindingslijn 23">
             <a:extLst>
               <a:ext uri="{FF2B5EF4-FFF2-40B4-BE49-F238E27FC236}">
-                <a16:creationId xmlns="" xmlns:a16="http://schemas.microsoft.com/office/drawing/2014/main" id="{1CFE56A8-8899-43BC-94FD-95028AD82001}"/>
+                <a16:creationId xmlns:a16="http://schemas.microsoft.com/office/drawing/2014/main" xmlns="" id="{1CFE56A8-8899-43BC-94FD-95028AD82001}"/>
               </a:ext>
             </a:extLst>
           </p:cNvPr>
@@ -5172,7 +5172,7 @@
           <p:cNvPr id="25" name="Rechte verbindingslijn 24">
             <a:extLst>
               <a:ext uri="{FF2B5EF4-FFF2-40B4-BE49-F238E27FC236}">
-                <a16:creationId xmlns="" xmlns:a16="http://schemas.microsoft.com/office/drawing/2014/main" id="{92F1B486-5D9E-425B-BA62-A39589D9C092}"/>
+                <a16:creationId xmlns:a16="http://schemas.microsoft.com/office/drawing/2014/main" xmlns="" id="{92F1B486-5D9E-425B-BA62-A39589D9C092}"/>
               </a:ext>
             </a:extLst>
           </p:cNvPr>
@@ -5220,7 +5220,7 @@
           <p:cNvPr id="26" name="Rechte verbindingslijn 25">
             <a:extLst>
               <a:ext uri="{FF2B5EF4-FFF2-40B4-BE49-F238E27FC236}">
-                <a16:creationId xmlns="" xmlns:a16="http://schemas.microsoft.com/office/drawing/2014/main" id="{0EAB71A3-52E1-49E7-852D-B0FD3CD4D1A7}"/>
+                <a16:creationId xmlns:a16="http://schemas.microsoft.com/office/drawing/2014/main" xmlns="" id="{0EAB71A3-52E1-49E7-852D-B0FD3CD4D1A7}"/>
               </a:ext>
             </a:extLst>
           </p:cNvPr>
@@ -5268,7 +5268,7 @@
           <p:cNvPr id="27" name="Rechte verbindingslijn 26">
             <a:extLst>
               <a:ext uri="{FF2B5EF4-FFF2-40B4-BE49-F238E27FC236}">
-                <a16:creationId xmlns="" xmlns:a16="http://schemas.microsoft.com/office/drawing/2014/main" id="{099DCD6D-B326-4DA6-8459-0A2EE91D83D5}"/>
+                <a16:creationId xmlns:a16="http://schemas.microsoft.com/office/drawing/2014/main" xmlns="" id="{099DCD6D-B326-4DA6-8459-0A2EE91D83D5}"/>
               </a:ext>
             </a:extLst>
           </p:cNvPr>
@@ -5316,7 +5316,7 @@
           <p:cNvPr id="28" name="Rechte verbindingslijn 27">
             <a:extLst>
               <a:ext uri="{FF2B5EF4-FFF2-40B4-BE49-F238E27FC236}">
-                <a16:creationId xmlns="" xmlns:a16="http://schemas.microsoft.com/office/drawing/2014/main" id="{8E4426DD-AC68-426C-8E72-53F5D4058FEB}"/>
+                <a16:creationId xmlns:a16="http://schemas.microsoft.com/office/drawing/2014/main" xmlns="" id="{8E4426DD-AC68-426C-8E72-53F5D4058FEB}"/>
               </a:ext>
             </a:extLst>
           </p:cNvPr>
@@ -5364,7 +5364,7 @@
           <p:cNvPr id="29" name="Rechte verbindingslijn 28">
             <a:extLst>
               <a:ext uri="{FF2B5EF4-FFF2-40B4-BE49-F238E27FC236}">
-                <a16:creationId xmlns="" xmlns:a16="http://schemas.microsoft.com/office/drawing/2014/main" id="{F8455A54-0906-419D-9641-930E0EF19620}"/>
+                <a16:creationId xmlns:a16="http://schemas.microsoft.com/office/drawing/2014/main" xmlns="" id="{F8455A54-0906-419D-9641-930E0EF19620}"/>
               </a:ext>
             </a:extLst>
           </p:cNvPr>
@@ -5412,7 +5412,7 @@
           <p:cNvPr id="30" name="Ovaal 29">
             <a:extLst>
               <a:ext uri="{FF2B5EF4-FFF2-40B4-BE49-F238E27FC236}">
-                <a16:creationId xmlns="" xmlns:a16="http://schemas.microsoft.com/office/drawing/2014/main" id="{2F8EA833-A5A7-481E-A4D1-98F4CE5A47F5}"/>
+                <a16:creationId xmlns:a16="http://schemas.microsoft.com/office/drawing/2014/main" xmlns="" id="{2F8EA833-A5A7-481E-A4D1-98F4CE5A47F5}"/>
               </a:ext>
             </a:extLst>
           </p:cNvPr>
@@ -5470,7 +5470,7 @@
           <p:cNvPr id="31" name="Ovaal 30">
             <a:extLst>
               <a:ext uri="{FF2B5EF4-FFF2-40B4-BE49-F238E27FC236}">
-                <a16:creationId xmlns="" xmlns:a16="http://schemas.microsoft.com/office/drawing/2014/main" id="{EF1B8A63-45C7-4477-83DA-C5F7FAE45190}"/>
+                <a16:creationId xmlns:a16="http://schemas.microsoft.com/office/drawing/2014/main" xmlns="" id="{EF1B8A63-45C7-4477-83DA-C5F7FAE45190}"/>
               </a:ext>
             </a:extLst>
           </p:cNvPr>
@@ -5528,7 +5528,7 @@
           <p:cNvPr id="32" name="Ovaal 31">
             <a:extLst>
               <a:ext uri="{FF2B5EF4-FFF2-40B4-BE49-F238E27FC236}">
-                <a16:creationId xmlns="" xmlns:a16="http://schemas.microsoft.com/office/drawing/2014/main" id="{0ACF7CC1-9BE7-4DD2-8236-579273166F0D}"/>
+                <a16:creationId xmlns:a16="http://schemas.microsoft.com/office/drawing/2014/main" xmlns="" id="{0ACF7CC1-9BE7-4DD2-8236-579273166F0D}"/>
               </a:ext>
             </a:extLst>
           </p:cNvPr>
@@ -5586,7 +5586,7 @@
           <p:cNvPr id="33" name="Ovaal 32">
             <a:extLst>
               <a:ext uri="{FF2B5EF4-FFF2-40B4-BE49-F238E27FC236}">
-                <a16:creationId xmlns="" xmlns:a16="http://schemas.microsoft.com/office/drawing/2014/main" id="{38A37D86-F49D-4015-9F89-0C5AA4F918E7}"/>
+                <a16:creationId xmlns:a16="http://schemas.microsoft.com/office/drawing/2014/main" xmlns="" id="{38A37D86-F49D-4015-9F89-0C5AA4F918E7}"/>
               </a:ext>
             </a:extLst>
           </p:cNvPr>
@@ -5644,7 +5644,7 @@
           <p:cNvPr id="34" name="Ovaal 33">
             <a:extLst>
               <a:ext uri="{FF2B5EF4-FFF2-40B4-BE49-F238E27FC236}">
-                <a16:creationId xmlns="" xmlns:a16="http://schemas.microsoft.com/office/drawing/2014/main" id="{068A416D-8303-4CF0-9F81-5305F8661921}"/>
+                <a16:creationId xmlns:a16="http://schemas.microsoft.com/office/drawing/2014/main" xmlns="" id="{068A416D-8303-4CF0-9F81-5305F8661921}"/>
               </a:ext>
             </a:extLst>
           </p:cNvPr>
@@ -5702,7 +5702,7 @@
           <p:cNvPr id="35" name="Ovaal 34">
             <a:extLst>
               <a:ext uri="{FF2B5EF4-FFF2-40B4-BE49-F238E27FC236}">
-                <a16:creationId xmlns="" xmlns:a16="http://schemas.microsoft.com/office/drawing/2014/main" id="{57886617-EF56-4B20-8554-D57A38AAFA65}"/>
+                <a16:creationId xmlns:a16="http://schemas.microsoft.com/office/drawing/2014/main" xmlns="" id="{57886617-EF56-4B20-8554-D57A38AAFA65}"/>
               </a:ext>
             </a:extLst>
           </p:cNvPr>
@@ -5760,7 +5760,7 @@
           <p:cNvPr id="36" name="Ovaal 35">
             <a:extLst>
               <a:ext uri="{FF2B5EF4-FFF2-40B4-BE49-F238E27FC236}">
-                <a16:creationId xmlns="" xmlns:a16="http://schemas.microsoft.com/office/drawing/2014/main" id="{F5B28146-4C85-4621-B9EA-F45F4586B369}"/>
+                <a16:creationId xmlns:a16="http://schemas.microsoft.com/office/drawing/2014/main" xmlns="" id="{F5B28146-4C85-4621-B9EA-F45F4586B369}"/>
               </a:ext>
             </a:extLst>
           </p:cNvPr>
@@ -5818,7 +5818,7 @@
           <p:cNvPr id="37" name="Ovaal 36">
             <a:extLst>
               <a:ext uri="{FF2B5EF4-FFF2-40B4-BE49-F238E27FC236}">
-                <a16:creationId xmlns="" xmlns:a16="http://schemas.microsoft.com/office/drawing/2014/main" id="{7C0671A0-0740-414E-92E7-AEF59EAC6288}"/>
+                <a16:creationId xmlns:a16="http://schemas.microsoft.com/office/drawing/2014/main" xmlns="" id="{7C0671A0-0740-414E-92E7-AEF59EAC6288}"/>
               </a:ext>
             </a:extLst>
           </p:cNvPr>
@@ -5876,7 +5876,7 @@
           <p:cNvPr id="38" name="Rechte verbindingslijn 37">
             <a:extLst>
               <a:ext uri="{FF2B5EF4-FFF2-40B4-BE49-F238E27FC236}">
-                <a16:creationId xmlns="" xmlns:a16="http://schemas.microsoft.com/office/drawing/2014/main" id="{33DE6DFE-6D57-47BA-BB6B-555F08E26DB9}"/>
+                <a16:creationId xmlns:a16="http://schemas.microsoft.com/office/drawing/2014/main" xmlns="" id="{33DE6DFE-6D57-47BA-BB6B-555F08E26DB9}"/>
               </a:ext>
             </a:extLst>
           </p:cNvPr>
@@ -5924,7 +5924,7 @@
           <p:cNvPr id="39" name="Rechte verbindingslijn 38">
             <a:extLst>
               <a:ext uri="{FF2B5EF4-FFF2-40B4-BE49-F238E27FC236}">
-                <a16:creationId xmlns="" xmlns:a16="http://schemas.microsoft.com/office/drawing/2014/main" id="{2DA35996-A73E-4F96-979F-9FF60EC2EA8E}"/>
+                <a16:creationId xmlns:a16="http://schemas.microsoft.com/office/drawing/2014/main" xmlns="" id="{2DA35996-A73E-4F96-979F-9FF60EC2EA8E}"/>
               </a:ext>
             </a:extLst>
           </p:cNvPr>
@@ -5972,7 +5972,7 @@
           <p:cNvPr id="40" name="Rechte verbindingslijn 39">
             <a:extLst>
               <a:ext uri="{FF2B5EF4-FFF2-40B4-BE49-F238E27FC236}">
-                <a16:creationId xmlns="" xmlns:a16="http://schemas.microsoft.com/office/drawing/2014/main" id="{A723C397-9B1B-4D91-BA47-50C5F66D3D89}"/>
+                <a16:creationId xmlns:a16="http://schemas.microsoft.com/office/drawing/2014/main" xmlns="" id="{A723C397-9B1B-4D91-BA47-50C5F66D3D89}"/>
               </a:ext>
             </a:extLst>
           </p:cNvPr>
@@ -6020,7 +6020,7 @@
           <p:cNvPr id="41" name="Rechte verbindingslijn 40">
             <a:extLst>
               <a:ext uri="{FF2B5EF4-FFF2-40B4-BE49-F238E27FC236}">
-                <a16:creationId xmlns="" xmlns:a16="http://schemas.microsoft.com/office/drawing/2014/main" id="{2F58A9CA-8BB1-4BB9-A296-F83FB5010BAE}"/>
+                <a16:creationId xmlns:a16="http://schemas.microsoft.com/office/drawing/2014/main" xmlns="" id="{2F58A9CA-8BB1-4BB9-A296-F83FB5010BAE}"/>
               </a:ext>
             </a:extLst>
           </p:cNvPr>
@@ -6068,7 +6068,7 @@
           <p:cNvPr id="42" name="Rechte verbindingslijn 41">
             <a:extLst>
               <a:ext uri="{FF2B5EF4-FFF2-40B4-BE49-F238E27FC236}">
-                <a16:creationId xmlns="" xmlns:a16="http://schemas.microsoft.com/office/drawing/2014/main" id="{959AEB00-BDDE-401D-A258-A1BC831BF286}"/>
+                <a16:creationId xmlns:a16="http://schemas.microsoft.com/office/drawing/2014/main" xmlns="" id="{959AEB00-BDDE-401D-A258-A1BC831BF286}"/>
               </a:ext>
             </a:extLst>
           </p:cNvPr>
@@ -6116,7 +6116,7 @@
           <p:cNvPr id="43" name="Rechte verbindingslijn 42">
             <a:extLst>
               <a:ext uri="{FF2B5EF4-FFF2-40B4-BE49-F238E27FC236}">
-                <a16:creationId xmlns="" xmlns:a16="http://schemas.microsoft.com/office/drawing/2014/main" id="{451D5B5E-F7CD-4D18-81B2-353312FBAE39}"/>
+                <a16:creationId xmlns:a16="http://schemas.microsoft.com/office/drawing/2014/main" xmlns="" id="{451D5B5E-F7CD-4D18-81B2-353312FBAE39}"/>
               </a:ext>
             </a:extLst>
           </p:cNvPr>
@@ -6164,7 +6164,7 @@
           <p:cNvPr id="44" name="Rechte verbindingslijn 43">
             <a:extLst>
               <a:ext uri="{FF2B5EF4-FFF2-40B4-BE49-F238E27FC236}">
-                <a16:creationId xmlns="" xmlns:a16="http://schemas.microsoft.com/office/drawing/2014/main" id="{0762CCB1-BCF4-4FA9-BBCF-2906073B5750}"/>
+                <a16:creationId xmlns:a16="http://schemas.microsoft.com/office/drawing/2014/main" xmlns="" id="{0762CCB1-BCF4-4FA9-BBCF-2906073B5750}"/>
               </a:ext>
             </a:extLst>
           </p:cNvPr>
@@ -6212,7 +6212,7 @@
           <p:cNvPr id="45" name="Rechte verbindingslijn 44">
             <a:extLst>
               <a:ext uri="{FF2B5EF4-FFF2-40B4-BE49-F238E27FC236}">
-                <a16:creationId xmlns="" xmlns:a16="http://schemas.microsoft.com/office/drawing/2014/main" id="{04763EFC-7EEF-4E93-9F5A-2BD209A331DC}"/>
+                <a16:creationId xmlns:a16="http://schemas.microsoft.com/office/drawing/2014/main" xmlns="" id="{04763EFC-7EEF-4E93-9F5A-2BD209A331DC}"/>
               </a:ext>
             </a:extLst>
           </p:cNvPr>
@@ -6290,7 +6290,7 @@
           <p:cNvPr id="2" name="Titel 1">
             <a:extLst>
               <a:ext uri="{FF2B5EF4-FFF2-40B4-BE49-F238E27FC236}">
-                <a16:creationId xmlns="" xmlns:a16="http://schemas.microsoft.com/office/drawing/2014/main" id="{769A96FB-BA26-47C0-85BC-9E5A44D94A65}"/>
+                <a16:creationId xmlns:a16="http://schemas.microsoft.com/office/drawing/2014/main" xmlns="" id="{769A96FB-BA26-47C0-85BC-9E5A44D94A65}"/>
               </a:ext>
             </a:extLst>
           </p:cNvPr>
@@ -6318,7 +6318,7 @@
           <p:cNvPr id="5" name="Tijdelijke aanduiding voor inhoud 4">
             <a:extLst>
               <a:ext uri="{FF2B5EF4-FFF2-40B4-BE49-F238E27FC236}">
-                <a16:creationId xmlns="" xmlns:a16="http://schemas.microsoft.com/office/drawing/2014/main" id="{82F9B9FE-1870-4902-A7DB-4B27D59D2B2B}"/>
+                <a16:creationId xmlns:a16="http://schemas.microsoft.com/office/drawing/2014/main" xmlns="" id="{82F9B9FE-1870-4902-A7DB-4B27D59D2B2B}"/>
               </a:ext>
             </a:extLst>
           </p:cNvPr>
@@ -6353,7 +6353,7 @@
           <p:cNvPr id="8" name="Afbeelding 7">
             <a:extLst>
               <a:ext uri="{FF2B5EF4-FFF2-40B4-BE49-F238E27FC236}">
-                <a16:creationId xmlns="" xmlns:a16="http://schemas.microsoft.com/office/drawing/2014/main" id="{819AAC82-0B32-4FA7-B311-90C90A003DAD}"/>
+                <a16:creationId xmlns:a16="http://schemas.microsoft.com/office/drawing/2014/main" xmlns="" id="{819AAC82-0B32-4FA7-B311-90C90A003DAD}"/>
               </a:ext>
             </a:extLst>
           </p:cNvPr>
@@ -6388,7 +6388,7 @@
           <p:cNvPr id="11" name="Pijl: rechts 10">
             <a:extLst>
               <a:ext uri="{FF2B5EF4-FFF2-40B4-BE49-F238E27FC236}">
-                <a16:creationId xmlns="" xmlns:a16="http://schemas.microsoft.com/office/drawing/2014/main" id="{C3B3C454-C61F-4642-AC5E-175E78B46E93}"/>
+                <a16:creationId xmlns:a16="http://schemas.microsoft.com/office/drawing/2014/main" xmlns="" id="{C3B3C454-C61F-4642-AC5E-175E78B46E93}"/>
               </a:ext>
             </a:extLst>
           </p:cNvPr>
@@ -6434,7 +6434,7 @@
           <p:cNvPr id="12" name="Tekstvak 11">
             <a:extLst>
               <a:ext uri="{FF2B5EF4-FFF2-40B4-BE49-F238E27FC236}">
-                <a16:creationId xmlns="" xmlns:a16="http://schemas.microsoft.com/office/drawing/2014/main" id="{1AF95B95-DF37-4511-BC26-2A337B82EADC}"/>
+                <a16:creationId xmlns:a16="http://schemas.microsoft.com/office/drawing/2014/main" xmlns="" id="{1AF95B95-DF37-4511-BC26-2A337B82EADC}"/>
               </a:ext>
             </a:extLst>
           </p:cNvPr>
@@ -6469,7 +6469,7 @@
           <p:cNvPr id="9" name="Afbeelding 8">
             <a:extLst>
               <a:ext uri="{FF2B5EF4-FFF2-40B4-BE49-F238E27FC236}">
-                <a16:creationId xmlns="" xmlns:a16="http://schemas.microsoft.com/office/drawing/2014/main" id="{1B858127-D2F6-4D2B-B5A9-94CF7612B179}"/>
+                <a16:creationId xmlns:a16="http://schemas.microsoft.com/office/drawing/2014/main" xmlns="" id="{1B858127-D2F6-4D2B-B5A9-94CF7612B179}"/>
               </a:ext>
             </a:extLst>
           </p:cNvPr>
@@ -6505,7 +6505,7 @@
           <p:cNvPr id="10" name="Pijl: rechts 9">
             <a:extLst>
               <a:ext uri="{FF2B5EF4-FFF2-40B4-BE49-F238E27FC236}">
-                <a16:creationId xmlns="" xmlns:a16="http://schemas.microsoft.com/office/drawing/2014/main" id="{13F3850F-71EA-4741-A182-94C4C2F636F5}"/>
+                <a16:creationId xmlns:a16="http://schemas.microsoft.com/office/drawing/2014/main" xmlns="" id="{13F3850F-71EA-4741-A182-94C4C2F636F5}"/>
               </a:ext>
             </a:extLst>
           </p:cNvPr>
@@ -6551,7 +6551,7 @@
           <p:cNvPr id="13" name="Tekstvak 12">
             <a:extLst>
               <a:ext uri="{FF2B5EF4-FFF2-40B4-BE49-F238E27FC236}">
-                <a16:creationId xmlns="" xmlns:a16="http://schemas.microsoft.com/office/drawing/2014/main" id="{44CABAE1-B325-4747-910E-7EDC7EDD7625}"/>
+                <a16:creationId xmlns:a16="http://schemas.microsoft.com/office/drawing/2014/main" xmlns="" id="{44CABAE1-B325-4747-910E-7EDC7EDD7625}"/>
               </a:ext>
             </a:extLst>
           </p:cNvPr>
@@ -6605,7 +6605,7 @@
           <p:cNvPr id="14" name="Afbeelding 13">
             <a:extLst>
               <a:ext uri="{FF2B5EF4-FFF2-40B4-BE49-F238E27FC236}">
-                <a16:creationId xmlns="" xmlns:a16="http://schemas.microsoft.com/office/drawing/2014/main" id="{F67612D4-1C0C-40D2-972D-04F12DDE0F60}"/>
+                <a16:creationId xmlns:a16="http://schemas.microsoft.com/office/drawing/2014/main" xmlns="" id="{F67612D4-1C0C-40D2-972D-04F12DDE0F60}"/>
               </a:ext>
             </a:extLst>
           </p:cNvPr>
@@ -6635,7 +6635,7 @@
           <p:cNvPr id="3" name="Tekstvak 2">
             <a:extLst>
               <a:ext uri="{FF2B5EF4-FFF2-40B4-BE49-F238E27FC236}">
-                <a16:creationId xmlns="" xmlns:a16="http://schemas.microsoft.com/office/drawing/2014/main" id="{C26579A7-5154-43F0-8824-0FAFC9CD4201}"/>
+                <a16:creationId xmlns:a16="http://schemas.microsoft.com/office/drawing/2014/main" xmlns="" id="{C26579A7-5154-43F0-8824-0FAFC9CD4201}"/>
               </a:ext>
             </a:extLst>
           </p:cNvPr>
@@ -6670,7 +6670,7 @@
           <p:cNvPr id="4" name="Tekstvak 3">
             <a:extLst>
               <a:ext uri="{FF2B5EF4-FFF2-40B4-BE49-F238E27FC236}">
-                <a16:creationId xmlns="" xmlns:a16="http://schemas.microsoft.com/office/drawing/2014/main" id="{1F03EA5B-9405-4FF2-A715-0E995B30C408}"/>
+                <a16:creationId xmlns:a16="http://schemas.microsoft.com/office/drawing/2014/main" xmlns="" id="{1F03EA5B-9405-4FF2-A715-0E995B30C408}"/>
               </a:ext>
             </a:extLst>
           </p:cNvPr>
@@ -6705,7 +6705,7 @@
           <p:cNvPr id="17" name="Rechte verbindingslijn met pijl 16">
             <a:extLst>
               <a:ext uri="{FF2B5EF4-FFF2-40B4-BE49-F238E27FC236}">
-                <a16:creationId xmlns="" xmlns:a16="http://schemas.microsoft.com/office/drawing/2014/main" id="{4354D81E-79D5-49F9-8B3E-FFC4DC3E61F5}"/>
+                <a16:creationId xmlns:a16="http://schemas.microsoft.com/office/drawing/2014/main" xmlns="" id="{4354D81E-79D5-49F9-8B3E-FFC4DC3E61F5}"/>
               </a:ext>
             </a:extLst>
           </p:cNvPr>
@@ -6776,7 +6776,7 @@
           <p:cNvPr id="2" name="Titel 1">
             <a:extLst>
               <a:ext uri="{FF2B5EF4-FFF2-40B4-BE49-F238E27FC236}">
-                <a16:creationId xmlns="" xmlns:a16="http://schemas.microsoft.com/office/drawing/2014/main" id="{769A96FB-BA26-47C0-85BC-9E5A44D94A65}"/>
+                <a16:creationId xmlns:a16="http://schemas.microsoft.com/office/drawing/2014/main" xmlns="" id="{769A96FB-BA26-47C0-85BC-9E5A44D94A65}"/>
               </a:ext>
             </a:extLst>
           </p:cNvPr>
@@ -6804,7 +6804,7 @@
           <p:cNvPr id="5" name="Tijdelijke aanduiding voor inhoud 4">
             <a:extLst>
               <a:ext uri="{FF2B5EF4-FFF2-40B4-BE49-F238E27FC236}">
-                <a16:creationId xmlns="" xmlns:a16="http://schemas.microsoft.com/office/drawing/2014/main" id="{82F9B9FE-1870-4902-A7DB-4B27D59D2B2B}"/>
+                <a16:creationId xmlns:a16="http://schemas.microsoft.com/office/drawing/2014/main" xmlns="" id="{82F9B9FE-1870-4902-A7DB-4B27D59D2B2B}"/>
               </a:ext>
             </a:extLst>
           </p:cNvPr>
@@ -6839,7 +6839,7 @@
           <p:cNvPr id="6" name="Tekstvak 5">
             <a:extLst>
               <a:ext uri="{FF2B5EF4-FFF2-40B4-BE49-F238E27FC236}">
-                <a16:creationId xmlns="" xmlns:a16="http://schemas.microsoft.com/office/drawing/2014/main" id="{D8F2D3D1-1FE8-4AA0-B6C8-D7E88097CE04}"/>
+                <a16:creationId xmlns:a16="http://schemas.microsoft.com/office/drawing/2014/main" xmlns="" id="{D8F2D3D1-1FE8-4AA0-B6C8-D7E88097CE04}"/>
               </a:ext>
             </a:extLst>
           </p:cNvPr>
@@ -6875,7 +6875,7 @@
           <p:cNvPr id="8" name="Afbeelding 7">
             <a:extLst>
               <a:ext uri="{FF2B5EF4-FFF2-40B4-BE49-F238E27FC236}">
-                <a16:creationId xmlns="" xmlns:a16="http://schemas.microsoft.com/office/drawing/2014/main" id="{819AAC82-0B32-4FA7-B311-90C90A003DAD}"/>
+                <a16:creationId xmlns:a16="http://schemas.microsoft.com/office/drawing/2014/main" xmlns="" id="{819AAC82-0B32-4FA7-B311-90C90A003DAD}"/>
               </a:ext>
             </a:extLst>
           </p:cNvPr>
@@ -6910,7 +6910,7 @@
           <p:cNvPr id="11" name="Pijl: rechts 10">
             <a:extLst>
               <a:ext uri="{FF2B5EF4-FFF2-40B4-BE49-F238E27FC236}">
-                <a16:creationId xmlns="" xmlns:a16="http://schemas.microsoft.com/office/drawing/2014/main" id="{C3B3C454-C61F-4642-AC5E-175E78B46E93}"/>
+                <a16:creationId xmlns:a16="http://schemas.microsoft.com/office/drawing/2014/main" xmlns="" id="{C3B3C454-C61F-4642-AC5E-175E78B46E93}"/>
               </a:ext>
             </a:extLst>
           </p:cNvPr>
@@ -6956,7 +6956,7 @@
           <p:cNvPr id="12" name="Tekstvak 11">
             <a:extLst>
               <a:ext uri="{FF2B5EF4-FFF2-40B4-BE49-F238E27FC236}">
-                <a16:creationId xmlns="" xmlns:a16="http://schemas.microsoft.com/office/drawing/2014/main" id="{1AF95B95-DF37-4511-BC26-2A337B82EADC}"/>
+                <a16:creationId xmlns:a16="http://schemas.microsoft.com/office/drawing/2014/main" xmlns="" id="{1AF95B95-DF37-4511-BC26-2A337B82EADC}"/>
               </a:ext>
             </a:extLst>
           </p:cNvPr>
@@ -6991,7 +6991,7 @@
           <p:cNvPr id="9" name="Afbeelding 8">
             <a:extLst>
               <a:ext uri="{FF2B5EF4-FFF2-40B4-BE49-F238E27FC236}">
-                <a16:creationId xmlns="" xmlns:a16="http://schemas.microsoft.com/office/drawing/2014/main" id="{1B858127-D2F6-4D2B-B5A9-94CF7612B179}"/>
+                <a16:creationId xmlns:a16="http://schemas.microsoft.com/office/drawing/2014/main" xmlns="" id="{1B858127-D2F6-4D2B-B5A9-94CF7612B179}"/>
               </a:ext>
             </a:extLst>
           </p:cNvPr>
@@ -7027,7 +7027,7 @@
           <p:cNvPr id="10" name="Pijl: rechts 9">
             <a:extLst>
               <a:ext uri="{FF2B5EF4-FFF2-40B4-BE49-F238E27FC236}">
-                <a16:creationId xmlns="" xmlns:a16="http://schemas.microsoft.com/office/drawing/2014/main" id="{13F3850F-71EA-4741-A182-94C4C2F636F5}"/>
+                <a16:creationId xmlns:a16="http://schemas.microsoft.com/office/drawing/2014/main" xmlns="" id="{13F3850F-71EA-4741-A182-94C4C2F636F5}"/>
               </a:ext>
             </a:extLst>
           </p:cNvPr>
@@ -7073,7 +7073,7 @@
           <p:cNvPr id="13" name="Tekstvak 12">
             <a:extLst>
               <a:ext uri="{FF2B5EF4-FFF2-40B4-BE49-F238E27FC236}">
-                <a16:creationId xmlns="" xmlns:a16="http://schemas.microsoft.com/office/drawing/2014/main" id="{44CABAE1-B325-4747-910E-7EDC7EDD7625}"/>
+                <a16:creationId xmlns:a16="http://schemas.microsoft.com/office/drawing/2014/main" xmlns="" id="{44CABAE1-B325-4747-910E-7EDC7EDD7625}"/>
               </a:ext>
             </a:extLst>
           </p:cNvPr>
@@ -7157,7 +7157,7 @@
           <p:cNvPr id="2" name="Titel 1">
             <a:extLst>
               <a:ext uri="{FF2B5EF4-FFF2-40B4-BE49-F238E27FC236}">
-                <a16:creationId xmlns="" xmlns:a16="http://schemas.microsoft.com/office/drawing/2014/main" id="{769A96FB-BA26-47C0-85BC-9E5A44D94A65}"/>
+                <a16:creationId xmlns:a16="http://schemas.microsoft.com/office/drawing/2014/main" xmlns="" id="{769A96FB-BA26-47C0-85BC-9E5A44D94A65}"/>
               </a:ext>
             </a:extLst>
           </p:cNvPr>
@@ -7185,7 +7185,7 @@
           <p:cNvPr id="5" name="Tijdelijke aanduiding voor inhoud 4">
             <a:extLst>
               <a:ext uri="{FF2B5EF4-FFF2-40B4-BE49-F238E27FC236}">
-                <a16:creationId xmlns="" xmlns:a16="http://schemas.microsoft.com/office/drawing/2014/main" id="{82F9B9FE-1870-4902-A7DB-4B27D59D2B2B}"/>
+                <a16:creationId xmlns:a16="http://schemas.microsoft.com/office/drawing/2014/main" xmlns="" id="{82F9B9FE-1870-4902-A7DB-4B27D59D2B2B}"/>
               </a:ext>
             </a:extLst>
           </p:cNvPr>
@@ -7220,7 +7220,7 @@
           <p:cNvPr id="6" name="Tekstvak 5">
             <a:extLst>
               <a:ext uri="{FF2B5EF4-FFF2-40B4-BE49-F238E27FC236}">
-                <a16:creationId xmlns="" xmlns:a16="http://schemas.microsoft.com/office/drawing/2014/main" id="{D8F2D3D1-1FE8-4AA0-B6C8-D7E88097CE04}"/>
+                <a16:creationId xmlns:a16="http://schemas.microsoft.com/office/drawing/2014/main" xmlns="" id="{D8F2D3D1-1FE8-4AA0-B6C8-D7E88097CE04}"/>
               </a:ext>
             </a:extLst>
           </p:cNvPr>
@@ -7256,7 +7256,7 @@
           <p:cNvPr id="11" name="Pijl: rechts 10">
             <a:extLst>
               <a:ext uri="{FF2B5EF4-FFF2-40B4-BE49-F238E27FC236}">
-                <a16:creationId xmlns="" xmlns:a16="http://schemas.microsoft.com/office/drawing/2014/main" id="{C3B3C454-C61F-4642-AC5E-175E78B46E93}"/>
+                <a16:creationId xmlns:a16="http://schemas.microsoft.com/office/drawing/2014/main" xmlns="" id="{C3B3C454-C61F-4642-AC5E-175E78B46E93}"/>
               </a:ext>
             </a:extLst>
           </p:cNvPr>
@@ -7302,7 +7302,7 @@
           <p:cNvPr id="9" name="Afbeelding 8">
             <a:extLst>
               <a:ext uri="{FF2B5EF4-FFF2-40B4-BE49-F238E27FC236}">
-                <a16:creationId xmlns="" xmlns:a16="http://schemas.microsoft.com/office/drawing/2014/main" id="{1B858127-D2F6-4D2B-B5A9-94CF7612B179}"/>
+                <a16:creationId xmlns:a16="http://schemas.microsoft.com/office/drawing/2014/main" xmlns="" id="{1B858127-D2F6-4D2B-B5A9-94CF7612B179}"/>
               </a:ext>
             </a:extLst>
           </p:cNvPr>
@@ -7338,7 +7338,7 @@
           <p:cNvPr id="1026" name="Picture 2" descr="Afbeeldingsresultaat voor folding amino acid chain">
             <a:extLst>
               <a:ext uri="{FF2B5EF4-FFF2-40B4-BE49-F238E27FC236}">
-                <a16:creationId xmlns="" xmlns:a16="http://schemas.microsoft.com/office/drawing/2014/main" id="{4C76A64E-2EE4-4BB7-B0FD-D1286AD1BF49}"/>
+                <a16:creationId xmlns:a16="http://schemas.microsoft.com/office/drawing/2014/main" xmlns="" id="{4C76A64E-2EE4-4BB7-B0FD-D1286AD1BF49}"/>
               </a:ext>
             </a:extLst>
           </p:cNvPr>
@@ -7385,7 +7385,7 @@
           <p:cNvPr id="14" name="Pijl: rechts 13">
             <a:extLst>
               <a:ext uri="{FF2B5EF4-FFF2-40B4-BE49-F238E27FC236}">
-                <a16:creationId xmlns="" xmlns:a16="http://schemas.microsoft.com/office/drawing/2014/main" id="{464F7A90-0AA5-4588-87E2-01191833DB40}"/>
+                <a16:creationId xmlns:a16="http://schemas.microsoft.com/office/drawing/2014/main" xmlns="" id="{464F7A90-0AA5-4588-87E2-01191833DB40}"/>
               </a:ext>
             </a:extLst>
           </p:cNvPr>
@@ -7431,7 +7431,7 @@
           <p:cNvPr id="16" name="Tekstvak 15">
             <a:extLst>
               <a:ext uri="{FF2B5EF4-FFF2-40B4-BE49-F238E27FC236}">
-                <a16:creationId xmlns="" xmlns:a16="http://schemas.microsoft.com/office/drawing/2014/main" id="{5259B865-E3E3-4845-B5A4-969B8A954695}"/>
+                <a16:creationId xmlns:a16="http://schemas.microsoft.com/office/drawing/2014/main" xmlns="" id="{5259B865-E3E3-4845-B5A4-969B8A954695}"/>
               </a:ext>
             </a:extLst>
           </p:cNvPr>
@@ -7515,7 +7515,7 @@
           <p:cNvPr id="2" name="Titel 1">
             <a:extLst>
               <a:ext uri="{FF2B5EF4-FFF2-40B4-BE49-F238E27FC236}">
-                <a16:creationId xmlns="" xmlns:a16="http://schemas.microsoft.com/office/drawing/2014/main" id="{769A96FB-BA26-47C0-85BC-9E5A44D94A65}"/>
+                <a16:creationId xmlns:a16="http://schemas.microsoft.com/office/drawing/2014/main" xmlns="" id="{769A96FB-BA26-47C0-85BC-9E5A44D94A65}"/>
               </a:ext>
             </a:extLst>
           </p:cNvPr>
@@ -7543,7 +7543,7 @@
           <p:cNvPr id="5" name="Tijdelijke aanduiding voor inhoud 4">
             <a:extLst>
               <a:ext uri="{FF2B5EF4-FFF2-40B4-BE49-F238E27FC236}">
-                <a16:creationId xmlns="" xmlns:a16="http://schemas.microsoft.com/office/drawing/2014/main" id="{82F9B9FE-1870-4902-A7DB-4B27D59D2B2B}"/>
+                <a16:creationId xmlns:a16="http://schemas.microsoft.com/office/drawing/2014/main" xmlns="" id="{82F9B9FE-1870-4902-A7DB-4B27D59D2B2B}"/>
               </a:ext>
             </a:extLst>
           </p:cNvPr>
@@ -7578,7 +7578,7 @@
           <p:cNvPr id="6" name="Tekstvak 5">
             <a:extLst>
               <a:ext uri="{FF2B5EF4-FFF2-40B4-BE49-F238E27FC236}">
-                <a16:creationId xmlns="" xmlns:a16="http://schemas.microsoft.com/office/drawing/2014/main" id="{D8F2D3D1-1FE8-4AA0-B6C8-D7E88097CE04}"/>
+                <a16:creationId xmlns:a16="http://schemas.microsoft.com/office/drawing/2014/main" xmlns="" id="{D8F2D3D1-1FE8-4AA0-B6C8-D7E88097CE04}"/>
               </a:ext>
             </a:extLst>
           </p:cNvPr>
@@ -7614,7 +7614,7 @@
           <p:cNvPr id="8" name="Afbeelding 7">
             <a:extLst>
               <a:ext uri="{FF2B5EF4-FFF2-40B4-BE49-F238E27FC236}">
-                <a16:creationId xmlns="" xmlns:a16="http://schemas.microsoft.com/office/drawing/2014/main" id="{819AAC82-0B32-4FA7-B311-90C90A003DAD}"/>
+                <a16:creationId xmlns:a16="http://schemas.microsoft.com/office/drawing/2014/main" xmlns="" id="{819AAC82-0B32-4FA7-B311-90C90A003DAD}"/>
               </a:ext>
             </a:extLst>
           </p:cNvPr>
@@ -7649,7 +7649,7 @@
           <p:cNvPr id="11" name="Pijl: rechts 10">
             <a:extLst>
               <a:ext uri="{FF2B5EF4-FFF2-40B4-BE49-F238E27FC236}">
-                <a16:creationId xmlns="" xmlns:a16="http://schemas.microsoft.com/office/drawing/2014/main" id="{C3B3C454-C61F-4642-AC5E-175E78B46E93}"/>
+                <a16:creationId xmlns:a16="http://schemas.microsoft.com/office/drawing/2014/main" xmlns="" id="{C3B3C454-C61F-4642-AC5E-175E78B46E93}"/>
               </a:ext>
             </a:extLst>
           </p:cNvPr>
@@ -7695,7 +7695,7 @@
           <p:cNvPr id="12" name="Tekstvak 11">
             <a:extLst>
               <a:ext uri="{FF2B5EF4-FFF2-40B4-BE49-F238E27FC236}">
-                <a16:creationId xmlns="" xmlns:a16="http://schemas.microsoft.com/office/drawing/2014/main" id="{1AF95B95-DF37-4511-BC26-2A337B82EADC}"/>
+                <a16:creationId xmlns:a16="http://schemas.microsoft.com/office/drawing/2014/main" xmlns="" id="{1AF95B95-DF37-4511-BC26-2A337B82EADC}"/>
               </a:ext>
             </a:extLst>
           </p:cNvPr>
@@ -7730,7 +7730,7 @@
           <p:cNvPr id="9" name="Afbeelding 8">
             <a:extLst>
               <a:ext uri="{FF2B5EF4-FFF2-40B4-BE49-F238E27FC236}">
-                <a16:creationId xmlns="" xmlns:a16="http://schemas.microsoft.com/office/drawing/2014/main" id="{1B858127-D2F6-4D2B-B5A9-94CF7612B179}"/>
+                <a16:creationId xmlns:a16="http://schemas.microsoft.com/office/drawing/2014/main" xmlns="" id="{1B858127-D2F6-4D2B-B5A9-94CF7612B179}"/>
               </a:ext>
             </a:extLst>
           </p:cNvPr>
@@ -7766,7 +7766,7 @@
           <p:cNvPr id="10" name="Pijl: rechts 9">
             <a:extLst>
               <a:ext uri="{FF2B5EF4-FFF2-40B4-BE49-F238E27FC236}">
-                <a16:creationId xmlns="" xmlns:a16="http://schemas.microsoft.com/office/drawing/2014/main" id="{13F3850F-71EA-4741-A182-94C4C2F636F5}"/>
+                <a16:creationId xmlns:a16="http://schemas.microsoft.com/office/drawing/2014/main" xmlns="" id="{13F3850F-71EA-4741-A182-94C4C2F636F5}"/>
               </a:ext>
             </a:extLst>
           </p:cNvPr>
@@ -7812,7 +7812,7 @@
           <p:cNvPr id="3" name="Ovaal 2">
             <a:extLst>
               <a:ext uri="{FF2B5EF4-FFF2-40B4-BE49-F238E27FC236}">
-                <a16:creationId xmlns="" xmlns:a16="http://schemas.microsoft.com/office/drawing/2014/main" id="{19B9F891-8EF8-44F6-B6ED-BB2422D771A3}"/>
+                <a16:creationId xmlns:a16="http://schemas.microsoft.com/office/drawing/2014/main" xmlns="" id="{19B9F891-8EF8-44F6-B6ED-BB2422D771A3}"/>
               </a:ext>
             </a:extLst>
           </p:cNvPr>
@@ -7861,7 +7861,7 @@
           <p:cNvPr id="13" name="Ovaal 12">
             <a:extLst>
               <a:ext uri="{FF2B5EF4-FFF2-40B4-BE49-F238E27FC236}">
-                <a16:creationId xmlns="" xmlns:a16="http://schemas.microsoft.com/office/drawing/2014/main" id="{24DD1F6E-573A-4E2D-8811-591CE94E629B}"/>
+                <a16:creationId xmlns:a16="http://schemas.microsoft.com/office/drawing/2014/main" xmlns="" id="{24DD1F6E-573A-4E2D-8811-591CE94E629B}"/>
               </a:ext>
             </a:extLst>
           </p:cNvPr>
@@ -7910,7 +7910,7 @@
           <p:cNvPr id="7" name="Rechte verbindingslijn met pijl 6">
             <a:extLst>
               <a:ext uri="{FF2B5EF4-FFF2-40B4-BE49-F238E27FC236}">
-                <a16:creationId xmlns="" xmlns:a16="http://schemas.microsoft.com/office/drawing/2014/main" id="{D5C82334-4E2E-4051-961A-F679B07C4F1F}"/>
+                <a16:creationId xmlns:a16="http://schemas.microsoft.com/office/drawing/2014/main" xmlns="" id="{D5C82334-4E2E-4051-961A-F679B07C4F1F}"/>
               </a:ext>
             </a:extLst>
           </p:cNvPr>
@@ -7952,7 +7952,7 @@
           <p:cNvPr id="16" name="Rechte verbindingslijn met pijl 15">
             <a:extLst>
               <a:ext uri="{FF2B5EF4-FFF2-40B4-BE49-F238E27FC236}">
-                <a16:creationId xmlns="" xmlns:a16="http://schemas.microsoft.com/office/drawing/2014/main" id="{705EA1F6-DA7E-4475-8576-E76A7C126F12}"/>
+                <a16:creationId xmlns:a16="http://schemas.microsoft.com/office/drawing/2014/main" xmlns="" id="{705EA1F6-DA7E-4475-8576-E76A7C126F12}"/>
               </a:ext>
             </a:extLst>
           </p:cNvPr>
@@ -7994,7 +7994,7 @@
           <p:cNvPr id="14" name="Tekstvak 13">
             <a:extLst>
               <a:ext uri="{FF2B5EF4-FFF2-40B4-BE49-F238E27FC236}">
-                <a16:creationId xmlns="" xmlns:a16="http://schemas.microsoft.com/office/drawing/2014/main" id="{89AB4660-209E-47BF-9FC1-0865745945A5}"/>
+                <a16:creationId xmlns:a16="http://schemas.microsoft.com/office/drawing/2014/main" xmlns="" id="{89AB4660-209E-47BF-9FC1-0865745945A5}"/>
               </a:ext>
             </a:extLst>
           </p:cNvPr>
@@ -8078,7 +8078,7 @@
           <p:cNvPr id="2" name="Titel 1">
             <a:extLst>
               <a:ext uri="{FF2B5EF4-FFF2-40B4-BE49-F238E27FC236}">
-                <a16:creationId xmlns="" xmlns:a16="http://schemas.microsoft.com/office/drawing/2014/main" id="{28AC7F7A-EB5E-48A2-A178-02E17BA194BE}"/>
+                <a16:creationId xmlns:a16="http://schemas.microsoft.com/office/drawing/2014/main" xmlns="" id="{28AC7F7A-EB5E-48A2-A178-02E17BA194BE}"/>
               </a:ext>
             </a:extLst>
           </p:cNvPr>
@@ -8123,7 +8123,7 @@
           <p:cNvPr id="4" name="Tijdelijke aanduiding voor inhoud 3">
             <a:extLst>
               <a:ext uri="{FF2B5EF4-FFF2-40B4-BE49-F238E27FC236}">
-                <a16:creationId xmlns="" xmlns:a16="http://schemas.microsoft.com/office/drawing/2014/main" id="{12A0C32B-A310-4B27-B6D9-73509A425B75}"/>
+                <a16:creationId xmlns:a16="http://schemas.microsoft.com/office/drawing/2014/main" xmlns="" id="{12A0C32B-A310-4B27-B6D9-73509A425B75}"/>
               </a:ext>
             </a:extLst>
           </p:cNvPr>
@@ -8154,7 +8154,7 @@
           <p:cNvPr id="5" name="Tekstvak 4">
             <a:extLst>
               <a:ext uri="{FF2B5EF4-FFF2-40B4-BE49-F238E27FC236}">
-                <a16:creationId xmlns="" xmlns:a16="http://schemas.microsoft.com/office/drawing/2014/main" id="{B862B65A-08A6-41EE-A49A-029A5CEB3C9A}"/>
+                <a16:creationId xmlns:a16="http://schemas.microsoft.com/office/drawing/2014/main" xmlns="" id="{B862B65A-08A6-41EE-A49A-029A5CEB3C9A}"/>
               </a:ext>
             </a:extLst>
           </p:cNvPr>
@@ -8363,7 +8363,7 @@
           <p:cNvPr id="4" name="Tekstvak 3">
             <a:extLst>
               <a:ext uri="{FF2B5EF4-FFF2-40B4-BE49-F238E27FC236}">
-                <a16:creationId xmlns="" xmlns:a16="http://schemas.microsoft.com/office/drawing/2014/main" id="{99709D4B-4D71-4400-8214-1D7EB5722A0D}"/>
+                <a16:creationId xmlns:a16="http://schemas.microsoft.com/office/drawing/2014/main" xmlns="" id="{99709D4B-4D71-4400-8214-1D7EB5722A0D}"/>
               </a:ext>
             </a:extLst>
           </p:cNvPr>
@@ -8489,14 +8489,14 @@
                 <a:gridCol w="2497959">
                   <a:extLst>
                     <a:ext uri="{9D8B030D-6E8A-4147-A177-3AD203B41FA5}">
-                      <a16:colId xmlns="" xmlns:a16="http://schemas.microsoft.com/office/drawing/2014/main" val="20000"/>
+                      <a16:colId xmlns:a16="http://schemas.microsoft.com/office/drawing/2014/main" xmlns="" val="20000"/>
                     </a:ext>
                   </a:extLst>
                 </a:gridCol>
                 <a:gridCol w="7998373">
                   <a:extLst>
                     <a:ext uri="{9D8B030D-6E8A-4147-A177-3AD203B41FA5}">
-                      <a16:colId xmlns="" xmlns:a16="http://schemas.microsoft.com/office/drawing/2014/main" val="20001"/>
+                      <a16:colId xmlns:a16="http://schemas.microsoft.com/office/drawing/2014/main" xmlns="" val="20001"/>
                     </a:ext>
                   </a:extLst>
                 </a:gridCol>
@@ -8532,7 +8532,7 @@
                 </a:tc>
                 <a:extLst>
                   <a:ext uri="{0D108BD9-81ED-4DB2-BD59-A6C34878D82A}">
-                    <a16:rowId xmlns="" xmlns:a16="http://schemas.microsoft.com/office/drawing/2014/main" val="10000"/>
+                    <a16:rowId xmlns:a16="http://schemas.microsoft.com/office/drawing/2014/main" xmlns="" val="10000"/>
                   </a:ext>
                 </a:extLst>
               </a:tr>
@@ -8633,7 +8633,7 @@
                 </a:tc>
                 <a:extLst>
                   <a:ext uri="{0D108BD9-81ED-4DB2-BD59-A6C34878D82A}">
-                    <a16:rowId xmlns="" xmlns:a16="http://schemas.microsoft.com/office/drawing/2014/main" val="10001"/>
+                    <a16:rowId xmlns:a16="http://schemas.microsoft.com/office/drawing/2014/main" xmlns="" val="10001"/>
                   </a:ext>
                 </a:extLst>
               </a:tr>
@@ -8782,7 +8782,7 @@
                 </a:tc>
                 <a:extLst>
                   <a:ext uri="{0D108BD9-81ED-4DB2-BD59-A6C34878D82A}">
-                    <a16:rowId xmlns="" xmlns:a16="http://schemas.microsoft.com/office/drawing/2014/main" val="10002"/>
+                    <a16:rowId xmlns:a16="http://schemas.microsoft.com/office/drawing/2014/main" xmlns="" val="10002"/>
                   </a:ext>
                 </a:extLst>
               </a:tr>
@@ -8915,7 +8915,7 @@
                 </a:tc>
                 <a:extLst>
                   <a:ext uri="{0D108BD9-81ED-4DB2-BD59-A6C34878D82A}">
-                    <a16:rowId xmlns="" xmlns:a16="http://schemas.microsoft.com/office/drawing/2014/main" val="10003"/>
+                    <a16:rowId xmlns:a16="http://schemas.microsoft.com/office/drawing/2014/main" xmlns="" val="10003"/>
                   </a:ext>
                 </a:extLst>
               </a:tr>
@@ -9192,7 +9192,7 @@
                 </a:tc>
                 <a:extLst>
                   <a:ext uri="{0D108BD9-81ED-4DB2-BD59-A6C34878D82A}">
-                    <a16:rowId xmlns="" xmlns:a16="http://schemas.microsoft.com/office/drawing/2014/main" val="10004"/>
+                    <a16:rowId xmlns:a16="http://schemas.microsoft.com/office/drawing/2014/main" xmlns="" val="10004"/>
                   </a:ext>
                 </a:extLst>
               </a:tr>
@@ -9205,7 +9205,7 @@
           <p:cNvPr id="5" name="Tekstvak 12">
             <a:extLst>
               <a:ext uri="{FF2B5EF4-FFF2-40B4-BE49-F238E27FC236}">
-                <a16:creationId xmlns="" xmlns:a16="http://schemas.microsoft.com/office/drawing/2014/main" id="{44CABAE1-B325-4747-910E-7EDC7EDD7625}"/>
+                <a16:creationId xmlns:a16="http://schemas.microsoft.com/office/drawing/2014/main" xmlns="" id="{44CABAE1-B325-4747-910E-7EDC7EDD7625}"/>
               </a:ext>
             </a:extLst>
           </p:cNvPr>
@@ -9358,21 +9358,21 @@
                 <a:gridCol w="7080469">
                   <a:extLst>
                     <a:ext uri="{9D8B030D-6E8A-4147-A177-3AD203B41FA5}">
-                      <a16:colId xmlns="" xmlns:a16="http://schemas.microsoft.com/office/drawing/2014/main" val="20000"/>
+                      <a16:colId xmlns:a16="http://schemas.microsoft.com/office/drawing/2014/main" xmlns="" val="20000"/>
                     </a:ext>
                   </a:extLst>
                 </a:gridCol>
                 <a:gridCol w="1902372">
                   <a:extLst>
                     <a:ext uri="{9D8B030D-6E8A-4147-A177-3AD203B41FA5}">
-                      <a16:colId xmlns="" xmlns:a16="http://schemas.microsoft.com/office/drawing/2014/main" val="20001"/>
+                      <a16:colId xmlns:a16="http://schemas.microsoft.com/office/drawing/2014/main" xmlns="" val="20001"/>
                     </a:ext>
                   </a:extLst>
                 </a:gridCol>
                 <a:gridCol w="1912883">
                   <a:extLst>
                     <a:ext uri="{9D8B030D-6E8A-4147-A177-3AD203B41FA5}">
-                      <a16:colId xmlns="" xmlns:a16="http://schemas.microsoft.com/office/drawing/2014/main" val="20002"/>
+                      <a16:colId xmlns:a16="http://schemas.microsoft.com/office/drawing/2014/main" xmlns="" val="20002"/>
                     </a:ext>
                   </a:extLst>
                 </a:gridCol>
@@ -9420,7 +9420,7 @@
                 </a:tc>
                 <a:extLst>
                   <a:ext uri="{0D108BD9-81ED-4DB2-BD59-A6C34878D82A}">
-                    <a16:rowId xmlns="" xmlns:a16="http://schemas.microsoft.com/office/drawing/2014/main" val="10000"/>
+                    <a16:rowId xmlns:a16="http://schemas.microsoft.com/office/drawing/2014/main" xmlns="" val="10000"/>
                   </a:ext>
                 </a:extLst>
               </a:tr>
@@ -9555,7 +9555,7 @@
                 </a:tc>
                 <a:extLst>
                   <a:ext uri="{0D108BD9-81ED-4DB2-BD59-A6C34878D82A}">
-                    <a16:rowId xmlns="" xmlns:a16="http://schemas.microsoft.com/office/drawing/2014/main" val="10001"/>
+                    <a16:rowId xmlns:a16="http://schemas.microsoft.com/office/drawing/2014/main" xmlns="" val="10001"/>
                   </a:ext>
                 </a:extLst>
               </a:tr>
@@ -9738,7 +9738,7 @@
                 </a:tc>
                 <a:extLst>
                   <a:ext uri="{0D108BD9-81ED-4DB2-BD59-A6C34878D82A}">
-                    <a16:rowId xmlns="" xmlns:a16="http://schemas.microsoft.com/office/drawing/2014/main" val="10002"/>
+                    <a16:rowId xmlns:a16="http://schemas.microsoft.com/office/drawing/2014/main" xmlns="" val="10002"/>
                   </a:ext>
                 </a:extLst>
               </a:tr>
@@ -9901,7 +9901,7 @@
                 </a:tc>
                 <a:extLst>
                   <a:ext uri="{0D108BD9-81ED-4DB2-BD59-A6C34878D82A}">
-                    <a16:rowId xmlns="" xmlns:a16="http://schemas.microsoft.com/office/drawing/2014/main" val="10003"/>
+                    <a16:rowId xmlns:a16="http://schemas.microsoft.com/office/drawing/2014/main" xmlns="" val="10003"/>
                   </a:ext>
                 </a:extLst>
               </a:tr>
@@ -10208,7 +10208,7 @@
                 </a:tc>
                 <a:extLst>
                   <a:ext uri="{0D108BD9-81ED-4DB2-BD59-A6C34878D82A}">
-                    <a16:rowId xmlns="" xmlns:a16="http://schemas.microsoft.com/office/drawing/2014/main" val="10004"/>
+                    <a16:rowId xmlns:a16="http://schemas.microsoft.com/office/drawing/2014/main" xmlns="" val="10004"/>
                   </a:ext>
                 </a:extLst>
               </a:tr>
@@ -10221,7 +10221,7 @@
           <p:cNvPr id="5" name="Tekstvak 12">
             <a:extLst>
               <a:ext uri="{FF2B5EF4-FFF2-40B4-BE49-F238E27FC236}">
-                <a16:creationId xmlns="" xmlns:a16="http://schemas.microsoft.com/office/drawing/2014/main" id="{44CABAE1-B325-4747-910E-7EDC7EDD7625}"/>
+                <a16:creationId xmlns:a16="http://schemas.microsoft.com/office/drawing/2014/main" xmlns="" id="{44CABAE1-B325-4747-910E-7EDC7EDD7625}"/>
               </a:ext>
             </a:extLst>
           </p:cNvPr>
@@ -10397,9 +10397,85 @@
           </a:p>
         </p:txBody>
       </p:sp>
+      <p:sp>
+        <p:nvSpPr>
+          <p:cNvPr id="5" name="Tekstvak 12">
+            <a:extLst>
+              <a:ext uri="{FF2B5EF4-FFF2-40B4-BE49-F238E27FC236}">
+                <a16:creationId xmlns:a16="http://schemas.microsoft.com/office/drawing/2014/main" xmlns="" id="{44CABAE1-B325-4747-910E-7EDC7EDD7625}"/>
+              </a:ext>
+            </a:extLst>
+          </p:cNvPr>
+          <p:cNvSpPr txBox="1"/>
+          <p:nvPr/>
+        </p:nvSpPr>
+        <p:spPr>
+          <a:xfrm>
+            <a:off x="420131" y="128248"/>
+            <a:ext cx="11059297" cy="338554"/>
+          </a:xfrm>
+          <a:prstGeom prst="rect">
+            <a:avLst/>
+          </a:prstGeom>
+          <a:noFill/>
+        </p:spPr>
+        <p:txBody>
+          <a:bodyPr wrap="square" rtlCol="0">
+            <a:spAutoFit/>
+          </a:bodyPr>
+          <a:lstStyle/>
+          <a:p>
+            <a:pPr algn="ctr"/>
+            <a:r>
+              <a:rPr lang="nl-NL" sz="1600" b="1" dirty="0" err="1">
+                <a:solidFill>
+                  <a:schemeClr val="accent1">
+                    <a:lumMod val="20000"/>
+                    <a:lumOff val="80000"/>
+                  </a:schemeClr>
+                </a:solidFill>
+              </a:rPr>
+              <a:t>Indroductie</a:t>
+            </a:r>
+            <a:r>
+              <a:rPr lang="nl-NL" sz="1600" b="1" dirty="0">
+                <a:solidFill>
+                  <a:schemeClr val="accent1">
+                    <a:lumMod val="20000"/>
+                    <a:lumOff val="80000"/>
+                  </a:schemeClr>
+                </a:solidFill>
+              </a:rPr>
+              <a:t>        </a:t>
+            </a:r>
+            <a:r>
+              <a:rPr lang="nl-NL" sz="1600" b="1" dirty="0">
+                <a:solidFill>
+                  <a:schemeClr val="accent1">
+                    <a:lumMod val="60000"/>
+                    <a:lumOff val="40000"/>
+                  </a:schemeClr>
+                </a:solidFill>
+              </a:rPr>
+              <a:t>Materiaal &amp; Methoden        </a:t>
+            </a:r>
+            <a:r>
+              <a:rPr lang="nl-NL" sz="1600" b="1" dirty="0">
+                <a:solidFill>
+                  <a:schemeClr val="accent1">
+                    <a:lumMod val="20000"/>
+                    <a:lumOff val="80000"/>
+                  </a:schemeClr>
+                </a:solidFill>
+              </a:rPr>
+              <a:t>Resultaten        Discussie </a:t>
+            </a:r>
+          </a:p>
+        </p:txBody>
+      </p:sp>
       <p:pic>
         <p:nvPicPr>
-          <p:cNvPr id="1026" name="Picture 2" descr="http://puu.sh/yH29A/a19fa21f6d.jpg"/>
+          <p:cNvPr id="4" name="Picture 2" descr="http://puu.sh/yH2ZM/a12b9932df.jpg"/>
           <p:cNvPicPr>
             <a:picLocks noChangeAspect="1" noChangeArrowheads="1"/>
           </p:cNvPicPr>
@@ -10420,8 +10496,8 @@
         </p:blipFill>
         <p:spPr bwMode="auto">
           <a:xfrm>
-            <a:off x="5367655" y="649922"/>
-            <a:ext cx="5972175" cy="5343526"/>
+            <a:off x="5418455" y="1590991"/>
+            <a:ext cx="5970905" cy="4600035"/>
           </a:xfrm>
           <a:prstGeom prst="rect">
             <a:avLst/>
@@ -10438,93 +10514,6 @@
           </a:extLst>
         </p:spPr>
       </p:pic>
-      <p:sp>
-        <p:nvSpPr>
-          <p:cNvPr id="5" name="Tekstvak 12">
-            <a:extLst>
-              <a:ext uri="{FF2B5EF4-FFF2-40B4-BE49-F238E27FC236}">
-                <a16:creationId xmlns="" xmlns:a16="http://schemas.microsoft.com/office/drawing/2014/main" id="{44CABAE1-B325-4747-910E-7EDC7EDD7625}"/>
-              </a:ext>
-            </a:extLst>
-          </p:cNvPr>
-          <p:cNvSpPr txBox="1"/>
-          <p:nvPr/>
-        </p:nvSpPr>
-        <p:spPr>
-          <a:xfrm>
-            <a:off x="420131" y="128248"/>
-            <a:ext cx="11059297" cy="338554"/>
-          </a:xfrm>
-          <a:prstGeom prst="rect">
-            <a:avLst/>
-          </a:prstGeom>
-          <a:noFill/>
-        </p:spPr>
-        <p:txBody>
-          <a:bodyPr wrap="square" rtlCol="0">
-            <a:spAutoFit/>
-          </a:bodyPr>
-          <a:lstStyle/>
-          <a:p>
-            <a:pPr algn="ctr"/>
-            <a:r>
-              <a:rPr lang="nl-NL" sz="1600" b="1" dirty="0" err="1">
-                <a:solidFill>
-                  <a:schemeClr val="accent1">
-                    <a:lumMod val="20000"/>
-                    <a:lumOff val="80000"/>
-                  </a:schemeClr>
-                </a:solidFill>
-              </a:rPr>
-              <a:t>Indroductie</a:t>
-            </a:r>
-            <a:r>
-              <a:rPr lang="nl-NL" sz="1600" b="1" dirty="0">
-                <a:solidFill>
-                  <a:schemeClr val="accent1">
-                    <a:lumMod val="20000"/>
-                    <a:lumOff val="80000"/>
-                  </a:schemeClr>
-                </a:solidFill>
-              </a:rPr>
-              <a:t>  </a:t>
-            </a:r>
-            <a:r>
-              <a:rPr lang="nl-NL" sz="1600" b="1" dirty="0">
-                <a:solidFill>
-                  <a:schemeClr val="accent1">
-                    <a:lumMod val="20000"/>
-                    <a:lumOff val="80000"/>
-                  </a:schemeClr>
-                </a:solidFill>
-              </a:rPr>
-              <a:t>      </a:t>
-            </a:r>
-            <a:r>
-              <a:rPr lang="nl-NL" sz="1600" b="1" dirty="0">
-                <a:solidFill>
-                  <a:schemeClr val="accent1">
-                    <a:lumMod val="60000"/>
-                    <a:lumOff val="40000"/>
-                  </a:schemeClr>
-                </a:solidFill>
-              </a:rPr>
-              <a:t>Materiaal &amp; Methoden        </a:t>
-            </a:r>
-            <a:r>
-              <a:rPr lang="nl-NL" sz="1600" b="1" dirty="0">
-                <a:solidFill>
-                  <a:schemeClr val="accent1">
-                    <a:lumMod val="20000"/>
-                    <a:lumOff val="80000"/>
-                  </a:schemeClr>
-                </a:solidFill>
-              </a:rPr>
-              <a:t>Resultaten        Discussie </a:t>
-            </a:r>
-          </a:p>
-        </p:txBody>
-      </p:sp>
     </p:spTree>
   </p:cSld>
   <p:clrMapOvr>
@@ -10555,7 +10544,7 @@
           <p:cNvPr id="2" name="Titel 1">
             <a:extLst>
               <a:ext uri="{FF2B5EF4-FFF2-40B4-BE49-F238E27FC236}">
-                <a16:creationId xmlns="" xmlns:a16="http://schemas.microsoft.com/office/drawing/2014/main" id="{769A96FB-BA26-47C0-85BC-9E5A44D94A65}"/>
+                <a16:creationId xmlns:a16="http://schemas.microsoft.com/office/drawing/2014/main" xmlns="" id="{769A96FB-BA26-47C0-85BC-9E5A44D94A65}"/>
               </a:ext>
             </a:extLst>
           </p:cNvPr>
@@ -10583,7 +10572,7 @@
           <p:cNvPr id="13" name="Tekstvak 12">
             <a:extLst>
               <a:ext uri="{FF2B5EF4-FFF2-40B4-BE49-F238E27FC236}">
-                <a16:creationId xmlns="" xmlns:a16="http://schemas.microsoft.com/office/drawing/2014/main" id="{44CABAE1-B325-4747-910E-7EDC7EDD7625}"/>
+                <a16:creationId xmlns:a16="http://schemas.microsoft.com/office/drawing/2014/main" xmlns="" id="{44CABAE1-B325-4747-910E-7EDC7EDD7625}"/>
               </a:ext>
             </a:extLst>
           </p:cNvPr>
@@ -10637,7 +10626,7 @@
           <p:cNvPr id="7" name="AutoShape 2" descr="Afbeeldingsresultaat voor cel from human">
             <a:extLst>
               <a:ext uri="{FF2B5EF4-FFF2-40B4-BE49-F238E27FC236}">
-                <a16:creationId xmlns="" xmlns:a16="http://schemas.microsoft.com/office/drawing/2014/main" id="{BAA6AD35-A0AD-46FB-8C83-83697536AD9E}"/>
+                <a16:creationId xmlns:a16="http://schemas.microsoft.com/office/drawing/2014/main" xmlns="" id="{BAA6AD35-A0AD-46FB-8C83-83697536AD9E}"/>
               </a:ext>
             </a:extLst>
           </p:cNvPr>
@@ -10682,7 +10671,7 @@
           <p:cNvPr id="14" name="AutoShape 4" descr="Afbeeldingsresultaat voor cel from human">
             <a:extLst>
               <a:ext uri="{FF2B5EF4-FFF2-40B4-BE49-F238E27FC236}">
-                <a16:creationId xmlns="" xmlns:a16="http://schemas.microsoft.com/office/drawing/2014/main" id="{DE7F6D67-FFDD-4318-B4D9-E249E6758D4A}"/>
+                <a16:creationId xmlns:a16="http://schemas.microsoft.com/office/drawing/2014/main" xmlns="" id="{DE7F6D67-FFDD-4318-B4D9-E249E6758D4A}"/>
               </a:ext>
             </a:extLst>
           </p:cNvPr>
@@ -10727,7 +10716,7 @@
           <p:cNvPr id="16" name="Afbeelding 15">
             <a:extLst>
               <a:ext uri="{FF2B5EF4-FFF2-40B4-BE49-F238E27FC236}">
-                <a16:creationId xmlns="" xmlns:a16="http://schemas.microsoft.com/office/drawing/2014/main" id="{028B203A-6AFB-43CC-A2E5-888B735C297F}"/>
+                <a16:creationId xmlns:a16="http://schemas.microsoft.com/office/drawing/2014/main" xmlns="" id="{028B203A-6AFB-43CC-A2E5-888B735C297F}"/>
               </a:ext>
             </a:extLst>
           </p:cNvPr>
@@ -10763,7 +10752,7 @@
           <p:cNvPr id="19" name="Gelijkbenige driehoek 18">
             <a:extLst>
               <a:ext uri="{FF2B5EF4-FFF2-40B4-BE49-F238E27FC236}">
-                <a16:creationId xmlns="" xmlns:a16="http://schemas.microsoft.com/office/drawing/2014/main" id="{3473C7A5-6D55-4B8D-B912-17E38BDAAE6F}"/>
+                <a16:creationId xmlns:a16="http://schemas.microsoft.com/office/drawing/2014/main" xmlns="" id="{3473C7A5-6D55-4B8D-B912-17E38BDAAE6F}"/>
               </a:ext>
             </a:extLst>
           </p:cNvPr>
@@ -10822,7 +10811,7 @@
           <p:cNvPr id="21" name="Afbeelding 20">
             <a:extLst>
               <a:ext uri="{FF2B5EF4-FFF2-40B4-BE49-F238E27FC236}">
-                <a16:creationId xmlns="" xmlns:a16="http://schemas.microsoft.com/office/drawing/2014/main" id="{2E4ED76A-8CDE-4820-BEF2-FFF0CAB0FFC2}"/>
+                <a16:creationId xmlns:a16="http://schemas.microsoft.com/office/drawing/2014/main" xmlns="" id="{2E4ED76A-8CDE-4820-BEF2-FFF0CAB0FFC2}"/>
               </a:ext>
             </a:extLst>
           </p:cNvPr>
@@ -10852,7 +10841,7 @@
           <p:cNvPr id="29" name="Tekstvak 28">
             <a:extLst>
               <a:ext uri="{FF2B5EF4-FFF2-40B4-BE49-F238E27FC236}">
-                <a16:creationId xmlns="" xmlns:a16="http://schemas.microsoft.com/office/drawing/2014/main" id="{3F5F8535-0F1D-4072-B4F7-ECC8E1EF4714}"/>
+                <a16:creationId xmlns:a16="http://schemas.microsoft.com/office/drawing/2014/main" xmlns="" id="{3F5F8535-0F1D-4072-B4F7-ECC8E1EF4714}"/>
               </a:ext>
             </a:extLst>
           </p:cNvPr>
@@ -10887,7 +10876,7 @@
           <p:cNvPr id="30" name="Tekstvak 29">
             <a:extLst>
               <a:ext uri="{FF2B5EF4-FFF2-40B4-BE49-F238E27FC236}">
-                <a16:creationId xmlns="" xmlns:a16="http://schemas.microsoft.com/office/drawing/2014/main" id="{60EFD1DE-A3E9-41CC-9FD4-3B5142326B68}"/>
+                <a16:creationId xmlns:a16="http://schemas.microsoft.com/office/drawing/2014/main" xmlns="" id="{60EFD1DE-A3E9-41CC-9FD4-3B5142326B68}"/>
               </a:ext>
             </a:extLst>
           </p:cNvPr>
@@ -11039,7 +11028,7 @@
           <p:cNvPr id="6" name="Tekstvak 12">
             <a:extLst>
               <a:ext uri="{FF2B5EF4-FFF2-40B4-BE49-F238E27FC236}">
-                <a16:creationId xmlns="" xmlns:a16="http://schemas.microsoft.com/office/drawing/2014/main" id="{44CABAE1-B325-4747-910E-7EDC7EDD7625}"/>
+                <a16:creationId xmlns:a16="http://schemas.microsoft.com/office/drawing/2014/main" xmlns="" id="{44CABAE1-B325-4747-910E-7EDC7EDD7625}"/>
               </a:ext>
             </a:extLst>
           </p:cNvPr>
@@ -11083,18 +11072,7 @@
                   </a:schemeClr>
                 </a:solidFill>
               </a:rPr>
-              <a:t>  </a:t>
-            </a:r>
-            <a:r>
-              <a:rPr lang="nl-NL" sz="1600" b="1" dirty="0">
-                <a:solidFill>
-                  <a:schemeClr val="accent1">
-                    <a:lumMod val="20000"/>
-                    <a:lumOff val="80000"/>
-                  </a:schemeClr>
-                </a:solidFill>
-              </a:rPr>
-              <a:t>      </a:t>
+              <a:t>        </a:t>
             </a:r>
             <a:r>
               <a:rPr lang="nl-NL" sz="1600" b="1" dirty="0">
@@ -11121,6 +11099,47 @@
           </a:p>
         </p:txBody>
       </p:sp>
+      <p:pic>
+        <p:nvPicPr>
+          <p:cNvPr id="5" name="Picture 2" descr="http://puu.sh/yH2ZM/a12b9932df.jpg"/>
+          <p:cNvPicPr>
+            <a:picLocks noChangeAspect="1" noChangeArrowheads="1"/>
+          </p:cNvPicPr>
+          <p:nvPr/>
+        </p:nvPicPr>
+        <p:blipFill>
+          <a:blip r:embed="rId2">
+            <a:extLst>
+              <a:ext uri="{28A0092B-C50C-407E-A947-70E740481C1C}">
+                <a14:useLocalDpi xmlns:a14="http://schemas.microsoft.com/office/drawing/2010/main" val="0"/>
+              </a:ext>
+            </a:extLst>
+          </a:blip>
+          <a:srcRect/>
+          <a:stretch>
+            <a:fillRect/>
+          </a:stretch>
+        </p:blipFill>
+        <p:spPr bwMode="auto">
+          <a:xfrm>
+            <a:off x="5418455" y="1590991"/>
+            <a:ext cx="5970905" cy="4600035"/>
+          </a:xfrm>
+          <a:prstGeom prst="rect">
+            <a:avLst/>
+          </a:prstGeom>
+          <a:noFill/>
+          <a:extLst>
+            <a:ext uri="{909E8E84-426E-40DD-AFC4-6F175D3DCCD1}">
+              <a14:hiddenFill xmlns:a14="http://schemas.microsoft.com/office/drawing/2010/main">
+                <a:solidFill>
+                  <a:srgbClr val="FFFFFF"/>
+                </a:solidFill>
+              </a14:hiddenFill>
+            </a:ext>
+          </a:extLst>
+        </p:spPr>
+      </p:pic>
     </p:spTree>
   </p:cSld>
   <p:clrMapOvr>
@@ -11209,6 +11228,7 @@
             </a:r>
           </a:p>
           <a:p>
+            <a:pPr lvl="1"/>
             <a:r>
               <a:rPr lang="en-US" dirty="0" smtClean="0"/>
               <a:t>First-in, First-out</a:t>
@@ -12497,7 +12517,7 @@
           <p:cNvPr id="30" name="Tekstvak 12">
             <a:extLst>
               <a:ext uri="{FF2B5EF4-FFF2-40B4-BE49-F238E27FC236}">
-                <a16:creationId xmlns="" xmlns:a16="http://schemas.microsoft.com/office/drawing/2014/main" id="{44CABAE1-B325-4747-910E-7EDC7EDD7625}"/>
+                <a16:creationId xmlns:a16="http://schemas.microsoft.com/office/drawing/2014/main" xmlns="" id="{44CABAE1-B325-4747-910E-7EDC7EDD7625}"/>
               </a:ext>
             </a:extLst>
           </p:cNvPr>
@@ -12541,18 +12561,7 @@
                   </a:schemeClr>
                 </a:solidFill>
               </a:rPr>
-              <a:t>  </a:t>
-            </a:r>
-            <a:r>
-              <a:rPr lang="nl-NL" sz="1600" b="1" dirty="0">
-                <a:solidFill>
-                  <a:schemeClr val="accent1">
-                    <a:lumMod val="20000"/>
-                    <a:lumOff val="80000"/>
-                  </a:schemeClr>
-                </a:solidFill>
-              </a:rPr>
-              <a:t>      </a:t>
+              <a:t>        </a:t>
             </a:r>
             <a:r>
               <a:rPr lang="nl-NL" sz="1600" b="1" dirty="0">
@@ -12670,6 +12679,7 @@
             </a:r>
           </a:p>
           <a:p>
+            <a:pPr lvl="1"/>
             <a:r>
               <a:rPr lang="en-US" dirty="0" smtClean="0"/>
               <a:t>Last-in, First-out</a:t>
@@ -12681,13 +12691,8 @@
           <a:p>
             <a:r>
               <a:rPr lang="en-US" dirty="0" smtClean="0"/>
-              <a:t>Priority-Queue </a:t>
-            </a:r>
-            <a:r>
-              <a:rPr lang="en-US" dirty="0" err="1" smtClean="0"/>
-              <a:t>princiepe</a:t>
-            </a:r>
-            <a:endParaRPr lang="en-US" dirty="0" smtClean="0"/>
+              <a:t>Priority-Queue</a:t>
+            </a:r>
           </a:p>
           <a:p>
             <a:pPr lvl="1"/>
@@ -13958,7 +13963,7 @@
           <p:cNvPr id="30" name="Tekstvak 12">
             <a:extLst>
               <a:ext uri="{FF2B5EF4-FFF2-40B4-BE49-F238E27FC236}">
-                <a16:creationId xmlns="" xmlns:a16="http://schemas.microsoft.com/office/drawing/2014/main" id="{44CABAE1-B325-4747-910E-7EDC7EDD7625}"/>
+                <a16:creationId xmlns:a16="http://schemas.microsoft.com/office/drawing/2014/main" xmlns="" id="{44CABAE1-B325-4747-910E-7EDC7EDD7625}"/>
               </a:ext>
             </a:extLst>
           </p:cNvPr>
@@ -14002,18 +14007,7 @@
                   </a:schemeClr>
                 </a:solidFill>
               </a:rPr>
-              <a:t>  </a:t>
-            </a:r>
-            <a:r>
-              <a:rPr lang="nl-NL" sz="1600" b="1" dirty="0">
-                <a:solidFill>
-                  <a:schemeClr val="accent1">
-                    <a:lumMod val="20000"/>
-                    <a:lumOff val="80000"/>
-                  </a:schemeClr>
-                </a:solidFill>
-              </a:rPr>
-              <a:t>      </a:t>
+              <a:t>        </a:t>
             </a:r>
             <a:r>
               <a:rPr lang="nl-NL" sz="1600" b="1" dirty="0">
@@ -14202,7 +14196,7 @@
           <p:cNvPr id="4" name="Tekstvak 12">
             <a:extLst>
               <a:ext uri="{FF2B5EF4-FFF2-40B4-BE49-F238E27FC236}">
-                <a16:creationId xmlns="" xmlns:a16="http://schemas.microsoft.com/office/drawing/2014/main" id="{44CABAE1-B325-4747-910E-7EDC7EDD7625}"/>
+                <a16:creationId xmlns:a16="http://schemas.microsoft.com/office/drawing/2014/main" xmlns="" id="{44CABAE1-B325-4747-910E-7EDC7EDD7625}"/>
               </a:ext>
             </a:extLst>
           </p:cNvPr>
@@ -14246,18 +14240,7 @@
                   </a:schemeClr>
                 </a:solidFill>
               </a:rPr>
-              <a:t>  </a:t>
-            </a:r>
-            <a:r>
-              <a:rPr lang="nl-NL" sz="1600" b="1" dirty="0">
-                <a:solidFill>
-                  <a:schemeClr val="accent1">
-                    <a:lumMod val="20000"/>
-                    <a:lumOff val="80000"/>
-                  </a:schemeClr>
-                </a:solidFill>
-              </a:rPr>
-              <a:t>      </a:t>
+              <a:t>        </a:t>
             </a:r>
             <a:r>
               <a:rPr lang="nl-NL" sz="1600" b="1" dirty="0">
@@ -14354,35 +14337,35 @@
                 <a:gridCol w="2180138">
                   <a:extLst>
                     <a:ext uri="{9D8B030D-6E8A-4147-A177-3AD203B41FA5}">
-                      <a16:colId xmlns="" xmlns:a16="http://schemas.microsoft.com/office/drawing/2014/main" val="20000"/>
+                      <a16:colId xmlns:a16="http://schemas.microsoft.com/office/drawing/2014/main" xmlns="" val="20000"/>
                     </a:ext>
                   </a:extLst>
                 </a:gridCol>
                 <a:gridCol w="2019431">
                   <a:extLst>
                     <a:ext uri="{9D8B030D-6E8A-4147-A177-3AD203B41FA5}">
-                      <a16:colId xmlns="" xmlns:a16="http://schemas.microsoft.com/office/drawing/2014/main" val="20001"/>
+                      <a16:colId xmlns:a16="http://schemas.microsoft.com/office/drawing/2014/main" xmlns="" val="20001"/>
                     </a:ext>
                   </a:extLst>
                 </a:gridCol>
                 <a:gridCol w="2280703">
                   <a:extLst>
                     <a:ext uri="{9D8B030D-6E8A-4147-A177-3AD203B41FA5}">
-                      <a16:colId xmlns="" xmlns:a16="http://schemas.microsoft.com/office/drawing/2014/main" val="20002"/>
+                      <a16:colId xmlns:a16="http://schemas.microsoft.com/office/drawing/2014/main" xmlns="" val="20002"/>
                     </a:ext>
                   </a:extLst>
                 </a:gridCol>
                 <a:gridCol w="2225244">
                   <a:extLst>
                     <a:ext uri="{9D8B030D-6E8A-4147-A177-3AD203B41FA5}">
-                      <a16:colId xmlns="" xmlns:a16="http://schemas.microsoft.com/office/drawing/2014/main" val="20003"/>
+                      <a16:colId xmlns:a16="http://schemas.microsoft.com/office/drawing/2014/main" xmlns="" val="20003"/>
                     </a:ext>
                   </a:extLst>
                 </a:gridCol>
                 <a:gridCol w="2225244">
                   <a:extLst>
                     <a:ext uri="{9D8B030D-6E8A-4147-A177-3AD203B41FA5}">
-                      <a16:colId xmlns="" xmlns:a16="http://schemas.microsoft.com/office/drawing/2014/main" val="20004"/>
+                      <a16:colId xmlns:a16="http://schemas.microsoft.com/office/drawing/2014/main" xmlns="" val="20004"/>
                     </a:ext>
                   </a:extLst>
                 </a:gridCol>
@@ -14466,7 +14449,7 @@
                 </a:tc>
                 <a:extLst>
                   <a:ext uri="{0D108BD9-81ED-4DB2-BD59-A6C34878D82A}">
-                    <a16:rowId xmlns="" xmlns:a16="http://schemas.microsoft.com/office/drawing/2014/main" val="10000"/>
+                    <a16:rowId xmlns:a16="http://schemas.microsoft.com/office/drawing/2014/main" xmlns="" val="10000"/>
                   </a:ext>
                 </a:extLst>
               </a:tr>
@@ -14619,7 +14602,7 @@
                 </a:tc>
                 <a:extLst>
                   <a:ext uri="{0D108BD9-81ED-4DB2-BD59-A6C34878D82A}">
-                    <a16:rowId xmlns="" xmlns:a16="http://schemas.microsoft.com/office/drawing/2014/main" val="10001"/>
+                    <a16:rowId xmlns:a16="http://schemas.microsoft.com/office/drawing/2014/main" xmlns="" val="10001"/>
                   </a:ext>
                 </a:extLst>
               </a:tr>
@@ -14777,7 +14760,7 @@
                 </a:tc>
                 <a:extLst>
                   <a:ext uri="{0D108BD9-81ED-4DB2-BD59-A6C34878D82A}">
-                    <a16:rowId xmlns="" xmlns:a16="http://schemas.microsoft.com/office/drawing/2014/main" val="10002"/>
+                    <a16:rowId xmlns:a16="http://schemas.microsoft.com/office/drawing/2014/main" xmlns="" val="10002"/>
                   </a:ext>
                 </a:extLst>
               </a:tr>
@@ -14921,7 +14904,7 @@
                 </a:tc>
                 <a:extLst>
                   <a:ext uri="{0D108BD9-81ED-4DB2-BD59-A6C34878D82A}">
-                    <a16:rowId xmlns="" xmlns:a16="http://schemas.microsoft.com/office/drawing/2014/main" val="10003"/>
+                    <a16:rowId xmlns:a16="http://schemas.microsoft.com/office/drawing/2014/main" xmlns="" val="10003"/>
                   </a:ext>
                 </a:extLst>
               </a:tr>
@@ -15065,7 +15048,7 @@
                 </a:tc>
                 <a:extLst>
                   <a:ext uri="{0D108BD9-81ED-4DB2-BD59-A6C34878D82A}">
-                    <a16:rowId xmlns="" xmlns:a16="http://schemas.microsoft.com/office/drawing/2014/main" val="10004"/>
+                    <a16:rowId xmlns:a16="http://schemas.microsoft.com/office/drawing/2014/main" xmlns="" val="10004"/>
                   </a:ext>
                 </a:extLst>
               </a:tr>
@@ -15078,7 +15061,7 @@
           <p:cNvPr id="4" name="Tekstvak 12">
             <a:extLst>
               <a:ext uri="{FF2B5EF4-FFF2-40B4-BE49-F238E27FC236}">
-                <a16:creationId xmlns="" xmlns:a16="http://schemas.microsoft.com/office/drawing/2014/main" id="{44CABAE1-B325-4747-910E-7EDC7EDD7625}"/>
+                <a16:creationId xmlns:a16="http://schemas.microsoft.com/office/drawing/2014/main" xmlns="" id="{44CABAE1-B325-4747-910E-7EDC7EDD7625}"/>
               </a:ext>
             </a:extLst>
           </p:cNvPr>
@@ -15122,29 +15105,7 @@
                   </a:schemeClr>
                 </a:solidFill>
               </a:rPr>
-              <a:t>  </a:t>
-            </a:r>
-            <a:r>
-              <a:rPr lang="nl-NL" sz="1600" b="1" dirty="0">
-                <a:solidFill>
-                  <a:schemeClr val="accent1">
-                    <a:lumMod val="20000"/>
-                    <a:lumOff val="80000"/>
-                  </a:schemeClr>
-                </a:solidFill>
-              </a:rPr>
-              <a:t>      </a:t>
-            </a:r>
-            <a:r>
-              <a:rPr lang="nl-NL" sz="1600" b="1" dirty="0">
-                <a:solidFill>
-                  <a:schemeClr val="accent1">
-                    <a:lumMod val="20000"/>
-                    <a:lumOff val="80000"/>
-                  </a:schemeClr>
-                </a:solidFill>
-              </a:rPr>
-              <a:t>Materiaal &amp; Methoden        </a:t>
+              <a:t>        Materiaal &amp; Methoden        </a:t>
             </a:r>
             <a:r>
               <a:rPr lang="nl-NL" sz="1600" b="1" dirty="0">
@@ -15387,7 +15348,7 @@
           <p:cNvPr id="4" name="Tekstvak 12">
             <a:extLst>
               <a:ext uri="{FF2B5EF4-FFF2-40B4-BE49-F238E27FC236}">
-                <a16:creationId xmlns="" xmlns:a16="http://schemas.microsoft.com/office/drawing/2014/main" id="{44CABAE1-B325-4747-910E-7EDC7EDD7625}"/>
+                <a16:creationId xmlns:a16="http://schemas.microsoft.com/office/drawing/2014/main" xmlns="" id="{44CABAE1-B325-4747-910E-7EDC7EDD7625}"/>
               </a:ext>
             </a:extLst>
           </p:cNvPr>
@@ -15431,29 +15392,7 @@
                   </a:schemeClr>
                 </a:solidFill>
               </a:rPr>
-              <a:t>  </a:t>
-            </a:r>
-            <a:r>
-              <a:rPr lang="nl-NL" sz="1600" b="1" dirty="0">
-                <a:solidFill>
-                  <a:schemeClr val="accent1">
-                    <a:lumMod val="20000"/>
-                    <a:lumOff val="80000"/>
-                  </a:schemeClr>
-                </a:solidFill>
-              </a:rPr>
-              <a:t>      </a:t>
-            </a:r>
-            <a:r>
-              <a:rPr lang="nl-NL" sz="1600" b="1" dirty="0">
-                <a:solidFill>
-                  <a:schemeClr val="accent1">
-                    <a:lumMod val="20000"/>
-                    <a:lumOff val="80000"/>
-                  </a:schemeClr>
-                </a:solidFill>
-              </a:rPr>
-              <a:t>Materiaal &amp; Methoden        </a:t>
+              <a:t>        Materiaal &amp; Methoden        </a:t>
             </a:r>
             <a:r>
               <a:rPr lang="nl-NL" sz="1600" b="1" dirty="0">
@@ -15510,7 +15449,7 @@
           <p:cNvPr id="2" name="Titel 1">
             <a:extLst>
               <a:ext uri="{FF2B5EF4-FFF2-40B4-BE49-F238E27FC236}">
-                <a16:creationId xmlns="" xmlns:a16="http://schemas.microsoft.com/office/drawing/2014/main" id="{769A96FB-BA26-47C0-85BC-9E5A44D94A65}"/>
+                <a16:creationId xmlns:a16="http://schemas.microsoft.com/office/drawing/2014/main" xmlns="" id="{769A96FB-BA26-47C0-85BC-9E5A44D94A65}"/>
               </a:ext>
             </a:extLst>
           </p:cNvPr>
@@ -15538,7 +15477,7 @@
           <p:cNvPr id="13" name="Tekstvak 12">
             <a:extLst>
               <a:ext uri="{FF2B5EF4-FFF2-40B4-BE49-F238E27FC236}">
-                <a16:creationId xmlns="" xmlns:a16="http://schemas.microsoft.com/office/drawing/2014/main" id="{44CABAE1-B325-4747-910E-7EDC7EDD7625}"/>
+                <a16:creationId xmlns:a16="http://schemas.microsoft.com/office/drawing/2014/main" xmlns="" id="{44CABAE1-B325-4747-910E-7EDC7EDD7625}"/>
               </a:ext>
             </a:extLst>
           </p:cNvPr>
@@ -15592,7 +15531,7 @@
           <p:cNvPr id="7" name="AutoShape 2" descr="Afbeeldingsresultaat voor cel from human">
             <a:extLst>
               <a:ext uri="{FF2B5EF4-FFF2-40B4-BE49-F238E27FC236}">
-                <a16:creationId xmlns="" xmlns:a16="http://schemas.microsoft.com/office/drawing/2014/main" id="{BAA6AD35-A0AD-46FB-8C83-83697536AD9E}"/>
+                <a16:creationId xmlns:a16="http://schemas.microsoft.com/office/drawing/2014/main" xmlns="" id="{BAA6AD35-A0AD-46FB-8C83-83697536AD9E}"/>
               </a:ext>
             </a:extLst>
           </p:cNvPr>
@@ -15637,7 +15576,7 @@
           <p:cNvPr id="14" name="AutoShape 4" descr="Afbeeldingsresultaat voor cel from human">
             <a:extLst>
               <a:ext uri="{FF2B5EF4-FFF2-40B4-BE49-F238E27FC236}">
-                <a16:creationId xmlns="" xmlns:a16="http://schemas.microsoft.com/office/drawing/2014/main" id="{DE7F6D67-FFDD-4318-B4D9-E249E6758D4A}"/>
+                <a16:creationId xmlns:a16="http://schemas.microsoft.com/office/drawing/2014/main" xmlns="" id="{DE7F6D67-FFDD-4318-B4D9-E249E6758D4A}"/>
               </a:ext>
             </a:extLst>
           </p:cNvPr>
@@ -15682,7 +15621,7 @@
           <p:cNvPr id="16" name="Afbeelding 15">
             <a:extLst>
               <a:ext uri="{FF2B5EF4-FFF2-40B4-BE49-F238E27FC236}">
-                <a16:creationId xmlns="" xmlns:a16="http://schemas.microsoft.com/office/drawing/2014/main" id="{028B203A-6AFB-43CC-A2E5-888B735C297F}"/>
+                <a16:creationId xmlns:a16="http://schemas.microsoft.com/office/drawing/2014/main" xmlns="" id="{028B203A-6AFB-43CC-A2E5-888B735C297F}"/>
               </a:ext>
             </a:extLst>
           </p:cNvPr>
@@ -15718,7 +15657,7 @@
           <p:cNvPr id="19" name="Gelijkbenige driehoek 18">
             <a:extLst>
               <a:ext uri="{FF2B5EF4-FFF2-40B4-BE49-F238E27FC236}">
-                <a16:creationId xmlns="" xmlns:a16="http://schemas.microsoft.com/office/drawing/2014/main" id="{3473C7A5-6D55-4B8D-B912-17E38BDAAE6F}"/>
+                <a16:creationId xmlns:a16="http://schemas.microsoft.com/office/drawing/2014/main" xmlns="" id="{3473C7A5-6D55-4B8D-B912-17E38BDAAE6F}"/>
               </a:ext>
             </a:extLst>
           </p:cNvPr>
@@ -15777,7 +15716,7 @@
           <p:cNvPr id="21" name="Afbeelding 20">
             <a:extLst>
               <a:ext uri="{FF2B5EF4-FFF2-40B4-BE49-F238E27FC236}">
-                <a16:creationId xmlns="" xmlns:a16="http://schemas.microsoft.com/office/drawing/2014/main" id="{2E4ED76A-8CDE-4820-BEF2-FFF0CAB0FFC2}"/>
+                <a16:creationId xmlns:a16="http://schemas.microsoft.com/office/drawing/2014/main" xmlns="" id="{2E4ED76A-8CDE-4820-BEF2-FFF0CAB0FFC2}"/>
               </a:ext>
             </a:extLst>
           </p:cNvPr>
@@ -15807,7 +15746,7 @@
           <p:cNvPr id="27" name="Rechte verbindingslijn met pijl 26">
             <a:extLst>
               <a:ext uri="{FF2B5EF4-FFF2-40B4-BE49-F238E27FC236}">
-                <a16:creationId xmlns="" xmlns:a16="http://schemas.microsoft.com/office/drawing/2014/main" id="{B6D6B7F3-D443-497D-A36C-F4AAD657E543}"/>
+                <a16:creationId xmlns:a16="http://schemas.microsoft.com/office/drawing/2014/main" xmlns="" id="{B6D6B7F3-D443-497D-A36C-F4AAD657E543}"/>
               </a:ext>
             </a:extLst>
           </p:cNvPr>
@@ -15846,7 +15785,7 @@
           <p:cNvPr id="29" name="Tekstvak 28">
             <a:extLst>
               <a:ext uri="{FF2B5EF4-FFF2-40B4-BE49-F238E27FC236}">
-                <a16:creationId xmlns="" xmlns:a16="http://schemas.microsoft.com/office/drawing/2014/main" id="{3F5F8535-0F1D-4072-B4F7-ECC8E1EF4714}"/>
+                <a16:creationId xmlns:a16="http://schemas.microsoft.com/office/drawing/2014/main" xmlns="" id="{3F5F8535-0F1D-4072-B4F7-ECC8E1EF4714}"/>
               </a:ext>
             </a:extLst>
           </p:cNvPr>
@@ -15881,7 +15820,7 @@
           <p:cNvPr id="30" name="Tekstvak 29">
             <a:extLst>
               <a:ext uri="{FF2B5EF4-FFF2-40B4-BE49-F238E27FC236}">
-                <a16:creationId xmlns="" xmlns:a16="http://schemas.microsoft.com/office/drawing/2014/main" id="{60EFD1DE-A3E9-41CC-9FD4-3B5142326B68}"/>
+                <a16:creationId xmlns:a16="http://schemas.microsoft.com/office/drawing/2014/main" xmlns="" id="{60EFD1DE-A3E9-41CC-9FD4-3B5142326B68}"/>
               </a:ext>
             </a:extLst>
           </p:cNvPr>
@@ -15916,7 +15855,7 @@
           <p:cNvPr id="32" name="Afbeelding 31">
             <a:extLst>
               <a:ext uri="{FF2B5EF4-FFF2-40B4-BE49-F238E27FC236}">
-                <a16:creationId xmlns="" xmlns:a16="http://schemas.microsoft.com/office/drawing/2014/main" id="{C82A7316-9DC5-4909-BDE9-7B87FABBA20E}"/>
+                <a16:creationId xmlns:a16="http://schemas.microsoft.com/office/drawing/2014/main" xmlns="" id="{C82A7316-9DC5-4909-BDE9-7B87FABBA20E}"/>
               </a:ext>
             </a:extLst>
           </p:cNvPr>
@@ -15946,7 +15885,7 @@
           <p:cNvPr id="33" name="Tekstvak 32">
             <a:extLst>
               <a:ext uri="{FF2B5EF4-FFF2-40B4-BE49-F238E27FC236}">
-                <a16:creationId xmlns="" xmlns:a16="http://schemas.microsoft.com/office/drawing/2014/main" id="{08A6883E-74A6-4993-AEE7-75D7658C72D6}"/>
+                <a16:creationId xmlns:a16="http://schemas.microsoft.com/office/drawing/2014/main" xmlns="" id="{08A6883E-74A6-4993-AEE7-75D7658C72D6}"/>
               </a:ext>
             </a:extLst>
           </p:cNvPr>
@@ -15990,7 +15929,7 @@
           <p:cNvPr id="34" name="Tekstvak 33">
             <a:extLst>
               <a:ext uri="{FF2B5EF4-FFF2-40B4-BE49-F238E27FC236}">
-                <a16:creationId xmlns="" xmlns:a16="http://schemas.microsoft.com/office/drawing/2014/main" id="{C9B4D1B0-0456-4811-9964-B9C6B0442EF5}"/>
+                <a16:creationId xmlns:a16="http://schemas.microsoft.com/office/drawing/2014/main" xmlns="" id="{C9B4D1B0-0456-4811-9964-B9C6B0442EF5}"/>
               </a:ext>
             </a:extLst>
           </p:cNvPr>
@@ -16029,7 +15968,7 @@
           <p:cNvPr id="5" name="Afbeelding 4">
             <a:extLst>
               <a:ext uri="{FF2B5EF4-FFF2-40B4-BE49-F238E27FC236}">
-                <a16:creationId xmlns="" xmlns:a16="http://schemas.microsoft.com/office/drawing/2014/main" id="{B088EACF-3A30-4896-9D87-8885CB1F2FD9}"/>
+                <a16:creationId xmlns:a16="http://schemas.microsoft.com/office/drawing/2014/main" xmlns="" id="{B088EACF-3A30-4896-9D87-8885CB1F2FD9}"/>
               </a:ext>
             </a:extLst>
           </p:cNvPr>
@@ -16059,7 +15998,7 @@
           <p:cNvPr id="20" name="Tekstvak 19">
             <a:extLst>
               <a:ext uri="{FF2B5EF4-FFF2-40B4-BE49-F238E27FC236}">
-                <a16:creationId xmlns="" xmlns:a16="http://schemas.microsoft.com/office/drawing/2014/main" id="{CE3B85E5-3CCB-4EC6-94EE-27309E68CE64}"/>
+                <a16:creationId xmlns:a16="http://schemas.microsoft.com/office/drawing/2014/main" xmlns="" id="{CE3B85E5-3CCB-4EC6-94EE-27309E68CE64}"/>
               </a:ext>
             </a:extLst>
           </p:cNvPr>
@@ -16098,7 +16037,7 @@
           <p:cNvPr id="22" name="Tekstvak 21">
             <a:extLst>
               <a:ext uri="{FF2B5EF4-FFF2-40B4-BE49-F238E27FC236}">
-                <a16:creationId xmlns="" xmlns:a16="http://schemas.microsoft.com/office/drawing/2014/main" id="{308E4E88-489C-491C-8F2D-3708CA1AEE72}"/>
+                <a16:creationId xmlns:a16="http://schemas.microsoft.com/office/drawing/2014/main" xmlns="" id="{308E4E88-489C-491C-8F2D-3708CA1AEE72}"/>
               </a:ext>
             </a:extLst>
           </p:cNvPr>
@@ -16142,7 +16081,7 @@
           <p:cNvPr id="23" name="Rechte verbindingslijn met pijl 22">
             <a:extLst>
               <a:ext uri="{FF2B5EF4-FFF2-40B4-BE49-F238E27FC236}">
-                <a16:creationId xmlns="" xmlns:a16="http://schemas.microsoft.com/office/drawing/2014/main" id="{2DD99941-CDDE-42C7-A80E-0400BEDE76B9}"/>
+                <a16:creationId xmlns:a16="http://schemas.microsoft.com/office/drawing/2014/main" xmlns="" id="{2DD99941-CDDE-42C7-A80E-0400BEDE76B9}"/>
               </a:ext>
             </a:extLst>
           </p:cNvPr>
@@ -16213,7 +16152,7 @@
           <p:cNvPr id="2" name="Titel 1">
             <a:extLst>
               <a:ext uri="{FF2B5EF4-FFF2-40B4-BE49-F238E27FC236}">
-                <a16:creationId xmlns="" xmlns:a16="http://schemas.microsoft.com/office/drawing/2014/main" id="{769A96FB-BA26-47C0-85BC-9E5A44D94A65}"/>
+                <a16:creationId xmlns:a16="http://schemas.microsoft.com/office/drawing/2014/main" xmlns="" id="{769A96FB-BA26-47C0-85BC-9E5A44D94A65}"/>
               </a:ext>
             </a:extLst>
           </p:cNvPr>
@@ -16241,7 +16180,7 @@
           <p:cNvPr id="13" name="Tekstvak 12">
             <a:extLst>
               <a:ext uri="{FF2B5EF4-FFF2-40B4-BE49-F238E27FC236}">
-                <a16:creationId xmlns="" xmlns:a16="http://schemas.microsoft.com/office/drawing/2014/main" id="{44CABAE1-B325-4747-910E-7EDC7EDD7625}"/>
+                <a16:creationId xmlns:a16="http://schemas.microsoft.com/office/drawing/2014/main" xmlns="" id="{44CABAE1-B325-4747-910E-7EDC7EDD7625}"/>
               </a:ext>
             </a:extLst>
           </p:cNvPr>
@@ -16295,7 +16234,7 @@
           <p:cNvPr id="7" name="AutoShape 2" descr="Afbeeldingsresultaat voor cel from human">
             <a:extLst>
               <a:ext uri="{FF2B5EF4-FFF2-40B4-BE49-F238E27FC236}">
-                <a16:creationId xmlns="" xmlns:a16="http://schemas.microsoft.com/office/drawing/2014/main" id="{BAA6AD35-A0AD-46FB-8C83-83697536AD9E}"/>
+                <a16:creationId xmlns:a16="http://schemas.microsoft.com/office/drawing/2014/main" xmlns="" id="{BAA6AD35-A0AD-46FB-8C83-83697536AD9E}"/>
               </a:ext>
             </a:extLst>
           </p:cNvPr>
@@ -16340,7 +16279,7 @@
           <p:cNvPr id="14" name="AutoShape 4" descr="Afbeeldingsresultaat voor cel from human">
             <a:extLst>
               <a:ext uri="{FF2B5EF4-FFF2-40B4-BE49-F238E27FC236}">
-                <a16:creationId xmlns="" xmlns:a16="http://schemas.microsoft.com/office/drawing/2014/main" id="{DE7F6D67-FFDD-4318-B4D9-E249E6758D4A}"/>
+                <a16:creationId xmlns:a16="http://schemas.microsoft.com/office/drawing/2014/main" xmlns="" id="{DE7F6D67-FFDD-4318-B4D9-E249E6758D4A}"/>
               </a:ext>
             </a:extLst>
           </p:cNvPr>
@@ -16385,7 +16324,7 @@
           <p:cNvPr id="16" name="Afbeelding 15">
             <a:extLst>
               <a:ext uri="{FF2B5EF4-FFF2-40B4-BE49-F238E27FC236}">
-                <a16:creationId xmlns="" xmlns:a16="http://schemas.microsoft.com/office/drawing/2014/main" id="{028B203A-6AFB-43CC-A2E5-888B735C297F}"/>
+                <a16:creationId xmlns:a16="http://schemas.microsoft.com/office/drawing/2014/main" xmlns="" id="{028B203A-6AFB-43CC-A2E5-888B735C297F}"/>
               </a:ext>
             </a:extLst>
           </p:cNvPr>
@@ -16421,7 +16360,7 @@
           <p:cNvPr id="19" name="Gelijkbenige driehoek 18">
             <a:extLst>
               <a:ext uri="{FF2B5EF4-FFF2-40B4-BE49-F238E27FC236}">
-                <a16:creationId xmlns="" xmlns:a16="http://schemas.microsoft.com/office/drawing/2014/main" id="{3473C7A5-6D55-4B8D-B912-17E38BDAAE6F}"/>
+                <a16:creationId xmlns:a16="http://schemas.microsoft.com/office/drawing/2014/main" xmlns="" id="{3473C7A5-6D55-4B8D-B912-17E38BDAAE6F}"/>
               </a:ext>
             </a:extLst>
           </p:cNvPr>
@@ -16480,7 +16419,7 @@
           <p:cNvPr id="21" name="Afbeelding 20">
             <a:extLst>
               <a:ext uri="{FF2B5EF4-FFF2-40B4-BE49-F238E27FC236}">
-                <a16:creationId xmlns="" xmlns:a16="http://schemas.microsoft.com/office/drawing/2014/main" id="{2E4ED76A-8CDE-4820-BEF2-FFF0CAB0FFC2}"/>
+                <a16:creationId xmlns:a16="http://schemas.microsoft.com/office/drawing/2014/main" xmlns="" id="{2E4ED76A-8CDE-4820-BEF2-FFF0CAB0FFC2}"/>
               </a:ext>
             </a:extLst>
           </p:cNvPr>
@@ -16510,7 +16449,7 @@
           <p:cNvPr id="27" name="Rechte verbindingslijn met pijl 26">
             <a:extLst>
               <a:ext uri="{FF2B5EF4-FFF2-40B4-BE49-F238E27FC236}">
-                <a16:creationId xmlns="" xmlns:a16="http://schemas.microsoft.com/office/drawing/2014/main" id="{B6D6B7F3-D443-497D-A36C-F4AAD657E543}"/>
+                <a16:creationId xmlns:a16="http://schemas.microsoft.com/office/drawing/2014/main" xmlns="" id="{B6D6B7F3-D443-497D-A36C-F4AAD657E543}"/>
               </a:ext>
             </a:extLst>
           </p:cNvPr>
@@ -16549,7 +16488,7 @@
           <p:cNvPr id="29" name="Tekstvak 28">
             <a:extLst>
               <a:ext uri="{FF2B5EF4-FFF2-40B4-BE49-F238E27FC236}">
-                <a16:creationId xmlns="" xmlns:a16="http://schemas.microsoft.com/office/drawing/2014/main" id="{3F5F8535-0F1D-4072-B4F7-ECC8E1EF4714}"/>
+                <a16:creationId xmlns:a16="http://schemas.microsoft.com/office/drawing/2014/main" xmlns="" id="{3F5F8535-0F1D-4072-B4F7-ECC8E1EF4714}"/>
               </a:ext>
             </a:extLst>
           </p:cNvPr>
@@ -16584,7 +16523,7 @@
           <p:cNvPr id="30" name="Tekstvak 29">
             <a:extLst>
               <a:ext uri="{FF2B5EF4-FFF2-40B4-BE49-F238E27FC236}">
-                <a16:creationId xmlns="" xmlns:a16="http://schemas.microsoft.com/office/drawing/2014/main" id="{60EFD1DE-A3E9-41CC-9FD4-3B5142326B68}"/>
+                <a16:creationId xmlns:a16="http://schemas.microsoft.com/office/drawing/2014/main" xmlns="" id="{60EFD1DE-A3E9-41CC-9FD4-3B5142326B68}"/>
               </a:ext>
             </a:extLst>
           </p:cNvPr>
@@ -16619,7 +16558,7 @@
           <p:cNvPr id="32" name="Afbeelding 31">
             <a:extLst>
               <a:ext uri="{FF2B5EF4-FFF2-40B4-BE49-F238E27FC236}">
-                <a16:creationId xmlns="" xmlns:a16="http://schemas.microsoft.com/office/drawing/2014/main" id="{C82A7316-9DC5-4909-BDE9-7B87FABBA20E}"/>
+                <a16:creationId xmlns:a16="http://schemas.microsoft.com/office/drawing/2014/main" xmlns="" id="{C82A7316-9DC5-4909-BDE9-7B87FABBA20E}"/>
               </a:ext>
             </a:extLst>
           </p:cNvPr>
@@ -16649,7 +16588,7 @@
           <p:cNvPr id="33" name="Tekstvak 32">
             <a:extLst>
               <a:ext uri="{FF2B5EF4-FFF2-40B4-BE49-F238E27FC236}">
-                <a16:creationId xmlns="" xmlns:a16="http://schemas.microsoft.com/office/drawing/2014/main" id="{08A6883E-74A6-4993-AEE7-75D7658C72D6}"/>
+                <a16:creationId xmlns:a16="http://schemas.microsoft.com/office/drawing/2014/main" xmlns="" id="{08A6883E-74A6-4993-AEE7-75D7658C72D6}"/>
               </a:ext>
             </a:extLst>
           </p:cNvPr>
@@ -16693,7 +16632,7 @@
           <p:cNvPr id="34" name="Tekstvak 33">
             <a:extLst>
               <a:ext uri="{FF2B5EF4-FFF2-40B4-BE49-F238E27FC236}">
-                <a16:creationId xmlns="" xmlns:a16="http://schemas.microsoft.com/office/drawing/2014/main" id="{C9B4D1B0-0456-4811-9964-B9C6B0442EF5}"/>
+                <a16:creationId xmlns:a16="http://schemas.microsoft.com/office/drawing/2014/main" xmlns="" id="{C9B4D1B0-0456-4811-9964-B9C6B0442EF5}"/>
               </a:ext>
             </a:extLst>
           </p:cNvPr>
@@ -16732,7 +16671,7 @@
           <p:cNvPr id="5" name="Afbeelding 4">
             <a:extLst>
               <a:ext uri="{FF2B5EF4-FFF2-40B4-BE49-F238E27FC236}">
-                <a16:creationId xmlns="" xmlns:a16="http://schemas.microsoft.com/office/drawing/2014/main" id="{B088EACF-3A30-4896-9D87-8885CB1F2FD9}"/>
+                <a16:creationId xmlns:a16="http://schemas.microsoft.com/office/drawing/2014/main" xmlns="" id="{B088EACF-3A30-4896-9D87-8885CB1F2FD9}"/>
               </a:ext>
             </a:extLst>
           </p:cNvPr>
@@ -16762,7 +16701,7 @@
           <p:cNvPr id="20" name="Tekstvak 19">
             <a:extLst>
               <a:ext uri="{FF2B5EF4-FFF2-40B4-BE49-F238E27FC236}">
-                <a16:creationId xmlns="" xmlns:a16="http://schemas.microsoft.com/office/drawing/2014/main" id="{CE3B85E5-3CCB-4EC6-94EE-27309E68CE64}"/>
+                <a16:creationId xmlns:a16="http://schemas.microsoft.com/office/drawing/2014/main" xmlns="" id="{CE3B85E5-3CCB-4EC6-94EE-27309E68CE64}"/>
               </a:ext>
             </a:extLst>
           </p:cNvPr>
@@ -16801,7 +16740,7 @@
           <p:cNvPr id="22" name="Tekstvak 21">
             <a:extLst>
               <a:ext uri="{FF2B5EF4-FFF2-40B4-BE49-F238E27FC236}">
-                <a16:creationId xmlns="" xmlns:a16="http://schemas.microsoft.com/office/drawing/2014/main" id="{308E4E88-489C-491C-8F2D-3708CA1AEE72}"/>
+                <a16:creationId xmlns:a16="http://schemas.microsoft.com/office/drawing/2014/main" xmlns="" id="{308E4E88-489C-491C-8F2D-3708CA1AEE72}"/>
               </a:ext>
             </a:extLst>
           </p:cNvPr>
@@ -16845,7 +16784,7 @@
           <p:cNvPr id="23" name="Rechte verbindingslijn met pijl 22">
             <a:extLst>
               <a:ext uri="{FF2B5EF4-FFF2-40B4-BE49-F238E27FC236}">
-                <a16:creationId xmlns="" xmlns:a16="http://schemas.microsoft.com/office/drawing/2014/main" id="{2DD99941-CDDE-42C7-A80E-0400BEDE76B9}"/>
+                <a16:creationId xmlns:a16="http://schemas.microsoft.com/office/drawing/2014/main" xmlns="" id="{2DD99941-CDDE-42C7-A80E-0400BEDE76B9}"/>
               </a:ext>
             </a:extLst>
           </p:cNvPr>
@@ -16886,7 +16825,7 @@
           <p:cNvPr id="3" name="Tekstvak 2">
             <a:extLst>
               <a:ext uri="{FF2B5EF4-FFF2-40B4-BE49-F238E27FC236}">
-                <a16:creationId xmlns="" xmlns:a16="http://schemas.microsoft.com/office/drawing/2014/main" id="{09C9D1F4-F032-4E5D-9A7C-FF1C6395C9AA}"/>
+                <a16:creationId xmlns:a16="http://schemas.microsoft.com/office/drawing/2014/main" xmlns="" id="{09C9D1F4-F032-4E5D-9A7C-FF1C6395C9AA}"/>
               </a:ext>
             </a:extLst>
           </p:cNvPr>
@@ -16994,7 +16933,7 @@
           <p:cNvPr id="2" name="Titel 1">
             <a:extLst>
               <a:ext uri="{FF2B5EF4-FFF2-40B4-BE49-F238E27FC236}">
-                <a16:creationId xmlns="" xmlns:a16="http://schemas.microsoft.com/office/drawing/2014/main" id="{769A96FB-BA26-47C0-85BC-9E5A44D94A65}"/>
+                <a16:creationId xmlns:a16="http://schemas.microsoft.com/office/drawing/2014/main" xmlns="" id="{769A96FB-BA26-47C0-85BC-9E5A44D94A65}"/>
               </a:ext>
             </a:extLst>
           </p:cNvPr>
@@ -17022,7 +16961,7 @@
           <p:cNvPr id="13" name="Tekstvak 12">
             <a:extLst>
               <a:ext uri="{FF2B5EF4-FFF2-40B4-BE49-F238E27FC236}">
-                <a16:creationId xmlns="" xmlns:a16="http://schemas.microsoft.com/office/drawing/2014/main" id="{44CABAE1-B325-4747-910E-7EDC7EDD7625}"/>
+                <a16:creationId xmlns:a16="http://schemas.microsoft.com/office/drawing/2014/main" xmlns="" id="{44CABAE1-B325-4747-910E-7EDC7EDD7625}"/>
               </a:ext>
             </a:extLst>
           </p:cNvPr>
@@ -17076,7 +17015,7 @@
           <p:cNvPr id="7" name="AutoShape 2" descr="Afbeeldingsresultaat voor cel from human">
             <a:extLst>
               <a:ext uri="{FF2B5EF4-FFF2-40B4-BE49-F238E27FC236}">
-                <a16:creationId xmlns="" xmlns:a16="http://schemas.microsoft.com/office/drawing/2014/main" id="{BAA6AD35-A0AD-46FB-8C83-83697536AD9E}"/>
+                <a16:creationId xmlns:a16="http://schemas.microsoft.com/office/drawing/2014/main" xmlns="" id="{BAA6AD35-A0AD-46FB-8C83-83697536AD9E}"/>
               </a:ext>
             </a:extLst>
           </p:cNvPr>
@@ -17121,7 +17060,7 @@
           <p:cNvPr id="14" name="AutoShape 4" descr="Afbeeldingsresultaat voor cel from human">
             <a:extLst>
               <a:ext uri="{FF2B5EF4-FFF2-40B4-BE49-F238E27FC236}">
-                <a16:creationId xmlns="" xmlns:a16="http://schemas.microsoft.com/office/drawing/2014/main" id="{DE7F6D67-FFDD-4318-B4D9-E249E6758D4A}"/>
+                <a16:creationId xmlns:a16="http://schemas.microsoft.com/office/drawing/2014/main" xmlns="" id="{DE7F6D67-FFDD-4318-B4D9-E249E6758D4A}"/>
               </a:ext>
             </a:extLst>
           </p:cNvPr>
@@ -17166,7 +17105,7 @@
           <p:cNvPr id="16" name="Afbeelding 15">
             <a:extLst>
               <a:ext uri="{FF2B5EF4-FFF2-40B4-BE49-F238E27FC236}">
-                <a16:creationId xmlns="" xmlns:a16="http://schemas.microsoft.com/office/drawing/2014/main" id="{028B203A-6AFB-43CC-A2E5-888B735C297F}"/>
+                <a16:creationId xmlns:a16="http://schemas.microsoft.com/office/drawing/2014/main" xmlns="" id="{028B203A-6AFB-43CC-A2E5-888B735C297F}"/>
               </a:ext>
             </a:extLst>
           </p:cNvPr>
@@ -17202,7 +17141,7 @@
           <p:cNvPr id="19" name="Gelijkbenige driehoek 18">
             <a:extLst>
               <a:ext uri="{FF2B5EF4-FFF2-40B4-BE49-F238E27FC236}">
-                <a16:creationId xmlns="" xmlns:a16="http://schemas.microsoft.com/office/drawing/2014/main" id="{3473C7A5-6D55-4B8D-B912-17E38BDAAE6F}"/>
+                <a16:creationId xmlns:a16="http://schemas.microsoft.com/office/drawing/2014/main" xmlns="" id="{3473C7A5-6D55-4B8D-B912-17E38BDAAE6F}"/>
               </a:ext>
             </a:extLst>
           </p:cNvPr>
@@ -17261,7 +17200,7 @@
           <p:cNvPr id="21" name="Afbeelding 20">
             <a:extLst>
               <a:ext uri="{FF2B5EF4-FFF2-40B4-BE49-F238E27FC236}">
-                <a16:creationId xmlns="" xmlns:a16="http://schemas.microsoft.com/office/drawing/2014/main" id="{2E4ED76A-8CDE-4820-BEF2-FFF0CAB0FFC2}"/>
+                <a16:creationId xmlns:a16="http://schemas.microsoft.com/office/drawing/2014/main" xmlns="" id="{2E4ED76A-8CDE-4820-BEF2-FFF0CAB0FFC2}"/>
               </a:ext>
             </a:extLst>
           </p:cNvPr>
@@ -17291,7 +17230,7 @@
           <p:cNvPr id="27" name="Rechte verbindingslijn met pijl 26">
             <a:extLst>
               <a:ext uri="{FF2B5EF4-FFF2-40B4-BE49-F238E27FC236}">
-                <a16:creationId xmlns="" xmlns:a16="http://schemas.microsoft.com/office/drawing/2014/main" id="{B6D6B7F3-D443-497D-A36C-F4AAD657E543}"/>
+                <a16:creationId xmlns:a16="http://schemas.microsoft.com/office/drawing/2014/main" xmlns="" id="{B6D6B7F3-D443-497D-A36C-F4AAD657E543}"/>
               </a:ext>
             </a:extLst>
           </p:cNvPr>
@@ -17330,7 +17269,7 @@
           <p:cNvPr id="29" name="Tekstvak 28">
             <a:extLst>
               <a:ext uri="{FF2B5EF4-FFF2-40B4-BE49-F238E27FC236}">
-                <a16:creationId xmlns="" xmlns:a16="http://schemas.microsoft.com/office/drawing/2014/main" id="{3F5F8535-0F1D-4072-B4F7-ECC8E1EF4714}"/>
+                <a16:creationId xmlns:a16="http://schemas.microsoft.com/office/drawing/2014/main" xmlns="" id="{3F5F8535-0F1D-4072-B4F7-ECC8E1EF4714}"/>
               </a:ext>
             </a:extLst>
           </p:cNvPr>
@@ -17365,7 +17304,7 @@
           <p:cNvPr id="30" name="Tekstvak 29">
             <a:extLst>
               <a:ext uri="{FF2B5EF4-FFF2-40B4-BE49-F238E27FC236}">
-                <a16:creationId xmlns="" xmlns:a16="http://schemas.microsoft.com/office/drawing/2014/main" id="{60EFD1DE-A3E9-41CC-9FD4-3B5142326B68}"/>
+                <a16:creationId xmlns:a16="http://schemas.microsoft.com/office/drawing/2014/main" xmlns="" id="{60EFD1DE-A3E9-41CC-9FD4-3B5142326B68}"/>
               </a:ext>
             </a:extLst>
           </p:cNvPr>
@@ -17400,7 +17339,7 @@
           <p:cNvPr id="32" name="Afbeelding 31">
             <a:extLst>
               <a:ext uri="{FF2B5EF4-FFF2-40B4-BE49-F238E27FC236}">
-                <a16:creationId xmlns="" xmlns:a16="http://schemas.microsoft.com/office/drawing/2014/main" id="{C82A7316-9DC5-4909-BDE9-7B87FABBA20E}"/>
+                <a16:creationId xmlns:a16="http://schemas.microsoft.com/office/drawing/2014/main" xmlns="" id="{C82A7316-9DC5-4909-BDE9-7B87FABBA20E}"/>
               </a:ext>
             </a:extLst>
           </p:cNvPr>
@@ -17430,7 +17369,7 @@
           <p:cNvPr id="33" name="Tekstvak 32">
             <a:extLst>
               <a:ext uri="{FF2B5EF4-FFF2-40B4-BE49-F238E27FC236}">
-                <a16:creationId xmlns="" xmlns:a16="http://schemas.microsoft.com/office/drawing/2014/main" id="{08A6883E-74A6-4993-AEE7-75D7658C72D6}"/>
+                <a16:creationId xmlns:a16="http://schemas.microsoft.com/office/drawing/2014/main" xmlns="" id="{08A6883E-74A6-4993-AEE7-75D7658C72D6}"/>
               </a:ext>
             </a:extLst>
           </p:cNvPr>
@@ -17474,7 +17413,7 @@
           <p:cNvPr id="34" name="Tekstvak 33">
             <a:extLst>
               <a:ext uri="{FF2B5EF4-FFF2-40B4-BE49-F238E27FC236}">
-                <a16:creationId xmlns="" xmlns:a16="http://schemas.microsoft.com/office/drawing/2014/main" id="{C9B4D1B0-0456-4811-9964-B9C6B0442EF5}"/>
+                <a16:creationId xmlns:a16="http://schemas.microsoft.com/office/drawing/2014/main" xmlns="" id="{C9B4D1B0-0456-4811-9964-B9C6B0442EF5}"/>
               </a:ext>
             </a:extLst>
           </p:cNvPr>
@@ -17513,7 +17452,7 @@
           <p:cNvPr id="5" name="Afbeelding 4">
             <a:extLst>
               <a:ext uri="{FF2B5EF4-FFF2-40B4-BE49-F238E27FC236}">
-                <a16:creationId xmlns="" xmlns:a16="http://schemas.microsoft.com/office/drawing/2014/main" id="{B088EACF-3A30-4896-9D87-8885CB1F2FD9}"/>
+                <a16:creationId xmlns:a16="http://schemas.microsoft.com/office/drawing/2014/main" xmlns="" id="{B088EACF-3A30-4896-9D87-8885CB1F2FD9}"/>
               </a:ext>
             </a:extLst>
           </p:cNvPr>
@@ -17543,7 +17482,7 @@
           <p:cNvPr id="20" name="Tekstvak 19">
             <a:extLst>
               <a:ext uri="{FF2B5EF4-FFF2-40B4-BE49-F238E27FC236}">
-                <a16:creationId xmlns="" xmlns:a16="http://schemas.microsoft.com/office/drawing/2014/main" id="{CE3B85E5-3CCB-4EC6-94EE-27309E68CE64}"/>
+                <a16:creationId xmlns:a16="http://schemas.microsoft.com/office/drawing/2014/main" xmlns="" id="{CE3B85E5-3CCB-4EC6-94EE-27309E68CE64}"/>
               </a:ext>
             </a:extLst>
           </p:cNvPr>
@@ -17582,7 +17521,7 @@
           <p:cNvPr id="22" name="Tekstvak 21">
             <a:extLst>
               <a:ext uri="{FF2B5EF4-FFF2-40B4-BE49-F238E27FC236}">
-                <a16:creationId xmlns="" xmlns:a16="http://schemas.microsoft.com/office/drawing/2014/main" id="{308E4E88-489C-491C-8F2D-3708CA1AEE72}"/>
+                <a16:creationId xmlns:a16="http://schemas.microsoft.com/office/drawing/2014/main" xmlns="" id="{308E4E88-489C-491C-8F2D-3708CA1AEE72}"/>
               </a:ext>
             </a:extLst>
           </p:cNvPr>
@@ -17626,7 +17565,7 @@
           <p:cNvPr id="23" name="Rechte verbindingslijn met pijl 22">
             <a:extLst>
               <a:ext uri="{FF2B5EF4-FFF2-40B4-BE49-F238E27FC236}">
-                <a16:creationId xmlns="" xmlns:a16="http://schemas.microsoft.com/office/drawing/2014/main" id="{2DD99941-CDDE-42C7-A80E-0400BEDE76B9}"/>
+                <a16:creationId xmlns:a16="http://schemas.microsoft.com/office/drawing/2014/main" xmlns="" id="{2DD99941-CDDE-42C7-A80E-0400BEDE76B9}"/>
               </a:ext>
             </a:extLst>
           </p:cNvPr>
@@ -17667,7 +17606,7 @@
           <p:cNvPr id="3" name="Tekstvak 2">
             <a:extLst>
               <a:ext uri="{FF2B5EF4-FFF2-40B4-BE49-F238E27FC236}">
-                <a16:creationId xmlns="" xmlns:a16="http://schemas.microsoft.com/office/drawing/2014/main" id="{09C9D1F4-F032-4E5D-9A7C-FF1C6395C9AA}"/>
+                <a16:creationId xmlns:a16="http://schemas.microsoft.com/office/drawing/2014/main" xmlns="" id="{09C9D1F4-F032-4E5D-9A7C-FF1C6395C9AA}"/>
               </a:ext>
             </a:extLst>
           </p:cNvPr>
@@ -17745,7 +17684,7 @@
           <p:cNvPr id="4" name="Rechthoek: afgeronde hoeken 3">
             <a:extLst>
               <a:ext uri="{FF2B5EF4-FFF2-40B4-BE49-F238E27FC236}">
-                <a16:creationId xmlns="" xmlns:a16="http://schemas.microsoft.com/office/drawing/2014/main" id="{7030C92F-7460-4CD0-AC3E-DFDBBFE02B78}"/>
+                <a16:creationId xmlns:a16="http://schemas.microsoft.com/office/drawing/2014/main" xmlns="" id="{7030C92F-7460-4CD0-AC3E-DFDBBFE02B78}"/>
               </a:ext>
             </a:extLst>
           </p:cNvPr>
@@ -17799,7 +17738,7 @@
           <p:cNvPr id="6" name="Tekstvak 5">
             <a:extLst>
               <a:ext uri="{FF2B5EF4-FFF2-40B4-BE49-F238E27FC236}">
-                <a16:creationId xmlns="" xmlns:a16="http://schemas.microsoft.com/office/drawing/2014/main" id="{06236ACC-5C22-4120-A532-40542026AAA4}"/>
+                <a16:creationId xmlns:a16="http://schemas.microsoft.com/office/drawing/2014/main" xmlns="" id="{06236ACC-5C22-4120-A532-40542026AAA4}"/>
               </a:ext>
             </a:extLst>
           </p:cNvPr>
@@ -17878,7 +17817,7 @@
           <p:cNvPr id="2" name="Titel 1">
             <a:extLst>
               <a:ext uri="{FF2B5EF4-FFF2-40B4-BE49-F238E27FC236}">
-                <a16:creationId xmlns="" xmlns:a16="http://schemas.microsoft.com/office/drawing/2014/main" id="{769A96FB-BA26-47C0-85BC-9E5A44D94A65}"/>
+                <a16:creationId xmlns:a16="http://schemas.microsoft.com/office/drawing/2014/main" xmlns="" id="{769A96FB-BA26-47C0-85BC-9E5A44D94A65}"/>
               </a:ext>
             </a:extLst>
           </p:cNvPr>
@@ -17906,7 +17845,7 @@
           <p:cNvPr id="5" name="Tijdelijke aanduiding voor inhoud 4">
             <a:extLst>
               <a:ext uri="{FF2B5EF4-FFF2-40B4-BE49-F238E27FC236}">
-                <a16:creationId xmlns="" xmlns:a16="http://schemas.microsoft.com/office/drawing/2014/main" id="{82F9B9FE-1870-4902-A7DB-4B27D59D2B2B}"/>
+                <a16:creationId xmlns:a16="http://schemas.microsoft.com/office/drawing/2014/main" xmlns="" id="{82F9B9FE-1870-4902-A7DB-4B27D59D2B2B}"/>
               </a:ext>
             </a:extLst>
           </p:cNvPr>
@@ -17941,7 +17880,7 @@
           <p:cNvPr id="13" name="Tekstvak 12">
             <a:extLst>
               <a:ext uri="{FF2B5EF4-FFF2-40B4-BE49-F238E27FC236}">
-                <a16:creationId xmlns="" xmlns:a16="http://schemas.microsoft.com/office/drawing/2014/main" id="{44CABAE1-B325-4747-910E-7EDC7EDD7625}"/>
+                <a16:creationId xmlns:a16="http://schemas.microsoft.com/office/drawing/2014/main" xmlns="" id="{44CABAE1-B325-4747-910E-7EDC7EDD7625}"/>
               </a:ext>
             </a:extLst>
           </p:cNvPr>
@@ -17995,7 +17934,7 @@
           <p:cNvPr id="14" name="Afbeelding 13">
             <a:extLst>
               <a:ext uri="{FF2B5EF4-FFF2-40B4-BE49-F238E27FC236}">
-                <a16:creationId xmlns="" xmlns:a16="http://schemas.microsoft.com/office/drawing/2014/main" id="{F67612D4-1C0C-40D2-972D-04F12DDE0F60}"/>
+                <a16:creationId xmlns:a16="http://schemas.microsoft.com/office/drawing/2014/main" xmlns="" id="{F67612D4-1C0C-40D2-972D-04F12DDE0F60}"/>
               </a:ext>
             </a:extLst>
           </p:cNvPr>
@@ -18025,7 +17964,7 @@
           <p:cNvPr id="3" name="Tekstvak 2">
             <a:extLst>
               <a:ext uri="{FF2B5EF4-FFF2-40B4-BE49-F238E27FC236}">
-                <a16:creationId xmlns="" xmlns:a16="http://schemas.microsoft.com/office/drawing/2014/main" id="{C26579A7-5154-43F0-8824-0FAFC9CD4201}"/>
+                <a16:creationId xmlns:a16="http://schemas.microsoft.com/office/drawing/2014/main" xmlns="" id="{C26579A7-5154-43F0-8824-0FAFC9CD4201}"/>
               </a:ext>
             </a:extLst>
           </p:cNvPr>
@@ -18060,7 +17999,7 @@
           <p:cNvPr id="4" name="Tekstvak 3">
             <a:extLst>
               <a:ext uri="{FF2B5EF4-FFF2-40B4-BE49-F238E27FC236}">
-                <a16:creationId xmlns="" xmlns:a16="http://schemas.microsoft.com/office/drawing/2014/main" id="{1F03EA5B-9405-4FF2-A715-0E995B30C408}"/>
+                <a16:creationId xmlns:a16="http://schemas.microsoft.com/office/drawing/2014/main" xmlns="" id="{1F03EA5B-9405-4FF2-A715-0E995B30C408}"/>
               </a:ext>
             </a:extLst>
           </p:cNvPr>
@@ -18095,7 +18034,7 @@
           <p:cNvPr id="17" name="Rechte verbindingslijn met pijl 16">
             <a:extLst>
               <a:ext uri="{FF2B5EF4-FFF2-40B4-BE49-F238E27FC236}">
-                <a16:creationId xmlns="" xmlns:a16="http://schemas.microsoft.com/office/drawing/2014/main" id="{4354D81E-79D5-49F9-8B3E-FFC4DC3E61F5}"/>
+                <a16:creationId xmlns:a16="http://schemas.microsoft.com/office/drawing/2014/main" xmlns="" id="{4354D81E-79D5-49F9-8B3E-FFC4DC3E61F5}"/>
               </a:ext>
             </a:extLst>
           </p:cNvPr>
@@ -18166,7 +18105,7 @@
           <p:cNvPr id="2" name="Titel 1">
             <a:extLst>
               <a:ext uri="{FF2B5EF4-FFF2-40B4-BE49-F238E27FC236}">
-                <a16:creationId xmlns="" xmlns:a16="http://schemas.microsoft.com/office/drawing/2014/main" id="{769A96FB-BA26-47C0-85BC-9E5A44D94A65}"/>
+                <a16:creationId xmlns:a16="http://schemas.microsoft.com/office/drawing/2014/main" xmlns="" id="{769A96FB-BA26-47C0-85BC-9E5A44D94A65}"/>
               </a:ext>
             </a:extLst>
           </p:cNvPr>
@@ -18194,7 +18133,7 @@
           <p:cNvPr id="5" name="Tijdelijke aanduiding voor inhoud 4">
             <a:extLst>
               <a:ext uri="{FF2B5EF4-FFF2-40B4-BE49-F238E27FC236}">
-                <a16:creationId xmlns="" xmlns:a16="http://schemas.microsoft.com/office/drawing/2014/main" id="{82F9B9FE-1870-4902-A7DB-4B27D59D2B2B}"/>
+                <a16:creationId xmlns:a16="http://schemas.microsoft.com/office/drawing/2014/main" xmlns="" id="{82F9B9FE-1870-4902-A7DB-4B27D59D2B2B}"/>
               </a:ext>
             </a:extLst>
           </p:cNvPr>
@@ -18229,7 +18168,7 @@
           <p:cNvPr id="13" name="Tekstvak 12">
             <a:extLst>
               <a:ext uri="{FF2B5EF4-FFF2-40B4-BE49-F238E27FC236}">
-                <a16:creationId xmlns="" xmlns:a16="http://schemas.microsoft.com/office/drawing/2014/main" id="{44CABAE1-B325-4747-910E-7EDC7EDD7625}"/>
+                <a16:creationId xmlns:a16="http://schemas.microsoft.com/office/drawing/2014/main" xmlns="" id="{44CABAE1-B325-4747-910E-7EDC7EDD7625}"/>
               </a:ext>
             </a:extLst>
           </p:cNvPr>
@@ -18283,7 +18222,7 @@
           <p:cNvPr id="14" name="Afbeelding 13">
             <a:extLst>
               <a:ext uri="{FF2B5EF4-FFF2-40B4-BE49-F238E27FC236}">
-                <a16:creationId xmlns="" xmlns:a16="http://schemas.microsoft.com/office/drawing/2014/main" id="{F67612D4-1C0C-40D2-972D-04F12DDE0F60}"/>
+                <a16:creationId xmlns:a16="http://schemas.microsoft.com/office/drawing/2014/main" xmlns="" id="{F67612D4-1C0C-40D2-972D-04F12DDE0F60}"/>
               </a:ext>
             </a:extLst>
           </p:cNvPr>
@@ -18313,7 +18252,7 @@
           <p:cNvPr id="3" name="Tekstvak 2">
             <a:extLst>
               <a:ext uri="{FF2B5EF4-FFF2-40B4-BE49-F238E27FC236}">
-                <a16:creationId xmlns="" xmlns:a16="http://schemas.microsoft.com/office/drawing/2014/main" id="{C26579A7-5154-43F0-8824-0FAFC9CD4201}"/>
+                <a16:creationId xmlns:a16="http://schemas.microsoft.com/office/drawing/2014/main" xmlns="" id="{C26579A7-5154-43F0-8824-0FAFC9CD4201}"/>
               </a:ext>
             </a:extLst>
           </p:cNvPr>
@@ -18348,7 +18287,7 @@
           <p:cNvPr id="4" name="Tekstvak 3">
             <a:extLst>
               <a:ext uri="{FF2B5EF4-FFF2-40B4-BE49-F238E27FC236}">
-                <a16:creationId xmlns="" xmlns:a16="http://schemas.microsoft.com/office/drawing/2014/main" id="{1F03EA5B-9405-4FF2-A715-0E995B30C408}"/>
+                <a16:creationId xmlns:a16="http://schemas.microsoft.com/office/drawing/2014/main" xmlns="" id="{1F03EA5B-9405-4FF2-A715-0E995B30C408}"/>
               </a:ext>
             </a:extLst>
           </p:cNvPr>
@@ -18383,7 +18322,7 @@
           <p:cNvPr id="17" name="Rechte verbindingslijn met pijl 16">
             <a:extLst>
               <a:ext uri="{FF2B5EF4-FFF2-40B4-BE49-F238E27FC236}">
-                <a16:creationId xmlns="" xmlns:a16="http://schemas.microsoft.com/office/drawing/2014/main" id="{4354D81E-79D5-49F9-8B3E-FFC4DC3E61F5}"/>
+                <a16:creationId xmlns:a16="http://schemas.microsoft.com/office/drawing/2014/main" xmlns="" id="{4354D81E-79D5-49F9-8B3E-FFC4DC3E61F5}"/>
               </a:ext>
             </a:extLst>
           </p:cNvPr>
@@ -18424,7 +18363,7 @@
           <p:cNvPr id="7170" name="Picture 2" descr="Afbeeldingsresultaat voor hammer drawing">
             <a:extLst>
               <a:ext uri="{FF2B5EF4-FFF2-40B4-BE49-F238E27FC236}">
-                <a16:creationId xmlns="" xmlns:a16="http://schemas.microsoft.com/office/drawing/2014/main" id="{ACB393D5-86CC-4AAD-A571-9E26D25E2E0B}"/>
+                <a16:creationId xmlns:a16="http://schemas.microsoft.com/office/drawing/2014/main" xmlns="" id="{ACB393D5-86CC-4AAD-A571-9E26D25E2E0B}"/>
               </a:ext>
             </a:extLst>
           </p:cNvPr>
@@ -18471,7 +18410,7 @@
           <p:cNvPr id="6" name="Gedachtewolkje: wolk 5">
             <a:extLst>
               <a:ext uri="{FF2B5EF4-FFF2-40B4-BE49-F238E27FC236}">
-                <a16:creationId xmlns="" xmlns:a16="http://schemas.microsoft.com/office/drawing/2014/main" id="{39AC6EFF-786A-42AC-971E-B03EAAA5119B}"/>
+                <a16:creationId xmlns:a16="http://schemas.microsoft.com/office/drawing/2014/main" xmlns="" id="{39AC6EFF-786A-42AC-971E-B03EAAA5119B}"/>
               </a:ext>
             </a:extLst>
           </p:cNvPr>
@@ -18533,7 +18472,7 @@
           <p:cNvPr id="7172" name="Picture 4" descr="Afbeeldingsresultaat voor bouwpakket tekening">
             <a:extLst>
               <a:ext uri="{FF2B5EF4-FFF2-40B4-BE49-F238E27FC236}">
-                <a16:creationId xmlns="" xmlns:a16="http://schemas.microsoft.com/office/drawing/2014/main" id="{4A471D98-FB95-4C4D-AE0F-FD069389E87D}"/>
+                <a16:creationId xmlns:a16="http://schemas.microsoft.com/office/drawing/2014/main" xmlns="" id="{4A471D98-FB95-4C4D-AE0F-FD069389E87D}"/>
               </a:ext>
             </a:extLst>
           </p:cNvPr>
@@ -18610,7 +18549,7 @@
           <p:cNvPr id="2" name="Titel 1">
             <a:extLst>
               <a:ext uri="{FF2B5EF4-FFF2-40B4-BE49-F238E27FC236}">
-                <a16:creationId xmlns="" xmlns:a16="http://schemas.microsoft.com/office/drawing/2014/main" id="{769A96FB-BA26-47C0-85BC-9E5A44D94A65}"/>
+                <a16:creationId xmlns:a16="http://schemas.microsoft.com/office/drawing/2014/main" xmlns="" id="{769A96FB-BA26-47C0-85BC-9E5A44D94A65}"/>
               </a:ext>
             </a:extLst>
           </p:cNvPr>
@@ -18638,7 +18577,7 @@
           <p:cNvPr id="5" name="Tijdelijke aanduiding voor inhoud 4">
             <a:extLst>
               <a:ext uri="{FF2B5EF4-FFF2-40B4-BE49-F238E27FC236}">
-                <a16:creationId xmlns="" xmlns:a16="http://schemas.microsoft.com/office/drawing/2014/main" id="{82F9B9FE-1870-4902-A7DB-4B27D59D2B2B}"/>
+                <a16:creationId xmlns:a16="http://schemas.microsoft.com/office/drawing/2014/main" xmlns="" id="{82F9B9FE-1870-4902-A7DB-4B27D59D2B2B}"/>
               </a:ext>
             </a:extLst>
           </p:cNvPr>
@@ -18673,7 +18612,7 @@
           <p:cNvPr id="13" name="Tekstvak 12">
             <a:extLst>
               <a:ext uri="{FF2B5EF4-FFF2-40B4-BE49-F238E27FC236}">
-                <a16:creationId xmlns="" xmlns:a16="http://schemas.microsoft.com/office/drawing/2014/main" id="{44CABAE1-B325-4747-910E-7EDC7EDD7625}"/>
+                <a16:creationId xmlns:a16="http://schemas.microsoft.com/office/drawing/2014/main" xmlns="" id="{44CABAE1-B325-4747-910E-7EDC7EDD7625}"/>
               </a:ext>
             </a:extLst>
           </p:cNvPr>
@@ -18727,7 +18666,7 @@
           <p:cNvPr id="14" name="Afbeelding 13">
             <a:extLst>
               <a:ext uri="{FF2B5EF4-FFF2-40B4-BE49-F238E27FC236}">
-                <a16:creationId xmlns="" xmlns:a16="http://schemas.microsoft.com/office/drawing/2014/main" id="{F67612D4-1C0C-40D2-972D-04F12DDE0F60}"/>
+                <a16:creationId xmlns:a16="http://schemas.microsoft.com/office/drawing/2014/main" xmlns="" id="{F67612D4-1C0C-40D2-972D-04F12DDE0F60}"/>
               </a:ext>
             </a:extLst>
           </p:cNvPr>
@@ -18757,7 +18696,7 @@
           <p:cNvPr id="3" name="Tekstvak 2">
             <a:extLst>
               <a:ext uri="{FF2B5EF4-FFF2-40B4-BE49-F238E27FC236}">
-                <a16:creationId xmlns="" xmlns:a16="http://schemas.microsoft.com/office/drawing/2014/main" id="{C26579A7-5154-43F0-8824-0FAFC9CD4201}"/>
+                <a16:creationId xmlns:a16="http://schemas.microsoft.com/office/drawing/2014/main" xmlns="" id="{C26579A7-5154-43F0-8824-0FAFC9CD4201}"/>
               </a:ext>
             </a:extLst>
           </p:cNvPr>
@@ -18792,7 +18731,7 @@
           <p:cNvPr id="4" name="Tekstvak 3">
             <a:extLst>
               <a:ext uri="{FF2B5EF4-FFF2-40B4-BE49-F238E27FC236}">
-                <a16:creationId xmlns="" xmlns:a16="http://schemas.microsoft.com/office/drawing/2014/main" id="{1F03EA5B-9405-4FF2-A715-0E995B30C408}"/>
+                <a16:creationId xmlns:a16="http://schemas.microsoft.com/office/drawing/2014/main" xmlns="" id="{1F03EA5B-9405-4FF2-A715-0E995B30C408}"/>
               </a:ext>
             </a:extLst>
           </p:cNvPr>
@@ -18827,7 +18766,7 @@
           <p:cNvPr id="17" name="Rechte verbindingslijn met pijl 16">
             <a:extLst>
               <a:ext uri="{FF2B5EF4-FFF2-40B4-BE49-F238E27FC236}">
-                <a16:creationId xmlns="" xmlns:a16="http://schemas.microsoft.com/office/drawing/2014/main" id="{4354D81E-79D5-49F9-8B3E-FFC4DC3E61F5}"/>
+                <a16:creationId xmlns:a16="http://schemas.microsoft.com/office/drawing/2014/main" xmlns="" id="{4354D81E-79D5-49F9-8B3E-FFC4DC3E61F5}"/>
               </a:ext>
             </a:extLst>
           </p:cNvPr>
@@ -18868,7 +18807,7 @@
           <p:cNvPr id="7170" name="Picture 2" descr="Afbeeldingsresultaat voor hammer drawing">
             <a:extLst>
               <a:ext uri="{FF2B5EF4-FFF2-40B4-BE49-F238E27FC236}">
-                <a16:creationId xmlns="" xmlns:a16="http://schemas.microsoft.com/office/drawing/2014/main" id="{ACB393D5-86CC-4AAD-A571-9E26D25E2E0B}"/>
+                <a16:creationId xmlns:a16="http://schemas.microsoft.com/office/drawing/2014/main" xmlns="" id="{ACB393D5-86CC-4AAD-A571-9E26D25E2E0B}"/>
               </a:ext>
             </a:extLst>
           </p:cNvPr>
@@ -18915,7 +18854,7 @@
           <p:cNvPr id="6" name="Gedachtewolkje: wolk 5">
             <a:extLst>
               <a:ext uri="{FF2B5EF4-FFF2-40B4-BE49-F238E27FC236}">
-                <a16:creationId xmlns="" xmlns:a16="http://schemas.microsoft.com/office/drawing/2014/main" id="{39AC6EFF-786A-42AC-971E-B03EAAA5119B}"/>
+                <a16:creationId xmlns:a16="http://schemas.microsoft.com/office/drawing/2014/main" xmlns="" id="{39AC6EFF-786A-42AC-971E-B03EAAA5119B}"/>
               </a:ext>
             </a:extLst>
           </p:cNvPr>
@@ -18977,7 +18916,7 @@
           <p:cNvPr id="7172" name="Picture 4" descr="Afbeeldingsresultaat voor bouwpakket tekening">
             <a:extLst>
               <a:ext uri="{FF2B5EF4-FFF2-40B4-BE49-F238E27FC236}">
-                <a16:creationId xmlns="" xmlns:a16="http://schemas.microsoft.com/office/drawing/2014/main" id="{4A471D98-FB95-4C4D-AE0F-FD069389E87D}"/>
+                <a16:creationId xmlns:a16="http://schemas.microsoft.com/office/drawing/2014/main" xmlns="" id="{4A471D98-FB95-4C4D-AE0F-FD069389E87D}"/>
               </a:ext>
             </a:extLst>
           </p:cNvPr>
@@ -19024,7 +18963,7 @@
           <p:cNvPr id="12" name="Ovaal 11">
             <a:extLst>
               <a:ext uri="{FF2B5EF4-FFF2-40B4-BE49-F238E27FC236}">
-                <a16:creationId xmlns="" xmlns:a16="http://schemas.microsoft.com/office/drawing/2014/main" id="{702660D4-5C08-4FC9-B5F9-92B2E32F1F54}"/>
+                <a16:creationId xmlns:a16="http://schemas.microsoft.com/office/drawing/2014/main" xmlns="" id="{702660D4-5C08-4FC9-B5F9-92B2E32F1F54}"/>
               </a:ext>
             </a:extLst>
           </p:cNvPr>
@@ -19082,7 +19021,7 @@
           <p:cNvPr id="15" name="Ovaal 14">
             <a:extLst>
               <a:ext uri="{FF2B5EF4-FFF2-40B4-BE49-F238E27FC236}">
-                <a16:creationId xmlns="" xmlns:a16="http://schemas.microsoft.com/office/drawing/2014/main" id="{6F886743-BD7C-498D-8470-3AFF63CE3A2E}"/>
+                <a16:creationId xmlns:a16="http://schemas.microsoft.com/office/drawing/2014/main" xmlns="" id="{6F886743-BD7C-498D-8470-3AFF63CE3A2E}"/>
               </a:ext>
             </a:extLst>
           </p:cNvPr>
@@ -19140,7 +19079,7 @@
           <p:cNvPr id="16" name="Ovaal 15">
             <a:extLst>
               <a:ext uri="{FF2B5EF4-FFF2-40B4-BE49-F238E27FC236}">
-                <a16:creationId xmlns="" xmlns:a16="http://schemas.microsoft.com/office/drawing/2014/main" id="{2800E1DF-3D08-42B9-9EA7-18A4D608B1AD}"/>
+                <a16:creationId xmlns:a16="http://schemas.microsoft.com/office/drawing/2014/main" xmlns="" id="{2800E1DF-3D08-42B9-9EA7-18A4D608B1AD}"/>
               </a:ext>
             </a:extLst>
           </p:cNvPr>
@@ -19198,7 +19137,7 @@
           <p:cNvPr id="18" name="Ovaal 17">
             <a:extLst>
               <a:ext uri="{FF2B5EF4-FFF2-40B4-BE49-F238E27FC236}">
-                <a16:creationId xmlns="" xmlns:a16="http://schemas.microsoft.com/office/drawing/2014/main" id="{71B22304-31D6-4B7A-9A07-E9729C3946DC}"/>
+                <a16:creationId xmlns:a16="http://schemas.microsoft.com/office/drawing/2014/main" xmlns="" id="{71B22304-31D6-4B7A-9A07-E9729C3946DC}"/>
               </a:ext>
             </a:extLst>
           </p:cNvPr>
@@ -19256,7 +19195,7 @@
           <p:cNvPr id="19" name="Ovaal 18">
             <a:extLst>
               <a:ext uri="{FF2B5EF4-FFF2-40B4-BE49-F238E27FC236}">
-                <a16:creationId xmlns="" xmlns:a16="http://schemas.microsoft.com/office/drawing/2014/main" id="{4CB9A837-B23B-40E2-B9FD-2ED58D3175F2}"/>
+                <a16:creationId xmlns:a16="http://schemas.microsoft.com/office/drawing/2014/main" xmlns="" id="{4CB9A837-B23B-40E2-B9FD-2ED58D3175F2}"/>
               </a:ext>
             </a:extLst>
           </p:cNvPr>
@@ -19314,7 +19253,7 @@
           <p:cNvPr id="20" name="Ovaal 19">
             <a:extLst>
               <a:ext uri="{FF2B5EF4-FFF2-40B4-BE49-F238E27FC236}">
-                <a16:creationId xmlns="" xmlns:a16="http://schemas.microsoft.com/office/drawing/2014/main" id="{356FEE7C-9D16-4FA9-AC43-61E03FD7F12E}"/>
+                <a16:creationId xmlns:a16="http://schemas.microsoft.com/office/drawing/2014/main" xmlns="" id="{356FEE7C-9D16-4FA9-AC43-61E03FD7F12E}"/>
               </a:ext>
             </a:extLst>
           </p:cNvPr>
@@ -19372,7 +19311,7 @@
           <p:cNvPr id="21" name="Ovaal 20">
             <a:extLst>
               <a:ext uri="{FF2B5EF4-FFF2-40B4-BE49-F238E27FC236}">
-                <a16:creationId xmlns="" xmlns:a16="http://schemas.microsoft.com/office/drawing/2014/main" id="{C7B6E4EE-D18E-4E99-90D9-8CD79FAB3E66}"/>
+                <a16:creationId xmlns:a16="http://schemas.microsoft.com/office/drawing/2014/main" xmlns="" id="{C7B6E4EE-D18E-4E99-90D9-8CD79FAB3E66}"/>
               </a:ext>
             </a:extLst>
           </p:cNvPr>
@@ -19430,7 +19369,7 @@
           <p:cNvPr id="22" name="Ovaal 21">
             <a:extLst>
               <a:ext uri="{FF2B5EF4-FFF2-40B4-BE49-F238E27FC236}">
-                <a16:creationId xmlns="" xmlns:a16="http://schemas.microsoft.com/office/drawing/2014/main" id="{57BEF406-0651-41E0-BE06-273B7CC97A2D}"/>
+                <a16:creationId xmlns:a16="http://schemas.microsoft.com/office/drawing/2014/main" xmlns="" id="{57BEF406-0651-41E0-BE06-273B7CC97A2D}"/>
               </a:ext>
             </a:extLst>
           </p:cNvPr>
@@ -19488,7 +19427,7 @@
           <p:cNvPr id="23" name="Rechte verbindingslijn 22">
             <a:extLst>
               <a:ext uri="{FF2B5EF4-FFF2-40B4-BE49-F238E27FC236}">
-                <a16:creationId xmlns="" xmlns:a16="http://schemas.microsoft.com/office/drawing/2014/main" id="{B6E9C7CF-D8FC-4A16-A854-58D00C6AFC36}"/>
+                <a16:creationId xmlns:a16="http://schemas.microsoft.com/office/drawing/2014/main" xmlns="" id="{B6E9C7CF-D8FC-4A16-A854-58D00C6AFC36}"/>
               </a:ext>
             </a:extLst>
           </p:cNvPr>
@@ -19536,7 +19475,7 @@
           <p:cNvPr id="24" name="Rechte verbindingslijn 23">
             <a:extLst>
               <a:ext uri="{FF2B5EF4-FFF2-40B4-BE49-F238E27FC236}">
-                <a16:creationId xmlns="" xmlns:a16="http://schemas.microsoft.com/office/drawing/2014/main" id="{1CFE56A8-8899-43BC-94FD-95028AD82001}"/>
+                <a16:creationId xmlns:a16="http://schemas.microsoft.com/office/drawing/2014/main" xmlns="" id="{1CFE56A8-8899-43BC-94FD-95028AD82001}"/>
               </a:ext>
             </a:extLst>
           </p:cNvPr>
@@ -19584,7 +19523,7 @@
           <p:cNvPr id="25" name="Rechte verbindingslijn 24">
             <a:extLst>
               <a:ext uri="{FF2B5EF4-FFF2-40B4-BE49-F238E27FC236}">
-                <a16:creationId xmlns="" xmlns:a16="http://schemas.microsoft.com/office/drawing/2014/main" id="{92F1B486-5D9E-425B-BA62-A39589D9C092}"/>
+                <a16:creationId xmlns:a16="http://schemas.microsoft.com/office/drawing/2014/main" xmlns="" id="{92F1B486-5D9E-425B-BA62-A39589D9C092}"/>
               </a:ext>
             </a:extLst>
           </p:cNvPr>
@@ -19632,7 +19571,7 @@
           <p:cNvPr id="26" name="Rechte verbindingslijn 25">
             <a:extLst>
               <a:ext uri="{FF2B5EF4-FFF2-40B4-BE49-F238E27FC236}">
-                <a16:creationId xmlns="" xmlns:a16="http://schemas.microsoft.com/office/drawing/2014/main" id="{0EAB71A3-52E1-49E7-852D-B0FD3CD4D1A7}"/>
+                <a16:creationId xmlns:a16="http://schemas.microsoft.com/office/drawing/2014/main" xmlns="" id="{0EAB71A3-52E1-49E7-852D-B0FD3CD4D1A7}"/>
               </a:ext>
             </a:extLst>
           </p:cNvPr>
@@ -19680,7 +19619,7 @@
           <p:cNvPr id="27" name="Rechte verbindingslijn 26">
             <a:extLst>
               <a:ext uri="{FF2B5EF4-FFF2-40B4-BE49-F238E27FC236}">
-                <a16:creationId xmlns="" xmlns:a16="http://schemas.microsoft.com/office/drawing/2014/main" id="{099DCD6D-B326-4DA6-8459-0A2EE91D83D5}"/>
+                <a16:creationId xmlns:a16="http://schemas.microsoft.com/office/drawing/2014/main" xmlns="" id="{099DCD6D-B326-4DA6-8459-0A2EE91D83D5}"/>
               </a:ext>
             </a:extLst>
           </p:cNvPr>
@@ -19728,7 +19667,7 @@
           <p:cNvPr id="28" name="Rechte verbindingslijn 27">
             <a:extLst>
               <a:ext uri="{FF2B5EF4-FFF2-40B4-BE49-F238E27FC236}">
-                <a16:creationId xmlns="" xmlns:a16="http://schemas.microsoft.com/office/drawing/2014/main" id="{8E4426DD-AC68-426C-8E72-53F5D4058FEB}"/>
+                <a16:creationId xmlns:a16="http://schemas.microsoft.com/office/drawing/2014/main" xmlns="" id="{8E4426DD-AC68-426C-8E72-53F5D4058FEB}"/>
               </a:ext>
             </a:extLst>
           </p:cNvPr>
@@ -19776,7 +19715,7 @@
           <p:cNvPr id="29" name="Rechte verbindingslijn 28">
             <a:extLst>
               <a:ext uri="{FF2B5EF4-FFF2-40B4-BE49-F238E27FC236}">
-                <a16:creationId xmlns="" xmlns:a16="http://schemas.microsoft.com/office/drawing/2014/main" id="{F8455A54-0906-419D-9641-930E0EF19620}"/>
+                <a16:creationId xmlns:a16="http://schemas.microsoft.com/office/drawing/2014/main" xmlns="" id="{F8455A54-0906-419D-9641-930E0EF19620}"/>
               </a:ext>
             </a:extLst>
           </p:cNvPr>
@@ -19824,7 +19763,7 @@
           <p:cNvPr id="30" name="Ovaal 29">
             <a:extLst>
               <a:ext uri="{FF2B5EF4-FFF2-40B4-BE49-F238E27FC236}">
-                <a16:creationId xmlns="" xmlns:a16="http://schemas.microsoft.com/office/drawing/2014/main" id="{2F8EA833-A5A7-481E-A4D1-98F4CE5A47F5}"/>
+                <a16:creationId xmlns:a16="http://schemas.microsoft.com/office/drawing/2014/main" xmlns="" id="{2F8EA833-A5A7-481E-A4D1-98F4CE5A47F5}"/>
               </a:ext>
             </a:extLst>
           </p:cNvPr>
@@ -19882,7 +19821,7 @@
           <p:cNvPr id="31" name="Ovaal 30">
             <a:extLst>
               <a:ext uri="{FF2B5EF4-FFF2-40B4-BE49-F238E27FC236}">
-                <a16:creationId xmlns="" xmlns:a16="http://schemas.microsoft.com/office/drawing/2014/main" id="{EF1B8A63-45C7-4477-83DA-C5F7FAE45190}"/>
+                <a16:creationId xmlns:a16="http://schemas.microsoft.com/office/drawing/2014/main" xmlns="" id="{EF1B8A63-45C7-4477-83DA-C5F7FAE45190}"/>
               </a:ext>
             </a:extLst>
           </p:cNvPr>
@@ -19940,7 +19879,7 @@
           <p:cNvPr id="32" name="Ovaal 31">
             <a:extLst>
               <a:ext uri="{FF2B5EF4-FFF2-40B4-BE49-F238E27FC236}">
-                <a16:creationId xmlns="" xmlns:a16="http://schemas.microsoft.com/office/drawing/2014/main" id="{0ACF7CC1-9BE7-4DD2-8236-579273166F0D}"/>
+                <a16:creationId xmlns:a16="http://schemas.microsoft.com/office/drawing/2014/main" xmlns="" id="{0ACF7CC1-9BE7-4DD2-8236-579273166F0D}"/>
               </a:ext>
             </a:extLst>
           </p:cNvPr>
@@ -19998,7 +19937,7 @@
           <p:cNvPr id="33" name="Ovaal 32">
             <a:extLst>
               <a:ext uri="{FF2B5EF4-FFF2-40B4-BE49-F238E27FC236}">
-                <a16:creationId xmlns="" xmlns:a16="http://schemas.microsoft.com/office/drawing/2014/main" id="{38A37D86-F49D-4015-9F89-0C5AA4F918E7}"/>
+                <a16:creationId xmlns:a16="http://schemas.microsoft.com/office/drawing/2014/main" xmlns="" id="{38A37D86-F49D-4015-9F89-0C5AA4F918E7}"/>
               </a:ext>
             </a:extLst>
           </p:cNvPr>
@@ -20056,7 +19995,7 @@
           <p:cNvPr id="34" name="Ovaal 33">
             <a:extLst>
               <a:ext uri="{FF2B5EF4-FFF2-40B4-BE49-F238E27FC236}">
-                <a16:creationId xmlns="" xmlns:a16="http://schemas.microsoft.com/office/drawing/2014/main" id="{068A416D-8303-4CF0-9F81-5305F8661921}"/>
+                <a16:creationId xmlns:a16="http://schemas.microsoft.com/office/drawing/2014/main" xmlns="" id="{068A416D-8303-4CF0-9F81-5305F8661921}"/>
               </a:ext>
             </a:extLst>
           </p:cNvPr>
@@ -20114,7 +20053,7 @@
           <p:cNvPr id="35" name="Ovaal 34">
             <a:extLst>
               <a:ext uri="{FF2B5EF4-FFF2-40B4-BE49-F238E27FC236}">
-                <a16:creationId xmlns="" xmlns:a16="http://schemas.microsoft.com/office/drawing/2014/main" id="{57886617-EF56-4B20-8554-D57A38AAFA65}"/>
+                <a16:creationId xmlns:a16="http://schemas.microsoft.com/office/drawing/2014/main" xmlns="" id="{57886617-EF56-4B20-8554-D57A38AAFA65}"/>
               </a:ext>
             </a:extLst>
           </p:cNvPr>
@@ -20172,7 +20111,7 @@
           <p:cNvPr id="36" name="Ovaal 35">
             <a:extLst>
               <a:ext uri="{FF2B5EF4-FFF2-40B4-BE49-F238E27FC236}">
-                <a16:creationId xmlns="" xmlns:a16="http://schemas.microsoft.com/office/drawing/2014/main" id="{F5B28146-4C85-4621-B9EA-F45F4586B369}"/>
+                <a16:creationId xmlns:a16="http://schemas.microsoft.com/office/drawing/2014/main" xmlns="" id="{F5B28146-4C85-4621-B9EA-F45F4586B369}"/>
               </a:ext>
             </a:extLst>
           </p:cNvPr>
@@ -20230,7 +20169,7 @@
           <p:cNvPr id="37" name="Ovaal 36">
             <a:extLst>
               <a:ext uri="{FF2B5EF4-FFF2-40B4-BE49-F238E27FC236}">
-                <a16:creationId xmlns="" xmlns:a16="http://schemas.microsoft.com/office/drawing/2014/main" id="{7C0671A0-0740-414E-92E7-AEF59EAC6288}"/>
+                <a16:creationId xmlns:a16="http://schemas.microsoft.com/office/drawing/2014/main" xmlns="" id="{7C0671A0-0740-414E-92E7-AEF59EAC6288}"/>
               </a:ext>
             </a:extLst>
           </p:cNvPr>
@@ -20288,7 +20227,7 @@
           <p:cNvPr id="38" name="Rechte verbindingslijn 37">
             <a:extLst>
               <a:ext uri="{FF2B5EF4-FFF2-40B4-BE49-F238E27FC236}">
-                <a16:creationId xmlns="" xmlns:a16="http://schemas.microsoft.com/office/drawing/2014/main" id="{33DE6DFE-6D57-47BA-BB6B-555F08E26DB9}"/>
+                <a16:creationId xmlns:a16="http://schemas.microsoft.com/office/drawing/2014/main" xmlns="" id="{33DE6DFE-6D57-47BA-BB6B-555F08E26DB9}"/>
               </a:ext>
             </a:extLst>
           </p:cNvPr>
@@ -20336,7 +20275,7 @@
           <p:cNvPr id="39" name="Rechte verbindingslijn 38">
             <a:extLst>
               <a:ext uri="{FF2B5EF4-FFF2-40B4-BE49-F238E27FC236}">
-                <a16:creationId xmlns="" xmlns:a16="http://schemas.microsoft.com/office/drawing/2014/main" id="{2DA35996-A73E-4F96-979F-9FF60EC2EA8E}"/>
+                <a16:creationId xmlns:a16="http://schemas.microsoft.com/office/drawing/2014/main" xmlns="" id="{2DA35996-A73E-4F96-979F-9FF60EC2EA8E}"/>
               </a:ext>
             </a:extLst>
           </p:cNvPr>
@@ -20384,7 +20323,7 @@
           <p:cNvPr id="40" name="Rechte verbindingslijn 39">
             <a:extLst>
               <a:ext uri="{FF2B5EF4-FFF2-40B4-BE49-F238E27FC236}">
-                <a16:creationId xmlns="" xmlns:a16="http://schemas.microsoft.com/office/drawing/2014/main" id="{A723C397-9B1B-4D91-BA47-50C5F66D3D89}"/>
+                <a16:creationId xmlns:a16="http://schemas.microsoft.com/office/drawing/2014/main" xmlns="" id="{A723C397-9B1B-4D91-BA47-50C5F66D3D89}"/>
               </a:ext>
             </a:extLst>
           </p:cNvPr>
@@ -20432,7 +20371,7 @@
           <p:cNvPr id="41" name="Rechte verbindingslijn 40">
             <a:extLst>
               <a:ext uri="{FF2B5EF4-FFF2-40B4-BE49-F238E27FC236}">
-                <a16:creationId xmlns="" xmlns:a16="http://schemas.microsoft.com/office/drawing/2014/main" id="{2F58A9CA-8BB1-4BB9-A296-F83FB5010BAE}"/>
+                <a16:creationId xmlns:a16="http://schemas.microsoft.com/office/drawing/2014/main" xmlns="" id="{2F58A9CA-8BB1-4BB9-A296-F83FB5010BAE}"/>
               </a:ext>
             </a:extLst>
           </p:cNvPr>
@@ -20480,7 +20419,7 @@
           <p:cNvPr id="42" name="Rechte verbindingslijn 41">
             <a:extLst>
               <a:ext uri="{FF2B5EF4-FFF2-40B4-BE49-F238E27FC236}">
-                <a16:creationId xmlns="" xmlns:a16="http://schemas.microsoft.com/office/drawing/2014/main" id="{959AEB00-BDDE-401D-A258-A1BC831BF286}"/>
+                <a16:creationId xmlns:a16="http://schemas.microsoft.com/office/drawing/2014/main" xmlns="" id="{959AEB00-BDDE-401D-A258-A1BC831BF286}"/>
               </a:ext>
             </a:extLst>
           </p:cNvPr>
@@ -20528,7 +20467,7 @@
           <p:cNvPr id="43" name="Rechte verbindingslijn 42">
             <a:extLst>
               <a:ext uri="{FF2B5EF4-FFF2-40B4-BE49-F238E27FC236}">
-                <a16:creationId xmlns="" xmlns:a16="http://schemas.microsoft.com/office/drawing/2014/main" id="{451D5B5E-F7CD-4D18-81B2-353312FBAE39}"/>
+                <a16:creationId xmlns:a16="http://schemas.microsoft.com/office/drawing/2014/main" xmlns="" id="{451D5B5E-F7CD-4D18-81B2-353312FBAE39}"/>
               </a:ext>
             </a:extLst>
           </p:cNvPr>
@@ -20576,7 +20515,7 @@
           <p:cNvPr id="44" name="Rechte verbindingslijn 43">
             <a:extLst>
               <a:ext uri="{FF2B5EF4-FFF2-40B4-BE49-F238E27FC236}">
-                <a16:creationId xmlns="" xmlns:a16="http://schemas.microsoft.com/office/drawing/2014/main" id="{0762CCB1-BCF4-4FA9-BBCF-2906073B5750}"/>
+                <a16:creationId xmlns:a16="http://schemas.microsoft.com/office/drawing/2014/main" xmlns="" id="{0762CCB1-BCF4-4FA9-BBCF-2906073B5750}"/>
               </a:ext>
             </a:extLst>
           </p:cNvPr>
@@ -20624,7 +20563,7 @@
           <p:cNvPr id="45" name="Rechte verbindingslijn 44">
             <a:extLst>
               <a:ext uri="{FF2B5EF4-FFF2-40B4-BE49-F238E27FC236}">
-                <a16:creationId xmlns="" xmlns:a16="http://schemas.microsoft.com/office/drawing/2014/main" id="{04763EFC-7EEF-4E93-9F5A-2BD209A331DC}"/>
+                <a16:creationId xmlns:a16="http://schemas.microsoft.com/office/drawing/2014/main" xmlns="" id="{04763EFC-7EEF-4E93-9F5A-2BD209A331DC}"/>
               </a:ext>
             </a:extLst>
           </p:cNvPr>
@@ -20702,7 +20641,7 @@
           <p:cNvPr id="2" name="Titel 1">
             <a:extLst>
               <a:ext uri="{FF2B5EF4-FFF2-40B4-BE49-F238E27FC236}">
-                <a16:creationId xmlns="" xmlns:a16="http://schemas.microsoft.com/office/drawing/2014/main" id="{769A96FB-BA26-47C0-85BC-9E5A44D94A65}"/>
+                <a16:creationId xmlns:a16="http://schemas.microsoft.com/office/drawing/2014/main" xmlns="" id="{769A96FB-BA26-47C0-85BC-9E5A44D94A65}"/>
               </a:ext>
             </a:extLst>
           </p:cNvPr>
@@ -20730,7 +20669,7 @@
           <p:cNvPr id="5" name="Tijdelijke aanduiding voor inhoud 4">
             <a:extLst>
               <a:ext uri="{FF2B5EF4-FFF2-40B4-BE49-F238E27FC236}">
-                <a16:creationId xmlns="" xmlns:a16="http://schemas.microsoft.com/office/drawing/2014/main" id="{82F9B9FE-1870-4902-A7DB-4B27D59D2B2B}"/>
+                <a16:creationId xmlns:a16="http://schemas.microsoft.com/office/drawing/2014/main" xmlns="" id="{82F9B9FE-1870-4902-A7DB-4B27D59D2B2B}"/>
               </a:ext>
             </a:extLst>
           </p:cNvPr>
@@ -20765,7 +20704,7 @@
           <p:cNvPr id="13" name="Tekstvak 12">
             <a:extLst>
               <a:ext uri="{FF2B5EF4-FFF2-40B4-BE49-F238E27FC236}">
-                <a16:creationId xmlns="" xmlns:a16="http://schemas.microsoft.com/office/drawing/2014/main" id="{44CABAE1-B325-4747-910E-7EDC7EDD7625}"/>
+                <a16:creationId xmlns:a16="http://schemas.microsoft.com/office/drawing/2014/main" xmlns="" id="{44CABAE1-B325-4747-910E-7EDC7EDD7625}"/>
               </a:ext>
             </a:extLst>
           </p:cNvPr>
@@ -20819,7 +20758,7 @@
           <p:cNvPr id="14" name="Afbeelding 13">
             <a:extLst>
               <a:ext uri="{FF2B5EF4-FFF2-40B4-BE49-F238E27FC236}">
-                <a16:creationId xmlns="" xmlns:a16="http://schemas.microsoft.com/office/drawing/2014/main" id="{F67612D4-1C0C-40D2-972D-04F12DDE0F60}"/>
+                <a16:creationId xmlns:a16="http://schemas.microsoft.com/office/drawing/2014/main" xmlns="" id="{F67612D4-1C0C-40D2-972D-04F12DDE0F60}"/>
               </a:ext>
             </a:extLst>
           </p:cNvPr>
@@ -20849,7 +20788,7 @@
           <p:cNvPr id="3" name="Tekstvak 2">
             <a:extLst>
               <a:ext uri="{FF2B5EF4-FFF2-40B4-BE49-F238E27FC236}">
-                <a16:creationId xmlns="" xmlns:a16="http://schemas.microsoft.com/office/drawing/2014/main" id="{C26579A7-5154-43F0-8824-0FAFC9CD4201}"/>
+                <a16:creationId xmlns:a16="http://schemas.microsoft.com/office/drawing/2014/main" xmlns="" id="{C26579A7-5154-43F0-8824-0FAFC9CD4201}"/>
               </a:ext>
             </a:extLst>
           </p:cNvPr>
@@ -20884,7 +20823,7 @@
           <p:cNvPr id="4" name="Tekstvak 3">
             <a:extLst>
               <a:ext uri="{FF2B5EF4-FFF2-40B4-BE49-F238E27FC236}">
-                <a16:creationId xmlns="" xmlns:a16="http://schemas.microsoft.com/office/drawing/2014/main" id="{1F03EA5B-9405-4FF2-A715-0E995B30C408}"/>
+                <a16:creationId xmlns:a16="http://schemas.microsoft.com/office/drawing/2014/main" xmlns="" id="{1F03EA5B-9405-4FF2-A715-0E995B30C408}"/>
               </a:ext>
             </a:extLst>
           </p:cNvPr>
@@ -20919,7 +20858,7 @@
           <p:cNvPr id="17" name="Rechte verbindingslijn met pijl 16">
             <a:extLst>
               <a:ext uri="{FF2B5EF4-FFF2-40B4-BE49-F238E27FC236}">
-                <a16:creationId xmlns="" xmlns:a16="http://schemas.microsoft.com/office/drawing/2014/main" id="{4354D81E-79D5-49F9-8B3E-FFC4DC3E61F5}"/>
+                <a16:creationId xmlns:a16="http://schemas.microsoft.com/office/drawing/2014/main" xmlns="" id="{4354D81E-79D5-49F9-8B3E-FFC4DC3E61F5}"/>
               </a:ext>
             </a:extLst>
           </p:cNvPr>
@@ -20960,7 +20899,7 @@
           <p:cNvPr id="7170" name="Picture 2" descr="Afbeeldingsresultaat voor hammer drawing">
             <a:extLst>
               <a:ext uri="{FF2B5EF4-FFF2-40B4-BE49-F238E27FC236}">
-                <a16:creationId xmlns="" xmlns:a16="http://schemas.microsoft.com/office/drawing/2014/main" id="{ACB393D5-86CC-4AAD-A571-9E26D25E2E0B}"/>
+                <a16:creationId xmlns:a16="http://schemas.microsoft.com/office/drawing/2014/main" xmlns="" id="{ACB393D5-86CC-4AAD-A571-9E26D25E2E0B}"/>
               </a:ext>
             </a:extLst>
           </p:cNvPr>
@@ -21007,7 +20946,7 @@
           <p:cNvPr id="6" name="Gedachtewolkje: wolk 5">
             <a:extLst>
               <a:ext uri="{FF2B5EF4-FFF2-40B4-BE49-F238E27FC236}">
-                <a16:creationId xmlns="" xmlns:a16="http://schemas.microsoft.com/office/drawing/2014/main" id="{39AC6EFF-786A-42AC-971E-B03EAAA5119B}"/>
+                <a16:creationId xmlns:a16="http://schemas.microsoft.com/office/drawing/2014/main" xmlns="" id="{39AC6EFF-786A-42AC-971E-B03EAAA5119B}"/>
               </a:ext>
             </a:extLst>
           </p:cNvPr>
@@ -21069,7 +21008,7 @@
           <p:cNvPr id="7172" name="Picture 4" descr="Afbeeldingsresultaat voor bouwpakket tekening">
             <a:extLst>
               <a:ext uri="{FF2B5EF4-FFF2-40B4-BE49-F238E27FC236}">
-                <a16:creationId xmlns="" xmlns:a16="http://schemas.microsoft.com/office/drawing/2014/main" id="{4A471D98-FB95-4C4D-AE0F-FD069389E87D}"/>
+                <a16:creationId xmlns:a16="http://schemas.microsoft.com/office/drawing/2014/main" xmlns="" id="{4A471D98-FB95-4C4D-AE0F-FD069389E87D}"/>
               </a:ext>
             </a:extLst>
           </p:cNvPr>
@@ -21116,7 +21055,7 @@
           <p:cNvPr id="12" name="Ovaal 11">
             <a:extLst>
               <a:ext uri="{FF2B5EF4-FFF2-40B4-BE49-F238E27FC236}">
-                <a16:creationId xmlns="" xmlns:a16="http://schemas.microsoft.com/office/drawing/2014/main" id="{702660D4-5C08-4FC9-B5F9-92B2E32F1F54}"/>
+                <a16:creationId xmlns:a16="http://schemas.microsoft.com/office/drawing/2014/main" xmlns="" id="{702660D4-5C08-4FC9-B5F9-92B2E32F1F54}"/>
               </a:ext>
             </a:extLst>
           </p:cNvPr>
@@ -21174,7 +21113,7 @@
           <p:cNvPr id="15" name="Ovaal 14">
             <a:extLst>
               <a:ext uri="{FF2B5EF4-FFF2-40B4-BE49-F238E27FC236}">
-                <a16:creationId xmlns="" xmlns:a16="http://schemas.microsoft.com/office/drawing/2014/main" id="{6F886743-BD7C-498D-8470-3AFF63CE3A2E}"/>
+                <a16:creationId xmlns:a16="http://schemas.microsoft.com/office/drawing/2014/main" xmlns="" id="{6F886743-BD7C-498D-8470-3AFF63CE3A2E}"/>
               </a:ext>
             </a:extLst>
           </p:cNvPr>
@@ -21232,7 +21171,7 @@
           <p:cNvPr id="16" name="Ovaal 15">
             <a:extLst>
               <a:ext uri="{FF2B5EF4-FFF2-40B4-BE49-F238E27FC236}">
-                <a16:creationId xmlns="" xmlns:a16="http://schemas.microsoft.com/office/drawing/2014/main" id="{2800E1DF-3D08-42B9-9EA7-18A4D608B1AD}"/>
+                <a16:creationId xmlns:a16="http://schemas.microsoft.com/office/drawing/2014/main" xmlns="" id="{2800E1DF-3D08-42B9-9EA7-18A4D608B1AD}"/>
               </a:ext>
             </a:extLst>
           </p:cNvPr>
@@ -21290,7 +21229,7 @@
           <p:cNvPr id="18" name="Ovaal 17">
             <a:extLst>
               <a:ext uri="{FF2B5EF4-FFF2-40B4-BE49-F238E27FC236}">
-                <a16:creationId xmlns="" xmlns:a16="http://schemas.microsoft.com/office/drawing/2014/main" id="{71B22304-31D6-4B7A-9A07-E9729C3946DC}"/>
+                <a16:creationId xmlns:a16="http://schemas.microsoft.com/office/drawing/2014/main" xmlns="" id="{71B22304-31D6-4B7A-9A07-E9729C3946DC}"/>
               </a:ext>
             </a:extLst>
           </p:cNvPr>
@@ -21348,7 +21287,7 @@
           <p:cNvPr id="19" name="Ovaal 18">
             <a:extLst>
               <a:ext uri="{FF2B5EF4-FFF2-40B4-BE49-F238E27FC236}">
-                <a16:creationId xmlns="" xmlns:a16="http://schemas.microsoft.com/office/drawing/2014/main" id="{4CB9A837-B23B-40E2-B9FD-2ED58D3175F2}"/>
+                <a16:creationId xmlns:a16="http://schemas.microsoft.com/office/drawing/2014/main" xmlns="" id="{4CB9A837-B23B-40E2-B9FD-2ED58D3175F2}"/>
               </a:ext>
             </a:extLst>
           </p:cNvPr>
@@ -21406,7 +21345,7 @@
           <p:cNvPr id="20" name="Ovaal 19">
             <a:extLst>
               <a:ext uri="{FF2B5EF4-FFF2-40B4-BE49-F238E27FC236}">
-                <a16:creationId xmlns="" xmlns:a16="http://schemas.microsoft.com/office/drawing/2014/main" id="{356FEE7C-9D16-4FA9-AC43-61E03FD7F12E}"/>
+                <a16:creationId xmlns:a16="http://schemas.microsoft.com/office/drawing/2014/main" xmlns="" id="{356FEE7C-9D16-4FA9-AC43-61E03FD7F12E}"/>
               </a:ext>
             </a:extLst>
           </p:cNvPr>
@@ -21464,7 +21403,7 @@
           <p:cNvPr id="21" name="Ovaal 20">
             <a:extLst>
               <a:ext uri="{FF2B5EF4-FFF2-40B4-BE49-F238E27FC236}">
-                <a16:creationId xmlns="" xmlns:a16="http://schemas.microsoft.com/office/drawing/2014/main" id="{C7B6E4EE-D18E-4E99-90D9-8CD79FAB3E66}"/>
+                <a16:creationId xmlns:a16="http://schemas.microsoft.com/office/drawing/2014/main" xmlns="" id="{C7B6E4EE-D18E-4E99-90D9-8CD79FAB3E66}"/>
               </a:ext>
             </a:extLst>
           </p:cNvPr>
@@ -21522,7 +21461,7 @@
           <p:cNvPr id="22" name="Ovaal 21">
             <a:extLst>
               <a:ext uri="{FF2B5EF4-FFF2-40B4-BE49-F238E27FC236}">
-                <a16:creationId xmlns="" xmlns:a16="http://schemas.microsoft.com/office/drawing/2014/main" id="{57BEF406-0651-41E0-BE06-273B7CC97A2D}"/>
+                <a16:creationId xmlns:a16="http://schemas.microsoft.com/office/drawing/2014/main" xmlns="" id="{57BEF406-0651-41E0-BE06-273B7CC97A2D}"/>
               </a:ext>
             </a:extLst>
           </p:cNvPr>
@@ -21580,7 +21519,7 @@
           <p:cNvPr id="23" name="Rechte verbindingslijn 22">
             <a:extLst>
               <a:ext uri="{FF2B5EF4-FFF2-40B4-BE49-F238E27FC236}">
-                <a16:creationId xmlns="" xmlns:a16="http://schemas.microsoft.com/office/drawing/2014/main" id="{B6E9C7CF-D8FC-4A16-A854-58D00C6AFC36}"/>
+                <a16:creationId xmlns:a16="http://schemas.microsoft.com/office/drawing/2014/main" xmlns="" id="{B6E9C7CF-D8FC-4A16-A854-58D00C6AFC36}"/>
               </a:ext>
             </a:extLst>
           </p:cNvPr>
@@ -21628,7 +21567,7 @@
           <p:cNvPr id="24" name="Rechte verbindingslijn 23">
             <a:extLst>
               <a:ext uri="{FF2B5EF4-FFF2-40B4-BE49-F238E27FC236}">
-                <a16:creationId xmlns="" xmlns:a16="http://schemas.microsoft.com/office/drawing/2014/main" id="{1CFE56A8-8899-43BC-94FD-95028AD82001}"/>
+                <a16:creationId xmlns:a16="http://schemas.microsoft.com/office/drawing/2014/main" xmlns="" id="{1CFE56A8-8899-43BC-94FD-95028AD82001}"/>
               </a:ext>
             </a:extLst>
           </p:cNvPr>
@@ -21676,7 +21615,7 @@
           <p:cNvPr id="26" name="Rechte verbindingslijn 25">
             <a:extLst>
               <a:ext uri="{FF2B5EF4-FFF2-40B4-BE49-F238E27FC236}">
-                <a16:creationId xmlns="" xmlns:a16="http://schemas.microsoft.com/office/drawing/2014/main" id="{0EAB71A3-52E1-49E7-852D-B0FD3CD4D1A7}"/>
+                <a16:creationId xmlns:a16="http://schemas.microsoft.com/office/drawing/2014/main" xmlns="" id="{0EAB71A3-52E1-49E7-852D-B0FD3CD4D1A7}"/>
               </a:ext>
             </a:extLst>
           </p:cNvPr>
@@ -21724,7 +21663,7 @@
           <p:cNvPr id="27" name="Rechte verbindingslijn 26">
             <a:extLst>
               <a:ext uri="{FF2B5EF4-FFF2-40B4-BE49-F238E27FC236}">
-                <a16:creationId xmlns="" xmlns:a16="http://schemas.microsoft.com/office/drawing/2014/main" id="{099DCD6D-B326-4DA6-8459-0A2EE91D83D5}"/>
+                <a16:creationId xmlns:a16="http://schemas.microsoft.com/office/drawing/2014/main" xmlns="" id="{099DCD6D-B326-4DA6-8459-0A2EE91D83D5}"/>
               </a:ext>
             </a:extLst>
           </p:cNvPr>
@@ -21772,7 +21711,7 @@
           <p:cNvPr id="28" name="Rechte verbindingslijn 27">
             <a:extLst>
               <a:ext uri="{FF2B5EF4-FFF2-40B4-BE49-F238E27FC236}">
-                <a16:creationId xmlns="" xmlns:a16="http://schemas.microsoft.com/office/drawing/2014/main" id="{8E4426DD-AC68-426C-8E72-53F5D4058FEB}"/>
+                <a16:creationId xmlns:a16="http://schemas.microsoft.com/office/drawing/2014/main" xmlns="" id="{8E4426DD-AC68-426C-8E72-53F5D4058FEB}"/>
               </a:ext>
             </a:extLst>
           </p:cNvPr>
@@ -21820,7 +21759,7 @@
           <p:cNvPr id="29" name="Rechte verbindingslijn 28">
             <a:extLst>
               <a:ext uri="{FF2B5EF4-FFF2-40B4-BE49-F238E27FC236}">
-                <a16:creationId xmlns="" xmlns:a16="http://schemas.microsoft.com/office/drawing/2014/main" id="{F8455A54-0906-419D-9641-930E0EF19620}"/>
+                <a16:creationId xmlns:a16="http://schemas.microsoft.com/office/drawing/2014/main" xmlns="" id="{F8455A54-0906-419D-9641-930E0EF19620}"/>
               </a:ext>
             </a:extLst>
           </p:cNvPr>
@@ -21868,7 +21807,7 @@
           <p:cNvPr id="30" name="Ovaal 29">
             <a:extLst>
               <a:ext uri="{FF2B5EF4-FFF2-40B4-BE49-F238E27FC236}">
-                <a16:creationId xmlns="" xmlns:a16="http://schemas.microsoft.com/office/drawing/2014/main" id="{2F8EA833-A5A7-481E-A4D1-98F4CE5A47F5}"/>
+                <a16:creationId xmlns:a16="http://schemas.microsoft.com/office/drawing/2014/main" xmlns="" id="{2F8EA833-A5A7-481E-A4D1-98F4CE5A47F5}"/>
               </a:ext>
             </a:extLst>
           </p:cNvPr>
@@ -21926,7 +21865,7 @@
           <p:cNvPr id="31" name="Ovaal 30">
             <a:extLst>
               <a:ext uri="{FF2B5EF4-FFF2-40B4-BE49-F238E27FC236}">
-                <a16:creationId xmlns="" xmlns:a16="http://schemas.microsoft.com/office/drawing/2014/main" id="{EF1B8A63-45C7-4477-83DA-C5F7FAE45190}"/>
+                <a16:creationId xmlns:a16="http://schemas.microsoft.com/office/drawing/2014/main" xmlns="" id="{EF1B8A63-45C7-4477-83DA-C5F7FAE45190}"/>
               </a:ext>
             </a:extLst>
           </p:cNvPr>
@@ -21984,7 +21923,7 @@
           <p:cNvPr id="32" name="Ovaal 31">
             <a:extLst>
               <a:ext uri="{FF2B5EF4-FFF2-40B4-BE49-F238E27FC236}">
-                <a16:creationId xmlns="" xmlns:a16="http://schemas.microsoft.com/office/drawing/2014/main" id="{0ACF7CC1-9BE7-4DD2-8236-579273166F0D}"/>
+                <a16:creationId xmlns:a16="http://schemas.microsoft.com/office/drawing/2014/main" xmlns="" id="{0ACF7CC1-9BE7-4DD2-8236-579273166F0D}"/>
               </a:ext>
             </a:extLst>
           </p:cNvPr>
@@ -22042,7 +21981,7 @@
           <p:cNvPr id="33" name="Ovaal 32">
             <a:extLst>
               <a:ext uri="{FF2B5EF4-FFF2-40B4-BE49-F238E27FC236}">
-                <a16:creationId xmlns="" xmlns:a16="http://schemas.microsoft.com/office/drawing/2014/main" id="{38A37D86-F49D-4015-9F89-0C5AA4F918E7}"/>
+                <a16:creationId xmlns:a16="http://schemas.microsoft.com/office/drawing/2014/main" xmlns="" id="{38A37D86-F49D-4015-9F89-0C5AA4F918E7}"/>
               </a:ext>
             </a:extLst>
           </p:cNvPr>
@@ -22100,7 +22039,7 @@
           <p:cNvPr id="34" name="Ovaal 33">
             <a:extLst>
               <a:ext uri="{FF2B5EF4-FFF2-40B4-BE49-F238E27FC236}">
-                <a16:creationId xmlns="" xmlns:a16="http://schemas.microsoft.com/office/drawing/2014/main" id="{068A416D-8303-4CF0-9F81-5305F8661921}"/>
+                <a16:creationId xmlns:a16="http://schemas.microsoft.com/office/drawing/2014/main" xmlns="" id="{068A416D-8303-4CF0-9F81-5305F8661921}"/>
               </a:ext>
             </a:extLst>
           </p:cNvPr>
@@ -22158,7 +22097,7 @@
           <p:cNvPr id="35" name="Ovaal 34">
             <a:extLst>
               <a:ext uri="{FF2B5EF4-FFF2-40B4-BE49-F238E27FC236}">
-                <a16:creationId xmlns="" xmlns:a16="http://schemas.microsoft.com/office/drawing/2014/main" id="{57886617-EF56-4B20-8554-D57A38AAFA65}"/>
+                <a16:creationId xmlns:a16="http://schemas.microsoft.com/office/drawing/2014/main" xmlns="" id="{57886617-EF56-4B20-8554-D57A38AAFA65}"/>
               </a:ext>
             </a:extLst>
           </p:cNvPr>
@@ -22216,7 +22155,7 @@
           <p:cNvPr id="36" name="Ovaal 35">
             <a:extLst>
               <a:ext uri="{FF2B5EF4-FFF2-40B4-BE49-F238E27FC236}">
-                <a16:creationId xmlns="" xmlns:a16="http://schemas.microsoft.com/office/drawing/2014/main" id="{F5B28146-4C85-4621-B9EA-F45F4586B369}"/>
+                <a16:creationId xmlns:a16="http://schemas.microsoft.com/office/drawing/2014/main" xmlns="" id="{F5B28146-4C85-4621-B9EA-F45F4586B369}"/>
               </a:ext>
             </a:extLst>
           </p:cNvPr>
@@ -22274,7 +22213,7 @@
           <p:cNvPr id="37" name="Ovaal 36">
             <a:extLst>
               <a:ext uri="{FF2B5EF4-FFF2-40B4-BE49-F238E27FC236}">
-                <a16:creationId xmlns="" xmlns:a16="http://schemas.microsoft.com/office/drawing/2014/main" id="{7C0671A0-0740-414E-92E7-AEF59EAC6288}"/>
+                <a16:creationId xmlns:a16="http://schemas.microsoft.com/office/drawing/2014/main" xmlns="" id="{7C0671A0-0740-414E-92E7-AEF59EAC6288}"/>
               </a:ext>
             </a:extLst>
           </p:cNvPr>
@@ -22332,7 +22271,7 @@
           <p:cNvPr id="38" name="Rechte verbindingslijn 37">
             <a:extLst>
               <a:ext uri="{FF2B5EF4-FFF2-40B4-BE49-F238E27FC236}">
-                <a16:creationId xmlns="" xmlns:a16="http://schemas.microsoft.com/office/drawing/2014/main" id="{33DE6DFE-6D57-47BA-BB6B-555F08E26DB9}"/>
+                <a16:creationId xmlns:a16="http://schemas.microsoft.com/office/drawing/2014/main" xmlns="" id="{33DE6DFE-6D57-47BA-BB6B-555F08E26DB9}"/>
               </a:ext>
             </a:extLst>
           </p:cNvPr>
@@ -22380,7 +22319,7 @@
           <p:cNvPr id="39" name="Rechte verbindingslijn 38">
             <a:extLst>
               <a:ext uri="{FF2B5EF4-FFF2-40B4-BE49-F238E27FC236}">
-                <a16:creationId xmlns="" xmlns:a16="http://schemas.microsoft.com/office/drawing/2014/main" id="{2DA35996-A73E-4F96-979F-9FF60EC2EA8E}"/>
+                <a16:creationId xmlns:a16="http://schemas.microsoft.com/office/drawing/2014/main" xmlns="" id="{2DA35996-A73E-4F96-979F-9FF60EC2EA8E}"/>
               </a:ext>
             </a:extLst>
           </p:cNvPr>
@@ -22428,7 +22367,7 @@
           <p:cNvPr id="40" name="Rechte verbindingslijn 39">
             <a:extLst>
               <a:ext uri="{FF2B5EF4-FFF2-40B4-BE49-F238E27FC236}">
-                <a16:creationId xmlns="" xmlns:a16="http://schemas.microsoft.com/office/drawing/2014/main" id="{A723C397-9B1B-4D91-BA47-50C5F66D3D89}"/>
+                <a16:creationId xmlns:a16="http://schemas.microsoft.com/office/drawing/2014/main" xmlns="" id="{A723C397-9B1B-4D91-BA47-50C5F66D3D89}"/>
               </a:ext>
             </a:extLst>
           </p:cNvPr>
@@ -22476,7 +22415,7 @@
           <p:cNvPr id="41" name="Rechte verbindingslijn 40">
             <a:extLst>
               <a:ext uri="{FF2B5EF4-FFF2-40B4-BE49-F238E27FC236}">
-                <a16:creationId xmlns="" xmlns:a16="http://schemas.microsoft.com/office/drawing/2014/main" id="{2F58A9CA-8BB1-4BB9-A296-F83FB5010BAE}"/>
+                <a16:creationId xmlns:a16="http://schemas.microsoft.com/office/drawing/2014/main" xmlns="" id="{2F58A9CA-8BB1-4BB9-A296-F83FB5010BAE}"/>
               </a:ext>
             </a:extLst>
           </p:cNvPr>
@@ -22524,7 +22463,7 @@
           <p:cNvPr id="42" name="Rechte verbindingslijn 41">
             <a:extLst>
               <a:ext uri="{FF2B5EF4-FFF2-40B4-BE49-F238E27FC236}">
-                <a16:creationId xmlns="" xmlns:a16="http://schemas.microsoft.com/office/drawing/2014/main" id="{959AEB00-BDDE-401D-A258-A1BC831BF286}"/>
+                <a16:creationId xmlns:a16="http://schemas.microsoft.com/office/drawing/2014/main" xmlns="" id="{959AEB00-BDDE-401D-A258-A1BC831BF286}"/>
               </a:ext>
             </a:extLst>
           </p:cNvPr>
@@ -22572,7 +22511,7 @@
           <p:cNvPr id="43" name="Rechte verbindingslijn 42">
             <a:extLst>
               <a:ext uri="{FF2B5EF4-FFF2-40B4-BE49-F238E27FC236}">
-                <a16:creationId xmlns="" xmlns:a16="http://schemas.microsoft.com/office/drawing/2014/main" id="{451D5B5E-F7CD-4D18-81B2-353312FBAE39}"/>
+                <a16:creationId xmlns:a16="http://schemas.microsoft.com/office/drawing/2014/main" xmlns="" id="{451D5B5E-F7CD-4D18-81B2-353312FBAE39}"/>
               </a:ext>
             </a:extLst>
           </p:cNvPr>
@@ -22620,7 +22559,7 @@
           <p:cNvPr id="44" name="Rechte verbindingslijn 43">
             <a:extLst>
               <a:ext uri="{FF2B5EF4-FFF2-40B4-BE49-F238E27FC236}">
-                <a16:creationId xmlns="" xmlns:a16="http://schemas.microsoft.com/office/drawing/2014/main" id="{0762CCB1-BCF4-4FA9-BBCF-2906073B5750}"/>
+                <a16:creationId xmlns:a16="http://schemas.microsoft.com/office/drawing/2014/main" xmlns="" id="{0762CCB1-BCF4-4FA9-BBCF-2906073B5750}"/>
               </a:ext>
             </a:extLst>
           </p:cNvPr>
@@ -22668,7 +22607,7 @@
           <p:cNvPr id="45" name="Rechte verbindingslijn 44">
             <a:extLst>
               <a:ext uri="{FF2B5EF4-FFF2-40B4-BE49-F238E27FC236}">
-                <a16:creationId xmlns="" xmlns:a16="http://schemas.microsoft.com/office/drawing/2014/main" id="{04763EFC-7EEF-4E93-9F5A-2BD209A331DC}"/>
+                <a16:creationId xmlns:a16="http://schemas.microsoft.com/office/drawing/2014/main" xmlns="" id="{04763EFC-7EEF-4E93-9F5A-2BD209A331DC}"/>
               </a:ext>
             </a:extLst>
           </p:cNvPr>
@@ -22716,7 +22655,7 @@
           <p:cNvPr id="208" name="Rechte verbindingslijn 207">
             <a:extLst>
               <a:ext uri="{FF2B5EF4-FFF2-40B4-BE49-F238E27FC236}">
-                <a16:creationId xmlns="" xmlns:a16="http://schemas.microsoft.com/office/drawing/2014/main" id="{D69FCFE6-71B0-40AB-A0F9-E2B15BEB6CA5}"/>
+                <a16:creationId xmlns:a16="http://schemas.microsoft.com/office/drawing/2014/main" xmlns="" id="{D69FCFE6-71B0-40AB-A0F9-E2B15BEB6CA5}"/>
               </a:ext>
             </a:extLst>
           </p:cNvPr>
@@ -22995,7 +22934,7 @@
   <a:extraClrSchemeLst/>
   <a:extLst>
     <a:ext uri="{05A4C25C-085E-4340-85A3-A5531E510DB2}">
-      <thm15:themeFamily xmlns="" xmlns:thm15="http://schemas.microsoft.com/office/thememl/2012/main" name="Wood Type" id="{7ACABC62-BF99-48CF-A9DC-4DB89C7B13DC}" vid="{142A1326-48AB-42A9-8428-CB14AA30176D}"/>
+      <thm15:themeFamily xmlns:thm15="http://schemas.microsoft.com/office/thememl/2012/main" xmlns="" name="Wood Type" id="{7ACABC62-BF99-48CF-A9DC-4DB89C7B13DC}" vid="{142A1326-48AB-42A9-8428-CB14AA30176D}"/>
     </a:ext>
   </a:extLst>
 </a:theme>

--- a/Presentations/Proteasen - week 1.pptx
+++ b/Presentations/Proteasen - week 1.pptx
@@ -130,7 +130,7 @@
   </p:defaultTextStyle>
   <p:extLst>
     <p:ext uri="{EFAFB233-063F-42B5-8137-9DF3F51BA10A}">
-      <p15:sldGuideLst xmlns:p15="http://schemas.microsoft.com/office/powerpoint/2012/main" xmlns="">
+      <p15:sldGuideLst xmlns="" xmlns:p15="http://schemas.microsoft.com/office/powerpoint/2012/main">
         <p15:guide id="1" orient="horz" pos="2160">
           <p15:clr>
             <a:srgbClr val="A4A3A4"/>
@@ -4090,7 +4090,7 @@
           <p:cNvPr id="2" name="Titel 1">
             <a:extLst>
               <a:ext uri="{FF2B5EF4-FFF2-40B4-BE49-F238E27FC236}">
-                <a16:creationId xmlns:a16="http://schemas.microsoft.com/office/drawing/2014/main" xmlns="" id="{AE205A44-390E-455B-87E1-6D48C073A474}"/>
+                <a16:creationId xmlns="" xmlns:a16="http://schemas.microsoft.com/office/drawing/2014/main" id="{AE205A44-390E-455B-87E1-6D48C073A474}"/>
               </a:ext>
             </a:extLst>
           </p:cNvPr>
@@ -4135,7 +4135,7 @@
           <p:cNvPr id="3" name="Ondertitel 2">
             <a:extLst>
               <a:ext uri="{FF2B5EF4-FFF2-40B4-BE49-F238E27FC236}">
-                <a16:creationId xmlns:a16="http://schemas.microsoft.com/office/drawing/2014/main" xmlns="" id="{E24A4149-DFE7-4EE0-A98A-18326D7AD35D}"/>
+                <a16:creationId xmlns="" xmlns:a16="http://schemas.microsoft.com/office/drawing/2014/main" id="{E24A4149-DFE7-4EE0-A98A-18326D7AD35D}"/>
               </a:ext>
             </a:extLst>
           </p:cNvPr>
@@ -4198,7 +4198,7 @@
           <p:cNvPr id="2" name="Titel 1">
             <a:extLst>
               <a:ext uri="{FF2B5EF4-FFF2-40B4-BE49-F238E27FC236}">
-                <a16:creationId xmlns:a16="http://schemas.microsoft.com/office/drawing/2014/main" xmlns="" id="{769A96FB-BA26-47C0-85BC-9E5A44D94A65}"/>
+                <a16:creationId xmlns="" xmlns:a16="http://schemas.microsoft.com/office/drawing/2014/main" id="{769A96FB-BA26-47C0-85BC-9E5A44D94A65}"/>
               </a:ext>
             </a:extLst>
           </p:cNvPr>
@@ -4226,7 +4226,7 @@
           <p:cNvPr id="5" name="Tijdelijke aanduiding voor inhoud 4">
             <a:extLst>
               <a:ext uri="{FF2B5EF4-FFF2-40B4-BE49-F238E27FC236}">
-                <a16:creationId xmlns:a16="http://schemas.microsoft.com/office/drawing/2014/main" xmlns="" id="{82F9B9FE-1870-4902-A7DB-4B27D59D2B2B}"/>
+                <a16:creationId xmlns="" xmlns:a16="http://schemas.microsoft.com/office/drawing/2014/main" id="{82F9B9FE-1870-4902-A7DB-4B27D59D2B2B}"/>
               </a:ext>
             </a:extLst>
           </p:cNvPr>
@@ -4261,7 +4261,7 @@
           <p:cNvPr id="13" name="Tekstvak 12">
             <a:extLst>
               <a:ext uri="{FF2B5EF4-FFF2-40B4-BE49-F238E27FC236}">
-                <a16:creationId xmlns:a16="http://schemas.microsoft.com/office/drawing/2014/main" xmlns="" id="{44CABAE1-B325-4747-910E-7EDC7EDD7625}"/>
+                <a16:creationId xmlns="" xmlns:a16="http://schemas.microsoft.com/office/drawing/2014/main" id="{44CABAE1-B325-4747-910E-7EDC7EDD7625}"/>
               </a:ext>
             </a:extLst>
           </p:cNvPr>
@@ -4315,7 +4315,7 @@
           <p:cNvPr id="14" name="Afbeelding 13">
             <a:extLst>
               <a:ext uri="{FF2B5EF4-FFF2-40B4-BE49-F238E27FC236}">
-                <a16:creationId xmlns:a16="http://schemas.microsoft.com/office/drawing/2014/main" xmlns="" id="{F67612D4-1C0C-40D2-972D-04F12DDE0F60}"/>
+                <a16:creationId xmlns="" xmlns:a16="http://schemas.microsoft.com/office/drawing/2014/main" id="{F67612D4-1C0C-40D2-972D-04F12DDE0F60}"/>
               </a:ext>
             </a:extLst>
           </p:cNvPr>
@@ -4345,7 +4345,7 @@
           <p:cNvPr id="3" name="Tekstvak 2">
             <a:extLst>
               <a:ext uri="{FF2B5EF4-FFF2-40B4-BE49-F238E27FC236}">
-                <a16:creationId xmlns:a16="http://schemas.microsoft.com/office/drawing/2014/main" xmlns="" id="{C26579A7-5154-43F0-8824-0FAFC9CD4201}"/>
+                <a16:creationId xmlns="" xmlns:a16="http://schemas.microsoft.com/office/drawing/2014/main" id="{C26579A7-5154-43F0-8824-0FAFC9CD4201}"/>
               </a:ext>
             </a:extLst>
           </p:cNvPr>
@@ -4380,7 +4380,7 @@
           <p:cNvPr id="4" name="Tekstvak 3">
             <a:extLst>
               <a:ext uri="{FF2B5EF4-FFF2-40B4-BE49-F238E27FC236}">
-                <a16:creationId xmlns:a16="http://schemas.microsoft.com/office/drawing/2014/main" xmlns="" id="{1F03EA5B-9405-4FF2-A715-0E995B30C408}"/>
+                <a16:creationId xmlns="" xmlns:a16="http://schemas.microsoft.com/office/drawing/2014/main" id="{1F03EA5B-9405-4FF2-A715-0E995B30C408}"/>
               </a:ext>
             </a:extLst>
           </p:cNvPr>
@@ -4415,7 +4415,7 @@
           <p:cNvPr id="17" name="Rechte verbindingslijn met pijl 16">
             <a:extLst>
               <a:ext uri="{FF2B5EF4-FFF2-40B4-BE49-F238E27FC236}">
-                <a16:creationId xmlns:a16="http://schemas.microsoft.com/office/drawing/2014/main" xmlns="" id="{4354D81E-79D5-49F9-8B3E-FFC4DC3E61F5}"/>
+                <a16:creationId xmlns="" xmlns:a16="http://schemas.microsoft.com/office/drawing/2014/main" id="{4354D81E-79D5-49F9-8B3E-FFC4DC3E61F5}"/>
               </a:ext>
             </a:extLst>
           </p:cNvPr>
@@ -4456,7 +4456,7 @@
           <p:cNvPr id="7170" name="Picture 2" descr="Afbeeldingsresultaat voor hammer drawing">
             <a:extLst>
               <a:ext uri="{FF2B5EF4-FFF2-40B4-BE49-F238E27FC236}">
-                <a16:creationId xmlns:a16="http://schemas.microsoft.com/office/drawing/2014/main" xmlns="" id="{ACB393D5-86CC-4AAD-A571-9E26D25E2E0B}"/>
+                <a16:creationId xmlns="" xmlns:a16="http://schemas.microsoft.com/office/drawing/2014/main" id="{ACB393D5-86CC-4AAD-A571-9E26D25E2E0B}"/>
               </a:ext>
             </a:extLst>
           </p:cNvPr>
@@ -4503,7 +4503,7 @@
           <p:cNvPr id="6" name="Gedachtewolkje: wolk 5">
             <a:extLst>
               <a:ext uri="{FF2B5EF4-FFF2-40B4-BE49-F238E27FC236}">
-                <a16:creationId xmlns:a16="http://schemas.microsoft.com/office/drawing/2014/main" xmlns="" id="{39AC6EFF-786A-42AC-971E-B03EAAA5119B}"/>
+                <a16:creationId xmlns="" xmlns:a16="http://schemas.microsoft.com/office/drawing/2014/main" id="{39AC6EFF-786A-42AC-971E-B03EAAA5119B}"/>
               </a:ext>
             </a:extLst>
           </p:cNvPr>
@@ -4565,7 +4565,7 @@
           <p:cNvPr id="7172" name="Picture 4" descr="Afbeeldingsresultaat voor bouwpakket tekening">
             <a:extLst>
               <a:ext uri="{FF2B5EF4-FFF2-40B4-BE49-F238E27FC236}">
-                <a16:creationId xmlns:a16="http://schemas.microsoft.com/office/drawing/2014/main" xmlns="" id="{4A471D98-FB95-4C4D-AE0F-FD069389E87D}"/>
+                <a16:creationId xmlns="" xmlns:a16="http://schemas.microsoft.com/office/drawing/2014/main" id="{4A471D98-FB95-4C4D-AE0F-FD069389E87D}"/>
               </a:ext>
             </a:extLst>
           </p:cNvPr>
@@ -4612,7 +4612,7 @@
           <p:cNvPr id="12" name="Ovaal 11">
             <a:extLst>
               <a:ext uri="{FF2B5EF4-FFF2-40B4-BE49-F238E27FC236}">
-                <a16:creationId xmlns:a16="http://schemas.microsoft.com/office/drawing/2014/main" xmlns="" id="{702660D4-5C08-4FC9-B5F9-92B2E32F1F54}"/>
+                <a16:creationId xmlns="" xmlns:a16="http://schemas.microsoft.com/office/drawing/2014/main" id="{702660D4-5C08-4FC9-B5F9-92B2E32F1F54}"/>
               </a:ext>
             </a:extLst>
           </p:cNvPr>
@@ -4670,7 +4670,7 @@
           <p:cNvPr id="15" name="Ovaal 14">
             <a:extLst>
               <a:ext uri="{FF2B5EF4-FFF2-40B4-BE49-F238E27FC236}">
-                <a16:creationId xmlns:a16="http://schemas.microsoft.com/office/drawing/2014/main" xmlns="" id="{6F886743-BD7C-498D-8470-3AFF63CE3A2E}"/>
+                <a16:creationId xmlns="" xmlns:a16="http://schemas.microsoft.com/office/drawing/2014/main" id="{6F886743-BD7C-498D-8470-3AFF63CE3A2E}"/>
               </a:ext>
             </a:extLst>
           </p:cNvPr>
@@ -4728,7 +4728,7 @@
           <p:cNvPr id="16" name="Ovaal 15">
             <a:extLst>
               <a:ext uri="{FF2B5EF4-FFF2-40B4-BE49-F238E27FC236}">
-                <a16:creationId xmlns:a16="http://schemas.microsoft.com/office/drawing/2014/main" xmlns="" id="{2800E1DF-3D08-42B9-9EA7-18A4D608B1AD}"/>
+                <a16:creationId xmlns="" xmlns:a16="http://schemas.microsoft.com/office/drawing/2014/main" id="{2800E1DF-3D08-42B9-9EA7-18A4D608B1AD}"/>
               </a:ext>
             </a:extLst>
           </p:cNvPr>
@@ -4786,7 +4786,7 @@
           <p:cNvPr id="18" name="Ovaal 17">
             <a:extLst>
               <a:ext uri="{FF2B5EF4-FFF2-40B4-BE49-F238E27FC236}">
-                <a16:creationId xmlns:a16="http://schemas.microsoft.com/office/drawing/2014/main" xmlns="" id="{71B22304-31D6-4B7A-9A07-E9729C3946DC}"/>
+                <a16:creationId xmlns="" xmlns:a16="http://schemas.microsoft.com/office/drawing/2014/main" id="{71B22304-31D6-4B7A-9A07-E9729C3946DC}"/>
               </a:ext>
             </a:extLst>
           </p:cNvPr>
@@ -4844,7 +4844,7 @@
           <p:cNvPr id="19" name="Ovaal 18">
             <a:extLst>
               <a:ext uri="{FF2B5EF4-FFF2-40B4-BE49-F238E27FC236}">
-                <a16:creationId xmlns:a16="http://schemas.microsoft.com/office/drawing/2014/main" xmlns="" id="{4CB9A837-B23B-40E2-B9FD-2ED58D3175F2}"/>
+                <a16:creationId xmlns="" xmlns:a16="http://schemas.microsoft.com/office/drawing/2014/main" id="{4CB9A837-B23B-40E2-B9FD-2ED58D3175F2}"/>
               </a:ext>
             </a:extLst>
           </p:cNvPr>
@@ -4902,7 +4902,7 @@
           <p:cNvPr id="20" name="Ovaal 19">
             <a:extLst>
               <a:ext uri="{FF2B5EF4-FFF2-40B4-BE49-F238E27FC236}">
-                <a16:creationId xmlns:a16="http://schemas.microsoft.com/office/drawing/2014/main" xmlns="" id="{356FEE7C-9D16-4FA9-AC43-61E03FD7F12E}"/>
+                <a16:creationId xmlns="" xmlns:a16="http://schemas.microsoft.com/office/drawing/2014/main" id="{356FEE7C-9D16-4FA9-AC43-61E03FD7F12E}"/>
               </a:ext>
             </a:extLst>
           </p:cNvPr>
@@ -4960,7 +4960,7 @@
           <p:cNvPr id="21" name="Ovaal 20">
             <a:extLst>
               <a:ext uri="{FF2B5EF4-FFF2-40B4-BE49-F238E27FC236}">
-                <a16:creationId xmlns:a16="http://schemas.microsoft.com/office/drawing/2014/main" xmlns="" id="{C7B6E4EE-D18E-4E99-90D9-8CD79FAB3E66}"/>
+                <a16:creationId xmlns="" xmlns:a16="http://schemas.microsoft.com/office/drawing/2014/main" id="{C7B6E4EE-D18E-4E99-90D9-8CD79FAB3E66}"/>
               </a:ext>
             </a:extLst>
           </p:cNvPr>
@@ -5018,7 +5018,7 @@
           <p:cNvPr id="22" name="Ovaal 21">
             <a:extLst>
               <a:ext uri="{FF2B5EF4-FFF2-40B4-BE49-F238E27FC236}">
-                <a16:creationId xmlns:a16="http://schemas.microsoft.com/office/drawing/2014/main" xmlns="" id="{57BEF406-0651-41E0-BE06-273B7CC97A2D}"/>
+                <a16:creationId xmlns="" xmlns:a16="http://schemas.microsoft.com/office/drawing/2014/main" id="{57BEF406-0651-41E0-BE06-273B7CC97A2D}"/>
               </a:ext>
             </a:extLst>
           </p:cNvPr>
@@ -5076,7 +5076,7 @@
           <p:cNvPr id="23" name="Rechte verbindingslijn 22">
             <a:extLst>
               <a:ext uri="{FF2B5EF4-FFF2-40B4-BE49-F238E27FC236}">
-                <a16:creationId xmlns:a16="http://schemas.microsoft.com/office/drawing/2014/main" xmlns="" id="{B6E9C7CF-D8FC-4A16-A854-58D00C6AFC36}"/>
+                <a16:creationId xmlns="" xmlns:a16="http://schemas.microsoft.com/office/drawing/2014/main" id="{B6E9C7CF-D8FC-4A16-A854-58D00C6AFC36}"/>
               </a:ext>
             </a:extLst>
           </p:cNvPr>
@@ -5124,7 +5124,7 @@
           <p:cNvPr id="24" name="Rechte verbindingslijn 23">
             <a:extLst>
               <a:ext uri="{FF2B5EF4-FFF2-40B4-BE49-F238E27FC236}">
-                <a16:creationId xmlns:a16="http://schemas.microsoft.com/office/drawing/2014/main" xmlns="" id="{1CFE56A8-8899-43BC-94FD-95028AD82001}"/>
+                <a16:creationId xmlns="" xmlns:a16="http://schemas.microsoft.com/office/drawing/2014/main" id="{1CFE56A8-8899-43BC-94FD-95028AD82001}"/>
               </a:ext>
             </a:extLst>
           </p:cNvPr>
@@ -5172,7 +5172,7 @@
           <p:cNvPr id="25" name="Rechte verbindingslijn 24">
             <a:extLst>
               <a:ext uri="{FF2B5EF4-FFF2-40B4-BE49-F238E27FC236}">
-                <a16:creationId xmlns:a16="http://schemas.microsoft.com/office/drawing/2014/main" xmlns="" id="{92F1B486-5D9E-425B-BA62-A39589D9C092}"/>
+                <a16:creationId xmlns="" xmlns:a16="http://schemas.microsoft.com/office/drawing/2014/main" id="{92F1B486-5D9E-425B-BA62-A39589D9C092}"/>
               </a:ext>
             </a:extLst>
           </p:cNvPr>
@@ -5220,7 +5220,7 @@
           <p:cNvPr id="26" name="Rechte verbindingslijn 25">
             <a:extLst>
               <a:ext uri="{FF2B5EF4-FFF2-40B4-BE49-F238E27FC236}">
-                <a16:creationId xmlns:a16="http://schemas.microsoft.com/office/drawing/2014/main" xmlns="" id="{0EAB71A3-52E1-49E7-852D-B0FD3CD4D1A7}"/>
+                <a16:creationId xmlns="" xmlns:a16="http://schemas.microsoft.com/office/drawing/2014/main" id="{0EAB71A3-52E1-49E7-852D-B0FD3CD4D1A7}"/>
               </a:ext>
             </a:extLst>
           </p:cNvPr>
@@ -5268,7 +5268,7 @@
           <p:cNvPr id="27" name="Rechte verbindingslijn 26">
             <a:extLst>
               <a:ext uri="{FF2B5EF4-FFF2-40B4-BE49-F238E27FC236}">
-                <a16:creationId xmlns:a16="http://schemas.microsoft.com/office/drawing/2014/main" xmlns="" id="{099DCD6D-B326-4DA6-8459-0A2EE91D83D5}"/>
+                <a16:creationId xmlns="" xmlns:a16="http://schemas.microsoft.com/office/drawing/2014/main" id="{099DCD6D-B326-4DA6-8459-0A2EE91D83D5}"/>
               </a:ext>
             </a:extLst>
           </p:cNvPr>
@@ -5316,7 +5316,7 @@
           <p:cNvPr id="28" name="Rechte verbindingslijn 27">
             <a:extLst>
               <a:ext uri="{FF2B5EF4-FFF2-40B4-BE49-F238E27FC236}">
-                <a16:creationId xmlns:a16="http://schemas.microsoft.com/office/drawing/2014/main" xmlns="" id="{8E4426DD-AC68-426C-8E72-53F5D4058FEB}"/>
+                <a16:creationId xmlns="" xmlns:a16="http://schemas.microsoft.com/office/drawing/2014/main" id="{8E4426DD-AC68-426C-8E72-53F5D4058FEB}"/>
               </a:ext>
             </a:extLst>
           </p:cNvPr>
@@ -5364,7 +5364,7 @@
           <p:cNvPr id="29" name="Rechte verbindingslijn 28">
             <a:extLst>
               <a:ext uri="{FF2B5EF4-FFF2-40B4-BE49-F238E27FC236}">
-                <a16:creationId xmlns:a16="http://schemas.microsoft.com/office/drawing/2014/main" xmlns="" id="{F8455A54-0906-419D-9641-930E0EF19620}"/>
+                <a16:creationId xmlns="" xmlns:a16="http://schemas.microsoft.com/office/drawing/2014/main" id="{F8455A54-0906-419D-9641-930E0EF19620}"/>
               </a:ext>
             </a:extLst>
           </p:cNvPr>
@@ -5412,7 +5412,7 @@
           <p:cNvPr id="30" name="Ovaal 29">
             <a:extLst>
               <a:ext uri="{FF2B5EF4-FFF2-40B4-BE49-F238E27FC236}">
-                <a16:creationId xmlns:a16="http://schemas.microsoft.com/office/drawing/2014/main" xmlns="" id="{2F8EA833-A5A7-481E-A4D1-98F4CE5A47F5}"/>
+                <a16:creationId xmlns="" xmlns:a16="http://schemas.microsoft.com/office/drawing/2014/main" id="{2F8EA833-A5A7-481E-A4D1-98F4CE5A47F5}"/>
               </a:ext>
             </a:extLst>
           </p:cNvPr>
@@ -5470,7 +5470,7 @@
           <p:cNvPr id="31" name="Ovaal 30">
             <a:extLst>
               <a:ext uri="{FF2B5EF4-FFF2-40B4-BE49-F238E27FC236}">
-                <a16:creationId xmlns:a16="http://schemas.microsoft.com/office/drawing/2014/main" xmlns="" id="{EF1B8A63-45C7-4477-83DA-C5F7FAE45190}"/>
+                <a16:creationId xmlns="" xmlns:a16="http://schemas.microsoft.com/office/drawing/2014/main" id="{EF1B8A63-45C7-4477-83DA-C5F7FAE45190}"/>
               </a:ext>
             </a:extLst>
           </p:cNvPr>
@@ -5528,7 +5528,7 @@
           <p:cNvPr id="32" name="Ovaal 31">
             <a:extLst>
               <a:ext uri="{FF2B5EF4-FFF2-40B4-BE49-F238E27FC236}">
-                <a16:creationId xmlns:a16="http://schemas.microsoft.com/office/drawing/2014/main" xmlns="" id="{0ACF7CC1-9BE7-4DD2-8236-579273166F0D}"/>
+                <a16:creationId xmlns="" xmlns:a16="http://schemas.microsoft.com/office/drawing/2014/main" id="{0ACF7CC1-9BE7-4DD2-8236-579273166F0D}"/>
               </a:ext>
             </a:extLst>
           </p:cNvPr>
@@ -5586,7 +5586,7 @@
           <p:cNvPr id="33" name="Ovaal 32">
             <a:extLst>
               <a:ext uri="{FF2B5EF4-FFF2-40B4-BE49-F238E27FC236}">
-                <a16:creationId xmlns:a16="http://schemas.microsoft.com/office/drawing/2014/main" xmlns="" id="{38A37D86-F49D-4015-9F89-0C5AA4F918E7}"/>
+                <a16:creationId xmlns="" xmlns:a16="http://schemas.microsoft.com/office/drawing/2014/main" id="{38A37D86-F49D-4015-9F89-0C5AA4F918E7}"/>
               </a:ext>
             </a:extLst>
           </p:cNvPr>
@@ -5644,7 +5644,7 @@
           <p:cNvPr id="34" name="Ovaal 33">
             <a:extLst>
               <a:ext uri="{FF2B5EF4-FFF2-40B4-BE49-F238E27FC236}">
-                <a16:creationId xmlns:a16="http://schemas.microsoft.com/office/drawing/2014/main" xmlns="" id="{068A416D-8303-4CF0-9F81-5305F8661921}"/>
+                <a16:creationId xmlns="" xmlns:a16="http://schemas.microsoft.com/office/drawing/2014/main" id="{068A416D-8303-4CF0-9F81-5305F8661921}"/>
               </a:ext>
             </a:extLst>
           </p:cNvPr>
@@ -5702,7 +5702,7 @@
           <p:cNvPr id="35" name="Ovaal 34">
             <a:extLst>
               <a:ext uri="{FF2B5EF4-FFF2-40B4-BE49-F238E27FC236}">
-                <a16:creationId xmlns:a16="http://schemas.microsoft.com/office/drawing/2014/main" xmlns="" id="{57886617-EF56-4B20-8554-D57A38AAFA65}"/>
+                <a16:creationId xmlns="" xmlns:a16="http://schemas.microsoft.com/office/drawing/2014/main" id="{57886617-EF56-4B20-8554-D57A38AAFA65}"/>
               </a:ext>
             </a:extLst>
           </p:cNvPr>
@@ -5760,7 +5760,7 @@
           <p:cNvPr id="36" name="Ovaal 35">
             <a:extLst>
               <a:ext uri="{FF2B5EF4-FFF2-40B4-BE49-F238E27FC236}">
-                <a16:creationId xmlns:a16="http://schemas.microsoft.com/office/drawing/2014/main" xmlns="" id="{F5B28146-4C85-4621-B9EA-F45F4586B369}"/>
+                <a16:creationId xmlns="" xmlns:a16="http://schemas.microsoft.com/office/drawing/2014/main" id="{F5B28146-4C85-4621-B9EA-F45F4586B369}"/>
               </a:ext>
             </a:extLst>
           </p:cNvPr>
@@ -5818,7 +5818,7 @@
           <p:cNvPr id="37" name="Ovaal 36">
             <a:extLst>
               <a:ext uri="{FF2B5EF4-FFF2-40B4-BE49-F238E27FC236}">
-                <a16:creationId xmlns:a16="http://schemas.microsoft.com/office/drawing/2014/main" xmlns="" id="{7C0671A0-0740-414E-92E7-AEF59EAC6288}"/>
+                <a16:creationId xmlns="" xmlns:a16="http://schemas.microsoft.com/office/drawing/2014/main" id="{7C0671A0-0740-414E-92E7-AEF59EAC6288}"/>
               </a:ext>
             </a:extLst>
           </p:cNvPr>
@@ -5876,7 +5876,7 @@
           <p:cNvPr id="38" name="Rechte verbindingslijn 37">
             <a:extLst>
               <a:ext uri="{FF2B5EF4-FFF2-40B4-BE49-F238E27FC236}">
-                <a16:creationId xmlns:a16="http://schemas.microsoft.com/office/drawing/2014/main" xmlns="" id="{33DE6DFE-6D57-47BA-BB6B-555F08E26DB9}"/>
+                <a16:creationId xmlns="" xmlns:a16="http://schemas.microsoft.com/office/drawing/2014/main" id="{33DE6DFE-6D57-47BA-BB6B-555F08E26DB9}"/>
               </a:ext>
             </a:extLst>
           </p:cNvPr>
@@ -5924,7 +5924,7 @@
           <p:cNvPr id="39" name="Rechte verbindingslijn 38">
             <a:extLst>
               <a:ext uri="{FF2B5EF4-FFF2-40B4-BE49-F238E27FC236}">
-                <a16:creationId xmlns:a16="http://schemas.microsoft.com/office/drawing/2014/main" xmlns="" id="{2DA35996-A73E-4F96-979F-9FF60EC2EA8E}"/>
+                <a16:creationId xmlns="" xmlns:a16="http://schemas.microsoft.com/office/drawing/2014/main" id="{2DA35996-A73E-4F96-979F-9FF60EC2EA8E}"/>
               </a:ext>
             </a:extLst>
           </p:cNvPr>
@@ -5972,7 +5972,7 @@
           <p:cNvPr id="40" name="Rechte verbindingslijn 39">
             <a:extLst>
               <a:ext uri="{FF2B5EF4-FFF2-40B4-BE49-F238E27FC236}">
-                <a16:creationId xmlns:a16="http://schemas.microsoft.com/office/drawing/2014/main" xmlns="" id="{A723C397-9B1B-4D91-BA47-50C5F66D3D89}"/>
+                <a16:creationId xmlns="" xmlns:a16="http://schemas.microsoft.com/office/drawing/2014/main" id="{A723C397-9B1B-4D91-BA47-50C5F66D3D89}"/>
               </a:ext>
             </a:extLst>
           </p:cNvPr>
@@ -6020,7 +6020,7 @@
           <p:cNvPr id="41" name="Rechte verbindingslijn 40">
             <a:extLst>
               <a:ext uri="{FF2B5EF4-FFF2-40B4-BE49-F238E27FC236}">
-                <a16:creationId xmlns:a16="http://schemas.microsoft.com/office/drawing/2014/main" xmlns="" id="{2F58A9CA-8BB1-4BB9-A296-F83FB5010BAE}"/>
+                <a16:creationId xmlns="" xmlns:a16="http://schemas.microsoft.com/office/drawing/2014/main" id="{2F58A9CA-8BB1-4BB9-A296-F83FB5010BAE}"/>
               </a:ext>
             </a:extLst>
           </p:cNvPr>
@@ -6068,7 +6068,7 @@
           <p:cNvPr id="42" name="Rechte verbindingslijn 41">
             <a:extLst>
               <a:ext uri="{FF2B5EF4-FFF2-40B4-BE49-F238E27FC236}">
-                <a16:creationId xmlns:a16="http://schemas.microsoft.com/office/drawing/2014/main" xmlns="" id="{959AEB00-BDDE-401D-A258-A1BC831BF286}"/>
+                <a16:creationId xmlns="" xmlns:a16="http://schemas.microsoft.com/office/drawing/2014/main" id="{959AEB00-BDDE-401D-A258-A1BC831BF286}"/>
               </a:ext>
             </a:extLst>
           </p:cNvPr>
@@ -6116,7 +6116,7 @@
           <p:cNvPr id="43" name="Rechte verbindingslijn 42">
             <a:extLst>
               <a:ext uri="{FF2B5EF4-FFF2-40B4-BE49-F238E27FC236}">
-                <a16:creationId xmlns:a16="http://schemas.microsoft.com/office/drawing/2014/main" xmlns="" id="{451D5B5E-F7CD-4D18-81B2-353312FBAE39}"/>
+                <a16:creationId xmlns="" xmlns:a16="http://schemas.microsoft.com/office/drawing/2014/main" id="{451D5B5E-F7CD-4D18-81B2-353312FBAE39}"/>
               </a:ext>
             </a:extLst>
           </p:cNvPr>
@@ -6164,7 +6164,7 @@
           <p:cNvPr id="44" name="Rechte verbindingslijn 43">
             <a:extLst>
               <a:ext uri="{FF2B5EF4-FFF2-40B4-BE49-F238E27FC236}">
-                <a16:creationId xmlns:a16="http://schemas.microsoft.com/office/drawing/2014/main" xmlns="" id="{0762CCB1-BCF4-4FA9-BBCF-2906073B5750}"/>
+                <a16:creationId xmlns="" xmlns:a16="http://schemas.microsoft.com/office/drawing/2014/main" id="{0762CCB1-BCF4-4FA9-BBCF-2906073B5750}"/>
               </a:ext>
             </a:extLst>
           </p:cNvPr>
@@ -6212,7 +6212,7 @@
           <p:cNvPr id="45" name="Rechte verbindingslijn 44">
             <a:extLst>
               <a:ext uri="{FF2B5EF4-FFF2-40B4-BE49-F238E27FC236}">
-                <a16:creationId xmlns:a16="http://schemas.microsoft.com/office/drawing/2014/main" xmlns="" id="{04763EFC-7EEF-4E93-9F5A-2BD209A331DC}"/>
+                <a16:creationId xmlns="" xmlns:a16="http://schemas.microsoft.com/office/drawing/2014/main" id="{04763EFC-7EEF-4E93-9F5A-2BD209A331DC}"/>
               </a:ext>
             </a:extLst>
           </p:cNvPr>
@@ -6290,7 +6290,7 @@
           <p:cNvPr id="2" name="Titel 1">
             <a:extLst>
               <a:ext uri="{FF2B5EF4-FFF2-40B4-BE49-F238E27FC236}">
-                <a16:creationId xmlns:a16="http://schemas.microsoft.com/office/drawing/2014/main" xmlns="" id="{769A96FB-BA26-47C0-85BC-9E5A44D94A65}"/>
+                <a16:creationId xmlns="" xmlns:a16="http://schemas.microsoft.com/office/drawing/2014/main" id="{769A96FB-BA26-47C0-85BC-9E5A44D94A65}"/>
               </a:ext>
             </a:extLst>
           </p:cNvPr>
@@ -6318,7 +6318,7 @@
           <p:cNvPr id="5" name="Tijdelijke aanduiding voor inhoud 4">
             <a:extLst>
               <a:ext uri="{FF2B5EF4-FFF2-40B4-BE49-F238E27FC236}">
-                <a16:creationId xmlns:a16="http://schemas.microsoft.com/office/drawing/2014/main" xmlns="" id="{82F9B9FE-1870-4902-A7DB-4B27D59D2B2B}"/>
+                <a16:creationId xmlns="" xmlns:a16="http://schemas.microsoft.com/office/drawing/2014/main" id="{82F9B9FE-1870-4902-A7DB-4B27D59D2B2B}"/>
               </a:ext>
             </a:extLst>
           </p:cNvPr>
@@ -6353,7 +6353,7 @@
           <p:cNvPr id="8" name="Afbeelding 7">
             <a:extLst>
               <a:ext uri="{FF2B5EF4-FFF2-40B4-BE49-F238E27FC236}">
-                <a16:creationId xmlns:a16="http://schemas.microsoft.com/office/drawing/2014/main" xmlns="" id="{819AAC82-0B32-4FA7-B311-90C90A003DAD}"/>
+                <a16:creationId xmlns="" xmlns:a16="http://schemas.microsoft.com/office/drawing/2014/main" id="{819AAC82-0B32-4FA7-B311-90C90A003DAD}"/>
               </a:ext>
             </a:extLst>
           </p:cNvPr>
@@ -6388,7 +6388,7 @@
           <p:cNvPr id="11" name="Pijl: rechts 10">
             <a:extLst>
               <a:ext uri="{FF2B5EF4-FFF2-40B4-BE49-F238E27FC236}">
-                <a16:creationId xmlns:a16="http://schemas.microsoft.com/office/drawing/2014/main" xmlns="" id="{C3B3C454-C61F-4642-AC5E-175E78B46E93}"/>
+                <a16:creationId xmlns="" xmlns:a16="http://schemas.microsoft.com/office/drawing/2014/main" id="{C3B3C454-C61F-4642-AC5E-175E78B46E93}"/>
               </a:ext>
             </a:extLst>
           </p:cNvPr>
@@ -6434,7 +6434,7 @@
           <p:cNvPr id="12" name="Tekstvak 11">
             <a:extLst>
               <a:ext uri="{FF2B5EF4-FFF2-40B4-BE49-F238E27FC236}">
-                <a16:creationId xmlns:a16="http://schemas.microsoft.com/office/drawing/2014/main" xmlns="" id="{1AF95B95-DF37-4511-BC26-2A337B82EADC}"/>
+                <a16:creationId xmlns="" xmlns:a16="http://schemas.microsoft.com/office/drawing/2014/main" id="{1AF95B95-DF37-4511-BC26-2A337B82EADC}"/>
               </a:ext>
             </a:extLst>
           </p:cNvPr>
@@ -6469,7 +6469,7 @@
           <p:cNvPr id="9" name="Afbeelding 8">
             <a:extLst>
               <a:ext uri="{FF2B5EF4-FFF2-40B4-BE49-F238E27FC236}">
-                <a16:creationId xmlns:a16="http://schemas.microsoft.com/office/drawing/2014/main" xmlns="" id="{1B858127-D2F6-4D2B-B5A9-94CF7612B179}"/>
+                <a16:creationId xmlns="" xmlns:a16="http://schemas.microsoft.com/office/drawing/2014/main" id="{1B858127-D2F6-4D2B-B5A9-94CF7612B179}"/>
               </a:ext>
             </a:extLst>
           </p:cNvPr>
@@ -6505,7 +6505,7 @@
           <p:cNvPr id="10" name="Pijl: rechts 9">
             <a:extLst>
               <a:ext uri="{FF2B5EF4-FFF2-40B4-BE49-F238E27FC236}">
-                <a16:creationId xmlns:a16="http://schemas.microsoft.com/office/drawing/2014/main" xmlns="" id="{13F3850F-71EA-4741-A182-94C4C2F636F5}"/>
+                <a16:creationId xmlns="" xmlns:a16="http://schemas.microsoft.com/office/drawing/2014/main" id="{13F3850F-71EA-4741-A182-94C4C2F636F5}"/>
               </a:ext>
             </a:extLst>
           </p:cNvPr>
@@ -6551,7 +6551,7 @@
           <p:cNvPr id="13" name="Tekstvak 12">
             <a:extLst>
               <a:ext uri="{FF2B5EF4-FFF2-40B4-BE49-F238E27FC236}">
-                <a16:creationId xmlns:a16="http://schemas.microsoft.com/office/drawing/2014/main" xmlns="" id="{44CABAE1-B325-4747-910E-7EDC7EDD7625}"/>
+                <a16:creationId xmlns="" xmlns:a16="http://schemas.microsoft.com/office/drawing/2014/main" id="{44CABAE1-B325-4747-910E-7EDC7EDD7625}"/>
               </a:ext>
             </a:extLst>
           </p:cNvPr>
@@ -6605,7 +6605,7 @@
           <p:cNvPr id="14" name="Afbeelding 13">
             <a:extLst>
               <a:ext uri="{FF2B5EF4-FFF2-40B4-BE49-F238E27FC236}">
-                <a16:creationId xmlns:a16="http://schemas.microsoft.com/office/drawing/2014/main" xmlns="" id="{F67612D4-1C0C-40D2-972D-04F12DDE0F60}"/>
+                <a16:creationId xmlns="" xmlns:a16="http://schemas.microsoft.com/office/drawing/2014/main" id="{F67612D4-1C0C-40D2-972D-04F12DDE0F60}"/>
               </a:ext>
             </a:extLst>
           </p:cNvPr>
@@ -6635,7 +6635,7 @@
           <p:cNvPr id="3" name="Tekstvak 2">
             <a:extLst>
               <a:ext uri="{FF2B5EF4-FFF2-40B4-BE49-F238E27FC236}">
-                <a16:creationId xmlns:a16="http://schemas.microsoft.com/office/drawing/2014/main" xmlns="" id="{C26579A7-5154-43F0-8824-0FAFC9CD4201}"/>
+                <a16:creationId xmlns="" xmlns:a16="http://schemas.microsoft.com/office/drawing/2014/main" id="{C26579A7-5154-43F0-8824-0FAFC9CD4201}"/>
               </a:ext>
             </a:extLst>
           </p:cNvPr>
@@ -6670,7 +6670,7 @@
           <p:cNvPr id="4" name="Tekstvak 3">
             <a:extLst>
               <a:ext uri="{FF2B5EF4-FFF2-40B4-BE49-F238E27FC236}">
-                <a16:creationId xmlns:a16="http://schemas.microsoft.com/office/drawing/2014/main" xmlns="" id="{1F03EA5B-9405-4FF2-A715-0E995B30C408}"/>
+                <a16:creationId xmlns="" xmlns:a16="http://schemas.microsoft.com/office/drawing/2014/main" id="{1F03EA5B-9405-4FF2-A715-0E995B30C408}"/>
               </a:ext>
             </a:extLst>
           </p:cNvPr>
@@ -6705,7 +6705,7 @@
           <p:cNvPr id="17" name="Rechte verbindingslijn met pijl 16">
             <a:extLst>
               <a:ext uri="{FF2B5EF4-FFF2-40B4-BE49-F238E27FC236}">
-                <a16:creationId xmlns:a16="http://schemas.microsoft.com/office/drawing/2014/main" xmlns="" id="{4354D81E-79D5-49F9-8B3E-FFC4DC3E61F5}"/>
+                <a16:creationId xmlns="" xmlns:a16="http://schemas.microsoft.com/office/drawing/2014/main" id="{4354D81E-79D5-49F9-8B3E-FFC4DC3E61F5}"/>
               </a:ext>
             </a:extLst>
           </p:cNvPr>
@@ -6776,7 +6776,7 @@
           <p:cNvPr id="2" name="Titel 1">
             <a:extLst>
               <a:ext uri="{FF2B5EF4-FFF2-40B4-BE49-F238E27FC236}">
-                <a16:creationId xmlns:a16="http://schemas.microsoft.com/office/drawing/2014/main" xmlns="" id="{769A96FB-BA26-47C0-85BC-9E5A44D94A65}"/>
+                <a16:creationId xmlns="" xmlns:a16="http://schemas.microsoft.com/office/drawing/2014/main" id="{769A96FB-BA26-47C0-85BC-9E5A44D94A65}"/>
               </a:ext>
             </a:extLst>
           </p:cNvPr>
@@ -6804,7 +6804,7 @@
           <p:cNvPr id="5" name="Tijdelijke aanduiding voor inhoud 4">
             <a:extLst>
               <a:ext uri="{FF2B5EF4-FFF2-40B4-BE49-F238E27FC236}">
-                <a16:creationId xmlns:a16="http://schemas.microsoft.com/office/drawing/2014/main" xmlns="" id="{82F9B9FE-1870-4902-A7DB-4B27D59D2B2B}"/>
+                <a16:creationId xmlns="" xmlns:a16="http://schemas.microsoft.com/office/drawing/2014/main" id="{82F9B9FE-1870-4902-A7DB-4B27D59D2B2B}"/>
               </a:ext>
             </a:extLst>
           </p:cNvPr>
@@ -6839,7 +6839,7 @@
           <p:cNvPr id="6" name="Tekstvak 5">
             <a:extLst>
               <a:ext uri="{FF2B5EF4-FFF2-40B4-BE49-F238E27FC236}">
-                <a16:creationId xmlns:a16="http://schemas.microsoft.com/office/drawing/2014/main" xmlns="" id="{D8F2D3D1-1FE8-4AA0-B6C8-D7E88097CE04}"/>
+                <a16:creationId xmlns="" xmlns:a16="http://schemas.microsoft.com/office/drawing/2014/main" id="{D8F2D3D1-1FE8-4AA0-B6C8-D7E88097CE04}"/>
               </a:ext>
             </a:extLst>
           </p:cNvPr>
@@ -6875,7 +6875,7 @@
           <p:cNvPr id="8" name="Afbeelding 7">
             <a:extLst>
               <a:ext uri="{FF2B5EF4-FFF2-40B4-BE49-F238E27FC236}">
-                <a16:creationId xmlns:a16="http://schemas.microsoft.com/office/drawing/2014/main" xmlns="" id="{819AAC82-0B32-4FA7-B311-90C90A003DAD}"/>
+                <a16:creationId xmlns="" xmlns:a16="http://schemas.microsoft.com/office/drawing/2014/main" id="{819AAC82-0B32-4FA7-B311-90C90A003DAD}"/>
               </a:ext>
             </a:extLst>
           </p:cNvPr>
@@ -6910,7 +6910,7 @@
           <p:cNvPr id="11" name="Pijl: rechts 10">
             <a:extLst>
               <a:ext uri="{FF2B5EF4-FFF2-40B4-BE49-F238E27FC236}">
-                <a16:creationId xmlns:a16="http://schemas.microsoft.com/office/drawing/2014/main" xmlns="" id="{C3B3C454-C61F-4642-AC5E-175E78B46E93}"/>
+                <a16:creationId xmlns="" xmlns:a16="http://schemas.microsoft.com/office/drawing/2014/main" id="{C3B3C454-C61F-4642-AC5E-175E78B46E93}"/>
               </a:ext>
             </a:extLst>
           </p:cNvPr>
@@ -6956,7 +6956,7 @@
           <p:cNvPr id="12" name="Tekstvak 11">
             <a:extLst>
               <a:ext uri="{FF2B5EF4-FFF2-40B4-BE49-F238E27FC236}">
-                <a16:creationId xmlns:a16="http://schemas.microsoft.com/office/drawing/2014/main" xmlns="" id="{1AF95B95-DF37-4511-BC26-2A337B82EADC}"/>
+                <a16:creationId xmlns="" xmlns:a16="http://schemas.microsoft.com/office/drawing/2014/main" id="{1AF95B95-DF37-4511-BC26-2A337B82EADC}"/>
               </a:ext>
             </a:extLst>
           </p:cNvPr>
@@ -6991,7 +6991,7 @@
           <p:cNvPr id="9" name="Afbeelding 8">
             <a:extLst>
               <a:ext uri="{FF2B5EF4-FFF2-40B4-BE49-F238E27FC236}">
-                <a16:creationId xmlns:a16="http://schemas.microsoft.com/office/drawing/2014/main" xmlns="" id="{1B858127-D2F6-4D2B-B5A9-94CF7612B179}"/>
+                <a16:creationId xmlns="" xmlns:a16="http://schemas.microsoft.com/office/drawing/2014/main" id="{1B858127-D2F6-4D2B-B5A9-94CF7612B179}"/>
               </a:ext>
             </a:extLst>
           </p:cNvPr>
@@ -7027,7 +7027,7 @@
           <p:cNvPr id="10" name="Pijl: rechts 9">
             <a:extLst>
               <a:ext uri="{FF2B5EF4-FFF2-40B4-BE49-F238E27FC236}">
-                <a16:creationId xmlns:a16="http://schemas.microsoft.com/office/drawing/2014/main" xmlns="" id="{13F3850F-71EA-4741-A182-94C4C2F636F5}"/>
+                <a16:creationId xmlns="" xmlns:a16="http://schemas.microsoft.com/office/drawing/2014/main" id="{13F3850F-71EA-4741-A182-94C4C2F636F5}"/>
               </a:ext>
             </a:extLst>
           </p:cNvPr>
@@ -7073,7 +7073,7 @@
           <p:cNvPr id="13" name="Tekstvak 12">
             <a:extLst>
               <a:ext uri="{FF2B5EF4-FFF2-40B4-BE49-F238E27FC236}">
-                <a16:creationId xmlns:a16="http://schemas.microsoft.com/office/drawing/2014/main" xmlns="" id="{44CABAE1-B325-4747-910E-7EDC7EDD7625}"/>
+                <a16:creationId xmlns="" xmlns:a16="http://schemas.microsoft.com/office/drawing/2014/main" id="{44CABAE1-B325-4747-910E-7EDC7EDD7625}"/>
               </a:ext>
             </a:extLst>
           </p:cNvPr>
@@ -7157,7 +7157,7 @@
           <p:cNvPr id="2" name="Titel 1">
             <a:extLst>
               <a:ext uri="{FF2B5EF4-FFF2-40B4-BE49-F238E27FC236}">
-                <a16:creationId xmlns:a16="http://schemas.microsoft.com/office/drawing/2014/main" xmlns="" id="{769A96FB-BA26-47C0-85BC-9E5A44D94A65}"/>
+                <a16:creationId xmlns="" xmlns:a16="http://schemas.microsoft.com/office/drawing/2014/main" id="{769A96FB-BA26-47C0-85BC-9E5A44D94A65}"/>
               </a:ext>
             </a:extLst>
           </p:cNvPr>
@@ -7185,7 +7185,7 @@
           <p:cNvPr id="5" name="Tijdelijke aanduiding voor inhoud 4">
             <a:extLst>
               <a:ext uri="{FF2B5EF4-FFF2-40B4-BE49-F238E27FC236}">
-                <a16:creationId xmlns:a16="http://schemas.microsoft.com/office/drawing/2014/main" xmlns="" id="{82F9B9FE-1870-4902-A7DB-4B27D59D2B2B}"/>
+                <a16:creationId xmlns="" xmlns:a16="http://schemas.microsoft.com/office/drawing/2014/main" id="{82F9B9FE-1870-4902-A7DB-4B27D59D2B2B}"/>
               </a:ext>
             </a:extLst>
           </p:cNvPr>
@@ -7220,7 +7220,7 @@
           <p:cNvPr id="6" name="Tekstvak 5">
             <a:extLst>
               <a:ext uri="{FF2B5EF4-FFF2-40B4-BE49-F238E27FC236}">
-                <a16:creationId xmlns:a16="http://schemas.microsoft.com/office/drawing/2014/main" xmlns="" id="{D8F2D3D1-1FE8-4AA0-B6C8-D7E88097CE04}"/>
+                <a16:creationId xmlns="" xmlns:a16="http://schemas.microsoft.com/office/drawing/2014/main" id="{D8F2D3D1-1FE8-4AA0-B6C8-D7E88097CE04}"/>
               </a:ext>
             </a:extLst>
           </p:cNvPr>
@@ -7256,7 +7256,7 @@
           <p:cNvPr id="11" name="Pijl: rechts 10">
             <a:extLst>
               <a:ext uri="{FF2B5EF4-FFF2-40B4-BE49-F238E27FC236}">
-                <a16:creationId xmlns:a16="http://schemas.microsoft.com/office/drawing/2014/main" xmlns="" id="{C3B3C454-C61F-4642-AC5E-175E78B46E93}"/>
+                <a16:creationId xmlns="" xmlns:a16="http://schemas.microsoft.com/office/drawing/2014/main" id="{C3B3C454-C61F-4642-AC5E-175E78B46E93}"/>
               </a:ext>
             </a:extLst>
           </p:cNvPr>
@@ -7302,7 +7302,7 @@
           <p:cNvPr id="9" name="Afbeelding 8">
             <a:extLst>
               <a:ext uri="{FF2B5EF4-FFF2-40B4-BE49-F238E27FC236}">
-                <a16:creationId xmlns:a16="http://schemas.microsoft.com/office/drawing/2014/main" xmlns="" id="{1B858127-D2F6-4D2B-B5A9-94CF7612B179}"/>
+                <a16:creationId xmlns="" xmlns:a16="http://schemas.microsoft.com/office/drawing/2014/main" id="{1B858127-D2F6-4D2B-B5A9-94CF7612B179}"/>
               </a:ext>
             </a:extLst>
           </p:cNvPr>
@@ -7338,7 +7338,7 @@
           <p:cNvPr id="1026" name="Picture 2" descr="Afbeeldingsresultaat voor folding amino acid chain">
             <a:extLst>
               <a:ext uri="{FF2B5EF4-FFF2-40B4-BE49-F238E27FC236}">
-                <a16:creationId xmlns:a16="http://schemas.microsoft.com/office/drawing/2014/main" xmlns="" id="{4C76A64E-2EE4-4BB7-B0FD-D1286AD1BF49}"/>
+                <a16:creationId xmlns="" xmlns:a16="http://schemas.microsoft.com/office/drawing/2014/main" id="{4C76A64E-2EE4-4BB7-B0FD-D1286AD1BF49}"/>
               </a:ext>
             </a:extLst>
           </p:cNvPr>
@@ -7385,7 +7385,7 @@
           <p:cNvPr id="14" name="Pijl: rechts 13">
             <a:extLst>
               <a:ext uri="{FF2B5EF4-FFF2-40B4-BE49-F238E27FC236}">
-                <a16:creationId xmlns:a16="http://schemas.microsoft.com/office/drawing/2014/main" xmlns="" id="{464F7A90-0AA5-4588-87E2-01191833DB40}"/>
+                <a16:creationId xmlns="" xmlns:a16="http://schemas.microsoft.com/office/drawing/2014/main" id="{464F7A90-0AA5-4588-87E2-01191833DB40}"/>
               </a:ext>
             </a:extLst>
           </p:cNvPr>
@@ -7431,7 +7431,7 @@
           <p:cNvPr id="16" name="Tekstvak 15">
             <a:extLst>
               <a:ext uri="{FF2B5EF4-FFF2-40B4-BE49-F238E27FC236}">
-                <a16:creationId xmlns:a16="http://schemas.microsoft.com/office/drawing/2014/main" xmlns="" id="{5259B865-E3E3-4845-B5A4-969B8A954695}"/>
+                <a16:creationId xmlns="" xmlns:a16="http://schemas.microsoft.com/office/drawing/2014/main" id="{5259B865-E3E3-4845-B5A4-969B8A954695}"/>
               </a:ext>
             </a:extLst>
           </p:cNvPr>
@@ -7515,7 +7515,7 @@
           <p:cNvPr id="2" name="Titel 1">
             <a:extLst>
               <a:ext uri="{FF2B5EF4-FFF2-40B4-BE49-F238E27FC236}">
-                <a16:creationId xmlns:a16="http://schemas.microsoft.com/office/drawing/2014/main" xmlns="" id="{769A96FB-BA26-47C0-85BC-9E5A44D94A65}"/>
+                <a16:creationId xmlns="" xmlns:a16="http://schemas.microsoft.com/office/drawing/2014/main" id="{769A96FB-BA26-47C0-85BC-9E5A44D94A65}"/>
               </a:ext>
             </a:extLst>
           </p:cNvPr>
@@ -7543,7 +7543,7 @@
           <p:cNvPr id="5" name="Tijdelijke aanduiding voor inhoud 4">
             <a:extLst>
               <a:ext uri="{FF2B5EF4-FFF2-40B4-BE49-F238E27FC236}">
-                <a16:creationId xmlns:a16="http://schemas.microsoft.com/office/drawing/2014/main" xmlns="" id="{82F9B9FE-1870-4902-A7DB-4B27D59D2B2B}"/>
+                <a16:creationId xmlns="" xmlns:a16="http://schemas.microsoft.com/office/drawing/2014/main" id="{82F9B9FE-1870-4902-A7DB-4B27D59D2B2B}"/>
               </a:ext>
             </a:extLst>
           </p:cNvPr>
@@ -7578,7 +7578,7 @@
           <p:cNvPr id="6" name="Tekstvak 5">
             <a:extLst>
               <a:ext uri="{FF2B5EF4-FFF2-40B4-BE49-F238E27FC236}">
-                <a16:creationId xmlns:a16="http://schemas.microsoft.com/office/drawing/2014/main" xmlns="" id="{D8F2D3D1-1FE8-4AA0-B6C8-D7E88097CE04}"/>
+                <a16:creationId xmlns="" xmlns:a16="http://schemas.microsoft.com/office/drawing/2014/main" id="{D8F2D3D1-1FE8-4AA0-B6C8-D7E88097CE04}"/>
               </a:ext>
             </a:extLst>
           </p:cNvPr>
@@ -7614,7 +7614,7 @@
           <p:cNvPr id="8" name="Afbeelding 7">
             <a:extLst>
               <a:ext uri="{FF2B5EF4-FFF2-40B4-BE49-F238E27FC236}">
-                <a16:creationId xmlns:a16="http://schemas.microsoft.com/office/drawing/2014/main" xmlns="" id="{819AAC82-0B32-4FA7-B311-90C90A003DAD}"/>
+                <a16:creationId xmlns="" xmlns:a16="http://schemas.microsoft.com/office/drawing/2014/main" id="{819AAC82-0B32-4FA7-B311-90C90A003DAD}"/>
               </a:ext>
             </a:extLst>
           </p:cNvPr>
@@ -7649,7 +7649,7 @@
           <p:cNvPr id="11" name="Pijl: rechts 10">
             <a:extLst>
               <a:ext uri="{FF2B5EF4-FFF2-40B4-BE49-F238E27FC236}">
-                <a16:creationId xmlns:a16="http://schemas.microsoft.com/office/drawing/2014/main" xmlns="" id="{C3B3C454-C61F-4642-AC5E-175E78B46E93}"/>
+                <a16:creationId xmlns="" xmlns:a16="http://schemas.microsoft.com/office/drawing/2014/main" id="{C3B3C454-C61F-4642-AC5E-175E78B46E93}"/>
               </a:ext>
             </a:extLst>
           </p:cNvPr>
@@ -7695,7 +7695,7 @@
           <p:cNvPr id="12" name="Tekstvak 11">
             <a:extLst>
               <a:ext uri="{FF2B5EF4-FFF2-40B4-BE49-F238E27FC236}">
-                <a16:creationId xmlns:a16="http://schemas.microsoft.com/office/drawing/2014/main" xmlns="" id="{1AF95B95-DF37-4511-BC26-2A337B82EADC}"/>
+                <a16:creationId xmlns="" xmlns:a16="http://schemas.microsoft.com/office/drawing/2014/main" id="{1AF95B95-DF37-4511-BC26-2A337B82EADC}"/>
               </a:ext>
             </a:extLst>
           </p:cNvPr>
@@ -7730,7 +7730,7 @@
           <p:cNvPr id="9" name="Afbeelding 8">
             <a:extLst>
               <a:ext uri="{FF2B5EF4-FFF2-40B4-BE49-F238E27FC236}">
-                <a16:creationId xmlns:a16="http://schemas.microsoft.com/office/drawing/2014/main" xmlns="" id="{1B858127-D2F6-4D2B-B5A9-94CF7612B179}"/>
+                <a16:creationId xmlns="" xmlns:a16="http://schemas.microsoft.com/office/drawing/2014/main" id="{1B858127-D2F6-4D2B-B5A9-94CF7612B179}"/>
               </a:ext>
             </a:extLst>
           </p:cNvPr>
@@ -7766,7 +7766,7 @@
           <p:cNvPr id="10" name="Pijl: rechts 9">
             <a:extLst>
               <a:ext uri="{FF2B5EF4-FFF2-40B4-BE49-F238E27FC236}">
-                <a16:creationId xmlns:a16="http://schemas.microsoft.com/office/drawing/2014/main" xmlns="" id="{13F3850F-71EA-4741-A182-94C4C2F636F5}"/>
+                <a16:creationId xmlns="" xmlns:a16="http://schemas.microsoft.com/office/drawing/2014/main" id="{13F3850F-71EA-4741-A182-94C4C2F636F5}"/>
               </a:ext>
             </a:extLst>
           </p:cNvPr>
@@ -7812,7 +7812,7 @@
           <p:cNvPr id="3" name="Ovaal 2">
             <a:extLst>
               <a:ext uri="{FF2B5EF4-FFF2-40B4-BE49-F238E27FC236}">
-                <a16:creationId xmlns:a16="http://schemas.microsoft.com/office/drawing/2014/main" xmlns="" id="{19B9F891-8EF8-44F6-B6ED-BB2422D771A3}"/>
+                <a16:creationId xmlns="" xmlns:a16="http://schemas.microsoft.com/office/drawing/2014/main" id="{19B9F891-8EF8-44F6-B6ED-BB2422D771A3}"/>
               </a:ext>
             </a:extLst>
           </p:cNvPr>
@@ -7861,7 +7861,7 @@
           <p:cNvPr id="13" name="Ovaal 12">
             <a:extLst>
               <a:ext uri="{FF2B5EF4-FFF2-40B4-BE49-F238E27FC236}">
-                <a16:creationId xmlns:a16="http://schemas.microsoft.com/office/drawing/2014/main" xmlns="" id="{24DD1F6E-573A-4E2D-8811-591CE94E629B}"/>
+                <a16:creationId xmlns="" xmlns:a16="http://schemas.microsoft.com/office/drawing/2014/main" id="{24DD1F6E-573A-4E2D-8811-591CE94E629B}"/>
               </a:ext>
             </a:extLst>
           </p:cNvPr>
@@ -7910,7 +7910,7 @@
           <p:cNvPr id="7" name="Rechte verbindingslijn met pijl 6">
             <a:extLst>
               <a:ext uri="{FF2B5EF4-FFF2-40B4-BE49-F238E27FC236}">
-                <a16:creationId xmlns:a16="http://schemas.microsoft.com/office/drawing/2014/main" xmlns="" id="{D5C82334-4E2E-4051-961A-F679B07C4F1F}"/>
+                <a16:creationId xmlns="" xmlns:a16="http://schemas.microsoft.com/office/drawing/2014/main" id="{D5C82334-4E2E-4051-961A-F679B07C4F1F}"/>
               </a:ext>
             </a:extLst>
           </p:cNvPr>
@@ -7952,7 +7952,7 @@
           <p:cNvPr id="16" name="Rechte verbindingslijn met pijl 15">
             <a:extLst>
               <a:ext uri="{FF2B5EF4-FFF2-40B4-BE49-F238E27FC236}">
-                <a16:creationId xmlns:a16="http://schemas.microsoft.com/office/drawing/2014/main" xmlns="" id="{705EA1F6-DA7E-4475-8576-E76A7C126F12}"/>
+                <a16:creationId xmlns="" xmlns:a16="http://schemas.microsoft.com/office/drawing/2014/main" id="{705EA1F6-DA7E-4475-8576-E76A7C126F12}"/>
               </a:ext>
             </a:extLst>
           </p:cNvPr>
@@ -7994,7 +7994,7 @@
           <p:cNvPr id="14" name="Tekstvak 13">
             <a:extLst>
               <a:ext uri="{FF2B5EF4-FFF2-40B4-BE49-F238E27FC236}">
-                <a16:creationId xmlns:a16="http://schemas.microsoft.com/office/drawing/2014/main" xmlns="" id="{89AB4660-209E-47BF-9FC1-0865745945A5}"/>
+                <a16:creationId xmlns="" xmlns:a16="http://schemas.microsoft.com/office/drawing/2014/main" id="{89AB4660-209E-47BF-9FC1-0865745945A5}"/>
               </a:ext>
             </a:extLst>
           </p:cNvPr>
@@ -8078,7 +8078,7 @@
           <p:cNvPr id="2" name="Titel 1">
             <a:extLst>
               <a:ext uri="{FF2B5EF4-FFF2-40B4-BE49-F238E27FC236}">
-                <a16:creationId xmlns:a16="http://schemas.microsoft.com/office/drawing/2014/main" xmlns="" id="{28AC7F7A-EB5E-48A2-A178-02E17BA194BE}"/>
+                <a16:creationId xmlns="" xmlns:a16="http://schemas.microsoft.com/office/drawing/2014/main" id="{28AC7F7A-EB5E-48A2-A178-02E17BA194BE}"/>
               </a:ext>
             </a:extLst>
           </p:cNvPr>
@@ -8123,7 +8123,7 @@
           <p:cNvPr id="4" name="Tijdelijke aanduiding voor inhoud 3">
             <a:extLst>
               <a:ext uri="{FF2B5EF4-FFF2-40B4-BE49-F238E27FC236}">
-                <a16:creationId xmlns:a16="http://schemas.microsoft.com/office/drawing/2014/main" xmlns="" id="{12A0C32B-A310-4B27-B6D9-73509A425B75}"/>
+                <a16:creationId xmlns="" xmlns:a16="http://schemas.microsoft.com/office/drawing/2014/main" id="{12A0C32B-A310-4B27-B6D9-73509A425B75}"/>
               </a:ext>
             </a:extLst>
           </p:cNvPr>
@@ -8154,7 +8154,7 @@
           <p:cNvPr id="5" name="Tekstvak 4">
             <a:extLst>
               <a:ext uri="{FF2B5EF4-FFF2-40B4-BE49-F238E27FC236}">
-                <a16:creationId xmlns:a16="http://schemas.microsoft.com/office/drawing/2014/main" xmlns="" id="{B862B65A-08A6-41EE-A49A-029A5CEB3C9A}"/>
+                <a16:creationId xmlns="" xmlns:a16="http://schemas.microsoft.com/office/drawing/2014/main" id="{B862B65A-08A6-41EE-A49A-029A5CEB3C9A}"/>
               </a:ext>
             </a:extLst>
           </p:cNvPr>
@@ -8363,7 +8363,7 @@
           <p:cNvPr id="4" name="Tekstvak 3">
             <a:extLst>
               <a:ext uri="{FF2B5EF4-FFF2-40B4-BE49-F238E27FC236}">
-                <a16:creationId xmlns:a16="http://schemas.microsoft.com/office/drawing/2014/main" xmlns="" id="{99709D4B-4D71-4400-8214-1D7EB5722A0D}"/>
+                <a16:creationId xmlns="" xmlns:a16="http://schemas.microsoft.com/office/drawing/2014/main" id="{99709D4B-4D71-4400-8214-1D7EB5722A0D}"/>
               </a:ext>
             </a:extLst>
           </p:cNvPr>
@@ -8473,7 +8473,13 @@
           <p:cNvGraphicFramePr>
             <a:graphicFrameLocks noGrp="1"/>
           </p:cNvGraphicFramePr>
-          <p:nvPr/>
+          <p:nvPr>
+            <p:extLst>
+              <p:ext uri="{D42A27DB-BD31-4B8C-83A1-F6EECF244321}">
+                <p14:modId xmlns:p14="http://schemas.microsoft.com/office/powerpoint/2010/main" val="1067150235"/>
+              </p:ext>
+            </p:extLst>
+          </p:nvPr>
         </p:nvGraphicFramePr>
         <p:xfrm>
           <a:off x="1044027" y="2170093"/>
@@ -8489,14 +8495,14 @@
                 <a:gridCol w="2497959">
                   <a:extLst>
                     <a:ext uri="{9D8B030D-6E8A-4147-A177-3AD203B41FA5}">
-                      <a16:colId xmlns:a16="http://schemas.microsoft.com/office/drawing/2014/main" xmlns="" val="20000"/>
+                      <a16:colId xmlns="" xmlns:a16="http://schemas.microsoft.com/office/drawing/2014/main" val="20000"/>
                     </a:ext>
                   </a:extLst>
                 </a:gridCol>
                 <a:gridCol w="7998373">
                   <a:extLst>
                     <a:ext uri="{9D8B030D-6E8A-4147-A177-3AD203B41FA5}">
-                      <a16:colId xmlns:a16="http://schemas.microsoft.com/office/drawing/2014/main" xmlns="" val="20001"/>
+                      <a16:colId xmlns="" xmlns:a16="http://schemas.microsoft.com/office/drawing/2014/main" val="20001"/>
                     </a:ext>
                   </a:extLst>
                 </a:gridCol>
@@ -8532,7 +8538,7 @@
                 </a:tc>
                 <a:extLst>
                   <a:ext uri="{0D108BD9-81ED-4DB2-BD59-A6C34878D82A}">
-                    <a16:rowId xmlns:a16="http://schemas.microsoft.com/office/drawing/2014/main" xmlns="" val="10000"/>
+                    <a16:rowId xmlns="" xmlns:a16="http://schemas.microsoft.com/office/drawing/2014/main" val="10000"/>
                   </a:ext>
                 </a:extLst>
               </a:tr>
@@ -8633,7 +8639,7 @@
                 </a:tc>
                 <a:extLst>
                   <a:ext uri="{0D108BD9-81ED-4DB2-BD59-A6C34878D82A}">
-                    <a16:rowId xmlns:a16="http://schemas.microsoft.com/office/drawing/2014/main" xmlns="" val="10001"/>
+                    <a16:rowId xmlns="" xmlns:a16="http://schemas.microsoft.com/office/drawing/2014/main" val="10001"/>
                   </a:ext>
                 </a:extLst>
               </a:tr>
@@ -8782,7 +8788,7 @@
                 </a:tc>
                 <a:extLst>
                   <a:ext uri="{0D108BD9-81ED-4DB2-BD59-A6C34878D82A}">
-                    <a16:rowId xmlns:a16="http://schemas.microsoft.com/office/drawing/2014/main" xmlns="" val="10002"/>
+                    <a16:rowId xmlns="" xmlns:a16="http://schemas.microsoft.com/office/drawing/2014/main" val="10002"/>
                   </a:ext>
                 </a:extLst>
               </a:tr>
@@ -8793,9 +8799,10 @@
                     <a:lstStyle/>
                     <a:p>
                       <a:r>
-                        <a:rPr lang="en-US" dirty="0"/>
-                        <a:t>35</a:t>
+                        <a:rPr lang="en-US" dirty="0" smtClean="0"/>
+                        <a:t>36</a:t>
                       </a:r>
+                      <a:endParaRPr lang="en-US" dirty="0"/>
                     </a:p>
                   </a:txBody>
                   <a:tcPr/>
@@ -8915,7 +8922,7 @@
                 </a:tc>
                 <a:extLst>
                   <a:ext uri="{0D108BD9-81ED-4DB2-BD59-A6C34878D82A}">
-                    <a16:rowId xmlns:a16="http://schemas.microsoft.com/office/drawing/2014/main" xmlns="" val="10003"/>
+                    <a16:rowId xmlns="" xmlns:a16="http://schemas.microsoft.com/office/drawing/2014/main" val="10003"/>
                   </a:ext>
                 </a:extLst>
               </a:tr>
@@ -8926,9 +8933,10 @@
                     <a:lstStyle/>
                     <a:p>
                       <a:r>
-                        <a:rPr lang="en-US" dirty="0"/>
-                        <a:t>50</a:t>
+                        <a:rPr lang="en-US" dirty="0" smtClean="0"/>
+                        <a:t>51</a:t>
                       </a:r>
+                      <a:endParaRPr lang="en-US" dirty="0"/>
                     </a:p>
                   </a:txBody>
                   <a:tcPr/>
@@ -9192,7 +9200,7 @@
                 </a:tc>
                 <a:extLst>
                   <a:ext uri="{0D108BD9-81ED-4DB2-BD59-A6C34878D82A}">
-                    <a16:rowId xmlns:a16="http://schemas.microsoft.com/office/drawing/2014/main" xmlns="" val="10004"/>
+                    <a16:rowId xmlns="" xmlns:a16="http://schemas.microsoft.com/office/drawing/2014/main" val="10004"/>
                   </a:ext>
                 </a:extLst>
               </a:tr>
@@ -9205,7 +9213,7 @@
           <p:cNvPr id="5" name="Tekstvak 12">
             <a:extLst>
               <a:ext uri="{FF2B5EF4-FFF2-40B4-BE49-F238E27FC236}">
-                <a16:creationId xmlns:a16="http://schemas.microsoft.com/office/drawing/2014/main" xmlns="" id="{44CABAE1-B325-4747-910E-7EDC7EDD7625}"/>
+                <a16:creationId xmlns="" xmlns:a16="http://schemas.microsoft.com/office/drawing/2014/main" id="{44CABAE1-B325-4747-910E-7EDC7EDD7625}"/>
               </a:ext>
             </a:extLst>
           </p:cNvPr>
@@ -9358,21 +9366,21 @@
                 <a:gridCol w="7080469">
                   <a:extLst>
                     <a:ext uri="{9D8B030D-6E8A-4147-A177-3AD203B41FA5}">
-                      <a16:colId xmlns:a16="http://schemas.microsoft.com/office/drawing/2014/main" xmlns="" val="20000"/>
+                      <a16:colId xmlns="" xmlns:a16="http://schemas.microsoft.com/office/drawing/2014/main" val="20000"/>
                     </a:ext>
                   </a:extLst>
                 </a:gridCol>
                 <a:gridCol w="1902372">
                   <a:extLst>
                     <a:ext uri="{9D8B030D-6E8A-4147-A177-3AD203B41FA5}">
-                      <a16:colId xmlns:a16="http://schemas.microsoft.com/office/drawing/2014/main" xmlns="" val="20001"/>
+                      <a16:colId xmlns="" xmlns:a16="http://schemas.microsoft.com/office/drawing/2014/main" val="20001"/>
                     </a:ext>
                   </a:extLst>
                 </a:gridCol>
                 <a:gridCol w="1912883">
                   <a:extLst>
                     <a:ext uri="{9D8B030D-6E8A-4147-A177-3AD203B41FA5}">
-                      <a16:colId xmlns:a16="http://schemas.microsoft.com/office/drawing/2014/main" xmlns="" val="20002"/>
+                      <a16:colId xmlns="" xmlns:a16="http://schemas.microsoft.com/office/drawing/2014/main" val="20002"/>
                     </a:ext>
                   </a:extLst>
                 </a:gridCol>
@@ -9420,7 +9428,7 @@
                 </a:tc>
                 <a:extLst>
                   <a:ext uri="{0D108BD9-81ED-4DB2-BD59-A6C34878D82A}">
-                    <a16:rowId xmlns:a16="http://schemas.microsoft.com/office/drawing/2014/main" xmlns="" val="10000"/>
+                    <a16:rowId xmlns="" xmlns:a16="http://schemas.microsoft.com/office/drawing/2014/main" val="10000"/>
                   </a:ext>
                 </a:extLst>
               </a:tr>
@@ -9555,7 +9563,7 @@
                 </a:tc>
                 <a:extLst>
                   <a:ext uri="{0D108BD9-81ED-4DB2-BD59-A6C34878D82A}">
-                    <a16:rowId xmlns:a16="http://schemas.microsoft.com/office/drawing/2014/main" xmlns="" val="10001"/>
+                    <a16:rowId xmlns="" xmlns:a16="http://schemas.microsoft.com/office/drawing/2014/main" val="10001"/>
                   </a:ext>
                 </a:extLst>
               </a:tr>
@@ -9738,7 +9746,7 @@
                 </a:tc>
                 <a:extLst>
                   <a:ext uri="{0D108BD9-81ED-4DB2-BD59-A6C34878D82A}">
-                    <a16:rowId xmlns:a16="http://schemas.microsoft.com/office/drawing/2014/main" xmlns="" val="10002"/>
+                    <a16:rowId xmlns="" xmlns:a16="http://schemas.microsoft.com/office/drawing/2014/main" val="10002"/>
                   </a:ext>
                 </a:extLst>
               </a:tr>
@@ -9901,7 +9909,7 @@
                 </a:tc>
                 <a:extLst>
                   <a:ext uri="{0D108BD9-81ED-4DB2-BD59-A6C34878D82A}">
-                    <a16:rowId xmlns:a16="http://schemas.microsoft.com/office/drawing/2014/main" xmlns="" val="10003"/>
+                    <a16:rowId xmlns="" xmlns:a16="http://schemas.microsoft.com/office/drawing/2014/main" val="10003"/>
                   </a:ext>
                 </a:extLst>
               </a:tr>
@@ -10208,7 +10216,7 @@
                 </a:tc>
                 <a:extLst>
                   <a:ext uri="{0D108BD9-81ED-4DB2-BD59-A6C34878D82A}">
-                    <a16:rowId xmlns:a16="http://schemas.microsoft.com/office/drawing/2014/main" xmlns="" val="10004"/>
+                    <a16:rowId xmlns="" xmlns:a16="http://schemas.microsoft.com/office/drawing/2014/main" val="10004"/>
                   </a:ext>
                 </a:extLst>
               </a:tr>
@@ -10221,7 +10229,7 @@
           <p:cNvPr id="5" name="Tekstvak 12">
             <a:extLst>
               <a:ext uri="{FF2B5EF4-FFF2-40B4-BE49-F238E27FC236}">
-                <a16:creationId xmlns:a16="http://schemas.microsoft.com/office/drawing/2014/main" xmlns="" id="{44CABAE1-B325-4747-910E-7EDC7EDD7625}"/>
+                <a16:creationId xmlns="" xmlns:a16="http://schemas.microsoft.com/office/drawing/2014/main" id="{44CABAE1-B325-4747-910E-7EDC7EDD7625}"/>
               </a:ext>
             </a:extLst>
           </p:cNvPr>
@@ -10402,7 +10410,7 @@
           <p:cNvPr id="5" name="Tekstvak 12">
             <a:extLst>
               <a:ext uri="{FF2B5EF4-FFF2-40B4-BE49-F238E27FC236}">
-                <a16:creationId xmlns:a16="http://schemas.microsoft.com/office/drawing/2014/main" xmlns="" id="{44CABAE1-B325-4747-910E-7EDC7EDD7625}"/>
+                <a16:creationId xmlns="" xmlns:a16="http://schemas.microsoft.com/office/drawing/2014/main" id="{44CABAE1-B325-4747-910E-7EDC7EDD7625}"/>
               </a:ext>
             </a:extLst>
           </p:cNvPr>
@@ -10544,7 +10552,7 @@
           <p:cNvPr id="2" name="Titel 1">
             <a:extLst>
               <a:ext uri="{FF2B5EF4-FFF2-40B4-BE49-F238E27FC236}">
-                <a16:creationId xmlns:a16="http://schemas.microsoft.com/office/drawing/2014/main" xmlns="" id="{769A96FB-BA26-47C0-85BC-9E5A44D94A65}"/>
+                <a16:creationId xmlns="" xmlns:a16="http://schemas.microsoft.com/office/drawing/2014/main" id="{769A96FB-BA26-47C0-85BC-9E5A44D94A65}"/>
               </a:ext>
             </a:extLst>
           </p:cNvPr>
@@ -10572,7 +10580,7 @@
           <p:cNvPr id="13" name="Tekstvak 12">
             <a:extLst>
               <a:ext uri="{FF2B5EF4-FFF2-40B4-BE49-F238E27FC236}">
-                <a16:creationId xmlns:a16="http://schemas.microsoft.com/office/drawing/2014/main" xmlns="" id="{44CABAE1-B325-4747-910E-7EDC7EDD7625}"/>
+                <a16:creationId xmlns="" xmlns:a16="http://schemas.microsoft.com/office/drawing/2014/main" id="{44CABAE1-B325-4747-910E-7EDC7EDD7625}"/>
               </a:ext>
             </a:extLst>
           </p:cNvPr>
@@ -10626,7 +10634,7 @@
           <p:cNvPr id="7" name="AutoShape 2" descr="Afbeeldingsresultaat voor cel from human">
             <a:extLst>
               <a:ext uri="{FF2B5EF4-FFF2-40B4-BE49-F238E27FC236}">
-                <a16:creationId xmlns:a16="http://schemas.microsoft.com/office/drawing/2014/main" xmlns="" id="{BAA6AD35-A0AD-46FB-8C83-83697536AD9E}"/>
+                <a16:creationId xmlns="" xmlns:a16="http://schemas.microsoft.com/office/drawing/2014/main" id="{BAA6AD35-A0AD-46FB-8C83-83697536AD9E}"/>
               </a:ext>
             </a:extLst>
           </p:cNvPr>
@@ -10671,7 +10679,7 @@
           <p:cNvPr id="14" name="AutoShape 4" descr="Afbeeldingsresultaat voor cel from human">
             <a:extLst>
               <a:ext uri="{FF2B5EF4-FFF2-40B4-BE49-F238E27FC236}">
-                <a16:creationId xmlns:a16="http://schemas.microsoft.com/office/drawing/2014/main" xmlns="" id="{DE7F6D67-FFDD-4318-B4D9-E249E6758D4A}"/>
+                <a16:creationId xmlns="" xmlns:a16="http://schemas.microsoft.com/office/drawing/2014/main" id="{DE7F6D67-FFDD-4318-B4D9-E249E6758D4A}"/>
               </a:ext>
             </a:extLst>
           </p:cNvPr>
@@ -10716,7 +10724,7 @@
           <p:cNvPr id="16" name="Afbeelding 15">
             <a:extLst>
               <a:ext uri="{FF2B5EF4-FFF2-40B4-BE49-F238E27FC236}">
-                <a16:creationId xmlns:a16="http://schemas.microsoft.com/office/drawing/2014/main" xmlns="" id="{028B203A-6AFB-43CC-A2E5-888B735C297F}"/>
+                <a16:creationId xmlns="" xmlns:a16="http://schemas.microsoft.com/office/drawing/2014/main" id="{028B203A-6AFB-43CC-A2E5-888B735C297F}"/>
               </a:ext>
             </a:extLst>
           </p:cNvPr>
@@ -10752,7 +10760,7 @@
           <p:cNvPr id="19" name="Gelijkbenige driehoek 18">
             <a:extLst>
               <a:ext uri="{FF2B5EF4-FFF2-40B4-BE49-F238E27FC236}">
-                <a16:creationId xmlns:a16="http://schemas.microsoft.com/office/drawing/2014/main" xmlns="" id="{3473C7A5-6D55-4B8D-B912-17E38BDAAE6F}"/>
+                <a16:creationId xmlns="" xmlns:a16="http://schemas.microsoft.com/office/drawing/2014/main" id="{3473C7A5-6D55-4B8D-B912-17E38BDAAE6F}"/>
               </a:ext>
             </a:extLst>
           </p:cNvPr>
@@ -10811,7 +10819,7 @@
           <p:cNvPr id="21" name="Afbeelding 20">
             <a:extLst>
               <a:ext uri="{FF2B5EF4-FFF2-40B4-BE49-F238E27FC236}">
-                <a16:creationId xmlns:a16="http://schemas.microsoft.com/office/drawing/2014/main" xmlns="" id="{2E4ED76A-8CDE-4820-BEF2-FFF0CAB0FFC2}"/>
+                <a16:creationId xmlns="" xmlns:a16="http://schemas.microsoft.com/office/drawing/2014/main" id="{2E4ED76A-8CDE-4820-BEF2-FFF0CAB0FFC2}"/>
               </a:ext>
             </a:extLst>
           </p:cNvPr>
@@ -10841,7 +10849,7 @@
           <p:cNvPr id="29" name="Tekstvak 28">
             <a:extLst>
               <a:ext uri="{FF2B5EF4-FFF2-40B4-BE49-F238E27FC236}">
-                <a16:creationId xmlns:a16="http://schemas.microsoft.com/office/drawing/2014/main" xmlns="" id="{3F5F8535-0F1D-4072-B4F7-ECC8E1EF4714}"/>
+                <a16:creationId xmlns="" xmlns:a16="http://schemas.microsoft.com/office/drawing/2014/main" id="{3F5F8535-0F1D-4072-B4F7-ECC8E1EF4714}"/>
               </a:ext>
             </a:extLst>
           </p:cNvPr>
@@ -10876,7 +10884,7 @@
           <p:cNvPr id="30" name="Tekstvak 29">
             <a:extLst>
               <a:ext uri="{FF2B5EF4-FFF2-40B4-BE49-F238E27FC236}">
-                <a16:creationId xmlns:a16="http://schemas.microsoft.com/office/drawing/2014/main" xmlns="" id="{60EFD1DE-A3E9-41CC-9FD4-3B5142326B68}"/>
+                <a16:creationId xmlns="" xmlns:a16="http://schemas.microsoft.com/office/drawing/2014/main" id="{60EFD1DE-A3E9-41CC-9FD4-3B5142326B68}"/>
               </a:ext>
             </a:extLst>
           </p:cNvPr>
@@ -11028,7 +11036,7 @@
           <p:cNvPr id="6" name="Tekstvak 12">
             <a:extLst>
               <a:ext uri="{FF2B5EF4-FFF2-40B4-BE49-F238E27FC236}">
-                <a16:creationId xmlns:a16="http://schemas.microsoft.com/office/drawing/2014/main" xmlns="" id="{44CABAE1-B325-4747-910E-7EDC7EDD7625}"/>
+                <a16:creationId xmlns="" xmlns:a16="http://schemas.microsoft.com/office/drawing/2014/main" id="{44CABAE1-B325-4747-910E-7EDC7EDD7625}"/>
               </a:ext>
             </a:extLst>
           </p:cNvPr>
@@ -12517,7 +12525,7 @@
           <p:cNvPr id="30" name="Tekstvak 12">
             <a:extLst>
               <a:ext uri="{FF2B5EF4-FFF2-40B4-BE49-F238E27FC236}">
-                <a16:creationId xmlns:a16="http://schemas.microsoft.com/office/drawing/2014/main" xmlns="" id="{44CABAE1-B325-4747-910E-7EDC7EDD7625}"/>
+                <a16:creationId xmlns="" xmlns:a16="http://schemas.microsoft.com/office/drawing/2014/main" id="{44CABAE1-B325-4747-910E-7EDC7EDD7625}"/>
               </a:ext>
             </a:extLst>
           </p:cNvPr>
@@ -13963,7 +13971,7 @@
           <p:cNvPr id="30" name="Tekstvak 12">
             <a:extLst>
               <a:ext uri="{FF2B5EF4-FFF2-40B4-BE49-F238E27FC236}">
-                <a16:creationId xmlns:a16="http://schemas.microsoft.com/office/drawing/2014/main" xmlns="" id="{44CABAE1-B325-4747-910E-7EDC7EDD7625}"/>
+                <a16:creationId xmlns="" xmlns:a16="http://schemas.microsoft.com/office/drawing/2014/main" id="{44CABAE1-B325-4747-910E-7EDC7EDD7625}"/>
               </a:ext>
             </a:extLst>
           </p:cNvPr>
@@ -14196,7 +14204,7 @@
           <p:cNvPr id="4" name="Tekstvak 12">
             <a:extLst>
               <a:ext uri="{FF2B5EF4-FFF2-40B4-BE49-F238E27FC236}">
-                <a16:creationId xmlns:a16="http://schemas.microsoft.com/office/drawing/2014/main" xmlns="" id="{44CABAE1-B325-4747-910E-7EDC7EDD7625}"/>
+                <a16:creationId xmlns="" xmlns:a16="http://schemas.microsoft.com/office/drawing/2014/main" id="{44CABAE1-B325-4747-910E-7EDC7EDD7625}"/>
               </a:ext>
             </a:extLst>
           </p:cNvPr>
@@ -14337,35 +14345,35 @@
                 <a:gridCol w="2180138">
                   <a:extLst>
                     <a:ext uri="{9D8B030D-6E8A-4147-A177-3AD203B41FA5}">
-                      <a16:colId xmlns:a16="http://schemas.microsoft.com/office/drawing/2014/main" xmlns="" val="20000"/>
+                      <a16:colId xmlns="" xmlns:a16="http://schemas.microsoft.com/office/drawing/2014/main" val="20000"/>
                     </a:ext>
                   </a:extLst>
                 </a:gridCol>
                 <a:gridCol w="2019431">
                   <a:extLst>
                     <a:ext uri="{9D8B030D-6E8A-4147-A177-3AD203B41FA5}">
-                      <a16:colId xmlns:a16="http://schemas.microsoft.com/office/drawing/2014/main" xmlns="" val="20001"/>
+                      <a16:colId xmlns="" xmlns:a16="http://schemas.microsoft.com/office/drawing/2014/main" val="20001"/>
                     </a:ext>
                   </a:extLst>
                 </a:gridCol>
                 <a:gridCol w="2280703">
                   <a:extLst>
                     <a:ext uri="{9D8B030D-6E8A-4147-A177-3AD203B41FA5}">
-                      <a16:colId xmlns:a16="http://schemas.microsoft.com/office/drawing/2014/main" xmlns="" val="20002"/>
+                      <a16:colId xmlns="" xmlns:a16="http://schemas.microsoft.com/office/drawing/2014/main" val="20002"/>
                     </a:ext>
                   </a:extLst>
                 </a:gridCol>
                 <a:gridCol w="2225244">
                   <a:extLst>
                     <a:ext uri="{9D8B030D-6E8A-4147-A177-3AD203B41FA5}">
-                      <a16:colId xmlns:a16="http://schemas.microsoft.com/office/drawing/2014/main" xmlns="" val="20003"/>
+                      <a16:colId xmlns="" xmlns:a16="http://schemas.microsoft.com/office/drawing/2014/main" val="20003"/>
                     </a:ext>
                   </a:extLst>
                 </a:gridCol>
                 <a:gridCol w="2225244">
                   <a:extLst>
                     <a:ext uri="{9D8B030D-6E8A-4147-A177-3AD203B41FA5}">
-                      <a16:colId xmlns:a16="http://schemas.microsoft.com/office/drawing/2014/main" xmlns="" val="20004"/>
+                      <a16:colId xmlns="" xmlns:a16="http://schemas.microsoft.com/office/drawing/2014/main" val="20004"/>
                     </a:ext>
                   </a:extLst>
                 </a:gridCol>
@@ -14449,7 +14457,7 @@
                 </a:tc>
                 <a:extLst>
                   <a:ext uri="{0D108BD9-81ED-4DB2-BD59-A6C34878D82A}">
-                    <a16:rowId xmlns:a16="http://schemas.microsoft.com/office/drawing/2014/main" xmlns="" val="10000"/>
+                    <a16:rowId xmlns="" xmlns:a16="http://schemas.microsoft.com/office/drawing/2014/main" val="10000"/>
                   </a:ext>
                 </a:extLst>
               </a:tr>
@@ -14602,7 +14610,7 @@
                 </a:tc>
                 <a:extLst>
                   <a:ext uri="{0D108BD9-81ED-4DB2-BD59-A6C34878D82A}">
-                    <a16:rowId xmlns:a16="http://schemas.microsoft.com/office/drawing/2014/main" xmlns="" val="10001"/>
+                    <a16:rowId xmlns="" xmlns:a16="http://schemas.microsoft.com/office/drawing/2014/main" val="10001"/>
                   </a:ext>
                 </a:extLst>
               </a:tr>
@@ -14760,7 +14768,7 @@
                 </a:tc>
                 <a:extLst>
                   <a:ext uri="{0D108BD9-81ED-4DB2-BD59-A6C34878D82A}">
-                    <a16:rowId xmlns:a16="http://schemas.microsoft.com/office/drawing/2014/main" xmlns="" val="10002"/>
+                    <a16:rowId xmlns="" xmlns:a16="http://schemas.microsoft.com/office/drawing/2014/main" val="10002"/>
                   </a:ext>
                 </a:extLst>
               </a:tr>
@@ -14904,7 +14912,7 @@
                 </a:tc>
                 <a:extLst>
                   <a:ext uri="{0D108BD9-81ED-4DB2-BD59-A6C34878D82A}">
-                    <a16:rowId xmlns:a16="http://schemas.microsoft.com/office/drawing/2014/main" xmlns="" val="10003"/>
+                    <a16:rowId xmlns="" xmlns:a16="http://schemas.microsoft.com/office/drawing/2014/main" val="10003"/>
                   </a:ext>
                 </a:extLst>
               </a:tr>
@@ -15048,7 +15056,7 @@
                 </a:tc>
                 <a:extLst>
                   <a:ext uri="{0D108BD9-81ED-4DB2-BD59-A6C34878D82A}">
-                    <a16:rowId xmlns:a16="http://schemas.microsoft.com/office/drawing/2014/main" xmlns="" val="10004"/>
+                    <a16:rowId xmlns="" xmlns:a16="http://schemas.microsoft.com/office/drawing/2014/main" val="10004"/>
                   </a:ext>
                 </a:extLst>
               </a:tr>
@@ -15061,7 +15069,7 @@
           <p:cNvPr id="4" name="Tekstvak 12">
             <a:extLst>
               <a:ext uri="{FF2B5EF4-FFF2-40B4-BE49-F238E27FC236}">
-                <a16:creationId xmlns:a16="http://schemas.microsoft.com/office/drawing/2014/main" xmlns="" id="{44CABAE1-B325-4747-910E-7EDC7EDD7625}"/>
+                <a16:creationId xmlns="" xmlns:a16="http://schemas.microsoft.com/office/drawing/2014/main" id="{44CABAE1-B325-4747-910E-7EDC7EDD7625}"/>
               </a:ext>
             </a:extLst>
           </p:cNvPr>
@@ -15348,7 +15356,7 @@
           <p:cNvPr id="4" name="Tekstvak 12">
             <a:extLst>
               <a:ext uri="{FF2B5EF4-FFF2-40B4-BE49-F238E27FC236}">
-                <a16:creationId xmlns:a16="http://schemas.microsoft.com/office/drawing/2014/main" xmlns="" id="{44CABAE1-B325-4747-910E-7EDC7EDD7625}"/>
+                <a16:creationId xmlns="" xmlns:a16="http://schemas.microsoft.com/office/drawing/2014/main" id="{44CABAE1-B325-4747-910E-7EDC7EDD7625}"/>
               </a:ext>
             </a:extLst>
           </p:cNvPr>
@@ -15449,7 +15457,7 @@
           <p:cNvPr id="2" name="Titel 1">
             <a:extLst>
               <a:ext uri="{FF2B5EF4-FFF2-40B4-BE49-F238E27FC236}">
-                <a16:creationId xmlns:a16="http://schemas.microsoft.com/office/drawing/2014/main" xmlns="" id="{769A96FB-BA26-47C0-85BC-9E5A44D94A65}"/>
+                <a16:creationId xmlns="" xmlns:a16="http://schemas.microsoft.com/office/drawing/2014/main" id="{769A96FB-BA26-47C0-85BC-9E5A44D94A65}"/>
               </a:ext>
             </a:extLst>
           </p:cNvPr>
@@ -15477,7 +15485,7 @@
           <p:cNvPr id="13" name="Tekstvak 12">
             <a:extLst>
               <a:ext uri="{FF2B5EF4-FFF2-40B4-BE49-F238E27FC236}">
-                <a16:creationId xmlns:a16="http://schemas.microsoft.com/office/drawing/2014/main" xmlns="" id="{44CABAE1-B325-4747-910E-7EDC7EDD7625}"/>
+                <a16:creationId xmlns="" xmlns:a16="http://schemas.microsoft.com/office/drawing/2014/main" id="{44CABAE1-B325-4747-910E-7EDC7EDD7625}"/>
               </a:ext>
             </a:extLst>
           </p:cNvPr>
@@ -15531,7 +15539,7 @@
           <p:cNvPr id="7" name="AutoShape 2" descr="Afbeeldingsresultaat voor cel from human">
             <a:extLst>
               <a:ext uri="{FF2B5EF4-FFF2-40B4-BE49-F238E27FC236}">
-                <a16:creationId xmlns:a16="http://schemas.microsoft.com/office/drawing/2014/main" xmlns="" id="{BAA6AD35-A0AD-46FB-8C83-83697536AD9E}"/>
+                <a16:creationId xmlns="" xmlns:a16="http://schemas.microsoft.com/office/drawing/2014/main" id="{BAA6AD35-A0AD-46FB-8C83-83697536AD9E}"/>
               </a:ext>
             </a:extLst>
           </p:cNvPr>
@@ -15576,7 +15584,7 @@
           <p:cNvPr id="14" name="AutoShape 4" descr="Afbeeldingsresultaat voor cel from human">
             <a:extLst>
               <a:ext uri="{FF2B5EF4-FFF2-40B4-BE49-F238E27FC236}">
-                <a16:creationId xmlns:a16="http://schemas.microsoft.com/office/drawing/2014/main" xmlns="" id="{DE7F6D67-FFDD-4318-B4D9-E249E6758D4A}"/>
+                <a16:creationId xmlns="" xmlns:a16="http://schemas.microsoft.com/office/drawing/2014/main" id="{DE7F6D67-FFDD-4318-B4D9-E249E6758D4A}"/>
               </a:ext>
             </a:extLst>
           </p:cNvPr>
@@ -15621,7 +15629,7 @@
           <p:cNvPr id="16" name="Afbeelding 15">
             <a:extLst>
               <a:ext uri="{FF2B5EF4-FFF2-40B4-BE49-F238E27FC236}">
-                <a16:creationId xmlns:a16="http://schemas.microsoft.com/office/drawing/2014/main" xmlns="" id="{028B203A-6AFB-43CC-A2E5-888B735C297F}"/>
+                <a16:creationId xmlns="" xmlns:a16="http://schemas.microsoft.com/office/drawing/2014/main" id="{028B203A-6AFB-43CC-A2E5-888B735C297F}"/>
               </a:ext>
             </a:extLst>
           </p:cNvPr>
@@ -15657,7 +15665,7 @@
           <p:cNvPr id="19" name="Gelijkbenige driehoek 18">
             <a:extLst>
               <a:ext uri="{FF2B5EF4-FFF2-40B4-BE49-F238E27FC236}">
-                <a16:creationId xmlns:a16="http://schemas.microsoft.com/office/drawing/2014/main" xmlns="" id="{3473C7A5-6D55-4B8D-B912-17E38BDAAE6F}"/>
+                <a16:creationId xmlns="" xmlns:a16="http://schemas.microsoft.com/office/drawing/2014/main" id="{3473C7A5-6D55-4B8D-B912-17E38BDAAE6F}"/>
               </a:ext>
             </a:extLst>
           </p:cNvPr>
@@ -15716,7 +15724,7 @@
           <p:cNvPr id="21" name="Afbeelding 20">
             <a:extLst>
               <a:ext uri="{FF2B5EF4-FFF2-40B4-BE49-F238E27FC236}">
-                <a16:creationId xmlns:a16="http://schemas.microsoft.com/office/drawing/2014/main" xmlns="" id="{2E4ED76A-8CDE-4820-BEF2-FFF0CAB0FFC2}"/>
+                <a16:creationId xmlns="" xmlns:a16="http://schemas.microsoft.com/office/drawing/2014/main" id="{2E4ED76A-8CDE-4820-BEF2-FFF0CAB0FFC2}"/>
               </a:ext>
             </a:extLst>
           </p:cNvPr>
@@ -15746,7 +15754,7 @@
           <p:cNvPr id="27" name="Rechte verbindingslijn met pijl 26">
             <a:extLst>
               <a:ext uri="{FF2B5EF4-FFF2-40B4-BE49-F238E27FC236}">
-                <a16:creationId xmlns:a16="http://schemas.microsoft.com/office/drawing/2014/main" xmlns="" id="{B6D6B7F3-D443-497D-A36C-F4AAD657E543}"/>
+                <a16:creationId xmlns="" xmlns:a16="http://schemas.microsoft.com/office/drawing/2014/main" id="{B6D6B7F3-D443-497D-A36C-F4AAD657E543}"/>
               </a:ext>
             </a:extLst>
           </p:cNvPr>
@@ -15785,7 +15793,7 @@
           <p:cNvPr id="29" name="Tekstvak 28">
             <a:extLst>
               <a:ext uri="{FF2B5EF4-FFF2-40B4-BE49-F238E27FC236}">
-                <a16:creationId xmlns:a16="http://schemas.microsoft.com/office/drawing/2014/main" xmlns="" id="{3F5F8535-0F1D-4072-B4F7-ECC8E1EF4714}"/>
+                <a16:creationId xmlns="" xmlns:a16="http://schemas.microsoft.com/office/drawing/2014/main" id="{3F5F8535-0F1D-4072-B4F7-ECC8E1EF4714}"/>
               </a:ext>
             </a:extLst>
           </p:cNvPr>
@@ -15820,7 +15828,7 @@
           <p:cNvPr id="30" name="Tekstvak 29">
             <a:extLst>
               <a:ext uri="{FF2B5EF4-FFF2-40B4-BE49-F238E27FC236}">
-                <a16:creationId xmlns:a16="http://schemas.microsoft.com/office/drawing/2014/main" xmlns="" id="{60EFD1DE-A3E9-41CC-9FD4-3B5142326B68}"/>
+                <a16:creationId xmlns="" xmlns:a16="http://schemas.microsoft.com/office/drawing/2014/main" id="{60EFD1DE-A3E9-41CC-9FD4-3B5142326B68}"/>
               </a:ext>
             </a:extLst>
           </p:cNvPr>
@@ -15855,7 +15863,7 @@
           <p:cNvPr id="32" name="Afbeelding 31">
             <a:extLst>
               <a:ext uri="{FF2B5EF4-FFF2-40B4-BE49-F238E27FC236}">
-                <a16:creationId xmlns:a16="http://schemas.microsoft.com/office/drawing/2014/main" xmlns="" id="{C82A7316-9DC5-4909-BDE9-7B87FABBA20E}"/>
+                <a16:creationId xmlns="" xmlns:a16="http://schemas.microsoft.com/office/drawing/2014/main" id="{C82A7316-9DC5-4909-BDE9-7B87FABBA20E}"/>
               </a:ext>
             </a:extLst>
           </p:cNvPr>
@@ -15885,7 +15893,7 @@
           <p:cNvPr id="33" name="Tekstvak 32">
             <a:extLst>
               <a:ext uri="{FF2B5EF4-FFF2-40B4-BE49-F238E27FC236}">
-                <a16:creationId xmlns:a16="http://schemas.microsoft.com/office/drawing/2014/main" xmlns="" id="{08A6883E-74A6-4993-AEE7-75D7658C72D6}"/>
+                <a16:creationId xmlns="" xmlns:a16="http://schemas.microsoft.com/office/drawing/2014/main" id="{08A6883E-74A6-4993-AEE7-75D7658C72D6}"/>
               </a:ext>
             </a:extLst>
           </p:cNvPr>
@@ -15929,7 +15937,7 @@
           <p:cNvPr id="34" name="Tekstvak 33">
             <a:extLst>
               <a:ext uri="{FF2B5EF4-FFF2-40B4-BE49-F238E27FC236}">
-                <a16:creationId xmlns:a16="http://schemas.microsoft.com/office/drawing/2014/main" xmlns="" id="{C9B4D1B0-0456-4811-9964-B9C6B0442EF5}"/>
+                <a16:creationId xmlns="" xmlns:a16="http://schemas.microsoft.com/office/drawing/2014/main" id="{C9B4D1B0-0456-4811-9964-B9C6B0442EF5}"/>
               </a:ext>
             </a:extLst>
           </p:cNvPr>
@@ -15968,7 +15976,7 @@
           <p:cNvPr id="5" name="Afbeelding 4">
             <a:extLst>
               <a:ext uri="{FF2B5EF4-FFF2-40B4-BE49-F238E27FC236}">
-                <a16:creationId xmlns:a16="http://schemas.microsoft.com/office/drawing/2014/main" xmlns="" id="{B088EACF-3A30-4896-9D87-8885CB1F2FD9}"/>
+                <a16:creationId xmlns="" xmlns:a16="http://schemas.microsoft.com/office/drawing/2014/main" id="{B088EACF-3A30-4896-9D87-8885CB1F2FD9}"/>
               </a:ext>
             </a:extLst>
           </p:cNvPr>
@@ -15998,7 +16006,7 @@
           <p:cNvPr id="20" name="Tekstvak 19">
             <a:extLst>
               <a:ext uri="{FF2B5EF4-FFF2-40B4-BE49-F238E27FC236}">
-                <a16:creationId xmlns:a16="http://schemas.microsoft.com/office/drawing/2014/main" xmlns="" id="{CE3B85E5-3CCB-4EC6-94EE-27309E68CE64}"/>
+                <a16:creationId xmlns="" xmlns:a16="http://schemas.microsoft.com/office/drawing/2014/main" id="{CE3B85E5-3CCB-4EC6-94EE-27309E68CE64}"/>
               </a:ext>
             </a:extLst>
           </p:cNvPr>
@@ -16037,7 +16045,7 @@
           <p:cNvPr id="22" name="Tekstvak 21">
             <a:extLst>
               <a:ext uri="{FF2B5EF4-FFF2-40B4-BE49-F238E27FC236}">
-                <a16:creationId xmlns:a16="http://schemas.microsoft.com/office/drawing/2014/main" xmlns="" id="{308E4E88-489C-491C-8F2D-3708CA1AEE72}"/>
+                <a16:creationId xmlns="" xmlns:a16="http://schemas.microsoft.com/office/drawing/2014/main" id="{308E4E88-489C-491C-8F2D-3708CA1AEE72}"/>
               </a:ext>
             </a:extLst>
           </p:cNvPr>
@@ -16081,7 +16089,7 @@
           <p:cNvPr id="23" name="Rechte verbindingslijn met pijl 22">
             <a:extLst>
               <a:ext uri="{FF2B5EF4-FFF2-40B4-BE49-F238E27FC236}">
-                <a16:creationId xmlns:a16="http://schemas.microsoft.com/office/drawing/2014/main" xmlns="" id="{2DD99941-CDDE-42C7-A80E-0400BEDE76B9}"/>
+                <a16:creationId xmlns="" xmlns:a16="http://schemas.microsoft.com/office/drawing/2014/main" id="{2DD99941-CDDE-42C7-A80E-0400BEDE76B9}"/>
               </a:ext>
             </a:extLst>
           </p:cNvPr>
@@ -16152,7 +16160,7 @@
           <p:cNvPr id="2" name="Titel 1">
             <a:extLst>
               <a:ext uri="{FF2B5EF4-FFF2-40B4-BE49-F238E27FC236}">
-                <a16:creationId xmlns:a16="http://schemas.microsoft.com/office/drawing/2014/main" xmlns="" id="{769A96FB-BA26-47C0-85BC-9E5A44D94A65}"/>
+                <a16:creationId xmlns="" xmlns:a16="http://schemas.microsoft.com/office/drawing/2014/main" id="{769A96FB-BA26-47C0-85BC-9E5A44D94A65}"/>
               </a:ext>
             </a:extLst>
           </p:cNvPr>
@@ -16180,7 +16188,7 @@
           <p:cNvPr id="13" name="Tekstvak 12">
             <a:extLst>
               <a:ext uri="{FF2B5EF4-FFF2-40B4-BE49-F238E27FC236}">
-                <a16:creationId xmlns:a16="http://schemas.microsoft.com/office/drawing/2014/main" xmlns="" id="{44CABAE1-B325-4747-910E-7EDC7EDD7625}"/>
+                <a16:creationId xmlns="" xmlns:a16="http://schemas.microsoft.com/office/drawing/2014/main" id="{44CABAE1-B325-4747-910E-7EDC7EDD7625}"/>
               </a:ext>
             </a:extLst>
           </p:cNvPr>
@@ -16234,7 +16242,7 @@
           <p:cNvPr id="7" name="AutoShape 2" descr="Afbeeldingsresultaat voor cel from human">
             <a:extLst>
               <a:ext uri="{FF2B5EF4-FFF2-40B4-BE49-F238E27FC236}">
-                <a16:creationId xmlns:a16="http://schemas.microsoft.com/office/drawing/2014/main" xmlns="" id="{BAA6AD35-A0AD-46FB-8C83-83697536AD9E}"/>
+                <a16:creationId xmlns="" xmlns:a16="http://schemas.microsoft.com/office/drawing/2014/main" id="{BAA6AD35-A0AD-46FB-8C83-83697536AD9E}"/>
               </a:ext>
             </a:extLst>
           </p:cNvPr>
@@ -16279,7 +16287,7 @@
           <p:cNvPr id="14" name="AutoShape 4" descr="Afbeeldingsresultaat voor cel from human">
             <a:extLst>
               <a:ext uri="{FF2B5EF4-FFF2-40B4-BE49-F238E27FC236}">
-                <a16:creationId xmlns:a16="http://schemas.microsoft.com/office/drawing/2014/main" xmlns="" id="{DE7F6D67-FFDD-4318-B4D9-E249E6758D4A}"/>
+                <a16:creationId xmlns="" xmlns:a16="http://schemas.microsoft.com/office/drawing/2014/main" id="{DE7F6D67-FFDD-4318-B4D9-E249E6758D4A}"/>
               </a:ext>
             </a:extLst>
           </p:cNvPr>
@@ -16324,7 +16332,7 @@
           <p:cNvPr id="16" name="Afbeelding 15">
             <a:extLst>
               <a:ext uri="{FF2B5EF4-FFF2-40B4-BE49-F238E27FC236}">
-                <a16:creationId xmlns:a16="http://schemas.microsoft.com/office/drawing/2014/main" xmlns="" id="{028B203A-6AFB-43CC-A2E5-888B735C297F}"/>
+                <a16:creationId xmlns="" xmlns:a16="http://schemas.microsoft.com/office/drawing/2014/main" id="{028B203A-6AFB-43CC-A2E5-888B735C297F}"/>
               </a:ext>
             </a:extLst>
           </p:cNvPr>
@@ -16360,7 +16368,7 @@
           <p:cNvPr id="19" name="Gelijkbenige driehoek 18">
             <a:extLst>
               <a:ext uri="{FF2B5EF4-FFF2-40B4-BE49-F238E27FC236}">
-                <a16:creationId xmlns:a16="http://schemas.microsoft.com/office/drawing/2014/main" xmlns="" id="{3473C7A5-6D55-4B8D-B912-17E38BDAAE6F}"/>
+                <a16:creationId xmlns="" xmlns:a16="http://schemas.microsoft.com/office/drawing/2014/main" id="{3473C7A5-6D55-4B8D-B912-17E38BDAAE6F}"/>
               </a:ext>
             </a:extLst>
           </p:cNvPr>
@@ -16419,7 +16427,7 @@
           <p:cNvPr id="21" name="Afbeelding 20">
             <a:extLst>
               <a:ext uri="{FF2B5EF4-FFF2-40B4-BE49-F238E27FC236}">
-                <a16:creationId xmlns:a16="http://schemas.microsoft.com/office/drawing/2014/main" xmlns="" id="{2E4ED76A-8CDE-4820-BEF2-FFF0CAB0FFC2}"/>
+                <a16:creationId xmlns="" xmlns:a16="http://schemas.microsoft.com/office/drawing/2014/main" id="{2E4ED76A-8CDE-4820-BEF2-FFF0CAB0FFC2}"/>
               </a:ext>
             </a:extLst>
           </p:cNvPr>
@@ -16449,7 +16457,7 @@
           <p:cNvPr id="27" name="Rechte verbindingslijn met pijl 26">
             <a:extLst>
               <a:ext uri="{FF2B5EF4-FFF2-40B4-BE49-F238E27FC236}">
-                <a16:creationId xmlns:a16="http://schemas.microsoft.com/office/drawing/2014/main" xmlns="" id="{B6D6B7F3-D443-497D-A36C-F4AAD657E543}"/>
+                <a16:creationId xmlns="" xmlns:a16="http://schemas.microsoft.com/office/drawing/2014/main" id="{B6D6B7F3-D443-497D-A36C-F4AAD657E543}"/>
               </a:ext>
             </a:extLst>
           </p:cNvPr>
@@ -16488,7 +16496,7 @@
           <p:cNvPr id="29" name="Tekstvak 28">
             <a:extLst>
               <a:ext uri="{FF2B5EF4-FFF2-40B4-BE49-F238E27FC236}">
-                <a16:creationId xmlns:a16="http://schemas.microsoft.com/office/drawing/2014/main" xmlns="" id="{3F5F8535-0F1D-4072-B4F7-ECC8E1EF4714}"/>
+                <a16:creationId xmlns="" xmlns:a16="http://schemas.microsoft.com/office/drawing/2014/main" id="{3F5F8535-0F1D-4072-B4F7-ECC8E1EF4714}"/>
               </a:ext>
             </a:extLst>
           </p:cNvPr>
@@ -16523,7 +16531,7 @@
           <p:cNvPr id="30" name="Tekstvak 29">
             <a:extLst>
               <a:ext uri="{FF2B5EF4-FFF2-40B4-BE49-F238E27FC236}">
-                <a16:creationId xmlns:a16="http://schemas.microsoft.com/office/drawing/2014/main" xmlns="" id="{60EFD1DE-A3E9-41CC-9FD4-3B5142326B68}"/>
+                <a16:creationId xmlns="" xmlns:a16="http://schemas.microsoft.com/office/drawing/2014/main" id="{60EFD1DE-A3E9-41CC-9FD4-3B5142326B68}"/>
               </a:ext>
             </a:extLst>
           </p:cNvPr>
@@ -16558,7 +16566,7 @@
           <p:cNvPr id="32" name="Afbeelding 31">
             <a:extLst>
               <a:ext uri="{FF2B5EF4-FFF2-40B4-BE49-F238E27FC236}">
-                <a16:creationId xmlns:a16="http://schemas.microsoft.com/office/drawing/2014/main" xmlns="" id="{C82A7316-9DC5-4909-BDE9-7B87FABBA20E}"/>
+                <a16:creationId xmlns="" xmlns:a16="http://schemas.microsoft.com/office/drawing/2014/main" id="{C82A7316-9DC5-4909-BDE9-7B87FABBA20E}"/>
               </a:ext>
             </a:extLst>
           </p:cNvPr>
@@ -16588,7 +16596,7 @@
           <p:cNvPr id="33" name="Tekstvak 32">
             <a:extLst>
               <a:ext uri="{FF2B5EF4-FFF2-40B4-BE49-F238E27FC236}">
-                <a16:creationId xmlns:a16="http://schemas.microsoft.com/office/drawing/2014/main" xmlns="" id="{08A6883E-74A6-4993-AEE7-75D7658C72D6}"/>
+                <a16:creationId xmlns="" xmlns:a16="http://schemas.microsoft.com/office/drawing/2014/main" id="{08A6883E-74A6-4993-AEE7-75D7658C72D6}"/>
               </a:ext>
             </a:extLst>
           </p:cNvPr>
@@ -16632,7 +16640,7 @@
           <p:cNvPr id="34" name="Tekstvak 33">
             <a:extLst>
               <a:ext uri="{FF2B5EF4-FFF2-40B4-BE49-F238E27FC236}">
-                <a16:creationId xmlns:a16="http://schemas.microsoft.com/office/drawing/2014/main" xmlns="" id="{C9B4D1B0-0456-4811-9964-B9C6B0442EF5}"/>
+                <a16:creationId xmlns="" xmlns:a16="http://schemas.microsoft.com/office/drawing/2014/main" id="{C9B4D1B0-0456-4811-9964-B9C6B0442EF5}"/>
               </a:ext>
             </a:extLst>
           </p:cNvPr>
@@ -16671,7 +16679,7 @@
           <p:cNvPr id="5" name="Afbeelding 4">
             <a:extLst>
               <a:ext uri="{FF2B5EF4-FFF2-40B4-BE49-F238E27FC236}">
-                <a16:creationId xmlns:a16="http://schemas.microsoft.com/office/drawing/2014/main" xmlns="" id="{B088EACF-3A30-4896-9D87-8885CB1F2FD9}"/>
+                <a16:creationId xmlns="" xmlns:a16="http://schemas.microsoft.com/office/drawing/2014/main" id="{B088EACF-3A30-4896-9D87-8885CB1F2FD9}"/>
               </a:ext>
             </a:extLst>
           </p:cNvPr>
@@ -16701,7 +16709,7 @@
           <p:cNvPr id="20" name="Tekstvak 19">
             <a:extLst>
               <a:ext uri="{FF2B5EF4-FFF2-40B4-BE49-F238E27FC236}">
-                <a16:creationId xmlns:a16="http://schemas.microsoft.com/office/drawing/2014/main" xmlns="" id="{CE3B85E5-3CCB-4EC6-94EE-27309E68CE64}"/>
+                <a16:creationId xmlns="" xmlns:a16="http://schemas.microsoft.com/office/drawing/2014/main" id="{CE3B85E5-3CCB-4EC6-94EE-27309E68CE64}"/>
               </a:ext>
             </a:extLst>
           </p:cNvPr>
@@ -16740,7 +16748,7 @@
           <p:cNvPr id="22" name="Tekstvak 21">
             <a:extLst>
               <a:ext uri="{FF2B5EF4-FFF2-40B4-BE49-F238E27FC236}">
-                <a16:creationId xmlns:a16="http://schemas.microsoft.com/office/drawing/2014/main" xmlns="" id="{308E4E88-489C-491C-8F2D-3708CA1AEE72}"/>
+                <a16:creationId xmlns="" xmlns:a16="http://schemas.microsoft.com/office/drawing/2014/main" id="{308E4E88-489C-491C-8F2D-3708CA1AEE72}"/>
               </a:ext>
             </a:extLst>
           </p:cNvPr>
@@ -16784,7 +16792,7 @@
           <p:cNvPr id="23" name="Rechte verbindingslijn met pijl 22">
             <a:extLst>
               <a:ext uri="{FF2B5EF4-FFF2-40B4-BE49-F238E27FC236}">
-                <a16:creationId xmlns:a16="http://schemas.microsoft.com/office/drawing/2014/main" xmlns="" id="{2DD99941-CDDE-42C7-A80E-0400BEDE76B9}"/>
+                <a16:creationId xmlns="" xmlns:a16="http://schemas.microsoft.com/office/drawing/2014/main" id="{2DD99941-CDDE-42C7-A80E-0400BEDE76B9}"/>
               </a:ext>
             </a:extLst>
           </p:cNvPr>
@@ -16825,7 +16833,7 @@
           <p:cNvPr id="3" name="Tekstvak 2">
             <a:extLst>
               <a:ext uri="{FF2B5EF4-FFF2-40B4-BE49-F238E27FC236}">
-                <a16:creationId xmlns:a16="http://schemas.microsoft.com/office/drawing/2014/main" xmlns="" id="{09C9D1F4-F032-4E5D-9A7C-FF1C6395C9AA}"/>
+                <a16:creationId xmlns="" xmlns:a16="http://schemas.microsoft.com/office/drawing/2014/main" id="{09C9D1F4-F032-4E5D-9A7C-FF1C6395C9AA}"/>
               </a:ext>
             </a:extLst>
           </p:cNvPr>
@@ -16933,7 +16941,7 @@
           <p:cNvPr id="2" name="Titel 1">
             <a:extLst>
               <a:ext uri="{FF2B5EF4-FFF2-40B4-BE49-F238E27FC236}">
-                <a16:creationId xmlns:a16="http://schemas.microsoft.com/office/drawing/2014/main" xmlns="" id="{769A96FB-BA26-47C0-85BC-9E5A44D94A65}"/>
+                <a16:creationId xmlns="" xmlns:a16="http://schemas.microsoft.com/office/drawing/2014/main" id="{769A96FB-BA26-47C0-85BC-9E5A44D94A65}"/>
               </a:ext>
             </a:extLst>
           </p:cNvPr>
@@ -16961,7 +16969,7 @@
           <p:cNvPr id="13" name="Tekstvak 12">
             <a:extLst>
               <a:ext uri="{FF2B5EF4-FFF2-40B4-BE49-F238E27FC236}">
-                <a16:creationId xmlns:a16="http://schemas.microsoft.com/office/drawing/2014/main" xmlns="" id="{44CABAE1-B325-4747-910E-7EDC7EDD7625}"/>
+                <a16:creationId xmlns="" xmlns:a16="http://schemas.microsoft.com/office/drawing/2014/main" id="{44CABAE1-B325-4747-910E-7EDC7EDD7625}"/>
               </a:ext>
             </a:extLst>
           </p:cNvPr>
@@ -17015,7 +17023,7 @@
           <p:cNvPr id="7" name="AutoShape 2" descr="Afbeeldingsresultaat voor cel from human">
             <a:extLst>
               <a:ext uri="{FF2B5EF4-FFF2-40B4-BE49-F238E27FC236}">
-                <a16:creationId xmlns:a16="http://schemas.microsoft.com/office/drawing/2014/main" xmlns="" id="{BAA6AD35-A0AD-46FB-8C83-83697536AD9E}"/>
+                <a16:creationId xmlns="" xmlns:a16="http://schemas.microsoft.com/office/drawing/2014/main" id="{BAA6AD35-A0AD-46FB-8C83-83697536AD9E}"/>
               </a:ext>
             </a:extLst>
           </p:cNvPr>
@@ -17060,7 +17068,7 @@
           <p:cNvPr id="14" name="AutoShape 4" descr="Afbeeldingsresultaat voor cel from human">
             <a:extLst>
               <a:ext uri="{FF2B5EF4-FFF2-40B4-BE49-F238E27FC236}">
-                <a16:creationId xmlns:a16="http://schemas.microsoft.com/office/drawing/2014/main" xmlns="" id="{DE7F6D67-FFDD-4318-B4D9-E249E6758D4A}"/>
+                <a16:creationId xmlns="" xmlns:a16="http://schemas.microsoft.com/office/drawing/2014/main" id="{DE7F6D67-FFDD-4318-B4D9-E249E6758D4A}"/>
               </a:ext>
             </a:extLst>
           </p:cNvPr>
@@ -17105,7 +17113,7 @@
           <p:cNvPr id="16" name="Afbeelding 15">
             <a:extLst>
               <a:ext uri="{FF2B5EF4-FFF2-40B4-BE49-F238E27FC236}">
-                <a16:creationId xmlns:a16="http://schemas.microsoft.com/office/drawing/2014/main" xmlns="" id="{028B203A-6AFB-43CC-A2E5-888B735C297F}"/>
+                <a16:creationId xmlns="" xmlns:a16="http://schemas.microsoft.com/office/drawing/2014/main" id="{028B203A-6AFB-43CC-A2E5-888B735C297F}"/>
               </a:ext>
             </a:extLst>
           </p:cNvPr>
@@ -17141,7 +17149,7 @@
           <p:cNvPr id="19" name="Gelijkbenige driehoek 18">
             <a:extLst>
               <a:ext uri="{FF2B5EF4-FFF2-40B4-BE49-F238E27FC236}">
-                <a16:creationId xmlns:a16="http://schemas.microsoft.com/office/drawing/2014/main" xmlns="" id="{3473C7A5-6D55-4B8D-B912-17E38BDAAE6F}"/>
+                <a16:creationId xmlns="" xmlns:a16="http://schemas.microsoft.com/office/drawing/2014/main" id="{3473C7A5-6D55-4B8D-B912-17E38BDAAE6F}"/>
               </a:ext>
             </a:extLst>
           </p:cNvPr>
@@ -17200,7 +17208,7 @@
           <p:cNvPr id="21" name="Afbeelding 20">
             <a:extLst>
               <a:ext uri="{FF2B5EF4-FFF2-40B4-BE49-F238E27FC236}">
-                <a16:creationId xmlns:a16="http://schemas.microsoft.com/office/drawing/2014/main" xmlns="" id="{2E4ED76A-8CDE-4820-BEF2-FFF0CAB0FFC2}"/>
+                <a16:creationId xmlns="" xmlns:a16="http://schemas.microsoft.com/office/drawing/2014/main" id="{2E4ED76A-8CDE-4820-BEF2-FFF0CAB0FFC2}"/>
               </a:ext>
             </a:extLst>
           </p:cNvPr>
@@ -17230,7 +17238,7 @@
           <p:cNvPr id="27" name="Rechte verbindingslijn met pijl 26">
             <a:extLst>
               <a:ext uri="{FF2B5EF4-FFF2-40B4-BE49-F238E27FC236}">
-                <a16:creationId xmlns:a16="http://schemas.microsoft.com/office/drawing/2014/main" xmlns="" id="{B6D6B7F3-D443-497D-A36C-F4AAD657E543}"/>
+                <a16:creationId xmlns="" xmlns:a16="http://schemas.microsoft.com/office/drawing/2014/main" id="{B6D6B7F3-D443-497D-A36C-F4AAD657E543}"/>
               </a:ext>
             </a:extLst>
           </p:cNvPr>
@@ -17269,7 +17277,7 @@
           <p:cNvPr id="29" name="Tekstvak 28">
             <a:extLst>
               <a:ext uri="{FF2B5EF4-FFF2-40B4-BE49-F238E27FC236}">
-                <a16:creationId xmlns:a16="http://schemas.microsoft.com/office/drawing/2014/main" xmlns="" id="{3F5F8535-0F1D-4072-B4F7-ECC8E1EF4714}"/>
+                <a16:creationId xmlns="" xmlns:a16="http://schemas.microsoft.com/office/drawing/2014/main" id="{3F5F8535-0F1D-4072-B4F7-ECC8E1EF4714}"/>
               </a:ext>
             </a:extLst>
           </p:cNvPr>
@@ -17304,7 +17312,7 @@
           <p:cNvPr id="30" name="Tekstvak 29">
             <a:extLst>
               <a:ext uri="{FF2B5EF4-FFF2-40B4-BE49-F238E27FC236}">
-                <a16:creationId xmlns:a16="http://schemas.microsoft.com/office/drawing/2014/main" xmlns="" id="{60EFD1DE-A3E9-41CC-9FD4-3B5142326B68}"/>
+                <a16:creationId xmlns="" xmlns:a16="http://schemas.microsoft.com/office/drawing/2014/main" id="{60EFD1DE-A3E9-41CC-9FD4-3B5142326B68}"/>
               </a:ext>
             </a:extLst>
           </p:cNvPr>
@@ -17339,7 +17347,7 @@
           <p:cNvPr id="32" name="Afbeelding 31">
             <a:extLst>
               <a:ext uri="{FF2B5EF4-FFF2-40B4-BE49-F238E27FC236}">
-                <a16:creationId xmlns:a16="http://schemas.microsoft.com/office/drawing/2014/main" xmlns="" id="{C82A7316-9DC5-4909-BDE9-7B87FABBA20E}"/>
+                <a16:creationId xmlns="" xmlns:a16="http://schemas.microsoft.com/office/drawing/2014/main" id="{C82A7316-9DC5-4909-BDE9-7B87FABBA20E}"/>
               </a:ext>
             </a:extLst>
           </p:cNvPr>
@@ -17369,7 +17377,7 @@
           <p:cNvPr id="33" name="Tekstvak 32">
             <a:extLst>
               <a:ext uri="{FF2B5EF4-FFF2-40B4-BE49-F238E27FC236}">
-                <a16:creationId xmlns:a16="http://schemas.microsoft.com/office/drawing/2014/main" xmlns="" id="{08A6883E-74A6-4993-AEE7-75D7658C72D6}"/>
+                <a16:creationId xmlns="" xmlns:a16="http://schemas.microsoft.com/office/drawing/2014/main" id="{08A6883E-74A6-4993-AEE7-75D7658C72D6}"/>
               </a:ext>
             </a:extLst>
           </p:cNvPr>
@@ -17413,7 +17421,7 @@
           <p:cNvPr id="34" name="Tekstvak 33">
             <a:extLst>
               <a:ext uri="{FF2B5EF4-FFF2-40B4-BE49-F238E27FC236}">
-                <a16:creationId xmlns:a16="http://schemas.microsoft.com/office/drawing/2014/main" xmlns="" id="{C9B4D1B0-0456-4811-9964-B9C6B0442EF5}"/>
+                <a16:creationId xmlns="" xmlns:a16="http://schemas.microsoft.com/office/drawing/2014/main" id="{C9B4D1B0-0456-4811-9964-B9C6B0442EF5}"/>
               </a:ext>
             </a:extLst>
           </p:cNvPr>
@@ -17452,7 +17460,7 @@
           <p:cNvPr id="5" name="Afbeelding 4">
             <a:extLst>
               <a:ext uri="{FF2B5EF4-FFF2-40B4-BE49-F238E27FC236}">
-                <a16:creationId xmlns:a16="http://schemas.microsoft.com/office/drawing/2014/main" xmlns="" id="{B088EACF-3A30-4896-9D87-8885CB1F2FD9}"/>
+                <a16:creationId xmlns="" xmlns:a16="http://schemas.microsoft.com/office/drawing/2014/main" id="{B088EACF-3A30-4896-9D87-8885CB1F2FD9}"/>
               </a:ext>
             </a:extLst>
           </p:cNvPr>
@@ -17482,7 +17490,7 @@
           <p:cNvPr id="20" name="Tekstvak 19">
             <a:extLst>
               <a:ext uri="{FF2B5EF4-FFF2-40B4-BE49-F238E27FC236}">
-                <a16:creationId xmlns:a16="http://schemas.microsoft.com/office/drawing/2014/main" xmlns="" id="{CE3B85E5-3CCB-4EC6-94EE-27309E68CE64}"/>
+                <a16:creationId xmlns="" xmlns:a16="http://schemas.microsoft.com/office/drawing/2014/main" id="{CE3B85E5-3CCB-4EC6-94EE-27309E68CE64}"/>
               </a:ext>
             </a:extLst>
           </p:cNvPr>
@@ -17521,7 +17529,7 @@
           <p:cNvPr id="22" name="Tekstvak 21">
             <a:extLst>
               <a:ext uri="{FF2B5EF4-FFF2-40B4-BE49-F238E27FC236}">
-                <a16:creationId xmlns:a16="http://schemas.microsoft.com/office/drawing/2014/main" xmlns="" id="{308E4E88-489C-491C-8F2D-3708CA1AEE72}"/>
+                <a16:creationId xmlns="" xmlns:a16="http://schemas.microsoft.com/office/drawing/2014/main" id="{308E4E88-489C-491C-8F2D-3708CA1AEE72}"/>
               </a:ext>
             </a:extLst>
           </p:cNvPr>
@@ -17565,7 +17573,7 @@
           <p:cNvPr id="23" name="Rechte verbindingslijn met pijl 22">
             <a:extLst>
               <a:ext uri="{FF2B5EF4-FFF2-40B4-BE49-F238E27FC236}">
-                <a16:creationId xmlns:a16="http://schemas.microsoft.com/office/drawing/2014/main" xmlns="" id="{2DD99941-CDDE-42C7-A80E-0400BEDE76B9}"/>
+                <a16:creationId xmlns="" xmlns:a16="http://schemas.microsoft.com/office/drawing/2014/main" id="{2DD99941-CDDE-42C7-A80E-0400BEDE76B9}"/>
               </a:ext>
             </a:extLst>
           </p:cNvPr>
@@ -17606,7 +17614,7 @@
           <p:cNvPr id="3" name="Tekstvak 2">
             <a:extLst>
               <a:ext uri="{FF2B5EF4-FFF2-40B4-BE49-F238E27FC236}">
-                <a16:creationId xmlns:a16="http://schemas.microsoft.com/office/drawing/2014/main" xmlns="" id="{09C9D1F4-F032-4E5D-9A7C-FF1C6395C9AA}"/>
+                <a16:creationId xmlns="" xmlns:a16="http://schemas.microsoft.com/office/drawing/2014/main" id="{09C9D1F4-F032-4E5D-9A7C-FF1C6395C9AA}"/>
               </a:ext>
             </a:extLst>
           </p:cNvPr>
@@ -17684,7 +17692,7 @@
           <p:cNvPr id="4" name="Rechthoek: afgeronde hoeken 3">
             <a:extLst>
               <a:ext uri="{FF2B5EF4-FFF2-40B4-BE49-F238E27FC236}">
-                <a16:creationId xmlns:a16="http://schemas.microsoft.com/office/drawing/2014/main" xmlns="" id="{7030C92F-7460-4CD0-AC3E-DFDBBFE02B78}"/>
+                <a16:creationId xmlns="" xmlns:a16="http://schemas.microsoft.com/office/drawing/2014/main" id="{7030C92F-7460-4CD0-AC3E-DFDBBFE02B78}"/>
               </a:ext>
             </a:extLst>
           </p:cNvPr>
@@ -17738,7 +17746,7 @@
           <p:cNvPr id="6" name="Tekstvak 5">
             <a:extLst>
               <a:ext uri="{FF2B5EF4-FFF2-40B4-BE49-F238E27FC236}">
-                <a16:creationId xmlns:a16="http://schemas.microsoft.com/office/drawing/2014/main" xmlns="" id="{06236ACC-5C22-4120-A532-40542026AAA4}"/>
+                <a16:creationId xmlns="" xmlns:a16="http://schemas.microsoft.com/office/drawing/2014/main" id="{06236ACC-5C22-4120-A532-40542026AAA4}"/>
               </a:ext>
             </a:extLst>
           </p:cNvPr>
@@ -17817,7 +17825,7 @@
           <p:cNvPr id="2" name="Titel 1">
             <a:extLst>
               <a:ext uri="{FF2B5EF4-FFF2-40B4-BE49-F238E27FC236}">
-                <a16:creationId xmlns:a16="http://schemas.microsoft.com/office/drawing/2014/main" xmlns="" id="{769A96FB-BA26-47C0-85BC-9E5A44D94A65}"/>
+                <a16:creationId xmlns="" xmlns:a16="http://schemas.microsoft.com/office/drawing/2014/main" id="{769A96FB-BA26-47C0-85BC-9E5A44D94A65}"/>
               </a:ext>
             </a:extLst>
           </p:cNvPr>
@@ -17845,7 +17853,7 @@
           <p:cNvPr id="5" name="Tijdelijke aanduiding voor inhoud 4">
             <a:extLst>
               <a:ext uri="{FF2B5EF4-FFF2-40B4-BE49-F238E27FC236}">
-                <a16:creationId xmlns:a16="http://schemas.microsoft.com/office/drawing/2014/main" xmlns="" id="{82F9B9FE-1870-4902-A7DB-4B27D59D2B2B}"/>
+                <a16:creationId xmlns="" xmlns:a16="http://schemas.microsoft.com/office/drawing/2014/main" id="{82F9B9FE-1870-4902-A7DB-4B27D59D2B2B}"/>
               </a:ext>
             </a:extLst>
           </p:cNvPr>
@@ -17880,7 +17888,7 @@
           <p:cNvPr id="13" name="Tekstvak 12">
             <a:extLst>
               <a:ext uri="{FF2B5EF4-FFF2-40B4-BE49-F238E27FC236}">
-                <a16:creationId xmlns:a16="http://schemas.microsoft.com/office/drawing/2014/main" xmlns="" id="{44CABAE1-B325-4747-910E-7EDC7EDD7625}"/>
+                <a16:creationId xmlns="" xmlns:a16="http://schemas.microsoft.com/office/drawing/2014/main" id="{44CABAE1-B325-4747-910E-7EDC7EDD7625}"/>
               </a:ext>
             </a:extLst>
           </p:cNvPr>
@@ -17934,7 +17942,7 @@
           <p:cNvPr id="14" name="Afbeelding 13">
             <a:extLst>
               <a:ext uri="{FF2B5EF4-FFF2-40B4-BE49-F238E27FC236}">
-                <a16:creationId xmlns:a16="http://schemas.microsoft.com/office/drawing/2014/main" xmlns="" id="{F67612D4-1C0C-40D2-972D-04F12DDE0F60}"/>
+                <a16:creationId xmlns="" xmlns:a16="http://schemas.microsoft.com/office/drawing/2014/main" id="{F67612D4-1C0C-40D2-972D-04F12DDE0F60}"/>
               </a:ext>
             </a:extLst>
           </p:cNvPr>
@@ -17964,7 +17972,7 @@
           <p:cNvPr id="3" name="Tekstvak 2">
             <a:extLst>
               <a:ext uri="{FF2B5EF4-FFF2-40B4-BE49-F238E27FC236}">
-                <a16:creationId xmlns:a16="http://schemas.microsoft.com/office/drawing/2014/main" xmlns="" id="{C26579A7-5154-43F0-8824-0FAFC9CD4201}"/>
+                <a16:creationId xmlns="" xmlns:a16="http://schemas.microsoft.com/office/drawing/2014/main" id="{C26579A7-5154-43F0-8824-0FAFC9CD4201}"/>
               </a:ext>
             </a:extLst>
           </p:cNvPr>
@@ -17999,7 +18007,7 @@
           <p:cNvPr id="4" name="Tekstvak 3">
             <a:extLst>
               <a:ext uri="{FF2B5EF4-FFF2-40B4-BE49-F238E27FC236}">
-                <a16:creationId xmlns:a16="http://schemas.microsoft.com/office/drawing/2014/main" xmlns="" id="{1F03EA5B-9405-4FF2-A715-0E995B30C408}"/>
+                <a16:creationId xmlns="" xmlns:a16="http://schemas.microsoft.com/office/drawing/2014/main" id="{1F03EA5B-9405-4FF2-A715-0E995B30C408}"/>
               </a:ext>
             </a:extLst>
           </p:cNvPr>
@@ -18034,7 +18042,7 @@
           <p:cNvPr id="17" name="Rechte verbindingslijn met pijl 16">
             <a:extLst>
               <a:ext uri="{FF2B5EF4-FFF2-40B4-BE49-F238E27FC236}">
-                <a16:creationId xmlns:a16="http://schemas.microsoft.com/office/drawing/2014/main" xmlns="" id="{4354D81E-79D5-49F9-8B3E-FFC4DC3E61F5}"/>
+                <a16:creationId xmlns="" xmlns:a16="http://schemas.microsoft.com/office/drawing/2014/main" id="{4354D81E-79D5-49F9-8B3E-FFC4DC3E61F5}"/>
               </a:ext>
             </a:extLst>
           </p:cNvPr>
@@ -18105,7 +18113,7 @@
           <p:cNvPr id="2" name="Titel 1">
             <a:extLst>
               <a:ext uri="{FF2B5EF4-FFF2-40B4-BE49-F238E27FC236}">
-                <a16:creationId xmlns:a16="http://schemas.microsoft.com/office/drawing/2014/main" xmlns="" id="{769A96FB-BA26-47C0-85BC-9E5A44D94A65}"/>
+                <a16:creationId xmlns="" xmlns:a16="http://schemas.microsoft.com/office/drawing/2014/main" id="{769A96FB-BA26-47C0-85BC-9E5A44D94A65}"/>
               </a:ext>
             </a:extLst>
           </p:cNvPr>
@@ -18133,7 +18141,7 @@
           <p:cNvPr id="5" name="Tijdelijke aanduiding voor inhoud 4">
             <a:extLst>
               <a:ext uri="{FF2B5EF4-FFF2-40B4-BE49-F238E27FC236}">
-                <a16:creationId xmlns:a16="http://schemas.microsoft.com/office/drawing/2014/main" xmlns="" id="{82F9B9FE-1870-4902-A7DB-4B27D59D2B2B}"/>
+                <a16:creationId xmlns="" xmlns:a16="http://schemas.microsoft.com/office/drawing/2014/main" id="{82F9B9FE-1870-4902-A7DB-4B27D59D2B2B}"/>
               </a:ext>
             </a:extLst>
           </p:cNvPr>
@@ -18168,7 +18176,7 @@
           <p:cNvPr id="13" name="Tekstvak 12">
             <a:extLst>
               <a:ext uri="{FF2B5EF4-FFF2-40B4-BE49-F238E27FC236}">
-                <a16:creationId xmlns:a16="http://schemas.microsoft.com/office/drawing/2014/main" xmlns="" id="{44CABAE1-B325-4747-910E-7EDC7EDD7625}"/>
+                <a16:creationId xmlns="" xmlns:a16="http://schemas.microsoft.com/office/drawing/2014/main" id="{44CABAE1-B325-4747-910E-7EDC7EDD7625}"/>
               </a:ext>
             </a:extLst>
           </p:cNvPr>
@@ -18222,7 +18230,7 @@
           <p:cNvPr id="14" name="Afbeelding 13">
             <a:extLst>
               <a:ext uri="{FF2B5EF4-FFF2-40B4-BE49-F238E27FC236}">
-                <a16:creationId xmlns:a16="http://schemas.microsoft.com/office/drawing/2014/main" xmlns="" id="{F67612D4-1C0C-40D2-972D-04F12DDE0F60}"/>
+                <a16:creationId xmlns="" xmlns:a16="http://schemas.microsoft.com/office/drawing/2014/main" id="{F67612D4-1C0C-40D2-972D-04F12DDE0F60}"/>
               </a:ext>
             </a:extLst>
           </p:cNvPr>
@@ -18252,7 +18260,7 @@
           <p:cNvPr id="3" name="Tekstvak 2">
             <a:extLst>
               <a:ext uri="{FF2B5EF4-FFF2-40B4-BE49-F238E27FC236}">
-                <a16:creationId xmlns:a16="http://schemas.microsoft.com/office/drawing/2014/main" xmlns="" id="{C26579A7-5154-43F0-8824-0FAFC9CD4201}"/>
+                <a16:creationId xmlns="" xmlns:a16="http://schemas.microsoft.com/office/drawing/2014/main" id="{C26579A7-5154-43F0-8824-0FAFC9CD4201}"/>
               </a:ext>
             </a:extLst>
           </p:cNvPr>
@@ -18287,7 +18295,7 @@
           <p:cNvPr id="4" name="Tekstvak 3">
             <a:extLst>
               <a:ext uri="{FF2B5EF4-FFF2-40B4-BE49-F238E27FC236}">
-                <a16:creationId xmlns:a16="http://schemas.microsoft.com/office/drawing/2014/main" xmlns="" id="{1F03EA5B-9405-4FF2-A715-0E995B30C408}"/>
+                <a16:creationId xmlns="" xmlns:a16="http://schemas.microsoft.com/office/drawing/2014/main" id="{1F03EA5B-9405-4FF2-A715-0E995B30C408}"/>
               </a:ext>
             </a:extLst>
           </p:cNvPr>
@@ -18322,7 +18330,7 @@
           <p:cNvPr id="17" name="Rechte verbindingslijn met pijl 16">
             <a:extLst>
               <a:ext uri="{FF2B5EF4-FFF2-40B4-BE49-F238E27FC236}">
-                <a16:creationId xmlns:a16="http://schemas.microsoft.com/office/drawing/2014/main" xmlns="" id="{4354D81E-79D5-49F9-8B3E-FFC4DC3E61F5}"/>
+                <a16:creationId xmlns="" xmlns:a16="http://schemas.microsoft.com/office/drawing/2014/main" id="{4354D81E-79D5-49F9-8B3E-FFC4DC3E61F5}"/>
               </a:ext>
             </a:extLst>
           </p:cNvPr>
@@ -18363,7 +18371,7 @@
           <p:cNvPr id="7170" name="Picture 2" descr="Afbeeldingsresultaat voor hammer drawing">
             <a:extLst>
               <a:ext uri="{FF2B5EF4-FFF2-40B4-BE49-F238E27FC236}">
-                <a16:creationId xmlns:a16="http://schemas.microsoft.com/office/drawing/2014/main" xmlns="" id="{ACB393D5-86CC-4AAD-A571-9E26D25E2E0B}"/>
+                <a16:creationId xmlns="" xmlns:a16="http://schemas.microsoft.com/office/drawing/2014/main" id="{ACB393D5-86CC-4AAD-A571-9E26D25E2E0B}"/>
               </a:ext>
             </a:extLst>
           </p:cNvPr>
@@ -18410,7 +18418,7 @@
           <p:cNvPr id="6" name="Gedachtewolkje: wolk 5">
             <a:extLst>
               <a:ext uri="{FF2B5EF4-FFF2-40B4-BE49-F238E27FC236}">
-                <a16:creationId xmlns:a16="http://schemas.microsoft.com/office/drawing/2014/main" xmlns="" id="{39AC6EFF-786A-42AC-971E-B03EAAA5119B}"/>
+                <a16:creationId xmlns="" xmlns:a16="http://schemas.microsoft.com/office/drawing/2014/main" id="{39AC6EFF-786A-42AC-971E-B03EAAA5119B}"/>
               </a:ext>
             </a:extLst>
           </p:cNvPr>
@@ -18472,7 +18480,7 @@
           <p:cNvPr id="7172" name="Picture 4" descr="Afbeeldingsresultaat voor bouwpakket tekening">
             <a:extLst>
               <a:ext uri="{FF2B5EF4-FFF2-40B4-BE49-F238E27FC236}">
-                <a16:creationId xmlns:a16="http://schemas.microsoft.com/office/drawing/2014/main" xmlns="" id="{4A471D98-FB95-4C4D-AE0F-FD069389E87D}"/>
+                <a16:creationId xmlns="" xmlns:a16="http://schemas.microsoft.com/office/drawing/2014/main" id="{4A471D98-FB95-4C4D-AE0F-FD069389E87D}"/>
               </a:ext>
             </a:extLst>
           </p:cNvPr>
@@ -18549,7 +18557,7 @@
           <p:cNvPr id="2" name="Titel 1">
             <a:extLst>
               <a:ext uri="{FF2B5EF4-FFF2-40B4-BE49-F238E27FC236}">
-                <a16:creationId xmlns:a16="http://schemas.microsoft.com/office/drawing/2014/main" xmlns="" id="{769A96FB-BA26-47C0-85BC-9E5A44D94A65}"/>
+                <a16:creationId xmlns="" xmlns:a16="http://schemas.microsoft.com/office/drawing/2014/main" id="{769A96FB-BA26-47C0-85BC-9E5A44D94A65}"/>
               </a:ext>
             </a:extLst>
           </p:cNvPr>
@@ -18577,7 +18585,7 @@
           <p:cNvPr id="5" name="Tijdelijke aanduiding voor inhoud 4">
             <a:extLst>
               <a:ext uri="{FF2B5EF4-FFF2-40B4-BE49-F238E27FC236}">
-                <a16:creationId xmlns:a16="http://schemas.microsoft.com/office/drawing/2014/main" xmlns="" id="{82F9B9FE-1870-4902-A7DB-4B27D59D2B2B}"/>
+                <a16:creationId xmlns="" xmlns:a16="http://schemas.microsoft.com/office/drawing/2014/main" id="{82F9B9FE-1870-4902-A7DB-4B27D59D2B2B}"/>
               </a:ext>
             </a:extLst>
           </p:cNvPr>
@@ -18612,7 +18620,7 @@
           <p:cNvPr id="13" name="Tekstvak 12">
             <a:extLst>
               <a:ext uri="{FF2B5EF4-FFF2-40B4-BE49-F238E27FC236}">
-                <a16:creationId xmlns:a16="http://schemas.microsoft.com/office/drawing/2014/main" xmlns="" id="{44CABAE1-B325-4747-910E-7EDC7EDD7625}"/>
+                <a16:creationId xmlns="" xmlns:a16="http://schemas.microsoft.com/office/drawing/2014/main" id="{44CABAE1-B325-4747-910E-7EDC7EDD7625}"/>
               </a:ext>
             </a:extLst>
           </p:cNvPr>
@@ -18666,7 +18674,7 @@
           <p:cNvPr id="14" name="Afbeelding 13">
             <a:extLst>
               <a:ext uri="{FF2B5EF4-FFF2-40B4-BE49-F238E27FC236}">
-                <a16:creationId xmlns:a16="http://schemas.microsoft.com/office/drawing/2014/main" xmlns="" id="{F67612D4-1C0C-40D2-972D-04F12DDE0F60}"/>
+                <a16:creationId xmlns="" xmlns:a16="http://schemas.microsoft.com/office/drawing/2014/main" id="{F67612D4-1C0C-40D2-972D-04F12DDE0F60}"/>
               </a:ext>
             </a:extLst>
           </p:cNvPr>
@@ -18696,7 +18704,7 @@
           <p:cNvPr id="3" name="Tekstvak 2">
             <a:extLst>
               <a:ext uri="{FF2B5EF4-FFF2-40B4-BE49-F238E27FC236}">
-                <a16:creationId xmlns:a16="http://schemas.microsoft.com/office/drawing/2014/main" xmlns="" id="{C26579A7-5154-43F0-8824-0FAFC9CD4201}"/>
+                <a16:creationId xmlns="" xmlns:a16="http://schemas.microsoft.com/office/drawing/2014/main" id="{C26579A7-5154-43F0-8824-0FAFC9CD4201}"/>
               </a:ext>
             </a:extLst>
           </p:cNvPr>
@@ -18731,7 +18739,7 @@
           <p:cNvPr id="4" name="Tekstvak 3">
             <a:extLst>
               <a:ext uri="{FF2B5EF4-FFF2-40B4-BE49-F238E27FC236}">
-                <a16:creationId xmlns:a16="http://schemas.microsoft.com/office/drawing/2014/main" xmlns="" id="{1F03EA5B-9405-4FF2-A715-0E995B30C408}"/>
+                <a16:creationId xmlns="" xmlns:a16="http://schemas.microsoft.com/office/drawing/2014/main" id="{1F03EA5B-9405-4FF2-A715-0E995B30C408}"/>
               </a:ext>
             </a:extLst>
           </p:cNvPr>
@@ -18766,7 +18774,7 @@
           <p:cNvPr id="17" name="Rechte verbindingslijn met pijl 16">
             <a:extLst>
               <a:ext uri="{FF2B5EF4-FFF2-40B4-BE49-F238E27FC236}">
-                <a16:creationId xmlns:a16="http://schemas.microsoft.com/office/drawing/2014/main" xmlns="" id="{4354D81E-79D5-49F9-8B3E-FFC4DC3E61F5}"/>
+                <a16:creationId xmlns="" xmlns:a16="http://schemas.microsoft.com/office/drawing/2014/main" id="{4354D81E-79D5-49F9-8B3E-FFC4DC3E61F5}"/>
               </a:ext>
             </a:extLst>
           </p:cNvPr>
@@ -18807,7 +18815,7 @@
           <p:cNvPr id="7170" name="Picture 2" descr="Afbeeldingsresultaat voor hammer drawing">
             <a:extLst>
               <a:ext uri="{FF2B5EF4-FFF2-40B4-BE49-F238E27FC236}">
-                <a16:creationId xmlns:a16="http://schemas.microsoft.com/office/drawing/2014/main" xmlns="" id="{ACB393D5-86CC-4AAD-A571-9E26D25E2E0B}"/>
+                <a16:creationId xmlns="" xmlns:a16="http://schemas.microsoft.com/office/drawing/2014/main" id="{ACB393D5-86CC-4AAD-A571-9E26D25E2E0B}"/>
               </a:ext>
             </a:extLst>
           </p:cNvPr>
@@ -18854,7 +18862,7 @@
           <p:cNvPr id="6" name="Gedachtewolkje: wolk 5">
             <a:extLst>
               <a:ext uri="{FF2B5EF4-FFF2-40B4-BE49-F238E27FC236}">
-                <a16:creationId xmlns:a16="http://schemas.microsoft.com/office/drawing/2014/main" xmlns="" id="{39AC6EFF-786A-42AC-971E-B03EAAA5119B}"/>
+                <a16:creationId xmlns="" xmlns:a16="http://schemas.microsoft.com/office/drawing/2014/main" id="{39AC6EFF-786A-42AC-971E-B03EAAA5119B}"/>
               </a:ext>
             </a:extLst>
           </p:cNvPr>
@@ -18916,7 +18924,7 @@
           <p:cNvPr id="7172" name="Picture 4" descr="Afbeeldingsresultaat voor bouwpakket tekening">
             <a:extLst>
               <a:ext uri="{FF2B5EF4-FFF2-40B4-BE49-F238E27FC236}">
-                <a16:creationId xmlns:a16="http://schemas.microsoft.com/office/drawing/2014/main" xmlns="" id="{4A471D98-FB95-4C4D-AE0F-FD069389E87D}"/>
+                <a16:creationId xmlns="" xmlns:a16="http://schemas.microsoft.com/office/drawing/2014/main" id="{4A471D98-FB95-4C4D-AE0F-FD069389E87D}"/>
               </a:ext>
             </a:extLst>
           </p:cNvPr>
@@ -18963,7 +18971,7 @@
           <p:cNvPr id="12" name="Ovaal 11">
             <a:extLst>
               <a:ext uri="{FF2B5EF4-FFF2-40B4-BE49-F238E27FC236}">
-                <a16:creationId xmlns:a16="http://schemas.microsoft.com/office/drawing/2014/main" xmlns="" id="{702660D4-5C08-4FC9-B5F9-92B2E32F1F54}"/>
+                <a16:creationId xmlns="" xmlns:a16="http://schemas.microsoft.com/office/drawing/2014/main" id="{702660D4-5C08-4FC9-B5F9-92B2E32F1F54}"/>
               </a:ext>
             </a:extLst>
           </p:cNvPr>
@@ -19021,7 +19029,7 @@
           <p:cNvPr id="15" name="Ovaal 14">
             <a:extLst>
               <a:ext uri="{FF2B5EF4-FFF2-40B4-BE49-F238E27FC236}">
-                <a16:creationId xmlns:a16="http://schemas.microsoft.com/office/drawing/2014/main" xmlns="" id="{6F886743-BD7C-498D-8470-3AFF63CE3A2E}"/>
+                <a16:creationId xmlns="" xmlns:a16="http://schemas.microsoft.com/office/drawing/2014/main" id="{6F886743-BD7C-498D-8470-3AFF63CE3A2E}"/>
               </a:ext>
             </a:extLst>
           </p:cNvPr>
@@ -19079,7 +19087,7 @@
           <p:cNvPr id="16" name="Ovaal 15">
             <a:extLst>
               <a:ext uri="{FF2B5EF4-FFF2-40B4-BE49-F238E27FC236}">
-                <a16:creationId xmlns:a16="http://schemas.microsoft.com/office/drawing/2014/main" xmlns="" id="{2800E1DF-3D08-42B9-9EA7-18A4D608B1AD}"/>
+                <a16:creationId xmlns="" xmlns:a16="http://schemas.microsoft.com/office/drawing/2014/main" id="{2800E1DF-3D08-42B9-9EA7-18A4D608B1AD}"/>
               </a:ext>
             </a:extLst>
           </p:cNvPr>
@@ -19137,7 +19145,7 @@
           <p:cNvPr id="18" name="Ovaal 17">
             <a:extLst>
               <a:ext uri="{FF2B5EF4-FFF2-40B4-BE49-F238E27FC236}">
-                <a16:creationId xmlns:a16="http://schemas.microsoft.com/office/drawing/2014/main" xmlns="" id="{71B22304-31D6-4B7A-9A07-E9729C3946DC}"/>
+                <a16:creationId xmlns="" xmlns:a16="http://schemas.microsoft.com/office/drawing/2014/main" id="{71B22304-31D6-4B7A-9A07-E9729C3946DC}"/>
               </a:ext>
             </a:extLst>
           </p:cNvPr>
@@ -19195,7 +19203,7 @@
           <p:cNvPr id="19" name="Ovaal 18">
             <a:extLst>
               <a:ext uri="{FF2B5EF4-FFF2-40B4-BE49-F238E27FC236}">
-                <a16:creationId xmlns:a16="http://schemas.microsoft.com/office/drawing/2014/main" xmlns="" id="{4CB9A837-B23B-40E2-B9FD-2ED58D3175F2}"/>
+                <a16:creationId xmlns="" xmlns:a16="http://schemas.microsoft.com/office/drawing/2014/main" id="{4CB9A837-B23B-40E2-B9FD-2ED58D3175F2}"/>
               </a:ext>
             </a:extLst>
           </p:cNvPr>
@@ -19253,7 +19261,7 @@
           <p:cNvPr id="20" name="Ovaal 19">
             <a:extLst>
               <a:ext uri="{FF2B5EF4-FFF2-40B4-BE49-F238E27FC236}">
-                <a16:creationId xmlns:a16="http://schemas.microsoft.com/office/drawing/2014/main" xmlns="" id="{356FEE7C-9D16-4FA9-AC43-61E03FD7F12E}"/>
+                <a16:creationId xmlns="" xmlns:a16="http://schemas.microsoft.com/office/drawing/2014/main" id="{356FEE7C-9D16-4FA9-AC43-61E03FD7F12E}"/>
               </a:ext>
             </a:extLst>
           </p:cNvPr>
@@ -19311,7 +19319,7 @@
           <p:cNvPr id="21" name="Ovaal 20">
             <a:extLst>
               <a:ext uri="{FF2B5EF4-FFF2-40B4-BE49-F238E27FC236}">
-                <a16:creationId xmlns:a16="http://schemas.microsoft.com/office/drawing/2014/main" xmlns="" id="{C7B6E4EE-D18E-4E99-90D9-8CD79FAB3E66}"/>
+                <a16:creationId xmlns="" xmlns:a16="http://schemas.microsoft.com/office/drawing/2014/main" id="{C7B6E4EE-D18E-4E99-90D9-8CD79FAB3E66}"/>
               </a:ext>
             </a:extLst>
           </p:cNvPr>
@@ -19369,7 +19377,7 @@
           <p:cNvPr id="22" name="Ovaal 21">
             <a:extLst>
               <a:ext uri="{FF2B5EF4-FFF2-40B4-BE49-F238E27FC236}">
-                <a16:creationId xmlns:a16="http://schemas.microsoft.com/office/drawing/2014/main" xmlns="" id="{57BEF406-0651-41E0-BE06-273B7CC97A2D}"/>
+                <a16:creationId xmlns="" xmlns:a16="http://schemas.microsoft.com/office/drawing/2014/main" id="{57BEF406-0651-41E0-BE06-273B7CC97A2D}"/>
               </a:ext>
             </a:extLst>
           </p:cNvPr>
@@ -19427,7 +19435,7 @@
           <p:cNvPr id="23" name="Rechte verbindingslijn 22">
             <a:extLst>
               <a:ext uri="{FF2B5EF4-FFF2-40B4-BE49-F238E27FC236}">
-                <a16:creationId xmlns:a16="http://schemas.microsoft.com/office/drawing/2014/main" xmlns="" id="{B6E9C7CF-D8FC-4A16-A854-58D00C6AFC36}"/>
+                <a16:creationId xmlns="" xmlns:a16="http://schemas.microsoft.com/office/drawing/2014/main" id="{B6E9C7CF-D8FC-4A16-A854-58D00C6AFC36}"/>
               </a:ext>
             </a:extLst>
           </p:cNvPr>
@@ -19475,7 +19483,7 @@
           <p:cNvPr id="24" name="Rechte verbindingslijn 23">
             <a:extLst>
               <a:ext uri="{FF2B5EF4-FFF2-40B4-BE49-F238E27FC236}">
-                <a16:creationId xmlns:a16="http://schemas.microsoft.com/office/drawing/2014/main" xmlns="" id="{1CFE56A8-8899-43BC-94FD-95028AD82001}"/>
+                <a16:creationId xmlns="" xmlns:a16="http://schemas.microsoft.com/office/drawing/2014/main" id="{1CFE56A8-8899-43BC-94FD-95028AD82001}"/>
               </a:ext>
             </a:extLst>
           </p:cNvPr>
@@ -19523,7 +19531,7 @@
           <p:cNvPr id="25" name="Rechte verbindingslijn 24">
             <a:extLst>
               <a:ext uri="{FF2B5EF4-FFF2-40B4-BE49-F238E27FC236}">
-                <a16:creationId xmlns:a16="http://schemas.microsoft.com/office/drawing/2014/main" xmlns="" id="{92F1B486-5D9E-425B-BA62-A39589D9C092}"/>
+                <a16:creationId xmlns="" xmlns:a16="http://schemas.microsoft.com/office/drawing/2014/main" id="{92F1B486-5D9E-425B-BA62-A39589D9C092}"/>
               </a:ext>
             </a:extLst>
           </p:cNvPr>
@@ -19571,7 +19579,7 @@
           <p:cNvPr id="26" name="Rechte verbindingslijn 25">
             <a:extLst>
               <a:ext uri="{FF2B5EF4-FFF2-40B4-BE49-F238E27FC236}">
-                <a16:creationId xmlns:a16="http://schemas.microsoft.com/office/drawing/2014/main" xmlns="" id="{0EAB71A3-52E1-49E7-852D-B0FD3CD4D1A7}"/>
+                <a16:creationId xmlns="" xmlns:a16="http://schemas.microsoft.com/office/drawing/2014/main" id="{0EAB71A3-52E1-49E7-852D-B0FD3CD4D1A7}"/>
               </a:ext>
             </a:extLst>
           </p:cNvPr>
@@ -19619,7 +19627,7 @@
           <p:cNvPr id="27" name="Rechte verbindingslijn 26">
             <a:extLst>
               <a:ext uri="{FF2B5EF4-FFF2-40B4-BE49-F238E27FC236}">
-                <a16:creationId xmlns:a16="http://schemas.microsoft.com/office/drawing/2014/main" xmlns="" id="{099DCD6D-B326-4DA6-8459-0A2EE91D83D5}"/>
+                <a16:creationId xmlns="" xmlns:a16="http://schemas.microsoft.com/office/drawing/2014/main" id="{099DCD6D-B326-4DA6-8459-0A2EE91D83D5}"/>
               </a:ext>
             </a:extLst>
           </p:cNvPr>
@@ -19667,7 +19675,7 @@
           <p:cNvPr id="28" name="Rechte verbindingslijn 27">
             <a:extLst>
               <a:ext uri="{FF2B5EF4-FFF2-40B4-BE49-F238E27FC236}">
-                <a16:creationId xmlns:a16="http://schemas.microsoft.com/office/drawing/2014/main" xmlns="" id="{8E4426DD-AC68-426C-8E72-53F5D4058FEB}"/>
+                <a16:creationId xmlns="" xmlns:a16="http://schemas.microsoft.com/office/drawing/2014/main" id="{8E4426DD-AC68-426C-8E72-53F5D4058FEB}"/>
               </a:ext>
             </a:extLst>
           </p:cNvPr>
@@ -19715,7 +19723,7 @@
           <p:cNvPr id="29" name="Rechte verbindingslijn 28">
             <a:extLst>
               <a:ext uri="{FF2B5EF4-FFF2-40B4-BE49-F238E27FC236}">
-                <a16:creationId xmlns:a16="http://schemas.microsoft.com/office/drawing/2014/main" xmlns="" id="{F8455A54-0906-419D-9641-930E0EF19620}"/>
+                <a16:creationId xmlns="" xmlns:a16="http://schemas.microsoft.com/office/drawing/2014/main" id="{F8455A54-0906-419D-9641-930E0EF19620}"/>
               </a:ext>
             </a:extLst>
           </p:cNvPr>
@@ -19763,7 +19771,7 @@
           <p:cNvPr id="30" name="Ovaal 29">
             <a:extLst>
               <a:ext uri="{FF2B5EF4-FFF2-40B4-BE49-F238E27FC236}">
-                <a16:creationId xmlns:a16="http://schemas.microsoft.com/office/drawing/2014/main" xmlns="" id="{2F8EA833-A5A7-481E-A4D1-98F4CE5A47F5}"/>
+                <a16:creationId xmlns="" xmlns:a16="http://schemas.microsoft.com/office/drawing/2014/main" id="{2F8EA833-A5A7-481E-A4D1-98F4CE5A47F5}"/>
               </a:ext>
             </a:extLst>
           </p:cNvPr>
@@ -19821,7 +19829,7 @@
           <p:cNvPr id="31" name="Ovaal 30">
             <a:extLst>
               <a:ext uri="{FF2B5EF4-FFF2-40B4-BE49-F238E27FC236}">
-                <a16:creationId xmlns:a16="http://schemas.microsoft.com/office/drawing/2014/main" xmlns="" id="{EF1B8A63-45C7-4477-83DA-C5F7FAE45190}"/>
+                <a16:creationId xmlns="" xmlns:a16="http://schemas.microsoft.com/office/drawing/2014/main" id="{EF1B8A63-45C7-4477-83DA-C5F7FAE45190}"/>
               </a:ext>
             </a:extLst>
           </p:cNvPr>
@@ -19879,7 +19887,7 @@
           <p:cNvPr id="32" name="Ovaal 31">
             <a:extLst>
               <a:ext uri="{FF2B5EF4-FFF2-40B4-BE49-F238E27FC236}">
-                <a16:creationId xmlns:a16="http://schemas.microsoft.com/office/drawing/2014/main" xmlns="" id="{0ACF7CC1-9BE7-4DD2-8236-579273166F0D}"/>
+                <a16:creationId xmlns="" xmlns:a16="http://schemas.microsoft.com/office/drawing/2014/main" id="{0ACF7CC1-9BE7-4DD2-8236-579273166F0D}"/>
               </a:ext>
             </a:extLst>
           </p:cNvPr>
@@ -19937,7 +19945,7 @@
           <p:cNvPr id="33" name="Ovaal 32">
             <a:extLst>
               <a:ext uri="{FF2B5EF4-FFF2-40B4-BE49-F238E27FC236}">
-                <a16:creationId xmlns:a16="http://schemas.microsoft.com/office/drawing/2014/main" xmlns="" id="{38A37D86-F49D-4015-9F89-0C5AA4F918E7}"/>
+                <a16:creationId xmlns="" xmlns:a16="http://schemas.microsoft.com/office/drawing/2014/main" id="{38A37D86-F49D-4015-9F89-0C5AA4F918E7}"/>
               </a:ext>
             </a:extLst>
           </p:cNvPr>
@@ -19995,7 +20003,7 @@
           <p:cNvPr id="34" name="Ovaal 33">
             <a:extLst>
               <a:ext uri="{FF2B5EF4-FFF2-40B4-BE49-F238E27FC236}">
-                <a16:creationId xmlns:a16="http://schemas.microsoft.com/office/drawing/2014/main" xmlns="" id="{068A416D-8303-4CF0-9F81-5305F8661921}"/>
+                <a16:creationId xmlns="" xmlns:a16="http://schemas.microsoft.com/office/drawing/2014/main" id="{068A416D-8303-4CF0-9F81-5305F8661921}"/>
               </a:ext>
             </a:extLst>
           </p:cNvPr>
@@ -20053,7 +20061,7 @@
           <p:cNvPr id="35" name="Ovaal 34">
             <a:extLst>
               <a:ext uri="{FF2B5EF4-FFF2-40B4-BE49-F238E27FC236}">
-                <a16:creationId xmlns:a16="http://schemas.microsoft.com/office/drawing/2014/main" xmlns="" id="{57886617-EF56-4B20-8554-D57A38AAFA65}"/>
+                <a16:creationId xmlns="" xmlns:a16="http://schemas.microsoft.com/office/drawing/2014/main" id="{57886617-EF56-4B20-8554-D57A38AAFA65}"/>
               </a:ext>
             </a:extLst>
           </p:cNvPr>
@@ -20111,7 +20119,7 @@
           <p:cNvPr id="36" name="Ovaal 35">
             <a:extLst>
               <a:ext uri="{FF2B5EF4-FFF2-40B4-BE49-F238E27FC236}">
-                <a16:creationId xmlns:a16="http://schemas.microsoft.com/office/drawing/2014/main" xmlns="" id="{F5B28146-4C85-4621-B9EA-F45F4586B369}"/>
+                <a16:creationId xmlns="" xmlns:a16="http://schemas.microsoft.com/office/drawing/2014/main" id="{F5B28146-4C85-4621-B9EA-F45F4586B369}"/>
               </a:ext>
             </a:extLst>
           </p:cNvPr>
@@ -20169,7 +20177,7 @@
           <p:cNvPr id="37" name="Ovaal 36">
             <a:extLst>
               <a:ext uri="{FF2B5EF4-FFF2-40B4-BE49-F238E27FC236}">
-                <a16:creationId xmlns:a16="http://schemas.microsoft.com/office/drawing/2014/main" xmlns="" id="{7C0671A0-0740-414E-92E7-AEF59EAC6288}"/>
+                <a16:creationId xmlns="" xmlns:a16="http://schemas.microsoft.com/office/drawing/2014/main" id="{7C0671A0-0740-414E-92E7-AEF59EAC6288}"/>
               </a:ext>
             </a:extLst>
           </p:cNvPr>
@@ -20227,7 +20235,7 @@
           <p:cNvPr id="38" name="Rechte verbindingslijn 37">
             <a:extLst>
               <a:ext uri="{FF2B5EF4-FFF2-40B4-BE49-F238E27FC236}">
-                <a16:creationId xmlns:a16="http://schemas.microsoft.com/office/drawing/2014/main" xmlns="" id="{33DE6DFE-6D57-47BA-BB6B-555F08E26DB9}"/>
+                <a16:creationId xmlns="" xmlns:a16="http://schemas.microsoft.com/office/drawing/2014/main" id="{33DE6DFE-6D57-47BA-BB6B-555F08E26DB9}"/>
               </a:ext>
             </a:extLst>
           </p:cNvPr>
@@ -20275,7 +20283,7 @@
           <p:cNvPr id="39" name="Rechte verbindingslijn 38">
             <a:extLst>
               <a:ext uri="{FF2B5EF4-FFF2-40B4-BE49-F238E27FC236}">
-                <a16:creationId xmlns:a16="http://schemas.microsoft.com/office/drawing/2014/main" xmlns="" id="{2DA35996-A73E-4F96-979F-9FF60EC2EA8E}"/>
+                <a16:creationId xmlns="" xmlns:a16="http://schemas.microsoft.com/office/drawing/2014/main" id="{2DA35996-A73E-4F96-979F-9FF60EC2EA8E}"/>
               </a:ext>
             </a:extLst>
           </p:cNvPr>
@@ -20323,7 +20331,7 @@
           <p:cNvPr id="40" name="Rechte verbindingslijn 39">
             <a:extLst>
               <a:ext uri="{FF2B5EF4-FFF2-40B4-BE49-F238E27FC236}">
-                <a16:creationId xmlns:a16="http://schemas.microsoft.com/office/drawing/2014/main" xmlns="" id="{A723C397-9B1B-4D91-BA47-50C5F66D3D89}"/>
+                <a16:creationId xmlns="" xmlns:a16="http://schemas.microsoft.com/office/drawing/2014/main" id="{A723C397-9B1B-4D91-BA47-50C5F66D3D89}"/>
               </a:ext>
             </a:extLst>
           </p:cNvPr>
@@ -20371,7 +20379,7 @@
           <p:cNvPr id="41" name="Rechte verbindingslijn 40">
             <a:extLst>
               <a:ext uri="{FF2B5EF4-FFF2-40B4-BE49-F238E27FC236}">
-                <a16:creationId xmlns:a16="http://schemas.microsoft.com/office/drawing/2014/main" xmlns="" id="{2F58A9CA-8BB1-4BB9-A296-F83FB5010BAE}"/>
+                <a16:creationId xmlns="" xmlns:a16="http://schemas.microsoft.com/office/drawing/2014/main" id="{2F58A9CA-8BB1-4BB9-A296-F83FB5010BAE}"/>
               </a:ext>
             </a:extLst>
           </p:cNvPr>
@@ -20419,7 +20427,7 @@
           <p:cNvPr id="42" name="Rechte verbindingslijn 41">
             <a:extLst>
               <a:ext uri="{FF2B5EF4-FFF2-40B4-BE49-F238E27FC236}">
-                <a16:creationId xmlns:a16="http://schemas.microsoft.com/office/drawing/2014/main" xmlns="" id="{959AEB00-BDDE-401D-A258-A1BC831BF286}"/>
+                <a16:creationId xmlns="" xmlns:a16="http://schemas.microsoft.com/office/drawing/2014/main" id="{959AEB00-BDDE-401D-A258-A1BC831BF286}"/>
               </a:ext>
             </a:extLst>
           </p:cNvPr>
@@ -20467,7 +20475,7 @@
           <p:cNvPr id="43" name="Rechte verbindingslijn 42">
             <a:extLst>
               <a:ext uri="{FF2B5EF4-FFF2-40B4-BE49-F238E27FC236}">
-                <a16:creationId xmlns:a16="http://schemas.microsoft.com/office/drawing/2014/main" xmlns="" id="{451D5B5E-F7CD-4D18-81B2-353312FBAE39}"/>
+                <a16:creationId xmlns="" xmlns:a16="http://schemas.microsoft.com/office/drawing/2014/main" id="{451D5B5E-F7CD-4D18-81B2-353312FBAE39}"/>
               </a:ext>
             </a:extLst>
           </p:cNvPr>
@@ -20515,7 +20523,7 @@
           <p:cNvPr id="44" name="Rechte verbindingslijn 43">
             <a:extLst>
               <a:ext uri="{FF2B5EF4-FFF2-40B4-BE49-F238E27FC236}">
-                <a16:creationId xmlns:a16="http://schemas.microsoft.com/office/drawing/2014/main" xmlns="" id="{0762CCB1-BCF4-4FA9-BBCF-2906073B5750}"/>
+                <a16:creationId xmlns="" xmlns:a16="http://schemas.microsoft.com/office/drawing/2014/main" id="{0762CCB1-BCF4-4FA9-BBCF-2906073B5750}"/>
               </a:ext>
             </a:extLst>
           </p:cNvPr>
@@ -20563,7 +20571,7 @@
           <p:cNvPr id="45" name="Rechte verbindingslijn 44">
             <a:extLst>
               <a:ext uri="{FF2B5EF4-FFF2-40B4-BE49-F238E27FC236}">
-                <a16:creationId xmlns:a16="http://schemas.microsoft.com/office/drawing/2014/main" xmlns="" id="{04763EFC-7EEF-4E93-9F5A-2BD209A331DC}"/>
+                <a16:creationId xmlns="" xmlns:a16="http://schemas.microsoft.com/office/drawing/2014/main" id="{04763EFC-7EEF-4E93-9F5A-2BD209A331DC}"/>
               </a:ext>
             </a:extLst>
           </p:cNvPr>
@@ -20641,7 +20649,7 @@
           <p:cNvPr id="2" name="Titel 1">
             <a:extLst>
               <a:ext uri="{FF2B5EF4-FFF2-40B4-BE49-F238E27FC236}">
-                <a16:creationId xmlns:a16="http://schemas.microsoft.com/office/drawing/2014/main" xmlns="" id="{769A96FB-BA26-47C0-85BC-9E5A44D94A65}"/>
+                <a16:creationId xmlns="" xmlns:a16="http://schemas.microsoft.com/office/drawing/2014/main" id="{769A96FB-BA26-47C0-85BC-9E5A44D94A65}"/>
               </a:ext>
             </a:extLst>
           </p:cNvPr>
@@ -20669,7 +20677,7 @@
           <p:cNvPr id="5" name="Tijdelijke aanduiding voor inhoud 4">
             <a:extLst>
               <a:ext uri="{FF2B5EF4-FFF2-40B4-BE49-F238E27FC236}">
-                <a16:creationId xmlns:a16="http://schemas.microsoft.com/office/drawing/2014/main" xmlns="" id="{82F9B9FE-1870-4902-A7DB-4B27D59D2B2B}"/>
+                <a16:creationId xmlns="" xmlns:a16="http://schemas.microsoft.com/office/drawing/2014/main" id="{82F9B9FE-1870-4902-A7DB-4B27D59D2B2B}"/>
               </a:ext>
             </a:extLst>
           </p:cNvPr>
@@ -20704,7 +20712,7 @@
           <p:cNvPr id="13" name="Tekstvak 12">
             <a:extLst>
               <a:ext uri="{FF2B5EF4-FFF2-40B4-BE49-F238E27FC236}">
-                <a16:creationId xmlns:a16="http://schemas.microsoft.com/office/drawing/2014/main" xmlns="" id="{44CABAE1-B325-4747-910E-7EDC7EDD7625}"/>
+                <a16:creationId xmlns="" xmlns:a16="http://schemas.microsoft.com/office/drawing/2014/main" id="{44CABAE1-B325-4747-910E-7EDC7EDD7625}"/>
               </a:ext>
             </a:extLst>
           </p:cNvPr>
@@ -20758,7 +20766,7 @@
           <p:cNvPr id="14" name="Afbeelding 13">
             <a:extLst>
               <a:ext uri="{FF2B5EF4-FFF2-40B4-BE49-F238E27FC236}">
-                <a16:creationId xmlns:a16="http://schemas.microsoft.com/office/drawing/2014/main" xmlns="" id="{F67612D4-1C0C-40D2-972D-04F12DDE0F60}"/>
+                <a16:creationId xmlns="" xmlns:a16="http://schemas.microsoft.com/office/drawing/2014/main" id="{F67612D4-1C0C-40D2-972D-04F12DDE0F60}"/>
               </a:ext>
             </a:extLst>
           </p:cNvPr>
@@ -20788,7 +20796,7 @@
           <p:cNvPr id="3" name="Tekstvak 2">
             <a:extLst>
               <a:ext uri="{FF2B5EF4-FFF2-40B4-BE49-F238E27FC236}">
-                <a16:creationId xmlns:a16="http://schemas.microsoft.com/office/drawing/2014/main" xmlns="" id="{C26579A7-5154-43F0-8824-0FAFC9CD4201}"/>
+                <a16:creationId xmlns="" xmlns:a16="http://schemas.microsoft.com/office/drawing/2014/main" id="{C26579A7-5154-43F0-8824-0FAFC9CD4201}"/>
               </a:ext>
             </a:extLst>
           </p:cNvPr>
@@ -20823,7 +20831,7 @@
           <p:cNvPr id="4" name="Tekstvak 3">
             <a:extLst>
               <a:ext uri="{FF2B5EF4-FFF2-40B4-BE49-F238E27FC236}">
-                <a16:creationId xmlns:a16="http://schemas.microsoft.com/office/drawing/2014/main" xmlns="" id="{1F03EA5B-9405-4FF2-A715-0E995B30C408}"/>
+                <a16:creationId xmlns="" xmlns:a16="http://schemas.microsoft.com/office/drawing/2014/main" id="{1F03EA5B-9405-4FF2-A715-0E995B30C408}"/>
               </a:ext>
             </a:extLst>
           </p:cNvPr>
@@ -20858,7 +20866,7 @@
           <p:cNvPr id="17" name="Rechte verbindingslijn met pijl 16">
             <a:extLst>
               <a:ext uri="{FF2B5EF4-FFF2-40B4-BE49-F238E27FC236}">
-                <a16:creationId xmlns:a16="http://schemas.microsoft.com/office/drawing/2014/main" xmlns="" id="{4354D81E-79D5-49F9-8B3E-FFC4DC3E61F5}"/>
+                <a16:creationId xmlns="" xmlns:a16="http://schemas.microsoft.com/office/drawing/2014/main" id="{4354D81E-79D5-49F9-8B3E-FFC4DC3E61F5}"/>
               </a:ext>
             </a:extLst>
           </p:cNvPr>
@@ -20899,7 +20907,7 @@
           <p:cNvPr id="7170" name="Picture 2" descr="Afbeeldingsresultaat voor hammer drawing">
             <a:extLst>
               <a:ext uri="{FF2B5EF4-FFF2-40B4-BE49-F238E27FC236}">
-                <a16:creationId xmlns:a16="http://schemas.microsoft.com/office/drawing/2014/main" xmlns="" id="{ACB393D5-86CC-4AAD-A571-9E26D25E2E0B}"/>
+                <a16:creationId xmlns="" xmlns:a16="http://schemas.microsoft.com/office/drawing/2014/main" id="{ACB393D5-86CC-4AAD-A571-9E26D25E2E0B}"/>
               </a:ext>
             </a:extLst>
           </p:cNvPr>
@@ -20946,7 +20954,7 @@
           <p:cNvPr id="6" name="Gedachtewolkje: wolk 5">
             <a:extLst>
               <a:ext uri="{FF2B5EF4-FFF2-40B4-BE49-F238E27FC236}">
-                <a16:creationId xmlns:a16="http://schemas.microsoft.com/office/drawing/2014/main" xmlns="" id="{39AC6EFF-786A-42AC-971E-B03EAAA5119B}"/>
+                <a16:creationId xmlns="" xmlns:a16="http://schemas.microsoft.com/office/drawing/2014/main" id="{39AC6EFF-786A-42AC-971E-B03EAAA5119B}"/>
               </a:ext>
             </a:extLst>
           </p:cNvPr>
@@ -21008,7 +21016,7 @@
           <p:cNvPr id="7172" name="Picture 4" descr="Afbeeldingsresultaat voor bouwpakket tekening">
             <a:extLst>
               <a:ext uri="{FF2B5EF4-FFF2-40B4-BE49-F238E27FC236}">
-                <a16:creationId xmlns:a16="http://schemas.microsoft.com/office/drawing/2014/main" xmlns="" id="{4A471D98-FB95-4C4D-AE0F-FD069389E87D}"/>
+                <a16:creationId xmlns="" xmlns:a16="http://schemas.microsoft.com/office/drawing/2014/main" id="{4A471D98-FB95-4C4D-AE0F-FD069389E87D}"/>
               </a:ext>
             </a:extLst>
           </p:cNvPr>
@@ -21055,7 +21063,7 @@
           <p:cNvPr id="12" name="Ovaal 11">
             <a:extLst>
               <a:ext uri="{FF2B5EF4-FFF2-40B4-BE49-F238E27FC236}">
-                <a16:creationId xmlns:a16="http://schemas.microsoft.com/office/drawing/2014/main" xmlns="" id="{702660D4-5C08-4FC9-B5F9-92B2E32F1F54}"/>
+                <a16:creationId xmlns="" xmlns:a16="http://schemas.microsoft.com/office/drawing/2014/main" id="{702660D4-5C08-4FC9-B5F9-92B2E32F1F54}"/>
               </a:ext>
             </a:extLst>
           </p:cNvPr>
@@ -21113,7 +21121,7 @@
           <p:cNvPr id="15" name="Ovaal 14">
             <a:extLst>
               <a:ext uri="{FF2B5EF4-FFF2-40B4-BE49-F238E27FC236}">
-                <a16:creationId xmlns:a16="http://schemas.microsoft.com/office/drawing/2014/main" xmlns="" id="{6F886743-BD7C-498D-8470-3AFF63CE3A2E}"/>
+                <a16:creationId xmlns="" xmlns:a16="http://schemas.microsoft.com/office/drawing/2014/main" id="{6F886743-BD7C-498D-8470-3AFF63CE3A2E}"/>
               </a:ext>
             </a:extLst>
           </p:cNvPr>
@@ -21171,7 +21179,7 @@
           <p:cNvPr id="16" name="Ovaal 15">
             <a:extLst>
               <a:ext uri="{FF2B5EF4-FFF2-40B4-BE49-F238E27FC236}">
-                <a16:creationId xmlns:a16="http://schemas.microsoft.com/office/drawing/2014/main" xmlns="" id="{2800E1DF-3D08-42B9-9EA7-18A4D608B1AD}"/>
+                <a16:creationId xmlns="" xmlns:a16="http://schemas.microsoft.com/office/drawing/2014/main" id="{2800E1DF-3D08-42B9-9EA7-18A4D608B1AD}"/>
               </a:ext>
             </a:extLst>
           </p:cNvPr>
@@ -21229,7 +21237,7 @@
           <p:cNvPr id="18" name="Ovaal 17">
             <a:extLst>
               <a:ext uri="{FF2B5EF4-FFF2-40B4-BE49-F238E27FC236}">
-                <a16:creationId xmlns:a16="http://schemas.microsoft.com/office/drawing/2014/main" xmlns="" id="{71B22304-31D6-4B7A-9A07-E9729C3946DC}"/>
+                <a16:creationId xmlns="" xmlns:a16="http://schemas.microsoft.com/office/drawing/2014/main" id="{71B22304-31D6-4B7A-9A07-E9729C3946DC}"/>
               </a:ext>
             </a:extLst>
           </p:cNvPr>
@@ -21287,7 +21295,7 @@
           <p:cNvPr id="19" name="Ovaal 18">
             <a:extLst>
               <a:ext uri="{FF2B5EF4-FFF2-40B4-BE49-F238E27FC236}">
-                <a16:creationId xmlns:a16="http://schemas.microsoft.com/office/drawing/2014/main" xmlns="" id="{4CB9A837-B23B-40E2-B9FD-2ED58D3175F2}"/>
+                <a16:creationId xmlns="" xmlns:a16="http://schemas.microsoft.com/office/drawing/2014/main" id="{4CB9A837-B23B-40E2-B9FD-2ED58D3175F2}"/>
               </a:ext>
             </a:extLst>
           </p:cNvPr>
@@ -21345,7 +21353,7 @@
           <p:cNvPr id="20" name="Ovaal 19">
             <a:extLst>
               <a:ext uri="{FF2B5EF4-FFF2-40B4-BE49-F238E27FC236}">
-                <a16:creationId xmlns:a16="http://schemas.microsoft.com/office/drawing/2014/main" xmlns="" id="{356FEE7C-9D16-4FA9-AC43-61E03FD7F12E}"/>
+                <a16:creationId xmlns="" xmlns:a16="http://schemas.microsoft.com/office/drawing/2014/main" id="{356FEE7C-9D16-4FA9-AC43-61E03FD7F12E}"/>
               </a:ext>
             </a:extLst>
           </p:cNvPr>
@@ -21403,7 +21411,7 @@
           <p:cNvPr id="21" name="Ovaal 20">
             <a:extLst>
               <a:ext uri="{FF2B5EF4-FFF2-40B4-BE49-F238E27FC236}">
-                <a16:creationId xmlns:a16="http://schemas.microsoft.com/office/drawing/2014/main" xmlns="" id="{C7B6E4EE-D18E-4E99-90D9-8CD79FAB3E66}"/>
+                <a16:creationId xmlns="" xmlns:a16="http://schemas.microsoft.com/office/drawing/2014/main" id="{C7B6E4EE-D18E-4E99-90D9-8CD79FAB3E66}"/>
               </a:ext>
             </a:extLst>
           </p:cNvPr>
@@ -21461,7 +21469,7 @@
           <p:cNvPr id="22" name="Ovaal 21">
             <a:extLst>
               <a:ext uri="{FF2B5EF4-FFF2-40B4-BE49-F238E27FC236}">
-                <a16:creationId xmlns:a16="http://schemas.microsoft.com/office/drawing/2014/main" xmlns="" id="{57BEF406-0651-41E0-BE06-273B7CC97A2D}"/>
+                <a16:creationId xmlns="" xmlns:a16="http://schemas.microsoft.com/office/drawing/2014/main" id="{57BEF406-0651-41E0-BE06-273B7CC97A2D}"/>
               </a:ext>
             </a:extLst>
           </p:cNvPr>
@@ -21519,7 +21527,7 @@
           <p:cNvPr id="23" name="Rechte verbindingslijn 22">
             <a:extLst>
               <a:ext uri="{FF2B5EF4-FFF2-40B4-BE49-F238E27FC236}">
-                <a16:creationId xmlns:a16="http://schemas.microsoft.com/office/drawing/2014/main" xmlns="" id="{B6E9C7CF-D8FC-4A16-A854-58D00C6AFC36}"/>
+                <a16:creationId xmlns="" xmlns:a16="http://schemas.microsoft.com/office/drawing/2014/main" id="{B6E9C7CF-D8FC-4A16-A854-58D00C6AFC36}"/>
               </a:ext>
             </a:extLst>
           </p:cNvPr>
@@ -21567,7 +21575,7 @@
           <p:cNvPr id="24" name="Rechte verbindingslijn 23">
             <a:extLst>
               <a:ext uri="{FF2B5EF4-FFF2-40B4-BE49-F238E27FC236}">
-                <a16:creationId xmlns:a16="http://schemas.microsoft.com/office/drawing/2014/main" xmlns="" id="{1CFE56A8-8899-43BC-94FD-95028AD82001}"/>
+                <a16:creationId xmlns="" xmlns:a16="http://schemas.microsoft.com/office/drawing/2014/main" id="{1CFE56A8-8899-43BC-94FD-95028AD82001}"/>
               </a:ext>
             </a:extLst>
           </p:cNvPr>
@@ -21615,7 +21623,7 @@
           <p:cNvPr id="26" name="Rechte verbindingslijn 25">
             <a:extLst>
               <a:ext uri="{FF2B5EF4-FFF2-40B4-BE49-F238E27FC236}">
-                <a16:creationId xmlns:a16="http://schemas.microsoft.com/office/drawing/2014/main" xmlns="" id="{0EAB71A3-52E1-49E7-852D-B0FD3CD4D1A7}"/>
+                <a16:creationId xmlns="" xmlns:a16="http://schemas.microsoft.com/office/drawing/2014/main" id="{0EAB71A3-52E1-49E7-852D-B0FD3CD4D1A7}"/>
               </a:ext>
             </a:extLst>
           </p:cNvPr>
@@ -21663,7 +21671,7 @@
           <p:cNvPr id="27" name="Rechte verbindingslijn 26">
             <a:extLst>
               <a:ext uri="{FF2B5EF4-FFF2-40B4-BE49-F238E27FC236}">
-                <a16:creationId xmlns:a16="http://schemas.microsoft.com/office/drawing/2014/main" xmlns="" id="{099DCD6D-B326-4DA6-8459-0A2EE91D83D5}"/>
+                <a16:creationId xmlns="" xmlns:a16="http://schemas.microsoft.com/office/drawing/2014/main" id="{099DCD6D-B326-4DA6-8459-0A2EE91D83D5}"/>
               </a:ext>
             </a:extLst>
           </p:cNvPr>
@@ -21711,7 +21719,7 @@
           <p:cNvPr id="28" name="Rechte verbindingslijn 27">
             <a:extLst>
               <a:ext uri="{FF2B5EF4-FFF2-40B4-BE49-F238E27FC236}">
-                <a16:creationId xmlns:a16="http://schemas.microsoft.com/office/drawing/2014/main" xmlns="" id="{8E4426DD-AC68-426C-8E72-53F5D4058FEB}"/>
+                <a16:creationId xmlns="" xmlns:a16="http://schemas.microsoft.com/office/drawing/2014/main" id="{8E4426DD-AC68-426C-8E72-53F5D4058FEB}"/>
               </a:ext>
             </a:extLst>
           </p:cNvPr>
@@ -21759,7 +21767,7 @@
           <p:cNvPr id="29" name="Rechte verbindingslijn 28">
             <a:extLst>
               <a:ext uri="{FF2B5EF4-FFF2-40B4-BE49-F238E27FC236}">
-                <a16:creationId xmlns:a16="http://schemas.microsoft.com/office/drawing/2014/main" xmlns="" id="{F8455A54-0906-419D-9641-930E0EF19620}"/>
+                <a16:creationId xmlns="" xmlns:a16="http://schemas.microsoft.com/office/drawing/2014/main" id="{F8455A54-0906-419D-9641-930E0EF19620}"/>
               </a:ext>
             </a:extLst>
           </p:cNvPr>
@@ -21807,7 +21815,7 @@
           <p:cNvPr id="30" name="Ovaal 29">
             <a:extLst>
               <a:ext uri="{FF2B5EF4-FFF2-40B4-BE49-F238E27FC236}">
-                <a16:creationId xmlns:a16="http://schemas.microsoft.com/office/drawing/2014/main" xmlns="" id="{2F8EA833-A5A7-481E-A4D1-98F4CE5A47F5}"/>
+                <a16:creationId xmlns="" xmlns:a16="http://schemas.microsoft.com/office/drawing/2014/main" id="{2F8EA833-A5A7-481E-A4D1-98F4CE5A47F5}"/>
               </a:ext>
             </a:extLst>
           </p:cNvPr>
@@ -21865,7 +21873,7 @@
           <p:cNvPr id="31" name="Ovaal 30">
             <a:extLst>
               <a:ext uri="{FF2B5EF4-FFF2-40B4-BE49-F238E27FC236}">
-                <a16:creationId xmlns:a16="http://schemas.microsoft.com/office/drawing/2014/main" xmlns="" id="{EF1B8A63-45C7-4477-83DA-C5F7FAE45190}"/>
+                <a16:creationId xmlns="" xmlns:a16="http://schemas.microsoft.com/office/drawing/2014/main" id="{EF1B8A63-45C7-4477-83DA-C5F7FAE45190}"/>
               </a:ext>
             </a:extLst>
           </p:cNvPr>
@@ -21923,7 +21931,7 @@
           <p:cNvPr id="32" name="Ovaal 31">
             <a:extLst>
               <a:ext uri="{FF2B5EF4-FFF2-40B4-BE49-F238E27FC236}">
-                <a16:creationId xmlns:a16="http://schemas.microsoft.com/office/drawing/2014/main" xmlns="" id="{0ACF7CC1-9BE7-4DD2-8236-579273166F0D}"/>
+                <a16:creationId xmlns="" xmlns:a16="http://schemas.microsoft.com/office/drawing/2014/main" id="{0ACF7CC1-9BE7-4DD2-8236-579273166F0D}"/>
               </a:ext>
             </a:extLst>
           </p:cNvPr>
@@ -21981,7 +21989,7 @@
           <p:cNvPr id="33" name="Ovaal 32">
             <a:extLst>
               <a:ext uri="{FF2B5EF4-FFF2-40B4-BE49-F238E27FC236}">
-                <a16:creationId xmlns:a16="http://schemas.microsoft.com/office/drawing/2014/main" xmlns="" id="{38A37D86-F49D-4015-9F89-0C5AA4F918E7}"/>
+                <a16:creationId xmlns="" xmlns:a16="http://schemas.microsoft.com/office/drawing/2014/main" id="{38A37D86-F49D-4015-9F89-0C5AA4F918E7}"/>
               </a:ext>
             </a:extLst>
           </p:cNvPr>
@@ -22039,7 +22047,7 @@
           <p:cNvPr id="34" name="Ovaal 33">
             <a:extLst>
               <a:ext uri="{FF2B5EF4-FFF2-40B4-BE49-F238E27FC236}">
-                <a16:creationId xmlns:a16="http://schemas.microsoft.com/office/drawing/2014/main" xmlns="" id="{068A416D-8303-4CF0-9F81-5305F8661921}"/>
+                <a16:creationId xmlns="" xmlns:a16="http://schemas.microsoft.com/office/drawing/2014/main" id="{068A416D-8303-4CF0-9F81-5305F8661921}"/>
               </a:ext>
             </a:extLst>
           </p:cNvPr>
@@ -22097,7 +22105,7 @@
           <p:cNvPr id="35" name="Ovaal 34">
             <a:extLst>
               <a:ext uri="{FF2B5EF4-FFF2-40B4-BE49-F238E27FC236}">
-                <a16:creationId xmlns:a16="http://schemas.microsoft.com/office/drawing/2014/main" xmlns="" id="{57886617-EF56-4B20-8554-D57A38AAFA65}"/>
+                <a16:creationId xmlns="" xmlns:a16="http://schemas.microsoft.com/office/drawing/2014/main" id="{57886617-EF56-4B20-8554-D57A38AAFA65}"/>
               </a:ext>
             </a:extLst>
           </p:cNvPr>
@@ -22155,7 +22163,7 @@
           <p:cNvPr id="36" name="Ovaal 35">
             <a:extLst>
               <a:ext uri="{FF2B5EF4-FFF2-40B4-BE49-F238E27FC236}">
-                <a16:creationId xmlns:a16="http://schemas.microsoft.com/office/drawing/2014/main" xmlns="" id="{F5B28146-4C85-4621-B9EA-F45F4586B369}"/>
+                <a16:creationId xmlns="" xmlns:a16="http://schemas.microsoft.com/office/drawing/2014/main" id="{F5B28146-4C85-4621-B9EA-F45F4586B369}"/>
               </a:ext>
             </a:extLst>
           </p:cNvPr>
@@ -22213,7 +22221,7 @@
           <p:cNvPr id="37" name="Ovaal 36">
             <a:extLst>
               <a:ext uri="{FF2B5EF4-FFF2-40B4-BE49-F238E27FC236}">
-                <a16:creationId xmlns:a16="http://schemas.microsoft.com/office/drawing/2014/main" xmlns="" id="{7C0671A0-0740-414E-92E7-AEF59EAC6288}"/>
+                <a16:creationId xmlns="" xmlns:a16="http://schemas.microsoft.com/office/drawing/2014/main" id="{7C0671A0-0740-414E-92E7-AEF59EAC6288}"/>
               </a:ext>
             </a:extLst>
           </p:cNvPr>
@@ -22271,7 +22279,7 @@
           <p:cNvPr id="38" name="Rechte verbindingslijn 37">
             <a:extLst>
               <a:ext uri="{FF2B5EF4-FFF2-40B4-BE49-F238E27FC236}">
-                <a16:creationId xmlns:a16="http://schemas.microsoft.com/office/drawing/2014/main" xmlns="" id="{33DE6DFE-6D57-47BA-BB6B-555F08E26DB9}"/>
+                <a16:creationId xmlns="" xmlns:a16="http://schemas.microsoft.com/office/drawing/2014/main" id="{33DE6DFE-6D57-47BA-BB6B-555F08E26DB9}"/>
               </a:ext>
             </a:extLst>
           </p:cNvPr>
@@ -22319,7 +22327,7 @@
           <p:cNvPr id="39" name="Rechte verbindingslijn 38">
             <a:extLst>
               <a:ext uri="{FF2B5EF4-FFF2-40B4-BE49-F238E27FC236}">
-                <a16:creationId xmlns:a16="http://schemas.microsoft.com/office/drawing/2014/main" xmlns="" id="{2DA35996-A73E-4F96-979F-9FF60EC2EA8E}"/>
+                <a16:creationId xmlns="" xmlns:a16="http://schemas.microsoft.com/office/drawing/2014/main" id="{2DA35996-A73E-4F96-979F-9FF60EC2EA8E}"/>
               </a:ext>
             </a:extLst>
           </p:cNvPr>
@@ -22367,7 +22375,7 @@
           <p:cNvPr id="40" name="Rechte verbindingslijn 39">
             <a:extLst>
               <a:ext uri="{FF2B5EF4-FFF2-40B4-BE49-F238E27FC236}">
-                <a16:creationId xmlns:a16="http://schemas.microsoft.com/office/drawing/2014/main" xmlns="" id="{A723C397-9B1B-4D91-BA47-50C5F66D3D89}"/>
+                <a16:creationId xmlns="" xmlns:a16="http://schemas.microsoft.com/office/drawing/2014/main" id="{A723C397-9B1B-4D91-BA47-50C5F66D3D89}"/>
               </a:ext>
             </a:extLst>
           </p:cNvPr>
@@ -22415,7 +22423,7 @@
           <p:cNvPr id="41" name="Rechte verbindingslijn 40">
             <a:extLst>
               <a:ext uri="{FF2B5EF4-FFF2-40B4-BE49-F238E27FC236}">
-                <a16:creationId xmlns:a16="http://schemas.microsoft.com/office/drawing/2014/main" xmlns="" id="{2F58A9CA-8BB1-4BB9-A296-F83FB5010BAE}"/>
+                <a16:creationId xmlns="" xmlns:a16="http://schemas.microsoft.com/office/drawing/2014/main" id="{2F58A9CA-8BB1-4BB9-A296-F83FB5010BAE}"/>
               </a:ext>
             </a:extLst>
           </p:cNvPr>
@@ -22463,7 +22471,7 @@
           <p:cNvPr id="42" name="Rechte verbindingslijn 41">
             <a:extLst>
               <a:ext uri="{FF2B5EF4-FFF2-40B4-BE49-F238E27FC236}">
-                <a16:creationId xmlns:a16="http://schemas.microsoft.com/office/drawing/2014/main" xmlns="" id="{959AEB00-BDDE-401D-A258-A1BC831BF286}"/>
+                <a16:creationId xmlns="" xmlns:a16="http://schemas.microsoft.com/office/drawing/2014/main" id="{959AEB00-BDDE-401D-A258-A1BC831BF286}"/>
               </a:ext>
             </a:extLst>
           </p:cNvPr>
@@ -22511,7 +22519,7 @@
           <p:cNvPr id="43" name="Rechte verbindingslijn 42">
             <a:extLst>
               <a:ext uri="{FF2B5EF4-FFF2-40B4-BE49-F238E27FC236}">
-                <a16:creationId xmlns:a16="http://schemas.microsoft.com/office/drawing/2014/main" xmlns="" id="{451D5B5E-F7CD-4D18-81B2-353312FBAE39}"/>
+                <a16:creationId xmlns="" xmlns:a16="http://schemas.microsoft.com/office/drawing/2014/main" id="{451D5B5E-F7CD-4D18-81B2-353312FBAE39}"/>
               </a:ext>
             </a:extLst>
           </p:cNvPr>
@@ -22559,7 +22567,7 @@
           <p:cNvPr id="44" name="Rechte verbindingslijn 43">
             <a:extLst>
               <a:ext uri="{FF2B5EF4-FFF2-40B4-BE49-F238E27FC236}">
-                <a16:creationId xmlns:a16="http://schemas.microsoft.com/office/drawing/2014/main" xmlns="" id="{0762CCB1-BCF4-4FA9-BBCF-2906073B5750}"/>
+                <a16:creationId xmlns="" xmlns:a16="http://schemas.microsoft.com/office/drawing/2014/main" id="{0762CCB1-BCF4-4FA9-BBCF-2906073B5750}"/>
               </a:ext>
             </a:extLst>
           </p:cNvPr>
@@ -22607,7 +22615,7 @@
           <p:cNvPr id="45" name="Rechte verbindingslijn 44">
             <a:extLst>
               <a:ext uri="{FF2B5EF4-FFF2-40B4-BE49-F238E27FC236}">
-                <a16:creationId xmlns:a16="http://schemas.microsoft.com/office/drawing/2014/main" xmlns="" id="{04763EFC-7EEF-4E93-9F5A-2BD209A331DC}"/>
+                <a16:creationId xmlns="" xmlns:a16="http://schemas.microsoft.com/office/drawing/2014/main" id="{04763EFC-7EEF-4E93-9F5A-2BD209A331DC}"/>
               </a:ext>
             </a:extLst>
           </p:cNvPr>
@@ -22655,7 +22663,7 @@
           <p:cNvPr id="208" name="Rechte verbindingslijn 207">
             <a:extLst>
               <a:ext uri="{FF2B5EF4-FFF2-40B4-BE49-F238E27FC236}">
-                <a16:creationId xmlns:a16="http://schemas.microsoft.com/office/drawing/2014/main" xmlns="" id="{D69FCFE6-71B0-40AB-A0F9-E2B15BEB6CA5}"/>
+                <a16:creationId xmlns="" xmlns:a16="http://schemas.microsoft.com/office/drawing/2014/main" id="{D69FCFE6-71B0-40AB-A0F9-E2B15BEB6CA5}"/>
               </a:ext>
             </a:extLst>
           </p:cNvPr>
@@ -22934,7 +22942,7 @@
   <a:extraClrSchemeLst/>
   <a:extLst>
     <a:ext uri="{05A4C25C-085E-4340-85A3-A5531E510DB2}">
-      <thm15:themeFamily xmlns:thm15="http://schemas.microsoft.com/office/thememl/2012/main" xmlns="" name="Wood Type" id="{7ACABC62-BF99-48CF-A9DC-4DB89C7B13DC}" vid="{142A1326-48AB-42A9-8428-CB14AA30176D}"/>
+      <thm15:themeFamily xmlns="" xmlns:thm15="http://schemas.microsoft.com/office/thememl/2012/main" name="Wood Type" id="{7ACABC62-BF99-48CF-A9DC-4DB89C7B13DC}" vid="{142A1326-48AB-42A9-8428-CB14AA30176D}"/>
     </a:ext>
   </a:extLst>
 </a:theme>
